--- a/src/spring/spring.boot.pptx
+++ b/src/spring/spring.boot.pptx
@@ -6,8 +6,9 @@
   </p:sldMasterIdLst>
   <p:sldIdLst>
     <p:sldId id="256" r:id="rId2"/>
-    <p:sldId id="257" r:id="rId3"/>
+    <p:sldId id="260" r:id="rId3"/>
     <p:sldId id="258" r:id="rId4"/>
+    <p:sldId id="259" r:id="rId5"/>
   </p:sldIdLst>
   <p:sldSz cx="12192000" cy="6858000"/>
   <p:notesSz cx="6858000" cy="9144000"/>
@@ -108,7 +109,7 @@
   </p:defaultTextStyle>
   <p:extLst>
     <p:ext uri="{EFAFB233-063F-42B5-8137-9DF3F51BA10A}">
-      <p15:sldGuideLst xmlns:p15="http://schemas.microsoft.com/office/powerpoint/2012/main"/>
+      <p15:sldGuideLst xmlns:p15="http://schemas.microsoft.com/office/powerpoint/2012/main" xmlns=""/>
     </p:ext>
   </p:extLst>
 </p:presentation>
@@ -136,7 +137,7 @@
           <p:cNvPr id="2" name="Title 1">
             <a:extLst>
               <a:ext uri="{FF2B5EF4-FFF2-40B4-BE49-F238E27FC236}">
-                <a16:creationId xmlns:a16="http://schemas.microsoft.com/office/drawing/2014/main" id="{5314CC82-8D6F-41E3-B7D6-B16EE23DCB91}"/>
+                <a16:creationId xmlns:a16="http://schemas.microsoft.com/office/drawing/2014/main" xmlns="" id="{5314CC82-8D6F-41E3-B7D6-B16EE23DCB91}"/>
               </a:ext>
             </a:extLst>
           </p:cNvPr>
@@ -174,7 +175,7 @@
           <p:cNvPr id="3" name="Subtitle 2">
             <a:extLst>
               <a:ext uri="{FF2B5EF4-FFF2-40B4-BE49-F238E27FC236}">
-                <a16:creationId xmlns:a16="http://schemas.microsoft.com/office/drawing/2014/main" id="{8F4A6942-5EB2-4699-A8F2-2DAE91A05EED}"/>
+                <a16:creationId xmlns:a16="http://schemas.microsoft.com/office/drawing/2014/main" xmlns="" id="{8F4A6942-5EB2-4699-A8F2-2DAE91A05EED}"/>
               </a:ext>
             </a:extLst>
           </p:cNvPr>
@@ -245,7 +246,7 @@
           <p:cNvPr id="4" name="Date Placeholder 3">
             <a:extLst>
               <a:ext uri="{FF2B5EF4-FFF2-40B4-BE49-F238E27FC236}">
-                <a16:creationId xmlns:a16="http://schemas.microsoft.com/office/drawing/2014/main" id="{8030E49B-9D2D-45C9-A8AC-FF0D41C713FC}"/>
+                <a16:creationId xmlns:a16="http://schemas.microsoft.com/office/drawing/2014/main" xmlns="" id="{8030E49B-9D2D-45C9-A8AC-FF0D41C713FC}"/>
               </a:ext>
             </a:extLst>
           </p:cNvPr>
@@ -274,7 +275,7 @@
           <p:cNvPr id="5" name="Footer Placeholder 4">
             <a:extLst>
               <a:ext uri="{FF2B5EF4-FFF2-40B4-BE49-F238E27FC236}">
-                <a16:creationId xmlns:a16="http://schemas.microsoft.com/office/drawing/2014/main" id="{59898343-3ADA-4437-AD7B-D938F0774BF9}"/>
+                <a16:creationId xmlns:a16="http://schemas.microsoft.com/office/drawing/2014/main" xmlns="" id="{59898343-3ADA-4437-AD7B-D938F0774BF9}"/>
               </a:ext>
             </a:extLst>
           </p:cNvPr>
@@ -299,7 +300,7 @@
           <p:cNvPr id="6" name="Slide Number Placeholder 5">
             <a:extLst>
               <a:ext uri="{FF2B5EF4-FFF2-40B4-BE49-F238E27FC236}">
-                <a16:creationId xmlns:a16="http://schemas.microsoft.com/office/drawing/2014/main" id="{EFEEDA11-201A-4018-98A4-D13CB3EB8363}"/>
+                <a16:creationId xmlns:a16="http://schemas.microsoft.com/office/drawing/2014/main" xmlns="" id="{EFEEDA11-201A-4018-98A4-D13CB3EB8363}"/>
               </a:ext>
             </a:extLst>
           </p:cNvPr>
@@ -358,7 +359,7 @@
           <p:cNvPr id="2" name="Title 1">
             <a:extLst>
               <a:ext uri="{FF2B5EF4-FFF2-40B4-BE49-F238E27FC236}">
-                <a16:creationId xmlns:a16="http://schemas.microsoft.com/office/drawing/2014/main" id="{6B7291D8-7C0F-436E-900B-5ADDF5CE31CD}"/>
+                <a16:creationId xmlns:a16="http://schemas.microsoft.com/office/drawing/2014/main" xmlns="" id="{6B7291D8-7C0F-436E-900B-5ADDF5CE31CD}"/>
               </a:ext>
             </a:extLst>
           </p:cNvPr>
@@ -387,7 +388,7 @@
           <p:cNvPr id="3" name="Vertical Text Placeholder 2">
             <a:extLst>
               <a:ext uri="{FF2B5EF4-FFF2-40B4-BE49-F238E27FC236}">
-                <a16:creationId xmlns:a16="http://schemas.microsoft.com/office/drawing/2014/main" id="{1B499A46-2DF4-4E6B-82F2-F8EBE524AF96}"/>
+                <a16:creationId xmlns:a16="http://schemas.microsoft.com/office/drawing/2014/main" xmlns="" id="{1B499A46-2DF4-4E6B-82F2-F8EBE524AF96}"/>
               </a:ext>
             </a:extLst>
           </p:cNvPr>
@@ -445,7 +446,7 @@
           <p:cNvPr id="4" name="Date Placeholder 3">
             <a:extLst>
               <a:ext uri="{FF2B5EF4-FFF2-40B4-BE49-F238E27FC236}">
-                <a16:creationId xmlns:a16="http://schemas.microsoft.com/office/drawing/2014/main" id="{1AF3ABDF-542E-4B0B-B115-82C2BC90406A}"/>
+                <a16:creationId xmlns:a16="http://schemas.microsoft.com/office/drawing/2014/main" xmlns="" id="{1AF3ABDF-542E-4B0B-B115-82C2BC90406A}"/>
               </a:ext>
             </a:extLst>
           </p:cNvPr>
@@ -474,7 +475,7 @@
           <p:cNvPr id="5" name="Footer Placeholder 4">
             <a:extLst>
               <a:ext uri="{FF2B5EF4-FFF2-40B4-BE49-F238E27FC236}">
-                <a16:creationId xmlns:a16="http://schemas.microsoft.com/office/drawing/2014/main" id="{B1E8F9B6-14D8-4DA0-A38A-C1591A50841E}"/>
+                <a16:creationId xmlns:a16="http://schemas.microsoft.com/office/drawing/2014/main" xmlns="" id="{B1E8F9B6-14D8-4DA0-A38A-C1591A50841E}"/>
               </a:ext>
             </a:extLst>
           </p:cNvPr>
@@ -499,7 +500,7 @@
           <p:cNvPr id="6" name="Slide Number Placeholder 5">
             <a:extLst>
               <a:ext uri="{FF2B5EF4-FFF2-40B4-BE49-F238E27FC236}">
-                <a16:creationId xmlns:a16="http://schemas.microsoft.com/office/drawing/2014/main" id="{E0EC3098-6B42-4CA3-A9EA-0CEE6D48391A}"/>
+                <a16:creationId xmlns:a16="http://schemas.microsoft.com/office/drawing/2014/main" xmlns="" id="{E0EC3098-6B42-4CA3-A9EA-0CEE6D48391A}"/>
               </a:ext>
             </a:extLst>
           </p:cNvPr>
@@ -558,7 +559,7 @@
           <p:cNvPr id="2" name="Vertical Title 1">
             <a:extLst>
               <a:ext uri="{FF2B5EF4-FFF2-40B4-BE49-F238E27FC236}">
-                <a16:creationId xmlns:a16="http://schemas.microsoft.com/office/drawing/2014/main" id="{D2AE34B9-E7E1-404B-A656-7F5FB6317B83}"/>
+                <a16:creationId xmlns:a16="http://schemas.microsoft.com/office/drawing/2014/main" xmlns="" id="{D2AE34B9-E7E1-404B-A656-7F5FB6317B83}"/>
               </a:ext>
             </a:extLst>
           </p:cNvPr>
@@ -592,7 +593,7 @@
           <p:cNvPr id="3" name="Vertical Text Placeholder 2">
             <a:extLst>
               <a:ext uri="{FF2B5EF4-FFF2-40B4-BE49-F238E27FC236}">
-                <a16:creationId xmlns:a16="http://schemas.microsoft.com/office/drawing/2014/main" id="{22DACAAF-07ED-4BDB-AE9D-268D767CD7E8}"/>
+                <a16:creationId xmlns:a16="http://schemas.microsoft.com/office/drawing/2014/main" xmlns="" id="{22DACAAF-07ED-4BDB-AE9D-268D767CD7E8}"/>
               </a:ext>
             </a:extLst>
           </p:cNvPr>
@@ -655,7 +656,7 @@
           <p:cNvPr id="4" name="Date Placeholder 3">
             <a:extLst>
               <a:ext uri="{FF2B5EF4-FFF2-40B4-BE49-F238E27FC236}">
-                <a16:creationId xmlns:a16="http://schemas.microsoft.com/office/drawing/2014/main" id="{0EE7A4C4-77A9-45DF-AD60-2282B037F111}"/>
+                <a16:creationId xmlns:a16="http://schemas.microsoft.com/office/drawing/2014/main" xmlns="" id="{0EE7A4C4-77A9-45DF-AD60-2282B037F111}"/>
               </a:ext>
             </a:extLst>
           </p:cNvPr>
@@ -684,7 +685,7 @@
           <p:cNvPr id="5" name="Footer Placeholder 4">
             <a:extLst>
               <a:ext uri="{FF2B5EF4-FFF2-40B4-BE49-F238E27FC236}">
-                <a16:creationId xmlns:a16="http://schemas.microsoft.com/office/drawing/2014/main" id="{C102B154-5274-4175-9A89-2092122CCD76}"/>
+                <a16:creationId xmlns:a16="http://schemas.microsoft.com/office/drawing/2014/main" xmlns="" id="{C102B154-5274-4175-9A89-2092122CCD76}"/>
               </a:ext>
             </a:extLst>
           </p:cNvPr>
@@ -709,7 +710,7 @@
           <p:cNvPr id="6" name="Slide Number Placeholder 5">
             <a:extLst>
               <a:ext uri="{FF2B5EF4-FFF2-40B4-BE49-F238E27FC236}">
-                <a16:creationId xmlns:a16="http://schemas.microsoft.com/office/drawing/2014/main" id="{1A6919B0-5E57-4739-B46F-B31616A810D9}"/>
+                <a16:creationId xmlns:a16="http://schemas.microsoft.com/office/drawing/2014/main" xmlns="" id="{1A6919B0-5E57-4739-B46F-B31616A810D9}"/>
               </a:ext>
             </a:extLst>
           </p:cNvPr>
@@ -768,7 +769,7 @@
           <p:cNvPr id="2" name="Title 1">
             <a:extLst>
               <a:ext uri="{FF2B5EF4-FFF2-40B4-BE49-F238E27FC236}">
-                <a16:creationId xmlns:a16="http://schemas.microsoft.com/office/drawing/2014/main" id="{BF8E150B-E216-469C-9EF3-1F0F5714278F}"/>
+                <a16:creationId xmlns:a16="http://schemas.microsoft.com/office/drawing/2014/main" xmlns="" id="{BF8E150B-E216-469C-9EF3-1F0F5714278F}"/>
               </a:ext>
             </a:extLst>
           </p:cNvPr>
@@ -797,7 +798,7 @@
           <p:cNvPr id="3" name="Content Placeholder 2">
             <a:extLst>
               <a:ext uri="{FF2B5EF4-FFF2-40B4-BE49-F238E27FC236}">
-                <a16:creationId xmlns:a16="http://schemas.microsoft.com/office/drawing/2014/main" id="{4E3EA675-99A2-468B-93D1-46FEEA55F07C}"/>
+                <a16:creationId xmlns:a16="http://schemas.microsoft.com/office/drawing/2014/main" xmlns="" id="{4E3EA675-99A2-468B-93D1-46FEEA55F07C}"/>
               </a:ext>
             </a:extLst>
           </p:cNvPr>
@@ -855,7 +856,7 @@
           <p:cNvPr id="4" name="Date Placeholder 3">
             <a:extLst>
               <a:ext uri="{FF2B5EF4-FFF2-40B4-BE49-F238E27FC236}">
-                <a16:creationId xmlns:a16="http://schemas.microsoft.com/office/drawing/2014/main" id="{BB353DAF-9232-4FD2-96EB-ADCCA5855567}"/>
+                <a16:creationId xmlns:a16="http://schemas.microsoft.com/office/drawing/2014/main" xmlns="" id="{BB353DAF-9232-4FD2-96EB-ADCCA5855567}"/>
               </a:ext>
             </a:extLst>
           </p:cNvPr>
@@ -884,7 +885,7 @@
           <p:cNvPr id="5" name="Footer Placeholder 4">
             <a:extLst>
               <a:ext uri="{FF2B5EF4-FFF2-40B4-BE49-F238E27FC236}">
-                <a16:creationId xmlns:a16="http://schemas.microsoft.com/office/drawing/2014/main" id="{364BB921-BC61-44F2-825D-140F6DAFEC5D}"/>
+                <a16:creationId xmlns:a16="http://schemas.microsoft.com/office/drawing/2014/main" xmlns="" id="{364BB921-BC61-44F2-825D-140F6DAFEC5D}"/>
               </a:ext>
             </a:extLst>
           </p:cNvPr>
@@ -909,7 +910,7 @@
           <p:cNvPr id="6" name="Slide Number Placeholder 5">
             <a:extLst>
               <a:ext uri="{FF2B5EF4-FFF2-40B4-BE49-F238E27FC236}">
-                <a16:creationId xmlns:a16="http://schemas.microsoft.com/office/drawing/2014/main" id="{6C0574DB-BEEF-4E0A-ACC6-3A5EF3C06706}"/>
+                <a16:creationId xmlns:a16="http://schemas.microsoft.com/office/drawing/2014/main" xmlns="" id="{6C0574DB-BEEF-4E0A-ACC6-3A5EF3C06706}"/>
               </a:ext>
             </a:extLst>
           </p:cNvPr>
@@ -968,7 +969,7 @@
           <p:cNvPr id="2" name="Title 1">
             <a:extLst>
               <a:ext uri="{FF2B5EF4-FFF2-40B4-BE49-F238E27FC236}">
-                <a16:creationId xmlns:a16="http://schemas.microsoft.com/office/drawing/2014/main" id="{F1570C1F-3EAE-4443-B715-1BA91E4F6A89}"/>
+                <a16:creationId xmlns:a16="http://schemas.microsoft.com/office/drawing/2014/main" xmlns="" id="{F1570C1F-3EAE-4443-B715-1BA91E4F6A89}"/>
               </a:ext>
             </a:extLst>
           </p:cNvPr>
@@ -1006,7 +1007,7 @@
           <p:cNvPr id="3" name="Text Placeholder 2">
             <a:extLst>
               <a:ext uri="{FF2B5EF4-FFF2-40B4-BE49-F238E27FC236}">
-                <a16:creationId xmlns:a16="http://schemas.microsoft.com/office/drawing/2014/main" id="{FFEF6FF1-CE13-478E-BF6D-0510F93AF789}"/>
+                <a16:creationId xmlns:a16="http://schemas.microsoft.com/office/drawing/2014/main" xmlns="" id="{FFEF6FF1-CE13-478E-BF6D-0510F93AF789}"/>
               </a:ext>
             </a:extLst>
           </p:cNvPr>
@@ -1131,7 +1132,7 @@
           <p:cNvPr id="4" name="Date Placeholder 3">
             <a:extLst>
               <a:ext uri="{FF2B5EF4-FFF2-40B4-BE49-F238E27FC236}">
-                <a16:creationId xmlns:a16="http://schemas.microsoft.com/office/drawing/2014/main" id="{B2E1C887-51B6-46E7-B473-67C370949451}"/>
+                <a16:creationId xmlns:a16="http://schemas.microsoft.com/office/drawing/2014/main" xmlns="" id="{B2E1C887-51B6-46E7-B473-67C370949451}"/>
               </a:ext>
             </a:extLst>
           </p:cNvPr>
@@ -1160,7 +1161,7 @@
           <p:cNvPr id="5" name="Footer Placeholder 4">
             <a:extLst>
               <a:ext uri="{FF2B5EF4-FFF2-40B4-BE49-F238E27FC236}">
-                <a16:creationId xmlns:a16="http://schemas.microsoft.com/office/drawing/2014/main" id="{67BF367F-E2DF-412A-A011-DD02BEE5FF8D}"/>
+                <a16:creationId xmlns:a16="http://schemas.microsoft.com/office/drawing/2014/main" xmlns="" id="{67BF367F-E2DF-412A-A011-DD02BEE5FF8D}"/>
               </a:ext>
             </a:extLst>
           </p:cNvPr>
@@ -1185,7 +1186,7 @@
           <p:cNvPr id="6" name="Slide Number Placeholder 5">
             <a:extLst>
               <a:ext uri="{FF2B5EF4-FFF2-40B4-BE49-F238E27FC236}">
-                <a16:creationId xmlns:a16="http://schemas.microsoft.com/office/drawing/2014/main" id="{AC88DD6F-34F7-48EA-B36C-332824F3F4BD}"/>
+                <a16:creationId xmlns:a16="http://schemas.microsoft.com/office/drawing/2014/main" xmlns="" id="{AC88DD6F-34F7-48EA-B36C-332824F3F4BD}"/>
               </a:ext>
             </a:extLst>
           </p:cNvPr>
@@ -1244,7 +1245,7 @@
           <p:cNvPr id="2" name="Title 1">
             <a:extLst>
               <a:ext uri="{FF2B5EF4-FFF2-40B4-BE49-F238E27FC236}">
-                <a16:creationId xmlns:a16="http://schemas.microsoft.com/office/drawing/2014/main" id="{42ABAE2B-F990-490A-8A2B-DC1B468C4C9D}"/>
+                <a16:creationId xmlns:a16="http://schemas.microsoft.com/office/drawing/2014/main" xmlns="" id="{42ABAE2B-F990-490A-8A2B-DC1B468C4C9D}"/>
               </a:ext>
             </a:extLst>
           </p:cNvPr>
@@ -1273,7 +1274,7 @@
           <p:cNvPr id="3" name="Content Placeholder 2">
             <a:extLst>
               <a:ext uri="{FF2B5EF4-FFF2-40B4-BE49-F238E27FC236}">
-                <a16:creationId xmlns:a16="http://schemas.microsoft.com/office/drawing/2014/main" id="{0BCD8D17-D484-4209-B469-1D028CACC191}"/>
+                <a16:creationId xmlns:a16="http://schemas.microsoft.com/office/drawing/2014/main" xmlns="" id="{0BCD8D17-D484-4209-B469-1D028CACC191}"/>
               </a:ext>
             </a:extLst>
           </p:cNvPr>
@@ -1336,7 +1337,7 @@
           <p:cNvPr id="4" name="Content Placeholder 3">
             <a:extLst>
               <a:ext uri="{FF2B5EF4-FFF2-40B4-BE49-F238E27FC236}">
-                <a16:creationId xmlns:a16="http://schemas.microsoft.com/office/drawing/2014/main" id="{609EF4EA-AC12-4C1E-A56A-BAAF05F4BC5B}"/>
+                <a16:creationId xmlns:a16="http://schemas.microsoft.com/office/drawing/2014/main" xmlns="" id="{609EF4EA-AC12-4C1E-A56A-BAAF05F4BC5B}"/>
               </a:ext>
             </a:extLst>
           </p:cNvPr>
@@ -1399,7 +1400,7 @@
           <p:cNvPr id="5" name="Date Placeholder 4">
             <a:extLst>
               <a:ext uri="{FF2B5EF4-FFF2-40B4-BE49-F238E27FC236}">
-                <a16:creationId xmlns:a16="http://schemas.microsoft.com/office/drawing/2014/main" id="{47BD33E5-559F-4A20-9F2A-0F1CF39370E2}"/>
+                <a16:creationId xmlns:a16="http://schemas.microsoft.com/office/drawing/2014/main" xmlns="" id="{47BD33E5-559F-4A20-9F2A-0F1CF39370E2}"/>
               </a:ext>
             </a:extLst>
           </p:cNvPr>
@@ -1428,7 +1429,7 @@
           <p:cNvPr id="6" name="Footer Placeholder 5">
             <a:extLst>
               <a:ext uri="{FF2B5EF4-FFF2-40B4-BE49-F238E27FC236}">
-                <a16:creationId xmlns:a16="http://schemas.microsoft.com/office/drawing/2014/main" id="{4A883C9C-A604-439E-86FB-B2F61C2DE026}"/>
+                <a16:creationId xmlns:a16="http://schemas.microsoft.com/office/drawing/2014/main" xmlns="" id="{4A883C9C-A604-439E-86FB-B2F61C2DE026}"/>
               </a:ext>
             </a:extLst>
           </p:cNvPr>
@@ -1453,7 +1454,7 @@
           <p:cNvPr id="7" name="Slide Number Placeholder 6">
             <a:extLst>
               <a:ext uri="{FF2B5EF4-FFF2-40B4-BE49-F238E27FC236}">
-                <a16:creationId xmlns:a16="http://schemas.microsoft.com/office/drawing/2014/main" id="{0A423502-111A-4C6F-83C4-726C9E53D873}"/>
+                <a16:creationId xmlns:a16="http://schemas.microsoft.com/office/drawing/2014/main" xmlns="" id="{0A423502-111A-4C6F-83C4-726C9E53D873}"/>
               </a:ext>
             </a:extLst>
           </p:cNvPr>
@@ -1512,7 +1513,7 @@
           <p:cNvPr id="2" name="Title 1">
             <a:extLst>
               <a:ext uri="{FF2B5EF4-FFF2-40B4-BE49-F238E27FC236}">
-                <a16:creationId xmlns:a16="http://schemas.microsoft.com/office/drawing/2014/main" id="{4762B311-339D-448B-9205-82CDDB6668CD}"/>
+                <a16:creationId xmlns:a16="http://schemas.microsoft.com/office/drawing/2014/main" xmlns="" id="{4762B311-339D-448B-9205-82CDDB6668CD}"/>
               </a:ext>
             </a:extLst>
           </p:cNvPr>
@@ -1546,7 +1547,7 @@
           <p:cNvPr id="3" name="Text Placeholder 2">
             <a:extLst>
               <a:ext uri="{FF2B5EF4-FFF2-40B4-BE49-F238E27FC236}">
-                <a16:creationId xmlns:a16="http://schemas.microsoft.com/office/drawing/2014/main" id="{A233EB1A-8EB6-4F5A-B8A3-F041A9924429}"/>
+                <a16:creationId xmlns:a16="http://schemas.microsoft.com/office/drawing/2014/main" xmlns="" id="{A233EB1A-8EB6-4F5A-B8A3-F041A9924429}"/>
               </a:ext>
             </a:extLst>
           </p:cNvPr>
@@ -1617,7 +1618,7 @@
           <p:cNvPr id="4" name="Content Placeholder 3">
             <a:extLst>
               <a:ext uri="{FF2B5EF4-FFF2-40B4-BE49-F238E27FC236}">
-                <a16:creationId xmlns:a16="http://schemas.microsoft.com/office/drawing/2014/main" id="{195DCA69-6333-45A7-8E6A-295095A83F72}"/>
+                <a16:creationId xmlns:a16="http://schemas.microsoft.com/office/drawing/2014/main" xmlns="" id="{195DCA69-6333-45A7-8E6A-295095A83F72}"/>
               </a:ext>
             </a:extLst>
           </p:cNvPr>
@@ -1680,7 +1681,7 @@
           <p:cNvPr id="5" name="Text Placeholder 4">
             <a:extLst>
               <a:ext uri="{FF2B5EF4-FFF2-40B4-BE49-F238E27FC236}">
-                <a16:creationId xmlns:a16="http://schemas.microsoft.com/office/drawing/2014/main" id="{3BCF98AE-2080-4E4C-BB5C-529F768F8D7D}"/>
+                <a16:creationId xmlns:a16="http://schemas.microsoft.com/office/drawing/2014/main" xmlns="" id="{3BCF98AE-2080-4E4C-BB5C-529F768F8D7D}"/>
               </a:ext>
             </a:extLst>
           </p:cNvPr>
@@ -1751,7 +1752,7 @@
           <p:cNvPr id="6" name="Content Placeholder 5">
             <a:extLst>
               <a:ext uri="{FF2B5EF4-FFF2-40B4-BE49-F238E27FC236}">
-                <a16:creationId xmlns:a16="http://schemas.microsoft.com/office/drawing/2014/main" id="{F23879DC-B4F2-4F7C-BC69-4736E8EBD49C}"/>
+                <a16:creationId xmlns:a16="http://schemas.microsoft.com/office/drawing/2014/main" xmlns="" id="{F23879DC-B4F2-4F7C-BC69-4736E8EBD49C}"/>
               </a:ext>
             </a:extLst>
           </p:cNvPr>
@@ -1814,7 +1815,7 @@
           <p:cNvPr id="7" name="Date Placeholder 6">
             <a:extLst>
               <a:ext uri="{FF2B5EF4-FFF2-40B4-BE49-F238E27FC236}">
-                <a16:creationId xmlns:a16="http://schemas.microsoft.com/office/drawing/2014/main" id="{B9113094-6823-472F-AC58-290DBA7A10A1}"/>
+                <a16:creationId xmlns:a16="http://schemas.microsoft.com/office/drawing/2014/main" xmlns="" id="{B9113094-6823-472F-AC58-290DBA7A10A1}"/>
               </a:ext>
             </a:extLst>
           </p:cNvPr>
@@ -1843,7 +1844,7 @@
           <p:cNvPr id="8" name="Footer Placeholder 7">
             <a:extLst>
               <a:ext uri="{FF2B5EF4-FFF2-40B4-BE49-F238E27FC236}">
-                <a16:creationId xmlns:a16="http://schemas.microsoft.com/office/drawing/2014/main" id="{D607856D-26E0-48C8-A124-370D5E6E1802}"/>
+                <a16:creationId xmlns:a16="http://schemas.microsoft.com/office/drawing/2014/main" xmlns="" id="{D607856D-26E0-48C8-A124-370D5E6E1802}"/>
               </a:ext>
             </a:extLst>
           </p:cNvPr>
@@ -1868,7 +1869,7 @@
           <p:cNvPr id="9" name="Slide Number Placeholder 8">
             <a:extLst>
               <a:ext uri="{FF2B5EF4-FFF2-40B4-BE49-F238E27FC236}">
-                <a16:creationId xmlns:a16="http://schemas.microsoft.com/office/drawing/2014/main" id="{8FFEA9EB-1F9A-462D-8A1C-EF53ED1654F3}"/>
+                <a16:creationId xmlns:a16="http://schemas.microsoft.com/office/drawing/2014/main" xmlns="" id="{8FFEA9EB-1F9A-462D-8A1C-EF53ED1654F3}"/>
               </a:ext>
             </a:extLst>
           </p:cNvPr>
@@ -1927,7 +1928,7 @@
           <p:cNvPr id="2" name="Title 1">
             <a:extLst>
               <a:ext uri="{FF2B5EF4-FFF2-40B4-BE49-F238E27FC236}">
-                <a16:creationId xmlns:a16="http://schemas.microsoft.com/office/drawing/2014/main" id="{1B73D253-82B2-40BA-B7C6-BD1D1AEF97EF}"/>
+                <a16:creationId xmlns:a16="http://schemas.microsoft.com/office/drawing/2014/main" xmlns="" id="{1B73D253-82B2-40BA-B7C6-BD1D1AEF97EF}"/>
               </a:ext>
             </a:extLst>
           </p:cNvPr>
@@ -1956,7 +1957,7 @@
           <p:cNvPr id="3" name="Date Placeholder 2">
             <a:extLst>
               <a:ext uri="{FF2B5EF4-FFF2-40B4-BE49-F238E27FC236}">
-                <a16:creationId xmlns:a16="http://schemas.microsoft.com/office/drawing/2014/main" id="{3C4DE193-25BE-462D-ADC2-D55F4C33B788}"/>
+                <a16:creationId xmlns:a16="http://schemas.microsoft.com/office/drawing/2014/main" xmlns="" id="{3C4DE193-25BE-462D-ADC2-D55F4C33B788}"/>
               </a:ext>
             </a:extLst>
           </p:cNvPr>
@@ -1985,7 +1986,7 @@
           <p:cNvPr id="4" name="Footer Placeholder 3">
             <a:extLst>
               <a:ext uri="{FF2B5EF4-FFF2-40B4-BE49-F238E27FC236}">
-                <a16:creationId xmlns:a16="http://schemas.microsoft.com/office/drawing/2014/main" id="{C0E74FAE-7F84-43E2-A1F1-7C4A37743CE3}"/>
+                <a16:creationId xmlns:a16="http://schemas.microsoft.com/office/drawing/2014/main" xmlns="" id="{C0E74FAE-7F84-43E2-A1F1-7C4A37743CE3}"/>
               </a:ext>
             </a:extLst>
           </p:cNvPr>
@@ -2010,7 +2011,7 @@
           <p:cNvPr id="5" name="Slide Number Placeholder 4">
             <a:extLst>
               <a:ext uri="{FF2B5EF4-FFF2-40B4-BE49-F238E27FC236}">
-                <a16:creationId xmlns:a16="http://schemas.microsoft.com/office/drawing/2014/main" id="{428E7890-162B-4DD6-A6F3-5BBC205B876C}"/>
+                <a16:creationId xmlns:a16="http://schemas.microsoft.com/office/drawing/2014/main" xmlns="" id="{428E7890-162B-4DD6-A6F3-5BBC205B876C}"/>
               </a:ext>
             </a:extLst>
           </p:cNvPr>
@@ -2069,7 +2070,7 @@
           <p:cNvPr id="2" name="Date Placeholder 1">
             <a:extLst>
               <a:ext uri="{FF2B5EF4-FFF2-40B4-BE49-F238E27FC236}">
-                <a16:creationId xmlns:a16="http://schemas.microsoft.com/office/drawing/2014/main" id="{A732E3B0-E78B-47E2-B3D9-0FB9351D6277}"/>
+                <a16:creationId xmlns:a16="http://schemas.microsoft.com/office/drawing/2014/main" xmlns="" id="{A732E3B0-E78B-47E2-B3D9-0FB9351D6277}"/>
               </a:ext>
             </a:extLst>
           </p:cNvPr>
@@ -2098,7 +2099,7 @@
           <p:cNvPr id="3" name="Footer Placeholder 2">
             <a:extLst>
               <a:ext uri="{FF2B5EF4-FFF2-40B4-BE49-F238E27FC236}">
-                <a16:creationId xmlns:a16="http://schemas.microsoft.com/office/drawing/2014/main" id="{53D20DC8-C42C-4A18-9CDE-0B8C423BE64F}"/>
+                <a16:creationId xmlns:a16="http://schemas.microsoft.com/office/drawing/2014/main" xmlns="" id="{53D20DC8-C42C-4A18-9CDE-0B8C423BE64F}"/>
               </a:ext>
             </a:extLst>
           </p:cNvPr>
@@ -2123,7 +2124,7 @@
           <p:cNvPr id="4" name="Slide Number Placeholder 3">
             <a:extLst>
               <a:ext uri="{FF2B5EF4-FFF2-40B4-BE49-F238E27FC236}">
-                <a16:creationId xmlns:a16="http://schemas.microsoft.com/office/drawing/2014/main" id="{45BFB77B-0F13-424B-BC1F-B39E54443C82}"/>
+                <a16:creationId xmlns:a16="http://schemas.microsoft.com/office/drawing/2014/main" xmlns="" id="{45BFB77B-0F13-424B-BC1F-B39E54443C82}"/>
               </a:ext>
             </a:extLst>
           </p:cNvPr>
@@ -2182,7 +2183,7 @@
           <p:cNvPr id="2" name="Title 1">
             <a:extLst>
               <a:ext uri="{FF2B5EF4-FFF2-40B4-BE49-F238E27FC236}">
-                <a16:creationId xmlns:a16="http://schemas.microsoft.com/office/drawing/2014/main" id="{EAB03FCE-5B4D-43CC-9891-7A06EF85378A}"/>
+                <a16:creationId xmlns:a16="http://schemas.microsoft.com/office/drawing/2014/main" xmlns="" id="{EAB03FCE-5B4D-43CC-9891-7A06EF85378A}"/>
               </a:ext>
             </a:extLst>
           </p:cNvPr>
@@ -2220,7 +2221,7 @@
           <p:cNvPr id="3" name="Content Placeholder 2">
             <a:extLst>
               <a:ext uri="{FF2B5EF4-FFF2-40B4-BE49-F238E27FC236}">
-                <a16:creationId xmlns:a16="http://schemas.microsoft.com/office/drawing/2014/main" id="{04D708FD-3FF3-4AC1-AF70-F1E318273C90}"/>
+                <a16:creationId xmlns:a16="http://schemas.microsoft.com/office/drawing/2014/main" xmlns="" id="{04D708FD-3FF3-4AC1-AF70-F1E318273C90}"/>
               </a:ext>
             </a:extLst>
           </p:cNvPr>
@@ -2311,7 +2312,7 @@
           <p:cNvPr id="4" name="Text Placeholder 3">
             <a:extLst>
               <a:ext uri="{FF2B5EF4-FFF2-40B4-BE49-F238E27FC236}">
-                <a16:creationId xmlns:a16="http://schemas.microsoft.com/office/drawing/2014/main" id="{27172CC0-FEEA-445E-B0A4-E5B72DB9A13A}"/>
+                <a16:creationId xmlns:a16="http://schemas.microsoft.com/office/drawing/2014/main" xmlns="" id="{27172CC0-FEEA-445E-B0A4-E5B72DB9A13A}"/>
               </a:ext>
             </a:extLst>
           </p:cNvPr>
@@ -2382,7 +2383,7 @@
           <p:cNvPr id="5" name="Date Placeholder 4">
             <a:extLst>
               <a:ext uri="{FF2B5EF4-FFF2-40B4-BE49-F238E27FC236}">
-                <a16:creationId xmlns:a16="http://schemas.microsoft.com/office/drawing/2014/main" id="{52158AC7-4E41-4D1A-B22A-ACEA67A41749}"/>
+                <a16:creationId xmlns:a16="http://schemas.microsoft.com/office/drawing/2014/main" xmlns="" id="{52158AC7-4E41-4D1A-B22A-ACEA67A41749}"/>
               </a:ext>
             </a:extLst>
           </p:cNvPr>
@@ -2411,7 +2412,7 @@
           <p:cNvPr id="6" name="Footer Placeholder 5">
             <a:extLst>
               <a:ext uri="{FF2B5EF4-FFF2-40B4-BE49-F238E27FC236}">
-                <a16:creationId xmlns:a16="http://schemas.microsoft.com/office/drawing/2014/main" id="{869CC2E0-A178-4156-BD8C-D994B014D7A6}"/>
+                <a16:creationId xmlns:a16="http://schemas.microsoft.com/office/drawing/2014/main" xmlns="" id="{869CC2E0-A178-4156-BD8C-D994B014D7A6}"/>
               </a:ext>
             </a:extLst>
           </p:cNvPr>
@@ -2436,7 +2437,7 @@
           <p:cNvPr id="7" name="Slide Number Placeholder 6">
             <a:extLst>
               <a:ext uri="{FF2B5EF4-FFF2-40B4-BE49-F238E27FC236}">
-                <a16:creationId xmlns:a16="http://schemas.microsoft.com/office/drawing/2014/main" id="{1FD43812-3065-420A-AE8C-358A93D69905}"/>
+                <a16:creationId xmlns:a16="http://schemas.microsoft.com/office/drawing/2014/main" xmlns="" id="{1FD43812-3065-420A-AE8C-358A93D69905}"/>
               </a:ext>
             </a:extLst>
           </p:cNvPr>
@@ -2495,7 +2496,7 @@
           <p:cNvPr id="2" name="Title 1">
             <a:extLst>
               <a:ext uri="{FF2B5EF4-FFF2-40B4-BE49-F238E27FC236}">
-                <a16:creationId xmlns:a16="http://schemas.microsoft.com/office/drawing/2014/main" id="{5AFAF3EB-231D-4389-AFA0-2FD6506655F8}"/>
+                <a16:creationId xmlns:a16="http://schemas.microsoft.com/office/drawing/2014/main" xmlns="" id="{5AFAF3EB-231D-4389-AFA0-2FD6506655F8}"/>
               </a:ext>
             </a:extLst>
           </p:cNvPr>
@@ -2533,7 +2534,7 @@
           <p:cNvPr id="3" name="Picture Placeholder 2">
             <a:extLst>
               <a:ext uri="{FF2B5EF4-FFF2-40B4-BE49-F238E27FC236}">
-                <a16:creationId xmlns:a16="http://schemas.microsoft.com/office/drawing/2014/main" id="{FF7A3C75-CC07-46D6-97BF-6356F47132D1}"/>
+                <a16:creationId xmlns:a16="http://schemas.microsoft.com/office/drawing/2014/main" xmlns="" id="{FF7A3C75-CC07-46D6-97BF-6356F47132D1}"/>
               </a:ext>
             </a:extLst>
           </p:cNvPr>
@@ -2600,7 +2601,7 @@
           <p:cNvPr id="4" name="Text Placeholder 3">
             <a:extLst>
               <a:ext uri="{FF2B5EF4-FFF2-40B4-BE49-F238E27FC236}">
-                <a16:creationId xmlns:a16="http://schemas.microsoft.com/office/drawing/2014/main" id="{A73DD846-2088-4D12-A5B9-37C0359760E9}"/>
+                <a16:creationId xmlns:a16="http://schemas.microsoft.com/office/drawing/2014/main" xmlns="" id="{A73DD846-2088-4D12-A5B9-37C0359760E9}"/>
               </a:ext>
             </a:extLst>
           </p:cNvPr>
@@ -2671,7 +2672,7 @@
           <p:cNvPr id="5" name="Date Placeholder 4">
             <a:extLst>
               <a:ext uri="{FF2B5EF4-FFF2-40B4-BE49-F238E27FC236}">
-                <a16:creationId xmlns:a16="http://schemas.microsoft.com/office/drawing/2014/main" id="{952DDB2F-EDA4-458F-9BB6-0D82E07258E2}"/>
+                <a16:creationId xmlns:a16="http://schemas.microsoft.com/office/drawing/2014/main" xmlns="" id="{952DDB2F-EDA4-458F-9BB6-0D82E07258E2}"/>
               </a:ext>
             </a:extLst>
           </p:cNvPr>
@@ -2700,7 +2701,7 @@
           <p:cNvPr id="6" name="Footer Placeholder 5">
             <a:extLst>
               <a:ext uri="{FF2B5EF4-FFF2-40B4-BE49-F238E27FC236}">
-                <a16:creationId xmlns:a16="http://schemas.microsoft.com/office/drawing/2014/main" id="{420F08DD-EBFB-4266-B076-A2F980756DDC}"/>
+                <a16:creationId xmlns:a16="http://schemas.microsoft.com/office/drawing/2014/main" xmlns="" id="{420F08DD-EBFB-4266-B076-A2F980756DDC}"/>
               </a:ext>
             </a:extLst>
           </p:cNvPr>
@@ -2725,7 +2726,7 @@
           <p:cNvPr id="7" name="Slide Number Placeholder 6">
             <a:extLst>
               <a:ext uri="{FF2B5EF4-FFF2-40B4-BE49-F238E27FC236}">
-                <a16:creationId xmlns:a16="http://schemas.microsoft.com/office/drawing/2014/main" id="{6D25345A-F86A-4960-A1C4-8E881A62E5B4}"/>
+                <a16:creationId xmlns:a16="http://schemas.microsoft.com/office/drawing/2014/main" xmlns="" id="{6D25345A-F86A-4960-A1C4-8E881A62E5B4}"/>
               </a:ext>
             </a:extLst>
           </p:cNvPr>
@@ -2789,7 +2790,7 @@
           <p:cNvPr id="2" name="Title Placeholder 1">
             <a:extLst>
               <a:ext uri="{FF2B5EF4-FFF2-40B4-BE49-F238E27FC236}">
-                <a16:creationId xmlns:a16="http://schemas.microsoft.com/office/drawing/2014/main" id="{C4175E84-4BEA-4B29-97D5-FC88A9CEAFF2}"/>
+                <a16:creationId xmlns:a16="http://schemas.microsoft.com/office/drawing/2014/main" xmlns="" id="{C4175E84-4BEA-4B29-97D5-FC88A9CEAFF2}"/>
               </a:ext>
             </a:extLst>
           </p:cNvPr>
@@ -2828,7 +2829,7 @@
           <p:cNvPr id="3" name="Text Placeholder 2">
             <a:extLst>
               <a:ext uri="{FF2B5EF4-FFF2-40B4-BE49-F238E27FC236}">
-                <a16:creationId xmlns:a16="http://schemas.microsoft.com/office/drawing/2014/main" id="{8C957B72-BF62-4141-AEB4-3E44153F6552}"/>
+                <a16:creationId xmlns:a16="http://schemas.microsoft.com/office/drawing/2014/main" xmlns="" id="{8C957B72-BF62-4141-AEB4-3E44153F6552}"/>
               </a:ext>
             </a:extLst>
           </p:cNvPr>
@@ -2896,7 +2897,7 @@
           <p:cNvPr id="4" name="Date Placeholder 3">
             <a:extLst>
               <a:ext uri="{FF2B5EF4-FFF2-40B4-BE49-F238E27FC236}">
-                <a16:creationId xmlns:a16="http://schemas.microsoft.com/office/drawing/2014/main" id="{32062E18-EEC3-4089-929A-52B043802FD1}"/>
+                <a16:creationId xmlns:a16="http://schemas.microsoft.com/office/drawing/2014/main" xmlns="" id="{32062E18-EEC3-4089-929A-52B043802FD1}"/>
               </a:ext>
             </a:extLst>
           </p:cNvPr>
@@ -2943,7 +2944,7 @@
           <p:cNvPr id="5" name="Footer Placeholder 4">
             <a:extLst>
               <a:ext uri="{FF2B5EF4-FFF2-40B4-BE49-F238E27FC236}">
-                <a16:creationId xmlns:a16="http://schemas.microsoft.com/office/drawing/2014/main" id="{C7717E09-6E10-4B05-81B6-5E6F6EE6FC74}"/>
+                <a16:creationId xmlns:a16="http://schemas.microsoft.com/office/drawing/2014/main" xmlns="" id="{C7717E09-6E10-4B05-81B6-5E6F6EE6FC74}"/>
               </a:ext>
             </a:extLst>
           </p:cNvPr>
@@ -2986,7 +2987,7 @@
           <p:cNvPr id="6" name="Slide Number Placeholder 5">
             <a:extLst>
               <a:ext uri="{FF2B5EF4-FFF2-40B4-BE49-F238E27FC236}">
-                <a16:creationId xmlns:a16="http://schemas.microsoft.com/office/drawing/2014/main" id="{27735183-ECEA-49C4-85B1-B104BD80E308}"/>
+                <a16:creationId xmlns:a16="http://schemas.microsoft.com/office/drawing/2014/main" xmlns="" id="{27735183-ECEA-49C4-85B1-B104BD80E308}"/>
               </a:ext>
             </a:extLst>
           </p:cNvPr>
@@ -3354,7 +3355,7 @@
           <p:cNvPr id="5" name="Rectangle: Rounded Corners 4">
             <a:extLst>
               <a:ext uri="{FF2B5EF4-FFF2-40B4-BE49-F238E27FC236}">
-                <a16:creationId xmlns:a16="http://schemas.microsoft.com/office/drawing/2014/main" id="{3E5316B8-2CDC-470B-BBC3-7B3BB48F917E}"/>
+                <a16:creationId xmlns:a16="http://schemas.microsoft.com/office/drawing/2014/main" xmlns="" id="{3E5316B8-2CDC-470B-BBC3-7B3BB48F917E}"/>
               </a:ext>
             </a:extLst>
           </p:cNvPr>
@@ -3404,7 +3405,7 @@
           <p:cNvPr id="7" name="Rectangle: Rounded Corners 6">
             <a:extLst>
               <a:ext uri="{FF2B5EF4-FFF2-40B4-BE49-F238E27FC236}">
-                <a16:creationId xmlns:a16="http://schemas.microsoft.com/office/drawing/2014/main" id="{031644F9-1251-438C-BEB7-F907C2B49D54}"/>
+                <a16:creationId xmlns:a16="http://schemas.microsoft.com/office/drawing/2014/main" xmlns="" id="{031644F9-1251-438C-BEB7-F907C2B49D54}"/>
               </a:ext>
             </a:extLst>
           </p:cNvPr>
@@ -3461,7 +3462,7 @@
           <p:cNvPr id="11" name="Rectangle: Rounded Corners 10">
             <a:extLst>
               <a:ext uri="{FF2B5EF4-FFF2-40B4-BE49-F238E27FC236}">
-                <a16:creationId xmlns:a16="http://schemas.microsoft.com/office/drawing/2014/main" id="{E416CFAD-AF52-4649-A332-71DEE7426C23}"/>
+                <a16:creationId xmlns:a16="http://schemas.microsoft.com/office/drawing/2014/main" xmlns="" id="{E416CFAD-AF52-4649-A332-71DEE7426C23}"/>
               </a:ext>
             </a:extLst>
           </p:cNvPr>
@@ -3518,7 +3519,7 @@
           <p:cNvPr id="12" name="Rectangle: Rounded Corners 11">
             <a:extLst>
               <a:ext uri="{FF2B5EF4-FFF2-40B4-BE49-F238E27FC236}">
-                <a16:creationId xmlns:a16="http://schemas.microsoft.com/office/drawing/2014/main" id="{F81607E8-5979-4B1D-BCDC-0CDDE92D28C5}"/>
+                <a16:creationId xmlns:a16="http://schemas.microsoft.com/office/drawing/2014/main" xmlns="" id="{F81607E8-5979-4B1D-BCDC-0CDDE92D28C5}"/>
               </a:ext>
             </a:extLst>
           </p:cNvPr>
@@ -3568,7 +3569,7 @@
           <p:cNvPr id="14" name="Rectangle: Rounded Corners 13">
             <a:extLst>
               <a:ext uri="{FF2B5EF4-FFF2-40B4-BE49-F238E27FC236}">
-                <a16:creationId xmlns:a16="http://schemas.microsoft.com/office/drawing/2014/main" id="{F93F1191-805C-4602-B403-FBC4B23FDEE5}"/>
+                <a16:creationId xmlns:a16="http://schemas.microsoft.com/office/drawing/2014/main" xmlns="" id="{F93F1191-805C-4602-B403-FBC4B23FDEE5}"/>
               </a:ext>
             </a:extLst>
           </p:cNvPr>
@@ -3622,7 +3623,7 @@
           <p:cNvPr id="16" name="Connector: Elbow 15">
             <a:extLst>
               <a:ext uri="{FF2B5EF4-FFF2-40B4-BE49-F238E27FC236}">
-                <a16:creationId xmlns:a16="http://schemas.microsoft.com/office/drawing/2014/main" id="{F8E1CA97-7225-45D0-A081-33F98BF5BD88}"/>
+                <a16:creationId xmlns:a16="http://schemas.microsoft.com/office/drawing/2014/main" xmlns="" id="{F8E1CA97-7225-45D0-A081-33F98BF5BD88}"/>
               </a:ext>
             </a:extLst>
           </p:cNvPr>
@@ -3667,7 +3668,7 @@
           <p:cNvPr id="19" name="Rectangle: Rounded Corners 18">
             <a:extLst>
               <a:ext uri="{FF2B5EF4-FFF2-40B4-BE49-F238E27FC236}">
-                <a16:creationId xmlns:a16="http://schemas.microsoft.com/office/drawing/2014/main" id="{5BAF5724-2440-46B2-B4E0-C35E05FEFDFA}"/>
+                <a16:creationId xmlns:a16="http://schemas.microsoft.com/office/drawing/2014/main" xmlns="" id="{5BAF5724-2440-46B2-B4E0-C35E05FEFDFA}"/>
               </a:ext>
             </a:extLst>
           </p:cNvPr>
@@ -3776,277 +3777,678 @@
           <a:chExt cx="0" cy="0"/>
         </a:xfrm>
       </p:grpSpPr>
-      <p:pic>
-        <p:nvPicPr>
-          <p:cNvPr id="5" name="Picture 4">
+      <p:grpSp>
+        <p:nvGrpSpPr>
+          <p:cNvPr id="8" name="Group 7"/>
+          <p:cNvGrpSpPr/>
+          <p:nvPr/>
+        </p:nvGrpSpPr>
+        <p:grpSpPr>
+          <a:xfrm>
+            <a:off x="404028" y="478552"/>
+            <a:ext cx="7727943" cy="3819363"/>
+            <a:chOff x="3018778" y="1282994"/>
+            <a:chExt cx="7727943" cy="3819363"/>
+          </a:xfrm>
+        </p:grpSpPr>
+        <p:pic>
+          <p:nvPicPr>
+            <p:cNvPr id="3" name="Picture 4"/>
+            <p:cNvPicPr>
+              <a:picLocks noChangeAspect="1" noChangeArrowheads="1"/>
+            </p:cNvPicPr>
+            <p:nvPr/>
+          </p:nvPicPr>
+          <p:blipFill>
+            <a:blip r:embed="rId2">
+              <a:extLst>
+                <a:ext uri="{28A0092B-C50C-407E-A947-70E740481C1C}">
+                  <a14:useLocalDpi xmlns:a14="http://schemas.microsoft.com/office/drawing/2010/main" val="0"/>
+                </a:ext>
+              </a:extLst>
+            </a:blip>
+            <a:srcRect/>
+            <a:stretch>
+              <a:fillRect/>
+            </a:stretch>
+          </p:blipFill>
+          <p:spPr bwMode="auto">
+            <a:xfrm>
+              <a:off x="3018778" y="1282994"/>
+              <a:ext cx="6713330" cy="3819363"/>
+            </a:xfrm>
+            <a:prstGeom prst="rect">
+              <a:avLst/>
+            </a:prstGeom>
+            <a:noFill/>
+            <a:ln>
+              <a:noFill/>
+            </a:ln>
+            <a:effectLst/>
             <a:extLst>
-              <a:ext uri="{FF2B5EF4-FFF2-40B4-BE49-F238E27FC236}">
-                <a16:creationId xmlns:a16="http://schemas.microsoft.com/office/drawing/2014/main" id="{10B91840-4C6D-4593-9BF2-B3D8765A027A}"/>
+              <a:ext uri="{909E8E84-426E-40DD-AFC4-6F175D3DCCD1}">
+                <a14:hiddenFill xmlns:a14="http://schemas.microsoft.com/office/drawing/2010/main">
+                  <a:solidFill>
+                    <a:schemeClr val="accent1"/>
+                  </a:solidFill>
+                </a14:hiddenFill>
+              </a:ext>
+              <a:ext uri="{91240B29-F687-4F45-9708-019B960494DF}">
+                <a14:hiddenLine xmlns:a14="http://schemas.microsoft.com/office/drawing/2010/main" w="9525">
+                  <a:solidFill>
+                    <a:schemeClr val="tx1"/>
+                  </a:solidFill>
+                  <a:miter lim="800000"/>
+                  <a:headEnd/>
+                  <a:tailEnd/>
+                </a14:hiddenLine>
+              </a:ext>
+              <a:ext uri="{AF507438-7753-43E0-B8FC-AC1667EBCBE1}">
+                <a14:hiddenEffects xmlns:a14="http://schemas.microsoft.com/office/drawing/2010/main">
+                  <a:effectLst>
+                    <a:outerShdw dist="35921" dir="2700000" algn="ctr" rotWithShape="0">
+                      <a:schemeClr val="bg2"/>
+                    </a:outerShdw>
+                  </a:effectLst>
+                </a14:hiddenEffects>
               </a:ext>
             </a:extLst>
-          </p:cNvPr>
-          <p:cNvPicPr>
-            <a:picLocks noChangeAspect="1"/>
-          </p:cNvPicPr>
-          <p:nvPr/>
-        </p:nvPicPr>
-        <p:blipFill>
-          <a:blip r:embed="rId2"/>
-          <a:stretch>
-            <a:fillRect/>
-          </a:stretch>
-        </p:blipFill>
-        <p:spPr>
-          <a:xfrm>
-            <a:off x="1270176" y="467254"/>
-            <a:ext cx="7439025" cy="1114425"/>
-          </a:xfrm>
-          <a:prstGeom prst="rect">
-            <a:avLst/>
-          </a:prstGeom>
-        </p:spPr>
-      </p:pic>
-      <p:pic>
-        <p:nvPicPr>
-          <p:cNvPr id="7" name="Picture 6">
-            <a:extLst>
-              <a:ext uri="{FF2B5EF4-FFF2-40B4-BE49-F238E27FC236}">
-                <a16:creationId xmlns:a16="http://schemas.microsoft.com/office/drawing/2014/main" id="{E57C06CF-BD08-4329-833D-81860851CDCD}"/>
-              </a:ext>
-            </a:extLst>
-          </p:cNvPr>
-          <p:cNvPicPr>
-            <a:picLocks noChangeAspect="1"/>
-          </p:cNvPicPr>
-          <p:nvPr/>
-        </p:nvPicPr>
-        <p:blipFill>
-          <a:blip r:embed="rId3"/>
-          <a:stretch>
-            <a:fillRect/>
-          </a:stretch>
-        </p:blipFill>
-        <p:spPr>
-          <a:xfrm>
-            <a:off x="1270176" y="2078566"/>
-            <a:ext cx="8486775" cy="533400"/>
-          </a:xfrm>
-          <a:prstGeom prst="rect">
-            <a:avLst/>
-          </a:prstGeom>
-        </p:spPr>
-      </p:pic>
-      <p:sp>
-        <p:nvSpPr>
-          <p:cNvPr id="9" name="TextBox 8">
-            <a:extLst>
-              <a:ext uri="{FF2B5EF4-FFF2-40B4-BE49-F238E27FC236}">
-                <a16:creationId xmlns:a16="http://schemas.microsoft.com/office/drawing/2014/main" id="{11C77DCE-CC71-4532-8F93-DE6C20B70FB2}"/>
-              </a:ext>
-            </a:extLst>
-          </p:cNvPr>
-          <p:cNvSpPr txBox="1"/>
-          <p:nvPr/>
-        </p:nvSpPr>
-        <p:spPr>
-          <a:xfrm>
-            <a:off x="1270176" y="3108853"/>
-            <a:ext cx="6096000" cy="2031325"/>
-          </a:xfrm>
-          <a:prstGeom prst="rect">
-            <a:avLst/>
-          </a:prstGeom>
-          <a:noFill/>
-        </p:spPr>
-        <p:txBody>
-          <a:bodyPr wrap="square">
-            <a:spAutoFit/>
-          </a:bodyPr>
-          <a:lstStyle/>
-          <a:p>
-            <a:r>
-              <a:rPr lang="en-IN" dirty="0" err="1"/>
-              <a:t>server.port</a:t>
-            </a:r>
-            <a:r>
-              <a:rPr lang="en-IN" dirty="0"/>
-              <a:t>=8761</a:t>
-            </a:r>
-          </a:p>
-          <a:p>
-            <a:r>
-              <a:rPr lang="en-IN" dirty="0"/>
-              <a:t>// false for server itself</a:t>
-            </a:r>
-          </a:p>
-          <a:p>
-            <a:r>
-              <a:rPr lang="en-IN" dirty="0" err="1"/>
-              <a:t>eureka.client.register</a:t>
-            </a:r>
-            <a:r>
-              <a:rPr lang="en-IN" dirty="0"/>
-              <a:t>-with-eureka=false</a:t>
-            </a:r>
-          </a:p>
-          <a:p>
-            <a:r>
-              <a:rPr lang="en-IN" dirty="0" err="1"/>
-              <a:t>eureka.client.fetch</a:t>
-            </a:r>
-            <a:r>
-              <a:rPr lang="en-IN" dirty="0"/>
-              <a:t>-registry=false</a:t>
-            </a:r>
-          </a:p>
-          <a:p>
-            <a:endParaRPr lang="en-IN" dirty="0"/>
-          </a:p>
-          <a:p>
-            <a:r>
-              <a:rPr lang="en-IN" dirty="0" err="1"/>
-              <a:t>logging.level.com.netflix.eureka</a:t>
-            </a:r>
-            <a:r>
-              <a:rPr lang="en-IN" dirty="0"/>
-              <a:t>=OFF</a:t>
-            </a:r>
-          </a:p>
-          <a:p>
-            <a:r>
-              <a:rPr lang="en-IN" dirty="0" err="1"/>
-              <a:t>logging.level.com.netflix.discovery</a:t>
-            </a:r>
-            <a:r>
-              <a:rPr lang="en-IN" dirty="0"/>
-              <a:t>=OFF</a:t>
-            </a:r>
-          </a:p>
-        </p:txBody>
-      </p:sp>
-      <p:sp>
-        <p:nvSpPr>
-          <p:cNvPr id="10" name="Rectangle 2">
-            <a:extLst>
-              <a:ext uri="{FF2B5EF4-FFF2-40B4-BE49-F238E27FC236}">
-                <a16:creationId xmlns:a16="http://schemas.microsoft.com/office/drawing/2014/main" id="{2E645F5A-4F9A-4710-8056-208C1E9DC30E}"/>
-              </a:ext>
-            </a:extLst>
-          </p:cNvPr>
-          <p:cNvSpPr>
-            <a:spLocks noChangeArrowheads="1"/>
-          </p:cNvSpPr>
-          <p:nvPr/>
-        </p:nvSpPr>
-        <p:spPr bwMode="auto">
-          <a:xfrm>
-            <a:off x="7015868" y="3167390"/>
-            <a:ext cx="1693333" cy="261610"/>
-          </a:xfrm>
-          <a:prstGeom prst="rect">
-            <a:avLst/>
-          </a:prstGeom>
-          <a:noFill/>
-          <a:ln>
-            <a:noFill/>
-          </a:ln>
-          <a:effectLst/>
-          <a:extLst>
-            <a:ext uri="{909E8E84-426E-40DD-AFC4-6F175D3DCCD1}">
-              <a14:hiddenFill xmlns:a14="http://schemas.microsoft.com/office/drawing/2010/main">
-                <a:solidFill>
-                  <a:schemeClr val="accent1"/>
-                </a:solidFill>
-              </a14:hiddenFill>
-            </a:ext>
-            <a:ext uri="{91240B29-F687-4F45-9708-019B960494DF}">
-              <a14:hiddenLine xmlns:a14="http://schemas.microsoft.com/office/drawing/2010/main" w="9525">
-                <a:solidFill>
-                  <a:schemeClr val="tx1"/>
-                </a:solidFill>
-                <a:miter lim="800000"/>
-                <a:headEnd/>
-                <a:tailEnd/>
-              </a14:hiddenLine>
-            </a:ext>
-            <a:ext uri="{AF507438-7753-43E0-B8FC-AC1667EBCBE1}">
-              <a14:hiddenEffects xmlns:a14="http://schemas.microsoft.com/office/drawing/2010/main">
-                <a:effectLst>
-                  <a:outerShdw dist="35921" dir="2700000" algn="ctr" rotWithShape="0">
-                    <a:schemeClr val="bg2"/>
-                  </a:outerShdw>
-                </a:effectLst>
-              </a14:hiddenEffects>
-            </a:ext>
-          </a:extLst>
-        </p:spPr>
-        <p:txBody>
-          <a:bodyPr vert="horz" wrap="square" lIns="91440" tIns="45720" rIns="91440" bIns="45720" numCol="1" anchor="ctr" anchorCtr="0" compatLnSpc="1">
-            <a:prstTxWarp prst="textNoShape">
-              <a:avLst/>
-            </a:prstTxWarp>
-            <a:spAutoFit/>
-          </a:bodyPr>
-          <a:lstStyle/>
-          <a:p>
-            <a:pPr marL="0" marR="0" lvl="0" indent="0" algn="l" defTabSz="914400" rtl="0" eaLnBrk="0" fontAlgn="base" latinLnBrk="0" hangingPunct="0">
-              <a:lnSpc>
-                <a:spcPct val="100000"/>
-              </a:lnSpc>
-              <a:spcBef>
-                <a:spcPct val="0"/>
-              </a:spcBef>
-              <a:spcAft>
-                <a:spcPct val="0"/>
-              </a:spcAft>
-              <a:buClrTx/>
-              <a:buSzTx/>
-              <a:buFontTx/>
-              <a:buNone/>
-              <a:tabLst/>
-            </a:pPr>
-            <a:r>
-              <a:rPr kumimoji="0" lang="en-US" altLang="en-US" sz="1100" b="0" i="0" u="none" strike="noStrike" cap="none" normalizeH="0" baseline="0" dirty="0">
-                <a:ln>
-                  <a:noFill/>
-                </a:ln>
-                <a:solidFill>
-                  <a:srgbClr val="006666"/>
-                </a:solidFill>
-                <a:effectLst/>
-                <a:latin typeface="Monaco"/>
-              </a:rPr>
-              <a:t>@EnableEurekaServer</a:t>
-            </a:r>
-            <a:r>
-              <a:rPr kumimoji="0" lang="en-US" altLang="en-US" sz="900" b="0" i="0" u="none" strike="noStrike" cap="none" normalizeH="0" baseline="0" dirty="0">
-                <a:ln>
-                  <a:noFill/>
-                </a:ln>
-                <a:solidFill>
-                  <a:schemeClr val="tx1"/>
-                </a:solidFill>
-                <a:effectLst/>
-              </a:rPr>
-              <a:t> </a:t>
-            </a:r>
-            <a:endParaRPr kumimoji="0" lang="en-US" altLang="en-US" sz="1800" b="0" i="0" u="none" strike="noStrike" cap="none" normalizeH="0" baseline="0" dirty="0">
+          </p:spPr>
+        </p:pic>
+        <p:grpSp>
+          <p:nvGrpSpPr>
+            <p:cNvPr id="4" name="Group 3"/>
+            <p:cNvGrpSpPr/>
+            <p:nvPr/>
+          </p:nvGrpSpPr>
+          <p:grpSpPr>
+            <a:xfrm>
+              <a:off x="6620922" y="2162838"/>
+              <a:ext cx="4125799" cy="1338950"/>
+              <a:chOff x="1011381" y="2409115"/>
+              <a:chExt cx="3915717" cy="1338950"/>
+            </a:xfrm>
+          </p:grpSpPr>
+          <p:sp>
+            <p:nvSpPr>
+              <p:cNvPr id="5" name="Rectangle: Rounded Corners 1">
+                <a:extLst>
+                  <a:ext uri="{FF2B5EF4-FFF2-40B4-BE49-F238E27FC236}">
+                    <a16:creationId xmlns:a16="http://schemas.microsoft.com/office/drawing/2014/main" xmlns="" id="{229043B8-923C-4A63-923B-ED47AB6F3179}"/>
+                  </a:ext>
+                </a:extLst>
+              </p:cNvPr>
+              <p:cNvSpPr/>
+              <p:nvPr/>
+            </p:nvSpPr>
+            <p:spPr>
+              <a:xfrm>
+                <a:off x="1011381" y="2409115"/>
+                <a:ext cx="3915717" cy="1338950"/>
+              </a:xfrm>
+              <a:prstGeom prst="roundRect">
+                <a:avLst/>
+              </a:prstGeom>
+              <a:solidFill>
+                <a:schemeClr val="accent1">
+                  <a:lumMod val="40000"/>
+                  <a:lumOff val="60000"/>
+                </a:schemeClr>
+              </a:solidFill>
+            </p:spPr>
+            <p:style>
+              <a:lnRef idx="2">
+                <a:schemeClr val="accent1">
+                  <a:shade val="50000"/>
+                </a:schemeClr>
+              </a:lnRef>
+              <a:fillRef idx="1">
+                <a:schemeClr val="accent1"/>
+              </a:fillRef>
+              <a:effectRef idx="0">
+                <a:schemeClr val="accent1"/>
+              </a:effectRef>
+              <a:fontRef idx="minor">
+                <a:schemeClr val="lt1"/>
+              </a:fontRef>
+            </p:style>
+            <p:txBody>
+              <a:bodyPr rtlCol="0" anchor="ctr"/>
+              <a:lstStyle/>
+              <a:p>
+                <a:pPr algn="ctr"/>
+                <a:r>
+                  <a:rPr lang="en-IN" sz="1800" dirty="0" smtClean="0">
+                    <a:solidFill>
+                      <a:srgbClr val="000000"/>
+                    </a:solidFill>
+                    <a:latin typeface="Consolas" panose="020B0609020204030204" pitchFamily="49" charset="0"/>
+                  </a:rPr>
+                  <a:t>             bmt.eurekaserver01.com</a:t>
+                </a:r>
+                <a:endParaRPr lang="en-IN" dirty="0"/>
+              </a:p>
+            </p:txBody>
+          </p:sp>
+          <p:sp>
+            <p:nvSpPr>
+              <p:cNvPr id="6" name="Rectangle 1">
+                <a:extLst>
+                  <a:ext uri="{FF2B5EF4-FFF2-40B4-BE49-F238E27FC236}">
+                    <a16:creationId xmlns:a16="http://schemas.microsoft.com/office/drawing/2014/main" xmlns="" id="{FFE5BAF0-90A9-481D-AAC3-4466B273C9B9}"/>
+                  </a:ext>
+                </a:extLst>
+              </p:cNvPr>
+              <p:cNvSpPr>
+                <a:spLocks noChangeArrowheads="1"/>
+              </p:cNvSpPr>
+              <p:nvPr/>
+            </p:nvSpPr>
+            <p:spPr bwMode="auto">
+              <a:xfrm>
+                <a:off x="2597378" y="2436037"/>
+                <a:ext cx="2024183" cy="323165"/>
+              </a:xfrm>
+              <a:prstGeom prst="rect">
+                <a:avLst/>
+              </a:prstGeom>
+              <a:solidFill>
+                <a:srgbClr val="F2F2F2"/>
+              </a:solidFill>
               <a:ln>
                 <a:noFill/>
               </a:ln>
+              <a:effectLst/>
+              <a:extLst>
+                <a:ext uri="{91240B29-F687-4F45-9708-019B960494DF}">
+                  <a14:hiddenLine xmlns:a14="http://schemas.microsoft.com/office/drawing/2010/main" w="9525">
+                    <a:solidFill>
+                      <a:schemeClr val="tx1"/>
+                    </a:solidFill>
+                    <a:miter lim="800000"/>
+                    <a:headEnd/>
+                    <a:tailEnd/>
+                  </a14:hiddenLine>
+                </a:ext>
+                <a:ext uri="{AF507438-7753-43E0-B8FC-AC1667EBCBE1}">
+                  <a14:hiddenEffects xmlns:a14="http://schemas.microsoft.com/office/drawing/2010/main">
+                    <a:effectLst>
+                      <a:outerShdw dist="35921" dir="2700000" algn="ctr" rotWithShape="0">
+                        <a:schemeClr val="bg2"/>
+                      </a:outerShdw>
+                    </a:effectLst>
+                  </a14:hiddenEffects>
+                </a:ext>
+              </a:extLst>
+            </p:spPr>
+            <p:txBody>
+              <a:bodyPr vert="horz" wrap="square" lIns="91440" tIns="45720" rIns="91440" bIns="45720" numCol="1" anchor="ctr" anchorCtr="0" compatLnSpc="1">
+                <a:prstTxWarp prst="textNoShape">
+                  <a:avLst/>
+                </a:prstTxWarp>
+                <a:spAutoFit/>
+              </a:bodyPr>
+              <a:lstStyle>
+                <a:lvl1pPr eaLnBrk="0" fontAlgn="base" hangingPunct="0">
+                  <a:spcBef>
+                    <a:spcPct val="0"/>
+                  </a:spcBef>
+                  <a:spcAft>
+                    <a:spcPct val="0"/>
+                  </a:spcAft>
+                  <a:defRPr>
+                    <a:solidFill>
+                      <a:schemeClr val="tx1"/>
+                    </a:solidFill>
+                    <a:latin typeface="Arial" panose="020B0604020202020204" pitchFamily="34" charset="0"/>
+                  </a:defRPr>
+                </a:lvl1pPr>
+                <a:lvl2pPr eaLnBrk="0" fontAlgn="base" hangingPunct="0">
+                  <a:spcBef>
+                    <a:spcPct val="0"/>
+                  </a:spcBef>
+                  <a:spcAft>
+                    <a:spcPct val="0"/>
+                  </a:spcAft>
+                  <a:defRPr>
+                    <a:solidFill>
+                      <a:schemeClr val="tx1"/>
+                    </a:solidFill>
+                    <a:latin typeface="Arial" panose="020B0604020202020204" pitchFamily="34" charset="0"/>
+                  </a:defRPr>
+                </a:lvl2pPr>
+                <a:lvl3pPr eaLnBrk="0" fontAlgn="base" hangingPunct="0">
+                  <a:spcBef>
+                    <a:spcPct val="0"/>
+                  </a:spcBef>
+                  <a:spcAft>
+                    <a:spcPct val="0"/>
+                  </a:spcAft>
+                  <a:defRPr>
+                    <a:solidFill>
+                      <a:schemeClr val="tx1"/>
+                    </a:solidFill>
+                    <a:latin typeface="Arial" panose="020B0604020202020204" pitchFamily="34" charset="0"/>
+                  </a:defRPr>
+                </a:lvl3pPr>
+                <a:lvl4pPr eaLnBrk="0" fontAlgn="base" hangingPunct="0">
+                  <a:spcBef>
+                    <a:spcPct val="0"/>
+                  </a:spcBef>
+                  <a:spcAft>
+                    <a:spcPct val="0"/>
+                  </a:spcAft>
+                  <a:defRPr>
+                    <a:solidFill>
+                      <a:schemeClr val="tx1"/>
+                    </a:solidFill>
+                    <a:latin typeface="Arial" panose="020B0604020202020204" pitchFamily="34" charset="0"/>
+                  </a:defRPr>
+                </a:lvl4pPr>
+                <a:lvl5pPr eaLnBrk="0" fontAlgn="base" hangingPunct="0">
+                  <a:spcBef>
+                    <a:spcPct val="0"/>
+                  </a:spcBef>
+                  <a:spcAft>
+                    <a:spcPct val="0"/>
+                  </a:spcAft>
+                  <a:defRPr>
+                    <a:solidFill>
+                      <a:schemeClr val="tx1"/>
+                    </a:solidFill>
+                    <a:latin typeface="Arial" panose="020B0604020202020204" pitchFamily="34" charset="0"/>
+                  </a:defRPr>
+                </a:lvl5pPr>
+                <a:lvl6pPr eaLnBrk="0" fontAlgn="base" hangingPunct="0">
+                  <a:spcBef>
+                    <a:spcPct val="0"/>
+                  </a:spcBef>
+                  <a:spcAft>
+                    <a:spcPct val="0"/>
+                  </a:spcAft>
+                  <a:defRPr>
+                    <a:solidFill>
+                      <a:schemeClr val="tx1"/>
+                    </a:solidFill>
+                    <a:latin typeface="Arial" panose="020B0604020202020204" pitchFamily="34" charset="0"/>
+                  </a:defRPr>
+                </a:lvl6pPr>
+                <a:lvl7pPr eaLnBrk="0" fontAlgn="base" hangingPunct="0">
+                  <a:spcBef>
+                    <a:spcPct val="0"/>
+                  </a:spcBef>
+                  <a:spcAft>
+                    <a:spcPct val="0"/>
+                  </a:spcAft>
+                  <a:defRPr>
+                    <a:solidFill>
+                      <a:schemeClr val="tx1"/>
+                    </a:solidFill>
+                    <a:latin typeface="Arial" panose="020B0604020202020204" pitchFamily="34" charset="0"/>
+                  </a:defRPr>
+                </a:lvl7pPr>
+                <a:lvl8pPr eaLnBrk="0" fontAlgn="base" hangingPunct="0">
+                  <a:spcBef>
+                    <a:spcPct val="0"/>
+                  </a:spcBef>
+                  <a:spcAft>
+                    <a:spcPct val="0"/>
+                  </a:spcAft>
+                  <a:defRPr>
+                    <a:solidFill>
+                      <a:schemeClr val="tx1"/>
+                    </a:solidFill>
+                    <a:latin typeface="Arial" panose="020B0604020202020204" pitchFamily="34" charset="0"/>
+                  </a:defRPr>
+                </a:lvl8pPr>
+                <a:lvl9pPr eaLnBrk="0" fontAlgn="base" hangingPunct="0">
+                  <a:spcBef>
+                    <a:spcPct val="0"/>
+                  </a:spcBef>
+                  <a:spcAft>
+                    <a:spcPct val="0"/>
+                  </a:spcAft>
+                  <a:defRPr>
+                    <a:solidFill>
+                      <a:schemeClr val="tx1"/>
+                    </a:solidFill>
+                    <a:latin typeface="Arial" panose="020B0604020202020204" pitchFamily="34" charset="0"/>
+                  </a:defRPr>
+                </a:lvl9pPr>
+              </a:lstStyle>
+              <a:p>
+                <a:pPr marL="0" marR="0" lvl="0" indent="0" algn="l" defTabSz="914400" rtl="0" eaLnBrk="0" fontAlgn="base" latinLnBrk="0" hangingPunct="0">
+                  <a:lnSpc>
+                    <a:spcPct val="100000"/>
+                  </a:lnSpc>
+                  <a:spcBef>
+                    <a:spcPct val="0"/>
+                  </a:spcBef>
+                  <a:spcAft>
+                    <a:spcPct val="0"/>
+                  </a:spcAft>
+                  <a:buClrTx/>
+                  <a:buSzTx/>
+                  <a:buFontTx/>
+                  <a:buNone/>
+                  <a:tabLst/>
+                </a:pPr>
+                <a:r>
+                  <a:rPr kumimoji="0" lang="en-US" altLang="en-US" sz="1100" b="0" i="0" u="none" strike="noStrike" cap="none" normalizeH="0" baseline="0" dirty="0">
+                    <a:ln>
+                      <a:noFill/>
+                    </a:ln>
+                    <a:solidFill>
+                      <a:srgbClr val="292929"/>
+                    </a:solidFill>
+                    <a:effectLst/>
+                    <a:latin typeface="Menlo"/>
+                  </a:rPr>
+                  <a:t>@</a:t>
+                </a:r>
+                <a:r>
+                  <a:rPr kumimoji="0" lang="en-US" altLang="en-US" sz="1100" b="0" i="0" u="none" strike="noStrike" cap="none" normalizeH="0" baseline="0" dirty="0" err="1" smtClean="0">
+                    <a:ln>
+                      <a:noFill/>
+                    </a:ln>
+                    <a:solidFill>
+                      <a:srgbClr val="292929"/>
+                    </a:solidFill>
+                    <a:effectLst/>
+                    <a:latin typeface="Menlo"/>
+                  </a:rPr>
+                  <a:t>EnableEurekaServer</a:t>
+                </a:r>
+                <a:r>
+                  <a:rPr kumimoji="0" lang="en-US" altLang="en-US" sz="1500" b="0" i="0" u="none" strike="noStrike" cap="none" normalizeH="0" baseline="0" dirty="0">
+                    <a:ln>
+                      <a:noFill/>
+                    </a:ln>
+                    <a:solidFill>
+                      <a:srgbClr val="292929"/>
+                    </a:solidFill>
+                    <a:effectLst/>
+                    <a:latin typeface="charter"/>
+                  </a:rPr>
+                  <a:t> </a:t>
+                </a:r>
+                <a:r>
+                  <a:rPr kumimoji="0" lang="en-US" altLang="en-US" sz="900" b="0" i="0" u="none" strike="noStrike" cap="none" normalizeH="0" baseline="0" dirty="0">
+                    <a:ln>
+                      <a:noFill/>
+                    </a:ln>
+                    <a:solidFill>
+                      <a:schemeClr val="tx1"/>
+                    </a:solidFill>
+                    <a:effectLst/>
+                  </a:rPr>
+                  <a:t> </a:t>
+                </a:r>
+                <a:endParaRPr kumimoji="0" lang="en-US" altLang="en-US" sz="1800" b="0" i="0" u="none" strike="noStrike" cap="none" normalizeH="0" baseline="0" dirty="0">
+                  <a:ln>
+                    <a:noFill/>
+                  </a:ln>
+                  <a:solidFill>
+                    <a:schemeClr val="tx1"/>
+                  </a:solidFill>
+                  <a:effectLst/>
+                  <a:latin typeface="Arial" panose="020B0604020202020204" pitchFamily="34" charset="0"/>
+                </a:endParaRPr>
+              </a:p>
+            </p:txBody>
+          </p:sp>
+          <p:sp>
+            <p:nvSpPr>
+              <p:cNvPr id="7" name="Rectangle 1">
+                <a:extLst>
+                  <a:ext uri="{FF2B5EF4-FFF2-40B4-BE49-F238E27FC236}">
+                    <a16:creationId xmlns:a16="http://schemas.microsoft.com/office/drawing/2014/main" xmlns="" id="{4A5862E7-0045-43EA-8731-76AF0AFFEB2B}"/>
+                  </a:ext>
+                </a:extLst>
+              </p:cNvPr>
+              <p:cNvSpPr>
+                <a:spLocks noChangeArrowheads="1"/>
+              </p:cNvSpPr>
+              <p:nvPr/>
+            </p:nvSpPr>
+            <p:spPr bwMode="auto">
+              <a:xfrm>
+                <a:off x="1416294" y="3438953"/>
+                <a:ext cx="3319775" cy="261610"/>
+              </a:xfrm>
+              <a:prstGeom prst="rect">
+                <a:avLst/>
+              </a:prstGeom>
               <a:solidFill>
-                <a:schemeClr val="tx1"/>
+                <a:srgbClr val="F2F2F2"/>
               </a:solidFill>
+              <a:ln>
+                <a:noFill/>
+              </a:ln>
               <a:effectLst/>
-              <a:latin typeface="Arial" panose="020B0604020202020204" pitchFamily="34" charset="0"/>
-            </a:endParaRPr>
-          </a:p>
-        </p:txBody>
-      </p:sp>
+              <a:extLst>
+                <a:ext uri="{91240B29-F687-4F45-9708-019B960494DF}">
+                  <a14:hiddenLine xmlns:a14="http://schemas.microsoft.com/office/drawing/2010/main" w="9525">
+                    <a:solidFill>
+                      <a:schemeClr val="tx1"/>
+                    </a:solidFill>
+                    <a:miter lim="800000"/>
+                    <a:headEnd/>
+                    <a:tailEnd/>
+                  </a14:hiddenLine>
+                </a:ext>
+                <a:ext uri="{AF507438-7753-43E0-B8FC-AC1667EBCBE1}">
+                  <a14:hiddenEffects xmlns:a14="http://schemas.microsoft.com/office/drawing/2010/main">
+                    <a:effectLst>
+                      <a:outerShdw dist="35921" dir="2700000" algn="ctr" rotWithShape="0">
+                        <a:schemeClr val="bg2"/>
+                      </a:outerShdw>
+                    </a:effectLst>
+                  </a14:hiddenEffects>
+                </a:ext>
+              </a:extLst>
+            </p:spPr>
+            <p:txBody>
+              <a:bodyPr vert="horz" wrap="square" lIns="91440" tIns="45720" rIns="91440" bIns="45720" numCol="1" anchor="ctr" anchorCtr="0" compatLnSpc="1">
+                <a:prstTxWarp prst="textNoShape">
+                  <a:avLst/>
+                </a:prstTxWarp>
+                <a:spAutoFit/>
+              </a:bodyPr>
+              <a:lstStyle>
+                <a:lvl1pPr eaLnBrk="0" fontAlgn="base" hangingPunct="0">
+                  <a:spcBef>
+                    <a:spcPct val="0"/>
+                  </a:spcBef>
+                  <a:spcAft>
+                    <a:spcPct val="0"/>
+                  </a:spcAft>
+                  <a:defRPr>
+                    <a:solidFill>
+                      <a:schemeClr val="tx1"/>
+                    </a:solidFill>
+                    <a:latin typeface="Arial" panose="020B0604020202020204" pitchFamily="34" charset="0"/>
+                  </a:defRPr>
+                </a:lvl1pPr>
+                <a:lvl2pPr eaLnBrk="0" fontAlgn="base" hangingPunct="0">
+                  <a:spcBef>
+                    <a:spcPct val="0"/>
+                  </a:spcBef>
+                  <a:spcAft>
+                    <a:spcPct val="0"/>
+                  </a:spcAft>
+                  <a:defRPr>
+                    <a:solidFill>
+                      <a:schemeClr val="tx1"/>
+                    </a:solidFill>
+                    <a:latin typeface="Arial" panose="020B0604020202020204" pitchFamily="34" charset="0"/>
+                  </a:defRPr>
+                </a:lvl2pPr>
+                <a:lvl3pPr eaLnBrk="0" fontAlgn="base" hangingPunct="0">
+                  <a:spcBef>
+                    <a:spcPct val="0"/>
+                  </a:spcBef>
+                  <a:spcAft>
+                    <a:spcPct val="0"/>
+                  </a:spcAft>
+                  <a:defRPr>
+                    <a:solidFill>
+                      <a:schemeClr val="tx1"/>
+                    </a:solidFill>
+                    <a:latin typeface="Arial" panose="020B0604020202020204" pitchFamily="34" charset="0"/>
+                  </a:defRPr>
+                </a:lvl3pPr>
+                <a:lvl4pPr eaLnBrk="0" fontAlgn="base" hangingPunct="0">
+                  <a:spcBef>
+                    <a:spcPct val="0"/>
+                  </a:spcBef>
+                  <a:spcAft>
+                    <a:spcPct val="0"/>
+                  </a:spcAft>
+                  <a:defRPr>
+                    <a:solidFill>
+                      <a:schemeClr val="tx1"/>
+                    </a:solidFill>
+                    <a:latin typeface="Arial" panose="020B0604020202020204" pitchFamily="34" charset="0"/>
+                  </a:defRPr>
+                </a:lvl4pPr>
+                <a:lvl5pPr eaLnBrk="0" fontAlgn="base" hangingPunct="0">
+                  <a:spcBef>
+                    <a:spcPct val="0"/>
+                  </a:spcBef>
+                  <a:spcAft>
+                    <a:spcPct val="0"/>
+                  </a:spcAft>
+                  <a:defRPr>
+                    <a:solidFill>
+                      <a:schemeClr val="tx1"/>
+                    </a:solidFill>
+                    <a:latin typeface="Arial" panose="020B0604020202020204" pitchFamily="34" charset="0"/>
+                  </a:defRPr>
+                </a:lvl5pPr>
+                <a:lvl6pPr eaLnBrk="0" fontAlgn="base" hangingPunct="0">
+                  <a:spcBef>
+                    <a:spcPct val="0"/>
+                  </a:spcBef>
+                  <a:spcAft>
+                    <a:spcPct val="0"/>
+                  </a:spcAft>
+                  <a:defRPr>
+                    <a:solidFill>
+                      <a:schemeClr val="tx1"/>
+                    </a:solidFill>
+                    <a:latin typeface="Arial" panose="020B0604020202020204" pitchFamily="34" charset="0"/>
+                  </a:defRPr>
+                </a:lvl6pPr>
+                <a:lvl7pPr eaLnBrk="0" fontAlgn="base" hangingPunct="0">
+                  <a:spcBef>
+                    <a:spcPct val="0"/>
+                  </a:spcBef>
+                  <a:spcAft>
+                    <a:spcPct val="0"/>
+                  </a:spcAft>
+                  <a:defRPr>
+                    <a:solidFill>
+                      <a:schemeClr val="tx1"/>
+                    </a:solidFill>
+                    <a:latin typeface="Arial" panose="020B0604020202020204" pitchFamily="34" charset="0"/>
+                  </a:defRPr>
+                </a:lvl7pPr>
+                <a:lvl8pPr eaLnBrk="0" fontAlgn="base" hangingPunct="0">
+                  <a:spcBef>
+                    <a:spcPct val="0"/>
+                  </a:spcBef>
+                  <a:spcAft>
+                    <a:spcPct val="0"/>
+                  </a:spcAft>
+                  <a:defRPr>
+                    <a:solidFill>
+                      <a:schemeClr val="tx1"/>
+                    </a:solidFill>
+                    <a:latin typeface="Arial" panose="020B0604020202020204" pitchFamily="34" charset="0"/>
+                  </a:defRPr>
+                </a:lvl8pPr>
+                <a:lvl9pPr eaLnBrk="0" fontAlgn="base" hangingPunct="0">
+                  <a:spcBef>
+                    <a:spcPct val="0"/>
+                  </a:spcBef>
+                  <a:spcAft>
+                    <a:spcPct val="0"/>
+                  </a:spcAft>
+                  <a:defRPr>
+                    <a:solidFill>
+                      <a:schemeClr val="tx1"/>
+                    </a:solidFill>
+                    <a:latin typeface="Arial" panose="020B0604020202020204" pitchFamily="34" charset="0"/>
+                  </a:defRPr>
+                </a:lvl9pPr>
+              </a:lstStyle>
+              <a:p>
+                <a:pPr marL="0" marR="0" lvl="0" indent="0" algn="l" defTabSz="914400" rtl="0" eaLnBrk="0" fontAlgn="base" latinLnBrk="0" hangingPunct="0">
+                  <a:lnSpc>
+                    <a:spcPct val="100000"/>
+                  </a:lnSpc>
+                  <a:spcBef>
+                    <a:spcPct val="0"/>
+                  </a:spcBef>
+                  <a:spcAft>
+                    <a:spcPct val="0"/>
+                  </a:spcAft>
+                  <a:buClrTx/>
+                  <a:buSzTx/>
+                  <a:buFontTx/>
+                  <a:buNone/>
+                  <a:tabLst/>
+                </a:pPr>
+                <a:r>
+                  <a:rPr lang="en-IN" sz="1100" b="0" i="0" dirty="0" smtClean="0">
+                    <a:solidFill>
+                      <a:srgbClr val="24292F"/>
+                    </a:solidFill>
+                    <a:effectLst/>
+                    <a:latin typeface="ui-monospace"/>
+                  </a:rPr>
+                  <a:t>spring-cloud-starter-</a:t>
+                </a:r>
+                <a:r>
+                  <a:rPr lang="en-IN" sz="1100" b="0" i="0" dirty="0" err="1" smtClean="0">
+                    <a:solidFill>
+                      <a:srgbClr val="24292F"/>
+                    </a:solidFill>
+                    <a:effectLst/>
+                    <a:latin typeface="ui-monospace"/>
+                  </a:rPr>
+                  <a:t>netflix</a:t>
+                </a:r>
+                <a:r>
+                  <a:rPr lang="en-IN" sz="1100" b="0" i="0" dirty="0" smtClean="0">
+                    <a:solidFill>
+                      <a:srgbClr val="24292F"/>
+                    </a:solidFill>
+                    <a:effectLst/>
+                    <a:latin typeface="ui-monospace"/>
+                  </a:rPr>
+                  <a:t>-eureka-server</a:t>
+                </a:r>
+                <a:endParaRPr kumimoji="0" lang="en-US" altLang="en-US" sz="1800" b="0" i="0" u="none" strike="noStrike" cap="none" normalizeH="0" baseline="0" dirty="0">
+                  <a:ln>
+                    <a:noFill/>
+                  </a:ln>
+                  <a:solidFill>
+                    <a:schemeClr val="tx1"/>
+                  </a:solidFill>
+                  <a:effectLst/>
+                  <a:latin typeface="Arial" panose="020B0604020202020204" pitchFamily="34" charset="0"/>
+                </a:endParaRPr>
+              </a:p>
+            </p:txBody>
+          </p:sp>
+        </p:grpSp>
+      </p:grpSp>
     </p:spTree>
     <p:extLst>
       <p:ext uri="{BB962C8B-B14F-4D97-AF65-F5344CB8AC3E}">
-        <p14:creationId xmlns:p14="http://schemas.microsoft.com/office/powerpoint/2010/main" val="3295075991"/>
+        <p14:creationId xmlns:p14="http://schemas.microsoft.com/office/powerpoint/2010/main" val="1175005042"/>
       </p:ext>
     </p:extLst>
   </p:cSld>
@@ -4078,7 +4480,7 @@
           <p:cNvPr id="19" name="Group 18">
             <a:extLst>
               <a:ext uri="{FF2B5EF4-FFF2-40B4-BE49-F238E27FC236}">
-                <a16:creationId xmlns:a16="http://schemas.microsoft.com/office/drawing/2014/main" id="{D0F62175-D24D-4B45-B9CA-E8C1FAAC2857}"/>
+                <a16:creationId xmlns:a16="http://schemas.microsoft.com/office/drawing/2014/main" xmlns="" id="{D0F62175-D24D-4B45-B9CA-E8C1FAAC2857}"/>
               </a:ext>
             </a:extLst>
           </p:cNvPr>
@@ -4098,7 +4500,7 @@
             <p:cNvPr id="10" name="Group 9">
               <a:extLst>
                 <a:ext uri="{FF2B5EF4-FFF2-40B4-BE49-F238E27FC236}">
-                  <a16:creationId xmlns:a16="http://schemas.microsoft.com/office/drawing/2014/main" id="{62E720DB-FF62-4E7A-86CD-1CAE2B2D6238}"/>
+                  <a16:creationId xmlns:a16="http://schemas.microsoft.com/office/drawing/2014/main" xmlns="" id="{62E720DB-FF62-4E7A-86CD-1CAE2B2D6238}"/>
                 </a:ext>
               </a:extLst>
             </p:cNvPr>
@@ -4118,7 +4520,589 @@
               <p:cNvPr id="2" name="Rectangle: Rounded Corners 1">
                 <a:extLst>
                   <a:ext uri="{FF2B5EF4-FFF2-40B4-BE49-F238E27FC236}">
-                    <a16:creationId xmlns:a16="http://schemas.microsoft.com/office/drawing/2014/main" id="{229043B8-923C-4A63-923B-ED47AB6F3179}"/>
+                    <a16:creationId xmlns:a16="http://schemas.microsoft.com/office/drawing/2014/main" xmlns="" id="{229043B8-923C-4A63-923B-ED47AB6F3179}"/>
+                  </a:ext>
+                </a:extLst>
+              </p:cNvPr>
+              <p:cNvSpPr/>
+              <p:nvPr/>
+            </p:nvSpPr>
+            <p:spPr>
+              <a:xfrm>
+                <a:off x="1365957" y="2465406"/>
+                <a:ext cx="2684040" cy="1338950"/>
+              </a:xfrm>
+              <a:prstGeom prst="roundRect">
+                <a:avLst/>
+              </a:prstGeom>
+              <a:solidFill>
+                <a:schemeClr val="accent1">
+                  <a:lumMod val="40000"/>
+                  <a:lumOff val="60000"/>
+                </a:schemeClr>
+              </a:solidFill>
+            </p:spPr>
+            <p:style>
+              <a:lnRef idx="2">
+                <a:schemeClr val="accent1">
+                  <a:shade val="50000"/>
+                </a:schemeClr>
+              </a:lnRef>
+              <a:fillRef idx="1">
+                <a:schemeClr val="accent1"/>
+              </a:fillRef>
+              <a:effectRef idx="0">
+                <a:schemeClr val="accent1"/>
+              </a:effectRef>
+              <a:fontRef idx="minor">
+                <a:schemeClr val="lt1"/>
+              </a:fontRef>
+            </p:style>
+            <p:txBody>
+              <a:bodyPr rtlCol="0" anchor="ctr"/>
+              <a:lstStyle/>
+              <a:p>
+                <a:pPr algn="ctr"/>
+                <a:r>
+                  <a:rPr lang="en-IN" sz="1800" dirty="0" smtClean="0">
+                    <a:solidFill>
+                      <a:srgbClr val="000000"/>
+                    </a:solidFill>
+                    <a:latin typeface="Consolas" panose="020B0609020204030204" pitchFamily="49" charset="0"/>
+                  </a:rPr>
+                  <a:t>bmt.registry01.com</a:t>
+                </a:r>
+                <a:endParaRPr lang="en-IN" dirty="0"/>
+              </a:p>
+            </p:txBody>
+          </p:sp>
+          <p:sp>
+            <p:nvSpPr>
+              <p:cNvPr id="7" name="Rectangle 1">
+                <a:extLst>
+                  <a:ext uri="{FF2B5EF4-FFF2-40B4-BE49-F238E27FC236}">
+                    <a16:creationId xmlns:a16="http://schemas.microsoft.com/office/drawing/2014/main" xmlns="" id="{FFE5BAF0-90A9-481D-AAC3-4466B273C9B9}"/>
+                  </a:ext>
+                </a:extLst>
+              </p:cNvPr>
+              <p:cNvSpPr>
+                <a:spLocks noChangeArrowheads="1"/>
+              </p:cNvSpPr>
+              <p:nvPr/>
+            </p:nvSpPr>
+            <p:spPr bwMode="auto">
+              <a:xfrm>
+                <a:off x="2458262" y="2495902"/>
+                <a:ext cx="1490133" cy="323165"/>
+              </a:xfrm>
+              <a:prstGeom prst="rect">
+                <a:avLst/>
+              </a:prstGeom>
+              <a:solidFill>
+                <a:srgbClr val="F2F2F2"/>
+              </a:solidFill>
+              <a:ln>
+                <a:noFill/>
+              </a:ln>
+              <a:effectLst/>
+              <a:extLst>
+                <a:ext uri="{91240B29-F687-4F45-9708-019B960494DF}">
+                  <a14:hiddenLine xmlns:a14="http://schemas.microsoft.com/office/drawing/2010/main" w="9525">
+                    <a:solidFill>
+                      <a:schemeClr val="tx1"/>
+                    </a:solidFill>
+                    <a:miter lim="800000"/>
+                    <a:headEnd/>
+                    <a:tailEnd/>
+                  </a14:hiddenLine>
+                </a:ext>
+                <a:ext uri="{AF507438-7753-43E0-B8FC-AC1667EBCBE1}">
+                  <a14:hiddenEffects xmlns:a14="http://schemas.microsoft.com/office/drawing/2010/main">
+                    <a:effectLst>
+                      <a:outerShdw dist="35921" dir="2700000" algn="ctr" rotWithShape="0">
+                        <a:schemeClr val="bg2"/>
+                      </a:outerShdw>
+                    </a:effectLst>
+                  </a14:hiddenEffects>
+                </a:ext>
+              </a:extLst>
+            </p:spPr>
+            <p:txBody>
+              <a:bodyPr vert="horz" wrap="square" lIns="91440" tIns="45720" rIns="91440" bIns="45720" numCol="1" anchor="ctr" anchorCtr="0" compatLnSpc="1">
+                <a:prstTxWarp prst="textNoShape">
+                  <a:avLst/>
+                </a:prstTxWarp>
+                <a:spAutoFit/>
+              </a:bodyPr>
+              <a:lstStyle>
+                <a:lvl1pPr eaLnBrk="0" fontAlgn="base" hangingPunct="0">
+                  <a:spcBef>
+                    <a:spcPct val="0"/>
+                  </a:spcBef>
+                  <a:spcAft>
+                    <a:spcPct val="0"/>
+                  </a:spcAft>
+                  <a:defRPr>
+                    <a:solidFill>
+                      <a:schemeClr val="tx1"/>
+                    </a:solidFill>
+                    <a:latin typeface="Arial" panose="020B0604020202020204" pitchFamily="34" charset="0"/>
+                  </a:defRPr>
+                </a:lvl1pPr>
+                <a:lvl2pPr eaLnBrk="0" fontAlgn="base" hangingPunct="0">
+                  <a:spcBef>
+                    <a:spcPct val="0"/>
+                  </a:spcBef>
+                  <a:spcAft>
+                    <a:spcPct val="0"/>
+                  </a:spcAft>
+                  <a:defRPr>
+                    <a:solidFill>
+                      <a:schemeClr val="tx1"/>
+                    </a:solidFill>
+                    <a:latin typeface="Arial" panose="020B0604020202020204" pitchFamily="34" charset="0"/>
+                  </a:defRPr>
+                </a:lvl2pPr>
+                <a:lvl3pPr eaLnBrk="0" fontAlgn="base" hangingPunct="0">
+                  <a:spcBef>
+                    <a:spcPct val="0"/>
+                  </a:spcBef>
+                  <a:spcAft>
+                    <a:spcPct val="0"/>
+                  </a:spcAft>
+                  <a:defRPr>
+                    <a:solidFill>
+                      <a:schemeClr val="tx1"/>
+                    </a:solidFill>
+                    <a:latin typeface="Arial" panose="020B0604020202020204" pitchFamily="34" charset="0"/>
+                  </a:defRPr>
+                </a:lvl3pPr>
+                <a:lvl4pPr eaLnBrk="0" fontAlgn="base" hangingPunct="0">
+                  <a:spcBef>
+                    <a:spcPct val="0"/>
+                  </a:spcBef>
+                  <a:spcAft>
+                    <a:spcPct val="0"/>
+                  </a:spcAft>
+                  <a:defRPr>
+                    <a:solidFill>
+                      <a:schemeClr val="tx1"/>
+                    </a:solidFill>
+                    <a:latin typeface="Arial" panose="020B0604020202020204" pitchFamily="34" charset="0"/>
+                  </a:defRPr>
+                </a:lvl4pPr>
+                <a:lvl5pPr eaLnBrk="0" fontAlgn="base" hangingPunct="0">
+                  <a:spcBef>
+                    <a:spcPct val="0"/>
+                  </a:spcBef>
+                  <a:spcAft>
+                    <a:spcPct val="0"/>
+                  </a:spcAft>
+                  <a:defRPr>
+                    <a:solidFill>
+                      <a:schemeClr val="tx1"/>
+                    </a:solidFill>
+                    <a:latin typeface="Arial" panose="020B0604020202020204" pitchFamily="34" charset="0"/>
+                  </a:defRPr>
+                </a:lvl5pPr>
+                <a:lvl6pPr eaLnBrk="0" fontAlgn="base" hangingPunct="0">
+                  <a:spcBef>
+                    <a:spcPct val="0"/>
+                  </a:spcBef>
+                  <a:spcAft>
+                    <a:spcPct val="0"/>
+                  </a:spcAft>
+                  <a:defRPr>
+                    <a:solidFill>
+                      <a:schemeClr val="tx1"/>
+                    </a:solidFill>
+                    <a:latin typeface="Arial" panose="020B0604020202020204" pitchFamily="34" charset="0"/>
+                  </a:defRPr>
+                </a:lvl6pPr>
+                <a:lvl7pPr eaLnBrk="0" fontAlgn="base" hangingPunct="0">
+                  <a:spcBef>
+                    <a:spcPct val="0"/>
+                  </a:spcBef>
+                  <a:spcAft>
+                    <a:spcPct val="0"/>
+                  </a:spcAft>
+                  <a:defRPr>
+                    <a:solidFill>
+                      <a:schemeClr val="tx1"/>
+                    </a:solidFill>
+                    <a:latin typeface="Arial" panose="020B0604020202020204" pitchFamily="34" charset="0"/>
+                  </a:defRPr>
+                </a:lvl7pPr>
+                <a:lvl8pPr eaLnBrk="0" fontAlgn="base" hangingPunct="0">
+                  <a:spcBef>
+                    <a:spcPct val="0"/>
+                  </a:spcBef>
+                  <a:spcAft>
+                    <a:spcPct val="0"/>
+                  </a:spcAft>
+                  <a:defRPr>
+                    <a:solidFill>
+                      <a:schemeClr val="tx1"/>
+                    </a:solidFill>
+                    <a:latin typeface="Arial" panose="020B0604020202020204" pitchFamily="34" charset="0"/>
+                  </a:defRPr>
+                </a:lvl8pPr>
+                <a:lvl9pPr eaLnBrk="0" fontAlgn="base" hangingPunct="0">
+                  <a:spcBef>
+                    <a:spcPct val="0"/>
+                  </a:spcBef>
+                  <a:spcAft>
+                    <a:spcPct val="0"/>
+                  </a:spcAft>
+                  <a:defRPr>
+                    <a:solidFill>
+                      <a:schemeClr val="tx1"/>
+                    </a:solidFill>
+                    <a:latin typeface="Arial" panose="020B0604020202020204" pitchFamily="34" charset="0"/>
+                  </a:defRPr>
+                </a:lvl9pPr>
+              </a:lstStyle>
+              <a:p>
+                <a:pPr marL="0" marR="0" lvl="0" indent="0" algn="l" defTabSz="914400" rtl="0" eaLnBrk="0" fontAlgn="base" latinLnBrk="0" hangingPunct="0">
+                  <a:lnSpc>
+                    <a:spcPct val="100000"/>
+                  </a:lnSpc>
+                  <a:spcBef>
+                    <a:spcPct val="0"/>
+                  </a:spcBef>
+                  <a:spcAft>
+                    <a:spcPct val="0"/>
+                  </a:spcAft>
+                  <a:buClrTx/>
+                  <a:buSzTx/>
+                  <a:buFontTx/>
+                  <a:buNone/>
+                  <a:tabLst/>
+                </a:pPr>
+                <a:r>
+                  <a:rPr kumimoji="0" lang="en-US" altLang="en-US" sz="1100" b="0" i="0" u="none" strike="noStrike" cap="none" normalizeH="0" baseline="0">
+                    <a:ln>
+                      <a:noFill/>
+                    </a:ln>
+                    <a:solidFill>
+                      <a:srgbClr val="292929"/>
+                    </a:solidFill>
+                    <a:effectLst/>
+                    <a:latin typeface="Menlo"/>
+                  </a:rPr>
+                  <a:t>@EnableEurekaServer</a:t>
+                </a:r>
+                <a:r>
+                  <a:rPr kumimoji="0" lang="en-US" altLang="en-US" sz="1500" b="0" i="0" u="none" strike="noStrike" cap="none" normalizeH="0" baseline="0">
+                    <a:ln>
+                      <a:noFill/>
+                    </a:ln>
+                    <a:solidFill>
+                      <a:srgbClr val="292929"/>
+                    </a:solidFill>
+                    <a:effectLst/>
+                    <a:latin typeface="charter"/>
+                  </a:rPr>
+                  <a:t> </a:t>
+                </a:r>
+                <a:r>
+                  <a:rPr kumimoji="0" lang="en-US" altLang="en-US" sz="900" b="0" i="0" u="none" strike="noStrike" cap="none" normalizeH="0" baseline="0">
+                    <a:ln>
+                      <a:noFill/>
+                    </a:ln>
+                    <a:solidFill>
+                      <a:schemeClr val="tx1"/>
+                    </a:solidFill>
+                    <a:effectLst/>
+                  </a:rPr>
+                  <a:t> </a:t>
+                </a:r>
+                <a:endParaRPr kumimoji="0" lang="en-US" altLang="en-US" sz="1800" b="0" i="0" u="none" strike="noStrike" cap="none" normalizeH="0" baseline="0">
+                  <a:ln>
+                    <a:noFill/>
+                  </a:ln>
+                  <a:solidFill>
+                    <a:schemeClr val="tx1"/>
+                  </a:solidFill>
+                  <a:effectLst/>
+                  <a:latin typeface="Arial" panose="020B0604020202020204" pitchFamily="34" charset="0"/>
+                </a:endParaRPr>
+              </a:p>
+            </p:txBody>
+          </p:sp>
+          <p:sp>
+            <p:nvSpPr>
+              <p:cNvPr id="9" name="Rectangle 1">
+                <a:extLst>
+                  <a:ext uri="{FF2B5EF4-FFF2-40B4-BE49-F238E27FC236}">
+                    <a16:creationId xmlns:a16="http://schemas.microsoft.com/office/drawing/2014/main" xmlns="" id="{4A5862E7-0045-43EA-8731-76AF0AFFEB2B}"/>
+                  </a:ext>
+                </a:extLst>
+              </p:cNvPr>
+              <p:cNvSpPr>
+                <a:spLocks noChangeArrowheads="1"/>
+              </p:cNvSpPr>
+              <p:nvPr/>
+            </p:nvSpPr>
+            <p:spPr bwMode="auto">
+              <a:xfrm>
+                <a:off x="1365957" y="3471694"/>
+                <a:ext cx="2684039" cy="261610"/>
+              </a:xfrm>
+              <a:prstGeom prst="rect">
+                <a:avLst/>
+              </a:prstGeom>
+              <a:solidFill>
+                <a:srgbClr val="F2F2F2"/>
+              </a:solidFill>
+              <a:ln>
+                <a:noFill/>
+              </a:ln>
+              <a:effectLst/>
+              <a:extLst>
+                <a:ext uri="{91240B29-F687-4F45-9708-019B960494DF}">
+                  <a14:hiddenLine xmlns:a14="http://schemas.microsoft.com/office/drawing/2010/main" w="9525">
+                    <a:solidFill>
+                      <a:schemeClr val="tx1"/>
+                    </a:solidFill>
+                    <a:miter lim="800000"/>
+                    <a:headEnd/>
+                    <a:tailEnd/>
+                  </a14:hiddenLine>
+                </a:ext>
+                <a:ext uri="{AF507438-7753-43E0-B8FC-AC1667EBCBE1}">
+                  <a14:hiddenEffects xmlns:a14="http://schemas.microsoft.com/office/drawing/2010/main">
+                    <a:effectLst>
+                      <a:outerShdw dist="35921" dir="2700000" algn="ctr" rotWithShape="0">
+                        <a:schemeClr val="bg2"/>
+                      </a:outerShdw>
+                    </a:effectLst>
+                  </a14:hiddenEffects>
+                </a:ext>
+              </a:extLst>
+            </p:spPr>
+            <p:txBody>
+              <a:bodyPr vert="horz" wrap="square" lIns="91440" tIns="45720" rIns="91440" bIns="45720" numCol="1" anchor="ctr" anchorCtr="0" compatLnSpc="1">
+                <a:prstTxWarp prst="textNoShape">
+                  <a:avLst/>
+                </a:prstTxWarp>
+                <a:spAutoFit/>
+              </a:bodyPr>
+              <a:lstStyle>
+                <a:lvl1pPr eaLnBrk="0" fontAlgn="base" hangingPunct="0">
+                  <a:spcBef>
+                    <a:spcPct val="0"/>
+                  </a:spcBef>
+                  <a:spcAft>
+                    <a:spcPct val="0"/>
+                  </a:spcAft>
+                  <a:defRPr>
+                    <a:solidFill>
+                      <a:schemeClr val="tx1"/>
+                    </a:solidFill>
+                    <a:latin typeface="Arial" panose="020B0604020202020204" pitchFamily="34" charset="0"/>
+                  </a:defRPr>
+                </a:lvl1pPr>
+                <a:lvl2pPr eaLnBrk="0" fontAlgn="base" hangingPunct="0">
+                  <a:spcBef>
+                    <a:spcPct val="0"/>
+                  </a:spcBef>
+                  <a:spcAft>
+                    <a:spcPct val="0"/>
+                  </a:spcAft>
+                  <a:defRPr>
+                    <a:solidFill>
+                      <a:schemeClr val="tx1"/>
+                    </a:solidFill>
+                    <a:latin typeface="Arial" panose="020B0604020202020204" pitchFamily="34" charset="0"/>
+                  </a:defRPr>
+                </a:lvl2pPr>
+                <a:lvl3pPr eaLnBrk="0" fontAlgn="base" hangingPunct="0">
+                  <a:spcBef>
+                    <a:spcPct val="0"/>
+                  </a:spcBef>
+                  <a:spcAft>
+                    <a:spcPct val="0"/>
+                  </a:spcAft>
+                  <a:defRPr>
+                    <a:solidFill>
+                      <a:schemeClr val="tx1"/>
+                    </a:solidFill>
+                    <a:latin typeface="Arial" panose="020B0604020202020204" pitchFamily="34" charset="0"/>
+                  </a:defRPr>
+                </a:lvl3pPr>
+                <a:lvl4pPr eaLnBrk="0" fontAlgn="base" hangingPunct="0">
+                  <a:spcBef>
+                    <a:spcPct val="0"/>
+                  </a:spcBef>
+                  <a:spcAft>
+                    <a:spcPct val="0"/>
+                  </a:spcAft>
+                  <a:defRPr>
+                    <a:solidFill>
+                      <a:schemeClr val="tx1"/>
+                    </a:solidFill>
+                    <a:latin typeface="Arial" panose="020B0604020202020204" pitchFamily="34" charset="0"/>
+                  </a:defRPr>
+                </a:lvl4pPr>
+                <a:lvl5pPr eaLnBrk="0" fontAlgn="base" hangingPunct="0">
+                  <a:spcBef>
+                    <a:spcPct val="0"/>
+                  </a:spcBef>
+                  <a:spcAft>
+                    <a:spcPct val="0"/>
+                  </a:spcAft>
+                  <a:defRPr>
+                    <a:solidFill>
+                      <a:schemeClr val="tx1"/>
+                    </a:solidFill>
+                    <a:latin typeface="Arial" panose="020B0604020202020204" pitchFamily="34" charset="0"/>
+                  </a:defRPr>
+                </a:lvl5pPr>
+                <a:lvl6pPr eaLnBrk="0" fontAlgn="base" hangingPunct="0">
+                  <a:spcBef>
+                    <a:spcPct val="0"/>
+                  </a:spcBef>
+                  <a:spcAft>
+                    <a:spcPct val="0"/>
+                  </a:spcAft>
+                  <a:defRPr>
+                    <a:solidFill>
+                      <a:schemeClr val="tx1"/>
+                    </a:solidFill>
+                    <a:latin typeface="Arial" panose="020B0604020202020204" pitchFamily="34" charset="0"/>
+                  </a:defRPr>
+                </a:lvl6pPr>
+                <a:lvl7pPr eaLnBrk="0" fontAlgn="base" hangingPunct="0">
+                  <a:spcBef>
+                    <a:spcPct val="0"/>
+                  </a:spcBef>
+                  <a:spcAft>
+                    <a:spcPct val="0"/>
+                  </a:spcAft>
+                  <a:defRPr>
+                    <a:solidFill>
+                      <a:schemeClr val="tx1"/>
+                    </a:solidFill>
+                    <a:latin typeface="Arial" panose="020B0604020202020204" pitchFamily="34" charset="0"/>
+                  </a:defRPr>
+                </a:lvl7pPr>
+                <a:lvl8pPr eaLnBrk="0" fontAlgn="base" hangingPunct="0">
+                  <a:spcBef>
+                    <a:spcPct val="0"/>
+                  </a:spcBef>
+                  <a:spcAft>
+                    <a:spcPct val="0"/>
+                  </a:spcAft>
+                  <a:defRPr>
+                    <a:solidFill>
+                      <a:schemeClr val="tx1"/>
+                    </a:solidFill>
+                    <a:latin typeface="Arial" panose="020B0604020202020204" pitchFamily="34" charset="0"/>
+                  </a:defRPr>
+                </a:lvl8pPr>
+                <a:lvl9pPr eaLnBrk="0" fontAlgn="base" hangingPunct="0">
+                  <a:spcBef>
+                    <a:spcPct val="0"/>
+                  </a:spcBef>
+                  <a:spcAft>
+                    <a:spcPct val="0"/>
+                  </a:spcAft>
+                  <a:defRPr>
+                    <a:solidFill>
+                      <a:schemeClr val="tx1"/>
+                    </a:solidFill>
+                    <a:latin typeface="Arial" panose="020B0604020202020204" pitchFamily="34" charset="0"/>
+                  </a:defRPr>
+                </a:lvl9pPr>
+              </a:lstStyle>
+              <a:p>
+                <a:pPr marL="0" marR="0" lvl="0" indent="0" algn="l" defTabSz="914400" rtl="0" eaLnBrk="0" fontAlgn="base" latinLnBrk="0" hangingPunct="0">
+                  <a:lnSpc>
+                    <a:spcPct val="100000"/>
+                  </a:lnSpc>
+                  <a:spcBef>
+                    <a:spcPct val="0"/>
+                  </a:spcBef>
+                  <a:spcAft>
+                    <a:spcPct val="0"/>
+                  </a:spcAft>
+                  <a:buClrTx/>
+                  <a:buSzTx/>
+                  <a:buFontTx/>
+                  <a:buNone/>
+                  <a:tabLst/>
+                </a:pPr>
+                <a:r>
+                  <a:rPr lang="en-IN" sz="1100" b="0" i="0" dirty="0">
+                    <a:solidFill>
+                      <a:srgbClr val="24292F"/>
+                    </a:solidFill>
+                    <a:effectLst/>
+                    <a:latin typeface="ui-monospace"/>
+                  </a:rPr>
+                  <a:t>spring-cloud-starter-</a:t>
+                </a:r>
+                <a:r>
+                  <a:rPr lang="en-IN" sz="1100" b="0" i="0" dirty="0" err="1">
+                    <a:solidFill>
+                      <a:srgbClr val="24292F"/>
+                    </a:solidFill>
+                    <a:effectLst/>
+                    <a:latin typeface="ui-monospace"/>
+                  </a:rPr>
+                  <a:t>netflix</a:t>
+                </a:r>
+                <a:r>
+                  <a:rPr lang="en-IN" sz="1100" b="0" i="0" dirty="0">
+                    <a:solidFill>
+                      <a:srgbClr val="24292F"/>
+                    </a:solidFill>
+                    <a:effectLst/>
+                    <a:latin typeface="ui-monospace"/>
+                  </a:rPr>
+                  <a:t>-eureka-server</a:t>
+                </a:r>
+                <a:endParaRPr kumimoji="0" lang="en-US" altLang="en-US" sz="1800" b="0" i="0" u="none" strike="noStrike" cap="none" normalizeH="0" baseline="0" dirty="0">
+                  <a:ln>
+                    <a:noFill/>
+                  </a:ln>
+                  <a:solidFill>
+                    <a:schemeClr val="tx1"/>
+                  </a:solidFill>
+                  <a:effectLst/>
+                  <a:latin typeface="Arial" panose="020B0604020202020204" pitchFamily="34" charset="0"/>
+                </a:endParaRPr>
+              </a:p>
+            </p:txBody>
+          </p:sp>
+        </p:grpSp>
+        <p:grpSp>
+          <p:nvGrpSpPr>
+            <p:cNvPr id="11" name="Group 10">
+              <a:extLst>
+                <a:ext uri="{FF2B5EF4-FFF2-40B4-BE49-F238E27FC236}">
+                  <a16:creationId xmlns:a16="http://schemas.microsoft.com/office/drawing/2014/main" xmlns="" id="{93DBFA10-C83E-4DEF-8CD1-BADBC16FE155}"/>
+                </a:ext>
+              </a:extLst>
+            </p:cNvPr>
+            <p:cNvGrpSpPr/>
+            <p:nvPr/>
+          </p:nvGrpSpPr>
+          <p:grpSpPr>
+            <a:xfrm>
+              <a:off x="4351869" y="2465406"/>
+              <a:ext cx="2684040" cy="1338950"/>
+              <a:chOff x="1365957" y="2465406"/>
+              <a:chExt cx="2684040" cy="1338950"/>
+            </a:xfrm>
+          </p:grpSpPr>
+          <p:sp>
+            <p:nvSpPr>
+              <p:cNvPr id="12" name="Rectangle: Rounded Corners 11">
+                <a:extLst>
+                  <a:ext uri="{FF2B5EF4-FFF2-40B4-BE49-F238E27FC236}">
+                    <a16:creationId xmlns:a16="http://schemas.microsoft.com/office/drawing/2014/main" xmlns="" id="{BE150171-1A7B-4D64-B55E-DB783C08E7C2}"/>
                   </a:ext>
                 </a:extLst>
               </p:cNvPr>
@@ -4168,7 +5152,7 @@
                     </a:solidFill>
                     <a:latin typeface="Consolas" panose="020B0609020204030204" pitchFamily="49" charset="0"/>
                   </a:rPr>
-                  <a:t>bmt.registry01.com</a:t>
+                  <a:t>bmt.registry02.com</a:t>
                 </a:r>
                 <a:endParaRPr lang="en-IN" dirty="0"/>
               </a:p>
@@ -4176,10 +5160,10 @@
           </p:sp>
           <p:sp>
             <p:nvSpPr>
-              <p:cNvPr id="7" name="Rectangle 1">
+              <p:cNvPr id="13" name="Rectangle 1">
                 <a:extLst>
                   <a:ext uri="{FF2B5EF4-FFF2-40B4-BE49-F238E27FC236}">
-                    <a16:creationId xmlns:a16="http://schemas.microsoft.com/office/drawing/2014/main" id="{FFE5BAF0-90A9-481D-AAC3-4466B273C9B9}"/>
+                    <a16:creationId xmlns:a16="http://schemas.microsoft.com/office/drawing/2014/main" xmlns="" id="{26A7B01C-670A-4B9E-8775-5248BB8B3942}"/>
                   </a:ext>
                 </a:extLst>
               </p:cNvPr>
@@ -4430,10 +5414,10 @@
           </p:sp>
           <p:sp>
             <p:nvSpPr>
-              <p:cNvPr id="9" name="Rectangle 1">
+              <p:cNvPr id="14" name="Rectangle 1">
                 <a:extLst>
                   <a:ext uri="{FF2B5EF4-FFF2-40B4-BE49-F238E27FC236}">
-                    <a16:creationId xmlns:a16="http://schemas.microsoft.com/office/drawing/2014/main" id="{4A5862E7-0045-43EA-8731-76AF0AFFEB2B}"/>
+                    <a16:creationId xmlns:a16="http://schemas.microsoft.com/office/drawing/2014/main" xmlns="" id="{AE53C4F4-C196-4B4D-894F-2430912415CD}"/>
                   </a:ext>
                 </a:extLst>
               </p:cNvPr>
@@ -4675,595 +5659,13 @@
             </p:txBody>
           </p:sp>
         </p:grpSp>
-        <p:grpSp>
-          <p:nvGrpSpPr>
-            <p:cNvPr id="11" name="Group 10">
-              <a:extLst>
-                <a:ext uri="{FF2B5EF4-FFF2-40B4-BE49-F238E27FC236}">
-                  <a16:creationId xmlns:a16="http://schemas.microsoft.com/office/drawing/2014/main" id="{93DBFA10-C83E-4DEF-8CD1-BADBC16FE155}"/>
-                </a:ext>
-              </a:extLst>
-            </p:cNvPr>
-            <p:cNvGrpSpPr/>
-            <p:nvPr/>
-          </p:nvGrpSpPr>
-          <p:grpSpPr>
-            <a:xfrm>
-              <a:off x="4351869" y="2465406"/>
-              <a:ext cx="2684040" cy="1338950"/>
-              <a:chOff x="1365957" y="2465406"/>
-              <a:chExt cx="2684040" cy="1338950"/>
-            </a:xfrm>
-          </p:grpSpPr>
-          <p:sp>
-            <p:nvSpPr>
-              <p:cNvPr id="12" name="Rectangle: Rounded Corners 11">
-                <a:extLst>
-                  <a:ext uri="{FF2B5EF4-FFF2-40B4-BE49-F238E27FC236}">
-                    <a16:creationId xmlns:a16="http://schemas.microsoft.com/office/drawing/2014/main" id="{BE150171-1A7B-4D64-B55E-DB783C08E7C2}"/>
-                  </a:ext>
-                </a:extLst>
-              </p:cNvPr>
-              <p:cNvSpPr/>
-              <p:nvPr/>
-            </p:nvSpPr>
-            <p:spPr>
-              <a:xfrm>
-                <a:off x="1365957" y="2465406"/>
-                <a:ext cx="2684040" cy="1338950"/>
-              </a:xfrm>
-              <a:prstGeom prst="roundRect">
-                <a:avLst/>
-              </a:prstGeom>
-              <a:solidFill>
-                <a:schemeClr val="accent1">
-                  <a:lumMod val="40000"/>
-                  <a:lumOff val="60000"/>
-                </a:schemeClr>
-              </a:solidFill>
-            </p:spPr>
-            <p:style>
-              <a:lnRef idx="2">
-                <a:schemeClr val="accent1">
-                  <a:shade val="50000"/>
-                </a:schemeClr>
-              </a:lnRef>
-              <a:fillRef idx="1">
-                <a:schemeClr val="accent1"/>
-              </a:fillRef>
-              <a:effectRef idx="0">
-                <a:schemeClr val="accent1"/>
-              </a:effectRef>
-              <a:fontRef idx="minor">
-                <a:schemeClr val="lt1"/>
-              </a:fontRef>
-            </p:style>
-            <p:txBody>
-              <a:bodyPr rtlCol="0" anchor="ctr"/>
-              <a:lstStyle/>
-              <a:p>
-                <a:pPr algn="ctr"/>
-                <a:r>
-                  <a:rPr lang="en-IN" sz="1800" dirty="0">
-                    <a:solidFill>
-                      <a:srgbClr val="000000"/>
-                    </a:solidFill>
-                    <a:latin typeface="Consolas" panose="020B0609020204030204" pitchFamily="49" charset="0"/>
-                  </a:rPr>
-                  <a:t>bmt.registry02.com</a:t>
-                </a:r>
-                <a:endParaRPr lang="en-IN" dirty="0"/>
-              </a:p>
-            </p:txBody>
-          </p:sp>
-          <p:sp>
-            <p:nvSpPr>
-              <p:cNvPr id="13" name="Rectangle 1">
-                <a:extLst>
-                  <a:ext uri="{FF2B5EF4-FFF2-40B4-BE49-F238E27FC236}">
-                    <a16:creationId xmlns:a16="http://schemas.microsoft.com/office/drawing/2014/main" id="{26A7B01C-670A-4B9E-8775-5248BB8B3942}"/>
-                  </a:ext>
-                </a:extLst>
-              </p:cNvPr>
-              <p:cNvSpPr>
-                <a:spLocks noChangeArrowheads="1"/>
-              </p:cNvSpPr>
-              <p:nvPr/>
-            </p:nvSpPr>
-            <p:spPr bwMode="auto">
-              <a:xfrm>
-                <a:off x="2458262" y="2495902"/>
-                <a:ext cx="1490133" cy="323165"/>
-              </a:xfrm>
-              <a:prstGeom prst="rect">
-                <a:avLst/>
-              </a:prstGeom>
-              <a:solidFill>
-                <a:srgbClr val="F2F2F2"/>
-              </a:solidFill>
-              <a:ln>
-                <a:noFill/>
-              </a:ln>
-              <a:effectLst/>
-              <a:extLst>
-                <a:ext uri="{91240B29-F687-4F45-9708-019B960494DF}">
-                  <a14:hiddenLine xmlns:a14="http://schemas.microsoft.com/office/drawing/2010/main" w="9525">
-                    <a:solidFill>
-                      <a:schemeClr val="tx1"/>
-                    </a:solidFill>
-                    <a:miter lim="800000"/>
-                    <a:headEnd/>
-                    <a:tailEnd/>
-                  </a14:hiddenLine>
-                </a:ext>
-                <a:ext uri="{AF507438-7753-43E0-B8FC-AC1667EBCBE1}">
-                  <a14:hiddenEffects xmlns:a14="http://schemas.microsoft.com/office/drawing/2010/main">
-                    <a:effectLst>
-                      <a:outerShdw dist="35921" dir="2700000" algn="ctr" rotWithShape="0">
-                        <a:schemeClr val="bg2"/>
-                      </a:outerShdw>
-                    </a:effectLst>
-                  </a14:hiddenEffects>
-                </a:ext>
-              </a:extLst>
-            </p:spPr>
-            <p:txBody>
-              <a:bodyPr vert="horz" wrap="square" lIns="91440" tIns="45720" rIns="91440" bIns="45720" numCol="1" anchor="ctr" anchorCtr="0" compatLnSpc="1">
-                <a:prstTxWarp prst="textNoShape">
-                  <a:avLst/>
-                </a:prstTxWarp>
-                <a:spAutoFit/>
-              </a:bodyPr>
-              <a:lstStyle>
-                <a:lvl1pPr eaLnBrk="0" fontAlgn="base" hangingPunct="0">
-                  <a:spcBef>
-                    <a:spcPct val="0"/>
-                  </a:spcBef>
-                  <a:spcAft>
-                    <a:spcPct val="0"/>
-                  </a:spcAft>
-                  <a:defRPr>
-                    <a:solidFill>
-                      <a:schemeClr val="tx1"/>
-                    </a:solidFill>
-                    <a:latin typeface="Arial" panose="020B0604020202020204" pitchFamily="34" charset="0"/>
-                  </a:defRPr>
-                </a:lvl1pPr>
-                <a:lvl2pPr eaLnBrk="0" fontAlgn="base" hangingPunct="0">
-                  <a:spcBef>
-                    <a:spcPct val="0"/>
-                  </a:spcBef>
-                  <a:spcAft>
-                    <a:spcPct val="0"/>
-                  </a:spcAft>
-                  <a:defRPr>
-                    <a:solidFill>
-                      <a:schemeClr val="tx1"/>
-                    </a:solidFill>
-                    <a:latin typeface="Arial" panose="020B0604020202020204" pitchFamily="34" charset="0"/>
-                  </a:defRPr>
-                </a:lvl2pPr>
-                <a:lvl3pPr eaLnBrk="0" fontAlgn="base" hangingPunct="0">
-                  <a:spcBef>
-                    <a:spcPct val="0"/>
-                  </a:spcBef>
-                  <a:spcAft>
-                    <a:spcPct val="0"/>
-                  </a:spcAft>
-                  <a:defRPr>
-                    <a:solidFill>
-                      <a:schemeClr val="tx1"/>
-                    </a:solidFill>
-                    <a:latin typeface="Arial" panose="020B0604020202020204" pitchFamily="34" charset="0"/>
-                  </a:defRPr>
-                </a:lvl3pPr>
-                <a:lvl4pPr eaLnBrk="0" fontAlgn="base" hangingPunct="0">
-                  <a:spcBef>
-                    <a:spcPct val="0"/>
-                  </a:spcBef>
-                  <a:spcAft>
-                    <a:spcPct val="0"/>
-                  </a:spcAft>
-                  <a:defRPr>
-                    <a:solidFill>
-                      <a:schemeClr val="tx1"/>
-                    </a:solidFill>
-                    <a:latin typeface="Arial" panose="020B0604020202020204" pitchFamily="34" charset="0"/>
-                  </a:defRPr>
-                </a:lvl4pPr>
-                <a:lvl5pPr eaLnBrk="0" fontAlgn="base" hangingPunct="0">
-                  <a:spcBef>
-                    <a:spcPct val="0"/>
-                  </a:spcBef>
-                  <a:spcAft>
-                    <a:spcPct val="0"/>
-                  </a:spcAft>
-                  <a:defRPr>
-                    <a:solidFill>
-                      <a:schemeClr val="tx1"/>
-                    </a:solidFill>
-                    <a:latin typeface="Arial" panose="020B0604020202020204" pitchFamily="34" charset="0"/>
-                  </a:defRPr>
-                </a:lvl5pPr>
-                <a:lvl6pPr eaLnBrk="0" fontAlgn="base" hangingPunct="0">
-                  <a:spcBef>
-                    <a:spcPct val="0"/>
-                  </a:spcBef>
-                  <a:spcAft>
-                    <a:spcPct val="0"/>
-                  </a:spcAft>
-                  <a:defRPr>
-                    <a:solidFill>
-                      <a:schemeClr val="tx1"/>
-                    </a:solidFill>
-                    <a:latin typeface="Arial" panose="020B0604020202020204" pitchFamily="34" charset="0"/>
-                  </a:defRPr>
-                </a:lvl6pPr>
-                <a:lvl7pPr eaLnBrk="0" fontAlgn="base" hangingPunct="0">
-                  <a:spcBef>
-                    <a:spcPct val="0"/>
-                  </a:spcBef>
-                  <a:spcAft>
-                    <a:spcPct val="0"/>
-                  </a:spcAft>
-                  <a:defRPr>
-                    <a:solidFill>
-                      <a:schemeClr val="tx1"/>
-                    </a:solidFill>
-                    <a:latin typeface="Arial" panose="020B0604020202020204" pitchFamily="34" charset="0"/>
-                  </a:defRPr>
-                </a:lvl7pPr>
-                <a:lvl8pPr eaLnBrk="0" fontAlgn="base" hangingPunct="0">
-                  <a:spcBef>
-                    <a:spcPct val="0"/>
-                  </a:spcBef>
-                  <a:spcAft>
-                    <a:spcPct val="0"/>
-                  </a:spcAft>
-                  <a:defRPr>
-                    <a:solidFill>
-                      <a:schemeClr val="tx1"/>
-                    </a:solidFill>
-                    <a:latin typeface="Arial" panose="020B0604020202020204" pitchFamily="34" charset="0"/>
-                  </a:defRPr>
-                </a:lvl8pPr>
-                <a:lvl9pPr eaLnBrk="0" fontAlgn="base" hangingPunct="0">
-                  <a:spcBef>
-                    <a:spcPct val="0"/>
-                  </a:spcBef>
-                  <a:spcAft>
-                    <a:spcPct val="0"/>
-                  </a:spcAft>
-                  <a:defRPr>
-                    <a:solidFill>
-                      <a:schemeClr val="tx1"/>
-                    </a:solidFill>
-                    <a:latin typeface="Arial" panose="020B0604020202020204" pitchFamily="34" charset="0"/>
-                  </a:defRPr>
-                </a:lvl9pPr>
-              </a:lstStyle>
-              <a:p>
-                <a:pPr marL="0" marR="0" lvl="0" indent="0" algn="l" defTabSz="914400" rtl="0" eaLnBrk="0" fontAlgn="base" latinLnBrk="0" hangingPunct="0">
-                  <a:lnSpc>
-                    <a:spcPct val="100000"/>
-                  </a:lnSpc>
-                  <a:spcBef>
-                    <a:spcPct val="0"/>
-                  </a:spcBef>
-                  <a:spcAft>
-                    <a:spcPct val="0"/>
-                  </a:spcAft>
-                  <a:buClrTx/>
-                  <a:buSzTx/>
-                  <a:buFontTx/>
-                  <a:buNone/>
-                  <a:tabLst/>
-                </a:pPr>
-                <a:r>
-                  <a:rPr kumimoji="0" lang="en-US" altLang="en-US" sz="1100" b="0" i="0" u="none" strike="noStrike" cap="none" normalizeH="0" baseline="0">
-                    <a:ln>
-                      <a:noFill/>
-                    </a:ln>
-                    <a:solidFill>
-                      <a:srgbClr val="292929"/>
-                    </a:solidFill>
-                    <a:effectLst/>
-                    <a:latin typeface="Menlo"/>
-                  </a:rPr>
-                  <a:t>@EnableEurekaServer</a:t>
-                </a:r>
-                <a:r>
-                  <a:rPr kumimoji="0" lang="en-US" altLang="en-US" sz="1500" b="0" i="0" u="none" strike="noStrike" cap="none" normalizeH="0" baseline="0">
-                    <a:ln>
-                      <a:noFill/>
-                    </a:ln>
-                    <a:solidFill>
-                      <a:srgbClr val="292929"/>
-                    </a:solidFill>
-                    <a:effectLst/>
-                    <a:latin typeface="charter"/>
-                  </a:rPr>
-                  <a:t> </a:t>
-                </a:r>
-                <a:r>
-                  <a:rPr kumimoji="0" lang="en-US" altLang="en-US" sz="900" b="0" i="0" u="none" strike="noStrike" cap="none" normalizeH="0" baseline="0">
-                    <a:ln>
-                      <a:noFill/>
-                    </a:ln>
-                    <a:solidFill>
-                      <a:schemeClr val="tx1"/>
-                    </a:solidFill>
-                    <a:effectLst/>
-                  </a:rPr>
-                  <a:t> </a:t>
-                </a:r>
-                <a:endParaRPr kumimoji="0" lang="en-US" altLang="en-US" sz="1800" b="0" i="0" u="none" strike="noStrike" cap="none" normalizeH="0" baseline="0">
-                  <a:ln>
-                    <a:noFill/>
-                  </a:ln>
-                  <a:solidFill>
-                    <a:schemeClr val="tx1"/>
-                  </a:solidFill>
-                  <a:effectLst/>
-                  <a:latin typeface="Arial" panose="020B0604020202020204" pitchFamily="34" charset="0"/>
-                </a:endParaRPr>
-              </a:p>
-            </p:txBody>
-          </p:sp>
-          <p:sp>
-            <p:nvSpPr>
-              <p:cNvPr id="14" name="Rectangle 1">
-                <a:extLst>
-                  <a:ext uri="{FF2B5EF4-FFF2-40B4-BE49-F238E27FC236}">
-                    <a16:creationId xmlns:a16="http://schemas.microsoft.com/office/drawing/2014/main" id="{AE53C4F4-C196-4B4D-894F-2430912415CD}"/>
-                  </a:ext>
-                </a:extLst>
-              </p:cNvPr>
-              <p:cNvSpPr>
-                <a:spLocks noChangeArrowheads="1"/>
-              </p:cNvSpPr>
-              <p:nvPr/>
-            </p:nvSpPr>
-            <p:spPr bwMode="auto">
-              <a:xfrm>
-                <a:off x="1365957" y="3471694"/>
-                <a:ext cx="2684039" cy="261610"/>
-              </a:xfrm>
-              <a:prstGeom prst="rect">
-                <a:avLst/>
-              </a:prstGeom>
-              <a:solidFill>
-                <a:srgbClr val="F2F2F2"/>
-              </a:solidFill>
-              <a:ln>
-                <a:noFill/>
-              </a:ln>
-              <a:effectLst/>
-              <a:extLst>
-                <a:ext uri="{91240B29-F687-4F45-9708-019B960494DF}">
-                  <a14:hiddenLine xmlns:a14="http://schemas.microsoft.com/office/drawing/2010/main" w="9525">
-                    <a:solidFill>
-                      <a:schemeClr val="tx1"/>
-                    </a:solidFill>
-                    <a:miter lim="800000"/>
-                    <a:headEnd/>
-                    <a:tailEnd/>
-                  </a14:hiddenLine>
-                </a:ext>
-                <a:ext uri="{AF507438-7753-43E0-B8FC-AC1667EBCBE1}">
-                  <a14:hiddenEffects xmlns:a14="http://schemas.microsoft.com/office/drawing/2010/main">
-                    <a:effectLst>
-                      <a:outerShdw dist="35921" dir="2700000" algn="ctr" rotWithShape="0">
-                        <a:schemeClr val="bg2"/>
-                      </a:outerShdw>
-                    </a:effectLst>
-                  </a14:hiddenEffects>
-                </a:ext>
-              </a:extLst>
-            </p:spPr>
-            <p:txBody>
-              <a:bodyPr vert="horz" wrap="square" lIns="91440" tIns="45720" rIns="91440" bIns="45720" numCol="1" anchor="ctr" anchorCtr="0" compatLnSpc="1">
-                <a:prstTxWarp prst="textNoShape">
-                  <a:avLst/>
-                </a:prstTxWarp>
-                <a:spAutoFit/>
-              </a:bodyPr>
-              <a:lstStyle>
-                <a:lvl1pPr eaLnBrk="0" fontAlgn="base" hangingPunct="0">
-                  <a:spcBef>
-                    <a:spcPct val="0"/>
-                  </a:spcBef>
-                  <a:spcAft>
-                    <a:spcPct val="0"/>
-                  </a:spcAft>
-                  <a:defRPr>
-                    <a:solidFill>
-                      <a:schemeClr val="tx1"/>
-                    </a:solidFill>
-                    <a:latin typeface="Arial" panose="020B0604020202020204" pitchFamily="34" charset="0"/>
-                  </a:defRPr>
-                </a:lvl1pPr>
-                <a:lvl2pPr eaLnBrk="0" fontAlgn="base" hangingPunct="0">
-                  <a:spcBef>
-                    <a:spcPct val="0"/>
-                  </a:spcBef>
-                  <a:spcAft>
-                    <a:spcPct val="0"/>
-                  </a:spcAft>
-                  <a:defRPr>
-                    <a:solidFill>
-                      <a:schemeClr val="tx1"/>
-                    </a:solidFill>
-                    <a:latin typeface="Arial" panose="020B0604020202020204" pitchFamily="34" charset="0"/>
-                  </a:defRPr>
-                </a:lvl2pPr>
-                <a:lvl3pPr eaLnBrk="0" fontAlgn="base" hangingPunct="0">
-                  <a:spcBef>
-                    <a:spcPct val="0"/>
-                  </a:spcBef>
-                  <a:spcAft>
-                    <a:spcPct val="0"/>
-                  </a:spcAft>
-                  <a:defRPr>
-                    <a:solidFill>
-                      <a:schemeClr val="tx1"/>
-                    </a:solidFill>
-                    <a:latin typeface="Arial" panose="020B0604020202020204" pitchFamily="34" charset="0"/>
-                  </a:defRPr>
-                </a:lvl3pPr>
-                <a:lvl4pPr eaLnBrk="0" fontAlgn="base" hangingPunct="0">
-                  <a:spcBef>
-                    <a:spcPct val="0"/>
-                  </a:spcBef>
-                  <a:spcAft>
-                    <a:spcPct val="0"/>
-                  </a:spcAft>
-                  <a:defRPr>
-                    <a:solidFill>
-                      <a:schemeClr val="tx1"/>
-                    </a:solidFill>
-                    <a:latin typeface="Arial" panose="020B0604020202020204" pitchFamily="34" charset="0"/>
-                  </a:defRPr>
-                </a:lvl4pPr>
-                <a:lvl5pPr eaLnBrk="0" fontAlgn="base" hangingPunct="0">
-                  <a:spcBef>
-                    <a:spcPct val="0"/>
-                  </a:spcBef>
-                  <a:spcAft>
-                    <a:spcPct val="0"/>
-                  </a:spcAft>
-                  <a:defRPr>
-                    <a:solidFill>
-                      <a:schemeClr val="tx1"/>
-                    </a:solidFill>
-                    <a:latin typeface="Arial" panose="020B0604020202020204" pitchFamily="34" charset="0"/>
-                  </a:defRPr>
-                </a:lvl5pPr>
-                <a:lvl6pPr eaLnBrk="0" fontAlgn="base" hangingPunct="0">
-                  <a:spcBef>
-                    <a:spcPct val="0"/>
-                  </a:spcBef>
-                  <a:spcAft>
-                    <a:spcPct val="0"/>
-                  </a:spcAft>
-                  <a:defRPr>
-                    <a:solidFill>
-                      <a:schemeClr val="tx1"/>
-                    </a:solidFill>
-                    <a:latin typeface="Arial" panose="020B0604020202020204" pitchFamily="34" charset="0"/>
-                  </a:defRPr>
-                </a:lvl6pPr>
-                <a:lvl7pPr eaLnBrk="0" fontAlgn="base" hangingPunct="0">
-                  <a:spcBef>
-                    <a:spcPct val="0"/>
-                  </a:spcBef>
-                  <a:spcAft>
-                    <a:spcPct val="0"/>
-                  </a:spcAft>
-                  <a:defRPr>
-                    <a:solidFill>
-                      <a:schemeClr val="tx1"/>
-                    </a:solidFill>
-                    <a:latin typeface="Arial" panose="020B0604020202020204" pitchFamily="34" charset="0"/>
-                  </a:defRPr>
-                </a:lvl7pPr>
-                <a:lvl8pPr eaLnBrk="0" fontAlgn="base" hangingPunct="0">
-                  <a:spcBef>
-                    <a:spcPct val="0"/>
-                  </a:spcBef>
-                  <a:spcAft>
-                    <a:spcPct val="0"/>
-                  </a:spcAft>
-                  <a:defRPr>
-                    <a:solidFill>
-                      <a:schemeClr val="tx1"/>
-                    </a:solidFill>
-                    <a:latin typeface="Arial" panose="020B0604020202020204" pitchFamily="34" charset="0"/>
-                  </a:defRPr>
-                </a:lvl8pPr>
-                <a:lvl9pPr eaLnBrk="0" fontAlgn="base" hangingPunct="0">
-                  <a:spcBef>
-                    <a:spcPct val="0"/>
-                  </a:spcBef>
-                  <a:spcAft>
-                    <a:spcPct val="0"/>
-                  </a:spcAft>
-                  <a:defRPr>
-                    <a:solidFill>
-                      <a:schemeClr val="tx1"/>
-                    </a:solidFill>
-                    <a:latin typeface="Arial" panose="020B0604020202020204" pitchFamily="34" charset="0"/>
-                  </a:defRPr>
-                </a:lvl9pPr>
-              </a:lstStyle>
-              <a:p>
-                <a:pPr marL="0" marR="0" lvl="0" indent="0" algn="l" defTabSz="914400" rtl="0" eaLnBrk="0" fontAlgn="base" latinLnBrk="0" hangingPunct="0">
-                  <a:lnSpc>
-                    <a:spcPct val="100000"/>
-                  </a:lnSpc>
-                  <a:spcBef>
-                    <a:spcPct val="0"/>
-                  </a:spcBef>
-                  <a:spcAft>
-                    <a:spcPct val="0"/>
-                  </a:spcAft>
-                  <a:buClrTx/>
-                  <a:buSzTx/>
-                  <a:buFontTx/>
-                  <a:buNone/>
-                  <a:tabLst/>
-                </a:pPr>
-                <a:r>
-                  <a:rPr lang="en-IN" sz="1100" b="0" i="0" dirty="0">
-                    <a:solidFill>
-                      <a:srgbClr val="24292F"/>
-                    </a:solidFill>
-                    <a:effectLst/>
-                    <a:latin typeface="ui-monospace"/>
-                  </a:rPr>
-                  <a:t>spring-cloud-starter-</a:t>
-                </a:r>
-                <a:r>
-                  <a:rPr lang="en-IN" sz="1100" b="0" i="0" dirty="0" err="1">
-                    <a:solidFill>
-                      <a:srgbClr val="24292F"/>
-                    </a:solidFill>
-                    <a:effectLst/>
-                    <a:latin typeface="ui-monospace"/>
-                  </a:rPr>
-                  <a:t>netflix</a:t>
-                </a:r>
-                <a:r>
-                  <a:rPr lang="en-IN" sz="1100" b="0" i="0" dirty="0">
-                    <a:solidFill>
-                      <a:srgbClr val="24292F"/>
-                    </a:solidFill>
-                    <a:effectLst/>
-                    <a:latin typeface="ui-monospace"/>
-                  </a:rPr>
-                  <a:t>-eureka-server</a:t>
-                </a:r>
-                <a:endParaRPr kumimoji="0" lang="en-US" altLang="en-US" sz="1800" b="0" i="0" u="none" strike="noStrike" cap="none" normalizeH="0" baseline="0" dirty="0">
-                  <a:ln>
-                    <a:noFill/>
-                  </a:ln>
-                  <a:solidFill>
-                    <a:schemeClr val="tx1"/>
-                  </a:solidFill>
-                  <a:effectLst/>
-                  <a:latin typeface="Arial" panose="020B0604020202020204" pitchFamily="34" charset="0"/>
-                </a:endParaRPr>
-              </a:p>
-            </p:txBody>
-          </p:sp>
-        </p:grpSp>
       </p:grpSp>
       <p:grpSp>
         <p:nvGrpSpPr>
           <p:cNvPr id="20" name="Group 19">
             <a:extLst>
               <a:ext uri="{FF2B5EF4-FFF2-40B4-BE49-F238E27FC236}">
-                <a16:creationId xmlns:a16="http://schemas.microsoft.com/office/drawing/2014/main" id="{7426D4FD-31C2-4FF9-800C-714F683EB43F}"/>
+                <a16:creationId xmlns:a16="http://schemas.microsoft.com/office/drawing/2014/main" xmlns="" id="{7426D4FD-31C2-4FF9-800C-714F683EB43F}"/>
               </a:ext>
             </a:extLst>
           </p:cNvPr>
@@ -5283,7 +5685,7 @@
             <p:cNvPr id="21" name="Group 20">
               <a:extLst>
                 <a:ext uri="{FF2B5EF4-FFF2-40B4-BE49-F238E27FC236}">
-                  <a16:creationId xmlns:a16="http://schemas.microsoft.com/office/drawing/2014/main" id="{926D488A-0224-468D-8DFC-EA65ABDDAB28}"/>
+                  <a16:creationId xmlns:a16="http://schemas.microsoft.com/office/drawing/2014/main" xmlns="" id="{926D488A-0224-468D-8DFC-EA65ABDDAB28}"/>
                 </a:ext>
               </a:extLst>
             </p:cNvPr>
@@ -5303,7 +5705,7 @@
               <p:cNvPr id="30" name="Rectangle: Rounded Corners 29">
                 <a:extLst>
                   <a:ext uri="{FF2B5EF4-FFF2-40B4-BE49-F238E27FC236}">
-                    <a16:creationId xmlns:a16="http://schemas.microsoft.com/office/drawing/2014/main" id="{7BF73A8A-9B63-4346-8677-7B7F802184A1}"/>
+                    <a16:creationId xmlns:a16="http://schemas.microsoft.com/office/drawing/2014/main" xmlns="" id="{7BF73A8A-9B63-4346-8677-7B7F802184A1}"/>
                   </a:ext>
                 </a:extLst>
               </p:cNvPr>
@@ -5358,7 +5760,7 @@
               <p:cNvPr id="31" name="Rectangle 1">
                 <a:extLst>
                   <a:ext uri="{FF2B5EF4-FFF2-40B4-BE49-F238E27FC236}">
-                    <a16:creationId xmlns:a16="http://schemas.microsoft.com/office/drawing/2014/main" id="{B2465705-8D1F-4610-B4EC-D9B332646F95}"/>
+                    <a16:creationId xmlns:a16="http://schemas.microsoft.com/office/drawing/2014/main" xmlns="" id="{B2465705-8D1F-4610-B4EC-D9B332646F95}"/>
                   </a:ext>
                 </a:extLst>
               </p:cNvPr>
@@ -5612,7 +6014,7 @@
               <p:cNvPr id="32" name="Rectangle 1">
                 <a:extLst>
                   <a:ext uri="{FF2B5EF4-FFF2-40B4-BE49-F238E27FC236}">
-                    <a16:creationId xmlns:a16="http://schemas.microsoft.com/office/drawing/2014/main" id="{2B208D04-9B0C-4194-8D6D-150281E8FD78}"/>
+                    <a16:creationId xmlns:a16="http://schemas.microsoft.com/office/drawing/2014/main" xmlns="" id="{2B208D04-9B0C-4194-8D6D-150281E8FD78}"/>
                   </a:ext>
                 </a:extLst>
               </p:cNvPr>
@@ -5859,7 +6261,7 @@
             <p:cNvPr id="22" name="Group 21">
               <a:extLst>
                 <a:ext uri="{FF2B5EF4-FFF2-40B4-BE49-F238E27FC236}">
-                  <a16:creationId xmlns:a16="http://schemas.microsoft.com/office/drawing/2014/main" id="{0677CBBA-4B05-4E26-ABCE-C634BA606830}"/>
+                  <a16:creationId xmlns:a16="http://schemas.microsoft.com/office/drawing/2014/main" xmlns="" id="{0677CBBA-4B05-4E26-ABCE-C634BA606830}"/>
                 </a:ext>
               </a:extLst>
             </p:cNvPr>
@@ -5879,7 +6281,7 @@
               <p:cNvPr id="27" name="Rectangle: Rounded Corners 26">
                 <a:extLst>
                   <a:ext uri="{FF2B5EF4-FFF2-40B4-BE49-F238E27FC236}">
-                    <a16:creationId xmlns:a16="http://schemas.microsoft.com/office/drawing/2014/main" id="{9E63CD82-7E71-4367-8277-574E557EA990}"/>
+                    <a16:creationId xmlns:a16="http://schemas.microsoft.com/office/drawing/2014/main" xmlns="" id="{9E63CD82-7E71-4367-8277-574E557EA990}"/>
                   </a:ext>
                 </a:extLst>
               </p:cNvPr>
@@ -5934,7 +6336,7 @@
               <p:cNvPr id="28" name="Rectangle 1">
                 <a:extLst>
                   <a:ext uri="{FF2B5EF4-FFF2-40B4-BE49-F238E27FC236}">
-                    <a16:creationId xmlns:a16="http://schemas.microsoft.com/office/drawing/2014/main" id="{0A88CE75-95F4-499E-842B-075807A82643}"/>
+                    <a16:creationId xmlns:a16="http://schemas.microsoft.com/office/drawing/2014/main" xmlns="" id="{0A88CE75-95F4-499E-842B-075807A82643}"/>
                   </a:ext>
                 </a:extLst>
               </p:cNvPr>
@@ -6188,7 +6590,7 @@
               <p:cNvPr id="29" name="Rectangle 1">
                 <a:extLst>
                   <a:ext uri="{FF2B5EF4-FFF2-40B4-BE49-F238E27FC236}">
-                    <a16:creationId xmlns:a16="http://schemas.microsoft.com/office/drawing/2014/main" id="{E0C71518-ACB1-46C3-80EE-972E9FD1840C}"/>
+                    <a16:creationId xmlns:a16="http://schemas.microsoft.com/office/drawing/2014/main" xmlns="" id="{E0C71518-ACB1-46C3-80EE-972E9FD1840C}"/>
                   </a:ext>
                 </a:extLst>
               </p:cNvPr>
@@ -6435,7 +6837,7 @@
             <p:cNvPr id="23" name="Group 22">
               <a:extLst>
                 <a:ext uri="{FF2B5EF4-FFF2-40B4-BE49-F238E27FC236}">
-                  <a16:creationId xmlns:a16="http://schemas.microsoft.com/office/drawing/2014/main" id="{0003B74D-B8C7-4414-9D7E-8A06C42A0CAA}"/>
+                  <a16:creationId xmlns:a16="http://schemas.microsoft.com/office/drawing/2014/main" xmlns="" id="{0003B74D-B8C7-4414-9D7E-8A06C42A0CAA}"/>
                 </a:ext>
               </a:extLst>
             </p:cNvPr>
@@ -6455,7 +6857,7 @@
               <p:cNvPr id="24" name="Rectangle: Rounded Corners 23">
                 <a:extLst>
                   <a:ext uri="{FF2B5EF4-FFF2-40B4-BE49-F238E27FC236}">
-                    <a16:creationId xmlns:a16="http://schemas.microsoft.com/office/drawing/2014/main" id="{97CECC83-8D18-45D9-B7DD-EA416689E01B}"/>
+                    <a16:creationId xmlns:a16="http://schemas.microsoft.com/office/drawing/2014/main" xmlns="" id="{97CECC83-8D18-45D9-B7DD-EA416689E01B}"/>
                   </a:ext>
                 </a:extLst>
               </p:cNvPr>
@@ -6510,7 +6912,7 @@
               <p:cNvPr id="25" name="Rectangle 1">
                 <a:extLst>
                   <a:ext uri="{FF2B5EF4-FFF2-40B4-BE49-F238E27FC236}">
-                    <a16:creationId xmlns:a16="http://schemas.microsoft.com/office/drawing/2014/main" id="{04212A30-EC2B-4ABF-8921-51C5D19C1368}"/>
+                    <a16:creationId xmlns:a16="http://schemas.microsoft.com/office/drawing/2014/main" xmlns="" id="{04212A30-EC2B-4ABF-8921-51C5D19C1368}"/>
                   </a:ext>
                 </a:extLst>
               </p:cNvPr>
@@ -6764,7 +7166,7 @@
               <p:cNvPr id="26" name="Rectangle 1">
                 <a:extLst>
                   <a:ext uri="{FF2B5EF4-FFF2-40B4-BE49-F238E27FC236}">
-                    <a16:creationId xmlns:a16="http://schemas.microsoft.com/office/drawing/2014/main" id="{6704B4F6-A682-486C-BA1E-C35C74B3DE0E}"/>
+                    <a16:creationId xmlns:a16="http://schemas.microsoft.com/office/drawing/2014/main" xmlns="" id="{6704B4F6-A682-486C-BA1E-C35C74B3DE0E}"/>
                   </a:ext>
                 </a:extLst>
               </p:cNvPr>
@@ -7012,7 +7414,7 @@
           <p:cNvPr id="33" name="Group 32">
             <a:extLst>
               <a:ext uri="{FF2B5EF4-FFF2-40B4-BE49-F238E27FC236}">
-                <a16:creationId xmlns:a16="http://schemas.microsoft.com/office/drawing/2014/main" id="{6FB1CA6F-487B-445A-AE17-DE06D734C19D}"/>
+                <a16:creationId xmlns:a16="http://schemas.microsoft.com/office/drawing/2014/main" xmlns="" id="{6FB1CA6F-487B-445A-AE17-DE06D734C19D}"/>
               </a:ext>
             </a:extLst>
           </p:cNvPr>
@@ -7032,7 +7434,7 @@
             <p:cNvPr id="34" name="Group 33">
               <a:extLst>
                 <a:ext uri="{FF2B5EF4-FFF2-40B4-BE49-F238E27FC236}">
-                  <a16:creationId xmlns:a16="http://schemas.microsoft.com/office/drawing/2014/main" id="{9A74CAB0-9F63-45CB-B953-6006D17ADF18}"/>
+                  <a16:creationId xmlns:a16="http://schemas.microsoft.com/office/drawing/2014/main" xmlns="" id="{9A74CAB0-9F63-45CB-B953-6006D17ADF18}"/>
                 </a:ext>
               </a:extLst>
             </p:cNvPr>
@@ -7052,7 +7454,7 @@
               <p:cNvPr id="43" name="Rectangle: Rounded Corners 42">
                 <a:extLst>
                   <a:ext uri="{FF2B5EF4-FFF2-40B4-BE49-F238E27FC236}">
-                    <a16:creationId xmlns:a16="http://schemas.microsoft.com/office/drawing/2014/main" id="{F3DF1273-F300-4BD0-8FB7-48FEC0DB1F09}"/>
+                    <a16:creationId xmlns:a16="http://schemas.microsoft.com/office/drawing/2014/main" xmlns="" id="{F3DF1273-F300-4BD0-8FB7-48FEC0DB1F09}"/>
                   </a:ext>
                 </a:extLst>
               </p:cNvPr>
@@ -7107,7 +7509,7 @@
               <p:cNvPr id="44" name="Rectangle 1">
                 <a:extLst>
                   <a:ext uri="{FF2B5EF4-FFF2-40B4-BE49-F238E27FC236}">
-                    <a16:creationId xmlns:a16="http://schemas.microsoft.com/office/drawing/2014/main" id="{B5D102D8-2F53-4ECD-AC34-13D13E6B37F0}"/>
+                    <a16:creationId xmlns:a16="http://schemas.microsoft.com/office/drawing/2014/main" xmlns="" id="{B5D102D8-2F53-4ECD-AC34-13D13E6B37F0}"/>
                   </a:ext>
                 </a:extLst>
               </p:cNvPr>
@@ -7348,7 +7750,7 @@
               <p:cNvPr id="45" name="Rectangle 1">
                 <a:extLst>
                   <a:ext uri="{FF2B5EF4-FFF2-40B4-BE49-F238E27FC236}">
-                    <a16:creationId xmlns:a16="http://schemas.microsoft.com/office/drawing/2014/main" id="{AAAEF367-96EF-4FDD-A670-DD00CDACB8EF}"/>
+                    <a16:creationId xmlns:a16="http://schemas.microsoft.com/office/drawing/2014/main" xmlns="" id="{AAAEF367-96EF-4FDD-A670-DD00CDACB8EF}"/>
                   </a:ext>
                 </a:extLst>
               </p:cNvPr>
@@ -7595,7 +7997,7 @@
             <p:cNvPr id="35" name="Group 34">
               <a:extLst>
                 <a:ext uri="{FF2B5EF4-FFF2-40B4-BE49-F238E27FC236}">
-                  <a16:creationId xmlns:a16="http://schemas.microsoft.com/office/drawing/2014/main" id="{7C56915C-9D0F-4B22-BEBB-943ED8C902CC}"/>
+                  <a16:creationId xmlns:a16="http://schemas.microsoft.com/office/drawing/2014/main" xmlns="" id="{7C56915C-9D0F-4B22-BEBB-943ED8C902CC}"/>
                 </a:ext>
               </a:extLst>
             </p:cNvPr>
@@ -7615,7 +8017,7 @@
               <p:cNvPr id="40" name="Rectangle: Rounded Corners 39">
                 <a:extLst>
                   <a:ext uri="{FF2B5EF4-FFF2-40B4-BE49-F238E27FC236}">
-                    <a16:creationId xmlns:a16="http://schemas.microsoft.com/office/drawing/2014/main" id="{B358541E-A59E-4315-9377-A1344B4DBD6D}"/>
+                    <a16:creationId xmlns:a16="http://schemas.microsoft.com/office/drawing/2014/main" xmlns="" id="{B358541E-A59E-4315-9377-A1344B4DBD6D}"/>
                   </a:ext>
                 </a:extLst>
               </p:cNvPr>
@@ -7670,7 +8072,7 @@
               <p:cNvPr id="41" name="Rectangle 1">
                 <a:extLst>
                   <a:ext uri="{FF2B5EF4-FFF2-40B4-BE49-F238E27FC236}">
-                    <a16:creationId xmlns:a16="http://schemas.microsoft.com/office/drawing/2014/main" id="{636FAF22-4BB5-4789-9C21-4115B0581B1F}"/>
+                    <a16:creationId xmlns:a16="http://schemas.microsoft.com/office/drawing/2014/main" xmlns="" id="{636FAF22-4BB5-4789-9C21-4115B0581B1F}"/>
                   </a:ext>
                 </a:extLst>
               </p:cNvPr>
@@ -7924,7 +8326,7 @@
               <p:cNvPr id="42" name="Rectangle 1">
                 <a:extLst>
                   <a:ext uri="{FF2B5EF4-FFF2-40B4-BE49-F238E27FC236}">
-                    <a16:creationId xmlns:a16="http://schemas.microsoft.com/office/drawing/2014/main" id="{81D9FE2A-0944-401B-80F6-90BF83A79396}"/>
+                    <a16:creationId xmlns:a16="http://schemas.microsoft.com/office/drawing/2014/main" xmlns="" id="{81D9FE2A-0944-401B-80F6-90BF83A79396}"/>
                   </a:ext>
                 </a:extLst>
               </p:cNvPr>
@@ -8171,7 +8573,7 @@
             <p:cNvPr id="36" name="Group 35">
               <a:extLst>
                 <a:ext uri="{FF2B5EF4-FFF2-40B4-BE49-F238E27FC236}">
-                  <a16:creationId xmlns:a16="http://schemas.microsoft.com/office/drawing/2014/main" id="{D08755B5-F548-4E7B-9C19-BC94E91B6FDC}"/>
+                  <a16:creationId xmlns:a16="http://schemas.microsoft.com/office/drawing/2014/main" xmlns="" id="{D08755B5-F548-4E7B-9C19-BC94E91B6FDC}"/>
                 </a:ext>
               </a:extLst>
             </p:cNvPr>
@@ -8191,7 +8593,7 @@
               <p:cNvPr id="37" name="Rectangle: Rounded Corners 36">
                 <a:extLst>
                   <a:ext uri="{FF2B5EF4-FFF2-40B4-BE49-F238E27FC236}">
-                    <a16:creationId xmlns:a16="http://schemas.microsoft.com/office/drawing/2014/main" id="{C1DF5C8E-17D1-4B23-A199-D6699B3F708F}"/>
+                    <a16:creationId xmlns:a16="http://schemas.microsoft.com/office/drawing/2014/main" xmlns="" id="{C1DF5C8E-17D1-4B23-A199-D6699B3F708F}"/>
                   </a:ext>
                 </a:extLst>
               </p:cNvPr>
@@ -8246,7 +8648,7 @@
               <p:cNvPr id="38" name="Rectangle 1">
                 <a:extLst>
                   <a:ext uri="{FF2B5EF4-FFF2-40B4-BE49-F238E27FC236}">
-                    <a16:creationId xmlns:a16="http://schemas.microsoft.com/office/drawing/2014/main" id="{E446ED41-7EA5-4CF8-9B3B-F403F4BEAEE1}"/>
+                    <a16:creationId xmlns:a16="http://schemas.microsoft.com/office/drawing/2014/main" xmlns="" id="{E446ED41-7EA5-4CF8-9B3B-F403F4BEAEE1}"/>
                   </a:ext>
                 </a:extLst>
               </p:cNvPr>
@@ -8500,7 +8902,7 @@
               <p:cNvPr id="39" name="Rectangle 1">
                 <a:extLst>
                   <a:ext uri="{FF2B5EF4-FFF2-40B4-BE49-F238E27FC236}">
-                    <a16:creationId xmlns:a16="http://schemas.microsoft.com/office/drawing/2014/main" id="{446F9F88-3567-492F-B064-2E4E05208FBB}"/>
+                    <a16:creationId xmlns:a16="http://schemas.microsoft.com/office/drawing/2014/main" xmlns="" id="{446F9F88-3567-492F-B064-2E4E05208FBB}"/>
                   </a:ext>
                 </a:extLst>
               </p:cNvPr>
@@ -8748,7 +9150,7 @@
           <p:cNvPr id="46" name="Group 45">
             <a:extLst>
               <a:ext uri="{FF2B5EF4-FFF2-40B4-BE49-F238E27FC236}">
-                <a16:creationId xmlns:a16="http://schemas.microsoft.com/office/drawing/2014/main" id="{F7F38C5C-23CF-4BA8-A2AC-0F6D4A94C5FB}"/>
+                <a16:creationId xmlns:a16="http://schemas.microsoft.com/office/drawing/2014/main" xmlns="" id="{F7F38C5C-23CF-4BA8-A2AC-0F6D4A94C5FB}"/>
               </a:ext>
             </a:extLst>
           </p:cNvPr>
@@ -8757,7 +9159,7 @@
         </p:nvGrpSpPr>
         <p:grpSpPr>
           <a:xfrm rot="16200000">
-            <a:off x="-2099146" y="2680926"/>
+            <a:off x="-2099147" y="3023397"/>
             <a:ext cx="5887475" cy="1338950"/>
             <a:chOff x="2427006" y="2484114"/>
             <a:chExt cx="5887475" cy="1338950"/>
@@ -8768,7 +9170,7 @@
             <p:cNvPr id="47" name="Group 46">
               <a:extLst>
                 <a:ext uri="{FF2B5EF4-FFF2-40B4-BE49-F238E27FC236}">
-                  <a16:creationId xmlns:a16="http://schemas.microsoft.com/office/drawing/2014/main" id="{9FEC8F30-CCD9-427E-8BD9-94338A73764D}"/>
+                  <a16:creationId xmlns:a16="http://schemas.microsoft.com/office/drawing/2014/main" xmlns="" id="{9FEC8F30-CCD9-427E-8BD9-94338A73764D}"/>
                 </a:ext>
               </a:extLst>
             </p:cNvPr>
@@ -8788,7 +9190,7 @@
               <p:cNvPr id="56" name="Rectangle: Rounded Corners 55">
                 <a:extLst>
                   <a:ext uri="{FF2B5EF4-FFF2-40B4-BE49-F238E27FC236}">
-                    <a16:creationId xmlns:a16="http://schemas.microsoft.com/office/drawing/2014/main" id="{5DE68EBF-5609-427D-8752-9C7D7AB8D69F}"/>
+                    <a16:creationId xmlns:a16="http://schemas.microsoft.com/office/drawing/2014/main" xmlns="" id="{5DE68EBF-5609-427D-8752-9C7D7AB8D69F}"/>
                   </a:ext>
                 </a:extLst>
               </p:cNvPr>
@@ -8848,7 +9250,7 @@
               <p:cNvPr id="57" name="Rectangle 1">
                 <a:extLst>
                   <a:ext uri="{FF2B5EF4-FFF2-40B4-BE49-F238E27FC236}">
-                    <a16:creationId xmlns:a16="http://schemas.microsoft.com/office/drawing/2014/main" id="{47668FA9-B3FB-4F25-9A18-9B02A8CD4C7B}"/>
+                    <a16:creationId xmlns:a16="http://schemas.microsoft.com/office/drawing/2014/main" xmlns="" id="{47668FA9-B3FB-4F25-9A18-9B02A8CD4C7B}"/>
                   </a:ext>
                 </a:extLst>
               </p:cNvPr>
@@ -9128,7 +9530,7 @@
               <p:cNvPr id="58" name="Rectangle 1">
                 <a:extLst>
                   <a:ext uri="{FF2B5EF4-FFF2-40B4-BE49-F238E27FC236}">
-                    <a16:creationId xmlns:a16="http://schemas.microsoft.com/office/drawing/2014/main" id="{251D002E-1514-406E-AA51-8DF02F248FBF}"/>
+                    <a16:creationId xmlns:a16="http://schemas.microsoft.com/office/drawing/2014/main" xmlns="" id="{251D002E-1514-406E-AA51-8DF02F248FBF}"/>
                   </a:ext>
                 </a:extLst>
               </p:cNvPr>
@@ -9385,7 +9787,7 @@
             <p:cNvPr id="49" name="Group 48">
               <a:extLst>
                 <a:ext uri="{FF2B5EF4-FFF2-40B4-BE49-F238E27FC236}">
-                  <a16:creationId xmlns:a16="http://schemas.microsoft.com/office/drawing/2014/main" id="{45B73D20-D477-4E43-B702-16A07BD9C694}"/>
+                  <a16:creationId xmlns:a16="http://schemas.microsoft.com/office/drawing/2014/main" xmlns="" id="{45B73D20-D477-4E43-B702-16A07BD9C694}"/>
                 </a:ext>
               </a:extLst>
             </p:cNvPr>
@@ -9405,7 +9807,7 @@
               <p:cNvPr id="50" name="Rectangle: Rounded Corners 49">
                 <a:extLst>
                   <a:ext uri="{FF2B5EF4-FFF2-40B4-BE49-F238E27FC236}">
-                    <a16:creationId xmlns:a16="http://schemas.microsoft.com/office/drawing/2014/main" id="{B170B691-EA42-4BFD-A992-1F5518981BEB}"/>
+                    <a16:creationId xmlns:a16="http://schemas.microsoft.com/office/drawing/2014/main" xmlns="" id="{B170B691-EA42-4BFD-A992-1F5518981BEB}"/>
                   </a:ext>
                 </a:extLst>
               </p:cNvPr>
@@ -9465,7 +9867,7 @@
               <p:cNvPr id="51" name="Rectangle 1">
                 <a:extLst>
                   <a:ext uri="{FF2B5EF4-FFF2-40B4-BE49-F238E27FC236}">
-                    <a16:creationId xmlns:a16="http://schemas.microsoft.com/office/drawing/2014/main" id="{DFCA592B-3B29-4EBA-8C14-AED2A4AB0E6B}"/>
+                    <a16:creationId xmlns:a16="http://schemas.microsoft.com/office/drawing/2014/main" xmlns="" id="{DFCA592B-3B29-4EBA-8C14-AED2A4AB0E6B}"/>
                   </a:ext>
                 </a:extLst>
               </p:cNvPr>
@@ -9745,7 +10147,7 @@
               <p:cNvPr id="52" name="Rectangle 1">
                 <a:extLst>
                   <a:ext uri="{FF2B5EF4-FFF2-40B4-BE49-F238E27FC236}">
-                    <a16:creationId xmlns:a16="http://schemas.microsoft.com/office/drawing/2014/main" id="{3FE0A815-F9BF-4CB9-963C-406C649AAF39}"/>
+                    <a16:creationId xmlns:a16="http://schemas.microsoft.com/office/drawing/2014/main" xmlns="" id="{3FE0A815-F9BF-4CB9-963C-406C649AAF39}"/>
                   </a:ext>
                 </a:extLst>
               </p:cNvPr>
@@ -9993,7 +10395,7 @@
           <p:cNvPr id="66" name="Group 65">
             <a:extLst>
               <a:ext uri="{FF2B5EF4-FFF2-40B4-BE49-F238E27FC236}">
-                <a16:creationId xmlns:a16="http://schemas.microsoft.com/office/drawing/2014/main" id="{09E3B45E-13F7-4086-9B3D-3BCA0D5B3E40}"/>
+                <a16:creationId xmlns:a16="http://schemas.microsoft.com/office/drawing/2014/main" xmlns="" id="{09E3B45E-13F7-4086-9B3D-3BCA0D5B3E40}"/>
               </a:ext>
             </a:extLst>
           </p:cNvPr>
@@ -10013,7 +10415,7 @@
             <p:cNvPr id="60" name="Rectangle: Rounded Corners 59">
               <a:extLst>
                 <a:ext uri="{FF2B5EF4-FFF2-40B4-BE49-F238E27FC236}">
-                  <a16:creationId xmlns:a16="http://schemas.microsoft.com/office/drawing/2014/main" id="{F0AE653F-8BF7-47BE-9D74-F937E73AFDA0}"/>
+                  <a16:creationId xmlns:a16="http://schemas.microsoft.com/office/drawing/2014/main" xmlns="" id="{F0AE653F-8BF7-47BE-9D74-F937E73AFDA0}"/>
                 </a:ext>
               </a:extLst>
             </p:cNvPr>
@@ -10073,7 +10475,7 @@
             <p:cNvPr id="61" name="Rectangle 1">
               <a:extLst>
                 <a:ext uri="{FF2B5EF4-FFF2-40B4-BE49-F238E27FC236}">
-                  <a16:creationId xmlns:a16="http://schemas.microsoft.com/office/drawing/2014/main" id="{6658BA08-4343-4456-91D8-6D8B9ADFA36D}"/>
+                  <a16:creationId xmlns:a16="http://schemas.microsoft.com/office/drawing/2014/main" xmlns="" id="{6658BA08-4343-4456-91D8-6D8B9ADFA36D}"/>
                 </a:ext>
               </a:extLst>
             </p:cNvPr>
@@ -10327,7 +10729,7 @@
             <p:cNvPr id="62" name="Rectangle 1">
               <a:extLst>
                 <a:ext uri="{FF2B5EF4-FFF2-40B4-BE49-F238E27FC236}">
-                  <a16:creationId xmlns:a16="http://schemas.microsoft.com/office/drawing/2014/main" id="{04C4E7C5-5365-4AB0-AFE1-BB6CEBCD5D7A}"/>
+                  <a16:creationId xmlns:a16="http://schemas.microsoft.com/office/drawing/2014/main" xmlns="" id="{04C4E7C5-5365-4AB0-AFE1-BB6CEBCD5D7A}"/>
                 </a:ext>
               </a:extLst>
             </p:cNvPr>
@@ -10574,7 +10976,7 @@
           <p:cNvPr id="63" name="Rectangle: Rounded Corners 62">
             <a:extLst>
               <a:ext uri="{FF2B5EF4-FFF2-40B4-BE49-F238E27FC236}">
-                <a16:creationId xmlns:a16="http://schemas.microsoft.com/office/drawing/2014/main" id="{61D3D070-24FE-4EF4-AD82-4932219E03A8}"/>
+                <a16:creationId xmlns:a16="http://schemas.microsoft.com/office/drawing/2014/main" xmlns="" id="{61D3D070-24FE-4EF4-AD82-4932219E03A8}"/>
               </a:ext>
             </a:extLst>
           </p:cNvPr>
@@ -10635,7 +11037,7 @@
           <p:cNvPr id="64" name="Rectangle 1">
             <a:extLst>
               <a:ext uri="{FF2B5EF4-FFF2-40B4-BE49-F238E27FC236}">
-                <a16:creationId xmlns:a16="http://schemas.microsoft.com/office/drawing/2014/main" id="{12DF6876-8E45-45F6-9D46-30B611A0AE2E}"/>
+                <a16:creationId xmlns:a16="http://schemas.microsoft.com/office/drawing/2014/main" xmlns="" id="{12DF6876-8E45-45F6-9D46-30B611A0AE2E}"/>
               </a:ext>
             </a:extLst>
           </p:cNvPr>
@@ -10889,7 +11291,7 @@
           <p:cNvPr id="65" name="Rectangle 1">
             <a:extLst>
               <a:ext uri="{FF2B5EF4-FFF2-40B4-BE49-F238E27FC236}">
-                <a16:creationId xmlns:a16="http://schemas.microsoft.com/office/drawing/2014/main" id="{DE6C8D79-F8C3-405D-8876-50EB382F674E}"/>
+                <a16:creationId xmlns:a16="http://schemas.microsoft.com/office/drawing/2014/main" xmlns="" id="{DE6C8D79-F8C3-405D-8876-50EB382F674E}"/>
               </a:ext>
             </a:extLst>
           </p:cNvPr>
@@ -11135,7 +11537,7 @@
           <p:cNvPr id="67" name="Group 66">
             <a:extLst>
               <a:ext uri="{FF2B5EF4-FFF2-40B4-BE49-F238E27FC236}">
-                <a16:creationId xmlns:a16="http://schemas.microsoft.com/office/drawing/2014/main" id="{0CF2143C-7C92-4818-ADFA-BDE4349E1825}"/>
+                <a16:creationId xmlns:a16="http://schemas.microsoft.com/office/drawing/2014/main" xmlns="" id="{0CF2143C-7C92-4818-ADFA-BDE4349E1825}"/>
               </a:ext>
             </a:extLst>
           </p:cNvPr>
@@ -11158,7 +11560,7 @@
             <p:cNvPr id="68" name="Rectangle: Rounded Corners 67">
               <a:extLst>
                 <a:ext uri="{FF2B5EF4-FFF2-40B4-BE49-F238E27FC236}">
-                  <a16:creationId xmlns:a16="http://schemas.microsoft.com/office/drawing/2014/main" id="{8D8080FF-967C-423E-B1A9-F6D1D70B89D8}"/>
+                  <a16:creationId xmlns:a16="http://schemas.microsoft.com/office/drawing/2014/main" xmlns="" id="{8D8080FF-967C-423E-B1A9-F6D1D70B89D8}"/>
                 </a:ext>
               </a:extLst>
             </p:cNvPr>
@@ -11214,7 +11616,7 @@
             <p:cNvPr id="69" name="Rectangle 1">
               <a:extLst>
                 <a:ext uri="{FF2B5EF4-FFF2-40B4-BE49-F238E27FC236}">
-                  <a16:creationId xmlns:a16="http://schemas.microsoft.com/office/drawing/2014/main" id="{2D1036B3-14D4-4E42-BDC0-EF1330ED60EE}"/>
+                  <a16:creationId xmlns:a16="http://schemas.microsoft.com/office/drawing/2014/main" xmlns="" id="{2D1036B3-14D4-4E42-BDC0-EF1330ED60EE}"/>
                 </a:ext>
               </a:extLst>
             </p:cNvPr>
@@ -11466,7 +11868,7 @@
             <p:cNvPr id="70" name="Rectangle 1">
               <a:extLst>
                 <a:ext uri="{FF2B5EF4-FFF2-40B4-BE49-F238E27FC236}">
-                  <a16:creationId xmlns:a16="http://schemas.microsoft.com/office/drawing/2014/main" id="{3A5F1E59-3453-47CD-B19B-9843A655CB98}"/>
+                  <a16:creationId xmlns:a16="http://schemas.microsoft.com/office/drawing/2014/main" xmlns="" id="{3A5F1E59-3453-47CD-B19B-9843A655CB98}"/>
                 </a:ext>
               </a:extLst>
             </p:cNvPr>
@@ -11711,7 +12113,7 @@
           <p:cNvPr id="71" name="Group 70">
             <a:extLst>
               <a:ext uri="{FF2B5EF4-FFF2-40B4-BE49-F238E27FC236}">
-                <a16:creationId xmlns:a16="http://schemas.microsoft.com/office/drawing/2014/main" id="{1B929D54-D563-4F15-8B27-C490F01D4FF7}"/>
+                <a16:creationId xmlns:a16="http://schemas.microsoft.com/office/drawing/2014/main" xmlns="" id="{1B929D54-D563-4F15-8B27-C490F01D4FF7}"/>
               </a:ext>
             </a:extLst>
           </p:cNvPr>
@@ -11720,7 +12122,7 @@
         </p:nvGrpSpPr>
         <p:grpSpPr>
           <a:xfrm rot="16200000">
-            <a:off x="1023001" y="2606034"/>
+            <a:off x="1023001" y="4504169"/>
             <a:ext cx="2684040" cy="1338950"/>
             <a:chOff x="5978822" y="5328355"/>
             <a:chExt cx="2684040" cy="1338950"/>
@@ -11731,7 +12133,7 @@
             <p:cNvPr id="72" name="Rectangle: Rounded Corners 71">
               <a:extLst>
                 <a:ext uri="{FF2B5EF4-FFF2-40B4-BE49-F238E27FC236}">
-                  <a16:creationId xmlns:a16="http://schemas.microsoft.com/office/drawing/2014/main" id="{5539BA8E-AD87-4389-911B-F1DAACA1C519}"/>
+                  <a16:creationId xmlns:a16="http://schemas.microsoft.com/office/drawing/2014/main" xmlns="" id="{5539BA8E-AD87-4389-911B-F1DAACA1C519}"/>
                 </a:ext>
               </a:extLst>
             </p:cNvPr>
@@ -11789,7 +12191,7 @@
             <p:cNvPr id="73" name="Rectangle 1">
               <a:extLst>
                 <a:ext uri="{FF2B5EF4-FFF2-40B4-BE49-F238E27FC236}">
-                  <a16:creationId xmlns:a16="http://schemas.microsoft.com/office/drawing/2014/main" id="{B5E2551B-EA26-446E-997D-AD866C1898F9}"/>
+                  <a16:creationId xmlns:a16="http://schemas.microsoft.com/office/drawing/2014/main" xmlns="" id="{B5E2551B-EA26-446E-997D-AD866C1898F9}"/>
                 </a:ext>
               </a:extLst>
             </p:cNvPr>
@@ -12043,7 +12445,7 @@
             <p:cNvPr id="74" name="Rectangle 1">
               <a:extLst>
                 <a:ext uri="{FF2B5EF4-FFF2-40B4-BE49-F238E27FC236}">
-                  <a16:creationId xmlns:a16="http://schemas.microsoft.com/office/drawing/2014/main" id="{B29AAE37-FFC0-4C6B-8A9E-D07C787E2CC2}"/>
+                  <a16:creationId xmlns:a16="http://schemas.microsoft.com/office/drawing/2014/main" xmlns="" id="{B29AAE37-FFC0-4C6B-8A9E-D07C787E2CC2}"/>
                 </a:ext>
               </a:extLst>
             </p:cNvPr>
@@ -12300,7 +12702,7 @@
           <p:cNvPr id="83" name="Group 82">
             <a:extLst>
               <a:ext uri="{FF2B5EF4-FFF2-40B4-BE49-F238E27FC236}">
-                <a16:creationId xmlns:a16="http://schemas.microsoft.com/office/drawing/2014/main" id="{909F8865-02E7-44D5-B223-A62A03CA6165}"/>
+                <a16:creationId xmlns:a16="http://schemas.microsoft.com/office/drawing/2014/main" xmlns="" id="{909F8865-02E7-44D5-B223-A62A03CA6165}"/>
               </a:ext>
             </a:extLst>
           </p:cNvPr>
@@ -12320,7 +12722,7 @@
             <p:cNvPr id="79" name="Rectangle: Rounded Corners 78">
               <a:extLst>
                 <a:ext uri="{FF2B5EF4-FFF2-40B4-BE49-F238E27FC236}">
-                  <a16:creationId xmlns:a16="http://schemas.microsoft.com/office/drawing/2014/main" id="{603A3EF2-4ADC-4873-BEDD-10429C3A5A99}"/>
+                  <a16:creationId xmlns:a16="http://schemas.microsoft.com/office/drawing/2014/main" xmlns="" id="{603A3EF2-4ADC-4873-BEDD-10429C3A5A99}"/>
                 </a:ext>
               </a:extLst>
             </p:cNvPr>
@@ -12375,7 +12777,7 @@
             <p:cNvPr id="80" name="Rectangle: Rounded Corners 79">
               <a:extLst>
                 <a:ext uri="{FF2B5EF4-FFF2-40B4-BE49-F238E27FC236}">
-                  <a16:creationId xmlns:a16="http://schemas.microsoft.com/office/drawing/2014/main" id="{4F4E4D06-7366-43E2-A3E9-24B77733ADB9}"/>
+                  <a16:creationId xmlns:a16="http://schemas.microsoft.com/office/drawing/2014/main" xmlns="" id="{4F4E4D06-7366-43E2-A3E9-24B77733ADB9}"/>
                 </a:ext>
               </a:extLst>
             </p:cNvPr>
@@ -12430,7 +12832,7 @@
             <p:cNvPr id="81" name="Rectangle: Rounded Corners 80">
               <a:extLst>
                 <a:ext uri="{FF2B5EF4-FFF2-40B4-BE49-F238E27FC236}">
-                  <a16:creationId xmlns:a16="http://schemas.microsoft.com/office/drawing/2014/main" id="{21419A83-FF9E-4D1B-B8CC-8F1EED06E8AE}"/>
+                  <a16:creationId xmlns:a16="http://schemas.microsoft.com/office/drawing/2014/main" xmlns="" id="{21419A83-FF9E-4D1B-B8CC-8F1EED06E8AE}"/>
                 </a:ext>
               </a:extLst>
             </p:cNvPr>
@@ -12485,7 +12887,7 @@
             <p:cNvPr id="82" name="Rectangle: Rounded Corners 81">
               <a:extLst>
                 <a:ext uri="{FF2B5EF4-FFF2-40B4-BE49-F238E27FC236}">
-                  <a16:creationId xmlns:a16="http://schemas.microsoft.com/office/drawing/2014/main" id="{84DB7298-9C40-4EE6-B477-5989A3E6E7E9}"/>
+                  <a16:creationId xmlns:a16="http://schemas.microsoft.com/office/drawing/2014/main" xmlns="" id="{84DB7298-9C40-4EE6-B477-5989A3E6E7E9}"/>
                 </a:ext>
               </a:extLst>
             </p:cNvPr>
@@ -12556,10 +12958,1438 @@
           </p:txBody>
         </p:sp>
       </p:grpSp>
+      <p:cxnSp>
+        <p:nvCxnSpPr>
+          <p:cNvPr id="4" name="Elbow Connector 3"/>
+          <p:cNvCxnSpPr>
+            <a:stCxn id="50" idx="2"/>
+            <a:endCxn id="30" idx="1"/>
+          </p:cNvCxnSpPr>
+          <p:nvPr/>
+        </p:nvCxnSpPr>
+        <p:spPr>
+          <a:xfrm>
+            <a:off x="1514065" y="2105372"/>
+            <a:ext cx="1701911" cy="1037901"/>
+          </a:xfrm>
+          <a:prstGeom prst="bentConnector3">
+            <a:avLst/>
+          </a:prstGeom>
+          <a:ln>
+            <a:tailEnd type="arrow"/>
+          </a:ln>
+        </p:spPr>
+        <p:style>
+          <a:lnRef idx="3">
+            <a:schemeClr val="accent2"/>
+          </a:lnRef>
+          <a:fillRef idx="0">
+            <a:schemeClr val="accent2"/>
+          </a:fillRef>
+          <a:effectRef idx="2">
+            <a:schemeClr val="accent2"/>
+          </a:effectRef>
+          <a:fontRef idx="minor">
+            <a:schemeClr val="tx1"/>
+          </a:fontRef>
+        </p:style>
+      </p:cxnSp>
+      <p:cxnSp>
+        <p:nvCxnSpPr>
+          <p:cNvPr id="17" name="Elbow Connector 16"/>
+          <p:cNvCxnSpPr>
+            <a:stCxn id="50" idx="2"/>
+            <a:endCxn id="43" idx="1"/>
+          </p:cNvCxnSpPr>
+          <p:nvPr/>
+        </p:nvCxnSpPr>
+        <p:spPr>
+          <a:xfrm flipV="1">
+            <a:off x="1514065" y="1637992"/>
+            <a:ext cx="1701911" cy="467380"/>
+          </a:xfrm>
+          <a:prstGeom prst="bentConnector3">
+            <a:avLst/>
+          </a:prstGeom>
+          <a:ln>
+            <a:tailEnd type="arrow"/>
+          </a:ln>
+        </p:spPr>
+        <p:style>
+          <a:lnRef idx="3">
+            <a:schemeClr val="accent2"/>
+          </a:lnRef>
+          <a:fillRef idx="0">
+            <a:schemeClr val="accent2"/>
+          </a:fillRef>
+          <a:effectRef idx="2">
+            <a:schemeClr val="accent2"/>
+          </a:effectRef>
+          <a:fontRef idx="minor">
+            <a:schemeClr val="tx1"/>
+          </a:fontRef>
+        </p:style>
+      </p:cxnSp>
+      <p:sp>
+        <p:nvSpPr>
+          <p:cNvPr id="48" name="TextBox 47"/>
+          <p:cNvSpPr txBox="1"/>
+          <p:nvPr/>
+        </p:nvSpPr>
+        <p:spPr>
+          <a:xfrm>
+            <a:off x="1958200" y="1268660"/>
+            <a:ext cx="1334020" cy="369332"/>
+          </a:xfrm>
+          <a:prstGeom prst="rect">
+            <a:avLst/>
+          </a:prstGeom>
+          <a:noFill/>
+        </p:spPr>
+        <p:txBody>
+          <a:bodyPr wrap="none" rtlCol="0">
+            <a:spAutoFit/>
+          </a:bodyPr>
+          <a:lstStyle/>
+          <a:p>
+            <a:r>
+              <a:rPr lang="en-US" b="1" dirty="0" smtClean="0">
+                <a:solidFill>
+                  <a:srgbClr val="FF0000"/>
+                </a:solidFill>
+              </a:rPr>
+              <a:t>/partner/**</a:t>
+            </a:r>
+            <a:endParaRPr lang="en-US" b="1" dirty="0">
+              <a:solidFill>
+                <a:srgbClr val="FF0000"/>
+              </a:solidFill>
+            </a:endParaRPr>
+          </a:p>
+        </p:txBody>
+      </p:sp>
+      <p:sp>
+        <p:nvSpPr>
+          <p:cNvPr id="76" name="TextBox 75"/>
+          <p:cNvSpPr txBox="1"/>
+          <p:nvPr/>
+        </p:nvSpPr>
+        <p:spPr>
+          <a:xfrm>
+            <a:off x="1887624" y="3110754"/>
+            <a:ext cx="1390445" cy="369332"/>
+          </a:xfrm>
+          <a:prstGeom prst="rect">
+            <a:avLst/>
+          </a:prstGeom>
+          <a:noFill/>
+        </p:spPr>
+        <p:txBody>
+          <a:bodyPr wrap="none" rtlCol="0">
+            <a:spAutoFit/>
+          </a:bodyPr>
+          <a:lstStyle/>
+          <a:p>
+            <a:r>
+              <a:rPr lang="en-US" b="1" dirty="0" smtClean="0">
+                <a:solidFill>
+                  <a:srgbClr val="FF0000"/>
+                </a:solidFill>
+              </a:rPr>
+              <a:t>/booking/**</a:t>
+            </a:r>
+            <a:endParaRPr lang="en-US" b="1" dirty="0">
+              <a:solidFill>
+                <a:srgbClr val="FF0000"/>
+              </a:solidFill>
+            </a:endParaRPr>
+          </a:p>
+        </p:txBody>
+      </p:sp>
+      <p:cxnSp>
+        <p:nvCxnSpPr>
+          <p:cNvPr id="54" name="Elbow Connector 53"/>
+          <p:cNvCxnSpPr>
+            <a:stCxn id="50" idx="2"/>
+          </p:cNvCxnSpPr>
+          <p:nvPr/>
+        </p:nvCxnSpPr>
+        <p:spPr>
+          <a:xfrm>
+            <a:off x="1514065" y="2105372"/>
+            <a:ext cx="661099" cy="1726252"/>
+          </a:xfrm>
+          <a:prstGeom prst="bentConnector4">
+            <a:avLst>
+              <a:gd name="adj1" fmla="val 34579"/>
+              <a:gd name="adj2" fmla="val 69391"/>
+            </a:avLst>
+          </a:prstGeom>
+          <a:ln>
+            <a:tailEnd type="arrow"/>
+          </a:ln>
+        </p:spPr>
+        <p:style>
+          <a:lnRef idx="3">
+            <a:schemeClr val="accent2"/>
+          </a:lnRef>
+          <a:fillRef idx="0">
+            <a:schemeClr val="accent2"/>
+          </a:fillRef>
+          <a:effectRef idx="2">
+            <a:schemeClr val="accent2"/>
+          </a:effectRef>
+          <a:fontRef idx="minor">
+            <a:schemeClr val="tx1"/>
+          </a:fontRef>
+        </p:style>
+      </p:cxnSp>
+      <p:sp>
+        <p:nvSpPr>
+          <p:cNvPr id="84" name="TextBox 83"/>
+          <p:cNvSpPr txBox="1"/>
+          <p:nvPr/>
+        </p:nvSpPr>
+        <p:spPr>
+          <a:xfrm rot="5400000">
+            <a:off x="1175902" y="2642714"/>
+            <a:ext cx="1195264" cy="369332"/>
+          </a:xfrm>
+          <a:prstGeom prst="rect">
+            <a:avLst/>
+          </a:prstGeom>
+          <a:noFill/>
+        </p:spPr>
+        <p:txBody>
+          <a:bodyPr wrap="none" rtlCol="0">
+            <a:spAutoFit/>
+          </a:bodyPr>
+          <a:lstStyle/>
+          <a:p>
+            <a:r>
+              <a:rPr lang="en-US" b="1" dirty="0" smtClean="0">
+                <a:solidFill>
+                  <a:srgbClr val="FF0000"/>
+                </a:solidFill>
+              </a:rPr>
+              <a:t>/circuit/**</a:t>
+            </a:r>
+            <a:endParaRPr lang="en-US" b="1" dirty="0">
+              <a:solidFill>
+                <a:srgbClr val="FF0000"/>
+              </a:solidFill>
+            </a:endParaRPr>
+          </a:p>
+        </p:txBody>
+      </p:sp>
     </p:spTree>
     <p:extLst>
       <p:ext uri="{BB962C8B-B14F-4D97-AF65-F5344CB8AC3E}">
         <p14:creationId xmlns:p14="http://schemas.microsoft.com/office/powerpoint/2010/main" val="4158353963"/>
+      </p:ext>
+    </p:extLst>
+  </p:cSld>
+  <p:clrMapOvr>
+    <a:masterClrMapping/>
+  </p:clrMapOvr>
+</p:sld>
+</file>
+
+<file path=ppt/slides/slide4.xml><?xml version="1.0" encoding="utf-8"?>
+<p:sld xmlns:a="http://schemas.openxmlformats.org/drawingml/2006/main" xmlns:r="http://schemas.openxmlformats.org/officeDocument/2006/relationships" xmlns:p="http://schemas.openxmlformats.org/presentationml/2006/main">
+  <p:cSld>
+    <p:spTree>
+      <p:nvGrpSpPr>
+        <p:cNvPr id="1" name=""/>
+        <p:cNvGrpSpPr/>
+        <p:nvPr/>
+      </p:nvGrpSpPr>
+      <p:grpSpPr>
+        <a:xfrm>
+          <a:off x="0" y="0"/>
+          <a:ext cx="0" cy="0"/>
+          <a:chOff x="0" y="0"/>
+          <a:chExt cx="0" cy="0"/>
+        </a:xfrm>
+      </p:grpSpPr>
+      <p:grpSp>
+        <p:nvGrpSpPr>
+          <p:cNvPr id="47" name="Group 46"/>
+          <p:cNvGrpSpPr/>
+          <p:nvPr/>
+        </p:nvGrpSpPr>
+        <p:grpSpPr>
+          <a:xfrm>
+            <a:off x="465176" y="2997369"/>
+            <a:ext cx="3915717" cy="1409776"/>
+            <a:chOff x="1011381" y="2338289"/>
+            <a:chExt cx="3915717" cy="1409776"/>
+          </a:xfrm>
+        </p:grpSpPr>
+        <p:sp>
+          <p:nvSpPr>
+            <p:cNvPr id="48" name="Rectangle: Rounded Corners 1">
+              <a:extLst>
+                <a:ext uri="{FF2B5EF4-FFF2-40B4-BE49-F238E27FC236}">
+                  <a16:creationId xmlns:a16="http://schemas.microsoft.com/office/drawing/2014/main" xmlns="" id="{229043B8-923C-4A63-923B-ED47AB6F3179}"/>
+                </a:ext>
+              </a:extLst>
+            </p:cNvPr>
+            <p:cNvSpPr/>
+            <p:nvPr/>
+          </p:nvSpPr>
+          <p:spPr>
+            <a:xfrm>
+              <a:off x="1011381" y="2409115"/>
+              <a:ext cx="3915717" cy="1338950"/>
+            </a:xfrm>
+            <a:prstGeom prst="roundRect">
+              <a:avLst/>
+            </a:prstGeom>
+            <a:solidFill>
+              <a:schemeClr val="accent1">
+                <a:lumMod val="75000"/>
+              </a:schemeClr>
+            </a:solidFill>
+          </p:spPr>
+          <p:style>
+            <a:lnRef idx="2">
+              <a:schemeClr val="accent1">
+                <a:shade val="50000"/>
+              </a:schemeClr>
+            </a:lnRef>
+            <a:fillRef idx="1">
+              <a:schemeClr val="accent1"/>
+            </a:fillRef>
+            <a:effectRef idx="0">
+              <a:schemeClr val="accent1"/>
+            </a:effectRef>
+            <a:fontRef idx="minor">
+              <a:schemeClr val="lt1"/>
+            </a:fontRef>
+          </p:style>
+          <p:txBody>
+            <a:bodyPr rtlCol="0" anchor="ctr"/>
+            <a:lstStyle/>
+            <a:p>
+              <a:pPr algn="ctr"/>
+              <a:r>
+                <a:rPr lang="en-IN" sz="1800" dirty="0" smtClean="0">
+                  <a:solidFill>
+                    <a:srgbClr val="000000"/>
+                  </a:solidFill>
+                  <a:latin typeface="Consolas" panose="020B0609020204030204" pitchFamily="49" charset="0"/>
+                </a:rPr>
+                <a:t>bmt.api-gateway01.com</a:t>
+              </a:r>
+              <a:endParaRPr lang="en-IN" dirty="0"/>
+            </a:p>
+          </p:txBody>
+        </p:sp>
+        <p:sp>
+          <p:nvSpPr>
+            <p:cNvPr id="49" name="Rectangle 1">
+              <a:extLst>
+                <a:ext uri="{FF2B5EF4-FFF2-40B4-BE49-F238E27FC236}">
+                  <a16:creationId xmlns:a16="http://schemas.microsoft.com/office/drawing/2014/main" xmlns="" id="{FFE5BAF0-90A9-481D-AAC3-4466B273C9B9}"/>
+                </a:ext>
+              </a:extLst>
+            </p:cNvPr>
+            <p:cNvSpPr>
+              <a:spLocks noChangeArrowheads="1"/>
+            </p:cNvSpPr>
+            <p:nvPr/>
+          </p:nvSpPr>
+          <p:spPr bwMode="auto">
+            <a:xfrm>
+              <a:off x="3252802" y="2338289"/>
+              <a:ext cx="1674296" cy="461665"/>
+            </a:xfrm>
+            <a:prstGeom prst="rect">
+              <a:avLst/>
+            </a:prstGeom>
+            <a:solidFill>
+              <a:srgbClr val="F2F2F2"/>
+            </a:solidFill>
+            <a:ln>
+              <a:noFill/>
+            </a:ln>
+            <a:effectLst/>
+            <a:extLst>
+              <a:ext uri="{91240B29-F687-4F45-9708-019B960494DF}">
+                <a14:hiddenLine xmlns:a14="http://schemas.microsoft.com/office/drawing/2010/main" w="9525">
+                  <a:solidFill>
+                    <a:schemeClr val="tx1"/>
+                  </a:solidFill>
+                  <a:miter lim="800000"/>
+                  <a:headEnd/>
+                  <a:tailEnd/>
+                </a14:hiddenLine>
+              </a:ext>
+              <a:ext uri="{AF507438-7753-43E0-B8FC-AC1667EBCBE1}">
+                <a14:hiddenEffects xmlns:a14="http://schemas.microsoft.com/office/drawing/2010/main">
+                  <a:effectLst>
+                    <a:outerShdw dist="35921" dir="2700000" algn="ctr" rotWithShape="0">
+                      <a:schemeClr val="bg2"/>
+                    </a:outerShdw>
+                  </a:effectLst>
+                </a14:hiddenEffects>
+              </a:ext>
+            </a:extLst>
+          </p:spPr>
+          <p:txBody>
+            <a:bodyPr vert="horz" wrap="square" lIns="91440" tIns="45720" rIns="91440" bIns="45720" numCol="1" anchor="ctr" anchorCtr="0" compatLnSpc="1">
+              <a:prstTxWarp prst="textNoShape">
+                <a:avLst/>
+              </a:prstTxWarp>
+              <a:spAutoFit/>
+            </a:bodyPr>
+            <a:lstStyle>
+              <a:lvl1pPr eaLnBrk="0" fontAlgn="base" hangingPunct="0">
+                <a:spcBef>
+                  <a:spcPct val="0"/>
+                </a:spcBef>
+                <a:spcAft>
+                  <a:spcPct val="0"/>
+                </a:spcAft>
+                <a:defRPr>
+                  <a:solidFill>
+                    <a:schemeClr val="tx1"/>
+                  </a:solidFill>
+                  <a:latin typeface="Arial" panose="020B0604020202020204" pitchFamily="34" charset="0"/>
+                </a:defRPr>
+              </a:lvl1pPr>
+              <a:lvl2pPr eaLnBrk="0" fontAlgn="base" hangingPunct="0">
+                <a:spcBef>
+                  <a:spcPct val="0"/>
+                </a:spcBef>
+                <a:spcAft>
+                  <a:spcPct val="0"/>
+                </a:spcAft>
+                <a:defRPr>
+                  <a:solidFill>
+                    <a:schemeClr val="tx1"/>
+                  </a:solidFill>
+                  <a:latin typeface="Arial" panose="020B0604020202020204" pitchFamily="34" charset="0"/>
+                </a:defRPr>
+              </a:lvl2pPr>
+              <a:lvl3pPr eaLnBrk="0" fontAlgn="base" hangingPunct="0">
+                <a:spcBef>
+                  <a:spcPct val="0"/>
+                </a:spcBef>
+                <a:spcAft>
+                  <a:spcPct val="0"/>
+                </a:spcAft>
+                <a:defRPr>
+                  <a:solidFill>
+                    <a:schemeClr val="tx1"/>
+                  </a:solidFill>
+                  <a:latin typeface="Arial" panose="020B0604020202020204" pitchFamily="34" charset="0"/>
+                </a:defRPr>
+              </a:lvl3pPr>
+              <a:lvl4pPr eaLnBrk="0" fontAlgn="base" hangingPunct="0">
+                <a:spcBef>
+                  <a:spcPct val="0"/>
+                </a:spcBef>
+                <a:spcAft>
+                  <a:spcPct val="0"/>
+                </a:spcAft>
+                <a:defRPr>
+                  <a:solidFill>
+                    <a:schemeClr val="tx1"/>
+                  </a:solidFill>
+                  <a:latin typeface="Arial" panose="020B0604020202020204" pitchFamily="34" charset="0"/>
+                </a:defRPr>
+              </a:lvl4pPr>
+              <a:lvl5pPr eaLnBrk="0" fontAlgn="base" hangingPunct="0">
+                <a:spcBef>
+                  <a:spcPct val="0"/>
+                </a:spcBef>
+                <a:spcAft>
+                  <a:spcPct val="0"/>
+                </a:spcAft>
+                <a:defRPr>
+                  <a:solidFill>
+                    <a:schemeClr val="tx1"/>
+                  </a:solidFill>
+                  <a:latin typeface="Arial" panose="020B0604020202020204" pitchFamily="34" charset="0"/>
+                </a:defRPr>
+              </a:lvl5pPr>
+              <a:lvl6pPr eaLnBrk="0" fontAlgn="base" hangingPunct="0">
+                <a:spcBef>
+                  <a:spcPct val="0"/>
+                </a:spcBef>
+                <a:spcAft>
+                  <a:spcPct val="0"/>
+                </a:spcAft>
+                <a:defRPr>
+                  <a:solidFill>
+                    <a:schemeClr val="tx1"/>
+                  </a:solidFill>
+                  <a:latin typeface="Arial" panose="020B0604020202020204" pitchFamily="34" charset="0"/>
+                </a:defRPr>
+              </a:lvl6pPr>
+              <a:lvl7pPr eaLnBrk="0" fontAlgn="base" hangingPunct="0">
+                <a:spcBef>
+                  <a:spcPct val="0"/>
+                </a:spcBef>
+                <a:spcAft>
+                  <a:spcPct val="0"/>
+                </a:spcAft>
+                <a:defRPr>
+                  <a:solidFill>
+                    <a:schemeClr val="tx1"/>
+                  </a:solidFill>
+                  <a:latin typeface="Arial" panose="020B0604020202020204" pitchFamily="34" charset="0"/>
+                </a:defRPr>
+              </a:lvl7pPr>
+              <a:lvl8pPr eaLnBrk="0" fontAlgn="base" hangingPunct="0">
+                <a:spcBef>
+                  <a:spcPct val="0"/>
+                </a:spcBef>
+                <a:spcAft>
+                  <a:spcPct val="0"/>
+                </a:spcAft>
+                <a:defRPr>
+                  <a:solidFill>
+                    <a:schemeClr val="tx1"/>
+                  </a:solidFill>
+                  <a:latin typeface="Arial" panose="020B0604020202020204" pitchFamily="34" charset="0"/>
+                </a:defRPr>
+              </a:lvl8pPr>
+              <a:lvl9pPr eaLnBrk="0" fontAlgn="base" hangingPunct="0">
+                <a:spcBef>
+                  <a:spcPct val="0"/>
+                </a:spcBef>
+                <a:spcAft>
+                  <a:spcPct val="0"/>
+                </a:spcAft>
+                <a:defRPr>
+                  <a:solidFill>
+                    <a:schemeClr val="tx1"/>
+                  </a:solidFill>
+                  <a:latin typeface="Arial" panose="020B0604020202020204" pitchFamily="34" charset="0"/>
+                </a:defRPr>
+              </a:lvl9pPr>
+            </a:lstStyle>
+            <a:p>
+              <a:pPr marL="0" marR="0" lvl="0" indent="0" algn="l" defTabSz="914400" rtl="0" eaLnBrk="0" fontAlgn="base" latinLnBrk="0" hangingPunct="0">
+                <a:lnSpc>
+                  <a:spcPct val="100000"/>
+                </a:lnSpc>
+                <a:spcBef>
+                  <a:spcPct val="0"/>
+                </a:spcBef>
+                <a:spcAft>
+                  <a:spcPct val="0"/>
+                </a:spcAft>
+                <a:buClrTx/>
+                <a:buSzTx/>
+                <a:buFontTx/>
+                <a:buNone/>
+                <a:tabLst/>
+              </a:pPr>
+              <a:r>
+                <a:rPr kumimoji="0" lang="en-US" altLang="en-US" sz="1100" b="0" i="0" u="none" strike="noStrike" cap="none" normalizeH="0" baseline="0" dirty="0">
+                  <a:ln>
+                    <a:noFill/>
+                  </a:ln>
+                  <a:solidFill>
+                    <a:srgbClr val="292929"/>
+                  </a:solidFill>
+                  <a:effectLst/>
+                  <a:latin typeface="Menlo"/>
+                </a:rPr>
+                <a:t>@</a:t>
+              </a:r>
+              <a:r>
+                <a:rPr kumimoji="0" lang="en-US" altLang="en-US" sz="1100" b="0" i="0" u="none" strike="noStrike" cap="none" normalizeH="0" baseline="0" dirty="0" err="1" smtClean="0">
+                  <a:ln>
+                    <a:noFill/>
+                  </a:ln>
+                  <a:solidFill>
+                    <a:srgbClr val="292929"/>
+                  </a:solidFill>
+                  <a:effectLst/>
+                  <a:latin typeface="Menlo"/>
+                </a:rPr>
+                <a:t>EnableEurekaClient</a:t>
+              </a:r>
+              <a:r>
+                <a:rPr kumimoji="0" lang="en-US" altLang="en-US" sz="1500" b="0" i="0" u="none" strike="noStrike" cap="none" normalizeH="0" baseline="0" dirty="0">
+                  <a:ln>
+                    <a:noFill/>
+                  </a:ln>
+                  <a:solidFill>
+                    <a:srgbClr val="292929"/>
+                  </a:solidFill>
+                  <a:effectLst/>
+                  <a:latin typeface="charter"/>
+                </a:rPr>
+                <a:t> </a:t>
+              </a:r>
+              <a:r>
+                <a:rPr kumimoji="0" lang="en-US" altLang="en-US" sz="900" b="0" i="0" u="none" strike="noStrike" cap="none" normalizeH="0" baseline="0" dirty="0">
+                  <a:ln>
+                    <a:noFill/>
+                  </a:ln>
+                  <a:solidFill>
+                    <a:schemeClr val="tx1"/>
+                  </a:solidFill>
+                  <a:effectLst/>
+                </a:rPr>
+                <a:t> </a:t>
+              </a:r>
+              <a:r>
+                <a:rPr kumimoji="0" lang="en-US" altLang="en-US" sz="900" b="0" i="0" u="none" strike="noStrike" cap="none" normalizeH="0" baseline="0" dirty="0" smtClean="0">
+                  <a:ln>
+                    <a:noFill/>
+                  </a:ln>
+                  <a:solidFill>
+                    <a:schemeClr val="tx1"/>
+                  </a:solidFill>
+                  <a:effectLst/>
+                </a:rPr>
+                <a:t>c</a:t>
+              </a:r>
+              <a:endParaRPr kumimoji="0" lang="en-US" altLang="en-US" sz="1800" b="0" i="0" u="none" strike="noStrike" cap="none" normalizeH="0" baseline="0" dirty="0">
+                <a:ln>
+                  <a:noFill/>
+                </a:ln>
+                <a:solidFill>
+                  <a:schemeClr val="tx1"/>
+                </a:solidFill>
+                <a:effectLst/>
+                <a:latin typeface="Arial" panose="020B0604020202020204" pitchFamily="34" charset="0"/>
+              </a:endParaRPr>
+            </a:p>
+          </p:txBody>
+        </p:sp>
+        <p:sp>
+          <p:nvSpPr>
+            <p:cNvPr id="50" name="Rectangle 1">
+              <a:extLst>
+                <a:ext uri="{FF2B5EF4-FFF2-40B4-BE49-F238E27FC236}">
+                  <a16:creationId xmlns:a16="http://schemas.microsoft.com/office/drawing/2014/main" xmlns="" id="{4A5862E7-0045-43EA-8731-76AF0AFFEB2B}"/>
+                </a:ext>
+              </a:extLst>
+            </p:cNvPr>
+            <p:cNvSpPr>
+              <a:spLocks noChangeArrowheads="1"/>
+            </p:cNvSpPr>
+            <p:nvPr/>
+          </p:nvSpPr>
+          <p:spPr bwMode="auto">
+            <a:xfrm>
+              <a:off x="1468579" y="3472706"/>
+              <a:ext cx="3001319" cy="261610"/>
+            </a:xfrm>
+            <a:prstGeom prst="rect">
+              <a:avLst/>
+            </a:prstGeom>
+            <a:solidFill>
+              <a:srgbClr val="F2F2F2"/>
+            </a:solidFill>
+            <a:ln>
+              <a:noFill/>
+            </a:ln>
+            <a:effectLst/>
+            <a:extLst>
+              <a:ext uri="{91240B29-F687-4F45-9708-019B960494DF}">
+                <a14:hiddenLine xmlns:a14="http://schemas.microsoft.com/office/drawing/2010/main" w="9525">
+                  <a:solidFill>
+                    <a:schemeClr val="tx1"/>
+                  </a:solidFill>
+                  <a:miter lim="800000"/>
+                  <a:headEnd/>
+                  <a:tailEnd/>
+                </a14:hiddenLine>
+              </a:ext>
+              <a:ext uri="{AF507438-7753-43E0-B8FC-AC1667EBCBE1}">
+                <a14:hiddenEffects xmlns:a14="http://schemas.microsoft.com/office/drawing/2010/main">
+                  <a:effectLst>
+                    <a:outerShdw dist="35921" dir="2700000" algn="ctr" rotWithShape="0">
+                      <a:schemeClr val="bg2"/>
+                    </a:outerShdw>
+                  </a:effectLst>
+                </a14:hiddenEffects>
+              </a:ext>
+            </a:extLst>
+          </p:spPr>
+          <p:txBody>
+            <a:bodyPr vert="horz" wrap="square" lIns="91440" tIns="45720" rIns="91440" bIns="45720" numCol="1" anchor="ctr" anchorCtr="0" compatLnSpc="1">
+              <a:prstTxWarp prst="textNoShape">
+                <a:avLst/>
+              </a:prstTxWarp>
+              <a:spAutoFit/>
+            </a:bodyPr>
+            <a:lstStyle>
+              <a:lvl1pPr eaLnBrk="0" fontAlgn="base" hangingPunct="0">
+                <a:spcBef>
+                  <a:spcPct val="0"/>
+                </a:spcBef>
+                <a:spcAft>
+                  <a:spcPct val="0"/>
+                </a:spcAft>
+                <a:defRPr>
+                  <a:solidFill>
+                    <a:schemeClr val="tx1"/>
+                  </a:solidFill>
+                  <a:latin typeface="Arial" panose="020B0604020202020204" pitchFamily="34" charset="0"/>
+                </a:defRPr>
+              </a:lvl1pPr>
+              <a:lvl2pPr eaLnBrk="0" fontAlgn="base" hangingPunct="0">
+                <a:spcBef>
+                  <a:spcPct val="0"/>
+                </a:spcBef>
+                <a:spcAft>
+                  <a:spcPct val="0"/>
+                </a:spcAft>
+                <a:defRPr>
+                  <a:solidFill>
+                    <a:schemeClr val="tx1"/>
+                  </a:solidFill>
+                  <a:latin typeface="Arial" panose="020B0604020202020204" pitchFamily="34" charset="0"/>
+                </a:defRPr>
+              </a:lvl2pPr>
+              <a:lvl3pPr eaLnBrk="0" fontAlgn="base" hangingPunct="0">
+                <a:spcBef>
+                  <a:spcPct val="0"/>
+                </a:spcBef>
+                <a:spcAft>
+                  <a:spcPct val="0"/>
+                </a:spcAft>
+                <a:defRPr>
+                  <a:solidFill>
+                    <a:schemeClr val="tx1"/>
+                  </a:solidFill>
+                  <a:latin typeface="Arial" panose="020B0604020202020204" pitchFamily="34" charset="0"/>
+                </a:defRPr>
+              </a:lvl3pPr>
+              <a:lvl4pPr eaLnBrk="0" fontAlgn="base" hangingPunct="0">
+                <a:spcBef>
+                  <a:spcPct val="0"/>
+                </a:spcBef>
+                <a:spcAft>
+                  <a:spcPct val="0"/>
+                </a:spcAft>
+                <a:defRPr>
+                  <a:solidFill>
+                    <a:schemeClr val="tx1"/>
+                  </a:solidFill>
+                  <a:latin typeface="Arial" panose="020B0604020202020204" pitchFamily="34" charset="0"/>
+                </a:defRPr>
+              </a:lvl4pPr>
+              <a:lvl5pPr eaLnBrk="0" fontAlgn="base" hangingPunct="0">
+                <a:spcBef>
+                  <a:spcPct val="0"/>
+                </a:spcBef>
+                <a:spcAft>
+                  <a:spcPct val="0"/>
+                </a:spcAft>
+                <a:defRPr>
+                  <a:solidFill>
+                    <a:schemeClr val="tx1"/>
+                  </a:solidFill>
+                  <a:latin typeface="Arial" panose="020B0604020202020204" pitchFamily="34" charset="0"/>
+                </a:defRPr>
+              </a:lvl5pPr>
+              <a:lvl6pPr eaLnBrk="0" fontAlgn="base" hangingPunct="0">
+                <a:spcBef>
+                  <a:spcPct val="0"/>
+                </a:spcBef>
+                <a:spcAft>
+                  <a:spcPct val="0"/>
+                </a:spcAft>
+                <a:defRPr>
+                  <a:solidFill>
+                    <a:schemeClr val="tx1"/>
+                  </a:solidFill>
+                  <a:latin typeface="Arial" panose="020B0604020202020204" pitchFamily="34" charset="0"/>
+                </a:defRPr>
+              </a:lvl6pPr>
+              <a:lvl7pPr eaLnBrk="0" fontAlgn="base" hangingPunct="0">
+                <a:spcBef>
+                  <a:spcPct val="0"/>
+                </a:spcBef>
+                <a:spcAft>
+                  <a:spcPct val="0"/>
+                </a:spcAft>
+                <a:defRPr>
+                  <a:solidFill>
+                    <a:schemeClr val="tx1"/>
+                  </a:solidFill>
+                  <a:latin typeface="Arial" panose="020B0604020202020204" pitchFamily="34" charset="0"/>
+                </a:defRPr>
+              </a:lvl7pPr>
+              <a:lvl8pPr eaLnBrk="0" fontAlgn="base" hangingPunct="0">
+                <a:spcBef>
+                  <a:spcPct val="0"/>
+                </a:spcBef>
+                <a:spcAft>
+                  <a:spcPct val="0"/>
+                </a:spcAft>
+                <a:defRPr>
+                  <a:solidFill>
+                    <a:schemeClr val="tx1"/>
+                  </a:solidFill>
+                  <a:latin typeface="Arial" panose="020B0604020202020204" pitchFamily="34" charset="0"/>
+                </a:defRPr>
+              </a:lvl8pPr>
+              <a:lvl9pPr eaLnBrk="0" fontAlgn="base" hangingPunct="0">
+                <a:spcBef>
+                  <a:spcPct val="0"/>
+                </a:spcBef>
+                <a:spcAft>
+                  <a:spcPct val="0"/>
+                </a:spcAft>
+                <a:defRPr>
+                  <a:solidFill>
+                    <a:schemeClr val="tx1"/>
+                  </a:solidFill>
+                  <a:latin typeface="Arial" panose="020B0604020202020204" pitchFamily="34" charset="0"/>
+                </a:defRPr>
+              </a:lvl9pPr>
+            </a:lstStyle>
+            <a:p>
+              <a:pPr marL="0" marR="0" lvl="0" indent="0" algn="l" defTabSz="914400" rtl="0" eaLnBrk="0" fontAlgn="base" latinLnBrk="0" hangingPunct="0">
+                <a:lnSpc>
+                  <a:spcPct val="100000"/>
+                </a:lnSpc>
+                <a:spcBef>
+                  <a:spcPct val="0"/>
+                </a:spcBef>
+                <a:spcAft>
+                  <a:spcPct val="0"/>
+                </a:spcAft>
+                <a:buClrTx/>
+                <a:buSzTx/>
+                <a:buFontTx/>
+                <a:buNone/>
+                <a:tabLst/>
+              </a:pPr>
+              <a:r>
+                <a:rPr lang="en-IN" sz="1100" b="0" i="0" dirty="0" smtClean="0">
+                  <a:solidFill>
+                    <a:srgbClr val="24292F"/>
+                  </a:solidFill>
+                  <a:effectLst/>
+                  <a:latin typeface="ui-monospace"/>
+                </a:rPr>
+                <a:t>spring-cloud-starter-</a:t>
+              </a:r>
+              <a:r>
+                <a:rPr lang="en-IN" sz="1100" b="0" i="0" dirty="0" err="1" smtClean="0">
+                  <a:solidFill>
+                    <a:srgbClr val="24292F"/>
+                  </a:solidFill>
+                  <a:effectLst/>
+                  <a:latin typeface="ui-monospace"/>
+                </a:rPr>
+                <a:t>netflix</a:t>
+              </a:r>
+              <a:r>
+                <a:rPr lang="en-IN" sz="1100" b="0" i="0" dirty="0" smtClean="0">
+                  <a:solidFill>
+                    <a:srgbClr val="24292F"/>
+                  </a:solidFill>
+                  <a:effectLst/>
+                  <a:latin typeface="ui-monospace"/>
+                </a:rPr>
+                <a:t>-eureka-client</a:t>
+              </a:r>
+              <a:endParaRPr kumimoji="0" lang="en-US" altLang="en-US" sz="1800" b="0" i="0" u="none" strike="noStrike" cap="none" normalizeH="0" baseline="0" dirty="0">
+                <a:ln>
+                  <a:noFill/>
+                </a:ln>
+                <a:solidFill>
+                  <a:schemeClr val="tx1"/>
+                </a:solidFill>
+                <a:effectLst/>
+                <a:latin typeface="Arial" panose="020B0604020202020204" pitchFamily="34" charset="0"/>
+              </a:endParaRPr>
+            </a:p>
+          </p:txBody>
+        </p:sp>
+      </p:grpSp>
+      <p:cxnSp>
+        <p:nvCxnSpPr>
+          <p:cNvPr id="56" name="Elbow Connector 55"/>
+          <p:cNvCxnSpPr>
+            <a:stCxn id="48" idx="3"/>
+            <a:endCxn id="44" idx="1"/>
+          </p:cNvCxnSpPr>
+          <p:nvPr/>
+        </p:nvCxnSpPr>
+        <p:spPr>
+          <a:xfrm>
+            <a:off x="4380893" y="3737670"/>
+            <a:ext cx="3300186" cy="1070825"/>
+          </a:xfrm>
+          <a:prstGeom prst="bentConnector3">
+            <a:avLst/>
+          </a:prstGeom>
+          <a:ln w="28575">
+            <a:tailEnd type="arrow"/>
+          </a:ln>
+        </p:spPr>
+        <p:style>
+          <a:lnRef idx="3">
+            <a:schemeClr val="accent2"/>
+          </a:lnRef>
+          <a:fillRef idx="0">
+            <a:schemeClr val="accent2"/>
+          </a:fillRef>
+          <a:effectRef idx="2">
+            <a:schemeClr val="accent2"/>
+          </a:effectRef>
+          <a:fontRef idx="minor">
+            <a:schemeClr val="tx1"/>
+          </a:fontRef>
+        </p:style>
+      </p:cxnSp>
+      <p:sp>
+        <p:nvSpPr>
+          <p:cNvPr id="58" name="TextBox 57"/>
+          <p:cNvSpPr txBox="1"/>
+          <p:nvPr/>
+        </p:nvSpPr>
+        <p:spPr>
+          <a:xfrm>
+            <a:off x="5273628" y="3292789"/>
+            <a:ext cx="1390445" cy="369332"/>
+          </a:xfrm>
+          <a:prstGeom prst="rect">
+            <a:avLst/>
+          </a:prstGeom>
+          <a:noFill/>
+        </p:spPr>
+        <p:txBody>
+          <a:bodyPr wrap="none" rtlCol="0">
+            <a:spAutoFit/>
+          </a:bodyPr>
+          <a:lstStyle/>
+          <a:p>
+            <a:r>
+              <a:rPr lang="en-US" b="1" dirty="0" smtClean="0">
+                <a:solidFill>
+                  <a:srgbClr val="FF0000"/>
+                </a:solidFill>
+              </a:rPr>
+              <a:t>/booking/**</a:t>
+            </a:r>
+            <a:endParaRPr lang="en-US" b="1" dirty="0">
+              <a:solidFill>
+                <a:srgbClr val="FF0000"/>
+              </a:solidFill>
+            </a:endParaRPr>
+          </a:p>
+        </p:txBody>
+      </p:sp>
+      <p:grpSp>
+        <p:nvGrpSpPr>
+          <p:cNvPr id="1025" name="Group 1024"/>
+          <p:cNvGrpSpPr/>
+          <p:nvPr/>
+        </p:nvGrpSpPr>
+        <p:grpSpPr>
+          <a:xfrm>
+            <a:off x="7681079" y="3577607"/>
+            <a:ext cx="3915717" cy="2461776"/>
+            <a:chOff x="7633853" y="3745059"/>
+            <a:chExt cx="3915717" cy="2461776"/>
+          </a:xfrm>
+        </p:grpSpPr>
+        <p:grpSp>
+          <p:nvGrpSpPr>
+            <p:cNvPr id="43" name="Group 42"/>
+            <p:cNvGrpSpPr/>
+            <p:nvPr/>
+          </p:nvGrpSpPr>
+          <p:grpSpPr>
+            <a:xfrm>
+              <a:off x="7633853" y="3745059"/>
+              <a:ext cx="3915717" cy="2461776"/>
+              <a:chOff x="1011381" y="2409115"/>
+              <a:chExt cx="3915717" cy="1338950"/>
+            </a:xfrm>
+          </p:grpSpPr>
+          <p:sp>
+            <p:nvSpPr>
+              <p:cNvPr id="44" name="Rectangle: Rounded Corners 1">
+                <a:extLst>
+                  <a:ext uri="{FF2B5EF4-FFF2-40B4-BE49-F238E27FC236}">
+                    <a16:creationId xmlns:a16="http://schemas.microsoft.com/office/drawing/2014/main" xmlns="" id="{229043B8-923C-4A63-923B-ED47AB6F3179}"/>
+                  </a:ext>
+                </a:extLst>
+              </p:cNvPr>
+              <p:cNvSpPr/>
+              <p:nvPr/>
+            </p:nvSpPr>
+            <p:spPr>
+              <a:xfrm>
+                <a:off x="1011381" y="2409115"/>
+                <a:ext cx="3915717" cy="1338950"/>
+              </a:xfrm>
+              <a:prstGeom prst="roundRect">
+                <a:avLst/>
+              </a:prstGeom>
+              <a:solidFill>
+                <a:schemeClr val="accent1">
+                  <a:lumMod val="75000"/>
+                </a:schemeClr>
+              </a:solidFill>
+            </p:spPr>
+            <p:style>
+              <a:lnRef idx="2">
+                <a:schemeClr val="accent1">
+                  <a:shade val="50000"/>
+                </a:schemeClr>
+              </a:lnRef>
+              <a:fillRef idx="1">
+                <a:schemeClr val="accent1"/>
+              </a:fillRef>
+              <a:effectRef idx="0">
+                <a:schemeClr val="accent1"/>
+              </a:effectRef>
+              <a:fontRef idx="minor">
+                <a:schemeClr val="lt1"/>
+              </a:fontRef>
+            </p:style>
+            <p:txBody>
+              <a:bodyPr rtlCol="0" anchor="ctr"/>
+              <a:lstStyle/>
+              <a:p>
+                <a:pPr algn="ctr"/>
+                <a:endParaRPr lang="en-IN" sz="1800" dirty="0" smtClean="0">
+                  <a:solidFill>
+                    <a:srgbClr val="000000"/>
+                  </a:solidFill>
+                  <a:latin typeface="Consolas" panose="020B0609020204030204" pitchFamily="49" charset="0"/>
+                </a:endParaRPr>
+              </a:p>
+              <a:p>
+                <a:pPr algn="ctr"/>
+                <a:endParaRPr lang="en-IN" dirty="0">
+                  <a:solidFill>
+                    <a:srgbClr val="000000"/>
+                  </a:solidFill>
+                  <a:latin typeface="Consolas" panose="020B0609020204030204" pitchFamily="49" charset="0"/>
+                </a:endParaRPr>
+              </a:p>
+              <a:p>
+                <a:pPr algn="ctr"/>
+                <a:endParaRPr lang="en-IN" sz="1800" dirty="0" smtClean="0">
+                  <a:solidFill>
+                    <a:srgbClr val="000000"/>
+                  </a:solidFill>
+                  <a:latin typeface="Consolas" panose="020B0609020204030204" pitchFamily="49" charset="0"/>
+                </a:endParaRPr>
+              </a:p>
+              <a:p>
+                <a:pPr algn="ctr"/>
+                <a:endParaRPr lang="en-IN" dirty="0">
+                  <a:solidFill>
+                    <a:srgbClr val="000000"/>
+                  </a:solidFill>
+                  <a:latin typeface="Consolas" panose="020B0609020204030204" pitchFamily="49" charset="0"/>
+                </a:endParaRPr>
+              </a:p>
+              <a:p>
+                <a:pPr algn="ctr"/>
+                <a:r>
+                  <a:rPr lang="en-IN" sz="1800" dirty="0" smtClean="0">
+                    <a:solidFill>
+                      <a:srgbClr val="000000"/>
+                    </a:solidFill>
+                    <a:latin typeface="Consolas" panose="020B0609020204030204" pitchFamily="49" charset="0"/>
+                  </a:rPr>
+                  <a:t>bmt.bookingservice.com</a:t>
+                </a:r>
+                <a:endParaRPr lang="en-IN" dirty="0"/>
+              </a:p>
+            </p:txBody>
+          </p:sp>
+          <p:sp>
+            <p:nvSpPr>
+              <p:cNvPr id="45" name="Rectangle 1">
+                <a:extLst>
+                  <a:ext uri="{FF2B5EF4-FFF2-40B4-BE49-F238E27FC236}">
+                    <a16:creationId xmlns:a16="http://schemas.microsoft.com/office/drawing/2014/main" xmlns="" id="{FFE5BAF0-90A9-481D-AAC3-4466B273C9B9}"/>
+                  </a:ext>
+                </a:extLst>
+              </p:cNvPr>
+              <p:cNvSpPr>
+                <a:spLocks noChangeArrowheads="1"/>
+              </p:cNvSpPr>
+              <p:nvPr/>
+            </p:nvSpPr>
+            <p:spPr bwMode="auto">
+              <a:xfrm>
+                <a:off x="3100397" y="2541524"/>
+                <a:ext cx="1674296" cy="175768"/>
+              </a:xfrm>
+              <a:prstGeom prst="rect">
+                <a:avLst/>
+              </a:prstGeom>
+              <a:solidFill>
+                <a:srgbClr val="F2F2F2"/>
+              </a:solidFill>
+              <a:ln>
+                <a:noFill/>
+              </a:ln>
+              <a:effectLst/>
+              <a:extLst>
+                <a:ext uri="{91240B29-F687-4F45-9708-019B960494DF}">
+                  <a14:hiddenLine xmlns:a14="http://schemas.microsoft.com/office/drawing/2010/main" w="9525">
+                    <a:solidFill>
+                      <a:schemeClr val="tx1"/>
+                    </a:solidFill>
+                    <a:miter lim="800000"/>
+                    <a:headEnd/>
+                    <a:tailEnd/>
+                  </a14:hiddenLine>
+                </a:ext>
+                <a:ext uri="{AF507438-7753-43E0-B8FC-AC1667EBCBE1}">
+                  <a14:hiddenEffects xmlns:a14="http://schemas.microsoft.com/office/drawing/2010/main">
+                    <a:effectLst>
+                      <a:outerShdw dist="35921" dir="2700000" algn="ctr" rotWithShape="0">
+                        <a:schemeClr val="bg2"/>
+                      </a:outerShdw>
+                    </a:effectLst>
+                  </a14:hiddenEffects>
+                </a:ext>
+              </a:extLst>
+            </p:spPr>
+            <p:txBody>
+              <a:bodyPr vert="horz" wrap="square" lIns="91440" tIns="45720" rIns="91440" bIns="45720" numCol="1" anchor="ctr" anchorCtr="0" compatLnSpc="1">
+                <a:prstTxWarp prst="textNoShape">
+                  <a:avLst/>
+                </a:prstTxWarp>
+                <a:spAutoFit/>
+              </a:bodyPr>
+              <a:lstStyle>
+                <a:lvl1pPr eaLnBrk="0" fontAlgn="base" hangingPunct="0">
+                  <a:spcBef>
+                    <a:spcPct val="0"/>
+                  </a:spcBef>
+                  <a:spcAft>
+                    <a:spcPct val="0"/>
+                  </a:spcAft>
+                  <a:defRPr>
+                    <a:solidFill>
+                      <a:schemeClr val="tx1"/>
+                    </a:solidFill>
+                    <a:latin typeface="Arial" panose="020B0604020202020204" pitchFamily="34" charset="0"/>
+                  </a:defRPr>
+                </a:lvl1pPr>
+                <a:lvl2pPr eaLnBrk="0" fontAlgn="base" hangingPunct="0">
+                  <a:spcBef>
+                    <a:spcPct val="0"/>
+                  </a:spcBef>
+                  <a:spcAft>
+                    <a:spcPct val="0"/>
+                  </a:spcAft>
+                  <a:defRPr>
+                    <a:solidFill>
+                      <a:schemeClr val="tx1"/>
+                    </a:solidFill>
+                    <a:latin typeface="Arial" panose="020B0604020202020204" pitchFamily="34" charset="0"/>
+                  </a:defRPr>
+                </a:lvl2pPr>
+                <a:lvl3pPr eaLnBrk="0" fontAlgn="base" hangingPunct="0">
+                  <a:spcBef>
+                    <a:spcPct val="0"/>
+                  </a:spcBef>
+                  <a:spcAft>
+                    <a:spcPct val="0"/>
+                  </a:spcAft>
+                  <a:defRPr>
+                    <a:solidFill>
+                      <a:schemeClr val="tx1"/>
+                    </a:solidFill>
+                    <a:latin typeface="Arial" panose="020B0604020202020204" pitchFamily="34" charset="0"/>
+                  </a:defRPr>
+                </a:lvl3pPr>
+                <a:lvl4pPr eaLnBrk="0" fontAlgn="base" hangingPunct="0">
+                  <a:spcBef>
+                    <a:spcPct val="0"/>
+                  </a:spcBef>
+                  <a:spcAft>
+                    <a:spcPct val="0"/>
+                  </a:spcAft>
+                  <a:defRPr>
+                    <a:solidFill>
+                      <a:schemeClr val="tx1"/>
+                    </a:solidFill>
+                    <a:latin typeface="Arial" panose="020B0604020202020204" pitchFamily="34" charset="0"/>
+                  </a:defRPr>
+                </a:lvl4pPr>
+                <a:lvl5pPr eaLnBrk="0" fontAlgn="base" hangingPunct="0">
+                  <a:spcBef>
+                    <a:spcPct val="0"/>
+                  </a:spcBef>
+                  <a:spcAft>
+                    <a:spcPct val="0"/>
+                  </a:spcAft>
+                  <a:defRPr>
+                    <a:solidFill>
+                      <a:schemeClr val="tx1"/>
+                    </a:solidFill>
+                    <a:latin typeface="Arial" panose="020B0604020202020204" pitchFamily="34" charset="0"/>
+                  </a:defRPr>
+                </a:lvl5pPr>
+                <a:lvl6pPr eaLnBrk="0" fontAlgn="base" hangingPunct="0">
+                  <a:spcBef>
+                    <a:spcPct val="0"/>
+                  </a:spcBef>
+                  <a:spcAft>
+                    <a:spcPct val="0"/>
+                  </a:spcAft>
+                  <a:defRPr>
+                    <a:solidFill>
+                      <a:schemeClr val="tx1"/>
+                    </a:solidFill>
+                    <a:latin typeface="Arial" panose="020B0604020202020204" pitchFamily="34" charset="0"/>
+                  </a:defRPr>
+                </a:lvl6pPr>
+                <a:lvl7pPr eaLnBrk="0" fontAlgn="base" hangingPunct="0">
+                  <a:spcBef>
+                    <a:spcPct val="0"/>
+                  </a:spcBef>
+                  <a:spcAft>
+                    <a:spcPct val="0"/>
+                  </a:spcAft>
+                  <a:defRPr>
+                    <a:solidFill>
+                      <a:schemeClr val="tx1"/>
+                    </a:solidFill>
+                    <a:latin typeface="Arial" panose="020B0604020202020204" pitchFamily="34" charset="0"/>
+                  </a:defRPr>
+                </a:lvl7pPr>
+                <a:lvl8pPr eaLnBrk="0" fontAlgn="base" hangingPunct="0">
+                  <a:spcBef>
+                    <a:spcPct val="0"/>
+                  </a:spcBef>
+                  <a:spcAft>
+                    <a:spcPct val="0"/>
+                  </a:spcAft>
+                  <a:defRPr>
+                    <a:solidFill>
+                      <a:schemeClr val="tx1"/>
+                    </a:solidFill>
+                    <a:latin typeface="Arial" panose="020B0604020202020204" pitchFamily="34" charset="0"/>
+                  </a:defRPr>
+                </a:lvl8pPr>
+                <a:lvl9pPr eaLnBrk="0" fontAlgn="base" hangingPunct="0">
+                  <a:spcBef>
+                    <a:spcPct val="0"/>
+                  </a:spcBef>
+                  <a:spcAft>
+                    <a:spcPct val="0"/>
+                  </a:spcAft>
+                  <a:defRPr>
+                    <a:solidFill>
+                      <a:schemeClr val="tx1"/>
+                    </a:solidFill>
+                    <a:latin typeface="Arial" panose="020B0604020202020204" pitchFamily="34" charset="0"/>
+                  </a:defRPr>
+                </a:lvl9pPr>
+              </a:lstStyle>
+              <a:p>
+                <a:pPr marL="0" marR="0" lvl="0" indent="0" algn="l" defTabSz="914400" rtl="0" eaLnBrk="0" fontAlgn="base" latinLnBrk="0" hangingPunct="0">
+                  <a:lnSpc>
+                    <a:spcPct val="100000"/>
+                  </a:lnSpc>
+                  <a:spcBef>
+                    <a:spcPct val="0"/>
+                  </a:spcBef>
+                  <a:spcAft>
+                    <a:spcPct val="0"/>
+                  </a:spcAft>
+                  <a:buClrTx/>
+                  <a:buSzTx/>
+                  <a:buFontTx/>
+                  <a:buNone/>
+                  <a:tabLst/>
+                </a:pPr>
+                <a:r>
+                  <a:rPr kumimoji="0" lang="en-US" altLang="en-US" sz="1100" b="0" i="0" u="none" strike="noStrike" cap="none" normalizeH="0" baseline="0" dirty="0">
+                    <a:ln>
+                      <a:noFill/>
+                    </a:ln>
+                    <a:solidFill>
+                      <a:srgbClr val="FF0000"/>
+                    </a:solidFill>
+                    <a:effectLst/>
+                    <a:latin typeface="Menlo"/>
+                  </a:rPr>
+                  <a:t>@</a:t>
+                </a:r>
+                <a:r>
+                  <a:rPr kumimoji="0" lang="en-US" altLang="en-US" sz="1100" b="0" i="0" u="none" strike="noStrike" cap="none" normalizeH="0" baseline="0" dirty="0" err="1" smtClean="0">
+                    <a:ln>
+                      <a:noFill/>
+                    </a:ln>
+                    <a:solidFill>
+                      <a:srgbClr val="FF0000"/>
+                    </a:solidFill>
+                    <a:effectLst/>
+                    <a:latin typeface="Menlo"/>
+                  </a:rPr>
+                  <a:t>EnableEurekaClient</a:t>
+                </a:r>
+                <a:r>
+                  <a:rPr kumimoji="0" lang="en-US" altLang="en-US" sz="1500" b="0" i="0" u="none" strike="noStrike" cap="none" normalizeH="0" baseline="0" dirty="0">
+                    <a:ln>
+                      <a:noFill/>
+                    </a:ln>
+                    <a:solidFill>
+                      <a:srgbClr val="FF0000"/>
+                    </a:solidFill>
+                    <a:effectLst/>
+                    <a:latin typeface="charter"/>
+                  </a:rPr>
+                  <a:t> </a:t>
+                </a:r>
+                <a:r>
+                  <a:rPr kumimoji="0" lang="en-US" altLang="en-US" sz="900" b="0" i="0" u="none" strike="noStrike" cap="none" normalizeH="0" baseline="0" dirty="0">
+                    <a:ln>
+                      <a:noFill/>
+                    </a:ln>
+                    <a:solidFill>
+                      <a:schemeClr val="tx1"/>
+                    </a:solidFill>
+                    <a:effectLst/>
+                  </a:rPr>
+                  <a:t> </a:t>
+                </a:r>
+                <a:endParaRPr kumimoji="0" lang="en-US" altLang="en-US" sz="1800" b="0" i="0" u="none" strike="noStrike" cap="none" normalizeH="0" baseline="0" dirty="0">
+                  <a:ln>
+                    <a:noFill/>
+                  </a:ln>
+                  <a:solidFill>
+                    <a:schemeClr val="tx1"/>
+                  </a:solidFill>
+                  <a:effectLst/>
+                  <a:latin typeface="Arial" panose="020B0604020202020204" pitchFamily="34" charset="0"/>
+                </a:endParaRPr>
+              </a:p>
+            </p:txBody>
+          </p:sp>
+        </p:grpSp>
+        <p:sp>
+          <p:nvSpPr>
+            <p:cNvPr id="1024" name="Rectangle 1023"/>
+            <p:cNvSpPr/>
+            <p:nvPr/>
+          </p:nvSpPr>
+          <p:spPr>
+            <a:xfrm>
+              <a:off x="7855533" y="5795938"/>
+              <a:ext cx="3566810" cy="338554"/>
+            </a:xfrm>
+            <a:prstGeom prst="rect">
+              <a:avLst/>
+            </a:prstGeom>
+            <a:solidFill>
+              <a:schemeClr val="accent2">
+                <a:lumMod val="60000"/>
+                <a:lumOff val="40000"/>
+              </a:schemeClr>
+            </a:solidFill>
+          </p:spPr>
+          <p:txBody>
+            <a:bodyPr wrap="none">
+              <a:spAutoFit/>
+            </a:bodyPr>
+            <a:lstStyle/>
+            <a:p>
+              <a:r>
+                <a:rPr lang="en-US" sz="1600" dirty="0" smtClean="0">
+                  <a:solidFill>
+                    <a:schemeClr val="bg1"/>
+                  </a:solidFill>
+                </a:rPr>
+                <a:t>spring-cloud-starter-</a:t>
+              </a:r>
+              <a:r>
+                <a:rPr lang="en-US" sz="1600" dirty="0" err="1" smtClean="0">
+                  <a:solidFill>
+                    <a:schemeClr val="bg1"/>
+                  </a:solidFill>
+                </a:rPr>
+                <a:t>netflix</a:t>
+              </a:r>
+              <a:r>
+                <a:rPr lang="en-US" sz="1600" dirty="0" smtClean="0">
+                  <a:solidFill>
+                    <a:schemeClr val="bg1"/>
+                  </a:solidFill>
+                </a:rPr>
+                <a:t>-eureka-client</a:t>
+              </a:r>
+              <a:endParaRPr lang="en-US" sz="1600" dirty="0">
+                <a:solidFill>
+                  <a:schemeClr val="bg1"/>
+                </a:solidFill>
+              </a:endParaRPr>
+            </a:p>
+          </p:txBody>
+        </p:sp>
+      </p:grpSp>
+      <p:sp>
+        <p:nvSpPr>
+          <p:cNvPr id="1030" name="Rounded Rectangle 1029"/>
+          <p:cNvSpPr/>
+          <p:nvPr/>
+        </p:nvSpPr>
+        <p:spPr>
+          <a:xfrm>
+            <a:off x="3935088" y="720436"/>
+            <a:ext cx="2770909" cy="637309"/>
+          </a:xfrm>
+          <a:prstGeom prst="roundRect">
+            <a:avLst/>
+          </a:prstGeom>
+        </p:spPr>
+        <p:style>
+          <a:lnRef idx="2">
+            <a:schemeClr val="accent1">
+              <a:shade val="50000"/>
+            </a:schemeClr>
+          </a:lnRef>
+          <a:fillRef idx="1">
+            <a:schemeClr val="accent1"/>
+          </a:fillRef>
+          <a:effectRef idx="0">
+            <a:schemeClr val="accent1"/>
+          </a:effectRef>
+          <a:fontRef idx="minor">
+            <a:schemeClr val="lt1"/>
+          </a:fontRef>
+        </p:style>
+        <p:txBody>
+          <a:bodyPr rtlCol="0" anchor="ctr"/>
+          <a:lstStyle/>
+          <a:p>
+            <a:pPr algn="ctr"/>
+            <a:r>
+              <a:rPr lang="en-US" dirty="0" err="1" smtClean="0"/>
+              <a:t>bmt</a:t>
+            </a:r>
+            <a:r>
+              <a:rPr lang="en-US" dirty="0" smtClean="0"/>
+              <a:t>-eureka-cluster</a:t>
+            </a:r>
+            <a:endParaRPr lang="en-US" dirty="0"/>
+          </a:p>
+        </p:txBody>
+      </p:sp>
+    </p:spTree>
+    <p:extLst>
+      <p:ext uri="{BB962C8B-B14F-4D97-AF65-F5344CB8AC3E}">
+        <p14:creationId xmlns:p14="http://schemas.microsoft.com/office/powerpoint/2010/main" val="2316540854"/>
       </p:ext>
     </p:extLst>
   </p:cSld>
@@ -12612,7 +14442,7 @@
     </a:clrScheme>
     <a:fontScheme name="Office">
       <a:majorFont>
-        <a:latin typeface="Calibri Light" panose="020F0302020204030204"/>
+        <a:latin typeface="Calibri Light"/>
         <a:ea typeface=""/>
         <a:cs typeface=""/>
         <a:font script="Jpan" typeface="游ゴシック Light"/>
@@ -12664,7 +14494,7 @@
         <a:font script="Tfng" typeface="Ebrima"/>
       </a:majorFont>
       <a:minorFont>
-        <a:latin typeface="Calibri" panose="020F0502020204030204"/>
+        <a:latin typeface="Calibri"/>
         <a:ea typeface=""/>
         <a:cs typeface=""/>
         <a:font script="Jpan" typeface="游ゴシック"/>
@@ -12858,7 +14688,7 @@
   <a:extraClrSchemeLst/>
   <a:extLst>
     <a:ext uri="{05A4C25C-085E-4340-85A3-A5531E510DB2}">
-      <thm15:themeFamily xmlns:thm15="http://schemas.microsoft.com/office/thememl/2012/main" name="Office Theme" id="{62F939B6-93AF-4DB8-9C6B-D6C7DFDC589F}" vid="{4A3C46E8-61CC-4603-A589-7422A47A8E4A}"/>
+      <thm15:themeFamily xmlns:thm15="http://schemas.microsoft.com/office/thememl/2012/main" xmlns="" name="Office Theme" id="{62F939B6-93AF-4DB8-9C6B-D6C7DFDC589F}" vid="{4A3C46E8-61CC-4603-A589-7422A47A8E4A}"/>
     </a:ext>
   </a:extLst>
 </a:theme>

--- a/src/spring/spring.boot.pptx
+++ b/src/spring/spring.boot.pptx
@@ -7,8 +7,9 @@
   <p:sldIdLst>
     <p:sldId id="256" r:id="rId2"/>
     <p:sldId id="260" r:id="rId3"/>
-    <p:sldId id="258" r:id="rId4"/>
-    <p:sldId id="259" r:id="rId5"/>
+    <p:sldId id="261" r:id="rId4"/>
+    <p:sldId id="258" r:id="rId5"/>
+    <p:sldId id="259" r:id="rId6"/>
   </p:sldIdLst>
   <p:sldSz cx="12192000" cy="6858000"/>
   <p:notesSz cx="6858000" cy="9144000"/>
@@ -3786,7 +3787,7 @@
         <p:grpSpPr>
           <a:xfrm>
             <a:off x="404028" y="478552"/>
-            <a:ext cx="7727943" cy="3819363"/>
+            <a:ext cx="6329281" cy="5506612"/>
             <a:chOff x="3018778" y="1282994"/>
             <a:chExt cx="7727943" cy="3819363"/>
           </a:xfrm>
@@ -4445,6 +4446,1324 @@
           </p:sp>
         </p:grpSp>
       </p:grpSp>
+      <p:grpSp>
+        <p:nvGrpSpPr>
+          <p:cNvPr id="14" name="Group 13"/>
+          <p:cNvGrpSpPr/>
+          <p:nvPr/>
+        </p:nvGrpSpPr>
+        <p:grpSpPr>
+          <a:xfrm>
+            <a:off x="7019220" y="227871"/>
+            <a:ext cx="3915717" cy="1340526"/>
+            <a:chOff x="1011381" y="2407539"/>
+            <a:chExt cx="3915717" cy="1340526"/>
+          </a:xfrm>
+        </p:grpSpPr>
+        <p:sp>
+          <p:nvSpPr>
+            <p:cNvPr id="15" name="Rectangle: Rounded Corners 1">
+              <a:extLst>
+                <a:ext uri="{FF2B5EF4-FFF2-40B4-BE49-F238E27FC236}">
+                  <a16:creationId xmlns:a16="http://schemas.microsoft.com/office/drawing/2014/main" xmlns="" id="{229043B8-923C-4A63-923B-ED47AB6F3179}"/>
+                </a:ext>
+              </a:extLst>
+            </p:cNvPr>
+            <p:cNvSpPr/>
+            <p:nvPr/>
+          </p:nvSpPr>
+          <p:spPr>
+            <a:xfrm>
+              <a:off x="1011381" y="2409115"/>
+              <a:ext cx="3915717" cy="1338950"/>
+            </a:xfrm>
+            <a:prstGeom prst="roundRect">
+              <a:avLst/>
+            </a:prstGeom>
+            <a:solidFill>
+              <a:schemeClr val="accent1">
+                <a:lumMod val="75000"/>
+              </a:schemeClr>
+            </a:solidFill>
+          </p:spPr>
+          <p:style>
+            <a:lnRef idx="2">
+              <a:schemeClr val="accent1">
+                <a:shade val="50000"/>
+              </a:schemeClr>
+            </a:lnRef>
+            <a:fillRef idx="1">
+              <a:schemeClr val="accent1"/>
+            </a:fillRef>
+            <a:effectRef idx="0">
+              <a:schemeClr val="accent1"/>
+            </a:effectRef>
+            <a:fontRef idx="minor">
+              <a:schemeClr val="lt1"/>
+            </a:fontRef>
+          </p:style>
+          <p:txBody>
+            <a:bodyPr rtlCol="0" anchor="ctr"/>
+            <a:lstStyle/>
+            <a:p>
+              <a:pPr algn="ctr"/>
+              <a:r>
+                <a:rPr lang="en-IN" sz="1800" dirty="0" smtClean="0">
+                  <a:solidFill>
+                    <a:srgbClr val="000000"/>
+                  </a:solidFill>
+                  <a:latin typeface="Consolas" panose="020B0609020204030204" pitchFamily="49" charset="0"/>
+                </a:rPr>
+                <a:t>bmt.booking-service01.com</a:t>
+              </a:r>
+              <a:endParaRPr lang="en-IN" dirty="0"/>
+            </a:p>
+          </p:txBody>
+        </p:sp>
+        <p:sp>
+          <p:nvSpPr>
+            <p:cNvPr id="16" name="Rectangle 1">
+              <a:extLst>
+                <a:ext uri="{FF2B5EF4-FFF2-40B4-BE49-F238E27FC236}">
+                  <a16:creationId xmlns:a16="http://schemas.microsoft.com/office/drawing/2014/main" xmlns="" id="{FFE5BAF0-90A9-481D-AAC3-4466B273C9B9}"/>
+                </a:ext>
+              </a:extLst>
+            </p:cNvPr>
+            <p:cNvSpPr>
+              <a:spLocks noChangeArrowheads="1"/>
+            </p:cNvSpPr>
+            <p:nvPr/>
+          </p:nvSpPr>
+          <p:spPr bwMode="auto">
+            <a:xfrm>
+              <a:off x="3252802" y="2407539"/>
+              <a:ext cx="1674296" cy="323165"/>
+            </a:xfrm>
+            <a:prstGeom prst="rect">
+              <a:avLst/>
+            </a:prstGeom>
+            <a:solidFill>
+              <a:srgbClr val="F2F2F2"/>
+            </a:solidFill>
+            <a:ln>
+              <a:noFill/>
+            </a:ln>
+            <a:effectLst/>
+            <a:extLst>
+              <a:ext uri="{91240B29-F687-4F45-9708-019B960494DF}">
+                <a14:hiddenLine xmlns:a14="http://schemas.microsoft.com/office/drawing/2010/main" w="9525">
+                  <a:solidFill>
+                    <a:schemeClr val="tx1"/>
+                  </a:solidFill>
+                  <a:miter lim="800000"/>
+                  <a:headEnd/>
+                  <a:tailEnd/>
+                </a14:hiddenLine>
+              </a:ext>
+              <a:ext uri="{AF507438-7753-43E0-B8FC-AC1667EBCBE1}">
+                <a14:hiddenEffects xmlns:a14="http://schemas.microsoft.com/office/drawing/2010/main">
+                  <a:effectLst>
+                    <a:outerShdw dist="35921" dir="2700000" algn="ctr" rotWithShape="0">
+                      <a:schemeClr val="bg2"/>
+                    </a:outerShdw>
+                  </a:effectLst>
+                </a14:hiddenEffects>
+              </a:ext>
+            </a:extLst>
+          </p:spPr>
+          <p:txBody>
+            <a:bodyPr vert="horz" wrap="square" lIns="91440" tIns="45720" rIns="91440" bIns="45720" numCol="1" anchor="ctr" anchorCtr="0" compatLnSpc="1">
+              <a:prstTxWarp prst="textNoShape">
+                <a:avLst/>
+              </a:prstTxWarp>
+              <a:spAutoFit/>
+            </a:bodyPr>
+            <a:lstStyle>
+              <a:lvl1pPr eaLnBrk="0" fontAlgn="base" hangingPunct="0">
+                <a:spcBef>
+                  <a:spcPct val="0"/>
+                </a:spcBef>
+                <a:spcAft>
+                  <a:spcPct val="0"/>
+                </a:spcAft>
+                <a:defRPr>
+                  <a:solidFill>
+                    <a:schemeClr val="tx1"/>
+                  </a:solidFill>
+                  <a:latin typeface="Arial" panose="020B0604020202020204" pitchFamily="34" charset="0"/>
+                </a:defRPr>
+              </a:lvl1pPr>
+              <a:lvl2pPr eaLnBrk="0" fontAlgn="base" hangingPunct="0">
+                <a:spcBef>
+                  <a:spcPct val="0"/>
+                </a:spcBef>
+                <a:spcAft>
+                  <a:spcPct val="0"/>
+                </a:spcAft>
+                <a:defRPr>
+                  <a:solidFill>
+                    <a:schemeClr val="tx1"/>
+                  </a:solidFill>
+                  <a:latin typeface="Arial" panose="020B0604020202020204" pitchFamily="34" charset="0"/>
+                </a:defRPr>
+              </a:lvl2pPr>
+              <a:lvl3pPr eaLnBrk="0" fontAlgn="base" hangingPunct="0">
+                <a:spcBef>
+                  <a:spcPct val="0"/>
+                </a:spcBef>
+                <a:spcAft>
+                  <a:spcPct val="0"/>
+                </a:spcAft>
+                <a:defRPr>
+                  <a:solidFill>
+                    <a:schemeClr val="tx1"/>
+                  </a:solidFill>
+                  <a:latin typeface="Arial" panose="020B0604020202020204" pitchFamily="34" charset="0"/>
+                </a:defRPr>
+              </a:lvl3pPr>
+              <a:lvl4pPr eaLnBrk="0" fontAlgn="base" hangingPunct="0">
+                <a:spcBef>
+                  <a:spcPct val="0"/>
+                </a:spcBef>
+                <a:spcAft>
+                  <a:spcPct val="0"/>
+                </a:spcAft>
+                <a:defRPr>
+                  <a:solidFill>
+                    <a:schemeClr val="tx1"/>
+                  </a:solidFill>
+                  <a:latin typeface="Arial" panose="020B0604020202020204" pitchFamily="34" charset="0"/>
+                </a:defRPr>
+              </a:lvl4pPr>
+              <a:lvl5pPr eaLnBrk="0" fontAlgn="base" hangingPunct="0">
+                <a:spcBef>
+                  <a:spcPct val="0"/>
+                </a:spcBef>
+                <a:spcAft>
+                  <a:spcPct val="0"/>
+                </a:spcAft>
+                <a:defRPr>
+                  <a:solidFill>
+                    <a:schemeClr val="tx1"/>
+                  </a:solidFill>
+                  <a:latin typeface="Arial" panose="020B0604020202020204" pitchFamily="34" charset="0"/>
+                </a:defRPr>
+              </a:lvl5pPr>
+              <a:lvl6pPr eaLnBrk="0" fontAlgn="base" hangingPunct="0">
+                <a:spcBef>
+                  <a:spcPct val="0"/>
+                </a:spcBef>
+                <a:spcAft>
+                  <a:spcPct val="0"/>
+                </a:spcAft>
+                <a:defRPr>
+                  <a:solidFill>
+                    <a:schemeClr val="tx1"/>
+                  </a:solidFill>
+                  <a:latin typeface="Arial" panose="020B0604020202020204" pitchFamily="34" charset="0"/>
+                </a:defRPr>
+              </a:lvl6pPr>
+              <a:lvl7pPr eaLnBrk="0" fontAlgn="base" hangingPunct="0">
+                <a:spcBef>
+                  <a:spcPct val="0"/>
+                </a:spcBef>
+                <a:spcAft>
+                  <a:spcPct val="0"/>
+                </a:spcAft>
+                <a:defRPr>
+                  <a:solidFill>
+                    <a:schemeClr val="tx1"/>
+                  </a:solidFill>
+                  <a:latin typeface="Arial" panose="020B0604020202020204" pitchFamily="34" charset="0"/>
+                </a:defRPr>
+              </a:lvl7pPr>
+              <a:lvl8pPr eaLnBrk="0" fontAlgn="base" hangingPunct="0">
+                <a:spcBef>
+                  <a:spcPct val="0"/>
+                </a:spcBef>
+                <a:spcAft>
+                  <a:spcPct val="0"/>
+                </a:spcAft>
+                <a:defRPr>
+                  <a:solidFill>
+                    <a:schemeClr val="tx1"/>
+                  </a:solidFill>
+                  <a:latin typeface="Arial" panose="020B0604020202020204" pitchFamily="34" charset="0"/>
+                </a:defRPr>
+              </a:lvl8pPr>
+              <a:lvl9pPr eaLnBrk="0" fontAlgn="base" hangingPunct="0">
+                <a:spcBef>
+                  <a:spcPct val="0"/>
+                </a:spcBef>
+                <a:spcAft>
+                  <a:spcPct val="0"/>
+                </a:spcAft>
+                <a:defRPr>
+                  <a:solidFill>
+                    <a:schemeClr val="tx1"/>
+                  </a:solidFill>
+                  <a:latin typeface="Arial" panose="020B0604020202020204" pitchFamily="34" charset="0"/>
+                </a:defRPr>
+              </a:lvl9pPr>
+            </a:lstStyle>
+            <a:p>
+              <a:pPr marL="0" marR="0" lvl="0" indent="0" algn="l" defTabSz="914400" rtl="0" eaLnBrk="0" fontAlgn="base" latinLnBrk="0" hangingPunct="0">
+                <a:lnSpc>
+                  <a:spcPct val="100000"/>
+                </a:lnSpc>
+                <a:spcBef>
+                  <a:spcPct val="0"/>
+                </a:spcBef>
+                <a:spcAft>
+                  <a:spcPct val="0"/>
+                </a:spcAft>
+                <a:buClrTx/>
+                <a:buSzTx/>
+                <a:buFontTx/>
+                <a:buNone/>
+                <a:tabLst/>
+              </a:pPr>
+              <a:r>
+                <a:rPr kumimoji="0" lang="en-US" altLang="en-US" sz="1100" b="0" i="0" u="none" strike="noStrike" cap="none" normalizeH="0" baseline="0" dirty="0">
+                  <a:ln>
+                    <a:noFill/>
+                  </a:ln>
+                  <a:solidFill>
+                    <a:srgbClr val="292929"/>
+                  </a:solidFill>
+                  <a:effectLst/>
+                  <a:latin typeface="Menlo"/>
+                </a:rPr>
+                <a:t>@</a:t>
+              </a:r>
+              <a:r>
+                <a:rPr kumimoji="0" lang="en-US" altLang="en-US" sz="1100" b="0" i="0" u="none" strike="noStrike" cap="none" normalizeH="0" baseline="0" dirty="0" err="1" smtClean="0">
+                  <a:ln>
+                    <a:noFill/>
+                  </a:ln>
+                  <a:solidFill>
+                    <a:srgbClr val="292929"/>
+                  </a:solidFill>
+                  <a:effectLst/>
+                  <a:latin typeface="Menlo"/>
+                </a:rPr>
+                <a:t>EnableEurekaClient</a:t>
+              </a:r>
+              <a:r>
+                <a:rPr kumimoji="0" lang="en-US" altLang="en-US" sz="1500" b="0" i="0" u="none" strike="noStrike" cap="none" normalizeH="0" baseline="0" dirty="0">
+                  <a:ln>
+                    <a:noFill/>
+                  </a:ln>
+                  <a:solidFill>
+                    <a:srgbClr val="292929"/>
+                  </a:solidFill>
+                  <a:effectLst/>
+                  <a:latin typeface="charter"/>
+                </a:rPr>
+                <a:t> </a:t>
+              </a:r>
+              <a:r>
+                <a:rPr kumimoji="0" lang="en-US" altLang="en-US" sz="900" b="0" i="0" u="none" strike="noStrike" cap="none" normalizeH="0" baseline="0" dirty="0">
+                  <a:ln>
+                    <a:noFill/>
+                  </a:ln>
+                  <a:solidFill>
+                    <a:schemeClr val="tx1"/>
+                  </a:solidFill>
+                  <a:effectLst/>
+                </a:rPr>
+                <a:t> </a:t>
+              </a:r>
+              <a:endParaRPr kumimoji="0" lang="en-US" altLang="en-US" sz="1800" b="0" i="0" u="none" strike="noStrike" cap="none" normalizeH="0" baseline="0" dirty="0">
+                <a:ln>
+                  <a:noFill/>
+                </a:ln>
+                <a:solidFill>
+                  <a:schemeClr val="tx1"/>
+                </a:solidFill>
+                <a:effectLst/>
+                <a:latin typeface="Arial" panose="020B0604020202020204" pitchFamily="34" charset="0"/>
+              </a:endParaRPr>
+            </a:p>
+          </p:txBody>
+        </p:sp>
+        <p:sp>
+          <p:nvSpPr>
+            <p:cNvPr id="17" name="Rectangle 1">
+              <a:extLst>
+                <a:ext uri="{FF2B5EF4-FFF2-40B4-BE49-F238E27FC236}">
+                  <a16:creationId xmlns:a16="http://schemas.microsoft.com/office/drawing/2014/main" xmlns="" id="{4A5862E7-0045-43EA-8731-76AF0AFFEB2B}"/>
+                </a:ext>
+              </a:extLst>
+            </p:cNvPr>
+            <p:cNvSpPr>
+              <a:spLocks noChangeArrowheads="1"/>
+            </p:cNvSpPr>
+            <p:nvPr/>
+          </p:nvSpPr>
+          <p:spPr bwMode="auto">
+            <a:xfrm>
+              <a:off x="1468579" y="3472706"/>
+              <a:ext cx="3001319" cy="261610"/>
+            </a:xfrm>
+            <a:prstGeom prst="rect">
+              <a:avLst/>
+            </a:prstGeom>
+            <a:solidFill>
+              <a:srgbClr val="F2F2F2"/>
+            </a:solidFill>
+            <a:ln>
+              <a:noFill/>
+            </a:ln>
+            <a:effectLst/>
+            <a:extLst>
+              <a:ext uri="{91240B29-F687-4F45-9708-019B960494DF}">
+                <a14:hiddenLine xmlns:a14="http://schemas.microsoft.com/office/drawing/2010/main" w="9525">
+                  <a:solidFill>
+                    <a:schemeClr val="tx1"/>
+                  </a:solidFill>
+                  <a:miter lim="800000"/>
+                  <a:headEnd/>
+                  <a:tailEnd/>
+                </a14:hiddenLine>
+              </a:ext>
+              <a:ext uri="{AF507438-7753-43E0-B8FC-AC1667EBCBE1}">
+                <a14:hiddenEffects xmlns:a14="http://schemas.microsoft.com/office/drawing/2010/main">
+                  <a:effectLst>
+                    <a:outerShdw dist="35921" dir="2700000" algn="ctr" rotWithShape="0">
+                      <a:schemeClr val="bg2"/>
+                    </a:outerShdw>
+                  </a:effectLst>
+                </a14:hiddenEffects>
+              </a:ext>
+            </a:extLst>
+          </p:spPr>
+          <p:txBody>
+            <a:bodyPr vert="horz" wrap="square" lIns="91440" tIns="45720" rIns="91440" bIns="45720" numCol="1" anchor="ctr" anchorCtr="0" compatLnSpc="1">
+              <a:prstTxWarp prst="textNoShape">
+                <a:avLst/>
+              </a:prstTxWarp>
+              <a:spAutoFit/>
+            </a:bodyPr>
+            <a:lstStyle>
+              <a:lvl1pPr eaLnBrk="0" fontAlgn="base" hangingPunct="0">
+                <a:spcBef>
+                  <a:spcPct val="0"/>
+                </a:spcBef>
+                <a:spcAft>
+                  <a:spcPct val="0"/>
+                </a:spcAft>
+                <a:defRPr>
+                  <a:solidFill>
+                    <a:schemeClr val="tx1"/>
+                  </a:solidFill>
+                  <a:latin typeface="Arial" panose="020B0604020202020204" pitchFamily="34" charset="0"/>
+                </a:defRPr>
+              </a:lvl1pPr>
+              <a:lvl2pPr eaLnBrk="0" fontAlgn="base" hangingPunct="0">
+                <a:spcBef>
+                  <a:spcPct val="0"/>
+                </a:spcBef>
+                <a:spcAft>
+                  <a:spcPct val="0"/>
+                </a:spcAft>
+                <a:defRPr>
+                  <a:solidFill>
+                    <a:schemeClr val="tx1"/>
+                  </a:solidFill>
+                  <a:latin typeface="Arial" panose="020B0604020202020204" pitchFamily="34" charset="0"/>
+                </a:defRPr>
+              </a:lvl2pPr>
+              <a:lvl3pPr eaLnBrk="0" fontAlgn="base" hangingPunct="0">
+                <a:spcBef>
+                  <a:spcPct val="0"/>
+                </a:spcBef>
+                <a:spcAft>
+                  <a:spcPct val="0"/>
+                </a:spcAft>
+                <a:defRPr>
+                  <a:solidFill>
+                    <a:schemeClr val="tx1"/>
+                  </a:solidFill>
+                  <a:latin typeface="Arial" panose="020B0604020202020204" pitchFamily="34" charset="0"/>
+                </a:defRPr>
+              </a:lvl3pPr>
+              <a:lvl4pPr eaLnBrk="0" fontAlgn="base" hangingPunct="0">
+                <a:spcBef>
+                  <a:spcPct val="0"/>
+                </a:spcBef>
+                <a:spcAft>
+                  <a:spcPct val="0"/>
+                </a:spcAft>
+                <a:defRPr>
+                  <a:solidFill>
+                    <a:schemeClr val="tx1"/>
+                  </a:solidFill>
+                  <a:latin typeface="Arial" panose="020B0604020202020204" pitchFamily="34" charset="0"/>
+                </a:defRPr>
+              </a:lvl4pPr>
+              <a:lvl5pPr eaLnBrk="0" fontAlgn="base" hangingPunct="0">
+                <a:spcBef>
+                  <a:spcPct val="0"/>
+                </a:spcBef>
+                <a:spcAft>
+                  <a:spcPct val="0"/>
+                </a:spcAft>
+                <a:defRPr>
+                  <a:solidFill>
+                    <a:schemeClr val="tx1"/>
+                  </a:solidFill>
+                  <a:latin typeface="Arial" panose="020B0604020202020204" pitchFamily="34" charset="0"/>
+                </a:defRPr>
+              </a:lvl5pPr>
+              <a:lvl6pPr eaLnBrk="0" fontAlgn="base" hangingPunct="0">
+                <a:spcBef>
+                  <a:spcPct val="0"/>
+                </a:spcBef>
+                <a:spcAft>
+                  <a:spcPct val="0"/>
+                </a:spcAft>
+                <a:defRPr>
+                  <a:solidFill>
+                    <a:schemeClr val="tx1"/>
+                  </a:solidFill>
+                  <a:latin typeface="Arial" panose="020B0604020202020204" pitchFamily="34" charset="0"/>
+                </a:defRPr>
+              </a:lvl6pPr>
+              <a:lvl7pPr eaLnBrk="0" fontAlgn="base" hangingPunct="0">
+                <a:spcBef>
+                  <a:spcPct val="0"/>
+                </a:spcBef>
+                <a:spcAft>
+                  <a:spcPct val="0"/>
+                </a:spcAft>
+                <a:defRPr>
+                  <a:solidFill>
+                    <a:schemeClr val="tx1"/>
+                  </a:solidFill>
+                  <a:latin typeface="Arial" panose="020B0604020202020204" pitchFamily="34" charset="0"/>
+                </a:defRPr>
+              </a:lvl7pPr>
+              <a:lvl8pPr eaLnBrk="0" fontAlgn="base" hangingPunct="0">
+                <a:spcBef>
+                  <a:spcPct val="0"/>
+                </a:spcBef>
+                <a:spcAft>
+                  <a:spcPct val="0"/>
+                </a:spcAft>
+                <a:defRPr>
+                  <a:solidFill>
+                    <a:schemeClr val="tx1"/>
+                  </a:solidFill>
+                  <a:latin typeface="Arial" panose="020B0604020202020204" pitchFamily="34" charset="0"/>
+                </a:defRPr>
+              </a:lvl8pPr>
+              <a:lvl9pPr eaLnBrk="0" fontAlgn="base" hangingPunct="0">
+                <a:spcBef>
+                  <a:spcPct val="0"/>
+                </a:spcBef>
+                <a:spcAft>
+                  <a:spcPct val="0"/>
+                </a:spcAft>
+                <a:defRPr>
+                  <a:solidFill>
+                    <a:schemeClr val="tx1"/>
+                  </a:solidFill>
+                  <a:latin typeface="Arial" panose="020B0604020202020204" pitchFamily="34" charset="0"/>
+                </a:defRPr>
+              </a:lvl9pPr>
+            </a:lstStyle>
+            <a:p>
+              <a:pPr marL="0" marR="0" lvl="0" indent="0" algn="l" defTabSz="914400" rtl="0" eaLnBrk="0" fontAlgn="base" latinLnBrk="0" hangingPunct="0">
+                <a:lnSpc>
+                  <a:spcPct val="100000"/>
+                </a:lnSpc>
+                <a:spcBef>
+                  <a:spcPct val="0"/>
+                </a:spcBef>
+                <a:spcAft>
+                  <a:spcPct val="0"/>
+                </a:spcAft>
+                <a:buClrTx/>
+                <a:buSzTx/>
+                <a:buFontTx/>
+                <a:buNone/>
+                <a:tabLst/>
+              </a:pPr>
+              <a:r>
+                <a:rPr lang="en-IN" sz="1100" b="0" i="0" dirty="0" smtClean="0">
+                  <a:solidFill>
+                    <a:srgbClr val="24292F"/>
+                  </a:solidFill>
+                  <a:effectLst/>
+                  <a:latin typeface="ui-monospace"/>
+                </a:rPr>
+                <a:t>spring-cloud-starter-</a:t>
+              </a:r>
+              <a:r>
+                <a:rPr lang="en-IN" sz="1100" b="0" i="0" dirty="0" err="1" smtClean="0">
+                  <a:solidFill>
+                    <a:srgbClr val="24292F"/>
+                  </a:solidFill>
+                  <a:effectLst/>
+                  <a:latin typeface="ui-monospace"/>
+                </a:rPr>
+                <a:t>netflix</a:t>
+              </a:r>
+              <a:r>
+                <a:rPr lang="en-IN" sz="1100" b="0" i="0" dirty="0" smtClean="0">
+                  <a:solidFill>
+                    <a:srgbClr val="24292F"/>
+                  </a:solidFill>
+                  <a:effectLst/>
+                  <a:latin typeface="ui-monospace"/>
+                </a:rPr>
+                <a:t>-eureka-client</a:t>
+              </a:r>
+              <a:endParaRPr kumimoji="0" lang="en-US" altLang="en-US" sz="1800" b="0" i="0" u="none" strike="noStrike" cap="none" normalizeH="0" baseline="0" dirty="0">
+                <a:ln>
+                  <a:noFill/>
+                </a:ln>
+                <a:solidFill>
+                  <a:schemeClr val="tx1"/>
+                </a:solidFill>
+                <a:effectLst/>
+                <a:latin typeface="Arial" panose="020B0604020202020204" pitchFamily="34" charset="0"/>
+              </a:endParaRPr>
+            </a:p>
+          </p:txBody>
+        </p:sp>
+      </p:grpSp>
+      <p:grpSp>
+        <p:nvGrpSpPr>
+          <p:cNvPr id="18" name="Group 17"/>
+          <p:cNvGrpSpPr/>
+          <p:nvPr/>
+        </p:nvGrpSpPr>
+        <p:grpSpPr>
+          <a:xfrm>
+            <a:off x="7228429" y="4846418"/>
+            <a:ext cx="4064417" cy="1340526"/>
+            <a:chOff x="1011381" y="2407539"/>
+            <a:chExt cx="4064417" cy="1340526"/>
+          </a:xfrm>
+        </p:grpSpPr>
+        <p:sp>
+          <p:nvSpPr>
+            <p:cNvPr id="19" name="Rectangle: Rounded Corners 1">
+              <a:extLst>
+                <a:ext uri="{FF2B5EF4-FFF2-40B4-BE49-F238E27FC236}">
+                  <a16:creationId xmlns:a16="http://schemas.microsoft.com/office/drawing/2014/main" xmlns="" id="{229043B8-923C-4A63-923B-ED47AB6F3179}"/>
+                </a:ext>
+              </a:extLst>
+            </p:cNvPr>
+            <p:cNvSpPr/>
+            <p:nvPr/>
+          </p:nvSpPr>
+          <p:spPr>
+            <a:xfrm>
+              <a:off x="1011381" y="2409115"/>
+              <a:ext cx="3915717" cy="1338950"/>
+            </a:xfrm>
+            <a:prstGeom prst="roundRect">
+              <a:avLst/>
+            </a:prstGeom>
+            <a:solidFill>
+              <a:schemeClr val="accent1">
+                <a:lumMod val="75000"/>
+              </a:schemeClr>
+            </a:solidFill>
+          </p:spPr>
+          <p:style>
+            <a:lnRef idx="2">
+              <a:schemeClr val="accent1">
+                <a:shade val="50000"/>
+              </a:schemeClr>
+            </a:lnRef>
+            <a:fillRef idx="1">
+              <a:schemeClr val="accent1"/>
+            </a:fillRef>
+            <a:effectRef idx="0">
+              <a:schemeClr val="accent1"/>
+            </a:effectRef>
+            <a:fontRef idx="minor">
+              <a:schemeClr val="lt1"/>
+            </a:fontRef>
+          </p:style>
+          <p:txBody>
+            <a:bodyPr rtlCol="0" anchor="ctr"/>
+            <a:lstStyle/>
+            <a:p>
+              <a:pPr algn="ctr"/>
+              <a:r>
+                <a:rPr lang="en-IN" sz="1800" dirty="0" smtClean="0">
+                  <a:solidFill>
+                    <a:srgbClr val="000000"/>
+                  </a:solidFill>
+                  <a:latin typeface="Consolas" panose="020B0609020204030204" pitchFamily="49" charset="0"/>
+                </a:rPr>
+                <a:t>bmt.seat-map01.com</a:t>
+              </a:r>
+              <a:endParaRPr lang="en-IN" dirty="0"/>
+            </a:p>
+          </p:txBody>
+        </p:sp>
+        <p:sp>
+          <p:nvSpPr>
+            <p:cNvPr id="20" name="Rectangle 1">
+              <a:extLst>
+                <a:ext uri="{FF2B5EF4-FFF2-40B4-BE49-F238E27FC236}">
+                  <a16:creationId xmlns:a16="http://schemas.microsoft.com/office/drawing/2014/main" xmlns="" id="{FFE5BAF0-90A9-481D-AAC3-4466B273C9B9}"/>
+                </a:ext>
+              </a:extLst>
+            </p:cNvPr>
+            <p:cNvSpPr>
+              <a:spLocks noChangeArrowheads="1"/>
+            </p:cNvSpPr>
+            <p:nvPr/>
+          </p:nvSpPr>
+          <p:spPr bwMode="auto">
+            <a:xfrm>
+              <a:off x="3252801" y="2407539"/>
+              <a:ext cx="1822997" cy="323165"/>
+            </a:xfrm>
+            <a:prstGeom prst="rect">
+              <a:avLst/>
+            </a:prstGeom>
+            <a:solidFill>
+              <a:srgbClr val="F2F2F2"/>
+            </a:solidFill>
+            <a:ln>
+              <a:noFill/>
+            </a:ln>
+            <a:effectLst/>
+            <a:extLst>
+              <a:ext uri="{91240B29-F687-4F45-9708-019B960494DF}">
+                <a14:hiddenLine xmlns:a14="http://schemas.microsoft.com/office/drawing/2010/main" w="9525">
+                  <a:solidFill>
+                    <a:schemeClr val="tx1"/>
+                  </a:solidFill>
+                  <a:miter lim="800000"/>
+                  <a:headEnd/>
+                  <a:tailEnd/>
+                </a14:hiddenLine>
+              </a:ext>
+              <a:ext uri="{AF507438-7753-43E0-B8FC-AC1667EBCBE1}">
+                <a14:hiddenEffects xmlns:a14="http://schemas.microsoft.com/office/drawing/2010/main">
+                  <a:effectLst>
+                    <a:outerShdw dist="35921" dir="2700000" algn="ctr" rotWithShape="0">
+                      <a:schemeClr val="bg2"/>
+                    </a:outerShdw>
+                  </a:effectLst>
+                </a14:hiddenEffects>
+              </a:ext>
+            </a:extLst>
+          </p:spPr>
+          <p:txBody>
+            <a:bodyPr vert="horz" wrap="square" lIns="91440" tIns="45720" rIns="91440" bIns="45720" numCol="1" anchor="ctr" anchorCtr="0" compatLnSpc="1">
+              <a:prstTxWarp prst="textNoShape">
+                <a:avLst/>
+              </a:prstTxWarp>
+              <a:spAutoFit/>
+            </a:bodyPr>
+            <a:lstStyle>
+              <a:lvl1pPr eaLnBrk="0" fontAlgn="base" hangingPunct="0">
+                <a:spcBef>
+                  <a:spcPct val="0"/>
+                </a:spcBef>
+                <a:spcAft>
+                  <a:spcPct val="0"/>
+                </a:spcAft>
+                <a:defRPr>
+                  <a:solidFill>
+                    <a:schemeClr val="tx1"/>
+                  </a:solidFill>
+                  <a:latin typeface="Arial" panose="020B0604020202020204" pitchFamily="34" charset="0"/>
+                </a:defRPr>
+              </a:lvl1pPr>
+              <a:lvl2pPr eaLnBrk="0" fontAlgn="base" hangingPunct="0">
+                <a:spcBef>
+                  <a:spcPct val="0"/>
+                </a:spcBef>
+                <a:spcAft>
+                  <a:spcPct val="0"/>
+                </a:spcAft>
+                <a:defRPr>
+                  <a:solidFill>
+                    <a:schemeClr val="tx1"/>
+                  </a:solidFill>
+                  <a:latin typeface="Arial" panose="020B0604020202020204" pitchFamily="34" charset="0"/>
+                </a:defRPr>
+              </a:lvl2pPr>
+              <a:lvl3pPr eaLnBrk="0" fontAlgn="base" hangingPunct="0">
+                <a:spcBef>
+                  <a:spcPct val="0"/>
+                </a:spcBef>
+                <a:spcAft>
+                  <a:spcPct val="0"/>
+                </a:spcAft>
+                <a:defRPr>
+                  <a:solidFill>
+                    <a:schemeClr val="tx1"/>
+                  </a:solidFill>
+                  <a:latin typeface="Arial" panose="020B0604020202020204" pitchFamily="34" charset="0"/>
+                </a:defRPr>
+              </a:lvl3pPr>
+              <a:lvl4pPr eaLnBrk="0" fontAlgn="base" hangingPunct="0">
+                <a:spcBef>
+                  <a:spcPct val="0"/>
+                </a:spcBef>
+                <a:spcAft>
+                  <a:spcPct val="0"/>
+                </a:spcAft>
+                <a:defRPr>
+                  <a:solidFill>
+                    <a:schemeClr val="tx1"/>
+                  </a:solidFill>
+                  <a:latin typeface="Arial" panose="020B0604020202020204" pitchFamily="34" charset="0"/>
+                </a:defRPr>
+              </a:lvl4pPr>
+              <a:lvl5pPr eaLnBrk="0" fontAlgn="base" hangingPunct="0">
+                <a:spcBef>
+                  <a:spcPct val="0"/>
+                </a:spcBef>
+                <a:spcAft>
+                  <a:spcPct val="0"/>
+                </a:spcAft>
+                <a:defRPr>
+                  <a:solidFill>
+                    <a:schemeClr val="tx1"/>
+                  </a:solidFill>
+                  <a:latin typeface="Arial" panose="020B0604020202020204" pitchFamily="34" charset="0"/>
+                </a:defRPr>
+              </a:lvl5pPr>
+              <a:lvl6pPr eaLnBrk="0" fontAlgn="base" hangingPunct="0">
+                <a:spcBef>
+                  <a:spcPct val="0"/>
+                </a:spcBef>
+                <a:spcAft>
+                  <a:spcPct val="0"/>
+                </a:spcAft>
+                <a:defRPr>
+                  <a:solidFill>
+                    <a:schemeClr val="tx1"/>
+                  </a:solidFill>
+                  <a:latin typeface="Arial" panose="020B0604020202020204" pitchFamily="34" charset="0"/>
+                </a:defRPr>
+              </a:lvl6pPr>
+              <a:lvl7pPr eaLnBrk="0" fontAlgn="base" hangingPunct="0">
+                <a:spcBef>
+                  <a:spcPct val="0"/>
+                </a:spcBef>
+                <a:spcAft>
+                  <a:spcPct val="0"/>
+                </a:spcAft>
+                <a:defRPr>
+                  <a:solidFill>
+                    <a:schemeClr val="tx1"/>
+                  </a:solidFill>
+                  <a:latin typeface="Arial" panose="020B0604020202020204" pitchFamily="34" charset="0"/>
+                </a:defRPr>
+              </a:lvl7pPr>
+              <a:lvl8pPr eaLnBrk="0" fontAlgn="base" hangingPunct="0">
+                <a:spcBef>
+                  <a:spcPct val="0"/>
+                </a:spcBef>
+                <a:spcAft>
+                  <a:spcPct val="0"/>
+                </a:spcAft>
+                <a:defRPr>
+                  <a:solidFill>
+                    <a:schemeClr val="tx1"/>
+                  </a:solidFill>
+                  <a:latin typeface="Arial" panose="020B0604020202020204" pitchFamily="34" charset="0"/>
+                </a:defRPr>
+              </a:lvl8pPr>
+              <a:lvl9pPr eaLnBrk="0" fontAlgn="base" hangingPunct="0">
+                <a:spcBef>
+                  <a:spcPct val="0"/>
+                </a:spcBef>
+                <a:spcAft>
+                  <a:spcPct val="0"/>
+                </a:spcAft>
+                <a:defRPr>
+                  <a:solidFill>
+                    <a:schemeClr val="tx1"/>
+                  </a:solidFill>
+                  <a:latin typeface="Arial" panose="020B0604020202020204" pitchFamily="34" charset="0"/>
+                </a:defRPr>
+              </a:lvl9pPr>
+            </a:lstStyle>
+            <a:p>
+              <a:pPr marL="0" marR="0" lvl="0" indent="0" algn="l" defTabSz="914400" rtl="0" eaLnBrk="0" fontAlgn="base" latinLnBrk="0" hangingPunct="0">
+                <a:lnSpc>
+                  <a:spcPct val="100000"/>
+                </a:lnSpc>
+                <a:spcBef>
+                  <a:spcPct val="0"/>
+                </a:spcBef>
+                <a:spcAft>
+                  <a:spcPct val="0"/>
+                </a:spcAft>
+                <a:buClrTx/>
+                <a:buSzTx/>
+                <a:buFontTx/>
+                <a:buNone/>
+                <a:tabLst/>
+              </a:pPr>
+              <a:r>
+                <a:rPr kumimoji="0" lang="en-US" altLang="en-US" sz="1100" b="0" i="0" u="none" strike="noStrike" cap="none" normalizeH="0" baseline="0" dirty="0">
+                  <a:ln>
+                    <a:noFill/>
+                  </a:ln>
+                  <a:solidFill>
+                    <a:srgbClr val="292929"/>
+                  </a:solidFill>
+                  <a:effectLst/>
+                  <a:latin typeface="Menlo"/>
+                </a:rPr>
+                <a:t>@</a:t>
+              </a:r>
+              <a:r>
+                <a:rPr kumimoji="0" lang="en-US" altLang="en-US" sz="1100" b="0" i="0" u="none" strike="noStrike" cap="none" normalizeH="0" baseline="0" dirty="0" err="1" smtClean="0">
+                  <a:ln>
+                    <a:noFill/>
+                  </a:ln>
+                  <a:solidFill>
+                    <a:srgbClr val="292929"/>
+                  </a:solidFill>
+                  <a:effectLst/>
+                  <a:latin typeface="Menlo"/>
+                </a:rPr>
+                <a:t>EnableEurekaClient</a:t>
+              </a:r>
+              <a:r>
+                <a:rPr kumimoji="0" lang="en-US" altLang="en-US" sz="1500" b="0" i="0" u="none" strike="noStrike" cap="none" normalizeH="0" baseline="0" dirty="0">
+                  <a:ln>
+                    <a:noFill/>
+                  </a:ln>
+                  <a:solidFill>
+                    <a:srgbClr val="292929"/>
+                  </a:solidFill>
+                  <a:effectLst/>
+                  <a:latin typeface="charter"/>
+                </a:rPr>
+                <a:t> </a:t>
+              </a:r>
+              <a:endParaRPr kumimoji="0" lang="en-US" altLang="en-US" sz="1800" b="0" i="0" u="none" strike="noStrike" cap="none" normalizeH="0" baseline="0" dirty="0">
+                <a:ln>
+                  <a:noFill/>
+                </a:ln>
+                <a:solidFill>
+                  <a:schemeClr val="tx1"/>
+                </a:solidFill>
+                <a:effectLst/>
+                <a:latin typeface="Arial" panose="020B0604020202020204" pitchFamily="34" charset="0"/>
+              </a:endParaRPr>
+            </a:p>
+          </p:txBody>
+        </p:sp>
+        <p:sp>
+          <p:nvSpPr>
+            <p:cNvPr id="21" name="Rectangle 1">
+              <a:extLst>
+                <a:ext uri="{FF2B5EF4-FFF2-40B4-BE49-F238E27FC236}">
+                  <a16:creationId xmlns:a16="http://schemas.microsoft.com/office/drawing/2014/main" xmlns="" id="{4A5862E7-0045-43EA-8731-76AF0AFFEB2B}"/>
+                </a:ext>
+              </a:extLst>
+            </p:cNvPr>
+            <p:cNvSpPr>
+              <a:spLocks noChangeArrowheads="1"/>
+            </p:cNvSpPr>
+            <p:nvPr/>
+          </p:nvSpPr>
+          <p:spPr bwMode="auto">
+            <a:xfrm>
+              <a:off x="1468579" y="3472706"/>
+              <a:ext cx="3001319" cy="261610"/>
+            </a:xfrm>
+            <a:prstGeom prst="rect">
+              <a:avLst/>
+            </a:prstGeom>
+            <a:solidFill>
+              <a:srgbClr val="F2F2F2"/>
+            </a:solidFill>
+            <a:ln>
+              <a:noFill/>
+            </a:ln>
+            <a:effectLst/>
+            <a:extLst>
+              <a:ext uri="{91240B29-F687-4F45-9708-019B960494DF}">
+                <a14:hiddenLine xmlns:a14="http://schemas.microsoft.com/office/drawing/2010/main" w="9525">
+                  <a:solidFill>
+                    <a:schemeClr val="tx1"/>
+                  </a:solidFill>
+                  <a:miter lim="800000"/>
+                  <a:headEnd/>
+                  <a:tailEnd/>
+                </a14:hiddenLine>
+              </a:ext>
+              <a:ext uri="{AF507438-7753-43E0-B8FC-AC1667EBCBE1}">
+                <a14:hiddenEffects xmlns:a14="http://schemas.microsoft.com/office/drawing/2010/main">
+                  <a:effectLst>
+                    <a:outerShdw dist="35921" dir="2700000" algn="ctr" rotWithShape="0">
+                      <a:schemeClr val="bg2"/>
+                    </a:outerShdw>
+                  </a:effectLst>
+                </a14:hiddenEffects>
+              </a:ext>
+            </a:extLst>
+          </p:spPr>
+          <p:txBody>
+            <a:bodyPr vert="horz" wrap="square" lIns="91440" tIns="45720" rIns="91440" bIns="45720" numCol="1" anchor="ctr" anchorCtr="0" compatLnSpc="1">
+              <a:prstTxWarp prst="textNoShape">
+                <a:avLst/>
+              </a:prstTxWarp>
+              <a:spAutoFit/>
+            </a:bodyPr>
+            <a:lstStyle>
+              <a:lvl1pPr eaLnBrk="0" fontAlgn="base" hangingPunct="0">
+                <a:spcBef>
+                  <a:spcPct val="0"/>
+                </a:spcBef>
+                <a:spcAft>
+                  <a:spcPct val="0"/>
+                </a:spcAft>
+                <a:defRPr>
+                  <a:solidFill>
+                    <a:schemeClr val="tx1"/>
+                  </a:solidFill>
+                  <a:latin typeface="Arial" panose="020B0604020202020204" pitchFamily="34" charset="0"/>
+                </a:defRPr>
+              </a:lvl1pPr>
+              <a:lvl2pPr eaLnBrk="0" fontAlgn="base" hangingPunct="0">
+                <a:spcBef>
+                  <a:spcPct val="0"/>
+                </a:spcBef>
+                <a:spcAft>
+                  <a:spcPct val="0"/>
+                </a:spcAft>
+                <a:defRPr>
+                  <a:solidFill>
+                    <a:schemeClr val="tx1"/>
+                  </a:solidFill>
+                  <a:latin typeface="Arial" panose="020B0604020202020204" pitchFamily="34" charset="0"/>
+                </a:defRPr>
+              </a:lvl2pPr>
+              <a:lvl3pPr eaLnBrk="0" fontAlgn="base" hangingPunct="0">
+                <a:spcBef>
+                  <a:spcPct val="0"/>
+                </a:spcBef>
+                <a:spcAft>
+                  <a:spcPct val="0"/>
+                </a:spcAft>
+                <a:defRPr>
+                  <a:solidFill>
+                    <a:schemeClr val="tx1"/>
+                  </a:solidFill>
+                  <a:latin typeface="Arial" panose="020B0604020202020204" pitchFamily="34" charset="0"/>
+                </a:defRPr>
+              </a:lvl3pPr>
+              <a:lvl4pPr eaLnBrk="0" fontAlgn="base" hangingPunct="0">
+                <a:spcBef>
+                  <a:spcPct val="0"/>
+                </a:spcBef>
+                <a:spcAft>
+                  <a:spcPct val="0"/>
+                </a:spcAft>
+                <a:defRPr>
+                  <a:solidFill>
+                    <a:schemeClr val="tx1"/>
+                  </a:solidFill>
+                  <a:latin typeface="Arial" panose="020B0604020202020204" pitchFamily="34" charset="0"/>
+                </a:defRPr>
+              </a:lvl4pPr>
+              <a:lvl5pPr eaLnBrk="0" fontAlgn="base" hangingPunct="0">
+                <a:spcBef>
+                  <a:spcPct val="0"/>
+                </a:spcBef>
+                <a:spcAft>
+                  <a:spcPct val="0"/>
+                </a:spcAft>
+                <a:defRPr>
+                  <a:solidFill>
+                    <a:schemeClr val="tx1"/>
+                  </a:solidFill>
+                  <a:latin typeface="Arial" panose="020B0604020202020204" pitchFamily="34" charset="0"/>
+                </a:defRPr>
+              </a:lvl5pPr>
+              <a:lvl6pPr eaLnBrk="0" fontAlgn="base" hangingPunct="0">
+                <a:spcBef>
+                  <a:spcPct val="0"/>
+                </a:spcBef>
+                <a:spcAft>
+                  <a:spcPct val="0"/>
+                </a:spcAft>
+                <a:defRPr>
+                  <a:solidFill>
+                    <a:schemeClr val="tx1"/>
+                  </a:solidFill>
+                  <a:latin typeface="Arial" panose="020B0604020202020204" pitchFamily="34" charset="0"/>
+                </a:defRPr>
+              </a:lvl6pPr>
+              <a:lvl7pPr eaLnBrk="0" fontAlgn="base" hangingPunct="0">
+                <a:spcBef>
+                  <a:spcPct val="0"/>
+                </a:spcBef>
+                <a:spcAft>
+                  <a:spcPct val="0"/>
+                </a:spcAft>
+                <a:defRPr>
+                  <a:solidFill>
+                    <a:schemeClr val="tx1"/>
+                  </a:solidFill>
+                  <a:latin typeface="Arial" panose="020B0604020202020204" pitchFamily="34" charset="0"/>
+                </a:defRPr>
+              </a:lvl7pPr>
+              <a:lvl8pPr eaLnBrk="0" fontAlgn="base" hangingPunct="0">
+                <a:spcBef>
+                  <a:spcPct val="0"/>
+                </a:spcBef>
+                <a:spcAft>
+                  <a:spcPct val="0"/>
+                </a:spcAft>
+                <a:defRPr>
+                  <a:solidFill>
+                    <a:schemeClr val="tx1"/>
+                  </a:solidFill>
+                  <a:latin typeface="Arial" panose="020B0604020202020204" pitchFamily="34" charset="0"/>
+                </a:defRPr>
+              </a:lvl8pPr>
+              <a:lvl9pPr eaLnBrk="0" fontAlgn="base" hangingPunct="0">
+                <a:spcBef>
+                  <a:spcPct val="0"/>
+                </a:spcBef>
+                <a:spcAft>
+                  <a:spcPct val="0"/>
+                </a:spcAft>
+                <a:defRPr>
+                  <a:solidFill>
+                    <a:schemeClr val="tx1"/>
+                  </a:solidFill>
+                  <a:latin typeface="Arial" panose="020B0604020202020204" pitchFamily="34" charset="0"/>
+                </a:defRPr>
+              </a:lvl9pPr>
+            </a:lstStyle>
+            <a:p>
+              <a:pPr marL="0" marR="0" lvl="0" indent="0" algn="l" defTabSz="914400" rtl="0" eaLnBrk="0" fontAlgn="base" latinLnBrk="0" hangingPunct="0">
+                <a:lnSpc>
+                  <a:spcPct val="100000"/>
+                </a:lnSpc>
+                <a:spcBef>
+                  <a:spcPct val="0"/>
+                </a:spcBef>
+                <a:spcAft>
+                  <a:spcPct val="0"/>
+                </a:spcAft>
+                <a:buClrTx/>
+                <a:buSzTx/>
+                <a:buFontTx/>
+                <a:buNone/>
+                <a:tabLst/>
+              </a:pPr>
+              <a:r>
+                <a:rPr lang="en-IN" sz="1100" b="0" i="0" dirty="0" smtClean="0">
+                  <a:solidFill>
+                    <a:srgbClr val="24292F"/>
+                  </a:solidFill>
+                  <a:effectLst/>
+                  <a:latin typeface="ui-monospace"/>
+                </a:rPr>
+                <a:t>spring-cloud-starter-</a:t>
+              </a:r>
+              <a:r>
+                <a:rPr lang="en-IN" sz="1100" b="0" i="0" dirty="0" err="1" smtClean="0">
+                  <a:solidFill>
+                    <a:srgbClr val="24292F"/>
+                  </a:solidFill>
+                  <a:effectLst/>
+                  <a:latin typeface="ui-monospace"/>
+                </a:rPr>
+                <a:t>netflix</a:t>
+              </a:r>
+              <a:r>
+                <a:rPr lang="en-IN" sz="1100" b="0" i="0" dirty="0" smtClean="0">
+                  <a:solidFill>
+                    <a:srgbClr val="24292F"/>
+                  </a:solidFill>
+                  <a:effectLst/>
+                  <a:latin typeface="ui-monospace"/>
+                </a:rPr>
+                <a:t>-eureka-client</a:t>
+              </a:r>
+              <a:endParaRPr kumimoji="0" lang="en-US" altLang="en-US" sz="1800" b="0" i="0" u="none" strike="noStrike" cap="none" normalizeH="0" baseline="0" dirty="0">
+                <a:ln>
+                  <a:noFill/>
+                </a:ln>
+                <a:solidFill>
+                  <a:schemeClr val="tx1"/>
+                </a:solidFill>
+                <a:effectLst/>
+                <a:latin typeface="Arial" panose="020B0604020202020204" pitchFamily="34" charset="0"/>
+              </a:endParaRPr>
+            </a:p>
+          </p:txBody>
+        </p:sp>
+      </p:grpSp>
+      <p:cxnSp>
+        <p:nvCxnSpPr>
+          <p:cNvPr id="23" name="Elbow Connector 22"/>
+          <p:cNvCxnSpPr>
+            <a:stCxn id="19" idx="0"/>
+            <a:endCxn id="5" idx="3"/>
+          </p:cNvCxnSpPr>
+          <p:nvPr/>
+        </p:nvCxnSpPr>
+        <p:spPr>
+          <a:xfrm rot="16200000" flipV="1">
+            <a:off x="6891953" y="2553658"/>
+            <a:ext cx="2135692" cy="2452979"/>
+          </a:xfrm>
+          <a:prstGeom prst="bentConnector2">
+            <a:avLst/>
+          </a:prstGeom>
+          <a:ln w="31750">
+            <a:tailEnd type="arrow"/>
+          </a:ln>
+        </p:spPr>
+        <p:style>
+          <a:lnRef idx="3">
+            <a:schemeClr val="accent2"/>
+          </a:lnRef>
+          <a:fillRef idx="0">
+            <a:schemeClr val="accent2"/>
+          </a:fillRef>
+          <a:effectRef idx="2">
+            <a:schemeClr val="accent2"/>
+          </a:effectRef>
+          <a:fontRef idx="minor">
+            <a:schemeClr val="tx1"/>
+          </a:fontRef>
+        </p:style>
+      </p:cxnSp>
+      <p:cxnSp>
+        <p:nvCxnSpPr>
+          <p:cNvPr id="29" name="Elbow Connector 28"/>
+          <p:cNvCxnSpPr>
+            <a:stCxn id="15" idx="2"/>
+            <a:endCxn id="5" idx="3"/>
+          </p:cNvCxnSpPr>
+          <p:nvPr/>
+        </p:nvCxnSpPr>
+        <p:spPr>
+          <a:xfrm rot="5400000">
+            <a:off x="7283242" y="1018464"/>
+            <a:ext cx="1143905" cy="2243770"/>
+          </a:xfrm>
+          <a:prstGeom prst="bentConnector2">
+            <a:avLst/>
+          </a:prstGeom>
+          <a:ln w="31750">
+            <a:tailEnd type="arrow"/>
+          </a:ln>
+        </p:spPr>
+        <p:style>
+          <a:lnRef idx="3">
+            <a:schemeClr val="accent2"/>
+          </a:lnRef>
+          <a:fillRef idx="0">
+            <a:schemeClr val="accent2"/>
+          </a:fillRef>
+          <a:effectRef idx="2">
+            <a:schemeClr val="accent2"/>
+          </a:effectRef>
+          <a:fontRef idx="minor">
+            <a:schemeClr val="tx1"/>
+          </a:fontRef>
+        </p:style>
+      </p:cxnSp>
+      <p:sp>
+        <p:nvSpPr>
+          <p:cNvPr id="32" name="TextBox 31"/>
+          <p:cNvSpPr txBox="1"/>
+          <p:nvPr/>
+        </p:nvSpPr>
+        <p:spPr>
+          <a:xfrm>
+            <a:off x="7301345" y="2753865"/>
+            <a:ext cx="1692771" cy="369332"/>
+          </a:xfrm>
+          <a:prstGeom prst="rect">
+            <a:avLst/>
+          </a:prstGeom>
+          <a:noFill/>
+        </p:spPr>
+        <p:txBody>
+          <a:bodyPr wrap="none" rtlCol="0">
+            <a:spAutoFit/>
+          </a:bodyPr>
+          <a:lstStyle/>
+          <a:p>
+            <a:r>
+              <a:rPr lang="en-US" b="1" dirty="0" smtClean="0">
+                <a:solidFill>
+                  <a:srgbClr val="FF0000"/>
+                </a:solidFill>
+              </a:rPr>
+              <a:t>Register Service</a:t>
+            </a:r>
+            <a:endParaRPr lang="en-US" b="1" dirty="0">
+              <a:solidFill>
+                <a:srgbClr val="FF0000"/>
+              </a:solidFill>
+            </a:endParaRPr>
+          </a:p>
+        </p:txBody>
+      </p:sp>
+      <p:sp>
+        <p:nvSpPr>
+          <p:cNvPr id="33" name="Oval 32"/>
+          <p:cNvSpPr/>
+          <p:nvPr/>
+        </p:nvSpPr>
+        <p:spPr>
+          <a:xfrm>
+            <a:off x="7759469" y="2133457"/>
+            <a:ext cx="457200" cy="460481"/>
+          </a:xfrm>
+          <a:prstGeom prst="ellipse">
+            <a:avLst/>
+          </a:prstGeom>
+        </p:spPr>
+        <p:style>
+          <a:lnRef idx="2">
+            <a:schemeClr val="accent1">
+              <a:shade val="50000"/>
+            </a:schemeClr>
+          </a:lnRef>
+          <a:fillRef idx="1">
+            <a:schemeClr val="accent1"/>
+          </a:fillRef>
+          <a:effectRef idx="0">
+            <a:schemeClr val="accent1"/>
+          </a:effectRef>
+          <a:fontRef idx="minor">
+            <a:schemeClr val="lt1"/>
+          </a:fontRef>
+        </p:style>
+        <p:txBody>
+          <a:bodyPr rtlCol="0" anchor="ctr"/>
+          <a:lstStyle/>
+          <a:p>
+            <a:pPr algn="ctr"/>
+            <a:r>
+              <a:rPr lang="en-US" dirty="0" smtClean="0"/>
+              <a:t>1</a:t>
+            </a:r>
+            <a:endParaRPr lang="en-US" dirty="0"/>
+          </a:p>
+        </p:txBody>
+      </p:sp>
     </p:spTree>
     <p:extLst>
       <p:ext uri="{BB962C8B-B14F-4D97-AF65-F5344CB8AC3E}">
@@ -4459,6 +5778,2668 @@
 </file>
 
 <file path=ppt/slides/slide3.xml><?xml version="1.0" encoding="utf-8"?>
+<p:sld xmlns:a="http://schemas.openxmlformats.org/drawingml/2006/main" xmlns:r="http://schemas.openxmlformats.org/officeDocument/2006/relationships" xmlns:p="http://schemas.openxmlformats.org/presentationml/2006/main">
+  <p:cSld>
+    <p:spTree>
+      <p:nvGrpSpPr>
+        <p:cNvPr id="1" name=""/>
+        <p:cNvGrpSpPr/>
+        <p:nvPr/>
+      </p:nvGrpSpPr>
+      <p:grpSpPr>
+        <a:xfrm>
+          <a:off x="0" y="0"/>
+          <a:ext cx="0" cy="0"/>
+          <a:chOff x="0" y="0"/>
+          <a:chExt cx="0" cy="0"/>
+        </a:xfrm>
+      </p:grpSpPr>
+      <p:pic>
+        <p:nvPicPr>
+          <p:cNvPr id="2" name="Picture 3"/>
+          <p:cNvPicPr>
+            <a:picLocks noChangeAspect="1" noChangeArrowheads="1"/>
+          </p:cNvPicPr>
+          <p:nvPr/>
+        </p:nvPicPr>
+        <p:blipFill>
+          <a:blip r:embed="rId2">
+            <a:extLst>
+              <a:ext uri="{28A0092B-C50C-407E-A947-70E740481C1C}">
+                <a14:useLocalDpi xmlns:a14="http://schemas.microsoft.com/office/drawing/2010/main" val="0"/>
+              </a:ext>
+            </a:extLst>
+          </a:blip>
+          <a:srcRect/>
+          <a:stretch>
+            <a:fillRect/>
+          </a:stretch>
+        </p:blipFill>
+        <p:spPr bwMode="auto">
+          <a:xfrm>
+            <a:off x="8338752" y="1984179"/>
+            <a:ext cx="3733800" cy="2543175"/>
+          </a:xfrm>
+          <a:prstGeom prst="rect">
+            <a:avLst/>
+          </a:prstGeom>
+          <a:noFill/>
+          <a:ln>
+            <a:noFill/>
+          </a:ln>
+          <a:effectLst/>
+          <a:extLst>
+            <a:ext uri="{909E8E84-426E-40DD-AFC4-6F175D3DCCD1}">
+              <a14:hiddenFill xmlns:a14="http://schemas.microsoft.com/office/drawing/2010/main">
+                <a:solidFill>
+                  <a:schemeClr val="accent1"/>
+                </a:solidFill>
+              </a14:hiddenFill>
+            </a:ext>
+            <a:ext uri="{91240B29-F687-4F45-9708-019B960494DF}">
+              <a14:hiddenLine xmlns:a14="http://schemas.microsoft.com/office/drawing/2010/main" w="9525">
+                <a:solidFill>
+                  <a:schemeClr val="tx1"/>
+                </a:solidFill>
+                <a:miter lim="800000"/>
+                <a:headEnd/>
+                <a:tailEnd/>
+              </a14:hiddenLine>
+            </a:ext>
+            <a:ext uri="{AF507438-7753-43E0-B8FC-AC1667EBCBE1}">
+              <a14:hiddenEffects xmlns:a14="http://schemas.microsoft.com/office/drawing/2010/main">
+                <a:effectLst>
+                  <a:outerShdw dist="35921" dir="2700000" algn="ctr" rotWithShape="0">
+                    <a:schemeClr val="bg2"/>
+                  </a:outerShdw>
+                </a:effectLst>
+              </a14:hiddenEffects>
+            </a:ext>
+          </a:extLst>
+        </p:spPr>
+      </p:pic>
+      <p:grpSp>
+        <p:nvGrpSpPr>
+          <p:cNvPr id="3" name="Group 2"/>
+          <p:cNvGrpSpPr/>
+          <p:nvPr/>
+        </p:nvGrpSpPr>
+        <p:grpSpPr>
+          <a:xfrm>
+            <a:off x="404028" y="478552"/>
+            <a:ext cx="6329281" cy="5506612"/>
+            <a:chOff x="3018778" y="1282994"/>
+            <a:chExt cx="7727943" cy="3819363"/>
+          </a:xfrm>
+        </p:grpSpPr>
+        <p:pic>
+          <p:nvPicPr>
+            <p:cNvPr id="4" name="Picture 4"/>
+            <p:cNvPicPr>
+              <a:picLocks noChangeAspect="1" noChangeArrowheads="1"/>
+            </p:cNvPicPr>
+            <p:nvPr/>
+          </p:nvPicPr>
+          <p:blipFill>
+            <a:blip r:embed="rId3">
+              <a:extLst>
+                <a:ext uri="{28A0092B-C50C-407E-A947-70E740481C1C}">
+                  <a14:useLocalDpi xmlns:a14="http://schemas.microsoft.com/office/drawing/2010/main" val="0"/>
+                </a:ext>
+              </a:extLst>
+            </a:blip>
+            <a:srcRect/>
+            <a:stretch>
+              <a:fillRect/>
+            </a:stretch>
+          </p:blipFill>
+          <p:spPr bwMode="auto">
+            <a:xfrm>
+              <a:off x="3018778" y="1282994"/>
+              <a:ext cx="6713330" cy="3819363"/>
+            </a:xfrm>
+            <a:prstGeom prst="rect">
+              <a:avLst/>
+            </a:prstGeom>
+            <a:noFill/>
+            <a:ln>
+              <a:noFill/>
+            </a:ln>
+            <a:effectLst/>
+            <a:extLst>
+              <a:ext uri="{909E8E84-426E-40DD-AFC4-6F175D3DCCD1}">
+                <a14:hiddenFill xmlns:a14="http://schemas.microsoft.com/office/drawing/2010/main">
+                  <a:solidFill>
+                    <a:schemeClr val="accent1"/>
+                  </a:solidFill>
+                </a14:hiddenFill>
+              </a:ext>
+              <a:ext uri="{91240B29-F687-4F45-9708-019B960494DF}">
+                <a14:hiddenLine xmlns:a14="http://schemas.microsoft.com/office/drawing/2010/main" w="9525">
+                  <a:solidFill>
+                    <a:schemeClr val="tx1"/>
+                  </a:solidFill>
+                  <a:miter lim="800000"/>
+                  <a:headEnd/>
+                  <a:tailEnd/>
+                </a14:hiddenLine>
+              </a:ext>
+              <a:ext uri="{AF507438-7753-43E0-B8FC-AC1667EBCBE1}">
+                <a14:hiddenEffects xmlns:a14="http://schemas.microsoft.com/office/drawing/2010/main">
+                  <a:effectLst>
+                    <a:outerShdw dist="35921" dir="2700000" algn="ctr" rotWithShape="0">
+                      <a:schemeClr val="bg2"/>
+                    </a:outerShdw>
+                  </a:effectLst>
+                </a14:hiddenEffects>
+              </a:ext>
+            </a:extLst>
+          </p:spPr>
+        </p:pic>
+        <p:grpSp>
+          <p:nvGrpSpPr>
+            <p:cNvPr id="5" name="Group 4"/>
+            <p:cNvGrpSpPr/>
+            <p:nvPr/>
+          </p:nvGrpSpPr>
+          <p:grpSpPr>
+            <a:xfrm>
+              <a:off x="6620922" y="2162838"/>
+              <a:ext cx="4125799" cy="1338950"/>
+              <a:chOff x="1011381" y="2409115"/>
+              <a:chExt cx="3915717" cy="1338950"/>
+            </a:xfrm>
+          </p:grpSpPr>
+          <p:sp>
+            <p:nvSpPr>
+              <p:cNvPr id="6" name="Rectangle: Rounded Corners 1">
+                <a:extLst>
+                  <a:ext uri="{FF2B5EF4-FFF2-40B4-BE49-F238E27FC236}">
+                    <a16:creationId xmlns:a16="http://schemas.microsoft.com/office/drawing/2014/main" xmlns="" id="{229043B8-923C-4A63-923B-ED47AB6F3179}"/>
+                  </a:ext>
+                </a:extLst>
+              </p:cNvPr>
+              <p:cNvSpPr/>
+              <p:nvPr/>
+            </p:nvSpPr>
+            <p:spPr>
+              <a:xfrm>
+                <a:off x="1011381" y="2409115"/>
+                <a:ext cx="3915717" cy="1338950"/>
+              </a:xfrm>
+              <a:prstGeom prst="roundRect">
+                <a:avLst/>
+              </a:prstGeom>
+              <a:solidFill>
+                <a:schemeClr val="accent1">
+                  <a:lumMod val="40000"/>
+                  <a:lumOff val="60000"/>
+                </a:schemeClr>
+              </a:solidFill>
+            </p:spPr>
+            <p:style>
+              <a:lnRef idx="2">
+                <a:schemeClr val="accent1">
+                  <a:shade val="50000"/>
+                </a:schemeClr>
+              </a:lnRef>
+              <a:fillRef idx="1">
+                <a:schemeClr val="accent1"/>
+              </a:fillRef>
+              <a:effectRef idx="0">
+                <a:schemeClr val="accent1"/>
+              </a:effectRef>
+              <a:fontRef idx="minor">
+                <a:schemeClr val="lt1"/>
+              </a:fontRef>
+            </p:style>
+            <p:txBody>
+              <a:bodyPr rtlCol="0" anchor="ctr"/>
+              <a:lstStyle/>
+              <a:p>
+                <a:pPr algn="ctr"/>
+                <a:r>
+                  <a:rPr lang="en-IN" sz="1800" dirty="0" smtClean="0">
+                    <a:solidFill>
+                      <a:srgbClr val="000000"/>
+                    </a:solidFill>
+                    <a:latin typeface="Consolas" panose="020B0609020204030204" pitchFamily="49" charset="0"/>
+                  </a:rPr>
+                  <a:t>             bmt.eurekaserver01.com</a:t>
+                </a:r>
+                <a:endParaRPr lang="en-IN" dirty="0"/>
+              </a:p>
+            </p:txBody>
+          </p:sp>
+          <p:sp>
+            <p:nvSpPr>
+              <p:cNvPr id="7" name="Rectangle 1">
+                <a:extLst>
+                  <a:ext uri="{FF2B5EF4-FFF2-40B4-BE49-F238E27FC236}">
+                    <a16:creationId xmlns:a16="http://schemas.microsoft.com/office/drawing/2014/main" xmlns="" id="{FFE5BAF0-90A9-481D-AAC3-4466B273C9B9}"/>
+                  </a:ext>
+                </a:extLst>
+              </p:cNvPr>
+              <p:cNvSpPr>
+                <a:spLocks noChangeArrowheads="1"/>
+              </p:cNvSpPr>
+              <p:nvPr/>
+            </p:nvSpPr>
+            <p:spPr bwMode="auto">
+              <a:xfrm>
+                <a:off x="2597378" y="2436037"/>
+                <a:ext cx="2024183" cy="323165"/>
+              </a:xfrm>
+              <a:prstGeom prst="rect">
+                <a:avLst/>
+              </a:prstGeom>
+              <a:solidFill>
+                <a:srgbClr val="F2F2F2"/>
+              </a:solidFill>
+              <a:ln>
+                <a:noFill/>
+              </a:ln>
+              <a:effectLst/>
+              <a:extLst>
+                <a:ext uri="{91240B29-F687-4F45-9708-019B960494DF}">
+                  <a14:hiddenLine xmlns:a14="http://schemas.microsoft.com/office/drawing/2010/main" w="9525">
+                    <a:solidFill>
+                      <a:schemeClr val="tx1"/>
+                    </a:solidFill>
+                    <a:miter lim="800000"/>
+                    <a:headEnd/>
+                    <a:tailEnd/>
+                  </a14:hiddenLine>
+                </a:ext>
+                <a:ext uri="{AF507438-7753-43E0-B8FC-AC1667EBCBE1}">
+                  <a14:hiddenEffects xmlns:a14="http://schemas.microsoft.com/office/drawing/2010/main">
+                    <a:effectLst>
+                      <a:outerShdw dist="35921" dir="2700000" algn="ctr" rotWithShape="0">
+                        <a:schemeClr val="bg2"/>
+                      </a:outerShdw>
+                    </a:effectLst>
+                  </a14:hiddenEffects>
+                </a:ext>
+              </a:extLst>
+            </p:spPr>
+            <p:txBody>
+              <a:bodyPr vert="horz" wrap="square" lIns="91440" tIns="45720" rIns="91440" bIns="45720" numCol="1" anchor="ctr" anchorCtr="0" compatLnSpc="1">
+                <a:prstTxWarp prst="textNoShape">
+                  <a:avLst/>
+                </a:prstTxWarp>
+                <a:spAutoFit/>
+              </a:bodyPr>
+              <a:lstStyle>
+                <a:lvl1pPr eaLnBrk="0" fontAlgn="base" hangingPunct="0">
+                  <a:spcBef>
+                    <a:spcPct val="0"/>
+                  </a:spcBef>
+                  <a:spcAft>
+                    <a:spcPct val="0"/>
+                  </a:spcAft>
+                  <a:defRPr>
+                    <a:solidFill>
+                      <a:schemeClr val="tx1"/>
+                    </a:solidFill>
+                    <a:latin typeface="Arial" panose="020B0604020202020204" pitchFamily="34" charset="0"/>
+                  </a:defRPr>
+                </a:lvl1pPr>
+                <a:lvl2pPr eaLnBrk="0" fontAlgn="base" hangingPunct="0">
+                  <a:spcBef>
+                    <a:spcPct val="0"/>
+                  </a:spcBef>
+                  <a:spcAft>
+                    <a:spcPct val="0"/>
+                  </a:spcAft>
+                  <a:defRPr>
+                    <a:solidFill>
+                      <a:schemeClr val="tx1"/>
+                    </a:solidFill>
+                    <a:latin typeface="Arial" panose="020B0604020202020204" pitchFamily="34" charset="0"/>
+                  </a:defRPr>
+                </a:lvl2pPr>
+                <a:lvl3pPr eaLnBrk="0" fontAlgn="base" hangingPunct="0">
+                  <a:spcBef>
+                    <a:spcPct val="0"/>
+                  </a:spcBef>
+                  <a:spcAft>
+                    <a:spcPct val="0"/>
+                  </a:spcAft>
+                  <a:defRPr>
+                    <a:solidFill>
+                      <a:schemeClr val="tx1"/>
+                    </a:solidFill>
+                    <a:latin typeface="Arial" panose="020B0604020202020204" pitchFamily="34" charset="0"/>
+                  </a:defRPr>
+                </a:lvl3pPr>
+                <a:lvl4pPr eaLnBrk="0" fontAlgn="base" hangingPunct="0">
+                  <a:spcBef>
+                    <a:spcPct val="0"/>
+                  </a:spcBef>
+                  <a:spcAft>
+                    <a:spcPct val="0"/>
+                  </a:spcAft>
+                  <a:defRPr>
+                    <a:solidFill>
+                      <a:schemeClr val="tx1"/>
+                    </a:solidFill>
+                    <a:latin typeface="Arial" panose="020B0604020202020204" pitchFamily="34" charset="0"/>
+                  </a:defRPr>
+                </a:lvl4pPr>
+                <a:lvl5pPr eaLnBrk="0" fontAlgn="base" hangingPunct="0">
+                  <a:spcBef>
+                    <a:spcPct val="0"/>
+                  </a:spcBef>
+                  <a:spcAft>
+                    <a:spcPct val="0"/>
+                  </a:spcAft>
+                  <a:defRPr>
+                    <a:solidFill>
+                      <a:schemeClr val="tx1"/>
+                    </a:solidFill>
+                    <a:latin typeface="Arial" panose="020B0604020202020204" pitchFamily="34" charset="0"/>
+                  </a:defRPr>
+                </a:lvl5pPr>
+                <a:lvl6pPr eaLnBrk="0" fontAlgn="base" hangingPunct="0">
+                  <a:spcBef>
+                    <a:spcPct val="0"/>
+                  </a:spcBef>
+                  <a:spcAft>
+                    <a:spcPct val="0"/>
+                  </a:spcAft>
+                  <a:defRPr>
+                    <a:solidFill>
+                      <a:schemeClr val="tx1"/>
+                    </a:solidFill>
+                    <a:latin typeface="Arial" panose="020B0604020202020204" pitchFamily="34" charset="0"/>
+                  </a:defRPr>
+                </a:lvl6pPr>
+                <a:lvl7pPr eaLnBrk="0" fontAlgn="base" hangingPunct="0">
+                  <a:spcBef>
+                    <a:spcPct val="0"/>
+                  </a:spcBef>
+                  <a:spcAft>
+                    <a:spcPct val="0"/>
+                  </a:spcAft>
+                  <a:defRPr>
+                    <a:solidFill>
+                      <a:schemeClr val="tx1"/>
+                    </a:solidFill>
+                    <a:latin typeface="Arial" panose="020B0604020202020204" pitchFamily="34" charset="0"/>
+                  </a:defRPr>
+                </a:lvl7pPr>
+                <a:lvl8pPr eaLnBrk="0" fontAlgn="base" hangingPunct="0">
+                  <a:spcBef>
+                    <a:spcPct val="0"/>
+                  </a:spcBef>
+                  <a:spcAft>
+                    <a:spcPct val="0"/>
+                  </a:spcAft>
+                  <a:defRPr>
+                    <a:solidFill>
+                      <a:schemeClr val="tx1"/>
+                    </a:solidFill>
+                    <a:latin typeface="Arial" panose="020B0604020202020204" pitchFamily="34" charset="0"/>
+                  </a:defRPr>
+                </a:lvl8pPr>
+                <a:lvl9pPr eaLnBrk="0" fontAlgn="base" hangingPunct="0">
+                  <a:spcBef>
+                    <a:spcPct val="0"/>
+                  </a:spcBef>
+                  <a:spcAft>
+                    <a:spcPct val="0"/>
+                  </a:spcAft>
+                  <a:defRPr>
+                    <a:solidFill>
+                      <a:schemeClr val="tx1"/>
+                    </a:solidFill>
+                    <a:latin typeface="Arial" panose="020B0604020202020204" pitchFamily="34" charset="0"/>
+                  </a:defRPr>
+                </a:lvl9pPr>
+              </a:lstStyle>
+              <a:p>
+                <a:pPr marL="0" marR="0" lvl="0" indent="0" algn="l" defTabSz="914400" rtl="0" eaLnBrk="0" fontAlgn="base" latinLnBrk="0" hangingPunct="0">
+                  <a:lnSpc>
+                    <a:spcPct val="100000"/>
+                  </a:lnSpc>
+                  <a:spcBef>
+                    <a:spcPct val="0"/>
+                  </a:spcBef>
+                  <a:spcAft>
+                    <a:spcPct val="0"/>
+                  </a:spcAft>
+                  <a:buClrTx/>
+                  <a:buSzTx/>
+                  <a:buFontTx/>
+                  <a:buNone/>
+                  <a:tabLst/>
+                </a:pPr>
+                <a:r>
+                  <a:rPr kumimoji="0" lang="en-US" altLang="en-US" sz="1100" b="0" i="0" u="none" strike="noStrike" cap="none" normalizeH="0" baseline="0" dirty="0">
+                    <a:ln>
+                      <a:noFill/>
+                    </a:ln>
+                    <a:solidFill>
+                      <a:srgbClr val="292929"/>
+                    </a:solidFill>
+                    <a:effectLst/>
+                    <a:latin typeface="Menlo"/>
+                  </a:rPr>
+                  <a:t>@</a:t>
+                </a:r>
+                <a:r>
+                  <a:rPr kumimoji="0" lang="en-US" altLang="en-US" sz="1100" b="0" i="0" u="none" strike="noStrike" cap="none" normalizeH="0" baseline="0" dirty="0" err="1" smtClean="0">
+                    <a:ln>
+                      <a:noFill/>
+                    </a:ln>
+                    <a:solidFill>
+                      <a:srgbClr val="292929"/>
+                    </a:solidFill>
+                    <a:effectLst/>
+                    <a:latin typeface="Menlo"/>
+                  </a:rPr>
+                  <a:t>EnableEurekaServer</a:t>
+                </a:r>
+                <a:r>
+                  <a:rPr kumimoji="0" lang="en-US" altLang="en-US" sz="1500" b="0" i="0" u="none" strike="noStrike" cap="none" normalizeH="0" baseline="0" dirty="0">
+                    <a:ln>
+                      <a:noFill/>
+                    </a:ln>
+                    <a:solidFill>
+                      <a:srgbClr val="292929"/>
+                    </a:solidFill>
+                    <a:effectLst/>
+                    <a:latin typeface="charter"/>
+                  </a:rPr>
+                  <a:t> </a:t>
+                </a:r>
+                <a:r>
+                  <a:rPr kumimoji="0" lang="en-US" altLang="en-US" sz="900" b="0" i="0" u="none" strike="noStrike" cap="none" normalizeH="0" baseline="0" dirty="0">
+                    <a:ln>
+                      <a:noFill/>
+                    </a:ln>
+                    <a:solidFill>
+                      <a:schemeClr val="tx1"/>
+                    </a:solidFill>
+                    <a:effectLst/>
+                  </a:rPr>
+                  <a:t> </a:t>
+                </a:r>
+                <a:endParaRPr kumimoji="0" lang="en-US" altLang="en-US" sz="1800" b="0" i="0" u="none" strike="noStrike" cap="none" normalizeH="0" baseline="0" dirty="0">
+                  <a:ln>
+                    <a:noFill/>
+                  </a:ln>
+                  <a:solidFill>
+                    <a:schemeClr val="tx1"/>
+                  </a:solidFill>
+                  <a:effectLst/>
+                  <a:latin typeface="Arial" panose="020B0604020202020204" pitchFamily="34" charset="0"/>
+                </a:endParaRPr>
+              </a:p>
+            </p:txBody>
+          </p:sp>
+          <p:sp>
+            <p:nvSpPr>
+              <p:cNvPr id="8" name="Rectangle 1">
+                <a:extLst>
+                  <a:ext uri="{FF2B5EF4-FFF2-40B4-BE49-F238E27FC236}">
+                    <a16:creationId xmlns:a16="http://schemas.microsoft.com/office/drawing/2014/main" xmlns="" id="{4A5862E7-0045-43EA-8731-76AF0AFFEB2B}"/>
+                  </a:ext>
+                </a:extLst>
+              </p:cNvPr>
+              <p:cNvSpPr>
+                <a:spLocks noChangeArrowheads="1"/>
+              </p:cNvSpPr>
+              <p:nvPr/>
+            </p:nvSpPr>
+            <p:spPr bwMode="auto">
+              <a:xfrm>
+                <a:off x="1416294" y="3438953"/>
+                <a:ext cx="3319775" cy="261610"/>
+              </a:xfrm>
+              <a:prstGeom prst="rect">
+                <a:avLst/>
+              </a:prstGeom>
+              <a:solidFill>
+                <a:srgbClr val="F2F2F2"/>
+              </a:solidFill>
+              <a:ln>
+                <a:noFill/>
+              </a:ln>
+              <a:effectLst/>
+              <a:extLst>
+                <a:ext uri="{91240B29-F687-4F45-9708-019B960494DF}">
+                  <a14:hiddenLine xmlns:a14="http://schemas.microsoft.com/office/drawing/2010/main" w="9525">
+                    <a:solidFill>
+                      <a:schemeClr val="tx1"/>
+                    </a:solidFill>
+                    <a:miter lim="800000"/>
+                    <a:headEnd/>
+                    <a:tailEnd/>
+                  </a14:hiddenLine>
+                </a:ext>
+                <a:ext uri="{AF507438-7753-43E0-B8FC-AC1667EBCBE1}">
+                  <a14:hiddenEffects xmlns:a14="http://schemas.microsoft.com/office/drawing/2010/main">
+                    <a:effectLst>
+                      <a:outerShdw dist="35921" dir="2700000" algn="ctr" rotWithShape="0">
+                        <a:schemeClr val="bg2"/>
+                      </a:outerShdw>
+                    </a:effectLst>
+                  </a14:hiddenEffects>
+                </a:ext>
+              </a:extLst>
+            </p:spPr>
+            <p:txBody>
+              <a:bodyPr vert="horz" wrap="square" lIns="91440" tIns="45720" rIns="91440" bIns="45720" numCol="1" anchor="ctr" anchorCtr="0" compatLnSpc="1">
+                <a:prstTxWarp prst="textNoShape">
+                  <a:avLst/>
+                </a:prstTxWarp>
+                <a:spAutoFit/>
+              </a:bodyPr>
+              <a:lstStyle>
+                <a:lvl1pPr eaLnBrk="0" fontAlgn="base" hangingPunct="0">
+                  <a:spcBef>
+                    <a:spcPct val="0"/>
+                  </a:spcBef>
+                  <a:spcAft>
+                    <a:spcPct val="0"/>
+                  </a:spcAft>
+                  <a:defRPr>
+                    <a:solidFill>
+                      <a:schemeClr val="tx1"/>
+                    </a:solidFill>
+                    <a:latin typeface="Arial" panose="020B0604020202020204" pitchFamily="34" charset="0"/>
+                  </a:defRPr>
+                </a:lvl1pPr>
+                <a:lvl2pPr eaLnBrk="0" fontAlgn="base" hangingPunct="0">
+                  <a:spcBef>
+                    <a:spcPct val="0"/>
+                  </a:spcBef>
+                  <a:spcAft>
+                    <a:spcPct val="0"/>
+                  </a:spcAft>
+                  <a:defRPr>
+                    <a:solidFill>
+                      <a:schemeClr val="tx1"/>
+                    </a:solidFill>
+                    <a:latin typeface="Arial" panose="020B0604020202020204" pitchFamily="34" charset="0"/>
+                  </a:defRPr>
+                </a:lvl2pPr>
+                <a:lvl3pPr eaLnBrk="0" fontAlgn="base" hangingPunct="0">
+                  <a:spcBef>
+                    <a:spcPct val="0"/>
+                  </a:spcBef>
+                  <a:spcAft>
+                    <a:spcPct val="0"/>
+                  </a:spcAft>
+                  <a:defRPr>
+                    <a:solidFill>
+                      <a:schemeClr val="tx1"/>
+                    </a:solidFill>
+                    <a:latin typeface="Arial" panose="020B0604020202020204" pitchFamily="34" charset="0"/>
+                  </a:defRPr>
+                </a:lvl3pPr>
+                <a:lvl4pPr eaLnBrk="0" fontAlgn="base" hangingPunct="0">
+                  <a:spcBef>
+                    <a:spcPct val="0"/>
+                  </a:spcBef>
+                  <a:spcAft>
+                    <a:spcPct val="0"/>
+                  </a:spcAft>
+                  <a:defRPr>
+                    <a:solidFill>
+                      <a:schemeClr val="tx1"/>
+                    </a:solidFill>
+                    <a:latin typeface="Arial" panose="020B0604020202020204" pitchFamily="34" charset="0"/>
+                  </a:defRPr>
+                </a:lvl4pPr>
+                <a:lvl5pPr eaLnBrk="0" fontAlgn="base" hangingPunct="0">
+                  <a:spcBef>
+                    <a:spcPct val="0"/>
+                  </a:spcBef>
+                  <a:spcAft>
+                    <a:spcPct val="0"/>
+                  </a:spcAft>
+                  <a:defRPr>
+                    <a:solidFill>
+                      <a:schemeClr val="tx1"/>
+                    </a:solidFill>
+                    <a:latin typeface="Arial" panose="020B0604020202020204" pitchFamily="34" charset="0"/>
+                  </a:defRPr>
+                </a:lvl5pPr>
+                <a:lvl6pPr eaLnBrk="0" fontAlgn="base" hangingPunct="0">
+                  <a:spcBef>
+                    <a:spcPct val="0"/>
+                  </a:spcBef>
+                  <a:spcAft>
+                    <a:spcPct val="0"/>
+                  </a:spcAft>
+                  <a:defRPr>
+                    <a:solidFill>
+                      <a:schemeClr val="tx1"/>
+                    </a:solidFill>
+                    <a:latin typeface="Arial" panose="020B0604020202020204" pitchFamily="34" charset="0"/>
+                  </a:defRPr>
+                </a:lvl6pPr>
+                <a:lvl7pPr eaLnBrk="0" fontAlgn="base" hangingPunct="0">
+                  <a:spcBef>
+                    <a:spcPct val="0"/>
+                  </a:spcBef>
+                  <a:spcAft>
+                    <a:spcPct val="0"/>
+                  </a:spcAft>
+                  <a:defRPr>
+                    <a:solidFill>
+                      <a:schemeClr val="tx1"/>
+                    </a:solidFill>
+                    <a:latin typeface="Arial" panose="020B0604020202020204" pitchFamily="34" charset="0"/>
+                  </a:defRPr>
+                </a:lvl7pPr>
+                <a:lvl8pPr eaLnBrk="0" fontAlgn="base" hangingPunct="0">
+                  <a:spcBef>
+                    <a:spcPct val="0"/>
+                  </a:spcBef>
+                  <a:spcAft>
+                    <a:spcPct val="0"/>
+                  </a:spcAft>
+                  <a:defRPr>
+                    <a:solidFill>
+                      <a:schemeClr val="tx1"/>
+                    </a:solidFill>
+                    <a:latin typeface="Arial" panose="020B0604020202020204" pitchFamily="34" charset="0"/>
+                  </a:defRPr>
+                </a:lvl8pPr>
+                <a:lvl9pPr eaLnBrk="0" fontAlgn="base" hangingPunct="0">
+                  <a:spcBef>
+                    <a:spcPct val="0"/>
+                  </a:spcBef>
+                  <a:spcAft>
+                    <a:spcPct val="0"/>
+                  </a:spcAft>
+                  <a:defRPr>
+                    <a:solidFill>
+                      <a:schemeClr val="tx1"/>
+                    </a:solidFill>
+                    <a:latin typeface="Arial" panose="020B0604020202020204" pitchFamily="34" charset="0"/>
+                  </a:defRPr>
+                </a:lvl9pPr>
+              </a:lstStyle>
+              <a:p>
+                <a:pPr marL="0" marR="0" lvl="0" indent="0" algn="l" defTabSz="914400" rtl="0" eaLnBrk="0" fontAlgn="base" latinLnBrk="0" hangingPunct="0">
+                  <a:lnSpc>
+                    <a:spcPct val="100000"/>
+                  </a:lnSpc>
+                  <a:spcBef>
+                    <a:spcPct val="0"/>
+                  </a:spcBef>
+                  <a:spcAft>
+                    <a:spcPct val="0"/>
+                  </a:spcAft>
+                  <a:buClrTx/>
+                  <a:buSzTx/>
+                  <a:buFontTx/>
+                  <a:buNone/>
+                  <a:tabLst/>
+                </a:pPr>
+                <a:r>
+                  <a:rPr lang="en-IN" sz="1100" b="0" i="0" dirty="0" smtClean="0">
+                    <a:solidFill>
+                      <a:srgbClr val="24292F"/>
+                    </a:solidFill>
+                    <a:effectLst/>
+                    <a:latin typeface="ui-monospace"/>
+                  </a:rPr>
+                  <a:t>spring-cloud-starter-</a:t>
+                </a:r>
+                <a:r>
+                  <a:rPr lang="en-IN" sz="1100" b="0" i="0" dirty="0" err="1" smtClean="0">
+                    <a:solidFill>
+                      <a:srgbClr val="24292F"/>
+                    </a:solidFill>
+                    <a:effectLst/>
+                    <a:latin typeface="ui-monospace"/>
+                  </a:rPr>
+                  <a:t>netflix</a:t>
+                </a:r>
+                <a:r>
+                  <a:rPr lang="en-IN" sz="1100" b="0" i="0" dirty="0" smtClean="0">
+                    <a:solidFill>
+                      <a:srgbClr val="24292F"/>
+                    </a:solidFill>
+                    <a:effectLst/>
+                    <a:latin typeface="ui-monospace"/>
+                  </a:rPr>
+                  <a:t>-eureka-server</a:t>
+                </a:r>
+                <a:endParaRPr kumimoji="0" lang="en-US" altLang="en-US" sz="1800" b="0" i="0" u="none" strike="noStrike" cap="none" normalizeH="0" baseline="0" dirty="0">
+                  <a:ln>
+                    <a:noFill/>
+                  </a:ln>
+                  <a:solidFill>
+                    <a:schemeClr val="tx1"/>
+                  </a:solidFill>
+                  <a:effectLst/>
+                  <a:latin typeface="Arial" panose="020B0604020202020204" pitchFamily="34" charset="0"/>
+                </a:endParaRPr>
+              </a:p>
+            </p:txBody>
+          </p:sp>
+        </p:grpSp>
+      </p:grpSp>
+      <p:grpSp>
+        <p:nvGrpSpPr>
+          <p:cNvPr id="9" name="Group 8"/>
+          <p:cNvGrpSpPr/>
+          <p:nvPr/>
+        </p:nvGrpSpPr>
+        <p:grpSpPr>
+          <a:xfrm>
+            <a:off x="7052734" y="189751"/>
+            <a:ext cx="3915717" cy="1534147"/>
+            <a:chOff x="1011381" y="2409115"/>
+            <a:chExt cx="3915717" cy="1338950"/>
+          </a:xfrm>
+        </p:grpSpPr>
+        <p:sp>
+          <p:nvSpPr>
+            <p:cNvPr id="10" name="Rectangle: Rounded Corners 1">
+              <a:extLst>
+                <a:ext uri="{FF2B5EF4-FFF2-40B4-BE49-F238E27FC236}">
+                  <a16:creationId xmlns:a16="http://schemas.microsoft.com/office/drawing/2014/main" xmlns="" id="{229043B8-923C-4A63-923B-ED47AB6F3179}"/>
+                </a:ext>
+              </a:extLst>
+            </p:cNvPr>
+            <p:cNvSpPr/>
+            <p:nvPr/>
+          </p:nvSpPr>
+          <p:spPr>
+            <a:xfrm>
+              <a:off x="1011381" y="2409115"/>
+              <a:ext cx="3915717" cy="1338950"/>
+            </a:xfrm>
+            <a:prstGeom prst="roundRect">
+              <a:avLst/>
+            </a:prstGeom>
+            <a:solidFill>
+              <a:schemeClr val="accent1">
+                <a:lumMod val="75000"/>
+              </a:schemeClr>
+            </a:solidFill>
+          </p:spPr>
+          <p:style>
+            <a:lnRef idx="2">
+              <a:schemeClr val="accent1">
+                <a:shade val="50000"/>
+              </a:schemeClr>
+            </a:lnRef>
+            <a:fillRef idx="1">
+              <a:schemeClr val="accent1"/>
+            </a:fillRef>
+            <a:effectRef idx="0">
+              <a:schemeClr val="accent1"/>
+            </a:effectRef>
+            <a:fontRef idx="minor">
+              <a:schemeClr val="lt1"/>
+            </a:fontRef>
+          </p:style>
+          <p:txBody>
+            <a:bodyPr rtlCol="0" anchor="ctr"/>
+            <a:lstStyle/>
+            <a:p>
+              <a:pPr algn="ctr"/>
+              <a:r>
+                <a:rPr lang="en-IN" sz="1800" dirty="0" smtClean="0">
+                  <a:solidFill>
+                    <a:srgbClr val="000000"/>
+                  </a:solidFill>
+                  <a:latin typeface="Consolas" panose="020B0609020204030204" pitchFamily="49" charset="0"/>
+                </a:rPr>
+                <a:t>bmt.booking-service01.com</a:t>
+              </a:r>
+              <a:endParaRPr lang="en-IN" dirty="0"/>
+            </a:p>
+          </p:txBody>
+        </p:sp>
+        <p:sp>
+          <p:nvSpPr>
+            <p:cNvPr id="11" name="Rectangle 1">
+              <a:extLst>
+                <a:ext uri="{FF2B5EF4-FFF2-40B4-BE49-F238E27FC236}">
+                  <a16:creationId xmlns:a16="http://schemas.microsoft.com/office/drawing/2014/main" xmlns="" id="{FFE5BAF0-90A9-481D-AAC3-4466B273C9B9}"/>
+                </a:ext>
+              </a:extLst>
+            </p:cNvPr>
+            <p:cNvSpPr>
+              <a:spLocks noChangeArrowheads="1"/>
+            </p:cNvSpPr>
+            <p:nvPr/>
+          </p:nvSpPr>
+          <p:spPr bwMode="auto">
+            <a:xfrm>
+              <a:off x="3183527" y="2468000"/>
+              <a:ext cx="1674296" cy="323165"/>
+            </a:xfrm>
+            <a:prstGeom prst="rect">
+              <a:avLst/>
+            </a:prstGeom>
+            <a:solidFill>
+              <a:srgbClr val="F2F2F2"/>
+            </a:solidFill>
+            <a:ln>
+              <a:noFill/>
+            </a:ln>
+            <a:effectLst/>
+            <a:extLst>
+              <a:ext uri="{91240B29-F687-4F45-9708-019B960494DF}">
+                <a14:hiddenLine xmlns:a14="http://schemas.microsoft.com/office/drawing/2010/main" w="9525">
+                  <a:solidFill>
+                    <a:schemeClr val="tx1"/>
+                  </a:solidFill>
+                  <a:miter lim="800000"/>
+                  <a:headEnd/>
+                  <a:tailEnd/>
+                </a14:hiddenLine>
+              </a:ext>
+              <a:ext uri="{AF507438-7753-43E0-B8FC-AC1667EBCBE1}">
+                <a14:hiddenEffects xmlns:a14="http://schemas.microsoft.com/office/drawing/2010/main">
+                  <a:effectLst>
+                    <a:outerShdw dist="35921" dir="2700000" algn="ctr" rotWithShape="0">
+                      <a:schemeClr val="bg2"/>
+                    </a:outerShdw>
+                  </a:effectLst>
+                </a14:hiddenEffects>
+              </a:ext>
+            </a:extLst>
+          </p:spPr>
+          <p:txBody>
+            <a:bodyPr vert="horz" wrap="square" lIns="91440" tIns="45720" rIns="91440" bIns="45720" numCol="1" anchor="ctr" anchorCtr="0" compatLnSpc="1">
+              <a:prstTxWarp prst="textNoShape">
+                <a:avLst/>
+              </a:prstTxWarp>
+              <a:spAutoFit/>
+            </a:bodyPr>
+            <a:lstStyle>
+              <a:lvl1pPr eaLnBrk="0" fontAlgn="base" hangingPunct="0">
+                <a:spcBef>
+                  <a:spcPct val="0"/>
+                </a:spcBef>
+                <a:spcAft>
+                  <a:spcPct val="0"/>
+                </a:spcAft>
+                <a:defRPr>
+                  <a:solidFill>
+                    <a:schemeClr val="tx1"/>
+                  </a:solidFill>
+                  <a:latin typeface="Arial" panose="020B0604020202020204" pitchFamily="34" charset="0"/>
+                </a:defRPr>
+              </a:lvl1pPr>
+              <a:lvl2pPr eaLnBrk="0" fontAlgn="base" hangingPunct="0">
+                <a:spcBef>
+                  <a:spcPct val="0"/>
+                </a:spcBef>
+                <a:spcAft>
+                  <a:spcPct val="0"/>
+                </a:spcAft>
+                <a:defRPr>
+                  <a:solidFill>
+                    <a:schemeClr val="tx1"/>
+                  </a:solidFill>
+                  <a:latin typeface="Arial" panose="020B0604020202020204" pitchFamily="34" charset="0"/>
+                </a:defRPr>
+              </a:lvl2pPr>
+              <a:lvl3pPr eaLnBrk="0" fontAlgn="base" hangingPunct="0">
+                <a:spcBef>
+                  <a:spcPct val="0"/>
+                </a:spcBef>
+                <a:spcAft>
+                  <a:spcPct val="0"/>
+                </a:spcAft>
+                <a:defRPr>
+                  <a:solidFill>
+                    <a:schemeClr val="tx1"/>
+                  </a:solidFill>
+                  <a:latin typeface="Arial" panose="020B0604020202020204" pitchFamily="34" charset="0"/>
+                </a:defRPr>
+              </a:lvl3pPr>
+              <a:lvl4pPr eaLnBrk="0" fontAlgn="base" hangingPunct="0">
+                <a:spcBef>
+                  <a:spcPct val="0"/>
+                </a:spcBef>
+                <a:spcAft>
+                  <a:spcPct val="0"/>
+                </a:spcAft>
+                <a:defRPr>
+                  <a:solidFill>
+                    <a:schemeClr val="tx1"/>
+                  </a:solidFill>
+                  <a:latin typeface="Arial" panose="020B0604020202020204" pitchFamily="34" charset="0"/>
+                </a:defRPr>
+              </a:lvl4pPr>
+              <a:lvl5pPr eaLnBrk="0" fontAlgn="base" hangingPunct="0">
+                <a:spcBef>
+                  <a:spcPct val="0"/>
+                </a:spcBef>
+                <a:spcAft>
+                  <a:spcPct val="0"/>
+                </a:spcAft>
+                <a:defRPr>
+                  <a:solidFill>
+                    <a:schemeClr val="tx1"/>
+                  </a:solidFill>
+                  <a:latin typeface="Arial" panose="020B0604020202020204" pitchFamily="34" charset="0"/>
+                </a:defRPr>
+              </a:lvl5pPr>
+              <a:lvl6pPr eaLnBrk="0" fontAlgn="base" hangingPunct="0">
+                <a:spcBef>
+                  <a:spcPct val="0"/>
+                </a:spcBef>
+                <a:spcAft>
+                  <a:spcPct val="0"/>
+                </a:spcAft>
+                <a:defRPr>
+                  <a:solidFill>
+                    <a:schemeClr val="tx1"/>
+                  </a:solidFill>
+                  <a:latin typeface="Arial" panose="020B0604020202020204" pitchFamily="34" charset="0"/>
+                </a:defRPr>
+              </a:lvl6pPr>
+              <a:lvl7pPr eaLnBrk="0" fontAlgn="base" hangingPunct="0">
+                <a:spcBef>
+                  <a:spcPct val="0"/>
+                </a:spcBef>
+                <a:spcAft>
+                  <a:spcPct val="0"/>
+                </a:spcAft>
+                <a:defRPr>
+                  <a:solidFill>
+                    <a:schemeClr val="tx1"/>
+                  </a:solidFill>
+                  <a:latin typeface="Arial" panose="020B0604020202020204" pitchFamily="34" charset="0"/>
+                </a:defRPr>
+              </a:lvl7pPr>
+              <a:lvl8pPr eaLnBrk="0" fontAlgn="base" hangingPunct="0">
+                <a:spcBef>
+                  <a:spcPct val="0"/>
+                </a:spcBef>
+                <a:spcAft>
+                  <a:spcPct val="0"/>
+                </a:spcAft>
+                <a:defRPr>
+                  <a:solidFill>
+                    <a:schemeClr val="tx1"/>
+                  </a:solidFill>
+                  <a:latin typeface="Arial" panose="020B0604020202020204" pitchFamily="34" charset="0"/>
+                </a:defRPr>
+              </a:lvl8pPr>
+              <a:lvl9pPr eaLnBrk="0" fontAlgn="base" hangingPunct="0">
+                <a:spcBef>
+                  <a:spcPct val="0"/>
+                </a:spcBef>
+                <a:spcAft>
+                  <a:spcPct val="0"/>
+                </a:spcAft>
+                <a:defRPr>
+                  <a:solidFill>
+                    <a:schemeClr val="tx1"/>
+                  </a:solidFill>
+                  <a:latin typeface="Arial" panose="020B0604020202020204" pitchFamily="34" charset="0"/>
+                </a:defRPr>
+              </a:lvl9pPr>
+            </a:lstStyle>
+            <a:p>
+              <a:pPr marL="0" marR="0" lvl="0" indent="0" algn="l" defTabSz="914400" rtl="0" eaLnBrk="0" fontAlgn="base" latinLnBrk="0" hangingPunct="0">
+                <a:lnSpc>
+                  <a:spcPct val="100000"/>
+                </a:lnSpc>
+                <a:spcBef>
+                  <a:spcPct val="0"/>
+                </a:spcBef>
+                <a:spcAft>
+                  <a:spcPct val="0"/>
+                </a:spcAft>
+                <a:buClrTx/>
+                <a:buSzTx/>
+                <a:buFontTx/>
+                <a:buNone/>
+                <a:tabLst/>
+              </a:pPr>
+              <a:r>
+                <a:rPr kumimoji="0" lang="en-US" altLang="en-US" sz="1100" b="0" i="0" u="none" strike="noStrike" cap="none" normalizeH="0" baseline="0" dirty="0">
+                  <a:ln>
+                    <a:noFill/>
+                  </a:ln>
+                  <a:solidFill>
+                    <a:srgbClr val="292929"/>
+                  </a:solidFill>
+                  <a:effectLst/>
+                  <a:latin typeface="Menlo"/>
+                </a:rPr>
+                <a:t>@</a:t>
+              </a:r>
+              <a:r>
+                <a:rPr kumimoji="0" lang="en-US" altLang="en-US" sz="1100" b="0" i="0" u="none" strike="noStrike" cap="none" normalizeH="0" baseline="0" dirty="0" err="1" smtClean="0">
+                  <a:ln>
+                    <a:noFill/>
+                  </a:ln>
+                  <a:solidFill>
+                    <a:srgbClr val="292929"/>
+                  </a:solidFill>
+                  <a:effectLst/>
+                  <a:latin typeface="Menlo"/>
+                </a:rPr>
+                <a:t>EnableEurekaClient</a:t>
+              </a:r>
+              <a:r>
+                <a:rPr kumimoji="0" lang="en-US" altLang="en-US" sz="1500" b="0" i="0" u="none" strike="noStrike" cap="none" normalizeH="0" baseline="0" dirty="0">
+                  <a:ln>
+                    <a:noFill/>
+                  </a:ln>
+                  <a:solidFill>
+                    <a:srgbClr val="292929"/>
+                  </a:solidFill>
+                  <a:effectLst/>
+                  <a:latin typeface="charter"/>
+                </a:rPr>
+                <a:t> </a:t>
+              </a:r>
+              <a:r>
+                <a:rPr kumimoji="0" lang="en-US" altLang="en-US" sz="900" b="0" i="0" u="none" strike="noStrike" cap="none" normalizeH="0" baseline="0" dirty="0">
+                  <a:ln>
+                    <a:noFill/>
+                  </a:ln>
+                  <a:solidFill>
+                    <a:schemeClr val="tx1"/>
+                  </a:solidFill>
+                  <a:effectLst/>
+                </a:rPr>
+                <a:t> </a:t>
+              </a:r>
+              <a:endParaRPr kumimoji="0" lang="en-US" altLang="en-US" sz="1800" b="0" i="0" u="none" strike="noStrike" cap="none" normalizeH="0" baseline="0" dirty="0">
+                <a:ln>
+                  <a:noFill/>
+                </a:ln>
+                <a:solidFill>
+                  <a:schemeClr val="tx1"/>
+                </a:solidFill>
+                <a:effectLst/>
+                <a:latin typeface="Arial" panose="020B0604020202020204" pitchFamily="34" charset="0"/>
+              </a:endParaRPr>
+            </a:p>
+          </p:txBody>
+        </p:sp>
+        <p:sp>
+          <p:nvSpPr>
+            <p:cNvPr id="12" name="Rectangle 1">
+              <a:extLst>
+                <a:ext uri="{FF2B5EF4-FFF2-40B4-BE49-F238E27FC236}">
+                  <a16:creationId xmlns:a16="http://schemas.microsoft.com/office/drawing/2014/main" xmlns="" id="{4A5862E7-0045-43EA-8731-76AF0AFFEB2B}"/>
+                </a:ext>
+              </a:extLst>
+            </p:cNvPr>
+            <p:cNvSpPr>
+              <a:spLocks noChangeArrowheads="1"/>
+            </p:cNvSpPr>
+            <p:nvPr/>
+          </p:nvSpPr>
+          <p:spPr bwMode="auto">
+            <a:xfrm>
+              <a:off x="1468579" y="3472706"/>
+              <a:ext cx="3001319" cy="261610"/>
+            </a:xfrm>
+            <a:prstGeom prst="rect">
+              <a:avLst/>
+            </a:prstGeom>
+            <a:solidFill>
+              <a:srgbClr val="F2F2F2"/>
+            </a:solidFill>
+            <a:ln>
+              <a:noFill/>
+            </a:ln>
+            <a:effectLst/>
+            <a:extLst>
+              <a:ext uri="{91240B29-F687-4F45-9708-019B960494DF}">
+                <a14:hiddenLine xmlns:a14="http://schemas.microsoft.com/office/drawing/2010/main" w="9525">
+                  <a:solidFill>
+                    <a:schemeClr val="tx1"/>
+                  </a:solidFill>
+                  <a:miter lim="800000"/>
+                  <a:headEnd/>
+                  <a:tailEnd/>
+                </a14:hiddenLine>
+              </a:ext>
+              <a:ext uri="{AF507438-7753-43E0-B8FC-AC1667EBCBE1}">
+                <a14:hiddenEffects xmlns:a14="http://schemas.microsoft.com/office/drawing/2010/main">
+                  <a:effectLst>
+                    <a:outerShdw dist="35921" dir="2700000" algn="ctr" rotWithShape="0">
+                      <a:schemeClr val="bg2"/>
+                    </a:outerShdw>
+                  </a:effectLst>
+                </a14:hiddenEffects>
+              </a:ext>
+            </a:extLst>
+          </p:spPr>
+          <p:txBody>
+            <a:bodyPr vert="horz" wrap="square" lIns="91440" tIns="45720" rIns="91440" bIns="45720" numCol="1" anchor="ctr" anchorCtr="0" compatLnSpc="1">
+              <a:prstTxWarp prst="textNoShape">
+                <a:avLst/>
+              </a:prstTxWarp>
+              <a:spAutoFit/>
+            </a:bodyPr>
+            <a:lstStyle>
+              <a:lvl1pPr eaLnBrk="0" fontAlgn="base" hangingPunct="0">
+                <a:spcBef>
+                  <a:spcPct val="0"/>
+                </a:spcBef>
+                <a:spcAft>
+                  <a:spcPct val="0"/>
+                </a:spcAft>
+                <a:defRPr>
+                  <a:solidFill>
+                    <a:schemeClr val="tx1"/>
+                  </a:solidFill>
+                  <a:latin typeface="Arial" panose="020B0604020202020204" pitchFamily="34" charset="0"/>
+                </a:defRPr>
+              </a:lvl1pPr>
+              <a:lvl2pPr eaLnBrk="0" fontAlgn="base" hangingPunct="0">
+                <a:spcBef>
+                  <a:spcPct val="0"/>
+                </a:spcBef>
+                <a:spcAft>
+                  <a:spcPct val="0"/>
+                </a:spcAft>
+                <a:defRPr>
+                  <a:solidFill>
+                    <a:schemeClr val="tx1"/>
+                  </a:solidFill>
+                  <a:latin typeface="Arial" panose="020B0604020202020204" pitchFamily="34" charset="0"/>
+                </a:defRPr>
+              </a:lvl2pPr>
+              <a:lvl3pPr eaLnBrk="0" fontAlgn="base" hangingPunct="0">
+                <a:spcBef>
+                  <a:spcPct val="0"/>
+                </a:spcBef>
+                <a:spcAft>
+                  <a:spcPct val="0"/>
+                </a:spcAft>
+                <a:defRPr>
+                  <a:solidFill>
+                    <a:schemeClr val="tx1"/>
+                  </a:solidFill>
+                  <a:latin typeface="Arial" panose="020B0604020202020204" pitchFamily="34" charset="0"/>
+                </a:defRPr>
+              </a:lvl3pPr>
+              <a:lvl4pPr eaLnBrk="0" fontAlgn="base" hangingPunct="0">
+                <a:spcBef>
+                  <a:spcPct val="0"/>
+                </a:spcBef>
+                <a:spcAft>
+                  <a:spcPct val="0"/>
+                </a:spcAft>
+                <a:defRPr>
+                  <a:solidFill>
+                    <a:schemeClr val="tx1"/>
+                  </a:solidFill>
+                  <a:latin typeface="Arial" panose="020B0604020202020204" pitchFamily="34" charset="0"/>
+                </a:defRPr>
+              </a:lvl4pPr>
+              <a:lvl5pPr eaLnBrk="0" fontAlgn="base" hangingPunct="0">
+                <a:spcBef>
+                  <a:spcPct val="0"/>
+                </a:spcBef>
+                <a:spcAft>
+                  <a:spcPct val="0"/>
+                </a:spcAft>
+                <a:defRPr>
+                  <a:solidFill>
+                    <a:schemeClr val="tx1"/>
+                  </a:solidFill>
+                  <a:latin typeface="Arial" panose="020B0604020202020204" pitchFamily="34" charset="0"/>
+                </a:defRPr>
+              </a:lvl5pPr>
+              <a:lvl6pPr eaLnBrk="0" fontAlgn="base" hangingPunct="0">
+                <a:spcBef>
+                  <a:spcPct val="0"/>
+                </a:spcBef>
+                <a:spcAft>
+                  <a:spcPct val="0"/>
+                </a:spcAft>
+                <a:defRPr>
+                  <a:solidFill>
+                    <a:schemeClr val="tx1"/>
+                  </a:solidFill>
+                  <a:latin typeface="Arial" panose="020B0604020202020204" pitchFamily="34" charset="0"/>
+                </a:defRPr>
+              </a:lvl6pPr>
+              <a:lvl7pPr eaLnBrk="0" fontAlgn="base" hangingPunct="0">
+                <a:spcBef>
+                  <a:spcPct val="0"/>
+                </a:spcBef>
+                <a:spcAft>
+                  <a:spcPct val="0"/>
+                </a:spcAft>
+                <a:defRPr>
+                  <a:solidFill>
+                    <a:schemeClr val="tx1"/>
+                  </a:solidFill>
+                  <a:latin typeface="Arial" panose="020B0604020202020204" pitchFamily="34" charset="0"/>
+                </a:defRPr>
+              </a:lvl7pPr>
+              <a:lvl8pPr eaLnBrk="0" fontAlgn="base" hangingPunct="0">
+                <a:spcBef>
+                  <a:spcPct val="0"/>
+                </a:spcBef>
+                <a:spcAft>
+                  <a:spcPct val="0"/>
+                </a:spcAft>
+                <a:defRPr>
+                  <a:solidFill>
+                    <a:schemeClr val="tx1"/>
+                  </a:solidFill>
+                  <a:latin typeface="Arial" panose="020B0604020202020204" pitchFamily="34" charset="0"/>
+                </a:defRPr>
+              </a:lvl8pPr>
+              <a:lvl9pPr eaLnBrk="0" fontAlgn="base" hangingPunct="0">
+                <a:spcBef>
+                  <a:spcPct val="0"/>
+                </a:spcBef>
+                <a:spcAft>
+                  <a:spcPct val="0"/>
+                </a:spcAft>
+                <a:defRPr>
+                  <a:solidFill>
+                    <a:schemeClr val="tx1"/>
+                  </a:solidFill>
+                  <a:latin typeface="Arial" panose="020B0604020202020204" pitchFamily="34" charset="0"/>
+                </a:defRPr>
+              </a:lvl9pPr>
+            </a:lstStyle>
+            <a:p>
+              <a:pPr marL="0" marR="0" lvl="0" indent="0" algn="l" defTabSz="914400" rtl="0" eaLnBrk="0" fontAlgn="base" latinLnBrk="0" hangingPunct="0">
+                <a:lnSpc>
+                  <a:spcPct val="100000"/>
+                </a:lnSpc>
+                <a:spcBef>
+                  <a:spcPct val="0"/>
+                </a:spcBef>
+                <a:spcAft>
+                  <a:spcPct val="0"/>
+                </a:spcAft>
+                <a:buClrTx/>
+                <a:buSzTx/>
+                <a:buFontTx/>
+                <a:buNone/>
+                <a:tabLst/>
+              </a:pPr>
+              <a:r>
+                <a:rPr lang="en-IN" sz="1100" b="0" i="0" dirty="0" smtClean="0">
+                  <a:solidFill>
+                    <a:srgbClr val="24292F"/>
+                  </a:solidFill>
+                  <a:effectLst/>
+                  <a:latin typeface="ui-monospace"/>
+                </a:rPr>
+                <a:t>spring-cloud-starter-</a:t>
+              </a:r>
+              <a:r>
+                <a:rPr lang="en-IN" sz="1100" b="0" i="0" dirty="0" err="1" smtClean="0">
+                  <a:solidFill>
+                    <a:srgbClr val="24292F"/>
+                  </a:solidFill>
+                  <a:effectLst/>
+                  <a:latin typeface="ui-monospace"/>
+                </a:rPr>
+                <a:t>netflix</a:t>
+              </a:r>
+              <a:r>
+                <a:rPr lang="en-IN" sz="1100" b="0" i="0" dirty="0" smtClean="0">
+                  <a:solidFill>
+                    <a:srgbClr val="24292F"/>
+                  </a:solidFill>
+                  <a:effectLst/>
+                  <a:latin typeface="ui-monospace"/>
+                </a:rPr>
+                <a:t>-eureka-client</a:t>
+              </a:r>
+              <a:endParaRPr kumimoji="0" lang="en-US" altLang="en-US" sz="1800" b="0" i="0" u="none" strike="noStrike" cap="none" normalizeH="0" baseline="0" dirty="0">
+                <a:ln>
+                  <a:noFill/>
+                </a:ln>
+                <a:solidFill>
+                  <a:schemeClr val="tx1"/>
+                </a:solidFill>
+                <a:effectLst/>
+                <a:latin typeface="Arial" panose="020B0604020202020204" pitchFamily="34" charset="0"/>
+              </a:endParaRPr>
+            </a:p>
+          </p:txBody>
+        </p:sp>
+      </p:grpSp>
+      <p:grpSp>
+        <p:nvGrpSpPr>
+          <p:cNvPr id="13" name="Group 12"/>
+          <p:cNvGrpSpPr/>
+          <p:nvPr/>
+        </p:nvGrpSpPr>
+        <p:grpSpPr>
+          <a:xfrm>
+            <a:off x="7052734" y="4867098"/>
+            <a:ext cx="4064417" cy="1340526"/>
+            <a:chOff x="1011381" y="2407539"/>
+            <a:chExt cx="4064417" cy="1340526"/>
+          </a:xfrm>
+        </p:grpSpPr>
+        <p:sp>
+          <p:nvSpPr>
+            <p:cNvPr id="14" name="Rectangle: Rounded Corners 1">
+              <a:extLst>
+                <a:ext uri="{FF2B5EF4-FFF2-40B4-BE49-F238E27FC236}">
+                  <a16:creationId xmlns:a16="http://schemas.microsoft.com/office/drawing/2014/main" xmlns="" id="{229043B8-923C-4A63-923B-ED47AB6F3179}"/>
+                </a:ext>
+              </a:extLst>
+            </p:cNvPr>
+            <p:cNvSpPr/>
+            <p:nvPr/>
+          </p:nvSpPr>
+          <p:spPr>
+            <a:xfrm>
+              <a:off x="1011381" y="2409115"/>
+              <a:ext cx="3915717" cy="1338950"/>
+            </a:xfrm>
+            <a:prstGeom prst="roundRect">
+              <a:avLst/>
+            </a:prstGeom>
+            <a:solidFill>
+              <a:schemeClr val="accent1">
+                <a:lumMod val="75000"/>
+              </a:schemeClr>
+            </a:solidFill>
+          </p:spPr>
+          <p:style>
+            <a:lnRef idx="2">
+              <a:schemeClr val="accent1">
+                <a:shade val="50000"/>
+              </a:schemeClr>
+            </a:lnRef>
+            <a:fillRef idx="1">
+              <a:schemeClr val="accent1"/>
+            </a:fillRef>
+            <a:effectRef idx="0">
+              <a:schemeClr val="accent1"/>
+            </a:effectRef>
+            <a:fontRef idx="minor">
+              <a:schemeClr val="lt1"/>
+            </a:fontRef>
+          </p:style>
+          <p:txBody>
+            <a:bodyPr rtlCol="0" anchor="ctr"/>
+            <a:lstStyle/>
+            <a:p>
+              <a:pPr algn="ctr"/>
+              <a:r>
+                <a:rPr lang="en-IN" sz="1800" dirty="0" smtClean="0">
+                  <a:solidFill>
+                    <a:srgbClr val="000000"/>
+                  </a:solidFill>
+                  <a:latin typeface="Consolas" panose="020B0609020204030204" pitchFamily="49" charset="0"/>
+                </a:rPr>
+                <a:t>bmt.seat-map01.com</a:t>
+              </a:r>
+              <a:endParaRPr lang="en-IN" dirty="0"/>
+            </a:p>
+          </p:txBody>
+        </p:sp>
+        <p:sp>
+          <p:nvSpPr>
+            <p:cNvPr id="15" name="Rectangle 1">
+              <a:extLst>
+                <a:ext uri="{FF2B5EF4-FFF2-40B4-BE49-F238E27FC236}">
+                  <a16:creationId xmlns:a16="http://schemas.microsoft.com/office/drawing/2014/main" xmlns="" id="{FFE5BAF0-90A9-481D-AAC3-4466B273C9B9}"/>
+                </a:ext>
+              </a:extLst>
+            </p:cNvPr>
+            <p:cNvSpPr>
+              <a:spLocks noChangeArrowheads="1"/>
+            </p:cNvSpPr>
+            <p:nvPr/>
+          </p:nvSpPr>
+          <p:spPr bwMode="auto">
+            <a:xfrm>
+              <a:off x="3252801" y="2407539"/>
+              <a:ext cx="1822997" cy="323165"/>
+            </a:xfrm>
+            <a:prstGeom prst="rect">
+              <a:avLst/>
+            </a:prstGeom>
+            <a:solidFill>
+              <a:srgbClr val="F2F2F2"/>
+            </a:solidFill>
+            <a:ln>
+              <a:noFill/>
+            </a:ln>
+            <a:effectLst/>
+            <a:extLst>
+              <a:ext uri="{91240B29-F687-4F45-9708-019B960494DF}">
+                <a14:hiddenLine xmlns:a14="http://schemas.microsoft.com/office/drawing/2010/main" w="9525">
+                  <a:solidFill>
+                    <a:schemeClr val="tx1"/>
+                  </a:solidFill>
+                  <a:miter lim="800000"/>
+                  <a:headEnd/>
+                  <a:tailEnd/>
+                </a14:hiddenLine>
+              </a:ext>
+              <a:ext uri="{AF507438-7753-43E0-B8FC-AC1667EBCBE1}">
+                <a14:hiddenEffects xmlns:a14="http://schemas.microsoft.com/office/drawing/2010/main">
+                  <a:effectLst>
+                    <a:outerShdw dist="35921" dir="2700000" algn="ctr" rotWithShape="0">
+                      <a:schemeClr val="bg2"/>
+                    </a:outerShdw>
+                  </a:effectLst>
+                </a14:hiddenEffects>
+              </a:ext>
+            </a:extLst>
+          </p:spPr>
+          <p:txBody>
+            <a:bodyPr vert="horz" wrap="square" lIns="91440" tIns="45720" rIns="91440" bIns="45720" numCol="1" anchor="ctr" anchorCtr="0" compatLnSpc="1">
+              <a:prstTxWarp prst="textNoShape">
+                <a:avLst/>
+              </a:prstTxWarp>
+              <a:spAutoFit/>
+            </a:bodyPr>
+            <a:lstStyle>
+              <a:lvl1pPr eaLnBrk="0" fontAlgn="base" hangingPunct="0">
+                <a:spcBef>
+                  <a:spcPct val="0"/>
+                </a:spcBef>
+                <a:spcAft>
+                  <a:spcPct val="0"/>
+                </a:spcAft>
+                <a:defRPr>
+                  <a:solidFill>
+                    <a:schemeClr val="tx1"/>
+                  </a:solidFill>
+                  <a:latin typeface="Arial" panose="020B0604020202020204" pitchFamily="34" charset="0"/>
+                </a:defRPr>
+              </a:lvl1pPr>
+              <a:lvl2pPr eaLnBrk="0" fontAlgn="base" hangingPunct="0">
+                <a:spcBef>
+                  <a:spcPct val="0"/>
+                </a:spcBef>
+                <a:spcAft>
+                  <a:spcPct val="0"/>
+                </a:spcAft>
+                <a:defRPr>
+                  <a:solidFill>
+                    <a:schemeClr val="tx1"/>
+                  </a:solidFill>
+                  <a:latin typeface="Arial" panose="020B0604020202020204" pitchFamily="34" charset="0"/>
+                </a:defRPr>
+              </a:lvl2pPr>
+              <a:lvl3pPr eaLnBrk="0" fontAlgn="base" hangingPunct="0">
+                <a:spcBef>
+                  <a:spcPct val="0"/>
+                </a:spcBef>
+                <a:spcAft>
+                  <a:spcPct val="0"/>
+                </a:spcAft>
+                <a:defRPr>
+                  <a:solidFill>
+                    <a:schemeClr val="tx1"/>
+                  </a:solidFill>
+                  <a:latin typeface="Arial" panose="020B0604020202020204" pitchFamily="34" charset="0"/>
+                </a:defRPr>
+              </a:lvl3pPr>
+              <a:lvl4pPr eaLnBrk="0" fontAlgn="base" hangingPunct="0">
+                <a:spcBef>
+                  <a:spcPct val="0"/>
+                </a:spcBef>
+                <a:spcAft>
+                  <a:spcPct val="0"/>
+                </a:spcAft>
+                <a:defRPr>
+                  <a:solidFill>
+                    <a:schemeClr val="tx1"/>
+                  </a:solidFill>
+                  <a:latin typeface="Arial" panose="020B0604020202020204" pitchFamily="34" charset="0"/>
+                </a:defRPr>
+              </a:lvl4pPr>
+              <a:lvl5pPr eaLnBrk="0" fontAlgn="base" hangingPunct="0">
+                <a:spcBef>
+                  <a:spcPct val="0"/>
+                </a:spcBef>
+                <a:spcAft>
+                  <a:spcPct val="0"/>
+                </a:spcAft>
+                <a:defRPr>
+                  <a:solidFill>
+                    <a:schemeClr val="tx1"/>
+                  </a:solidFill>
+                  <a:latin typeface="Arial" panose="020B0604020202020204" pitchFamily="34" charset="0"/>
+                </a:defRPr>
+              </a:lvl5pPr>
+              <a:lvl6pPr eaLnBrk="0" fontAlgn="base" hangingPunct="0">
+                <a:spcBef>
+                  <a:spcPct val="0"/>
+                </a:spcBef>
+                <a:spcAft>
+                  <a:spcPct val="0"/>
+                </a:spcAft>
+                <a:defRPr>
+                  <a:solidFill>
+                    <a:schemeClr val="tx1"/>
+                  </a:solidFill>
+                  <a:latin typeface="Arial" panose="020B0604020202020204" pitchFamily="34" charset="0"/>
+                </a:defRPr>
+              </a:lvl6pPr>
+              <a:lvl7pPr eaLnBrk="0" fontAlgn="base" hangingPunct="0">
+                <a:spcBef>
+                  <a:spcPct val="0"/>
+                </a:spcBef>
+                <a:spcAft>
+                  <a:spcPct val="0"/>
+                </a:spcAft>
+                <a:defRPr>
+                  <a:solidFill>
+                    <a:schemeClr val="tx1"/>
+                  </a:solidFill>
+                  <a:latin typeface="Arial" panose="020B0604020202020204" pitchFamily="34" charset="0"/>
+                </a:defRPr>
+              </a:lvl7pPr>
+              <a:lvl8pPr eaLnBrk="0" fontAlgn="base" hangingPunct="0">
+                <a:spcBef>
+                  <a:spcPct val="0"/>
+                </a:spcBef>
+                <a:spcAft>
+                  <a:spcPct val="0"/>
+                </a:spcAft>
+                <a:defRPr>
+                  <a:solidFill>
+                    <a:schemeClr val="tx1"/>
+                  </a:solidFill>
+                  <a:latin typeface="Arial" panose="020B0604020202020204" pitchFamily="34" charset="0"/>
+                </a:defRPr>
+              </a:lvl8pPr>
+              <a:lvl9pPr eaLnBrk="0" fontAlgn="base" hangingPunct="0">
+                <a:spcBef>
+                  <a:spcPct val="0"/>
+                </a:spcBef>
+                <a:spcAft>
+                  <a:spcPct val="0"/>
+                </a:spcAft>
+                <a:defRPr>
+                  <a:solidFill>
+                    <a:schemeClr val="tx1"/>
+                  </a:solidFill>
+                  <a:latin typeface="Arial" panose="020B0604020202020204" pitchFamily="34" charset="0"/>
+                </a:defRPr>
+              </a:lvl9pPr>
+            </a:lstStyle>
+            <a:p>
+              <a:pPr marL="0" marR="0" lvl="0" indent="0" algn="l" defTabSz="914400" rtl="0" eaLnBrk="0" fontAlgn="base" latinLnBrk="0" hangingPunct="0">
+                <a:lnSpc>
+                  <a:spcPct val="100000"/>
+                </a:lnSpc>
+                <a:spcBef>
+                  <a:spcPct val="0"/>
+                </a:spcBef>
+                <a:spcAft>
+                  <a:spcPct val="0"/>
+                </a:spcAft>
+                <a:buClrTx/>
+                <a:buSzTx/>
+                <a:buFontTx/>
+                <a:buNone/>
+                <a:tabLst/>
+              </a:pPr>
+              <a:r>
+                <a:rPr kumimoji="0" lang="en-US" altLang="en-US" sz="1100" b="0" i="0" u="none" strike="noStrike" cap="none" normalizeH="0" baseline="0" dirty="0">
+                  <a:ln>
+                    <a:noFill/>
+                  </a:ln>
+                  <a:solidFill>
+                    <a:srgbClr val="292929"/>
+                  </a:solidFill>
+                  <a:effectLst/>
+                  <a:latin typeface="Menlo"/>
+                </a:rPr>
+                <a:t>@</a:t>
+              </a:r>
+              <a:r>
+                <a:rPr kumimoji="0" lang="en-US" altLang="en-US" sz="1100" b="0" i="0" u="none" strike="noStrike" cap="none" normalizeH="0" baseline="0" dirty="0" err="1" smtClean="0">
+                  <a:ln>
+                    <a:noFill/>
+                  </a:ln>
+                  <a:solidFill>
+                    <a:srgbClr val="292929"/>
+                  </a:solidFill>
+                  <a:effectLst/>
+                  <a:latin typeface="Menlo"/>
+                </a:rPr>
+                <a:t>EnableEurekaClient</a:t>
+              </a:r>
+              <a:r>
+                <a:rPr kumimoji="0" lang="en-US" altLang="en-US" sz="1500" b="0" i="0" u="none" strike="noStrike" cap="none" normalizeH="0" baseline="0" dirty="0">
+                  <a:ln>
+                    <a:noFill/>
+                  </a:ln>
+                  <a:solidFill>
+                    <a:srgbClr val="292929"/>
+                  </a:solidFill>
+                  <a:effectLst/>
+                  <a:latin typeface="charter"/>
+                </a:rPr>
+                <a:t> </a:t>
+              </a:r>
+              <a:endParaRPr kumimoji="0" lang="en-US" altLang="en-US" sz="1800" b="0" i="0" u="none" strike="noStrike" cap="none" normalizeH="0" baseline="0" dirty="0">
+                <a:ln>
+                  <a:noFill/>
+                </a:ln>
+                <a:solidFill>
+                  <a:schemeClr val="tx1"/>
+                </a:solidFill>
+                <a:effectLst/>
+                <a:latin typeface="Arial" panose="020B0604020202020204" pitchFamily="34" charset="0"/>
+              </a:endParaRPr>
+            </a:p>
+          </p:txBody>
+        </p:sp>
+        <p:sp>
+          <p:nvSpPr>
+            <p:cNvPr id="16" name="Rectangle 1">
+              <a:extLst>
+                <a:ext uri="{FF2B5EF4-FFF2-40B4-BE49-F238E27FC236}">
+                  <a16:creationId xmlns:a16="http://schemas.microsoft.com/office/drawing/2014/main" xmlns="" id="{4A5862E7-0045-43EA-8731-76AF0AFFEB2B}"/>
+                </a:ext>
+              </a:extLst>
+            </p:cNvPr>
+            <p:cNvSpPr>
+              <a:spLocks noChangeArrowheads="1"/>
+            </p:cNvSpPr>
+            <p:nvPr/>
+          </p:nvSpPr>
+          <p:spPr bwMode="auto">
+            <a:xfrm>
+              <a:off x="1468579" y="3472706"/>
+              <a:ext cx="3001319" cy="261610"/>
+            </a:xfrm>
+            <a:prstGeom prst="rect">
+              <a:avLst/>
+            </a:prstGeom>
+            <a:solidFill>
+              <a:srgbClr val="F2F2F2"/>
+            </a:solidFill>
+            <a:ln>
+              <a:noFill/>
+            </a:ln>
+            <a:effectLst/>
+            <a:extLst>
+              <a:ext uri="{91240B29-F687-4F45-9708-019B960494DF}">
+                <a14:hiddenLine xmlns:a14="http://schemas.microsoft.com/office/drawing/2010/main" w="9525">
+                  <a:solidFill>
+                    <a:schemeClr val="tx1"/>
+                  </a:solidFill>
+                  <a:miter lim="800000"/>
+                  <a:headEnd/>
+                  <a:tailEnd/>
+                </a14:hiddenLine>
+              </a:ext>
+              <a:ext uri="{AF507438-7753-43E0-B8FC-AC1667EBCBE1}">
+                <a14:hiddenEffects xmlns:a14="http://schemas.microsoft.com/office/drawing/2010/main">
+                  <a:effectLst>
+                    <a:outerShdw dist="35921" dir="2700000" algn="ctr" rotWithShape="0">
+                      <a:schemeClr val="bg2"/>
+                    </a:outerShdw>
+                  </a:effectLst>
+                </a14:hiddenEffects>
+              </a:ext>
+            </a:extLst>
+          </p:spPr>
+          <p:txBody>
+            <a:bodyPr vert="horz" wrap="square" lIns="91440" tIns="45720" rIns="91440" bIns="45720" numCol="1" anchor="ctr" anchorCtr="0" compatLnSpc="1">
+              <a:prstTxWarp prst="textNoShape">
+                <a:avLst/>
+              </a:prstTxWarp>
+              <a:spAutoFit/>
+            </a:bodyPr>
+            <a:lstStyle>
+              <a:lvl1pPr eaLnBrk="0" fontAlgn="base" hangingPunct="0">
+                <a:spcBef>
+                  <a:spcPct val="0"/>
+                </a:spcBef>
+                <a:spcAft>
+                  <a:spcPct val="0"/>
+                </a:spcAft>
+                <a:defRPr>
+                  <a:solidFill>
+                    <a:schemeClr val="tx1"/>
+                  </a:solidFill>
+                  <a:latin typeface="Arial" panose="020B0604020202020204" pitchFamily="34" charset="0"/>
+                </a:defRPr>
+              </a:lvl1pPr>
+              <a:lvl2pPr eaLnBrk="0" fontAlgn="base" hangingPunct="0">
+                <a:spcBef>
+                  <a:spcPct val="0"/>
+                </a:spcBef>
+                <a:spcAft>
+                  <a:spcPct val="0"/>
+                </a:spcAft>
+                <a:defRPr>
+                  <a:solidFill>
+                    <a:schemeClr val="tx1"/>
+                  </a:solidFill>
+                  <a:latin typeface="Arial" panose="020B0604020202020204" pitchFamily="34" charset="0"/>
+                </a:defRPr>
+              </a:lvl2pPr>
+              <a:lvl3pPr eaLnBrk="0" fontAlgn="base" hangingPunct="0">
+                <a:spcBef>
+                  <a:spcPct val="0"/>
+                </a:spcBef>
+                <a:spcAft>
+                  <a:spcPct val="0"/>
+                </a:spcAft>
+                <a:defRPr>
+                  <a:solidFill>
+                    <a:schemeClr val="tx1"/>
+                  </a:solidFill>
+                  <a:latin typeface="Arial" panose="020B0604020202020204" pitchFamily="34" charset="0"/>
+                </a:defRPr>
+              </a:lvl3pPr>
+              <a:lvl4pPr eaLnBrk="0" fontAlgn="base" hangingPunct="0">
+                <a:spcBef>
+                  <a:spcPct val="0"/>
+                </a:spcBef>
+                <a:spcAft>
+                  <a:spcPct val="0"/>
+                </a:spcAft>
+                <a:defRPr>
+                  <a:solidFill>
+                    <a:schemeClr val="tx1"/>
+                  </a:solidFill>
+                  <a:latin typeface="Arial" panose="020B0604020202020204" pitchFamily="34" charset="0"/>
+                </a:defRPr>
+              </a:lvl4pPr>
+              <a:lvl5pPr eaLnBrk="0" fontAlgn="base" hangingPunct="0">
+                <a:spcBef>
+                  <a:spcPct val="0"/>
+                </a:spcBef>
+                <a:spcAft>
+                  <a:spcPct val="0"/>
+                </a:spcAft>
+                <a:defRPr>
+                  <a:solidFill>
+                    <a:schemeClr val="tx1"/>
+                  </a:solidFill>
+                  <a:latin typeface="Arial" panose="020B0604020202020204" pitchFamily="34" charset="0"/>
+                </a:defRPr>
+              </a:lvl5pPr>
+              <a:lvl6pPr eaLnBrk="0" fontAlgn="base" hangingPunct="0">
+                <a:spcBef>
+                  <a:spcPct val="0"/>
+                </a:spcBef>
+                <a:spcAft>
+                  <a:spcPct val="0"/>
+                </a:spcAft>
+                <a:defRPr>
+                  <a:solidFill>
+                    <a:schemeClr val="tx1"/>
+                  </a:solidFill>
+                  <a:latin typeface="Arial" panose="020B0604020202020204" pitchFamily="34" charset="0"/>
+                </a:defRPr>
+              </a:lvl6pPr>
+              <a:lvl7pPr eaLnBrk="0" fontAlgn="base" hangingPunct="0">
+                <a:spcBef>
+                  <a:spcPct val="0"/>
+                </a:spcBef>
+                <a:spcAft>
+                  <a:spcPct val="0"/>
+                </a:spcAft>
+                <a:defRPr>
+                  <a:solidFill>
+                    <a:schemeClr val="tx1"/>
+                  </a:solidFill>
+                  <a:latin typeface="Arial" panose="020B0604020202020204" pitchFamily="34" charset="0"/>
+                </a:defRPr>
+              </a:lvl7pPr>
+              <a:lvl8pPr eaLnBrk="0" fontAlgn="base" hangingPunct="0">
+                <a:spcBef>
+                  <a:spcPct val="0"/>
+                </a:spcBef>
+                <a:spcAft>
+                  <a:spcPct val="0"/>
+                </a:spcAft>
+                <a:defRPr>
+                  <a:solidFill>
+                    <a:schemeClr val="tx1"/>
+                  </a:solidFill>
+                  <a:latin typeface="Arial" panose="020B0604020202020204" pitchFamily="34" charset="0"/>
+                </a:defRPr>
+              </a:lvl8pPr>
+              <a:lvl9pPr eaLnBrk="0" fontAlgn="base" hangingPunct="0">
+                <a:spcBef>
+                  <a:spcPct val="0"/>
+                </a:spcBef>
+                <a:spcAft>
+                  <a:spcPct val="0"/>
+                </a:spcAft>
+                <a:defRPr>
+                  <a:solidFill>
+                    <a:schemeClr val="tx1"/>
+                  </a:solidFill>
+                  <a:latin typeface="Arial" panose="020B0604020202020204" pitchFamily="34" charset="0"/>
+                </a:defRPr>
+              </a:lvl9pPr>
+            </a:lstStyle>
+            <a:p>
+              <a:pPr marL="0" marR="0" lvl="0" indent="0" algn="l" defTabSz="914400" rtl="0" eaLnBrk="0" fontAlgn="base" latinLnBrk="0" hangingPunct="0">
+                <a:lnSpc>
+                  <a:spcPct val="100000"/>
+                </a:lnSpc>
+                <a:spcBef>
+                  <a:spcPct val="0"/>
+                </a:spcBef>
+                <a:spcAft>
+                  <a:spcPct val="0"/>
+                </a:spcAft>
+                <a:buClrTx/>
+                <a:buSzTx/>
+                <a:buFontTx/>
+                <a:buNone/>
+                <a:tabLst/>
+              </a:pPr>
+              <a:r>
+                <a:rPr lang="en-IN" sz="1100" b="0" i="0" dirty="0" smtClean="0">
+                  <a:solidFill>
+                    <a:srgbClr val="24292F"/>
+                  </a:solidFill>
+                  <a:effectLst/>
+                  <a:latin typeface="ui-monospace"/>
+                </a:rPr>
+                <a:t>spring-cloud-starter-</a:t>
+              </a:r>
+              <a:r>
+                <a:rPr lang="en-IN" sz="1100" b="0" i="0" dirty="0" err="1" smtClean="0">
+                  <a:solidFill>
+                    <a:srgbClr val="24292F"/>
+                  </a:solidFill>
+                  <a:effectLst/>
+                  <a:latin typeface="ui-monospace"/>
+                </a:rPr>
+                <a:t>netflix</a:t>
+              </a:r>
+              <a:r>
+                <a:rPr lang="en-IN" sz="1100" b="0" i="0" dirty="0" smtClean="0">
+                  <a:solidFill>
+                    <a:srgbClr val="24292F"/>
+                  </a:solidFill>
+                  <a:effectLst/>
+                  <a:latin typeface="ui-monospace"/>
+                </a:rPr>
+                <a:t>-eureka-client</a:t>
+              </a:r>
+              <a:endParaRPr kumimoji="0" lang="en-US" altLang="en-US" sz="1800" b="0" i="0" u="none" strike="noStrike" cap="none" normalizeH="0" baseline="0" dirty="0">
+                <a:ln>
+                  <a:noFill/>
+                </a:ln>
+                <a:solidFill>
+                  <a:schemeClr val="tx1"/>
+                </a:solidFill>
+                <a:effectLst/>
+                <a:latin typeface="Arial" panose="020B0604020202020204" pitchFamily="34" charset="0"/>
+              </a:endParaRPr>
+            </a:p>
+          </p:txBody>
+        </p:sp>
+      </p:grpSp>
+      <p:cxnSp>
+        <p:nvCxnSpPr>
+          <p:cNvPr id="17" name="Elbow Connector 16"/>
+          <p:cNvCxnSpPr>
+            <a:stCxn id="14" idx="0"/>
+            <a:endCxn id="6" idx="3"/>
+          </p:cNvCxnSpPr>
+          <p:nvPr/>
+        </p:nvCxnSpPr>
+        <p:spPr>
+          <a:xfrm rot="16200000" flipV="1">
+            <a:off x="6793765" y="2651846"/>
+            <a:ext cx="2156372" cy="2277284"/>
+          </a:xfrm>
+          <a:prstGeom prst="bentConnector2">
+            <a:avLst/>
+          </a:prstGeom>
+          <a:ln w="31750">
+            <a:tailEnd type="arrow"/>
+          </a:ln>
+        </p:spPr>
+        <p:style>
+          <a:lnRef idx="3">
+            <a:schemeClr val="accent2"/>
+          </a:lnRef>
+          <a:fillRef idx="0">
+            <a:schemeClr val="accent2"/>
+          </a:fillRef>
+          <a:effectRef idx="2">
+            <a:schemeClr val="accent2"/>
+          </a:effectRef>
+          <a:fontRef idx="minor">
+            <a:schemeClr val="tx1"/>
+          </a:fontRef>
+        </p:style>
+      </p:cxnSp>
+      <p:cxnSp>
+        <p:nvCxnSpPr>
+          <p:cNvPr id="18" name="Elbow Connector 17"/>
+          <p:cNvCxnSpPr>
+            <a:stCxn id="10" idx="2"/>
+            <a:endCxn id="6" idx="3"/>
+          </p:cNvCxnSpPr>
+          <p:nvPr/>
+        </p:nvCxnSpPr>
+        <p:spPr>
+          <a:xfrm rot="5400000">
+            <a:off x="7377750" y="1079458"/>
+            <a:ext cx="988403" cy="2277284"/>
+          </a:xfrm>
+          <a:prstGeom prst="bentConnector2">
+            <a:avLst/>
+          </a:prstGeom>
+          <a:ln w="31750">
+            <a:tailEnd type="arrow"/>
+          </a:ln>
+        </p:spPr>
+        <p:style>
+          <a:lnRef idx="3">
+            <a:schemeClr val="accent2"/>
+          </a:lnRef>
+          <a:fillRef idx="0">
+            <a:schemeClr val="accent2"/>
+          </a:fillRef>
+          <a:effectRef idx="2">
+            <a:schemeClr val="accent2"/>
+          </a:effectRef>
+          <a:fontRef idx="minor">
+            <a:schemeClr val="tx1"/>
+          </a:fontRef>
+        </p:style>
+      </p:cxnSp>
+      <p:sp>
+        <p:nvSpPr>
+          <p:cNvPr id="19" name="TextBox 18"/>
+          <p:cNvSpPr txBox="1"/>
+          <p:nvPr/>
+        </p:nvSpPr>
+        <p:spPr>
+          <a:xfrm>
+            <a:off x="6734233" y="2859336"/>
+            <a:ext cx="1692771" cy="369332"/>
+          </a:xfrm>
+          <a:prstGeom prst="rect">
+            <a:avLst/>
+          </a:prstGeom>
+          <a:noFill/>
+        </p:spPr>
+        <p:txBody>
+          <a:bodyPr wrap="none" rtlCol="0">
+            <a:spAutoFit/>
+          </a:bodyPr>
+          <a:lstStyle/>
+          <a:p>
+            <a:r>
+              <a:rPr lang="en-US" b="1" dirty="0" smtClean="0">
+                <a:solidFill>
+                  <a:srgbClr val="FF0000"/>
+                </a:solidFill>
+              </a:rPr>
+              <a:t>Register Service</a:t>
+            </a:r>
+            <a:endParaRPr lang="en-US" b="1" dirty="0">
+              <a:solidFill>
+                <a:srgbClr val="FF0000"/>
+              </a:solidFill>
+            </a:endParaRPr>
+          </a:p>
+        </p:txBody>
+      </p:sp>
+      <p:sp>
+        <p:nvSpPr>
+          <p:cNvPr id="20" name="Oval 19"/>
+          <p:cNvSpPr/>
+          <p:nvPr/>
+        </p:nvSpPr>
+        <p:spPr>
+          <a:xfrm>
+            <a:off x="7759469" y="2133457"/>
+            <a:ext cx="457200" cy="460481"/>
+          </a:xfrm>
+          <a:prstGeom prst="ellipse">
+            <a:avLst/>
+          </a:prstGeom>
+        </p:spPr>
+        <p:style>
+          <a:lnRef idx="2">
+            <a:schemeClr val="accent1">
+              <a:shade val="50000"/>
+            </a:schemeClr>
+          </a:lnRef>
+          <a:fillRef idx="1">
+            <a:schemeClr val="accent1"/>
+          </a:fillRef>
+          <a:effectRef idx="0">
+            <a:schemeClr val="accent1"/>
+          </a:effectRef>
+          <a:fontRef idx="minor">
+            <a:schemeClr val="lt1"/>
+          </a:fontRef>
+        </p:style>
+        <p:txBody>
+          <a:bodyPr rtlCol="0" anchor="ctr"/>
+          <a:lstStyle/>
+          <a:p>
+            <a:pPr algn="ctr"/>
+            <a:r>
+              <a:rPr lang="en-US" dirty="0" smtClean="0"/>
+              <a:t>1</a:t>
+            </a:r>
+            <a:endParaRPr lang="en-US" dirty="0"/>
+          </a:p>
+        </p:txBody>
+      </p:sp>
+      <p:cxnSp>
+        <p:nvCxnSpPr>
+          <p:cNvPr id="21" name="Elbow Connector 20"/>
+          <p:cNvCxnSpPr>
+            <a:endCxn id="6" idx="0"/>
+          </p:cNvCxnSpPr>
+          <p:nvPr/>
+        </p:nvCxnSpPr>
+        <p:spPr>
+          <a:xfrm rot="10800000" flipV="1">
+            <a:off x="5043769" y="886692"/>
+            <a:ext cx="2008968" cy="860386"/>
+          </a:xfrm>
+          <a:prstGeom prst="bentConnector2">
+            <a:avLst/>
+          </a:prstGeom>
+          <a:ln w="31750">
+            <a:tailEnd type="arrow"/>
+          </a:ln>
+        </p:spPr>
+        <p:style>
+          <a:lnRef idx="3">
+            <a:schemeClr val="accent2"/>
+          </a:lnRef>
+          <a:fillRef idx="0">
+            <a:schemeClr val="accent2"/>
+          </a:fillRef>
+          <a:effectRef idx="2">
+            <a:schemeClr val="accent2"/>
+          </a:effectRef>
+          <a:fontRef idx="minor">
+            <a:schemeClr val="tx1"/>
+          </a:fontRef>
+        </p:style>
+      </p:cxnSp>
+      <p:sp>
+        <p:nvSpPr>
+          <p:cNvPr id="30" name="TextBox 29"/>
+          <p:cNvSpPr txBox="1"/>
+          <p:nvPr/>
+        </p:nvSpPr>
+        <p:spPr>
+          <a:xfrm>
+            <a:off x="5386338" y="517359"/>
+            <a:ext cx="1621791" cy="369332"/>
+          </a:xfrm>
+          <a:prstGeom prst="rect">
+            <a:avLst/>
+          </a:prstGeom>
+          <a:noFill/>
+        </p:spPr>
+        <p:txBody>
+          <a:bodyPr wrap="none" rtlCol="0">
+            <a:spAutoFit/>
+          </a:bodyPr>
+          <a:lstStyle/>
+          <a:p>
+            <a:r>
+              <a:rPr lang="en-US" b="1" dirty="0" smtClean="0">
+                <a:solidFill>
+                  <a:srgbClr val="FF0000"/>
+                </a:solidFill>
+              </a:rPr>
+              <a:t>Service Lookup</a:t>
+            </a:r>
+            <a:endParaRPr lang="en-US" b="1" dirty="0">
+              <a:solidFill>
+                <a:srgbClr val="FF0000"/>
+              </a:solidFill>
+            </a:endParaRPr>
+          </a:p>
+        </p:txBody>
+      </p:sp>
+      <p:sp>
+        <p:nvSpPr>
+          <p:cNvPr id="35" name="Rectangle 1">
+            <a:extLst>
+              <a:ext uri="{FF2B5EF4-FFF2-40B4-BE49-F238E27FC236}">
+                <a16:creationId xmlns:a16="http://schemas.microsoft.com/office/drawing/2014/main" xmlns="" id="{FFE5BAF0-90A9-481D-AAC3-4466B273C9B9}"/>
+              </a:ext>
+            </a:extLst>
+          </p:cNvPr>
+          <p:cNvSpPr>
+            <a:spLocks noChangeArrowheads="1"/>
+          </p:cNvSpPr>
+          <p:nvPr/>
+        </p:nvSpPr>
+        <p:spPr bwMode="auto">
+          <a:xfrm>
+            <a:off x="7281800" y="298786"/>
+            <a:ext cx="1674296" cy="261610"/>
+          </a:xfrm>
+          <a:prstGeom prst="rect">
+            <a:avLst/>
+          </a:prstGeom>
+          <a:solidFill>
+            <a:srgbClr val="F2F2F2"/>
+          </a:solidFill>
+          <a:ln>
+            <a:noFill/>
+          </a:ln>
+          <a:effectLst/>
+          <a:extLst>
+            <a:ext uri="{91240B29-F687-4F45-9708-019B960494DF}">
+              <a14:hiddenLine xmlns:a14="http://schemas.microsoft.com/office/drawing/2010/main" w="9525">
+                <a:solidFill>
+                  <a:schemeClr val="tx1"/>
+                </a:solidFill>
+                <a:miter lim="800000"/>
+                <a:headEnd/>
+                <a:tailEnd/>
+              </a14:hiddenLine>
+            </a:ext>
+            <a:ext uri="{AF507438-7753-43E0-B8FC-AC1667EBCBE1}">
+              <a14:hiddenEffects xmlns:a14="http://schemas.microsoft.com/office/drawing/2010/main">
+                <a:effectLst>
+                  <a:outerShdw dist="35921" dir="2700000" algn="ctr" rotWithShape="0">
+                    <a:schemeClr val="bg2"/>
+                  </a:outerShdw>
+                </a:effectLst>
+              </a14:hiddenEffects>
+            </a:ext>
+          </a:extLst>
+        </p:spPr>
+        <p:txBody>
+          <a:bodyPr vert="horz" wrap="square" lIns="91440" tIns="45720" rIns="91440" bIns="45720" numCol="1" anchor="ctr" anchorCtr="0" compatLnSpc="1">
+            <a:prstTxWarp prst="textNoShape">
+              <a:avLst/>
+            </a:prstTxWarp>
+            <a:spAutoFit/>
+          </a:bodyPr>
+          <a:lstStyle>
+            <a:lvl1pPr eaLnBrk="0" fontAlgn="base" hangingPunct="0">
+              <a:spcBef>
+                <a:spcPct val="0"/>
+              </a:spcBef>
+              <a:spcAft>
+                <a:spcPct val="0"/>
+              </a:spcAft>
+              <a:defRPr>
+                <a:solidFill>
+                  <a:schemeClr val="tx1"/>
+                </a:solidFill>
+                <a:latin typeface="Arial" panose="020B0604020202020204" pitchFamily="34" charset="0"/>
+              </a:defRPr>
+            </a:lvl1pPr>
+            <a:lvl2pPr eaLnBrk="0" fontAlgn="base" hangingPunct="0">
+              <a:spcBef>
+                <a:spcPct val="0"/>
+              </a:spcBef>
+              <a:spcAft>
+                <a:spcPct val="0"/>
+              </a:spcAft>
+              <a:defRPr>
+                <a:solidFill>
+                  <a:schemeClr val="tx1"/>
+                </a:solidFill>
+                <a:latin typeface="Arial" panose="020B0604020202020204" pitchFamily="34" charset="0"/>
+              </a:defRPr>
+            </a:lvl2pPr>
+            <a:lvl3pPr eaLnBrk="0" fontAlgn="base" hangingPunct="0">
+              <a:spcBef>
+                <a:spcPct val="0"/>
+              </a:spcBef>
+              <a:spcAft>
+                <a:spcPct val="0"/>
+              </a:spcAft>
+              <a:defRPr>
+                <a:solidFill>
+                  <a:schemeClr val="tx1"/>
+                </a:solidFill>
+                <a:latin typeface="Arial" panose="020B0604020202020204" pitchFamily="34" charset="0"/>
+              </a:defRPr>
+            </a:lvl3pPr>
+            <a:lvl4pPr eaLnBrk="0" fontAlgn="base" hangingPunct="0">
+              <a:spcBef>
+                <a:spcPct val="0"/>
+              </a:spcBef>
+              <a:spcAft>
+                <a:spcPct val="0"/>
+              </a:spcAft>
+              <a:defRPr>
+                <a:solidFill>
+                  <a:schemeClr val="tx1"/>
+                </a:solidFill>
+                <a:latin typeface="Arial" panose="020B0604020202020204" pitchFamily="34" charset="0"/>
+              </a:defRPr>
+            </a:lvl4pPr>
+            <a:lvl5pPr eaLnBrk="0" fontAlgn="base" hangingPunct="0">
+              <a:spcBef>
+                <a:spcPct val="0"/>
+              </a:spcBef>
+              <a:spcAft>
+                <a:spcPct val="0"/>
+              </a:spcAft>
+              <a:defRPr>
+                <a:solidFill>
+                  <a:schemeClr val="tx1"/>
+                </a:solidFill>
+                <a:latin typeface="Arial" panose="020B0604020202020204" pitchFamily="34" charset="0"/>
+              </a:defRPr>
+            </a:lvl5pPr>
+            <a:lvl6pPr eaLnBrk="0" fontAlgn="base" hangingPunct="0">
+              <a:spcBef>
+                <a:spcPct val="0"/>
+              </a:spcBef>
+              <a:spcAft>
+                <a:spcPct val="0"/>
+              </a:spcAft>
+              <a:defRPr>
+                <a:solidFill>
+                  <a:schemeClr val="tx1"/>
+                </a:solidFill>
+                <a:latin typeface="Arial" panose="020B0604020202020204" pitchFamily="34" charset="0"/>
+              </a:defRPr>
+            </a:lvl6pPr>
+            <a:lvl7pPr eaLnBrk="0" fontAlgn="base" hangingPunct="0">
+              <a:spcBef>
+                <a:spcPct val="0"/>
+              </a:spcBef>
+              <a:spcAft>
+                <a:spcPct val="0"/>
+              </a:spcAft>
+              <a:defRPr>
+                <a:solidFill>
+                  <a:schemeClr val="tx1"/>
+                </a:solidFill>
+                <a:latin typeface="Arial" panose="020B0604020202020204" pitchFamily="34" charset="0"/>
+              </a:defRPr>
+            </a:lvl7pPr>
+            <a:lvl8pPr eaLnBrk="0" fontAlgn="base" hangingPunct="0">
+              <a:spcBef>
+                <a:spcPct val="0"/>
+              </a:spcBef>
+              <a:spcAft>
+                <a:spcPct val="0"/>
+              </a:spcAft>
+              <a:defRPr>
+                <a:solidFill>
+                  <a:schemeClr val="tx1"/>
+                </a:solidFill>
+                <a:latin typeface="Arial" panose="020B0604020202020204" pitchFamily="34" charset="0"/>
+              </a:defRPr>
+            </a:lvl8pPr>
+            <a:lvl9pPr eaLnBrk="0" fontAlgn="base" hangingPunct="0">
+              <a:spcBef>
+                <a:spcPct val="0"/>
+              </a:spcBef>
+              <a:spcAft>
+                <a:spcPct val="0"/>
+              </a:spcAft>
+              <a:defRPr>
+                <a:solidFill>
+                  <a:schemeClr val="tx1"/>
+                </a:solidFill>
+                <a:latin typeface="Arial" panose="020B0604020202020204" pitchFamily="34" charset="0"/>
+              </a:defRPr>
+            </a:lvl9pPr>
+          </a:lstStyle>
+          <a:p>
+            <a:pPr marL="0" marR="0" lvl="0" indent="0" algn="l" defTabSz="914400" rtl="0" eaLnBrk="0" fontAlgn="base" latinLnBrk="0" hangingPunct="0">
+              <a:lnSpc>
+                <a:spcPct val="100000"/>
+              </a:lnSpc>
+              <a:spcBef>
+                <a:spcPct val="0"/>
+              </a:spcBef>
+              <a:spcAft>
+                <a:spcPct val="0"/>
+              </a:spcAft>
+              <a:buClrTx/>
+              <a:buSzTx/>
+              <a:buFontTx/>
+              <a:buNone/>
+              <a:tabLst/>
+            </a:pPr>
+            <a:r>
+              <a:rPr kumimoji="0" lang="en-US" altLang="en-US" sz="1100" b="0" i="0" u="none" strike="noStrike" cap="none" normalizeH="0" baseline="0" dirty="0" smtClean="0">
+                <a:ln>
+                  <a:noFill/>
+                </a:ln>
+                <a:solidFill>
+                  <a:srgbClr val="292929"/>
+                </a:solidFill>
+                <a:effectLst/>
+                <a:latin typeface="Menlo"/>
+              </a:rPr>
+              <a:t>@</a:t>
+            </a:r>
+            <a:r>
+              <a:rPr kumimoji="0" lang="en-US" altLang="en-US" sz="1100" b="0" i="0" u="none" strike="noStrike" cap="none" normalizeH="0" baseline="0" dirty="0" err="1" smtClean="0">
+                <a:ln>
+                  <a:noFill/>
+                </a:ln>
+                <a:solidFill>
+                  <a:srgbClr val="292929"/>
+                </a:solidFill>
+                <a:effectLst/>
+                <a:latin typeface="Menlo"/>
+              </a:rPr>
+              <a:t>LoadBalanced</a:t>
+            </a:r>
+            <a:endParaRPr kumimoji="0" lang="en-US" altLang="en-US" sz="1800" b="0" i="0" u="none" strike="noStrike" cap="none" normalizeH="0" baseline="0" dirty="0">
+              <a:ln>
+                <a:noFill/>
+              </a:ln>
+              <a:solidFill>
+                <a:schemeClr val="tx1"/>
+              </a:solidFill>
+              <a:effectLst/>
+              <a:latin typeface="Arial" panose="020B0604020202020204" pitchFamily="34" charset="0"/>
+            </a:endParaRPr>
+          </a:p>
+        </p:txBody>
+      </p:sp>
+      <p:sp>
+        <p:nvSpPr>
+          <p:cNvPr id="36" name="Rectangle 1">
+            <a:extLst>
+              <a:ext uri="{FF2B5EF4-FFF2-40B4-BE49-F238E27FC236}">
+                <a16:creationId xmlns:a16="http://schemas.microsoft.com/office/drawing/2014/main" xmlns="" id="{FFE5BAF0-90A9-481D-AAC3-4466B273C9B9}"/>
+              </a:ext>
+            </a:extLst>
+          </p:cNvPr>
+          <p:cNvSpPr>
+            <a:spLocks noChangeArrowheads="1"/>
+          </p:cNvSpPr>
+          <p:nvPr/>
+        </p:nvSpPr>
+        <p:spPr bwMode="auto">
+          <a:xfrm>
+            <a:off x="8878504" y="1061507"/>
+            <a:ext cx="1748646" cy="261610"/>
+          </a:xfrm>
+          <a:prstGeom prst="rect">
+            <a:avLst/>
+          </a:prstGeom>
+          <a:solidFill>
+            <a:srgbClr val="F2F2F2"/>
+          </a:solidFill>
+          <a:ln>
+            <a:noFill/>
+          </a:ln>
+          <a:effectLst/>
+          <a:extLst>
+            <a:ext uri="{91240B29-F687-4F45-9708-019B960494DF}">
+              <a14:hiddenLine xmlns:a14="http://schemas.microsoft.com/office/drawing/2010/main" w="9525">
+                <a:solidFill>
+                  <a:schemeClr val="tx1"/>
+                </a:solidFill>
+                <a:miter lim="800000"/>
+                <a:headEnd/>
+                <a:tailEnd/>
+              </a14:hiddenLine>
+            </a:ext>
+            <a:ext uri="{AF507438-7753-43E0-B8FC-AC1667EBCBE1}">
+              <a14:hiddenEffects xmlns:a14="http://schemas.microsoft.com/office/drawing/2010/main">
+                <a:effectLst>
+                  <a:outerShdw dist="35921" dir="2700000" algn="ctr" rotWithShape="0">
+                    <a:schemeClr val="bg2"/>
+                  </a:outerShdw>
+                </a:effectLst>
+              </a14:hiddenEffects>
+            </a:ext>
+          </a:extLst>
+        </p:spPr>
+        <p:txBody>
+          <a:bodyPr vert="horz" wrap="square" lIns="91440" tIns="45720" rIns="91440" bIns="45720" numCol="1" anchor="ctr" anchorCtr="0" compatLnSpc="1">
+            <a:prstTxWarp prst="textNoShape">
+              <a:avLst/>
+            </a:prstTxWarp>
+            <a:spAutoFit/>
+          </a:bodyPr>
+          <a:lstStyle>
+            <a:lvl1pPr eaLnBrk="0" fontAlgn="base" hangingPunct="0">
+              <a:spcBef>
+                <a:spcPct val="0"/>
+              </a:spcBef>
+              <a:spcAft>
+                <a:spcPct val="0"/>
+              </a:spcAft>
+              <a:defRPr>
+                <a:solidFill>
+                  <a:schemeClr val="tx1"/>
+                </a:solidFill>
+                <a:latin typeface="Arial" panose="020B0604020202020204" pitchFamily="34" charset="0"/>
+              </a:defRPr>
+            </a:lvl1pPr>
+            <a:lvl2pPr eaLnBrk="0" fontAlgn="base" hangingPunct="0">
+              <a:spcBef>
+                <a:spcPct val="0"/>
+              </a:spcBef>
+              <a:spcAft>
+                <a:spcPct val="0"/>
+              </a:spcAft>
+              <a:defRPr>
+                <a:solidFill>
+                  <a:schemeClr val="tx1"/>
+                </a:solidFill>
+                <a:latin typeface="Arial" panose="020B0604020202020204" pitchFamily="34" charset="0"/>
+              </a:defRPr>
+            </a:lvl2pPr>
+            <a:lvl3pPr eaLnBrk="0" fontAlgn="base" hangingPunct="0">
+              <a:spcBef>
+                <a:spcPct val="0"/>
+              </a:spcBef>
+              <a:spcAft>
+                <a:spcPct val="0"/>
+              </a:spcAft>
+              <a:defRPr>
+                <a:solidFill>
+                  <a:schemeClr val="tx1"/>
+                </a:solidFill>
+                <a:latin typeface="Arial" panose="020B0604020202020204" pitchFamily="34" charset="0"/>
+              </a:defRPr>
+            </a:lvl3pPr>
+            <a:lvl4pPr eaLnBrk="0" fontAlgn="base" hangingPunct="0">
+              <a:spcBef>
+                <a:spcPct val="0"/>
+              </a:spcBef>
+              <a:spcAft>
+                <a:spcPct val="0"/>
+              </a:spcAft>
+              <a:defRPr>
+                <a:solidFill>
+                  <a:schemeClr val="tx1"/>
+                </a:solidFill>
+                <a:latin typeface="Arial" panose="020B0604020202020204" pitchFamily="34" charset="0"/>
+              </a:defRPr>
+            </a:lvl4pPr>
+            <a:lvl5pPr eaLnBrk="0" fontAlgn="base" hangingPunct="0">
+              <a:spcBef>
+                <a:spcPct val="0"/>
+              </a:spcBef>
+              <a:spcAft>
+                <a:spcPct val="0"/>
+              </a:spcAft>
+              <a:defRPr>
+                <a:solidFill>
+                  <a:schemeClr val="tx1"/>
+                </a:solidFill>
+                <a:latin typeface="Arial" panose="020B0604020202020204" pitchFamily="34" charset="0"/>
+              </a:defRPr>
+            </a:lvl5pPr>
+            <a:lvl6pPr eaLnBrk="0" fontAlgn="base" hangingPunct="0">
+              <a:spcBef>
+                <a:spcPct val="0"/>
+              </a:spcBef>
+              <a:spcAft>
+                <a:spcPct val="0"/>
+              </a:spcAft>
+              <a:defRPr>
+                <a:solidFill>
+                  <a:schemeClr val="tx1"/>
+                </a:solidFill>
+                <a:latin typeface="Arial" panose="020B0604020202020204" pitchFamily="34" charset="0"/>
+              </a:defRPr>
+            </a:lvl6pPr>
+            <a:lvl7pPr eaLnBrk="0" fontAlgn="base" hangingPunct="0">
+              <a:spcBef>
+                <a:spcPct val="0"/>
+              </a:spcBef>
+              <a:spcAft>
+                <a:spcPct val="0"/>
+              </a:spcAft>
+              <a:defRPr>
+                <a:solidFill>
+                  <a:schemeClr val="tx1"/>
+                </a:solidFill>
+                <a:latin typeface="Arial" panose="020B0604020202020204" pitchFamily="34" charset="0"/>
+              </a:defRPr>
+            </a:lvl7pPr>
+            <a:lvl8pPr eaLnBrk="0" fontAlgn="base" hangingPunct="0">
+              <a:spcBef>
+                <a:spcPct val="0"/>
+              </a:spcBef>
+              <a:spcAft>
+                <a:spcPct val="0"/>
+              </a:spcAft>
+              <a:defRPr>
+                <a:solidFill>
+                  <a:schemeClr val="tx1"/>
+                </a:solidFill>
+                <a:latin typeface="Arial" panose="020B0604020202020204" pitchFamily="34" charset="0"/>
+              </a:defRPr>
+            </a:lvl8pPr>
+            <a:lvl9pPr eaLnBrk="0" fontAlgn="base" hangingPunct="0">
+              <a:spcBef>
+                <a:spcPct val="0"/>
+              </a:spcBef>
+              <a:spcAft>
+                <a:spcPct val="0"/>
+              </a:spcAft>
+              <a:defRPr>
+                <a:solidFill>
+                  <a:schemeClr val="tx1"/>
+                </a:solidFill>
+                <a:latin typeface="Arial" panose="020B0604020202020204" pitchFamily="34" charset="0"/>
+              </a:defRPr>
+            </a:lvl9pPr>
+          </a:lstStyle>
+          <a:p>
+            <a:pPr marL="0" marR="0" lvl="0" indent="0" algn="l" defTabSz="914400" rtl="0" eaLnBrk="0" fontAlgn="base" latinLnBrk="0" hangingPunct="0">
+              <a:lnSpc>
+                <a:spcPct val="100000"/>
+              </a:lnSpc>
+              <a:spcBef>
+                <a:spcPct val="0"/>
+              </a:spcBef>
+              <a:spcAft>
+                <a:spcPct val="0"/>
+              </a:spcAft>
+              <a:buClrTx/>
+              <a:buSzTx/>
+              <a:buFontTx/>
+              <a:buNone/>
+              <a:tabLst/>
+            </a:pPr>
+            <a:r>
+              <a:rPr kumimoji="0" lang="en-US" altLang="en-US" sz="1100" b="0" i="0" u="none" strike="noStrike" cap="none" normalizeH="0" baseline="0" dirty="0" smtClean="0">
+                <a:ln>
+                  <a:noFill/>
+                </a:ln>
+                <a:solidFill>
+                  <a:srgbClr val="292929"/>
+                </a:solidFill>
+                <a:effectLst/>
+                <a:latin typeface="Menlo"/>
+              </a:rPr>
+              <a:t>@Bean { </a:t>
+            </a:r>
+            <a:r>
+              <a:rPr kumimoji="0" lang="en-US" altLang="en-US" sz="1100" b="0" i="0" u="none" strike="noStrike" cap="none" normalizeH="0" baseline="0" dirty="0" err="1" smtClean="0">
+                <a:ln>
+                  <a:noFill/>
+                </a:ln>
+                <a:solidFill>
+                  <a:srgbClr val="292929"/>
+                </a:solidFill>
+                <a:effectLst/>
+                <a:latin typeface="Menlo"/>
+              </a:rPr>
+              <a:t>RestTemplate</a:t>
+            </a:r>
+            <a:r>
+              <a:rPr kumimoji="0" lang="en-US" altLang="en-US" sz="1100" b="0" i="0" u="none" strike="noStrike" cap="none" normalizeH="0" baseline="0" dirty="0" smtClean="0">
+                <a:ln>
+                  <a:noFill/>
+                </a:ln>
+                <a:solidFill>
+                  <a:srgbClr val="292929"/>
+                </a:solidFill>
+                <a:effectLst/>
+                <a:latin typeface="Menlo"/>
+              </a:rPr>
+              <a:t>}</a:t>
+            </a:r>
+            <a:r>
+              <a:rPr kumimoji="0" lang="en-US" altLang="en-US" sz="900" b="0" i="0" u="none" strike="noStrike" cap="none" normalizeH="0" baseline="0" dirty="0" smtClean="0">
+                <a:ln>
+                  <a:noFill/>
+                </a:ln>
+                <a:solidFill>
+                  <a:schemeClr val="tx1"/>
+                </a:solidFill>
+                <a:effectLst/>
+              </a:rPr>
+              <a:t> </a:t>
+            </a:r>
+            <a:endParaRPr kumimoji="0" lang="en-US" altLang="en-US" sz="1800" b="0" i="0" u="none" strike="noStrike" cap="none" normalizeH="0" baseline="0" dirty="0">
+              <a:ln>
+                <a:noFill/>
+              </a:ln>
+              <a:solidFill>
+                <a:schemeClr val="tx1"/>
+              </a:solidFill>
+              <a:effectLst/>
+              <a:latin typeface="Arial" panose="020B0604020202020204" pitchFamily="34" charset="0"/>
+            </a:endParaRPr>
+          </a:p>
+        </p:txBody>
+      </p:sp>
+    </p:spTree>
+    <p:extLst>
+      <p:ext uri="{BB962C8B-B14F-4D97-AF65-F5344CB8AC3E}">
+        <p14:creationId xmlns:p14="http://schemas.microsoft.com/office/powerpoint/2010/main" val="936137002"/>
+      </p:ext>
+    </p:extLst>
+  </p:cSld>
+  <p:clrMapOvr>
+    <a:masterClrMapping/>
+  </p:clrMapOvr>
+</p:sld>
+</file>
+
+<file path=ppt/slides/slide4.xml><?xml version="1.0" encoding="utf-8"?>
 <p:sld xmlns:a="http://schemas.openxmlformats.org/drawingml/2006/main" xmlns:r="http://schemas.openxmlformats.org/officeDocument/2006/relationships" xmlns:p="http://schemas.openxmlformats.org/presentationml/2006/main">
   <p:cSld>
     <p:spTree>
@@ -13195,7 +17176,7 @@
 </p:sld>
 </file>
 
-<file path=ppt/slides/slide4.xml><?xml version="1.0" encoding="utf-8"?>
+<file path=ppt/slides/slide5.xml><?xml version="1.0" encoding="utf-8"?>
 <p:sld xmlns:a="http://schemas.openxmlformats.org/drawingml/2006/main" xmlns:r="http://schemas.openxmlformats.org/officeDocument/2006/relationships" xmlns:p="http://schemas.openxmlformats.org/presentationml/2006/main">
   <p:cSld>
     <p:spTree>
@@ -13220,7 +17201,7 @@
         </p:nvGrpSpPr>
         <p:grpSpPr>
           <a:xfrm>
-            <a:off x="465176" y="2997369"/>
+            <a:off x="465176" y="2067679"/>
             <a:ext cx="3915717" cy="1409776"/>
             <a:chOff x="1011381" y="2338289"/>
             <a:chExt cx="3915717" cy="1409776"/>
@@ -13823,8 +17804,8 @@
         </p:nvCxnSpPr>
         <p:spPr>
           <a:xfrm>
-            <a:off x="4380893" y="3737670"/>
-            <a:ext cx="3300186" cy="1070825"/>
+            <a:off x="4380893" y="2807980"/>
+            <a:ext cx="3300186" cy="2000515"/>
           </a:xfrm>
           <a:prstGeom prst="bentConnector3">
             <a:avLst/>

--- a/src/spring/spring.boot.pptx
+++ b/src/spring/spring.boot.pptx
@@ -9,7 +9,9 @@
     <p:sldId id="260" r:id="rId3"/>
     <p:sldId id="261" r:id="rId4"/>
     <p:sldId id="258" r:id="rId5"/>
-    <p:sldId id="259" r:id="rId6"/>
+    <p:sldId id="262" r:id="rId6"/>
+    <p:sldId id="263" r:id="rId7"/>
+    <p:sldId id="259" r:id="rId8"/>
   </p:sldIdLst>
   <p:sldSz cx="12192000" cy="6858000"/>
   <p:notesSz cx="6858000" cy="9144000"/>
@@ -110,7 +112,18 @@
   </p:defaultTextStyle>
   <p:extLst>
     <p:ext uri="{EFAFB233-063F-42B5-8137-9DF3F51BA10A}">
-      <p15:sldGuideLst xmlns:p15="http://schemas.microsoft.com/office/powerpoint/2012/main" xmlns=""/>
+      <p15:sldGuideLst xmlns:p15="http://schemas.microsoft.com/office/powerpoint/2012/main">
+        <p15:guide id="1" orient="horz" pos="2160">
+          <p15:clr>
+            <a:srgbClr val="A4A3A4"/>
+          </p15:clr>
+        </p15:guide>
+        <p15:guide id="2" pos="3840">
+          <p15:clr>
+            <a:srgbClr val="A4A3A4"/>
+          </p15:clr>
+        </p15:guide>
+      </p15:sldGuideLst>
     </p:ext>
   </p:extLst>
 </p:presentation>
@@ -138,7 +151,7 @@
           <p:cNvPr id="2" name="Title 1">
             <a:extLst>
               <a:ext uri="{FF2B5EF4-FFF2-40B4-BE49-F238E27FC236}">
-                <a16:creationId xmlns:a16="http://schemas.microsoft.com/office/drawing/2014/main" xmlns="" id="{5314CC82-8D6F-41E3-B7D6-B16EE23DCB91}"/>
+                <a16:creationId xmlns:a16="http://schemas.microsoft.com/office/drawing/2014/main" id="{5314CC82-8D6F-41E3-B7D6-B16EE23DCB91}"/>
               </a:ext>
             </a:extLst>
           </p:cNvPr>
@@ -176,7 +189,7 @@
           <p:cNvPr id="3" name="Subtitle 2">
             <a:extLst>
               <a:ext uri="{FF2B5EF4-FFF2-40B4-BE49-F238E27FC236}">
-                <a16:creationId xmlns:a16="http://schemas.microsoft.com/office/drawing/2014/main" xmlns="" id="{8F4A6942-5EB2-4699-A8F2-2DAE91A05EED}"/>
+                <a16:creationId xmlns:a16="http://schemas.microsoft.com/office/drawing/2014/main" id="{8F4A6942-5EB2-4699-A8F2-2DAE91A05EED}"/>
               </a:ext>
             </a:extLst>
           </p:cNvPr>
@@ -247,7 +260,7 @@
           <p:cNvPr id="4" name="Date Placeholder 3">
             <a:extLst>
               <a:ext uri="{FF2B5EF4-FFF2-40B4-BE49-F238E27FC236}">
-                <a16:creationId xmlns:a16="http://schemas.microsoft.com/office/drawing/2014/main" xmlns="" id="{8030E49B-9D2D-45C9-A8AC-FF0D41C713FC}"/>
+                <a16:creationId xmlns:a16="http://schemas.microsoft.com/office/drawing/2014/main" id="{8030E49B-9D2D-45C9-A8AC-FF0D41C713FC}"/>
               </a:ext>
             </a:extLst>
           </p:cNvPr>
@@ -265,7 +278,7 @@
           <a:p>
             <a:fld id="{1AA5AC47-5BC2-484C-80BA-24EFF513DD12}" type="datetimeFigureOut">
               <a:rPr lang="en-IN" smtClean="0"/>
-              <a:t>02-11-2021</a:t>
+              <a:t>03-11-2021</a:t>
             </a:fld>
             <a:endParaRPr lang="en-IN"/>
           </a:p>
@@ -276,7 +289,7 @@
           <p:cNvPr id="5" name="Footer Placeholder 4">
             <a:extLst>
               <a:ext uri="{FF2B5EF4-FFF2-40B4-BE49-F238E27FC236}">
-                <a16:creationId xmlns:a16="http://schemas.microsoft.com/office/drawing/2014/main" xmlns="" id="{59898343-3ADA-4437-AD7B-D938F0774BF9}"/>
+                <a16:creationId xmlns:a16="http://schemas.microsoft.com/office/drawing/2014/main" id="{59898343-3ADA-4437-AD7B-D938F0774BF9}"/>
               </a:ext>
             </a:extLst>
           </p:cNvPr>
@@ -301,7 +314,7 @@
           <p:cNvPr id="6" name="Slide Number Placeholder 5">
             <a:extLst>
               <a:ext uri="{FF2B5EF4-FFF2-40B4-BE49-F238E27FC236}">
-                <a16:creationId xmlns:a16="http://schemas.microsoft.com/office/drawing/2014/main" xmlns="" id="{EFEEDA11-201A-4018-98A4-D13CB3EB8363}"/>
+                <a16:creationId xmlns:a16="http://schemas.microsoft.com/office/drawing/2014/main" id="{EFEEDA11-201A-4018-98A4-D13CB3EB8363}"/>
               </a:ext>
             </a:extLst>
           </p:cNvPr>
@@ -360,7 +373,7 @@
           <p:cNvPr id="2" name="Title 1">
             <a:extLst>
               <a:ext uri="{FF2B5EF4-FFF2-40B4-BE49-F238E27FC236}">
-                <a16:creationId xmlns:a16="http://schemas.microsoft.com/office/drawing/2014/main" xmlns="" id="{6B7291D8-7C0F-436E-900B-5ADDF5CE31CD}"/>
+                <a16:creationId xmlns:a16="http://schemas.microsoft.com/office/drawing/2014/main" id="{6B7291D8-7C0F-436E-900B-5ADDF5CE31CD}"/>
               </a:ext>
             </a:extLst>
           </p:cNvPr>
@@ -389,7 +402,7 @@
           <p:cNvPr id="3" name="Vertical Text Placeholder 2">
             <a:extLst>
               <a:ext uri="{FF2B5EF4-FFF2-40B4-BE49-F238E27FC236}">
-                <a16:creationId xmlns:a16="http://schemas.microsoft.com/office/drawing/2014/main" xmlns="" id="{1B499A46-2DF4-4E6B-82F2-F8EBE524AF96}"/>
+                <a16:creationId xmlns:a16="http://schemas.microsoft.com/office/drawing/2014/main" id="{1B499A46-2DF4-4E6B-82F2-F8EBE524AF96}"/>
               </a:ext>
             </a:extLst>
           </p:cNvPr>
@@ -447,7 +460,7 @@
           <p:cNvPr id="4" name="Date Placeholder 3">
             <a:extLst>
               <a:ext uri="{FF2B5EF4-FFF2-40B4-BE49-F238E27FC236}">
-                <a16:creationId xmlns:a16="http://schemas.microsoft.com/office/drawing/2014/main" xmlns="" id="{1AF3ABDF-542E-4B0B-B115-82C2BC90406A}"/>
+                <a16:creationId xmlns:a16="http://schemas.microsoft.com/office/drawing/2014/main" id="{1AF3ABDF-542E-4B0B-B115-82C2BC90406A}"/>
               </a:ext>
             </a:extLst>
           </p:cNvPr>
@@ -465,7 +478,7 @@
           <a:p>
             <a:fld id="{1AA5AC47-5BC2-484C-80BA-24EFF513DD12}" type="datetimeFigureOut">
               <a:rPr lang="en-IN" smtClean="0"/>
-              <a:t>02-11-2021</a:t>
+              <a:t>03-11-2021</a:t>
             </a:fld>
             <a:endParaRPr lang="en-IN"/>
           </a:p>
@@ -476,7 +489,7 @@
           <p:cNvPr id="5" name="Footer Placeholder 4">
             <a:extLst>
               <a:ext uri="{FF2B5EF4-FFF2-40B4-BE49-F238E27FC236}">
-                <a16:creationId xmlns:a16="http://schemas.microsoft.com/office/drawing/2014/main" xmlns="" id="{B1E8F9B6-14D8-4DA0-A38A-C1591A50841E}"/>
+                <a16:creationId xmlns:a16="http://schemas.microsoft.com/office/drawing/2014/main" id="{B1E8F9B6-14D8-4DA0-A38A-C1591A50841E}"/>
               </a:ext>
             </a:extLst>
           </p:cNvPr>
@@ -501,7 +514,7 @@
           <p:cNvPr id="6" name="Slide Number Placeholder 5">
             <a:extLst>
               <a:ext uri="{FF2B5EF4-FFF2-40B4-BE49-F238E27FC236}">
-                <a16:creationId xmlns:a16="http://schemas.microsoft.com/office/drawing/2014/main" xmlns="" id="{E0EC3098-6B42-4CA3-A9EA-0CEE6D48391A}"/>
+                <a16:creationId xmlns:a16="http://schemas.microsoft.com/office/drawing/2014/main" id="{E0EC3098-6B42-4CA3-A9EA-0CEE6D48391A}"/>
               </a:ext>
             </a:extLst>
           </p:cNvPr>
@@ -560,7 +573,7 @@
           <p:cNvPr id="2" name="Vertical Title 1">
             <a:extLst>
               <a:ext uri="{FF2B5EF4-FFF2-40B4-BE49-F238E27FC236}">
-                <a16:creationId xmlns:a16="http://schemas.microsoft.com/office/drawing/2014/main" xmlns="" id="{D2AE34B9-E7E1-404B-A656-7F5FB6317B83}"/>
+                <a16:creationId xmlns:a16="http://schemas.microsoft.com/office/drawing/2014/main" id="{D2AE34B9-E7E1-404B-A656-7F5FB6317B83}"/>
               </a:ext>
             </a:extLst>
           </p:cNvPr>
@@ -594,7 +607,7 @@
           <p:cNvPr id="3" name="Vertical Text Placeholder 2">
             <a:extLst>
               <a:ext uri="{FF2B5EF4-FFF2-40B4-BE49-F238E27FC236}">
-                <a16:creationId xmlns:a16="http://schemas.microsoft.com/office/drawing/2014/main" xmlns="" id="{22DACAAF-07ED-4BDB-AE9D-268D767CD7E8}"/>
+                <a16:creationId xmlns:a16="http://schemas.microsoft.com/office/drawing/2014/main" id="{22DACAAF-07ED-4BDB-AE9D-268D767CD7E8}"/>
               </a:ext>
             </a:extLst>
           </p:cNvPr>
@@ -657,7 +670,7 @@
           <p:cNvPr id="4" name="Date Placeholder 3">
             <a:extLst>
               <a:ext uri="{FF2B5EF4-FFF2-40B4-BE49-F238E27FC236}">
-                <a16:creationId xmlns:a16="http://schemas.microsoft.com/office/drawing/2014/main" xmlns="" id="{0EE7A4C4-77A9-45DF-AD60-2282B037F111}"/>
+                <a16:creationId xmlns:a16="http://schemas.microsoft.com/office/drawing/2014/main" id="{0EE7A4C4-77A9-45DF-AD60-2282B037F111}"/>
               </a:ext>
             </a:extLst>
           </p:cNvPr>
@@ -675,7 +688,7 @@
           <a:p>
             <a:fld id="{1AA5AC47-5BC2-484C-80BA-24EFF513DD12}" type="datetimeFigureOut">
               <a:rPr lang="en-IN" smtClean="0"/>
-              <a:t>02-11-2021</a:t>
+              <a:t>03-11-2021</a:t>
             </a:fld>
             <a:endParaRPr lang="en-IN"/>
           </a:p>
@@ -686,7 +699,7 @@
           <p:cNvPr id="5" name="Footer Placeholder 4">
             <a:extLst>
               <a:ext uri="{FF2B5EF4-FFF2-40B4-BE49-F238E27FC236}">
-                <a16:creationId xmlns:a16="http://schemas.microsoft.com/office/drawing/2014/main" xmlns="" id="{C102B154-5274-4175-9A89-2092122CCD76}"/>
+                <a16:creationId xmlns:a16="http://schemas.microsoft.com/office/drawing/2014/main" id="{C102B154-5274-4175-9A89-2092122CCD76}"/>
               </a:ext>
             </a:extLst>
           </p:cNvPr>
@@ -711,7 +724,7 @@
           <p:cNvPr id="6" name="Slide Number Placeholder 5">
             <a:extLst>
               <a:ext uri="{FF2B5EF4-FFF2-40B4-BE49-F238E27FC236}">
-                <a16:creationId xmlns:a16="http://schemas.microsoft.com/office/drawing/2014/main" xmlns="" id="{1A6919B0-5E57-4739-B46F-B31616A810D9}"/>
+                <a16:creationId xmlns:a16="http://schemas.microsoft.com/office/drawing/2014/main" id="{1A6919B0-5E57-4739-B46F-B31616A810D9}"/>
               </a:ext>
             </a:extLst>
           </p:cNvPr>
@@ -770,7 +783,7 @@
           <p:cNvPr id="2" name="Title 1">
             <a:extLst>
               <a:ext uri="{FF2B5EF4-FFF2-40B4-BE49-F238E27FC236}">
-                <a16:creationId xmlns:a16="http://schemas.microsoft.com/office/drawing/2014/main" xmlns="" id="{BF8E150B-E216-469C-9EF3-1F0F5714278F}"/>
+                <a16:creationId xmlns:a16="http://schemas.microsoft.com/office/drawing/2014/main" id="{BF8E150B-E216-469C-9EF3-1F0F5714278F}"/>
               </a:ext>
             </a:extLst>
           </p:cNvPr>
@@ -799,7 +812,7 @@
           <p:cNvPr id="3" name="Content Placeholder 2">
             <a:extLst>
               <a:ext uri="{FF2B5EF4-FFF2-40B4-BE49-F238E27FC236}">
-                <a16:creationId xmlns:a16="http://schemas.microsoft.com/office/drawing/2014/main" xmlns="" id="{4E3EA675-99A2-468B-93D1-46FEEA55F07C}"/>
+                <a16:creationId xmlns:a16="http://schemas.microsoft.com/office/drawing/2014/main" id="{4E3EA675-99A2-468B-93D1-46FEEA55F07C}"/>
               </a:ext>
             </a:extLst>
           </p:cNvPr>
@@ -857,7 +870,7 @@
           <p:cNvPr id="4" name="Date Placeholder 3">
             <a:extLst>
               <a:ext uri="{FF2B5EF4-FFF2-40B4-BE49-F238E27FC236}">
-                <a16:creationId xmlns:a16="http://schemas.microsoft.com/office/drawing/2014/main" xmlns="" id="{BB353DAF-9232-4FD2-96EB-ADCCA5855567}"/>
+                <a16:creationId xmlns:a16="http://schemas.microsoft.com/office/drawing/2014/main" id="{BB353DAF-9232-4FD2-96EB-ADCCA5855567}"/>
               </a:ext>
             </a:extLst>
           </p:cNvPr>
@@ -875,7 +888,7 @@
           <a:p>
             <a:fld id="{1AA5AC47-5BC2-484C-80BA-24EFF513DD12}" type="datetimeFigureOut">
               <a:rPr lang="en-IN" smtClean="0"/>
-              <a:t>02-11-2021</a:t>
+              <a:t>03-11-2021</a:t>
             </a:fld>
             <a:endParaRPr lang="en-IN"/>
           </a:p>
@@ -886,7 +899,7 @@
           <p:cNvPr id="5" name="Footer Placeholder 4">
             <a:extLst>
               <a:ext uri="{FF2B5EF4-FFF2-40B4-BE49-F238E27FC236}">
-                <a16:creationId xmlns:a16="http://schemas.microsoft.com/office/drawing/2014/main" xmlns="" id="{364BB921-BC61-44F2-825D-140F6DAFEC5D}"/>
+                <a16:creationId xmlns:a16="http://schemas.microsoft.com/office/drawing/2014/main" id="{364BB921-BC61-44F2-825D-140F6DAFEC5D}"/>
               </a:ext>
             </a:extLst>
           </p:cNvPr>
@@ -911,7 +924,7 @@
           <p:cNvPr id="6" name="Slide Number Placeholder 5">
             <a:extLst>
               <a:ext uri="{FF2B5EF4-FFF2-40B4-BE49-F238E27FC236}">
-                <a16:creationId xmlns:a16="http://schemas.microsoft.com/office/drawing/2014/main" xmlns="" id="{6C0574DB-BEEF-4E0A-ACC6-3A5EF3C06706}"/>
+                <a16:creationId xmlns:a16="http://schemas.microsoft.com/office/drawing/2014/main" id="{6C0574DB-BEEF-4E0A-ACC6-3A5EF3C06706}"/>
               </a:ext>
             </a:extLst>
           </p:cNvPr>
@@ -970,7 +983,7 @@
           <p:cNvPr id="2" name="Title 1">
             <a:extLst>
               <a:ext uri="{FF2B5EF4-FFF2-40B4-BE49-F238E27FC236}">
-                <a16:creationId xmlns:a16="http://schemas.microsoft.com/office/drawing/2014/main" xmlns="" id="{F1570C1F-3EAE-4443-B715-1BA91E4F6A89}"/>
+                <a16:creationId xmlns:a16="http://schemas.microsoft.com/office/drawing/2014/main" id="{F1570C1F-3EAE-4443-B715-1BA91E4F6A89}"/>
               </a:ext>
             </a:extLst>
           </p:cNvPr>
@@ -1008,7 +1021,7 @@
           <p:cNvPr id="3" name="Text Placeholder 2">
             <a:extLst>
               <a:ext uri="{FF2B5EF4-FFF2-40B4-BE49-F238E27FC236}">
-                <a16:creationId xmlns:a16="http://schemas.microsoft.com/office/drawing/2014/main" xmlns="" id="{FFEF6FF1-CE13-478E-BF6D-0510F93AF789}"/>
+                <a16:creationId xmlns:a16="http://schemas.microsoft.com/office/drawing/2014/main" id="{FFEF6FF1-CE13-478E-BF6D-0510F93AF789}"/>
               </a:ext>
             </a:extLst>
           </p:cNvPr>
@@ -1133,7 +1146,7 @@
           <p:cNvPr id="4" name="Date Placeholder 3">
             <a:extLst>
               <a:ext uri="{FF2B5EF4-FFF2-40B4-BE49-F238E27FC236}">
-                <a16:creationId xmlns:a16="http://schemas.microsoft.com/office/drawing/2014/main" xmlns="" id="{B2E1C887-51B6-46E7-B473-67C370949451}"/>
+                <a16:creationId xmlns:a16="http://schemas.microsoft.com/office/drawing/2014/main" id="{B2E1C887-51B6-46E7-B473-67C370949451}"/>
               </a:ext>
             </a:extLst>
           </p:cNvPr>
@@ -1151,7 +1164,7 @@
           <a:p>
             <a:fld id="{1AA5AC47-5BC2-484C-80BA-24EFF513DD12}" type="datetimeFigureOut">
               <a:rPr lang="en-IN" smtClean="0"/>
-              <a:t>02-11-2021</a:t>
+              <a:t>03-11-2021</a:t>
             </a:fld>
             <a:endParaRPr lang="en-IN"/>
           </a:p>
@@ -1162,7 +1175,7 @@
           <p:cNvPr id="5" name="Footer Placeholder 4">
             <a:extLst>
               <a:ext uri="{FF2B5EF4-FFF2-40B4-BE49-F238E27FC236}">
-                <a16:creationId xmlns:a16="http://schemas.microsoft.com/office/drawing/2014/main" xmlns="" id="{67BF367F-E2DF-412A-A011-DD02BEE5FF8D}"/>
+                <a16:creationId xmlns:a16="http://schemas.microsoft.com/office/drawing/2014/main" id="{67BF367F-E2DF-412A-A011-DD02BEE5FF8D}"/>
               </a:ext>
             </a:extLst>
           </p:cNvPr>
@@ -1187,7 +1200,7 @@
           <p:cNvPr id="6" name="Slide Number Placeholder 5">
             <a:extLst>
               <a:ext uri="{FF2B5EF4-FFF2-40B4-BE49-F238E27FC236}">
-                <a16:creationId xmlns:a16="http://schemas.microsoft.com/office/drawing/2014/main" xmlns="" id="{AC88DD6F-34F7-48EA-B36C-332824F3F4BD}"/>
+                <a16:creationId xmlns:a16="http://schemas.microsoft.com/office/drawing/2014/main" id="{AC88DD6F-34F7-48EA-B36C-332824F3F4BD}"/>
               </a:ext>
             </a:extLst>
           </p:cNvPr>
@@ -1246,7 +1259,7 @@
           <p:cNvPr id="2" name="Title 1">
             <a:extLst>
               <a:ext uri="{FF2B5EF4-FFF2-40B4-BE49-F238E27FC236}">
-                <a16:creationId xmlns:a16="http://schemas.microsoft.com/office/drawing/2014/main" xmlns="" id="{42ABAE2B-F990-490A-8A2B-DC1B468C4C9D}"/>
+                <a16:creationId xmlns:a16="http://schemas.microsoft.com/office/drawing/2014/main" id="{42ABAE2B-F990-490A-8A2B-DC1B468C4C9D}"/>
               </a:ext>
             </a:extLst>
           </p:cNvPr>
@@ -1275,7 +1288,7 @@
           <p:cNvPr id="3" name="Content Placeholder 2">
             <a:extLst>
               <a:ext uri="{FF2B5EF4-FFF2-40B4-BE49-F238E27FC236}">
-                <a16:creationId xmlns:a16="http://schemas.microsoft.com/office/drawing/2014/main" xmlns="" id="{0BCD8D17-D484-4209-B469-1D028CACC191}"/>
+                <a16:creationId xmlns:a16="http://schemas.microsoft.com/office/drawing/2014/main" id="{0BCD8D17-D484-4209-B469-1D028CACC191}"/>
               </a:ext>
             </a:extLst>
           </p:cNvPr>
@@ -1338,7 +1351,7 @@
           <p:cNvPr id="4" name="Content Placeholder 3">
             <a:extLst>
               <a:ext uri="{FF2B5EF4-FFF2-40B4-BE49-F238E27FC236}">
-                <a16:creationId xmlns:a16="http://schemas.microsoft.com/office/drawing/2014/main" xmlns="" id="{609EF4EA-AC12-4C1E-A56A-BAAF05F4BC5B}"/>
+                <a16:creationId xmlns:a16="http://schemas.microsoft.com/office/drawing/2014/main" id="{609EF4EA-AC12-4C1E-A56A-BAAF05F4BC5B}"/>
               </a:ext>
             </a:extLst>
           </p:cNvPr>
@@ -1401,7 +1414,7 @@
           <p:cNvPr id="5" name="Date Placeholder 4">
             <a:extLst>
               <a:ext uri="{FF2B5EF4-FFF2-40B4-BE49-F238E27FC236}">
-                <a16:creationId xmlns:a16="http://schemas.microsoft.com/office/drawing/2014/main" xmlns="" id="{47BD33E5-559F-4A20-9F2A-0F1CF39370E2}"/>
+                <a16:creationId xmlns:a16="http://schemas.microsoft.com/office/drawing/2014/main" id="{47BD33E5-559F-4A20-9F2A-0F1CF39370E2}"/>
               </a:ext>
             </a:extLst>
           </p:cNvPr>
@@ -1419,7 +1432,7 @@
           <a:p>
             <a:fld id="{1AA5AC47-5BC2-484C-80BA-24EFF513DD12}" type="datetimeFigureOut">
               <a:rPr lang="en-IN" smtClean="0"/>
-              <a:t>02-11-2021</a:t>
+              <a:t>03-11-2021</a:t>
             </a:fld>
             <a:endParaRPr lang="en-IN"/>
           </a:p>
@@ -1430,7 +1443,7 @@
           <p:cNvPr id="6" name="Footer Placeholder 5">
             <a:extLst>
               <a:ext uri="{FF2B5EF4-FFF2-40B4-BE49-F238E27FC236}">
-                <a16:creationId xmlns:a16="http://schemas.microsoft.com/office/drawing/2014/main" xmlns="" id="{4A883C9C-A604-439E-86FB-B2F61C2DE026}"/>
+                <a16:creationId xmlns:a16="http://schemas.microsoft.com/office/drawing/2014/main" id="{4A883C9C-A604-439E-86FB-B2F61C2DE026}"/>
               </a:ext>
             </a:extLst>
           </p:cNvPr>
@@ -1455,7 +1468,7 @@
           <p:cNvPr id="7" name="Slide Number Placeholder 6">
             <a:extLst>
               <a:ext uri="{FF2B5EF4-FFF2-40B4-BE49-F238E27FC236}">
-                <a16:creationId xmlns:a16="http://schemas.microsoft.com/office/drawing/2014/main" xmlns="" id="{0A423502-111A-4C6F-83C4-726C9E53D873}"/>
+                <a16:creationId xmlns:a16="http://schemas.microsoft.com/office/drawing/2014/main" id="{0A423502-111A-4C6F-83C4-726C9E53D873}"/>
               </a:ext>
             </a:extLst>
           </p:cNvPr>
@@ -1514,7 +1527,7 @@
           <p:cNvPr id="2" name="Title 1">
             <a:extLst>
               <a:ext uri="{FF2B5EF4-FFF2-40B4-BE49-F238E27FC236}">
-                <a16:creationId xmlns:a16="http://schemas.microsoft.com/office/drawing/2014/main" xmlns="" id="{4762B311-339D-448B-9205-82CDDB6668CD}"/>
+                <a16:creationId xmlns:a16="http://schemas.microsoft.com/office/drawing/2014/main" id="{4762B311-339D-448B-9205-82CDDB6668CD}"/>
               </a:ext>
             </a:extLst>
           </p:cNvPr>
@@ -1548,7 +1561,7 @@
           <p:cNvPr id="3" name="Text Placeholder 2">
             <a:extLst>
               <a:ext uri="{FF2B5EF4-FFF2-40B4-BE49-F238E27FC236}">
-                <a16:creationId xmlns:a16="http://schemas.microsoft.com/office/drawing/2014/main" xmlns="" id="{A233EB1A-8EB6-4F5A-B8A3-F041A9924429}"/>
+                <a16:creationId xmlns:a16="http://schemas.microsoft.com/office/drawing/2014/main" id="{A233EB1A-8EB6-4F5A-B8A3-F041A9924429}"/>
               </a:ext>
             </a:extLst>
           </p:cNvPr>
@@ -1619,7 +1632,7 @@
           <p:cNvPr id="4" name="Content Placeholder 3">
             <a:extLst>
               <a:ext uri="{FF2B5EF4-FFF2-40B4-BE49-F238E27FC236}">
-                <a16:creationId xmlns:a16="http://schemas.microsoft.com/office/drawing/2014/main" xmlns="" id="{195DCA69-6333-45A7-8E6A-295095A83F72}"/>
+                <a16:creationId xmlns:a16="http://schemas.microsoft.com/office/drawing/2014/main" id="{195DCA69-6333-45A7-8E6A-295095A83F72}"/>
               </a:ext>
             </a:extLst>
           </p:cNvPr>
@@ -1682,7 +1695,7 @@
           <p:cNvPr id="5" name="Text Placeholder 4">
             <a:extLst>
               <a:ext uri="{FF2B5EF4-FFF2-40B4-BE49-F238E27FC236}">
-                <a16:creationId xmlns:a16="http://schemas.microsoft.com/office/drawing/2014/main" xmlns="" id="{3BCF98AE-2080-4E4C-BB5C-529F768F8D7D}"/>
+                <a16:creationId xmlns:a16="http://schemas.microsoft.com/office/drawing/2014/main" id="{3BCF98AE-2080-4E4C-BB5C-529F768F8D7D}"/>
               </a:ext>
             </a:extLst>
           </p:cNvPr>
@@ -1753,7 +1766,7 @@
           <p:cNvPr id="6" name="Content Placeholder 5">
             <a:extLst>
               <a:ext uri="{FF2B5EF4-FFF2-40B4-BE49-F238E27FC236}">
-                <a16:creationId xmlns:a16="http://schemas.microsoft.com/office/drawing/2014/main" xmlns="" id="{F23879DC-B4F2-4F7C-BC69-4736E8EBD49C}"/>
+                <a16:creationId xmlns:a16="http://schemas.microsoft.com/office/drawing/2014/main" id="{F23879DC-B4F2-4F7C-BC69-4736E8EBD49C}"/>
               </a:ext>
             </a:extLst>
           </p:cNvPr>
@@ -1816,7 +1829,7 @@
           <p:cNvPr id="7" name="Date Placeholder 6">
             <a:extLst>
               <a:ext uri="{FF2B5EF4-FFF2-40B4-BE49-F238E27FC236}">
-                <a16:creationId xmlns:a16="http://schemas.microsoft.com/office/drawing/2014/main" xmlns="" id="{B9113094-6823-472F-AC58-290DBA7A10A1}"/>
+                <a16:creationId xmlns:a16="http://schemas.microsoft.com/office/drawing/2014/main" id="{B9113094-6823-472F-AC58-290DBA7A10A1}"/>
               </a:ext>
             </a:extLst>
           </p:cNvPr>
@@ -1834,7 +1847,7 @@
           <a:p>
             <a:fld id="{1AA5AC47-5BC2-484C-80BA-24EFF513DD12}" type="datetimeFigureOut">
               <a:rPr lang="en-IN" smtClean="0"/>
-              <a:t>02-11-2021</a:t>
+              <a:t>03-11-2021</a:t>
             </a:fld>
             <a:endParaRPr lang="en-IN"/>
           </a:p>
@@ -1845,7 +1858,7 @@
           <p:cNvPr id="8" name="Footer Placeholder 7">
             <a:extLst>
               <a:ext uri="{FF2B5EF4-FFF2-40B4-BE49-F238E27FC236}">
-                <a16:creationId xmlns:a16="http://schemas.microsoft.com/office/drawing/2014/main" xmlns="" id="{D607856D-26E0-48C8-A124-370D5E6E1802}"/>
+                <a16:creationId xmlns:a16="http://schemas.microsoft.com/office/drawing/2014/main" id="{D607856D-26E0-48C8-A124-370D5E6E1802}"/>
               </a:ext>
             </a:extLst>
           </p:cNvPr>
@@ -1870,7 +1883,7 @@
           <p:cNvPr id="9" name="Slide Number Placeholder 8">
             <a:extLst>
               <a:ext uri="{FF2B5EF4-FFF2-40B4-BE49-F238E27FC236}">
-                <a16:creationId xmlns:a16="http://schemas.microsoft.com/office/drawing/2014/main" xmlns="" id="{8FFEA9EB-1F9A-462D-8A1C-EF53ED1654F3}"/>
+                <a16:creationId xmlns:a16="http://schemas.microsoft.com/office/drawing/2014/main" id="{8FFEA9EB-1F9A-462D-8A1C-EF53ED1654F3}"/>
               </a:ext>
             </a:extLst>
           </p:cNvPr>
@@ -1929,7 +1942,7 @@
           <p:cNvPr id="2" name="Title 1">
             <a:extLst>
               <a:ext uri="{FF2B5EF4-FFF2-40B4-BE49-F238E27FC236}">
-                <a16:creationId xmlns:a16="http://schemas.microsoft.com/office/drawing/2014/main" xmlns="" id="{1B73D253-82B2-40BA-B7C6-BD1D1AEF97EF}"/>
+                <a16:creationId xmlns:a16="http://schemas.microsoft.com/office/drawing/2014/main" id="{1B73D253-82B2-40BA-B7C6-BD1D1AEF97EF}"/>
               </a:ext>
             </a:extLst>
           </p:cNvPr>
@@ -1958,7 +1971,7 @@
           <p:cNvPr id="3" name="Date Placeholder 2">
             <a:extLst>
               <a:ext uri="{FF2B5EF4-FFF2-40B4-BE49-F238E27FC236}">
-                <a16:creationId xmlns:a16="http://schemas.microsoft.com/office/drawing/2014/main" xmlns="" id="{3C4DE193-25BE-462D-ADC2-D55F4C33B788}"/>
+                <a16:creationId xmlns:a16="http://schemas.microsoft.com/office/drawing/2014/main" id="{3C4DE193-25BE-462D-ADC2-D55F4C33B788}"/>
               </a:ext>
             </a:extLst>
           </p:cNvPr>
@@ -1976,7 +1989,7 @@
           <a:p>
             <a:fld id="{1AA5AC47-5BC2-484C-80BA-24EFF513DD12}" type="datetimeFigureOut">
               <a:rPr lang="en-IN" smtClean="0"/>
-              <a:t>02-11-2021</a:t>
+              <a:t>03-11-2021</a:t>
             </a:fld>
             <a:endParaRPr lang="en-IN"/>
           </a:p>
@@ -1987,7 +2000,7 @@
           <p:cNvPr id="4" name="Footer Placeholder 3">
             <a:extLst>
               <a:ext uri="{FF2B5EF4-FFF2-40B4-BE49-F238E27FC236}">
-                <a16:creationId xmlns:a16="http://schemas.microsoft.com/office/drawing/2014/main" xmlns="" id="{C0E74FAE-7F84-43E2-A1F1-7C4A37743CE3}"/>
+                <a16:creationId xmlns:a16="http://schemas.microsoft.com/office/drawing/2014/main" id="{C0E74FAE-7F84-43E2-A1F1-7C4A37743CE3}"/>
               </a:ext>
             </a:extLst>
           </p:cNvPr>
@@ -2012,7 +2025,7 @@
           <p:cNvPr id="5" name="Slide Number Placeholder 4">
             <a:extLst>
               <a:ext uri="{FF2B5EF4-FFF2-40B4-BE49-F238E27FC236}">
-                <a16:creationId xmlns:a16="http://schemas.microsoft.com/office/drawing/2014/main" xmlns="" id="{428E7890-162B-4DD6-A6F3-5BBC205B876C}"/>
+                <a16:creationId xmlns:a16="http://schemas.microsoft.com/office/drawing/2014/main" id="{428E7890-162B-4DD6-A6F3-5BBC205B876C}"/>
               </a:ext>
             </a:extLst>
           </p:cNvPr>
@@ -2071,7 +2084,7 @@
           <p:cNvPr id="2" name="Date Placeholder 1">
             <a:extLst>
               <a:ext uri="{FF2B5EF4-FFF2-40B4-BE49-F238E27FC236}">
-                <a16:creationId xmlns:a16="http://schemas.microsoft.com/office/drawing/2014/main" xmlns="" id="{A732E3B0-E78B-47E2-B3D9-0FB9351D6277}"/>
+                <a16:creationId xmlns:a16="http://schemas.microsoft.com/office/drawing/2014/main" id="{A732E3B0-E78B-47E2-B3D9-0FB9351D6277}"/>
               </a:ext>
             </a:extLst>
           </p:cNvPr>
@@ -2089,7 +2102,7 @@
           <a:p>
             <a:fld id="{1AA5AC47-5BC2-484C-80BA-24EFF513DD12}" type="datetimeFigureOut">
               <a:rPr lang="en-IN" smtClean="0"/>
-              <a:t>02-11-2021</a:t>
+              <a:t>03-11-2021</a:t>
             </a:fld>
             <a:endParaRPr lang="en-IN"/>
           </a:p>
@@ -2100,7 +2113,7 @@
           <p:cNvPr id="3" name="Footer Placeholder 2">
             <a:extLst>
               <a:ext uri="{FF2B5EF4-FFF2-40B4-BE49-F238E27FC236}">
-                <a16:creationId xmlns:a16="http://schemas.microsoft.com/office/drawing/2014/main" xmlns="" id="{53D20DC8-C42C-4A18-9CDE-0B8C423BE64F}"/>
+                <a16:creationId xmlns:a16="http://schemas.microsoft.com/office/drawing/2014/main" id="{53D20DC8-C42C-4A18-9CDE-0B8C423BE64F}"/>
               </a:ext>
             </a:extLst>
           </p:cNvPr>
@@ -2125,7 +2138,7 @@
           <p:cNvPr id="4" name="Slide Number Placeholder 3">
             <a:extLst>
               <a:ext uri="{FF2B5EF4-FFF2-40B4-BE49-F238E27FC236}">
-                <a16:creationId xmlns:a16="http://schemas.microsoft.com/office/drawing/2014/main" xmlns="" id="{45BFB77B-0F13-424B-BC1F-B39E54443C82}"/>
+                <a16:creationId xmlns:a16="http://schemas.microsoft.com/office/drawing/2014/main" id="{45BFB77B-0F13-424B-BC1F-B39E54443C82}"/>
               </a:ext>
             </a:extLst>
           </p:cNvPr>
@@ -2184,7 +2197,7 @@
           <p:cNvPr id="2" name="Title 1">
             <a:extLst>
               <a:ext uri="{FF2B5EF4-FFF2-40B4-BE49-F238E27FC236}">
-                <a16:creationId xmlns:a16="http://schemas.microsoft.com/office/drawing/2014/main" xmlns="" id="{EAB03FCE-5B4D-43CC-9891-7A06EF85378A}"/>
+                <a16:creationId xmlns:a16="http://schemas.microsoft.com/office/drawing/2014/main" id="{EAB03FCE-5B4D-43CC-9891-7A06EF85378A}"/>
               </a:ext>
             </a:extLst>
           </p:cNvPr>
@@ -2222,7 +2235,7 @@
           <p:cNvPr id="3" name="Content Placeholder 2">
             <a:extLst>
               <a:ext uri="{FF2B5EF4-FFF2-40B4-BE49-F238E27FC236}">
-                <a16:creationId xmlns:a16="http://schemas.microsoft.com/office/drawing/2014/main" xmlns="" id="{04D708FD-3FF3-4AC1-AF70-F1E318273C90}"/>
+                <a16:creationId xmlns:a16="http://schemas.microsoft.com/office/drawing/2014/main" id="{04D708FD-3FF3-4AC1-AF70-F1E318273C90}"/>
               </a:ext>
             </a:extLst>
           </p:cNvPr>
@@ -2313,7 +2326,7 @@
           <p:cNvPr id="4" name="Text Placeholder 3">
             <a:extLst>
               <a:ext uri="{FF2B5EF4-FFF2-40B4-BE49-F238E27FC236}">
-                <a16:creationId xmlns:a16="http://schemas.microsoft.com/office/drawing/2014/main" xmlns="" id="{27172CC0-FEEA-445E-B0A4-E5B72DB9A13A}"/>
+                <a16:creationId xmlns:a16="http://schemas.microsoft.com/office/drawing/2014/main" id="{27172CC0-FEEA-445E-B0A4-E5B72DB9A13A}"/>
               </a:ext>
             </a:extLst>
           </p:cNvPr>
@@ -2384,7 +2397,7 @@
           <p:cNvPr id="5" name="Date Placeholder 4">
             <a:extLst>
               <a:ext uri="{FF2B5EF4-FFF2-40B4-BE49-F238E27FC236}">
-                <a16:creationId xmlns:a16="http://schemas.microsoft.com/office/drawing/2014/main" xmlns="" id="{52158AC7-4E41-4D1A-B22A-ACEA67A41749}"/>
+                <a16:creationId xmlns:a16="http://schemas.microsoft.com/office/drawing/2014/main" id="{52158AC7-4E41-4D1A-B22A-ACEA67A41749}"/>
               </a:ext>
             </a:extLst>
           </p:cNvPr>
@@ -2402,7 +2415,7 @@
           <a:p>
             <a:fld id="{1AA5AC47-5BC2-484C-80BA-24EFF513DD12}" type="datetimeFigureOut">
               <a:rPr lang="en-IN" smtClean="0"/>
-              <a:t>02-11-2021</a:t>
+              <a:t>03-11-2021</a:t>
             </a:fld>
             <a:endParaRPr lang="en-IN"/>
           </a:p>
@@ -2413,7 +2426,7 @@
           <p:cNvPr id="6" name="Footer Placeholder 5">
             <a:extLst>
               <a:ext uri="{FF2B5EF4-FFF2-40B4-BE49-F238E27FC236}">
-                <a16:creationId xmlns:a16="http://schemas.microsoft.com/office/drawing/2014/main" xmlns="" id="{869CC2E0-A178-4156-BD8C-D994B014D7A6}"/>
+                <a16:creationId xmlns:a16="http://schemas.microsoft.com/office/drawing/2014/main" id="{869CC2E0-A178-4156-BD8C-D994B014D7A6}"/>
               </a:ext>
             </a:extLst>
           </p:cNvPr>
@@ -2438,7 +2451,7 @@
           <p:cNvPr id="7" name="Slide Number Placeholder 6">
             <a:extLst>
               <a:ext uri="{FF2B5EF4-FFF2-40B4-BE49-F238E27FC236}">
-                <a16:creationId xmlns:a16="http://schemas.microsoft.com/office/drawing/2014/main" xmlns="" id="{1FD43812-3065-420A-AE8C-358A93D69905}"/>
+                <a16:creationId xmlns:a16="http://schemas.microsoft.com/office/drawing/2014/main" id="{1FD43812-3065-420A-AE8C-358A93D69905}"/>
               </a:ext>
             </a:extLst>
           </p:cNvPr>
@@ -2497,7 +2510,7 @@
           <p:cNvPr id="2" name="Title 1">
             <a:extLst>
               <a:ext uri="{FF2B5EF4-FFF2-40B4-BE49-F238E27FC236}">
-                <a16:creationId xmlns:a16="http://schemas.microsoft.com/office/drawing/2014/main" xmlns="" id="{5AFAF3EB-231D-4389-AFA0-2FD6506655F8}"/>
+                <a16:creationId xmlns:a16="http://schemas.microsoft.com/office/drawing/2014/main" id="{5AFAF3EB-231D-4389-AFA0-2FD6506655F8}"/>
               </a:ext>
             </a:extLst>
           </p:cNvPr>
@@ -2535,7 +2548,7 @@
           <p:cNvPr id="3" name="Picture Placeholder 2">
             <a:extLst>
               <a:ext uri="{FF2B5EF4-FFF2-40B4-BE49-F238E27FC236}">
-                <a16:creationId xmlns:a16="http://schemas.microsoft.com/office/drawing/2014/main" xmlns="" id="{FF7A3C75-CC07-46D6-97BF-6356F47132D1}"/>
+                <a16:creationId xmlns:a16="http://schemas.microsoft.com/office/drawing/2014/main" id="{FF7A3C75-CC07-46D6-97BF-6356F47132D1}"/>
               </a:ext>
             </a:extLst>
           </p:cNvPr>
@@ -2602,7 +2615,7 @@
           <p:cNvPr id="4" name="Text Placeholder 3">
             <a:extLst>
               <a:ext uri="{FF2B5EF4-FFF2-40B4-BE49-F238E27FC236}">
-                <a16:creationId xmlns:a16="http://schemas.microsoft.com/office/drawing/2014/main" xmlns="" id="{A73DD846-2088-4D12-A5B9-37C0359760E9}"/>
+                <a16:creationId xmlns:a16="http://schemas.microsoft.com/office/drawing/2014/main" id="{A73DD846-2088-4D12-A5B9-37C0359760E9}"/>
               </a:ext>
             </a:extLst>
           </p:cNvPr>
@@ -2673,7 +2686,7 @@
           <p:cNvPr id="5" name="Date Placeholder 4">
             <a:extLst>
               <a:ext uri="{FF2B5EF4-FFF2-40B4-BE49-F238E27FC236}">
-                <a16:creationId xmlns:a16="http://schemas.microsoft.com/office/drawing/2014/main" xmlns="" id="{952DDB2F-EDA4-458F-9BB6-0D82E07258E2}"/>
+                <a16:creationId xmlns:a16="http://schemas.microsoft.com/office/drawing/2014/main" id="{952DDB2F-EDA4-458F-9BB6-0D82E07258E2}"/>
               </a:ext>
             </a:extLst>
           </p:cNvPr>
@@ -2691,7 +2704,7 @@
           <a:p>
             <a:fld id="{1AA5AC47-5BC2-484C-80BA-24EFF513DD12}" type="datetimeFigureOut">
               <a:rPr lang="en-IN" smtClean="0"/>
-              <a:t>02-11-2021</a:t>
+              <a:t>03-11-2021</a:t>
             </a:fld>
             <a:endParaRPr lang="en-IN"/>
           </a:p>
@@ -2702,7 +2715,7 @@
           <p:cNvPr id="6" name="Footer Placeholder 5">
             <a:extLst>
               <a:ext uri="{FF2B5EF4-FFF2-40B4-BE49-F238E27FC236}">
-                <a16:creationId xmlns:a16="http://schemas.microsoft.com/office/drawing/2014/main" xmlns="" id="{420F08DD-EBFB-4266-B076-A2F980756DDC}"/>
+                <a16:creationId xmlns:a16="http://schemas.microsoft.com/office/drawing/2014/main" id="{420F08DD-EBFB-4266-B076-A2F980756DDC}"/>
               </a:ext>
             </a:extLst>
           </p:cNvPr>
@@ -2727,7 +2740,7 @@
           <p:cNvPr id="7" name="Slide Number Placeholder 6">
             <a:extLst>
               <a:ext uri="{FF2B5EF4-FFF2-40B4-BE49-F238E27FC236}">
-                <a16:creationId xmlns:a16="http://schemas.microsoft.com/office/drawing/2014/main" xmlns="" id="{6D25345A-F86A-4960-A1C4-8E881A62E5B4}"/>
+                <a16:creationId xmlns:a16="http://schemas.microsoft.com/office/drawing/2014/main" id="{6D25345A-F86A-4960-A1C4-8E881A62E5B4}"/>
               </a:ext>
             </a:extLst>
           </p:cNvPr>
@@ -2791,7 +2804,7 @@
           <p:cNvPr id="2" name="Title Placeholder 1">
             <a:extLst>
               <a:ext uri="{FF2B5EF4-FFF2-40B4-BE49-F238E27FC236}">
-                <a16:creationId xmlns:a16="http://schemas.microsoft.com/office/drawing/2014/main" xmlns="" id="{C4175E84-4BEA-4B29-97D5-FC88A9CEAFF2}"/>
+                <a16:creationId xmlns:a16="http://schemas.microsoft.com/office/drawing/2014/main" id="{C4175E84-4BEA-4B29-97D5-FC88A9CEAFF2}"/>
               </a:ext>
             </a:extLst>
           </p:cNvPr>
@@ -2830,7 +2843,7 @@
           <p:cNvPr id="3" name="Text Placeholder 2">
             <a:extLst>
               <a:ext uri="{FF2B5EF4-FFF2-40B4-BE49-F238E27FC236}">
-                <a16:creationId xmlns:a16="http://schemas.microsoft.com/office/drawing/2014/main" xmlns="" id="{8C957B72-BF62-4141-AEB4-3E44153F6552}"/>
+                <a16:creationId xmlns:a16="http://schemas.microsoft.com/office/drawing/2014/main" id="{8C957B72-BF62-4141-AEB4-3E44153F6552}"/>
               </a:ext>
             </a:extLst>
           </p:cNvPr>
@@ -2898,7 +2911,7 @@
           <p:cNvPr id="4" name="Date Placeholder 3">
             <a:extLst>
               <a:ext uri="{FF2B5EF4-FFF2-40B4-BE49-F238E27FC236}">
-                <a16:creationId xmlns:a16="http://schemas.microsoft.com/office/drawing/2014/main" xmlns="" id="{32062E18-EEC3-4089-929A-52B043802FD1}"/>
+                <a16:creationId xmlns:a16="http://schemas.microsoft.com/office/drawing/2014/main" id="{32062E18-EEC3-4089-929A-52B043802FD1}"/>
               </a:ext>
             </a:extLst>
           </p:cNvPr>
@@ -2934,7 +2947,7 @@
           <a:p>
             <a:fld id="{1AA5AC47-5BC2-484C-80BA-24EFF513DD12}" type="datetimeFigureOut">
               <a:rPr lang="en-IN" smtClean="0"/>
-              <a:t>02-11-2021</a:t>
+              <a:t>03-11-2021</a:t>
             </a:fld>
             <a:endParaRPr lang="en-IN"/>
           </a:p>
@@ -2945,7 +2958,7 @@
           <p:cNvPr id="5" name="Footer Placeholder 4">
             <a:extLst>
               <a:ext uri="{FF2B5EF4-FFF2-40B4-BE49-F238E27FC236}">
-                <a16:creationId xmlns:a16="http://schemas.microsoft.com/office/drawing/2014/main" xmlns="" id="{C7717E09-6E10-4B05-81B6-5E6F6EE6FC74}"/>
+                <a16:creationId xmlns:a16="http://schemas.microsoft.com/office/drawing/2014/main" id="{C7717E09-6E10-4B05-81B6-5E6F6EE6FC74}"/>
               </a:ext>
             </a:extLst>
           </p:cNvPr>
@@ -2988,7 +3001,7 @@
           <p:cNvPr id="6" name="Slide Number Placeholder 5">
             <a:extLst>
               <a:ext uri="{FF2B5EF4-FFF2-40B4-BE49-F238E27FC236}">
-                <a16:creationId xmlns:a16="http://schemas.microsoft.com/office/drawing/2014/main" xmlns="" id="{27735183-ECEA-49C4-85B1-B104BD80E308}"/>
+                <a16:creationId xmlns:a16="http://schemas.microsoft.com/office/drawing/2014/main" id="{27735183-ECEA-49C4-85B1-B104BD80E308}"/>
               </a:ext>
             </a:extLst>
           </p:cNvPr>
@@ -3356,7 +3369,7 @@
           <p:cNvPr id="5" name="Rectangle: Rounded Corners 4">
             <a:extLst>
               <a:ext uri="{FF2B5EF4-FFF2-40B4-BE49-F238E27FC236}">
-                <a16:creationId xmlns:a16="http://schemas.microsoft.com/office/drawing/2014/main" xmlns="" id="{3E5316B8-2CDC-470B-BBC3-7B3BB48F917E}"/>
+                <a16:creationId xmlns:a16="http://schemas.microsoft.com/office/drawing/2014/main" id="{3E5316B8-2CDC-470B-BBC3-7B3BB48F917E}"/>
               </a:ext>
             </a:extLst>
           </p:cNvPr>
@@ -3406,7 +3419,7 @@
           <p:cNvPr id="7" name="Rectangle: Rounded Corners 6">
             <a:extLst>
               <a:ext uri="{FF2B5EF4-FFF2-40B4-BE49-F238E27FC236}">
-                <a16:creationId xmlns:a16="http://schemas.microsoft.com/office/drawing/2014/main" xmlns="" id="{031644F9-1251-438C-BEB7-F907C2B49D54}"/>
+                <a16:creationId xmlns:a16="http://schemas.microsoft.com/office/drawing/2014/main" id="{031644F9-1251-438C-BEB7-F907C2B49D54}"/>
               </a:ext>
             </a:extLst>
           </p:cNvPr>
@@ -3463,7 +3476,7 @@
           <p:cNvPr id="11" name="Rectangle: Rounded Corners 10">
             <a:extLst>
               <a:ext uri="{FF2B5EF4-FFF2-40B4-BE49-F238E27FC236}">
-                <a16:creationId xmlns:a16="http://schemas.microsoft.com/office/drawing/2014/main" xmlns="" id="{E416CFAD-AF52-4649-A332-71DEE7426C23}"/>
+                <a16:creationId xmlns:a16="http://schemas.microsoft.com/office/drawing/2014/main" id="{E416CFAD-AF52-4649-A332-71DEE7426C23}"/>
               </a:ext>
             </a:extLst>
           </p:cNvPr>
@@ -3520,7 +3533,7 @@
           <p:cNvPr id="12" name="Rectangle: Rounded Corners 11">
             <a:extLst>
               <a:ext uri="{FF2B5EF4-FFF2-40B4-BE49-F238E27FC236}">
-                <a16:creationId xmlns:a16="http://schemas.microsoft.com/office/drawing/2014/main" xmlns="" id="{F81607E8-5979-4B1D-BCDC-0CDDE92D28C5}"/>
+                <a16:creationId xmlns:a16="http://schemas.microsoft.com/office/drawing/2014/main" id="{F81607E8-5979-4B1D-BCDC-0CDDE92D28C5}"/>
               </a:ext>
             </a:extLst>
           </p:cNvPr>
@@ -3570,7 +3583,7 @@
           <p:cNvPr id="14" name="Rectangle: Rounded Corners 13">
             <a:extLst>
               <a:ext uri="{FF2B5EF4-FFF2-40B4-BE49-F238E27FC236}">
-                <a16:creationId xmlns:a16="http://schemas.microsoft.com/office/drawing/2014/main" xmlns="" id="{F93F1191-805C-4602-B403-FBC4B23FDEE5}"/>
+                <a16:creationId xmlns:a16="http://schemas.microsoft.com/office/drawing/2014/main" id="{F93F1191-805C-4602-B403-FBC4B23FDEE5}"/>
               </a:ext>
             </a:extLst>
           </p:cNvPr>
@@ -3624,7 +3637,7 @@
           <p:cNvPr id="16" name="Connector: Elbow 15">
             <a:extLst>
               <a:ext uri="{FF2B5EF4-FFF2-40B4-BE49-F238E27FC236}">
-                <a16:creationId xmlns:a16="http://schemas.microsoft.com/office/drawing/2014/main" xmlns="" id="{F8E1CA97-7225-45D0-A081-33F98BF5BD88}"/>
+                <a16:creationId xmlns:a16="http://schemas.microsoft.com/office/drawing/2014/main" id="{F8E1CA97-7225-45D0-A081-33F98BF5BD88}"/>
               </a:ext>
             </a:extLst>
           </p:cNvPr>
@@ -3669,7 +3682,7 @@
           <p:cNvPr id="19" name="Rectangle: Rounded Corners 18">
             <a:extLst>
               <a:ext uri="{FF2B5EF4-FFF2-40B4-BE49-F238E27FC236}">
-                <a16:creationId xmlns:a16="http://schemas.microsoft.com/office/drawing/2014/main" xmlns="" id="{5BAF5724-2440-46B2-B4E0-C35E05FEFDFA}"/>
+                <a16:creationId xmlns:a16="http://schemas.microsoft.com/office/drawing/2014/main" id="{5BAF5724-2440-46B2-B4E0-C35E05FEFDFA}"/>
               </a:ext>
             </a:extLst>
           </p:cNvPr>
@@ -3875,7 +3888,7 @@
               <p:cNvPr id="5" name="Rectangle: Rounded Corners 1">
                 <a:extLst>
                   <a:ext uri="{FF2B5EF4-FFF2-40B4-BE49-F238E27FC236}">
-                    <a16:creationId xmlns:a16="http://schemas.microsoft.com/office/drawing/2014/main" xmlns="" id="{229043B8-923C-4A63-923B-ED47AB6F3179}"/>
+                    <a16:creationId xmlns:a16="http://schemas.microsoft.com/office/drawing/2014/main" id="{229043B8-923C-4A63-923B-ED47AB6F3179}"/>
                   </a:ext>
                 </a:extLst>
               </p:cNvPr>
@@ -3919,7 +3932,7 @@
               <a:p>
                 <a:pPr algn="ctr"/>
                 <a:r>
-                  <a:rPr lang="en-IN" sz="1800" dirty="0" smtClean="0">
+                  <a:rPr lang="en-IN" sz="1800" dirty="0">
                     <a:solidFill>
                       <a:srgbClr val="000000"/>
                     </a:solidFill>
@@ -3936,7 +3949,7 @@
               <p:cNvPr id="6" name="Rectangle 1">
                 <a:extLst>
                   <a:ext uri="{FF2B5EF4-FFF2-40B4-BE49-F238E27FC236}">
-                    <a16:creationId xmlns:a16="http://schemas.microsoft.com/office/drawing/2014/main" xmlns="" id="{FFE5BAF0-90A9-481D-AAC3-4466B273C9B9}"/>
+                    <a16:creationId xmlns:a16="http://schemas.microsoft.com/office/drawing/2014/main" id="{FFE5BAF0-90A9-481D-AAC3-4466B273C9B9}"/>
                   </a:ext>
                 </a:extLst>
               </p:cNvPr>
@@ -4148,7 +4161,7 @@
                   <a:t>@</a:t>
                 </a:r>
                 <a:r>
-                  <a:rPr kumimoji="0" lang="en-US" altLang="en-US" sz="1100" b="0" i="0" u="none" strike="noStrike" cap="none" normalizeH="0" baseline="0" dirty="0" err="1" smtClean="0">
+                  <a:rPr kumimoji="0" lang="en-US" altLang="en-US" sz="1100" b="0" i="0" u="none" strike="noStrike" cap="none" normalizeH="0" baseline="0" dirty="0" err="1">
                     <a:ln>
                       <a:noFill/>
                     </a:ln>
@@ -4203,7 +4216,7 @@
               <p:cNvPr id="7" name="Rectangle 1">
                 <a:extLst>
                   <a:ext uri="{FF2B5EF4-FFF2-40B4-BE49-F238E27FC236}">
-                    <a16:creationId xmlns:a16="http://schemas.microsoft.com/office/drawing/2014/main" xmlns="" id="{4A5862E7-0045-43EA-8731-76AF0AFFEB2B}"/>
+                    <a16:creationId xmlns:a16="http://schemas.microsoft.com/office/drawing/2014/main" id="{4A5862E7-0045-43EA-8731-76AF0AFFEB2B}"/>
                   </a:ext>
                 </a:extLst>
               </p:cNvPr>
@@ -4402,7 +4415,7 @@
                   <a:tabLst/>
                 </a:pPr>
                 <a:r>
-                  <a:rPr lang="en-IN" sz="1100" b="0" i="0" dirty="0" smtClean="0">
+                  <a:rPr lang="en-IN" sz="1100" b="0" i="0" dirty="0">
                     <a:solidFill>
                       <a:srgbClr val="24292F"/>
                     </a:solidFill>
@@ -4412,7 +4425,7 @@
                   <a:t>spring-cloud-starter-</a:t>
                 </a:r>
                 <a:r>
-                  <a:rPr lang="en-IN" sz="1100" b="0" i="0" dirty="0" err="1" smtClean="0">
+                  <a:rPr lang="en-IN" sz="1100" b="0" i="0" dirty="0" err="1">
                     <a:solidFill>
                       <a:srgbClr val="24292F"/>
                     </a:solidFill>
@@ -4422,7 +4435,7 @@
                   <a:t>netflix</a:t>
                 </a:r>
                 <a:r>
-                  <a:rPr lang="en-IN" sz="1100" b="0" i="0" dirty="0" smtClean="0">
+                  <a:rPr lang="en-IN" sz="1100" b="0" i="0" dirty="0">
                     <a:solidFill>
                       <a:srgbClr val="24292F"/>
                     </a:solidFill>
@@ -4465,7 +4478,7 @@
             <p:cNvPr id="15" name="Rectangle: Rounded Corners 1">
               <a:extLst>
                 <a:ext uri="{FF2B5EF4-FFF2-40B4-BE49-F238E27FC236}">
-                  <a16:creationId xmlns:a16="http://schemas.microsoft.com/office/drawing/2014/main" xmlns="" id="{229043B8-923C-4A63-923B-ED47AB6F3179}"/>
+                  <a16:creationId xmlns:a16="http://schemas.microsoft.com/office/drawing/2014/main" id="{229043B8-923C-4A63-923B-ED47AB6F3179}"/>
                 </a:ext>
               </a:extLst>
             </p:cNvPr>
@@ -4508,7 +4521,7 @@
             <a:p>
               <a:pPr algn="ctr"/>
               <a:r>
-                <a:rPr lang="en-IN" sz="1800" dirty="0" smtClean="0">
+                <a:rPr lang="en-IN" sz="1800" dirty="0">
                   <a:solidFill>
                     <a:srgbClr val="000000"/>
                   </a:solidFill>
@@ -4525,7 +4538,7 @@
             <p:cNvPr id="16" name="Rectangle 1">
               <a:extLst>
                 <a:ext uri="{FF2B5EF4-FFF2-40B4-BE49-F238E27FC236}">
-                  <a16:creationId xmlns:a16="http://schemas.microsoft.com/office/drawing/2014/main" xmlns="" id="{FFE5BAF0-90A9-481D-AAC3-4466B273C9B9}"/>
+                  <a16:creationId xmlns:a16="http://schemas.microsoft.com/office/drawing/2014/main" id="{FFE5BAF0-90A9-481D-AAC3-4466B273C9B9}"/>
                 </a:ext>
               </a:extLst>
             </p:cNvPr>
@@ -4737,7 +4750,7 @@
                 <a:t>@</a:t>
               </a:r>
               <a:r>
-                <a:rPr kumimoji="0" lang="en-US" altLang="en-US" sz="1100" b="0" i="0" u="none" strike="noStrike" cap="none" normalizeH="0" baseline="0" dirty="0" err="1" smtClean="0">
+                <a:rPr kumimoji="0" lang="en-US" altLang="en-US" sz="1100" b="0" i="0" u="none" strike="noStrike" cap="none" normalizeH="0" baseline="0" dirty="0" err="1">
                   <a:ln>
                     <a:noFill/>
                   </a:ln>
@@ -4792,7 +4805,7 @@
             <p:cNvPr id="17" name="Rectangle 1">
               <a:extLst>
                 <a:ext uri="{FF2B5EF4-FFF2-40B4-BE49-F238E27FC236}">
-                  <a16:creationId xmlns:a16="http://schemas.microsoft.com/office/drawing/2014/main" xmlns="" id="{4A5862E7-0045-43EA-8731-76AF0AFFEB2B}"/>
+                  <a16:creationId xmlns:a16="http://schemas.microsoft.com/office/drawing/2014/main" id="{4A5862E7-0045-43EA-8731-76AF0AFFEB2B}"/>
                 </a:ext>
               </a:extLst>
             </p:cNvPr>
@@ -4991,7 +5004,7 @@
                 <a:tabLst/>
               </a:pPr>
               <a:r>
-                <a:rPr lang="en-IN" sz="1100" b="0" i="0" dirty="0" smtClean="0">
+                <a:rPr lang="en-IN" sz="1100" b="0" i="0" dirty="0">
                   <a:solidFill>
                     <a:srgbClr val="24292F"/>
                   </a:solidFill>
@@ -5001,7 +5014,7 @@
                 <a:t>spring-cloud-starter-</a:t>
               </a:r>
               <a:r>
-                <a:rPr lang="en-IN" sz="1100" b="0" i="0" dirty="0" err="1" smtClean="0">
+                <a:rPr lang="en-IN" sz="1100" b="0" i="0" dirty="0" err="1">
                   <a:solidFill>
                     <a:srgbClr val="24292F"/>
                   </a:solidFill>
@@ -5011,7 +5024,7 @@
                 <a:t>netflix</a:t>
               </a:r>
               <a:r>
-                <a:rPr lang="en-IN" sz="1100" b="0" i="0" dirty="0" smtClean="0">
+                <a:rPr lang="en-IN" sz="1100" b="0" i="0" dirty="0">
                   <a:solidFill>
                     <a:srgbClr val="24292F"/>
                   </a:solidFill>
@@ -5053,7 +5066,7 @@
             <p:cNvPr id="19" name="Rectangle: Rounded Corners 1">
               <a:extLst>
                 <a:ext uri="{FF2B5EF4-FFF2-40B4-BE49-F238E27FC236}">
-                  <a16:creationId xmlns:a16="http://schemas.microsoft.com/office/drawing/2014/main" xmlns="" id="{229043B8-923C-4A63-923B-ED47AB6F3179}"/>
+                  <a16:creationId xmlns:a16="http://schemas.microsoft.com/office/drawing/2014/main" id="{229043B8-923C-4A63-923B-ED47AB6F3179}"/>
                 </a:ext>
               </a:extLst>
             </p:cNvPr>
@@ -5096,7 +5109,7 @@
             <a:p>
               <a:pPr algn="ctr"/>
               <a:r>
-                <a:rPr lang="en-IN" sz="1800" dirty="0" smtClean="0">
+                <a:rPr lang="en-IN" sz="1800" dirty="0">
                   <a:solidFill>
                     <a:srgbClr val="000000"/>
                   </a:solidFill>
@@ -5113,7 +5126,7 @@
             <p:cNvPr id="20" name="Rectangle 1">
               <a:extLst>
                 <a:ext uri="{FF2B5EF4-FFF2-40B4-BE49-F238E27FC236}">
-                  <a16:creationId xmlns:a16="http://schemas.microsoft.com/office/drawing/2014/main" xmlns="" id="{FFE5BAF0-90A9-481D-AAC3-4466B273C9B9}"/>
+                  <a16:creationId xmlns:a16="http://schemas.microsoft.com/office/drawing/2014/main" id="{FFE5BAF0-90A9-481D-AAC3-4466B273C9B9}"/>
                 </a:ext>
               </a:extLst>
             </p:cNvPr>
@@ -5325,7 +5338,7 @@
                 <a:t>@</a:t>
               </a:r>
               <a:r>
-                <a:rPr kumimoji="0" lang="en-US" altLang="en-US" sz="1100" b="0" i="0" u="none" strike="noStrike" cap="none" normalizeH="0" baseline="0" dirty="0" err="1" smtClean="0">
+                <a:rPr kumimoji="0" lang="en-US" altLang="en-US" sz="1100" b="0" i="0" u="none" strike="noStrike" cap="none" normalizeH="0" baseline="0" dirty="0" err="1">
                   <a:ln>
                     <a:noFill/>
                   </a:ln>
@@ -5368,7 +5381,7 @@
             <p:cNvPr id="21" name="Rectangle 1">
               <a:extLst>
                 <a:ext uri="{FF2B5EF4-FFF2-40B4-BE49-F238E27FC236}">
-                  <a16:creationId xmlns:a16="http://schemas.microsoft.com/office/drawing/2014/main" xmlns="" id="{4A5862E7-0045-43EA-8731-76AF0AFFEB2B}"/>
+                  <a16:creationId xmlns:a16="http://schemas.microsoft.com/office/drawing/2014/main" id="{4A5862E7-0045-43EA-8731-76AF0AFFEB2B}"/>
                 </a:ext>
               </a:extLst>
             </p:cNvPr>
@@ -5567,7 +5580,7 @@
                 <a:tabLst/>
               </a:pPr>
               <a:r>
-                <a:rPr lang="en-IN" sz="1100" b="0" i="0" dirty="0" smtClean="0">
+                <a:rPr lang="en-IN" sz="1100" b="0" i="0" dirty="0">
                   <a:solidFill>
                     <a:srgbClr val="24292F"/>
                   </a:solidFill>
@@ -5577,7 +5590,7 @@
                 <a:t>spring-cloud-starter-</a:t>
               </a:r>
               <a:r>
-                <a:rPr lang="en-IN" sz="1100" b="0" i="0" dirty="0" err="1" smtClean="0">
+                <a:rPr lang="en-IN" sz="1100" b="0" i="0" dirty="0" err="1">
                   <a:solidFill>
                     <a:srgbClr val="24292F"/>
                   </a:solidFill>
@@ -5587,7 +5600,7 @@
                 <a:t>netflix</a:t>
               </a:r>
               <a:r>
-                <a:rPr lang="en-IN" sz="1100" b="0" i="0" dirty="0" smtClean="0">
+                <a:rPr lang="en-IN" sz="1100" b="0" i="0" dirty="0">
                   <a:solidFill>
                     <a:srgbClr val="24292F"/>
                   </a:solidFill>
@@ -5705,18 +5718,13 @@
           <a:lstStyle/>
           <a:p>
             <a:r>
-              <a:rPr lang="en-US" b="1" dirty="0" smtClean="0">
+              <a:rPr lang="en-US" b="1" dirty="0">
                 <a:solidFill>
                   <a:srgbClr val="FF0000"/>
                 </a:solidFill>
               </a:rPr>
               <a:t>Register Service</a:t>
             </a:r>
-            <a:endParaRPr lang="en-US" b="1" dirty="0">
-              <a:solidFill>
-                <a:srgbClr val="FF0000"/>
-              </a:solidFill>
-            </a:endParaRPr>
           </a:p>
         </p:txBody>
       </p:sp>
@@ -5757,10 +5765,9 @@
           <a:p>
             <a:pPr algn="ctr"/>
             <a:r>
-              <a:rPr lang="en-US" dirty="0" smtClean="0"/>
+              <a:rPr lang="en-US" dirty="0"/>
               <a:t>1</a:t>
             </a:r>
-            <a:endParaRPr lang="en-US" dirty="0"/>
           </a:p>
         </p:txBody>
       </p:sp>
@@ -5955,7 +5962,7 @@
               <p:cNvPr id="6" name="Rectangle: Rounded Corners 1">
                 <a:extLst>
                   <a:ext uri="{FF2B5EF4-FFF2-40B4-BE49-F238E27FC236}">
-                    <a16:creationId xmlns:a16="http://schemas.microsoft.com/office/drawing/2014/main" xmlns="" id="{229043B8-923C-4A63-923B-ED47AB6F3179}"/>
+                    <a16:creationId xmlns:a16="http://schemas.microsoft.com/office/drawing/2014/main" id="{229043B8-923C-4A63-923B-ED47AB6F3179}"/>
                   </a:ext>
                 </a:extLst>
               </p:cNvPr>
@@ -5999,7 +6006,7 @@
               <a:p>
                 <a:pPr algn="ctr"/>
                 <a:r>
-                  <a:rPr lang="en-IN" sz="1800" dirty="0" smtClean="0">
+                  <a:rPr lang="en-IN" sz="1800" dirty="0">
                     <a:solidFill>
                       <a:srgbClr val="000000"/>
                     </a:solidFill>
@@ -6016,7 +6023,7 @@
               <p:cNvPr id="7" name="Rectangle 1">
                 <a:extLst>
                   <a:ext uri="{FF2B5EF4-FFF2-40B4-BE49-F238E27FC236}">
-                    <a16:creationId xmlns:a16="http://schemas.microsoft.com/office/drawing/2014/main" xmlns="" id="{FFE5BAF0-90A9-481D-AAC3-4466B273C9B9}"/>
+                    <a16:creationId xmlns:a16="http://schemas.microsoft.com/office/drawing/2014/main" id="{FFE5BAF0-90A9-481D-AAC3-4466B273C9B9}"/>
                   </a:ext>
                 </a:extLst>
               </p:cNvPr>
@@ -6228,7 +6235,7 @@
                   <a:t>@</a:t>
                 </a:r>
                 <a:r>
-                  <a:rPr kumimoji="0" lang="en-US" altLang="en-US" sz="1100" b="0" i="0" u="none" strike="noStrike" cap="none" normalizeH="0" baseline="0" dirty="0" err="1" smtClean="0">
+                  <a:rPr kumimoji="0" lang="en-US" altLang="en-US" sz="1100" b="0" i="0" u="none" strike="noStrike" cap="none" normalizeH="0" baseline="0" dirty="0" err="1">
                     <a:ln>
                       <a:noFill/>
                     </a:ln>
@@ -6283,7 +6290,7 @@
               <p:cNvPr id="8" name="Rectangle 1">
                 <a:extLst>
                   <a:ext uri="{FF2B5EF4-FFF2-40B4-BE49-F238E27FC236}">
-                    <a16:creationId xmlns:a16="http://schemas.microsoft.com/office/drawing/2014/main" xmlns="" id="{4A5862E7-0045-43EA-8731-76AF0AFFEB2B}"/>
+                    <a16:creationId xmlns:a16="http://schemas.microsoft.com/office/drawing/2014/main" id="{4A5862E7-0045-43EA-8731-76AF0AFFEB2B}"/>
                   </a:ext>
                 </a:extLst>
               </p:cNvPr>
@@ -6482,7 +6489,7 @@
                   <a:tabLst/>
                 </a:pPr>
                 <a:r>
-                  <a:rPr lang="en-IN" sz="1100" b="0" i="0" dirty="0" smtClean="0">
+                  <a:rPr lang="en-IN" sz="1100" b="0" i="0" dirty="0">
                     <a:solidFill>
                       <a:srgbClr val="24292F"/>
                     </a:solidFill>
@@ -6492,7 +6499,7 @@
                   <a:t>spring-cloud-starter-</a:t>
                 </a:r>
                 <a:r>
-                  <a:rPr lang="en-IN" sz="1100" b="0" i="0" dirty="0" err="1" smtClean="0">
+                  <a:rPr lang="en-IN" sz="1100" b="0" i="0" dirty="0" err="1">
                     <a:solidFill>
                       <a:srgbClr val="24292F"/>
                     </a:solidFill>
@@ -6502,7 +6509,7 @@
                   <a:t>netflix</a:t>
                 </a:r>
                 <a:r>
-                  <a:rPr lang="en-IN" sz="1100" b="0" i="0" dirty="0" smtClean="0">
+                  <a:rPr lang="en-IN" sz="1100" b="0" i="0" dirty="0">
                     <a:solidFill>
                       <a:srgbClr val="24292F"/>
                     </a:solidFill>
@@ -6545,7 +6552,7 @@
             <p:cNvPr id="10" name="Rectangle: Rounded Corners 1">
               <a:extLst>
                 <a:ext uri="{FF2B5EF4-FFF2-40B4-BE49-F238E27FC236}">
-                  <a16:creationId xmlns:a16="http://schemas.microsoft.com/office/drawing/2014/main" xmlns="" id="{229043B8-923C-4A63-923B-ED47AB6F3179}"/>
+                  <a16:creationId xmlns:a16="http://schemas.microsoft.com/office/drawing/2014/main" id="{229043B8-923C-4A63-923B-ED47AB6F3179}"/>
                 </a:ext>
               </a:extLst>
             </p:cNvPr>
@@ -6588,7 +6595,7 @@
             <a:p>
               <a:pPr algn="ctr"/>
               <a:r>
-                <a:rPr lang="en-IN" sz="1800" dirty="0" smtClean="0">
+                <a:rPr lang="en-IN" sz="1800" dirty="0">
                   <a:solidFill>
                     <a:srgbClr val="000000"/>
                   </a:solidFill>
@@ -6605,7 +6612,7 @@
             <p:cNvPr id="11" name="Rectangle 1">
               <a:extLst>
                 <a:ext uri="{FF2B5EF4-FFF2-40B4-BE49-F238E27FC236}">
-                  <a16:creationId xmlns:a16="http://schemas.microsoft.com/office/drawing/2014/main" xmlns="" id="{FFE5BAF0-90A9-481D-AAC3-4466B273C9B9}"/>
+                  <a16:creationId xmlns:a16="http://schemas.microsoft.com/office/drawing/2014/main" id="{FFE5BAF0-90A9-481D-AAC3-4466B273C9B9}"/>
                 </a:ext>
               </a:extLst>
             </p:cNvPr>
@@ -6817,7 +6824,7 @@
                 <a:t>@</a:t>
               </a:r>
               <a:r>
-                <a:rPr kumimoji="0" lang="en-US" altLang="en-US" sz="1100" b="0" i="0" u="none" strike="noStrike" cap="none" normalizeH="0" baseline="0" dirty="0" err="1" smtClean="0">
+                <a:rPr kumimoji="0" lang="en-US" altLang="en-US" sz="1100" b="0" i="0" u="none" strike="noStrike" cap="none" normalizeH="0" baseline="0" dirty="0" err="1">
                   <a:ln>
                     <a:noFill/>
                   </a:ln>
@@ -6872,7 +6879,7 @@
             <p:cNvPr id="12" name="Rectangle 1">
               <a:extLst>
                 <a:ext uri="{FF2B5EF4-FFF2-40B4-BE49-F238E27FC236}">
-                  <a16:creationId xmlns:a16="http://schemas.microsoft.com/office/drawing/2014/main" xmlns="" id="{4A5862E7-0045-43EA-8731-76AF0AFFEB2B}"/>
+                  <a16:creationId xmlns:a16="http://schemas.microsoft.com/office/drawing/2014/main" id="{4A5862E7-0045-43EA-8731-76AF0AFFEB2B}"/>
                 </a:ext>
               </a:extLst>
             </p:cNvPr>
@@ -7071,7 +7078,7 @@
                 <a:tabLst/>
               </a:pPr>
               <a:r>
-                <a:rPr lang="en-IN" sz="1100" b="0" i="0" dirty="0" smtClean="0">
+                <a:rPr lang="en-IN" sz="1100" b="0" i="0" dirty="0">
                   <a:solidFill>
                     <a:srgbClr val="24292F"/>
                   </a:solidFill>
@@ -7081,7 +7088,7 @@
                 <a:t>spring-cloud-starter-</a:t>
               </a:r>
               <a:r>
-                <a:rPr lang="en-IN" sz="1100" b="0" i="0" dirty="0" err="1" smtClean="0">
+                <a:rPr lang="en-IN" sz="1100" b="0" i="0" dirty="0" err="1">
                   <a:solidFill>
                     <a:srgbClr val="24292F"/>
                   </a:solidFill>
@@ -7091,7 +7098,7 @@
                 <a:t>netflix</a:t>
               </a:r>
               <a:r>
-                <a:rPr lang="en-IN" sz="1100" b="0" i="0" dirty="0" smtClean="0">
+                <a:rPr lang="en-IN" sz="1100" b="0" i="0" dirty="0">
                   <a:solidFill>
                     <a:srgbClr val="24292F"/>
                   </a:solidFill>
@@ -7133,7 +7140,7 @@
             <p:cNvPr id="14" name="Rectangle: Rounded Corners 1">
               <a:extLst>
                 <a:ext uri="{FF2B5EF4-FFF2-40B4-BE49-F238E27FC236}">
-                  <a16:creationId xmlns:a16="http://schemas.microsoft.com/office/drawing/2014/main" xmlns="" id="{229043B8-923C-4A63-923B-ED47AB6F3179}"/>
+                  <a16:creationId xmlns:a16="http://schemas.microsoft.com/office/drawing/2014/main" id="{229043B8-923C-4A63-923B-ED47AB6F3179}"/>
                 </a:ext>
               </a:extLst>
             </p:cNvPr>
@@ -7176,7 +7183,7 @@
             <a:p>
               <a:pPr algn="ctr"/>
               <a:r>
-                <a:rPr lang="en-IN" sz="1800" dirty="0" smtClean="0">
+                <a:rPr lang="en-IN" sz="1800" dirty="0">
                   <a:solidFill>
                     <a:srgbClr val="000000"/>
                   </a:solidFill>
@@ -7193,7 +7200,7 @@
             <p:cNvPr id="15" name="Rectangle 1">
               <a:extLst>
                 <a:ext uri="{FF2B5EF4-FFF2-40B4-BE49-F238E27FC236}">
-                  <a16:creationId xmlns:a16="http://schemas.microsoft.com/office/drawing/2014/main" xmlns="" id="{FFE5BAF0-90A9-481D-AAC3-4466B273C9B9}"/>
+                  <a16:creationId xmlns:a16="http://schemas.microsoft.com/office/drawing/2014/main" id="{FFE5BAF0-90A9-481D-AAC3-4466B273C9B9}"/>
                 </a:ext>
               </a:extLst>
             </p:cNvPr>
@@ -7405,7 +7412,7 @@
                 <a:t>@</a:t>
               </a:r>
               <a:r>
-                <a:rPr kumimoji="0" lang="en-US" altLang="en-US" sz="1100" b="0" i="0" u="none" strike="noStrike" cap="none" normalizeH="0" baseline="0" dirty="0" err="1" smtClean="0">
+                <a:rPr kumimoji="0" lang="en-US" altLang="en-US" sz="1100" b="0" i="0" u="none" strike="noStrike" cap="none" normalizeH="0" baseline="0" dirty="0" err="1">
                   <a:ln>
                     <a:noFill/>
                   </a:ln>
@@ -7448,7 +7455,7 @@
             <p:cNvPr id="16" name="Rectangle 1">
               <a:extLst>
                 <a:ext uri="{FF2B5EF4-FFF2-40B4-BE49-F238E27FC236}">
-                  <a16:creationId xmlns:a16="http://schemas.microsoft.com/office/drawing/2014/main" xmlns="" id="{4A5862E7-0045-43EA-8731-76AF0AFFEB2B}"/>
+                  <a16:creationId xmlns:a16="http://schemas.microsoft.com/office/drawing/2014/main" id="{4A5862E7-0045-43EA-8731-76AF0AFFEB2B}"/>
                 </a:ext>
               </a:extLst>
             </p:cNvPr>
@@ -7647,7 +7654,7 @@
                 <a:tabLst/>
               </a:pPr>
               <a:r>
-                <a:rPr lang="en-IN" sz="1100" b="0" i="0" dirty="0" smtClean="0">
+                <a:rPr lang="en-IN" sz="1100" b="0" i="0" dirty="0">
                   <a:solidFill>
                     <a:srgbClr val="24292F"/>
                   </a:solidFill>
@@ -7657,7 +7664,7 @@
                 <a:t>spring-cloud-starter-</a:t>
               </a:r>
               <a:r>
-                <a:rPr lang="en-IN" sz="1100" b="0" i="0" dirty="0" err="1" smtClean="0">
+                <a:rPr lang="en-IN" sz="1100" b="0" i="0" dirty="0" err="1">
                   <a:solidFill>
                     <a:srgbClr val="24292F"/>
                   </a:solidFill>
@@ -7667,7 +7674,7 @@
                 <a:t>netflix</a:t>
               </a:r>
               <a:r>
-                <a:rPr lang="en-IN" sz="1100" b="0" i="0" dirty="0" smtClean="0">
+                <a:rPr lang="en-IN" sz="1100" b="0" i="0" dirty="0">
                   <a:solidFill>
                     <a:srgbClr val="24292F"/>
                   </a:solidFill>
@@ -7785,18 +7792,13 @@
           <a:lstStyle/>
           <a:p>
             <a:r>
-              <a:rPr lang="en-US" b="1" dirty="0" smtClean="0">
+              <a:rPr lang="en-US" b="1" dirty="0">
                 <a:solidFill>
                   <a:srgbClr val="FF0000"/>
                 </a:solidFill>
               </a:rPr>
               <a:t>Register Service</a:t>
             </a:r>
-            <a:endParaRPr lang="en-US" b="1" dirty="0">
-              <a:solidFill>
-                <a:srgbClr val="FF0000"/>
-              </a:solidFill>
-            </a:endParaRPr>
           </a:p>
         </p:txBody>
       </p:sp>
@@ -7837,10 +7839,9 @@
           <a:p>
             <a:pPr algn="ctr"/>
             <a:r>
-              <a:rPr lang="en-US" dirty="0" smtClean="0"/>
+              <a:rPr lang="en-US" dirty="0"/>
               <a:t>1</a:t>
             </a:r>
-            <a:endParaRPr lang="en-US" dirty="0"/>
           </a:p>
         </p:txBody>
       </p:sp>
@@ -7902,18 +7903,13 @@
           <a:lstStyle/>
           <a:p>
             <a:r>
-              <a:rPr lang="en-US" b="1" dirty="0" smtClean="0">
+              <a:rPr lang="en-US" b="1" dirty="0">
                 <a:solidFill>
                   <a:srgbClr val="FF0000"/>
                 </a:solidFill>
               </a:rPr>
               <a:t>Service Lookup</a:t>
             </a:r>
-            <a:endParaRPr lang="en-US" b="1" dirty="0">
-              <a:solidFill>
-                <a:srgbClr val="FF0000"/>
-              </a:solidFill>
-            </a:endParaRPr>
           </a:p>
         </p:txBody>
       </p:sp>
@@ -7922,7 +7918,7 @@
           <p:cNvPr id="35" name="Rectangle 1">
             <a:extLst>
               <a:ext uri="{FF2B5EF4-FFF2-40B4-BE49-F238E27FC236}">
-                <a16:creationId xmlns:a16="http://schemas.microsoft.com/office/drawing/2014/main" xmlns="" id="{FFE5BAF0-90A9-481D-AAC3-4466B273C9B9}"/>
+                <a16:creationId xmlns:a16="http://schemas.microsoft.com/office/drawing/2014/main" id="{FFE5BAF0-90A9-481D-AAC3-4466B273C9B9}"/>
               </a:ext>
             </a:extLst>
           </p:cNvPr>
@@ -8121,7 +8117,7 @@
               <a:tabLst/>
             </a:pPr>
             <a:r>
-              <a:rPr kumimoji="0" lang="en-US" altLang="en-US" sz="1100" b="0" i="0" u="none" strike="noStrike" cap="none" normalizeH="0" baseline="0" dirty="0" smtClean="0">
+              <a:rPr kumimoji="0" lang="en-US" altLang="en-US" sz="1100" b="0" i="0" u="none" strike="noStrike" cap="none" normalizeH="0" baseline="0" dirty="0">
                 <a:ln>
                   <a:noFill/>
                 </a:ln>
@@ -8134,7 +8130,7 @@
               <a:t>@</a:t>
             </a:r>
             <a:r>
-              <a:rPr kumimoji="0" lang="en-US" altLang="en-US" sz="1100" b="0" i="0" u="none" strike="noStrike" cap="none" normalizeH="0" baseline="0" dirty="0" err="1" smtClean="0">
+              <a:rPr kumimoji="0" lang="en-US" altLang="en-US" sz="1100" b="0" i="0" u="none" strike="noStrike" cap="none" normalizeH="0" baseline="0" dirty="0" err="1">
                 <a:ln>
                   <a:noFill/>
                 </a:ln>
@@ -8164,7 +8160,7 @@
           <p:cNvPr id="36" name="Rectangle 1">
             <a:extLst>
               <a:ext uri="{FF2B5EF4-FFF2-40B4-BE49-F238E27FC236}">
-                <a16:creationId xmlns:a16="http://schemas.microsoft.com/office/drawing/2014/main" xmlns="" id="{FFE5BAF0-90A9-481D-AAC3-4466B273C9B9}"/>
+                <a16:creationId xmlns:a16="http://schemas.microsoft.com/office/drawing/2014/main" id="{FFE5BAF0-90A9-481D-AAC3-4466B273C9B9}"/>
               </a:ext>
             </a:extLst>
           </p:cNvPr>
@@ -8363,7 +8359,7 @@
               <a:tabLst/>
             </a:pPr>
             <a:r>
-              <a:rPr kumimoji="0" lang="en-US" altLang="en-US" sz="1100" b="0" i="0" u="none" strike="noStrike" cap="none" normalizeH="0" baseline="0" dirty="0" smtClean="0">
+              <a:rPr kumimoji="0" lang="en-US" altLang="en-US" sz="1100" b="0" i="0" u="none" strike="noStrike" cap="none" normalizeH="0" baseline="0" dirty="0">
                 <a:ln>
                   <a:noFill/>
                 </a:ln>
@@ -8376,7 +8372,7 @@
               <a:t>@Bean { </a:t>
             </a:r>
             <a:r>
-              <a:rPr kumimoji="0" lang="en-US" altLang="en-US" sz="1100" b="0" i="0" u="none" strike="noStrike" cap="none" normalizeH="0" baseline="0" dirty="0" err="1" smtClean="0">
+              <a:rPr kumimoji="0" lang="en-US" altLang="en-US" sz="1100" b="0" i="0" u="none" strike="noStrike" cap="none" normalizeH="0" baseline="0" dirty="0" err="1">
                 <a:ln>
                   <a:noFill/>
                 </a:ln>
@@ -8389,7 +8385,7 @@
               <a:t>RestTemplate</a:t>
             </a:r>
             <a:r>
-              <a:rPr kumimoji="0" lang="en-US" altLang="en-US" sz="1100" b="0" i="0" u="none" strike="noStrike" cap="none" normalizeH="0" baseline="0" dirty="0" smtClean="0">
+              <a:rPr kumimoji="0" lang="en-US" altLang="en-US" sz="1100" b="0" i="0" u="none" strike="noStrike" cap="none" normalizeH="0" baseline="0" dirty="0">
                 <a:ln>
                   <a:noFill/>
                 </a:ln>
@@ -8402,7 +8398,7 @@
               <a:t>}</a:t>
             </a:r>
             <a:r>
-              <a:rPr kumimoji="0" lang="en-US" altLang="en-US" sz="900" b="0" i="0" u="none" strike="noStrike" cap="none" normalizeH="0" baseline="0" dirty="0" smtClean="0">
+              <a:rPr kumimoji="0" lang="en-US" altLang="en-US" sz="900" b="0" i="0" u="none" strike="noStrike" cap="none" normalizeH="0" baseline="0" dirty="0">
                 <a:ln>
                   <a:noFill/>
                 </a:ln>
@@ -8461,7 +8457,7 @@
           <p:cNvPr id="19" name="Group 18">
             <a:extLst>
               <a:ext uri="{FF2B5EF4-FFF2-40B4-BE49-F238E27FC236}">
-                <a16:creationId xmlns:a16="http://schemas.microsoft.com/office/drawing/2014/main" xmlns="" id="{D0F62175-D24D-4B45-B9CA-E8C1FAAC2857}"/>
+                <a16:creationId xmlns:a16="http://schemas.microsoft.com/office/drawing/2014/main" id="{D0F62175-D24D-4B45-B9CA-E8C1FAAC2857}"/>
               </a:ext>
             </a:extLst>
           </p:cNvPr>
@@ -8481,7 +8477,7 @@
             <p:cNvPr id="10" name="Group 9">
               <a:extLst>
                 <a:ext uri="{FF2B5EF4-FFF2-40B4-BE49-F238E27FC236}">
-                  <a16:creationId xmlns:a16="http://schemas.microsoft.com/office/drawing/2014/main" xmlns="" id="{62E720DB-FF62-4E7A-86CD-1CAE2B2D6238}"/>
+                  <a16:creationId xmlns:a16="http://schemas.microsoft.com/office/drawing/2014/main" id="{62E720DB-FF62-4E7A-86CD-1CAE2B2D6238}"/>
                 </a:ext>
               </a:extLst>
             </p:cNvPr>
@@ -8501,589 +8497,7 @@
               <p:cNvPr id="2" name="Rectangle: Rounded Corners 1">
                 <a:extLst>
                   <a:ext uri="{FF2B5EF4-FFF2-40B4-BE49-F238E27FC236}">
-                    <a16:creationId xmlns:a16="http://schemas.microsoft.com/office/drawing/2014/main" xmlns="" id="{229043B8-923C-4A63-923B-ED47AB6F3179}"/>
-                  </a:ext>
-                </a:extLst>
-              </p:cNvPr>
-              <p:cNvSpPr/>
-              <p:nvPr/>
-            </p:nvSpPr>
-            <p:spPr>
-              <a:xfrm>
-                <a:off x="1365957" y="2465406"/>
-                <a:ext cx="2684040" cy="1338950"/>
-              </a:xfrm>
-              <a:prstGeom prst="roundRect">
-                <a:avLst/>
-              </a:prstGeom>
-              <a:solidFill>
-                <a:schemeClr val="accent1">
-                  <a:lumMod val="40000"/>
-                  <a:lumOff val="60000"/>
-                </a:schemeClr>
-              </a:solidFill>
-            </p:spPr>
-            <p:style>
-              <a:lnRef idx="2">
-                <a:schemeClr val="accent1">
-                  <a:shade val="50000"/>
-                </a:schemeClr>
-              </a:lnRef>
-              <a:fillRef idx="1">
-                <a:schemeClr val="accent1"/>
-              </a:fillRef>
-              <a:effectRef idx="0">
-                <a:schemeClr val="accent1"/>
-              </a:effectRef>
-              <a:fontRef idx="minor">
-                <a:schemeClr val="lt1"/>
-              </a:fontRef>
-            </p:style>
-            <p:txBody>
-              <a:bodyPr rtlCol="0" anchor="ctr"/>
-              <a:lstStyle/>
-              <a:p>
-                <a:pPr algn="ctr"/>
-                <a:r>
-                  <a:rPr lang="en-IN" sz="1800" dirty="0" smtClean="0">
-                    <a:solidFill>
-                      <a:srgbClr val="000000"/>
-                    </a:solidFill>
-                    <a:latin typeface="Consolas" panose="020B0609020204030204" pitchFamily="49" charset="0"/>
-                  </a:rPr>
-                  <a:t>bmt.registry01.com</a:t>
-                </a:r>
-                <a:endParaRPr lang="en-IN" dirty="0"/>
-              </a:p>
-            </p:txBody>
-          </p:sp>
-          <p:sp>
-            <p:nvSpPr>
-              <p:cNvPr id="7" name="Rectangle 1">
-                <a:extLst>
-                  <a:ext uri="{FF2B5EF4-FFF2-40B4-BE49-F238E27FC236}">
-                    <a16:creationId xmlns:a16="http://schemas.microsoft.com/office/drawing/2014/main" xmlns="" id="{FFE5BAF0-90A9-481D-AAC3-4466B273C9B9}"/>
-                  </a:ext>
-                </a:extLst>
-              </p:cNvPr>
-              <p:cNvSpPr>
-                <a:spLocks noChangeArrowheads="1"/>
-              </p:cNvSpPr>
-              <p:nvPr/>
-            </p:nvSpPr>
-            <p:spPr bwMode="auto">
-              <a:xfrm>
-                <a:off x="2458262" y="2495902"/>
-                <a:ext cx="1490133" cy="323165"/>
-              </a:xfrm>
-              <a:prstGeom prst="rect">
-                <a:avLst/>
-              </a:prstGeom>
-              <a:solidFill>
-                <a:srgbClr val="F2F2F2"/>
-              </a:solidFill>
-              <a:ln>
-                <a:noFill/>
-              </a:ln>
-              <a:effectLst/>
-              <a:extLst>
-                <a:ext uri="{91240B29-F687-4F45-9708-019B960494DF}">
-                  <a14:hiddenLine xmlns:a14="http://schemas.microsoft.com/office/drawing/2010/main" w="9525">
-                    <a:solidFill>
-                      <a:schemeClr val="tx1"/>
-                    </a:solidFill>
-                    <a:miter lim="800000"/>
-                    <a:headEnd/>
-                    <a:tailEnd/>
-                  </a14:hiddenLine>
-                </a:ext>
-                <a:ext uri="{AF507438-7753-43E0-B8FC-AC1667EBCBE1}">
-                  <a14:hiddenEffects xmlns:a14="http://schemas.microsoft.com/office/drawing/2010/main">
-                    <a:effectLst>
-                      <a:outerShdw dist="35921" dir="2700000" algn="ctr" rotWithShape="0">
-                        <a:schemeClr val="bg2"/>
-                      </a:outerShdw>
-                    </a:effectLst>
-                  </a14:hiddenEffects>
-                </a:ext>
-              </a:extLst>
-            </p:spPr>
-            <p:txBody>
-              <a:bodyPr vert="horz" wrap="square" lIns="91440" tIns="45720" rIns="91440" bIns="45720" numCol="1" anchor="ctr" anchorCtr="0" compatLnSpc="1">
-                <a:prstTxWarp prst="textNoShape">
-                  <a:avLst/>
-                </a:prstTxWarp>
-                <a:spAutoFit/>
-              </a:bodyPr>
-              <a:lstStyle>
-                <a:lvl1pPr eaLnBrk="0" fontAlgn="base" hangingPunct="0">
-                  <a:spcBef>
-                    <a:spcPct val="0"/>
-                  </a:spcBef>
-                  <a:spcAft>
-                    <a:spcPct val="0"/>
-                  </a:spcAft>
-                  <a:defRPr>
-                    <a:solidFill>
-                      <a:schemeClr val="tx1"/>
-                    </a:solidFill>
-                    <a:latin typeface="Arial" panose="020B0604020202020204" pitchFamily="34" charset="0"/>
-                  </a:defRPr>
-                </a:lvl1pPr>
-                <a:lvl2pPr eaLnBrk="0" fontAlgn="base" hangingPunct="0">
-                  <a:spcBef>
-                    <a:spcPct val="0"/>
-                  </a:spcBef>
-                  <a:spcAft>
-                    <a:spcPct val="0"/>
-                  </a:spcAft>
-                  <a:defRPr>
-                    <a:solidFill>
-                      <a:schemeClr val="tx1"/>
-                    </a:solidFill>
-                    <a:latin typeface="Arial" panose="020B0604020202020204" pitchFamily="34" charset="0"/>
-                  </a:defRPr>
-                </a:lvl2pPr>
-                <a:lvl3pPr eaLnBrk="0" fontAlgn="base" hangingPunct="0">
-                  <a:spcBef>
-                    <a:spcPct val="0"/>
-                  </a:spcBef>
-                  <a:spcAft>
-                    <a:spcPct val="0"/>
-                  </a:spcAft>
-                  <a:defRPr>
-                    <a:solidFill>
-                      <a:schemeClr val="tx1"/>
-                    </a:solidFill>
-                    <a:latin typeface="Arial" panose="020B0604020202020204" pitchFamily="34" charset="0"/>
-                  </a:defRPr>
-                </a:lvl3pPr>
-                <a:lvl4pPr eaLnBrk="0" fontAlgn="base" hangingPunct="0">
-                  <a:spcBef>
-                    <a:spcPct val="0"/>
-                  </a:spcBef>
-                  <a:spcAft>
-                    <a:spcPct val="0"/>
-                  </a:spcAft>
-                  <a:defRPr>
-                    <a:solidFill>
-                      <a:schemeClr val="tx1"/>
-                    </a:solidFill>
-                    <a:latin typeface="Arial" panose="020B0604020202020204" pitchFamily="34" charset="0"/>
-                  </a:defRPr>
-                </a:lvl4pPr>
-                <a:lvl5pPr eaLnBrk="0" fontAlgn="base" hangingPunct="0">
-                  <a:spcBef>
-                    <a:spcPct val="0"/>
-                  </a:spcBef>
-                  <a:spcAft>
-                    <a:spcPct val="0"/>
-                  </a:spcAft>
-                  <a:defRPr>
-                    <a:solidFill>
-                      <a:schemeClr val="tx1"/>
-                    </a:solidFill>
-                    <a:latin typeface="Arial" panose="020B0604020202020204" pitchFamily="34" charset="0"/>
-                  </a:defRPr>
-                </a:lvl5pPr>
-                <a:lvl6pPr eaLnBrk="0" fontAlgn="base" hangingPunct="0">
-                  <a:spcBef>
-                    <a:spcPct val="0"/>
-                  </a:spcBef>
-                  <a:spcAft>
-                    <a:spcPct val="0"/>
-                  </a:spcAft>
-                  <a:defRPr>
-                    <a:solidFill>
-                      <a:schemeClr val="tx1"/>
-                    </a:solidFill>
-                    <a:latin typeface="Arial" panose="020B0604020202020204" pitchFamily="34" charset="0"/>
-                  </a:defRPr>
-                </a:lvl6pPr>
-                <a:lvl7pPr eaLnBrk="0" fontAlgn="base" hangingPunct="0">
-                  <a:spcBef>
-                    <a:spcPct val="0"/>
-                  </a:spcBef>
-                  <a:spcAft>
-                    <a:spcPct val="0"/>
-                  </a:spcAft>
-                  <a:defRPr>
-                    <a:solidFill>
-                      <a:schemeClr val="tx1"/>
-                    </a:solidFill>
-                    <a:latin typeface="Arial" panose="020B0604020202020204" pitchFamily="34" charset="0"/>
-                  </a:defRPr>
-                </a:lvl7pPr>
-                <a:lvl8pPr eaLnBrk="0" fontAlgn="base" hangingPunct="0">
-                  <a:spcBef>
-                    <a:spcPct val="0"/>
-                  </a:spcBef>
-                  <a:spcAft>
-                    <a:spcPct val="0"/>
-                  </a:spcAft>
-                  <a:defRPr>
-                    <a:solidFill>
-                      <a:schemeClr val="tx1"/>
-                    </a:solidFill>
-                    <a:latin typeface="Arial" panose="020B0604020202020204" pitchFamily="34" charset="0"/>
-                  </a:defRPr>
-                </a:lvl8pPr>
-                <a:lvl9pPr eaLnBrk="0" fontAlgn="base" hangingPunct="0">
-                  <a:spcBef>
-                    <a:spcPct val="0"/>
-                  </a:spcBef>
-                  <a:spcAft>
-                    <a:spcPct val="0"/>
-                  </a:spcAft>
-                  <a:defRPr>
-                    <a:solidFill>
-                      <a:schemeClr val="tx1"/>
-                    </a:solidFill>
-                    <a:latin typeface="Arial" panose="020B0604020202020204" pitchFamily="34" charset="0"/>
-                  </a:defRPr>
-                </a:lvl9pPr>
-              </a:lstStyle>
-              <a:p>
-                <a:pPr marL="0" marR="0" lvl="0" indent="0" algn="l" defTabSz="914400" rtl="0" eaLnBrk="0" fontAlgn="base" latinLnBrk="0" hangingPunct="0">
-                  <a:lnSpc>
-                    <a:spcPct val="100000"/>
-                  </a:lnSpc>
-                  <a:spcBef>
-                    <a:spcPct val="0"/>
-                  </a:spcBef>
-                  <a:spcAft>
-                    <a:spcPct val="0"/>
-                  </a:spcAft>
-                  <a:buClrTx/>
-                  <a:buSzTx/>
-                  <a:buFontTx/>
-                  <a:buNone/>
-                  <a:tabLst/>
-                </a:pPr>
-                <a:r>
-                  <a:rPr kumimoji="0" lang="en-US" altLang="en-US" sz="1100" b="0" i="0" u="none" strike="noStrike" cap="none" normalizeH="0" baseline="0">
-                    <a:ln>
-                      <a:noFill/>
-                    </a:ln>
-                    <a:solidFill>
-                      <a:srgbClr val="292929"/>
-                    </a:solidFill>
-                    <a:effectLst/>
-                    <a:latin typeface="Menlo"/>
-                  </a:rPr>
-                  <a:t>@EnableEurekaServer</a:t>
-                </a:r>
-                <a:r>
-                  <a:rPr kumimoji="0" lang="en-US" altLang="en-US" sz="1500" b="0" i="0" u="none" strike="noStrike" cap="none" normalizeH="0" baseline="0">
-                    <a:ln>
-                      <a:noFill/>
-                    </a:ln>
-                    <a:solidFill>
-                      <a:srgbClr val="292929"/>
-                    </a:solidFill>
-                    <a:effectLst/>
-                    <a:latin typeface="charter"/>
-                  </a:rPr>
-                  <a:t> </a:t>
-                </a:r>
-                <a:r>
-                  <a:rPr kumimoji="0" lang="en-US" altLang="en-US" sz="900" b="0" i="0" u="none" strike="noStrike" cap="none" normalizeH="0" baseline="0">
-                    <a:ln>
-                      <a:noFill/>
-                    </a:ln>
-                    <a:solidFill>
-                      <a:schemeClr val="tx1"/>
-                    </a:solidFill>
-                    <a:effectLst/>
-                  </a:rPr>
-                  <a:t> </a:t>
-                </a:r>
-                <a:endParaRPr kumimoji="0" lang="en-US" altLang="en-US" sz="1800" b="0" i="0" u="none" strike="noStrike" cap="none" normalizeH="0" baseline="0">
-                  <a:ln>
-                    <a:noFill/>
-                  </a:ln>
-                  <a:solidFill>
-                    <a:schemeClr val="tx1"/>
-                  </a:solidFill>
-                  <a:effectLst/>
-                  <a:latin typeface="Arial" panose="020B0604020202020204" pitchFamily="34" charset="0"/>
-                </a:endParaRPr>
-              </a:p>
-            </p:txBody>
-          </p:sp>
-          <p:sp>
-            <p:nvSpPr>
-              <p:cNvPr id="9" name="Rectangle 1">
-                <a:extLst>
-                  <a:ext uri="{FF2B5EF4-FFF2-40B4-BE49-F238E27FC236}">
-                    <a16:creationId xmlns:a16="http://schemas.microsoft.com/office/drawing/2014/main" xmlns="" id="{4A5862E7-0045-43EA-8731-76AF0AFFEB2B}"/>
-                  </a:ext>
-                </a:extLst>
-              </p:cNvPr>
-              <p:cNvSpPr>
-                <a:spLocks noChangeArrowheads="1"/>
-              </p:cNvSpPr>
-              <p:nvPr/>
-            </p:nvSpPr>
-            <p:spPr bwMode="auto">
-              <a:xfrm>
-                <a:off x="1365957" y="3471694"/>
-                <a:ext cx="2684039" cy="261610"/>
-              </a:xfrm>
-              <a:prstGeom prst="rect">
-                <a:avLst/>
-              </a:prstGeom>
-              <a:solidFill>
-                <a:srgbClr val="F2F2F2"/>
-              </a:solidFill>
-              <a:ln>
-                <a:noFill/>
-              </a:ln>
-              <a:effectLst/>
-              <a:extLst>
-                <a:ext uri="{91240B29-F687-4F45-9708-019B960494DF}">
-                  <a14:hiddenLine xmlns:a14="http://schemas.microsoft.com/office/drawing/2010/main" w="9525">
-                    <a:solidFill>
-                      <a:schemeClr val="tx1"/>
-                    </a:solidFill>
-                    <a:miter lim="800000"/>
-                    <a:headEnd/>
-                    <a:tailEnd/>
-                  </a14:hiddenLine>
-                </a:ext>
-                <a:ext uri="{AF507438-7753-43E0-B8FC-AC1667EBCBE1}">
-                  <a14:hiddenEffects xmlns:a14="http://schemas.microsoft.com/office/drawing/2010/main">
-                    <a:effectLst>
-                      <a:outerShdw dist="35921" dir="2700000" algn="ctr" rotWithShape="0">
-                        <a:schemeClr val="bg2"/>
-                      </a:outerShdw>
-                    </a:effectLst>
-                  </a14:hiddenEffects>
-                </a:ext>
-              </a:extLst>
-            </p:spPr>
-            <p:txBody>
-              <a:bodyPr vert="horz" wrap="square" lIns="91440" tIns="45720" rIns="91440" bIns="45720" numCol="1" anchor="ctr" anchorCtr="0" compatLnSpc="1">
-                <a:prstTxWarp prst="textNoShape">
-                  <a:avLst/>
-                </a:prstTxWarp>
-                <a:spAutoFit/>
-              </a:bodyPr>
-              <a:lstStyle>
-                <a:lvl1pPr eaLnBrk="0" fontAlgn="base" hangingPunct="0">
-                  <a:spcBef>
-                    <a:spcPct val="0"/>
-                  </a:spcBef>
-                  <a:spcAft>
-                    <a:spcPct val="0"/>
-                  </a:spcAft>
-                  <a:defRPr>
-                    <a:solidFill>
-                      <a:schemeClr val="tx1"/>
-                    </a:solidFill>
-                    <a:latin typeface="Arial" panose="020B0604020202020204" pitchFamily="34" charset="0"/>
-                  </a:defRPr>
-                </a:lvl1pPr>
-                <a:lvl2pPr eaLnBrk="0" fontAlgn="base" hangingPunct="0">
-                  <a:spcBef>
-                    <a:spcPct val="0"/>
-                  </a:spcBef>
-                  <a:spcAft>
-                    <a:spcPct val="0"/>
-                  </a:spcAft>
-                  <a:defRPr>
-                    <a:solidFill>
-                      <a:schemeClr val="tx1"/>
-                    </a:solidFill>
-                    <a:latin typeface="Arial" panose="020B0604020202020204" pitchFamily="34" charset="0"/>
-                  </a:defRPr>
-                </a:lvl2pPr>
-                <a:lvl3pPr eaLnBrk="0" fontAlgn="base" hangingPunct="0">
-                  <a:spcBef>
-                    <a:spcPct val="0"/>
-                  </a:spcBef>
-                  <a:spcAft>
-                    <a:spcPct val="0"/>
-                  </a:spcAft>
-                  <a:defRPr>
-                    <a:solidFill>
-                      <a:schemeClr val="tx1"/>
-                    </a:solidFill>
-                    <a:latin typeface="Arial" panose="020B0604020202020204" pitchFamily="34" charset="0"/>
-                  </a:defRPr>
-                </a:lvl3pPr>
-                <a:lvl4pPr eaLnBrk="0" fontAlgn="base" hangingPunct="0">
-                  <a:spcBef>
-                    <a:spcPct val="0"/>
-                  </a:spcBef>
-                  <a:spcAft>
-                    <a:spcPct val="0"/>
-                  </a:spcAft>
-                  <a:defRPr>
-                    <a:solidFill>
-                      <a:schemeClr val="tx1"/>
-                    </a:solidFill>
-                    <a:latin typeface="Arial" panose="020B0604020202020204" pitchFamily="34" charset="0"/>
-                  </a:defRPr>
-                </a:lvl4pPr>
-                <a:lvl5pPr eaLnBrk="0" fontAlgn="base" hangingPunct="0">
-                  <a:spcBef>
-                    <a:spcPct val="0"/>
-                  </a:spcBef>
-                  <a:spcAft>
-                    <a:spcPct val="0"/>
-                  </a:spcAft>
-                  <a:defRPr>
-                    <a:solidFill>
-                      <a:schemeClr val="tx1"/>
-                    </a:solidFill>
-                    <a:latin typeface="Arial" panose="020B0604020202020204" pitchFamily="34" charset="0"/>
-                  </a:defRPr>
-                </a:lvl5pPr>
-                <a:lvl6pPr eaLnBrk="0" fontAlgn="base" hangingPunct="0">
-                  <a:spcBef>
-                    <a:spcPct val="0"/>
-                  </a:spcBef>
-                  <a:spcAft>
-                    <a:spcPct val="0"/>
-                  </a:spcAft>
-                  <a:defRPr>
-                    <a:solidFill>
-                      <a:schemeClr val="tx1"/>
-                    </a:solidFill>
-                    <a:latin typeface="Arial" panose="020B0604020202020204" pitchFamily="34" charset="0"/>
-                  </a:defRPr>
-                </a:lvl6pPr>
-                <a:lvl7pPr eaLnBrk="0" fontAlgn="base" hangingPunct="0">
-                  <a:spcBef>
-                    <a:spcPct val="0"/>
-                  </a:spcBef>
-                  <a:spcAft>
-                    <a:spcPct val="0"/>
-                  </a:spcAft>
-                  <a:defRPr>
-                    <a:solidFill>
-                      <a:schemeClr val="tx1"/>
-                    </a:solidFill>
-                    <a:latin typeface="Arial" panose="020B0604020202020204" pitchFamily="34" charset="0"/>
-                  </a:defRPr>
-                </a:lvl7pPr>
-                <a:lvl8pPr eaLnBrk="0" fontAlgn="base" hangingPunct="0">
-                  <a:spcBef>
-                    <a:spcPct val="0"/>
-                  </a:spcBef>
-                  <a:spcAft>
-                    <a:spcPct val="0"/>
-                  </a:spcAft>
-                  <a:defRPr>
-                    <a:solidFill>
-                      <a:schemeClr val="tx1"/>
-                    </a:solidFill>
-                    <a:latin typeface="Arial" panose="020B0604020202020204" pitchFamily="34" charset="0"/>
-                  </a:defRPr>
-                </a:lvl8pPr>
-                <a:lvl9pPr eaLnBrk="0" fontAlgn="base" hangingPunct="0">
-                  <a:spcBef>
-                    <a:spcPct val="0"/>
-                  </a:spcBef>
-                  <a:spcAft>
-                    <a:spcPct val="0"/>
-                  </a:spcAft>
-                  <a:defRPr>
-                    <a:solidFill>
-                      <a:schemeClr val="tx1"/>
-                    </a:solidFill>
-                    <a:latin typeface="Arial" panose="020B0604020202020204" pitchFamily="34" charset="0"/>
-                  </a:defRPr>
-                </a:lvl9pPr>
-              </a:lstStyle>
-              <a:p>
-                <a:pPr marL="0" marR="0" lvl="0" indent="0" algn="l" defTabSz="914400" rtl="0" eaLnBrk="0" fontAlgn="base" latinLnBrk="0" hangingPunct="0">
-                  <a:lnSpc>
-                    <a:spcPct val="100000"/>
-                  </a:lnSpc>
-                  <a:spcBef>
-                    <a:spcPct val="0"/>
-                  </a:spcBef>
-                  <a:spcAft>
-                    <a:spcPct val="0"/>
-                  </a:spcAft>
-                  <a:buClrTx/>
-                  <a:buSzTx/>
-                  <a:buFontTx/>
-                  <a:buNone/>
-                  <a:tabLst/>
-                </a:pPr>
-                <a:r>
-                  <a:rPr lang="en-IN" sz="1100" b="0" i="0" dirty="0">
-                    <a:solidFill>
-                      <a:srgbClr val="24292F"/>
-                    </a:solidFill>
-                    <a:effectLst/>
-                    <a:latin typeface="ui-monospace"/>
-                  </a:rPr>
-                  <a:t>spring-cloud-starter-</a:t>
-                </a:r>
-                <a:r>
-                  <a:rPr lang="en-IN" sz="1100" b="0" i="0" dirty="0" err="1">
-                    <a:solidFill>
-                      <a:srgbClr val="24292F"/>
-                    </a:solidFill>
-                    <a:effectLst/>
-                    <a:latin typeface="ui-monospace"/>
-                  </a:rPr>
-                  <a:t>netflix</a:t>
-                </a:r>
-                <a:r>
-                  <a:rPr lang="en-IN" sz="1100" b="0" i="0" dirty="0">
-                    <a:solidFill>
-                      <a:srgbClr val="24292F"/>
-                    </a:solidFill>
-                    <a:effectLst/>
-                    <a:latin typeface="ui-monospace"/>
-                  </a:rPr>
-                  <a:t>-eureka-server</a:t>
-                </a:r>
-                <a:endParaRPr kumimoji="0" lang="en-US" altLang="en-US" sz="1800" b="0" i="0" u="none" strike="noStrike" cap="none" normalizeH="0" baseline="0" dirty="0">
-                  <a:ln>
-                    <a:noFill/>
-                  </a:ln>
-                  <a:solidFill>
-                    <a:schemeClr val="tx1"/>
-                  </a:solidFill>
-                  <a:effectLst/>
-                  <a:latin typeface="Arial" panose="020B0604020202020204" pitchFamily="34" charset="0"/>
-                </a:endParaRPr>
-              </a:p>
-            </p:txBody>
-          </p:sp>
-        </p:grpSp>
-        <p:grpSp>
-          <p:nvGrpSpPr>
-            <p:cNvPr id="11" name="Group 10">
-              <a:extLst>
-                <a:ext uri="{FF2B5EF4-FFF2-40B4-BE49-F238E27FC236}">
-                  <a16:creationId xmlns:a16="http://schemas.microsoft.com/office/drawing/2014/main" xmlns="" id="{93DBFA10-C83E-4DEF-8CD1-BADBC16FE155}"/>
-                </a:ext>
-              </a:extLst>
-            </p:cNvPr>
-            <p:cNvGrpSpPr/>
-            <p:nvPr/>
-          </p:nvGrpSpPr>
-          <p:grpSpPr>
-            <a:xfrm>
-              <a:off x="4351869" y="2465406"/>
-              <a:ext cx="2684040" cy="1338950"/>
-              <a:chOff x="1365957" y="2465406"/>
-              <a:chExt cx="2684040" cy="1338950"/>
-            </a:xfrm>
-          </p:grpSpPr>
-          <p:sp>
-            <p:nvSpPr>
-              <p:cNvPr id="12" name="Rectangle: Rounded Corners 11">
-                <a:extLst>
-                  <a:ext uri="{FF2B5EF4-FFF2-40B4-BE49-F238E27FC236}">
-                    <a16:creationId xmlns:a16="http://schemas.microsoft.com/office/drawing/2014/main" xmlns="" id="{BE150171-1A7B-4D64-B55E-DB783C08E7C2}"/>
+                    <a16:creationId xmlns:a16="http://schemas.microsoft.com/office/drawing/2014/main" id="{229043B8-923C-4A63-923B-ED47AB6F3179}"/>
                   </a:ext>
                 </a:extLst>
               </p:cNvPr>
@@ -9133,7 +8547,7 @@
                     </a:solidFill>
                     <a:latin typeface="Consolas" panose="020B0609020204030204" pitchFamily="49" charset="0"/>
                   </a:rPr>
-                  <a:t>bmt.registry02.com</a:t>
+                  <a:t>bmt.registry01.com</a:t>
                 </a:r>
                 <a:endParaRPr lang="en-IN" dirty="0"/>
               </a:p>
@@ -9141,10 +8555,10 @@
           </p:sp>
           <p:sp>
             <p:nvSpPr>
-              <p:cNvPr id="13" name="Rectangle 1">
+              <p:cNvPr id="7" name="Rectangle 1">
                 <a:extLst>
                   <a:ext uri="{FF2B5EF4-FFF2-40B4-BE49-F238E27FC236}">
-                    <a16:creationId xmlns:a16="http://schemas.microsoft.com/office/drawing/2014/main" xmlns="" id="{26A7B01C-670A-4B9E-8775-5248BB8B3942}"/>
+                    <a16:creationId xmlns:a16="http://schemas.microsoft.com/office/drawing/2014/main" id="{FFE5BAF0-90A9-481D-AAC3-4466B273C9B9}"/>
                   </a:ext>
                 </a:extLst>
               </p:cNvPr>
@@ -9395,10 +8809,10 @@
           </p:sp>
           <p:sp>
             <p:nvSpPr>
-              <p:cNvPr id="14" name="Rectangle 1">
+              <p:cNvPr id="9" name="Rectangle 1">
                 <a:extLst>
                   <a:ext uri="{FF2B5EF4-FFF2-40B4-BE49-F238E27FC236}">
-                    <a16:creationId xmlns:a16="http://schemas.microsoft.com/office/drawing/2014/main" xmlns="" id="{AE53C4F4-C196-4B4D-894F-2430912415CD}"/>
+                    <a16:creationId xmlns:a16="http://schemas.microsoft.com/office/drawing/2014/main" id="{4A5862E7-0045-43EA-8731-76AF0AFFEB2B}"/>
                   </a:ext>
                 </a:extLst>
               </p:cNvPr>
@@ -9640,13 +9054,595 @@
             </p:txBody>
           </p:sp>
         </p:grpSp>
+        <p:grpSp>
+          <p:nvGrpSpPr>
+            <p:cNvPr id="11" name="Group 10">
+              <a:extLst>
+                <a:ext uri="{FF2B5EF4-FFF2-40B4-BE49-F238E27FC236}">
+                  <a16:creationId xmlns:a16="http://schemas.microsoft.com/office/drawing/2014/main" id="{93DBFA10-C83E-4DEF-8CD1-BADBC16FE155}"/>
+                </a:ext>
+              </a:extLst>
+            </p:cNvPr>
+            <p:cNvGrpSpPr/>
+            <p:nvPr/>
+          </p:nvGrpSpPr>
+          <p:grpSpPr>
+            <a:xfrm>
+              <a:off x="4351869" y="2465406"/>
+              <a:ext cx="2684040" cy="1338950"/>
+              <a:chOff x="1365957" y="2465406"/>
+              <a:chExt cx="2684040" cy="1338950"/>
+            </a:xfrm>
+          </p:grpSpPr>
+          <p:sp>
+            <p:nvSpPr>
+              <p:cNvPr id="12" name="Rectangle: Rounded Corners 11">
+                <a:extLst>
+                  <a:ext uri="{FF2B5EF4-FFF2-40B4-BE49-F238E27FC236}">
+                    <a16:creationId xmlns:a16="http://schemas.microsoft.com/office/drawing/2014/main" id="{BE150171-1A7B-4D64-B55E-DB783C08E7C2}"/>
+                  </a:ext>
+                </a:extLst>
+              </p:cNvPr>
+              <p:cNvSpPr/>
+              <p:nvPr/>
+            </p:nvSpPr>
+            <p:spPr>
+              <a:xfrm>
+                <a:off x="1365957" y="2465406"/>
+                <a:ext cx="2684040" cy="1338950"/>
+              </a:xfrm>
+              <a:prstGeom prst="roundRect">
+                <a:avLst/>
+              </a:prstGeom>
+              <a:solidFill>
+                <a:schemeClr val="accent1">
+                  <a:lumMod val="40000"/>
+                  <a:lumOff val="60000"/>
+                </a:schemeClr>
+              </a:solidFill>
+            </p:spPr>
+            <p:style>
+              <a:lnRef idx="2">
+                <a:schemeClr val="accent1">
+                  <a:shade val="50000"/>
+                </a:schemeClr>
+              </a:lnRef>
+              <a:fillRef idx="1">
+                <a:schemeClr val="accent1"/>
+              </a:fillRef>
+              <a:effectRef idx="0">
+                <a:schemeClr val="accent1"/>
+              </a:effectRef>
+              <a:fontRef idx="minor">
+                <a:schemeClr val="lt1"/>
+              </a:fontRef>
+            </p:style>
+            <p:txBody>
+              <a:bodyPr rtlCol="0" anchor="ctr"/>
+              <a:lstStyle/>
+              <a:p>
+                <a:pPr algn="ctr"/>
+                <a:r>
+                  <a:rPr lang="en-IN" sz="1800" dirty="0">
+                    <a:solidFill>
+                      <a:srgbClr val="000000"/>
+                    </a:solidFill>
+                    <a:latin typeface="Consolas" panose="020B0609020204030204" pitchFamily="49" charset="0"/>
+                  </a:rPr>
+                  <a:t>bmt.registry02.com</a:t>
+                </a:r>
+                <a:endParaRPr lang="en-IN" dirty="0"/>
+              </a:p>
+            </p:txBody>
+          </p:sp>
+          <p:sp>
+            <p:nvSpPr>
+              <p:cNvPr id="13" name="Rectangle 1">
+                <a:extLst>
+                  <a:ext uri="{FF2B5EF4-FFF2-40B4-BE49-F238E27FC236}">
+                    <a16:creationId xmlns:a16="http://schemas.microsoft.com/office/drawing/2014/main" id="{26A7B01C-670A-4B9E-8775-5248BB8B3942}"/>
+                  </a:ext>
+                </a:extLst>
+              </p:cNvPr>
+              <p:cNvSpPr>
+                <a:spLocks noChangeArrowheads="1"/>
+              </p:cNvSpPr>
+              <p:nvPr/>
+            </p:nvSpPr>
+            <p:spPr bwMode="auto">
+              <a:xfrm>
+                <a:off x="2458262" y="2495902"/>
+                <a:ext cx="1490133" cy="323165"/>
+              </a:xfrm>
+              <a:prstGeom prst="rect">
+                <a:avLst/>
+              </a:prstGeom>
+              <a:solidFill>
+                <a:srgbClr val="F2F2F2"/>
+              </a:solidFill>
+              <a:ln>
+                <a:noFill/>
+              </a:ln>
+              <a:effectLst/>
+              <a:extLst>
+                <a:ext uri="{91240B29-F687-4F45-9708-019B960494DF}">
+                  <a14:hiddenLine xmlns:a14="http://schemas.microsoft.com/office/drawing/2010/main" w="9525">
+                    <a:solidFill>
+                      <a:schemeClr val="tx1"/>
+                    </a:solidFill>
+                    <a:miter lim="800000"/>
+                    <a:headEnd/>
+                    <a:tailEnd/>
+                  </a14:hiddenLine>
+                </a:ext>
+                <a:ext uri="{AF507438-7753-43E0-B8FC-AC1667EBCBE1}">
+                  <a14:hiddenEffects xmlns:a14="http://schemas.microsoft.com/office/drawing/2010/main">
+                    <a:effectLst>
+                      <a:outerShdw dist="35921" dir="2700000" algn="ctr" rotWithShape="0">
+                        <a:schemeClr val="bg2"/>
+                      </a:outerShdw>
+                    </a:effectLst>
+                  </a14:hiddenEffects>
+                </a:ext>
+              </a:extLst>
+            </p:spPr>
+            <p:txBody>
+              <a:bodyPr vert="horz" wrap="square" lIns="91440" tIns="45720" rIns="91440" bIns="45720" numCol="1" anchor="ctr" anchorCtr="0" compatLnSpc="1">
+                <a:prstTxWarp prst="textNoShape">
+                  <a:avLst/>
+                </a:prstTxWarp>
+                <a:spAutoFit/>
+              </a:bodyPr>
+              <a:lstStyle>
+                <a:lvl1pPr eaLnBrk="0" fontAlgn="base" hangingPunct="0">
+                  <a:spcBef>
+                    <a:spcPct val="0"/>
+                  </a:spcBef>
+                  <a:spcAft>
+                    <a:spcPct val="0"/>
+                  </a:spcAft>
+                  <a:defRPr>
+                    <a:solidFill>
+                      <a:schemeClr val="tx1"/>
+                    </a:solidFill>
+                    <a:latin typeface="Arial" panose="020B0604020202020204" pitchFamily="34" charset="0"/>
+                  </a:defRPr>
+                </a:lvl1pPr>
+                <a:lvl2pPr eaLnBrk="0" fontAlgn="base" hangingPunct="0">
+                  <a:spcBef>
+                    <a:spcPct val="0"/>
+                  </a:spcBef>
+                  <a:spcAft>
+                    <a:spcPct val="0"/>
+                  </a:spcAft>
+                  <a:defRPr>
+                    <a:solidFill>
+                      <a:schemeClr val="tx1"/>
+                    </a:solidFill>
+                    <a:latin typeface="Arial" panose="020B0604020202020204" pitchFamily="34" charset="0"/>
+                  </a:defRPr>
+                </a:lvl2pPr>
+                <a:lvl3pPr eaLnBrk="0" fontAlgn="base" hangingPunct="0">
+                  <a:spcBef>
+                    <a:spcPct val="0"/>
+                  </a:spcBef>
+                  <a:spcAft>
+                    <a:spcPct val="0"/>
+                  </a:spcAft>
+                  <a:defRPr>
+                    <a:solidFill>
+                      <a:schemeClr val="tx1"/>
+                    </a:solidFill>
+                    <a:latin typeface="Arial" panose="020B0604020202020204" pitchFamily="34" charset="0"/>
+                  </a:defRPr>
+                </a:lvl3pPr>
+                <a:lvl4pPr eaLnBrk="0" fontAlgn="base" hangingPunct="0">
+                  <a:spcBef>
+                    <a:spcPct val="0"/>
+                  </a:spcBef>
+                  <a:spcAft>
+                    <a:spcPct val="0"/>
+                  </a:spcAft>
+                  <a:defRPr>
+                    <a:solidFill>
+                      <a:schemeClr val="tx1"/>
+                    </a:solidFill>
+                    <a:latin typeface="Arial" panose="020B0604020202020204" pitchFamily="34" charset="0"/>
+                  </a:defRPr>
+                </a:lvl4pPr>
+                <a:lvl5pPr eaLnBrk="0" fontAlgn="base" hangingPunct="0">
+                  <a:spcBef>
+                    <a:spcPct val="0"/>
+                  </a:spcBef>
+                  <a:spcAft>
+                    <a:spcPct val="0"/>
+                  </a:spcAft>
+                  <a:defRPr>
+                    <a:solidFill>
+                      <a:schemeClr val="tx1"/>
+                    </a:solidFill>
+                    <a:latin typeface="Arial" panose="020B0604020202020204" pitchFamily="34" charset="0"/>
+                  </a:defRPr>
+                </a:lvl5pPr>
+                <a:lvl6pPr eaLnBrk="0" fontAlgn="base" hangingPunct="0">
+                  <a:spcBef>
+                    <a:spcPct val="0"/>
+                  </a:spcBef>
+                  <a:spcAft>
+                    <a:spcPct val="0"/>
+                  </a:spcAft>
+                  <a:defRPr>
+                    <a:solidFill>
+                      <a:schemeClr val="tx1"/>
+                    </a:solidFill>
+                    <a:latin typeface="Arial" panose="020B0604020202020204" pitchFamily="34" charset="0"/>
+                  </a:defRPr>
+                </a:lvl6pPr>
+                <a:lvl7pPr eaLnBrk="0" fontAlgn="base" hangingPunct="0">
+                  <a:spcBef>
+                    <a:spcPct val="0"/>
+                  </a:spcBef>
+                  <a:spcAft>
+                    <a:spcPct val="0"/>
+                  </a:spcAft>
+                  <a:defRPr>
+                    <a:solidFill>
+                      <a:schemeClr val="tx1"/>
+                    </a:solidFill>
+                    <a:latin typeface="Arial" panose="020B0604020202020204" pitchFamily="34" charset="0"/>
+                  </a:defRPr>
+                </a:lvl7pPr>
+                <a:lvl8pPr eaLnBrk="0" fontAlgn="base" hangingPunct="0">
+                  <a:spcBef>
+                    <a:spcPct val="0"/>
+                  </a:spcBef>
+                  <a:spcAft>
+                    <a:spcPct val="0"/>
+                  </a:spcAft>
+                  <a:defRPr>
+                    <a:solidFill>
+                      <a:schemeClr val="tx1"/>
+                    </a:solidFill>
+                    <a:latin typeface="Arial" panose="020B0604020202020204" pitchFamily="34" charset="0"/>
+                  </a:defRPr>
+                </a:lvl8pPr>
+                <a:lvl9pPr eaLnBrk="0" fontAlgn="base" hangingPunct="0">
+                  <a:spcBef>
+                    <a:spcPct val="0"/>
+                  </a:spcBef>
+                  <a:spcAft>
+                    <a:spcPct val="0"/>
+                  </a:spcAft>
+                  <a:defRPr>
+                    <a:solidFill>
+                      <a:schemeClr val="tx1"/>
+                    </a:solidFill>
+                    <a:latin typeface="Arial" panose="020B0604020202020204" pitchFamily="34" charset="0"/>
+                  </a:defRPr>
+                </a:lvl9pPr>
+              </a:lstStyle>
+              <a:p>
+                <a:pPr marL="0" marR="0" lvl="0" indent="0" algn="l" defTabSz="914400" rtl="0" eaLnBrk="0" fontAlgn="base" latinLnBrk="0" hangingPunct="0">
+                  <a:lnSpc>
+                    <a:spcPct val="100000"/>
+                  </a:lnSpc>
+                  <a:spcBef>
+                    <a:spcPct val="0"/>
+                  </a:spcBef>
+                  <a:spcAft>
+                    <a:spcPct val="0"/>
+                  </a:spcAft>
+                  <a:buClrTx/>
+                  <a:buSzTx/>
+                  <a:buFontTx/>
+                  <a:buNone/>
+                  <a:tabLst/>
+                </a:pPr>
+                <a:r>
+                  <a:rPr kumimoji="0" lang="en-US" altLang="en-US" sz="1100" b="0" i="0" u="none" strike="noStrike" cap="none" normalizeH="0" baseline="0">
+                    <a:ln>
+                      <a:noFill/>
+                    </a:ln>
+                    <a:solidFill>
+                      <a:srgbClr val="292929"/>
+                    </a:solidFill>
+                    <a:effectLst/>
+                    <a:latin typeface="Menlo"/>
+                  </a:rPr>
+                  <a:t>@EnableEurekaServer</a:t>
+                </a:r>
+                <a:r>
+                  <a:rPr kumimoji="0" lang="en-US" altLang="en-US" sz="1500" b="0" i="0" u="none" strike="noStrike" cap="none" normalizeH="0" baseline="0">
+                    <a:ln>
+                      <a:noFill/>
+                    </a:ln>
+                    <a:solidFill>
+                      <a:srgbClr val="292929"/>
+                    </a:solidFill>
+                    <a:effectLst/>
+                    <a:latin typeface="charter"/>
+                  </a:rPr>
+                  <a:t> </a:t>
+                </a:r>
+                <a:r>
+                  <a:rPr kumimoji="0" lang="en-US" altLang="en-US" sz="900" b="0" i="0" u="none" strike="noStrike" cap="none" normalizeH="0" baseline="0">
+                    <a:ln>
+                      <a:noFill/>
+                    </a:ln>
+                    <a:solidFill>
+                      <a:schemeClr val="tx1"/>
+                    </a:solidFill>
+                    <a:effectLst/>
+                  </a:rPr>
+                  <a:t> </a:t>
+                </a:r>
+                <a:endParaRPr kumimoji="0" lang="en-US" altLang="en-US" sz="1800" b="0" i="0" u="none" strike="noStrike" cap="none" normalizeH="0" baseline="0">
+                  <a:ln>
+                    <a:noFill/>
+                  </a:ln>
+                  <a:solidFill>
+                    <a:schemeClr val="tx1"/>
+                  </a:solidFill>
+                  <a:effectLst/>
+                  <a:latin typeface="Arial" panose="020B0604020202020204" pitchFamily="34" charset="0"/>
+                </a:endParaRPr>
+              </a:p>
+            </p:txBody>
+          </p:sp>
+          <p:sp>
+            <p:nvSpPr>
+              <p:cNvPr id="14" name="Rectangle 1">
+                <a:extLst>
+                  <a:ext uri="{FF2B5EF4-FFF2-40B4-BE49-F238E27FC236}">
+                    <a16:creationId xmlns:a16="http://schemas.microsoft.com/office/drawing/2014/main" id="{AE53C4F4-C196-4B4D-894F-2430912415CD}"/>
+                  </a:ext>
+                </a:extLst>
+              </p:cNvPr>
+              <p:cNvSpPr>
+                <a:spLocks noChangeArrowheads="1"/>
+              </p:cNvSpPr>
+              <p:nvPr/>
+            </p:nvSpPr>
+            <p:spPr bwMode="auto">
+              <a:xfrm>
+                <a:off x="1365957" y="3471694"/>
+                <a:ext cx="2684039" cy="261610"/>
+              </a:xfrm>
+              <a:prstGeom prst="rect">
+                <a:avLst/>
+              </a:prstGeom>
+              <a:solidFill>
+                <a:srgbClr val="F2F2F2"/>
+              </a:solidFill>
+              <a:ln>
+                <a:noFill/>
+              </a:ln>
+              <a:effectLst/>
+              <a:extLst>
+                <a:ext uri="{91240B29-F687-4F45-9708-019B960494DF}">
+                  <a14:hiddenLine xmlns:a14="http://schemas.microsoft.com/office/drawing/2010/main" w="9525">
+                    <a:solidFill>
+                      <a:schemeClr val="tx1"/>
+                    </a:solidFill>
+                    <a:miter lim="800000"/>
+                    <a:headEnd/>
+                    <a:tailEnd/>
+                  </a14:hiddenLine>
+                </a:ext>
+                <a:ext uri="{AF507438-7753-43E0-B8FC-AC1667EBCBE1}">
+                  <a14:hiddenEffects xmlns:a14="http://schemas.microsoft.com/office/drawing/2010/main">
+                    <a:effectLst>
+                      <a:outerShdw dist="35921" dir="2700000" algn="ctr" rotWithShape="0">
+                        <a:schemeClr val="bg2"/>
+                      </a:outerShdw>
+                    </a:effectLst>
+                  </a14:hiddenEffects>
+                </a:ext>
+              </a:extLst>
+            </p:spPr>
+            <p:txBody>
+              <a:bodyPr vert="horz" wrap="square" lIns="91440" tIns="45720" rIns="91440" bIns="45720" numCol="1" anchor="ctr" anchorCtr="0" compatLnSpc="1">
+                <a:prstTxWarp prst="textNoShape">
+                  <a:avLst/>
+                </a:prstTxWarp>
+                <a:spAutoFit/>
+              </a:bodyPr>
+              <a:lstStyle>
+                <a:lvl1pPr eaLnBrk="0" fontAlgn="base" hangingPunct="0">
+                  <a:spcBef>
+                    <a:spcPct val="0"/>
+                  </a:spcBef>
+                  <a:spcAft>
+                    <a:spcPct val="0"/>
+                  </a:spcAft>
+                  <a:defRPr>
+                    <a:solidFill>
+                      <a:schemeClr val="tx1"/>
+                    </a:solidFill>
+                    <a:latin typeface="Arial" panose="020B0604020202020204" pitchFamily="34" charset="0"/>
+                  </a:defRPr>
+                </a:lvl1pPr>
+                <a:lvl2pPr eaLnBrk="0" fontAlgn="base" hangingPunct="0">
+                  <a:spcBef>
+                    <a:spcPct val="0"/>
+                  </a:spcBef>
+                  <a:spcAft>
+                    <a:spcPct val="0"/>
+                  </a:spcAft>
+                  <a:defRPr>
+                    <a:solidFill>
+                      <a:schemeClr val="tx1"/>
+                    </a:solidFill>
+                    <a:latin typeface="Arial" panose="020B0604020202020204" pitchFamily="34" charset="0"/>
+                  </a:defRPr>
+                </a:lvl2pPr>
+                <a:lvl3pPr eaLnBrk="0" fontAlgn="base" hangingPunct="0">
+                  <a:spcBef>
+                    <a:spcPct val="0"/>
+                  </a:spcBef>
+                  <a:spcAft>
+                    <a:spcPct val="0"/>
+                  </a:spcAft>
+                  <a:defRPr>
+                    <a:solidFill>
+                      <a:schemeClr val="tx1"/>
+                    </a:solidFill>
+                    <a:latin typeface="Arial" panose="020B0604020202020204" pitchFamily="34" charset="0"/>
+                  </a:defRPr>
+                </a:lvl3pPr>
+                <a:lvl4pPr eaLnBrk="0" fontAlgn="base" hangingPunct="0">
+                  <a:spcBef>
+                    <a:spcPct val="0"/>
+                  </a:spcBef>
+                  <a:spcAft>
+                    <a:spcPct val="0"/>
+                  </a:spcAft>
+                  <a:defRPr>
+                    <a:solidFill>
+                      <a:schemeClr val="tx1"/>
+                    </a:solidFill>
+                    <a:latin typeface="Arial" panose="020B0604020202020204" pitchFamily="34" charset="0"/>
+                  </a:defRPr>
+                </a:lvl4pPr>
+                <a:lvl5pPr eaLnBrk="0" fontAlgn="base" hangingPunct="0">
+                  <a:spcBef>
+                    <a:spcPct val="0"/>
+                  </a:spcBef>
+                  <a:spcAft>
+                    <a:spcPct val="0"/>
+                  </a:spcAft>
+                  <a:defRPr>
+                    <a:solidFill>
+                      <a:schemeClr val="tx1"/>
+                    </a:solidFill>
+                    <a:latin typeface="Arial" panose="020B0604020202020204" pitchFamily="34" charset="0"/>
+                  </a:defRPr>
+                </a:lvl5pPr>
+                <a:lvl6pPr eaLnBrk="0" fontAlgn="base" hangingPunct="0">
+                  <a:spcBef>
+                    <a:spcPct val="0"/>
+                  </a:spcBef>
+                  <a:spcAft>
+                    <a:spcPct val="0"/>
+                  </a:spcAft>
+                  <a:defRPr>
+                    <a:solidFill>
+                      <a:schemeClr val="tx1"/>
+                    </a:solidFill>
+                    <a:latin typeface="Arial" panose="020B0604020202020204" pitchFamily="34" charset="0"/>
+                  </a:defRPr>
+                </a:lvl6pPr>
+                <a:lvl7pPr eaLnBrk="0" fontAlgn="base" hangingPunct="0">
+                  <a:spcBef>
+                    <a:spcPct val="0"/>
+                  </a:spcBef>
+                  <a:spcAft>
+                    <a:spcPct val="0"/>
+                  </a:spcAft>
+                  <a:defRPr>
+                    <a:solidFill>
+                      <a:schemeClr val="tx1"/>
+                    </a:solidFill>
+                    <a:latin typeface="Arial" panose="020B0604020202020204" pitchFamily="34" charset="0"/>
+                  </a:defRPr>
+                </a:lvl7pPr>
+                <a:lvl8pPr eaLnBrk="0" fontAlgn="base" hangingPunct="0">
+                  <a:spcBef>
+                    <a:spcPct val="0"/>
+                  </a:spcBef>
+                  <a:spcAft>
+                    <a:spcPct val="0"/>
+                  </a:spcAft>
+                  <a:defRPr>
+                    <a:solidFill>
+                      <a:schemeClr val="tx1"/>
+                    </a:solidFill>
+                    <a:latin typeface="Arial" panose="020B0604020202020204" pitchFamily="34" charset="0"/>
+                  </a:defRPr>
+                </a:lvl8pPr>
+                <a:lvl9pPr eaLnBrk="0" fontAlgn="base" hangingPunct="0">
+                  <a:spcBef>
+                    <a:spcPct val="0"/>
+                  </a:spcBef>
+                  <a:spcAft>
+                    <a:spcPct val="0"/>
+                  </a:spcAft>
+                  <a:defRPr>
+                    <a:solidFill>
+                      <a:schemeClr val="tx1"/>
+                    </a:solidFill>
+                    <a:latin typeface="Arial" panose="020B0604020202020204" pitchFamily="34" charset="0"/>
+                  </a:defRPr>
+                </a:lvl9pPr>
+              </a:lstStyle>
+              <a:p>
+                <a:pPr marL="0" marR="0" lvl="0" indent="0" algn="l" defTabSz="914400" rtl="0" eaLnBrk="0" fontAlgn="base" latinLnBrk="0" hangingPunct="0">
+                  <a:lnSpc>
+                    <a:spcPct val="100000"/>
+                  </a:lnSpc>
+                  <a:spcBef>
+                    <a:spcPct val="0"/>
+                  </a:spcBef>
+                  <a:spcAft>
+                    <a:spcPct val="0"/>
+                  </a:spcAft>
+                  <a:buClrTx/>
+                  <a:buSzTx/>
+                  <a:buFontTx/>
+                  <a:buNone/>
+                  <a:tabLst/>
+                </a:pPr>
+                <a:r>
+                  <a:rPr lang="en-IN" sz="1100" b="0" i="0" dirty="0">
+                    <a:solidFill>
+                      <a:srgbClr val="24292F"/>
+                    </a:solidFill>
+                    <a:effectLst/>
+                    <a:latin typeface="ui-monospace"/>
+                  </a:rPr>
+                  <a:t>spring-cloud-starter-</a:t>
+                </a:r>
+                <a:r>
+                  <a:rPr lang="en-IN" sz="1100" b="0" i="0" dirty="0" err="1">
+                    <a:solidFill>
+                      <a:srgbClr val="24292F"/>
+                    </a:solidFill>
+                    <a:effectLst/>
+                    <a:latin typeface="ui-monospace"/>
+                  </a:rPr>
+                  <a:t>netflix</a:t>
+                </a:r>
+                <a:r>
+                  <a:rPr lang="en-IN" sz="1100" b="0" i="0" dirty="0">
+                    <a:solidFill>
+                      <a:srgbClr val="24292F"/>
+                    </a:solidFill>
+                    <a:effectLst/>
+                    <a:latin typeface="ui-monospace"/>
+                  </a:rPr>
+                  <a:t>-eureka-server</a:t>
+                </a:r>
+                <a:endParaRPr kumimoji="0" lang="en-US" altLang="en-US" sz="1800" b="0" i="0" u="none" strike="noStrike" cap="none" normalizeH="0" baseline="0" dirty="0">
+                  <a:ln>
+                    <a:noFill/>
+                  </a:ln>
+                  <a:solidFill>
+                    <a:schemeClr val="tx1"/>
+                  </a:solidFill>
+                  <a:effectLst/>
+                  <a:latin typeface="Arial" panose="020B0604020202020204" pitchFamily="34" charset="0"/>
+                </a:endParaRPr>
+              </a:p>
+            </p:txBody>
+          </p:sp>
+        </p:grpSp>
       </p:grpSp>
       <p:grpSp>
         <p:nvGrpSpPr>
           <p:cNvPr id="20" name="Group 19">
             <a:extLst>
               <a:ext uri="{FF2B5EF4-FFF2-40B4-BE49-F238E27FC236}">
-                <a16:creationId xmlns:a16="http://schemas.microsoft.com/office/drawing/2014/main" xmlns="" id="{7426D4FD-31C2-4FF9-800C-714F683EB43F}"/>
+                <a16:creationId xmlns:a16="http://schemas.microsoft.com/office/drawing/2014/main" id="{7426D4FD-31C2-4FF9-800C-714F683EB43F}"/>
               </a:ext>
             </a:extLst>
           </p:cNvPr>
@@ -9666,7 +9662,7 @@
             <p:cNvPr id="21" name="Group 20">
               <a:extLst>
                 <a:ext uri="{FF2B5EF4-FFF2-40B4-BE49-F238E27FC236}">
-                  <a16:creationId xmlns:a16="http://schemas.microsoft.com/office/drawing/2014/main" xmlns="" id="{926D488A-0224-468D-8DFC-EA65ABDDAB28}"/>
+                  <a16:creationId xmlns:a16="http://schemas.microsoft.com/office/drawing/2014/main" id="{926D488A-0224-468D-8DFC-EA65ABDDAB28}"/>
                 </a:ext>
               </a:extLst>
             </p:cNvPr>
@@ -9686,7 +9682,7 @@
               <p:cNvPr id="30" name="Rectangle: Rounded Corners 29">
                 <a:extLst>
                   <a:ext uri="{FF2B5EF4-FFF2-40B4-BE49-F238E27FC236}">
-                    <a16:creationId xmlns:a16="http://schemas.microsoft.com/office/drawing/2014/main" xmlns="" id="{7BF73A8A-9B63-4346-8677-7B7F802184A1}"/>
+                    <a16:creationId xmlns:a16="http://schemas.microsoft.com/office/drawing/2014/main" id="{7BF73A8A-9B63-4346-8677-7B7F802184A1}"/>
                   </a:ext>
                 </a:extLst>
               </p:cNvPr>
@@ -9741,7 +9737,7 @@
               <p:cNvPr id="31" name="Rectangle 1">
                 <a:extLst>
                   <a:ext uri="{FF2B5EF4-FFF2-40B4-BE49-F238E27FC236}">
-                    <a16:creationId xmlns:a16="http://schemas.microsoft.com/office/drawing/2014/main" xmlns="" id="{B2465705-8D1F-4610-B4EC-D9B332646F95}"/>
+                    <a16:creationId xmlns:a16="http://schemas.microsoft.com/office/drawing/2014/main" id="{B2465705-8D1F-4610-B4EC-D9B332646F95}"/>
                   </a:ext>
                 </a:extLst>
               </p:cNvPr>
@@ -9995,7 +9991,7 @@
               <p:cNvPr id="32" name="Rectangle 1">
                 <a:extLst>
                   <a:ext uri="{FF2B5EF4-FFF2-40B4-BE49-F238E27FC236}">
-                    <a16:creationId xmlns:a16="http://schemas.microsoft.com/office/drawing/2014/main" xmlns="" id="{2B208D04-9B0C-4194-8D6D-150281E8FD78}"/>
+                    <a16:creationId xmlns:a16="http://schemas.microsoft.com/office/drawing/2014/main" id="{2B208D04-9B0C-4194-8D6D-150281E8FD78}"/>
                   </a:ext>
                 </a:extLst>
               </p:cNvPr>
@@ -10242,7 +10238,7 @@
             <p:cNvPr id="22" name="Group 21">
               <a:extLst>
                 <a:ext uri="{FF2B5EF4-FFF2-40B4-BE49-F238E27FC236}">
-                  <a16:creationId xmlns:a16="http://schemas.microsoft.com/office/drawing/2014/main" xmlns="" id="{0677CBBA-4B05-4E26-ABCE-C634BA606830}"/>
+                  <a16:creationId xmlns:a16="http://schemas.microsoft.com/office/drawing/2014/main" id="{0677CBBA-4B05-4E26-ABCE-C634BA606830}"/>
                 </a:ext>
               </a:extLst>
             </p:cNvPr>
@@ -10262,7 +10258,7 @@
               <p:cNvPr id="27" name="Rectangle: Rounded Corners 26">
                 <a:extLst>
                   <a:ext uri="{FF2B5EF4-FFF2-40B4-BE49-F238E27FC236}">
-                    <a16:creationId xmlns:a16="http://schemas.microsoft.com/office/drawing/2014/main" xmlns="" id="{9E63CD82-7E71-4367-8277-574E557EA990}"/>
+                    <a16:creationId xmlns:a16="http://schemas.microsoft.com/office/drawing/2014/main" id="{9E63CD82-7E71-4367-8277-574E557EA990}"/>
                   </a:ext>
                 </a:extLst>
               </p:cNvPr>
@@ -10317,7 +10313,7 @@
               <p:cNvPr id="28" name="Rectangle 1">
                 <a:extLst>
                   <a:ext uri="{FF2B5EF4-FFF2-40B4-BE49-F238E27FC236}">
-                    <a16:creationId xmlns:a16="http://schemas.microsoft.com/office/drawing/2014/main" xmlns="" id="{0A88CE75-95F4-499E-842B-075807A82643}"/>
+                    <a16:creationId xmlns:a16="http://schemas.microsoft.com/office/drawing/2014/main" id="{0A88CE75-95F4-499E-842B-075807A82643}"/>
                   </a:ext>
                 </a:extLst>
               </p:cNvPr>
@@ -10571,7 +10567,7 @@
               <p:cNvPr id="29" name="Rectangle 1">
                 <a:extLst>
                   <a:ext uri="{FF2B5EF4-FFF2-40B4-BE49-F238E27FC236}">
-                    <a16:creationId xmlns:a16="http://schemas.microsoft.com/office/drawing/2014/main" xmlns="" id="{E0C71518-ACB1-46C3-80EE-972E9FD1840C}"/>
+                    <a16:creationId xmlns:a16="http://schemas.microsoft.com/office/drawing/2014/main" id="{E0C71518-ACB1-46C3-80EE-972E9FD1840C}"/>
                   </a:ext>
                 </a:extLst>
               </p:cNvPr>
@@ -10818,7 +10814,7 @@
             <p:cNvPr id="23" name="Group 22">
               <a:extLst>
                 <a:ext uri="{FF2B5EF4-FFF2-40B4-BE49-F238E27FC236}">
-                  <a16:creationId xmlns:a16="http://schemas.microsoft.com/office/drawing/2014/main" xmlns="" id="{0003B74D-B8C7-4414-9D7E-8A06C42A0CAA}"/>
+                  <a16:creationId xmlns:a16="http://schemas.microsoft.com/office/drawing/2014/main" id="{0003B74D-B8C7-4414-9D7E-8A06C42A0CAA}"/>
                 </a:ext>
               </a:extLst>
             </p:cNvPr>
@@ -10838,7 +10834,7 @@
               <p:cNvPr id="24" name="Rectangle: Rounded Corners 23">
                 <a:extLst>
                   <a:ext uri="{FF2B5EF4-FFF2-40B4-BE49-F238E27FC236}">
-                    <a16:creationId xmlns:a16="http://schemas.microsoft.com/office/drawing/2014/main" xmlns="" id="{97CECC83-8D18-45D9-B7DD-EA416689E01B}"/>
+                    <a16:creationId xmlns:a16="http://schemas.microsoft.com/office/drawing/2014/main" id="{97CECC83-8D18-45D9-B7DD-EA416689E01B}"/>
                   </a:ext>
                 </a:extLst>
               </p:cNvPr>
@@ -10893,7 +10889,7 @@
               <p:cNvPr id="25" name="Rectangle 1">
                 <a:extLst>
                   <a:ext uri="{FF2B5EF4-FFF2-40B4-BE49-F238E27FC236}">
-                    <a16:creationId xmlns:a16="http://schemas.microsoft.com/office/drawing/2014/main" xmlns="" id="{04212A30-EC2B-4ABF-8921-51C5D19C1368}"/>
+                    <a16:creationId xmlns:a16="http://schemas.microsoft.com/office/drawing/2014/main" id="{04212A30-EC2B-4ABF-8921-51C5D19C1368}"/>
                   </a:ext>
                 </a:extLst>
               </p:cNvPr>
@@ -11147,7 +11143,7 @@
               <p:cNvPr id="26" name="Rectangle 1">
                 <a:extLst>
                   <a:ext uri="{FF2B5EF4-FFF2-40B4-BE49-F238E27FC236}">
-                    <a16:creationId xmlns:a16="http://schemas.microsoft.com/office/drawing/2014/main" xmlns="" id="{6704B4F6-A682-486C-BA1E-C35C74B3DE0E}"/>
+                    <a16:creationId xmlns:a16="http://schemas.microsoft.com/office/drawing/2014/main" id="{6704B4F6-A682-486C-BA1E-C35C74B3DE0E}"/>
                   </a:ext>
                 </a:extLst>
               </p:cNvPr>
@@ -11395,7 +11391,7 @@
           <p:cNvPr id="33" name="Group 32">
             <a:extLst>
               <a:ext uri="{FF2B5EF4-FFF2-40B4-BE49-F238E27FC236}">
-                <a16:creationId xmlns:a16="http://schemas.microsoft.com/office/drawing/2014/main" xmlns="" id="{6FB1CA6F-487B-445A-AE17-DE06D734C19D}"/>
+                <a16:creationId xmlns:a16="http://schemas.microsoft.com/office/drawing/2014/main" id="{6FB1CA6F-487B-445A-AE17-DE06D734C19D}"/>
               </a:ext>
             </a:extLst>
           </p:cNvPr>
@@ -11415,7 +11411,7 @@
             <p:cNvPr id="34" name="Group 33">
               <a:extLst>
                 <a:ext uri="{FF2B5EF4-FFF2-40B4-BE49-F238E27FC236}">
-                  <a16:creationId xmlns:a16="http://schemas.microsoft.com/office/drawing/2014/main" xmlns="" id="{9A74CAB0-9F63-45CB-B953-6006D17ADF18}"/>
+                  <a16:creationId xmlns:a16="http://schemas.microsoft.com/office/drawing/2014/main" id="{9A74CAB0-9F63-45CB-B953-6006D17ADF18}"/>
                 </a:ext>
               </a:extLst>
             </p:cNvPr>
@@ -11435,7 +11431,7 @@
               <p:cNvPr id="43" name="Rectangle: Rounded Corners 42">
                 <a:extLst>
                   <a:ext uri="{FF2B5EF4-FFF2-40B4-BE49-F238E27FC236}">
-                    <a16:creationId xmlns:a16="http://schemas.microsoft.com/office/drawing/2014/main" xmlns="" id="{F3DF1273-F300-4BD0-8FB7-48FEC0DB1F09}"/>
+                    <a16:creationId xmlns:a16="http://schemas.microsoft.com/office/drawing/2014/main" id="{F3DF1273-F300-4BD0-8FB7-48FEC0DB1F09}"/>
                   </a:ext>
                 </a:extLst>
               </p:cNvPr>
@@ -11490,7 +11486,7 @@
               <p:cNvPr id="44" name="Rectangle 1">
                 <a:extLst>
                   <a:ext uri="{FF2B5EF4-FFF2-40B4-BE49-F238E27FC236}">
-                    <a16:creationId xmlns:a16="http://schemas.microsoft.com/office/drawing/2014/main" xmlns="" id="{B5D102D8-2F53-4ECD-AC34-13D13E6B37F0}"/>
+                    <a16:creationId xmlns:a16="http://schemas.microsoft.com/office/drawing/2014/main" id="{B5D102D8-2F53-4ECD-AC34-13D13E6B37F0}"/>
                   </a:ext>
                 </a:extLst>
               </p:cNvPr>
@@ -11731,7 +11727,7 @@
               <p:cNvPr id="45" name="Rectangle 1">
                 <a:extLst>
                   <a:ext uri="{FF2B5EF4-FFF2-40B4-BE49-F238E27FC236}">
-                    <a16:creationId xmlns:a16="http://schemas.microsoft.com/office/drawing/2014/main" xmlns="" id="{AAAEF367-96EF-4FDD-A670-DD00CDACB8EF}"/>
+                    <a16:creationId xmlns:a16="http://schemas.microsoft.com/office/drawing/2014/main" id="{AAAEF367-96EF-4FDD-A670-DD00CDACB8EF}"/>
                   </a:ext>
                 </a:extLst>
               </p:cNvPr>
@@ -11978,7 +11974,7 @@
             <p:cNvPr id="35" name="Group 34">
               <a:extLst>
                 <a:ext uri="{FF2B5EF4-FFF2-40B4-BE49-F238E27FC236}">
-                  <a16:creationId xmlns:a16="http://schemas.microsoft.com/office/drawing/2014/main" xmlns="" id="{7C56915C-9D0F-4B22-BEBB-943ED8C902CC}"/>
+                  <a16:creationId xmlns:a16="http://schemas.microsoft.com/office/drawing/2014/main" id="{7C56915C-9D0F-4B22-BEBB-943ED8C902CC}"/>
                 </a:ext>
               </a:extLst>
             </p:cNvPr>
@@ -11998,7 +11994,7 @@
               <p:cNvPr id="40" name="Rectangle: Rounded Corners 39">
                 <a:extLst>
                   <a:ext uri="{FF2B5EF4-FFF2-40B4-BE49-F238E27FC236}">
-                    <a16:creationId xmlns:a16="http://schemas.microsoft.com/office/drawing/2014/main" xmlns="" id="{B358541E-A59E-4315-9377-A1344B4DBD6D}"/>
+                    <a16:creationId xmlns:a16="http://schemas.microsoft.com/office/drawing/2014/main" id="{B358541E-A59E-4315-9377-A1344B4DBD6D}"/>
                   </a:ext>
                 </a:extLst>
               </p:cNvPr>
@@ -12053,7 +12049,7 @@
               <p:cNvPr id="41" name="Rectangle 1">
                 <a:extLst>
                   <a:ext uri="{FF2B5EF4-FFF2-40B4-BE49-F238E27FC236}">
-                    <a16:creationId xmlns:a16="http://schemas.microsoft.com/office/drawing/2014/main" xmlns="" id="{636FAF22-4BB5-4789-9C21-4115B0581B1F}"/>
+                    <a16:creationId xmlns:a16="http://schemas.microsoft.com/office/drawing/2014/main" id="{636FAF22-4BB5-4789-9C21-4115B0581B1F}"/>
                   </a:ext>
                 </a:extLst>
               </p:cNvPr>
@@ -12307,7 +12303,7 @@
               <p:cNvPr id="42" name="Rectangle 1">
                 <a:extLst>
                   <a:ext uri="{FF2B5EF4-FFF2-40B4-BE49-F238E27FC236}">
-                    <a16:creationId xmlns:a16="http://schemas.microsoft.com/office/drawing/2014/main" xmlns="" id="{81D9FE2A-0944-401B-80F6-90BF83A79396}"/>
+                    <a16:creationId xmlns:a16="http://schemas.microsoft.com/office/drawing/2014/main" id="{81D9FE2A-0944-401B-80F6-90BF83A79396}"/>
                   </a:ext>
                 </a:extLst>
               </p:cNvPr>
@@ -12554,7 +12550,7 @@
             <p:cNvPr id="36" name="Group 35">
               <a:extLst>
                 <a:ext uri="{FF2B5EF4-FFF2-40B4-BE49-F238E27FC236}">
-                  <a16:creationId xmlns:a16="http://schemas.microsoft.com/office/drawing/2014/main" xmlns="" id="{D08755B5-F548-4E7B-9C19-BC94E91B6FDC}"/>
+                  <a16:creationId xmlns:a16="http://schemas.microsoft.com/office/drawing/2014/main" id="{D08755B5-F548-4E7B-9C19-BC94E91B6FDC}"/>
                 </a:ext>
               </a:extLst>
             </p:cNvPr>
@@ -12574,7 +12570,7 @@
               <p:cNvPr id="37" name="Rectangle: Rounded Corners 36">
                 <a:extLst>
                   <a:ext uri="{FF2B5EF4-FFF2-40B4-BE49-F238E27FC236}">
-                    <a16:creationId xmlns:a16="http://schemas.microsoft.com/office/drawing/2014/main" xmlns="" id="{C1DF5C8E-17D1-4B23-A199-D6699B3F708F}"/>
+                    <a16:creationId xmlns:a16="http://schemas.microsoft.com/office/drawing/2014/main" id="{C1DF5C8E-17D1-4B23-A199-D6699B3F708F}"/>
                   </a:ext>
                 </a:extLst>
               </p:cNvPr>
@@ -12629,7 +12625,7 @@
               <p:cNvPr id="38" name="Rectangle 1">
                 <a:extLst>
                   <a:ext uri="{FF2B5EF4-FFF2-40B4-BE49-F238E27FC236}">
-                    <a16:creationId xmlns:a16="http://schemas.microsoft.com/office/drawing/2014/main" xmlns="" id="{E446ED41-7EA5-4CF8-9B3B-F403F4BEAEE1}"/>
+                    <a16:creationId xmlns:a16="http://schemas.microsoft.com/office/drawing/2014/main" id="{E446ED41-7EA5-4CF8-9B3B-F403F4BEAEE1}"/>
                   </a:ext>
                 </a:extLst>
               </p:cNvPr>
@@ -12883,7 +12879,7 @@
               <p:cNvPr id="39" name="Rectangle 1">
                 <a:extLst>
                   <a:ext uri="{FF2B5EF4-FFF2-40B4-BE49-F238E27FC236}">
-                    <a16:creationId xmlns:a16="http://schemas.microsoft.com/office/drawing/2014/main" xmlns="" id="{446F9F88-3567-492F-B064-2E4E05208FBB}"/>
+                    <a16:creationId xmlns:a16="http://schemas.microsoft.com/office/drawing/2014/main" id="{446F9F88-3567-492F-B064-2E4E05208FBB}"/>
                   </a:ext>
                 </a:extLst>
               </p:cNvPr>
@@ -13131,7 +13127,7 @@
           <p:cNvPr id="46" name="Group 45">
             <a:extLst>
               <a:ext uri="{FF2B5EF4-FFF2-40B4-BE49-F238E27FC236}">
-                <a16:creationId xmlns:a16="http://schemas.microsoft.com/office/drawing/2014/main" xmlns="" id="{F7F38C5C-23CF-4BA8-A2AC-0F6D4A94C5FB}"/>
+                <a16:creationId xmlns:a16="http://schemas.microsoft.com/office/drawing/2014/main" id="{F7F38C5C-23CF-4BA8-A2AC-0F6D4A94C5FB}"/>
               </a:ext>
             </a:extLst>
           </p:cNvPr>
@@ -13151,7 +13147,7 @@
             <p:cNvPr id="47" name="Group 46">
               <a:extLst>
                 <a:ext uri="{FF2B5EF4-FFF2-40B4-BE49-F238E27FC236}">
-                  <a16:creationId xmlns:a16="http://schemas.microsoft.com/office/drawing/2014/main" xmlns="" id="{9FEC8F30-CCD9-427E-8BD9-94338A73764D}"/>
+                  <a16:creationId xmlns:a16="http://schemas.microsoft.com/office/drawing/2014/main" id="{9FEC8F30-CCD9-427E-8BD9-94338A73764D}"/>
                 </a:ext>
               </a:extLst>
             </p:cNvPr>
@@ -13171,7 +13167,7 @@
               <p:cNvPr id="56" name="Rectangle: Rounded Corners 55">
                 <a:extLst>
                   <a:ext uri="{FF2B5EF4-FFF2-40B4-BE49-F238E27FC236}">
-                    <a16:creationId xmlns:a16="http://schemas.microsoft.com/office/drawing/2014/main" xmlns="" id="{5DE68EBF-5609-427D-8752-9C7D7AB8D69F}"/>
+                    <a16:creationId xmlns:a16="http://schemas.microsoft.com/office/drawing/2014/main" id="{5DE68EBF-5609-427D-8752-9C7D7AB8D69F}"/>
                   </a:ext>
                 </a:extLst>
               </p:cNvPr>
@@ -13231,7 +13227,7 @@
               <p:cNvPr id="57" name="Rectangle 1">
                 <a:extLst>
                   <a:ext uri="{FF2B5EF4-FFF2-40B4-BE49-F238E27FC236}">
-                    <a16:creationId xmlns:a16="http://schemas.microsoft.com/office/drawing/2014/main" xmlns="" id="{47668FA9-B3FB-4F25-9A18-9B02A8CD4C7B}"/>
+                    <a16:creationId xmlns:a16="http://schemas.microsoft.com/office/drawing/2014/main" id="{47668FA9-B3FB-4F25-9A18-9B02A8CD4C7B}"/>
                   </a:ext>
                 </a:extLst>
               </p:cNvPr>
@@ -13511,7 +13507,7 @@
               <p:cNvPr id="58" name="Rectangle 1">
                 <a:extLst>
                   <a:ext uri="{FF2B5EF4-FFF2-40B4-BE49-F238E27FC236}">
-                    <a16:creationId xmlns:a16="http://schemas.microsoft.com/office/drawing/2014/main" xmlns="" id="{251D002E-1514-406E-AA51-8DF02F248FBF}"/>
+                    <a16:creationId xmlns:a16="http://schemas.microsoft.com/office/drawing/2014/main" id="{251D002E-1514-406E-AA51-8DF02F248FBF}"/>
                   </a:ext>
                 </a:extLst>
               </p:cNvPr>
@@ -13768,7 +13764,7 @@
             <p:cNvPr id="49" name="Group 48">
               <a:extLst>
                 <a:ext uri="{FF2B5EF4-FFF2-40B4-BE49-F238E27FC236}">
-                  <a16:creationId xmlns:a16="http://schemas.microsoft.com/office/drawing/2014/main" xmlns="" id="{45B73D20-D477-4E43-B702-16A07BD9C694}"/>
+                  <a16:creationId xmlns:a16="http://schemas.microsoft.com/office/drawing/2014/main" id="{45B73D20-D477-4E43-B702-16A07BD9C694}"/>
                 </a:ext>
               </a:extLst>
             </p:cNvPr>
@@ -13788,7 +13784,7 @@
               <p:cNvPr id="50" name="Rectangle: Rounded Corners 49">
                 <a:extLst>
                   <a:ext uri="{FF2B5EF4-FFF2-40B4-BE49-F238E27FC236}">
-                    <a16:creationId xmlns:a16="http://schemas.microsoft.com/office/drawing/2014/main" xmlns="" id="{B170B691-EA42-4BFD-A992-1F5518981BEB}"/>
+                    <a16:creationId xmlns:a16="http://schemas.microsoft.com/office/drawing/2014/main" id="{B170B691-EA42-4BFD-A992-1F5518981BEB}"/>
                   </a:ext>
                 </a:extLst>
               </p:cNvPr>
@@ -13848,7 +13844,7 @@
               <p:cNvPr id="51" name="Rectangle 1">
                 <a:extLst>
                   <a:ext uri="{FF2B5EF4-FFF2-40B4-BE49-F238E27FC236}">
-                    <a16:creationId xmlns:a16="http://schemas.microsoft.com/office/drawing/2014/main" xmlns="" id="{DFCA592B-3B29-4EBA-8C14-AED2A4AB0E6B}"/>
+                    <a16:creationId xmlns:a16="http://schemas.microsoft.com/office/drawing/2014/main" id="{DFCA592B-3B29-4EBA-8C14-AED2A4AB0E6B}"/>
                   </a:ext>
                 </a:extLst>
               </p:cNvPr>
@@ -14128,7 +14124,7 @@
               <p:cNvPr id="52" name="Rectangle 1">
                 <a:extLst>
                   <a:ext uri="{FF2B5EF4-FFF2-40B4-BE49-F238E27FC236}">
-                    <a16:creationId xmlns:a16="http://schemas.microsoft.com/office/drawing/2014/main" xmlns="" id="{3FE0A815-F9BF-4CB9-963C-406C649AAF39}"/>
+                    <a16:creationId xmlns:a16="http://schemas.microsoft.com/office/drawing/2014/main" id="{3FE0A815-F9BF-4CB9-963C-406C649AAF39}"/>
                   </a:ext>
                 </a:extLst>
               </p:cNvPr>
@@ -14376,7 +14372,7 @@
           <p:cNvPr id="66" name="Group 65">
             <a:extLst>
               <a:ext uri="{FF2B5EF4-FFF2-40B4-BE49-F238E27FC236}">
-                <a16:creationId xmlns:a16="http://schemas.microsoft.com/office/drawing/2014/main" xmlns="" id="{09E3B45E-13F7-4086-9B3D-3BCA0D5B3E40}"/>
+                <a16:creationId xmlns:a16="http://schemas.microsoft.com/office/drawing/2014/main" id="{09E3B45E-13F7-4086-9B3D-3BCA0D5B3E40}"/>
               </a:ext>
             </a:extLst>
           </p:cNvPr>
@@ -14396,7 +14392,7 @@
             <p:cNvPr id="60" name="Rectangle: Rounded Corners 59">
               <a:extLst>
                 <a:ext uri="{FF2B5EF4-FFF2-40B4-BE49-F238E27FC236}">
-                  <a16:creationId xmlns:a16="http://schemas.microsoft.com/office/drawing/2014/main" xmlns="" id="{F0AE653F-8BF7-47BE-9D74-F937E73AFDA0}"/>
+                  <a16:creationId xmlns:a16="http://schemas.microsoft.com/office/drawing/2014/main" id="{F0AE653F-8BF7-47BE-9D74-F937E73AFDA0}"/>
                 </a:ext>
               </a:extLst>
             </p:cNvPr>
@@ -14456,7 +14452,7 @@
             <p:cNvPr id="61" name="Rectangle 1">
               <a:extLst>
                 <a:ext uri="{FF2B5EF4-FFF2-40B4-BE49-F238E27FC236}">
-                  <a16:creationId xmlns:a16="http://schemas.microsoft.com/office/drawing/2014/main" xmlns="" id="{6658BA08-4343-4456-91D8-6D8B9ADFA36D}"/>
+                  <a16:creationId xmlns:a16="http://schemas.microsoft.com/office/drawing/2014/main" id="{6658BA08-4343-4456-91D8-6D8B9ADFA36D}"/>
                 </a:ext>
               </a:extLst>
             </p:cNvPr>
@@ -14710,7 +14706,7 @@
             <p:cNvPr id="62" name="Rectangle 1">
               <a:extLst>
                 <a:ext uri="{FF2B5EF4-FFF2-40B4-BE49-F238E27FC236}">
-                  <a16:creationId xmlns:a16="http://schemas.microsoft.com/office/drawing/2014/main" xmlns="" id="{04C4E7C5-5365-4AB0-AFE1-BB6CEBCD5D7A}"/>
+                  <a16:creationId xmlns:a16="http://schemas.microsoft.com/office/drawing/2014/main" id="{04C4E7C5-5365-4AB0-AFE1-BB6CEBCD5D7A}"/>
                 </a:ext>
               </a:extLst>
             </p:cNvPr>
@@ -14957,7 +14953,7 @@
           <p:cNvPr id="63" name="Rectangle: Rounded Corners 62">
             <a:extLst>
               <a:ext uri="{FF2B5EF4-FFF2-40B4-BE49-F238E27FC236}">
-                <a16:creationId xmlns:a16="http://schemas.microsoft.com/office/drawing/2014/main" xmlns="" id="{61D3D070-24FE-4EF4-AD82-4932219E03A8}"/>
+                <a16:creationId xmlns:a16="http://schemas.microsoft.com/office/drawing/2014/main" id="{61D3D070-24FE-4EF4-AD82-4932219E03A8}"/>
               </a:ext>
             </a:extLst>
           </p:cNvPr>
@@ -15018,7 +15014,7 @@
           <p:cNvPr id="64" name="Rectangle 1">
             <a:extLst>
               <a:ext uri="{FF2B5EF4-FFF2-40B4-BE49-F238E27FC236}">
-                <a16:creationId xmlns:a16="http://schemas.microsoft.com/office/drawing/2014/main" xmlns="" id="{12DF6876-8E45-45F6-9D46-30B611A0AE2E}"/>
+                <a16:creationId xmlns:a16="http://schemas.microsoft.com/office/drawing/2014/main" id="{12DF6876-8E45-45F6-9D46-30B611A0AE2E}"/>
               </a:ext>
             </a:extLst>
           </p:cNvPr>
@@ -15272,7 +15268,7 @@
           <p:cNvPr id="65" name="Rectangle 1">
             <a:extLst>
               <a:ext uri="{FF2B5EF4-FFF2-40B4-BE49-F238E27FC236}">
-                <a16:creationId xmlns:a16="http://schemas.microsoft.com/office/drawing/2014/main" xmlns="" id="{DE6C8D79-F8C3-405D-8876-50EB382F674E}"/>
+                <a16:creationId xmlns:a16="http://schemas.microsoft.com/office/drawing/2014/main" id="{DE6C8D79-F8C3-405D-8876-50EB382F674E}"/>
               </a:ext>
             </a:extLst>
           </p:cNvPr>
@@ -15518,7 +15514,7 @@
           <p:cNvPr id="67" name="Group 66">
             <a:extLst>
               <a:ext uri="{FF2B5EF4-FFF2-40B4-BE49-F238E27FC236}">
-                <a16:creationId xmlns:a16="http://schemas.microsoft.com/office/drawing/2014/main" xmlns="" id="{0CF2143C-7C92-4818-ADFA-BDE4349E1825}"/>
+                <a16:creationId xmlns:a16="http://schemas.microsoft.com/office/drawing/2014/main" id="{0CF2143C-7C92-4818-ADFA-BDE4349E1825}"/>
               </a:ext>
             </a:extLst>
           </p:cNvPr>
@@ -15541,7 +15537,7 @@
             <p:cNvPr id="68" name="Rectangle: Rounded Corners 67">
               <a:extLst>
                 <a:ext uri="{FF2B5EF4-FFF2-40B4-BE49-F238E27FC236}">
-                  <a16:creationId xmlns:a16="http://schemas.microsoft.com/office/drawing/2014/main" xmlns="" id="{8D8080FF-967C-423E-B1A9-F6D1D70B89D8}"/>
+                  <a16:creationId xmlns:a16="http://schemas.microsoft.com/office/drawing/2014/main" id="{8D8080FF-967C-423E-B1A9-F6D1D70B89D8}"/>
                 </a:ext>
               </a:extLst>
             </p:cNvPr>
@@ -15597,7 +15593,7 @@
             <p:cNvPr id="69" name="Rectangle 1">
               <a:extLst>
                 <a:ext uri="{FF2B5EF4-FFF2-40B4-BE49-F238E27FC236}">
-                  <a16:creationId xmlns:a16="http://schemas.microsoft.com/office/drawing/2014/main" xmlns="" id="{2D1036B3-14D4-4E42-BDC0-EF1330ED60EE}"/>
+                  <a16:creationId xmlns:a16="http://schemas.microsoft.com/office/drawing/2014/main" id="{2D1036B3-14D4-4E42-BDC0-EF1330ED60EE}"/>
                 </a:ext>
               </a:extLst>
             </p:cNvPr>
@@ -15849,7 +15845,7 @@
             <p:cNvPr id="70" name="Rectangle 1">
               <a:extLst>
                 <a:ext uri="{FF2B5EF4-FFF2-40B4-BE49-F238E27FC236}">
-                  <a16:creationId xmlns:a16="http://schemas.microsoft.com/office/drawing/2014/main" xmlns="" id="{3A5F1E59-3453-47CD-B19B-9843A655CB98}"/>
+                  <a16:creationId xmlns:a16="http://schemas.microsoft.com/office/drawing/2014/main" id="{3A5F1E59-3453-47CD-B19B-9843A655CB98}"/>
                 </a:ext>
               </a:extLst>
             </p:cNvPr>
@@ -16094,7 +16090,7 @@
           <p:cNvPr id="71" name="Group 70">
             <a:extLst>
               <a:ext uri="{FF2B5EF4-FFF2-40B4-BE49-F238E27FC236}">
-                <a16:creationId xmlns:a16="http://schemas.microsoft.com/office/drawing/2014/main" xmlns="" id="{1B929D54-D563-4F15-8B27-C490F01D4FF7}"/>
+                <a16:creationId xmlns:a16="http://schemas.microsoft.com/office/drawing/2014/main" id="{1B929D54-D563-4F15-8B27-C490F01D4FF7}"/>
               </a:ext>
             </a:extLst>
           </p:cNvPr>
@@ -16114,7 +16110,7 @@
             <p:cNvPr id="72" name="Rectangle: Rounded Corners 71">
               <a:extLst>
                 <a:ext uri="{FF2B5EF4-FFF2-40B4-BE49-F238E27FC236}">
-                  <a16:creationId xmlns:a16="http://schemas.microsoft.com/office/drawing/2014/main" xmlns="" id="{5539BA8E-AD87-4389-911B-F1DAACA1C519}"/>
+                  <a16:creationId xmlns:a16="http://schemas.microsoft.com/office/drawing/2014/main" id="{5539BA8E-AD87-4389-911B-F1DAACA1C519}"/>
                 </a:ext>
               </a:extLst>
             </p:cNvPr>
@@ -16172,7 +16168,7 @@
             <p:cNvPr id="73" name="Rectangle 1">
               <a:extLst>
                 <a:ext uri="{FF2B5EF4-FFF2-40B4-BE49-F238E27FC236}">
-                  <a16:creationId xmlns:a16="http://schemas.microsoft.com/office/drawing/2014/main" xmlns="" id="{B5E2551B-EA26-446E-997D-AD866C1898F9}"/>
+                  <a16:creationId xmlns:a16="http://schemas.microsoft.com/office/drawing/2014/main" id="{B5E2551B-EA26-446E-997D-AD866C1898F9}"/>
                 </a:ext>
               </a:extLst>
             </p:cNvPr>
@@ -16426,7 +16422,7 @@
             <p:cNvPr id="74" name="Rectangle 1">
               <a:extLst>
                 <a:ext uri="{FF2B5EF4-FFF2-40B4-BE49-F238E27FC236}">
-                  <a16:creationId xmlns:a16="http://schemas.microsoft.com/office/drawing/2014/main" xmlns="" id="{B29AAE37-FFC0-4C6B-8A9E-D07C787E2CC2}"/>
+                  <a16:creationId xmlns:a16="http://schemas.microsoft.com/office/drawing/2014/main" id="{B29AAE37-FFC0-4C6B-8A9E-D07C787E2CC2}"/>
                 </a:ext>
               </a:extLst>
             </p:cNvPr>
@@ -16683,7 +16679,7 @@
           <p:cNvPr id="83" name="Group 82">
             <a:extLst>
               <a:ext uri="{FF2B5EF4-FFF2-40B4-BE49-F238E27FC236}">
-                <a16:creationId xmlns:a16="http://schemas.microsoft.com/office/drawing/2014/main" xmlns="" id="{909F8865-02E7-44D5-B223-A62A03CA6165}"/>
+                <a16:creationId xmlns:a16="http://schemas.microsoft.com/office/drawing/2014/main" id="{909F8865-02E7-44D5-B223-A62A03CA6165}"/>
               </a:ext>
             </a:extLst>
           </p:cNvPr>
@@ -16703,7 +16699,7 @@
             <p:cNvPr id="79" name="Rectangle: Rounded Corners 78">
               <a:extLst>
                 <a:ext uri="{FF2B5EF4-FFF2-40B4-BE49-F238E27FC236}">
-                  <a16:creationId xmlns:a16="http://schemas.microsoft.com/office/drawing/2014/main" xmlns="" id="{603A3EF2-4ADC-4873-BEDD-10429C3A5A99}"/>
+                  <a16:creationId xmlns:a16="http://schemas.microsoft.com/office/drawing/2014/main" id="{603A3EF2-4ADC-4873-BEDD-10429C3A5A99}"/>
                 </a:ext>
               </a:extLst>
             </p:cNvPr>
@@ -16758,7 +16754,7 @@
             <p:cNvPr id="80" name="Rectangle: Rounded Corners 79">
               <a:extLst>
                 <a:ext uri="{FF2B5EF4-FFF2-40B4-BE49-F238E27FC236}">
-                  <a16:creationId xmlns:a16="http://schemas.microsoft.com/office/drawing/2014/main" xmlns="" id="{4F4E4D06-7366-43E2-A3E9-24B77733ADB9}"/>
+                  <a16:creationId xmlns:a16="http://schemas.microsoft.com/office/drawing/2014/main" id="{4F4E4D06-7366-43E2-A3E9-24B77733ADB9}"/>
                 </a:ext>
               </a:extLst>
             </p:cNvPr>
@@ -16813,7 +16809,7 @@
             <p:cNvPr id="81" name="Rectangle: Rounded Corners 80">
               <a:extLst>
                 <a:ext uri="{FF2B5EF4-FFF2-40B4-BE49-F238E27FC236}">
-                  <a16:creationId xmlns:a16="http://schemas.microsoft.com/office/drawing/2014/main" xmlns="" id="{21419A83-FF9E-4D1B-B8CC-8F1EED06E8AE}"/>
+                  <a16:creationId xmlns:a16="http://schemas.microsoft.com/office/drawing/2014/main" id="{21419A83-FF9E-4D1B-B8CC-8F1EED06E8AE}"/>
                 </a:ext>
               </a:extLst>
             </p:cNvPr>
@@ -16868,7 +16864,7 @@
             <p:cNvPr id="82" name="Rectangle: Rounded Corners 81">
               <a:extLst>
                 <a:ext uri="{FF2B5EF4-FFF2-40B4-BE49-F238E27FC236}">
-                  <a16:creationId xmlns:a16="http://schemas.microsoft.com/office/drawing/2014/main" xmlns="" id="{84DB7298-9C40-4EE6-B477-5989A3E6E7E9}"/>
+                  <a16:creationId xmlns:a16="http://schemas.microsoft.com/office/drawing/2014/main" id="{84DB7298-9C40-4EE6-B477-5989A3E6E7E9}"/>
                 </a:ext>
               </a:extLst>
             </p:cNvPr>
@@ -17034,18 +17030,13 @@
           <a:lstStyle/>
           <a:p>
             <a:r>
-              <a:rPr lang="en-US" b="1" dirty="0" smtClean="0">
+              <a:rPr lang="en-US" b="1" dirty="0">
                 <a:solidFill>
                   <a:srgbClr val="FF0000"/>
                 </a:solidFill>
               </a:rPr>
               <a:t>/partner/**</a:t>
             </a:r>
-            <a:endParaRPr lang="en-US" b="1" dirty="0">
-              <a:solidFill>
-                <a:srgbClr val="FF0000"/>
-              </a:solidFill>
-            </a:endParaRPr>
           </a:p>
         </p:txBody>
       </p:sp>
@@ -17072,18 +17063,13 @@
           <a:lstStyle/>
           <a:p>
             <a:r>
-              <a:rPr lang="en-US" b="1" dirty="0" smtClean="0">
+              <a:rPr lang="en-US" b="1" dirty="0">
                 <a:solidFill>
                   <a:srgbClr val="FF0000"/>
                 </a:solidFill>
               </a:rPr>
               <a:t>/booking/**</a:t>
             </a:r>
-            <a:endParaRPr lang="en-US" b="1" dirty="0">
-              <a:solidFill>
-                <a:srgbClr val="FF0000"/>
-              </a:solidFill>
-            </a:endParaRPr>
           </a:p>
         </p:txBody>
       </p:sp>
@@ -17148,18 +17134,13 @@
           <a:lstStyle/>
           <a:p>
             <a:r>
-              <a:rPr lang="en-US" b="1" dirty="0" smtClean="0">
+              <a:rPr lang="en-US" b="1" dirty="0">
                 <a:solidFill>
                   <a:srgbClr val="FF0000"/>
                 </a:solidFill>
               </a:rPr>
               <a:t>/circuit/**</a:t>
             </a:r>
-            <a:endParaRPr lang="en-US" b="1" dirty="0">
-              <a:solidFill>
-                <a:srgbClr val="FF0000"/>
-              </a:solidFill>
-            </a:endParaRPr>
           </a:p>
         </p:txBody>
       </p:sp>
@@ -17195,6 +17176,1867 @@
       </p:grpSpPr>
       <p:grpSp>
         <p:nvGrpSpPr>
+          <p:cNvPr id="26" name="Group 25">
+            <a:extLst>
+              <a:ext uri="{FF2B5EF4-FFF2-40B4-BE49-F238E27FC236}">
+                <a16:creationId xmlns:a16="http://schemas.microsoft.com/office/drawing/2014/main" id="{BDCA9327-DE2D-4E7A-A00A-85320C3369BE}"/>
+              </a:ext>
+            </a:extLst>
+          </p:cNvPr>
+          <p:cNvGrpSpPr/>
+          <p:nvPr/>
+        </p:nvGrpSpPr>
+        <p:grpSpPr>
+          <a:xfrm>
+            <a:off x="4425243" y="2841924"/>
+            <a:ext cx="2684040" cy="1338950"/>
+            <a:chOff x="5978822" y="5328355"/>
+            <a:chExt cx="2684040" cy="1338950"/>
+          </a:xfrm>
+        </p:grpSpPr>
+        <p:sp>
+          <p:nvSpPr>
+            <p:cNvPr id="27" name="Rectangle: Rounded Corners 26">
+              <a:extLst>
+                <a:ext uri="{FF2B5EF4-FFF2-40B4-BE49-F238E27FC236}">
+                  <a16:creationId xmlns:a16="http://schemas.microsoft.com/office/drawing/2014/main" id="{9F7B732F-8628-492C-8389-3AF309F2B350}"/>
+                </a:ext>
+              </a:extLst>
+            </p:cNvPr>
+            <p:cNvSpPr/>
+            <p:nvPr/>
+          </p:nvSpPr>
+          <p:spPr>
+            <a:xfrm>
+              <a:off x="5978822" y="5328355"/>
+              <a:ext cx="2684040" cy="1338950"/>
+            </a:xfrm>
+            <a:prstGeom prst="roundRect">
+              <a:avLst/>
+            </a:prstGeom>
+            <a:solidFill>
+              <a:schemeClr val="accent4">
+                <a:lumMod val="75000"/>
+              </a:schemeClr>
+            </a:solidFill>
+          </p:spPr>
+          <p:style>
+            <a:lnRef idx="2">
+              <a:schemeClr val="accent1">
+                <a:shade val="50000"/>
+              </a:schemeClr>
+            </a:lnRef>
+            <a:fillRef idx="1">
+              <a:schemeClr val="accent1"/>
+            </a:fillRef>
+            <a:effectRef idx="0">
+              <a:schemeClr val="accent1"/>
+            </a:effectRef>
+            <a:fontRef idx="minor">
+              <a:schemeClr val="lt1"/>
+            </a:fontRef>
+          </p:style>
+          <p:txBody>
+            <a:bodyPr rtlCol="0" anchor="ctr"/>
+            <a:lstStyle/>
+            <a:p>
+              <a:pPr algn="ctr"/>
+              <a:r>
+                <a:rPr lang="en-IN" sz="1800" dirty="0">
+                  <a:solidFill>
+                    <a:srgbClr val="000000"/>
+                  </a:solidFill>
+                  <a:latin typeface="Consolas" panose="020B0609020204030204" pitchFamily="49" charset="0"/>
+                </a:rPr>
+                <a:t>bmt.config01.com</a:t>
+              </a:r>
+              <a:endParaRPr lang="en-IN" dirty="0"/>
+            </a:p>
+          </p:txBody>
+        </p:sp>
+        <p:sp>
+          <p:nvSpPr>
+            <p:cNvPr id="28" name="Rectangle 1">
+              <a:extLst>
+                <a:ext uri="{FF2B5EF4-FFF2-40B4-BE49-F238E27FC236}">
+                  <a16:creationId xmlns:a16="http://schemas.microsoft.com/office/drawing/2014/main" id="{7ACE0809-F724-4F82-8F30-59BB9374E8CB}"/>
+                </a:ext>
+              </a:extLst>
+            </p:cNvPr>
+            <p:cNvSpPr>
+              <a:spLocks noChangeArrowheads="1"/>
+            </p:cNvSpPr>
+            <p:nvPr/>
+          </p:nvSpPr>
+          <p:spPr bwMode="auto">
+            <a:xfrm>
+              <a:off x="7071127" y="5358851"/>
+              <a:ext cx="1490133" cy="323165"/>
+            </a:xfrm>
+            <a:prstGeom prst="rect">
+              <a:avLst/>
+            </a:prstGeom>
+            <a:solidFill>
+              <a:srgbClr val="F2F2F2"/>
+            </a:solidFill>
+            <a:ln>
+              <a:noFill/>
+            </a:ln>
+            <a:effectLst/>
+            <a:extLst>
+              <a:ext uri="{91240B29-F687-4F45-9708-019B960494DF}">
+                <a14:hiddenLine xmlns:a14="http://schemas.microsoft.com/office/drawing/2010/main" w="9525">
+                  <a:solidFill>
+                    <a:schemeClr val="tx1"/>
+                  </a:solidFill>
+                  <a:miter lim="800000"/>
+                  <a:headEnd/>
+                  <a:tailEnd/>
+                </a14:hiddenLine>
+              </a:ext>
+              <a:ext uri="{AF507438-7753-43E0-B8FC-AC1667EBCBE1}">
+                <a14:hiddenEffects xmlns:a14="http://schemas.microsoft.com/office/drawing/2010/main">
+                  <a:effectLst>
+                    <a:outerShdw dist="35921" dir="2700000" algn="ctr" rotWithShape="0">
+                      <a:schemeClr val="bg2"/>
+                    </a:outerShdw>
+                  </a:effectLst>
+                </a14:hiddenEffects>
+              </a:ext>
+            </a:extLst>
+          </p:spPr>
+          <p:txBody>
+            <a:bodyPr vert="horz" wrap="square" lIns="91440" tIns="45720" rIns="91440" bIns="45720" numCol="1" anchor="ctr" anchorCtr="0" compatLnSpc="1">
+              <a:prstTxWarp prst="textNoShape">
+                <a:avLst/>
+              </a:prstTxWarp>
+              <a:spAutoFit/>
+            </a:bodyPr>
+            <a:lstStyle>
+              <a:lvl1pPr eaLnBrk="0" fontAlgn="base" hangingPunct="0">
+                <a:spcBef>
+                  <a:spcPct val="0"/>
+                </a:spcBef>
+                <a:spcAft>
+                  <a:spcPct val="0"/>
+                </a:spcAft>
+                <a:defRPr>
+                  <a:solidFill>
+                    <a:schemeClr val="tx1"/>
+                  </a:solidFill>
+                  <a:latin typeface="Arial" panose="020B0604020202020204" pitchFamily="34" charset="0"/>
+                </a:defRPr>
+              </a:lvl1pPr>
+              <a:lvl2pPr eaLnBrk="0" fontAlgn="base" hangingPunct="0">
+                <a:spcBef>
+                  <a:spcPct val="0"/>
+                </a:spcBef>
+                <a:spcAft>
+                  <a:spcPct val="0"/>
+                </a:spcAft>
+                <a:defRPr>
+                  <a:solidFill>
+                    <a:schemeClr val="tx1"/>
+                  </a:solidFill>
+                  <a:latin typeface="Arial" panose="020B0604020202020204" pitchFamily="34" charset="0"/>
+                </a:defRPr>
+              </a:lvl2pPr>
+              <a:lvl3pPr eaLnBrk="0" fontAlgn="base" hangingPunct="0">
+                <a:spcBef>
+                  <a:spcPct val="0"/>
+                </a:spcBef>
+                <a:spcAft>
+                  <a:spcPct val="0"/>
+                </a:spcAft>
+                <a:defRPr>
+                  <a:solidFill>
+                    <a:schemeClr val="tx1"/>
+                  </a:solidFill>
+                  <a:latin typeface="Arial" panose="020B0604020202020204" pitchFamily="34" charset="0"/>
+                </a:defRPr>
+              </a:lvl3pPr>
+              <a:lvl4pPr eaLnBrk="0" fontAlgn="base" hangingPunct="0">
+                <a:spcBef>
+                  <a:spcPct val="0"/>
+                </a:spcBef>
+                <a:spcAft>
+                  <a:spcPct val="0"/>
+                </a:spcAft>
+                <a:defRPr>
+                  <a:solidFill>
+                    <a:schemeClr val="tx1"/>
+                  </a:solidFill>
+                  <a:latin typeface="Arial" panose="020B0604020202020204" pitchFamily="34" charset="0"/>
+                </a:defRPr>
+              </a:lvl4pPr>
+              <a:lvl5pPr eaLnBrk="0" fontAlgn="base" hangingPunct="0">
+                <a:spcBef>
+                  <a:spcPct val="0"/>
+                </a:spcBef>
+                <a:spcAft>
+                  <a:spcPct val="0"/>
+                </a:spcAft>
+                <a:defRPr>
+                  <a:solidFill>
+                    <a:schemeClr val="tx1"/>
+                  </a:solidFill>
+                  <a:latin typeface="Arial" panose="020B0604020202020204" pitchFamily="34" charset="0"/>
+                </a:defRPr>
+              </a:lvl5pPr>
+              <a:lvl6pPr eaLnBrk="0" fontAlgn="base" hangingPunct="0">
+                <a:spcBef>
+                  <a:spcPct val="0"/>
+                </a:spcBef>
+                <a:spcAft>
+                  <a:spcPct val="0"/>
+                </a:spcAft>
+                <a:defRPr>
+                  <a:solidFill>
+                    <a:schemeClr val="tx1"/>
+                  </a:solidFill>
+                  <a:latin typeface="Arial" panose="020B0604020202020204" pitchFamily="34" charset="0"/>
+                </a:defRPr>
+              </a:lvl6pPr>
+              <a:lvl7pPr eaLnBrk="0" fontAlgn="base" hangingPunct="0">
+                <a:spcBef>
+                  <a:spcPct val="0"/>
+                </a:spcBef>
+                <a:spcAft>
+                  <a:spcPct val="0"/>
+                </a:spcAft>
+                <a:defRPr>
+                  <a:solidFill>
+                    <a:schemeClr val="tx1"/>
+                  </a:solidFill>
+                  <a:latin typeface="Arial" panose="020B0604020202020204" pitchFamily="34" charset="0"/>
+                </a:defRPr>
+              </a:lvl7pPr>
+              <a:lvl8pPr eaLnBrk="0" fontAlgn="base" hangingPunct="0">
+                <a:spcBef>
+                  <a:spcPct val="0"/>
+                </a:spcBef>
+                <a:spcAft>
+                  <a:spcPct val="0"/>
+                </a:spcAft>
+                <a:defRPr>
+                  <a:solidFill>
+                    <a:schemeClr val="tx1"/>
+                  </a:solidFill>
+                  <a:latin typeface="Arial" panose="020B0604020202020204" pitchFamily="34" charset="0"/>
+                </a:defRPr>
+              </a:lvl8pPr>
+              <a:lvl9pPr eaLnBrk="0" fontAlgn="base" hangingPunct="0">
+                <a:spcBef>
+                  <a:spcPct val="0"/>
+                </a:spcBef>
+                <a:spcAft>
+                  <a:spcPct val="0"/>
+                </a:spcAft>
+                <a:defRPr>
+                  <a:solidFill>
+                    <a:schemeClr val="tx1"/>
+                  </a:solidFill>
+                  <a:latin typeface="Arial" panose="020B0604020202020204" pitchFamily="34" charset="0"/>
+                </a:defRPr>
+              </a:lvl9pPr>
+            </a:lstStyle>
+            <a:p>
+              <a:pPr marL="0" marR="0" lvl="0" indent="0" algn="l" defTabSz="914400" rtl="0" eaLnBrk="0" fontAlgn="base" latinLnBrk="0" hangingPunct="0">
+                <a:lnSpc>
+                  <a:spcPct val="100000"/>
+                </a:lnSpc>
+                <a:spcBef>
+                  <a:spcPct val="0"/>
+                </a:spcBef>
+                <a:spcAft>
+                  <a:spcPct val="0"/>
+                </a:spcAft>
+                <a:buClrTx/>
+                <a:buSzTx/>
+                <a:buFontTx/>
+                <a:buNone/>
+                <a:tabLst/>
+              </a:pPr>
+              <a:r>
+                <a:rPr kumimoji="0" lang="en-US" altLang="en-US" sz="1100" b="0" i="0" u="none" strike="noStrike" cap="none" normalizeH="0" baseline="0" dirty="0">
+                  <a:ln>
+                    <a:noFill/>
+                  </a:ln>
+                  <a:solidFill>
+                    <a:srgbClr val="292929"/>
+                  </a:solidFill>
+                  <a:effectLst/>
+                  <a:latin typeface="Menlo"/>
+                </a:rPr>
+                <a:t>@EnableEurekaClient</a:t>
+              </a:r>
+              <a:r>
+                <a:rPr kumimoji="0" lang="en-US" altLang="en-US" sz="1500" b="0" i="0" u="none" strike="noStrike" cap="none" normalizeH="0" baseline="0" dirty="0">
+                  <a:ln>
+                    <a:noFill/>
+                  </a:ln>
+                  <a:solidFill>
+                    <a:srgbClr val="292929"/>
+                  </a:solidFill>
+                  <a:effectLst/>
+                  <a:latin typeface="charter"/>
+                </a:rPr>
+                <a:t> </a:t>
+              </a:r>
+              <a:r>
+                <a:rPr kumimoji="0" lang="en-US" altLang="en-US" sz="900" b="0" i="0" u="none" strike="noStrike" cap="none" normalizeH="0" baseline="0" dirty="0">
+                  <a:ln>
+                    <a:noFill/>
+                  </a:ln>
+                  <a:solidFill>
+                    <a:schemeClr val="tx1"/>
+                  </a:solidFill>
+                  <a:effectLst/>
+                </a:rPr>
+                <a:t> </a:t>
+              </a:r>
+              <a:endParaRPr kumimoji="0" lang="en-US" altLang="en-US" sz="1800" b="0" i="0" u="none" strike="noStrike" cap="none" normalizeH="0" baseline="0" dirty="0">
+                <a:ln>
+                  <a:noFill/>
+                </a:ln>
+                <a:solidFill>
+                  <a:schemeClr val="tx1"/>
+                </a:solidFill>
+                <a:effectLst/>
+                <a:latin typeface="Arial" panose="020B0604020202020204" pitchFamily="34" charset="0"/>
+              </a:endParaRPr>
+            </a:p>
+          </p:txBody>
+        </p:sp>
+        <p:sp>
+          <p:nvSpPr>
+            <p:cNvPr id="29" name="Rectangle 1">
+              <a:extLst>
+                <a:ext uri="{FF2B5EF4-FFF2-40B4-BE49-F238E27FC236}">
+                  <a16:creationId xmlns:a16="http://schemas.microsoft.com/office/drawing/2014/main" id="{048E19C7-3FA8-4A65-8FA7-D188D1B19418}"/>
+                </a:ext>
+              </a:extLst>
+            </p:cNvPr>
+            <p:cNvSpPr>
+              <a:spLocks noChangeArrowheads="1"/>
+            </p:cNvSpPr>
+            <p:nvPr/>
+          </p:nvSpPr>
+          <p:spPr bwMode="auto">
+            <a:xfrm>
+              <a:off x="5978822" y="6334643"/>
+              <a:ext cx="2684039" cy="261610"/>
+            </a:xfrm>
+            <a:prstGeom prst="rect">
+              <a:avLst/>
+            </a:prstGeom>
+            <a:solidFill>
+              <a:srgbClr val="F2F2F2"/>
+            </a:solidFill>
+            <a:ln>
+              <a:noFill/>
+            </a:ln>
+            <a:effectLst/>
+            <a:extLst>
+              <a:ext uri="{91240B29-F687-4F45-9708-019B960494DF}">
+                <a14:hiddenLine xmlns:a14="http://schemas.microsoft.com/office/drawing/2010/main" w="9525">
+                  <a:solidFill>
+                    <a:schemeClr val="tx1"/>
+                  </a:solidFill>
+                  <a:miter lim="800000"/>
+                  <a:headEnd/>
+                  <a:tailEnd/>
+                </a14:hiddenLine>
+              </a:ext>
+              <a:ext uri="{AF507438-7753-43E0-B8FC-AC1667EBCBE1}">
+                <a14:hiddenEffects xmlns:a14="http://schemas.microsoft.com/office/drawing/2010/main">
+                  <a:effectLst>
+                    <a:outerShdw dist="35921" dir="2700000" algn="ctr" rotWithShape="0">
+                      <a:schemeClr val="bg2"/>
+                    </a:outerShdw>
+                  </a:effectLst>
+                </a14:hiddenEffects>
+              </a:ext>
+            </a:extLst>
+          </p:spPr>
+          <p:txBody>
+            <a:bodyPr vert="horz" wrap="square" lIns="91440" tIns="45720" rIns="91440" bIns="45720" numCol="1" anchor="ctr" anchorCtr="0" compatLnSpc="1">
+              <a:prstTxWarp prst="textNoShape">
+                <a:avLst/>
+              </a:prstTxWarp>
+              <a:spAutoFit/>
+            </a:bodyPr>
+            <a:lstStyle>
+              <a:lvl1pPr eaLnBrk="0" fontAlgn="base" hangingPunct="0">
+                <a:spcBef>
+                  <a:spcPct val="0"/>
+                </a:spcBef>
+                <a:spcAft>
+                  <a:spcPct val="0"/>
+                </a:spcAft>
+                <a:defRPr>
+                  <a:solidFill>
+                    <a:schemeClr val="tx1"/>
+                  </a:solidFill>
+                  <a:latin typeface="Arial" panose="020B0604020202020204" pitchFamily="34" charset="0"/>
+                </a:defRPr>
+              </a:lvl1pPr>
+              <a:lvl2pPr eaLnBrk="0" fontAlgn="base" hangingPunct="0">
+                <a:spcBef>
+                  <a:spcPct val="0"/>
+                </a:spcBef>
+                <a:spcAft>
+                  <a:spcPct val="0"/>
+                </a:spcAft>
+                <a:defRPr>
+                  <a:solidFill>
+                    <a:schemeClr val="tx1"/>
+                  </a:solidFill>
+                  <a:latin typeface="Arial" panose="020B0604020202020204" pitchFamily="34" charset="0"/>
+                </a:defRPr>
+              </a:lvl2pPr>
+              <a:lvl3pPr eaLnBrk="0" fontAlgn="base" hangingPunct="0">
+                <a:spcBef>
+                  <a:spcPct val="0"/>
+                </a:spcBef>
+                <a:spcAft>
+                  <a:spcPct val="0"/>
+                </a:spcAft>
+                <a:defRPr>
+                  <a:solidFill>
+                    <a:schemeClr val="tx1"/>
+                  </a:solidFill>
+                  <a:latin typeface="Arial" panose="020B0604020202020204" pitchFamily="34" charset="0"/>
+                </a:defRPr>
+              </a:lvl3pPr>
+              <a:lvl4pPr eaLnBrk="0" fontAlgn="base" hangingPunct="0">
+                <a:spcBef>
+                  <a:spcPct val="0"/>
+                </a:spcBef>
+                <a:spcAft>
+                  <a:spcPct val="0"/>
+                </a:spcAft>
+                <a:defRPr>
+                  <a:solidFill>
+                    <a:schemeClr val="tx1"/>
+                  </a:solidFill>
+                  <a:latin typeface="Arial" panose="020B0604020202020204" pitchFamily="34" charset="0"/>
+                </a:defRPr>
+              </a:lvl4pPr>
+              <a:lvl5pPr eaLnBrk="0" fontAlgn="base" hangingPunct="0">
+                <a:spcBef>
+                  <a:spcPct val="0"/>
+                </a:spcBef>
+                <a:spcAft>
+                  <a:spcPct val="0"/>
+                </a:spcAft>
+                <a:defRPr>
+                  <a:solidFill>
+                    <a:schemeClr val="tx1"/>
+                  </a:solidFill>
+                  <a:latin typeface="Arial" panose="020B0604020202020204" pitchFamily="34" charset="0"/>
+                </a:defRPr>
+              </a:lvl5pPr>
+              <a:lvl6pPr eaLnBrk="0" fontAlgn="base" hangingPunct="0">
+                <a:spcBef>
+                  <a:spcPct val="0"/>
+                </a:spcBef>
+                <a:spcAft>
+                  <a:spcPct val="0"/>
+                </a:spcAft>
+                <a:defRPr>
+                  <a:solidFill>
+                    <a:schemeClr val="tx1"/>
+                  </a:solidFill>
+                  <a:latin typeface="Arial" panose="020B0604020202020204" pitchFamily="34" charset="0"/>
+                </a:defRPr>
+              </a:lvl6pPr>
+              <a:lvl7pPr eaLnBrk="0" fontAlgn="base" hangingPunct="0">
+                <a:spcBef>
+                  <a:spcPct val="0"/>
+                </a:spcBef>
+                <a:spcAft>
+                  <a:spcPct val="0"/>
+                </a:spcAft>
+                <a:defRPr>
+                  <a:solidFill>
+                    <a:schemeClr val="tx1"/>
+                  </a:solidFill>
+                  <a:latin typeface="Arial" panose="020B0604020202020204" pitchFamily="34" charset="0"/>
+                </a:defRPr>
+              </a:lvl7pPr>
+              <a:lvl8pPr eaLnBrk="0" fontAlgn="base" hangingPunct="0">
+                <a:spcBef>
+                  <a:spcPct val="0"/>
+                </a:spcBef>
+                <a:spcAft>
+                  <a:spcPct val="0"/>
+                </a:spcAft>
+                <a:defRPr>
+                  <a:solidFill>
+                    <a:schemeClr val="tx1"/>
+                  </a:solidFill>
+                  <a:latin typeface="Arial" panose="020B0604020202020204" pitchFamily="34" charset="0"/>
+                </a:defRPr>
+              </a:lvl8pPr>
+              <a:lvl9pPr eaLnBrk="0" fontAlgn="base" hangingPunct="0">
+                <a:spcBef>
+                  <a:spcPct val="0"/>
+                </a:spcBef>
+                <a:spcAft>
+                  <a:spcPct val="0"/>
+                </a:spcAft>
+                <a:defRPr>
+                  <a:solidFill>
+                    <a:schemeClr val="tx1"/>
+                  </a:solidFill>
+                  <a:latin typeface="Arial" panose="020B0604020202020204" pitchFamily="34" charset="0"/>
+                </a:defRPr>
+              </a:lvl9pPr>
+            </a:lstStyle>
+            <a:p>
+              <a:pPr marL="0" marR="0" lvl="0" indent="0" algn="l" defTabSz="914400" rtl="0" eaLnBrk="0" fontAlgn="base" latinLnBrk="0" hangingPunct="0">
+                <a:lnSpc>
+                  <a:spcPct val="100000"/>
+                </a:lnSpc>
+                <a:spcBef>
+                  <a:spcPct val="0"/>
+                </a:spcBef>
+                <a:spcAft>
+                  <a:spcPct val="0"/>
+                </a:spcAft>
+                <a:buClrTx/>
+                <a:buSzTx/>
+                <a:buFontTx/>
+                <a:buNone/>
+                <a:tabLst/>
+              </a:pPr>
+              <a:r>
+                <a:rPr lang="en-IN" sz="1100" b="0" i="0" dirty="0">
+                  <a:solidFill>
+                    <a:srgbClr val="24292F"/>
+                  </a:solidFill>
+                  <a:effectLst/>
+                  <a:latin typeface="ui-monospace"/>
+                </a:rPr>
+                <a:t>spring-cloud-starter-</a:t>
+              </a:r>
+              <a:r>
+                <a:rPr lang="en-IN" sz="1100" b="0" i="0" dirty="0" err="1">
+                  <a:solidFill>
+                    <a:srgbClr val="24292F"/>
+                  </a:solidFill>
+                  <a:effectLst/>
+                  <a:latin typeface="ui-monospace"/>
+                </a:rPr>
+                <a:t>netflix</a:t>
+              </a:r>
+              <a:r>
+                <a:rPr lang="en-IN" sz="1100" b="0" i="0" dirty="0">
+                  <a:solidFill>
+                    <a:srgbClr val="24292F"/>
+                  </a:solidFill>
+                  <a:effectLst/>
+                  <a:latin typeface="ui-monospace"/>
+                </a:rPr>
+                <a:t>-eureka-client</a:t>
+              </a:r>
+              <a:endParaRPr kumimoji="0" lang="en-US" altLang="en-US" sz="1800" b="0" i="0" u="none" strike="noStrike" cap="none" normalizeH="0" baseline="0" dirty="0">
+                <a:ln>
+                  <a:noFill/>
+                </a:ln>
+                <a:solidFill>
+                  <a:schemeClr val="tx1"/>
+                </a:solidFill>
+                <a:effectLst/>
+                <a:latin typeface="Arial" panose="020B0604020202020204" pitchFamily="34" charset="0"/>
+              </a:endParaRPr>
+            </a:p>
+          </p:txBody>
+        </p:sp>
+      </p:grpSp>
+    </p:spTree>
+    <p:extLst>
+      <p:ext uri="{BB962C8B-B14F-4D97-AF65-F5344CB8AC3E}">
+        <p14:creationId xmlns:p14="http://schemas.microsoft.com/office/powerpoint/2010/main" val="2081615610"/>
+      </p:ext>
+    </p:extLst>
+  </p:cSld>
+  <p:clrMapOvr>
+    <a:masterClrMapping/>
+  </p:clrMapOvr>
+</p:sld>
+</file>
+
+<file path=ppt/slides/slide6.xml><?xml version="1.0" encoding="utf-8"?>
+<p:sld xmlns:a="http://schemas.openxmlformats.org/drawingml/2006/main" xmlns:r="http://schemas.openxmlformats.org/officeDocument/2006/relationships" xmlns:p="http://schemas.openxmlformats.org/presentationml/2006/main">
+  <p:cSld>
+    <p:spTree>
+      <p:nvGrpSpPr>
+        <p:cNvPr id="1" name=""/>
+        <p:cNvGrpSpPr/>
+        <p:nvPr/>
+      </p:nvGrpSpPr>
+      <p:grpSpPr>
+        <a:xfrm>
+          <a:off x="0" y="0"/>
+          <a:ext cx="0" cy="0"/>
+          <a:chOff x="0" y="0"/>
+          <a:chExt cx="0" cy="0"/>
+        </a:xfrm>
+      </p:grpSpPr>
+      <p:pic>
+        <p:nvPicPr>
+          <p:cNvPr id="3" name="Picture 2">
+            <a:extLst>
+              <a:ext uri="{FF2B5EF4-FFF2-40B4-BE49-F238E27FC236}">
+                <a16:creationId xmlns:a16="http://schemas.microsoft.com/office/drawing/2014/main" id="{560C134D-D853-4890-A707-F7A79768BCC2}"/>
+              </a:ext>
+            </a:extLst>
+          </p:cNvPr>
+          <p:cNvPicPr>
+            <a:picLocks noChangeAspect="1"/>
+          </p:cNvPicPr>
+          <p:nvPr/>
+        </p:nvPicPr>
+        <p:blipFill>
+          <a:blip r:embed="rId2"/>
+          <a:stretch>
+            <a:fillRect/>
+          </a:stretch>
+        </p:blipFill>
+        <p:spPr>
+          <a:xfrm>
+            <a:off x="803980" y="504825"/>
+            <a:ext cx="4171950" cy="6353175"/>
+          </a:xfrm>
+          <a:prstGeom prst="rect">
+            <a:avLst/>
+          </a:prstGeom>
+        </p:spPr>
+      </p:pic>
+      <p:grpSp>
+        <p:nvGrpSpPr>
+          <p:cNvPr id="4" name="Group 3">
+            <a:extLst>
+              <a:ext uri="{FF2B5EF4-FFF2-40B4-BE49-F238E27FC236}">
+                <a16:creationId xmlns:a16="http://schemas.microsoft.com/office/drawing/2014/main" id="{B021E5D5-9E22-42BB-A558-1583C4BA6068}"/>
+              </a:ext>
+            </a:extLst>
+          </p:cNvPr>
+          <p:cNvGrpSpPr/>
+          <p:nvPr/>
+        </p:nvGrpSpPr>
+        <p:grpSpPr>
+          <a:xfrm>
+            <a:off x="4728020" y="3381539"/>
+            <a:ext cx="5206201" cy="2851878"/>
+            <a:chOff x="1488109" y="1776567"/>
+            <a:chExt cx="5206201" cy="2851878"/>
+          </a:xfrm>
+        </p:grpSpPr>
+        <p:grpSp>
+          <p:nvGrpSpPr>
+            <p:cNvPr id="5" name="Group 4">
+              <a:extLst>
+                <a:ext uri="{FF2B5EF4-FFF2-40B4-BE49-F238E27FC236}">
+                  <a16:creationId xmlns:a16="http://schemas.microsoft.com/office/drawing/2014/main" id="{A260F702-5BB2-48C7-B3DC-050165CFD60D}"/>
+                </a:ext>
+              </a:extLst>
+            </p:cNvPr>
+            <p:cNvGrpSpPr/>
+            <p:nvPr/>
+          </p:nvGrpSpPr>
+          <p:grpSpPr>
+            <a:xfrm>
+              <a:off x="1488109" y="1776567"/>
+              <a:ext cx="5206201" cy="2851878"/>
+              <a:chOff x="705180" y="670255"/>
+              <a:chExt cx="4607890" cy="2219701"/>
+            </a:xfrm>
+          </p:grpSpPr>
+          <p:sp>
+            <p:nvSpPr>
+              <p:cNvPr id="8" name="Rectangle: Rounded Corners 7">
+                <a:extLst>
+                  <a:ext uri="{FF2B5EF4-FFF2-40B4-BE49-F238E27FC236}">
+                    <a16:creationId xmlns:a16="http://schemas.microsoft.com/office/drawing/2014/main" id="{07F0E954-3E53-4667-B4D5-BDEC08D29884}"/>
+                  </a:ext>
+                </a:extLst>
+              </p:cNvPr>
+              <p:cNvSpPr/>
+              <p:nvPr/>
+            </p:nvSpPr>
+            <p:spPr>
+              <a:xfrm>
+                <a:off x="1417343" y="670255"/>
+                <a:ext cx="3414301" cy="2219701"/>
+              </a:xfrm>
+              <a:prstGeom prst="roundRect">
+                <a:avLst/>
+              </a:prstGeom>
+              <a:solidFill>
+                <a:schemeClr val="accent6">
+                  <a:lumMod val="75000"/>
+                </a:schemeClr>
+              </a:solidFill>
+            </p:spPr>
+            <p:style>
+              <a:lnRef idx="2">
+                <a:schemeClr val="accent1">
+                  <a:shade val="50000"/>
+                </a:schemeClr>
+              </a:lnRef>
+              <a:fillRef idx="1">
+                <a:schemeClr val="accent1"/>
+              </a:fillRef>
+              <a:effectRef idx="0">
+                <a:schemeClr val="accent1"/>
+              </a:effectRef>
+              <a:fontRef idx="minor">
+                <a:schemeClr val="lt1"/>
+              </a:fontRef>
+            </p:style>
+            <p:txBody>
+              <a:bodyPr rtlCol="0" anchor="ctr"/>
+              <a:lstStyle/>
+              <a:p>
+                <a:pPr algn="ctr"/>
+                <a:r>
+                  <a:rPr lang="en-IN" sz="1800" dirty="0">
+                    <a:solidFill>
+                      <a:srgbClr val="000000"/>
+                    </a:solidFill>
+                    <a:latin typeface="Consolas" panose="020B0609020204030204" pitchFamily="49" charset="0"/>
+                  </a:rPr>
+                  <a:t>bmt.gateway01.com</a:t>
+                </a:r>
+                <a:endParaRPr lang="en-IN" dirty="0"/>
+              </a:p>
+            </p:txBody>
+          </p:sp>
+          <p:sp>
+            <p:nvSpPr>
+              <p:cNvPr id="9" name="TextBox 8">
+                <a:extLst>
+                  <a:ext uri="{FF2B5EF4-FFF2-40B4-BE49-F238E27FC236}">
+                    <a16:creationId xmlns:a16="http://schemas.microsoft.com/office/drawing/2014/main" id="{FA7E6838-2355-4CA1-9CC0-9AE2F4EBC3D6}"/>
+                  </a:ext>
+                </a:extLst>
+              </p:cNvPr>
+              <p:cNvSpPr txBox="1"/>
+              <p:nvPr/>
+            </p:nvSpPr>
+            <p:spPr>
+              <a:xfrm>
+                <a:off x="705181" y="2256310"/>
+                <a:ext cx="2528125" cy="246221"/>
+              </a:xfrm>
+              <a:prstGeom prst="rect">
+                <a:avLst/>
+              </a:prstGeom>
+              <a:solidFill>
+                <a:srgbClr val="FFC000"/>
+              </a:solidFill>
+            </p:spPr>
+            <p:txBody>
+              <a:bodyPr wrap="square">
+                <a:spAutoFit/>
+              </a:bodyPr>
+              <a:lstStyle/>
+              <a:p>
+                <a:r>
+                  <a:rPr lang="en-IN" sz="1000" b="0" i="0" dirty="0">
+                    <a:effectLst/>
+                    <a:latin typeface="Monaco"/>
+                  </a:rPr>
+                  <a:t>spring-cloud-services-starter-circuit-breaker</a:t>
+                </a:r>
+                <a:endParaRPr lang="en-IN" sz="1000" dirty="0"/>
+              </a:p>
+            </p:txBody>
+          </p:sp>
+          <p:sp>
+            <p:nvSpPr>
+              <p:cNvPr id="10" name="TextBox 9">
+                <a:extLst>
+                  <a:ext uri="{FF2B5EF4-FFF2-40B4-BE49-F238E27FC236}">
+                    <a16:creationId xmlns:a16="http://schemas.microsoft.com/office/drawing/2014/main" id="{54154064-8ADD-46A0-A39D-07A76EBA3FA7}"/>
+                  </a:ext>
+                </a:extLst>
+              </p:cNvPr>
+              <p:cNvSpPr txBox="1"/>
+              <p:nvPr/>
+            </p:nvSpPr>
+            <p:spPr>
+              <a:xfrm>
+                <a:off x="705180" y="2493235"/>
+                <a:ext cx="2528125" cy="246221"/>
+              </a:xfrm>
+              <a:prstGeom prst="rect">
+                <a:avLst/>
+              </a:prstGeom>
+              <a:solidFill>
+                <a:schemeClr val="accent2">
+                  <a:lumMod val="60000"/>
+                  <a:lumOff val="40000"/>
+                </a:schemeClr>
+              </a:solidFill>
+              <a:ln>
+                <a:solidFill>
+                  <a:schemeClr val="accent2">
+                    <a:lumMod val="40000"/>
+                    <a:lumOff val="60000"/>
+                  </a:schemeClr>
+                </a:solidFill>
+              </a:ln>
+            </p:spPr>
+            <p:txBody>
+              <a:bodyPr wrap="square">
+                <a:spAutoFit/>
+              </a:bodyPr>
+              <a:lstStyle/>
+              <a:p>
+                <a:pPr marL="0" marR="0" lvl="0" indent="0" algn="l" defTabSz="914400" rtl="0" eaLnBrk="0" fontAlgn="base" latinLnBrk="0" hangingPunct="0">
+                  <a:lnSpc>
+                    <a:spcPct val="100000"/>
+                  </a:lnSpc>
+                  <a:spcBef>
+                    <a:spcPct val="0"/>
+                  </a:spcBef>
+                  <a:spcAft>
+                    <a:spcPct val="0"/>
+                  </a:spcAft>
+                  <a:buClrTx/>
+                  <a:buSzTx/>
+                  <a:buFontTx/>
+                  <a:buNone/>
+                  <a:tabLst/>
+                </a:pPr>
+                <a:r>
+                  <a:rPr lang="en-IN" sz="1000" b="0" i="0" dirty="0">
+                    <a:solidFill>
+                      <a:srgbClr val="24292F"/>
+                    </a:solidFill>
+                    <a:effectLst/>
+                    <a:latin typeface="ui-monospace"/>
+                  </a:rPr>
+                  <a:t>spring-cloud-starter-</a:t>
+                </a:r>
+                <a:r>
+                  <a:rPr lang="en-IN" sz="1000" b="0" i="0" dirty="0" err="1">
+                    <a:solidFill>
+                      <a:srgbClr val="24292F"/>
+                    </a:solidFill>
+                    <a:effectLst/>
+                    <a:latin typeface="ui-monospace"/>
+                  </a:rPr>
+                  <a:t>netflix</a:t>
+                </a:r>
+                <a:r>
+                  <a:rPr lang="en-IN" sz="1000" b="0" i="0" dirty="0">
+                    <a:solidFill>
+                      <a:srgbClr val="24292F"/>
+                    </a:solidFill>
+                    <a:effectLst/>
+                    <a:latin typeface="ui-monospace"/>
+                  </a:rPr>
+                  <a:t>-eureka-client</a:t>
+                </a:r>
+                <a:endParaRPr kumimoji="0" lang="en-US" altLang="en-US" sz="1400" b="0" i="0" u="none" strike="noStrike" cap="none" normalizeH="0" baseline="0" dirty="0">
+                  <a:ln>
+                    <a:noFill/>
+                  </a:ln>
+                  <a:solidFill>
+                    <a:schemeClr val="tx1"/>
+                  </a:solidFill>
+                  <a:effectLst/>
+                  <a:latin typeface="Arial" panose="020B0604020202020204" pitchFamily="34" charset="0"/>
+                </a:endParaRPr>
+              </a:p>
+            </p:txBody>
+          </p:sp>
+          <p:sp>
+            <p:nvSpPr>
+              <p:cNvPr id="11" name="Rectangle 1">
+                <a:extLst>
+                  <a:ext uri="{FF2B5EF4-FFF2-40B4-BE49-F238E27FC236}">
+                    <a16:creationId xmlns:a16="http://schemas.microsoft.com/office/drawing/2014/main" id="{B56114E7-113E-4367-95A3-EE11DE90EF51}"/>
+                  </a:ext>
+                </a:extLst>
+              </p:cNvPr>
+              <p:cNvSpPr>
+                <a:spLocks noChangeArrowheads="1"/>
+              </p:cNvSpPr>
+              <p:nvPr/>
+            </p:nvSpPr>
+            <p:spPr bwMode="auto">
+              <a:xfrm>
+                <a:off x="3638774" y="814893"/>
+                <a:ext cx="1674296" cy="323165"/>
+              </a:xfrm>
+              <a:prstGeom prst="rect">
+                <a:avLst/>
+              </a:prstGeom>
+              <a:solidFill>
+                <a:srgbClr val="F2F2F2"/>
+              </a:solidFill>
+              <a:ln>
+                <a:noFill/>
+              </a:ln>
+              <a:effectLst/>
+              <a:extLst>
+                <a:ext uri="{91240B29-F687-4F45-9708-019B960494DF}">
+                  <a14:hiddenLine xmlns:a14="http://schemas.microsoft.com/office/drawing/2010/main" w="9525">
+                    <a:solidFill>
+                      <a:schemeClr val="tx1"/>
+                    </a:solidFill>
+                    <a:miter lim="800000"/>
+                    <a:headEnd/>
+                    <a:tailEnd/>
+                  </a14:hiddenLine>
+                </a:ext>
+                <a:ext uri="{AF507438-7753-43E0-B8FC-AC1667EBCBE1}">
+                  <a14:hiddenEffects xmlns:a14="http://schemas.microsoft.com/office/drawing/2010/main">
+                    <a:effectLst>
+                      <a:outerShdw dist="35921" dir="2700000" algn="ctr" rotWithShape="0">
+                        <a:schemeClr val="bg2"/>
+                      </a:outerShdw>
+                    </a:effectLst>
+                  </a14:hiddenEffects>
+                </a:ext>
+              </a:extLst>
+            </p:spPr>
+            <p:txBody>
+              <a:bodyPr vert="horz" wrap="square" lIns="91440" tIns="45720" rIns="91440" bIns="45720" numCol="1" anchor="ctr" anchorCtr="0" compatLnSpc="1">
+                <a:prstTxWarp prst="textNoShape">
+                  <a:avLst/>
+                </a:prstTxWarp>
+                <a:spAutoFit/>
+              </a:bodyPr>
+              <a:lstStyle>
+                <a:lvl1pPr eaLnBrk="0" fontAlgn="base" hangingPunct="0">
+                  <a:spcBef>
+                    <a:spcPct val="0"/>
+                  </a:spcBef>
+                  <a:spcAft>
+                    <a:spcPct val="0"/>
+                  </a:spcAft>
+                  <a:defRPr>
+                    <a:solidFill>
+                      <a:schemeClr val="tx1"/>
+                    </a:solidFill>
+                    <a:latin typeface="Arial" panose="020B0604020202020204" pitchFamily="34" charset="0"/>
+                  </a:defRPr>
+                </a:lvl1pPr>
+                <a:lvl2pPr eaLnBrk="0" fontAlgn="base" hangingPunct="0">
+                  <a:spcBef>
+                    <a:spcPct val="0"/>
+                  </a:spcBef>
+                  <a:spcAft>
+                    <a:spcPct val="0"/>
+                  </a:spcAft>
+                  <a:defRPr>
+                    <a:solidFill>
+                      <a:schemeClr val="tx1"/>
+                    </a:solidFill>
+                    <a:latin typeface="Arial" panose="020B0604020202020204" pitchFamily="34" charset="0"/>
+                  </a:defRPr>
+                </a:lvl2pPr>
+                <a:lvl3pPr eaLnBrk="0" fontAlgn="base" hangingPunct="0">
+                  <a:spcBef>
+                    <a:spcPct val="0"/>
+                  </a:spcBef>
+                  <a:spcAft>
+                    <a:spcPct val="0"/>
+                  </a:spcAft>
+                  <a:defRPr>
+                    <a:solidFill>
+                      <a:schemeClr val="tx1"/>
+                    </a:solidFill>
+                    <a:latin typeface="Arial" panose="020B0604020202020204" pitchFamily="34" charset="0"/>
+                  </a:defRPr>
+                </a:lvl3pPr>
+                <a:lvl4pPr eaLnBrk="0" fontAlgn="base" hangingPunct="0">
+                  <a:spcBef>
+                    <a:spcPct val="0"/>
+                  </a:spcBef>
+                  <a:spcAft>
+                    <a:spcPct val="0"/>
+                  </a:spcAft>
+                  <a:defRPr>
+                    <a:solidFill>
+                      <a:schemeClr val="tx1"/>
+                    </a:solidFill>
+                    <a:latin typeface="Arial" panose="020B0604020202020204" pitchFamily="34" charset="0"/>
+                  </a:defRPr>
+                </a:lvl4pPr>
+                <a:lvl5pPr eaLnBrk="0" fontAlgn="base" hangingPunct="0">
+                  <a:spcBef>
+                    <a:spcPct val="0"/>
+                  </a:spcBef>
+                  <a:spcAft>
+                    <a:spcPct val="0"/>
+                  </a:spcAft>
+                  <a:defRPr>
+                    <a:solidFill>
+                      <a:schemeClr val="tx1"/>
+                    </a:solidFill>
+                    <a:latin typeface="Arial" panose="020B0604020202020204" pitchFamily="34" charset="0"/>
+                  </a:defRPr>
+                </a:lvl5pPr>
+                <a:lvl6pPr eaLnBrk="0" fontAlgn="base" hangingPunct="0">
+                  <a:spcBef>
+                    <a:spcPct val="0"/>
+                  </a:spcBef>
+                  <a:spcAft>
+                    <a:spcPct val="0"/>
+                  </a:spcAft>
+                  <a:defRPr>
+                    <a:solidFill>
+                      <a:schemeClr val="tx1"/>
+                    </a:solidFill>
+                    <a:latin typeface="Arial" panose="020B0604020202020204" pitchFamily="34" charset="0"/>
+                  </a:defRPr>
+                </a:lvl6pPr>
+                <a:lvl7pPr eaLnBrk="0" fontAlgn="base" hangingPunct="0">
+                  <a:spcBef>
+                    <a:spcPct val="0"/>
+                  </a:spcBef>
+                  <a:spcAft>
+                    <a:spcPct val="0"/>
+                  </a:spcAft>
+                  <a:defRPr>
+                    <a:solidFill>
+                      <a:schemeClr val="tx1"/>
+                    </a:solidFill>
+                    <a:latin typeface="Arial" panose="020B0604020202020204" pitchFamily="34" charset="0"/>
+                  </a:defRPr>
+                </a:lvl7pPr>
+                <a:lvl8pPr eaLnBrk="0" fontAlgn="base" hangingPunct="0">
+                  <a:spcBef>
+                    <a:spcPct val="0"/>
+                  </a:spcBef>
+                  <a:spcAft>
+                    <a:spcPct val="0"/>
+                  </a:spcAft>
+                  <a:defRPr>
+                    <a:solidFill>
+                      <a:schemeClr val="tx1"/>
+                    </a:solidFill>
+                    <a:latin typeface="Arial" panose="020B0604020202020204" pitchFamily="34" charset="0"/>
+                  </a:defRPr>
+                </a:lvl8pPr>
+                <a:lvl9pPr eaLnBrk="0" fontAlgn="base" hangingPunct="0">
+                  <a:spcBef>
+                    <a:spcPct val="0"/>
+                  </a:spcBef>
+                  <a:spcAft>
+                    <a:spcPct val="0"/>
+                  </a:spcAft>
+                  <a:defRPr>
+                    <a:solidFill>
+                      <a:schemeClr val="tx1"/>
+                    </a:solidFill>
+                    <a:latin typeface="Arial" panose="020B0604020202020204" pitchFamily="34" charset="0"/>
+                  </a:defRPr>
+                </a:lvl9pPr>
+              </a:lstStyle>
+              <a:p>
+                <a:pPr marL="0" marR="0" lvl="0" indent="0" algn="l" defTabSz="914400" rtl="0" eaLnBrk="0" fontAlgn="base" latinLnBrk="0" hangingPunct="0">
+                  <a:lnSpc>
+                    <a:spcPct val="100000"/>
+                  </a:lnSpc>
+                  <a:spcBef>
+                    <a:spcPct val="0"/>
+                  </a:spcBef>
+                  <a:spcAft>
+                    <a:spcPct val="0"/>
+                  </a:spcAft>
+                  <a:buClrTx/>
+                  <a:buSzTx/>
+                  <a:buFontTx/>
+                  <a:buNone/>
+                  <a:tabLst/>
+                </a:pPr>
+                <a:r>
+                  <a:rPr kumimoji="0" lang="en-US" altLang="en-US" sz="1100" b="0" i="0" u="none" strike="noStrike" cap="none" normalizeH="0" baseline="0" dirty="0">
+                    <a:ln>
+                      <a:noFill/>
+                    </a:ln>
+                    <a:solidFill>
+                      <a:srgbClr val="292929"/>
+                    </a:solidFill>
+                    <a:effectLst/>
+                    <a:latin typeface="Menlo"/>
+                  </a:rPr>
+                  <a:t>@</a:t>
+                </a:r>
+                <a:r>
+                  <a:rPr kumimoji="0" lang="en-US" altLang="en-US" sz="1100" b="0" i="0" u="none" strike="noStrike" cap="none" normalizeH="0" baseline="0" dirty="0" err="1">
+                    <a:ln>
+                      <a:noFill/>
+                    </a:ln>
+                    <a:solidFill>
+                      <a:srgbClr val="292929"/>
+                    </a:solidFill>
+                    <a:effectLst/>
+                    <a:latin typeface="Menlo"/>
+                  </a:rPr>
+                  <a:t>EnableEurekaClient</a:t>
+                </a:r>
+                <a:r>
+                  <a:rPr kumimoji="0" lang="en-US" altLang="en-US" sz="1500" b="0" i="0" u="none" strike="noStrike" cap="none" normalizeH="0" baseline="0" dirty="0">
+                    <a:ln>
+                      <a:noFill/>
+                    </a:ln>
+                    <a:solidFill>
+                      <a:srgbClr val="292929"/>
+                    </a:solidFill>
+                    <a:effectLst/>
+                    <a:latin typeface="charter"/>
+                  </a:rPr>
+                  <a:t> </a:t>
+                </a:r>
+                <a:r>
+                  <a:rPr kumimoji="0" lang="en-US" altLang="en-US" sz="900" b="0" i="0" u="none" strike="noStrike" cap="none" normalizeH="0" baseline="0" dirty="0">
+                    <a:ln>
+                      <a:noFill/>
+                    </a:ln>
+                    <a:solidFill>
+                      <a:schemeClr val="tx1"/>
+                    </a:solidFill>
+                    <a:effectLst/>
+                  </a:rPr>
+                  <a:t> </a:t>
+                </a:r>
+                <a:endParaRPr kumimoji="0" lang="en-US" altLang="en-US" sz="1800" b="0" i="0" u="none" strike="noStrike" cap="none" normalizeH="0" baseline="0" dirty="0">
+                  <a:ln>
+                    <a:noFill/>
+                  </a:ln>
+                  <a:solidFill>
+                    <a:schemeClr val="tx1"/>
+                  </a:solidFill>
+                  <a:effectLst/>
+                  <a:latin typeface="Arial" panose="020B0604020202020204" pitchFamily="34" charset="0"/>
+                </a:endParaRPr>
+              </a:p>
+            </p:txBody>
+          </p:sp>
+          <p:sp>
+            <p:nvSpPr>
+              <p:cNvPr id="12" name="Rectangle 1">
+                <a:extLst>
+                  <a:ext uri="{FF2B5EF4-FFF2-40B4-BE49-F238E27FC236}">
+                    <a16:creationId xmlns:a16="http://schemas.microsoft.com/office/drawing/2014/main" id="{48106B67-8B66-4E83-8897-B4B818F00C97}"/>
+                  </a:ext>
+                </a:extLst>
+              </p:cNvPr>
+              <p:cNvSpPr>
+                <a:spLocks noChangeArrowheads="1"/>
+              </p:cNvSpPr>
+              <p:nvPr/>
+            </p:nvSpPr>
+            <p:spPr bwMode="auto">
+              <a:xfrm>
+                <a:off x="4086333" y="1282696"/>
+                <a:ext cx="1226737" cy="323165"/>
+              </a:xfrm>
+              <a:prstGeom prst="rect">
+                <a:avLst/>
+              </a:prstGeom>
+              <a:solidFill>
+                <a:srgbClr val="F2F2F2"/>
+              </a:solidFill>
+              <a:ln>
+                <a:noFill/>
+              </a:ln>
+              <a:effectLst/>
+              <a:extLst>
+                <a:ext uri="{91240B29-F687-4F45-9708-019B960494DF}">
+                  <a14:hiddenLine xmlns:a14="http://schemas.microsoft.com/office/drawing/2010/main" w="9525">
+                    <a:solidFill>
+                      <a:schemeClr val="tx1"/>
+                    </a:solidFill>
+                    <a:miter lim="800000"/>
+                    <a:headEnd/>
+                    <a:tailEnd/>
+                  </a14:hiddenLine>
+                </a:ext>
+                <a:ext uri="{AF507438-7753-43E0-B8FC-AC1667EBCBE1}">
+                  <a14:hiddenEffects xmlns:a14="http://schemas.microsoft.com/office/drawing/2010/main">
+                    <a:effectLst>
+                      <a:outerShdw dist="35921" dir="2700000" algn="ctr" rotWithShape="0">
+                        <a:schemeClr val="bg2"/>
+                      </a:outerShdw>
+                    </a:effectLst>
+                  </a14:hiddenEffects>
+                </a:ext>
+              </a:extLst>
+            </p:spPr>
+            <p:txBody>
+              <a:bodyPr vert="horz" wrap="square" lIns="91440" tIns="45720" rIns="91440" bIns="45720" numCol="1" anchor="ctr" anchorCtr="0" compatLnSpc="1">
+                <a:prstTxWarp prst="textNoShape">
+                  <a:avLst/>
+                </a:prstTxWarp>
+                <a:spAutoFit/>
+              </a:bodyPr>
+              <a:lstStyle>
+                <a:lvl1pPr eaLnBrk="0" fontAlgn="base" hangingPunct="0">
+                  <a:spcBef>
+                    <a:spcPct val="0"/>
+                  </a:spcBef>
+                  <a:spcAft>
+                    <a:spcPct val="0"/>
+                  </a:spcAft>
+                  <a:defRPr>
+                    <a:solidFill>
+                      <a:schemeClr val="tx1"/>
+                    </a:solidFill>
+                    <a:latin typeface="Arial" panose="020B0604020202020204" pitchFamily="34" charset="0"/>
+                  </a:defRPr>
+                </a:lvl1pPr>
+                <a:lvl2pPr eaLnBrk="0" fontAlgn="base" hangingPunct="0">
+                  <a:spcBef>
+                    <a:spcPct val="0"/>
+                  </a:spcBef>
+                  <a:spcAft>
+                    <a:spcPct val="0"/>
+                  </a:spcAft>
+                  <a:defRPr>
+                    <a:solidFill>
+                      <a:schemeClr val="tx1"/>
+                    </a:solidFill>
+                    <a:latin typeface="Arial" panose="020B0604020202020204" pitchFamily="34" charset="0"/>
+                  </a:defRPr>
+                </a:lvl2pPr>
+                <a:lvl3pPr eaLnBrk="0" fontAlgn="base" hangingPunct="0">
+                  <a:spcBef>
+                    <a:spcPct val="0"/>
+                  </a:spcBef>
+                  <a:spcAft>
+                    <a:spcPct val="0"/>
+                  </a:spcAft>
+                  <a:defRPr>
+                    <a:solidFill>
+                      <a:schemeClr val="tx1"/>
+                    </a:solidFill>
+                    <a:latin typeface="Arial" panose="020B0604020202020204" pitchFamily="34" charset="0"/>
+                  </a:defRPr>
+                </a:lvl3pPr>
+                <a:lvl4pPr eaLnBrk="0" fontAlgn="base" hangingPunct="0">
+                  <a:spcBef>
+                    <a:spcPct val="0"/>
+                  </a:spcBef>
+                  <a:spcAft>
+                    <a:spcPct val="0"/>
+                  </a:spcAft>
+                  <a:defRPr>
+                    <a:solidFill>
+                      <a:schemeClr val="tx1"/>
+                    </a:solidFill>
+                    <a:latin typeface="Arial" panose="020B0604020202020204" pitchFamily="34" charset="0"/>
+                  </a:defRPr>
+                </a:lvl4pPr>
+                <a:lvl5pPr eaLnBrk="0" fontAlgn="base" hangingPunct="0">
+                  <a:spcBef>
+                    <a:spcPct val="0"/>
+                  </a:spcBef>
+                  <a:spcAft>
+                    <a:spcPct val="0"/>
+                  </a:spcAft>
+                  <a:defRPr>
+                    <a:solidFill>
+                      <a:schemeClr val="tx1"/>
+                    </a:solidFill>
+                    <a:latin typeface="Arial" panose="020B0604020202020204" pitchFamily="34" charset="0"/>
+                  </a:defRPr>
+                </a:lvl5pPr>
+                <a:lvl6pPr eaLnBrk="0" fontAlgn="base" hangingPunct="0">
+                  <a:spcBef>
+                    <a:spcPct val="0"/>
+                  </a:spcBef>
+                  <a:spcAft>
+                    <a:spcPct val="0"/>
+                  </a:spcAft>
+                  <a:defRPr>
+                    <a:solidFill>
+                      <a:schemeClr val="tx1"/>
+                    </a:solidFill>
+                    <a:latin typeface="Arial" panose="020B0604020202020204" pitchFamily="34" charset="0"/>
+                  </a:defRPr>
+                </a:lvl6pPr>
+                <a:lvl7pPr eaLnBrk="0" fontAlgn="base" hangingPunct="0">
+                  <a:spcBef>
+                    <a:spcPct val="0"/>
+                  </a:spcBef>
+                  <a:spcAft>
+                    <a:spcPct val="0"/>
+                  </a:spcAft>
+                  <a:defRPr>
+                    <a:solidFill>
+                      <a:schemeClr val="tx1"/>
+                    </a:solidFill>
+                    <a:latin typeface="Arial" panose="020B0604020202020204" pitchFamily="34" charset="0"/>
+                  </a:defRPr>
+                </a:lvl7pPr>
+                <a:lvl8pPr eaLnBrk="0" fontAlgn="base" hangingPunct="0">
+                  <a:spcBef>
+                    <a:spcPct val="0"/>
+                  </a:spcBef>
+                  <a:spcAft>
+                    <a:spcPct val="0"/>
+                  </a:spcAft>
+                  <a:defRPr>
+                    <a:solidFill>
+                      <a:schemeClr val="tx1"/>
+                    </a:solidFill>
+                    <a:latin typeface="Arial" panose="020B0604020202020204" pitchFamily="34" charset="0"/>
+                  </a:defRPr>
+                </a:lvl8pPr>
+                <a:lvl9pPr eaLnBrk="0" fontAlgn="base" hangingPunct="0">
+                  <a:spcBef>
+                    <a:spcPct val="0"/>
+                  </a:spcBef>
+                  <a:spcAft>
+                    <a:spcPct val="0"/>
+                  </a:spcAft>
+                  <a:defRPr>
+                    <a:solidFill>
+                      <a:schemeClr val="tx1"/>
+                    </a:solidFill>
+                    <a:latin typeface="Arial" panose="020B0604020202020204" pitchFamily="34" charset="0"/>
+                  </a:defRPr>
+                </a:lvl9pPr>
+              </a:lstStyle>
+              <a:p>
+                <a:pPr marL="0" marR="0" lvl="0" indent="0" algn="l" defTabSz="914400" rtl="0" eaLnBrk="0" fontAlgn="base" latinLnBrk="0" hangingPunct="0">
+                  <a:lnSpc>
+                    <a:spcPct val="100000"/>
+                  </a:lnSpc>
+                  <a:spcBef>
+                    <a:spcPct val="0"/>
+                  </a:spcBef>
+                  <a:spcAft>
+                    <a:spcPct val="0"/>
+                  </a:spcAft>
+                  <a:buClrTx/>
+                  <a:buSzTx/>
+                  <a:buFontTx/>
+                  <a:buNone/>
+                  <a:tabLst/>
+                </a:pPr>
+                <a:r>
+                  <a:rPr kumimoji="0" lang="en-US" altLang="en-US" sz="1100" b="0" i="0" u="none" strike="noStrike" cap="none" normalizeH="0" baseline="0" dirty="0">
+                    <a:ln>
+                      <a:noFill/>
+                    </a:ln>
+                    <a:solidFill>
+                      <a:srgbClr val="292929"/>
+                    </a:solidFill>
+                    <a:effectLst/>
+                    <a:latin typeface="Menlo"/>
+                  </a:rPr>
+                  <a:t>@EnableHystrix</a:t>
+                </a:r>
+                <a:r>
+                  <a:rPr kumimoji="0" lang="en-US" altLang="en-US" sz="1500" b="0" i="0" u="none" strike="noStrike" cap="none" normalizeH="0" baseline="0" dirty="0">
+                    <a:ln>
+                      <a:noFill/>
+                    </a:ln>
+                    <a:solidFill>
+                      <a:srgbClr val="292929"/>
+                    </a:solidFill>
+                    <a:effectLst/>
+                    <a:latin typeface="charter"/>
+                  </a:rPr>
+                  <a:t> </a:t>
+                </a:r>
+                <a:r>
+                  <a:rPr kumimoji="0" lang="en-US" altLang="en-US" sz="900" b="0" i="0" u="none" strike="noStrike" cap="none" normalizeH="0" baseline="0" dirty="0">
+                    <a:ln>
+                      <a:noFill/>
+                    </a:ln>
+                    <a:solidFill>
+                      <a:schemeClr val="tx1"/>
+                    </a:solidFill>
+                    <a:effectLst/>
+                  </a:rPr>
+                  <a:t> </a:t>
+                </a:r>
+                <a:endParaRPr kumimoji="0" lang="en-US" altLang="en-US" sz="1800" b="0" i="0" u="none" strike="noStrike" cap="none" normalizeH="0" baseline="0" dirty="0">
+                  <a:ln>
+                    <a:noFill/>
+                  </a:ln>
+                  <a:solidFill>
+                    <a:schemeClr val="tx1"/>
+                  </a:solidFill>
+                  <a:effectLst/>
+                  <a:latin typeface="Arial" panose="020B0604020202020204" pitchFamily="34" charset="0"/>
+                </a:endParaRPr>
+              </a:p>
+            </p:txBody>
+          </p:sp>
+        </p:grpSp>
+        <p:sp>
+          <p:nvSpPr>
+            <p:cNvPr id="6" name="TextBox 5">
+              <a:extLst>
+                <a:ext uri="{FF2B5EF4-FFF2-40B4-BE49-F238E27FC236}">
+                  <a16:creationId xmlns:a16="http://schemas.microsoft.com/office/drawing/2014/main" id="{05888D46-9281-4A14-9C8D-95AAAD2235C7}"/>
+                </a:ext>
+              </a:extLst>
+            </p:cNvPr>
+            <p:cNvSpPr txBox="1"/>
+            <p:nvPr/>
+          </p:nvSpPr>
+          <p:spPr>
+            <a:xfrm>
+              <a:off x="1488111" y="3448091"/>
+              <a:ext cx="2528125" cy="246221"/>
+            </a:xfrm>
+            <a:prstGeom prst="rect">
+              <a:avLst/>
+            </a:prstGeom>
+            <a:solidFill>
+              <a:srgbClr val="FFFF00"/>
+            </a:solidFill>
+          </p:spPr>
+          <p:txBody>
+            <a:bodyPr wrap="square">
+              <a:spAutoFit/>
+            </a:bodyPr>
+            <a:lstStyle/>
+            <a:p>
+              <a:r>
+                <a:rPr lang="en-IN" sz="1000" b="0" i="0" dirty="0">
+                  <a:solidFill>
+                    <a:srgbClr val="000099"/>
+                  </a:solidFill>
+                  <a:effectLst/>
+                  <a:latin typeface="Monaco"/>
+                </a:rPr>
+                <a:t>spring-cloud-starter-</a:t>
+              </a:r>
+              <a:r>
+                <a:rPr lang="en-IN" sz="1000" b="0" i="0" dirty="0" err="1">
+                  <a:solidFill>
+                    <a:srgbClr val="000099"/>
+                  </a:solidFill>
+                  <a:effectLst/>
+                  <a:latin typeface="Monaco"/>
+                </a:rPr>
+                <a:t>netflix</a:t>
+              </a:r>
+              <a:r>
+                <a:rPr lang="en-IN" sz="1000" b="0" i="0" dirty="0">
+                  <a:solidFill>
+                    <a:srgbClr val="000099"/>
+                  </a:solidFill>
+                  <a:effectLst/>
+                  <a:latin typeface="Monaco"/>
+                </a:rPr>
+                <a:t>-</a:t>
+              </a:r>
+              <a:r>
+                <a:rPr lang="en-IN" sz="1000" b="0" i="0" dirty="0" err="1">
+                  <a:solidFill>
+                    <a:srgbClr val="000099"/>
+                  </a:solidFill>
+                  <a:effectLst/>
+                  <a:latin typeface="Monaco"/>
+                </a:rPr>
+                <a:t>hystrix</a:t>
+              </a:r>
+              <a:endParaRPr lang="en-IN" sz="1000" dirty="0">
+                <a:solidFill>
+                  <a:schemeClr val="bg1"/>
+                </a:solidFill>
+              </a:endParaRPr>
+            </a:p>
+          </p:txBody>
+        </p:sp>
+        <p:sp>
+          <p:nvSpPr>
+            <p:cNvPr id="7" name="TextBox 6">
+              <a:extLst>
+                <a:ext uri="{FF2B5EF4-FFF2-40B4-BE49-F238E27FC236}">
+                  <a16:creationId xmlns:a16="http://schemas.microsoft.com/office/drawing/2014/main" id="{C91224FA-ADA9-4075-AE2B-E0C6E149E540}"/>
+                </a:ext>
+              </a:extLst>
+            </p:cNvPr>
+            <p:cNvSpPr txBox="1"/>
+            <p:nvPr/>
+          </p:nvSpPr>
+          <p:spPr>
+            <a:xfrm>
+              <a:off x="1488111" y="2454668"/>
+              <a:ext cx="2528125" cy="246221"/>
+            </a:xfrm>
+            <a:prstGeom prst="rect">
+              <a:avLst/>
+            </a:prstGeom>
+            <a:solidFill>
+              <a:srgbClr val="FFFF00"/>
+            </a:solidFill>
+          </p:spPr>
+          <p:txBody>
+            <a:bodyPr wrap="square">
+              <a:spAutoFit/>
+            </a:bodyPr>
+            <a:lstStyle/>
+            <a:p>
+              <a:r>
+                <a:rPr lang="en-IN" sz="1000" b="0" i="0" dirty="0">
+                  <a:solidFill>
+                    <a:srgbClr val="000099"/>
+                  </a:solidFill>
+                  <a:effectLst/>
+                  <a:latin typeface="Monaco"/>
+                </a:rPr>
+                <a:t>spring-boot-starter-data-</a:t>
+              </a:r>
+              <a:r>
+                <a:rPr lang="en-IN" sz="1000" b="0" i="0" dirty="0" err="1">
+                  <a:solidFill>
+                    <a:srgbClr val="000099"/>
+                  </a:solidFill>
+                  <a:effectLst/>
+                  <a:latin typeface="Monaco"/>
+                </a:rPr>
+                <a:t>redis</a:t>
+              </a:r>
+              <a:r>
+                <a:rPr lang="en-IN" sz="1000" b="0" i="0" dirty="0">
+                  <a:solidFill>
+                    <a:srgbClr val="000099"/>
+                  </a:solidFill>
+                  <a:effectLst/>
+                  <a:latin typeface="Monaco"/>
+                </a:rPr>
+                <a:t>-reactive</a:t>
+              </a:r>
+              <a:endParaRPr lang="en-IN" sz="1000" dirty="0"/>
+            </a:p>
+          </p:txBody>
+        </p:sp>
+      </p:grpSp>
+      <p:pic>
+        <p:nvPicPr>
+          <p:cNvPr id="14" name="Picture 13">
+            <a:extLst>
+              <a:ext uri="{FF2B5EF4-FFF2-40B4-BE49-F238E27FC236}">
+                <a16:creationId xmlns:a16="http://schemas.microsoft.com/office/drawing/2014/main" id="{668A22B1-9003-428D-ACDE-E385F77113C5}"/>
+              </a:ext>
+            </a:extLst>
+          </p:cNvPr>
+          <p:cNvPicPr>
+            <a:picLocks noChangeAspect="1"/>
+          </p:cNvPicPr>
+          <p:nvPr/>
+        </p:nvPicPr>
+        <p:blipFill>
+          <a:blip r:embed="rId3"/>
+          <a:stretch>
+            <a:fillRect/>
+          </a:stretch>
+        </p:blipFill>
+        <p:spPr>
+          <a:xfrm>
+            <a:off x="5807023" y="504825"/>
+            <a:ext cx="3181350" cy="2286000"/>
+          </a:xfrm>
+          <a:prstGeom prst="rect">
+            <a:avLst/>
+          </a:prstGeom>
+        </p:spPr>
+      </p:pic>
+      <p:sp>
+        <p:nvSpPr>
+          <p:cNvPr id="15" name="Rectangle 1">
+            <a:extLst>
+              <a:ext uri="{FF2B5EF4-FFF2-40B4-BE49-F238E27FC236}">
+                <a16:creationId xmlns:a16="http://schemas.microsoft.com/office/drawing/2014/main" id="{11137976-87B3-4320-B508-32CD22EA0740}"/>
+              </a:ext>
+            </a:extLst>
+          </p:cNvPr>
+          <p:cNvSpPr>
+            <a:spLocks noChangeArrowheads="1"/>
+          </p:cNvSpPr>
+          <p:nvPr/>
+        </p:nvSpPr>
+        <p:spPr bwMode="auto">
+          <a:xfrm>
+            <a:off x="8141134" y="5241531"/>
+            <a:ext cx="1891695" cy="323165"/>
+          </a:xfrm>
+          <a:prstGeom prst="rect">
+            <a:avLst/>
+          </a:prstGeom>
+          <a:solidFill>
+            <a:srgbClr val="F2F2F2"/>
+          </a:solidFill>
+          <a:ln>
+            <a:noFill/>
+          </a:ln>
+          <a:effectLst/>
+          <a:extLst>
+            <a:ext uri="{91240B29-F687-4F45-9708-019B960494DF}">
+              <a14:hiddenLine xmlns:a14="http://schemas.microsoft.com/office/drawing/2010/main" w="9525">
+                <a:solidFill>
+                  <a:schemeClr val="tx1"/>
+                </a:solidFill>
+                <a:miter lim="800000"/>
+                <a:headEnd/>
+                <a:tailEnd/>
+              </a14:hiddenLine>
+            </a:ext>
+            <a:ext uri="{AF507438-7753-43E0-B8FC-AC1667EBCBE1}">
+              <a14:hiddenEffects xmlns:a14="http://schemas.microsoft.com/office/drawing/2010/main">
+                <a:effectLst>
+                  <a:outerShdw dist="35921" dir="2700000" algn="ctr" rotWithShape="0">
+                    <a:schemeClr val="bg2"/>
+                  </a:outerShdw>
+                </a:effectLst>
+              </a14:hiddenEffects>
+            </a:ext>
+          </a:extLst>
+        </p:spPr>
+        <p:txBody>
+          <a:bodyPr vert="horz" wrap="square" lIns="91440" tIns="45720" rIns="91440" bIns="45720" numCol="1" anchor="ctr" anchorCtr="0" compatLnSpc="1">
+            <a:prstTxWarp prst="textNoShape">
+              <a:avLst/>
+            </a:prstTxWarp>
+            <a:spAutoFit/>
+          </a:bodyPr>
+          <a:lstStyle>
+            <a:lvl1pPr eaLnBrk="0" fontAlgn="base" hangingPunct="0">
+              <a:spcBef>
+                <a:spcPct val="0"/>
+              </a:spcBef>
+              <a:spcAft>
+                <a:spcPct val="0"/>
+              </a:spcAft>
+              <a:defRPr>
+                <a:solidFill>
+                  <a:schemeClr val="tx1"/>
+                </a:solidFill>
+                <a:latin typeface="Arial" panose="020B0604020202020204" pitchFamily="34" charset="0"/>
+              </a:defRPr>
+            </a:lvl1pPr>
+            <a:lvl2pPr eaLnBrk="0" fontAlgn="base" hangingPunct="0">
+              <a:spcBef>
+                <a:spcPct val="0"/>
+              </a:spcBef>
+              <a:spcAft>
+                <a:spcPct val="0"/>
+              </a:spcAft>
+              <a:defRPr>
+                <a:solidFill>
+                  <a:schemeClr val="tx1"/>
+                </a:solidFill>
+                <a:latin typeface="Arial" panose="020B0604020202020204" pitchFamily="34" charset="0"/>
+              </a:defRPr>
+            </a:lvl2pPr>
+            <a:lvl3pPr eaLnBrk="0" fontAlgn="base" hangingPunct="0">
+              <a:spcBef>
+                <a:spcPct val="0"/>
+              </a:spcBef>
+              <a:spcAft>
+                <a:spcPct val="0"/>
+              </a:spcAft>
+              <a:defRPr>
+                <a:solidFill>
+                  <a:schemeClr val="tx1"/>
+                </a:solidFill>
+                <a:latin typeface="Arial" panose="020B0604020202020204" pitchFamily="34" charset="0"/>
+              </a:defRPr>
+            </a:lvl3pPr>
+            <a:lvl4pPr eaLnBrk="0" fontAlgn="base" hangingPunct="0">
+              <a:spcBef>
+                <a:spcPct val="0"/>
+              </a:spcBef>
+              <a:spcAft>
+                <a:spcPct val="0"/>
+              </a:spcAft>
+              <a:defRPr>
+                <a:solidFill>
+                  <a:schemeClr val="tx1"/>
+                </a:solidFill>
+                <a:latin typeface="Arial" panose="020B0604020202020204" pitchFamily="34" charset="0"/>
+              </a:defRPr>
+            </a:lvl4pPr>
+            <a:lvl5pPr eaLnBrk="0" fontAlgn="base" hangingPunct="0">
+              <a:spcBef>
+                <a:spcPct val="0"/>
+              </a:spcBef>
+              <a:spcAft>
+                <a:spcPct val="0"/>
+              </a:spcAft>
+              <a:defRPr>
+                <a:solidFill>
+                  <a:schemeClr val="tx1"/>
+                </a:solidFill>
+                <a:latin typeface="Arial" panose="020B0604020202020204" pitchFamily="34" charset="0"/>
+              </a:defRPr>
+            </a:lvl5pPr>
+            <a:lvl6pPr eaLnBrk="0" fontAlgn="base" hangingPunct="0">
+              <a:spcBef>
+                <a:spcPct val="0"/>
+              </a:spcBef>
+              <a:spcAft>
+                <a:spcPct val="0"/>
+              </a:spcAft>
+              <a:defRPr>
+                <a:solidFill>
+                  <a:schemeClr val="tx1"/>
+                </a:solidFill>
+                <a:latin typeface="Arial" panose="020B0604020202020204" pitchFamily="34" charset="0"/>
+              </a:defRPr>
+            </a:lvl6pPr>
+            <a:lvl7pPr eaLnBrk="0" fontAlgn="base" hangingPunct="0">
+              <a:spcBef>
+                <a:spcPct val="0"/>
+              </a:spcBef>
+              <a:spcAft>
+                <a:spcPct val="0"/>
+              </a:spcAft>
+              <a:defRPr>
+                <a:solidFill>
+                  <a:schemeClr val="tx1"/>
+                </a:solidFill>
+                <a:latin typeface="Arial" panose="020B0604020202020204" pitchFamily="34" charset="0"/>
+              </a:defRPr>
+            </a:lvl7pPr>
+            <a:lvl8pPr eaLnBrk="0" fontAlgn="base" hangingPunct="0">
+              <a:spcBef>
+                <a:spcPct val="0"/>
+              </a:spcBef>
+              <a:spcAft>
+                <a:spcPct val="0"/>
+              </a:spcAft>
+              <a:defRPr>
+                <a:solidFill>
+                  <a:schemeClr val="tx1"/>
+                </a:solidFill>
+                <a:latin typeface="Arial" panose="020B0604020202020204" pitchFamily="34" charset="0"/>
+              </a:defRPr>
+            </a:lvl8pPr>
+            <a:lvl9pPr eaLnBrk="0" fontAlgn="base" hangingPunct="0">
+              <a:spcBef>
+                <a:spcPct val="0"/>
+              </a:spcBef>
+              <a:spcAft>
+                <a:spcPct val="0"/>
+              </a:spcAft>
+              <a:defRPr>
+                <a:solidFill>
+                  <a:schemeClr val="tx1"/>
+                </a:solidFill>
+                <a:latin typeface="Arial" panose="020B0604020202020204" pitchFamily="34" charset="0"/>
+              </a:defRPr>
+            </a:lvl9pPr>
+          </a:lstStyle>
+          <a:p>
+            <a:pPr marL="0" marR="0" lvl="0" indent="0" algn="l" defTabSz="914400" rtl="0" eaLnBrk="0" fontAlgn="base" latinLnBrk="0" hangingPunct="0">
+              <a:lnSpc>
+                <a:spcPct val="100000"/>
+              </a:lnSpc>
+              <a:spcBef>
+                <a:spcPct val="0"/>
+              </a:spcBef>
+              <a:spcAft>
+                <a:spcPct val="0"/>
+              </a:spcAft>
+              <a:buClrTx/>
+              <a:buSzTx/>
+              <a:buFontTx/>
+              <a:buNone/>
+              <a:tabLst/>
+            </a:pPr>
+            <a:r>
+              <a:rPr kumimoji="0" lang="en-US" altLang="en-US" sz="1100" b="0" i="0" u="none" strike="noStrike" cap="none" normalizeH="0" baseline="0" dirty="0">
+                <a:ln>
+                  <a:noFill/>
+                </a:ln>
+                <a:solidFill>
+                  <a:srgbClr val="292929"/>
+                </a:solidFill>
+                <a:effectLst/>
+                <a:latin typeface="Menlo"/>
+              </a:rPr>
+              <a:t>@EnableCircuitBreaker</a:t>
+            </a:r>
+            <a:r>
+              <a:rPr kumimoji="0" lang="en-US" altLang="en-US" sz="1500" b="0" i="0" u="none" strike="noStrike" cap="none" normalizeH="0" baseline="0" dirty="0">
+                <a:ln>
+                  <a:noFill/>
+                </a:ln>
+                <a:solidFill>
+                  <a:srgbClr val="292929"/>
+                </a:solidFill>
+                <a:effectLst/>
+                <a:latin typeface="charter"/>
+              </a:rPr>
+              <a:t> </a:t>
+            </a:r>
+            <a:r>
+              <a:rPr kumimoji="0" lang="en-US" altLang="en-US" sz="900" b="0" i="0" u="none" strike="noStrike" cap="none" normalizeH="0" baseline="0" dirty="0">
+                <a:ln>
+                  <a:noFill/>
+                </a:ln>
+                <a:solidFill>
+                  <a:schemeClr val="tx1"/>
+                </a:solidFill>
+                <a:effectLst/>
+              </a:rPr>
+              <a:t> </a:t>
+            </a:r>
+            <a:endParaRPr kumimoji="0" lang="en-US" altLang="en-US" sz="1800" b="0" i="0" u="none" strike="noStrike" cap="none" normalizeH="0" baseline="0" dirty="0">
+              <a:ln>
+                <a:noFill/>
+              </a:ln>
+              <a:solidFill>
+                <a:schemeClr val="tx1"/>
+              </a:solidFill>
+              <a:effectLst/>
+              <a:latin typeface="Arial" panose="020B0604020202020204" pitchFamily="34" charset="0"/>
+            </a:endParaRPr>
+          </a:p>
+        </p:txBody>
+      </p:sp>
+    </p:spTree>
+    <p:extLst>
+      <p:ext uri="{BB962C8B-B14F-4D97-AF65-F5344CB8AC3E}">
+        <p14:creationId xmlns:p14="http://schemas.microsoft.com/office/powerpoint/2010/main" val="3601157363"/>
+      </p:ext>
+    </p:extLst>
+  </p:cSld>
+  <p:clrMapOvr>
+    <a:masterClrMapping/>
+  </p:clrMapOvr>
+</p:sld>
+</file>
+
+<file path=ppt/slides/slide7.xml><?xml version="1.0" encoding="utf-8"?>
+<p:sld xmlns:a="http://schemas.openxmlformats.org/drawingml/2006/main" xmlns:r="http://schemas.openxmlformats.org/officeDocument/2006/relationships" xmlns:p="http://schemas.openxmlformats.org/presentationml/2006/main">
+  <p:cSld>
+    <p:spTree>
+      <p:nvGrpSpPr>
+        <p:cNvPr id="1" name=""/>
+        <p:cNvGrpSpPr/>
+        <p:nvPr/>
+      </p:nvGrpSpPr>
+      <p:grpSpPr>
+        <a:xfrm>
+          <a:off x="0" y="0"/>
+          <a:ext cx="0" cy="0"/>
+          <a:chOff x="0" y="0"/>
+          <a:chExt cx="0" cy="0"/>
+        </a:xfrm>
+      </p:grpSpPr>
+      <p:grpSp>
+        <p:nvGrpSpPr>
           <p:cNvPr id="47" name="Group 46"/>
           <p:cNvGrpSpPr/>
           <p:nvPr/>
@@ -17212,7 +19054,7 @@
             <p:cNvPr id="48" name="Rectangle: Rounded Corners 1">
               <a:extLst>
                 <a:ext uri="{FF2B5EF4-FFF2-40B4-BE49-F238E27FC236}">
-                  <a16:creationId xmlns:a16="http://schemas.microsoft.com/office/drawing/2014/main" xmlns="" id="{229043B8-923C-4A63-923B-ED47AB6F3179}"/>
+                  <a16:creationId xmlns:a16="http://schemas.microsoft.com/office/drawing/2014/main" id="{229043B8-923C-4A63-923B-ED47AB6F3179}"/>
                 </a:ext>
               </a:extLst>
             </p:cNvPr>
@@ -17255,7 +19097,7 @@
             <a:p>
               <a:pPr algn="ctr"/>
               <a:r>
-                <a:rPr lang="en-IN" sz="1800" dirty="0" smtClean="0">
+                <a:rPr lang="en-IN" sz="1800" dirty="0">
                   <a:solidFill>
                     <a:srgbClr val="000000"/>
                   </a:solidFill>
@@ -17272,7 +19114,7 @@
             <p:cNvPr id="49" name="Rectangle 1">
               <a:extLst>
                 <a:ext uri="{FF2B5EF4-FFF2-40B4-BE49-F238E27FC236}">
-                  <a16:creationId xmlns:a16="http://schemas.microsoft.com/office/drawing/2014/main" xmlns="" id="{FFE5BAF0-90A9-481D-AAC3-4466B273C9B9}"/>
+                  <a16:creationId xmlns:a16="http://schemas.microsoft.com/office/drawing/2014/main" id="{FFE5BAF0-90A9-481D-AAC3-4466B273C9B9}"/>
                 </a:ext>
               </a:extLst>
             </p:cNvPr>
@@ -17484,7 +19326,7 @@
                 <a:t>@</a:t>
               </a:r>
               <a:r>
-                <a:rPr kumimoji="0" lang="en-US" altLang="en-US" sz="1100" b="0" i="0" u="none" strike="noStrike" cap="none" normalizeH="0" baseline="0" dirty="0" err="1" smtClean="0">
+                <a:rPr kumimoji="0" lang="en-US" altLang="en-US" sz="1100" b="0" i="0" u="none" strike="noStrike" cap="none" normalizeH="0" baseline="0" dirty="0" err="1">
                   <a:ln>
                     <a:noFill/>
                   </a:ln>
@@ -17519,19 +19361,7 @@
                   </a:solidFill>
                   <a:effectLst/>
                 </a:rPr>
-                <a:t> </a:t>
-              </a:r>
-              <a:r>
-                <a:rPr kumimoji="0" lang="en-US" altLang="en-US" sz="900" b="0" i="0" u="none" strike="noStrike" cap="none" normalizeH="0" baseline="0" dirty="0" smtClean="0">
-                  <a:ln>
-                    <a:noFill/>
-                  </a:ln>
-                  <a:solidFill>
-                    <a:schemeClr val="tx1"/>
-                  </a:solidFill>
-                  <a:effectLst/>
-                </a:rPr>
-                <a:t>c</a:t>
+                <a:t> c</a:t>
               </a:r>
               <a:endParaRPr kumimoji="0" lang="en-US" altLang="en-US" sz="1800" b="0" i="0" u="none" strike="noStrike" cap="none" normalizeH="0" baseline="0" dirty="0">
                 <a:ln>
@@ -17551,7 +19381,7 @@
             <p:cNvPr id="50" name="Rectangle 1">
               <a:extLst>
                 <a:ext uri="{FF2B5EF4-FFF2-40B4-BE49-F238E27FC236}">
-                  <a16:creationId xmlns:a16="http://schemas.microsoft.com/office/drawing/2014/main" xmlns="" id="{4A5862E7-0045-43EA-8731-76AF0AFFEB2B}"/>
+                  <a16:creationId xmlns:a16="http://schemas.microsoft.com/office/drawing/2014/main" id="{4A5862E7-0045-43EA-8731-76AF0AFFEB2B}"/>
                 </a:ext>
               </a:extLst>
             </p:cNvPr>
@@ -17750,7 +19580,7 @@
                 <a:tabLst/>
               </a:pPr>
               <a:r>
-                <a:rPr lang="en-IN" sz="1100" b="0" i="0" dirty="0" smtClean="0">
+                <a:rPr lang="en-IN" sz="1100" b="0" i="0" dirty="0">
                   <a:solidFill>
                     <a:srgbClr val="24292F"/>
                   </a:solidFill>
@@ -17760,7 +19590,7 @@
                 <a:t>spring-cloud-starter-</a:t>
               </a:r>
               <a:r>
-                <a:rPr lang="en-IN" sz="1100" b="0" i="0" dirty="0" err="1" smtClean="0">
+                <a:rPr lang="en-IN" sz="1100" b="0" i="0" dirty="0" err="1">
                   <a:solidFill>
                     <a:srgbClr val="24292F"/>
                   </a:solidFill>
@@ -17770,7 +19600,7 @@
                 <a:t>netflix</a:t>
               </a:r>
               <a:r>
-                <a:rPr lang="en-IN" sz="1100" b="0" i="0" dirty="0" smtClean="0">
+                <a:rPr lang="en-IN" sz="1100" b="0" i="0" dirty="0">
                   <a:solidFill>
                     <a:srgbClr val="24292F"/>
                   </a:solidFill>
@@ -17852,18 +19682,13 @@
           <a:lstStyle/>
           <a:p>
             <a:r>
-              <a:rPr lang="en-US" b="1" dirty="0" smtClean="0">
+              <a:rPr lang="en-US" b="1" dirty="0">
                 <a:solidFill>
                   <a:srgbClr val="FF0000"/>
                 </a:solidFill>
               </a:rPr>
               <a:t>/booking/**</a:t>
             </a:r>
-            <a:endParaRPr lang="en-US" b="1" dirty="0">
-              <a:solidFill>
-                <a:srgbClr val="FF0000"/>
-              </a:solidFill>
-            </a:endParaRPr>
           </a:p>
         </p:txBody>
       </p:sp>
@@ -17900,7 +19725,7 @@
               <p:cNvPr id="44" name="Rectangle: Rounded Corners 1">
                 <a:extLst>
                   <a:ext uri="{FF2B5EF4-FFF2-40B4-BE49-F238E27FC236}">
-                    <a16:creationId xmlns:a16="http://schemas.microsoft.com/office/drawing/2014/main" xmlns="" id="{229043B8-923C-4A63-923B-ED47AB6F3179}"/>
+                    <a16:creationId xmlns:a16="http://schemas.microsoft.com/office/drawing/2014/main" id="{229043B8-923C-4A63-923B-ED47AB6F3179}"/>
                   </a:ext>
                 </a:extLst>
               </p:cNvPr>
@@ -17942,7 +19767,7 @@
               <a:lstStyle/>
               <a:p>
                 <a:pPr algn="ctr"/>
-                <a:endParaRPr lang="en-IN" sz="1800" dirty="0" smtClean="0">
+                <a:endParaRPr lang="en-IN" sz="1800" dirty="0">
                   <a:solidFill>
                     <a:srgbClr val="000000"/>
                   </a:solidFill>
@@ -17960,7 +19785,7 @@
               </a:p>
               <a:p>
                 <a:pPr algn="ctr"/>
-                <a:endParaRPr lang="en-IN" sz="1800" dirty="0" smtClean="0">
+                <a:endParaRPr lang="en-IN" sz="1800" dirty="0">
                   <a:solidFill>
                     <a:srgbClr val="000000"/>
                   </a:solidFill>
@@ -17979,7 +19804,7 @@
               <a:p>
                 <a:pPr algn="ctr"/>
                 <a:r>
-                  <a:rPr lang="en-IN" sz="1800" dirty="0" smtClean="0">
+                  <a:rPr lang="en-IN" sz="1800" dirty="0">
                     <a:solidFill>
                       <a:srgbClr val="000000"/>
                     </a:solidFill>
@@ -17996,7 +19821,7 @@
               <p:cNvPr id="45" name="Rectangle 1">
                 <a:extLst>
                   <a:ext uri="{FF2B5EF4-FFF2-40B4-BE49-F238E27FC236}">
-                    <a16:creationId xmlns:a16="http://schemas.microsoft.com/office/drawing/2014/main" xmlns="" id="{FFE5BAF0-90A9-481D-AAC3-4466B273C9B9}"/>
+                    <a16:creationId xmlns:a16="http://schemas.microsoft.com/office/drawing/2014/main" id="{FFE5BAF0-90A9-481D-AAC3-4466B273C9B9}"/>
                   </a:ext>
                 </a:extLst>
               </p:cNvPr>
@@ -18208,7 +20033,7 @@
                   <a:t>@</a:t>
                 </a:r>
                 <a:r>
-                  <a:rPr kumimoji="0" lang="en-US" altLang="en-US" sz="1100" b="0" i="0" u="none" strike="noStrike" cap="none" normalizeH="0" baseline="0" dirty="0" err="1" smtClean="0">
+                  <a:rPr kumimoji="0" lang="en-US" altLang="en-US" sz="1100" b="0" i="0" u="none" strike="noStrike" cap="none" normalizeH="0" baseline="0" dirty="0" err="1">
                     <a:ln>
                       <a:noFill/>
                     </a:ln>
@@ -18287,7 +20112,7 @@
             <a:lstStyle/>
             <a:p>
               <a:r>
-                <a:rPr lang="en-US" sz="1600" dirty="0" smtClean="0">
+                <a:rPr lang="en-US" sz="1600" dirty="0">
                   <a:solidFill>
                     <a:schemeClr val="bg1"/>
                   </a:solidFill>
@@ -18295,7 +20120,7 @@
                 <a:t>spring-cloud-starter-</a:t>
               </a:r>
               <a:r>
-                <a:rPr lang="en-US" sz="1600" dirty="0" err="1" smtClean="0">
+                <a:rPr lang="en-US" sz="1600" dirty="0" err="1">
                   <a:solidFill>
                     <a:schemeClr val="bg1"/>
                   </a:solidFill>
@@ -18303,18 +20128,13 @@
                 <a:t>netflix</a:t>
               </a:r>
               <a:r>
-                <a:rPr lang="en-US" sz="1600" dirty="0" smtClean="0">
+                <a:rPr lang="en-US" sz="1600" dirty="0">
                   <a:solidFill>
                     <a:schemeClr val="bg1"/>
                   </a:solidFill>
                 </a:rPr>
                 <a:t>-eureka-client</a:t>
               </a:r>
-              <a:endParaRPr lang="en-US" sz="1600" dirty="0">
-                <a:solidFill>
-                  <a:schemeClr val="bg1"/>
-                </a:solidFill>
-              </a:endParaRPr>
             </a:p>
           </p:txBody>
         </p:sp>
@@ -18356,14 +20176,13 @@
           <a:p>
             <a:pPr algn="ctr"/>
             <a:r>
-              <a:rPr lang="en-US" dirty="0" err="1" smtClean="0"/>
+              <a:rPr lang="en-US" dirty="0" err="1"/>
               <a:t>bmt</a:t>
             </a:r>
             <a:r>
-              <a:rPr lang="en-US" dirty="0" smtClean="0"/>
+              <a:rPr lang="en-US" dirty="0"/>
               <a:t>-eureka-cluster</a:t>
             </a:r>
-            <a:endParaRPr lang="en-US" dirty="0"/>
           </a:p>
         </p:txBody>
       </p:sp>
@@ -18669,7 +20488,7 @@
   <a:extraClrSchemeLst/>
   <a:extLst>
     <a:ext uri="{05A4C25C-085E-4340-85A3-A5531E510DB2}">
-      <thm15:themeFamily xmlns:thm15="http://schemas.microsoft.com/office/thememl/2012/main" xmlns="" name="Office Theme" id="{62F939B6-93AF-4DB8-9C6B-D6C7DFDC589F}" vid="{4A3C46E8-61CC-4603-A589-7422A47A8E4A}"/>
+      <thm15:themeFamily xmlns:thm15="http://schemas.microsoft.com/office/thememl/2012/main" name="Office Theme" id="{62F939B6-93AF-4DB8-9C6B-D6C7DFDC589F}" vid="{4A3C46E8-61CC-4603-A589-7422A47A8E4A}"/>
     </a:ext>
   </a:extLst>
 </a:theme>

--- a/src/spring/spring.boot.pptx
+++ b/src/spring/spring.boot.pptx
@@ -10,8 +10,9 @@
     <p:sldId id="261" r:id="rId4"/>
     <p:sldId id="258" r:id="rId5"/>
     <p:sldId id="262" r:id="rId6"/>
-    <p:sldId id="263" r:id="rId7"/>
-    <p:sldId id="259" r:id="rId8"/>
+    <p:sldId id="264" r:id="rId7"/>
+    <p:sldId id="263" r:id="rId8"/>
+    <p:sldId id="259" r:id="rId9"/>
   </p:sldIdLst>
   <p:sldSz cx="12192000" cy="6858000"/>
   <p:notesSz cx="6858000" cy="9144000"/>
@@ -17188,10 +17189,10 @@
         </p:nvGrpSpPr>
         <p:grpSpPr>
           <a:xfrm>
-            <a:off x="4425243" y="2841924"/>
-            <a:ext cx="2684040" cy="1338950"/>
-            <a:chOff x="5978822" y="5328355"/>
-            <a:chExt cx="2684040" cy="1338950"/>
+            <a:off x="2946398" y="2841923"/>
+            <a:ext cx="7521909" cy="2633187"/>
+            <a:chOff x="5139659" y="5328355"/>
+            <a:chExt cx="4268268" cy="1338950"/>
           </a:xfrm>
         </p:grpSpPr>
         <p:sp>
@@ -17270,7 +17271,7 @@
           </p:nvSpPr>
           <p:spPr bwMode="auto">
             <a:xfrm>
-              <a:off x="7071127" y="5358851"/>
+              <a:off x="7917794" y="5379082"/>
               <a:ext cx="1490133" cy="323165"/>
             </a:xfrm>
             <a:prstGeom prst="rect">
@@ -17524,8 +17525,8 @@
           </p:nvSpPr>
           <p:spPr bwMode="auto">
             <a:xfrm>
-              <a:off x="5978822" y="6334643"/>
-              <a:ext cx="2684039" cy="261610"/>
+              <a:off x="5139659" y="6444857"/>
+              <a:ext cx="1518181" cy="133026"/>
             </a:xfrm>
             <a:prstGeom prst="rect">
               <a:avLst/>
@@ -17769,6 +17770,1193 @@
 </file>
 
 <file path=ppt/slides/slide6.xml><?xml version="1.0" encoding="utf-8"?>
+<p:sld xmlns:a="http://schemas.openxmlformats.org/drawingml/2006/main" xmlns:r="http://schemas.openxmlformats.org/officeDocument/2006/relationships" xmlns:p="http://schemas.openxmlformats.org/presentationml/2006/main">
+  <p:cSld>
+    <p:spTree>
+      <p:nvGrpSpPr>
+        <p:cNvPr id="1" name=""/>
+        <p:cNvGrpSpPr/>
+        <p:nvPr/>
+      </p:nvGrpSpPr>
+      <p:grpSpPr>
+        <a:xfrm>
+          <a:off x="0" y="0"/>
+          <a:ext cx="0" cy="0"/>
+          <a:chOff x="0" y="0"/>
+          <a:chExt cx="0" cy="0"/>
+        </a:xfrm>
+      </p:grpSpPr>
+      <p:pic>
+        <p:nvPicPr>
+          <p:cNvPr id="13" name="Picture 12">
+            <a:extLst>
+              <a:ext uri="{FF2B5EF4-FFF2-40B4-BE49-F238E27FC236}">
+                <a16:creationId xmlns:a16="http://schemas.microsoft.com/office/drawing/2014/main" id="{83167A70-D79D-4D85-AEA7-1CA2B1A28276}"/>
+              </a:ext>
+            </a:extLst>
+          </p:cNvPr>
+          <p:cNvPicPr>
+            <a:picLocks noChangeAspect="1"/>
+          </p:cNvPicPr>
+          <p:nvPr/>
+        </p:nvPicPr>
+        <p:blipFill>
+          <a:blip r:embed="rId2"/>
+          <a:stretch>
+            <a:fillRect/>
+          </a:stretch>
+        </p:blipFill>
+        <p:spPr>
+          <a:xfrm>
+            <a:off x="457749" y="547158"/>
+            <a:ext cx="3695700" cy="3257550"/>
+          </a:xfrm>
+          <a:prstGeom prst="rect">
+            <a:avLst/>
+          </a:prstGeom>
+        </p:spPr>
+      </p:pic>
+      <p:grpSp>
+        <p:nvGrpSpPr>
+          <p:cNvPr id="14" name="Group 13">
+            <a:extLst>
+              <a:ext uri="{FF2B5EF4-FFF2-40B4-BE49-F238E27FC236}">
+                <a16:creationId xmlns:a16="http://schemas.microsoft.com/office/drawing/2014/main" id="{BDEC2234-C593-46D7-A09D-965324770E33}"/>
+              </a:ext>
+            </a:extLst>
+          </p:cNvPr>
+          <p:cNvGrpSpPr/>
+          <p:nvPr/>
+        </p:nvGrpSpPr>
+        <p:grpSpPr>
+          <a:xfrm>
+            <a:off x="3346144" y="593771"/>
+            <a:ext cx="7904245" cy="2429239"/>
+            <a:chOff x="2125932" y="1128889"/>
+            <a:chExt cx="7904245" cy="2429239"/>
+          </a:xfrm>
+        </p:grpSpPr>
+        <p:sp>
+          <p:nvSpPr>
+            <p:cNvPr id="15" name="Rectangle: Rounded Corners 14">
+              <a:extLst>
+                <a:ext uri="{FF2B5EF4-FFF2-40B4-BE49-F238E27FC236}">
+                  <a16:creationId xmlns:a16="http://schemas.microsoft.com/office/drawing/2014/main" id="{0A8D1A3E-C8CE-4A70-B689-F10C4ED22677}"/>
+                </a:ext>
+              </a:extLst>
+            </p:cNvPr>
+            <p:cNvSpPr/>
+            <p:nvPr/>
+          </p:nvSpPr>
+          <p:spPr>
+            <a:xfrm>
+              <a:off x="4217963" y="1128889"/>
+              <a:ext cx="4429326" cy="2429239"/>
+            </a:xfrm>
+            <a:prstGeom prst="roundRect">
+              <a:avLst/>
+            </a:prstGeom>
+            <a:solidFill>
+              <a:srgbClr val="FF0000"/>
+            </a:solidFill>
+          </p:spPr>
+          <p:style>
+            <a:lnRef idx="2">
+              <a:schemeClr val="accent1">
+                <a:shade val="50000"/>
+              </a:schemeClr>
+            </a:lnRef>
+            <a:fillRef idx="1">
+              <a:schemeClr val="accent1"/>
+            </a:fillRef>
+            <a:effectRef idx="0">
+              <a:schemeClr val="accent1"/>
+            </a:effectRef>
+            <a:fontRef idx="minor">
+              <a:schemeClr val="lt1"/>
+            </a:fontRef>
+          </p:style>
+          <p:txBody>
+            <a:bodyPr rtlCol="0" anchor="ctr"/>
+            <a:lstStyle/>
+            <a:p>
+              <a:pPr algn="ctr"/>
+              <a:r>
+                <a:rPr lang="en-IN" sz="1800" dirty="0">
+                  <a:solidFill>
+                    <a:srgbClr val="000000"/>
+                  </a:solidFill>
+                  <a:latin typeface="Consolas" panose="020B0609020204030204" pitchFamily="49" charset="0"/>
+                </a:rPr>
+                <a:t>bmt.hysterix-dashboard01.com</a:t>
+              </a:r>
+              <a:endParaRPr lang="en-IN" dirty="0"/>
+            </a:p>
+          </p:txBody>
+        </p:sp>
+        <p:sp>
+          <p:nvSpPr>
+            <p:cNvPr id="16" name="TextBox 15">
+              <a:extLst>
+                <a:ext uri="{FF2B5EF4-FFF2-40B4-BE49-F238E27FC236}">
+                  <a16:creationId xmlns:a16="http://schemas.microsoft.com/office/drawing/2014/main" id="{F89C507E-52A0-4F92-B001-FEDECD410A32}"/>
+                </a:ext>
+              </a:extLst>
+            </p:cNvPr>
+            <p:cNvSpPr txBox="1"/>
+            <p:nvPr/>
+          </p:nvSpPr>
+          <p:spPr>
+            <a:xfrm>
+              <a:off x="2458954" y="3118299"/>
+              <a:ext cx="2856389" cy="316345"/>
+            </a:xfrm>
+            <a:prstGeom prst="rect">
+              <a:avLst/>
+            </a:prstGeom>
+            <a:solidFill>
+              <a:schemeClr val="accent2">
+                <a:lumMod val="60000"/>
+                <a:lumOff val="40000"/>
+              </a:schemeClr>
+            </a:solidFill>
+            <a:ln>
+              <a:solidFill>
+                <a:schemeClr val="accent2">
+                  <a:lumMod val="40000"/>
+                  <a:lumOff val="60000"/>
+                </a:schemeClr>
+              </a:solidFill>
+            </a:ln>
+          </p:spPr>
+          <p:txBody>
+            <a:bodyPr wrap="square">
+              <a:spAutoFit/>
+            </a:bodyPr>
+            <a:lstStyle/>
+            <a:p>
+              <a:pPr marL="0" marR="0" lvl="0" indent="0" algn="l" defTabSz="914400" rtl="0" eaLnBrk="0" fontAlgn="base" latinLnBrk="0" hangingPunct="0">
+                <a:lnSpc>
+                  <a:spcPct val="100000"/>
+                </a:lnSpc>
+                <a:spcBef>
+                  <a:spcPct val="0"/>
+                </a:spcBef>
+                <a:spcAft>
+                  <a:spcPct val="0"/>
+                </a:spcAft>
+                <a:buClrTx/>
+                <a:buSzTx/>
+                <a:buFontTx/>
+                <a:buNone/>
+                <a:tabLst/>
+              </a:pPr>
+              <a:r>
+                <a:rPr lang="en-IN" sz="1000" b="0" i="0" dirty="0">
+                  <a:solidFill>
+                    <a:srgbClr val="24292F"/>
+                  </a:solidFill>
+                  <a:effectLst/>
+                  <a:latin typeface="ui-monospace"/>
+                </a:rPr>
+                <a:t>spring-cloud-starter-</a:t>
+              </a:r>
+              <a:r>
+                <a:rPr lang="en-IN" sz="1000" b="0" i="0" dirty="0" err="1">
+                  <a:solidFill>
+                    <a:srgbClr val="24292F"/>
+                  </a:solidFill>
+                  <a:effectLst/>
+                  <a:latin typeface="ui-monospace"/>
+                </a:rPr>
+                <a:t>netflix</a:t>
+              </a:r>
+              <a:r>
+                <a:rPr lang="en-IN" sz="1000" b="0" i="0" dirty="0">
+                  <a:solidFill>
+                    <a:srgbClr val="24292F"/>
+                  </a:solidFill>
+                  <a:effectLst/>
+                  <a:latin typeface="ui-monospace"/>
+                </a:rPr>
+                <a:t>-eureka-client</a:t>
+              </a:r>
+              <a:endParaRPr kumimoji="0" lang="en-US" altLang="en-US" sz="1400" b="0" i="0" u="none" strike="noStrike" cap="none" normalizeH="0" baseline="0" dirty="0">
+                <a:ln>
+                  <a:noFill/>
+                </a:ln>
+                <a:solidFill>
+                  <a:schemeClr val="tx1"/>
+                </a:solidFill>
+                <a:effectLst/>
+                <a:latin typeface="Arial" panose="020B0604020202020204" pitchFamily="34" charset="0"/>
+              </a:endParaRPr>
+            </a:p>
+          </p:txBody>
+        </p:sp>
+        <p:sp>
+          <p:nvSpPr>
+            <p:cNvPr id="17" name="Rectangle 1">
+              <a:extLst>
+                <a:ext uri="{FF2B5EF4-FFF2-40B4-BE49-F238E27FC236}">
+                  <a16:creationId xmlns:a16="http://schemas.microsoft.com/office/drawing/2014/main" id="{50AA8AAB-ED86-4D2F-8748-1C7BFD388390}"/>
+                </a:ext>
+              </a:extLst>
+            </p:cNvPr>
+            <p:cNvSpPr>
+              <a:spLocks noChangeArrowheads="1"/>
+            </p:cNvSpPr>
+            <p:nvPr/>
+          </p:nvSpPr>
+          <p:spPr bwMode="auto">
+            <a:xfrm>
+              <a:off x="7873193" y="1254011"/>
+              <a:ext cx="1891695" cy="323165"/>
+            </a:xfrm>
+            <a:prstGeom prst="rect">
+              <a:avLst/>
+            </a:prstGeom>
+            <a:solidFill>
+              <a:srgbClr val="F2F2F2"/>
+            </a:solidFill>
+            <a:ln>
+              <a:noFill/>
+            </a:ln>
+            <a:effectLst/>
+            <a:extLst>
+              <a:ext uri="{91240B29-F687-4F45-9708-019B960494DF}">
+                <a14:hiddenLine xmlns:a14="http://schemas.microsoft.com/office/drawing/2010/main" w="9525">
+                  <a:solidFill>
+                    <a:schemeClr val="tx1"/>
+                  </a:solidFill>
+                  <a:miter lim="800000"/>
+                  <a:headEnd/>
+                  <a:tailEnd/>
+                </a14:hiddenLine>
+              </a:ext>
+              <a:ext uri="{AF507438-7753-43E0-B8FC-AC1667EBCBE1}">
+                <a14:hiddenEffects xmlns:a14="http://schemas.microsoft.com/office/drawing/2010/main">
+                  <a:effectLst>
+                    <a:outerShdw dist="35921" dir="2700000" algn="ctr" rotWithShape="0">
+                      <a:schemeClr val="bg2"/>
+                    </a:outerShdw>
+                  </a:effectLst>
+                </a14:hiddenEffects>
+              </a:ext>
+            </a:extLst>
+          </p:spPr>
+          <p:txBody>
+            <a:bodyPr vert="horz" wrap="square" lIns="91440" tIns="45720" rIns="91440" bIns="45720" numCol="1" anchor="ctr" anchorCtr="0" compatLnSpc="1">
+              <a:prstTxWarp prst="textNoShape">
+                <a:avLst/>
+              </a:prstTxWarp>
+              <a:spAutoFit/>
+            </a:bodyPr>
+            <a:lstStyle>
+              <a:lvl1pPr eaLnBrk="0" fontAlgn="base" hangingPunct="0">
+                <a:spcBef>
+                  <a:spcPct val="0"/>
+                </a:spcBef>
+                <a:spcAft>
+                  <a:spcPct val="0"/>
+                </a:spcAft>
+                <a:defRPr>
+                  <a:solidFill>
+                    <a:schemeClr val="tx1"/>
+                  </a:solidFill>
+                  <a:latin typeface="Arial" panose="020B0604020202020204" pitchFamily="34" charset="0"/>
+                </a:defRPr>
+              </a:lvl1pPr>
+              <a:lvl2pPr eaLnBrk="0" fontAlgn="base" hangingPunct="0">
+                <a:spcBef>
+                  <a:spcPct val="0"/>
+                </a:spcBef>
+                <a:spcAft>
+                  <a:spcPct val="0"/>
+                </a:spcAft>
+                <a:defRPr>
+                  <a:solidFill>
+                    <a:schemeClr val="tx1"/>
+                  </a:solidFill>
+                  <a:latin typeface="Arial" panose="020B0604020202020204" pitchFamily="34" charset="0"/>
+                </a:defRPr>
+              </a:lvl2pPr>
+              <a:lvl3pPr eaLnBrk="0" fontAlgn="base" hangingPunct="0">
+                <a:spcBef>
+                  <a:spcPct val="0"/>
+                </a:spcBef>
+                <a:spcAft>
+                  <a:spcPct val="0"/>
+                </a:spcAft>
+                <a:defRPr>
+                  <a:solidFill>
+                    <a:schemeClr val="tx1"/>
+                  </a:solidFill>
+                  <a:latin typeface="Arial" panose="020B0604020202020204" pitchFamily="34" charset="0"/>
+                </a:defRPr>
+              </a:lvl3pPr>
+              <a:lvl4pPr eaLnBrk="0" fontAlgn="base" hangingPunct="0">
+                <a:spcBef>
+                  <a:spcPct val="0"/>
+                </a:spcBef>
+                <a:spcAft>
+                  <a:spcPct val="0"/>
+                </a:spcAft>
+                <a:defRPr>
+                  <a:solidFill>
+                    <a:schemeClr val="tx1"/>
+                  </a:solidFill>
+                  <a:latin typeface="Arial" panose="020B0604020202020204" pitchFamily="34" charset="0"/>
+                </a:defRPr>
+              </a:lvl4pPr>
+              <a:lvl5pPr eaLnBrk="0" fontAlgn="base" hangingPunct="0">
+                <a:spcBef>
+                  <a:spcPct val="0"/>
+                </a:spcBef>
+                <a:spcAft>
+                  <a:spcPct val="0"/>
+                </a:spcAft>
+                <a:defRPr>
+                  <a:solidFill>
+                    <a:schemeClr val="tx1"/>
+                  </a:solidFill>
+                  <a:latin typeface="Arial" panose="020B0604020202020204" pitchFamily="34" charset="0"/>
+                </a:defRPr>
+              </a:lvl5pPr>
+              <a:lvl6pPr eaLnBrk="0" fontAlgn="base" hangingPunct="0">
+                <a:spcBef>
+                  <a:spcPct val="0"/>
+                </a:spcBef>
+                <a:spcAft>
+                  <a:spcPct val="0"/>
+                </a:spcAft>
+                <a:defRPr>
+                  <a:solidFill>
+                    <a:schemeClr val="tx1"/>
+                  </a:solidFill>
+                  <a:latin typeface="Arial" panose="020B0604020202020204" pitchFamily="34" charset="0"/>
+                </a:defRPr>
+              </a:lvl6pPr>
+              <a:lvl7pPr eaLnBrk="0" fontAlgn="base" hangingPunct="0">
+                <a:spcBef>
+                  <a:spcPct val="0"/>
+                </a:spcBef>
+                <a:spcAft>
+                  <a:spcPct val="0"/>
+                </a:spcAft>
+                <a:defRPr>
+                  <a:solidFill>
+                    <a:schemeClr val="tx1"/>
+                  </a:solidFill>
+                  <a:latin typeface="Arial" panose="020B0604020202020204" pitchFamily="34" charset="0"/>
+                </a:defRPr>
+              </a:lvl7pPr>
+              <a:lvl8pPr eaLnBrk="0" fontAlgn="base" hangingPunct="0">
+                <a:spcBef>
+                  <a:spcPct val="0"/>
+                </a:spcBef>
+                <a:spcAft>
+                  <a:spcPct val="0"/>
+                </a:spcAft>
+                <a:defRPr>
+                  <a:solidFill>
+                    <a:schemeClr val="tx1"/>
+                  </a:solidFill>
+                  <a:latin typeface="Arial" panose="020B0604020202020204" pitchFamily="34" charset="0"/>
+                </a:defRPr>
+              </a:lvl8pPr>
+              <a:lvl9pPr eaLnBrk="0" fontAlgn="base" hangingPunct="0">
+                <a:spcBef>
+                  <a:spcPct val="0"/>
+                </a:spcBef>
+                <a:spcAft>
+                  <a:spcPct val="0"/>
+                </a:spcAft>
+                <a:defRPr>
+                  <a:solidFill>
+                    <a:schemeClr val="tx1"/>
+                  </a:solidFill>
+                  <a:latin typeface="Arial" panose="020B0604020202020204" pitchFamily="34" charset="0"/>
+                </a:defRPr>
+              </a:lvl9pPr>
+            </a:lstStyle>
+            <a:p>
+              <a:pPr marL="0" marR="0" lvl="0" indent="0" algn="l" defTabSz="914400" rtl="0" eaLnBrk="0" fontAlgn="base" latinLnBrk="0" hangingPunct="0">
+                <a:lnSpc>
+                  <a:spcPct val="100000"/>
+                </a:lnSpc>
+                <a:spcBef>
+                  <a:spcPct val="0"/>
+                </a:spcBef>
+                <a:spcAft>
+                  <a:spcPct val="0"/>
+                </a:spcAft>
+                <a:buClrTx/>
+                <a:buSzTx/>
+                <a:buFontTx/>
+                <a:buNone/>
+                <a:tabLst/>
+              </a:pPr>
+              <a:r>
+                <a:rPr kumimoji="0" lang="en-US" altLang="en-US" sz="1100" b="0" i="0" u="none" strike="noStrike" cap="none" normalizeH="0" baseline="0" dirty="0">
+                  <a:ln>
+                    <a:noFill/>
+                  </a:ln>
+                  <a:solidFill>
+                    <a:srgbClr val="292929"/>
+                  </a:solidFill>
+                  <a:effectLst/>
+                  <a:latin typeface="Menlo"/>
+                </a:rPr>
+                <a:t>@SpringBootApplication</a:t>
+              </a:r>
+              <a:r>
+                <a:rPr kumimoji="0" lang="en-US" altLang="en-US" sz="1500" b="0" i="0" u="none" strike="noStrike" cap="none" normalizeH="0" baseline="0" dirty="0">
+                  <a:ln>
+                    <a:noFill/>
+                  </a:ln>
+                  <a:solidFill>
+                    <a:srgbClr val="292929"/>
+                  </a:solidFill>
+                  <a:effectLst/>
+                  <a:latin typeface="charter"/>
+                </a:rPr>
+                <a:t> </a:t>
+              </a:r>
+              <a:r>
+                <a:rPr kumimoji="0" lang="en-US" altLang="en-US" sz="900" b="0" i="0" u="none" strike="noStrike" cap="none" normalizeH="0" baseline="0" dirty="0">
+                  <a:ln>
+                    <a:noFill/>
+                  </a:ln>
+                  <a:solidFill>
+                    <a:schemeClr val="tx1"/>
+                  </a:solidFill>
+                  <a:effectLst/>
+                </a:rPr>
+                <a:t> </a:t>
+              </a:r>
+              <a:endParaRPr kumimoji="0" lang="en-US" altLang="en-US" sz="1800" b="0" i="0" u="none" strike="noStrike" cap="none" normalizeH="0" baseline="0" dirty="0">
+                <a:ln>
+                  <a:noFill/>
+                </a:ln>
+                <a:solidFill>
+                  <a:schemeClr val="tx1"/>
+                </a:solidFill>
+                <a:effectLst/>
+                <a:latin typeface="Arial" panose="020B0604020202020204" pitchFamily="34" charset="0"/>
+              </a:endParaRPr>
+            </a:p>
+          </p:txBody>
+        </p:sp>
+        <p:sp>
+          <p:nvSpPr>
+            <p:cNvPr id="18" name="TextBox 17">
+              <a:extLst>
+                <a:ext uri="{FF2B5EF4-FFF2-40B4-BE49-F238E27FC236}">
+                  <a16:creationId xmlns:a16="http://schemas.microsoft.com/office/drawing/2014/main" id="{A17EA349-AC0A-446B-AEE0-779D36DDAF64}"/>
+                </a:ext>
+              </a:extLst>
+            </p:cNvPr>
+            <p:cNvSpPr txBox="1"/>
+            <p:nvPr/>
+          </p:nvSpPr>
+          <p:spPr>
+            <a:xfrm>
+              <a:off x="2125932" y="2658585"/>
+              <a:ext cx="2856389" cy="246221"/>
+            </a:xfrm>
+            <a:prstGeom prst="rect">
+              <a:avLst/>
+            </a:prstGeom>
+            <a:solidFill>
+              <a:schemeClr val="accent2">
+                <a:lumMod val="60000"/>
+                <a:lumOff val="40000"/>
+              </a:schemeClr>
+            </a:solidFill>
+            <a:ln>
+              <a:solidFill>
+                <a:schemeClr val="accent2">
+                  <a:lumMod val="40000"/>
+                  <a:lumOff val="60000"/>
+                </a:schemeClr>
+              </a:solidFill>
+            </a:ln>
+          </p:spPr>
+          <p:txBody>
+            <a:bodyPr wrap="square">
+              <a:spAutoFit/>
+            </a:bodyPr>
+            <a:lstStyle/>
+            <a:p>
+              <a:pPr marL="0" marR="0" lvl="0" indent="0" algn="l" defTabSz="914400" rtl="0" eaLnBrk="0" fontAlgn="base" latinLnBrk="0" hangingPunct="0">
+                <a:lnSpc>
+                  <a:spcPct val="100000"/>
+                </a:lnSpc>
+                <a:spcBef>
+                  <a:spcPct val="0"/>
+                </a:spcBef>
+                <a:spcAft>
+                  <a:spcPct val="0"/>
+                </a:spcAft>
+                <a:buClrTx/>
+                <a:buSzTx/>
+                <a:buFontTx/>
+                <a:buNone/>
+                <a:tabLst/>
+              </a:pPr>
+              <a:r>
+                <a:rPr lang="en-IN" sz="1000" b="0" i="0" dirty="0">
+                  <a:solidFill>
+                    <a:srgbClr val="000099"/>
+                  </a:solidFill>
+                  <a:effectLst/>
+                  <a:latin typeface="Monaco"/>
+                </a:rPr>
+                <a:t>spring-cloud-starter-</a:t>
+              </a:r>
+              <a:r>
+                <a:rPr lang="en-IN" sz="1000" b="0" i="0" dirty="0" err="1">
+                  <a:solidFill>
+                    <a:srgbClr val="000099"/>
+                  </a:solidFill>
+                  <a:effectLst/>
+                  <a:latin typeface="Monaco"/>
+                </a:rPr>
+                <a:t>netflix</a:t>
+              </a:r>
+              <a:r>
+                <a:rPr lang="en-IN" sz="1000" b="0" i="0" dirty="0">
+                  <a:solidFill>
+                    <a:srgbClr val="000099"/>
+                  </a:solidFill>
+                  <a:effectLst/>
+                  <a:latin typeface="Monaco"/>
+                </a:rPr>
+                <a:t>-</a:t>
+              </a:r>
+              <a:r>
+                <a:rPr lang="en-IN" sz="1000" b="0" i="0" dirty="0" err="1">
+                  <a:solidFill>
+                    <a:srgbClr val="000099"/>
+                  </a:solidFill>
+                  <a:effectLst/>
+                  <a:latin typeface="Monaco"/>
+                </a:rPr>
+                <a:t>hystrix</a:t>
+              </a:r>
+              <a:r>
+                <a:rPr lang="en-IN" sz="1000" b="0" i="0" dirty="0">
+                  <a:solidFill>
+                    <a:srgbClr val="000099"/>
+                  </a:solidFill>
+                  <a:effectLst/>
+                  <a:latin typeface="Monaco"/>
+                </a:rPr>
+                <a:t>-dashboard</a:t>
+              </a:r>
+              <a:endParaRPr kumimoji="0" lang="en-US" altLang="en-US" sz="1400" b="0" i="0" u="none" strike="noStrike" cap="none" normalizeH="0" baseline="0" dirty="0">
+                <a:ln>
+                  <a:noFill/>
+                </a:ln>
+                <a:solidFill>
+                  <a:schemeClr val="tx1"/>
+                </a:solidFill>
+                <a:effectLst/>
+                <a:latin typeface="Arial" panose="020B0604020202020204" pitchFamily="34" charset="0"/>
+              </a:endParaRPr>
+            </a:p>
+          </p:txBody>
+        </p:sp>
+        <p:sp>
+          <p:nvSpPr>
+            <p:cNvPr id="19" name="Rectangle 1">
+              <a:extLst>
+                <a:ext uri="{FF2B5EF4-FFF2-40B4-BE49-F238E27FC236}">
+                  <a16:creationId xmlns:a16="http://schemas.microsoft.com/office/drawing/2014/main" id="{A57ECC02-3F7D-4063-8332-06DC39DF86CB}"/>
+                </a:ext>
+              </a:extLst>
+            </p:cNvPr>
+            <p:cNvSpPr>
+              <a:spLocks noChangeArrowheads="1"/>
+            </p:cNvSpPr>
+            <p:nvPr/>
+          </p:nvSpPr>
+          <p:spPr bwMode="auto">
+            <a:xfrm>
+              <a:off x="7873193" y="2704604"/>
+              <a:ext cx="1891695" cy="323165"/>
+            </a:xfrm>
+            <a:prstGeom prst="rect">
+              <a:avLst/>
+            </a:prstGeom>
+            <a:solidFill>
+              <a:srgbClr val="F2F2F2"/>
+            </a:solidFill>
+            <a:ln>
+              <a:noFill/>
+            </a:ln>
+            <a:effectLst/>
+            <a:extLst>
+              <a:ext uri="{91240B29-F687-4F45-9708-019B960494DF}">
+                <a14:hiddenLine xmlns:a14="http://schemas.microsoft.com/office/drawing/2010/main" w="9525">
+                  <a:solidFill>
+                    <a:schemeClr val="tx1"/>
+                  </a:solidFill>
+                  <a:miter lim="800000"/>
+                  <a:headEnd/>
+                  <a:tailEnd/>
+                </a14:hiddenLine>
+              </a:ext>
+              <a:ext uri="{AF507438-7753-43E0-B8FC-AC1667EBCBE1}">
+                <a14:hiddenEffects xmlns:a14="http://schemas.microsoft.com/office/drawing/2010/main">
+                  <a:effectLst>
+                    <a:outerShdw dist="35921" dir="2700000" algn="ctr" rotWithShape="0">
+                      <a:schemeClr val="bg2"/>
+                    </a:outerShdw>
+                  </a:effectLst>
+                </a14:hiddenEffects>
+              </a:ext>
+            </a:extLst>
+          </p:spPr>
+          <p:txBody>
+            <a:bodyPr vert="horz" wrap="square" lIns="91440" tIns="45720" rIns="91440" bIns="45720" numCol="1" anchor="ctr" anchorCtr="0" compatLnSpc="1">
+              <a:prstTxWarp prst="textNoShape">
+                <a:avLst/>
+              </a:prstTxWarp>
+              <a:spAutoFit/>
+            </a:bodyPr>
+            <a:lstStyle>
+              <a:lvl1pPr eaLnBrk="0" fontAlgn="base" hangingPunct="0">
+                <a:spcBef>
+                  <a:spcPct val="0"/>
+                </a:spcBef>
+                <a:spcAft>
+                  <a:spcPct val="0"/>
+                </a:spcAft>
+                <a:defRPr>
+                  <a:solidFill>
+                    <a:schemeClr val="tx1"/>
+                  </a:solidFill>
+                  <a:latin typeface="Arial" panose="020B0604020202020204" pitchFamily="34" charset="0"/>
+                </a:defRPr>
+              </a:lvl1pPr>
+              <a:lvl2pPr eaLnBrk="0" fontAlgn="base" hangingPunct="0">
+                <a:spcBef>
+                  <a:spcPct val="0"/>
+                </a:spcBef>
+                <a:spcAft>
+                  <a:spcPct val="0"/>
+                </a:spcAft>
+                <a:defRPr>
+                  <a:solidFill>
+                    <a:schemeClr val="tx1"/>
+                  </a:solidFill>
+                  <a:latin typeface="Arial" panose="020B0604020202020204" pitchFamily="34" charset="0"/>
+                </a:defRPr>
+              </a:lvl2pPr>
+              <a:lvl3pPr eaLnBrk="0" fontAlgn="base" hangingPunct="0">
+                <a:spcBef>
+                  <a:spcPct val="0"/>
+                </a:spcBef>
+                <a:spcAft>
+                  <a:spcPct val="0"/>
+                </a:spcAft>
+                <a:defRPr>
+                  <a:solidFill>
+                    <a:schemeClr val="tx1"/>
+                  </a:solidFill>
+                  <a:latin typeface="Arial" panose="020B0604020202020204" pitchFamily="34" charset="0"/>
+                </a:defRPr>
+              </a:lvl3pPr>
+              <a:lvl4pPr eaLnBrk="0" fontAlgn="base" hangingPunct="0">
+                <a:spcBef>
+                  <a:spcPct val="0"/>
+                </a:spcBef>
+                <a:spcAft>
+                  <a:spcPct val="0"/>
+                </a:spcAft>
+                <a:defRPr>
+                  <a:solidFill>
+                    <a:schemeClr val="tx1"/>
+                  </a:solidFill>
+                  <a:latin typeface="Arial" panose="020B0604020202020204" pitchFamily="34" charset="0"/>
+                </a:defRPr>
+              </a:lvl4pPr>
+              <a:lvl5pPr eaLnBrk="0" fontAlgn="base" hangingPunct="0">
+                <a:spcBef>
+                  <a:spcPct val="0"/>
+                </a:spcBef>
+                <a:spcAft>
+                  <a:spcPct val="0"/>
+                </a:spcAft>
+                <a:defRPr>
+                  <a:solidFill>
+                    <a:schemeClr val="tx1"/>
+                  </a:solidFill>
+                  <a:latin typeface="Arial" panose="020B0604020202020204" pitchFamily="34" charset="0"/>
+                </a:defRPr>
+              </a:lvl5pPr>
+              <a:lvl6pPr eaLnBrk="0" fontAlgn="base" hangingPunct="0">
+                <a:spcBef>
+                  <a:spcPct val="0"/>
+                </a:spcBef>
+                <a:spcAft>
+                  <a:spcPct val="0"/>
+                </a:spcAft>
+                <a:defRPr>
+                  <a:solidFill>
+                    <a:schemeClr val="tx1"/>
+                  </a:solidFill>
+                  <a:latin typeface="Arial" panose="020B0604020202020204" pitchFamily="34" charset="0"/>
+                </a:defRPr>
+              </a:lvl6pPr>
+              <a:lvl7pPr eaLnBrk="0" fontAlgn="base" hangingPunct="0">
+                <a:spcBef>
+                  <a:spcPct val="0"/>
+                </a:spcBef>
+                <a:spcAft>
+                  <a:spcPct val="0"/>
+                </a:spcAft>
+                <a:defRPr>
+                  <a:solidFill>
+                    <a:schemeClr val="tx1"/>
+                  </a:solidFill>
+                  <a:latin typeface="Arial" panose="020B0604020202020204" pitchFamily="34" charset="0"/>
+                </a:defRPr>
+              </a:lvl7pPr>
+              <a:lvl8pPr eaLnBrk="0" fontAlgn="base" hangingPunct="0">
+                <a:spcBef>
+                  <a:spcPct val="0"/>
+                </a:spcBef>
+                <a:spcAft>
+                  <a:spcPct val="0"/>
+                </a:spcAft>
+                <a:defRPr>
+                  <a:solidFill>
+                    <a:schemeClr val="tx1"/>
+                  </a:solidFill>
+                  <a:latin typeface="Arial" panose="020B0604020202020204" pitchFamily="34" charset="0"/>
+                </a:defRPr>
+              </a:lvl8pPr>
+              <a:lvl9pPr eaLnBrk="0" fontAlgn="base" hangingPunct="0">
+                <a:spcBef>
+                  <a:spcPct val="0"/>
+                </a:spcBef>
+                <a:spcAft>
+                  <a:spcPct val="0"/>
+                </a:spcAft>
+                <a:defRPr>
+                  <a:solidFill>
+                    <a:schemeClr val="tx1"/>
+                  </a:solidFill>
+                  <a:latin typeface="Arial" panose="020B0604020202020204" pitchFamily="34" charset="0"/>
+                </a:defRPr>
+              </a:lvl9pPr>
+            </a:lstStyle>
+            <a:p>
+              <a:pPr marL="0" marR="0" lvl="0" indent="0" algn="l" defTabSz="914400" rtl="0" eaLnBrk="0" fontAlgn="base" latinLnBrk="0" hangingPunct="0">
+                <a:lnSpc>
+                  <a:spcPct val="100000"/>
+                </a:lnSpc>
+                <a:spcBef>
+                  <a:spcPct val="0"/>
+                </a:spcBef>
+                <a:spcAft>
+                  <a:spcPct val="0"/>
+                </a:spcAft>
+                <a:buClrTx/>
+                <a:buSzTx/>
+                <a:buFontTx/>
+                <a:buNone/>
+                <a:tabLst/>
+              </a:pPr>
+              <a:r>
+                <a:rPr kumimoji="0" lang="en-US" altLang="en-US" sz="1100" b="0" i="0" u="none" strike="noStrike" cap="none" normalizeH="0" baseline="0" dirty="0">
+                  <a:ln>
+                    <a:noFill/>
+                  </a:ln>
+                  <a:solidFill>
+                    <a:srgbClr val="292929"/>
+                  </a:solidFill>
+                  <a:effectLst/>
+                  <a:latin typeface="Menlo"/>
+                </a:rPr>
+                <a:t>@</a:t>
+              </a:r>
+              <a:r>
+                <a:rPr lang="en-IN" sz="1100" b="0" i="0" dirty="0" err="1">
+                  <a:solidFill>
+                    <a:srgbClr val="000099"/>
+                  </a:solidFill>
+                  <a:effectLst/>
+                  <a:latin typeface="Monaco"/>
+                </a:rPr>
+                <a:t>EnableHystrixDashboard</a:t>
+              </a:r>
+              <a:r>
+                <a:rPr kumimoji="0" lang="en-US" altLang="en-US" sz="1500" b="0" i="0" u="none" strike="noStrike" cap="none" normalizeH="0" baseline="0" dirty="0">
+                  <a:ln>
+                    <a:noFill/>
+                  </a:ln>
+                  <a:solidFill>
+                    <a:srgbClr val="292929"/>
+                  </a:solidFill>
+                  <a:effectLst/>
+                  <a:latin typeface="charter"/>
+                </a:rPr>
+                <a:t> </a:t>
+              </a:r>
+              <a:r>
+                <a:rPr kumimoji="0" lang="en-US" altLang="en-US" sz="900" b="0" i="0" u="none" strike="noStrike" cap="none" normalizeH="0" baseline="0" dirty="0">
+                  <a:ln>
+                    <a:noFill/>
+                  </a:ln>
+                  <a:solidFill>
+                    <a:schemeClr val="tx1"/>
+                  </a:solidFill>
+                  <a:effectLst/>
+                </a:rPr>
+                <a:t> </a:t>
+              </a:r>
+              <a:endParaRPr kumimoji="0" lang="en-US" altLang="en-US" sz="1800" b="0" i="0" u="none" strike="noStrike" cap="none" normalizeH="0" baseline="0" dirty="0">
+                <a:ln>
+                  <a:noFill/>
+                </a:ln>
+                <a:solidFill>
+                  <a:schemeClr val="tx1"/>
+                </a:solidFill>
+                <a:effectLst/>
+                <a:latin typeface="Arial" panose="020B0604020202020204" pitchFamily="34" charset="0"/>
+              </a:endParaRPr>
+            </a:p>
+          </p:txBody>
+        </p:sp>
+        <p:sp>
+          <p:nvSpPr>
+            <p:cNvPr id="20" name="Rectangle 1">
+              <a:extLst>
+                <a:ext uri="{FF2B5EF4-FFF2-40B4-BE49-F238E27FC236}">
+                  <a16:creationId xmlns:a16="http://schemas.microsoft.com/office/drawing/2014/main" id="{8A7167F9-783C-4FA3-AAC4-9D4B8017C861}"/>
+                </a:ext>
+              </a:extLst>
+            </p:cNvPr>
+            <p:cNvSpPr>
+              <a:spLocks noChangeArrowheads="1"/>
+            </p:cNvSpPr>
+            <p:nvPr/>
+          </p:nvSpPr>
+          <p:spPr bwMode="auto">
+            <a:xfrm>
+              <a:off x="8138482" y="1840734"/>
+              <a:ext cx="1891695" cy="323165"/>
+            </a:xfrm>
+            <a:prstGeom prst="rect">
+              <a:avLst/>
+            </a:prstGeom>
+            <a:solidFill>
+              <a:srgbClr val="F2F2F2"/>
+            </a:solidFill>
+            <a:ln>
+              <a:noFill/>
+            </a:ln>
+            <a:effectLst/>
+            <a:extLst>
+              <a:ext uri="{91240B29-F687-4F45-9708-019B960494DF}">
+                <a14:hiddenLine xmlns:a14="http://schemas.microsoft.com/office/drawing/2010/main" w="9525">
+                  <a:solidFill>
+                    <a:schemeClr val="tx1"/>
+                  </a:solidFill>
+                  <a:miter lim="800000"/>
+                  <a:headEnd/>
+                  <a:tailEnd/>
+                </a14:hiddenLine>
+              </a:ext>
+              <a:ext uri="{AF507438-7753-43E0-B8FC-AC1667EBCBE1}">
+                <a14:hiddenEffects xmlns:a14="http://schemas.microsoft.com/office/drawing/2010/main">
+                  <a:effectLst>
+                    <a:outerShdw dist="35921" dir="2700000" algn="ctr" rotWithShape="0">
+                      <a:schemeClr val="bg2"/>
+                    </a:outerShdw>
+                  </a:effectLst>
+                </a14:hiddenEffects>
+              </a:ext>
+            </a:extLst>
+          </p:spPr>
+          <p:txBody>
+            <a:bodyPr vert="horz" wrap="square" lIns="91440" tIns="45720" rIns="91440" bIns="45720" numCol="1" anchor="ctr" anchorCtr="0" compatLnSpc="1">
+              <a:prstTxWarp prst="textNoShape">
+                <a:avLst/>
+              </a:prstTxWarp>
+              <a:spAutoFit/>
+            </a:bodyPr>
+            <a:lstStyle>
+              <a:lvl1pPr eaLnBrk="0" fontAlgn="base" hangingPunct="0">
+                <a:spcBef>
+                  <a:spcPct val="0"/>
+                </a:spcBef>
+                <a:spcAft>
+                  <a:spcPct val="0"/>
+                </a:spcAft>
+                <a:defRPr>
+                  <a:solidFill>
+                    <a:schemeClr val="tx1"/>
+                  </a:solidFill>
+                  <a:latin typeface="Arial" panose="020B0604020202020204" pitchFamily="34" charset="0"/>
+                </a:defRPr>
+              </a:lvl1pPr>
+              <a:lvl2pPr eaLnBrk="0" fontAlgn="base" hangingPunct="0">
+                <a:spcBef>
+                  <a:spcPct val="0"/>
+                </a:spcBef>
+                <a:spcAft>
+                  <a:spcPct val="0"/>
+                </a:spcAft>
+                <a:defRPr>
+                  <a:solidFill>
+                    <a:schemeClr val="tx1"/>
+                  </a:solidFill>
+                  <a:latin typeface="Arial" panose="020B0604020202020204" pitchFamily="34" charset="0"/>
+                </a:defRPr>
+              </a:lvl2pPr>
+              <a:lvl3pPr eaLnBrk="0" fontAlgn="base" hangingPunct="0">
+                <a:spcBef>
+                  <a:spcPct val="0"/>
+                </a:spcBef>
+                <a:spcAft>
+                  <a:spcPct val="0"/>
+                </a:spcAft>
+                <a:defRPr>
+                  <a:solidFill>
+                    <a:schemeClr val="tx1"/>
+                  </a:solidFill>
+                  <a:latin typeface="Arial" panose="020B0604020202020204" pitchFamily="34" charset="0"/>
+                </a:defRPr>
+              </a:lvl3pPr>
+              <a:lvl4pPr eaLnBrk="0" fontAlgn="base" hangingPunct="0">
+                <a:spcBef>
+                  <a:spcPct val="0"/>
+                </a:spcBef>
+                <a:spcAft>
+                  <a:spcPct val="0"/>
+                </a:spcAft>
+                <a:defRPr>
+                  <a:solidFill>
+                    <a:schemeClr val="tx1"/>
+                  </a:solidFill>
+                  <a:latin typeface="Arial" panose="020B0604020202020204" pitchFamily="34" charset="0"/>
+                </a:defRPr>
+              </a:lvl4pPr>
+              <a:lvl5pPr eaLnBrk="0" fontAlgn="base" hangingPunct="0">
+                <a:spcBef>
+                  <a:spcPct val="0"/>
+                </a:spcBef>
+                <a:spcAft>
+                  <a:spcPct val="0"/>
+                </a:spcAft>
+                <a:defRPr>
+                  <a:solidFill>
+                    <a:schemeClr val="tx1"/>
+                  </a:solidFill>
+                  <a:latin typeface="Arial" panose="020B0604020202020204" pitchFamily="34" charset="0"/>
+                </a:defRPr>
+              </a:lvl5pPr>
+              <a:lvl6pPr eaLnBrk="0" fontAlgn="base" hangingPunct="0">
+                <a:spcBef>
+                  <a:spcPct val="0"/>
+                </a:spcBef>
+                <a:spcAft>
+                  <a:spcPct val="0"/>
+                </a:spcAft>
+                <a:defRPr>
+                  <a:solidFill>
+                    <a:schemeClr val="tx1"/>
+                  </a:solidFill>
+                  <a:latin typeface="Arial" panose="020B0604020202020204" pitchFamily="34" charset="0"/>
+                </a:defRPr>
+              </a:lvl6pPr>
+              <a:lvl7pPr eaLnBrk="0" fontAlgn="base" hangingPunct="0">
+                <a:spcBef>
+                  <a:spcPct val="0"/>
+                </a:spcBef>
+                <a:spcAft>
+                  <a:spcPct val="0"/>
+                </a:spcAft>
+                <a:defRPr>
+                  <a:solidFill>
+                    <a:schemeClr val="tx1"/>
+                  </a:solidFill>
+                  <a:latin typeface="Arial" panose="020B0604020202020204" pitchFamily="34" charset="0"/>
+                </a:defRPr>
+              </a:lvl7pPr>
+              <a:lvl8pPr eaLnBrk="0" fontAlgn="base" hangingPunct="0">
+                <a:spcBef>
+                  <a:spcPct val="0"/>
+                </a:spcBef>
+                <a:spcAft>
+                  <a:spcPct val="0"/>
+                </a:spcAft>
+                <a:defRPr>
+                  <a:solidFill>
+                    <a:schemeClr val="tx1"/>
+                  </a:solidFill>
+                  <a:latin typeface="Arial" panose="020B0604020202020204" pitchFamily="34" charset="0"/>
+                </a:defRPr>
+              </a:lvl8pPr>
+              <a:lvl9pPr eaLnBrk="0" fontAlgn="base" hangingPunct="0">
+                <a:spcBef>
+                  <a:spcPct val="0"/>
+                </a:spcBef>
+                <a:spcAft>
+                  <a:spcPct val="0"/>
+                </a:spcAft>
+                <a:defRPr>
+                  <a:solidFill>
+                    <a:schemeClr val="tx1"/>
+                  </a:solidFill>
+                  <a:latin typeface="Arial" panose="020B0604020202020204" pitchFamily="34" charset="0"/>
+                </a:defRPr>
+              </a:lvl9pPr>
+            </a:lstStyle>
+            <a:p>
+              <a:pPr marL="0" marR="0" lvl="0" indent="0" algn="l" defTabSz="914400" rtl="0" eaLnBrk="0" fontAlgn="base" latinLnBrk="0" hangingPunct="0">
+                <a:lnSpc>
+                  <a:spcPct val="100000"/>
+                </a:lnSpc>
+                <a:spcBef>
+                  <a:spcPct val="0"/>
+                </a:spcBef>
+                <a:spcAft>
+                  <a:spcPct val="0"/>
+                </a:spcAft>
+                <a:buClrTx/>
+                <a:buSzTx/>
+                <a:buFontTx/>
+                <a:buNone/>
+                <a:tabLst/>
+              </a:pPr>
+              <a:r>
+                <a:rPr kumimoji="0" lang="en-US" altLang="en-US" sz="1100" b="0" i="0" u="none" strike="noStrike" cap="none" normalizeH="0" baseline="0" dirty="0">
+                  <a:ln>
+                    <a:noFill/>
+                  </a:ln>
+                  <a:solidFill>
+                    <a:srgbClr val="292929"/>
+                  </a:solidFill>
+                  <a:effectLst/>
+                  <a:latin typeface="Menlo"/>
+                </a:rPr>
+                <a:t>@ </a:t>
+              </a:r>
+              <a:r>
+                <a:rPr kumimoji="0" lang="en-US" altLang="en-US" sz="1100" b="0" i="0" u="none" strike="noStrike" cap="none" normalizeH="0" baseline="0" dirty="0" err="1">
+                  <a:ln>
+                    <a:noFill/>
+                  </a:ln>
+                  <a:solidFill>
+                    <a:srgbClr val="292929"/>
+                  </a:solidFill>
+                  <a:effectLst/>
+                  <a:latin typeface="Menlo"/>
+                </a:rPr>
+                <a:t>EnableEurekaClient</a:t>
+              </a:r>
+              <a:r>
+                <a:rPr kumimoji="0" lang="en-US" altLang="en-US" sz="1100" b="0" i="0" u="none" strike="noStrike" cap="none" normalizeH="0" baseline="0" dirty="0">
+                  <a:ln>
+                    <a:noFill/>
+                  </a:ln>
+                  <a:solidFill>
+                    <a:srgbClr val="292929"/>
+                  </a:solidFill>
+                  <a:effectLst/>
+                  <a:latin typeface="Menlo"/>
+                </a:rPr>
+                <a:t> </a:t>
+              </a:r>
+              <a:r>
+                <a:rPr kumimoji="0" lang="en-US" altLang="en-US" sz="1500" b="0" i="0" u="none" strike="noStrike" cap="none" normalizeH="0" baseline="0" dirty="0">
+                  <a:ln>
+                    <a:noFill/>
+                  </a:ln>
+                  <a:solidFill>
+                    <a:srgbClr val="292929"/>
+                  </a:solidFill>
+                  <a:effectLst/>
+                  <a:latin typeface="charter"/>
+                </a:rPr>
+                <a:t> </a:t>
+              </a:r>
+              <a:r>
+                <a:rPr kumimoji="0" lang="en-US" altLang="en-US" sz="900" b="0" i="0" u="none" strike="noStrike" cap="none" normalizeH="0" baseline="0" dirty="0">
+                  <a:ln>
+                    <a:noFill/>
+                  </a:ln>
+                  <a:solidFill>
+                    <a:schemeClr val="tx1"/>
+                  </a:solidFill>
+                  <a:effectLst/>
+                </a:rPr>
+                <a:t> </a:t>
+              </a:r>
+              <a:endParaRPr kumimoji="0" lang="en-US" altLang="en-US" sz="1800" b="0" i="0" u="none" strike="noStrike" cap="none" normalizeH="0" baseline="0" dirty="0">
+                <a:ln>
+                  <a:noFill/>
+                </a:ln>
+                <a:solidFill>
+                  <a:schemeClr val="tx1"/>
+                </a:solidFill>
+                <a:effectLst/>
+                <a:latin typeface="Arial" panose="020B0604020202020204" pitchFamily="34" charset="0"/>
+              </a:endParaRPr>
+            </a:p>
+          </p:txBody>
+        </p:sp>
+      </p:grpSp>
+      <p:pic>
+        <p:nvPicPr>
+          <p:cNvPr id="22" name="Picture 21">
+            <a:extLst>
+              <a:ext uri="{FF2B5EF4-FFF2-40B4-BE49-F238E27FC236}">
+                <a16:creationId xmlns:a16="http://schemas.microsoft.com/office/drawing/2014/main" id="{628507AC-4B47-481E-BA54-CE89E74F129B}"/>
+              </a:ext>
+            </a:extLst>
+          </p:cNvPr>
+          <p:cNvPicPr>
+            <a:picLocks noChangeAspect="1"/>
+          </p:cNvPicPr>
+          <p:nvPr/>
+        </p:nvPicPr>
+        <p:blipFill>
+          <a:blip r:embed="rId3"/>
+          <a:stretch>
+            <a:fillRect/>
+          </a:stretch>
+        </p:blipFill>
+        <p:spPr>
+          <a:xfrm>
+            <a:off x="3346144" y="3870259"/>
+            <a:ext cx="7273925" cy="2531970"/>
+          </a:xfrm>
+          <a:prstGeom prst="rect">
+            <a:avLst/>
+          </a:prstGeom>
+        </p:spPr>
+      </p:pic>
+    </p:spTree>
+    <p:extLst>
+      <p:ext uri="{BB962C8B-B14F-4D97-AF65-F5344CB8AC3E}">
+        <p14:creationId xmlns:p14="http://schemas.microsoft.com/office/powerpoint/2010/main" val="2595642571"/>
+      </p:ext>
+    </p:extLst>
+  </p:cSld>
+  <p:clrMapOvr>
+    <a:masterClrMapping/>
+  </p:clrMapOvr>
+</p:sld>
+</file>
+
+<file path=ppt/slides/slide7.xml><?xml version="1.0" encoding="utf-8"?>
 <p:sld xmlns:a="http://schemas.openxmlformats.org/drawingml/2006/main" xmlns:r="http://schemas.openxmlformats.org/officeDocument/2006/relationships" xmlns:p="http://schemas.openxmlformats.org/presentationml/2006/main">
   <p:cSld>
     <p:spTree>
@@ -19018,7 +20206,7 @@
 </p:sld>
 </file>
 
-<file path=ppt/slides/slide7.xml><?xml version="1.0" encoding="utf-8"?>
+<file path=ppt/slides/slide8.xml><?xml version="1.0" encoding="utf-8"?>
 <p:sld xmlns:a="http://schemas.openxmlformats.org/drawingml/2006/main" xmlns:r="http://schemas.openxmlformats.org/officeDocument/2006/relationships" xmlns:p="http://schemas.openxmlformats.org/presentationml/2006/main">
   <p:cSld>
     <p:spTree>

--- a/src/spring/spring.boot.pptx
+++ b/src/spring/spring.boot.pptx
@@ -13,6 +13,8 @@
     <p:sldId id="264" r:id="rId7"/>
     <p:sldId id="263" r:id="rId8"/>
     <p:sldId id="259" r:id="rId9"/>
+    <p:sldId id="265" r:id="rId10"/>
+    <p:sldId id="266" r:id="rId11"/>
   </p:sldIdLst>
   <p:sldSz cx="12192000" cy="6858000"/>
   <p:notesSz cx="6858000" cy="9144000"/>
@@ -113,7 +115,7 @@
   </p:defaultTextStyle>
   <p:extLst>
     <p:ext uri="{EFAFB233-063F-42B5-8137-9DF3F51BA10A}">
-      <p15:sldGuideLst xmlns:p15="http://schemas.microsoft.com/office/powerpoint/2012/main">
+      <p15:sldGuideLst xmlns:p15="http://schemas.microsoft.com/office/powerpoint/2012/main" xmlns="">
         <p15:guide id="1" orient="horz" pos="2160">
           <p15:clr>
             <a:srgbClr val="A4A3A4"/>
@@ -152,7 +154,7 @@
           <p:cNvPr id="2" name="Title 1">
             <a:extLst>
               <a:ext uri="{FF2B5EF4-FFF2-40B4-BE49-F238E27FC236}">
-                <a16:creationId xmlns:a16="http://schemas.microsoft.com/office/drawing/2014/main" id="{5314CC82-8D6F-41E3-B7D6-B16EE23DCB91}"/>
+                <a16:creationId xmlns:a16="http://schemas.microsoft.com/office/drawing/2014/main" xmlns="" id="{5314CC82-8D6F-41E3-B7D6-B16EE23DCB91}"/>
               </a:ext>
             </a:extLst>
           </p:cNvPr>
@@ -190,7 +192,7 @@
           <p:cNvPr id="3" name="Subtitle 2">
             <a:extLst>
               <a:ext uri="{FF2B5EF4-FFF2-40B4-BE49-F238E27FC236}">
-                <a16:creationId xmlns:a16="http://schemas.microsoft.com/office/drawing/2014/main" id="{8F4A6942-5EB2-4699-A8F2-2DAE91A05EED}"/>
+                <a16:creationId xmlns:a16="http://schemas.microsoft.com/office/drawing/2014/main" xmlns="" id="{8F4A6942-5EB2-4699-A8F2-2DAE91A05EED}"/>
               </a:ext>
             </a:extLst>
           </p:cNvPr>
@@ -261,7 +263,7 @@
           <p:cNvPr id="4" name="Date Placeholder 3">
             <a:extLst>
               <a:ext uri="{FF2B5EF4-FFF2-40B4-BE49-F238E27FC236}">
-                <a16:creationId xmlns:a16="http://schemas.microsoft.com/office/drawing/2014/main" id="{8030E49B-9D2D-45C9-A8AC-FF0D41C713FC}"/>
+                <a16:creationId xmlns:a16="http://schemas.microsoft.com/office/drawing/2014/main" xmlns="" id="{8030E49B-9D2D-45C9-A8AC-FF0D41C713FC}"/>
               </a:ext>
             </a:extLst>
           </p:cNvPr>
@@ -290,7 +292,7 @@
           <p:cNvPr id="5" name="Footer Placeholder 4">
             <a:extLst>
               <a:ext uri="{FF2B5EF4-FFF2-40B4-BE49-F238E27FC236}">
-                <a16:creationId xmlns:a16="http://schemas.microsoft.com/office/drawing/2014/main" id="{59898343-3ADA-4437-AD7B-D938F0774BF9}"/>
+                <a16:creationId xmlns:a16="http://schemas.microsoft.com/office/drawing/2014/main" xmlns="" id="{59898343-3ADA-4437-AD7B-D938F0774BF9}"/>
               </a:ext>
             </a:extLst>
           </p:cNvPr>
@@ -315,7 +317,7 @@
           <p:cNvPr id="6" name="Slide Number Placeholder 5">
             <a:extLst>
               <a:ext uri="{FF2B5EF4-FFF2-40B4-BE49-F238E27FC236}">
-                <a16:creationId xmlns:a16="http://schemas.microsoft.com/office/drawing/2014/main" id="{EFEEDA11-201A-4018-98A4-D13CB3EB8363}"/>
+                <a16:creationId xmlns:a16="http://schemas.microsoft.com/office/drawing/2014/main" xmlns="" id="{EFEEDA11-201A-4018-98A4-D13CB3EB8363}"/>
               </a:ext>
             </a:extLst>
           </p:cNvPr>
@@ -374,7 +376,7 @@
           <p:cNvPr id="2" name="Title 1">
             <a:extLst>
               <a:ext uri="{FF2B5EF4-FFF2-40B4-BE49-F238E27FC236}">
-                <a16:creationId xmlns:a16="http://schemas.microsoft.com/office/drawing/2014/main" id="{6B7291D8-7C0F-436E-900B-5ADDF5CE31CD}"/>
+                <a16:creationId xmlns:a16="http://schemas.microsoft.com/office/drawing/2014/main" xmlns="" id="{6B7291D8-7C0F-436E-900B-5ADDF5CE31CD}"/>
               </a:ext>
             </a:extLst>
           </p:cNvPr>
@@ -403,7 +405,7 @@
           <p:cNvPr id="3" name="Vertical Text Placeholder 2">
             <a:extLst>
               <a:ext uri="{FF2B5EF4-FFF2-40B4-BE49-F238E27FC236}">
-                <a16:creationId xmlns:a16="http://schemas.microsoft.com/office/drawing/2014/main" id="{1B499A46-2DF4-4E6B-82F2-F8EBE524AF96}"/>
+                <a16:creationId xmlns:a16="http://schemas.microsoft.com/office/drawing/2014/main" xmlns="" id="{1B499A46-2DF4-4E6B-82F2-F8EBE524AF96}"/>
               </a:ext>
             </a:extLst>
           </p:cNvPr>
@@ -461,7 +463,7 @@
           <p:cNvPr id="4" name="Date Placeholder 3">
             <a:extLst>
               <a:ext uri="{FF2B5EF4-FFF2-40B4-BE49-F238E27FC236}">
-                <a16:creationId xmlns:a16="http://schemas.microsoft.com/office/drawing/2014/main" id="{1AF3ABDF-542E-4B0B-B115-82C2BC90406A}"/>
+                <a16:creationId xmlns:a16="http://schemas.microsoft.com/office/drawing/2014/main" xmlns="" id="{1AF3ABDF-542E-4B0B-B115-82C2BC90406A}"/>
               </a:ext>
             </a:extLst>
           </p:cNvPr>
@@ -490,7 +492,7 @@
           <p:cNvPr id="5" name="Footer Placeholder 4">
             <a:extLst>
               <a:ext uri="{FF2B5EF4-FFF2-40B4-BE49-F238E27FC236}">
-                <a16:creationId xmlns:a16="http://schemas.microsoft.com/office/drawing/2014/main" id="{B1E8F9B6-14D8-4DA0-A38A-C1591A50841E}"/>
+                <a16:creationId xmlns:a16="http://schemas.microsoft.com/office/drawing/2014/main" xmlns="" id="{B1E8F9B6-14D8-4DA0-A38A-C1591A50841E}"/>
               </a:ext>
             </a:extLst>
           </p:cNvPr>
@@ -515,7 +517,7 @@
           <p:cNvPr id="6" name="Slide Number Placeholder 5">
             <a:extLst>
               <a:ext uri="{FF2B5EF4-FFF2-40B4-BE49-F238E27FC236}">
-                <a16:creationId xmlns:a16="http://schemas.microsoft.com/office/drawing/2014/main" id="{E0EC3098-6B42-4CA3-A9EA-0CEE6D48391A}"/>
+                <a16:creationId xmlns:a16="http://schemas.microsoft.com/office/drawing/2014/main" xmlns="" id="{E0EC3098-6B42-4CA3-A9EA-0CEE6D48391A}"/>
               </a:ext>
             </a:extLst>
           </p:cNvPr>
@@ -574,7 +576,7 @@
           <p:cNvPr id="2" name="Vertical Title 1">
             <a:extLst>
               <a:ext uri="{FF2B5EF4-FFF2-40B4-BE49-F238E27FC236}">
-                <a16:creationId xmlns:a16="http://schemas.microsoft.com/office/drawing/2014/main" id="{D2AE34B9-E7E1-404B-A656-7F5FB6317B83}"/>
+                <a16:creationId xmlns:a16="http://schemas.microsoft.com/office/drawing/2014/main" xmlns="" id="{D2AE34B9-E7E1-404B-A656-7F5FB6317B83}"/>
               </a:ext>
             </a:extLst>
           </p:cNvPr>
@@ -608,7 +610,7 @@
           <p:cNvPr id="3" name="Vertical Text Placeholder 2">
             <a:extLst>
               <a:ext uri="{FF2B5EF4-FFF2-40B4-BE49-F238E27FC236}">
-                <a16:creationId xmlns:a16="http://schemas.microsoft.com/office/drawing/2014/main" id="{22DACAAF-07ED-4BDB-AE9D-268D767CD7E8}"/>
+                <a16:creationId xmlns:a16="http://schemas.microsoft.com/office/drawing/2014/main" xmlns="" id="{22DACAAF-07ED-4BDB-AE9D-268D767CD7E8}"/>
               </a:ext>
             </a:extLst>
           </p:cNvPr>
@@ -671,7 +673,7 @@
           <p:cNvPr id="4" name="Date Placeholder 3">
             <a:extLst>
               <a:ext uri="{FF2B5EF4-FFF2-40B4-BE49-F238E27FC236}">
-                <a16:creationId xmlns:a16="http://schemas.microsoft.com/office/drawing/2014/main" id="{0EE7A4C4-77A9-45DF-AD60-2282B037F111}"/>
+                <a16:creationId xmlns:a16="http://schemas.microsoft.com/office/drawing/2014/main" xmlns="" id="{0EE7A4C4-77A9-45DF-AD60-2282B037F111}"/>
               </a:ext>
             </a:extLst>
           </p:cNvPr>
@@ -700,7 +702,7 @@
           <p:cNvPr id="5" name="Footer Placeholder 4">
             <a:extLst>
               <a:ext uri="{FF2B5EF4-FFF2-40B4-BE49-F238E27FC236}">
-                <a16:creationId xmlns:a16="http://schemas.microsoft.com/office/drawing/2014/main" id="{C102B154-5274-4175-9A89-2092122CCD76}"/>
+                <a16:creationId xmlns:a16="http://schemas.microsoft.com/office/drawing/2014/main" xmlns="" id="{C102B154-5274-4175-9A89-2092122CCD76}"/>
               </a:ext>
             </a:extLst>
           </p:cNvPr>
@@ -725,7 +727,7 @@
           <p:cNvPr id="6" name="Slide Number Placeholder 5">
             <a:extLst>
               <a:ext uri="{FF2B5EF4-FFF2-40B4-BE49-F238E27FC236}">
-                <a16:creationId xmlns:a16="http://schemas.microsoft.com/office/drawing/2014/main" id="{1A6919B0-5E57-4739-B46F-B31616A810D9}"/>
+                <a16:creationId xmlns:a16="http://schemas.microsoft.com/office/drawing/2014/main" xmlns="" id="{1A6919B0-5E57-4739-B46F-B31616A810D9}"/>
               </a:ext>
             </a:extLst>
           </p:cNvPr>
@@ -784,7 +786,7 @@
           <p:cNvPr id="2" name="Title 1">
             <a:extLst>
               <a:ext uri="{FF2B5EF4-FFF2-40B4-BE49-F238E27FC236}">
-                <a16:creationId xmlns:a16="http://schemas.microsoft.com/office/drawing/2014/main" id="{BF8E150B-E216-469C-9EF3-1F0F5714278F}"/>
+                <a16:creationId xmlns:a16="http://schemas.microsoft.com/office/drawing/2014/main" xmlns="" id="{BF8E150B-E216-469C-9EF3-1F0F5714278F}"/>
               </a:ext>
             </a:extLst>
           </p:cNvPr>
@@ -813,7 +815,7 @@
           <p:cNvPr id="3" name="Content Placeholder 2">
             <a:extLst>
               <a:ext uri="{FF2B5EF4-FFF2-40B4-BE49-F238E27FC236}">
-                <a16:creationId xmlns:a16="http://schemas.microsoft.com/office/drawing/2014/main" id="{4E3EA675-99A2-468B-93D1-46FEEA55F07C}"/>
+                <a16:creationId xmlns:a16="http://schemas.microsoft.com/office/drawing/2014/main" xmlns="" id="{4E3EA675-99A2-468B-93D1-46FEEA55F07C}"/>
               </a:ext>
             </a:extLst>
           </p:cNvPr>
@@ -871,7 +873,7 @@
           <p:cNvPr id="4" name="Date Placeholder 3">
             <a:extLst>
               <a:ext uri="{FF2B5EF4-FFF2-40B4-BE49-F238E27FC236}">
-                <a16:creationId xmlns:a16="http://schemas.microsoft.com/office/drawing/2014/main" id="{BB353DAF-9232-4FD2-96EB-ADCCA5855567}"/>
+                <a16:creationId xmlns:a16="http://schemas.microsoft.com/office/drawing/2014/main" xmlns="" id="{BB353DAF-9232-4FD2-96EB-ADCCA5855567}"/>
               </a:ext>
             </a:extLst>
           </p:cNvPr>
@@ -900,7 +902,7 @@
           <p:cNvPr id="5" name="Footer Placeholder 4">
             <a:extLst>
               <a:ext uri="{FF2B5EF4-FFF2-40B4-BE49-F238E27FC236}">
-                <a16:creationId xmlns:a16="http://schemas.microsoft.com/office/drawing/2014/main" id="{364BB921-BC61-44F2-825D-140F6DAFEC5D}"/>
+                <a16:creationId xmlns:a16="http://schemas.microsoft.com/office/drawing/2014/main" xmlns="" id="{364BB921-BC61-44F2-825D-140F6DAFEC5D}"/>
               </a:ext>
             </a:extLst>
           </p:cNvPr>
@@ -925,7 +927,7 @@
           <p:cNvPr id="6" name="Slide Number Placeholder 5">
             <a:extLst>
               <a:ext uri="{FF2B5EF4-FFF2-40B4-BE49-F238E27FC236}">
-                <a16:creationId xmlns:a16="http://schemas.microsoft.com/office/drawing/2014/main" id="{6C0574DB-BEEF-4E0A-ACC6-3A5EF3C06706}"/>
+                <a16:creationId xmlns:a16="http://schemas.microsoft.com/office/drawing/2014/main" xmlns="" id="{6C0574DB-BEEF-4E0A-ACC6-3A5EF3C06706}"/>
               </a:ext>
             </a:extLst>
           </p:cNvPr>
@@ -984,7 +986,7 @@
           <p:cNvPr id="2" name="Title 1">
             <a:extLst>
               <a:ext uri="{FF2B5EF4-FFF2-40B4-BE49-F238E27FC236}">
-                <a16:creationId xmlns:a16="http://schemas.microsoft.com/office/drawing/2014/main" id="{F1570C1F-3EAE-4443-B715-1BA91E4F6A89}"/>
+                <a16:creationId xmlns:a16="http://schemas.microsoft.com/office/drawing/2014/main" xmlns="" id="{F1570C1F-3EAE-4443-B715-1BA91E4F6A89}"/>
               </a:ext>
             </a:extLst>
           </p:cNvPr>
@@ -1022,7 +1024,7 @@
           <p:cNvPr id="3" name="Text Placeholder 2">
             <a:extLst>
               <a:ext uri="{FF2B5EF4-FFF2-40B4-BE49-F238E27FC236}">
-                <a16:creationId xmlns:a16="http://schemas.microsoft.com/office/drawing/2014/main" id="{FFEF6FF1-CE13-478E-BF6D-0510F93AF789}"/>
+                <a16:creationId xmlns:a16="http://schemas.microsoft.com/office/drawing/2014/main" xmlns="" id="{FFEF6FF1-CE13-478E-BF6D-0510F93AF789}"/>
               </a:ext>
             </a:extLst>
           </p:cNvPr>
@@ -1147,7 +1149,7 @@
           <p:cNvPr id="4" name="Date Placeholder 3">
             <a:extLst>
               <a:ext uri="{FF2B5EF4-FFF2-40B4-BE49-F238E27FC236}">
-                <a16:creationId xmlns:a16="http://schemas.microsoft.com/office/drawing/2014/main" id="{B2E1C887-51B6-46E7-B473-67C370949451}"/>
+                <a16:creationId xmlns:a16="http://schemas.microsoft.com/office/drawing/2014/main" xmlns="" id="{B2E1C887-51B6-46E7-B473-67C370949451}"/>
               </a:ext>
             </a:extLst>
           </p:cNvPr>
@@ -1176,7 +1178,7 @@
           <p:cNvPr id="5" name="Footer Placeholder 4">
             <a:extLst>
               <a:ext uri="{FF2B5EF4-FFF2-40B4-BE49-F238E27FC236}">
-                <a16:creationId xmlns:a16="http://schemas.microsoft.com/office/drawing/2014/main" id="{67BF367F-E2DF-412A-A011-DD02BEE5FF8D}"/>
+                <a16:creationId xmlns:a16="http://schemas.microsoft.com/office/drawing/2014/main" xmlns="" id="{67BF367F-E2DF-412A-A011-DD02BEE5FF8D}"/>
               </a:ext>
             </a:extLst>
           </p:cNvPr>
@@ -1201,7 +1203,7 @@
           <p:cNvPr id="6" name="Slide Number Placeholder 5">
             <a:extLst>
               <a:ext uri="{FF2B5EF4-FFF2-40B4-BE49-F238E27FC236}">
-                <a16:creationId xmlns:a16="http://schemas.microsoft.com/office/drawing/2014/main" id="{AC88DD6F-34F7-48EA-B36C-332824F3F4BD}"/>
+                <a16:creationId xmlns:a16="http://schemas.microsoft.com/office/drawing/2014/main" xmlns="" id="{AC88DD6F-34F7-48EA-B36C-332824F3F4BD}"/>
               </a:ext>
             </a:extLst>
           </p:cNvPr>
@@ -1260,7 +1262,7 @@
           <p:cNvPr id="2" name="Title 1">
             <a:extLst>
               <a:ext uri="{FF2B5EF4-FFF2-40B4-BE49-F238E27FC236}">
-                <a16:creationId xmlns:a16="http://schemas.microsoft.com/office/drawing/2014/main" id="{42ABAE2B-F990-490A-8A2B-DC1B468C4C9D}"/>
+                <a16:creationId xmlns:a16="http://schemas.microsoft.com/office/drawing/2014/main" xmlns="" id="{42ABAE2B-F990-490A-8A2B-DC1B468C4C9D}"/>
               </a:ext>
             </a:extLst>
           </p:cNvPr>
@@ -1289,7 +1291,7 @@
           <p:cNvPr id="3" name="Content Placeholder 2">
             <a:extLst>
               <a:ext uri="{FF2B5EF4-FFF2-40B4-BE49-F238E27FC236}">
-                <a16:creationId xmlns:a16="http://schemas.microsoft.com/office/drawing/2014/main" id="{0BCD8D17-D484-4209-B469-1D028CACC191}"/>
+                <a16:creationId xmlns:a16="http://schemas.microsoft.com/office/drawing/2014/main" xmlns="" id="{0BCD8D17-D484-4209-B469-1D028CACC191}"/>
               </a:ext>
             </a:extLst>
           </p:cNvPr>
@@ -1352,7 +1354,7 @@
           <p:cNvPr id="4" name="Content Placeholder 3">
             <a:extLst>
               <a:ext uri="{FF2B5EF4-FFF2-40B4-BE49-F238E27FC236}">
-                <a16:creationId xmlns:a16="http://schemas.microsoft.com/office/drawing/2014/main" id="{609EF4EA-AC12-4C1E-A56A-BAAF05F4BC5B}"/>
+                <a16:creationId xmlns:a16="http://schemas.microsoft.com/office/drawing/2014/main" xmlns="" id="{609EF4EA-AC12-4C1E-A56A-BAAF05F4BC5B}"/>
               </a:ext>
             </a:extLst>
           </p:cNvPr>
@@ -1415,7 +1417,7 @@
           <p:cNvPr id="5" name="Date Placeholder 4">
             <a:extLst>
               <a:ext uri="{FF2B5EF4-FFF2-40B4-BE49-F238E27FC236}">
-                <a16:creationId xmlns:a16="http://schemas.microsoft.com/office/drawing/2014/main" id="{47BD33E5-559F-4A20-9F2A-0F1CF39370E2}"/>
+                <a16:creationId xmlns:a16="http://schemas.microsoft.com/office/drawing/2014/main" xmlns="" id="{47BD33E5-559F-4A20-9F2A-0F1CF39370E2}"/>
               </a:ext>
             </a:extLst>
           </p:cNvPr>
@@ -1444,7 +1446,7 @@
           <p:cNvPr id="6" name="Footer Placeholder 5">
             <a:extLst>
               <a:ext uri="{FF2B5EF4-FFF2-40B4-BE49-F238E27FC236}">
-                <a16:creationId xmlns:a16="http://schemas.microsoft.com/office/drawing/2014/main" id="{4A883C9C-A604-439E-86FB-B2F61C2DE026}"/>
+                <a16:creationId xmlns:a16="http://schemas.microsoft.com/office/drawing/2014/main" xmlns="" id="{4A883C9C-A604-439E-86FB-B2F61C2DE026}"/>
               </a:ext>
             </a:extLst>
           </p:cNvPr>
@@ -1469,7 +1471,7 @@
           <p:cNvPr id="7" name="Slide Number Placeholder 6">
             <a:extLst>
               <a:ext uri="{FF2B5EF4-FFF2-40B4-BE49-F238E27FC236}">
-                <a16:creationId xmlns:a16="http://schemas.microsoft.com/office/drawing/2014/main" id="{0A423502-111A-4C6F-83C4-726C9E53D873}"/>
+                <a16:creationId xmlns:a16="http://schemas.microsoft.com/office/drawing/2014/main" xmlns="" id="{0A423502-111A-4C6F-83C4-726C9E53D873}"/>
               </a:ext>
             </a:extLst>
           </p:cNvPr>
@@ -1528,7 +1530,7 @@
           <p:cNvPr id="2" name="Title 1">
             <a:extLst>
               <a:ext uri="{FF2B5EF4-FFF2-40B4-BE49-F238E27FC236}">
-                <a16:creationId xmlns:a16="http://schemas.microsoft.com/office/drawing/2014/main" id="{4762B311-339D-448B-9205-82CDDB6668CD}"/>
+                <a16:creationId xmlns:a16="http://schemas.microsoft.com/office/drawing/2014/main" xmlns="" id="{4762B311-339D-448B-9205-82CDDB6668CD}"/>
               </a:ext>
             </a:extLst>
           </p:cNvPr>
@@ -1562,7 +1564,7 @@
           <p:cNvPr id="3" name="Text Placeholder 2">
             <a:extLst>
               <a:ext uri="{FF2B5EF4-FFF2-40B4-BE49-F238E27FC236}">
-                <a16:creationId xmlns:a16="http://schemas.microsoft.com/office/drawing/2014/main" id="{A233EB1A-8EB6-4F5A-B8A3-F041A9924429}"/>
+                <a16:creationId xmlns:a16="http://schemas.microsoft.com/office/drawing/2014/main" xmlns="" id="{A233EB1A-8EB6-4F5A-B8A3-F041A9924429}"/>
               </a:ext>
             </a:extLst>
           </p:cNvPr>
@@ -1633,7 +1635,7 @@
           <p:cNvPr id="4" name="Content Placeholder 3">
             <a:extLst>
               <a:ext uri="{FF2B5EF4-FFF2-40B4-BE49-F238E27FC236}">
-                <a16:creationId xmlns:a16="http://schemas.microsoft.com/office/drawing/2014/main" id="{195DCA69-6333-45A7-8E6A-295095A83F72}"/>
+                <a16:creationId xmlns:a16="http://schemas.microsoft.com/office/drawing/2014/main" xmlns="" id="{195DCA69-6333-45A7-8E6A-295095A83F72}"/>
               </a:ext>
             </a:extLst>
           </p:cNvPr>
@@ -1696,7 +1698,7 @@
           <p:cNvPr id="5" name="Text Placeholder 4">
             <a:extLst>
               <a:ext uri="{FF2B5EF4-FFF2-40B4-BE49-F238E27FC236}">
-                <a16:creationId xmlns:a16="http://schemas.microsoft.com/office/drawing/2014/main" id="{3BCF98AE-2080-4E4C-BB5C-529F768F8D7D}"/>
+                <a16:creationId xmlns:a16="http://schemas.microsoft.com/office/drawing/2014/main" xmlns="" id="{3BCF98AE-2080-4E4C-BB5C-529F768F8D7D}"/>
               </a:ext>
             </a:extLst>
           </p:cNvPr>
@@ -1767,7 +1769,7 @@
           <p:cNvPr id="6" name="Content Placeholder 5">
             <a:extLst>
               <a:ext uri="{FF2B5EF4-FFF2-40B4-BE49-F238E27FC236}">
-                <a16:creationId xmlns:a16="http://schemas.microsoft.com/office/drawing/2014/main" id="{F23879DC-B4F2-4F7C-BC69-4736E8EBD49C}"/>
+                <a16:creationId xmlns:a16="http://schemas.microsoft.com/office/drawing/2014/main" xmlns="" id="{F23879DC-B4F2-4F7C-BC69-4736E8EBD49C}"/>
               </a:ext>
             </a:extLst>
           </p:cNvPr>
@@ -1830,7 +1832,7 @@
           <p:cNvPr id="7" name="Date Placeholder 6">
             <a:extLst>
               <a:ext uri="{FF2B5EF4-FFF2-40B4-BE49-F238E27FC236}">
-                <a16:creationId xmlns:a16="http://schemas.microsoft.com/office/drawing/2014/main" id="{B9113094-6823-472F-AC58-290DBA7A10A1}"/>
+                <a16:creationId xmlns:a16="http://schemas.microsoft.com/office/drawing/2014/main" xmlns="" id="{B9113094-6823-472F-AC58-290DBA7A10A1}"/>
               </a:ext>
             </a:extLst>
           </p:cNvPr>
@@ -1859,7 +1861,7 @@
           <p:cNvPr id="8" name="Footer Placeholder 7">
             <a:extLst>
               <a:ext uri="{FF2B5EF4-FFF2-40B4-BE49-F238E27FC236}">
-                <a16:creationId xmlns:a16="http://schemas.microsoft.com/office/drawing/2014/main" id="{D607856D-26E0-48C8-A124-370D5E6E1802}"/>
+                <a16:creationId xmlns:a16="http://schemas.microsoft.com/office/drawing/2014/main" xmlns="" id="{D607856D-26E0-48C8-A124-370D5E6E1802}"/>
               </a:ext>
             </a:extLst>
           </p:cNvPr>
@@ -1884,7 +1886,7 @@
           <p:cNvPr id="9" name="Slide Number Placeholder 8">
             <a:extLst>
               <a:ext uri="{FF2B5EF4-FFF2-40B4-BE49-F238E27FC236}">
-                <a16:creationId xmlns:a16="http://schemas.microsoft.com/office/drawing/2014/main" id="{8FFEA9EB-1F9A-462D-8A1C-EF53ED1654F3}"/>
+                <a16:creationId xmlns:a16="http://schemas.microsoft.com/office/drawing/2014/main" xmlns="" id="{8FFEA9EB-1F9A-462D-8A1C-EF53ED1654F3}"/>
               </a:ext>
             </a:extLst>
           </p:cNvPr>
@@ -1943,7 +1945,7 @@
           <p:cNvPr id="2" name="Title 1">
             <a:extLst>
               <a:ext uri="{FF2B5EF4-FFF2-40B4-BE49-F238E27FC236}">
-                <a16:creationId xmlns:a16="http://schemas.microsoft.com/office/drawing/2014/main" id="{1B73D253-82B2-40BA-B7C6-BD1D1AEF97EF}"/>
+                <a16:creationId xmlns:a16="http://schemas.microsoft.com/office/drawing/2014/main" xmlns="" id="{1B73D253-82B2-40BA-B7C6-BD1D1AEF97EF}"/>
               </a:ext>
             </a:extLst>
           </p:cNvPr>
@@ -1972,7 +1974,7 @@
           <p:cNvPr id="3" name="Date Placeholder 2">
             <a:extLst>
               <a:ext uri="{FF2B5EF4-FFF2-40B4-BE49-F238E27FC236}">
-                <a16:creationId xmlns:a16="http://schemas.microsoft.com/office/drawing/2014/main" id="{3C4DE193-25BE-462D-ADC2-D55F4C33B788}"/>
+                <a16:creationId xmlns:a16="http://schemas.microsoft.com/office/drawing/2014/main" xmlns="" id="{3C4DE193-25BE-462D-ADC2-D55F4C33B788}"/>
               </a:ext>
             </a:extLst>
           </p:cNvPr>
@@ -2001,7 +2003,7 @@
           <p:cNvPr id="4" name="Footer Placeholder 3">
             <a:extLst>
               <a:ext uri="{FF2B5EF4-FFF2-40B4-BE49-F238E27FC236}">
-                <a16:creationId xmlns:a16="http://schemas.microsoft.com/office/drawing/2014/main" id="{C0E74FAE-7F84-43E2-A1F1-7C4A37743CE3}"/>
+                <a16:creationId xmlns:a16="http://schemas.microsoft.com/office/drawing/2014/main" xmlns="" id="{C0E74FAE-7F84-43E2-A1F1-7C4A37743CE3}"/>
               </a:ext>
             </a:extLst>
           </p:cNvPr>
@@ -2026,7 +2028,7 @@
           <p:cNvPr id="5" name="Slide Number Placeholder 4">
             <a:extLst>
               <a:ext uri="{FF2B5EF4-FFF2-40B4-BE49-F238E27FC236}">
-                <a16:creationId xmlns:a16="http://schemas.microsoft.com/office/drawing/2014/main" id="{428E7890-162B-4DD6-A6F3-5BBC205B876C}"/>
+                <a16:creationId xmlns:a16="http://schemas.microsoft.com/office/drawing/2014/main" xmlns="" id="{428E7890-162B-4DD6-A6F3-5BBC205B876C}"/>
               </a:ext>
             </a:extLst>
           </p:cNvPr>
@@ -2085,7 +2087,7 @@
           <p:cNvPr id="2" name="Date Placeholder 1">
             <a:extLst>
               <a:ext uri="{FF2B5EF4-FFF2-40B4-BE49-F238E27FC236}">
-                <a16:creationId xmlns:a16="http://schemas.microsoft.com/office/drawing/2014/main" id="{A732E3B0-E78B-47E2-B3D9-0FB9351D6277}"/>
+                <a16:creationId xmlns:a16="http://schemas.microsoft.com/office/drawing/2014/main" xmlns="" id="{A732E3B0-E78B-47E2-B3D9-0FB9351D6277}"/>
               </a:ext>
             </a:extLst>
           </p:cNvPr>
@@ -2114,7 +2116,7 @@
           <p:cNvPr id="3" name="Footer Placeholder 2">
             <a:extLst>
               <a:ext uri="{FF2B5EF4-FFF2-40B4-BE49-F238E27FC236}">
-                <a16:creationId xmlns:a16="http://schemas.microsoft.com/office/drawing/2014/main" id="{53D20DC8-C42C-4A18-9CDE-0B8C423BE64F}"/>
+                <a16:creationId xmlns:a16="http://schemas.microsoft.com/office/drawing/2014/main" xmlns="" id="{53D20DC8-C42C-4A18-9CDE-0B8C423BE64F}"/>
               </a:ext>
             </a:extLst>
           </p:cNvPr>
@@ -2139,7 +2141,7 @@
           <p:cNvPr id="4" name="Slide Number Placeholder 3">
             <a:extLst>
               <a:ext uri="{FF2B5EF4-FFF2-40B4-BE49-F238E27FC236}">
-                <a16:creationId xmlns:a16="http://schemas.microsoft.com/office/drawing/2014/main" id="{45BFB77B-0F13-424B-BC1F-B39E54443C82}"/>
+                <a16:creationId xmlns:a16="http://schemas.microsoft.com/office/drawing/2014/main" xmlns="" id="{45BFB77B-0F13-424B-BC1F-B39E54443C82}"/>
               </a:ext>
             </a:extLst>
           </p:cNvPr>
@@ -2198,7 +2200,7 @@
           <p:cNvPr id="2" name="Title 1">
             <a:extLst>
               <a:ext uri="{FF2B5EF4-FFF2-40B4-BE49-F238E27FC236}">
-                <a16:creationId xmlns:a16="http://schemas.microsoft.com/office/drawing/2014/main" id="{EAB03FCE-5B4D-43CC-9891-7A06EF85378A}"/>
+                <a16:creationId xmlns:a16="http://schemas.microsoft.com/office/drawing/2014/main" xmlns="" id="{EAB03FCE-5B4D-43CC-9891-7A06EF85378A}"/>
               </a:ext>
             </a:extLst>
           </p:cNvPr>
@@ -2236,7 +2238,7 @@
           <p:cNvPr id="3" name="Content Placeholder 2">
             <a:extLst>
               <a:ext uri="{FF2B5EF4-FFF2-40B4-BE49-F238E27FC236}">
-                <a16:creationId xmlns:a16="http://schemas.microsoft.com/office/drawing/2014/main" id="{04D708FD-3FF3-4AC1-AF70-F1E318273C90}"/>
+                <a16:creationId xmlns:a16="http://schemas.microsoft.com/office/drawing/2014/main" xmlns="" id="{04D708FD-3FF3-4AC1-AF70-F1E318273C90}"/>
               </a:ext>
             </a:extLst>
           </p:cNvPr>
@@ -2327,7 +2329,7 @@
           <p:cNvPr id="4" name="Text Placeholder 3">
             <a:extLst>
               <a:ext uri="{FF2B5EF4-FFF2-40B4-BE49-F238E27FC236}">
-                <a16:creationId xmlns:a16="http://schemas.microsoft.com/office/drawing/2014/main" id="{27172CC0-FEEA-445E-B0A4-E5B72DB9A13A}"/>
+                <a16:creationId xmlns:a16="http://schemas.microsoft.com/office/drawing/2014/main" xmlns="" id="{27172CC0-FEEA-445E-B0A4-E5B72DB9A13A}"/>
               </a:ext>
             </a:extLst>
           </p:cNvPr>
@@ -2398,7 +2400,7 @@
           <p:cNvPr id="5" name="Date Placeholder 4">
             <a:extLst>
               <a:ext uri="{FF2B5EF4-FFF2-40B4-BE49-F238E27FC236}">
-                <a16:creationId xmlns:a16="http://schemas.microsoft.com/office/drawing/2014/main" id="{52158AC7-4E41-4D1A-B22A-ACEA67A41749}"/>
+                <a16:creationId xmlns:a16="http://schemas.microsoft.com/office/drawing/2014/main" xmlns="" id="{52158AC7-4E41-4D1A-B22A-ACEA67A41749}"/>
               </a:ext>
             </a:extLst>
           </p:cNvPr>
@@ -2427,7 +2429,7 @@
           <p:cNvPr id="6" name="Footer Placeholder 5">
             <a:extLst>
               <a:ext uri="{FF2B5EF4-FFF2-40B4-BE49-F238E27FC236}">
-                <a16:creationId xmlns:a16="http://schemas.microsoft.com/office/drawing/2014/main" id="{869CC2E0-A178-4156-BD8C-D994B014D7A6}"/>
+                <a16:creationId xmlns:a16="http://schemas.microsoft.com/office/drawing/2014/main" xmlns="" id="{869CC2E0-A178-4156-BD8C-D994B014D7A6}"/>
               </a:ext>
             </a:extLst>
           </p:cNvPr>
@@ -2452,7 +2454,7 @@
           <p:cNvPr id="7" name="Slide Number Placeholder 6">
             <a:extLst>
               <a:ext uri="{FF2B5EF4-FFF2-40B4-BE49-F238E27FC236}">
-                <a16:creationId xmlns:a16="http://schemas.microsoft.com/office/drawing/2014/main" id="{1FD43812-3065-420A-AE8C-358A93D69905}"/>
+                <a16:creationId xmlns:a16="http://schemas.microsoft.com/office/drawing/2014/main" xmlns="" id="{1FD43812-3065-420A-AE8C-358A93D69905}"/>
               </a:ext>
             </a:extLst>
           </p:cNvPr>
@@ -2511,7 +2513,7 @@
           <p:cNvPr id="2" name="Title 1">
             <a:extLst>
               <a:ext uri="{FF2B5EF4-FFF2-40B4-BE49-F238E27FC236}">
-                <a16:creationId xmlns:a16="http://schemas.microsoft.com/office/drawing/2014/main" id="{5AFAF3EB-231D-4389-AFA0-2FD6506655F8}"/>
+                <a16:creationId xmlns:a16="http://schemas.microsoft.com/office/drawing/2014/main" xmlns="" id="{5AFAF3EB-231D-4389-AFA0-2FD6506655F8}"/>
               </a:ext>
             </a:extLst>
           </p:cNvPr>
@@ -2549,7 +2551,7 @@
           <p:cNvPr id="3" name="Picture Placeholder 2">
             <a:extLst>
               <a:ext uri="{FF2B5EF4-FFF2-40B4-BE49-F238E27FC236}">
-                <a16:creationId xmlns:a16="http://schemas.microsoft.com/office/drawing/2014/main" id="{FF7A3C75-CC07-46D6-97BF-6356F47132D1}"/>
+                <a16:creationId xmlns:a16="http://schemas.microsoft.com/office/drawing/2014/main" xmlns="" id="{FF7A3C75-CC07-46D6-97BF-6356F47132D1}"/>
               </a:ext>
             </a:extLst>
           </p:cNvPr>
@@ -2616,7 +2618,7 @@
           <p:cNvPr id="4" name="Text Placeholder 3">
             <a:extLst>
               <a:ext uri="{FF2B5EF4-FFF2-40B4-BE49-F238E27FC236}">
-                <a16:creationId xmlns:a16="http://schemas.microsoft.com/office/drawing/2014/main" id="{A73DD846-2088-4D12-A5B9-37C0359760E9}"/>
+                <a16:creationId xmlns:a16="http://schemas.microsoft.com/office/drawing/2014/main" xmlns="" id="{A73DD846-2088-4D12-A5B9-37C0359760E9}"/>
               </a:ext>
             </a:extLst>
           </p:cNvPr>
@@ -2687,7 +2689,7 @@
           <p:cNvPr id="5" name="Date Placeholder 4">
             <a:extLst>
               <a:ext uri="{FF2B5EF4-FFF2-40B4-BE49-F238E27FC236}">
-                <a16:creationId xmlns:a16="http://schemas.microsoft.com/office/drawing/2014/main" id="{952DDB2F-EDA4-458F-9BB6-0D82E07258E2}"/>
+                <a16:creationId xmlns:a16="http://schemas.microsoft.com/office/drawing/2014/main" xmlns="" id="{952DDB2F-EDA4-458F-9BB6-0D82E07258E2}"/>
               </a:ext>
             </a:extLst>
           </p:cNvPr>
@@ -2716,7 +2718,7 @@
           <p:cNvPr id="6" name="Footer Placeholder 5">
             <a:extLst>
               <a:ext uri="{FF2B5EF4-FFF2-40B4-BE49-F238E27FC236}">
-                <a16:creationId xmlns:a16="http://schemas.microsoft.com/office/drawing/2014/main" id="{420F08DD-EBFB-4266-B076-A2F980756DDC}"/>
+                <a16:creationId xmlns:a16="http://schemas.microsoft.com/office/drawing/2014/main" xmlns="" id="{420F08DD-EBFB-4266-B076-A2F980756DDC}"/>
               </a:ext>
             </a:extLst>
           </p:cNvPr>
@@ -2741,7 +2743,7 @@
           <p:cNvPr id="7" name="Slide Number Placeholder 6">
             <a:extLst>
               <a:ext uri="{FF2B5EF4-FFF2-40B4-BE49-F238E27FC236}">
-                <a16:creationId xmlns:a16="http://schemas.microsoft.com/office/drawing/2014/main" id="{6D25345A-F86A-4960-A1C4-8E881A62E5B4}"/>
+                <a16:creationId xmlns:a16="http://schemas.microsoft.com/office/drawing/2014/main" xmlns="" id="{6D25345A-F86A-4960-A1C4-8E881A62E5B4}"/>
               </a:ext>
             </a:extLst>
           </p:cNvPr>
@@ -2805,7 +2807,7 @@
           <p:cNvPr id="2" name="Title Placeholder 1">
             <a:extLst>
               <a:ext uri="{FF2B5EF4-FFF2-40B4-BE49-F238E27FC236}">
-                <a16:creationId xmlns:a16="http://schemas.microsoft.com/office/drawing/2014/main" id="{C4175E84-4BEA-4B29-97D5-FC88A9CEAFF2}"/>
+                <a16:creationId xmlns:a16="http://schemas.microsoft.com/office/drawing/2014/main" xmlns="" id="{C4175E84-4BEA-4B29-97D5-FC88A9CEAFF2}"/>
               </a:ext>
             </a:extLst>
           </p:cNvPr>
@@ -2844,7 +2846,7 @@
           <p:cNvPr id="3" name="Text Placeholder 2">
             <a:extLst>
               <a:ext uri="{FF2B5EF4-FFF2-40B4-BE49-F238E27FC236}">
-                <a16:creationId xmlns:a16="http://schemas.microsoft.com/office/drawing/2014/main" id="{8C957B72-BF62-4141-AEB4-3E44153F6552}"/>
+                <a16:creationId xmlns:a16="http://schemas.microsoft.com/office/drawing/2014/main" xmlns="" id="{8C957B72-BF62-4141-AEB4-3E44153F6552}"/>
               </a:ext>
             </a:extLst>
           </p:cNvPr>
@@ -2912,7 +2914,7 @@
           <p:cNvPr id="4" name="Date Placeholder 3">
             <a:extLst>
               <a:ext uri="{FF2B5EF4-FFF2-40B4-BE49-F238E27FC236}">
-                <a16:creationId xmlns:a16="http://schemas.microsoft.com/office/drawing/2014/main" id="{32062E18-EEC3-4089-929A-52B043802FD1}"/>
+                <a16:creationId xmlns:a16="http://schemas.microsoft.com/office/drawing/2014/main" xmlns="" id="{32062E18-EEC3-4089-929A-52B043802FD1}"/>
               </a:ext>
             </a:extLst>
           </p:cNvPr>
@@ -2959,7 +2961,7 @@
           <p:cNvPr id="5" name="Footer Placeholder 4">
             <a:extLst>
               <a:ext uri="{FF2B5EF4-FFF2-40B4-BE49-F238E27FC236}">
-                <a16:creationId xmlns:a16="http://schemas.microsoft.com/office/drawing/2014/main" id="{C7717E09-6E10-4B05-81B6-5E6F6EE6FC74}"/>
+                <a16:creationId xmlns:a16="http://schemas.microsoft.com/office/drawing/2014/main" xmlns="" id="{C7717E09-6E10-4B05-81B6-5E6F6EE6FC74}"/>
               </a:ext>
             </a:extLst>
           </p:cNvPr>
@@ -3002,7 +3004,7 @@
           <p:cNvPr id="6" name="Slide Number Placeholder 5">
             <a:extLst>
               <a:ext uri="{FF2B5EF4-FFF2-40B4-BE49-F238E27FC236}">
-                <a16:creationId xmlns:a16="http://schemas.microsoft.com/office/drawing/2014/main" id="{27735183-ECEA-49C4-85B1-B104BD80E308}"/>
+                <a16:creationId xmlns:a16="http://schemas.microsoft.com/office/drawing/2014/main" xmlns="" id="{27735183-ECEA-49C4-85B1-B104BD80E308}"/>
               </a:ext>
             </a:extLst>
           </p:cNvPr>
@@ -3370,7 +3372,7 @@
           <p:cNvPr id="5" name="Rectangle: Rounded Corners 4">
             <a:extLst>
               <a:ext uri="{FF2B5EF4-FFF2-40B4-BE49-F238E27FC236}">
-                <a16:creationId xmlns:a16="http://schemas.microsoft.com/office/drawing/2014/main" id="{3E5316B8-2CDC-470B-BBC3-7B3BB48F917E}"/>
+                <a16:creationId xmlns:a16="http://schemas.microsoft.com/office/drawing/2014/main" xmlns="" id="{3E5316B8-2CDC-470B-BBC3-7B3BB48F917E}"/>
               </a:ext>
             </a:extLst>
           </p:cNvPr>
@@ -3420,7 +3422,7 @@
           <p:cNvPr id="7" name="Rectangle: Rounded Corners 6">
             <a:extLst>
               <a:ext uri="{FF2B5EF4-FFF2-40B4-BE49-F238E27FC236}">
-                <a16:creationId xmlns:a16="http://schemas.microsoft.com/office/drawing/2014/main" id="{031644F9-1251-438C-BEB7-F907C2B49D54}"/>
+                <a16:creationId xmlns:a16="http://schemas.microsoft.com/office/drawing/2014/main" xmlns="" id="{031644F9-1251-438C-BEB7-F907C2B49D54}"/>
               </a:ext>
             </a:extLst>
           </p:cNvPr>
@@ -3477,7 +3479,7 @@
           <p:cNvPr id="11" name="Rectangle: Rounded Corners 10">
             <a:extLst>
               <a:ext uri="{FF2B5EF4-FFF2-40B4-BE49-F238E27FC236}">
-                <a16:creationId xmlns:a16="http://schemas.microsoft.com/office/drawing/2014/main" id="{E416CFAD-AF52-4649-A332-71DEE7426C23}"/>
+                <a16:creationId xmlns:a16="http://schemas.microsoft.com/office/drawing/2014/main" xmlns="" id="{E416CFAD-AF52-4649-A332-71DEE7426C23}"/>
               </a:ext>
             </a:extLst>
           </p:cNvPr>
@@ -3534,7 +3536,7 @@
           <p:cNvPr id="12" name="Rectangle: Rounded Corners 11">
             <a:extLst>
               <a:ext uri="{FF2B5EF4-FFF2-40B4-BE49-F238E27FC236}">
-                <a16:creationId xmlns:a16="http://schemas.microsoft.com/office/drawing/2014/main" id="{F81607E8-5979-4B1D-BCDC-0CDDE92D28C5}"/>
+                <a16:creationId xmlns:a16="http://schemas.microsoft.com/office/drawing/2014/main" xmlns="" id="{F81607E8-5979-4B1D-BCDC-0CDDE92D28C5}"/>
               </a:ext>
             </a:extLst>
           </p:cNvPr>
@@ -3584,7 +3586,7 @@
           <p:cNvPr id="14" name="Rectangle: Rounded Corners 13">
             <a:extLst>
               <a:ext uri="{FF2B5EF4-FFF2-40B4-BE49-F238E27FC236}">
-                <a16:creationId xmlns:a16="http://schemas.microsoft.com/office/drawing/2014/main" id="{F93F1191-805C-4602-B403-FBC4B23FDEE5}"/>
+                <a16:creationId xmlns:a16="http://schemas.microsoft.com/office/drawing/2014/main" xmlns="" id="{F93F1191-805C-4602-B403-FBC4B23FDEE5}"/>
               </a:ext>
             </a:extLst>
           </p:cNvPr>
@@ -3638,7 +3640,7 @@
           <p:cNvPr id="16" name="Connector: Elbow 15">
             <a:extLst>
               <a:ext uri="{FF2B5EF4-FFF2-40B4-BE49-F238E27FC236}">
-                <a16:creationId xmlns:a16="http://schemas.microsoft.com/office/drawing/2014/main" id="{F8E1CA97-7225-45D0-A081-33F98BF5BD88}"/>
+                <a16:creationId xmlns:a16="http://schemas.microsoft.com/office/drawing/2014/main" xmlns="" id="{F8E1CA97-7225-45D0-A081-33F98BF5BD88}"/>
               </a:ext>
             </a:extLst>
           </p:cNvPr>
@@ -3683,7 +3685,7 @@
           <p:cNvPr id="19" name="Rectangle: Rounded Corners 18">
             <a:extLst>
               <a:ext uri="{FF2B5EF4-FFF2-40B4-BE49-F238E27FC236}">
-                <a16:creationId xmlns:a16="http://schemas.microsoft.com/office/drawing/2014/main" id="{5BAF5724-2440-46B2-B4E0-C35E05FEFDFA}"/>
+                <a16:creationId xmlns:a16="http://schemas.microsoft.com/office/drawing/2014/main" xmlns="" id="{5BAF5724-2440-46B2-B4E0-C35E05FEFDFA}"/>
               </a:ext>
             </a:extLst>
           </p:cNvPr>
@@ -3775,6 +3777,2303 @@
 </p:sld>
 </file>
 
+<file path=ppt/slides/slide10.xml><?xml version="1.0" encoding="utf-8"?>
+<p:sld xmlns:a="http://schemas.openxmlformats.org/drawingml/2006/main" xmlns:r="http://schemas.openxmlformats.org/officeDocument/2006/relationships" xmlns:p="http://schemas.openxmlformats.org/presentationml/2006/main">
+  <p:cSld>
+    <p:spTree>
+      <p:nvGrpSpPr>
+        <p:cNvPr id="1" name=""/>
+        <p:cNvGrpSpPr/>
+        <p:nvPr/>
+      </p:nvGrpSpPr>
+      <p:grpSpPr>
+        <a:xfrm>
+          <a:off x="0" y="0"/>
+          <a:ext cx="0" cy="0"/>
+          <a:chOff x="0" y="0"/>
+          <a:chExt cx="0" cy="0"/>
+        </a:xfrm>
+      </p:grpSpPr>
+      <p:sp>
+        <p:nvSpPr>
+          <p:cNvPr id="2" name="Rounded Rectangle 1"/>
+          <p:cNvSpPr/>
+          <p:nvPr/>
+        </p:nvSpPr>
+        <p:spPr>
+          <a:xfrm>
+            <a:off x="817418" y="1421570"/>
+            <a:ext cx="942109" cy="3906981"/>
+          </a:xfrm>
+          <a:prstGeom prst="roundRect">
+            <a:avLst/>
+          </a:prstGeom>
+        </p:spPr>
+        <p:style>
+          <a:lnRef idx="2">
+            <a:schemeClr val="accent1">
+              <a:shade val="50000"/>
+            </a:schemeClr>
+          </a:lnRef>
+          <a:fillRef idx="1">
+            <a:schemeClr val="accent1"/>
+          </a:fillRef>
+          <a:effectRef idx="0">
+            <a:schemeClr val="accent1"/>
+          </a:effectRef>
+          <a:fontRef idx="minor">
+            <a:schemeClr val="lt1"/>
+          </a:fontRef>
+        </p:style>
+        <p:txBody>
+          <a:bodyPr rtlCol="0" anchor="ctr"/>
+          <a:lstStyle/>
+          <a:p>
+            <a:pPr algn="ctr"/>
+            <a:r>
+              <a:rPr lang="en-US" sz="2400" dirty="0" smtClean="0"/>
+              <a:t>K</a:t>
+            </a:r>
+          </a:p>
+          <a:p>
+            <a:pPr algn="ctr"/>
+            <a:r>
+              <a:rPr lang="en-US" sz="2400" dirty="0" smtClean="0"/>
+              <a:t>I</a:t>
+            </a:r>
+          </a:p>
+          <a:p>
+            <a:pPr algn="ctr"/>
+            <a:r>
+              <a:rPr lang="en-US" sz="2400" dirty="0" smtClean="0"/>
+              <a:t>B</a:t>
+            </a:r>
+          </a:p>
+          <a:p>
+            <a:pPr algn="ctr"/>
+            <a:r>
+              <a:rPr lang="en-US" sz="2400" dirty="0" smtClean="0"/>
+              <a:t>A</a:t>
+            </a:r>
+          </a:p>
+          <a:p>
+            <a:pPr algn="ctr"/>
+            <a:r>
+              <a:rPr lang="en-US" sz="2400" dirty="0" smtClean="0"/>
+              <a:t>N</a:t>
+            </a:r>
+          </a:p>
+          <a:p>
+            <a:pPr algn="ctr"/>
+            <a:r>
+              <a:rPr lang="en-US" sz="2400" dirty="0"/>
+              <a:t>A</a:t>
+            </a:r>
+          </a:p>
+        </p:txBody>
+      </p:sp>
+      <p:sp>
+        <p:nvSpPr>
+          <p:cNvPr id="3" name="Rounded Rectangle 2"/>
+          <p:cNvSpPr/>
+          <p:nvPr/>
+        </p:nvSpPr>
+        <p:spPr>
+          <a:xfrm>
+            <a:off x="2618509" y="2688662"/>
+            <a:ext cx="2133600" cy="1316182"/>
+          </a:xfrm>
+          <a:prstGeom prst="roundRect">
+            <a:avLst/>
+          </a:prstGeom>
+        </p:spPr>
+        <p:style>
+          <a:lnRef idx="2">
+            <a:schemeClr val="accent1">
+              <a:shade val="50000"/>
+            </a:schemeClr>
+          </a:lnRef>
+          <a:fillRef idx="1">
+            <a:schemeClr val="accent1"/>
+          </a:fillRef>
+          <a:effectRef idx="0">
+            <a:schemeClr val="accent1"/>
+          </a:effectRef>
+          <a:fontRef idx="minor">
+            <a:schemeClr val="lt1"/>
+          </a:fontRef>
+        </p:style>
+        <p:txBody>
+          <a:bodyPr rtlCol="0" anchor="ctr"/>
+          <a:lstStyle/>
+          <a:p>
+            <a:pPr algn="ctr"/>
+            <a:r>
+              <a:rPr lang="en-US" dirty="0" smtClean="0"/>
+              <a:t>ELASTIC SEARCH</a:t>
+            </a:r>
+            <a:endParaRPr lang="en-US" dirty="0"/>
+          </a:p>
+        </p:txBody>
+      </p:sp>
+      <p:sp>
+        <p:nvSpPr>
+          <p:cNvPr id="4" name="Rounded Rectangle 3"/>
+          <p:cNvSpPr/>
+          <p:nvPr/>
+        </p:nvSpPr>
+        <p:spPr>
+          <a:xfrm>
+            <a:off x="5951880" y="2563091"/>
+            <a:ext cx="2244437" cy="1219200"/>
+          </a:xfrm>
+          <a:prstGeom prst="roundRect">
+            <a:avLst/>
+          </a:prstGeom>
+        </p:spPr>
+        <p:style>
+          <a:lnRef idx="2">
+            <a:schemeClr val="accent1">
+              <a:shade val="50000"/>
+            </a:schemeClr>
+          </a:lnRef>
+          <a:fillRef idx="1">
+            <a:schemeClr val="accent1"/>
+          </a:fillRef>
+          <a:effectRef idx="0">
+            <a:schemeClr val="accent1"/>
+          </a:effectRef>
+          <a:fontRef idx="minor">
+            <a:schemeClr val="lt1"/>
+          </a:fontRef>
+        </p:style>
+        <p:txBody>
+          <a:bodyPr rtlCol="0" anchor="ctr"/>
+          <a:lstStyle/>
+          <a:p>
+            <a:pPr algn="ctr"/>
+            <a:r>
+              <a:rPr lang="en-US" dirty="0" smtClean="0"/>
+              <a:t>LOG STASH</a:t>
+            </a:r>
+            <a:endParaRPr lang="en-US" dirty="0"/>
+          </a:p>
+        </p:txBody>
+      </p:sp>
+      <p:grpSp>
+        <p:nvGrpSpPr>
+          <p:cNvPr id="5" name="Group 4"/>
+          <p:cNvGrpSpPr/>
+          <p:nvPr/>
+        </p:nvGrpSpPr>
+        <p:grpSpPr>
+          <a:xfrm>
+            <a:off x="7074099" y="555969"/>
+            <a:ext cx="4660701" cy="1812690"/>
+            <a:chOff x="620497" y="555339"/>
+            <a:chExt cx="4660701" cy="1812690"/>
+          </a:xfrm>
+        </p:grpSpPr>
+        <p:grpSp>
+          <p:nvGrpSpPr>
+            <p:cNvPr id="6" name="Group 5"/>
+            <p:cNvGrpSpPr/>
+            <p:nvPr/>
+          </p:nvGrpSpPr>
+          <p:grpSpPr>
+            <a:xfrm>
+              <a:off x="1365481" y="555339"/>
+              <a:ext cx="3915717" cy="1812690"/>
+              <a:chOff x="1011381" y="2409115"/>
+              <a:chExt cx="3915717" cy="1338950"/>
+            </a:xfrm>
+          </p:grpSpPr>
+          <p:sp>
+            <p:nvSpPr>
+              <p:cNvPr id="8" name="Rectangle: Rounded Corners 1">
+                <a:extLst>
+                  <a:ext uri="{FF2B5EF4-FFF2-40B4-BE49-F238E27FC236}">
+                    <a16:creationId xmlns:a16="http://schemas.microsoft.com/office/drawing/2014/main" xmlns="" id="{229043B8-923C-4A63-923B-ED47AB6F3179}"/>
+                  </a:ext>
+                </a:extLst>
+              </p:cNvPr>
+              <p:cNvSpPr/>
+              <p:nvPr/>
+            </p:nvSpPr>
+            <p:spPr>
+              <a:xfrm>
+                <a:off x="1011381" y="2409115"/>
+                <a:ext cx="3915717" cy="1338950"/>
+              </a:xfrm>
+              <a:prstGeom prst="roundRect">
+                <a:avLst/>
+              </a:prstGeom>
+              <a:solidFill>
+                <a:schemeClr val="accent1">
+                  <a:lumMod val="75000"/>
+                </a:schemeClr>
+              </a:solidFill>
+            </p:spPr>
+            <p:style>
+              <a:lnRef idx="2">
+                <a:schemeClr val="accent1">
+                  <a:shade val="50000"/>
+                </a:schemeClr>
+              </a:lnRef>
+              <a:fillRef idx="1">
+                <a:schemeClr val="accent1"/>
+              </a:fillRef>
+              <a:effectRef idx="0">
+                <a:schemeClr val="accent1"/>
+              </a:effectRef>
+              <a:fontRef idx="minor">
+                <a:schemeClr val="lt1"/>
+              </a:fontRef>
+            </p:style>
+            <p:txBody>
+              <a:bodyPr rtlCol="0" anchor="ctr"/>
+              <a:lstStyle/>
+              <a:p>
+                <a:pPr algn="ctr"/>
+                <a:r>
+                  <a:rPr lang="en-IN" sz="1800" dirty="0" smtClean="0">
+                    <a:solidFill>
+                      <a:srgbClr val="000000"/>
+                    </a:solidFill>
+                    <a:latin typeface="Consolas" panose="020B0609020204030204" pitchFamily="49" charset="0"/>
+                  </a:rPr>
+                  <a:t>bmt.seat-map01.com</a:t>
+                </a:r>
+                <a:endParaRPr lang="en-IN" dirty="0"/>
+              </a:p>
+            </p:txBody>
+          </p:sp>
+          <p:sp>
+            <p:nvSpPr>
+              <p:cNvPr id="9" name="Rectangle 1">
+                <a:extLst>
+                  <a:ext uri="{FF2B5EF4-FFF2-40B4-BE49-F238E27FC236}">
+                    <a16:creationId xmlns:a16="http://schemas.microsoft.com/office/drawing/2014/main" xmlns="" id="{FFE5BAF0-90A9-481D-AAC3-4466B273C9B9}"/>
+                  </a:ext>
+                </a:extLst>
+              </p:cNvPr>
+              <p:cNvSpPr>
+                <a:spLocks noChangeArrowheads="1"/>
+              </p:cNvSpPr>
+              <p:nvPr/>
+            </p:nvSpPr>
+            <p:spPr bwMode="auto">
+              <a:xfrm>
+                <a:off x="3252802" y="2449768"/>
+                <a:ext cx="1674296" cy="238707"/>
+              </a:xfrm>
+              <a:prstGeom prst="rect">
+                <a:avLst/>
+              </a:prstGeom>
+              <a:solidFill>
+                <a:srgbClr val="F2F2F2"/>
+              </a:solidFill>
+              <a:ln>
+                <a:noFill/>
+              </a:ln>
+              <a:effectLst/>
+              <a:extLst>
+                <a:ext uri="{91240B29-F687-4F45-9708-019B960494DF}">
+                  <a14:hiddenLine xmlns:a14="http://schemas.microsoft.com/office/drawing/2010/main" w="9525">
+                    <a:solidFill>
+                      <a:schemeClr val="tx1"/>
+                    </a:solidFill>
+                    <a:miter lim="800000"/>
+                    <a:headEnd/>
+                    <a:tailEnd/>
+                  </a14:hiddenLine>
+                </a:ext>
+                <a:ext uri="{AF507438-7753-43E0-B8FC-AC1667EBCBE1}">
+                  <a14:hiddenEffects xmlns:a14="http://schemas.microsoft.com/office/drawing/2010/main">
+                    <a:effectLst>
+                      <a:outerShdw dist="35921" dir="2700000" algn="ctr" rotWithShape="0">
+                        <a:schemeClr val="bg2"/>
+                      </a:outerShdw>
+                    </a:effectLst>
+                  </a14:hiddenEffects>
+                </a:ext>
+              </a:extLst>
+            </p:spPr>
+            <p:txBody>
+              <a:bodyPr vert="horz" wrap="square" lIns="91440" tIns="45720" rIns="91440" bIns="45720" numCol="1" anchor="ctr" anchorCtr="0" compatLnSpc="1">
+                <a:prstTxWarp prst="textNoShape">
+                  <a:avLst/>
+                </a:prstTxWarp>
+                <a:spAutoFit/>
+              </a:bodyPr>
+              <a:lstStyle>
+                <a:lvl1pPr eaLnBrk="0" fontAlgn="base" hangingPunct="0">
+                  <a:spcBef>
+                    <a:spcPct val="0"/>
+                  </a:spcBef>
+                  <a:spcAft>
+                    <a:spcPct val="0"/>
+                  </a:spcAft>
+                  <a:defRPr>
+                    <a:solidFill>
+                      <a:schemeClr val="tx1"/>
+                    </a:solidFill>
+                    <a:latin typeface="Arial" panose="020B0604020202020204" pitchFamily="34" charset="0"/>
+                  </a:defRPr>
+                </a:lvl1pPr>
+                <a:lvl2pPr eaLnBrk="0" fontAlgn="base" hangingPunct="0">
+                  <a:spcBef>
+                    <a:spcPct val="0"/>
+                  </a:spcBef>
+                  <a:spcAft>
+                    <a:spcPct val="0"/>
+                  </a:spcAft>
+                  <a:defRPr>
+                    <a:solidFill>
+                      <a:schemeClr val="tx1"/>
+                    </a:solidFill>
+                    <a:latin typeface="Arial" panose="020B0604020202020204" pitchFamily="34" charset="0"/>
+                  </a:defRPr>
+                </a:lvl2pPr>
+                <a:lvl3pPr eaLnBrk="0" fontAlgn="base" hangingPunct="0">
+                  <a:spcBef>
+                    <a:spcPct val="0"/>
+                  </a:spcBef>
+                  <a:spcAft>
+                    <a:spcPct val="0"/>
+                  </a:spcAft>
+                  <a:defRPr>
+                    <a:solidFill>
+                      <a:schemeClr val="tx1"/>
+                    </a:solidFill>
+                    <a:latin typeface="Arial" panose="020B0604020202020204" pitchFamily="34" charset="0"/>
+                  </a:defRPr>
+                </a:lvl3pPr>
+                <a:lvl4pPr eaLnBrk="0" fontAlgn="base" hangingPunct="0">
+                  <a:spcBef>
+                    <a:spcPct val="0"/>
+                  </a:spcBef>
+                  <a:spcAft>
+                    <a:spcPct val="0"/>
+                  </a:spcAft>
+                  <a:defRPr>
+                    <a:solidFill>
+                      <a:schemeClr val="tx1"/>
+                    </a:solidFill>
+                    <a:latin typeface="Arial" panose="020B0604020202020204" pitchFamily="34" charset="0"/>
+                  </a:defRPr>
+                </a:lvl4pPr>
+                <a:lvl5pPr eaLnBrk="0" fontAlgn="base" hangingPunct="0">
+                  <a:spcBef>
+                    <a:spcPct val="0"/>
+                  </a:spcBef>
+                  <a:spcAft>
+                    <a:spcPct val="0"/>
+                  </a:spcAft>
+                  <a:defRPr>
+                    <a:solidFill>
+                      <a:schemeClr val="tx1"/>
+                    </a:solidFill>
+                    <a:latin typeface="Arial" panose="020B0604020202020204" pitchFamily="34" charset="0"/>
+                  </a:defRPr>
+                </a:lvl5pPr>
+                <a:lvl6pPr eaLnBrk="0" fontAlgn="base" hangingPunct="0">
+                  <a:spcBef>
+                    <a:spcPct val="0"/>
+                  </a:spcBef>
+                  <a:spcAft>
+                    <a:spcPct val="0"/>
+                  </a:spcAft>
+                  <a:defRPr>
+                    <a:solidFill>
+                      <a:schemeClr val="tx1"/>
+                    </a:solidFill>
+                    <a:latin typeface="Arial" panose="020B0604020202020204" pitchFamily="34" charset="0"/>
+                  </a:defRPr>
+                </a:lvl6pPr>
+                <a:lvl7pPr eaLnBrk="0" fontAlgn="base" hangingPunct="0">
+                  <a:spcBef>
+                    <a:spcPct val="0"/>
+                  </a:spcBef>
+                  <a:spcAft>
+                    <a:spcPct val="0"/>
+                  </a:spcAft>
+                  <a:defRPr>
+                    <a:solidFill>
+                      <a:schemeClr val="tx1"/>
+                    </a:solidFill>
+                    <a:latin typeface="Arial" panose="020B0604020202020204" pitchFamily="34" charset="0"/>
+                  </a:defRPr>
+                </a:lvl7pPr>
+                <a:lvl8pPr eaLnBrk="0" fontAlgn="base" hangingPunct="0">
+                  <a:spcBef>
+                    <a:spcPct val="0"/>
+                  </a:spcBef>
+                  <a:spcAft>
+                    <a:spcPct val="0"/>
+                  </a:spcAft>
+                  <a:defRPr>
+                    <a:solidFill>
+                      <a:schemeClr val="tx1"/>
+                    </a:solidFill>
+                    <a:latin typeface="Arial" panose="020B0604020202020204" pitchFamily="34" charset="0"/>
+                  </a:defRPr>
+                </a:lvl8pPr>
+                <a:lvl9pPr eaLnBrk="0" fontAlgn="base" hangingPunct="0">
+                  <a:spcBef>
+                    <a:spcPct val="0"/>
+                  </a:spcBef>
+                  <a:spcAft>
+                    <a:spcPct val="0"/>
+                  </a:spcAft>
+                  <a:defRPr>
+                    <a:solidFill>
+                      <a:schemeClr val="tx1"/>
+                    </a:solidFill>
+                    <a:latin typeface="Arial" panose="020B0604020202020204" pitchFamily="34" charset="0"/>
+                  </a:defRPr>
+                </a:lvl9pPr>
+              </a:lstStyle>
+              <a:p>
+                <a:pPr marL="0" marR="0" lvl="0" indent="0" algn="l" defTabSz="914400" rtl="0" eaLnBrk="0" fontAlgn="base" latinLnBrk="0" hangingPunct="0">
+                  <a:lnSpc>
+                    <a:spcPct val="100000"/>
+                  </a:lnSpc>
+                  <a:spcBef>
+                    <a:spcPct val="0"/>
+                  </a:spcBef>
+                  <a:spcAft>
+                    <a:spcPct val="0"/>
+                  </a:spcAft>
+                  <a:buClrTx/>
+                  <a:buSzTx/>
+                  <a:buFontTx/>
+                  <a:buNone/>
+                  <a:tabLst/>
+                </a:pPr>
+                <a:r>
+                  <a:rPr kumimoji="0" lang="en-US" altLang="en-US" sz="1100" b="0" i="0" u="none" strike="noStrike" cap="none" normalizeH="0" baseline="0" dirty="0">
+                    <a:ln>
+                      <a:noFill/>
+                    </a:ln>
+                    <a:solidFill>
+                      <a:srgbClr val="292929"/>
+                    </a:solidFill>
+                    <a:effectLst/>
+                    <a:latin typeface="Menlo"/>
+                  </a:rPr>
+                  <a:t>@</a:t>
+                </a:r>
+                <a:r>
+                  <a:rPr kumimoji="0" lang="en-US" altLang="en-US" sz="1100" b="0" i="0" u="none" strike="noStrike" cap="none" normalizeH="0" baseline="0" dirty="0" err="1">
+                    <a:ln>
+                      <a:noFill/>
+                    </a:ln>
+                    <a:solidFill>
+                      <a:srgbClr val="292929"/>
+                    </a:solidFill>
+                    <a:effectLst/>
+                    <a:latin typeface="Menlo"/>
+                  </a:rPr>
+                  <a:t>EnableEurekaClient</a:t>
+                </a:r>
+                <a:r>
+                  <a:rPr kumimoji="0" lang="en-US" altLang="en-US" sz="1500" b="0" i="0" u="none" strike="noStrike" cap="none" normalizeH="0" baseline="0" dirty="0">
+                    <a:ln>
+                      <a:noFill/>
+                    </a:ln>
+                    <a:solidFill>
+                      <a:srgbClr val="292929"/>
+                    </a:solidFill>
+                    <a:effectLst/>
+                    <a:latin typeface="charter"/>
+                  </a:rPr>
+                  <a:t> </a:t>
+                </a:r>
+                <a:r>
+                  <a:rPr kumimoji="0" lang="en-US" altLang="en-US" sz="900" b="0" i="0" u="none" strike="noStrike" cap="none" normalizeH="0" baseline="0" dirty="0">
+                    <a:ln>
+                      <a:noFill/>
+                    </a:ln>
+                    <a:solidFill>
+                      <a:schemeClr val="tx1"/>
+                    </a:solidFill>
+                    <a:effectLst/>
+                  </a:rPr>
+                  <a:t> </a:t>
+                </a:r>
+                <a:endParaRPr kumimoji="0" lang="en-US" altLang="en-US" sz="1800" b="0" i="0" u="none" strike="noStrike" cap="none" normalizeH="0" baseline="0" dirty="0">
+                  <a:ln>
+                    <a:noFill/>
+                  </a:ln>
+                  <a:solidFill>
+                    <a:schemeClr val="tx1"/>
+                  </a:solidFill>
+                  <a:effectLst/>
+                  <a:latin typeface="Arial" panose="020B0604020202020204" pitchFamily="34" charset="0"/>
+                </a:endParaRPr>
+              </a:p>
+            </p:txBody>
+          </p:sp>
+          <p:sp>
+            <p:nvSpPr>
+              <p:cNvPr id="10" name="Rectangle 1">
+                <a:extLst>
+                  <a:ext uri="{FF2B5EF4-FFF2-40B4-BE49-F238E27FC236}">
+                    <a16:creationId xmlns:a16="http://schemas.microsoft.com/office/drawing/2014/main" xmlns="" id="{4A5862E7-0045-43EA-8731-76AF0AFFEB2B}"/>
+                  </a:ext>
+                </a:extLst>
+              </p:cNvPr>
+              <p:cNvSpPr>
+                <a:spLocks noChangeArrowheads="1"/>
+              </p:cNvSpPr>
+              <p:nvPr/>
+            </p:nvSpPr>
+            <p:spPr bwMode="auto">
+              <a:xfrm>
+                <a:off x="1468579" y="3472706"/>
+                <a:ext cx="3001319" cy="261610"/>
+              </a:xfrm>
+              <a:prstGeom prst="rect">
+                <a:avLst/>
+              </a:prstGeom>
+              <a:solidFill>
+                <a:srgbClr val="F2F2F2"/>
+              </a:solidFill>
+              <a:ln>
+                <a:noFill/>
+              </a:ln>
+              <a:effectLst/>
+              <a:extLst>
+                <a:ext uri="{91240B29-F687-4F45-9708-019B960494DF}">
+                  <a14:hiddenLine xmlns:a14="http://schemas.microsoft.com/office/drawing/2010/main" w="9525">
+                    <a:solidFill>
+                      <a:schemeClr val="tx1"/>
+                    </a:solidFill>
+                    <a:miter lim="800000"/>
+                    <a:headEnd/>
+                    <a:tailEnd/>
+                  </a14:hiddenLine>
+                </a:ext>
+                <a:ext uri="{AF507438-7753-43E0-B8FC-AC1667EBCBE1}">
+                  <a14:hiddenEffects xmlns:a14="http://schemas.microsoft.com/office/drawing/2010/main">
+                    <a:effectLst>
+                      <a:outerShdw dist="35921" dir="2700000" algn="ctr" rotWithShape="0">
+                        <a:schemeClr val="bg2"/>
+                      </a:outerShdw>
+                    </a:effectLst>
+                  </a14:hiddenEffects>
+                </a:ext>
+              </a:extLst>
+            </p:spPr>
+            <p:txBody>
+              <a:bodyPr vert="horz" wrap="square" lIns="91440" tIns="45720" rIns="91440" bIns="45720" numCol="1" anchor="ctr" anchorCtr="0" compatLnSpc="1">
+                <a:prstTxWarp prst="textNoShape">
+                  <a:avLst/>
+                </a:prstTxWarp>
+                <a:spAutoFit/>
+              </a:bodyPr>
+              <a:lstStyle>
+                <a:lvl1pPr eaLnBrk="0" fontAlgn="base" hangingPunct="0">
+                  <a:spcBef>
+                    <a:spcPct val="0"/>
+                  </a:spcBef>
+                  <a:spcAft>
+                    <a:spcPct val="0"/>
+                  </a:spcAft>
+                  <a:defRPr>
+                    <a:solidFill>
+                      <a:schemeClr val="tx1"/>
+                    </a:solidFill>
+                    <a:latin typeface="Arial" panose="020B0604020202020204" pitchFamily="34" charset="0"/>
+                  </a:defRPr>
+                </a:lvl1pPr>
+                <a:lvl2pPr eaLnBrk="0" fontAlgn="base" hangingPunct="0">
+                  <a:spcBef>
+                    <a:spcPct val="0"/>
+                  </a:spcBef>
+                  <a:spcAft>
+                    <a:spcPct val="0"/>
+                  </a:spcAft>
+                  <a:defRPr>
+                    <a:solidFill>
+                      <a:schemeClr val="tx1"/>
+                    </a:solidFill>
+                    <a:latin typeface="Arial" panose="020B0604020202020204" pitchFamily="34" charset="0"/>
+                  </a:defRPr>
+                </a:lvl2pPr>
+                <a:lvl3pPr eaLnBrk="0" fontAlgn="base" hangingPunct="0">
+                  <a:spcBef>
+                    <a:spcPct val="0"/>
+                  </a:spcBef>
+                  <a:spcAft>
+                    <a:spcPct val="0"/>
+                  </a:spcAft>
+                  <a:defRPr>
+                    <a:solidFill>
+                      <a:schemeClr val="tx1"/>
+                    </a:solidFill>
+                    <a:latin typeface="Arial" panose="020B0604020202020204" pitchFamily="34" charset="0"/>
+                  </a:defRPr>
+                </a:lvl3pPr>
+                <a:lvl4pPr eaLnBrk="0" fontAlgn="base" hangingPunct="0">
+                  <a:spcBef>
+                    <a:spcPct val="0"/>
+                  </a:spcBef>
+                  <a:spcAft>
+                    <a:spcPct val="0"/>
+                  </a:spcAft>
+                  <a:defRPr>
+                    <a:solidFill>
+                      <a:schemeClr val="tx1"/>
+                    </a:solidFill>
+                    <a:latin typeface="Arial" panose="020B0604020202020204" pitchFamily="34" charset="0"/>
+                  </a:defRPr>
+                </a:lvl4pPr>
+                <a:lvl5pPr eaLnBrk="0" fontAlgn="base" hangingPunct="0">
+                  <a:spcBef>
+                    <a:spcPct val="0"/>
+                  </a:spcBef>
+                  <a:spcAft>
+                    <a:spcPct val="0"/>
+                  </a:spcAft>
+                  <a:defRPr>
+                    <a:solidFill>
+                      <a:schemeClr val="tx1"/>
+                    </a:solidFill>
+                    <a:latin typeface="Arial" panose="020B0604020202020204" pitchFamily="34" charset="0"/>
+                  </a:defRPr>
+                </a:lvl5pPr>
+                <a:lvl6pPr eaLnBrk="0" fontAlgn="base" hangingPunct="0">
+                  <a:spcBef>
+                    <a:spcPct val="0"/>
+                  </a:spcBef>
+                  <a:spcAft>
+                    <a:spcPct val="0"/>
+                  </a:spcAft>
+                  <a:defRPr>
+                    <a:solidFill>
+                      <a:schemeClr val="tx1"/>
+                    </a:solidFill>
+                    <a:latin typeface="Arial" panose="020B0604020202020204" pitchFamily="34" charset="0"/>
+                  </a:defRPr>
+                </a:lvl6pPr>
+                <a:lvl7pPr eaLnBrk="0" fontAlgn="base" hangingPunct="0">
+                  <a:spcBef>
+                    <a:spcPct val="0"/>
+                  </a:spcBef>
+                  <a:spcAft>
+                    <a:spcPct val="0"/>
+                  </a:spcAft>
+                  <a:defRPr>
+                    <a:solidFill>
+                      <a:schemeClr val="tx1"/>
+                    </a:solidFill>
+                    <a:latin typeface="Arial" panose="020B0604020202020204" pitchFamily="34" charset="0"/>
+                  </a:defRPr>
+                </a:lvl7pPr>
+                <a:lvl8pPr eaLnBrk="0" fontAlgn="base" hangingPunct="0">
+                  <a:spcBef>
+                    <a:spcPct val="0"/>
+                  </a:spcBef>
+                  <a:spcAft>
+                    <a:spcPct val="0"/>
+                  </a:spcAft>
+                  <a:defRPr>
+                    <a:solidFill>
+                      <a:schemeClr val="tx1"/>
+                    </a:solidFill>
+                    <a:latin typeface="Arial" panose="020B0604020202020204" pitchFamily="34" charset="0"/>
+                  </a:defRPr>
+                </a:lvl8pPr>
+                <a:lvl9pPr eaLnBrk="0" fontAlgn="base" hangingPunct="0">
+                  <a:spcBef>
+                    <a:spcPct val="0"/>
+                  </a:spcBef>
+                  <a:spcAft>
+                    <a:spcPct val="0"/>
+                  </a:spcAft>
+                  <a:defRPr>
+                    <a:solidFill>
+                      <a:schemeClr val="tx1"/>
+                    </a:solidFill>
+                    <a:latin typeface="Arial" panose="020B0604020202020204" pitchFamily="34" charset="0"/>
+                  </a:defRPr>
+                </a:lvl9pPr>
+              </a:lstStyle>
+              <a:p>
+                <a:pPr marL="0" marR="0" lvl="0" indent="0" algn="l" defTabSz="914400" rtl="0" eaLnBrk="0" fontAlgn="base" latinLnBrk="0" hangingPunct="0">
+                  <a:lnSpc>
+                    <a:spcPct val="100000"/>
+                  </a:lnSpc>
+                  <a:spcBef>
+                    <a:spcPct val="0"/>
+                  </a:spcBef>
+                  <a:spcAft>
+                    <a:spcPct val="0"/>
+                  </a:spcAft>
+                  <a:buClrTx/>
+                  <a:buSzTx/>
+                  <a:buFontTx/>
+                  <a:buNone/>
+                  <a:tabLst/>
+                </a:pPr>
+                <a:r>
+                  <a:rPr lang="en-IN" sz="1100" b="0" i="0" dirty="0">
+                    <a:solidFill>
+                      <a:srgbClr val="24292F"/>
+                    </a:solidFill>
+                    <a:effectLst/>
+                    <a:latin typeface="ui-monospace"/>
+                  </a:rPr>
+                  <a:t>spring-cloud-starter-</a:t>
+                </a:r>
+                <a:r>
+                  <a:rPr lang="en-IN" sz="1100" b="0" i="0" dirty="0" err="1">
+                    <a:solidFill>
+                      <a:srgbClr val="24292F"/>
+                    </a:solidFill>
+                    <a:effectLst/>
+                    <a:latin typeface="ui-monospace"/>
+                  </a:rPr>
+                  <a:t>netflix</a:t>
+                </a:r>
+                <a:r>
+                  <a:rPr lang="en-IN" sz="1100" b="0" i="0" dirty="0">
+                    <a:solidFill>
+                      <a:srgbClr val="24292F"/>
+                    </a:solidFill>
+                    <a:effectLst/>
+                    <a:latin typeface="ui-monospace"/>
+                  </a:rPr>
+                  <a:t>-eureka-client</a:t>
+                </a:r>
+                <a:endParaRPr kumimoji="0" lang="en-US" altLang="en-US" sz="1800" b="0" i="0" u="none" strike="noStrike" cap="none" normalizeH="0" baseline="0" dirty="0">
+                  <a:ln>
+                    <a:noFill/>
+                  </a:ln>
+                  <a:solidFill>
+                    <a:schemeClr val="tx1"/>
+                  </a:solidFill>
+                  <a:effectLst/>
+                  <a:latin typeface="Arial" panose="020B0604020202020204" pitchFamily="34" charset="0"/>
+                </a:endParaRPr>
+              </a:p>
+            </p:txBody>
+          </p:sp>
+        </p:grpSp>
+        <p:sp>
+          <p:nvSpPr>
+            <p:cNvPr id="7" name="TextBox 6">
+              <a:extLst>
+                <a:ext uri="{FF2B5EF4-FFF2-40B4-BE49-F238E27FC236}">
+                  <a16:creationId xmlns:a16="http://schemas.microsoft.com/office/drawing/2014/main" xmlns="" id="{C91224FA-ADA9-4075-AE2B-E0C6E149E540}"/>
+                </a:ext>
+              </a:extLst>
+            </p:cNvPr>
+            <p:cNvSpPr txBox="1"/>
+            <p:nvPr/>
+          </p:nvSpPr>
+          <p:spPr>
+            <a:xfrm>
+              <a:off x="620497" y="1579470"/>
+              <a:ext cx="1745604" cy="261610"/>
+            </a:xfrm>
+            <a:prstGeom prst="rect">
+              <a:avLst/>
+            </a:prstGeom>
+            <a:solidFill>
+              <a:srgbClr val="FFFF00"/>
+            </a:solidFill>
+          </p:spPr>
+          <p:txBody>
+            <a:bodyPr wrap="square">
+              <a:spAutoFit/>
+            </a:bodyPr>
+            <a:lstStyle/>
+            <a:p>
+              <a:r>
+                <a:rPr lang="en-US" sz="1100" dirty="0" err="1"/>
+                <a:t>s</a:t>
+              </a:r>
+              <a:r>
+                <a:rPr lang="en-US" sz="1100" dirty="0" err="1" smtClean="0"/>
+                <a:t>pring.cloug.starter.config</a:t>
+              </a:r>
+              <a:endParaRPr lang="en-US" sz="1100" dirty="0"/>
+            </a:p>
+          </p:txBody>
+        </p:sp>
+      </p:grpSp>
+      <p:sp>
+        <p:nvSpPr>
+          <p:cNvPr id="11" name="5-Point Star 10"/>
+          <p:cNvSpPr/>
+          <p:nvPr/>
+        </p:nvSpPr>
+        <p:spPr>
+          <a:xfrm>
+            <a:off x="9490364" y="1786673"/>
+            <a:ext cx="2452255" cy="1274619"/>
+          </a:xfrm>
+          <a:prstGeom prst="star5">
+            <a:avLst/>
+          </a:prstGeom>
+        </p:spPr>
+        <p:style>
+          <a:lnRef idx="2">
+            <a:schemeClr val="accent1">
+              <a:shade val="50000"/>
+            </a:schemeClr>
+          </a:lnRef>
+          <a:fillRef idx="1">
+            <a:schemeClr val="accent1"/>
+          </a:fillRef>
+          <a:effectRef idx="0">
+            <a:schemeClr val="accent1"/>
+          </a:effectRef>
+          <a:fontRef idx="minor">
+            <a:schemeClr val="lt1"/>
+          </a:fontRef>
+        </p:style>
+        <p:txBody>
+          <a:bodyPr rtlCol="0" anchor="ctr"/>
+          <a:lstStyle/>
+          <a:p>
+            <a:pPr algn="ctr"/>
+            <a:r>
+              <a:rPr lang="en-US" dirty="0" smtClean="0"/>
+              <a:t>LOGS</a:t>
+            </a:r>
+            <a:endParaRPr lang="en-US" dirty="0"/>
+          </a:p>
+        </p:txBody>
+      </p:sp>
+      <p:grpSp>
+        <p:nvGrpSpPr>
+          <p:cNvPr id="12" name="Group 11"/>
+          <p:cNvGrpSpPr/>
+          <p:nvPr/>
+        </p:nvGrpSpPr>
+        <p:grpSpPr>
+          <a:xfrm>
+            <a:off x="7281918" y="4004844"/>
+            <a:ext cx="4660701" cy="1812690"/>
+            <a:chOff x="620497" y="555339"/>
+            <a:chExt cx="4660701" cy="1812690"/>
+          </a:xfrm>
+        </p:grpSpPr>
+        <p:grpSp>
+          <p:nvGrpSpPr>
+            <p:cNvPr id="13" name="Group 12"/>
+            <p:cNvGrpSpPr/>
+            <p:nvPr/>
+          </p:nvGrpSpPr>
+          <p:grpSpPr>
+            <a:xfrm>
+              <a:off x="1365481" y="555339"/>
+              <a:ext cx="3915717" cy="1812690"/>
+              <a:chOff x="1011381" y="2409115"/>
+              <a:chExt cx="3915717" cy="1338950"/>
+            </a:xfrm>
+          </p:grpSpPr>
+          <p:sp>
+            <p:nvSpPr>
+              <p:cNvPr id="15" name="Rectangle: Rounded Corners 1">
+                <a:extLst>
+                  <a:ext uri="{FF2B5EF4-FFF2-40B4-BE49-F238E27FC236}">
+                    <a16:creationId xmlns:a16="http://schemas.microsoft.com/office/drawing/2014/main" xmlns="" id="{229043B8-923C-4A63-923B-ED47AB6F3179}"/>
+                  </a:ext>
+                </a:extLst>
+              </p:cNvPr>
+              <p:cNvSpPr/>
+              <p:nvPr/>
+            </p:nvSpPr>
+            <p:spPr>
+              <a:xfrm>
+                <a:off x="1011381" y="2409115"/>
+                <a:ext cx="3915717" cy="1338950"/>
+              </a:xfrm>
+              <a:prstGeom prst="roundRect">
+                <a:avLst/>
+              </a:prstGeom>
+              <a:solidFill>
+                <a:schemeClr val="accent1">
+                  <a:lumMod val="75000"/>
+                </a:schemeClr>
+              </a:solidFill>
+            </p:spPr>
+            <p:style>
+              <a:lnRef idx="2">
+                <a:schemeClr val="accent1">
+                  <a:shade val="50000"/>
+                </a:schemeClr>
+              </a:lnRef>
+              <a:fillRef idx="1">
+                <a:schemeClr val="accent1"/>
+              </a:fillRef>
+              <a:effectRef idx="0">
+                <a:schemeClr val="accent1"/>
+              </a:effectRef>
+              <a:fontRef idx="minor">
+                <a:schemeClr val="lt1"/>
+              </a:fontRef>
+            </p:style>
+            <p:txBody>
+              <a:bodyPr rtlCol="0" anchor="ctr"/>
+              <a:lstStyle/>
+              <a:p>
+                <a:pPr algn="ctr"/>
+                <a:r>
+                  <a:rPr lang="en-IN" sz="1800" dirty="0" smtClean="0">
+                    <a:solidFill>
+                      <a:srgbClr val="000000"/>
+                    </a:solidFill>
+                    <a:latin typeface="Consolas" panose="020B0609020204030204" pitchFamily="49" charset="0"/>
+                  </a:rPr>
+                  <a:t>bmt.booking-service01.com</a:t>
+                </a:r>
+                <a:endParaRPr lang="en-IN" dirty="0"/>
+              </a:p>
+            </p:txBody>
+          </p:sp>
+          <p:sp>
+            <p:nvSpPr>
+              <p:cNvPr id="16" name="Rectangle 1">
+                <a:extLst>
+                  <a:ext uri="{FF2B5EF4-FFF2-40B4-BE49-F238E27FC236}">
+                    <a16:creationId xmlns:a16="http://schemas.microsoft.com/office/drawing/2014/main" xmlns="" id="{FFE5BAF0-90A9-481D-AAC3-4466B273C9B9}"/>
+                  </a:ext>
+                </a:extLst>
+              </p:cNvPr>
+              <p:cNvSpPr>
+                <a:spLocks noChangeArrowheads="1"/>
+              </p:cNvSpPr>
+              <p:nvPr/>
+            </p:nvSpPr>
+            <p:spPr bwMode="auto">
+              <a:xfrm>
+                <a:off x="3252802" y="2449768"/>
+                <a:ext cx="1674296" cy="238707"/>
+              </a:xfrm>
+              <a:prstGeom prst="rect">
+                <a:avLst/>
+              </a:prstGeom>
+              <a:solidFill>
+                <a:srgbClr val="F2F2F2"/>
+              </a:solidFill>
+              <a:ln>
+                <a:noFill/>
+              </a:ln>
+              <a:effectLst/>
+              <a:extLst>
+                <a:ext uri="{91240B29-F687-4F45-9708-019B960494DF}">
+                  <a14:hiddenLine xmlns:a14="http://schemas.microsoft.com/office/drawing/2010/main" w="9525">
+                    <a:solidFill>
+                      <a:schemeClr val="tx1"/>
+                    </a:solidFill>
+                    <a:miter lim="800000"/>
+                    <a:headEnd/>
+                    <a:tailEnd/>
+                  </a14:hiddenLine>
+                </a:ext>
+                <a:ext uri="{AF507438-7753-43E0-B8FC-AC1667EBCBE1}">
+                  <a14:hiddenEffects xmlns:a14="http://schemas.microsoft.com/office/drawing/2010/main">
+                    <a:effectLst>
+                      <a:outerShdw dist="35921" dir="2700000" algn="ctr" rotWithShape="0">
+                        <a:schemeClr val="bg2"/>
+                      </a:outerShdw>
+                    </a:effectLst>
+                  </a14:hiddenEffects>
+                </a:ext>
+              </a:extLst>
+            </p:spPr>
+            <p:txBody>
+              <a:bodyPr vert="horz" wrap="square" lIns="91440" tIns="45720" rIns="91440" bIns="45720" numCol="1" anchor="ctr" anchorCtr="0" compatLnSpc="1">
+                <a:prstTxWarp prst="textNoShape">
+                  <a:avLst/>
+                </a:prstTxWarp>
+                <a:spAutoFit/>
+              </a:bodyPr>
+              <a:lstStyle>
+                <a:lvl1pPr eaLnBrk="0" fontAlgn="base" hangingPunct="0">
+                  <a:spcBef>
+                    <a:spcPct val="0"/>
+                  </a:spcBef>
+                  <a:spcAft>
+                    <a:spcPct val="0"/>
+                  </a:spcAft>
+                  <a:defRPr>
+                    <a:solidFill>
+                      <a:schemeClr val="tx1"/>
+                    </a:solidFill>
+                    <a:latin typeface="Arial" panose="020B0604020202020204" pitchFamily="34" charset="0"/>
+                  </a:defRPr>
+                </a:lvl1pPr>
+                <a:lvl2pPr eaLnBrk="0" fontAlgn="base" hangingPunct="0">
+                  <a:spcBef>
+                    <a:spcPct val="0"/>
+                  </a:spcBef>
+                  <a:spcAft>
+                    <a:spcPct val="0"/>
+                  </a:spcAft>
+                  <a:defRPr>
+                    <a:solidFill>
+                      <a:schemeClr val="tx1"/>
+                    </a:solidFill>
+                    <a:latin typeface="Arial" panose="020B0604020202020204" pitchFamily="34" charset="0"/>
+                  </a:defRPr>
+                </a:lvl2pPr>
+                <a:lvl3pPr eaLnBrk="0" fontAlgn="base" hangingPunct="0">
+                  <a:spcBef>
+                    <a:spcPct val="0"/>
+                  </a:spcBef>
+                  <a:spcAft>
+                    <a:spcPct val="0"/>
+                  </a:spcAft>
+                  <a:defRPr>
+                    <a:solidFill>
+                      <a:schemeClr val="tx1"/>
+                    </a:solidFill>
+                    <a:latin typeface="Arial" panose="020B0604020202020204" pitchFamily="34" charset="0"/>
+                  </a:defRPr>
+                </a:lvl3pPr>
+                <a:lvl4pPr eaLnBrk="0" fontAlgn="base" hangingPunct="0">
+                  <a:spcBef>
+                    <a:spcPct val="0"/>
+                  </a:spcBef>
+                  <a:spcAft>
+                    <a:spcPct val="0"/>
+                  </a:spcAft>
+                  <a:defRPr>
+                    <a:solidFill>
+                      <a:schemeClr val="tx1"/>
+                    </a:solidFill>
+                    <a:latin typeface="Arial" panose="020B0604020202020204" pitchFamily="34" charset="0"/>
+                  </a:defRPr>
+                </a:lvl4pPr>
+                <a:lvl5pPr eaLnBrk="0" fontAlgn="base" hangingPunct="0">
+                  <a:spcBef>
+                    <a:spcPct val="0"/>
+                  </a:spcBef>
+                  <a:spcAft>
+                    <a:spcPct val="0"/>
+                  </a:spcAft>
+                  <a:defRPr>
+                    <a:solidFill>
+                      <a:schemeClr val="tx1"/>
+                    </a:solidFill>
+                    <a:latin typeface="Arial" panose="020B0604020202020204" pitchFamily="34" charset="0"/>
+                  </a:defRPr>
+                </a:lvl5pPr>
+                <a:lvl6pPr eaLnBrk="0" fontAlgn="base" hangingPunct="0">
+                  <a:spcBef>
+                    <a:spcPct val="0"/>
+                  </a:spcBef>
+                  <a:spcAft>
+                    <a:spcPct val="0"/>
+                  </a:spcAft>
+                  <a:defRPr>
+                    <a:solidFill>
+                      <a:schemeClr val="tx1"/>
+                    </a:solidFill>
+                    <a:latin typeface="Arial" panose="020B0604020202020204" pitchFamily="34" charset="0"/>
+                  </a:defRPr>
+                </a:lvl6pPr>
+                <a:lvl7pPr eaLnBrk="0" fontAlgn="base" hangingPunct="0">
+                  <a:spcBef>
+                    <a:spcPct val="0"/>
+                  </a:spcBef>
+                  <a:spcAft>
+                    <a:spcPct val="0"/>
+                  </a:spcAft>
+                  <a:defRPr>
+                    <a:solidFill>
+                      <a:schemeClr val="tx1"/>
+                    </a:solidFill>
+                    <a:latin typeface="Arial" panose="020B0604020202020204" pitchFamily="34" charset="0"/>
+                  </a:defRPr>
+                </a:lvl7pPr>
+                <a:lvl8pPr eaLnBrk="0" fontAlgn="base" hangingPunct="0">
+                  <a:spcBef>
+                    <a:spcPct val="0"/>
+                  </a:spcBef>
+                  <a:spcAft>
+                    <a:spcPct val="0"/>
+                  </a:spcAft>
+                  <a:defRPr>
+                    <a:solidFill>
+                      <a:schemeClr val="tx1"/>
+                    </a:solidFill>
+                    <a:latin typeface="Arial" panose="020B0604020202020204" pitchFamily="34" charset="0"/>
+                  </a:defRPr>
+                </a:lvl8pPr>
+                <a:lvl9pPr eaLnBrk="0" fontAlgn="base" hangingPunct="0">
+                  <a:spcBef>
+                    <a:spcPct val="0"/>
+                  </a:spcBef>
+                  <a:spcAft>
+                    <a:spcPct val="0"/>
+                  </a:spcAft>
+                  <a:defRPr>
+                    <a:solidFill>
+                      <a:schemeClr val="tx1"/>
+                    </a:solidFill>
+                    <a:latin typeface="Arial" panose="020B0604020202020204" pitchFamily="34" charset="0"/>
+                  </a:defRPr>
+                </a:lvl9pPr>
+              </a:lstStyle>
+              <a:p>
+                <a:pPr marL="0" marR="0" lvl="0" indent="0" algn="l" defTabSz="914400" rtl="0" eaLnBrk="0" fontAlgn="base" latinLnBrk="0" hangingPunct="0">
+                  <a:lnSpc>
+                    <a:spcPct val="100000"/>
+                  </a:lnSpc>
+                  <a:spcBef>
+                    <a:spcPct val="0"/>
+                  </a:spcBef>
+                  <a:spcAft>
+                    <a:spcPct val="0"/>
+                  </a:spcAft>
+                  <a:buClrTx/>
+                  <a:buSzTx/>
+                  <a:buFontTx/>
+                  <a:buNone/>
+                  <a:tabLst/>
+                </a:pPr>
+                <a:r>
+                  <a:rPr kumimoji="0" lang="en-US" altLang="en-US" sz="1100" b="0" i="0" u="none" strike="noStrike" cap="none" normalizeH="0" baseline="0" dirty="0">
+                    <a:ln>
+                      <a:noFill/>
+                    </a:ln>
+                    <a:solidFill>
+                      <a:srgbClr val="292929"/>
+                    </a:solidFill>
+                    <a:effectLst/>
+                    <a:latin typeface="Menlo"/>
+                  </a:rPr>
+                  <a:t>@</a:t>
+                </a:r>
+                <a:r>
+                  <a:rPr kumimoji="0" lang="en-US" altLang="en-US" sz="1100" b="0" i="0" u="none" strike="noStrike" cap="none" normalizeH="0" baseline="0" dirty="0" err="1">
+                    <a:ln>
+                      <a:noFill/>
+                    </a:ln>
+                    <a:solidFill>
+                      <a:srgbClr val="292929"/>
+                    </a:solidFill>
+                    <a:effectLst/>
+                    <a:latin typeface="Menlo"/>
+                  </a:rPr>
+                  <a:t>EnableEurekaClient</a:t>
+                </a:r>
+                <a:r>
+                  <a:rPr kumimoji="0" lang="en-US" altLang="en-US" sz="1500" b="0" i="0" u="none" strike="noStrike" cap="none" normalizeH="0" baseline="0" dirty="0">
+                    <a:ln>
+                      <a:noFill/>
+                    </a:ln>
+                    <a:solidFill>
+                      <a:srgbClr val="292929"/>
+                    </a:solidFill>
+                    <a:effectLst/>
+                    <a:latin typeface="charter"/>
+                  </a:rPr>
+                  <a:t> </a:t>
+                </a:r>
+                <a:r>
+                  <a:rPr kumimoji="0" lang="en-US" altLang="en-US" sz="900" b="0" i="0" u="none" strike="noStrike" cap="none" normalizeH="0" baseline="0" dirty="0">
+                    <a:ln>
+                      <a:noFill/>
+                    </a:ln>
+                    <a:solidFill>
+                      <a:schemeClr val="tx1"/>
+                    </a:solidFill>
+                    <a:effectLst/>
+                  </a:rPr>
+                  <a:t> </a:t>
+                </a:r>
+                <a:endParaRPr kumimoji="0" lang="en-US" altLang="en-US" sz="1800" b="0" i="0" u="none" strike="noStrike" cap="none" normalizeH="0" baseline="0" dirty="0">
+                  <a:ln>
+                    <a:noFill/>
+                  </a:ln>
+                  <a:solidFill>
+                    <a:schemeClr val="tx1"/>
+                  </a:solidFill>
+                  <a:effectLst/>
+                  <a:latin typeface="Arial" panose="020B0604020202020204" pitchFamily="34" charset="0"/>
+                </a:endParaRPr>
+              </a:p>
+            </p:txBody>
+          </p:sp>
+          <p:sp>
+            <p:nvSpPr>
+              <p:cNvPr id="17" name="Rectangle 1">
+                <a:extLst>
+                  <a:ext uri="{FF2B5EF4-FFF2-40B4-BE49-F238E27FC236}">
+                    <a16:creationId xmlns:a16="http://schemas.microsoft.com/office/drawing/2014/main" xmlns="" id="{4A5862E7-0045-43EA-8731-76AF0AFFEB2B}"/>
+                  </a:ext>
+                </a:extLst>
+              </p:cNvPr>
+              <p:cNvSpPr>
+                <a:spLocks noChangeArrowheads="1"/>
+              </p:cNvSpPr>
+              <p:nvPr/>
+            </p:nvSpPr>
+            <p:spPr bwMode="auto">
+              <a:xfrm>
+                <a:off x="1468579" y="3472706"/>
+                <a:ext cx="3001319" cy="261610"/>
+              </a:xfrm>
+              <a:prstGeom prst="rect">
+                <a:avLst/>
+              </a:prstGeom>
+              <a:solidFill>
+                <a:srgbClr val="F2F2F2"/>
+              </a:solidFill>
+              <a:ln>
+                <a:noFill/>
+              </a:ln>
+              <a:effectLst/>
+              <a:extLst>
+                <a:ext uri="{91240B29-F687-4F45-9708-019B960494DF}">
+                  <a14:hiddenLine xmlns:a14="http://schemas.microsoft.com/office/drawing/2010/main" w="9525">
+                    <a:solidFill>
+                      <a:schemeClr val="tx1"/>
+                    </a:solidFill>
+                    <a:miter lim="800000"/>
+                    <a:headEnd/>
+                    <a:tailEnd/>
+                  </a14:hiddenLine>
+                </a:ext>
+                <a:ext uri="{AF507438-7753-43E0-B8FC-AC1667EBCBE1}">
+                  <a14:hiddenEffects xmlns:a14="http://schemas.microsoft.com/office/drawing/2010/main">
+                    <a:effectLst>
+                      <a:outerShdw dist="35921" dir="2700000" algn="ctr" rotWithShape="0">
+                        <a:schemeClr val="bg2"/>
+                      </a:outerShdw>
+                    </a:effectLst>
+                  </a14:hiddenEffects>
+                </a:ext>
+              </a:extLst>
+            </p:spPr>
+            <p:txBody>
+              <a:bodyPr vert="horz" wrap="square" lIns="91440" tIns="45720" rIns="91440" bIns="45720" numCol="1" anchor="ctr" anchorCtr="0" compatLnSpc="1">
+                <a:prstTxWarp prst="textNoShape">
+                  <a:avLst/>
+                </a:prstTxWarp>
+                <a:spAutoFit/>
+              </a:bodyPr>
+              <a:lstStyle>
+                <a:lvl1pPr eaLnBrk="0" fontAlgn="base" hangingPunct="0">
+                  <a:spcBef>
+                    <a:spcPct val="0"/>
+                  </a:spcBef>
+                  <a:spcAft>
+                    <a:spcPct val="0"/>
+                  </a:spcAft>
+                  <a:defRPr>
+                    <a:solidFill>
+                      <a:schemeClr val="tx1"/>
+                    </a:solidFill>
+                    <a:latin typeface="Arial" panose="020B0604020202020204" pitchFamily="34" charset="0"/>
+                  </a:defRPr>
+                </a:lvl1pPr>
+                <a:lvl2pPr eaLnBrk="0" fontAlgn="base" hangingPunct="0">
+                  <a:spcBef>
+                    <a:spcPct val="0"/>
+                  </a:spcBef>
+                  <a:spcAft>
+                    <a:spcPct val="0"/>
+                  </a:spcAft>
+                  <a:defRPr>
+                    <a:solidFill>
+                      <a:schemeClr val="tx1"/>
+                    </a:solidFill>
+                    <a:latin typeface="Arial" panose="020B0604020202020204" pitchFamily="34" charset="0"/>
+                  </a:defRPr>
+                </a:lvl2pPr>
+                <a:lvl3pPr eaLnBrk="0" fontAlgn="base" hangingPunct="0">
+                  <a:spcBef>
+                    <a:spcPct val="0"/>
+                  </a:spcBef>
+                  <a:spcAft>
+                    <a:spcPct val="0"/>
+                  </a:spcAft>
+                  <a:defRPr>
+                    <a:solidFill>
+                      <a:schemeClr val="tx1"/>
+                    </a:solidFill>
+                    <a:latin typeface="Arial" panose="020B0604020202020204" pitchFamily="34" charset="0"/>
+                  </a:defRPr>
+                </a:lvl3pPr>
+                <a:lvl4pPr eaLnBrk="0" fontAlgn="base" hangingPunct="0">
+                  <a:spcBef>
+                    <a:spcPct val="0"/>
+                  </a:spcBef>
+                  <a:spcAft>
+                    <a:spcPct val="0"/>
+                  </a:spcAft>
+                  <a:defRPr>
+                    <a:solidFill>
+                      <a:schemeClr val="tx1"/>
+                    </a:solidFill>
+                    <a:latin typeface="Arial" panose="020B0604020202020204" pitchFamily="34" charset="0"/>
+                  </a:defRPr>
+                </a:lvl4pPr>
+                <a:lvl5pPr eaLnBrk="0" fontAlgn="base" hangingPunct="0">
+                  <a:spcBef>
+                    <a:spcPct val="0"/>
+                  </a:spcBef>
+                  <a:spcAft>
+                    <a:spcPct val="0"/>
+                  </a:spcAft>
+                  <a:defRPr>
+                    <a:solidFill>
+                      <a:schemeClr val="tx1"/>
+                    </a:solidFill>
+                    <a:latin typeface="Arial" panose="020B0604020202020204" pitchFamily="34" charset="0"/>
+                  </a:defRPr>
+                </a:lvl5pPr>
+                <a:lvl6pPr eaLnBrk="0" fontAlgn="base" hangingPunct="0">
+                  <a:spcBef>
+                    <a:spcPct val="0"/>
+                  </a:spcBef>
+                  <a:spcAft>
+                    <a:spcPct val="0"/>
+                  </a:spcAft>
+                  <a:defRPr>
+                    <a:solidFill>
+                      <a:schemeClr val="tx1"/>
+                    </a:solidFill>
+                    <a:latin typeface="Arial" panose="020B0604020202020204" pitchFamily="34" charset="0"/>
+                  </a:defRPr>
+                </a:lvl6pPr>
+                <a:lvl7pPr eaLnBrk="0" fontAlgn="base" hangingPunct="0">
+                  <a:spcBef>
+                    <a:spcPct val="0"/>
+                  </a:spcBef>
+                  <a:spcAft>
+                    <a:spcPct val="0"/>
+                  </a:spcAft>
+                  <a:defRPr>
+                    <a:solidFill>
+                      <a:schemeClr val="tx1"/>
+                    </a:solidFill>
+                    <a:latin typeface="Arial" panose="020B0604020202020204" pitchFamily="34" charset="0"/>
+                  </a:defRPr>
+                </a:lvl7pPr>
+                <a:lvl8pPr eaLnBrk="0" fontAlgn="base" hangingPunct="0">
+                  <a:spcBef>
+                    <a:spcPct val="0"/>
+                  </a:spcBef>
+                  <a:spcAft>
+                    <a:spcPct val="0"/>
+                  </a:spcAft>
+                  <a:defRPr>
+                    <a:solidFill>
+                      <a:schemeClr val="tx1"/>
+                    </a:solidFill>
+                    <a:latin typeface="Arial" panose="020B0604020202020204" pitchFamily="34" charset="0"/>
+                  </a:defRPr>
+                </a:lvl8pPr>
+                <a:lvl9pPr eaLnBrk="0" fontAlgn="base" hangingPunct="0">
+                  <a:spcBef>
+                    <a:spcPct val="0"/>
+                  </a:spcBef>
+                  <a:spcAft>
+                    <a:spcPct val="0"/>
+                  </a:spcAft>
+                  <a:defRPr>
+                    <a:solidFill>
+                      <a:schemeClr val="tx1"/>
+                    </a:solidFill>
+                    <a:latin typeface="Arial" panose="020B0604020202020204" pitchFamily="34" charset="0"/>
+                  </a:defRPr>
+                </a:lvl9pPr>
+              </a:lstStyle>
+              <a:p>
+                <a:pPr marL="0" marR="0" lvl="0" indent="0" algn="l" defTabSz="914400" rtl="0" eaLnBrk="0" fontAlgn="base" latinLnBrk="0" hangingPunct="0">
+                  <a:lnSpc>
+                    <a:spcPct val="100000"/>
+                  </a:lnSpc>
+                  <a:spcBef>
+                    <a:spcPct val="0"/>
+                  </a:spcBef>
+                  <a:spcAft>
+                    <a:spcPct val="0"/>
+                  </a:spcAft>
+                  <a:buClrTx/>
+                  <a:buSzTx/>
+                  <a:buFontTx/>
+                  <a:buNone/>
+                  <a:tabLst/>
+                </a:pPr>
+                <a:r>
+                  <a:rPr lang="en-IN" sz="1100" b="0" i="0" dirty="0">
+                    <a:solidFill>
+                      <a:srgbClr val="24292F"/>
+                    </a:solidFill>
+                    <a:effectLst/>
+                    <a:latin typeface="ui-monospace"/>
+                  </a:rPr>
+                  <a:t>spring-cloud-starter-</a:t>
+                </a:r>
+                <a:r>
+                  <a:rPr lang="en-IN" sz="1100" b="0" i="0" dirty="0" err="1">
+                    <a:solidFill>
+                      <a:srgbClr val="24292F"/>
+                    </a:solidFill>
+                    <a:effectLst/>
+                    <a:latin typeface="ui-monospace"/>
+                  </a:rPr>
+                  <a:t>netflix</a:t>
+                </a:r>
+                <a:r>
+                  <a:rPr lang="en-IN" sz="1100" b="0" i="0" dirty="0">
+                    <a:solidFill>
+                      <a:srgbClr val="24292F"/>
+                    </a:solidFill>
+                    <a:effectLst/>
+                    <a:latin typeface="ui-monospace"/>
+                  </a:rPr>
+                  <a:t>-eureka-client</a:t>
+                </a:r>
+                <a:endParaRPr kumimoji="0" lang="en-US" altLang="en-US" sz="1800" b="0" i="0" u="none" strike="noStrike" cap="none" normalizeH="0" baseline="0" dirty="0">
+                  <a:ln>
+                    <a:noFill/>
+                  </a:ln>
+                  <a:solidFill>
+                    <a:schemeClr val="tx1"/>
+                  </a:solidFill>
+                  <a:effectLst/>
+                  <a:latin typeface="Arial" panose="020B0604020202020204" pitchFamily="34" charset="0"/>
+                </a:endParaRPr>
+              </a:p>
+            </p:txBody>
+          </p:sp>
+        </p:grpSp>
+        <p:sp>
+          <p:nvSpPr>
+            <p:cNvPr id="14" name="TextBox 13">
+              <a:extLst>
+                <a:ext uri="{FF2B5EF4-FFF2-40B4-BE49-F238E27FC236}">
+                  <a16:creationId xmlns:a16="http://schemas.microsoft.com/office/drawing/2014/main" xmlns="" id="{C91224FA-ADA9-4075-AE2B-E0C6E149E540}"/>
+                </a:ext>
+              </a:extLst>
+            </p:cNvPr>
+            <p:cNvSpPr txBox="1"/>
+            <p:nvPr/>
+          </p:nvSpPr>
+          <p:spPr>
+            <a:xfrm>
+              <a:off x="620497" y="1579470"/>
+              <a:ext cx="1745604" cy="261610"/>
+            </a:xfrm>
+            <a:prstGeom prst="rect">
+              <a:avLst/>
+            </a:prstGeom>
+            <a:solidFill>
+              <a:srgbClr val="FFFF00"/>
+            </a:solidFill>
+          </p:spPr>
+          <p:txBody>
+            <a:bodyPr wrap="square">
+              <a:spAutoFit/>
+            </a:bodyPr>
+            <a:lstStyle/>
+            <a:p>
+              <a:r>
+                <a:rPr lang="en-US" sz="1100" dirty="0" err="1"/>
+                <a:t>s</a:t>
+              </a:r>
+              <a:r>
+                <a:rPr lang="en-US" sz="1100" dirty="0" err="1" smtClean="0"/>
+                <a:t>pring.cloug.starter.config</a:t>
+              </a:r>
+              <a:endParaRPr lang="en-US" sz="1100" dirty="0"/>
+            </a:p>
+          </p:txBody>
+        </p:sp>
+      </p:grpSp>
+      <p:sp>
+        <p:nvSpPr>
+          <p:cNvPr id="18" name="5-Point Star 17"/>
+          <p:cNvSpPr/>
+          <p:nvPr/>
+        </p:nvSpPr>
+        <p:spPr>
+          <a:xfrm>
+            <a:off x="9490363" y="5290585"/>
+            <a:ext cx="2452255" cy="1274619"/>
+          </a:xfrm>
+          <a:prstGeom prst="star5">
+            <a:avLst/>
+          </a:prstGeom>
+        </p:spPr>
+        <p:style>
+          <a:lnRef idx="2">
+            <a:schemeClr val="accent1">
+              <a:shade val="50000"/>
+            </a:schemeClr>
+          </a:lnRef>
+          <a:fillRef idx="1">
+            <a:schemeClr val="accent1"/>
+          </a:fillRef>
+          <a:effectRef idx="0">
+            <a:schemeClr val="accent1"/>
+          </a:effectRef>
+          <a:fontRef idx="minor">
+            <a:schemeClr val="lt1"/>
+          </a:fontRef>
+        </p:style>
+        <p:txBody>
+          <a:bodyPr rtlCol="0" anchor="ctr"/>
+          <a:lstStyle/>
+          <a:p>
+            <a:pPr algn="ctr"/>
+            <a:r>
+              <a:rPr lang="en-US" dirty="0" smtClean="0"/>
+              <a:t>LOGS</a:t>
+            </a:r>
+            <a:endParaRPr lang="en-US" dirty="0"/>
+          </a:p>
+        </p:txBody>
+      </p:sp>
+      <p:cxnSp>
+        <p:nvCxnSpPr>
+          <p:cNvPr id="23" name="Curved Connector 22"/>
+          <p:cNvCxnSpPr>
+            <a:stCxn id="4" idx="3"/>
+            <a:endCxn id="11" idx="0"/>
+          </p:cNvCxnSpPr>
+          <p:nvPr/>
+        </p:nvCxnSpPr>
+        <p:spPr>
+          <a:xfrm flipV="1">
+            <a:off x="8196317" y="1786673"/>
+            <a:ext cx="2520175" cy="1386018"/>
+          </a:xfrm>
+          <a:prstGeom prst="curvedConnector4">
+            <a:avLst>
+              <a:gd name="adj1" fmla="val 25674"/>
+              <a:gd name="adj2" fmla="val 116493"/>
+            </a:avLst>
+          </a:prstGeom>
+          <a:ln w="50800">
+            <a:solidFill>
+              <a:srgbClr val="FF0000"/>
+            </a:solidFill>
+            <a:headEnd type="arrow"/>
+            <a:tailEnd type="arrow"/>
+          </a:ln>
+        </p:spPr>
+        <p:style>
+          <a:lnRef idx="1">
+            <a:schemeClr val="accent1"/>
+          </a:lnRef>
+          <a:fillRef idx="0">
+            <a:schemeClr val="accent1"/>
+          </a:fillRef>
+          <a:effectRef idx="0">
+            <a:schemeClr val="accent1"/>
+          </a:effectRef>
+          <a:fontRef idx="minor">
+            <a:schemeClr val="tx1"/>
+          </a:fontRef>
+        </p:style>
+      </p:cxnSp>
+      <p:cxnSp>
+        <p:nvCxnSpPr>
+          <p:cNvPr id="25" name="Curved Connector 24"/>
+          <p:cNvCxnSpPr>
+            <a:stCxn id="4" idx="3"/>
+            <a:endCxn id="18" idx="0"/>
+          </p:cNvCxnSpPr>
+          <p:nvPr/>
+        </p:nvCxnSpPr>
+        <p:spPr>
+          <a:xfrm>
+            <a:off x="8196317" y="3172691"/>
+            <a:ext cx="2520174" cy="2117894"/>
+          </a:xfrm>
+          <a:prstGeom prst="curvedConnector2">
+            <a:avLst/>
+          </a:prstGeom>
+          <a:ln w="60325">
+            <a:solidFill>
+              <a:srgbClr val="FF0000"/>
+            </a:solidFill>
+            <a:headEnd type="arrow"/>
+            <a:tailEnd type="arrow"/>
+          </a:ln>
+        </p:spPr>
+        <p:style>
+          <a:lnRef idx="1">
+            <a:schemeClr val="accent1"/>
+          </a:lnRef>
+          <a:fillRef idx="0">
+            <a:schemeClr val="accent1"/>
+          </a:fillRef>
+          <a:effectRef idx="0">
+            <a:schemeClr val="accent1"/>
+          </a:effectRef>
+          <a:fontRef idx="minor">
+            <a:schemeClr val="tx1"/>
+          </a:fontRef>
+        </p:style>
+      </p:cxnSp>
+      <p:cxnSp>
+        <p:nvCxnSpPr>
+          <p:cNvPr id="31" name="Elbow Connector 30"/>
+          <p:cNvCxnSpPr>
+            <a:stCxn id="4" idx="1"/>
+            <a:endCxn id="3" idx="3"/>
+          </p:cNvCxnSpPr>
+          <p:nvPr/>
+        </p:nvCxnSpPr>
+        <p:spPr>
+          <a:xfrm rot="10800000" flipV="1">
+            <a:off x="4752110" y="3172691"/>
+            <a:ext cx="1199771" cy="174062"/>
+          </a:xfrm>
+          <a:prstGeom prst="bentConnector3">
+            <a:avLst/>
+          </a:prstGeom>
+          <a:ln w="57150">
+            <a:solidFill>
+              <a:srgbClr val="FF0000"/>
+            </a:solidFill>
+            <a:headEnd type="arrow"/>
+            <a:tailEnd type="arrow"/>
+          </a:ln>
+        </p:spPr>
+        <p:style>
+          <a:lnRef idx="1">
+            <a:schemeClr val="accent1"/>
+          </a:lnRef>
+          <a:fillRef idx="0">
+            <a:schemeClr val="accent1"/>
+          </a:fillRef>
+          <a:effectRef idx="0">
+            <a:schemeClr val="accent1"/>
+          </a:effectRef>
+          <a:fontRef idx="minor">
+            <a:schemeClr val="tx1"/>
+          </a:fontRef>
+        </p:style>
+      </p:cxnSp>
+      <p:cxnSp>
+        <p:nvCxnSpPr>
+          <p:cNvPr id="34" name="Elbow Connector 33"/>
+          <p:cNvCxnSpPr>
+            <a:stCxn id="3" idx="1"/>
+            <a:endCxn id="2" idx="3"/>
+          </p:cNvCxnSpPr>
+          <p:nvPr/>
+        </p:nvCxnSpPr>
+        <p:spPr>
+          <a:xfrm rot="10800000" flipV="1">
+            <a:off x="1759527" y="3346753"/>
+            <a:ext cx="858982" cy="28308"/>
+          </a:xfrm>
+          <a:prstGeom prst="bentConnector3">
+            <a:avLst>
+              <a:gd name="adj1" fmla="val 50000"/>
+            </a:avLst>
+          </a:prstGeom>
+          <a:ln w="57150">
+            <a:solidFill>
+              <a:srgbClr val="FF0000"/>
+            </a:solidFill>
+            <a:headEnd type="arrow"/>
+            <a:tailEnd type="arrow"/>
+          </a:ln>
+        </p:spPr>
+        <p:style>
+          <a:lnRef idx="1">
+            <a:schemeClr val="accent1"/>
+          </a:lnRef>
+          <a:fillRef idx="0">
+            <a:schemeClr val="accent1"/>
+          </a:fillRef>
+          <a:effectRef idx="0">
+            <a:schemeClr val="accent1"/>
+          </a:effectRef>
+          <a:fontRef idx="minor">
+            <a:schemeClr val="tx1"/>
+          </a:fontRef>
+        </p:style>
+      </p:cxnSp>
+      <p:sp>
+        <p:nvSpPr>
+          <p:cNvPr id="40" name="Rectangle 2"/>
+          <p:cNvSpPr>
+            <a:spLocks noChangeArrowheads="1"/>
+          </p:cNvSpPr>
+          <p:nvPr/>
+        </p:nvSpPr>
+        <p:spPr bwMode="auto">
+          <a:xfrm>
+            <a:off x="9776941" y="2827363"/>
+            <a:ext cx="1995055" cy="364146"/>
+          </a:xfrm>
+          <a:prstGeom prst="rect">
+            <a:avLst/>
+          </a:prstGeom>
+          <a:solidFill>
+            <a:srgbClr val="F7F7F7"/>
+          </a:solidFill>
+          <a:ln>
+            <a:noFill/>
+          </a:ln>
+          <a:effectLst/>
+          <a:extLst>
+            <a:ext uri="{91240B29-F687-4F45-9708-019B960494DF}">
+              <a14:hiddenLine xmlns:a14="http://schemas.microsoft.com/office/drawing/2010/main" w="9525">
+                <a:solidFill>
+                  <a:schemeClr val="tx1"/>
+                </a:solidFill>
+                <a:miter lim="800000"/>
+                <a:headEnd/>
+                <a:tailEnd/>
+              </a14:hiddenLine>
+            </a:ext>
+            <a:ext uri="{AF507438-7753-43E0-B8FC-AC1667EBCBE1}">
+              <a14:hiddenEffects xmlns:a14="http://schemas.microsoft.com/office/drawing/2010/main">
+                <a:effectLst>
+                  <a:outerShdw dist="35921" dir="2700000" algn="ctr" rotWithShape="0">
+                    <a:schemeClr val="bg2"/>
+                  </a:outerShdw>
+                </a:effectLst>
+              </a14:hiddenEffects>
+            </a:ext>
+          </a:extLst>
+        </p:spPr>
+        <p:txBody>
+          <a:bodyPr vert="horz" wrap="square" lIns="0" tIns="88872" rIns="0" bIns="88872" numCol="1" anchor="ctr" anchorCtr="0" compatLnSpc="1">
+            <a:prstTxWarp prst="textNoShape">
+              <a:avLst/>
+            </a:prstTxWarp>
+            <a:spAutoFit/>
+          </a:bodyPr>
+          <a:lstStyle/>
+          <a:p>
+            <a:pPr marL="0" marR="0" lvl="0" indent="0" algn="l" defTabSz="914400" rtl="0" eaLnBrk="1" fontAlgn="base" latinLnBrk="0" hangingPunct="1">
+              <a:lnSpc>
+                <a:spcPct val="100000"/>
+              </a:lnSpc>
+              <a:spcBef>
+                <a:spcPct val="0"/>
+              </a:spcBef>
+              <a:spcAft>
+                <a:spcPct val="0"/>
+              </a:spcAft>
+              <a:buClrTx/>
+              <a:buSzTx/>
+              <a:buFontTx/>
+              <a:buNone/>
+              <a:tabLst/>
+            </a:pPr>
+            <a:r>
+              <a:rPr kumimoji="0" lang="en-US" sz="1200" b="1" i="0" u="none" strike="noStrike" cap="none" normalizeH="0" baseline="0" dirty="0" err="1" smtClean="0">
+                <a:ln>
+                  <a:noFill/>
+                </a:ln>
+                <a:solidFill>
+                  <a:srgbClr val="FF0000"/>
+                </a:solidFill>
+                <a:effectLst/>
+                <a:latin typeface="Menlo"/>
+                <a:cs typeface="Arial" pitchFamily="34" charset="0"/>
+              </a:rPr>
+              <a:t>logstash</a:t>
+            </a:r>
+            <a:r>
+              <a:rPr kumimoji="0" lang="en-US" sz="1200" b="1" i="0" u="none" strike="noStrike" cap="none" normalizeH="0" baseline="0" dirty="0" smtClean="0">
+                <a:ln>
+                  <a:noFill/>
+                </a:ln>
+                <a:solidFill>
+                  <a:srgbClr val="FF0000"/>
+                </a:solidFill>
+                <a:effectLst/>
+                <a:latin typeface="Menlo"/>
+                <a:cs typeface="Arial" pitchFamily="34" charset="0"/>
+              </a:rPr>
+              <a:t> -f </a:t>
+            </a:r>
+            <a:r>
+              <a:rPr kumimoji="0" lang="en-US" sz="1200" b="1" i="0" u="none" strike="noStrike" cap="none" normalizeH="0" baseline="0" dirty="0" err="1" smtClean="0">
+                <a:ln>
+                  <a:noFill/>
+                </a:ln>
+                <a:solidFill>
+                  <a:srgbClr val="FF0000"/>
+                </a:solidFill>
+                <a:effectLst/>
+                <a:latin typeface="Menlo"/>
+                <a:cs typeface="Arial" pitchFamily="34" charset="0"/>
+              </a:rPr>
+              <a:t>logstash.conf</a:t>
+            </a:r>
+            <a:r>
+              <a:rPr kumimoji="0" lang="en-US" sz="1200" b="1" i="0" u="none" strike="noStrike" cap="none" normalizeH="0" baseline="0" dirty="0" smtClean="0">
+                <a:ln>
+                  <a:noFill/>
+                </a:ln>
+                <a:solidFill>
+                  <a:srgbClr val="FF0000"/>
+                </a:solidFill>
+                <a:effectLst/>
+                <a:latin typeface="Arial" pitchFamily="34" charset="0"/>
+                <a:cs typeface="Arial" pitchFamily="34" charset="0"/>
+              </a:rPr>
+              <a:t> </a:t>
+            </a:r>
+          </a:p>
+        </p:txBody>
+      </p:sp>
+      <p:sp>
+        <p:nvSpPr>
+          <p:cNvPr id="41" name="Rectangle 2"/>
+          <p:cNvSpPr>
+            <a:spLocks noChangeArrowheads="1"/>
+          </p:cNvSpPr>
+          <p:nvPr/>
+        </p:nvSpPr>
+        <p:spPr bwMode="auto">
+          <a:xfrm>
+            <a:off x="9490364" y="6383131"/>
+            <a:ext cx="1995055" cy="364146"/>
+          </a:xfrm>
+          <a:prstGeom prst="rect">
+            <a:avLst/>
+          </a:prstGeom>
+          <a:solidFill>
+            <a:srgbClr val="F7F7F7"/>
+          </a:solidFill>
+          <a:ln>
+            <a:noFill/>
+          </a:ln>
+          <a:effectLst/>
+          <a:extLst>
+            <a:ext uri="{91240B29-F687-4F45-9708-019B960494DF}">
+              <a14:hiddenLine xmlns:a14="http://schemas.microsoft.com/office/drawing/2010/main" w="9525">
+                <a:solidFill>
+                  <a:schemeClr val="tx1"/>
+                </a:solidFill>
+                <a:miter lim="800000"/>
+                <a:headEnd/>
+                <a:tailEnd/>
+              </a14:hiddenLine>
+            </a:ext>
+            <a:ext uri="{AF507438-7753-43E0-B8FC-AC1667EBCBE1}">
+              <a14:hiddenEffects xmlns:a14="http://schemas.microsoft.com/office/drawing/2010/main">
+                <a:effectLst>
+                  <a:outerShdw dist="35921" dir="2700000" algn="ctr" rotWithShape="0">
+                    <a:schemeClr val="bg2"/>
+                  </a:outerShdw>
+                </a:effectLst>
+              </a14:hiddenEffects>
+            </a:ext>
+          </a:extLst>
+        </p:spPr>
+        <p:txBody>
+          <a:bodyPr vert="horz" wrap="square" lIns="0" tIns="88872" rIns="0" bIns="88872" numCol="1" anchor="ctr" anchorCtr="0" compatLnSpc="1">
+            <a:prstTxWarp prst="textNoShape">
+              <a:avLst/>
+            </a:prstTxWarp>
+            <a:spAutoFit/>
+          </a:bodyPr>
+          <a:lstStyle/>
+          <a:p>
+            <a:pPr marL="0" marR="0" lvl="0" indent="0" algn="l" defTabSz="914400" rtl="0" eaLnBrk="1" fontAlgn="base" latinLnBrk="0" hangingPunct="1">
+              <a:lnSpc>
+                <a:spcPct val="100000"/>
+              </a:lnSpc>
+              <a:spcBef>
+                <a:spcPct val="0"/>
+              </a:spcBef>
+              <a:spcAft>
+                <a:spcPct val="0"/>
+              </a:spcAft>
+              <a:buClrTx/>
+              <a:buSzTx/>
+              <a:buFontTx/>
+              <a:buNone/>
+              <a:tabLst/>
+            </a:pPr>
+            <a:r>
+              <a:rPr kumimoji="0" lang="en-US" sz="1200" b="1" i="0" u="none" strike="noStrike" cap="none" normalizeH="0" baseline="0" dirty="0" err="1" smtClean="0">
+                <a:ln>
+                  <a:noFill/>
+                </a:ln>
+                <a:solidFill>
+                  <a:srgbClr val="FF0000"/>
+                </a:solidFill>
+                <a:effectLst/>
+                <a:latin typeface="Menlo"/>
+                <a:cs typeface="Arial" pitchFamily="34" charset="0"/>
+              </a:rPr>
+              <a:t>logstash</a:t>
+            </a:r>
+            <a:r>
+              <a:rPr kumimoji="0" lang="en-US" sz="1200" b="1" i="0" u="none" strike="noStrike" cap="none" normalizeH="0" baseline="0" dirty="0" smtClean="0">
+                <a:ln>
+                  <a:noFill/>
+                </a:ln>
+                <a:solidFill>
+                  <a:srgbClr val="FF0000"/>
+                </a:solidFill>
+                <a:effectLst/>
+                <a:latin typeface="Menlo"/>
+                <a:cs typeface="Arial" pitchFamily="34" charset="0"/>
+              </a:rPr>
+              <a:t> -f </a:t>
+            </a:r>
+            <a:r>
+              <a:rPr kumimoji="0" lang="en-US" sz="1200" b="1" i="0" u="none" strike="noStrike" cap="none" normalizeH="0" baseline="0" dirty="0" err="1" smtClean="0">
+                <a:ln>
+                  <a:noFill/>
+                </a:ln>
+                <a:solidFill>
+                  <a:srgbClr val="FF0000"/>
+                </a:solidFill>
+                <a:effectLst/>
+                <a:latin typeface="Menlo"/>
+                <a:cs typeface="Arial" pitchFamily="34" charset="0"/>
+              </a:rPr>
+              <a:t>logstash.conf</a:t>
+            </a:r>
+            <a:r>
+              <a:rPr kumimoji="0" lang="en-US" sz="1200" b="1" i="0" u="none" strike="noStrike" cap="none" normalizeH="0" baseline="0" dirty="0" smtClean="0">
+                <a:ln>
+                  <a:noFill/>
+                </a:ln>
+                <a:solidFill>
+                  <a:srgbClr val="FF0000"/>
+                </a:solidFill>
+                <a:effectLst/>
+                <a:latin typeface="Arial" pitchFamily="34" charset="0"/>
+                <a:cs typeface="Arial" pitchFamily="34" charset="0"/>
+              </a:rPr>
+              <a:t> </a:t>
+            </a:r>
+          </a:p>
+        </p:txBody>
+      </p:sp>
+      <p:grpSp>
+        <p:nvGrpSpPr>
+          <p:cNvPr id="43" name="Group 42"/>
+          <p:cNvGrpSpPr/>
+          <p:nvPr/>
+        </p:nvGrpSpPr>
+        <p:grpSpPr>
+          <a:xfrm>
+            <a:off x="3950088" y="81685"/>
+            <a:ext cx="2803814" cy="2471640"/>
+            <a:chOff x="3950088" y="81685"/>
+            <a:chExt cx="2803814" cy="2471640"/>
+          </a:xfrm>
+        </p:grpSpPr>
+        <p:pic>
+          <p:nvPicPr>
+            <p:cNvPr id="3076" name="Picture 4"/>
+            <p:cNvPicPr>
+              <a:picLocks noChangeAspect="1" noChangeArrowheads="1"/>
+            </p:cNvPicPr>
+            <p:nvPr/>
+          </p:nvPicPr>
+          <p:blipFill>
+            <a:blip r:embed="rId2">
+              <a:extLst>
+                <a:ext uri="{28A0092B-C50C-407E-A947-70E740481C1C}">
+                  <a14:useLocalDpi xmlns:a14="http://schemas.microsoft.com/office/drawing/2010/main" val="0"/>
+                </a:ext>
+              </a:extLst>
+            </a:blip>
+            <a:srcRect/>
+            <a:stretch>
+              <a:fillRect/>
+            </a:stretch>
+          </p:blipFill>
+          <p:spPr bwMode="auto">
+            <a:xfrm>
+              <a:off x="3950088" y="81685"/>
+              <a:ext cx="2803814" cy="2091274"/>
+            </a:xfrm>
+            <a:prstGeom prst="rect">
+              <a:avLst/>
+            </a:prstGeom>
+            <a:noFill/>
+            <a:ln>
+              <a:noFill/>
+            </a:ln>
+            <a:effectLst/>
+            <a:extLst>
+              <a:ext uri="{909E8E84-426E-40DD-AFC4-6F175D3DCCD1}">
+                <a14:hiddenFill xmlns:a14="http://schemas.microsoft.com/office/drawing/2010/main">
+                  <a:solidFill>
+                    <a:schemeClr val="accent1"/>
+                  </a:solidFill>
+                </a14:hiddenFill>
+              </a:ext>
+              <a:ext uri="{91240B29-F687-4F45-9708-019B960494DF}">
+                <a14:hiddenLine xmlns:a14="http://schemas.microsoft.com/office/drawing/2010/main" w="9525">
+                  <a:solidFill>
+                    <a:schemeClr val="tx1"/>
+                  </a:solidFill>
+                  <a:miter lim="800000"/>
+                  <a:headEnd/>
+                  <a:tailEnd/>
+                </a14:hiddenLine>
+              </a:ext>
+              <a:ext uri="{AF507438-7753-43E0-B8FC-AC1667EBCBE1}">
+                <a14:hiddenEffects xmlns:a14="http://schemas.microsoft.com/office/drawing/2010/main">
+                  <a:effectLst>
+                    <a:outerShdw dist="35921" dir="2700000" algn="ctr" rotWithShape="0">
+                      <a:schemeClr val="bg2"/>
+                    </a:outerShdw>
+                  </a:effectLst>
+                </a14:hiddenEffects>
+              </a:ext>
+            </a:extLst>
+          </p:spPr>
+        </p:pic>
+        <p:sp>
+          <p:nvSpPr>
+            <p:cNvPr id="42" name="TextBox 41"/>
+            <p:cNvSpPr txBox="1"/>
+            <p:nvPr/>
+          </p:nvSpPr>
+          <p:spPr>
+            <a:xfrm>
+              <a:off x="4642826" y="2183993"/>
+              <a:ext cx="1418337" cy="369332"/>
+            </a:xfrm>
+            <a:prstGeom prst="rect">
+              <a:avLst/>
+            </a:prstGeom>
+            <a:noFill/>
+          </p:spPr>
+          <p:txBody>
+            <a:bodyPr wrap="none" rtlCol="0">
+              <a:spAutoFit/>
+            </a:bodyPr>
+            <a:lstStyle/>
+            <a:p>
+              <a:r>
+                <a:rPr lang="en-US" dirty="0" err="1" smtClean="0"/>
+                <a:t>logstash.conf</a:t>
+              </a:r>
+              <a:endParaRPr lang="en-US" dirty="0"/>
+            </a:p>
+          </p:txBody>
+        </p:sp>
+      </p:grpSp>
+      <p:sp>
+        <p:nvSpPr>
+          <p:cNvPr id="46" name="Rectangle: Rounded Corners 62">
+            <a:extLst>
+              <a:ext uri="{FF2B5EF4-FFF2-40B4-BE49-F238E27FC236}">
+                <a16:creationId xmlns:a16="http://schemas.microsoft.com/office/drawing/2014/main" xmlns="" id="{61D3D070-24FE-4EF4-AD82-4932219E03A8}"/>
+              </a:ext>
+            </a:extLst>
+          </p:cNvPr>
+          <p:cNvSpPr/>
+          <p:nvPr/>
+        </p:nvSpPr>
+        <p:spPr>
+          <a:xfrm>
+            <a:off x="2586956" y="5129445"/>
+            <a:ext cx="2726263" cy="1338950"/>
+          </a:xfrm>
+          <a:prstGeom prst="roundRect">
+            <a:avLst/>
+          </a:prstGeom>
+          <a:solidFill>
+            <a:schemeClr val="accent3">
+              <a:lumMod val="60000"/>
+              <a:lumOff val="40000"/>
+            </a:schemeClr>
+          </a:solidFill>
+        </p:spPr>
+        <p:style>
+          <a:lnRef idx="2">
+            <a:schemeClr val="accent1">
+              <a:shade val="50000"/>
+            </a:schemeClr>
+          </a:lnRef>
+          <a:fillRef idx="1">
+            <a:schemeClr val="accent1"/>
+          </a:fillRef>
+          <a:effectRef idx="0">
+            <a:schemeClr val="accent1"/>
+          </a:effectRef>
+          <a:fontRef idx="minor">
+            <a:schemeClr val="lt1"/>
+          </a:fontRef>
+        </p:style>
+        <p:txBody>
+          <a:bodyPr rtlCol="0" anchor="ctr"/>
+          <a:lstStyle/>
+          <a:p>
+            <a:pPr algn="ctr"/>
+            <a:r>
+              <a:rPr lang="en-IN" sz="1800" dirty="0">
+                <a:solidFill>
+                  <a:srgbClr val="000000"/>
+                </a:solidFill>
+                <a:latin typeface="Consolas" panose="020B0609020204030204" pitchFamily="49" charset="0"/>
+              </a:rPr>
+              <a:t>bmt.zipkin01.com</a:t>
+            </a:r>
+            <a:endParaRPr lang="en-IN" dirty="0"/>
+          </a:p>
+        </p:txBody>
+      </p:sp>
+      <p:sp>
+        <p:nvSpPr>
+          <p:cNvPr id="44" name="Rectangle 5"/>
+          <p:cNvSpPr>
+            <a:spLocks noChangeArrowheads="1"/>
+          </p:cNvSpPr>
+          <p:nvPr/>
+        </p:nvSpPr>
+        <p:spPr bwMode="auto">
+          <a:xfrm>
+            <a:off x="3290455" y="6131563"/>
+            <a:ext cx="2923309" cy="246221"/>
+          </a:xfrm>
+          <a:prstGeom prst="rect">
+            <a:avLst/>
+          </a:prstGeom>
+          <a:solidFill>
+            <a:srgbClr val="FFFF00"/>
+          </a:solidFill>
+          <a:ln>
+            <a:noFill/>
+          </a:ln>
+          <a:effectLst/>
+        </p:spPr>
+        <p:txBody>
+          <a:bodyPr vert="horz" wrap="square" lIns="91440" tIns="0" rIns="91440" bIns="45720" numCol="1" anchor="ctr" anchorCtr="0" compatLnSpc="1">
+            <a:prstTxWarp prst="textNoShape">
+              <a:avLst/>
+            </a:prstTxWarp>
+            <a:spAutoFit/>
+          </a:bodyPr>
+          <a:lstStyle/>
+          <a:p>
+            <a:pPr marL="0" marR="0" lvl="0" indent="0" algn="l" defTabSz="914400" rtl="0" eaLnBrk="1" fontAlgn="base" latinLnBrk="0" hangingPunct="1">
+              <a:lnSpc>
+                <a:spcPct val="100000"/>
+              </a:lnSpc>
+              <a:spcBef>
+                <a:spcPct val="0"/>
+              </a:spcBef>
+              <a:spcAft>
+                <a:spcPct val="0"/>
+              </a:spcAft>
+              <a:buClrTx/>
+              <a:buSzTx/>
+              <a:buFontTx/>
+              <a:buNone/>
+              <a:tabLst/>
+            </a:pPr>
+            <a:r>
+              <a:rPr kumimoji="0" lang="en-US" sz="1300" b="0" i="0" u="none" strike="noStrike" cap="none" normalizeH="0" baseline="0" smtClean="0">
+                <a:ln>
+                  <a:noFill/>
+                </a:ln>
+                <a:solidFill>
+                  <a:srgbClr val="292B2C"/>
+                </a:solidFill>
+                <a:effectLst/>
+                <a:latin typeface="Menlo"/>
+                <a:cs typeface="Arial" pitchFamily="34" charset="0"/>
+              </a:rPr>
+              <a:t>-DSTORAGE_TYPE=elasticsearch</a:t>
+            </a:r>
+            <a:r>
+              <a:rPr kumimoji="0" lang="en-US" sz="1100" b="0" i="0" u="none" strike="noStrike" cap="none" normalizeH="0" baseline="0" smtClean="0">
+                <a:ln>
+                  <a:noFill/>
+                </a:ln>
+                <a:solidFill>
+                  <a:schemeClr val="tx1"/>
+                </a:solidFill>
+                <a:effectLst/>
+                <a:latin typeface="Arial" pitchFamily="34" charset="0"/>
+                <a:cs typeface="Arial" pitchFamily="34" charset="0"/>
+              </a:rPr>
+              <a:t> </a:t>
+            </a:r>
+            <a:endParaRPr kumimoji="0" lang="en-US" sz="1800" b="0" i="0" u="none" strike="noStrike" cap="none" normalizeH="0" baseline="0" smtClean="0">
+              <a:ln>
+                <a:noFill/>
+              </a:ln>
+              <a:solidFill>
+                <a:schemeClr val="tx1"/>
+              </a:solidFill>
+              <a:effectLst/>
+              <a:latin typeface="Arial" pitchFamily="34" charset="0"/>
+              <a:cs typeface="Arial" pitchFamily="34" charset="0"/>
+            </a:endParaRPr>
+          </a:p>
+        </p:txBody>
+      </p:sp>
+      <p:cxnSp>
+        <p:nvCxnSpPr>
+          <p:cNvPr id="47" name="Curved Connector 46"/>
+          <p:cNvCxnSpPr>
+            <a:stCxn id="46" idx="0"/>
+            <a:endCxn id="3" idx="2"/>
+          </p:cNvCxnSpPr>
+          <p:nvPr/>
+        </p:nvCxnSpPr>
+        <p:spPr>
+          <a:xfrm rot="16200000" flipV="1">
+            <a:off x="3255399" y="4434755"/>
+            <a:ext cx="1124601" cy="264779"/>
+          </a:xfrm>
+          <a:prstGeom prst="curvedConnector3">
+            <a:avLst/>
+          </a:prstGeom>
+          <a:ln w="44450">
+            <a:solidFill>
+              <a:srgbClr val="FF0000"/>
+            </a:solidFill>
+            <a:tailEnd type="arrow"/>
+          </a:ln>
+        </p:spPr>
+        <p:style>
+          <a:lnRef idx="1">
+            <a:schemeClr val="accent1"/>
+          </a:lnRef>
+          <a:fillRef idx="0">
+            <a:schemeClr val="accent1"/>
+          </a:fillRef>
+          <a:effectRef idx="0">
+            <a:schemeClr val="accent1"/>
+          </a:effectRef>
+          <a:fontRef idx="minor">
+            <a:schemeClr val="tx1"/>
+          </a:fontRef>
+        </p:style>
+      </p:cxnSp>
+    </p:spTree>
+    <p:extLst>
+      <p:ext uri="{BB962C8B-B14F-4D97-AF65-F5344CB8AC3E}">
+        <p14:creationId xmlns:p14="http://schemas.microsoft.com/office/powerpoint/2010/main" val="3472703513"/>
+      </p:ext>
+    </p:extLst>
+  </p:cSld>
+  <p:clrMapOvr>
+    <a:masterClrMapping/>
+  </p:clrMapOvr>
+</p:sld>
+</file>
+
 <file path=ppt/slides/slide2.xml><?xml version="1.0" encoding="utf-8"?>
 <p:sld xmlns:a="http://schemas.openxmlformats.org/drawingml/2006/main" xmlns:r="http://schemas.openxmlformats.org/officeDocument/2006/relationships" xmlns:p="http://schemas.openxmlformats.org/presentationml/2006/main">
   <p:cSld>
@@ -3889,7 +6188,7 @@
               <p:cNvPr id="5" name="Rectangle: Rounded Corners 1">
                 <a:extLst>
                   <a:ext uri="{FF2B5EF4-FFF2-40B4-BE49-F238E27FC236}">
-                    <a16:creationId xmlns:a16="http://schemas.microsoft.com/office/drawing/2014/main" id="{229043B8-923C-4A63-923B-ED47AB6F3179}"/>
+                    <a16:creationId xmlns:a16="http://schemas.microsoft.com/office/drawing/2014/main" xmlns="" id="{229043B8-923C-4A63-923B-ED47AB6F3179}"/>
                   </a:ext>
                 </a:extLst>
               </p:cNvPr>
@@ -3950,7 +6249,7 @@
               <p:cNvPr id="6" name="Rectangle 1">
                 <a:extLst>
                   <a:ext uri="{FF2B5EF4-FFF2-40B4-BE49-F238E27FC236}">
-                    <a16:creationId xmlns:a16="http://schemas.microsoft.com/office/drawing/2014/main" id="{FFE5BAF0-90A9-481D-AAC3-4466B273C9B9}"/>
+                    <a16:creationId xmlns:a16="http://schemas.microsoft.com/office/drawing/2014/main" xmlns="" id="{FFE5BAF0-90A9-481D-AAC3-4466B273C9B9}"/>
                   </a:ext>
                 </a:extLst>
               </p:cNvPr>
@@ -4217,7 +6516,7 @@
               <p:cNvPr id="7" name="Rectangle 1">
                 <a:extLst>
                   <a:ext uri="{FF2B5EF4-FFF2-40B4-BE49-F238E27FC236}">
-                    <a16:creationId xmlns:a16="http://schemas.microsoft.com/office/drawing/2014/main" id="{4A5862E7-0045-43EA-8731-76AF0AFFEB2B}"/>
+                    <a16:creationId xmlns:a16="http://schemas.microsoft.com/office/drawing/2014/main" xmlns="" id="{4A5862E7-0045-43EA-8731-76AF0AFFEB2B}"/>
                   </a:ext>
                 </a:extLst>
               </p:cNvPr>
@@ -4479,7 +6778,7 @@
             <p:cNvPr id="15" name="Rectangle: Rounded Corners 1">
               <a:extLst>
                 <a:ext uri="{FF2B5EF4-FFF2-40B4-BE49-F238E27FC236}">
-                  <a16:creationId xmlns:a16="http://schemas.microsoft.com/office/drawing/2014/main" id="{229043B8-923C-4A63-923B-ED47AB6F3179}"/>
+                  <a16:creationId xmlns:a16="http://schemas.microsoft.com/office/drawing/2014/main" xmlns="" id="{229043B8-923C-4A63-923B-ED47AB6F3179}"/>
                 </a:ext>
               </a:extLst>
             </p:cNvPr>
@@ -4539,7 +6838,7 @@
             <p:cNvPr id="16" name="Rectangle 1">
               <a:extLst>
                 <a:ext uri="{FF2B5EF4-FFF2-40B4-BE49-F238E27FC236}">
-                  <a16:creationId xmlns:a16="http://schemas.microsoft.com/office/drawing/2014/main" id="{FFE5BAF0-90A9-481D-AAC3-4466B273C9B9}"/>
+                  <a16:creationId xmlns:a16="http://schemas.microsoft.com/office/drawing/2014/main" xmlns="" id="{FFE5BAF0-90A9-481D-AAC3-4466B273C9B9}"/>
                 </a:ext>
               </a:extLst>
             </p:cNvPr>
@@ -4806,7 +7105,7 @@
             <p:cNvPr id="17" name="Rectangle 1">
               <a:extLst>
                 <a:ext uri="{FF2B5EF4-FFF2-40B4-BE49-F238E27FC236}">
-                  <a16:creationId xmlns:a16="http://schemas.microsoft.com/office/drawing/2014/main" id="{4A5862E7-0045-43EA-8731-76AF0AFFEB2B}"/>
+                  <a16:creationId xmlns:a16="http://schemas.microsoft.com/office/drawing/2014/main" xmlns="" id="{4A5862E7-0045-43EA-8731-76AF0AFFEB2B}"/>
                 </a:ext>
               </a:extLst>
             </p:cNvPr>
@@ -5067,7 +7366,7 @@
             <p:cNvPr id="19" name="Rectangle: Rounded Corners 1">
               <a:extLst>
                 <a:ext uri="{FF2B5EF4-FFF2-40B4-BE49-F238E27FC236}">
-                  <a16:creationId xmlns:a16="http://schemas.microsoft.com/office/drawing/2014/main" id="{229043B8-923C-4A63-923B-ED47AB6F3179}"/>
+                  <a16:creationId xmlns:a16="http://schemas.microsoft.com/office/drawing/2014/main" xmlns="" id="{229043B8-923C-4A63-923B-ED47AB6F3179}"/>
                 </a:ext>
               </a:extLst>
             </p:cNvPr>
@@ -5127,7 +7426,7 @@
             <p:cNvPr id="20" name="Rectangle 1">
               <a:extLst>
                 <a:ext uri="{FF2B5EF4-FFF2-40B4-BE49-F238E27FC236}">
-                  <a16:creationId xmlns:a16="http://schemas.microsoft.com/office/drawing/2014/main" id="{FFE5BAF0-90A9-481D-AAC3-4466B273C9B9}"/>
+                  <a16:creationId xmlns:a16="http://schemas.microsoft.com/office/drawing/2014/main" xmlns="" id="{FFE5BAF0-90A9-481D-AAC3-4466B273C9B9}"/>
                 </a:ext>
               </a:extLst>
             </p:cNvPr>
@@ -5382,7 +7681,7 @@
             <p:cNvPr id="21" name="Rectangle 1">
               <a:extLst>
                 <a:ext uri="{FF2B5EF4-FFF2-40B4-BE49-F238E27FC236}">
-                  <a16:creationId xmlns:a16="http://schemas.microsoft.com/office/drawing/2014/main" id="{4A5862E7-0045-43EA-8731-76AF0AFFEB2B}"/>
+                  <a16:creationId xmlns:a16="http://schemas.microsoft.com/office/drawing/2014/main" xmlns="" id="{4A5862E7-0045-43EA-8731-76AF0AFFEB2B}"/>
                 </a:ext>
               </a:extLst>
             </p:cNvPr>
@@ -5963,7 +8262,7 @@
               <p:cNvPr id="6" name="Rectangle: Rounded Corners 1">
                 <a:extLst>
                   <a:ext uri="{FF2B5EF4-FFF2-40B4-BE49-F238E27FC236}">
-                    <a16:creationId xmlns:a16="http://schemas.microsoft.com/office/drawing/2014/main" id="{229043B8-923C-4A63-923B-ED47AB6F3179}"/>
+                    <a16:creationId xmlns:a16="http://schemas.microsoft.com/office/drawing/2014/main" xmlns="" id="{229043B8-923C-4A63-923B-ED47AB6F3179}"/>
                   </a:ext>
                 </a:extLst>
               </p:cNvPr>
@@ -6024,7 +8323,7 @@
               <p:cNvPr id="7" name="Rectangle 1">
                 <a:extLst>
                   <a:ext uri="{FF2B5EF4-FFF2-40B4-BE49-F238E27FC236}">
-                    <a16:creationId xmlns:a16="http://schemas.microsoft.com/office/drawing/2014/main" id="{FFE5BAF0-90A9-481D-AAC3-4466B273C9B9}"/>
+                    <a16:creationId xmlns:a16="http://schemas.microsoft.com/office/drawing/2014/main" xmlns="" id="{FFE5BAF0-90A9-481D-AAC3-4466B273C9B9}"/>
                   </a:ext>
                 </a:extLst>
               </p:cNvPr>
@@ -6291,7 +8590,7 @@
               <p:cNvPr id="8" name="Rectangle 1">
                 <a:extLst>
                   <a:ext uri="{FF2B5EF4-FFF2-40B4-BE49-F238E27FC236}">
-                    <a16:creationId xmlns:a16="http://schemas.microsoft.com/office/drawing/2014/main" id="{4A5862E7-0045-43EA-8731-76AF0AFFEB2B}"/>
+                    <a16:creationId xmlns:a16="http://schemas.microsoft.com/office/drawing/2014/main" xmlns="" id="{4A5862E7-0045-43EA-8731-76AF0AFFEB2B}"/>
                   </a:ext>
                 </a:extLst>
               </p:cNvPr>
@@ -6553,7 +8852,7 @@
             <p:cNvPr id="10" name="Rectangle: Rounded Corners 1">
               <a:extLst>
                 <a:ext uri="{FF2B5EF4-FFF2-40B4-BE49-F238E27FC236}">
-                  <a16:creationId xmlns:a16="http://schemas.microsoft.com/office/drawing/2014/main" id="{229043B8-923C-4A63-923B-ED47AB6F3179}"/>
+                  <a16:creationId xmlns:a16="http://schemas.microsoft.com/office/drawing/2014/main" xmlns="" id="{229043B8-923C-4A63-923B-ED47AB6F3179}"/>
                 </a:ext>
               </a:extLst>
             </p:cNvPr>
@@ -6613,7 +8912,7 @@
             <p:cNvPr id="11" name="Rectangle 1">
               <a:extLst>
                 <a:ext uri="{FF2B5EF4-FFF2-40B4-BE49-F238E27FC236}">
-                  <a16:creationId xmlns:a16="http://schemas.microsoft.com/office/drawing/2014/main" id="{FFE5BAF0-90A9-481D-AAC3-4466B273C9B9}"/>
+                  <a16:creationId xmlns:a16="http://schemas.microsoft.com/office/drawing/2014/main" xmlns="" id="{FFE5BAF0-90A9-481D-AAC3-4466B273C9B9}"/>
                 </a:ext>
               </a:extLst>
             </p:cNvPr>
@@ -6880,7 +9179,7 @@
             <p:cNvPr id="12" name="Rectangle 1">
               <a:extLst>
                 <a:ext uri="{FF2B5EF4-FFF2-40B4-BE49-F238E27FC236}">
-                  <a16:creationId xmlns:a16="http://schemas.microsoft.com/office/drawing/2014/main" id="{4A5862E7-0045-43EA-8731-76AF0AFFEB2B}"/>
+                  <a16:creationId xmlns:a16="http://schemas.microsoft.com/office/drawing/2014/main" xmlns="" id="{4A5862E7-0045-43EA-8731-76AF0AFFEB2B}"/>
                 </a:ext>
               </a:extLst>
             </p:cNvPr>
@@ -7141,7 +9440,7 @@
             <p:cNvPr id="14" name="Rectangle: Rounded Corners 1">
               <a:extLst>
                 <a:ext uri="{FF2B5EF4-FFF2-40B4-BE49-F238E27FC236}">
-                  <a16:creationId xmlns:a16="http://schemas.microsoft.com/office/drawing/2014/main" id="{229043B8-923C-4A63-923B-ED47AB6F3179}"/>
+                  <a16:creationId xmlns:a16="http://schemas.microsoft.com/office/drawing/2014/main" xmlns="" id="{229043B8-923C-4A63-923B-ED47AB6F3179}"/>
                 </a:ext>
               </a:extLst>
             </p:cNvPr>
@@ -7201,7 +9500,7 @@
             <p:cNvPr id="15" name="Rectangle 1">
               <a:extLst>
                 <a:ext uri="{FF2B5EF4-FFF2-40B4-BE49-F238E27FC236}">
-                  <a16:creationId xmlns:a16="http://schemas.microsoft.com/office/drawing/2014/main" id="{FFE5BAF0-90A9-481D-AAC3-4466B273C9B9}"/>
+                  <a16:creationId xmlns:a16="http://schemas.microsoft.com/office/drawing/2014/main" xmlns="" id="{FFE5BAF0-90A9-481D-AAC3-4466B273C9B9}"/>
                 </a:ext>
               </a:extLst>
             </p:cNvPr>
@@ -7456,7 +9755,7 @@
             <p:cNvPr id="16" name="Rectangle 1">
               <a:extLst>
                 <a:ext uri="{FF2B5EF4-FFF2-40B4-BE49-F238E27FC236}">
-                  <a16:creationId xmlns:a16="http://schemas.microsoft.com/office/drawing/2014/main" id="{4A5862E7-0045-43EA-8731-76AF0AFFEB2B}"/>
+                  <a16:creationId xmlns:a16="http://schemas.microsoft.com/office/drawing/2014/main" xmlns="" id="{4A5862E7-0045-43EA-8731-76AF0AFFEB2B}"/>
                 </a:ext>
               </a:extLst>
             </p:cNvPr>
@@ -7919,7 +10218,7 @@
           <p:cNvPr id="35" name="Rectangle 1">
             <a:extLst>
               <a:ext uri="{FF2B5EF4-FFF2-40B4-BE49-F238E27FC236}">
-                <a16:creationId xmlns:a16="http://schemas.microsoft.com/office/drawing/2014/main" id="{FFE5BAF0-90A9-481D-AAC3-4466B273C9B9}"/>
+                <a16:creationId xmlns:a16="http://schemas.microsoft.com/office/drawing/2014/main" xmlns="" id="{FFE5BAF0-90A9-481D-AAC3-4466B273C9B9}"/>
               </a:ext>
             </a:extLst>
           </p:cNvPr>
@@ -8161,7 +10460,7 @@
           <p:cNvPr id="36" name="Rectangle 1">
             <a:extLst>
               <a:ext uri="{FF2B5EF4-FFF2-40B4-BE49-F238E27FC236}">
-                <a16:creationId xmlns:a16="http://schemas.microsoft.com/office/drawing/2014/main" id="{FFE5BAF0-90A9-481D-AAC3-4466B273C9B9}"/>
+                <a16:creationId xmlns:a16="http://schemas.microsoft.com/office/drawing/2014/main" xmlns="" id="{FFE5BAF0-90A9-481D-AAC3-4466B273C9B9}"/>
               </a:ext>
             </a:extLst>
           </p:cNvPr>
@@ -8458,7 +10757,7 @@
           <p:cNvPr id="19" name="Group 18">
             <a:extLst>
               <a:ext uri="{FF2B5EF4-FFF2-40B4-BE49-F238E27FC236}">
-                <a16:creationId xmlns:a16="http://schemas.microsoft.com/office/drawing/2014/main" id="{D0F62175-D24D-4B45-B9CA-E8C1FAAC2857}"/>
+                <a16:creationId xmlns:a16="http://schemas.microsoft.com/office/drawing/2014/main" xmlns="" id="{D0F62175-D24D-4B45-B9CA-E8C1FAAC2857}"/>
               </a:ext>
             </a:extLst>
           </p:cNvPr>
@@ -8478,7 +10777,7 @@
             <p:cNvPr id="10" name="Group 9">
               <a:extLst>
                 <a:ext uri="{FF2B5EF4-FFF2-40B4-BE49-F238E27FC236}">
-                  <a16:creationId xmlns:a16="http://schemas.microsoft.com/office/drawing/2014/main" id="{62E720DB-FF62-4E7A-86CD-1CAE2B2D6238}"/>
+                  <a16:creationId xmlns:a16="http://schemas.microsoft.com/office/drawing/2014/main" xmlns="" id="{62E720DB-FF62-4E7A-86CD-1CAE2B2D6238}"/>
                 </a:ext>
               </a:extLst>
             </p:cNvPr>
@@ -8498,7 +10797,7 @@
               <p:cNvPr id="2" name="Rectangle: Rounded Corners 1">
                 <a:extLst>
                   <a:ext uri="{FF2B5EF4-FFF2-40B4-BE49-F238E27FC236}">
-                    <a16:creationId xmlns:a16="http://schemas.microsoft.com/office/drawing/2014/main" id="{229043B8-923C-4A63-923B-ED47AB6F3179}"/>
+                    <a16:creationId xmlns:a16="http://schemas.microsoft.com/office/drawing/2014/main" xmlns="" id="{229043B8-923C-4A63-923B-ED47AB6F3179}"/>
                   </a:ext>
                 </a:extLst>
               </p:cNvPr>
@@ -8559,7 +10858,7 @@
               <p:cNvPr id="7" name="Rectangle 1">
                 <a:extLst>
                   <a:ext uri="{FF2B5EF4-FFF2-40B4-BE49-F238E27FC236}">
-                    <a16:creationId xmlns:a16="http://schemas.microsoft.com/office/drawing/2014/main" id="{FFE5BAF0-90A9-481D-AAC3-4466B273C9B9}"/>
+                    <a16:creationId xmlns:a16="http://schemas.microsoft.com/office/drawing/2014/main" xmlns="" id="{FFE5BAF0-90A9-481D-AAC3-4466B273C9B9}"/>
                   </a:ext>
                 </a:extLst>
               </p:cNvPr>
@@ -8813,7 +11112,7 @@
               <p:cNvPr id="9" name="Rectangle 1">
                 <a:extLst>
                   <a:ext uri="{FF2B5EF4-FFF2-40B4-BE49-F238E27FC236}">
-                    <a16:creationId xmlns:a16="http://schemas.microsoft.com/office/drawing/2014/main" id="{4A5862E7-0045-43EA-8731-76AF0AFFEB2B}"/>
+                    <a16:creationId xmlns:a16="http://schemas.microsoft.com/office/drawing/2014/main" xmlns="" id="{4A5862E7-0045-43EA-8731-76AF0AFFEB2B}"/>
                   </a:ext>
                 </a:extLst>
               </p:cNvPr>
@@ -9060,7 +11359,7 @@
             <p:cNvPr id="11" name="Group 10">
               <a:extLst>
                 <a:ext uri="{FF2B5EF4-FFF2-40B4-BE49-F238E27FC236}">
-                  <a16:creationId xmlns:a16="http://schemas.microsoft.com/office/drawing/2014/main" id="{93DBFA10-C83E-4DEF-8CD1-BADBC16FE155}"/>
+                  <a16:creationId xmlns:a16="http://schemas.microsoft.com/office/drawing/2014/main" xmlns="" id="{93DBFA10-C83E-4DEF-8CD1-BADBC16FE155}"/>
                 </a:ext>
               </a:extLst>
             </p:cNvPr>
@@ -9080,7 +11379,7 @@
               <p:cNvPr id="12" name="Rectangle: Rounded Corners 11">
                 <a:extLst>
                   <a:ext uri="{FF2B5EF4-FFF2-40B4-BE49-F238E27FC236}">
-                    <a16:creationId xmlns:a16="http://schemas.microsoft.com/office/drawing/2014/main" id="{BE150171-1A7B-4D64-B55E-DB783C08E7C2}"/>
+                    <a16:creationId xmlns:a16="http://schemas.microsoft.com/office/drawing/2014/main" xmlns="" id="{BE150171-1A7B-4D64-B55E-DB783C08E7C2}"/>
                   </a:ext>
                 </a:extLst>
               </p:cNvPr>
@@ -9141,7 +11440,7 @@
               <p:cNvPr id="13" name="Rectangle 1">
                 <a:extLst>
                   <a:ext uri="{FF2B5EF4-FFF2-40B4-BE49-F238E27FC236}">
-                    <a16:creationId xmlns:a16="http://schemas.microsoft.com/office/drawing/2014/main" id="{26A7B01C-670A-4B9E-8775-5248BB8B3942}"/>
+                    <a16:creationId xmlns:a16="http://schemas.microsoft.com/office/drawing/2014/main" xmlns="" id="{26A7B01C-670A-4B9E-8775-5248BB8B3942}"/>
                   </a:ext>
                 </a:extLst>
               </p:cNvPr>
@@ -9395,7 +11694,7 @@
               <p:cNvPr id="14" name="Rectangle 1">
                 <a:extLst>
                   <a:ext uri="{FF2B5EF4-FFF2-40B4-BE49-F238E27FC236}">
-                    <a16:creationId xmlns:a16="http://schemas.microsoft.com/office/drawing/2014/main" id="{AE53C4F4-C196-4B4D-894F-2430912415CD}"/>
+                    <a16:creationId xmlns:a16="http://schemas.microsoft.com/office/drawing/2014/main" xmlns="" id="{AE53C4F4-C196-4B4D-894F-2430912415CD}"/>
                   </a:ext>
                 </a:extLst>
               </p:cNvPr>
@@ -9643,7 +11942,7 @@
           <p:cNvPr id="20" name="Group 19">
             <a:extLst>
               <a:ext uri="{FF2B5EF4-FFF2-40B4-BE49-F238E27FC236}">
-                <a16:creationId xmlns:a16="http://schemas.microsoft.com/office/drawing/2014/main" id="{7426D4FD-31C2-4FF9-800C-714F683EB43F}"/>
+                <a16:creationId xmlns:a16="http://schemas.microsoft.com/office/drawing/2014/main" xmlns="" id="{7426D4FD-31C2-4FF9-800C-714F683EB43F}"/>
               </a:ext>
             </a:extLst>
           </p:cNvPr>
@@ -9663,7 +11962,7 @@
             <p:cNvPr id="21" name="Group 20">
               <a:extLst>
                 <a:ext uri="{FF2B5EF4-FFF2-40B4-BE49-F238E27FC236}">
-                  <a16:creationId xmlns:a16="http://schemas.microsoft.com/office/drawing/2014/main" id="{926D488A-0224-468D-8DFC-EA65ABDDAB28}"/>
+                  <a16:creationId xmlns:a16="http://schemas.microsoft.com/office/drawing/2014/main" xmlns="" id="{926D488A-0224-468D-8DFC-EA65ABDDAB28}"/>
                 </a:ext>
               </a:extLst>
             </p:cNvPr>
@@ -9683,7 +11982,7 @@
               <p:cNvPr id="30" name="Rectangle: Rounded Corners 29">
                 <a:extLst>
                   <a:ext uri="{FF2B5EF4-FFF2-40B4-BE49-F238E27FC236}">
-                    <a16:creationId xmlns:a16="http://schemas.microsoft.com/office/drawing/2014/main" id="{7BF73A8A-9B63-4346-8677-7B7F802184A1}"/>
+                    <a16:creationId xmlns:a16="http://schemas.microsoft.com/office/drawing/2014/main" xmlns="" id="{7BF73A8A-9B63-4346-8677-7B7F802184A1}"/>
                   </a:ext>
                 </a:extLst>
               </p:cNvPr>
@@ -9738,7 +12037,7 @@
               <p:cNvPr id="31" name="Rectangle 1">
                 <a:extLst>
                   <a:ext uri="{FF2B5EF4-FFF2-40B4-BE49-F238E27FC236}">
-                    <a16:creationId xmlns:a16="http://schemas.microsoft.com/office/drawing/2014/main" id="{B2465705-8D1F-4610-B4EC-D9B332646F95}"/>
+                    <a16:creationId xmlns:a16="http://schemas.microsoft.com/office/drawing/2014/main" xmlns="" id="{B2465705-8D1F-4610-B4EC-D9B332646F95}"/>
                   </a:ext>
                 </a:extLst>
               </p:cNvPr>
@@ -9992,7 +12291,7 @@
               <p:cNvPr id="32" name="Rectangle 1">
                 <a:extLst>
                   <a:ext uri="{FF2B5EF4-FFF2-40B4-BE49-F238E27FC236}">
-                    <a16:creationId xmlns:a16="http://schemas.microsoft.com/office/drawing/2014/main" id="{2B208D04-9B0C-4194-8D6D-150281E8FD78}"/>
+                    <a16:creationId xmlns:a16="http://schemas.microsoft.com/office/drawing/2014/main" xmlns="" id="{2B208D04-9B0C-4194-8D6D-150281E8FD78}"/>
                   </a:ext>
                 </a:extLst>
               </p:cNvPr>
@@ -10239,7 +12538,7 @@
             <p:cNvPr id="22" name="Group 21">
               <a:extLst>
                 <a:ext uri="{FF2B5EF4-FFF2-40B4-BE49-F238E27FC236}">
-                  <a16:creationId xmlns:a16="http://schemas.microsoft.com/office/drawing/2014/main" id="{0677CBBA-4B05-4E26-ABCE-C634BA606830}"/>
+                  <a16:creationId xmlns:a16="http://schemas.microsoft.com/office/drawing/2014/main" xmlns="" id="{0677CBBA-4B05-4E26-ABCE-C634BA606830}"/>
                 </a:ext>
               </a:extLst>
             </p:cNvPr>
@@ -10259,7 +12558,7 @@
               <p:cNvPr id="27" name="Rectangle: Rounded Corners 26">
                 <a:extLst>
                   <a:ext uri="{FF2B5EF4-FFF2-40B4-BE49-F238E27FC236}">
-                    <a16:creationId xmlns:a16="http://schemas.microsoft.com/office/drawing/2014/main" id="{9E63CD82-7E71-4367-8277-574E557EA990}"/>
+                    <a16:creationId xmlns:a16="http://schemas.microsoft.com/office/drawing/2014/main" xmlns="" id="{9E63CD82-7E71-4367-8277-574E557EA990}"/>
                   </a:ext>
                 </a:extLst>
               </p:cNvPr>
@@ -10314,7 +12613,7 @@
               <p:cNvPr id="28" name="Rectangle 1">
                 <a:extLst>
                   <a:ext uri="{FF2B5EF4-FFF2-40B4-BE49-F238E27FC236}">
-                    <a16:creationId xmlns:a16="http://schemas.microsoft.com/office/drawing/2014/main" id="{0A88CE75-95F4-499E-842B-075807A82643}"/>
+                    <a16:creationId xmlns:a16="http://schemas.microsoft.com/office/drawing/2014/main" xmlns="" id="{0A88CE75-95F4-499E-842B-075807A82643}"/>
                   </a:ext>
                 </a:extLst>
               </p:cNvPr>
@@ -10568,7 +12867,7 @@
               <p:cNvPr id="29" name="Rectangle 1">
                 <a:extLst>
                   <a:ext uri="{FF2B5EF4-FFF2-40B4-BE49-F238E27FC236}">
-                    <a16:creationId xmlns:a16="http://schemas.microsoft.com/office/drawing/2014/main" id="{E0C71518-ACB1-46C3-80EE-972E9FD1840C}"/>
+                    <a16:creationId xmlns:a16="http://schemas.microsoft.com/office/drawing/2014/main" xmlns="" id="{E0C71518-ACB1-46C3-80EE-972E9FD1840C}"/>
                   </a:ext>
                 </a:extLst>
               </p:cNvPr>
@@ -10815,7 +13114,7 @@
             <p:cNvPr id="23" name="Group 22">
               <a:extLst>
                 <a:ext uri="{FF2B5EF4-FFF2-40B4-BE49-F238E27FC236}">
-                  <a16:creationId xmlns:a16="http://schemas.microsoft.com/office/drawing/2014/main" id="{0003B74D-B8C7-4414-9D7E-8A06C42A0CAA}"/>
+                  <a16:creationId xmlns:a16="http://schemas.microsoft.com/office/drawing/2014/main" xmlns="" id="{0003B74D-B8C7-4414-9D7E-8A06C42A0CAA}"/>
                 </a:ext>
               </a:extLst>
             </p:cNvPr>
@@ -10835,7 +13134,7 @@
               <p:cNvPr id="24" name="Rectangle: Rounded Corners 23">
                 <a:extLst>
                   <a:ext uri="{FF2B5EF4-FFF2-40B4-BE49-F238E27FC236}">
-                    <a16:creationId xmlns:a16="http://schemas.microsoft.com/office/drawing/2014/main" id="{97CECC83-8D18-45D9-B7DD-EA416689E01B}"/>
+                    <a16:creationId xmlns:a16="http://schemas.microsoft.com/office/drawing/2014/main" xmlns="" id="{97CECC83-8D18-45D9-B7DD-EA416689E01B}"/>
                   </a:ext>
                 </a:extLst>
               </p:cNvPr>
@@ -10890,7 +13189,7 @@
               <p:cNvPr id="25" name="Rectangle 1">
                 <a:extLst>
                   <a:ext uri="{FF2B5EF4-FFF2-40B4-BE49-F238E27FC236}">
-                    <a16:creationId xmlns:a16="http://schemas.microsoft.com/office/drawing/2014/main" id="{04212A30-EC2B-4ABF-8921-51C5D19C1368}"/>
+                    <a16:creationId xmlns:a16="http://schemas.microsoft.com/office/drawing/2014/main" xmlns="" id="{04212A30-EC2B-4ABF-8921-51C5D19C1368}"/>
                   </a:ext>
                 </a:extLst>
               </p:cNvPr>
@@ -11144,7 +13443,7 @@
               <p:cNvPr id="26" name="Rectangle 1">
                 <a:extLst>
                   <a:ext uri="{FF2B5EF4-FFF2-40B4-BE49-F238E27FC236}">
-                    <a16:creationId xmlns:a16="http://schemas.microsoft.com/office/drawing/2014/main" id="{6704B4F6-A682-486C-BA1E-C35C74B3DE0E}"/>
+                    <a16:creationId xmlns:a16="http://schemas.microsoft.com/office/drawing/2014/main" xmlns="" id="{6704B4F6-A682-486C-BA1E-C35C74B3DE0E}"/>
                   </a:ext>
                 </a:extLst>
               </p:cNvPr>
@@ -11392,7 +13691,7 @@
           <p:cNvPr id="33" name="Group 32">
             <a:extLst>
               <a:ext uri="{FF2B5EF4-FFF2-40B4-BE49-F238E27FC236}">
-                <a16:creationId xmlns:a16="http://schemas.microsoft.com/office/drawing/2014/main" id="{6FB1CA6F-487B-445A-AE17-DE06D734C19D}"/>
+                <a16:creationId xmlns:a16="http://schemas.microsoft.com/office/drawing/2014/main" xmlns="" id="{6FB1CA6F-487B-445A-AE17-DE06D734C19D}"/>
               </a:ext>
             </a:extLst>
           </p:cNvPr>
@@ -11412,7 +13711,7 @@
             <p:cNvPr id="34" name="Group 33">
               <a:extLst>
                 <a:ext uri="{FF2B5EF4-FFF2-40B4-BE49-F238E27FC236}">
-                  <a16:creationId xmlns:a16="http://schemas.microsoft.com/office/drawing/2014/main" id="{9A74CAB0-9F63-45CB-B953-6006D17ADF18}"/>
+                  <a16:creationId xmlns:a16="http://schemas.microsoft.com/office/drawing/2014/main" xmlns="" id="{9A74CAB0-9F63-45CB-B953-6006D17ADF18}"/>
                 </a:ext>
               </a:extLst>
             </p:cNvPr>
@@ -11432,7 +13731,7 @@
               <p:cNvPr id="43" name="Rectangle: Rounded Corners 42">
                 <a:extLst>
                   <a:ext uri="{FF2B5EF4-FFF2-40B4-BE49-F238E27FC236}">
-                    <a16:creationId xmlns:a16="http://schemas.microsoft.com/office/drawing/2014/main" id="{F3DF1273-F300-4BD0-8FB7-48FEC0DB1F09}"/>
+                    <a16:creationId xmlns:a16="http://schemas.microsoft.com/office/drawing/2014/main" xmlns="" id="{F3DF1273-F300-4BD0-8FB7-48FEC0DB1F09}"/>
                   </a:ext>
                 </a:extLst>
               </p:cNvPr>
@@ -11487,7 +13786,7 @@
               <p:cNvPr id="44" name="Rectangle 1">
                 <a:extLst>
                   <a:ext uri="{FF2B5EF4-FFF2-40B4-BE49-F238E27FC236}">
-                    <a16:creationId xmlns:a16="http://schemas.microsoft.com/office/drawing/2014/main" id="{B5D102D8-2F53-4ECD-AC34-13D13E6B37F0}"/>
+                    <a16:creationId xmlns:a16="http://schemas.microsoft.com/office/drawing/2014/main" xmlns="" id="{B5D102D8-2F53-4ECD-AC34-13D13E6B37F0}"/>
                   </a:ext>
                 </a:extLst>
               </p:cNvPr>
@@ -11728,7 +14027,7 @@
               <p:cNvPr id="45" name="Rectangle 1">
                 <a:extLst>
                   <a:ext uri="{FF2B5EF4-FFF2-40B4-BE49-F238E27FC236}">
-                    <a16:creationId xmlns:a16="http://schemas.microsoft.com/office/drawing/2014/main" id="{AAAEF367-96EF-4FDD-A670-DD00CDACB8EF}"/>
+                    <a16:creationId xmlns:a16="http://schemas.microsoft.com/office/drawing/2014/main" xmlns="" id="{AAAEF367-96EF-4FDD-A670-DD00CDACB8EF}"/>
                   </a:ext>
                 </a:extLst>
               </p:cNvPr>
@@ -11975,7 +14274,7 @@
             <p:cNvPr id="35" name="Group 34">
               <a:extLst>
                 <a:ext uri="{FF2B5EF4-FFF2-40B4-BE49-F238E27FC236}">
-                  <a16:creationId xmlns:a16="http://schemas.microsoft.com/office/drawing/2014/main" id="{7C56915C-9D0F-4B22-BEBB-943ED8C902CC}"/>
+                  <a16:creationId xmlns:a16="http://schemas.microsoft.com/office/drawing/2014/main" xmlns="" id="{7C56915C-9D0F-4B22-BEBB-943ED8C902CC}"/>
                 </a:ext>
               </a:extLst>
             </p:cNvPr>
@@ -11995,7 +14294,7 @@
               <p:cNvPr id="40" name="Rectangle: Rounded Corners 39">
                 <a:extLst>
                   <a:ext uri="{FF2B5EF4-FFF2-40B4-BE49-F238E27FC236}">
-                    <a16:creationId xmlns:a16="http://schemas.microsoft.com/office/drawing/2014/main" id="{B358541E-A59E-4315-9377-A1344B4DBD6D}"/>
+                    <a16:creationId xmlns:a16="http://schemas.microsoft.com/office/drawing/2014/main" xmlns="" id="{B358541E-A59E-4315-9377-A1344B4DBD6D}"/>
                   </a:ext>
                 </a:extLst>
               </p:cNvPr>
@@ -12050,7 +14349,7 @@
               <p:cNvPr id="41" name="Rectangle 1">
                 <a:extLst>
                   <a:ext uri="{FF2B5EF4-FFF2-40B4-BE49-F238E27FC236}">
-                    <a16:creationId xmlns:a16="http://schemas.microsoft.com/office/drawing/2014/main" id="{636FAF22-4BB5-4789-9C21-4115B0581B1F}"/>
+                    <a16:creationId xmlns:a16="http://schemas.microsoft.com/office/drawing/2014/main" xmlns="" id="{636FAF22-4BB5-4789-9C21-4115B0581B1F}"/>
                   </a:ext>
                 </a:extLst>
               </p:cNvPr>
@@ -12304,7 +14603,7 @@
               <p:cNvPr id="42" name="Rectangle 1">
                 <a:extLst>
                   <a:ext uri="{FF2B5EF4-FFF2-40B4-BE49-F238E27FC236}">
-                    <a16:creationId xmlns:a16="http://schemas.microsoft.com/office/drawing/2014/main" id="{81D9FE2A-0944-401B-80F6-90BF83A79396}"/>
+                    <a16:creationId xmlns:a16="http://schemas.microsoft.com/office/drawing/2014/main" xmlns="" id="{81D9FE2A-0944-401B-80F6-90BF83A79396}"/>
                   </a:ext>
                 </a:extLst>
               </p:cNvPr>
@@ -12551,7 +14850,7 @@
             <p:cNvPr id="36" name="Group 35">
               <a:extLst>
                 <a:ext uri="{FF2B5EF4-FFF2-40B4-BE49-F238E27FC236}">
-                  <a16:creationId xmlns:a16="http://schemas.microsoft.com/office/drawing/2014/main" id="{D08755B5-F548-4E7B-9C19-BC94E91B6FDC}"/>
+                  <a16:creationId xmlns:a16="http://schemas.microsoft.com/office/drawing/2014/main" xmlns="" id="{D08755B5-F548-4E7B-9C19-BC94E91B6FDC}"/>
                 </a:ext>
               </a:extLst>
             </p:cNvPr>
@@ -12571,7 +14870,7 @@
               <p:cNvPr id="37" name="Rectangle: Rounded Corners 36">
                 <a:extLst>
                   <a:ext uri="{FF2B5EF4-FFF2-40B4-BE49-F238E27FC236}">
-                    <a16:creationId xmlns:a16="http://schemas.microsoft.com/office/drawing/2014/main" id="{C1DF5C8E-17D1-4B23-A199-D6699B3F708F}"/>
+                    <a16:creationId xmlns:a16="http://schemas.microsoft.com/office/drawing/2014/main" xmlns="" id="{C1DF5C8E-17D1-4B23-A199-D6699B3F708F}"/>
                   </a:ext>
                 </a:extLst>
               </p:cNvPr>
@@ -12626,7 +14925,7 @@
               <p:cNvPr id="38" name="Rectangle 1">
                 <a:extLst>
                   <a:ext uri="{FF2B5EF4-FFF2-40B4-BE49-F238E27FC236}">
-                    <a16:creationId xmlns:a16="http://schemas.microsoft.com/office/drawing/2014/main" id="{E446ED41-7EA5-4CF8-9B3B-F403F4BEAEE1}"/>
+                    <a16:creationId xmlns:a16="http://schemas.microsoft.com/office/drawing/2014/main" xmlns="" id="{E446ED41-7EA5-4CF8-9B3B-F403F4BEAEE1}"/>
                   </a:ext>
                 </a:extLst>
               </p:cNvPr>
@@ -12880,7 +15179,7 @@
               <p:cNvPr id="39" name="Rectangle 1">
                 <a:extLst>
                   <a:ext uri="{FF2B5EF4-FFF2-40B4-BE49-F238E27FC236}">
-                    <a16:creationId xmlns:a16="http://schemas.microsoft.com/office/drawing/2014/main" id="{446F9F88-3567-492F-B064-2E4E05208FBB}"/>
+                    <a16:creationId xmlns:a16="http://schemas.microsoft.com/office/drawing/2014/main" xmlns="" id="{446F9F88-3567-492F-B064-2E4E05208FBB}"/>
                   </a:ext>
                 </a:extLst>
               </p:cNvPr>
@@ -13128,7 +15427,7 @@
           <p:cNvPr id="46" name="Group 45">
             <a:extLst>
               <a:ext uri="{FF2B5EF4-FFF2-40B4-BE49-F238E27FC236}">
-                <a16:creationId xmlns:a16="http://schemas.microsoft.com/office/drawing/2014/main" id="{F7F38C5C-23CF-4BA8-A2AC-0F6D4A94C5FB}"/>
+                <a16:creationId xmlns:a16="http://schemas.microsoft.com/office/drawing/2014/main" xmlns="" id="{F7F38C5C-23CF-4BA8-A2AC-0F6D4A94C5FB}"/>
               </a:ext>
             </a:extLst>
           </p:cNvPr>
@@ -13148,7 +15447,7 @@
             <p:cNvPr id="47" name="Group 46">
               <a:extLst>
                 <a:ext uri="{FF2B5EF4-FFF2-40B4-BE49-F238E27FC236}">
-                  <a16:creationId xmlns:a16="http://schemas.microsoft.com/office/drawing/2014/main" id="{9FEC8F30-CCD9-427E-8BD9-94338A73764D}"/>
+                  <a16:creationId xmlns:a16="http://schemas.microsoft.com/office/drawing/2014/main" xmlns="" id="{9FEC8F30-CCD9-427E-8BD9-94338A73764D}"/>
                 </a:ext>
               </a:extLst>
             </p:cNvPr>
@@ -13168,7 +15467,7 @@
               <p:cNvPr id="56" name="Rectangle: Rounded Corners 55">
                 <a:extLst>
                   <a:ext uri="{FF2B5EF4-FFF2-40B4-BE49-F238E27FC236}">
-                    <a16:creationId xmlns:a16="http://schemas.microsoft.com/office/drawing/2014/main" id="{5DE68EBF-5609-427D-8752-9C7D7AB8D69F}"/>
+                    <a16:creationId xmlns:a16="http://schemas.microsoft.com/office/drawing/2014/main" xmlns="" id="{5DE68EBF-5609-427D-8752-9C7D7AB8D69F}"/>
                   </a:ext>
                 </a:extLst>
               </p:cNvPr>
@@ -13228,7 +15527,7 @@
               <p:cNvPr id="57" name="Rectangle 1">
                 <a:extLst>
                   <a:ext uri="{FF2B5EF4-FFF2-40B4-BE49-F238E27FC236}">
-                    <a16:creationId xmlns:a16="http://schemas.microsoft.com/office/drawing/2014/main" id="{47668FA9-B3FB-4F25-9A18-9B02A8CD4C7B}"/>
+                    <a16:creationId xmlns:a16="http://schemas.microsoft.com/office/drawing/2014/main" xmlns="" id="{47668FA9-B3FB-4F25-9A18-9B02A8CD4C7B}"/>
                   </a:ext>
                 </a:extLst>
               </p:cNvPr>
@@ -13508,7 +15807,7 @@
               <p:cNvPr id="58" name="Rectangle 1">
                 <a:extLst>
                   <a:ext uri="{FF2B5EF4-FFF2-40B4-BE49-F238E27FC236}">
-                    <a16:creationId xmlns:a16="http://schemas.microsoft.com/office/drawing/2014/main" id="{251D002E-1514-406E-AA51-8DF02F248FBF}"/>
+                    <a16:creationId xmlns:a16="http://schemas.microsoft.com/office/drawing/2014/main" xmlns="" id="{251D002E-1514-406E-AA51-8DF02F248FBF}"/>
                   </a:ext>
                 </a:extLst>
               </p:cNvPr>
@@ -13765,7 +16064,7 @@
             <p:cNvPr id="49" name="Group 48">
               <a:extLst>
                 <a:ext uri="{FF2B5EF4-FFF2-40B4-BE49-F238E27FC236}">
-                  <a16:creationId xmlns:a16="http://schemas.microsoft.com/office/drawing/2014/main" id="{45B73D20-D477-4E43-B702-16A07BD9C694}"/>
+                  <a16:creationId xmlns:a16="http://schemas.microsoft.com/office/drawing/2014/main" xmlns="" id="{45B73D20-D477-4E43-B702-16A07BD9C694}"/>
                 </a:ext>
               </a:extLst>
             </p:cNvPr>
@@ -13785,7 +16084,7 @@
               <p:cNvPr id="50" name="Rectangle: Rounded Corners 49">
                 <a:extLst>
                   <a:ext uri="{FF2B5EF4-FFF2-40B4-BE49-F238E27FC236}">
-                    <a16:creationId xmlns:a16="http://schemas.microsoft.com/office/drawing/2014/main" id="{B170B691-EA42-4BFD-A992-1F5518981BEB}"/>
+                    <a16:creationId xmlns:a16="http://schemas.microsoft.com/office/drawing/2014/main" xmlns="" id="{B170B691-EA42-4BFD-A992-1F5518981BEB}"/>
                   </a:ext>
                 </a:extLst>
               </p:cNvPr>
@@ -13845,7 +16144,7 @@
               <p:cNvPr id="51" name="Rectangle 1">
                 <a:extLst>
                   <a:ext uri="{FF2B5EF4-FFF2-40B4-BE49-F238E27FC236}">
-                    <a16:creationId xmlns:a16="http://schemas.microsoft.com/office/drawing/2014/main" id="{DFCA592B-3B29-4EBA-8C14-AED2A4AB0E6B}"/>
+                    <a16:creationId xmlns:a16="http://schemas.microsoft.com/office/drawing/2014/main" xmlns="" id="{DFCA592B-3B29-4EBA-8C14-AED2A4AB0E6B}"/>
                   </a:ext>
                 </a:extLst>
               </p:cNvPr>
@@ -14125,7 +16424,7 @@
               <p:cNvPr id="52" name="Rectangle 1">
                 <a:extLst>
                   <a:ext uri="{FF2B5EF4-FFF2-40B4-BE49-F238E27FC236}">
-                    <a16:creationId xmlns:a16="http://schemas.microsoft.com/office/drawing/2014/main" id="{3FE0A815-F9BF-4CB9-963C-406C649AAF39}"/>
+                    <a16:creationId xmlns:a16="http://schemas.microsoft.com/office/drawing/2014/main" xmlns="" id="{3FE0A815-F9BF-4CB9-963C-406C649AAF39}"/>
                   </a:ext>
                 </a:extLst>
               </p:cNvPr>
@@ -14373,7 +16672,7 @@
           <p:cNvPr id="66" name="Group 65">
             <a:extLst>
               <a:ext uri="{FF2B5EF4-FFF2-40B4-BE49-F238E27FC236}">
-                <a16:creationId xmlns:a16="http://schemas.microsoft.com/office/drawing/2014/main" id="{09E3B45E-13F7-4086-9B3D-3BCA0D5B3E40}"/>
+                <a16:creationId xmlns:a16="http://schemas.microsoft.com/office/drawing/2014/main" xmlns="" id="{09E3B45E-13F7-4086-9B3D-3BCA0D5B3E40}"/>
               </a:ext>
             </a:extLst>
           </p:cNvPr>
@@ -14393,7 +16692,7 @@
             <p:cNvPr id="60" name="Rectangle: Rounded Corners 59">
               <a:extLst>
                 <a:ext uri="{FF2B5EF4-FFF2-40B4-BE49-F238E27FC236}">
-                  <a16:creationId xmlns:a16="http://schemas.microsoft.com/office/drawing/2014/main" id="{F0AE653F-8BF7-47BE-9D74-F937E73AFDA0}"/>
+                  <a16:creationId xmlns:a16="http://schemas.microsoft.com/office/drawing/2014/main" xmlns="" id="{F0AE653F-8BF7-47BE-9D74-F937E73AFDA0}"/>
                 </a:ext>
               </a:extLst>
             </p:cNvPr>
@@ -14453,7 +16752,7 @@
             <p:cNvPr id="61" name="Rectangle 1">
               <a:extLst>
                 <a:ext uri="{FF2B5EF4-FFF2-40B4-BE49-F238E27FC236}">
-                  <a16:creationId xmlns:a16="http://schemas.microsoft.com/office/drawing/2014/main" id="{6658BA08-4343-4456-91D8-6D8B9ADFA36D}"/>
+                  <a16:creationId xmlns:a16="http://schemas.microsoft.com/office/drawing/2014/main" xmlns="" id="{6658BA08-4343-4456-91D8-6D8B9ADFA36D}"/>
                 </a:ext>
               </a:extLst>
             </p:cNvPr>
@@ -14707,7 +17006,7 @@
             <p:cNvPr id="62" name="Rectangle 1">
               <a:extLst>
                 <a:ext uri="{FF2B5EF4-FFF2-40B4-BE49-F238E27FC236}">
-                  <a16:creationId xmlns:a16="http://schemas.microsoft.com/office/drawing/2014/main" id="{04C4E7C5-5365-4AB0-AFE1-BB6CEBCD5D7A}"/>
+                  <a16:creationId xmlns:a16="http://schemas.microsoft.com/office/drawing/2014/main" xmlns="" id="{04C4E7C5-5365-4AB0-AFE1-BB6CEBCD5D7A}"/>
                 </a:ext>
               </a:extLst>
             </p:cNvPr>
@@ -14954,7 +17253,7 @@
           <p:cNvPr id="63" name="Rectangle: Rounded Corners 62">
             <a:extLst>
               <a:ext uri="{FF2B5EF4-FFF2-40B4-BE49-F238E27FC236}">
-                <a16:creationId xmlns:a16="http://schemas.microsoft.com/office/drawing/2014/main" id="{61D3D070-24FE-4EF4-AD82-4932219E03A8}"/>
+                <a16:creationId xmlns:a16="http://schemas.microsoft.com/office/drawing/2014/main" xmlns="" id="{61D3D070-24FE-4EF4-AD82-4932219E03A8}"/>
               </a:ext>
             </a:extLst>
           </p:cNvPr>
@@ -15015,7 +17314,7 @@
           <p:cNvPr id="64" name="Rectangle 1">
             <a:extLst>
               <a:ext uri="{FF2B5EF4-FFF2-40B4-BE49-F238E27FC236}">
-                <a16:creationId xmlns:a16="http://schemas.microsoft.com/office/drawing/2014/main" id="{12DF6876-8E45-45F6-9D46-30B611A0AE2E}"/>
+                <a16:creationId xmlns:a16="http://schemas.microsoft.com/office/drawing/2014/main" xmlns="" id="{12DF6876-8E45-45F6-9D46-30B611A0AE2E}"/>
               </a:ext>
             </a:extLst>
           </p:cNvPr>
@@ -15269,7 +17568,7 @@
           <p:cNvPr id="65" name="Rectangle 1">
             <a:extLst>
               <a:ext uri="{FF2B5EF4-FFF2-40B4-BE49-F238E27FC236}">
-                <a16:creationId xmlns:a16="http://schemas.microsoft.com/office/drawing/2014/main" id="{DE6C8D79-F8C3-405D-8876-50EB382F674E}"/>
+                <a16:creationId xmlns:a16="http://schemas.microsoft.com/office/drawing/2014/main" xmlns="" id="{DE6C8D79-F8C3-405D-8876-50EB382F674E}"/>
               </a:ext>
             </a:extLst>
           </p:cNvPr>
@@ -15515,7 +17814,7 @@
           <p:cNvPr id="67" name="Group 66">
             <a:extLst>
               <a:ext uri="{FF2B5EF4-FFF2-40B4-BE49-F238E27FC236}">
-                <a16:creationId xmlns:a16="http://schemas.microsoft.com/office/drawing/2014/main" id="{0CF2143C-7C92-4818-ADFA-BDE4349E1825}"/>
+                <a16:creationId xmlns:a16="http://schemas.microsoft.com/office/drawing/2014/main" xmlns="" id="{0CF2143C-7C92-4818-ADFA-BDE4349E1825}"/>
               </a:ext>
             </a:extLst>
           </p:cNvPr>
@@ -15538,7 +17837,7 @@
             <p:cNvPr id="68" name="Rectangle: Rounded Corners 67">
               <a:extLst>
                 <a:ext uri="{FF2B5EF4-FFF2-40B4-BE49-F238E27FC236}">
-                  <a16:creationId xmlns:a16="http://schemas.microsoft.com/office/drawing/2014/main" id="{8D8080FF-967C-423E-B1A9-F6D1D70B89D8}"/>
+                  <a16:creationId xmlns:a16="http://schemas.microsoft.com/office/drawing/2014/main" xmlns="" id="{8D8080FF-967C-423E-B1A9-F6D1D70B89D8}"/>
                 </a:ext>
               </a:extLst>
             </p:cNvPr>
@@ -15594,7 +17893,7 @@
             <p:cNvPr id="69" name="Rectangle 1">
               <a:extLst>
                 <a:ext uri="{FF2B5EF4-FFF2-40B4-BE49-F238E27FC236}">
-                  <a16:creationId xmlns:a16="http://schemas.microsoft.com/office/drawing/2014/main" id="{2D1036B3-14D4-4E42-BDC0-EF1330ED60EE}"/>
+                  <a16:creationId xmlns:a16="http://schemas.microsoft.com/office/drawing/2014/main" xmlns="" id="{2D1036B3-14D4-4E42-BDC0-EF1330ED60EE}"/>
                 </a:ext>
               </a:extLst>
             </p:cNvPr>
@@ -15846,7 +18145,7 @@
             <p:cNvPr id="70" name="Rectangle 1">
               <a:extLst>
                 <a:ext uri="{FF2B5EF4-FFF2-40B4-BE49-F238E27FC236}">
-                  <a16:creationId xmlns:a16="http://schemas.microsoft.com/office/drawing/2014/main" id="{3A5F1E59-3453-47CD-B19B-9843A655CB98}"/>
+                  <a16:creationId xmlns:a16="http://schemas.microsoft.com/office/drawing/2014/main" xmlns="" id="{3A5F1E59-3453-47CD-B19B-9843A655CB98}"/>
                 </a:ext>
               </a:extLst>
             </p:cNvPr>
@@ -16091,7 +18390,7 @@
           <p:cNvPr id="71" name="Group 70">
             <a:extLst>
               <a:ext uri="{FF2B5EF4-FFF2-40B4-BE49-F238E27FC236}">
-                <a16:creationId xmlns:a16="http://schemas.microsoft.com/office/drawing/2014/main" id="{1B929D54-D563-4F15-8B27-C490F01D4FF7}"/>
+                <a16:creationId xmlns:a16="http://schemas.microsoft.com/office/drawing/2014/main" xmlns="" id="{1B929D54-D563-4F15-8B27-C490F01D4FF7}"/>
               </a:ext>
             </a:extLst>
           </p:cNvPr>
@@ -16111,7 +18410,7 @@
             <p:cNvPr id="72" name="Rectangle: Rounded Corners 71">
               <a:extLst>
                 <a:ext uri="{FF2B5EF4-FFF2-40B4-BE49-F238E27FC236}">
-                  <a16:creationId xmlns:a16="http://schemas.microsoft.com/office/drawing/2014/main" id="{5539BA8E-AD87-4389-911B-F1DAACA1C519}"/>
+                  <a16:creationId xmlns:a16="http://schemas.microsoft.com/office/drawing/2014/main" xmlns="" id="{5539BA8E-AD87-4389-911B-F1DAACA1C519}"/>
                 </a:ext>
               </a:extLst>
             </p:cNvPr>
@@ -16169,7 +18468,7 @@
             <p:cNvPr id="73" name="Rectangle 1">
               <a:extLst>
                 <a:ext uri="{FF2B5EF4-FFF2-40B4-BE49-F238E27FC236}">
-                  <a16:creationId xmlns:a16="http://schemas.microsoft.com/office/drawing/2014/main" id="{B5E2551B-EA26-446E-997D-AD866C1898F9}"/>
+                  <a16:creationId xmlns:a16="http://schemas.microsoft.com/office/drawing/2014/main" xmlns="" id="{B5E2551B-EA26-446E-997D-AD866C1898F9}"/>
                 </a:ext>
               </a:extLst>
             </p:cNvPr>
@@ -16423,7 +18722,7 @@
             <p:cNvPr id="74" name="Rectangle 1">
               <a:extLst>
                 <a:ext uri="{FF2B5EF4-FFF2-40B4-BE49-F238E27FC236}">
-                  <a16:creationId xmlns:a16="http://schemas.microsoft.com/office/drawing/2014/main" id="{B29AAE37-FFC0-4C6B-8A9E-D07C787E2CC2}"/>
+                  <a16:creationId xmlns:a16="http://schemas.microsoft.com/office/drawing/2014/main" xmlns="" id="{B29AAE37-FFC0-4C6B-8A9E-D07C787E2CC2}"/>
                 </a:ext>
               </a:extLst>
             </p:cNvPr>
@@ -16680,7 +18979,7 @@
           <p:cNvPr id="83" name="Group 82">
             <a:extLst>
               <a:ext uri="{FF2B5EF4-FFF2-40B4-BE49-F238E27FC236}">
-                <a16:creationId xmlns:a16="http://schemas.microsoft.com/office/drawing/2014/main" id="{909F8865-02E7-44D5-B223-A62A03CA6165}"/>
+                <a16:creationId xmlns:a16="http://schemas.microsoft.com/office/drawing/2014/main" xmlns="" id="{909F8865-02E7-44D5-B223-A62A03CA6165}"/>
               </a:ext>
             </a:extLst>
           </p:cNvPr>
@@ -16700,7 +18999,7 @@
             <p:cNvPr id="79" name="Rectangle: Rounded Corners 78">
               <a:extLst>
                 <a:ext uri="{FF2B5EF4-FFF2-40B4-BE49-F238E27FC236}">
-                  <a16:creationId xmlns:a16="http://schemas.microsoft.com/office/drawing/2014/main" id="{603A3EF2-4ADC-4873-BEDD-10429C3A5A99}"/>
+                  <a16:creationId xmlns:a16="http://schemas.microsoft.com/office/drawing/2014/main" xmlns="" id="{603A3EF2-4ADC-4873-BEDD-10429C3A5A99}"/>
                 </a:ext>
               </a:extLst>
             </p:cNvPr>
@@ -16755,7 +19054,7 @@
             <p:cNvPr id="80" name="Rectangle: Rounded Corners 79">
               <a:extLst>
                 <a:ext uri="{FF2B5EF4-FFF2-40B4-BE49-F238E27FC236}">
-                  <a16:creationId xmlns:a16="http://schemas.microsoft.com/office/drawing/2014/main" id="{4F4E4D06-7366-43E2-A3E9-24B77733ADB9}"/>
+                  <a16:creationId xmlns:a16="http://schemas.microsoft.com/office/drawing/2014/main" xmlns="" id="{4F4E4D06-7366-43E2-A3E9-24B77733ADB9}"/>
                 </a:ext>
               </a:extLst>
             </p:cNvPr>
@@ -16810,7 +19109,7 @@
             <p:cNvPr id="81" name="Rectangle: Rounded Corners 80">
               <a:extLst>
                 <a:ext uri="{FF2B5EF4-FFF2-40B4-BE49-F238E27FC236}">
-                  <a16:creationId xmlns:a16="http://schemas.microsoft.com/office/drawing/2014/main" id="{21419A83-FF9E-4D1B-B8CC-8F1EED06E8AE}"/>
+                  <a16:creationId xmlns:a16="http://schemas.microsoft.com/office/drawing/2014/main" xmlns="" id="{21419A83-FF9E-4D1B-B8CC-8F1EED06E8AE}"/>
                 </a:ext>
               </a:extLst>
             </p:cNvPr>
@@ -16865,7 +19164,7 @@
             <p:cNvPr id="82" name="Rectangle: Rounded Corners 81">
               <a:extLst>
                 <a:ext uri="{FF2B5EF4-FFF2-40B4-BE49-F238E27FC236}">
-                  <a16:creationId xmlns:a16="http://schemas.microsoft.com/office/drawing/2014/main" id="{84DB7298-9C40-4EE6-B477-5989A3E6E7E9}"/>
+                  <a16:creationId xmlns:a16="http://schemas.microsoft.com/office/drawing/2014/main" xmlns="" id="{84DB7298-9C40-4EE6-B477-5989A3E6E7E9}"/>
                 </a:ext>
               </a:extLst>
             </p:cNvPr>
@@ -17177,90 +19476,469 @@
       </p:grpSpPr>
       <p:grpSp>
         <p:nvGrpSpPr>
-          <p:cNvPr id="26" name="Group 25">
-            <a:extLst>
-              <a:ext uri="{FF2B5EF4-FFF2-40B4-BE49-F238E27FC236}">
-                <a16:creationId xmlns:a16="http://schemas.microsoft.com/office/drawing/2014/main" id="{BDCA9327-DE2D-4E7A-A00A-85320C3369BE}"/>
-              </a:ext>
-            </a:extLst>
-          </p:cNvPr>
+          <p:cNvPr id="6" name="Group 5"/>
           <p:cNvGrpSpPr/>
           <p:nvPr/>
         </p:nvGrpSpPr>
         <p:grpSpPr>
           <a:xfrm>
-            <a:off x="2946398" y="2841923"/>
-            <a:ext cx="7521909" cy="2633187"/>
-            <a:chOff x="5139659" y="5328355"/>
-            <a:chExt cx="4268268" cy="1338950"/>
+            <a:off x="4291882" y="3408920"/>
+            <a:ext cx="7900118" cy="2633187"/>
+            <a:chOff x="4291882" y="3408920"/>
+            <a:chExt cx="7900118" cy="2633187"/>
           </a:xfrm>
         </p:grpSpPr>
-        <p:sp>
-          <p:nvSpPr>
-            <p:cNvPr id="27" name="Rectangle: Rounded Corners 26">
+        <p:grpSp>
+          <p:nvGrpSpPr>
+            <p:cNvPr id="26" name="Group 25">
               <a:extLst>
                 <a:ext uri="{FF2B5EF4-FFF2-40B4-BE49-F238E27FC236}">
-                  <a16:creationId xmlns:a16="http://schemas.microsoft.com/office/drawing/2014/main" id="{9F7B732F-8628-492C-8389-3AF309F2B350}"/>
+                  <a16:creationId xmlns:a16="http://schemas.microsoft.com/office/drawing/2014/main" xmlns="" id="{BDCA9327-DE2D-4E7A-A00A-85320C3369BE}"/>
                 </a:ext>
               </a:extLst>
             </p:cNvPr>
-            <p:cNvSpPr/>
+            <p:cNvGrpSpPr/>
+            <p:nvPr/>
+          </p:nvGrpSpPr>
+          <p:grpSpPr>
+            <a:xfrm>
+              <a:off x="6148936" y="3408920"/>
+              <a:ext cx="6043064" cy="2633187"/>
+              <a:chOff x="5978822" y="5328355"/>
+              <a:chExt cx="3429105" cy="1338950"/>
+            </a:xfrm>
+          </p:grpSpPr>
+          <p:sp>
+            <p:nvSpPr>
+              <p:cNvPr id="27" name="Rectangle: Rounded Corners 26">
+                <a:extLst>
+                  <a:ext uri="{FF2B5EF4-FFF2-40B4-BE49-F238E27FC236}">
+                    <a16:creationId xmlns:a16="http://schemas.microsoft.com/office/drawing/2014/main" xmlns="" id="{9F7B732F-8628-492C-8389-3AF309F2B350}"/>
+                  </a:ext>
+                </a:extLst>
+              </p:cNvPr>
+              <p:cNvSpPr/>
+              <p:nvPr/>
+            </p:nvSpPr>
+            <p:spPr>
+              <a:xfrm>
+                <a:off x="5978822" y="5328355"/>
+                <a:ext cx="2684040" cy="1338950"/>
+              </a:xfrm>
+              <a:prstGeom prst="roundRect">
+                <a:avLst/>
+              </a:prstGeom>
+              <a:solidFill>
+                <a:schemeClr val="accent4">
+                  <a:lumMod val="75000"/>
+                </a:schemeClr>
+              </a:solidFill>
+            </p:spPr>
+            <p:style>
+              <a:lnRef idx="2">
+                <a:schemeClr val="accent1">
+                  <a:shade val="50000"/>
+                </a:schemeClr>
+              </a:lnRef>
+              <a:fillRef idx="1">
+                <a:schemeClr val="accent1"/>
+              </a:fillRef>
+              <a:effectRef idx="0">
+                <a:schemeClr val="accent1"/>
+              </a:effectRef>
+              <a:fontRef idx="minor">
+                <a:schemeClr val="lt1"/>
+              </a:fontRef>
+            </p:style>
+            <p:txBody>
+              <a:bodyPr rtlCol="0" anchor="ctr"/>
+              <a:lstStyle/>
+              <a:p>
+                <a:pPr algn="ctr"/>
+                <a:r>
+                  <a:rPr lang="en-IN" sz="1800" dirty="0">
+                    <a:solidFill>
+                      <a:srgbClr val="000000"/>
+                    </a:solidFill>
+                    <a:latin typeface="Consolas" panose="020B0609020204030204" pitchFamily="49" charset="0"/>
+                  </a:rPr>
+                  <a:t>bmt.config01.com</a:t>
+                </a:r>
+                <a:endParaRPr lang="en-IN" dirty="0"/>
+              </a:p>
+            </p:txBody>
+          </p:sp>
+          <p:sp>
+            <p:nvSpPr>
+              <p:cNvPr id="28" name="Rectangle 1">
+                <a:extLst>
+                  <a:ext uri="{FF2B5EF4-FFF2-40B4-BE49-F238E27FC236}">
+                    <a16:creationId xmlns:a16="http://schemas.microsoft.com/office/drawing/2014/main" xmlns="" id="{7ACE0809-F724-4F82-8F30-59BB9374E8CB}"/>
+                  </a:ext>
+                </a:extLst>
+              </p:cNvPr>
+              <p:cNvSpPr>
+                <a:spLocks noChangeArrowheads="1"/>
+              </p:cNvSpPr>
+              <p:nvPr/>
+            </p:nvSpPr>
+            <p:spPr bwMode="auto">
+              <a:xfrm>
+                <a:off x="7917794" y="5458501"/>
+                <a:ext cx="1490133" cy="164326"/>
+              </a:xfrm>
+              <a:prstGeom prst="rect">
+                <a:avLst/>
+              </a:prstGeom>
+              <a:solidFill>
+                <a:srgbClr val="F2F2F2"/>
+              </a:solidFill>
+              <a:ln>
+                <a:noFill/>
+              </a:ln>
+              <a:effectLst/>
+              <a:extLst>
+                <a:ext uri="{91240B29-F687-4F45-9708-019B960494DF}">
+                  <a14:hiddenLine xmlns:a14="http://schemas.microsoft.com/office/drawing/2010/main" w="9525">
+                    <a:solidFill>
+                      <a:schemeClr val="tx1"/>
+                    </a:solidFill>
+                    <a:miter lim="800000"/>
+                    <a:headEnd/>
+                    <a:tailEnd/>
+                  </a14:hiddenLine>
+                </a:ext>
+                <a:ext uri="{AF507438-7753-43E0-B8FC-AC1667EBCBE1}">
+                  <a14:hiddenEffects xmlns:a14="http://schemas.microsoft.com/office/drawing/2010/main">
+                    <a:effectLst>
+                      <a:outerShdw dist="35921" dir="2700000" algn="ctr" rotWithShape="0">
+                        <a:schemeClr val="bg2"/>
+                      </a:outerShdw>
+                    </a:effectLst>
+                  </a14:hiddenEffects>
+                </a:ext>
+              </a:extLst>
+            </p:spPr>
+            <p:txBody>
+              <a:bodyPr vert="horz" wrap="square" lIns="91440" tIns="45720" rIns="91440" bIns="45720" numCol="1" anchor="ctr" anchorCtr="0" compatLnSpc="1">
+                <a:prstTxWarp prst="textNoShape">
+                  <a:avLst/>
+                </a:prstTxWarp>
+                <a:spAutoFit/>
+              </a:bodyPr>
+              <a:lstStyle>
+                <a:lvl1pPr eaLnBrk="0" fontAlgn="base" hangingPunct="0">
+                  <a:spcBef>
+                    <a:spcPct val="0"/>
+                  </a:spcBef>
+                  <a:spcAft>
+                    <a:spcPct val="0"/>
+                  </a:spcAft>
+                  <a:defRPr>
+                    <a:solidFill>
+                      <a:schemeClr val="tx1"/>
+                    </a:solidFill>
+                    <a:latin typeface="Arial" panose="020B0604020202020204" pitchFamily="34" charset="0"/>
+                  </a:defRPr>
+                </a:lvl1pPr>
+                <a:lvl2pPr eaLnBrk="0" fontAlgn="base" hangingPunct="0">
+                  <a:spcBef>
+                    <a:spcPct val="0"/>
+                  </a:spcBef>
+                  <a:spcAft>
+                    <a:spcPct val="0"/>
+                  </a:spcAft>
+                  <a:defRPr>
+                    <a:solidFill>
+                      <a:schemeClr val="tx1"/>
+                    </a:solidFill>
+                    <a:latin typeface="Arial" panose="020B0604020202020204" pitchFamily="34" charset="0"/>
+                  </a:defRPr>
+                </a:lvl2pPr>
+                <a:lvl3pPr eaLnBrk="0" fontAlgn="base" hangingPunct="0">
+                  <a:spcBef>
+                    <a:spcPct val="0"/>
+                  </a:spcBef>
+                  <a:spcAft>
+                    <a:spcPct val="0"/>
+                  </a:spcAft>
+                  <a:defRPr>
+                    <a:solidFill>
+                      <a:schemeClr val="tx1"/>
+                    </a:solidFill>
+                    <a:latin typeface="Arial" panose="020B0604020202020204" pitchFamily="34" charset="0"/>
+                  </a:defRPr>
+                </a:lvl3pPr>
+                <a:lvl4pPr eaLnBrk="0" fontAlgn="base" hangingPunct="0">
+                  <a:spcBef>
+                    <a:spcPct val="0"/>
+                  </a:spcBef>
+                  <a:spcAft>
+                    <a:spcPct val="0"/>
+                  </a:spcAft>
+                  <a:defRPr>
+                    <a:solidFill>
+                      <a:schemeClr val="tx1"/>
+                    </a:solidFill>
+                    <a:latin typeface="Arial" panose="020B0604020202020204" pitchFamily="34" charset="0"/>
+                  </a:defRPr>
+                </a:lvl4pPr>
+                <a:lvl5pPr eaLnBrk="0" fontAlgn="base" hangingPunct="0">
+                  <a:spcBef>
+                    <a:spcPct val="0"/>
+                  </a:spcBef>
+                  <a:spcAft>
+                    <a:spcPct val="0"/>
+                  </a:spcAft>
+                  <a:defRPr>
+                    <a:solidFill>
+                      <a:schemeClr val="tx1"/>
+                    </a:solidFill>
+                    <a:latin typeface="Arial" panose="020B0604020202020204" pitchFamily="34" charset="0"/>
+                  </a:defRPr>
+                </a:lvl5pPr>
+                <a:lvl6pPr eaLnBrk="0" fontAlgn="base" hangingPunct="0">
+                  <a:spcBef>
+                    <a:spcPct val="0"/>
+                  </a:spcBef>
+                  <a:spcAft>
+                    <a:spcPct val="0"/>
+                  </a:spcAft>
+                  <a:defRPr>
+                    <a:solidFill>
+                      <a:schemeClr val="tx1"/>
+                    </a:solidFill>
+                    <a:latin typeface="Arial" panose="020B0604020202020204" pitchFamily="34" charset="0"/>
+                  </a:defRPr>
+                </a:lvl6pPr>
+                <a:lvl7pPr eaLnBrk="0" fontAlgn="base" hangingPunct="0">
+                  <a:spcBef>
+                    <a:spcPct val="0"/>
+                  </a:spcBef>
+                  <a:spcAft>
+                    <a:spcPct val="0"/>
+                  </a:spcAft>
+                  <a:defRPr>
+                    <a:solidFill>
+                      <a:schemeClr val="tx1"/>
+                    </a:solidFill>
+                    <a:latin typeface="Arial" panose="020B0604020202020204" pitchFamily="34" charset="0"/>
+                  </a:defRPr>
+                </a:lvl7pPr>
+                <a:lvl8pPr eaLnBrk="0" fontAlgn="base" hangingPunct="0">
+                  <a:spcBef>
+                    <a:spcPct val="0"/>
+                  </a:spcBef>
+                  <a:spcAft>
+                    <a:spcPct val="0"/>
+                  </a:spcAft>
+                  <a:defRPr>
+                    <a:solidFill>
+                      <a:schemeClr val="tx1"/>
+                    </a:solidFill>
+                    <a:latin typeface="Arial" panose="020B0604020202020204" pitchFamily="34" charset="0"/>
+                  </a:defRPr>
+                </a:lvl8pPr>
+                <a:lvl9pPr eaLnBrk="0" fontAlgn="base" hangingPunct="0">
+                  <a:spcBef>
+                    <a:spcPct val="0"/>
+                  </a:spcBef>
+                  <a:spcAft>
+                    <a:spcPct val="0"/>
+                  </a:spcAft>
+                  <a:defRPr>
+                    <a:solidFill>
+                      <a:schemeClr val="tx1"/>
+                    </a:solidFill>
+                    <a:latin typeface="Arial" panose="020B0604020202020204" pitchFamily="34" charset="0"/>
+                  </a:defRPr>
+                </a:lvl9pPr>
+              </a:lstStyle>
+              <a:p>
+                <a:pPr marL="0" marR="0" lvl="0" indent="0" algn="l" defTabSz="914400" rtl="0" eaLnBrk="0" fontAlgn="base" latinLnBrk="0" hangingPunct="0">
+                  <a:lnSpc>
+                    <a:spcPct val="100000"/>
+                  </a:lnSpc>
+                  <a:spcBef>
+                    <a:spcPct val="0"/>
+                  </a:spcBef>
+                  <a:spcAft>
+                    <a:spcPct val="0"/>
+                  </a:spcAft>
+                  <a:buClrTx/>
+                  <a:buSzTx/>
+                  <a:buFontTx/>
+                  <a:buNone/>
+                  <a:tabLst/>
+                </a:pPr>
+                <a:r>
+                  <a:rPr kumimoji="0" lang="en-US" altLang="en-US" sz="1100" b="0" i="0" u="none" strike="noStrike" cap="none" normalizeH="0" baseline="0" dirty="0" smtClean="0">
+                    <a:ln>
+                      <a:noFill/>
+                    </a:ln>
+                    <a:solidFill>
+                      <a:srgbClr val="292929"/>
+                    </a:solidFill>
+                    <a:effectLst/>
+                    <a:latin typeface="Menlo"/>
+                  </a:rPr>
+                  <a:t>@</a:t>
+                </a:r>
+                <a:r>
+                  <a:rPr kumimoji="0" lang="en-US" altLang="en-US" sz="1100" b="0" i="0" u="none" strike="noStrike" cap="none" normalizeH="0" baseline="0" dirty="0" err="1" smtClean="0">
+                    <a:ln>
+                      <a:noFill/>
+                    </a:ln>
+                    <a:solidFill>
+                      <a:srgbClr val="292929"/>
+                    </a:solidFill>
+                    <a:effectLst/>
+                    <a:latin typeface="Menlo"/>
+                  </a:rPr>
+                  <a:t>EnableSpringBootApplication</a:t>
+                </a:r>
+                <a:r>
+                  <a:rPr kumimoji="0" lang="en-US" altLang="en-US" sz="1500" b="0" i="0" u="none" strike="noStrike" cap="none" normalizeH="0" baseline="0" dirty="0">
+                    <a:ln>
+                      <a:noFill/>
+                    </a:ln>
+                    <a:solidFill>
+                      <a:srgbClr val="292929"/>
+                    </a:solidFill>
+                    <a:effectLst/>
+                    <a:latin typeface="charter"/>
+                  </a:rPr>
+                  <a:t> </a:t>
+                </a:r>
+                <a:endParaRPr kumimoji="0" lang="en-US" altLang="en-US" sz="1800" b="0" i="0" u="none" strike="noStrike" cap="none" normalizeH="0" baseline="0" dirty="0">
+                  <a:ln>
+                    <a:noFill/>
+                  </a:ln>
+                  <a:solidFill>
+                    <a:schemeClr val="tx1"/>
+                  </a:solidFill>
+                  <a:effectLst/>
+                  <a:latin typeface="Arial" panose="020B0604020202020204" pitchFamily="34" charset="0"/>
+                </a:endParaRPr>
+              </a:p>
+            </p:txBody>
+          </p:sp>
+        </p:grpSp>
+        <p:sp>
+          <p:nvSpPr>
+            <p:cNvPr id="7" name="TextBox 6">
+              <a:extLst>
+                <a:ext uri="{FF2B5EF4-FFF2-40B4-BE49-F238E27FC236}">
+                  <a16:creationId xmlns:a16="http://schemas.microsoft.com/office/drawing/2014/main" xmlns="" id="{C91224FA-ADA9-4075-AE2B-E0C6E149E540}"/>
+                </a:ext>
+              </a:extLst>
+            </p:cNvPr>
+            <p:cNvSpPr txBox="1"/>
             <p:nvPr/>
           </p:nvSpPr>
           <p:spPr>
             <a:xfrm>
-              <a:off x="5978822" y="5328355"/>
-              <a:ext cx="2684040" cy="1338950"/>
+              <a:off x="4291882" y="4849239"/>
+              <a:ext cx="2441426" cy="430887"/>
             </a:xfrm>
-            <a:prstGeom prst="roundRect">
+            <a:prstGeom prst="rect">
               <a:avLst/>
             </a:prstGeom>
             <a:solidFill>
-              <a:schemeClr val="accent4">
-                <a:lumMod val="75000"/>
-              </a:schemeClr>
+              <a:srgbClr val="FFFF00"/>
             </a:solidFill>
           </p:spPr>
-          <p:style>
-            <a:lnRef idx="2">
-              <a:schemeClr val="accent1">
-                <a:shade val="50000"/>
-              </a:schemeClr>
-            </a:lnRef>
-            <a:fillRef idx="1">
-              <a:schemeClr val="accent1"/>
-            </a:fillRef>
-            <a:effectRef idx="0">
-              <a:schemeClr val="accent1"/>
-            </a:effectRef>
-            <a:fontRef idx="minor">
-              <a:schemeClr val="lt1"/>
-            </a:fontRef>
-          </p:style>
           <p:txBody>
-            <a:bodyPr rtlCol="0" anchor="ctr"/>
+            <a:bodyPr wrap="square">
+              <a:spAutoFit/>
+            </a:bodyPr>
             <a:lstStyle/>
             <a:p>
-              <a:pPr algn="ctr"/>
               <a:r>
-                <a:rPr lang="en-IN" sz="1800" dirty="0">
-                  <a:solidFill>
-                    <a:srgbClr val="000000"/>
-                  </a:solidFill>
-                  <a:latin typeface="Consolas" panose="020B0609020204030204" pitchFamily="49" charset="0"/>
-                </a:rPr>
-                <a:t>bmt.config01.com</a:t>
+                <a:rPr lang="en-US" sz="1100" dirty="0" err="1" smtClean="0"/>
+                <a:t>org.springframework.cloud:spring-cloud-config-server</a:t>
               </a:r>
-              <a:endParaRPr lang="en-IN" dirty="0"/>
+              <a:endParaRPr lang="en-US" sz="1100" dirty="0"/>
             </a:p>
           </p:txBody>
         </p:sp>
         <p:sp>
           <p:nvSpPr>
-            <p:cNvPr id="28" name="Rectangle 1">
+            <p:cNvPr id="8" name="TextBox 7">
               <a:extLst>
                 <a:ext uri="{FF2B5EF4-FFF2-40B4-BE49-F238E27FC236}">
-                  <a16:creationId xmlns:a16="http://schemas.microsoft.com/office/drawing/2014/main" id="{7ACE0809-F724-4F82-8F30-59BB9374E8CB}"/>
+                  <a16:creationId xmlns:a16="http://schemas.microsoft.com/office/drawing/2014/main" xmlns="" id="{C91224FA-ADA9-4075-AE2B-E0C6E149E540}"/>
+                </a:ext>
+              </a:extLst>
+            </p:cNvPr>
+            <p:cNvSpPr txBox="1"/>
+            <p:nvPr/>
+          </p:nvSpPr>
+          <p:spPr>
+            <a:xfrm>
+              <a:off x="4693665" y="5507185"/>
+              <a:ext cx="2441426" cy="430887"/>
+            </a:xfrm>
+            <a:prstGeom prst="rect">
+              <a:avLst/>
+            </a:prstGeom>
+            <a:solidFill>
+              <a:srgbClr val="FFFF00"/>
+            </a:solidFill>
+          </p:spPr>
+          <p:txBody>
+            <a:bodyPr wrap="square">
+              <a:spAutoFit/>
+            </a:bodyPr>
+            <a:lstStyle/>
+            <a:p>
+              <a:pPr lvl="0" eaLnBrk="0" fontAlgn="base" hangingPunct="0">
+                <a:spcBef>
+                  <a:spcPct val="0"/>
+                </a:spcBef>
+                <a:spcAft>
+                  <a:spcPct val="0"/>
+                </a:spcAft>
+              </a:pPr>
+              <a:r>
+                <a:rPr lang="en-IN" sz="1100" dirty="0">
+                  <a:solidFill>
+                    <a:srgbClr val="24292F"/>
+                  </a:solidFill>
+                  <a:latin typeface="ui-monospace"/>
+                </a:rPr>
+                <a:t>spring-cloud-starter-</a:t>
+              </a:r>
+              <a:r>
+                <a:rPr lang="en-IN" sz="1100" dirty="0" err="1">
+                  <a:solidFill>
+                    <a:srgbClr val="24292F"/>
+                  </a:solidFill>
+                  <a:latin typeface="ui-monospace"/>
+                </a:rPr>
+                <a:t>netflix</a:t>
+              </a:r>
+              <a:r>
+                <a:rPr lang="en-IN" sz="1100" dirty="0">
+                  <a:solidFill>
+                    <a:srgbClr val="24292F"/>
+                  </a:solidFill>
+                  <a:latin typeface="ui-monospace"/>
+                </a:rPr>
+                <a:t>-eureka-client</a:t>
+              </a:r>
+              <a:endParaRPr lang="en-US" altLang="en-US" dirty="0">
+                <a:latin typeface="Arial" panose="020B0604020202020204" pitchFamily="34" charset="0"/>
+              </a:endParaRPr>
+            </a:p>
+          </p:txBody>
+        </p:sp>
+        <p:sp>
+          <p:nvSpPr>
+            <p:cNvPr id="11" name="Rectangle 1">
+              <a:extLst>
+                <a:ext uri="{FF2B5EF4-FFF2-40B4-BE49-F238E27FC236}">
+                  <a16:creationId xmlns:a16="http://schemas.microsoft.com/office/drawing/2014/main" xmlns="" id="{7ACE0809-F724-4F82-8F30-59BB9374E8CB}"/>
                 </a:ext>
               </a:extLst>
             </p:cNvPr>
@@ -17271,8 +19949,8 @@
           </p:nvSpPr>
           <p:spPr bwMode="auto">
             <a:xfrm>
-              <a:off x="7917794" y="5379082"/>
-              <a:ext cx="1490133" cy="323165"/>
+              <a:off x="9726485" y="4320098"/>
+              <a:ext cx="1758933" cy="323164"/>
             </a:xfrm>
             <a:prstGeom prst="rect">
               <a:avLst/>
@@ -17484,18 +20162,6 @@
                 </a:rPr>
                 <a:t> </a:t>
               </a:r>
-              <a:r>
-                <a:rPr kumimoji="0" lang="en-US" altLang="en-US" sz="900" b="0" i="0" u="none" strike="noStrike" cap="none" normalizeH="0" baseline="0" dirty="0">
-                  <a:ln>
-                    <a:noFill/>
-                  </a:ln>
-                  <a:solidFill>
-                    <a:schemeClr val="tx1"/>
-                  </a:solidFill>
-                  <a:effectLst/>
-                </a:rPr>
-                <a:t> </a:t>
-              </a:r>
               <a:endParaRPr kumimoji="0" lang="en-US" altLang="en-US" sz="1800" b="0" i="0" u="none" strike="noStrike" cap="none" normalizeH="0" baseline="0" dirty="0">
                 <a:ln>
                   <a:noFill/>
@@ -17511,10 +20177,10 @@
         </p:sp>
         <p:sp>
           <p:nvSpPr>
-            <p:cNvPr id="29" name="Rectangle 1">
+            <p:cNvPr id="12" name="Rectangle 1">
               <a:extLst>
                 <a:ext uri="{FF2B5EF4-FFF2-40B4-BE49-F238E27FC236}">
-                  <a16:creationId xmlns:a16="http://schemas.microsoft.com/office/drawing/2014/main" id="{048E19C7-3FA8-4A65-8FA7-D188D1B19418}"/>
+                  <a16:creationId xmlns:a16="http://schemas.microsoft.com/office/drawing/2014/main" xmlns="" id="{7ACE0809-F724-4F82-8F30-59BB9374E8CB}"/>
                 </a:ext>
               </a:extLst>
             </p:cNvPr>
@@ -17525,8 +20191,8 @@
           </p:nvSpPr>
           <p:spPr bwMode="auto">
             <a:xfrm>
-              <a:off x="5139659" y="6444857"/>
-              <a:ext cx="1518181" cy="133026"/>
+              <a:off x="9907879" y="5260974"/>
+              <a:ext cx="1942205" cy="261610"/>
             </a:xfrm>
             <a:prstGeom prst="rect">
               <a:avLst/>
@@ -17713,34 +20379,30 @@
                 <a:tabLst/>
               </a:pPr>
               <a:r>
-                <a:rPr lang="en-IN" sz="1100" b="0" i="0" dirty="0">
-                  <a:solidFill>
-                    <a:srgbClr val="24292F"/>
+                <a:rPr kumimoji="0" lang="en-US" altLang="en-US" sz="1100" b="0" i="0" u="none" strike="noStrike" cap="none" normalizeH="0" baseline="0" dirty="0">
+                  <a:ln>
+                    <a:noFill/>
+                  </a:ln>
+                  <a:solidFill>
+                    <a:srgbClr val="292929"/>
                   </a:solidFill>
                   <a:effectLst/>
-                  <a:latin typeface="ui-monospace"/>
+                  <a:latin typeface="Menlo"/>
                 </a:rPr>
-                <a:t>spring-cloud-starter-</a:t>
+                <a:t>@</a:t>
               </a:r>
               <a:r>
-                <a:rPr lang="en-IN" sz="1100" b="0" i="0" dirty="0" err="1">
-                  <a:solidFill>
-                    <a:srgbClr val="24292F"/>
+                <a:rPr kumimoji="0" lang="en-US" altLang="en-US" sz="1100" b="0" i="0" u="none" strike="noStrike" cap="none" normalizeH="0" baseline="0" dirty="0" err="1" smtClean="0">
+                  <a:ln>
+                    <a:noFill/>
+                  </a:ln>
+                  <a:solidFill>
+                    <a:srgbClr val="292929"/>
                   </a:solidFill>
                   <a:effectLst/>
-                  <a:latin typeface="ui-monospace"/>
+                  <a:latin typeface="Menlo"/>
                 </a:rPr>
-                <a:t>netflix</a:t>
-              </a:r>
-              <a:r>
-                <a:rPr lang="en-IN" sz="1100" b="0" i="0" dirty="0">
-                  <a:solidFill>
-                    <a:srgbClr val="24292F"/>
-                  </a:solidFill>
-                  <a:effectLst/>
-                  <a:latin typeface="ui-monospace"/>
-                </a:rPr>
-                <a:t>-eureka-client</a:t>
+                <a:t>EnableConfigServer</a:t>
               </a:r>
               <a:endParaRPr kumimoji="0" lang="en-US" altLang="en-US" sz="1800" b="0" i="0" u="none" strike="noStrike" cap="none" normalizeH="0" baseline="0" dirty="0">
                 <a:ln>
@@ -17756,6 +20418,1270 @@
           </p:txBody>
         </p:sp>
       </p:grpSp>
+      <p:grpSp>
+        <p:nvGrpSpPr>
+          <p:cNvPr id="5" name="Group 4"/>
+          <p:cNvGrpSpPr/>
+          <p:nvPr/>
+        </p:nvGrpSpPr>
+        <p:grpSpPr>
+          <a:xfrm>
+            <a:off x="1428441" y="2013986"/>
+            <a:ext cx="4660701" cy="1812690"/>
+            <a:chOff x="620497" y="555339"/>
+            <a:chExt cx="4660701" cy="1812690"/>
+          </a:xfrm>
+        </p:grpSpPr>
+        <p:grpSp>
+          <p:nvGrpSpPr>
+            <p:cNvPr id="13" name="Group 12"/>
+            <p:cNvGrpSpPr/>
+            <p:nvPr/>
+          </p:nvGrpSpPr>
+          <p:grpSpPr>
+            <a:xfrm>
+              <a:off x="1365481" y="555339"/>
+              <a:ext cx="3915717" cy="1812690"/>
+              <a:chOff x="1011381" y="2409115"/>
+              <a:chExt cx="3915717" cy="1338950"/>
+            </a:xfrm>
+          </p:grpSpPr>
+          <p:sp>
+            <p:nvSpPr>
+              <p:cNvPr id="14" name="Rectangle: Rounded Corners 1">
+                <a:extLst>
+                  <a:ext uri="{FF2B5EF4-FFF2-40B4-BE49-F238E27FC236}">
+                    <a16:creationId xmlns:a16="http://schemas.microsoft.com/office/drawing/2014/main" xmlns="" id="{229043B8-923C-4A63-923B-ED47AB6F3179}"/>
+                  </a:ext>
+                </a:extLst>
+              </p:cNvPr>
+              <p:cNvSpPr/>
+              <p:nvPr/>
+            </p:nvSpPr>
+            <p:spPr>
+              <a:xfrm>
+                <a:off x="1011381" y="2409115"/>
+                <a:ext cx="3915717" cy="1338950"/>
+              </a:xfrm>
+              <a:prstGeom prst="roundRect">
+                <a:avLst/>
+              </a:prstGeom>
+              <a:solidFill>
+                <a:schemeClr val="accent1">
+                  <a:lumMod val="75000"/>
+                </a:schemeClr>
+              </a:solidFill>
+            </p:spPr>
+            <p:style>
+              <a:lnRef idx="2">
+                <a:schemeClr val="accent1">
+                  <a:shade val="50000"/>
+                </a:schemeClr>
+              </a:lnRef>
+              <a:fillRef idx="1">
+                <a:schemeClr val="accent1"/>
+              </a:fillRef>
+              <a:effectRef idx="0">
+                <a:schemeClr val="accent1"/>
+              </a:effectRef>
+              <a:fontRef idx="minor">
+                <a:schemeClr val="lt1"/>
+              </a:fontRef>
+            </p:style>
+            <p:txBody>
+              <a:bodyPr rtlCol="0" anchor="ctr"/>
+              <a:lstStyle/>
+              <a:p>
+                <a:pPr algn="ctr"/>
+                <a:r>
+                  <a:rPr lang="en-IN" sz="1800" dirty="0" smtClean="0">
+                    <a:solidFill>
+                      <a:srgbClr val="000000"/>
+                    </a:solidFill>
+                    <a:latin typeface="Consolas" panose="020B0609020204030204" pitchFamily="49" charset="0"/>
+                  </a:rPr>
+                  <a:t>bmt.seat-map01.com</a:t>
+                </a:r>
+                <a:endParaRPr lang="en-IN" dirty="0"/>
+              </a:p>
+            </p:txBody>
+          </p:sp>
+          <p:sp>
+            <p:nvSpPr>
+              <p:cNvPr id="15" name="Rectangle 1">
+                <a:extLst>
+                  <a:ext uri="{FF2B5EF4-FFF2-40B4-BE49-F238E27FC236}">
+                    <a16:creationId xmlns:a16="http://schemas.microsoft.com/office/drawing/2014/main" xmlns="" id="{FFE5BAF0-90A9-481D-AAC3-4466B273C9B9}"/>
+                  </a:ext>
+                </a:extLst>
+              </p:cNvPr>
+              <p:cNvSpPr>
+                <a:spLocks noChangeArrowheads="1"/>
+              </p:cNvSpPr>
+              <p:nvPr/>
+            </p:nvSpPr>
+            <p:spPr bwMode="auto">
+              <a:xfrm>
+                <a:off x="3252802" y="2449768"/>
+                <a:ext cx="1674296" cy="238707"/>
+              </a:xfrm>
+              <a:prstGeom prst="rect">
+                <a:avLst/>
+              </a:prstGeom>
+              <a:solidFill>
+                <a:srgbClr val="F2F2F2"/>
+              </a:solidFill>
+              <a:ln>
+                <a:noFill/>
+              </a:ln>
+              <a:effectLst/>
+              <a:extLst>
+                <a:ext uri="{91240B29-F687-4F45-9708-019B960494DF}">
+                  <a14:hiddenLine xmlns:a14="http://schemas.microsoft.com/office/drawing/2010/main" w="9525">
+                    <a:solidFill>
+                      <a:schemeClr val="tx1"/>
+                    </a:solidFill>
+                    <a:miter lim="800000"/>
+                    <a:headEnd/>
+                    <a:tailEnd/>
+                  </a14:hiddenLine>
+                </a:ext>
+                <a:ext uri="{AF507438-7753-43E0-B8FC-AC1667EBCBE1}">
+                  <a14:hiddenEffects xmlns:a14="http://schemas.microsoft.com/office/drawing/2010/main">
+                    <a:effectLst>
+                      <a:outerShdw dist="35921" dir="2700000" algn="ctr" rotWithShape="0">
+                        <a:schemeClr val="bg2"/>
+                      </a:outerShdw>
+                    </a:effectLst>
+                  </a14:hiddenEffects>
+                </a:ext>
+              </a:extLst>
+            </p:spPr>
+            <p:txBody>
+              <a:bodyPr vert="horz" wrap="square" lIns="91440" tIns="45720" rIns="91440" bIns="45720" numCol="1" anchor="ctr" anchorCtr="0" compatLnSpc="1">
+                <a:prstTxWarp prst="textNoShape">
+                  <a:avLst/>
+                </a:prstTxWarp>
+                <a:spAutoFit/>
+              </a:bodyPr>
+              <a:lstStyle>
+                <a:lvl1pPr eaLnBrk="0" fontAlgn="base" hangingPunct="0">
+                  <a:spcBef>
+                    <a:spcPct val="0"/>
+                  </a:spcBef>
+                  <a:spcAft>
+                    <a:spcPct val="0"/>
+                  </a:spcAft>
+                  <a:defRPr>
+                    <a:solidFill>
+                      <a:schemeClr val="tx1"/>
+                    </a:solidFill>
+                    <a:latin typeface="Arial" panose="020B0604020202020204" pitchFamily="34" charset="0"/>
+                  </a:defRPr>
+                </a:lvl1pPr>
+                <a:lvl2pPr eaLnBrk="0" fontAlgn="base" hangingPunct="0">
+                  <a:spcBef>
+                    <a:spcPct val="0"/>
+                  </a:spcBef>
+                  <a:spcAft>
+                    <a:spcPct val="0"/>
+                  </a:spcAft>
+                  <a:defRPr>
+                    <a:solidFill>
+                      <a:schemeClr val="tx1"/>
+                    </a:solidFill>
+                    <a:latin typeface="Arial" panose="020B0604020202020204" pitchFamily="34" charset="0"/>
+                  </a:defRPr>
+                </a:lvl2pPr>
+                <a:lvl3pPr eaLnBrk="0" fontAlgn="base" hangingPunct="0">
+                  <a:spcBef>
+                    <a:spcPct val="0"/>
+                  </a:spcBef>
+                  <a:spcAft>
+                    <a:spcPct val="0"/>
+                  </a:spcAft>
+                  <a:defRPr>
+                    <a:solidFill>
+                      <a:schemeClr val="tx1"/>
+                    </a:solidFill>
+                    <a:latin typeface="Arial" panose="020B0604020202020204" pitchFamily="34" charset="0"/>
+                  </a:defRPr>
+                </a:lvl3pPr>
+                <a:lvl4pPr eaLnBrk="0" fontAlgn="base" hangingPunct="0">
+                  <a:spcBef>
+                    <a:spcPct val="0"/>
+                  </a:spcBef>
+                  <a:spcAft>
+                    <a:spcPct val="0"/>
+                  </a:spcAft>
+                  <a:defRPr>
+                    <a:solidFill>
+                      <a:schemeClr val="tx1"/>
+                    </a:solidFill>
+                    <a:latin typeface="Arial" panose="020B0604020202020204" pitchFamily="34" charset="0"/>
+                  </a:defRPr>
+                </a:lvl4pPr>
+                <a:lvl5pPr eaLnBrk="0" fontAlgn="base" hangingPunct="0">
+                  <a:spcBef>
+                    <a:spcPct val="0"/>
+                  </a:spcBef>
+                  <a:spcAft>
+                    <a:spcPct val="0"/>
+                  </a:spcAft>
+                  <a:defRPr>
+                    <a:solidFill>
+                      <a:schemeClr val="tx1"/>
+                    </a:solidFill>
+                    <a:latin typeface="Arial" panose="020B0604020202020204" pitchFamily="34" charset="0"/>
+                  </a:defRPr>
+                </a:lvl5pPr>
+                <a:lvl6pPr eaLnBrk="0" fontAlgn="base" hangingPunct="0">
+                  <a:spcBef>
+                    <a:spcPct val="0"/>
+                  </a:spcBef>
+                  <a:spcAft>
+                    <a:spcPct val="0"/>
+                  </a:spcAft>
+                  <a:defRPr>
+                    <a:solidFill>
+                      <a:schemeClr val="tx1"/>
+                    </a:solidFill>
+                    <a:latin typeface="Arial" panose="020B0604020202020204" pitchFamily="34" charset="0"/>
+                  </a:defRPr>
+                </a:lvl6pPr>
+                <a:lvl7pPr eaLnBrk="0" fontAlgn="base" hangingPunct="0">
+                  <a:spcBef>
+                    <a:spcPct val="0"/>
+                  </a:spcBef>
+                  <a:spcAft>
+                    <a:spcPct val="0"/>
+                  </a:spcAft>
+                  <a:defRPr>
+                    <a:solidFill>
+                      <a:schemeClr val="tx1"/>
+                    </a:solidFill>
+                    <a:latin typeface="Arial" panose="020B0604020202020204" pitchFamily="34" charset="0"/>
+                  </a:defRPr>
+                </a:lvl7pPr>
+                <a:lvl8pPr eaLnBrk="0" fontAlgn="base" hangingPunct="0">
+                  <a:spcBef>
+                    <a:spcPct val="0"/>
+                  </a:spcBef>
+                  <a:spcAft>
+                    <a:spcPct val="0"/>
+                  </a:spcAft>
+                  <a:defRPr>
+                    <a:solidFill>
+                      <a:schemeClr val="tx1"/>
+                    </a:solidFill>
+                    <a:latin typeface="Arial" panose="020B0604020202020204" pitchFamily="34" charset="0"/>
+                  </a:defRPr>
+                </a:lvl8pPr>
+                <a:lvl9pPr eaLnBrk="0" fontAlgn="base" hangingPunct="0">
+                  <a:spcBef>
+                    <a:spcPct val="0"/>
+                  </a:spcBef>
+                  <a:spcAft>
+                    <a:spcPct val="0"/>
+                  </a:spcAft>
+                  <a:defRPr>
+                    <a:solidFill>
+                      <a:schemeClr val="tx1"/>
+                    </a:solidFill>
+                    <a:latin typeface="Arial" panose="020B0604020202020204" pitchFamily="34" charset="0"/>
+                  </a:defRPr>
+                </a:lvl9pPr>
+              </a:lstStyle>
+              <a:p>
+                <a:pPr marL="0" marR="0" lvl="0" indent="0" algn="l" defTabSz="914400" rtl="0" eaLnBrk="0" fontAlgn="base" latinLnBrk="0" hangingPunct="0">
+                  <a:lnSpc>
+                    <a:spcPct val="100000"/>
+                  </a:lnSpc>
+                  <a:spcBef>
+                    <a:spcPct val="0"/>
+                  </a:spcBef>
+                  <a:spcAft>
+                    <a:spcPct val="0"/>
+                  </a:spcAft>
+                  <a:buClrTx/>
+                  <a:buSzTx/>
+                  <a:buFontTx/>
+                  <a:buNone/>
+                  <a:tabLst/>
+                </a:pPr>
+                <a:r>
+                  <a:rPr kumimoji="0" lang="en-US" altLang="en-US" sz="1100" b="0" i="0" u="none" strike="noStrike" cap="none" normalizeH="0" baseline="0" dirty="0">
+                    <a:ln>
+                      <a:noFill/>
+                    </a:ln>
+                    <a:solidFill>
+                      <a:srgbClr val="292929"/>
+                    </a:solidFill>
+                    <a:effectLst/>
+                    <a:latin typeface="Menlo"/>
+                  </a:rPr>
+                  <a:t>@</a:t>
+                </a:r>
+                <a:r>
+                  <a:rPr kumimoji="0" lang="en-US" altLang="en-US" sz="1100" b="0" i="0" u="none" strike="noStrike" cap="none" normalizeH="0" baseline="0" dirty="0" err="1">
+                    <a:ln>
+                      <a:noFill/>
+                    </a:ln>
+                    <a:solidFill>
+                      <a:srgbClr val="292929"/>
+                    </a:solidFill>
+                    <a:effectLst/>
+                    <a:latin typeface="Menlo"/>
+                  </a:rPr>
+                  <a:t>EnableEurekaClient</a:t>
+                </a:r>
+                <a:r>
+                  <a:rPr kumimoji="0" lang="en-US" altLang="en-US" sz="1500" b="0" i="0" u="none" strike="noStrike" cap="none" normalizeH="0" baseline="0" dirty="0">
+                    <a:ln>
+                      <a:noFill/>
+                    </a:ln>
+                    <a:solidFill>
+                      <a:srgbClr val="292929"/>
+                    </a:solidFill>
+                    <a:effectLst/>
+                    <a:latin typeface="charter"/>
+                  </a:rPr>
+                  <a:t> </a:t>
+                </a:r>
+                <a:r>
+                  <a:rPr kumimoji="0" lang="en-US" altLang="en-US" sz="900" b="0" i="0" u="none" strike="noStrike" cap="none" normalizeH="0" baseline="0" dirty="0">
+                    <a:ln>
+                      <a:noFill/>
+                    </a:ln>
+                    <a:solidFill>
+                      <a:schemeClr val="tx1"/>
+                    </a:solidFill>
+                    <a:effectLst/>
+                  </a:rPr>
+                  <a:t> </a:t>
+                </a:r>
+                <a:endParaRPr kumimoji="0" lang="en-US" altLang="en-US" sz="1800" b="0" i="0" u="none" strike="noStrike" cap="none" normalizeH="0" baseline="0" dirty="0">
+                  <a:ln>
+                    <a:noFill/>
+                  </a:ln>
+                  <a:solidFill>
+                    <a:schemeClr val="tx1"/>
+                  </a:solidFill>
+                  <a:effectLst/>
+                  <a:latin typeface="Arial" panose="020B0604020202020204" pitchFamily="34" charset="0"/>
+                </a:endParaRPr>
+              </a:p>
+            </p:txBody>
+          </p:sp>
+          <p:sp>
+            <p:nvSpPr>
+              <p:cNvPr id="16" name="Rectangle 1">
+                <a:extLst>
+                  <a:ext uri="{FF2B5EF4-FFF2-40B4-BE49-F238E27FC236}">
+                    <a16:creationId xmlns:a16="http://schemas.microsoft.com/office/drawing/2014/main" xmlns="" id="{4A5862E7-0045-43EA-8731-76AF0AFFEB2B}"/>
+                  </a:ext>
+                </a:extLst>
+              </p:cNvPr>
+              <p:cNvSpPr>
+                <a:spLocks noChangeArrowheads="1"/>
+              </p:cNvSpPr>
+              <p:nvPr/>
+            </p:nvSpPr>
+            <p:spPr bwMode="auto">
+              <a:xfrm>
+                <a:off x="1468579" y="3472706"/>
+                <a:ext cx="3001319" cy="261610"/>
+              </a:xfrm>
+              <a:prstGeom prst="rect">
+                <a:avLst/>
+              </a:prstGeom>
+              <a:solidFill>
+                <a:srgbClr val="F2F2F2"/>
+              </a:solidFill>
+              <a:ln>
+                <a:noFill/>
+              </a:ln>
+              <a:effectLst/>
+              <a:extLst>
+                <a:ext uri="{91240B29-F687-4F45-9708-019B960494DF}">
+                  <a14:hiddenLine xmlns:a14="http://schemas.microsoft.com/office/drawing/2010/main" w="9525">
+                    <a:solidFill>
+                      <a:schemeClr val="tx1"/>
+                    </a:solidFill>
+                    <a:miter lim="800000"/>
+                    <a:headEnd/>
+                    <a:tailEnd/>
+                  </a14:hiddenLine>
+                </a:ext>
+                <a:ext uri="{AF507438-7753-43E0-B8FC-AC1667EBCBE1}">
+                  <a14:hiddenEffects xmlns:a14="http://schemas.microsoft.com/office/drawing/2010/main">
+                    <a:effectLst>
+                      <a:outerShdw dist="35921" dir="2700000" algn="ctr" rotWithShape="0">
+                        <a:schemeClr val="bg2"/>
+                      </a:outerShdw>
+                    </a:effectLst>
+                  </a14:hiddenEffects>
+                </a:ext>
+              </a:extLst>
+            </p:spPr>
+            <p:txBody>
+              <a:bodyPr vert="horz" wrap="square" lIns="91440" tIns="45720" rIns="91440" bIns="45720" numCol="1" anchor="ctr" anchorCtr="0" compatLnSpc="1">
+                <a:prstTxWarp prst="textNoShape">
+                  <a:avLst/>
+                </a:prstTxWarp>
+                <a:spAutoFit/>
+              </a:bodyPr>
+              <a:lstStyle>
+                <a:lvl1pPr eaLnBrk="0" fontAlgn="base" hangingPunct="0">
+                  <a:spcBef>
+                    <a:spcPct val="0"/>
+                  </a:spcBef>
+                  <a:spcAft>
+                    <a:spcPct val="0"/>
+                  </a:spcAft>
+                  <a:defRPr>
+                    <a:solidFill>
+                      <a:schemeClr val="tx1"/>
+                    </a:solidFill>
+                    <a:latin typeface="Arial" panose="020B0604020202020204" pitchFamily="34" charset="0"/>
+                  </a:defRPr>
+                </a:lvl1pPr>
+                <a:lvl2pPr eaLnBrk="0" fontAlgn="base" hangingPunct="0">
+                  <a:spcBef>
+                    <a:spcPct val="0"/>
+                  </a:spcBef>
+                  <a:spcAft>
+                    <a:spcPct val="0"/>
+                  </a:spcAft>
+                  <a:defRPr>
+                    <a:solidFill>
+                      <a:schemeClr val="tx1"/>
+                    </a:solidFill>
+                    <a:latin typeface="Arial" panose="020B0604020202020204" pitchFamily="34" charset="0"/>
+                  </a:defRPr>
+                </a:lvl2pPr>
+                <a:lvl3pPr eaLnBrk="0" fontAlgn="base" hangingPunct="0">
+                  <a:spcBef>
+                    <a:spcPct val="0"/>
+                  </a:spcBef>
+                  <a:spcAft>
+                    <a:spcPct val="0"/>
+                  </a:spcAft>
+                  <a:defRPr>
+                    <a:solidFill>
+                      <a:schemeClr val="tx1"/>
+                    </a:solidFill>
+                    <a:latin typeface="Arial" panose="020B0604020202020204" pitchFamily="34" charset="0"/>
+                  </a:defRPr>
+                </a:lvl3pPr>
+                <a:lvl4pPr eaLnBrk="0" fontAlgn="base" hangingPunct="0">
+                  <a:spcBef>
+                    <a:spcPct val="0"/>
+                  </a:spcBef>
+                  <a:spcAft>
+                    <a:spcPct val="0"/>
+                  </a:spcAft>
+                  <a:defRPr>
+                    <a:solidFill>
+                      <a:schemeClr val="tx1"/>
+                    </a:solidFill>
+                    <a:latin typeface="Arial" panose="020B0604020202020204" pitchFamily="34" charset="0"/>
+                  </a:defRPr>
+                </a:lvl4pPr>
+                <a:lvl5pPr eaLnBrk="0" fontAlgn="base" hangingPunct="0">
+                  <a:spcBef>
+                    <a:spcPct val="0"/>
+                  </a:spcBef>
+                  <a:spcAft>
+                    <a:spcPct val="0"/>
+                  </a:spcAft>
+                  <a:defRPr>
+                    <a:solidFill>
+                      <a:schemeClr val="tx1"/>
+                    </a:solidFill>
+                    <a:latin typeface="Arial" panose="020B0604020202020204" pitchFamily="34" charset="0"/>
+                  </a:defRPr>
+                </a:lvl5pPr>
+                <a:lvl6pPr eaLnBrk="0" fontAlgn="base" hangingPunct="0">
+                  <a:spcBef>
+                    <a:spcPct val="0"/>
+                  </a:spcBef>
+                  <a:spcAft>
+                    <a:spcPct val="0"/>
+                  </a:spcAft>
+                  <a:defRPr>
+                    <a:solidFill>
+                      <a:schemeClr val="tx1"/>
+                    </a:solidFill>
+                    <a:latin typeface="Arial" panose="020B0604020202020204" pitchFamily="34" charset="0"/>
+                  </a:defRPr>
+                </a:lvl6pPr>
+                <a:lvl7pPr eaLnBrk="0" fontAlgn="base" hangingPunct="0">
+                  <a:spcBef>
+                    <a:spcPct val="0"/>
+                  </a:spcBef>
+                  <a:spcAft>
+                    <a:spcPct val="0"/>
+                  </a:spcAft>
+                  <a:defRPr>
+                    <a:solidFill>
+                      <a:schemeClr val="tx1"/>
+                    </a:solidFill>
+                    <a:latin typeface="Arial" panose="020B0604020202020204" pitchFamily="34" charset="0"/>
+                  </a:defRPr>
+                </a:lvl7pPr>
+                <a:lvl8pPr eaLnBrk="0" fontAlgn="base" hangingPunct="0">
+                  <a:spcBef>
+                    <a:spcPct val="0"/>
+                  </a:spcBef>
+                  <a:spcAft>
+                    <a:spcPct val="0"/>
+                  </a:spcAft>
+                  <a:defRPr>
+                    <a:solidFill>
+                      <a:schemeClr val="tx1"/>
+                    </a:solidFill>
+                    <a:latin typeface="Arial" panose="020B0604020202020204" pitchFamily="34" charset="0"/>
+                  </a:defRPr>
+                </a:lvl8pPr>
+                <a:lvl9pPr eaLnBrk="0" fontAlgn="base" hangingPunct="0">
+                  <a:spcBef>
+                    <a:spcPct val="0"/>
+                  </a:spcBef>
+                  <a:spcAft>
+                    <a:spcPct val="0"/>
+                  </a:spcAft>
+                  <a:defRPr>
+                    <a:solidFill>
+                      <a:schemeClr val="tx1"/>
+                    </a:solidFill>
+                    <a:latin typeface="Arial" panose="020B0604020202020204" pitchFamily="34" charset="0"/>
+                  </a:defRPr>
+                </a:lvl9pPr>
+              </a:lstStyle>
+              <a:p>
+                <a:pPr marL="0" marR="0" lvl="0" indent="0" algn="l" defTabSz="914400" rtl="0" eaLnBrk="0" fontAlgn="base" latinLnBrk="0" hangingPunct="0">
+                  <a:lnSpc>
+                    <a:spcPct val="100000"/>
+                  </a:lnSpc>
+                  <a:spcBef>
+                    <a:spcPct val="0"/>
+                  </a:spcBef>
+                  <a:spcAft>
+                    <a:spcPct val="0"/>
+                  </a:spcAft>
+                  <a:buClrTx/>
+                  <a:buSzTx/>
+                  <a:buFontTx/>
+                  <a:buNone/>
+                  <a:tabLst/>
+                </a:pPr>
+                <a:r>
+                  <a:rPr lang="en-IN" sz="1100" b="0" i="0" dirty="0">
+                    <a:solidFill>
+                      <a:srgbClr val="24292F"/>
+                    </a:solidFill>
+                    <a:effectLst/>
+                    <a:latin typeface="ui-monospace"/>
+                  </a:rPr>
+                  <a:t>spring-cloud-starter-</a:t>
+                </a:r>
+                <a:r>
+                  <a:rPr lang="en-IN" sz="1100" b="0" i="0" dirty="0" err="1">
+                    <a:solidFill>
+                      <a:srgbClr val="24292F"/>
+                    </a:solidFill>
+                    <a:effectLst/>
+                    <a:latin typeface="ui-monospace"/>
+                  </a:rPr>
+                  <a:t>netflix</a:t>
+                </a:r>
+                <a:r>
+                  <a:rPr lang="en-IN" sz="1100" b="0" i="0" dirty="0">
+                    <a:solidFill>
+                      <a:srgbClr val="24292F"/>
+                    </a:solidFill>
+                    <a:effectLst/>
+                    <a:latin typeface="ui-monospace"/>
+                  </a:rPr>
+                  <a:t>-eureka-client</a:t>
+                </a:r>
+                <a:endParaRPr kumimoji="0" lang="en-US" altLang="en-US" sz="1800" b="0" i="0" u="none" strike="noStrike" cap="none" normalizeH="0" baseline="0" dirty="0">
+                  <a:ln>
+                    <a:noFill/>
+                  </a:ln>
+                  <a:solidFill>
+                    <a:schemeClr val="tx1"/>
+                  </a:solidFill>
+                  <a:effectLst/>
+                  <a:latin typeface="Arial" panose="020B0604020202020204" pitchFamily="34" charset="0"/>
+                </a:endParaRPr>
+              </a:p>
+            </p:txBody>
+          </p:sp>
+        </p:grpSp>
+        <p:sp>
+          <p:nvSpPr>
+            <p:cNvPr id="17" name="TextBox 16">
+              <a:extLst>
+                <a:ext uri="{FF2B5EF4-FFF2-40B4-BE49-F238E27FC236}">
+                  <a16:creationId xmlns:a16="http://schemas.microsoft.com/office/drawing/2014/main" xmlns="" id="{C91224FA-ADA9-4075-AE2B-E0C6E149E540}"/>
+                </a:ext>
+              </a:extLst>
+            </p:cNvPr>
+            <p:cNvSpPr txBox="1"/>
+            <p:nvPr/>
+          </p:nvSpPr>
+          <p:spPr>
+            <a:xfrm>
+              <a:off x="620497" y="1579470"/>
+              <a:ext cx="1745604" cy="261610"/>
+            </a:xfrm>
+            <a:prstGeom prst="rect">
+              <a:avLst/>
+            </a:prstGeom>
+            <a:solidFill>
+              <a:srgbClr val="FFFF00"/>
+            </a:solidFill>
+          </p:spPr>
+          <p:txBody>
+            <a:bodyPr wrap="square">
+              <a:spAutoFit/>
+            </a:bodyPr>
+            <a:lstStyle/>
+            <a:p>
+              <a:r>
+                <a:rPr lang="en-US" sz="1100" dirty="0" err="1"/>
+                <a:t>s</a:t>
+              </a:r>
+              <a:r>
+                <a:rPr lang="en-US" sz="1100" dirty="0" err="1" smtClean="0"/>
+                <a:t>pring.cloug.starter.config</a:t>
+              </a:r>
+              <a:endParaRPr lang="en-US" sz="1100" dirty="0"/>
+            </a:p>
+          </p:txBody>
+        </p:sp>
+      </p:grpSp>
+      <p:grpSp>
+        <p:nvGrpSpPr>
+          <p:cNvPr id="19" name="Group 18"/>
+          <p:cNvGrpSpPr/>
+          <p:nvPr/>
+        </p:nvGrpSpPr>
+        <p:grpSpPr>
+          <a:xfrm>
+            <a:off x="1231387" y="4609215"/>
+            <a:ext cx="2314575" cy="1064657"/>
+            <a:chOff x="2379090" y="2528450"/>
+            <a:chExt cx="2314575" cy="1064657"/>
+          </a:xfrm>
+        </p:grpSpPr>
+        <p:pic>
+          <p:nvPicPr>
+            <p:cNvPr id="1031" name="Picture 7"/>
+            <p:cNvPicPr>
+              <a:picLocks noChangeAspect="1" noChangeArrowheads="1"/>
+            </p:cNvPicPr>
+            <p:nvPr/>
+          </p:nvPicPr>
+          <p:blipFill>
+            <a:blip r:embed="rId2">
+              <a:extLst>
+                <a:ext uri="{28A0092B-C50C-407E-A947-70E740481C1C}">
+                  <a14:useLocalDpi xmlns:a14="http://schemas.microsoft.com/office/drawing/2010/main" val="0"/>
+                </a:ext>
+              </a:extLst>
+            </a:blip>
+            <a:srcRect/>
+            <a:stretch>
+              <a:fillRect/>
+            </a:stretch>
+          </p:blipFill>
+          <p:spPr bwMode="auto">
+            <a:xfrm>
+              <a:off x="2379090" y="2528450"/>
+              <a:ext cx="2314575" cy="695325"/>
+            </a:xfrm>
+            <a:prstGeom prst="rect">
+              <a:avLst/>
+            </a:prstGeom>
+            <a:noFill/>
+            <a:ln>
+              <a:noFill/>
+            </a:ln>
+            <a:effectLst/>
+            <a:extLst>
+              <a:ext uri="{909E8E84-426E-40DD-AFC4-6F175D3DCCD1}">
+                <a14:hiddenFill xmlns:a14="http://schemas.microsoft.com/office/drawing/2010/main">
+                  <a:solidFill>
+                    <a:schemeClr val="accent1"/>
+                  </a:solidFill>
+                </a14:hiddenFill>
+              </a:ext>
+              <a:ext uri="{91240B29-F687-4F45-9708-019B960494DF}">
+                <a14:hiddenLine xmlns:a14="http://schemas.microsoft.com/office/drawing/2010/main" w="9525">
+                  <a:solidFill>
+                    <a:schemeClr val="tx1"/>
+                  </a:solidFill>
+                  <a:miter lim="800000"/>
+                  <a:headEnd/>
+                  <a:tailEnd/>
+                </a14:hiddenLine>
+              </a:ext>
+              <a:ext uri="{AF507438-7753-43E0-B8FC-AC1667EBCBE1}">
+                <a14:hiddenEffects xmlns:a14="http://schemas.microsoft.com/office/drawing/2010/main">
+                  <a:effectLst>
+                    <a:outerShdw dist="35921" dir="2700000" algn="ctr" rotWithShape="0">
+                      <a:schemeClr val="bg2"/>
+                    </a:outerShdw>
+                  </a:effectLst>
+                </a14:hiddenEffects>
+              </a:ext>
+            </a:extLst>
+          </p:spPr>
+        </p:pic>
+        <p:sp>
+          <p:nvSpPr>
+            <p:cNvPr id="9" name="TextBox 8"/>
+            <p:cNvSpPr txBox="1"/>
+            <p:nvPr/>
+          </p:nvSpPr>
+          <p:spPr>
+            <a:xfrm>
+              <a:off x="2563091" y="3223775"/>
+              <a:ext cx="1489575" cy="369332"/>
+            </a:xfrm>
+            <a:prstGeom prst="rect">
+              <a:avLst/>
+            </a:prstGeom>
+            <a:noFill/>
+          </p:spPr>
+          <p:txBody>
+            <a:bodyPr wrap="none" rtlCol="0">
+              <a:spAutoFit/>
+            </a:bodyPr>
+            <a:lstStyle/>
+            <a:p>
+              <a:r>
+                <a:rPr lang="en-US" dirty="0" err="1" smtClean="0"/>
+                <a:t>bootstrap.yml</a:t>
+              </a:r>
+              <a:endParaRPr lang="en-US" dirty="0"/>
+            </a:p>
+          </p:txBody>
+        </p:sp>
+      </p:grpSp>
+      <p:grpSp>
+        <p:nvGrpSpPr>
+          <p:cNvPr id="18" name="Group 17"/>
+          <p:cNvGrpSpPr/>
+          <p:nvPr/>
+        </p:nvGrpSpPr>
+        <p:grpSpPr>
+          <a:xfrm>
+            <a:off x="4525244" y="184666"/>
+            <a:ext cx="1847850" cy="1667330"/>
+            <a:chOff x="142875" y="2528450"/>
+            <a:chExt cx="1847850" cy="1667330"/>
+          </a:xfrm>
+        </p:grpSpPr>
+        <p:pic>
+          <p:nvPicPr>
+            <p:cNvPr id="1029" name="Picture 5"/>
+            <p:cNvPicPr>
+              <a:picLocks noChangeAspect="1" noChangeArrowheads="1"/>
+            </p:cNvPicPr>
+            <p:nvPr/>
+          </p:nvPicPr>
+          <p:blipFill>
+            <a:blip r:embed="rId3">
+              <a:extLst>
+                <a:ext uri="{28A0092B-C50C-407E-A947-70E740481C1C}">
+                  <a14:useLocalDpi xmlns:a14="http://schemas.microsoft.com/office/drawing/2010/main" val="0"/>
+                </a:ext>
+              </a:extLst>
+            </a:blip>
+            <a:srcRect/>
+            <a:stretch>
+              <a:fillRect/>
+            </a:stretch>
+          </p:blipFill>
+          <p:spPr bwMode="auto">
+            <a:xfrm>
+              <a:off x="142875" y="2528450"/>
+              <a:ext cx="1847850" cy="1276350"/>
+            </a:xfrm>
+            <a:prstGeom prst="rect">
+              <a:avLst/>
+            </a:prstGeom>
+            <a:noFill/>
+            <a:ln>
+              <a:noFill/>
+            </a:ln>
+            <a:effectLst/>
+            <a:extLst>
+              <a:ext uri="{909E8E84-426E-40DD-AFC4-6F175D3DCCD1}">
+                <a14:hiddenFill xmlns:a14="http://schemas.microsoft.com/office/drawing/2010/main">
+                  <a:solidFill>
+                    <a:schemeClr val="accent1"/>
+                  </a:solidFill>
+                </a14:hiddenFill>
+              </a:ext>
+              <a:ext uri="{91240B29-F687-4F45-9708-019B960494DF}">
+                <a14:hiddenLine xmlns:a14="http://schemas.microsoft.com/office/drawing/2010/main" w="9525">
+                  <a:solidFill>
+                    <a:schemeClr val="tx1"/>
+                  </a:solidFill>
+                  <a:miter lim="800000"/>
+                  <a:headEnd/>
+                  <a:tailEnd/>
+                </a14:hiddenLine>
+              </a:ext>
+              <a:ext uri="{AF507438-7753-43E0-B8FC-AC1667EBCBE1}">
+                <a14:hiddenEffects xmlns:a14="http://schemas.microsoft.com/office/drawing/2010/main">
+                  <a:effectLst>
+                    <a:outerShdw dist="35921" dir="2700000" algn="ctr" rotWithShape="0">
+                      <a:schemeClr val="bg2"/>
+                    </a:outerShdw>
+                  </a:effectLst>
+                </a14:hiddenEffects>
+              </a:ext>
+            </a:extLst>
+          </p:spPr>
+        </p:pic>
+        <p:sp>
+          <p:nvSpPr>
+            <p:cNvPr id="10" name="TextBox 9"/>
+            <p:cNvSpPr txBox="1"/>
+            <p:nvPr/>
+          </p:nvSpPr>
+          <p:spPr>
+            <a:xfrm>
+              <a:off x="142875" y="3826448"/>
+              <a:ext cx="1613070" cy="369332"/>
+            </a:xfrm>
+            <a:prstGeom prst="rect">
+              <a:avLst/>
+            </a:prstGeom>
+            <a:noFill/>
+          </p:spPr>
+          <p:txBody>
+            <a:bodyPr wrap="none" rtlCol="0">
+              <a:spAutoFit/>
+            </a:bodyPr>
+            <a:lstStyle/>
+            <a:p>
+              <a:r>
+                <a:rPr lang="en-US" dirty="0" err="1" smtClean="0"/>
+                <a:t>application.yml</a:t>
+              </a:r>
+              <a:endParaRPr lang="en-US" dirty="0"/>
+            </a:p>
+          </p:txBody>
+        </p:sp>
+      </p:grpSp>
+      <p:grpSp>
+        <p:nvGrpSpPr>
+          <p:cNvPr id="21" name="Group 20"/>
+          <p:cNvGrpSpPr/>
+          <p:nvPr/>
+        </p:nvGrpSpPr>
+        <p:grpSpPr>
+          <a:xfrm>
+            <a:off x="7732396" y="0"/>
+            <a:ext cx="3667125" cy="2389755"/>
+            <a:chOff x="7732396" y="610376"/>
+            <a:chExt cx="3667125" cy="2389755"/>
+          </a:xfrm>
+        </p:grpSpPr>
+        <p:pic>
+          <p:nvPicPr>
+            <p:cNvPr id="1030" name="Picture 6"/>
+            <p:cNvPicPr>
+              <a:picLocks noChangeAspect="1" noChangeArrowheads="1"/>
+            </p:cNvPicPr>
+            <p:nvPr/>
+          </p:nvPicPr>
+          <p:blipFill>
+            <a:blip r:embed="rId4">
+              <a:extLst>
+                <a:ext uri="{28A0092B-C50C-407E-A947-70E740481C1C}">
+                  <a14:useLocalDpi xmlns:a14="http://schemas.microsoft.com/office/drawing/2010/main" val="0"/>
+                </a:ext>
+              </a:extLst>
+            </a:blip>
+            <a:srcRect/>
+            <a:stretch>
+              <a:fillRect/>
+            </a:stretch>
+          </p:blipFill>
+          <p:spPr bwMode="auto">
+            <a:xfrm>
+              <a:off x="7732396" y="990356"/>
+              <a:ext cx="3667125" cy="2009775"/>
+            </a:xfrm>
+            <a:prstGeom prst="rect">
+              <a:avLst/>
+            </a:prstGeom>
+            <a:noFill/>
+            <a:ln>
+              <a:noFill/>
+            </a:ln>
+            <a:effectLst/>
+            <a:extLst>
+              <a:ext uri="{909E8E84-426E-40DD-AFC4-6F175D3DCCD1}">
+                <a14:hiddenFill xmlns:a14="http://schemas.microsoft.com/office/drawing/2010/main">
+                  <a:solidFill>
+                    <a:schemeClr val="accent1"/>
+                  </a:solidFill>
+                </a14:hiddenFill>
+              </a:ext>
+              <a:ext uri="{91240B29-F687-4F45-9708-019B960494DF}">
+                <a14:hiddenLine xmlns:a14="http://schemas.microsoft.com/office/drawing/2010/main" w="9525">
+                  <a:solidFill>
+                    <a:schemeClr val="tx1"/>
+                  </a:solidFill>
+                  <a:miter lim="800000"/>
+                  <a:headEnd/>
+                  <a:tailEnd/>
+                </a14:hiddenLine>
+              </a:ext>
+              <a:ext uri="{AF507438-7753-43E0-B8FC-AC1667EBCBE1}">
+                <a14:hiddenEffects xmlns:a14="http://schemas.microsoft.com/office/drawing/2010/main">
+                  <a:effectLst>
+                    <a:outerShdw dist="35921" dir="2700000" algn="ctr" rotWithShape="0">
+                      <a:schemeClr val="bg2"/>
+                    </a:outerShdw>
+                  </a:effectLst>
+                </a14:hiddenEffects>
+              </a:ext>
+            </a:extLst>
+          </p:spPr>
+        </p:pic>
+        <p:sp>
+          <p:nvSpPr>
+            <p:cNvPr id="20" name="TextBox 19"/>
+            <p:cNvSpPr txBox="1"/>
+            <p:nvPr/>
+          </p:nvSpPr>
+          <p:spPr>
+            <a:xfrm>
+              <a:off x="8853055" y="610376"/>
+              <a:ext cx="1613070" cy="369332"/>
+            </a:xfrm>
+            <a:prstGeom prst="rect">
+              <a:avLst/>
+            </a:prstGeom>
+            <a:noFill/>
+          </p:spPr>
+          <p:txBody>
+            <a:bodyPr wrap="none" rtlCol="0">
+              <a:spAutoFit/>
+            </a:bodyPr>
+            <a:lstStyle/>
+            <a:p>
+              <a:r>
+                <a:rPr lang="en-US" dirty="0" err="1" smtClean="0"/>
+                <a:t>application.yml</a:t>
+              </a:r>
+              <a:endParaRPr lang="en-US" dirty="0"/>
+            </a:p>
+          </p:txBody>
+        </p:sp>
+      </p:grpSp>
+      <p:cxnSp>
+        <p:nvCxnSpPr>
+          <p:cNvPr id="23" name="Elbow Connector 22"/>
+          <p:cNvCxnSpPr>
+            <a:stCxn id="27" idx="0"/>
+            <a:endCxn id="1030" idx="2"/>
+          </p:cNvCxnSpPr>
+          <p:nvPr/>
+        </p:nvCxnSpPr>
+        <p:spPr>
+          <a:xfrm rot="5400000" flipH="1" flipV="1">
+            <a:off x="8530377" y="2373338"/>
+            <a:ext cx="1019165" cy="1052000"/>
+          </a:xfrm>
+          <a:prstGeom prst="bentConnector3">
+            <a:avLst/>
+          </a:prstGeom>
+          <a:ln w="34925">
+            <a:tailEnd type="arrow"/>
+          </a:ln>
+        </p:spPr>
+        <p:style>
+          <a:lnRef idx="3">
+            <a:schemeClr val="accent2"/>
+          </a:lnRef>
+          <a:fillRef idx="0">
+            <a:schemeClr val="accent2"/>
+          </a:fillRef>
+          <a:effectRef idx="2">
+            <a:schemeClr val="accent2"/>
+          </a:effectRef>
+          <a:fontRef idx="minor">
+            <a:schemeClr val="tx1"/>
+          </a:fontRef>
+        </p:style>
+      </p:cxnSp>
+      <p:cxnSp>
+        <p:nvCxnSpPr>
+          <p:cNvPr id="36" name="Elbow Connector 35"/>
+          <p:cNvCxnSpPr>
+            <a:stCxn id="14" idx="0"/>
+            <a:endCxn id="1029" idx="1"/>
+          </p:cNvCxnSpPr>
+          <p:nvPr/>
+        </p:nvCxnSpPr>
+        <p:spPr>
+          <a:xfrm rot="5400000" flipH="1" flipV="1">
+            <a:off x="3732692" y="1221434"/>
+            <a:ext cx="1191145" cy="393960"/>
+          </a:xfrm>
+          <a:prstGeom prst="bentConnector2">
+            <a:avLst/>
+          </a:prstGeom>
+          <a:ln w="34925">
+            <a:tailEnd type="arrow"/>
+          </a:ln>
+        </p:spPr>
+        <p:style>
+          <a:lnRef idx="3">
+            <a:schemeClr val="accent2"/>
+          </a:lnRef>
+          <a:fillRef idx="0">
+            <a:schemeClr val="accent2"/>
+          </a:fillRef>
+          <a:effectRef idx="2">
+            <a:schemeClr val="accent2"/>
+          </a:effectRef>
+          <a:fontRef idx="minor">
+            <a:schemeClr val="tx1"/>
+          </a:fontRef>
+        </p:style>
+      </p:cxnSp>
+      <p:cxnSp>
+        <p:nvCxnSpPr>
+          <p:cNvPr id="40" name="Elbow Connector 39"/>
+          <p:cNvCxnSpPr>
+            <a:stCxn id="27" idx="1"/>
+            <a:endCxn id="1031" idx="0"/>
+          </p:cNvCxnSpPr>
+          <p:nvPr/>
+        </p:nvCxnSpPr>
+        <p:spPr>
+          <a:xfrm rot="10800000">
+            <a:off x="2388676" y="4609216"/>
+            <a:ext cx="3760261" cy="116299"/>
+          </a:xfrm>
+          <a:prstGeom prst="bentConnector4">
+            <a:avLst>
+              <a:gd name="adj1" fmla="val 34612"/>
+              <a:gd name="adj2" fmla="val 296562"/>
+            </a:avLst>
+          </a:prstGeom>
+          <a:ln w="34925">
+            <a:tailEnd type="arrow"/>
+          </a:ln>
+        </p:spPr>
+        <p:style>
+          <a:lnRef idx="3">
+            <a:schemeClr val="accent2"/>
+          </a:lnRef>
+          <a:fillRef idx="0">
+            <a:schemeClr val="accent2"/>
+          </a:fillRef>
+          <a:effectRef idx="2">
+            <a:schemeClr val="accent2"/>
+          </a:effectRef>
+          <a:fontRef idx="minor">
+            <a:schemeClr val="tx1"/>
+          </a:fontRef>
+        </p:style>
+      </p:cxnSp>
+      <p:cxnSp>
+        <p:nvCxnSpPr>
+          <p:cNvPr id="43" name="Elbow Connector 42"/>
+          <p:cNvCxnSpPr>
+            <a:stCxn id="14" idx="2"/>
+            <a:endCxn id="1031" idx="0"/>
+          </p:cNvCxnSpPr>
+          <p:nvPr/>
+        </p:nvCxnSpPr>
+        <p:spPr>
+          <a:xfrm rot="5400000">
+            <a:off x="2868711" y="3346641"/>
+            <a:ext cx="782539" cy="1742609"/>
+          </a:xfrm>
+          <a:prstGeom prst="bentConnector3">
+            <a:avLst>
+              <a:gd name="adj1" fmla="val 50000"/>
+            </a:avLst>
+          </a:prstGeom>
+          <a:ln w="34925">
+            <a:tailEnd type="arrow"/>
+          </a:ln>
+        </p:spPr>
+        <p:style>
+          <a:lnRef idx="3">
+            <a:schemeClr val="accent2"/>
+          </a:lnRef>
+          <a:fillRef idx="0">
+            <a:schemeClr val="accent2"/>
+          </a:fillRef>
+          <a:effectRef idx="2">
+            <a:schemeClr val="accent2"/>
+          </a:effectRef>
+          <a:fontRef idx="minor">
+            <a:schemeClr val="tx1"/>
+          </a:fontRef>
+        </p:style>
+      </p:cxnSp>
+      <p:grpSp>
+        <p:nvGrpSpPr>
+          <p:cNvPr id="39" name="Group 38"/>
+          <p:cNvGrpSpPr/>
+          <p:nvPr/>
+        </p:nvGrpSpPr>
+        <p:grpSpPr>
+          <a:xfrm>
+            <a:off x="115166" y="38555"/>
+            <a:ext cx="3676650" cy="1966361"/>
+            <a:chOff x="115166" y="38555"/>
+            <a:chExt cx="3676650" cy="1966361"/>
+          </a:xfrm>
+        </p:grpSpPr>
+        <p:pic>
+          <p:nvPicPr>
+            <p:cNvPr id="1033" name="Picture 9"/>
+            <p:cNvPicPr>
+              <a:picLocks noChangeAspect="1" noChangeArrowheads="1"/>
+            </p:cNvPicPr>
+            <p:nvPr/>
+          </p:nvPicPr>
+          <p:blipFill>
+            <a:blip r:embed="rId5">
+              <a:extLst>
+                <a:ext uri="{28A0092B-C50C-407E-A947-70E740481C1C}">
+                  <a14:useLocalDpi xmlns:a14="http://schemas.microsoft.com/office/drawing/2010/main" val="0"/>
+                </a:ext>
+              </a:extLst>
+            </a:blip>
+            <a:srcRect/>
+            <a:stretch>
+              <a:fillRect/>
+            </a:stretch>
+          </p:blipFill>
+          <p:spPr bwMode="auto">
+            <a:xfrm>
+              <a:off x="115166" y="38555"/>
+              <a:ext cx="3676650" cy="1628775"/>
+            </a:xfrm>
+            <a:prstGeom prst="rect">
+              <a:avLst/>
+            </a:prstGeom>
+            <a:noFill/>
+            <a:ln>
+              <a:noFill/>
+            </a:ln>
+            <a:effectLst/>
+            <a:extLst>
+              <a:ext uri="{909E8E84-426E-40DD-AFC4-6F175D3DCCD1}">
+                <a14:hiddenFill xmlns:a14="http://schemas.microsoft.com/office/drawing/2010/main">
+                  <a:solidFill>
+                    <a:schemeClr val="accent1"/>
+                  </a:solidFill>
+                </a14:hiddenFill>
+              </a:ext>
+              <a:ext uri="{91240B29-F687-4F45-9708-019B960494DF}">
+                <a14:hiddenLine xmlns:a14="http://schemas.microsoft.com/office/drawing/2010/main" w="9525">
+                  <a:solidFill>
+                    <a:schemeClr val="tx1"/>
+                  </a:solidFill>
+                  <a:miter lim="800000"/>
+                  <a:headEnd/>
+                  <a:tailEnd/>
+                </a14:hiddenLine>
+              </a:ext>
+              <a:ext uri="{AF507438-7753-43E0-B8FC-AC1667EBCBE1}">
+                <a14:hiddenEffects xmlns:a14="http://schemas.microsoft.com/office/drawing/2010/main">
+                  <a:effectLst>
+                    <a:outerShdw dist="35921" dir="2700000" algn="ctr" rotWithShape="0">
+                      <a:schemeClr val="bg2"/>
+                    </a:outerShdw>
+                  </a:effectLst>
+                </a14:hiddenEffects>
+              </a:ext>
+            </a:extLst>
+          </p:spPr>
+        </p:pic>
+        <p:sp>
+          <p:nvSpPr>
+            <p:cNvPr id="38" name="TextBox 37"/>
+            <p:cNvSpPr txBox="1"/>
+            <p:nvPr/>
+          </p:nvSpPr>
+          <p:spPr>
+            <a:xfrm>
+              <a:off x="125171" y="1635584"/>
+              <a:ext cx="3666645" cy="369332"/>
+            </a:xfrm>
+            <a:prstGeom prst="rect">
+              <a:avLst/>
+            </a:prstGeom>
+            <a:noFill/>
+          </p:spPr>
+          <p:txBody>
+            <a:bodyPr wrap="none" rtlCol="0">
+              <a:spAutoFit/>
+            </a:bodyPr>
+            <a:lstStyle/>
+            <a:p>
+              <a:r>
+                <a:rPr lang="en-US" dirty="0" smtClean="0"/>
+                <a:t>https://github.com/bmt/config-sever</a:t>
+              </a:r>
+              <a:endParaRPr lang="en-US" dirty="0"/>
+            </a:p>
+          </p:txBody>
+        </p:sp>
+      </p:grpSp>
+      <p:cxnSp>
+        <p:nvCxnSpPr>
+          <p:cNvPr id="42" name="Straight Connector 41"/>
+          <p:cNvCxnSpPr>
+            <a:stCxn id="1033" idx="3"/>
+            <a:endCxn id="1030" idx="1"/>
+          </p:cNvCxnSpPr>
+          <p:nvPr/>
+        </p:nvCxnSpPr>
+        <p:spPr>
+          <a:xfrm>
+            <a:off x="3791816" y="852943"/>
+            <a:ext cx="3940580" cy="531925"/>
+          </a:xfrm>
+          <a:prstGeom prst="line">
+            <a:avLst/>
+          </a:prstGeom>
+          <a:ln w="44450"/>
+        </p:spPr>
+        <p:style>
+          <a:lnRef idx="1">
+            <a:schemeClr val="accent1"/>
+          </a:lnRef>
+          <a:fillRef idx="0">
+            <a:schemeClr val="accent1"/>
+          </a:fillRef>
+          <a:effectRef idx="0">
+            <a:schemeClr val="accent1"/>
+          </a:effectRef>
+          <a:fontRef idx="minor">
+            <a:schemeClr val="tx1"/>
+          </a:fontRef>
+        </p:style>
+      </p:cxnSp>
     </p:spTree>
     <p:extLst>
       <p:ext uri="{BB962C8B-B14F-4D97-AF65-F5344CB8AC3E}">
@@ -17791,7 +21717,7 @@
           <p:cNvPr id="13" name="Picture 12">
             <a:extLst>
               <a:ext uri="{FF2B5EF4-FFF2-40B4-BE49-F238E27FC236}">
-                <a16:creationId xmlns:a16="http://schemas.microsoft.com/office/drawing/2014/main" id="{83167A70-D79D-4D85-AEA7-1CA2B1A28276}"/>
+                <a16:creationId xmlns:a16="http://schemas.microsoft.com/office/drawing/2014/main" xmlns="" id="{83167A70-D79D-4D85-AEA7-1CA2B1A28276}"/>
               </a:ext>
             </a:extLst>
           </p:cNvPr>
@@ -17821,7 +21747,7 @@
           <p:cNvPr id="14" name="Group 13">
             <a:extLst>
               <a:ext uri="{FF2B5EF4-FFF2-40B4-BE49-F238E27FC236}">
-                <a16:creationId xmlns:a16="http://schemas.microsoft.com/office/drawing/2014/main" id="{BDEC2234-C593-46D7-A09D-965324770E33}"/>
+                <a16:creationId xmlns:a16="http://schemas.microsoft.com/office/drawing/2014/main" xmlns="" id="{BDEC2234-C593-46D7-A09D-965324770E33}"/>
               </a:ext>
             </a:extLst>
           </p:cNvPr>
@@ -17841,7 +21767,7 @@
             <p:cNvPr id="15" name="Rectangle: Rounded Corners 14">
               <a:extLst>
                 <a:ext uri="{FF2B5EF4-FFF2-40B4-BE49-F238E27FC236}">
-                  <a16:creationId xmlns:a16="http://schemas.microsoft.com/office/drawing/2014/main" id="{0A8D1A3E-C8CE-4A70-B689-F10C4ED22677}"/>
+                  <a16:creationId xmlns:a16="http://schemas.microsoft.com/office/drawing/2014/main" xmlns="" id="{0A8D1A3E-C8CE-4A70-B689-F10C4ED22677}"/>
                 </a:ext>
               </a:extLst>
             </p:cNvPr>
@@ -17899,7 +21825,7 @@
             <p:cNvPr id="16" name="TextBox 15">
               <a:extLst>
                 <a:ext uri="{FF2B5EF4-FFF2-40B4-BE49-F238E27FC236}">
-                  <a16:creationId xmlns:a16="http://schemas.microsoft.com/office/drawing/2014/main" id="{F89C507E-52A0-4F92-B001-FEDECD410A32}"/>
+                  <a16:creationId xmlns:a16="http://schemas.microsoft.com/office/drawing/2014/main" xmlns="" id="{F89C507E-52A0-4F92-B001-FEDECD410A32}"/>
                 </a:ext>
               </a:extLst>
             </p:cNvPr>
@@ -17999,7 +21925,7 @@
             <p:cNvPr id="17" name="Rectangle 1">
               <a:extLst>
                 <a:ext uri="{FF2B5EF4-FFF2-40B4-BE49-F238E27FC236}">
-                  <a16:creationId xmlns:a16="http://schemas.microsoft.com/office/drawing/2014/main" id="{50AA8AAB-ED86-4D2F-8748-1C7BFD388390}"/>
+                  <a16:creationId xmlns:a16="http://schemas.microsoft.com/office/drawing/2014/main" xmlns="" id="{50AA8AAB-ED86-4D2F-8748-1C7BFD388390}"/>
                 </a:ext>
               </a:extLst>
             </p:cNvPr>
@@ -18223,18 +22149,6 @@
                 </a:rPr>
                 <a:t> </a:t>
               </a:r>
-              <a:r>
-                <a:rPr kumimoji="0" lang="en-US" altLang="en-US" sz="900" b="0" i="0" u="none" strike="noStrike" cap="none" normalizeH="0" baseline="0" dirty="0">
-                  <a:ln>
-                    <a:noFill/>
-                  </a:ln>
-                  <a:solidFill>
-                    <a:schemeClr val="tx1"/>
-                  </a:solidFill>
-                  <a:effectLst/>
-                </a:rPr>
-                <a:t> </a:t>
-              </a:r>
               <a:endParaRPr kumimoji="0" lang="en-US" altLang="en-US" sz="1800" b="0" i="0" u="none" strike="noStrike" cap="none" normalizeH="0" baseline="0" dirty="0">
                 <a:ln>
                   <a:noFill/>
@@ -18253,7 +22167,7 @@
             <p:cNvPr id="18" name="TextBox 17">
               <a:extLst>
                 <a:ext uri="{FF2B5EF4-FFF2-40B4-BE49-F238E27FC236}">
-                  <a16:creationId xmlns:a16="http://schemas.microsoft.com/office/drawing/2014/main" id="{A17EA349-AC0A-446B-AEE0-779D36DDAF64}"/>
+                  <a16:creationId xmlns:a16="http://schemas.microsoft.com/office/drawing/2014/main" xmlns="" id="{A17EA349-AC0A-446B-AEE0-779D36DDAF64}"/>
                 </a:ext>
               </a:extLst>
             </p:cNvPr>
@@ -18373,7 +22287,7 @@
             <p:cNvPr id="19" name="Rectangle 1">
               <a:extLst>
                 <a:ext uri="{FF2B5EF4-FFF2-40B4-BE49-F238E27FC236}">
-                  <a16:creationId xmlns:a16="http://schemas.microsoft.com/office/drawing/2014/main" id="{A57ECC02-3F7D-4063-8332-06DC39DF86CB}"/>
+                  <a16:creationId xmlns:a16="http://schemas.microsoft.com/office/drawing/2014/main" xmlns="" id="{A57ECC02-3F7D-4063-8332-06DC39DF86CB}"/>
                 </a:ext>
               </a:extLst>
             </p:cNvPr>
@@ -18637,7 +22551,7 @@
             <p:cNvPr id="20" name="Rectangle 1">
               <a:extLst>
                 <a:ext uri="{FF2B5EF4-FFF2-40B4-BE49-F238E27FC236}">
-                  <a16:creationId xmlns:a16="http://schemas.microsoft.com/office/drawing/2014/main" id="{8A7167F9-783C-4FA3-AAC4-9D4B8017C861}"/>
+                  <a16:creationId xmlns:a16="http://schemas.microsoft.com/office/drawing/2014/main" xmlns="" id="{8A7167F9-783C-4FA3-AAC4-9D4B8017C861}"/>
                 </a:ext>
               </a:extLst>
             </p:cNvPr>
@@ -18918,7 +22832,7 @@
           <p:cNvPr id="22" name="Picture 21">
             <a:extLst>
               <a:ext uri="{FF2B5EF4-FFF2-40B4-BE49-F238E27FC236}">
-                <a16:creationId xmlns:a16="http://schemas.microsoft.com/office/drawing/2014/main" id="{628507AC-4B47-481E-BA54-CE89E74F129B}"/>
+                <a16:creationId xmlns:a16="http://schemas.microsoft.com/office/drawing/2014/main" xmlns="" id="{628507AC-4B47-481E-BA54-CE89E74F129B}"/>
               </a:ext>
             </a:extLst>
           </p:cNvPr>
@@ -18978,7 +22892,7 @@
           <p:cNvPr id="3" name="Picture 2">
             <a:extLst>
               <a:ext uri="{FF2B5EF4-FFF2-40B4-BE49-F238E27FC236}">
-                <a16:creationId xmlns:a16="http://schemas.microsoft.com/office/drawing/2014/main" id="{560C134D-D853-4890-A707-F7A79768BCC2}"/>
+                <a16:creationId xmlns:a16="http://schemas.microsoft.com/office/drawing/2014/main" xmlns="" id="{560C134D-D853-4890-A707-F7A79768BCC2}"/>
               </a:ext>
             </a:extLst>
           </p:cNvPr>
@@ -19008,7 +22922,7 @@
           <p:cNvPr id="4" name="Group 3">
             <a:extLst>
               <a:ext uri="{FF2B5EF4-FFF2-40B4-BE49-F238E27FC236}">
-                <a16:creationId xmlns:a16="http://schemas.microsoft.com/office/drawing/2014/main" id="{B021E5D5-9E22-42BB-A558-1583C4BA6068}"/>
+                <a16:creationId xmlns:a16="http://schemas.microsoft.com/office/drawing/2014/main" xmlns="" id="{B021E5D5-9E22-42BB-A558-1583C4BA6068}"/>
               </a:ext>
             </a:extLst>
           </p:cNvPr>
@@ -19028,7 +22942,7 @@
             <p:cNvPr id="5" name="Group 4">
               <a:extLst>
                 <a:ext uri="{FF2B5EF4-FFF2-40B4-BE49-F238E27FC236}">
-                  <a16:creationId xmlns:a16="http://schemas.microsoft.com/office/drawing/2014/main" id="{A260F702-5BB2-48C7-B3DC-050165CFD60D}"/>
+                  <a16:creationId xmlns:a16="http://schemas.microsoft.com/office/drawing/2014/main" xmlns="" id="{A260F702-5BB2-48C7-B3DC-050165CFD60D}"/>
                 </a:ext>
               </a:extLst>
             </p:cNvPr>
@@ -19048,7 +22962,7 @@
               <p:cNvPr id="8" name="Rectangle: Rounded Corners 7">
                 <a:extLst>
                   <a:ext uri="{FF2B5EF4-FFF2-40B4-BE49-F238E27FC236}">
-                    <a16:creationId xmlns:a16="http://schemas.microsoft.com/office/drawing/2014/main" id="{07F0E954-3E53-4667-B4D5-BDEC08D29884}"/>
+                    <a16:creationId xmlns:a16="http://schemas.microsoft.com/office/drawing/2014/main" xmlns="" id="{07F0E954-3E53-4667-B4D5-BDEC08D29884}"/>
                   </a:ext>
                 </a:extLst>
               </p:cNvPr>
@@ -19108,7 +23022,7 @@
               <p:cNvPr id="9" name="TextBox 8">
                 <a:extLst>
                   <a:ext uri="{FF2B5EF4-FFF2-40B4-BE49-F238E27FC236}">
-                    <a16:creationId xmlns:a16="http://schemas.microsoft.com/office/drawing/2014/main" id="{FA7E6838-2355-4CA1-9CC0-9AE2F4EBC3D6}"/>
+                    <a16:creationId xmlns:a16="http://schemas.microsoft.com/office/drawing/2014/main" xmlns="" id="{FA7E6838-2355-4CA1-9CC0-9AE2F4EBC3D6}"/>
                   </a:ext>
                 </a:extLst>
               </p:cNvPr>
@@ -19149,7 +23063,7 @@
               <p:cNvPr id="10" name="TextBox 9">
                 <a:extLst>
                   <a:ext uri="{FF2B5EF4-FFF2-40B4-BE49-F238E27FC236}">
-                    <a16:creationId xmlns:a16="http://schemas.microsoft.com/office/drawing/2014/main" id="{54154064-8ADD-46A0-A39D-07A76EBA3FA7}"/>
+                    <a16:creationId xmlns:a16="http://schemas.microsoft.com/office/drawing/2014/main" xmlns="" id="{54154064-8ADD-46A0-A39D-07A76EBA3FA7}"/>
                   </a:ext>
                 </a:extLst>
               </p:cNvPr>
@@ -19249,7 +23163,7 @@
               <p:cNvPr id="11" name="Rectangle 1">
                 <a:extLst>
                   <a:ext uri="{FF2B5EF4-FFF2-40B4-BE49-F238E27FC236}">
-                    <a16:creationId xmlns:a16="http://schemas.microsoft.com/office/drawing/2014/main" id="{B56114E7-113E-4367-95A3-EE11DE90EF51}"/>
+                    <a16:creationId xmlns:a16="http://schemas.microsoft.com/office/drawing/2014/main" xmlns="" id="{B56114E7-113E-4367-95A3-EE11DE90EF51}"/>
                   </a:ext>
                 </a:extLst>
               </p:cNvPr>
@@ -19516,7 +23430,7 @@
               <p:cNvPr id="12" name="Rectangle 1">
                 <a:extLst>
                   <a:ext uri="{FF2B5EF4-FFF2-40B4-BE49-F238E27FC236}">
-                    <a16:creationId xmlns:a16="http://schemas.microsoft.com/office/drawing/2014/main" id="{48106B67-8B66-4E83-8897-B4B818F00C97}"/>
+                    <a16:creationId xmlns:a16="http://schemas.microsoft.com/office/drawing/2014/main" xmlns="" id="{48106B67-8B66-4E83-8897-B4B818F00C97}"/>
                   </a:ext>
                 </a:extLst>
               </p:cNvPr>
@@ -19771,7 +23685,7 @@
             <p:cNvPr id="6" name="TextBox 5">
               <a:extLst>
                 <a:ext uri="{FF2B5EF4-FFF2-40B4-BE49-F238E27FC236}">
-                  <a16:creationId xmlns:a16="http://schemas.microsoft.com/office/drawing/2014/main" id="{05888D46-9281-4A14-9C8D-95AAAD2235C7}"/>
+                  <a16:creationId xmlns:a16="http://schemas.microsoft.com/office/drawing/2014/main" xmlns="" id="{05888D46-9281-4A14-9C8D-95AAAD2235C7}"/>
                 </a:ext>
               </a:extLst>
             </p:cNvPr>
@@ -19849,7 +23763,7 @@
             <p:cNvPr id="7" name="TextBox 6">
               <a:extLst>
                 <a:ext uri="{FF2B5EF4-FFF2-40B4-BE49-F238E27FC236}">
-                  <a16:creationId xmlns:a16="http://schemas.microsoft.com/office/drawing/2014/main" id="{C91224FA-ADA9-4075-AE2B-E0C6E149E540}"/>
+                  <a16:creationId xmlns:a16="http://schemas.microsoft.com/office/drawing/2014/main" xmlns="" id="{C91224FA-ADA9-4075-AE2B-E0C6E149E540}"/>
                 </a:ext>
               </a:extLst>
             </p:cNvPr>
@@ -19914,7 +23828,7 @@
           <p:cNvPr id="14" name="Picture 13">
             <a:extLst>
               <a:ext uri="{FF2B5EF4-FFF2-40B4-BE49-F238E27FC236}">
-                <a16:creationId xmlns:a16="http://schemas.microsoft.com/office/drawing/2014/main" id="{668A22B1-9003-428D-ACDE-E385F77113C5}"/>
+                <a16:creationId xmlns:a16="http://schemas.microsoft.com/office/drawing/2014/main" xmlns="" id="{668A22B1-9003-428D-ACDE-E385F77113C5}"/>
               </a:ext>
             </a:extLst>
           </p:cNvPr>
@@ -19944,7 +23858,7 @@
           <p:cNvPr id="15" name="Rectangle 1">
             <a:extLst>
               <a:ext uri="{FF2B5EF4-FFF2-40B4-BE49-F238E27FC236}">
-                <a16:creationId xmlns:a16="http://schemas.microsoft.com/office/drawing/2014/main" id="{11137976-87B3-4320-B508-32CD22EA0740}"/>
+                <a16:creationId xmlns:a16="http://schemas.microsoft.com/office/drawing/2014/main" xmlns="" id="{11137976-87B3-4320-B508-32CD22EA0740}"/>
               </a:ext>
             </a:extLst>
           </p:cNvPr>
@@ -20242,7 +24156,7 @@
             <p:cNvPr id="48" name="Rectangle: Rounded Corners 1">
               <a:extLst>
                 <a:ext uri="{FF2B5EF4-FFF2-40B4-BE49-F238E27FC236}">
-                  <a16:creationId xmlns:a16="http://schemas.microsoft.com/office/drawing/2014/main" id="{229043B8-923C-4A63-923B-ED47AB6F3179}"/>
+                  <a16:creationId xmlns:a16="http://schemas.microsoft.com/office/drawing/2014/main" xmlns="" id="{229043B8-923C-4A63-923B-ED47AB6F3179}"/>
                 </a:ext>
               </a:extLst>
             </p:cNvPr>
@@ -20302,7 +24216,7 @@
             <p:cNvPr id="49" name="Rectangle 1">
               <a:extLst>
                 <a:ext uri="{FF2B5EF4-FFF2-40B4-BE49-F238E27FC236}">
-                  <a16:creationId xmlns:a16="http://schemas.microsoft.com/office/drawing/2014/main" id="{FFE5BAF0-90A9-481D-AAC3-4466B273C9B9}"/>
+                  <a16:creationId xmlns:a16="http://schemas.microsoft.com/office/drawing/2014/main" xmlns="" id="{FFE5BAF0-90A9-481D-AAC3-4466B273C9B9}"/>
                 </a:ext>
               </a:extLst>
             </p:cNvPr>
@@ -20569,7 +24483,7 @@
             <p:cNvPr id="50" name="Rectangle 1">
               <a:extLst>
                 <a:ext uri="{FF2B5EF4-FFF2-40B4-BE49-F238E27FC236}">
-                  <a16:creationId xmlns:a16="http://schemas.microsoft.com/office/drawing/2014/main" id="{4A5862E7-0045-43EA-8731-76AF0AFFEB2B}"/>
+                  <a16:creationId xmlns:a16="http://schemas.microsoft.com/office/drawing/2014/main" xmlns="" id="{4A5862E7-0045-43EA-8731-76AF0AFFEB2B}"/>
                 </a:ext>
               </a:extLst>
             </p:cNvPr>
@@ -20913,7 +24827,7 @@
               <p:cNvPr id="44" name="Rectangle: Rounded Corners 1">
                 <a:extLst>
                   <a:ext uri="{FF2B5EF4-FFF2-40B4-BE49-F238E27FC236}">
-                    <a16:creationId xmlns:a16="http://schemas.microsoft.com/office/drawing/2014/main" id="{229043B8-923C-4A63-923B-ED47AB6F3179}"/>
+                    <a16:creationId xmlns:a16="http://schemas.microsoft.com/office/drawing/2014/main" xmlns="" id="{229043B8-923C-4A63-923B-ED47AB6F3179}"/>
                   </a:ext>
                 </a:extLst>
               </p:cNvPr>
@@ -21009,7 +24923,7 @@
               <p:cNvPr id="45" name="Rectangle 1">
                 <a:extLst>
                   <a:ext uri="{FF2B5EF4-FFF2-40B4-BE49-F238E27FC236}">
-                    <a16:creationId xmlns:a16="http://schemas.microsoft.com/office/drawing/2014/main" id="{FFE5BAF0-90A9-481D-AAC3-4466B273C9B9}"/>
+                    <a16:creationId xmlns:a16="http://schemas.microsoft.com/office/drawing/2014/main" xmlns="" id="{FFE5BAF0-90A9-481D-AAC3-4466B273C9B9}"/>
                   </a:ext>
                 </a:extLst>
               </p:cNvPr>
@@ -21378,6 +25292,1611 @@
     <p:extLst>
       <p:ext uri="{BB962C8B-B14F-4D97-AF65-F5344CB8AC3E}">
         <p14:creationId xmlns:p14="http://schemas.microsoft.com/office/powerpoint/2010/main" val="2316540854"/>
+      </p:ext>
+    </p:extLst>
+  </p:cSld>
+  <p:clrMapOvr>
+    <a:masterClrMapping/>
+  </p:clrMapOvr>
+</p:sld>
+</file>
+
+<file path=ppt/slides/slide9.xml><?xml version="1.0" encoding="utf-8"?>
+<p:sld xmlns:a="http://schemas.openxmlformats.org/drawingml/2006/main" xmlns:r="http://schemas.openxmlformats.org/officeDocument/2006/relationships" xmlns:p="http://schemas.openxmlformats.org/presentationml/2006/main">
+  <p:cSld>
+    <p:spTree>
+      <p:nvGrpSpPr>
+        <p:cNvPr id="1" name=""/>
+        <p:cNvGrpSpPr/>
+        <p:nvPr/>
+      </p:nvGrpSpPr>
+      <p:grpSpPr>
+        <a:xfrm>
+          <a:off x="0" y="0"/>
+          <a:ext cx="0" cy="0"/>
+          <a:chOff x="0" y="0"/>
+          <a:chExt cx="0" cy="0"/>
+        </a:xfrm>
+      </p:grpSpPr>
+      <p:sp>
+        <p:nvSpPr>
+          <p:cNvPr id="2" name="Rectangle: Rounded Corners 62">
+            <a:extLst>
+              <a:ext uri="{FF2B5EF4-FFF2-40B4-BE49-F238E27FC236}">
+                <a16:creationId xmlns:a16="http://schemas.microsoft.com/office/drawing/2014/main" xmlns="" id="{61D3D070-24FE-4EF4-AD82-4932219E03A8}"/>
+              </a:ext>
+            </a:extLst>
+          </p:cNvPr>
+          <p:cNvSpPr/>
+          <p:nvPr/>
+        </p:nvSpPr>
+        <p:spPr>
+          <a:xfrm>
+            <a:off x="2005244" y="912353"/>
+            <a:ext cx="2726263" cy="1338950"/>
+          </a:xfrm>
+          <a:prstGeom prst="roundRect">
+            <a:avLst/>
+          </a:prstGeom>
+          <a:solidFill>
+            <a:schemeClr val="accent3">
+              <a:lumMod val="60000"/>
+              <a:lumOff val="40000"/>
+            </a:schemeClr>
+          </a:solidFill>
+        </p:spPr>
+        <p:style>
+          <a:lnRef idx="2">
+            <a:schemeClr val="accent1">
+              <a:shade val="50000"/>
+            </a:schemeClr>
+          </a:lnRef>
+          <a:fillRef idx="1">
+            <a:schemeClr val="accent1"/>
+          </a:fillRef>
+          <a:effectRef idx="0">
+            <a:schemeClr val="accent1"/>
+          </a:effectRef>
+          <a:fontRef idx="minor">
+            <a:schemeClr val="lt1"/>
+          </a:fontRef>
+        </p:style>
+        <p:txBody>
+          <a:bodyPr rtlCol="0" anchor="ctr"/>
+          <a:lstStyle/>
+          <a:p>
+            <a:pPr algn="ctr"/>
+            <a:r>
+              <a:rPr lang="en-IN" sz="1800" dirty="0">
+                <a:solidFill>
+                  <a:srgbClr val="000000"/>
+                </a:solidFill>
+                <a:latin typeface="Consolas" panose="020B0609020204030204" pitchFamily="49" charset="0"/>
+              </a:rPr>
+              <a:t>bmt.zipkin01.com</a:t>
+            </a:r>
+            <a:endParaRPr lang="en-IN" dirty="0"/>
+          </a:p>
+        </p:txBody>
+      </p:sp>
+      <p:grpSp>
+        <p:nvGrpSpPr>
+          <p:cNvPr id="3" name="Group 2"/>
+          <p:cNvGrpSpPr/>
+          <p:nvPr/>
+        </p:nvGrpSpPr>
+        <p:grpSpPr>
+          <a:xfrm>
+            <a:off x="6222114" y="873717"/>
+            <a:ext cx="4660701" cy="1812690"/>
+            <a:chOff x="620497" y="555339"/>
+            <a:chExt cx="4660701" cy="1812690"/>
+          </a:xfrm>
+        </p:grpSpPr>
+        <p:grpSp>
+          <p:nvGrpSpPr>
+            <p:cNvPr id="4" name="Group 3"/>
+            <p:cNvGrpSpPr/>
+            <p:nvPr/>
+          </p:nvGrpSpPr>
+          <p:grpSpPr>
+            <a:xfrm>
+              <a:off x="1365481" y="555339"/>
+              <a:ext cx="3915717" cy="1812690"/>
+              <a:chOff x="1011381" y="2409115"/>
+              <a:chExt cx="3915717" cy="1338950"/>
+            </a:xfrm>
+          </p:grpSpPr>
+          <p:sp>
+            <p:nvSpPr>
+              <p:cNvPr id="6" name="Rectangle: Rounded Corners 1">
+                <a:extLst>
+                  <a:ext uri="{FF2B5EF4-FFF2-40B4-BE49-F238E27FC236}">
+                    <a16:creationId xmlns:a16="http://schemas.microsoft.com/office/drawing/2014/main" xmlns="" id="{229043B8-923C-4A63-923B-ED47AB6F3179}"/>
+                  </a:ext>
+                </a:extLst>
+              </p:cNvPr>
+              <p:cNvSpPr/>
+              <p:nvPr/>
+            </p:nvSpPr>
+            <p:spPr>
+              <a:xfrm>
+                <a:off x="1011381" y="2409115"/>
+                <a:ext cx="3915717" cy="1338950"/>
+              </a:xfrm>
+              <a:prstGeom prst="roundRect">
+                <a:avLst/>
+              </a:prstGeom>
+              <a:solidFill>
+                <a:schemeClr val="accent1">
+                  <a:lumMod val="75000"/>
+                </a:schemeClr>
+              </a:solidFill>
+            </p:spPr>
+            <p:style>
+              <a:lnRef idx="2">
+                <a:schemeClr val="accent1">
+                  <a:shade val="50000"/>
+                </a:schemeClr>
+              </a:lnRef>
+              <a:fillRef idx="1">
+                <a:schemeClr val="accent1"/>
+              </a:fillRef>
+              <a:effectRef idx="0">
+                <a:schemeClr val="accent1"/>
+              </a:effectRef>
+              <a:fontRef idx="minor">
+                <a:schemeClr val="lt1"/>
+              </a:fontRef>
+            </p:style>
+            <p:txBody>
+              <a:bodyPr rtlCol="0" anchor="ctr"/>
+              <a:lstStyle/>
+              <a:p>
+                <a:pPr algn="ctr"/>
+                <a:r>
+                  <a:rPr lang="en-IN" sz="1800" dirty="0" smtClean="0">
+                    <a:solidFill>
+                      <a:srgbClr val="000000"/>
+                    </a:solidFill>
+                    <a:latin typeface="Consolas" panose="020B0609020204030204" pitchFamily="49" charset="0"/>
+                  </a:rPr>
+                  <a:t>bmt.seat-map01.com</a:t>
+                </a:r>
+                <a:endParaRPr lang="en-IN" dirty="0"/>
+              </a:p>
+            </p:txBody>
+          </p:sp>
+          <p:sp>
+            <p:nvSpPr>
+              <p:cNvPr id="7" name="Rectangle 1">
+                <a:extLst>
+                  <a:ext uri="{FF2B5EF4-FFF2-40B4-BE49-F238E27FC236}">
+                    <a16:creationId xmlns:a16="http://schemas.microsoft.com/office/drawing/2014/main" xmlns="" id="{FFE5BAF0-90A9-481D-AAC3-4466B273C9B9}"/>
+                  </a:ext>
+                </a:extLst>
+              </p:cNvPr>
+              <p:cNvSpPr>
+                <a:spLocks noChangeArrowheads="1"/>
+              </p:cNvSpPr>
+              <p:nvPr/>
+            </p:nvSpPr>
+            <p:spPr bwMode="auto">
+              <a:xfrm>
+                <a:off x="3252802" y="2449768"/>
+                <a:ext cx="1674296" cy="238707"/>
+              </a:xfrm>
+              <a:prstGeom prst="rect">
+                <a:avLst/>
+              </a:prstGeom>
+              <a:solidFill>
+                <a:srgbClr val="F2F2F2"/>
+              </a:solidFill>
+              <a:ln>
+                <a:noFill/>
+              </a:ln>
+              <a:effectLst/>
+              <a:extLst>
+                <a:ext uri="{91240B29-F687-4F45-9708-019B960494DF}">
+                  <a14:hiddenLine xmlns:a14="http://schemas.microsoft.com/office/drawing/2010/main" w="9525">
+                    <a:solidFill>
+                      <a:schemeClr val="tx1"/>
+                    </a:solidFill>
+                    <a:miter lim="800000"/>
+                    <a:headEnd/>
+                    <a:tailEnd/>
+                  </a14:hiddenLine>
+                </a:ext>
+                <a:ext uri="{AF507438-7753-43E0-B8FC-AC1667EBCBE1}">
+                  <a14:hiddenEffects xmlns:a14="http://schemas.microsoft.com/office/drawing/2010/main">
+                    <a:effectLst>
+                      <a:outerShdw dist="35921" dir="2700000" algn="ctr" rotWithShape="0">
+                        <a:schemeClr val="bg2"/>
+                      </a:outerShdw>
+                    </a:effectLst>
+                  </a14:hiddenEffects>
+                </a:ext>
+              </a:extLst>
+            </p:spPr>
+            <p:txBody>
+              <a:bodyPr vert="horz" wrap="square" lIns="91440" tIns="45720" rIns="91440" bIns="45720" numCol="1" anchor="ctr" anchorCtr="0" compatLnSpc="1">
+                <a:prstTxWarp prst="textNoShape">
+                  <a:avLst/>
+                </a:prstTxWarp>
+                <a:spAutoFit/>
+              </a:bodyPr>
+              <a:lstStyle>
+                <a:lvl1pPr eaLnBrk="0" fontAlgn="base" hangingPunct="0">
+                  <a:spcBef>
+                    <a:spcPct val="0"/>
+                  </a:spcBef>
+                  <a:spcAft>
+                    <a:spcPct val="0"/>
+                  </a:spcAft>
+                  <a:defRPr>
+                    <a:solidFill>
+                      <a:schemeClr val="tx1"/>
+                    </a:solidFill>
+                    <a:latin typeface="Arial" panose="020B0604020202020204" pitchFamily="34" charset="0"/>
+                  </a:defRPr>
+                </a:lvl1pPr>
+                <a:lvl2pPr eaLnBrk="0" fontAlgn="base" hangingPunct="0">
+                  <a:spcBef>
+                    <a:spcPct val="0"/>
+                  </a:spcBef>
+                  <a:spcAft>
+                    <a:spcPct val="0"/>
+                  </a:spcAft>
+                  <a:defRPr>
+                    <a:solidFill>
+                      <a:schemeClr val="tx1"/>
+                    </a:solidFill>
+                    <a:latin typeface="Arial" panose="020B0604020202020204" pitchFamily="34" charset="0"/>
+                  </a:defRPr>
+                </a:lvl2pPr>
+                <a:lvl3pPr eaLnBrk="0" fontAlgn="base" hangingPunct="0">
+                  <a:spcBef>
+                    <a:spcPct val="0"/>
+                  </a:spcBef>
+                  <a:spcAft>
+                    <a:spcPct val="0"/>
+                  </a:spcAft>
+                  <a:defRPr>
+                    <a:solidFill>
+                      <a:schemeClr val="tx1"/>
+                    </a:solidFill>
+                    <a:latin typeface="Arial" panose="020B0604020202020204" pitchFamily="34" charset="0"/>
+                  </a:defRPr>
+                </a:lvl3pPr>
+                <a:lvl4pPr eaLnBrk="0" fontAlgn="base" hangingPunct="0">
+                  <a:spcBef>
+                    <a:spcPct val="0"/>
+                  </a:spcBef>
+                  <a:spcAft>
+                    <a:spcPct val="0"/>
+                  </a:spcAft>
+                  <a:defRPr>
+                    <a:solidFill>
+                      <a:schemeClr val="tx1"/>
+                    </a:solidFill>
+                    <a:latin typeface="Arial" panose="020B0604020202020204" pitchFamily="34" charset="0"/>
+                  </a:defRPr>
+                </a:lvl4pPr>
+                <a:lvl5pPr eaLnBrk="0" fontAlgn="base" hangingPunct="0">
+                  <a:spcBef>
+                    <a:spcPct val="0"/>
+                  </a:spcBef>
+                  <a:spcAft>
+                    <a:spcPct val="0"/>
+                  </a:spcAft>
+                  <a:defRPr>
+                    <a:solidFill>
+                      <a:schemeClr val="tx1"/>
+                    </a:solidFill>
+                    <a:latin typeface="Arial" panose="020B0604020202020204" pitchFamily="34" charset="0"/>
+                  </a:defRPr>
+                </a:lvl5pPr>
+                <a:lvl6pPr eaLnBrk="0" fontAlgn="base" hangingPunct="0">
+                  <a:spcBef>
+                    <a:spcPct val="0"/>
+                  </a:spcBef>
+                  <a:spcAft>
+                    <a:spcPct val="0"/>
+                  </a:spcAft>
+                  <a:defRPr>
+                    <a:solidFill>
+                      <a:schemeClr val="tx1"/>
+                    </a:solidFill>
+                    <a:latin typeface="Arial" panose="020B0604020202020204" pitchFamily="34" charset="0"/>
+                  </a:defRPr>
+                </a:lvl6pPr>
+                <a:lvl7pPr eaLnBrk="0" fontAlgn="base" hangingPunct="0">
+                  <a:spcBef>
+                    <a:spcPct val="0"/>
+                  </a:spcBef>
+                  <a:spcAft>
+                    <a:spcPct val="0"/>
+                  </a:spcAft>
+                  <a:defRPr>
+                    <a:solidFill>
+                      <a:schemeClr val="tx1"/>
+                    </a:solidFill>
+                    <a:latin typeface="Arial" panose="020B0604020202020204" pitchFamily="34" charset="0"/>
+                  </a:defRPr>
+                </a:lvl7pPr>
+                <a:lvl8pPr eaLnBrk="0" fontAlgn="base" hangingPunct="0">
+                  <a:spcBef>
+                    <a:spcPct val="0"/>
+                  </a:spcBef>
+                  <a:spcAft>
+                    <a:spcPct val="0"/>
+                  </a:spcAft>
+                  <a:defRPr>
+                    <a:solidFill>
+                      <a:schemeClr val="tx1"/>
+                    </a:solidFill>
+                    <a:latin typeface="Arial" panose="020B0604020202020204" pitchFamily="34" charset="0"/>
+                  </a:defRPr>
+                </a:lvl8pPr>
+                <a:lvl9pPr eaLnBrk="0" fontAlgn="base" hangingPunct="0">
+                  <a:spcBef>
+                    <a:spcPct val="0"/>
+                  </a:spcBef>
+                  <a:spcAft>
+                    <a:spcPct val="0"/>
+                  </a:spcAft>
+                  <a:defRPr>
+                    <a:solidFill>
+                      <a:schemeClr val="tx1"/>
+                    </a:solidFill>
+                    <a:latin typeface="Arial" panose="020B0604020202020204" pitchFamily="34" charset="0"/>
+                  </a:defRPr>
+                </a:lvl9pPr>
+              </a:lstStyle>
+              <a:p>
+                <a:pPr marL="0" marR="0" lvl="0" indent="0" algn="l" defTabSz="914400" rtl="0" eaLnBrk="0" fontAlgn="base" latinLnBrk="0" hangingPunct="0">
+                  <a:lnSpc>
+                    <a:spcPct val="100000"/>
+                  </a:lnSpc>
+                  <a:spcBef>
+                    <a:spcPct val="0"/>
+                  </a:spcBef>
+                  <a:spcAft>
+                    <a:spcPct val="0"/>
+                  </a:spcAft>
+                  <a:buClrTx/>
+                  <a:buSzTx/>
+                  <a:buFontTx/>
+                  <a:buNone/>
+                  <a:tabLst/>
+                </a:pPr>
+                <a:r>
+                  <a:rPr kumimoji="0" lang="en-US" altLang="en-US" sz="1100" b="0" i="0" u="none" strike="noStrike" cap="none" normalizeH="0" baseline="0" dirty="0">
+                    <a:ln>
+                      <a:noFill/>
+                    </a:ln>
+                    <a:solidFill>
+                      <a:srgbClr val="292929"/>
+                    </a:solidFill>
+                    <a:effectLst/>
+                    <a:latin typeface="Menlo"/>
+                  </a:rPr>
+                  <a:t>@</a:t>
+                </a:r>
+                <a:r>
+                  <a:rPr kumimoji="0" lang="en-US" altLang="en-US" sz="1100" b="0" i="0" u="none" strike="noStrike" cap="none" normalizeH="0" baseline="0" dirty="0" err="1">
+                    <a:ln>
+                      <a:noFill/>
+                    </a:ln>
+                    <a:solidFill>
+                      <a:srgbClr val="292929"/>
+                    </a:solidFill>
+                    <a:effectLst/>
+                    <a:latin typeface="Menlo"/>
+                  </a:rPr>
+                  <a:t>EnableEurekaClient</a:t>
+                </a:r>
+                <a:r>
+                  <a:rPr kumimoji="0" lang="en-US" altLang="en-US" sz="1500" b="0" i="0" u="none" strike="noStrike" cap="none" normalizeH="0" baseline="0" dirty="0">
+                    <a:ln>
+                      <a:noFill/>
+                    </a:ln>
+                    <a:solidFill>
+                      <a:srgbClr val="292929"/>
+                    </a:solidFill>
+                    <a:effectLst/>
+                    <a:latin typeface="charter"/>
+                  </a:rPr>
+                  <a:t> </a:t>
+                </a:r>
+                <a:r>
+                  <a:rPr kumimoji="0" lang="en-US" altLang="en-US" sz="900" b="0" i="0" u="none" strike="noStrike" cap="none" normalizeH="0" baseline="0" dirty="0">
+                    <a:ln>
+                      <a:noFill/>
+                    </a:ln>
+                    <a:solidFill>
+                      <a:schemeClr val="tx1"/>
+                    </a:solidFill>
+                    <a:effectLst/>
+                  </a:rPr>
+                  <a:t> </a:t>
+                </a:r>
+                <a:endParaRPr kumimoji="0" lang="en-US" altLang="en-US" sz="1800" b="0" i="0" u="none" strike="noStrike" cap="none" normalizeH="0" baseline="0" dirty="0">
+                  <a:ln>
+                    <a:noFill/>
+                  </a:ln>
+                  <a:solidFill>
+                    <a:schemeClr val="tx1"/>
+                  </a:solidFill>
+                  <a:effectLst/>
+                  <a:latin typeface="Arial" panose="020B0604020202020204" pitchFamily="34" charset="0"/>
+                </a:endParaRPr>
+              </a:p>
+            </p:txBody>
+          </p:sp>
+          <p:sp>
+            <p:nvSpPr>
+              <p:cNvPr id="8" name="Rectangle 1">
+                <a:extLst>
+                  <a:ext uri="{FF2B5EF4-FFF2-40B4-BE49-F238E27FC236}">
+                    <a16:creationId xmlns:a16="http://schemas.microsoft.com/office/drawing/2014/main" xmlns="" id="{4A5862E7-0045-43EA-8731-76AF0AFFEB2B}"/>
+                  </a:ext>
+                </a:extLst>
+              </p:cNvPr>
+              <p:cNvSpPr>
+                <a:spLocks noChangeArrowheads="1"/>
+              </p:cNvSpPr>
+              <p:nvPr/>
+            </p:nvSpPr>
+            <p:spPr bwMode="auto">
+              <a:xfrm>
+                <a:off x="1468579" y="3472706"/>
+                <a:ext cx="3001319" cy="261610"/>
+              </a:xfrm>
+              <a:prstGeom prst="rect">
+                <a:avLst/>
+              </a:prstGeom>
+              <a:solidFill>
+                <a:srgbClr val="F2F2F2"/>
+              </a:solidFill>
+              <a:ln>
+                <a:noFill/>
+              </a:ln>
+              <a:effectLst/>
+              <a:extLst>
+                <a:ext uri="{91240B29-F687-4F45-9708-019B960494DF}">
+                  <a14:hiddenLine xmlns:a14="http://schemas.microsoft.com/office/drawing/2010/main" w="9525">
+                    <a:solidFill>
+                      <a:schemeClr val="tx1"/>
+                    </a:solidFill>
+                    <a:miter lim="800000"/>
+                    <a:headEnd/>
+                    <a:tailEnd/>
+                  </a14:hiddenLine>
+                </a:ext>
+                <a:ext uri="{AF507438-7753-43E0-B8FC-AC1667EBCBE1}">
+                  <a14:hiddenEffects xmlns:a14="http://schemas.microsoft.com/office/drawing/2010/main">
+                    <a:effectLst>
+                      <a:outerShdw dist="35921" dir="2700000" algn="ctr" rotWithShape="0">
+                        <a:schemeClr val="bg2"/>
+                      </a:outerShdw>
+                    </a:effectLst>
+                  </a14:hiddenEffects>
+                </a:ext>
+              </a:extLst>
+            </p:spPr>
+            <p:txBody>
+              <a:bodyPr vert="horz" wrap="square" lIns="91440" tIns="45720" rIns="91440" bIns="45720" numCol="1" anchor="ctr" anchorCtr="0" compatLnSpc="1">
+                <a:prstTxWarp prst="textNoShape">
+                  <a:avLst/>
+                </a:prstTxWarp>
+                <a:spAutoFit/>
+              </a:bodyPr>
+              <a:lstStyle>
+                <a:lvl1pPr eaLnBrk="0" fontAlgn="base" hangingPunct="0">
+                  <a:spcBef>
+                    <a:spcPct val="0"/>
+                  </a:spcBef>
+                  <a:spcAft>
+                    <a:spcPct val="0"/>
+                  </a:spcAft>
+                  <a:defRPr>
+                    <a:solidFill>
+                      <a:schemeClr val="tx1"/>
+                    </a:solidFill>
+                    <a:latin typeface="Arial" panose="020B0604020202020204" pitchFamily="34" charset="0"/>
+                  </a:defRPr>
+                </a:lvl1pPr>
+                <a:lvl2pPr eaLnBrk="0" fontAlgn="base" hangingPunct="0">
+                  <a:spcBef>
+                    <a:spcPct val="0"/>
+                  </a:spcBef>
+                  <a:spcAft>
+                    <a:spcPct val="0"/>
+                  </a:spcAft>
+                  <a:defRPr>
+                    <a:solidFill>
+                      <a:schemeClr val="tx1"/>
+                    </a:solidFill>
+                    <a:latin typeface="Arial" panose="020B0604020202020204" pitchFamily="34" charset="0"/>
+                  </a:defRPr>
+                </a:lvl2pPr>
+                <a:lvl3pPr eaLnBrk="0" fontAlgn="base" hangingPunct="0">
+                  <a:spcBef>
+                    <a:spcPct val="0"/>
+                  </a:spcBef>
+                  <a:spcAft>
+                    <a:spcPct val="0"/>
+                  </a:spcAft>
+                  <a:defRPr>
+                    <a:solidFill>
+                      <a:schemeClr val="tx1"/>
+                    </a:solidFill>
+                    <a:latin typeface="Arial" panose="020B0604020202020204" pitchFamily="34" charset="0"/>
+                  </a:defRPr>
+                </a:lvl3pPr>
+                <a:lvl4pPr eaLnBrk="0" fontAlgn="base" hangingPunct="0">
+                  <a:spcBef>
+                    <a:spcPct val="0"/>
+                  </a:spcBef>
+                  <a:spcAft>
+                    <a:spcPct val="0"/>
+                  </a:spcAft>
+                  <a:defRPr>
+                    <a:solidFill>
+                      <a:schemeClr val="tx1"/>
+                    </a:solidFill>
+                    <a:latin typeface="Arial" panose="020B0604020202020204" pitchFamily="34" charset="0"/>
+                  </a:defRPr>
+                </a:lvl4pPr>
+                <a:lvl5pPr eaLnBrk="0" fontAlgn="base" hangingPunct="0">
+                  <a:spcBef>
+                    <a:spcPct val="0"/>
+                  </a:spcBef>
+                  <a:spcAft>
+                    <a:spcPct val="0"/>
+                  </a:spcAft>
+                  <a:defRPr>
+                    <a:solidFill>
+                      <a:schemeClr val="tx1"/>
+                    </a:solidFill>
+                    <a:latin typeface="Arial" panose="020B0604020202020204" pitchFamily="34" charset="0"/>
+                  </a:defRPr>
+                </a:lvl5pPr>
+                <a:lvl6pPr eaLnBrk="0" fontAlgn="base" hangingPunct="0">
+                  <a:spcBef>
+                    <a:spcPct val="0"/>
+                  </a:spcBef>
+                  <a:spcAft>
+                    <a:spcPct val="0"/>
+                  </a:spcAft>
+                  <a:defRPr>
+                    <a:solidFill>
+                      <a:schemeClr val="tx1"/>
+                    </a:solidFill>
+                    <a:latin typeface="Arial" panose="020B0604020202020204" pitchFamily="34" charset="0"/>
+                  </a:defRPr>
+                </a:lvl6pPr>
+                <a:lvl7pPr eaLnBrk="0" fontAlgn="base" hangingPunct="0">
+                  <a:spcBef>
+                    <a:spcPct val="0"/>
+                  </a:spcBef>
+                  <a:spcAft>
+                    <a:spcPct val="0"/>
+                  </a:spcAft>
+                  <a:defRPr>
+                    <a:solidFill>
+                      <a:schemeClr val="tx1"/>
+                    </a:solidFill>
+                    <a:latin typeface="Arial" panose="020B0604020202020204" pitchFamily="34" charset="0"/>
+                  </a:defRPr>
+                </a:lvl7pPr>
+                <a:lvl8pPr eaLnBrk="0" fontAlgn="base" hangingPunct="0">
+                  <a:spcBef>
+                    <a:spcPct val="0"/>
+                  </a:spcBef>
+                  <a:spcAft>
+                    <a:spcPct val="0"/>
+                  </a:spcAft>
+                  <a:defRPr>
+                    <a:solidFill>
+                      <a:schemeClr val="tx1"/>
+                    </a:solidFill>
+                    <a:latin typeface="Arial" panose="020B0604020202020204" pitchFamily="34" charset="0"/>
+                  </a:defRPr>
+                </a:lvl8pPr>
+                <a:lvl9pPr eaLnBrk="0" fontAlgn="base" hangingPunct="0">
+                  <a:spcBef>
+                    <a:spcPct val="0"/>
+                  </a:spcBef>
+                  <a:spcAft>
+                    <a:spcPct val="0"/>
+                  </a:spcAft>
+                  <a:defRPr>
+                    <a:solidFill>
+                      <a:schemeClr val="tx1"/>
+                    </a:solidFill>
+                    <a:latin typeface="Arial" panose="020B0604020202020204" pitchFamily="34" charset="0"/>
+                  </a:defRPr>
+                </a:lvl9pPr>
+              </a:lstStyle>
+              <a:p>
+                <a:pPr marL="0" marR="0" lvl="0" indent="0" algn="l" defTabSz="914400" rtl="0" eaLnBrk="0" fontAlgn="base" latinLnBrk="0" hangingPunct="0">
+                  <a:lnSpc>
+                    <a:spcPct val="100000"/>
+                  </a:lnSpc>
+                  <a:spcBef>
+                    <a:spcPct val="0"/>
+                  </a:spcBef>
+                  <a:spcAft>
+                    <a:spcPct val="0"/>
+                  </a:spcAft>
+                  <a:buClrTx/>
+                  <a:buSzTx/>
+                  <a:buFontTx/>
+                  <a:buNone/>
+                  <a:tabLst/>
+                </a:pPr>
+                <a:r>
+                  <a:rPr lang="en-IN" sz="1100" b="0" i="0" dirty="0">
+                    <a:solidFill>
+                      <a:srgbClr val="24292F"/>
+                    </a:solidFill>
+                    <a:effectLst/>
+                    <a:latin typeface="ui-monospace"/>
+                  </a:rPr>
+                  <a:t>spring-cloud-starter-</a:t>
+                </a:r>
+                <a:r>
+                  <a:rPr lang="en-IN" sz="1100" b="0" i="0" dirty="0" err="1">
+                    <a:solidFill>
+                      <a:srgbClr val="24292F"/>
+                    </a:solidFill>
+                    <a:effectLst/>
+                    <a:latin typeface="ui-monospace"/>
+                  </a:rPr>
+                  <a:t>netflix</a:t>
+                </a:r>
+                <a:r>
+                  <a:rPr lang="en-IN" sz="1100" b="0" i="0" dirty="0">
+                    <a:solidFill>
+                      <a:srgbClr val="24292F"/>
+                    </a:solidFill>
+                    <a:effectLst/>
+                    <a:latin typeface="ui-monospace"/>
+                  </a:rPr>
+                  <a:t>-eureka-client</a:t>
+                </a:r>
+                <a:endParaRPr kumimoji="0" lang="en-US" altLang="en-US" sz="1800" b="0" i="0" u="none" strike="noStrike" cap="none" normalizeH="0" baseline="0" dirty="0">
+                  <a:ln>
+                    <a:noFill/>
+                  </a:ln>
+                  <a:solidFill>
+                    <a:schemeClr val="tx1"/>
+                  </a:solidFill>
+                  <a:effectLst/>
+                  <a:latin typeface="Arial" panose="020B0604020202020204" pitchFamily="34" charset="0"/>
+                </a:endParaRPr>
+              </a:p>
+            </p:txBody>
+          </p:sp>
+        </p:grpSp>
+        <p:sp>
+          <p:nvSpPr>
+            <p:cNvPr id="5" name="TextBox 4">
+              <a:extLst>
+                <a:ext uri="{FF2B5EF4-FFF2-40B4-BE49-F238E27FC236}">
+                  <a16:creationId xmlns:a16="http://schemas.microsoft.com/office/drawing/2014/main" xmlns="" id="{C91224FA-ADA9-4075-AE2B-E0C6E149E540}"/>
+                </a:ext>
+              </a:extLst>
+            </p:cNvPr>
+            <p:cNvSpPr txBox="1"/>
+            <p:nvPr/>
+          </p:nvSpPr>
+          <p:spPr>
+            <a:xfrm>
+              <a:off x="620497" y="1579470"/>
+              <a:ext cx="1745604" cy="261610"/>
+            </a:xfrm>
+            <a:prstGeom prst="rect">
+              <a:avLst/>
+            </a:prstGeom>
+            <a:solidFill>
+              <a:srgbClr val="FFFF00"/>
+            </a:solidFill>
+          </p:spPr>
+          <p:txBody>
+            <a:bodyPr wrap="square">
+              <a:spAutoFit/>
+            </a:bodyPr>
+            <a:lstStyle/>
+            <a:p>
+              <a:r>
+                <a:rPr lang="en-US" sz="1100" dirty="0" err="1"/>
+                <a:t>s</a:t>
+              </a:r>
+              <a:r>
+                <a:rPr lang="en-US" sz="1100" dirty="0" err="1" smtClean="0"/>
+                <a:t>pring.cloug.starter.config</a:t>
+              </a:r>
+              <a:endParaRPr lang="en-US" sz="1100" dirty="0"/>
+            </a:p>
+          </p:txBody>
+        </p:sp>
+      </p:grpSp>
+      <p:sp>
+        <p:nvSpPr>
+          <p:cNvPr id="10" name="TextBox 9">
+            <a:extLst>
+              <a:ext uri="{FF2B5EF4-FFF2-40B4-BE49-F238E27FC236}">
+                <a16:creationId xmlns:a16="http://schemas.microsoft.com/office/drawing/2014/main" xmlns="" id="{C91224FA-ADA9-4075-AE2B-E0C6E149E540}"/>
+              </a:ext>
+            </a:extLst>
+          </p:cNvPr>
+          <p:cNvSpPr txBox="1"/>
+          <p:nvPr/>
+        </p:nvSpPr>
+        <p:spPr>
+          <a:xfrm>
+            <a:off x="5923033" y="1513122"/>
+            <a:ext cx="1745604" cy="261610"/>
+          </a:xfrm>
+          <a:prstGeom prst="rect">
+            <a:avLst/>
+          </a:prstGeom>
+          <a:solidFill>
+            <a:srgbClr val="FFFF00"/>
+          </a:solidFill>
+        </p:spPr>
+        <p:txBody>
+          <a:bodyPr wrap="square">
+            <a:spAutoFit/>
+          </a:bodyPr>
+          <a:lstStyle/>
+          <a:p>
+            <a:r>
+              <a:rPr lang="en-US" sz="1100" dirty="0" smtClean="0"/>
+              <a:t>spring-cloud-sleuth-</a:t>
+            </a:r>
+            <a:r>
+              <a:rPr lang="en-US" sz="1100" dirty="0" err="1" smtClean="0"/>
+              <a:t>zipkin</a:t>
+            </a:r>
+            <a:endParaRPr lang="en-US" sz="1100" dirty="0"/>
+          </a:p>
+        </p:txBody>
+      </p:sp>
+      <p:sp>
+        <p:nvSpPr>
+          <p:cNvPr id="11" name="TextBox 10">
+            <a:extLst>
+              <a:ext uri="{FF2B5EF4-FFF2-40B4-BE49-F238E27FC236}">
+                <a16:creationId xmlns:a16="http://schemas.microsoft.com/office/drawing/2014/main" xmlns="" id="{C91224FA-ADA9-4075-AE2B-E0C6E149E540}"/>
+              </a:ext>
+            </a:extLst>
+          </p:cNvPr>
+          <p:cNvSpPr txBox="1"/>
+          <p:nvPr/>
+        </p:nvSpPr>
+        <p:spPr>
+          <a:xfrm>
+            <a:off x="5923033" y="1151439"/>
+            <a:ext cx="1745604" cy="261610"/>
+          </a:xfrm>
+          <a:prstGeom prst="rect">
+            <a:avLst/>
+          </a:prstGeom>
+          <a:solidFill>
+            <a:srgbClr val="FFFF00"/>
+          </a:solidFill>
+        </p:spPr>
+        <p:txBody>
+          <a:bodyPr wrap="square">
+            <a:spAutoFit/>
+          </a:bodyPr>
+          <a:lstStyle/>
+          <a:p>
+            <a:r>
+              <a:rPr lang="en-US" sz="1100" dirty="0"/>
+              <a:t>spring-cloud-starter-sleuth</a:t>
+            </a:r>
+          </a:p>
+        </p:txBody>
+      </p:sp>
+      <p:sp>
+        <p:nvSpPr>
+          <p:cNvPr id="12" name="Rectangle 1">
+            <a:extLst>
+              <a:ext uri="{FF2B5EF4-FFF2-40B4-BE49-F238E27FC236}">
+                <a16:creationId xmlns:a16="http://schemas.microsoft.com/office/drawing/2014/main" xmlns="" id="{FFE5BAF0-90A9-481D-AAC3-4466B273C9B9}"/>
+              </a:ext>
+            </a:extLst>
+          </p:cNvPr>
+          <p:cNvSpPr>
+            <a:spLocks noChangeArrowheads="1"/>
+          </p:cNvSpPr>
+          <p:nvPr/>
+        </p:nvSpPr>
+        <p:spPr bwMode="auto">
+          <a:xfrm>
+            <a:off x="10247609" y="1627837"/>
+            <a:ext cx="981569" cy="261610"/>
+          </a:xfrm>
+          <a:prstGeom prst="rect">
+            <a:avLst/>
+          </a:prstGeom>
+          <a:solidFill>
+            <a:srgbClr val="F2F2F2"/>
+          </a:solidFill>
+          <a:ln>
+            <a:noFill/>
+          </a:ln>
+          <a:effectLst/>
+          <a:extLst>
+            <a:ext uri="{91240B29-F687-4F45-9708-019B960494DF}">
+              <a14:hiddenLine xmlns:a14="http://schemas.microsoft.com/office/drawing/2010/main" w="9525">
+                <a:solidFill>
+                  <a:schemeClr val="tx1"/>
+                </a:solidFill>
+                <a:miter lim="800000"/>
+                <a:headEnd/>
+                <a:tailEnd/>
+              </a14:hiddenLine>
+            </a:ext>
+            <a:ext uri="{AF507438-7753-43E0-B8FC-AC1667EBCBE1}">
+              <a14:hiddenEffects xmlns:a14="http://schemas.microsoft.com/office/drawing/2010/main">
+                <a:effectLst>
+                  <a:outerShdw dist="35921" dir="2700000" algn="ctr" rotWithShape="0">
+                    <a:schemeClr val="bg2"/>
+                  </a:outerShdw>
+                </a:effectLst>
+              </a14:hiddenEffects>
+            </a:ext>
+          </a:extLst>
+        </p:spPr>
+        <p:txBody>
+          <a:bodyPr vert="horz" wrap="square" lIns="91440" tIns="45720" rIns="91440" bIns="45720" numCol="1" anchor="ctr" anchorCtr="0" compatLnSpc="1">
+            <a:prstTxWarp prst="textNoShape">
+              <a:avLst/>
+            </a:prstTxWarp>
+            <a:spAutoFit/>
+          </a:bodyPr>
+          <a:lstStyle>
+            <a:lvl1pPr eaLnBrk="0" fontAlgn="base" hangingPunct="0">
+              <a:spcBef>
+                <a:spcPct val="0"/>
+              </a:spcBef>
+              <a:spcAft>
+                <a:spcPct val="0"/>
+              </a:spcAft>
+              <a:defRPr>
+                <a:solidFill>
+                  <a:schemeClr val="tx1"/>
+                </a:solidFill>
+                <a:latin typeface="Arial" panose="020B0604020202020204" pitchFamily="34" charset="0"/>
+              </a:defRPr>
+            </a:lvl1pPr>
+            <a:lvl2pPr eaLnBrk="0" fontAlgn="base" hangingPunct="0">
+              <a:spcBef>
+                <a:spcPct val="0"/>
+              </a:spcBef>
+              <a:spcAft>
+                <a:spcPct val="0"/>
+              </a:spcAft>
+              <a:defRPr>
+                <a:solidFill>
+                  <a:schemeClr val="tx1"/>
+                </a:solidFill>
+                <a:latin typeface="Arial" panose="020B0604020202020204" pitchFamily="34" charset="0"/>
+              </a:defRPr>
+            </a:lvl2pPr>
+            <a:lvl3pPr eaLnBrk="0" fontAlgn="base" hangingPunct="0">
+              <a:spcBef>
+                <a:spcPct val="0"/>
+              </a:spcBef>
+              <a:spcAft>
+                <a:spcPct val="0"/>
+              </a:spcAft>
+              <a:defRPr>
+                <a:solidFill>
+                  <a:schemeClr val="tx1"/>
+                </a:solidFill>
+                <a:latin typeface="Arial" panose="020B0604020202020204" pitchFamily="34" charset="0"/>
+              </a:defRPr>
+            </a:lvl3pPr>
+            <a:lvl4pPr eaLnBrk="0" fontAlgn="base" hangingPunct="0">
+              <a:spcBef>
+                <a:spcPct val="0"/>
+              </a:spcBef>
+              <a:spcAft>
+                <a:spcPct val="0"/>
+              </a:spcAft>
+              <a:defRPr>
+                <a:solidFill>
+                  <a:schemeClr val="tx1"/>
+                </a:solidFill>
+                <a:latin typeface="Arial" panose="020B0604020202020204" pitchFamily="34" charset="0"/>
+              </a:defRPr>
+            </a:lvl4pPr>
+            <a:lvl5pPr eaLnBrk="0" fontAlgn="base" hangingPunct="0">
+              <a:spcBef>
+                <a:spcPct val="0"/>
+              </a:spcBef>
+              <a:spcAft>
+                <a:spcPct val="0"/>
+              </a:spcAft>
+              <a:defRPr>
+                <a:solidFill>
+                  <a:schemeClr val="tx1"/>
+                </a:solidFill>
+                <a:latin typeface="Arial" panose="020B0604020202020204" pitchFamily="34" charset="0"/>
+              </a:defRPr>
+            </a:lvl5pPr>
+            <a:lvl6pPr eaLnBrk="0" fontAlgn="base" hangingPunct="0">
+              <a:spcBef>
+                <a:spcPct val="0"/>
+              </a:spcBef>
+              <a:spcAft>
+                <a:spcPct val="0"/>
+              </a:spcAft>
+              <a:defRPr>
+                <a:solidFill>
+                  <a:schemeClr val="tx1"/>
+                </a:solidFill>
+                <a:latin typeface="Arial" panose="020B0604020202020204" pitchFamily="34" charset="0"/>
+              </a:defRPr>
+            </a:lvl6pPr>
+            <a:lvl7pPr eaLnBrk="0" fontAlgn="base" hangingPunct="0">
+              <a:spcBef>
+                <a:spcPct val="0"/>
+              </a:spcBef>
+              <a:spcAft>
+                <a:spcPct val="0"/>
+              </a:spcAft>
+              <a:defRPr>
+                <a:solidFill>
+                  <a:schemeClr val="tx1"/>
+                </a:solidFill>
+                <a:latin typeface="Arial" panose="020B0604020202020204" pitchFamily="34" charset="0"/>
+              </a:defRPr>
+            </a:lvl7pPr>
+            <a:lvl8pPr eaLnBrk="0" fontAlgn="base" hangingPunct="0">
+              <a:spcBef>
+                <a:spcPct val="0"/>
+              </a:spcBef>
+              <a:spcAft>
+                <a:spcPct val="0"/>
+              </a:spcAft>
+              <a:defRPr>
+                <a:solidFill>
+                  <a:schemeClr val="tx1"/>
+                </a:solidFill>
+                <a:latin typeface="Arial" panose="020B0604020202020204" pitchFamily="34" charset="0"/>
+              </a:defRPr>
+            </a:lvl8pPr>
+            <a:lvl9pPr eaLnBrk="0" fontAlgn="base" hangingPunct="0">
+              <a:spcBef>
+                <a:spcPct val="0"/>
+              </a:spcBef>
+              <a:spcAft>
+                <a:spcPct val="0"/>
+              </a:spcAft>
+              <a:defRPr>
+                <a:solidFill>
+                  <a:schemeClr val="tx1"/>
+                </a:solidFill>
+                <a:latin typeface="Arial" panose="020B0604020202020204" pitchFamily="34" charset="0"/>
+              </a:defRPr>
+            </a:lvl9pPr>
+          </a:lstStyle>
+          <a:p>
+            <a:pPr marL="0" marR="0" lvl="0" indent="0" algn="l" defTabSz="914400" rtl="0" eaLnBrk="0" fontAlgn="base" latinLnBrk="0" hangingPunct="0">
+              <a:lnSpc>
+                <a:spcPct val="100000"/>
+              </a:lnSpc>
+              <a:spcBef>
+                <a:spcPct val="0"/>
+              </a:spcBef>
+              <a:spcAft>
+                <a:spcPct val="0"/>
+              </a:spcAft>
+              <a:buClrTx/>
+              <a:buSzTx/>
+              <a:buFontTx/>
+              <a:buNone/>
+              <a:tabLst/>
+            </a:pPr>
+            <a:r>
+              <a:rPr kumimoji="0" lang="en-US" altLang="en-US" sz="1100" b="0" i="0" u="none" strike="noStrike" cap="none" normalizeH="0" baseline="0" dirty="0" smtClean="0">
+                <a:ln>
+                  <a:noFill/>
+                </a:ln>
+                <a:solidFill>
+                  <a:srgbClr val="292929"/>
+                </a:solidFill>
+                <a:effectLst/>
+                <a:latin typeface="Menlo"/>
+              </a:rPr>
+              <a:t>@Slf4j</a:t>
+            </a:r>
+            <a:endParaRPr kumimoji="0" lang="en-US" altLang="en-US" sz="1800" b="0" i="0" u="none" strike="noStrike" cap="none" normalizeH="0" baseline="0" dirty="0">
+              <a:ln>
+                <a:noFill/>
+              </a:ln>
+              <a:solidFill>
+                <a:schemeClr val="tx1"/>
+              </a:solidFill>
+              <a:effectLst/>
+              <a:latin typeface="Arial" panose="020B0604020202020204" pitchFamily="34" charset="0"/>
+            </a:endParaRPr>
+          </a:p>
+        </p:txBody>
+      </p:sp>
+      <p:pic>
+        <p:nvPicPr>
+          <p:cNvPr id="2050" name="Picture 2"/>
+          <p:cNvPicPr>
+            <a:picLocks noChangeAspect="1" noChangeArrowheads="1"/>
+          </p:cNvPicPr>
+          <p:nvPr/>
+        </p:nvPicPr>
+        <p:blipFill>
+          <a:blip r:embed="rId2">
+            <a:extLst>
+              <a:ext uri="{28A0092B-C50C-407E-A947-70E740481C1C}">
+                <a14:useLocalDpi xmlns:a14="http://schemas.microsoft.com/office/drawing/2010/main" val="0"/>
+              </a:ext>
+            </a:extLst>
+          </a:blip>
+          <a:srcRect/>
+          <a:stretch>
+            <a:fillRect/>
+          </a:stretch>
+        </p:blipFill>
+        <p:spPr bwMode="auto">
+          <a:xfrm>
+            <a:off x="7584102" y="135729"/>
+            <a:ext cx="2524125" cy="400050"/>
+          </a:xfrm>
+          <a:prstGeom prst="rect">
+            <a:avLst/>
+          </a:prstGeom>
+          <a:noFill/>
+          <a:ln>
+            <a:noFill/>
+          </a:ln>
+          <a:effectLst/>
+          <a:extLst>
+            <a:ext uri="{909E8E84-426E-40DD-AFC4-6F175D3DCCD1}">
+              <a14:hiddenFill xmlns:a14="http://schemas.microsoft.com/office/drawing/2010/main">
+                <a:solidFill>
+                  <a:schemeClr val="accent1"/>
+                </a:solidFill>
+              </a14:hiddenFill>
+            </a:ext>
+            <a:ext uri="{91240B29-F687-4F45-9708-019B960494DF}">
+              <a14:hiddenLine xmlns:a14="http://schemas.microsoft.com/office/drawing/2010/main" w="9525">
+                <a:solidFill>
+                  <a:schemeClr val="tx1"/>
+                </a:solidFill>
+                <a:miter lim="800000"/>
+                <a:headEnd/>
+                <a:tailEnd/>
+              </a14:hiddenLine>
+            </a:ext>
+            <a:ext uri="{AF507438-7753-43E0-B8FC-AC1667EBCBE1}">
+              <a14:hiddenEffects xmlns:a14="http://schemas.microsoft.com/office/drawing/2010/main">
+                <a:effectLst>
+                  <a:outerShdw dist="35921" dir="2700000" algn="ctr" rotWithShape="0">
+                    <a:schemeClr val="bg2"/>
+                  </a:outerShdw>
+                </a:effectLst>
+              </a14:hiddenEffects>
+            </a:ext>
+          </a:extLst>
+        </p:spPr>
+      </p:pic>
+      <p:grpSp>
+        <p:nvGrpSpPr>
+          <p:cNvPr id="31" name="Group 30"/>
+          <p:cNvGrpSpPr/>
+          <p:nvPr/>
+        </p:nvGrpSpPr>
+        <p:grpSpPr>
+          <a:xfrm>
+            <a:off x="621033" y="2687262"/>
+            <a:ext cx="9279118" cy="2373277"/>
+            <a:chOff x="468633" y="2618726"/>
+            <a:chExt cx="9279118" cy="2373277"/>
+          </a:xfrm>
+        </p:grpSpPr>
+        <p:sp>
+          <p:nvSpPr>
+            <p:cNvPr id="14" name="TextBox 13"/>
+            <p:cNvSpPr txBox="1"/>
+            <p:nvPr/>
+          </p:nvSpPr>
+          <p:spPr>
+            <a:xfrm>
+              <a:off x="846693" y="4114797"/>
+              <a:ext cx="1146789" cy="369332"/>
+            </a:xfrm>
+            <a:prstGeom prst="rect">
+              <a:avLst/>
+            </a:prstGeom>
+            <a:noFill/>
+          </p:spPr>
+          <p:txBody>
+            <a:bodyPr wrap="none" rtlCol="0">
+              <a:spAutoFit/>
+            </a:bodyPr>
+            <a:lstStyle/>
+            <a:p>
+              <a:r>
+                <a:rPr lang="en-US" dirty="0" smtClean="0"/>
+                <a:t>SEAT-MAP</a:t>
+              </a:r>
+              <a:endParaRPr lang="en-US" dirty="0"/>
+            </a:p>
+          </p:txBody>
+        </p:sp>
+        <p:sp>
+          <p:nvSpPr>
+            <p:cNvPr id="18" name="TextBox 17"/>
+            <p:cNvSpPr txBox="1"/>
+            <p:nvPr/>
+          </p:nvSpPr>
+          <p:spPr>
+            <a:xfrm>
+              <a:off x="2934838" y="4197925"/>
+              <a:ext cx="1847301" cy="369332"/>
+            </a:xfrm>
+            <a:prstGeom prst="rect">
+              <a:avLst/>
+            </a:prstGeom>
+            <a:noFill/>
+          </p:spPr>
+          <p:txBody>
+            <a:bodyPr wrap="none" rtlCol="0">
+              <a:spAutoFit/>
+            </a:bodyPr>
+            <a:lstStyle/>
+            <a:p>
+              <a:r>
+                <a:rPr lang="en-US" dirty="0"/>
+                <a:t>c187f81915377fff</a:t>
+              </a:r>
+              <a:endParaRPr lang="en-US" dirty="0"/>
+            </a:p>
+          </p:txBody>
+        </p:sp>
+        <p:grpSp>
+          <p:nvGrpSpPr>
+            <p:cNvPr id="30" name="Group 29"/>
+            <p:cNvGrpSpPr/>
+            <p:nvPr/>
+          </p:nvGrpSpPr>
+          <p:grpSpPr>
+            <a:xfrm>
+              <a:off x="468633" y="2618726"/>
+              <a:ext cx="9279118" cy="2029508"/>
+              <a:chOff x="290943" y="2581682"/>
+              <a:chExt cx="9279118" cy="2029508"/>
+            </a:xfrm>
+          </p:grpSpPr>
+          <p:sp>
+            <p:nvSpPr>
+              <p:cNvPr id="13" name="Rounded Rectangle 12"/>
+              <p:cNvSpPr/>
+              <p:nvPr/>
+            </p:nvSpPr>
+            <p:spPr>
+              <a:xfrm>
+                <a:off x="290943" y="3657597"/>
+                <a:ext cx="2258291" cy="457200"/>
+              </a:xfrm>
+              <a:prstGeom prst="roundRect">
+                <a:avLst/>
+              </a:prstGeom>
+            </p:spPr>
+            <p:style>
+              <a:lnRef idx="2">
+                <a:schemeClr val="accent1">
+                  <a:shade val="50000"/>
+                </a:schemeClr>
+              </a:lnRef>
+              <a:fillRef idx="1">
+                <a:schemeClr val="accent1"/>
+              </a:fillRef>
+              <a:effectRef idx="0">
+                <a:schemeClr val="accent1"/>
+              </a:effectRef>
+              <a:fontRef idx="minor">
+                <a:schemeClr val="lt1"/>
+              </a:fontRef>
+            </p:style>
+            <p:txBody>
+              <a:bodyPr rtlCol="0" anchor="ctr"/>
+              <a:lstStyle/>
+              <a:p>
+                <a:pPr algn="ctr"/>
+                <a:r>
+                  <a:rPr lang="en-US" dirty="0" smtClean="0"/>
+                  <a:t>application id</a:t>
+                </a:r>
+                <a:endParaRPr lang="en-US" dirty="0"/>
+              </a:p>
+            </p:txBody>
+          </p:sp>
+          <p:sp>
+            <p:nvSpPr>
+              <p:cNvPr id="15" name="Rounded Rectangle 14"/>
+              <p:cNvSpPr/>
+              <p:nvPr/>
+            </p:nvSpPr>
+            <p:spPr>
+              <a:xfrm>
+                <a:off x="2798617" y="3574471"/>
+                <a:ext cx="2119745" cy="623454"/>
+              </a:xfrm>
+              <a:prstGeom prst="roundRect">
+                <a:avLst/>
+              </a:prstGeom>
+            </p:spPr>
+            <p:style>
+              <a:lnRef idx="2">
+                <a:schemeClr val="accent1">
+                  <a:shade val="50000"/>
+                </a:schemeClr>
+              </a:lnRef>
+              <a:fillRef idx="1">
+                <a:schemeClr val="accent1"/>
+              </a:fillRef>
+              <a:effectRef idx="0">
+                <a:schemeClr val="accent1"/>
+              </a:effectRef>
+              <a:fontRef idx="minor">
+                <a:schemeClr val="lt1"/>
+              </a:fontRef>
+            </p:style>
+            <p:txBody>
+              <a:bodyPr rtlCol="0" anchor="ctr"/>
+              <a:lstStyle/>
+              <a:p>
+                <a:pPr algn="ctr"/>
+                <a:r>
+                  <a:rPr lang="en-US" dirty="0"/>
+                  <a:t>t</a:t>
+                </a:r>
+                <a:r>
+                  <a:rPr lang="en-US" dirty="0" smtClean="0"/>
+                  <a:t>race id</a:t>
+                </a:r>
+              </a:p>
+              <a:p>
+                <a:pPr algn="ctr"/>
+                <a:r>
+                  <a:rPr lang="en-US" dirty="0" smtClean="0"/>
+                  <a:t>(per request chain)</a:t>
+                </a:r>
+                <a:endParaRPr lang="en-US" dirty="0"/>
+              </a:p>
+            </p:txBody>
+          </p:sp>
+          <p:sp>
+            <p:nvSpPr>
+              <p:cNvPr id="16" name="Rounded Rectangle 15"/>
+              <p:cNvSpPr/>
+              <p:nvPr/>
+            </p:nvSpPr>
+            <p:spPr>
+              <a:xfrm>
+                <a:off x="5522268" y="2951014"/>
+                <a:ext cx="2146369" cy="623455"/>
+              </a:xfrm>
+              <a:prstGeom prst="roundRect">
+                <a:avLst/>
+              </a:prstGeom>
+            </p:spPr>
+            <p:style>
+              <a:lnRef idx="2">
+                <a:schemeClr val="accent1">
+                  <a:shade val="50000"/>
+                </a:schemeClr>
+              </a:lnRef>
+              <a:fillRef idx="1">
+                <a:schemeClr val="accent1"/>
+              </a:fillRef>
+              <a:effectRef idx="0">
+                <a:schemeClr val="accent1"/>
+              </a:effectRef>
+              <a:fontRef idx="minor">
+                <a:schemeClr val="lt1"/>
+              </a:fontRef>
+            </p:style>
+            <p:txBody>
+              <a:bodyPr rtlCol="0" anchor="ctr"/>
+              <a:lstStyle/>
+              <a:p>
+                <a:pPr algn="ctr"/>
+                <a:r>
+                  <a:rPr lang="en-US" dirty="0" smtClean="0"/>
+                  <a:t>span id</a:t>
+                </a:r>
+              </a:p>
+              <a:p>
+                <a:pPr algn="ctr"/>
+                <a:r>
+                  <a:rPr lang="en-US" dirty="0" smtClean="0"/>
+                  <a:t>(per micro service)</a:t>
+                </a:r>
+                <a:endParaRPr lang="en-US" dirty="0"/>
+              </a:p>
+            </p:txBody>
+          </p:sp>
+          <p:sp>
+            <p:nvSpPr>
+              <p:cNvPr id="17" name="Rounded Rectangle 16"/>
+              <p:cNvSpPr/>
+              <p:nvPr/>
+            </p:nvSpPr>
+            <p:spPr>
+              <a:xfrm>
+                <a:off x="8279850" y="3530535"/>
+                <a:ext cx="1290211" cy="457200"/>
+              </a:xfrm>
+              <a:prstGeom prst="roundRect">
+                <a:avLst/>
+              </a:prstGeom>
+            </p:spPr>
+            <p:style>
+              <a:lnRef idx="2">
+                <a:schemeClr val="accent1">
+                  <a:shade val="50000"/>
+                </a:schemeClr>
+              </a:lnRef>
+              <a:fillRef idx="1">
+                <a:schemeClr val="accent1"/>
+              </a:fillRef>
+              <a:effectRef idx="0">
+                <a:schemeClr val="accent1"/>
+              </a:effectRef>
+              <a:fontRef idx="minor">
+                <a:schemeClr val="lt1"/>
+              </a:fontRef>
+            </p:style>
+            <p:txBody>
+              <a:bodyPr rtlCol="0" anchor="ctr"/>
+              <a:lstStyle/>
+              <a:p>
+                <a:pPr algn="ctr"/>
+                <a:r>
+                  <a:rPr lang="en-US" dirty="0" smtClean="0"/>
+                  <a:t>export</a:t>
+                </a:r>
+                <a:endParaRPr lang="en-US" dirty="0"/>
+              </a:p>
+            </p:txBody>
+          </p:sp>
+          <p:sp>
+            <p:nvSpPr>
+              <p:cNvPr id="21" name="Rounded Rectangle 20"/>
+              <p:cNvSpPr/>
+              <p:nvPr/>
+            </p:nvSpPr>
+            <p:spPr>
+              <a:xfrm>
+                <a:off x="5674668" y="3987735"/>
+                <a:ext cx="2146369" cy="623455"/>
+              </a:xfrm>
+              <a:prstGeom prst="roundRect">
+                <a:avLst/>
+              </a:prstGeom>
+            </p:spPr>
+            <p:style>
+              <a:lnRef idx="2">
+                <a:schemeClr val="accent1">
+                  <a:shade val="50000"/>
+                </a:schemeClr>
+              </a:lnRef>
+              <a:fillRef idx="1">
+                <a:schemeClr val="accent1"/>
+              </a:fillRef>
+              <a:effectRef idx="0">
+                <a:schemeClr val="accent1"/>
+              </a:effectRef>
+              <a:fontRef idx="minor">
+                <a:schemeClr val="lt1"/>
+              </a:fontRef>
+            </p:style>
+            <p:txBody>
+              <a:bodyPr rtlCol="0" anchor="ctr"/>
+              <a:lstStyle/>
+              <a:p>
+                <a:pPr algn="ctr"/>
+                <a:r>
+                  <a:rPr lang="en-US" dirty="0" smtClean="0"/>
+                  <a:t>span id</a:t>
+                </a:r>
+              </a:p>
+              <a:p>
+                <a:pPr algn="ctr"/>
+                <a:r>
+                  <a:rPr lang="en-US" dirty="0" smtClean="0"/>
+                  <a:t>(per micro service)</a:t>
+                </a:r>
+                <a:endParaRPr lang="en-US" dirty="0"/>
+              </a:p>
+            </p:txBody>
+          </p:sp>
+          <p:cxnSp>
+            <p:nvCxnSpPr>
+              <p:cNvPr id="22" name="Elbow Connector 21"/>
+              <p:cNvCxnSpPr>
+                <a:stCxn id="15" idx="0"/>
+                <a:endCxn id="16" idx="1"/>
+              </p:cNvCxnSpPr>
+              <p:nvPr/>
+            </p:nvCxnSpPr>
+            <p:spPr>
+              <a:xfrm rot="5400000" flipH="1" flipV="1">
+                <a:off x="4534515" y="2586718"/>
+                <a:ext cx="311729" cy="1663778"/>
+              </a:xfrm>
+              <a:prstGeom prst="bentConnector2">
+                <a:avLst/>
+              </a:prstGeom>
+              <a:ln>
+                <a:tailEnd type="arrow"/>
+              </a:ln>
+            </p:spPr>
+            <p:style>
+              <a:lnRef idx="1">
+                <a:schemeClr val="accent1"/>
+              </a:lnRef>
+              <a:fillRef idx="0">
+                <a:schemeClr val="accent1"/>
+              </a:fillRef>
+              <a:effectRef idx="0">
+                <a:schemeClr val="accent1"/>
+              </a:effectRef>
+              <a:fontRef idx="minor">
+                <a:schemeClr val="tx1"/>
+              </a:fontRef>
+            </p:style>
+          </p:cxnSp>
+          <p:cxnSp>
+            <p:nvCxnSpPr>
+              <p:cNvPr id="25" name="Elbow Connector 24"/>
+              <p:cNvCxnSpPr>
+                <a:stCxn id="16" idx="2"/>
+                <a:endCxn id="21" idx="0"/>
+              </p:cNvCxnSpPr>
+              <p:nvPr/>
+            </p:nvCxnSpPr>
+            <p:spPr>
+              <a:xfrm rot="16200000" flipH="1">
+                <a:off x="6465020" y="3704902"/>
+                <a:ext cx="413266" cy="152400"/>
+              </a:xfrm>
+              <a:prstGeom prst="bentConnector3">
+                <a:avLst/>
+              </a:prstGeom>
+              <a:ln>
+                <a:tailEnd type="arrow"/>
+              </a:ln>
+            </p:spPr>
+            <p:style>
+              <a:lnRef idx="1">
+                <a:schemeClr val="accent1"/>
+              </a:lnRef>
+              <a:fillRef idx="0">
+                <a:schemeClr val="accent1"/>
+              </a:fillRef>
+              <a:effectRef idx="0">
+                <a:schemeClr val="accent1"/>
+              </a:effectRef>
+              <a:fontRef idx="minor">
+                <a:schemeClr val="tx1"/>
+              </a:fontRef>
+            </p:style>
+          </p:cxnSp>
+          <p:sp>
+            <p:nvSpPr>
+              <p:cNvPr id="27" name="TextBox 26"/>
+              <p:cNvSpPr txBox="1"/>
+              <p:nvPr/>
+            </p:nvSpPr>
+            <p:spPr>
+              <a:xfrm>
+                <a:off x="5736801" y="2581682"/>
+                <a:ext cx="1847301" cy="369332"/>
+              </a:xfrm>
+              <a:prstGeom prst="rect">
+                <a:avLst/>
+              </a:prstGeom>
+              <a:noFill/>
+            </p:spPr>
+            <p:txBody>
+              <a:bodyPr wrap="none" rtlCol="0">
+                <a:spAutoFit/>
+              </a:bodyPr>
+              <a:lstStyle/>
+              <a:p>
+                <a:r>
+                  <a:rPr lang="en-US" dirty="0"/>
+                  <a:t>c187f81915377fff</a:t>
+                </a:r>
+                <a:endParaRPr lang="en-US" dirty="0"/>
+              </a:p>
+            </p:txBody>
+          </p:sp>
+        </p:grpSp>
+        <p:sp>
+          <p:nvSpPr>
+            <p:cNvPr id="28" name="TextBox 27"/>
+            <p:cNvSpPr txBox="1"/>
+            <p:nvPr/>
+          </p:nvSpPr>
+          <p:spPr>
+            <a:xfrm>
+              <a:off x="5741827" y="4622671"/>
+              <a:ext cx="1926810" cy="369332"/>
+            </a:xfrm>
+            <a:prstGeom prst="rect">
+              <a:avLst/>
+            </a:prstGeom>
+            <a:noFill/>
+          </p:spPr>
+          <p:txBody>
+            <a:bodyPr wrap="none" rtlCol="0">
+              <a:spAutoFit/>
+            </a:bodyPr>
+            <a:lstStyle/>
+            <a:p>
+              <a:r>
+                <a:rPr lang="en-US" dirty="0"/>
+                <a:t>8a9f3f097dca6a9e</a:t>
+              </a:r>
+              <a:endParaRPr lang="en-US" dirty="0"/>
+            </a:p>
+          </p:txBody>
+        </p:sp>
+      </p:grpSp>
+      <p:sp>
+        <p:nvSpPr>
+          <p:cNvPr id="29" name="TextBox 28"/>
+          <p:cNvSpPr txBox="1"/>
+          <p:nvPr/>
+        </p:nvSpPr>
+        <p:spPr>
+          <a:xfrm>
+            <a:off x="8714509" y="3987735"/>
+            <a:ext cx="579005" cy="369332"/>
+          </a:xfrm>
+          <a:prstGeom prst="rect">
+            <a:avLst/>
+          </a:prstGeom>
+          <a:noFill/>
+        </p:spPr>
+        <p:txBody>
+          <a:bodyPr wrap="none" rtlCol="0">
+            <a:spAutoFit/>
+          </a:bodyPr>
+          <a:lstStyle/>
+          <a:p>
+            <a:r>
+              <a:rPr lang="en-US" dirty="0" smtClean="0"/>
+              <a:t>true</a:t>
+            </a:r>
+            <a:endParaRPr lang="en-US" dirty="0"/>
+          </a:p>
+        </p:txBody>
+      </p:sp>
+    </p:spTree>
+    <p:extLst>
+      <p:ext uri="{BB962C8B-B14F-4D97-AF65-F5344CB8AC3E}">
+        <p14:creationId xmlns:p14="http://schemas.microsoft.com/office/powerpoint/2010/main" val="891575703"/>
       </p:ext>
     </p:extLst>
   </p:cSld>
@@ -21676,7 +27195,7 @@
   <a:extraClrSchemeLst/>
   <a:extLst>
     <a:ext uri="{05A4C25C-085E-4340-85A3-A5531E510DB2}">
-      <thm15:themeFamily xmlns:thm15="http://schemas.microsoft.com/office/thememl/2012/main" name="Office Theme" id="{62F939B6-93AF-4DB8-9C6B-D6C7DFDC589F}" vid="{4A3C46E8-61CC-4603-A589-7422A47A8E4A}"/>
+      <thm15:themeFamily xmlns:thm15="http://schemas.microsoft.com/office/thememl/2012/main" xmlns="" name="Office Theme" id="{62F939B6-93AF-4DB8-9C6B-D6C7DFDC589F}" vid="{4A3C46E8-61CC-4603-A589-7422A47A8E4A}"/>
     </a:ext>
   </a:extLst>
 </a:theme>

--- a/src/spring/spring.boot.pptx
+++ b/src/spring/spring.boot.pptx
@@ -15,6 +15,8 @@
     <p:sldId id="259" r:id="rId9"/>
     <p:sldId id="265" r:id="rId10"/>
     <p:sldId id="266" r:id="rId11"/>
+    <p:sldId id="267" r:id="rId12"/>
+    <p:sldId id="268" r:id="rId13"/>
   </p:sldIdLst>
   <p:sldSz cx="12192000" cy="6858000"/>
   <p:notesSz cx="6858000" cy="9144000"/>
@@ -115,7 +117,7 @@
   </p:defaultTextStyle>
   <p:extLst>
     <p:ext uri="{EFAFB233-063F-42B5-8137-9DF3F51BA10A}">
-      <p15:sldGuideLst xmlns:p15="http://schemas.microsoft.com/office/powerpoint/2012/main" xmlns="">
+      <p15:sldGuideLst xmlns="" xmlns:p15="http://schemas.microsoft.com/office/powerpoint/2012/main">
         <p15:guide id="1" orient="horz" pos="2160">
           <p15:clr>
             <a:srgbClr val="A4A3A4"/>
@@ -154,7 +156,7 @@
           <p:cNvPr id="2" name="Title 1">
             <a:extLst>
               <a:ext uri="{FF2B5EF4-FFF2-40B4-BE49-F238E27FC236}">
-                <a16:creationId xmlns:a16="http://schemas.microsoft.com/office/drawing/2014/main" xmlns="" id="{5314CC82-8D6F-41E3-B7D6-B16EE23DCB91}"/>
+                <a16:creationId xmlns="" xmlns:a16="http://schemas.microsoft.com/office/drawing/2014/main" id="{5314CC82-8D6F-41E3-B7D6-B16EE23DCB91}"/>
               </a:ext>
             </a:extLst>
           </p:cNvPr>
@@ -192,7 +194,7 @@
           <p:cNvPr id="3" name="Subtitle 2">
             <a:extLst>
               <a:ext uri="{FF2B5EF4-FFF2-40B4-BE49-F238E27FC236}">
-                <a16:creationId xmlns:a16="http://schemas.microsoft.com/office/drawing/2014/main" xmlns="" id="{8F4A6942-5EB2-4699-A8F2-2DAE91A05EED}"/>
+                <a16:creationId xmlns="" xmlns:a16="http://schemas.microsoft.com/office/drawing/2014/main" id="{8F4A6942-5EB2-4699-A8F2-2DAE91A05EED}"/>
               </a:ext>
             </a:extLst>
           </p:cNvPr>
@@ -263,7 +265,7 @@
           <p:cNvPr id="4" name="Date Placeholder 3">
             <a:extLst>
               <a:ext uri="{FF2B5EF4-FFF2-40B4-BE49-F238E27FC236}">
-                <a16:creationId xmlns:a16="http://schemas.microsoft.com/office/drawing/2014/main" xmlns="" id="{8030E49B-9D2D-45C9-A8AC-FF0D41C713FC}"/>
+                <a16:creationId xmlns="" xmlns:a16="http://schemas.microsoft.com/office/drawing/2014/main" id="{8030E49B-9D2D-45C9-A8AC-FF0D41C713FC}"/>
               </a:ext>
             </a:extLst>
           </p:cNvPr>
@@ -281,7 +283,7 @@
           <a:p>
             <a:fld id="{1AA5AC47-5BC2-484C-80BA-24EFF513DD12}" type="datetimeFigureOut">
               <a:rPr lang="en-IN" smtClean="0"/>
-              <a:t>03-11-2021</a:t>
+              <a:t>05-11-2021</a:t>
             </a:fld>
             <a:endParaRPr lang="en-IN"/>
           </a:p>
@@ -292,7 +294,7 @@
           <p:cNvPr id="5" name="Footer Placeholder 4">
             <a:extLst>
               <a:ext uri="{FF2B5EF4-FFF2-40B4-BE49-F238E27FC236}">
-                <a16:creationId xmlns:a16="http://schemas.microsoft.com/office/drawing/2014/main" xmlns="" id="{59898343-3ADA-4437-AD7B-D938F0774BF9}"/>
+                <a16:creationId xmlns="" xmlns:a16="http://schemas.microsoft.com/office/drawing/2014/main" id="{59898343-3ADA-4437-AD7B-D938F0774BF9}"/>
               </a:ext>
             </a:extLst>
           </p:cNvPr>
@@ -317,7 +319,7 @@
           <p:cNvPr id="6" name="Slide Number Placeholder 5">
             <a:extLst>
               <a:ext uri="{FF2B5EF4-FFF2-40B4-BE49-F238E27FC236}">
-                <a16:creationId xmlns:a16="http://schemas.microsoft.com/office/drawing/2014/main" xmlns="" id="{EFEEDA11-201A-4018-98A4-D13CB3EB8363}"/>
+                <a16:creationId xmlns="" xmlns:a16="http://schemas.microsoft.com/office/drawing/2014/main" id="{EFEEDA11-201A-4018-98A4-D13CB3EB8363}"/>
               </a:ext>
             </a:extLst>
           </p:cNvPr>
@@ -376,7 +378,7 @@
           <p:cNvPr id="2" name="Title 1">
             <a:extLst>
               <a:ext uri="{FF2B5EF4-FFF2-40B4-BE49-F238E27FC236}">
-                <a16:creationId xmlns:a16="http://schemas.microsoft.com/office/drawing/2014/main" xmlns="" id="{6B7291D8-7C0F-436E-900B-5ADDF5CE31CD}"/>
+                <a16:creationId xmlns="" xmlns:a16="http://schemas.microsoft.com/office/drawing/2014/main" id="{6B7291D8-7C0F-436E-900B-5ADDF5CE31CD}"/>
               </a:ext>
             </a:extLst>
           </p:cNvPr>
@@ -405,7 +407,7 @@
           <p:cNvPr id="3" name="Vertical Text Placeholder 2">
             <a:extLst>
               <a:ext uri="{FF2B5EF4-FFF2-40B4-BE49-F238E27FC236}">
-                <a16:creationId xmlns:a16="http://schemas.microsoft.com/office/drawing/2014/main" xmlns="" id="{1B499A46-2DF4-4E6B-82F2-F8EBE524AF96}"/>
+                <a16:creationId xmlns="" xmlns:a16="http://schemas.microsoft.com/office/drawing/2014/main" id="{1B499A46-2DF4-4E6B-82F2-F8EBE524AF96}"/>
               </a:ext>
             </a:extLst>
           </p:cNvPr>
@@ -463,7 +465,7 @@
           <p:cNvPr id="4" name="Date Placeholder 3">
             <a:extLst>
               <a:ext uri="{FF2B5EF4-FFF2-40B4-BE49-F238E27FC236}">
-                <a16:creationId xmlns:a16="http://schemas.microsoft.com/office/drawing/2014/main" xmlns="" id="{1AF3ABDF-542E-4B0B-B115-82C2BC90406A}"/>
+                <a16:creationId xmlns="" xmlns:a16="http://schemas.microsoft.com/office/drawing/2014/main" id="{1AF3ABDF-542E-4B0B-B115-82C2BC90406A}"/>
               </a:ext>
             </a:extLst>
           </p:cNvPr>
@@ -481,7 +483,7 @@
           <a:p>
             <a:fld id="{1AA5AC47-5BC2-484C-80BA-24EFF513DD12}" type="datetimeFigureOut">
               <a:rPr lang="en-IN" smtClean="0"/>
-              <a:t>03-11-2021</a:t>
+              <a:t>05-11-2021</a:t>
             </a:fld>
             <a:endParaRPr lang="en-IN"/>
           </a:p>
@@ -492,7 +494,7 @@
           <p:cNvPr id="5" name="Footer Placeholder 4">
             <a:extLst>
               <a:ext uri="{FF2B5EF4-FFF2-40B4-BE49-F238E27FC236}">
-                <a16:creationId xmlns:a16="http://schemas.microsoft.com/office/drawing/2014/main" xmlns="" id="{B1E8F9B6-14D8-4DA0-A38A-C1591A50841E}"/>
+                <a16:creationId xmlns="" xmlns:a16="http://schemas.microsoft.com/office/drawing/2014/main" id="{B1E8F9B6-14D8-4DA0-A38A-C1591A50841E}"/>
               </a:ext>
             </a:extLst>
           </p:cNvPr>
@@ -517,7 +519,7 @@
           <p:cNvPr id="6" name="Slide Number Placeholder 5">
             <a:extLst>
               <a:ext uri="{FF2B5EF4-FFF2-40B4-BE49-F238E27FC236}">
-                <a16:creationId xmlns:a16="http://schemas.microsoft.com/office/drawing/2014/main" xmlns="" id="{E0EC3098-6B42-4CA3-A9EA-0CEE6D48391A}"/>
+                <a16:creationId xmlns="" xmlns:a16="http://schemas.microsoft.com/office/drawing/2014/main" id="{E0EC3098-6B42-4CA3-A9EA-0CEE6D48391A}"/>
               </a:ext>
             </a:extLst>
           </p:cNvPr>
@@ -576,7 +578,7 @@
           <p:cNvPr id="2" name="Vertical Title 1">
             <a:extLst>
               <a:ext uri="{FF2B5EF4-FFF2-40B4-BE49-F238E27FC236}">
-                <a16:creationId xmlns:a16="http://schemas.microsoft.com/office/drawing/2014/main" xmlns="" id="{D2AE34B9-E7E1-404B-A656-7F5FB6317B83}"/>
+                <a16:creationId xmlns="" xmlns:a16="http://schemas.microsoft.com/office/drawing/2014/main" id="{D2AE34B9-E7E1-404B-A656-7F5FB6317B83}"/>
               </a:ext>
             </a:extLst>
           </p:cNvPr>
@@ -610,7 +612,7 @@
           <p:cNvPr id="3" name="Vertical Text Placeholder 2">
             <a:extLst>
               <a:ext uri="{FF2B5EF4-FFF2-40B4-BE49-F238E27FC236}">
-                <a16:creationId xmlns:a16="http://schemas.microsoft.com/office/drawing/2014/main" xmlns="" id="{22DACAAF-07ED-4BDB-AE9D-268D767CD7E8}"/>
+                <a16:creationId xmlns="" xmlns:a16="http://schemas.microsoft.com/office/drawing/2014/main" id="{22DACAAF-07ED-4BDB-AE9D-268D767CD7E8}"/>
               </a:ext>
             </a:extLst>
           </p:cNvPr>
@@ -673,7 +675,7 @@
           <p:cNvPr id="4" name="Date Placeholder 3">
             <a:extLst>
               <a:ext uri="{FF2B5EF4-FFF2-40B4-BE49-F238E27FC236}">
-                <a16:creationId xmlns:a16="http://schemas.microsoft.com/office/drawing/2014/main" xmlns="" id="{0EE7A4C4-77A9-45DF-AD60-2282B037F111}"/>
+                <a16:creationId xmlns="" xmlns:a16="http://schemas.microsoft.com/office/drawing/2014/main" id="{0EE7A4C4-77A9-45DF-AD60-2282B037F111}"/>
               </a:ext>
             </a:extLst>
           </p:cNvPr>
@@ -691,7 +693,7 @@
           <a:p>
             <a:fld id="{1AA5AC47-5BC2-484C-80BA-24EFF513DD12}" type="datetimeFigureOut">
               <a:rPr lang="en-IN" smtClean="0"/>
-              <a:t>03-11-2021</a:t>
+              <a:t>05-11-2021</a:t>
             </a:fld>
             <a:endParaRPr lang="en-IN"/>
           </a:p>
@@ -702,7 +704,7 @@
           <p:cNvPr id="5" name="Footer Placeholder 4">
             <a:extLst>
               <a:ext uri="{FF2B5EF4-FFF2-40B4-BE49-F238E27FC236}">
-                <a16:creationId xmlns:a16="http://schemas.microsoft.com/office/drawing/2014/main" xmlns="" id="{C102B154-5274-4175-9A89-2092122CCD76}"/>
+                <a16:creationId xmlns="" xmlns:a16="http://schemas.microsoft.com/office/drawing/2014/main" id="{C102B154-5274-4175-9A89-2092122CCD76}"/>
               </a:ext>
             </a:extLst>
           </p:cNvPr>
@@ -727,7 +729,7 @@
           <p:cNvPr id="6" name="Slide Number Placeholder 5">
             <a:extLst>
               <a:ext uri="{FF2B5EF4-FFF2-40B4-BE49-F238E27FC236}">
-                <a16:creationId xmlns:a16="http://schemas.microsoft.com/office/drawing/2014/main" xmlns="" id="{1A6919B0-5E57-4739-B46F-B31616A810D9}"/>
+                <a16:creationId xmlns="" xmlns:a16="http://schemas.microsoft.com/office/drawing/2014/main" id="{1A6919B0-5E57-4739-B46F-B31616A810D9}"/>
               </a:ext>
             </a:extLst>
           </p:cNvPr>
@@ -786,7 +788,7 @@
           <p:cNvPr id="2" name="Title 1">
             <a:extLst>
               <a:ext uri="{FF2B5EF4-FFF2-40B4-BE49-F238E27FC236}">
-                <a16:creationId xmlns:a16="http://schemas.microsoft.com/office/drawing/2014/main" xmlns="" id="{BF8E150B-E216-469C-9EF3-1F0F5714278F}"/>
+                <a16:creationId xmlns="" xmlns:a16="http://schemas.microsoft.com/office/drawing/2014/main" id="{BF8E150B-E216-469C-9EF3-1F0F5714278F}"/>
               </a:ext>
             </a:extLst>
           </p:cNvPr>
@@ -815,7 +817,7 @@
           <p:cNvPr id="3" name="Content Placeholder 2">
             <a:extLst>
               <a:ext uri="{FF2B5EF4-FFF2-40B4-BE49-F238E27FC236}">
-                <a16:creationId xmlns:a16="http://schemas.microsoft.com/office/drawing/2014/main" xmlns="" id="{4E3EA675-99A2-468B-93D1-46FEEA55F07C}"/>
+                <a16:creationId xmlns="" xmlns:a16="http://schemas.microsoft.com/office/drawing/2014/main" id="{4E3EA675-99A2-468B-93D1-46FEEA55F07C}"/>
               </a:ext>
             </a:extLst>
           </p:cNvPr>
@@ -873,7 +875,7 @@
           <p:cNvPr id="4" name="Date Placeholder 3">
             <a:extLst>
               <a:ext uri="{FF2B5EF4-FFF2-40B4-BE49-F238E27FC236}">
-                <a16:creationId xmlns:a16="http://schemas.microsoft.com/office/drawing/2014/main" xmlns="" id="{BB353DAF-9232-4FD2-96EB-ADCCA5855567}"/>
+                <a16:creationId xmlns="" xmlns:a16="http://schemas.microsoft.com/office/drawing/2014/main" id="{BB353DAF-9232-4FD2-96EB-ADCCA5855567}"/>
               </a:ext>
             </a:extLst>
           </p:cNvPr>
@@ -891,7 +893,7 @@
           <a:p>
             <a:fld id="{1AA5AC47-5BC2-484C-80BA-24EFF513DD12}" type="datetimeFigureOut">
               <a:rPr lang="en-IN" smtClean="0"/>
-              <a:t>03-11-2021</a:t>
+              <a:t>05-11-2021</a:t>
             </a:fld>
             <a:endParaRPr lang="en-IN"/>
           </a:p>
@@ -902,7 +904,7 @@
           <p:cNvPr id="5" name="Footer Placeholder 4">
             <a:extLst>
               <a:ext uri="{FF2B5EF4-FFF2-40B4-BE49-F238E27FC236}">
-                <a16:creationId xmlns:a16="http://schemas.microsoft.com/office/drawing/2014/main" xmlns="" id="{364BB921-BC61-44F2-825D-140F6DAFEC5D}"/>
+                <a16:creationId xmlns="" xmlns:a16="http://schemas.microsoft.com/office/drawing/2014/main" id="{364BB921-BC61-44F2-825D-140F6DAFEC5D}"/>
               </a:ext>
             </a:extLst>
           </p:cNvPr>
@@ -927,7 +929,7 @@
           <p:cNvPr id="6" name="Slide Number Placeholder 5">
             <a:extLst>
               <a:ext uri="{FF2B5EF4-FFF2-40B4-BE49-F238E27FC236}">
-                <a16:creationId xmlns:a16="http://schemas.microsoft.com/office/drawing/2014/main" xmlns="" id="{6C0574DB-BEEF-4E0A-ACC6-3A5EF3C06706}"/>
+                <a16:creationId xmlns="" xmlns:a16="http://schemas.microsoft.com/office/drawing/2014/main" id="{6C0574DB-BEEF-4E0A-ACC6-3A5EF3C06706}"/>
               </a:ext>
             </a:extLst>
           </p:cNvPr>
@@ -986,7 +988,7 @@
           <p:cNvPr id="2" name="Title 1">
             <a:extLst>
               <a:ext uri="{FF2B5EF4-FFF2-40B4-BE49-F238E27FC236}">
-                <a16:creationId xmlns:a16="http://schemas.microsoft.com/office/drawing/2014/main" xmlns="" id="{F1570C1F-3EAE-4443-B715-1BA91E4F6A89}"/>
+                <a16:creationId xmlns="" xmlns:a16="http://schemas.microsoft.com/office/drawing/2014/main" id="{F1570C1F-3EAE-4443-B715-1BA91E4F6A89}"/>
               </a:ext>
             </a:extLst>
           </p:cNvPr>
@@ -1024,7 +1026,7 @@
           <p:cNvPr id="3" name="Text Placeholder 2">
             <a:extLst>
               <a:ext uri="{FF2B5EF4-FFF2-40B4-BE49-F238E27FC236}">
-                <a16:creationId xmlns:a16="http://schemas.microsoft.com/office/drawing/2014/main" xmlns="" id="{FFEF6FF1-CE13-478E-BF6D-0510F93AF789}"/>
+                <a16:creationId xmlns="" xmlns:a16="http://schemas.microsoft.com/office/drawing/2014/main" id="{FFEF6FF1-CE13-478E-BF6D-0510F93AF789}"/>
               </a:ext>
             </a:extLst>
           </p:cNvPr>
@@ -1149,7 +1151,7 @@
           <p:cNvPr id="4" name="Date Placeholder 3">
             <a:extLst>
               <a:ext uri="{FF2B5EF4-FFF2-40B4-BE49-F238E27FC236}">
-                <a16:creationId xmlns:a16="http://schemas.microsoft.com/office/drawing/2014/main" xmlns="" id="{B2E1C887-51B6-46E7-B473-67C370949451}"/>
+                <a16:creationId xmlns="" xmlns:a16="http://schemas.microsoft.com/office/drawing/2014/main" id="{B2E1C887-51B6-46E7-B473-67C370949451}"/>
               </a:ext>
             </a:extLst>
           </p:cNvPr>
@@ -1167,7 +1169,7 @@
           <a:p>
             <a:fld id="{1AA5AC47-5BC2-484C-80BA-24EFF513DD12}" type="datetimeFigureOut">
               <a:rPr lang="en-IN" smtClean="0"/>
-              <a:t>03-11-2021</a:t>
+              <a:t>05-11-2021</a:t>
             </a:fld>
             <a:endParaRPr lang="en-IN"/>
           </a:p>
@@ -1178,7 +1180,7 @@
           <p:cNvPr id="5" name="Footer Placeholder 4">
             <a:extLst>
               <a:ext uri="{FF2B5EF4-FFF2-40B4-BE49-F238E27FC236}">
-                <a16:creationId xmlns:a16="http://schemas.microsoft.com/office/drawing/2014/main" xmlns="" id="{67BF367F-E2DF-412A-A011-DD02BEE5FF8D}"/>
+                <a16:creationId xmlns="" xmlns:a16="http://schemas.microsoft.com/office/drawing/2014/main" id="{67BF367F-E2DF-412A-A011-DD02BEE5FF8D}"/>
               </a:ext>
             </a:extLst>
           </p:cNvPr>
@@ -1203,7 +1205,7 @@
           <p:cNvPr id="6" name="Slide Number Placeholder 5">
             <a:extLst>
               <a:ext uri="{FF2B5EF4-FFF2-40B4-BE49-F238E27FC236}">
-                <a16:creationId xmlns:a16="http://schemas.microsoft.com/office/drawing/2014/main" xmlns="" id="{AC88DD6F-34F7-48EA-B36C-332824F3F4BD}"/>
+                <a16:creationId xmlns="" xmlns:a16="http://schemas.microsoft.com/office/drawing/2014/main" id="{AC88DD6F-34F7-48EA-B36C-332824F3F4BD}"/>
               </a:ext>
             </a:extLst>
           </p:cNvPr>
@@ -1262,7 +1264,7 @@
           <p:cNvPr id="2" name="Title 1">
             <a:extLst>
               <a:ext uri="{FF2B5EF4-FFF2-40B4-BE49-F238E27FC236}">
-                <a16:creationId xmlns:a16="http://schemas.microsoft.com/office/drawing/2014/main" xmlns="" id="{42ABAE2B-F990-490A-8A2B-DC1B468C4C9D}"/>
+                <a16:creationId xmlns="" xmlns:a16="http://schemas.microsoft.com/office/drawing/2014/main" id="{42ABAE2B-F990-490A-8A2B-DC1B468C4C9D}"/>
               </a:ext>
             </a:extLst>
           </p:cNvPr>
@@ -1291,7 +1293,7 @@
           <p:cNvPr id="3" name="Content Placeholder 2">
             <a:extLst>
               <a:ext uri="{FF2B5EF4-FFF2-40B4-BE49-F238E27FC236}">
-                <a16:creationId xmlns:a16="http://schemas.microsoft.com/office/drawing/2014/main" xmlns="" id="{0BCD8D17-D484-4209-B469-1D028CACC191}"/>
+                <a16:creationId xmlns="" xmlns:a16="http://schemas.microsoft.com/office/drawing/2014/main" id="{0BCD8D17-D484-4209-B469-1D028CACC191}"/>
               </a:ext>
             </a:extLst>
           </p:cNvPr>
@@ -1354,7 +1356,7 @@
           <p:cNvPr id="4" name="Content Placeholder 3">
             <a:extLst>
               <a:ext uri="{FF2B5EF4-FFF2-40B4-BE49-F238E27FC236}">
-                <a16:creationId xmlns:a16="http://schemas.microsoft.com/office/drawing/2014/main" xmlns="" id="{609EF4EA-AC12-4C1E-A56A-BAAF05F4BC5B}"/>
+                <a16:creationId xmlns="" xmlns:a16="http://schemas.microsoft.com/office/drawing/2014/main" id="{609EF4EA-AC12-4C1E-A56A-BAAF05F4BC5B}"/>
               </a:ext>
             </a:extLst>
           </p:cNvPr>
@@ -1417,7 +1419,7 @@
           <p:cNvPr id="5" name="Date Placeholder 4">
             <a:extLst>
               <a:ext uri="{FF2B5EF4-FFF2-40B4-BE49-F238E27FC236}">
-                <a16:creationId xmlns:a16="http://schemas.microsoft.com/office/drawing/2014/main" xmlns="" id="{47BD33E5-559F-4A20-9F2A-0F1CF39370E2}"/>
+                <a16:creationId xmlns="" xmlns:a16="http://schemas.microsoft.com/office/drawing/2014/main" id="{47BD33E5-559F-4A20-9F2A-0F1CF39370E2}"/>
               </a:ext>
             </a:extLst>
           </p:cNvPr>
@@ -1435,7 +1437,7 @@
           <a:p>
             <a:fld id="{1AA5AC47-5BC2-484C-80BA-24EFF513DD12}" type="datetimeFigureOut">
               <a:rPr lang="en-IN" smtClean="0"/>
-              <a:t>03-11-2021</a:t>
+              <a:t>05-11-2021</a:t>
             </a:fld>
             <a:endParaRPr lang="en-IN"/>
           </a:p>
@@ -1446,7 +1448,7 @@
           <p:cNvPr id="6" name="Footer Placeholder 5">
             <a:extLst>
               <a:ext uri="{FF2B5EF4-FFF2-40B4-BE49-F238E27FC236}">
-                <a16:creationId xmlns:a16="http://schemas.microsoft.com/office/drawing/2014/main" xmlns="" id="{4A883C9C-A604-439E-86FB-B2F61C2DE026}"/>
+                <a16:creationId xmlns="" xmlns:a16="http://schemas.microsoft.com/office/drawing/2014/main" id="{4A883C9C-A604-439E-86FB-B2F61C2DE026}"/>
               </a:ext>
             </a:extLst>
           </p:cNvPr>
@@ -1471,7 +1473,7 @@
           <p:cNvPr id="7" name="Slide Number Placeholder 6">
             <a:extLst>
               <a:ext uri="{FF2B5EF4-FFF2-40B4-BE49-F238E27FC236}">
-                <a16:creationId xmlns:a16="http://schemas.microsoft.com/office/drawing/2014/main" xmlns="" id="{0A423502-111A-4C6F-83C4-726C9E53D873}"/>
+                <a16:creationId xmlns="" xmlns:a16="http://schemas.microsoft.com/office/drawing/2014/main" id="{0A423502-111A-4C6F-83C4-726C9E53D873}"/>
               </a:ext>
             </a:extLst>
           </p:cNvPr>
@@ -1530,7 +1532,7 @@
           <p:cNvPr id="2" name="Title 1">
             <a:extLst>
               <a:ext uri="{FF2B5EF4-FFF2-40B4-BE49-F238E27FC236}">
-                <a16:creationId xmlns:a16="http://schemas.microsoft.com/office/drawing/2014/main" xmlns="" id="{4762B311-339D-448B-9205-82CDDB6668CD}"/>
+                <a16:creationId xmlns="" xmlns:a16="http://schemas.microsoft.com/office/drawing/2014/main" id="{4762B311-339D-448B-9205-82CDDB6668CD}"/>
               </a:ext>
             </a:extLst>
           </p:cNvPr>
@@ -1564,7 +1566,7 @@
           <p:cNvPr id="3" name="Text Placeholder 2">
             <a:extLst>
               <a:ext uri="{FF2B5EF4-FFF2-40B4-BE49-F238E27FC236}">
-                <a16:creationId xmlns:a16="http://schemas.microsoft.com/office/drawing/2014/main" xmlns="" id="{A233EB1A-8EB6-4F5A-B8A3-F041A9924429}"/>
+                <a16:creationId xmlns="" xmlns:a16="http://schemas.microsoft.com/office/drawing/2014/main" id="{A233EB1A-8EB6-4F5A-B8A3-F041A9924429}"/>
               </a:ext>
             </a:extLst>
           </p:cNvPr>
@@ -1635,7 +1637,7 @@
           <p:cNvPr id="4" name="Content Placeholder 3">
             <a:extLst>
               <a:ext uri="{FF2B5EF4-FFF2-40B4-BE49-F238E27FC236}">
-                <a16:creationId xmlns:a16="http://schemas.microsoft.com/office/drawing/2014/main" xmlns="" id="{195DCA69-6333-45A7-8E6A-295095A83F72}"/>
+                <a16:creationId xmlns="" xmlns:a16="http://schemas.microsoft.com/office/drawing/2014/main" id="{195DCA69-6333-45A7-8E6A-295095A83F72}"/>
               </a:ext>
             </a:extLst>
           </p:cNvPr>
@@ -1698,7 +1700,7 @@
           <p:cNvPr id="5" name="Text Placeholder 4">
             <a:extLst>
               <a:ext uri="{FF2B5EF4-FFF2-40B4-BE49-F238E27FC236}">
-                <a16:creationId xmlns:a16="http://schemas.microsoft.com/office/drawing/2014/main" xmlns="" id="{3BCF98AE-2080-4E4C-BB5C-529F768F8D7D}"/>
+                <a16:creationId xmlns="" xmlns:a16="http://schemas.microsoft.com/office/drawing/2014/main" id="{3BCF98AE-2080-4E4C-BB5C-529F768F8D7D}"/>
               </a:ext>
             </a:extLst>
           </p:cNvPr>
@@ -1769,7 +1771,7 @@
           <p:cNvPr id="6" name="Content Placeholder 5">
             <a:extLst>
               <a:ext uri="{FF2B5EF4-FFF2-40B4-BE49-F238E27FC236}">
-                <a16:creationId xmlns:a16="http://schemas.microsoft.com/office/drawing/2014/main" xmlns="" id="{F23879DC-B4F2-4F7C-BC69-4736E8EBD49C}"/>
+                <a16:creationId xmlns="" xmlns:a16="http://schemas.microsoft.com/office/drawing/2014/main" id="{F23879DC-B4F2-4F7C-BC69-4736E8EBD49C}"/>
               </a:ext>
             </a:extLst>
           </p:cNvPr>
@@ -1832,7 +1834,7 @@
           <p:cNvPr id="7" name="Date Placeholder 6">
             <a:extLst>
               <a:ext uri="{FF2B5EF4-FFF2-40B4-BE49-F238E27FC236}">
-                <a16:creationId xmlns:a16="http://schemas.microsoft.com/office/drawing/2014/main" xmlns="" id="{B9113094-6823-472F-AC58-290DBA7A10A1}"/>
+                <a16:creationId xmlns="" xmlns:a16="http://schemas.microsoft.com/office/drawing/2014/main" id="{B9113094-6823-472F-AC58-290DBA7A10A1}"/>
               </a:ext>
             </a:extLst>
           </p:cNvPr>
@@ -1850,7 +1852,7 @@
           <a:p>
             <a:fld id="{1AA5AC47-5BC2-484C-80BA-24EFF513DD12}" type="datetimeFigureOut">
               <a:rPr lang="en-IN" smtClean="0"/>
-              <a:t>03-11-2021</a:t>
+              <a:t>05-11-2021</a:t>
             </a:fld>
             <a:endParaRPr lang="en-IN"/>
           </a:p>
@@ -1861,7 +1863,7 @@
           <p:cNvPr id="8" name="Footer Placeholder 7">
             <a:extLst>
               <a:ext uri="{FF2B5EF4-FFF2-40B4-BE49-F238E27FC236}">
-                <a16:creationId xmlns:a16="http://schemas.microsoft.com/office/drawing/2014/main" xmlns="" id="{D607856D-26E0-48C8-A124-370D5E6E1802}"/>
+                <a16:creationId xmlns="" xmlns:a16="http://schemas.microsoft.com/office/drawing/2014/main" id="{D607856D-26E0-48C8-A124-370D5E6E1802}"/>
               </a:ext>
             </a:extLst>
           </p:cNvPr>
@@ -1886,7 +1888,7 @@
           <p:cNvPr id="9" name="Slide Number Placeholder 8">
             <a:extLst>
               <a:ext uri="{FF2B5EF4-FFF2-40B4-BE49-F238E27FC236}">
-                <a16:creationId xmlns:a16="http://schemas.microsoft.com/office/drawing/2014/main" xmlns="" id="{8FFEA9EB-1F9A-462D-8A1C-EF53ED1654F3}"/>
+                <a16:creationId xmlns="" xmlns:a16="http://schemas.microsoft.com/office/drawing/2014/main" id="{8FFEA9EB-1F9A-462D-8A1C-EF53ED1654F3}"/>
               </a:ext>
             </a:extLst>
           </p:cNvPr>
@@ -1945,7 +1947,7 @@
           <p:cNvPr id="2" name="Title 1">
             <a:extLst>
               <a:ext uri="{FF2B5EF4-FFF2-40B4-BE49-F238E27FC236}">
-                <a16:creationId xmlns:a16="http://schemas.microsoft.com/office/drawing/2014/main" xmlns="" id="{1B73D253-82B2-40BA-B7C6-BD1D1AEF97EF}"/>
+                <a16:creationId xmlns="" xmlns:a16="http://schemas.microsoft.com/office/drawing/2014/main" id="{1B73D253-82B2-40BA-B7C6-BD1D1AEF97EF}"/>
               </a:ext>
             </a:extLst>
           </p:cNvPr>
@@ -1974,7 +1976,7 @@
           <p:cNvPr id="3" name="Date Placeholder 2">
             <a:extLst>
               <a:ext uri="{FF2B5EF4-FFF2-40B4-BE49-F238E27FC236}">
-                <a16:creationId xmlns:a16="http://schemas.microsoft.com/office/drawing/2014/main" xmlns="" id="{3C4DE193-25BE-462D-ADC2-D55F4C33B788}"/>
+                <a16:creationId xmlns="" xmlns:a16="http://schemas.microsoft.com/office/drawing/2014/main" id="{3C4DE193-25BE-462D-ADC2-D55F4C33B788}"/>
               </a:ext>
             </a:extLst>
           </p:cNvPr>
@@ -1992,7 +1994,7 @@
           <a:p>
             <a:fld id="{1AA5AC47-5BC2-484C-80BA-24EFF513DD12}" type="datetimeFigureOut">
               <a:rPr lang="en-IN" smtClean="0"/>
-              <a:t>03-11-2021</a:t>
+              <a:t>05-11-2021</a:t>
             </a:fld>
             <a:endParaRPr lang="en-IN"/>
           </a:p>
@@ -2003,7 +2005,7 @@
           <p:cNvPr id="4" name="Footer Placeholder 3">
             <a:extLst>
               <a:ext uri="{FF2B5EF4-FFF2-40B4-BE49-F238E27FC236}">
-                <a16:creationId xmlns:a16="http://schemas.microsoft.com/office/drawing/2014/main" xmlns="" id="{C0E74FAE-7F84-43E2-A1F1-7C4A37743CE3}"/>
+                <a16:creationId xmlns="" xmlns:a16="http://schemas.microsoft.com/office/drawing/2014/main" id="{C0E74FAE-7F84-43E2-A1F1-7C4A37743CE3}"/>
               </a:ext>
             </a:extLst>
           </p:cNvPr>
@@ -2028,7 +2030,7 @@
           <p:cNvPr id="5" name="Slide Number Placeholder 4">
             <a:extLst>
               <a:ext uri="{FF2B5EF4-FFF2-40B4-BE49-F238E27FC236}">
-                <a16:creationId xmlns:a16="http://schemas.microsoft.com/office/drawing/2014/main" xmlns="" id="{428E7890-162B-4DD6-A6F3-5BBC205B876C}"/>
+                <a16:creationId xmlns="" xmlns:a16="http://schemas.microsoft.com/office/drawing/2014/main" id="{428E7890-162B-4DD6-A6F3-5BBC205B876C}"/>
               </a:ext>
             </a:extLst>
           </p:cNvPr>
@@ -2087,7 +2089,7 @@
           <p:cNvPr id="2" name="Date Placeholder 1">
             <a:extLst>
               <a:ext uri="{FF2B5EF4-FFF2-40B4-BE49-F238E27FC236}">
-                <a16:creationId xmlns:a16="http://schemas.microsoft.com/office/drawing/2014/main" xmlns="" id="{A732E3B0-E78B-47E2-B3D9-0FB9351D6277}"/>
+                <a16:creationId xmlns="" xmlns:a16="http://schemas.microsoft.com/office/drawing/2014/main" id="{A732E3B0-E78B-47E2-B3D9-0FB9351D6277}"/>
               </a:ext>
             </a:extLst>
           </p:cNvPr>
@@ -2105,7 +2107,7 @@
           <a:p>
             <a:fld id="{1AA5AC47-5BC2-484C-80BA-24EFF513DD12}" type="datetimeFigureOut">
               <a:rPr lang="en-IN" smtClean="0"/>
-              <a:t>03-11-2021</a:t>
+              <a:t>05-11-2021</a:t>
             </a:fld>
             <a:endParaRPr lang="en-IN"/>
           </a:p>
@@ -2116,7 +2118,7 @@
           <p:cNvPr id="3" name="Footer Placeholder 2">
             <a:extLst>
               <a:ext uri="{FF2B5EF4-FFF2-40B4-BE49-F238E27FC236}">
-                <a16:creationId xmlns:a16="http://schemas.microsoft.com/office/drawing/2014/main" xmlns="" id="{53D20DC8-C42C-4A18-9CDE-0B8C423BE64F}"/>
+                <a16:creationId xmlns="" xmlns:a16="http://schemas.microsoft.com/office/drawing/2014/main" id="{53D20DC8-C42C-4A18-9CDE-0B8C423BE64F}"/>
               </a:ext>
             </a:extLst>
           </p:cNvPr>
@@ -2141,7 +2143,7 @@
           <p:cNvPr id="4" name="Slide Number Placeholder 3">
             <a:extLst>
               <a:ext uri="{FF2B5EF4-FFF2-40B4-BE49-F238E27FC236}">
-                <a16:creationId xmlns:a16="http://schemas.microsoft.com/office/drawing/2014/main" xmlns="" id="{45BFB77B-0F13-424B-BC1F-B39E54443C82}"/>
+                <a16:creationId xmlns="" xmlns:a16="http://schemas.microsoft.com/office/drawing/2014/main" id="{45BFB77B-0F13-424B-BC1F-B39E54443C82}"/>
               </a:ext>
             </a:extLst>
           </p:cNvPr>
@@ -2200,7 +2202,7 @@
           <p:cNvPr id="2" name="Title 1">
             <a:extLst>
               <a:ext uri="{FF2B5EF4-FFF2-40B4-BE49-F238E27FC236}">
-                <a16:creationId xmlns:a16="http://schemas.microsoft.com/office/drawing/2014/main" xmlns="" id="{EAB03FCE-5B4D-43CC-9891-7A06EF85378A}"/>
+                <a16:creationId xmlns="" xmlns:a16="http://schemas.microsoft.com/office/drawing/2014/main" id="{EAB03FCE-5B4D-43CC-9891-7A06EF85378A}"/>
               </a:ext>
             </a:extLst>
           </p:cNvPr>
@@ -2238,7 +2240,7 @@
           <p:cNvPr id="3" name="Content Placeholder 2">
             <a:extLst>
               <a:ext uri="{FF2B5EF4-FFF2-40B4-BE49-F238E27FC236}">
-                <a16:creationId xmlns:a16="http://schemas.microsoft.com/office/drawing/2014/main" xmlns="" id="{04D708FD-3FF3-4AC1-AF70-F1E318273C90}"/>
+                <a16:creationId xmlns="" xmlns:a16="http://schemas.microsoft.com/office/drawing/2014/main" id="{04D708FD-3FF3-4AC1-AF70-F1E318273C90}"/>
               </a:ext>
             </a:extLst>
           </p:cNvPr>
@@ -2329,7 +2331,7 @@
           <p:cNvPr id="4" name="Text Placeholder 3">
             <a:extLst>
               <a:ext uri="{FF2B5EF4-FFF2-40B4-BE49-F238E27FC236}">
-                <a16:creationId xmlns:a16="http://schemas.microsoft.com/office/drawing/2014/main" xmlns="" id="{27172CC0-FEEA-445E-B0A4-E5B72DB9A13A}"/>
+                <a16:creationId xmlns="" xmlns:a16="http://schemas.microsoft.com/office/drawing/2014/main" id="{27172CC0-FEEA-445E-B0A4-E5B72DB9A13A}"/>
               </a:ext>
             </a:extLst>
           </p:cNvPr>
@@ -2400,7 +2402,7 @@
           <p:cNvPr id="5" name="Date Placeholder 4">
             <a:extLst>
               <a:ext uri="{FF2B5EF4-FFF2-40B4-BE49-F238E27FC236}">
-                <a16:creationId xmlns:a16="http://schemas.microsoft.com/office/drawing/2014/main" xmlns="" id="{52158AC7-4E41-4D1A-B22A-ACEA67A41749}"/>
+                <a16:creationId xmlns="" xmlns:a16="http://schemas.microsoft.com/office/drawing/2014/main" id="{52158AC7-4E41-4D1A-B22A-ACEA67A41749}"/>
               </a:ext>
             </a:extLst>
           </p:cNvPr>
@@ -2418,7 +2420,7 @@
           <a:p>
             <a:fld id="{1AA5AC47-5BC2-484C-80BA-24EFF513DD12}" type="datetimeFigureOut">
               <a:rPr lang="en-IN" smtClean="0"/>
-              <a:t>03-11-2021</a:t>
+              <a:t>05-11-2021</a:t>
             </a:fld>
             <a:endParaRPr lang="en-IN"/>
           </a:p>
@@ -2429,7 +2431,7 @@
           <p:cNvPr id="6" name="Footer Placeholder 5">
             <a:extLst>
               <a:ext uri="{FF2B5EF4-FFF2-40B4-BE49-F238E27FC236}">
-                <a16:creationId xmlns:a16="http://schemas.microsoft.com/office/drawing/2014/main" xmlns="" id="{869CC2E0-A178-4156-BD8C-D994B014D7A6}"/>
+                <a16:creationId xmlns="" xmlns:a16="http://schemas.microsoft.com/office/drawing/2014/main" id="{869CC2E0-A178-4156-BD8C-D994B014D7A6}"/>
               </a:ext>
             </a:extLst>
           </p:cNvPr>
@@ -2454,7 +2456,7 @@
           <p:cNvPr id="7" name="Slide Number Placeholder 6">
             <a:extLst>
               <a:ext uri="{FF2B5EF4-FFF2-40B4-BE49-F238E27FC236}">
-                <a16:creationId xmlns:a16="http://schemas.microsoft.com/office/drawing/2014/main" xmlns="" id="{1FD43812-3065-420A-AE8C-358A93D69905}"/>
+                <a16:creationId xmlns="" xmlns:a16="http://schemas.microsoft.com/office/drawing/2014/main" id="{1FD43812-3065-420A-AE8C-358A93D69905}"/>
               </a:ext>
             </a:extLst>
           </p:cNvPr>
@@ -2513,7 +2515,7 @@
           <p:cNvPr id="2" name="Title 1">
             <a:extLst>
               <a:ext uri="{FF2B5EF4-FFF2-40B4-BE49-F238E27FC236}">
-                <a16:creationId xmlns:a16="http://schemas.microsoft.com/office/drawing/2014/main" xmlns="" id="{5AFAF3EB-231D-4389-AFA0-2FD6506655F8}"/>
+                <a16:creationId xmlns="" xmlns:a16="http://schemas.microsoft.com/office/drawing/2014/main" id="{5AFAF3EB-231D-4389-AFA0-2FD6506655F8}"/>
               </a:ext>
             </a:extLst>
           </p:cNvPr>
@@ -2551,7 +2553,7 @@
           <p:cNvPr id="3" name="Picture Placeholder 2">
             <a:extLst>
               <a:ext uri="{FF2B5EF4-FFF2-40B4-BE49-F238E27FC236}">
-                <a16:creationId xmlns:a16="http://schemas.microsoft.com/office/drawing/2014/main" xmlns="" id="{FF7A3C75-CC07-46D6-97BF-6356F47132D1}"/>
+                <a16:creationId xmlns="" xmlns:a16="http://schemas.microsoft.com/office/drawing/2014/main" id="{FF7A3C75-CC07-46D6-97BF-6356F47132D1}"/>
               </a:ext>
             </a:extLst>
           </p:cNvPr>
@@ -2618,7 +2620,7 @@
           <p:cNvPr id="4" name="Text Placeholder 3">
             <a:extLst>
               <a:ext uri="{FF2B5EF4-FFF2-40B4-BE49-F238E27FC236}">
-                <a16:creationId xmlns:a16="http://schemas.microsoft.com/office/drawing/2014/main" xmlns="" id="{A73DD846-2088-4D12-A5B9-37C0359760E9}"/>
+                <a16:creationId xmlns="" xmlns:a16="http://schemas.microsoft.com/office/drawing/2014/main" id="{A73DD846-2088-4D12-A5B9-37C0359760E9}"/>
               </a:ext>
             </a:extLst>
           </p:cNvPr>
@@ -2689,7 +2691,7 @@
           <p:cNvPr id="5" name="Date Placeholder 4">
             <a:extLst>
               <a:ext uri="{FF2B5EF4-FFF2-40B4-BE49-F238E27FC236}">
-                <a16:creationId xmlns:a16="http://schemas.microsoft.com/office/drawing/2014/main" xmlns="" id="{952DDB2F-EDA4-458F-9BB6-0D82E07258E2}"/>
+                <a16:creationId xmlns="" xmlns:a16="http://schemas.microsoft.com/office/drawing/2014/main" id="{952DDB2F-EDA4-458F-9BB6-0D82E07258E2}"/>
               </a:ext>
             </a:extLst>
           </p:cNvPr>
@@ -2707,7 +2709,7 @@
           <a:p>
             <a:fld id="{1AA5AC47-5BC2-484C-80BA-24EFF513DD12}" type="datetimeFigureOut">
               <a:rPr lang="en-IN" smtClean="0"/>
-              <a:t>03-11-2021</a:t>
+              <a:t>05-11-2021</a:t>
             </a:fld>
             <a:endParaRPr lang="en-IN"/>
           </a:p>
@@ -2718,7 +2720,7 @@
           <p:cNvPr id="6" name="Footer Placeholder 5">
             <a:extLst>
               <a:ext uri="{FF2B5EF4-FFF2-40B4-BE49-F238E27FC236}">
-                <a16:creationId xmlns:a16="http://schemas.microsoft.com/office/drawing/2014/main" xmlns="" id="{420F08DD-EBFB-4266-B076-A2F980756DDC}"/>
+                <a16:creationId xmlns="" xmlns:a16="http://schemas.microsoft.com/office/drawing/2014/main" id="{420F08DD-EBFB-4266-B076-A2F980756DDC}"/>
               </a:ext>
             </a:extLst>
           </p:cNvPr>
@@ -2743,7 +2745,7 @@
           <p:cNvPr id="7" name="Slide Number Placeholder 6">
             <a:extLst>
               <a:ext uri="{FF2B5EF4-FFF2-40B4-BE49-F238E27FC236}">
-                <a16:creationId xmlns:a16="http://schemas.microsoft.com/office/drawing/2014/main" xmlns="" id="{6D25345A-F86A-4960-A1C4-8E881A62E5B4}"/>
+                <a16:creationId xmlns="" xmlns:a16="http://schemas.microsoft.com/office/drawing/2014/main" id="{6D25345A-F86A-4960-A1C4-8E881A62E5B4}"/>
               </a:ext>
             </a:extLst>
           </p:cNvPr>
@@ -2807,7 +2809,7 @@
           <p:cNvPr id="2" name="Title Placeholder 1">
             <a:extLst>
               <a:ext uri="{FF2B5EF4-FFF2-40B4-BE49-F238E27FC236}">
-                <a16:creationId xmlns:a16="http://schemas.microsoft.com/office/drawing/2014/main" xmlns="" id="{C4175E84-4BEA-4B29-97D5-FC88A9CEAFF2}"/>
+                <a16:creationId xmlns="" xmlns:a16="http://schemas.microsoft.com/office/drawing/2014/main" id="{C4175E84-4BEA-4B29-97D5-FC88A9CEAFF2}"/>
               </a:ext>
             </a:extLst>
           </p:cNvPr>
@@ -2846,7 +2848,7 @@
           <p:cNvPr id="3" name="Text Placeholder 2">
             <a:extLst>
               <a:ext uri="{FF2B5EF4-FFF2-40B4-BE49-F238E27FC236}">
-                <a16:creationId xmlns:a16="http://schemas.microsoft.com/office/drawing/2014/main" xmlns="" id="{8C957B72-BF62-4141-AEB4-3E44153F6552}"/>
+                <a16:creationId xmlns="" xmlns:a16="http://schemas.microsoft.com/office/drawing/2014/main" id="{8C957B72-BF62-4141-AEB4-3E44153F6552}"/>
               </a:ext>
             </a:extLst>
           </p:cNvPr>
@@ -2914,7 +2916,7 @@
           <p:cNvPr id="4" name="Date Placeholder 3">
             <a:extLst>
               <a:ext uri="{FF2B5EF4-FFF2-40B4-BE49-F238E27FC236}">
-                <a16:creationId xmlns:a16="http://schemas.microsoft.com/office/drawing/2014/main" xmlns="" id="{32062E18-EEC3-4089-929A-52B043802FD1}"/>
+                <a16:creationId xmlns="" xmlns:a16="http://schemas.microsoft.com/office/drawing/2014/main" id="{32062E18-EEC3-4089-929A-52B043802FD1}"/>
               </a:ext>
             </a:extLst>
           </p:cNvPr>
@@ -2950,7 +2952,7 @@
           <a:p>
             <a:fld id="{1AA5AC47-5BC2-484C-80BA-24EFF513DD12}" type="datetimeFigureOut">
               <a:rPr lang="en-IN" smtClean="0"/>
-              <a:t>03-11-2021</a:t>
+              <a:t>05-11-2021</a:t>
             </a:fld>
             <a:endParaRPr lang="en-IN"/>
           </a:p>
@@ -2961,7 +2963,7 @@
           <p:cNvPr id="5" name="Footer Placeholder 4">
             <a:extLst>
               <a:ext uri="{FF2B5EF4-FFF2-40B4-BE49-F238E27FC236}">
-                <a16:creationId xmlns:a16="http://schemas.microsoft.com/office/drawing/2014/main" xmlns="" id="{C7717E09-6E10-4B05-81B6-5E6F6EE6FC74}"/>
+                <a16:creationId xmlns="" xmlns:a16="http://schemas.microsoft.com/office/drawing/2014/main" id="{C7717E09-6E10-4B05-81B6-5E6F6EE6FC74}"/>
               </a:ext>
             </a:extLst>
           </p:cNvPr>
@@ -3004,7 +3006,7 @@
           <p:cNvPr id="6" name="Slide Number Placeholder 5">
             <a:extLst>
               <a:ext uri="{FF2B5EF4-FFF2-40B4-BE49-F238E27FC236}">
-                <a16:creationId xmlns:a16="http://schemas.microsoft.com/office/drawing/2014/main" xmlns="" id="{27735183-ECEA-49C4-85B1-B104BD80E308}"/>
+                <a16:creationId xmlns="" xmlns:a16="http://schemas.microsoft.com/office/drawing/2014/main" id="{27735183-ECEA-49C4-85B1-B104BD80E308}"/>
               </a:ext>
             </a:extLst>
           </p:cNvPr>
@@ -3372,7 +3374,7 @@
           <p:cNvPr id="5" name="Rectangle: Rounded Corners 4">
             <a:extLst>
               <a:ext uri="{FF2B5EF4-FFF2-40B4-BE49-F238E27FC236}">
-                <a16:creationId xmlns:a16="http://schemas.microsoft.com/office/drawing/2014/main" xmlns="" id="{3E5316B8-2CDC-470B-BBC3-7B3BB48F917E}"/>
+                <a16:creationId xmlns="" xmlns:a16="http://schemas.microsoft.com/office/drawing/2014/main" id="{3E5316B8-2CDC-470B-BBC3-7B3BB48F917E}"/>
               </a:ext>
             </a:extLst>
           </p:cNvPr>
@@ -3422,7 +3424,7 @@
           <p:cNvPr id="7" name="Rectangle: Rounded Corners 6">
             <a:extLst>
               <a:ext uri="{FF2B5EF4-FFF2-40B4-BE49-F238E27FC236}">
-                <a16:creationId xmlns:a16="http://schemas.microsoft.com/office/drawing/2014/main" xmlns="" id="{031644F9-1251-438C-BEB7-F907C2B49D54}"/>
+                <a16:creationId xmlns="" xmlns:a16="http://schemas.microsoft.com/office/drawing/2014/main" id="{031644F9-1251-438C-BEB7-F907C2B49D54}"/>
               </a:ext>
             </a:extLst>
           </p:cNvPr>
@@ -3479,7 +3481,7 @@
           <p:cNvPr id="11" name="Rectangle: Rounded Corners 10">
             <a:extLst>
               <a:ext uri="{FF2B5EF4-FFF2-40B4-BE49-F238E27FC236}">
-                <a16:creationId xmlns:a16="http://schemas.microsoft.com/office/drawing/2014/main" xmlns="" id="{E416CFAD-AF52-4649-A332-71DEE7426C23}"/>
+                <a16:creationId xmlns="" xmlns:a16="http://schemas.microsoft.com/office/drawing/2014/main" id="{E416CFAD-AF52-4649-A332-71DEE7426C23}"/>
               </a:ext>
             </a:extLst>
           </p:cNvPr>
@@ -3536,7 +3538,7 @@
           <p:cNvPr id="12" name="Rectangle: Rounded Corners 11">
             <a:extLst>
               <a:ext uri="{FF2B5EF4-FFF2-40B4-BE49-F238E27FC236}">
-                <a16:creationId xmlns:a16="http://schemas.microsoft.com/office/drawing/2014/main" xmlns="" id="{F81607E8-5979-4B1D-BCDC-0CDDE92D28C5}"/>
+                <a16:creationId xmlns="" xmlns:a16="http://schemas.microsoft.com/office/drawing/2014/main" id="{F81607E8-5979-4B1D-BCDC-0CDDE92D28C5}"/>
               </a:ext>
             </a:extLst>
           </p:cNvPr>
@@ -3586,7 +3588,7 @@
           <p:cNvPr id="14" name="Rectangle: Rounded Corners 13">
             <a:extLst>
               <a:ext uri="{FF2B5EF4-FFF2-40B4-BE49-F238E27FC236}">
-                <a16:creationId xmlns:a16="http://schemas.microsoft.com/office/drawing/2014/main" xmlns="" id="{F93F1191-805C-4602-B403-FBC4B23FDEE5}"/>
+                <a16:creationId xmlns="" xmlns:a16="http://schemas.microsoft.com/office/drawing/2014/main" id="{F93F1191-805C-4602-B403-FBC4B23FDEE5}"/>
               </a:ext>
             </a:extLst>
           </p:cNvPr>
@@ -3640,7 +3642,7 @@
           <p:cNvPr id="16" name="Connector: Elbow 15">
             <a:extLst>
               <a:ext uri="{FF2B5EF4-FFF2-40B4-BE49-F238E27FC236}">
-                <a16:creationId xmlns:a16="http://schemas.microsoft.com/office/drawing/2014/main" xmlns="" id="{F8E1CA97-7225-45D0-A081-33F98BF5BD88}"/>
+                <a16:creationId xmlns="" xmlns:a16="http://schemas.microsoft.com/office/drawing/2014/main" id="{F8E1CA97-7225-45D0-A081-33F98BF5BD88}"/>
               </a:ext>
             </a:extLst>
           </p:cNvPr>
@@ -3685,7 +3687,7 @@
           <p:cNvPr id="19" name="Rectangle: Rounded Corners 18">
             <a:extLst>
               <a:ext uri="{FF2B5EF4-FFF2-40B4-BE49-F238E27FC236}">
-                <a16:creationId xmlns:a16="http://schemas.microsoft.com/office/drawing/2014/main" xmlns="" id="{5BAF5724-2440-46B2-B4E0-C35E05FEFDFA}"/>
+                <a16:creationId xmlns="" xmlns:a16="http://schemas.microsoft.com/office/drawing/2014/main" id="{5BAF5724-2440-46B2-B4E0-C35E05FEFDFA}"/>
               </a:ext>
             </a:extLst>
           </p:cNvPr>
@@ -3993,7 +3995,7 @@
               <p:cNvPr id="8" name="Rectangle: Rounded Corners 1">
                 <a:extLst>
                   <a:ext uri="{FF2B5EF4-FFF2-40B4-BE49-F238E27FC236}">
-                    <a16:creationId xmlns:a16="http://schemas.microsoft.com/office/drawing/2014/main" xmlns="" id="{229043B8-923C-4A63-923B-ED47AB6F3179}"/>
+                    <a16:creationId xmlns="" xmlns:a16="http://schemas.microsoft.com/office/drawing/2014/main" id="{229043B8-923C-4A63-923B-ED47AB6F3179}"/>
                   </a:ext>
                 </a:extLst>
               </p:cNvPr>
@@ -4053,7 +4055,7 @@
               <p:cNvPr id="9" name="Rectangle 1">
                 <a:extLst>
                   <a:ext uri="{FF2B5EF4-FFF2-40B4-BE49-F238E27FC236}">
-                    <a16:creationId xmlns:a16="http://schemas.microsoft.com/office/drawing/2014/main" xmlns="" id="{FFE5BAF0-90A9-481D-AAC3-4466B273C9B9}"/>
+                    <a16:creationId xmlns="" xmlns:a16="http://schemas.microsoft.com/office/drawing/2014/main" id="{FFE5BAF0-90A9-481D-AAC3-4466B273C9B9}"/>
                   </a:ext>
                 </a:extLst>
               </p:cNvPr>
@@ -4320,7 +4322,7 @@
               <p:cNvPr id="10" name="Rectangle 1">
                 <a:extLst>
                   <a:ext uri="{FF2B5EF4-FFF2-40B4-BE49-F238E27FC236}">
-                    <a16:creationId xmlns:a16="http://schemas.microsoft.com/office/drawing/2014/main" xmlns="" id="{4A5862E7-0045-43EA-8731-76AF0AFFEB2B}"/>
+                    <a16:creationId xmlns="" xmlns:a16="http://schemas.microsoft.com/office/drawing/2014/main" id="{4A5862E7-0045-43EA-8731-76AF0AFFEB2B}"/>
                   </a:ext>
                 </a:extLst>
               </p:cNvPr>
@@ -4567,7 +4569,7 @@
             <p:cNvPr id="7" name="TextBox 6">
               <a:extLst>
                 <a:ext uri="{FF2B5EF4-FFF2-40B4-BE49-F238E27FC236}">
-                  <a16:creationId xmlns:a16="http://schemas.microsoft.com/office/drawing/2014/main" xmlns="" id="{C91224FA-ADA9-4075-AE2B-E0C6E149E540}"/>
+                  <a16:creationId xmlns="" xmlns:a16="http://schemas.microsoft.com/office/drawing/2014/main" id="{C91224FA-ADA9-4075-AE2B-E0C6E149E540}"/>
                 </a:ext>
               </a:extLst>
             </p:cNvPr>
@@ -4682,7 +4684,7 @@
               <p:cNvPr id="15" name="Rectangle: Rounded Corners 1">
                 <a:extLst>
                   <a:ext uri="{FF2B5EF4-FFF2-40B4-BE49-F238E27FC236}">
-                    <a16:creationId xmlns:a16="http://schemas.microsoft.com/office/drawing/2014/main" xmlns="" id="{229043B8-923C-4A63-923B-ED47AB6F3179}"/>
+                    <a16:creationId xmlns="" xmlns:a16="http://schemas.microsoft.com/office/drawing/2014/main" id="{229043B8-923C-4A63-923B-ED47AB6F3179}"/>
                   </a:ext>
                 </a:extLst>
               </p:cNvPr>
@@ -4742,7 +4744,7 @@
               <p:cNvPr id="16" name="Rectangle 1">
                 <a:extLst>
                   <a:ext uri="{FF2B5EF4-FFF2-40B4-BE49-F238E27FC236}">
-                    <a16:creationId xmlns:a16="http://schemas.microsoft.com/office/drawing/2014/main" xmlns="" id="{FFE5BAF0-90A9-481D-AAC3-4466B273C9B9}"/>
+                    <a16:creationId xmlns="" xmlns:a16="http://schemas.microsoft.com/office/drawing/2014/main" id="{FFE5BAF0-90A9-481D-AAC3-4466B273C9B9}"/>
                   </a:ext>
                 </a:extLst>
               </p:cNvPr>
@@ -5009,7 +5011,7 @@
               <p:cNvPr id="17" name="Rectangle 1">
                 <a:extLst>
                   <a:ext uri="{FF2B5EF4-FFF2-40B4-BE49-F238E27FC236}">
-                    <a16:creationId xmlns:a16="http://schemas.microsoft.com/office/drawing/2014/main" xmlns="" id="{4A5862E7-0045-43EA-8731-76AF0AFFEB2B}"/>
+                    <a16:creationId xmlns="" xmlns:a16="http://schemas.microsoft.com/office/drawing/2014/main" id="{4A5862E7-0045-43EA-8731-76AF0AFFEB2B}"/>
                   </a:ext>
                 </a:extLst>
               </p:cNvPr>
@@ -5256,7 +5258,7 @@
             <p:cNvPr id="14" name="TextBox 13">
               <a:extLst>
                 <a:ext uri="{FF2B5EF4-FFF2-40B4-BE49-F238E27FC236}">
-                  <a16:creationId xmlns:a16="http://schemas.microsoft.com/office/drawing/2014/main" xmlns="" id="{C91224FA-ADA9-4075-AE2B-E0C6E149E540}"/>
+                  <a16:creationId xmlns="" xmlns:a16="http://schemas.microsoft.com/office/drawing/2014/main" id="{C91224FA-ADA9-4075-AE2B-E0C6E149E540}"/>
                 </a:ext>
               </a:extLst>
             </p:cNvPr>
@@ -5875,7 +5877,7 @@
           <p:cNvPr id="46" name="Rectangle: Rounded Corners 62">
             <a:extLst>
               <a:ext uri="{FF2B5EF4-FFF2-40B4-BE49-F238E27FC236}">
-                <a16:creationId xmlns:a16="http://schemas.microsoft.com/office/drawing/2014/main" xmlns="" id="{61D3D070-24FE-4EF4-AD82-4932219E03A8}"/>
+                <a16:creationId xmlns="" xmlns:a16="http://schemas.microsoft.com/office/drawing/2014/main" id="{61D3D070-24FE-4EF4-AD82-4932219E03A8}"/>
               </a:ext>
             </a:extLst>
           </p:cNvPr>
@@ -6074,6 +6076,7084 @@
 </p:sld>
 </file>
 
+<file path=ppt/slides/slide11.xml><?xml version="1.0" encoding="utf-8"?>
+<p:sld xmlns:a="http://schemas.openxmlformats.org/drawingml/2006/main" xmlns:r="http://schemas.openxmlformats.org/officeDocument/2006/relationships" xmlns:p="http://schemas.openxmlformats.org/presentationml/2006/main">
+  <p:cSld>
+    <p:spTree>
+      <p:nvGrpSpPr>
+        <p:cNvPr id="1" name=""/>
+        <p:cNvGrpSpPr/>
+        <p:nvPr/>
+      </p:nvGrpSpPr>
+      <p:grpSpPr>
+        <a:xfrm>
+          <a:off x="0" y="0"/>
+          <a:ext cx="0" cy="0"/>
+          <a:chOff x="0" y="0"/>
+          <a:chExt cx="0" cy="0"/>
+        </a:xfrm>
+      </p:grpSpPr>
+      <p:grpSp>
+        <p:nvGrpSpPr>
+          <p:cNvPr id="35" name="Group 34"/>
+          <p:cNvGrpSpPr/>
+          <p:nvPr/>
+        </p:nvGrpSpPr>
+        <p:grpSpPr>
+          <a:xfrm>
+            <a:off x="15043" y="448801"/>
+            <a:ext cx="5592943" cy="2253184"/>
+            <a:chOff x="167522" y="493747"/>
+            <a:chExt cx="5592943" cy="2253184"/>
+          </a:xfrm>
+        </p:grpSpPr>
+        <p:grpSp>
+          <p:nvGrpSpPr>
+            <p:cNvPr id="33" name="Group 32"/>
+            <p:cNvGrpSpPr/>
+            <p:nvPr/>
+          </p:nvGrpSpPr>
+          <p:grpSpPr>
+            <a:xfrm>
+              <a:off x="167522" y="493747"/>
+              <a:ext cx="5592943" cy="2253184"/>
+              <a:chOff x="167522" y="493747"/>
+              <a:chExt cx="5592943" cy="2253184"/>
+            </a:xfrm>
+          </p:grpSpPr>
+          <p:grpSp>
+            <p:nvGrpSpPr>
+              <p:cNvPr id="20" name="Group 19"/>
+              <p:cNvGrpSpPr/>
+              <p:nvPr/>
+            </p:nvGrpSpPr>
+            <p:grpSpPr>
+              <a:xfrm>
+                <a:off x="803564" y="493747"/>
+                <a:ext cx="4953236" cy="2253184"/>
+                <a:chOff x="1011381" y="2409115"/>
+                <a:chExt cx="4539890" cy="1338950"/>
+              </a:xfrm>
+            </p:grpSpPr>
+            <p:sp>
+              <p:nvSpPr>
+                <p:cNvPr id="21" name="Rectangle: Rounded Corners 1">
+                  <a:extLst>
+                    <a:ext uri="{FF2B5EF4-FFF2-40B4-BE49-F238E27FC236}">
+                      <a16:creationId xmlns="" xmlns:a16="http://schemas.microsoft.com/office/drawing/2014/main" id="{229043B8-923C-4A63-923B-ED47AB6F3179}"/>
+                    </a:ext>
+                  </a:extLst>
+                </p:cNvPr>
+                <p:cNvSpPr/>
+                <p:nvPr/>
+              </p:nvSpPr>
+              <p:spPr>
+                <a:xfrm>
+                  <a:off x="1011381" y="2409115"/>
+                  <a:ext cx="3915717" cy="1338950"/>
+                </a:xfrm>
+                <a:prstGeom prst="roundRect">
+                  <a:avLst/>
+                </a:prstGeom>
+                <a:solidFill>
+                  <a:schemeClr val="accent1">
+                    <a:lumMod val="75000"/>
+                  </a:schemeClr>
+                </a:solidFill>
+              </p:spPr>
+              <p:style>
+                <a:lnRef idx="2">
+                  <a:schemeClr val="accent1">
+                    <a:shade val="50000"/>
+                  </a:schemeClr>
+                </a:lnRef>
+                <a:fillRef idx="1">
+                  <a:schemeClr val="accent1"/>
+                </a:fillRef>
+                <a:effectRef idx="0">
+                  <a:schemeClr val="accent1"/>
+                </a:effectRef>
+                <a:fontRef idx="minor">
+                  <a:schemeClr val="lt1"/>
+                </a:fontRef>
+              </p:style>
+              <p:txBody>
+                <a:bodyPr rtlCol="0" anchor="ctr"/>
+                <a:lstStyle/>
+                <a:p>
+                  <a:pPr algn="ctr"/>
+                  <a:r>
+                    <a:rPr lang="en-IN" sz="1800" dirty="0" smtClean="0">
+                      <a:solidFill>
+                        <a:srgbClr val="000000"/>
+                      </a:solidFill>
+                      <a:latin typeface="Consolas" panose="020B0609020204030204" pitchFamily="49" charset="0"/>
+                    </a:rPr>
+                    <a:t>bmt.partner-service01.com</a:t>
+                  </a:r>
+                  <a:endParaRPr lang="en-IN" dirty="0"/>
+                </a:p>
+              </p:txBody>
+            </p:sp>
+            <p:sp>
+              <p:nvSpPr>
+                <p:cNvPr id="22" name="Rectangle 1">
+                  <a:extLst>
+                    <a:ext uri="{FF2B5EF4-FFF2-40B4-BE49-F238E27FC236}">
+                      <a16:creationId xmlns="" xmlns:a16="http://schemas.microsoft.com/office/drawing/2014/main" id="{FFE5BAF0-90A9-481D-AAC3-4466B273C9B9}"/>
+                    </a:ext>
+                  </a:extLst>
+                </p:cNvPr>
+                <p:cNvSpPr>
+                  <a:spLocks noChangeArrowheads="1"/>
+                </p:cNvSpPr>
+                <p:nvPr/>
+              </p:nvSpPr>
+              <p:spPr bwMode="auto">
+                <a:xfrm>
+                  <a:off x="3762689" y="2615206"/>
+                  <a:ext cx="1788582" cy="192040"/>
+                </a:xfrm>
+                <a:prstGeom prst="rect">
+                  <a:avLst/>
+                </a:prstGeom>
+                <a:solidFill>
+                  <a:srgbClr val="F2F2F2"/>
+                </a:solidFill>
+                <a:ln>
+                  <a:noFill/>
+                </a:ln>
+                <a:effectLst/>
+                <a:extLst>
+                  <a:ext uri="{91240B29-F687-4F45-9708-019B960494DF}">
+                    <a14:hiddenLine xmlns:a14="http://schemas.microsoft.com/office/drawing/2010/main" w="9525">
+                      <a:solidFill>
+                        <a:schemeClr val="tx1"/>
+                      </a:solidFill>
+                      <a:miter lim="800000"/>
+                      <a:headEnd/>
+                      <a:tailEnd/>
+                    </a14:hiddenLine>
+                  </a:ext>
+                  <a:ext uri="{AF507438-7753-43E0-B8FC-AC1667EBCBE1}">
+                    <a14:hiddenEffects xmlns:a14="http://schemas.microsoft.com/office/drawing/2010/main">
+                      <a:effectLst>
+                        <a:outerShdw dist="35921" dir="2700000" algn="ctr" rotWithShape="0">
+                          <a:schemeClr val="bg2"/>
+                        </a:outerShdw>
+                      </a:effectLst>
+                    </a14:hiddenEffects>
+                  </a:ext>
+                </a:extLst>
+              </p:spPr>
+              <p:txBody>
+                <a:bodyPr vert="horz" wrap="square" lIns="91440" tIns="45720" rIns="91440" bIns="45720" numCol="1" anchor="ctr" anchorCtr="0" compatLnSpc="1">
+                  <a:prstTxWarp prst="textNoShape">
+                    <a:avLst/>
+                  </a:prstTxWarp>
+                  <a:spAutoFit/>
+                </a:bodyPr>
+                <a:lstStyle>
+                  <a:lvl1pPr eaLnBrk="0" fontAlgn="base" hangingPunct="0">
+                    <a:spcBef>
+                      <a:spcPct val="0"/>
+                    </a:spcBef>
+                    <a:spcAft>
+                      <a:spcPct val="0"/>
+                    </a:spcAft>
+                    <a:defRPr>
+                      <a:solidFill>
+                        <a:schemeClr val="tx1"/>
+                      </a:solidFill>
+                      <a:latin typeface="Arial" panose="020B0604020202020204" pitchFamily="34" charset="0"/>
+                    </a:defRPr>
+                  </a:lvl1pPr>
+                  <a:lvl2pPr eaLnBrk="0" fontAlgn="base" hangingPunct="0">
+                    <a:spcBef>
+                      <a:spcPct val="0"/>
+                    </a:spcBef>
+                    <a:spcAft>
+                      <a:spcPct val="0"/>
+                    </a:spcAft>
+                    <a:defRPr>
+                      <a:solidFill>
+                        <a:schemeClr val="tx1"/>
+                      </a:solidFill>
+                      <a:latin typeface="Arial" panose="020B0604020202020204" pitchFamily="34" charset="0"/>
+                    </a:defRPr>
+                  </a:lvl2pPr>
+                  <a:lvl3pPr eaLnBrk="0" fontAlgn="base" hangingPunct="0">
+                    <a:spcBef>
+                      <a:spcPct val="0"/>
+                    </a:spcBef>
+                    <a:spcAft>
+                      <a:spcPct val="0"/>
+                    </a:spcAft>
+                    <a:defRPr>
+                      <a:solidFill>
+                        <a:schemeClr val="tx1"/>
+                      </a:solidFill>
+                      <a:latin typeface="Arial" panose="020B0604020202020204" pitchFamily="34" charset="0"/>
+                    </a:defRPr>
+                  </a:lvl3pPr>
+                  <a:lvl4pPr eaLnBrk="0" fontAlgn="base" hangingPunct="0">
+                    <a:spcBef>
+                      <a:spcPct val="0"/>
+                    </a:spcBef>
+                    <a:spcAft>
+                      <a:spcPct val="0"/>
+                    </a:spcAft>
+                    <a:defRPr>
+                      <a:solidFill>
+                        <a:schemeClr val="tx1"/>
+                      </a:solidFill>
+                      <a:latin typeface="Arial" panose="020B0604020202020204" pitchFamily="34" charset="0"/>
+                    </a:defRPr>
+                  </a:lvl4pPr>
+                  <a:lvl5pPr eaLnBrk="0" fontAlgn="base" hangingPunct="0">
+                    <a:spcBef>
+                      <a:spcPct val="0"/>
+                    </a:spcBef>
+                    <a:spcAft>
+                      <a:spcPct val="0"/>
+                    </a:spcAft>
+                    <a:defRPr>
+                      <a:solidFill>
+                        <a:schemeClr val="tx1"/>
+                      </a:solidFill>
+                      <a:latin typeface="Arial" panose="020B0604020202020204" pitchFamily="34" charset="0"/>
+                    </a:defRPr>
+                  </a:lvl5pPr>
+                  <a:lvl6pPr eaLnBrk="0" fontAlgn="base" hangingPunct="0">
+                    <a:spcBef>
+                      <a:spcPct val="0"/>
+                    </a:spcBef>
+                    <a:spcAft>
+                      <a:spcPct val="0"/>
+                    </a:spcAft>
+                    <a:defRPr>
+                      <a:solidFill>
+                        <a:schemeClr val="tx1"/>
+                      </a:solidFill>
+                      <a:latin typeface="Arial" panose="020B0604020202020204" pitchFamily="34" charset="0"/>
+                    </a:defRPr>
+                  </a:lvl6pPr>
+                  <a:lvl7pPr eaLnBrk="0" fontAlgn="base" hangingPunct="0">
+                    <a:spcBef>
+                      <a:spcPct val="0"/>
+                    </a:spcBef>
+                    <a:spcAft>
+                      <a:spcPct val="0"/>
+                    </a:spcAft>
+                    <a:defRPr>
+                      <a:solidFill>
+                        <a:schemeClr val="tx1"/>
+                      </a:solidFill>
+                      <a:latin typeface="Arial" panose="020B0604020202020204" pitchFamily="34" charset="0"/>
+                    </a:defRPr>
+                  </a:lvl7pPr>
+                  <a:lvl8pPr eaLnBrk="0" fontAlgn="base" hangingPunct="0">
+                    <a:spcBef>
+                      <a:spcPct val="0"/>
+                    </a:spcBef>
+                    <a:spcAft>
+                      <a:spcPct val="0"/>
+                    </a:spcAft>
+                    <a:defRPr>
+                      <a:solidFill>
+                        <a:schemeClr val="tx1"/>
+                      </a:solidFill>
+                      <a:latin typeface="Arial" panose="020B0604020202020204" pitchFamily="34" charset="0"/>
+                    </a:defRPr>
+                  </a:lvl8pPr>
+                  <a:lvl9pPr eaLnBrk="0" fontAlgn="base" hangingPunct="0">
+                    <a:spcBef>
+                      <a:spcPct val="0"/>
+                    </a:spcBef>
+                    <a:spcAft>
+                      <a:spcPct val="0"/>
+                    </a:spcAft>
+                    <a:defRPr>
+                      <a:solidFill>
+                        <a:schemeClr val="tx1"/>
+                      </a:solidFill>
+                      <a:latin typeface="Arial" panose="020B0604020202020204" pitchFamily="34" charset="0"/>
+                    </a:defRPr>
+                  </a:lvl9pPr>
+                </a:lstStyle>
+                <a:p>
+                  <a:pPr marL="0" marR="0" lvl="0" indent="0" algn="l" defTabSz="914400" rtl="0" eaLnBrk="0" fontAlgn="base" latinLnBrk="0" hangingPunct="0">
+                    <a:lnSpc>
+                      <a:spcPct val="100000"/>
+                    </a:lnSpc>
+                    <a:spcBef>
+                      <a:spcPct val="0"/>
+                    </a:spcBef>
+                    <a:spcAft>
+                      <a:spcPct val="0"/>
+                    </a:spcAft>
+                    <a:buClrTx/>
+                    <a:buSzTx/>
+                    <a:buFontTx/>
+                    <a:buNone/>
+                    <a:tabLst/>
+                  </a:pPr>
+                  <a:r>
+                    <a:rPr kumimoji="0" lang="en-US" altLang="en-US" sz="1100" b="0" i="0" u="none" strike="noStrike" cap="none" normalizeH="0" baseline="0" dirty="0">
+                      <a:ln>
+                        <a:noFill/>
+                      </a:ln>
+                      <a:solidFill>
+                        <a:srgbClr val="292929"/>
+                      </a:solidFill>
+                      <a:effectLst/>
+                      <a:latin typeface="Menlo"/>
+                    </a:rPr>
+                    <a:t>@</a:t>
+                  </a:r>
+                  <a:r>
+                    <a:rPr kumimoji="0" lang="en-US" altLang="en-US" sz="1100" b="0" i="0" u="none" strike="noStrike" cap="none" normalizeH="0" baseline="0" dirty="0" err="1">
+                      <a:ln>
+                        <a:noFill/>
+                      </a:ln>
+                      <a:solidFill>
+                        <a:srgbClr val="292929"/>
+                      </a:solidFill>
+                      <a:effectLst/>
+                      <a:latin typeface="Menlo"/>
+                    </a:rPr>
+                    <a:t>EnableEurekaClient</a:t>
+                  </a:r>
+                  <a:r>
+                    <a:rPr kumimoji="0" lang="en-US" altLang="en-US" sz="1500" b="0" i="0" u="none" strike="noStrike" cap="none" normalizeH="0" baseline="0" dirty="0">
+                      <a:ln>
+                        <a:noFill/>
+                      </a:ln>
+                      <a:solidFill>
+                        <a:srgbClr val="292929"/>
+                      </a:solidFill>
+                      <a:effectLst/>
+                      <a:latin typeface="charter"/>
+                    </a:rPr>
+                    <a:t> </a:t>
+                  </a:r>
+                  <a:endParaRPr kumimoji="0" lang="en-US" altLang="en-US" sz="1800" b="0" i="0" u="none" strike="noStrike" cap="none" normalizeH="0" baseline="0" dirty="0">
+                    <a:ln>
+                      <a:noFill/>
+                    </a:ln>
+                    <a:solidFill>
+                      <a:schemeClr val="tx1"/>
+                    </a:solidFill>
+                    <a:effectLst/>
+                    <a:latin typeface="Arial" panose="020B0604020202020204" pitchFamily="34" charset="0"/>
+                  </a:endParaRPr>
+                </a:p>
+              </p:txBody>
+            </p:sp>
+            <p:sp>
+              <p:nvSpPr>
+                <p:cNvPr id="23" name="Rectangle 1">
+                  <a:extLst>
+                    <a:ext uri="{FF2B5EF4-FFF2-40B4-BE49-F238E27FC236}">
+                      <a16:creationId xmlns="" xmlns:a16="http://schemas.microsoft.com/office/drawing/2014/main" id="{4A5862E7-0045-43EA-8731-76AF0AFFEB2B}"/>
+                    </a:ext>
+                  </a:extLst>
+                </p:cNvPr>
+                <p:cNvSpPr>
+                  <a:spLocks noChangeArrowheads="1"/>
+                </p:cNvSpPr>
+                <p:nvPr/>
+              </p:nvSpPr>
+              <p:spPr bwMode="auto">
+                <a:xfrm>
+                  <a:off x="1468579" y="3472706"/>
+                  <a:ext cx="3001319" cy="261610"/>
+                </a:xfrm>
+                <a:prstGeom prst="rect">
+                  <a:avLst/>
+                </a:prstGeom>
+                <a:solidFill>
+                  <a:srgbClr val="F2F2F2"/>
+                </a:solidFill>
+                <a:ln>
+                  <a:noFill/>
+                </a:ln>
+                <a:effectLst/>
+                <a:extLst>
+                  <a:ext uri="{91240B29-F687-4F45-9708-019B960494DF}">
+                    <a14:hiddenLine xmlns:a14="http://schemas.microsoft.com/office/drawing/2010/main" w="9525">
+                      <a:solidFill>
+                        <a:schemeClr val="tx1"/>
+                      </a:solidFill>
+                      <a:miter lim="800000"/>
+                      <a:headEnd/>
+                      <a:tailEnd/>
+                    </a14:hiddenLine>
+                  </a:ext>
+                  <a:ext uri="{AF507438-7753-43E0-B8FC-AC1667EBCBE1}">
+                    <a14:hiddenEffects xmlns:a14="http://schemas.microsoft.com/office/drawing/2010/main">
+                      <a:effectLst>
+                        <a:outerShdw dist="35921" dir="2700000" algn="ctr" rotWithShape="0">
+                          <a:schemeClr val="bg2"/>
+                        </a:outerShdw>
+                      </a:effectLst>
+                    </a14:hiddenEffects>
+                  </a:ext>
+                </a:extLst>
+              </p:spPr>
+              <p:txBody>
+                <a:bodyPr vert="horz" wrap="square" lIns="91440" tIns="45720" rIns="91440" bIns="45720" numCol="1" anchor="ctr" anchorCtr="0" compatLnSpc="1">
+                  <a:prstTxWarp prst="textNoShape">
+                    <a:avLst/>
+                  </a:prstTxWarp>
+                  <a:spAutoFit/>
+                </a:bodyPr>
+                <a:lstStyle>
+                  <a:lvl1pPr eaLnBrk="0" fontAlgn="base" hangingPunct="0">
+                    <a:spcBef>
+                      <a:spcPct val="0"/>
+                    </a:spcBef>
+                    <a:spcAft>
+                      <a:spcPct val="0"/>
+                    </a:spcAft>
+                    <a:defRPr>
+                      <a:solidFill>
+                        <a:schemeClr val="tx1"/>
+                      </a:solidFill>
+                      <a:latin typeface="Arial" panose="020B0604020202020204" pitchFamily="34" charset="0"/>
+                    </a:defRPr>
+                  </a:lvl1pPr>
+                  <a:lvl2pPr eaLnBrk="0" fontAlgn="base" hangingPunct="0">
+                    <a:spcBef>
+                      <a:spcPct val="0"/>
+                    </a:spcBef>
+                    <a:spcAft>
+                      <a:spcPct val="0"/>
+                    </a:spcAft>
+                    <a:defRPr>
+                      <a:solidFill>
+                        <a:schemeClr val="tx1"/>
+                      </a:solidFill>
+                      <a:latin typeface="Arial" panose="020B0604020202020204" pitchFamily="34" charset="0"/>
+                    </a:defRPr>
+                  </a:lvl2pPr>
+                  <a:lvl3pPr eaLnBrk="0" fontAlgn="base" hangingPunct="0">
+                    <a:spcBef>
+                      <a:spcPct val="0"/>
+                    </a:spcBef>
+                    <a:spcAft>
+                      <a:spcPct val="0"/>
+                    </a:spcAft>
+                    <a:defRPr>
+                      <a:solidFill>
+                        <a:schemeClr val="tx1"/>
+                      </a:solidFill>
+                      <a:latin typeface="Arial" panose="020B0604020202020204" pitchFamily="34" charset="0"/>
+                    </a:defRPr>
+                  </a:lvl3pPr>
+                  <a:lvl4pPr eaLnBrk="0" fontAlgn="base" hangingPunct="0">
+                    <a:spcBef>
+                      <a:spcPct val="0"/>
+                    </a:spcBef>
+                    <a:spcAft>
+                      <a:spcPct val="0"/>
+                    </a:spcAft>
+                    <a:defRPr>
+                      <a:solidFill>
+                        <a:schemeClr val="tx1"/>
+                      </a:solidFill>
+                      <a:latin typeface="Arial" panose="020B0604020202020204" pitchFamily="34" charset="0"/>
+                    </a:defRPr>
+                  </a:lvl4pPr>
+                  <a:lvl5pPr eaLnBrk="0" fontAlgn="base" hangingPunct="0">
+                    <a:spcBef>
+                      <a:spcPct val="0"/>
+                    </a:spcBef>
+                    <a:spcAft>
+                      <a:spcPct val="0"/>
+                    </a:spcAft>
+                    <a:defRPr>
+                      <a:solidFill>
+                        <a:schemeClr val="tx1"/>
+                      </a:solidFill>
+                      <a:latin typeface="Arial" panose="020B0604020202020204" pitchFamily="34" charset="0"/>
+                    </a:defRPr>
+                  </a:lvl5pPr>
+                  <a:lvl6pPr eaLnBrk="0" fontAlgn="base" hangingPunct="0">
+                    <a:spcBef>
+                      <a:spcPct val="0"/>
+                    </a:spcBef>
+                    <a:spcAft>
+                      <a:spcPct val="0"/>
+                    </a:spcAft>
+                    <a:defRPr>
+                      <a:solidFill>
+                        <a:schemeClr val="tx1"/>
+                      </a:solidFill>
+                      <a:latin typeface="Arial" panose="020B0604020202020204" pitchFamily="34" charset="0"/>
+                    </a:defRPr>
+                  </a:lvl6pPr>
+                  <a:lvl7pPr eaLnBrk="0" fontAlgn="base" hangingPunct="0">
+                    <a:spcBef>
+                      <a:spcPct val="0"/>
+                    </a:spcBef>
+                    <a:spcAft>
+                      <a:spcPct val="0"/>
+                    </a:spcAft>
+                    <a:defRPr>
+                      <a:solidFill>
+                        <a:schemeClr val="tx1"/>
+                      </a:solidFill>
+                      <a:latin typeface="Arial" panose="020B0604020202020204" pitchFamily="34" charset="0"/>
+                    </a:defRPr>
+                  </a:lvl7pPr>
+                  <a:lvl8pPr eaLnBrk="0" fontAlgn="base" hangingPunct="0">
+                    <a:spcBef>
+                      <a:spcPct val="0"/>
+                    </a:spcBef>
+                    <a:spcAft>
+                      <a:spcPct val="0"/>
+                    </a:spcAft>
+                    <a:defRPr>
+                      <a:solidFill>
+                        <a:schemeClr val="tx1"/>
+                      </a:solidFill>
+                      <a:latin typeface="Arial" panose="020B0604020202020204" pitchFamily="34" charset="0"/>
+                    </a:defRPr>
+                  </a:lvl8pPr>
+                  <a:lvl9pPr eaLnBrk="0" fontAlgn="base" hangingPunct="0">
+                    <a:spcBef>
+                      <a:spcPct val="0"/>
+                    </a:spcBef>
+                    <a:spcAft>
+                      <a:spcPct val="0"/>
+                    </a:spcAft>
+                    <a:defRPr>
+                      <a:solidFill>
+                        <a:schemeClr val="tx1"/>
+                      </a:solidFill>
+                      <a:latin typeface="Arial" panose="020B0604020202020204" pitchFamily="34" charset="0"/>
+                    </a:defRPr>
+                  </a:lvl9pPr>
+                </a:lstStyle>
+                <a:p>
+                  <a:pPr marL="0" marR="0" lvl="0" indent="0" algn="l" defTabSz="914400" rtl="0" eaLnBrk="0" fontAlgn="base" latinLnBrk="0" hangingPunct="0">
+                    <a:lnSpc>
+                      <a:spcPct val="100000"/>
+                    </a:lnSpc>
+                    <a:spcBef>
+                      <a:spcPct val="0"/>
+                    </a:spcBef>
+                    <a:spcAft>
+                      <a:spcPct val="0"/>
+                    </a:spcAft>
+                    <a:buClrTx/>
+                    <a:buSzTx/>
+                    <a:buFontTx/>
+                    <a:buNone/>
+                    <a:tabLst/>
+                  </a:pPr>
+                  <a:r>
+                    <a:rPr lang="en-IN" sz="1100" b="0" i="0" dirty="0">
+                      <a:solidFill>
+                        <a:srgbClr val="24292F"/>
+                      </a:solidFill>
+                      <a:effectLst/>
+                      <a:latin typeface="ui-monospace"/>
+                    </a:rPr>
+                    <a:t>spring-cloud-starter-</a:t>
+                  </a:r>
+                  <a:r>
+                    <a:rPr lang="en-IN" sz="1100" b="0" i="0" dirty="0" err="1">
+                      <a:solidFill>
+                        <a:srgbClr val="24292F"/>
+                      </a:solidFill>
+                      <a:effectLst/>
+                      <a:latin typeface="ui-monospace"/>
+                    </a:rPr>
+                    <a:t>netflix</a:t>
+                  </a:r>
+                  <a:r>
+                    <a:rPr lang="en-IN" sz="1100" b="0" i="0" dirty="0">
+                      <a:solidFill>
+                        <a:srgbClr val="24292F"/>
+                      </a:solidFill>
+                      <a:effectLst/>
+                      <a:latin typeface="ui-monospace"/>
+                    </a:rPr>
+                    <a:t>-eureka-client</a:t>
+                  </a:r>
+                  <a:endParaRPr kumimoji="0" lang="en-US" altLang="en-US" sz="1800" b="0" i="0" u="none" strike="noStrike" cap="none" normalizeH="0" baseline="0" dirty="0">
+                    <a:ln>
+                      <a:noFill/>
+                    </a:ln>
+                    <a:solidFill>
+                      <a:schemeClr val="tx1"/>
+                    </a:solidFill>
+                    <a:effectLst/>
+                    <a:latin typeface="Arial" panose="020B0604020202020204" pitchFamily="34" charset="0"/>
+                  </a:endParaRPr>
+                </a:p>
+              </p:txBody>
+            </p:sp>
+          </p:grpSp>
+          <p:sp>
+            <p:nvSpPr>
+              <p:cNvPr id="29" name="Rectangle 28"/>
+              <p:cNvSpPr/>
+              <p:nvPr/>
+            </p:nvSpPr>
+            <p:spPr>
+              <a:xfrm>
+                <a:off x="4226904" y="1816370"/>
+                <a:ext cx="1533561" cy="276999"/>
+              </a:xfrm>
+              <a:prstGeom prst="rect">
+                <a:avLst/>
+              </a:prstGeom>
+              <a:solidFill>
+                <a:srgbClr val="FF0000"/>
+              </a:solidFill>
+            </p:spPr>
+            <p:txBody>
+              <a:bodyPr wrap="none">
+                <a:spAutoFit/>
+              </a:bodyPr>
+              <a:lstStyle/>
+              <a:p>
+                <a:r>
+                  <a:rPr lang="en-US" sz="1200" dirty="0"/>
+                  <a:t>@</a:t>
+                </a:r>
+                <a:r>
+                  <a:rPr lang="en-US" sz="1200" dirty="0" err="1" smtClean="0"/>
+                  <a:t>EnableWebSecurity</a:t>
+                </a:r>
+                <a:endParaRPr lang="en-US" sz="1200" dirty="0"/>
+              </a:p>
+            </p:txBody>
+          </p:sp>
+          <p:sp>
+            <p:nvSpPr>
+              <p:cNvPr id="30" name="Rectangle 29"/>
+              <p:cNvSpPr/>
+              <p:nvPr/>
+            </p:nvSpPr>
+            <p:spPr>
+              <a:xfrm>
+                <a:off x="167522" y="1816370"/>
+                <a:ext cx="1907445" cy="276999"/>
+              </a:xfrm>
+              <a:prstGeom prst="rect">
+                <a:avLst/>
+              </a:prstGeom>
+              <a:solidFill>
+                <a:srgbClr val="FF0000"/>
+              </a:solidFill>
+            </p:spPr>
+            <p:txBody>
+              <a:bodyPr wrap="none">
+                <a:spAutoFit/>
+              </a:bodyPr>
+              <a:lstStyle/>
+              <a:p>
+                <a:r>
+                  <a:rPr lang="en-US" sz="1200" dirty="0"/>
+                  <a:t>spring-boot-starter-security</a:t>
+                </a:r>
+                <a:endParaRPr lang="en-US" sz="1200" dirty="0"/>
+              </a:p>
+            </p:txBody>
+          </p:sp>
+        </p:grpSp>
+        <p:sp>
+          <p:nvSpPr>
+            <p:cNvPr id="34" name="Rectangle 1">
+              <a:extLst>
+                <a:ext uri="{FF2B5EF4-FFF2-40B4-BE49-F238E27FC236}">
+                  <a16:creationId xmlns="" xmlns:a16="http://schemas.microsoft.com/office/drawing/2014/main" id="{7ACE0809-F724-4F82-8F30-59BB9374E8CB}"/>
+                </a:ext>
+              </a:extLst>
+            </p:cNvPr>
+            <p:cNvSpPr>
+              <a:spLocks noChangeArrowheads="1"/>
+            </p:cNvSpPr>
+            <p:nvPr/>
+          </p:nvSpPr>
+          <p:spPr bwMode="auto">
+            <a:xfrm>
+              <a:off x="3805372" y="504664"/>
+              <a:ext cx="1697787" cy="246221"/>
+            </a:xfrm>
+            <a:prstGeom prst="rect">
+              <a:avLst/>
+            </a:prstGeom>
+            <a:solidFill>
+              <a:srgbClr val="F2F2F2"/>
+            </a:solidFill>
+            <a:ln>
+              <a:noFill/>
+            </a:ln>
+            <a:effectLst/>
+            <a:extLst>
+              <a:ext uri="{91240B29-F687-4F45-9708-019B960494DF}">
+                <a14:hiddenLine xmlns:a14="http://schemas.microsoft.com/office/drawing/2010/main" w="9525">
+                  <a:solidFill>
+                    <a:schemeClr val="tx1"/>
+                  </a:solidFill>
+                  <a:miter lim="800000"/>
+                  <a:headEnd/>
+                  <a:tailEnd/>
+                </a14:hiddenLine>
+              </a:ext>
+              <a:ext uri="{AF507438-7753-43E0-B8FC-AC1667EBCBE1}">
+                <a14:hiddenEffects xmlns:a14="http://schemas.microsoft.com/office/drawing/2010/main">
+                  <a:effectLst>
+                    <a:outerShdw dist="35921" dir="2700000" algn="ctr" rotWithShape="0">
+                      <a:schemeClr val="bg2"/>
+                    </a:outerShdw>
+                  </a:effectLst>
+                </a14:hiddenEffects>
+              </a:ext>
+            </a:extLst>
+          </p:spPr>
+          <p:txBody>
+            <a:bodyPr vert="horz" wrap="square" lIns="91440" tIns="45720" rIns="91440" bIns="45720" numCol="1" anchor="ctr" anchorCtr="0" compatLnSpc="1">
+              <a:prstTxWarp prst="textNoShape">
+                <a:avLst/>
+              </a:prstTxWarp>
+              <a:spAutoFit/>
+            </a:bodyPr>
+            <a:lstStyle>
+              <a:lvl1pPr eaLnBrk="0" fontAlgn="base" hangingPunct="0">
+                <a:spcBef>
+                  <a:spcPct val="0"/>
+                </a:spcBef>
+                <a:spcAft>
+                  <a:spcPct val="0"/>
+                </a:spcAft>
+                <a:defRPr>
+                  <a:solidFill>
+                    <a:schemeClr val="tx1"/>
+                  </a:solidFill>
+                  <a:latin typeface="Arial" panose="020B0604020202020204" pitchFamily="34" charset="0"/>
+                </a:defRPr>
+              </a:lvl1pPr>
+              <a:lvl2pPr eaLnBrk="0" fontAlgn="base" hangingPunct="0">
+                <a:spcBef>
+                  <a:spcPct val="0"/>
+                </a:spcBef>
+                <a:spcAft>
+                  <a:spcPct val="0"/>
+                </a:spcAft>
+                <a:defRPr>
+                  <a:solidFill>
+                    <a:schemeClr val="tx1"/>
+                  </a:solidFill>
+                  <a:latin typeface="Arial" panose="020B0604020202020204" pitchFamily="34" charset="0"/>
+                </a:defRPr>
+              </a:lvl2pPr>
+              <a:lvl3pPr eaLnBrk="0" fontAlgn="base" hangingPunct="0">
+                <a:spcBef>
+                  <a:spcPct val="0"/>
+                </a:spcBef>
+                <a:spcAft>
+                  <a:spcPct val="0"/>
+                </a:spcAft>
+                <a:defRPr>
+                  <a:solidFill>
+                    <a:schemeClr val="tx1"/>
+                  </a:solidFill>
+                  <a:latin typeface="Arial" panose="020B0604020202020204" pitchFamily="34" charset="0"/>
+                </a:defRPr>
+              </a:lvl3pPr>
+              <a:lvl4pPr eaLnBrk="0" fontAlgn="base" hangingPunct="0">
+                <a:spcBef>
+                  <a:spcPct val="0"/>
+                </a:spcBef>
+                <a:spcAft>
+                  <a:spcPct val="0"/>
+                </a:spcAft>
+                <a:defRPr>
+                  <a:solidFill>
+                    <a:schemeClr val="tx1"/>
+                  </a:solidFill>
+                  <a:latin typeface="Arial" panose="020B0604020202020204" pitchFamily="34" charset="0"/>
+                </a:defRPr>
+              </a:lvl4pPr>
+              <a:lvl5pPr eaLnBrk="0" fontAlgn="base" hangingPunct="0">
+                <a:spcBef>
+                  <a:spcPct val="0"/>
+                </a:spcBef>
+                <a:spcAft>
+                  <a:spcPct val="0"/>
+                </a:spcAft>
+                <a:defRPr>
+                  <a:solidFill>
+                    <a:schemeClr val="tx1"/>
+                  </a:solidFill>
+                  <a:latin typeface="Arial" panose="020B0604020202020204" pitchFamily="34" charset="0"/>
+                </a:defRPr>
+              </a:lvl5pPr>
+              <a:lvl6pPr eaLnBrk="0" fontAlgn="base" hangingPunct="0">
+                <a:spcBef>
+                  <a:spcPct val="0"/>
+                </a:spcBef>
+                <a:spcAft>
+                  <a:spcPct val="0"/>
+                </a:spcAft>
+                <a:defRPr>
+                  <a:solidFill>
+                    <a:schemeClr val="tx1"/>
+                  </a:solidFill>
+                  <a:latin typeface="Arial" panose="020B0604020202020204" pitchFamily="34" charset="0"/>
+                </a:defRPr>
+              </a:lvl6pPr>
+              <a:lvl7pPr eaLnBrk="0" fontAlgn="base" hangingPunct="0">
+                <a:spcBef>
+                  <a:spcPct val="0"/>
+                </a:spcBef>
+                <a:spcAft>
+                  <a:spcPct val="0"/>
+                </a:spcAft>
+                <a:defRPr>
+                  <a:solidFill>
+                    <a:schemeClr val="tx1"/>
+                  </a:solidFill>
+                  <a:latin typeface="Arial" panose="020B0604020202020204" pitchFamily="34" charset="0"/>
+                </a:defRPr>
+              </a:lvl7pPr>
+              <a:lvl8pPr eaLnBrk="0" fontAlgn="base" hangingPunct="0">
+                <a:spcBef>
+                  <a:spcPct val="0"/>
+                </a:spcBef>
+                <a:spcAft>
+                  <a:spcPct val="0"/>
+                </a:spcAft>
+                <a:defRPr>
+                  <a:solidFill>
+                    <a:schemeClr val="tx1"/>
+                  </a:solidFill>
+                  <a:latin typeface="Arial" panose="020B0604020202020204" pitchFamily="34" charset="0"/>
+                </a:defRPr>
+              </a:lvl8pPr>
+              <a:lvl9pPr eaLnBrk="0" fontAlgn="base" hangingPunct="0">
+                <a:spcBef>
+                  <a:spcPct val="0"/>
+                </a:spcBef>
+                <a:spcAft>
+                  <a:spcPct val="0"/>
+                </a:spcAft>
+                <a:defRPr>
+                  <a:solidFill>
+                    <a:schemeClr val="tx1"/>
+                  </a:solidFill>
+                  <a:latin typeface="Arial" panose="020B0604020202020204" pitchFamily="34" charset="0"/>
+                </a:defRPr>
+              </a:lvl9pPr>
+            </a:lstStyle>
+            <a:p>
+              <a:pPr lvl="0"/>
+              <a:r>
+                <a:rPr lang="en-US" sz="1000" dirty="0"/>
+                <a:t>@</a:t>
+              </a:r>
+              <a:r>
+                <a:rPr lang="en-US" sz="1000" dirty="0" err="1" smtClean="0"/>
+                <a:t>SpringBootApplication</a:t>
+              </a:r>
+              <a:endParaRPr kumimoji="0" lang="en-US" altLang="en-US" sz="1000" b="0" i="0" u="none" strike="noStrike" cap="none" normalizeH="0" baseline="0" dirty="0">
+                <a:ln>
+                  <a:noFill/>
+                </a:ln>
+                <a:solidFill>
+                  <a:schemeClr val="tx1"/>
+                </a:solidFill>
+                <a:effectLst/>
+              </a:endParaRPr>
+            </a:p>
+          </p:txBody>
+        </p:sp>
+      </p:grpSp>
+      <p:grpSp>
+        <p:nvGrpSpPr>
+          <p:cNvPr id="36" name="Group 35"/>
+          <p:cNvGrpSpPr/>
+          <p:nvPr/>
+        </p:nvGrpSpPr>
+        <p:grpSpPr>
+          <a:xfrm>
+            <a:off x="6041771" y="462236"/>
+            <a:ext cx="5592943" cy="2253184"/>
+            <a:chOff x="167522" y="493747"/>
+            <a:chExt cx="5592943" cy="2253184"/>
+          </a:xfrm>
+        </p:grpSpPr>
+        <p:grpSp>
+          <p:nvGrpSpPr>
+            <p:cNvPr id="37" name="Group 36"/>
+            <p:cNvGrpSpPr/>
+            <p:nvPr/>
+          </p:nvGrpSpPr>
+          <p:grpSpPr>
+            <a:xfrm>
+              <a:off x="167522" y="493747"/>
+              <a:ext cx="5592943" cy="2253184"/>
+              <a:chOff x="167522" y="493747"/>
+              <a:chExt cx="5592943" cy="2253184"/>
+            </a:xfrm>
+          </p:grpSpPr>
+          <p:grpSp>
+            <p:nvGrpSpPr>
+              <p:cNvPr id="39" name="Group 38"/>
+              <p:cNvGrpSpPr/>
+              <p:nvPr/>
+            </p:nvGrpSpPr>
+            <p:grpSpPr>
+              <a:xfrm>
+                <a:off x="803564" y="493747"/>
+                <a:ext cx="4953236" cy="2253184"/>
+                <a:chOff x="1011381" y="2409115"/>
+                <a:chExt cx="4539890" cy="1338950"/>
+              </a:xfrm>
+            </p:grpSpPr>
+            <p:sp>
+              <p:nvSpPr>
+                <p:cNvPr id="42" name="Rectangle: Rounded Corners 1">
+                  <a:extLst>
+                    <a:ext uri="{FF2B5EF4-FFF2-40B4-BE49-F238E27FC236}">
+                      <a16:creationId xmlns="" xmlns:a16="http://schemas.microsoft.com/office/drawing/2014/main" id="{229043B8-923C-4A63-923B-ED47AB6F3179}"/>
+                    </a:ext>
+                  </a:extLst>
+                </p:cNvPr>
+                <p:cNvSpPr/>
+                <p:nvPr/>
+              </p:nvSpPr>
+              <p:spPr>
+                <a:xfrm>
+                  <a:off x="1011381" y="2409115"/>
+                  <a:ext cx="3915717" cy="1338950"/>
+                </a:xfrm>
+                <a:prstGeom prst="roundRect">
+                  <a:avLst/>
+                </a:prstGeom>
+                <a:solidFill>
+                  <a:schemeClr val="accent1">
+                    <a:lumMod val="75000"/>
+                  </a:schemeClr>
+                </a:solidFill>
+              </p:spPr>
+              <p:style>
+                <a:lnRef idx="2">
+                  <a:schemeClr val="accent1">
+                    <a:shade val="50000"/>
+                  </a:schemeClr>
+                </a:lnRef>
+                <a:fillRef idx="1">
+                  <a:schemeClr val="accent1"/>
+                </a:fillRef>
+                <a:effectRef idx="0">
+                  <a:schemeClr val="accent1"/>
+                </a:effectRef>
+                <a:fontRef idx="minor">
+                  <a:schemeClr val="lt1"/>
+                </a:fontRef>
+              </p:style>
+              <p:txBody>
+                <a:bodyPr rtlCol="0" anchor="ctr"/>
+                <a:lstStyle/>
+                <a:p>
+                  <a:pPr algn="ctr"/>
+                  <a:r>
+                    <a:rPr lang="en-IN" sz="1800" dirty="0" smtClean="0">
+                      <a:solidFill>
+                        <a:srgbClr val="000000"/>
+                      </a:solidFill>
+                      <a:latin typeface="Consolas" panose="020B0609020204030204" pitchFamily="49" charset="0"/>
+                    </a:rPr>
+                    <a:t>bmt.search-service01.com</a:t>
+                  </a:r>
+                  <a:endParaRPr lang="en-IN" dirty="0"/>
+                </a:p>
+              </p:txBody>
+            </p:sp>
+            <p:sp>
+              <p:nvSpPr>
+                <p:cNvPr id="43" name="Rectangle 1">
+                  <a:extLst>
+                    <a:ext uri="{FF2B5EF4-FFF2-40B4-BE49-F238E27FC236}">
+                      <a16:creationId xmlns="" xmlns:a16="http://schemas.microsoft.com/office/drawing/2014/main" id="{FFE5BAF0-90A9-481D-AAC3-4466B273C9B9}"/>
+                    </a:ext>
+                  </a:extLst>
+                </p:cNvPr>
+                <p:cNvSpPr>
+                  <a:spLocks noChangeArrowheads="1"/>
+                </p:cNvSpPr>
+                <p:nvPr/>
+              </p:nvSpPr>
+              <p:spPr bwMode="auto">
+                <a:xfrm>
+                  <a:off x="3762689" y="2615206"/>
+                  <a:ext cx="1788582" cy="192040"/>
+                </a:xfrm>
+                <a:prstGeom prst="rect">
+                  <a:avLst/>
+                </a:prstGeom>
+                <a:solidFill>
+                  <a:srgbClr val="F2F2F2"/>
+                </a:solidFill>
+                <a:ln>
+                  <a:noFill/>
+                </a:ln>
+                <a:effectLst/>
+                <a:extLst>
+                  <a:ext uri="{91240B29-F687-4F45-9708-019B960494DF}">
+                    <a14:hiddenLine xmlns:a14="http://schemas.microsoft.com/office/drawing/2010/main" w="9525">
+                      <a:solidFill>
+                        <a:schemeClr val="tx1"/>
+                      </a:solidFill>
+                      <a:miter lim="800000"/>
+                      <a:headEnd/>
+                      <a:tailEnd/>
+                    </a14:hiddenLine>
+                  </a:ext>
+                  <a:ext uri="{AF507438-7753-43E0-B8FC-AC1667EBCBE1}">
+                    <a14:hiddenEffects xmlns:a14="http://schemas.microsoft.com/office/drawing/2010/main">
+                      <a:effectLst>
+                        <a:outerShdw dist="35921" dir="2700000" algn="ctr" rotWithShape="0">
+                          <a:schemeClr val="bg2"/>
+                        </a:outerShdw>
+                      </a:effectLst>
+                    </a14:hiddenEffects>
+                  </a:ext>
+                </a:extLst>
+              </p:spPr>
+              <p:txBody>
+                <a:bodyPr vert="horz" wrap="square" lIns="91440" tIns="45720" rIns="91440" bIns="45720" numCol="1" anchor="ctr" anchorCtr="0" compatLnSpc="1">
+                  <a:prstTxWarp prst="textNoShape">
+                    <a:avLst/>
+                  </a:prstTxWarp>
+                  <a:spAutoFit/>
+                </a:bodyPr>
+                <a:lstStyle>
+                  <a:lvl1pPr eaLnBrk="0" fontAlgn="base" hangingPunct="0">
+                    <a:spcBef>
+                      <a:spcPct val="0"/>
+                    </a:spcBef>
+                    <a:spcAft>
+                      <a:spcPct val="0"/>
+                    </a:spcAft>
+                    <a:defRPr>
+                      <a:solidFill>
+                        <a:schemeClr val="tx1"/>
+                      </a:solidFill>
+                      <a:latin typeface="Arial" panose="020B0604020202020204" pitchFamily="34" charset="0"/>
+                    </a:defRPr>
+                  </a:lvl1pPr>
+                  <a:lvl2pPr eaLnBrk="0" fontAlgn="base" hangingPunct="0">
+                    <a:spcBef>
+                      <a:spcPct val="0"/>
+                    </a:spcBef>
+                    <a:spcAft>
+                      <a:spcPct val="0"/>
+                    </a:spcAft>
+                    <a:defRPr>
+                      <a:solidFill>
+                        <a:schemeClr val="tx1"/>
+                      </a:solidFill>
+                      <a:latin typeface="Arial" panose="020B0604020202020204" pitchFamily="34" charset="0"/>
+                    </a:defRPr>
+                  </a:lvl2pPr>
+                  <a:lvl3pPr eaLnBrk="0" fontAlgn="base" hangingPunct="0">
+                    <a:spcBef>
+                      <a:spcPct val="0"/>
+                    </a:spcBef>
+                    <a:spcAft>
+                      <a:spcPct val="0"/>
+                    </a:spcAft>
+                    <a:defRPr>
+                      <a:solidFill>
+                        <a:schemeClr val="tx1"/>
+                      </a:solidFill>
+                      <a:latin typeface="Arial" panose="020B0604020202020204" pitchFamily="34" charset="0"/>
+                    </a:defRPr>
+                  </a:lvl3pPr>
+                  <a:lvl4pPr eaLnBrk="0" fontAlgn="base" hangingPunct="0">
+                    <a:spcBef>
+                      <a:spcPct val="0"/>
+                    </a:spcBef>
+                    <a:spcAft>
+                      <a:spcPct val="0"/>
+                    </a:spcAft>
+                    <a:defRPr>
+                      <a:solidFill>
+                        <a:schemeClr val="tx1"/>
+                      </a:solidFill>
+                      <a:latin typeface="Arial" panose="020B0604020202020204" pitchFamily="34" charset="0"/>
+                    </a:defRPr>
+                  </a:lvl4pPr>
+                  <a:lvl5pPr eaLnBrk="0" fontAlgn="base" hangingPunct="0">
+                    <a:spcBef>
+                      <a:spcPct val="0"/>
+                    </a:spcBef>
+                    <a:spcAft>
+                      <a:spcPct val="0"/>
+                    </a:spcAft>
+                    <a:defRPr>
+                      <a:solidFill>
+                        <a:schemeClr val="tx1"/>
+                      </a:solidFill>
+                      <a:latin typeface="Arial" panose="020B0604020202020204" pitchFamily="34" charset="0"/>
+                    </a:defRPr>
+                  </a:lvl5pPr>
+                  <a:lvl6pPr eaLnBrk="0" fontAlgn="base" hangingPunct="0">
+                    <a:spcBef>
+                      <a:spcPct val="0"/>
+                    </a:spcBef>
+                    <a:spcAft>
+                      <a:spcPct val="0"/>
+                    </a:spcAft>
+                    <a:defRPr>
+                      <a:solidFill>
+                        <a:schemeClr val="tx1"/>
+                      </a:solidFill>
+                      <a:latin typeface="Arial" panose="020B0604020202020204" pitchFamily="34" charset="0"/>
+                    </a:defRPr>
+                  </a:lvl6pPr>
+                  <a:lvl7pPr eaLnBrk="0" fontAlgn="base" hangingPunct="0">
+                    <a:spcBef>
+                      <a:spcPct val="0"/>
+                    </a:spcBef>
+                    <a:spcAft>
+                      <a:spcPct val="0"/>
+                    </a:spcAft>
+                    <a:defRPr>
+                      <a:solidFill>
+                        <a:schemeClr val="tx1"/>
+                      </a:solidFill>
+                      <a:latin typeface="Arial" panose="020B0604020202020204" pitchFamily="34" charset="0"/>
+                    </a:defRPr>
+                  </a:lvl7pPr>
+                  <a:lvl8pPr eaLnBrk="0" fontAlgn="base" hangingPunct="0">
+                    <a:spcBef>
+                      <a:spcPct val="0"/>
+                    </a:spcBef>
+                    <a:spcAft>
+                      <a:spcPct val="0"/>
+                    </a:spcAft>
+                    <a:defRPr>
+                      <a:solidFill>
+                        <a:schemeClr val="tx1"/>
+                      </a:solidFill>
+                      <a:latin typeface="Arial" panose="020B0604020202020204" pitchFamily="34" charset="0"/>
+                    </a:defRPr>
+                  </a:lvl8pPr>
+                  <a:lvl9pPr eaLnBrk="0" fontAlgn="base" hangingPunct="0">
+                    <a:spcBef>
+                      <a:spcPct val="0"/>
+                    </a:spcBef>
+                    <a:spcAft>
+                      <a:spcPct val="0"/>
+                    </a:spcAft>
+                    <a:defRPr>
+                      <a:solidFill>
+                        <a:schemeClr val="tx1"/>
+                      </a:solidFill>
+                      <a:latin typeface="Arial" panose="020B0604020202020204" pitchFamily="34" charset="0"/>
+                    </a:defRPr>
+                  </a:lvl9pPr>
+                </a:lstStyle>
+                <a:p>
+                  <a:pPr marL="0" marR="0" lvl="0" indent="0" algn="l" defTabSz="914400" rtl="0" eaLnBrk="0" fontAlgn="base" latinLnBrk="0" hangingPunct="0">
+                    <a:lnSpc>
+                      <a:spcPct val="100000"/>
+                    </a:lnSpc>
+                    <a:spcBef>
+                      <a:spcPct val="0"/>
+                    </a:spcBef>
+                    <a:spcAft>
+                      <a:spcPct val="0"/>
+                    </a:spcAft>
+                    <a:buClrTx/>
+                    <a:buSzTx/>
+                    <a:buFontTx/>
+                    <a:buNone/>
+                    <a:tabLst/>
+                  </a:pPr>
+                  <a:r>
+                    <a:rPr kumimoji="0" lang="en-US" altLang="en-US" sz="1100" b="0" i="0" u="none" strike="noStrike" cap="none" normalizeH="0" baseline="0" dirty="0">
+                      <a:ln>
+                        <a:noFill/>
+                      </a:ln>
+                      <a:solidFill>
+                        <a:srgbClr val="292929"/>
+                      </a:solidFill>
+                      <a:effectLst/>
+                      <a:latin typeface="Menlo"/>
+                    </a:rPr>
+                    <a:t>@</a:t>
+                  </a:r>
+                  <a:r>
+                    <a:rPr kumimoji="0" lang="en-US" altLang="en-US" sz="1100" b="0" i="0" u="none" strike="noStrike" cap="none" normalizeH="0" baseline="0" dirty="0" err="1">
+                      <a:ln>
+                        <a:noFill/>
+                      </a:ln>
+                      <a:solidFill>
+                        <a:srgbClr val="292929"/>
+                      </a:solidFill>
+                      <a:effectLst/>
+                      <a:latin typeface="Menlo"/>
+                    </a:rPr>
+                    <a:t>EnableEurekaClient</a:t>
+                  </a:r>
+                  <a:r>
+                    <a:rPr kumimoji="0" lang="en-US" altLang="en-US" sz="1500" b="0" i="0" u="none" strike="noStrike" cap="none" normalizeH="0" baseline="0" dirty="0">
+                      <a:ln>
+                        <a:noFill/>
+                      </a:ln>
+                      <a:solidFill>
+                        <a:srgbClr val="292929"/>
+                      </a:solidFill>
+                      <a:effectLst/>
+                      <a:latin typeface="charter"/>
+                    </a:rPr>
+                    <a:t> </a:t>
+                  </a:r>
+                  <a:r>
+                    <a:rPr kumimoji="0" lang="en-US" altLang="en-US" sz="900" b="0" i="0" u="none" strike="noStrike" cap="none" normalizeH="0" baseline="0" dirty="0">
+                      <a:ln>
+                        <a:noFill/>
+                      </a:ln>
+                      <a:solidFill>
+                        <a:schemeClr val="tx1"/>
+                      </a:solidFill>
+                      <a:effectLst/>
+                    </a:rPr>
+                    <a:t> </a:t>
+                  </a:r>
+                  <a:endParaRPr kumimoji="0" lang="en-US" altLang="en-US" sz="1800" b="0" i="0" u="none" strike="noStrike" cap="none" normalizeH="0" baseline="0" dirty="0">
+                    <a:ln>
+                      <a:noFill/>
+                    </a:ln>
+                    <a:solidFill>
+                      <a:schemeClr val="tx1"/>
+                    </a:solidFill>
+                    <a:effectLst/>
+                    <a:latin typeface="Arial" panose="020B0604020202020204" pitchFamily="34" charset="0"/>
+                  </a:endParaRPr>
+                </a:p>
+              </p:txBody>
+            </p:sp>
+            <p:sp>
+              <p:nvSpPr>
+                <p:cNvPr id="44" name="Rectangle 1">
+                  <a:extLst>
+                    <a:ext uri="{FF2B5EF4-FFF2-40B4-BE49-F238E27FC236}">
+                      <a16:creationId xmlns="" xmlns:a16="http://schemas.microsoft.com/office/drawing/2014/main" id="{4A5862E7-0045-43EA-8731-76AF0AFFEB2B}"/>
+                    </a:ext>
+                  </a:extLst>
+                </p:cNvPr>
+                <p:cNvSpPr>
+                  <a:spLocks noChangeArrowheads="1"/>
+                </p:cNvSpPr>
+                <p:nvPr/>
+              </p:nvSpPr>
+              <p:spPr bwMode="auto">
+                <a:xfrm>
+                  <a:off x="1468579" y="3472706"/>
+                  <a:ext cx="3001319" cy="261610"/>
+                </a:xfrm>
+                <a:prstGeom prst="rect">
+                  <a:avLst/>
+                </a:prstGeom>
+                <a:solidFill>
+                  <a:srgbClr val="F2F2F2"/>
+                </a:solidFill>
+                <a:ln>
+                  <a:noFill/>
+                </a:ln>
+                <a:effectLst/>
+                <a:extLst>
+                  <a:ext uri="{91240B29-F687-4F45-9708-019B960494DF}">
+                    <a14:hiddenLine xmlns:a14="http://schemas.microsoft.com/office/drawing/2010/main" w="9525">
+                      <a:solidFill>
+                        <a:schemeClr val="tx1"/>
+                      </a:solidFill>
+                      <a:miter lim="800000"/>
+                      <a:headEnd/>
+                      <a:tailEnd/>
+                    </a14:hiddenLine>
+                  </a:ext>
+                  <a:ext uri="{AF507438-7753-43E0-B8FC-AC1667EBCBE1}">
+                    <a14:hiddenEffects xmlns:a14="http://schemas.microsoft.com/office/drawing/2010/main">
+                      <a:effectLst>
+                        <a:outerShdw dist="35921" dir="2700000" algn="ctr" rotWithShape="0">
+                          <a:schemeClr val="bg2"/>
+                        </a:outerShdw>
+                      </a:effectLst>
+                    </a14:hiddenEffects>
+                  </a:ext>
+                </a:extLst>
+              </p:spPr>
+              <p:txBody>
+                <a:bodyPr vert="horz" wrap="square" lIns="91440" tIns="45720" rIns="91440" bIns="45720" numCol="1" anchor="ctr" anchorCtr="0" compatLnSpc="1">
+                  <a:prstTxWarp prst="textNoShape">
+                    <a:avLst/>
+                  </a:prstTxWarp>
+                  <a:spAutoFit/>
+                </a:bodyPr>
+                <a:lstStyle>
+                  <a:lvl1pPr eaLnBrk="0" fontAlgn="base" hangingPunct="0">
+                    <a:spcBef>
+                      <a:spcPct val="0"/>
+                    </a:spcBef>
+                    <a:spcAft>
+                      <a:spcPct val="0"/>
+                    </a:spcAft>
+                    <a:defRPr>
+                      <a:solidFill>
+                        <a:schemeClr val="tx1"/>
+                      </a:solidFill>
+                      <a:latin typeface="Arial" panose="020B0604020202020204" pitchFamily="34" charset="0"/>
+                    </a:defRPr>
+                  </a:lvl1pPr>
+                  <a:lvl2pPr eaLnBrk="0" fontAlgn="base" hangingPunct="0">
+                    <a:spcBef>
+                      <a:spcPct val="0"/>
+                    </a:spcBef>
+                    <a:spcAft>
+                      <a:spcPct val="0"/>
+                    </a:spcAft>
+                    <a:defRPr>
+                      <a:solidFill>
+                        <a:schemeClr val="tx1"/>
+                      </a:solidFill>
+                      <a:latin typeface="Arial" panose="020B0604020202020204" pitchFamily="34" charset="0"/>
+                    </a:defRPr>
+                  </a:lvl2pPr>
+                  <a:lvl3pPr eaLnBrk="0" fontAlgn="base" hangingPunct="0">
+                    <a:spcBef>
+                      <a:spcPct val="0"/>
+                    </a:spcBef>
+                    <a:spcAft>
+                      <a:spcPct val="0"/>
+                    </a:spcAft>
+                    <a:defRPr>
+                      <a:solidFill>
+                        <a:schemeClr val="tx1"/>
+                      </a:solidFill>
+                      <a:latin typeface="Arial" panose="020B0604020202020204" pitchFamily="34" charset="0"/>
+                    </a:defRPr>
+                  </a:lvl3pPr>
+                  <a:lvl4pPr eaLnBrk="0" fontAlgn="base" hangingPunct="0">
+                    <a:spcBef>
+                      <a:spcPct val="0"/>
+                    </a:spcBef>
+                    <a:spcAft>
+                      <a:spcPct val="0"/>
+                    </a:spcAft>
+                    <a:defRPr>
+                      <a:solidFill>
+                        <a:schemeClr val="tx1"/>
+                      </a:solidFill>
+                      <a:latin typeface="Arial" panose="020B0604020202020204" pitchFamily="34" charset="0"/>
+                    </a:defRPr>
+                  </a:lvl4pPr>
+                  <a:lvl5pPr eaLnBrk="0" fontAlgn="base" hangingPunct="0">
+                    <a:spcBef>
+                      <a:spcPct val="0"/>
+                    </a:spcBef>
+                    <a:spcAft>
+                      <a:spcPct val="0"/>
+                    </a:spcAft>
+                    <a:defRPr>
+                      <a:solidFill>
+                        <a:schemeClr val="tx1"/>
+                      </a:solidFill>
+                      <a:latin typeface="Arial" panose="020B0604020202020204" pitchFamily="34" charset="0"/>
+                    </a:defRPr>
+                  </a:lvl5pPr>
+                  <a:lvl6pPr eaLnBrk="0" fontAlgn="base" hangingPunct="0">
+                    <a:spcBef>
+                      <a:spcPct val="0"/>
+                    </a:spcBef>
+                    <a:spcAft>
+                      <a:spcPct val="0"/>
+                    </a:spcAft>
+                    <a:defRPr>
+                      <a:solidFill>
+                        <a:schemeClr val="tx1"/>
+                      </a:solidFill>
+                      <a:latin typeface="Arial" panose="020B0604020202020204" pitchFamily="34" charset="0"/>
+                    </a:defRPr>
+                  </a:lvl6pPr>
+                  <a:lvl7pPr eaLnBrk="0" fontAlgn="base" hangingPunct="0">
+                    <a:spcBef>
+                      <a:spcPct val="0"/>
+                    </a:spcBef>
+                    <a:spcAft>
+                      <a:spcPct val="0"/>
+                    </a:spcAft>
+                    <a:defRPr>
+                      <a:solidFill>
+                        <a:schemeClr val="tx1"/>
+                      </a:solidFill>
+                      <a:latin typeface="Arial" panose="020B0604020202020204" pitchFamily="34" charset="0"/>
+                    </a:defRPr>
+                  </a:lvl7pPr>
+                  <a:lvl8pPr eaLnBrk="0" fontAlgn="base" hangingPunct="0">
+                    <a:spcBef>
+                      <a:spcPct val="0"/>
+                    </a:spcBef>
+                    <a:spcAft>
+                      <a:spcPct val="0"/>
+                    </a:spcAft>
+                    <a:defRPr>
+                      <a:solidFill>
+                        <a:schemeClr val="tx1"/>
+                      </a:solidFill>
+                      <a:latin typeface="Arial" panose="020B0604020202020204" pitchFamily="34" charset="0"/>
+                    </a:defRPr>
+                  </a:lvl8pPr>
+                  <a:lvl9pPr eaLnBrk="0" fontAlgn="base" hangingPunct="0">
+                    <a:spcBef>
+                      <a:spcPct val="0"/>
+                    </a:spcBef>
+                    <a:spcAft>
+                      <a:spcPct val="0"/>
+                    </a:spcAft>
+                    <a:defRPr>
+                      <a:solidFill>
+                        <a:schemeClr val="tx1"/>
+                      </a:solidFill>
+                      <a:latin typeface="Arial" panose="020B0604020202020204" pitchFamily="34" charset="0"/>
+                    </a:defRPr>
+                  </a:lvl9pPr>
+                </a:lstStyle>
+                <a:p>
+                  <a:pPr marL="0" marR="0" lvl="0" indent="0" algn="l" defTabSz="914400" rtl="0" eaLnBrk="0" fontAlgn="base" latinLnBrk="0" hangingPunct="0">
+                    <a:lnSpc>
+                      <a:spcPct val="100000"/>
+                    </a:lnSpc>
+                    <a:spcBef>
+                      <a:spcPct val="0"/>
+                    </a:spcBef>
+                    <a:spcAft>
+                      <a:spcPct val="0"/>
+                    </a:spcAft>
+                    <a:buClrTx/>
+                    <a:buSzTx/>
+                    <a:buFontTx/>
+                    <a:buNone/>
+                    <a:tabLst/>
+                  </a:pPr>
+                  <a:r>
+                    <a:rPr lang="en-IN" sz="1100" b="0" i="0" dirty="0">
+                      <a:solidFill>
+                        <a:srgbClr val="24292F"/>
+                      </a:solidFill>
+                      <a:effectLst/>
+                      <a:latin typeface="ui-monospace"/>
+                    </a:rPr>
+                    <a:t>spring-cloud-starter-</a:t>
+                  </a:r>
+                  <a:r>
+                    <a:rPr lang="en-IN" sz="1100" b="0" i="0" dirty="0" err="1">
+                      <a:solidFill>
+                        <a:srgbClr val="24292F"/>
+                      </a:solidFill>
+                      <a:effectLst/>
+                      <a:latin typeface="ui-monospace"/>
+                    </a:rPr>
+                    <a:t>netflix</a:t>
+                  </a:r>
+                  <a:r>
+                    <a:rPr lang="en-IN" sz="1100" b="0" i="0" dirty="0">
+                      <a:solidFill>
+                        <a:srgbClr val="24292F"/>
+                      </a:solidFill>
+                      <a:effectLst/>
+                      <a:latin typeface="ui-monospace"/>
+                    </a:rPr>
+                    <a:t>-eureka-client</a:t>
+                  </a:r>
+                  <a:endParaRPr kumimoji="0" lang="en-US" altLang="en-US" sz="1800" b="0" i="0" u="none" strike="noStrike" cap="none" normalizeH="0" baseline="0" dirty="0">
+                    <a:ln>
+                      <a:noFill/>
+                    </a:ln>
+                    <a:solidFill>
+                      <a:schemeClr val="tx1"/>
+                    </a:solidFill>
+                    <a:effectLst/>
+                    <a:latin typeface="Arial" panose="020B0604020202020204" pitchFamily="34" charset="0"/>
+                  </a:endParaRPr>
+                </a:p>
+              </p:txBody>
+            </p:sp>
+          </p:grpSp>
+          <p:sp>
+            <p:nvSpPr>
+              <p:cNvPr id="40" name="Rectangle 39"/>
+              <p:cNvSpPr/>
+              <p:nvPr/>
+            </p:nvSpPr>
+            <p:spPr>
+              <a:xfrm>
+                <a:off x="4226904" y="1816370"/>
+                <a:ext cx="1533561" cy="276999"/>
+              </a:xfrm>
+              <a:prstGeom prst="rect">
+                <a:avLst/>
+              </a:prstGeom>
+              <a:solidFill>
+                <a:srgbClr val="FF0000"/>
+              </a:solidFill>
+            </p:spPr>
+            <p:txBody>
+              <a:bodyPr wrap="none">
+                <a:spAutoFit/>
+              </a:bodyPr>
+              <a:lstStyle/>
+              <a:p>
+                <a:r>
+                  <a:rPr lang="en-US" sz="1200" dirty="0"/>
+                  <a:t>@</a:t>
+                </a:r>
+                <a:r>
+                  <a:rPr lang="en-US" sz="1200" dirty="0" err="1" smtClean="0"/>
+                  <a:t>EnableWebSecurity</a:t>
+                </a:r>
+                <a:endParaRPr lang="en-US" sz="1200" dirty="0"/>
+              </a:p>
+            </p:txBody>
+          </p:sp>
+          <p:sp>
+            <p:nvSpPr>
+              <p:cNvPr id="41" name="Rectangle 40"/>
+              <p:cNvSpPr/>
+              <p:nvPr/>
+            </p:nvSpPr>
+            <p:spPr>
+              <a:xfrm>
+                <a:off x="167522" y="1816370"/>
+                <a:ext cx="1907445" cy="276999"/>
+              </a:xfrm>
+              <a:prstGeom prst="rect">
+                <a:avLst/>
+              </a:prstGeom>
+              <a:solidFill>
+                <a:srgbClr val="FF0000"/>
+              </a:solidFill>
+            </p:spPr>
+            <p:txBody>
+              <a:bodyPr wrap="none">
+                <a:spAutoFit/>
+              </a:bodyPr>
+              <a:lstStyle/>
+              <a:p>
+                <a:r>
+                  <a:rPr lang="en-US" sz="1200" dirty="0"/>
+                  <a:t>spring-boot-starter-security</a:t>
+                </a:r>
+                <a:endParaRPr lang="en-US" sz="1200" dirty="0"/>
+              </a:p>
+            </p:txBody>
+          </p:sp>
+        </p:grpSp>
+        <p:sp>
+          <p:nvSpPr>
+            <p:cNvPr id="38" name="Rectangle 1">
+              <a:extLst>
+                <a:ext uri="{FF2B5EF4-FFF2-40B4-BE49-F238E27FC236}">
+                  <a16:creationId xmlns="" xmlns:a16="http://schemas.microsoft.com/office/drawing/2014/main" id="{7ACE0809-F724-4F82-8F30-59BB9374E8CB}"/>
+                </a:ext>
+              </a:extLst>
+            </p:cNvPr>
+            <p:cNvSpPr>
+              <a:spLocks noChangeArrowheads="1"/>
+            </p:cNvSpPr>
+            <p:nvPr/>
+          </p:nvSpPr>
+          <p:spPr bwMode="auto">
+            <a:xfrm>
+              <a:off x="3805372" y="504664"/>
+              <a:ext cx="1697787" cy="246221"/>
+            </a:xfrm>
+            <a:prstGeom prst="rect">
+              <a:avLst/>
+            </a:prstGeom>
+            <a:solidFill>
+              <a:srgbClr val="F2F2F2"/>
+            </a:solidFill>
+            <a:ln>
+              <a:noFill/>
+            </a:ln>
+            <a:effectLst/>
+            <a:extLst>
+              <a:ext uri="{91240B29-F687-4F45-9708-019B960494DF}">
+                <a14:hiddenLine xmlns:a14="http://schemas.microsoft.com/office/drawing/2010/main" w="9525">
+                  <a:solidFill>
+                    <a:schemeClr val="tx1"/>
+                  </a:solidFill>
+                  <a:miter lim="800000"/>
+                  <a:headEnd/>
+                  <a:tailEnd/>
+                </a14:hiddenLine>
+              </a:ext>
+              <a:ext uri="{AF507438-7753-43E0-B8FC-AC1667EBCBE1}">
+                <a14:hiddenEffects xmlns:a14="http://schemas.microsoft.com/office/drawing/2010/main">
+                  <a:effectLst>
+                    <a:outerShdw dist="35921" dir="2700000" algn="ctr" rotWithShape="0">
+                      <a:schemeClr val="bg2"/>
+                    </a:outerShdw>
+                  </a:effectLst>
+                </a14:hiddenEffects>
+              </a:ext>
+            </a:extLst>
+          </p:spPr>
+          <p:txBody>
+            <a:bodyPr vert="horz" wrap="square" lIns="91440" tIns="45720" rIns="91440" bIns="45720" numCol="1" anchor="ctr" anchorCtr="0" compatLnSpc="1">
+              <a:prstTxWarp prst="textNoShape">
+                <a:avLst/>
+              </a:prstTxWarp>
+              <a:spAutoFit/>
+            </a:bodyPr>
+            <a:lstStyle>
+              <a:lvl1pPr eaLnBrk="0" fontAlgn="base" hangingPunct="0">
+                <a:spcBef>
+                  <a:spcPct val="0"/>
+                </a:spcBef>
+                <a:spcAft>
+                  <a:spcPct val="0"/>
+                </a:spcAft>
+                <a:defRPr>
+                  <a:solidFill>
+                    <a:schemeClr val="tx1"/>
+                  </a:solidFill>
+                  <a:latin typeface="Arial" panose="020B0604020202020204" pitchFamily="34" charset="0"/>
+                </a:defRPr>
+              </a:lvl1pPr>
+              <a:lvl2pPr eaLnBrk="0" fontAlgn="base" hangingPunct="0">
+                <a:spcBef>
+                  <a:spcPct val="0"/>
+                </a:spcBef>
+                <a:spcAft>
+                  <a:spcPct val="0"/>
+                </a:spcAft>
+                <a:defRPr>
+                  <a:solidFill>
+                    <a:schemeClr val="tx1"/>
+                  </a:solidFill>
+                  <a:latin typeface="Arial" panose="020B0604020202020204" pitchFamily="34" charset="0"/>
+                </a:defRPr>
+              </a:lvl2pPr>
+              <a:lvl3pPr eaLnBrk="0" fontAlgn="base" hangingPunct="0">
+                <a:spcBef>
+                  <a:spcPct val="0"/>
+                </a:spcBef>
+                <a:spcAft>
+                  <a:spcPct val="0"/>
+                </a:spcAft>
+                <a:defRPr>
+                  <a:solidFill>
+                    <a:schemeClr val="tx1"/>
+                  </a:solidFill>
+                  <a:latin typeface="Arial" panose="020B0604020202020204" pitchFamily="34" charset="0"/>
+                </a:defRPr>
+              </a:lvl3pPr>
+              <a:lvl4pPr eaLnBrk="0" fontAlgn="base" hangingPunct="0">
+                <a:spcBef>
+                  <a:spcPct val="0"/>
+                </a:spcBef>
+                <a:spcAft>
+                  <a:spcPct val="0"/>
+                </a:spcAft>
+                <a:defRPr>
+                  <a:solidFill>
+                    <a:schemeClr val="tx1"/>
+                  </a:solidFill>
+                  <a:latin typeface="Arial" panose="020B0604020202020204" pitchFamily="34" charset="0"/>
+                </a:defRPr>
+              </a:lvl4pPr>
+              <a:lvl5pPr eaLnBrk="0" fontAlgn="base" hangingPunct="0">
+                <a:spcBef>
+                  <a:spcPct val="0"/>
+                </a:spcBef>
+                <a:spcAft>
+                  <a:spcPct val="0"/>
+                </a:spcAft>
+                <a:defRPr>
+                  <a:solidFill>
+                    <a:schemeClr val="tx1"/>
+                  </a:solidFill>
+                  <a:latin typeface="Arial" panose="020B0604020202020204" pitchFamily="34" charset="0"/>
+                </a:defRPr>
+              </a:lvl5pPr>
+              <a:lvl6pPr eaLnBrk="0" fontAlgn="base" hangingPunct="0">
+                <a:spcBef>
+                  <a:spcPct val="0"/>
+                </a:spcBef>
+                <a:spcAft>
+                  <a:spcPct val="0"/>
+                </a:spcAft>
+                <a:defRPr>
+                  <a:solidFill>
+                    <a:schemeClr val="tx1"/>
+                  </a:solidFill>
+                  <a:latin typeface="Arial" panose="020B0604020202020204" pitchFamily="34" charset="0"/>
+                </a:defRPr>
+              </a:lvl6pPr>
+              <a:lvl7pPr eaLnBrk="0" fontAlgn="base" hangingPunct="0">
+                <a:spcBef>
+                  <a:spcPct val="0"/>
+                </a:spcBef>
+                <a:spcAft>
+                  <a:spcPct val="0"/>
+                </a:spcAft>
+                <a:defRPr>
+                  <a:solidFill>
+                    <a:schemeClr val="tx1"/>
+                  </a:solidFill>
+                  <a:latin typeface="Arial" panose="020B0604020202020204" pitchFamily="34" charset="0"/>
+                </a:defRPr>
+              </a:lvl7pPr>
+              <a:lvl8pPr eaLnBrk="0" fontAlgn="base" hangingPunct="0">
+                <a:spcBef>
+                  <a:spcPct val="0"/>
+                </a:spcBef>
+                <a:spcAft>
+                  <a:spcPct val="0"/>
+                </a:spcAft>
+                <a:defRPr>
+                  <a:solidFill>
+                    <a:schemeClr val="tx1"/>
+                  </a:solidFill>
+                  <a:latin typeface="Arial" panose="020B0604020202020204" pitchFamily="34" charset="0"/>
+                </a:defRPr>
+              </a:lvl8pPr>
+              <a:lvl9pPr eaLnBrk="0" fontAlgn="base" hangingPunct="0">
+                <a:spcBef>
+                  <a:spcPct val="0"/>
+                </a:spcBef>
+                <a:spcAft>
+                  <a:spcPct val="0"/>
+                </a:spcAft>
+                <a:defRPr>
+                  <a:solidFill>
+                    <a:schemeClr val="tx1"/>
+                  </a:solidFill>
+                  <a:latin typeface="Arial" panose="020B0604020202020204" pitchFamily="34" charset="0"/>
+                </a:defRPr>
+              </a:lvl9pPr>
+            </a:lstStyle>
+            <a:p>
+              <a:pPr lvl="0"/>
+              <a:r>
+                <a:rPr lang="en-US" sz="1000" dirty="0"/>
+                <a:t>@</a:t>
+              </a:r>
+              <a:r>
+                <a:rPr lang="en-US" sz="1000" dirty="0" err="1"/>
+                <a:t>SpringBootApplication</a:t>
+              </a:r>
+              <a:r>
+                <a:rPr kumimoji="0" lang="en-US" altLang="en-US" sz="1000" b="0" i="0" u="none" strike="noStrike" cap="none" normalizeH="0" baseline="0" dirty="0">
+                  <a:ln>
+                    <a:noFill/>
+                  </a:ln>
+                  <a:solidFill>
+                    <a:srgbClr val="292929"/>
+                  </a:solidFill>
+                  <a:effectLst/>
+                  <a:latin typeface="charter"/>
+                </a:rPr>
+                <a:t> </a:t>
+              </a:r>
+              <a:r>
+                <a:rPr kumimoji="0" lang="en-US" altLang="en-US" sz="1000" b="0" i="0" u="none" strike="noStrike" cap="none" normalizeH="0" baseline="0" dirty="0" smtClean="0">
+                  <a:ln>
+                    <a:noFill/>
+                  </a:ln>
+                  <a:solidFill>
+                    <a:srgbClr val="292929"/>
+                  </a:solidFill>
+                  <a:effectLst/>
+                  <a:latin typeface="charter"/>
+                </a:rPr>
+                <a:t>c</a:t>
+              </a:r>
+              <a:endParaRPr kumimoji="0" lang="en-US" altLang="en-US" sz="1000" b="0" i="0" u="none" strike="noStrike" cap="none" normalizeH="0" baseline="0" dirty="0">
+                <a:ln>
+                  <a:noFill/>
+                </a:ln>
+                <a:solidFill>
+                  <a:schemeClr val="tx1"/>
+                </a:solidFill>
+                <a:effectLst/>
+              </a:endParaRPr>
+            </a:p>
+          </p:txBody>
+        </p:sp>
+      </p:grpSp>
+      <p:sp>
+        <p:nvSpPr>
+          <p:cNvPr id="54" name="Rectangle 1">
+            <a:extLst>
+              <a:ext uri="{FF2B5EF4-FFF2-40B4-BE49-F238E27FC236}">
+                <a16:creationId xmlns="" xmlns:a16="http://schemas.microsoft.com/office/drawing/2014/main" id="{FFE5BAF0-90A9-481D-AAC3-4466B273C9B9}"/>
+              </a:ext>
+            </a:extLst>
+          </p:cNvPr>
+          <p:cNvSpPr>
+            <a:spLocks noChangeArrowheads="1"/>
+          </p:cNvSpPr>
+          <p:nvPr/>
+        </p:nvSpPr>
+        <p:spPr bwMode="auto">
+          <a:xfrm>
+            <a:off x="174196" y="634908"/>
+            <a:ext cx="2472022" cy="738664"/>
+          </a:xfrm>
+          <a:prstGeom prst="rect">
+            <a:avLst/>
+          </a:prstGeom>
+          <a:solidFill>
+            <a:srgbClr val="F2F2F2"/>
+          </a:solidFill>
+          <a:ln>
+            <a:noFill/>
+          </a:ln>
+          <a:effectLst/>
+          <a:extLst>
+            <a:ext uri="{91240B29-F687-4F45-9708-019B960494DF}">
+              <a14:hiddenLine xmlns:a14="http://schemas.microsoft.com/office/drawing/2010/main" w="9525">
+                <a:solidFill>
+                  <a:schemeClr val="tx1"/>
+                </a:solidFill>
+                <a:miter lim="800000"/>
+                <a:headEnd/>
+                <a:tailEnd/>
+              </a14:hiddenLine>
+            </a:ext>
+            <a:ext uri="{AF507438-7753-43E0-B8FC-AC1667EBCBE1}">
+              <a14:hiddenEffects xmlns:a14="http://schemas.microsoft.com/office/drawing/2010/main">
+                <a:effectLst>
+                  <a:outerShdw dist="35921" dir="2700000" algn="ctr" rotWithShape="0">
+                    <a:schemeClr val="bg2"/>
+                  </a:outerShdw>
+                </a:effectLst>
+              </a14:hiddenEffects>
+            </a:ext>
+          </a:extLst>
+        </p:spPr>
+        <p:txBody>
+          <a:bodyPr vert="horz" wrap="square" lIns="91440" tIns="45720" rIns="91440" bIns="45720" numCol="1" anchor="ctr" anchorCtr="0" compatLnSpc="1">
+            <a:prstTxWarp prst="textNoShape">
+              <a:avLst/>
+            </a:prstTxWarp>
+            <a:spAutoFit/>
+          </a:bodyPr>
+          <a:lstStyle>
+            <a:lvl1pPr eaLnBrk="0" fontAlgn="base" hangingPunct="0">
+              <a:spcBef>
+                <a:spcPct val="0"/>
+              </a:spcBef>
+              <a:spcAft>
+                <a:spcPct val="0"/>
+              </a:spcAft>
+              <a:defRPr>
+                <a:solidFill>
+                  <a:schemeClr val="tx1"/>
+                </a:solidFill>
+                <a:latin typeface="Arial" panose="020B0604020202020204" pitchFamily="34" charset="0"/>
+              </a:defRPr>
+            </a:lvl1pPr>
+            <a:lvl2pPr eaLnBrk="0" fontAlgn="base" hangingPunct="0">
+              <a:spcBef>
+                <a:spcPct val="0"/>
+              </a:spcBef>
+              <a:spcAft>
+                <a:spcPct val="0"/>
+              </a:spcAft>
+              <a:defRPr>
+                <a:solidFill>
+                  <a:schemeClr val="tx1"/>
+                </a:solidFill>
+                <a:latin typeface="Arial" panose="020B0604020202020204" pitchFamily="34" charset="0"/>
+              </a:defRPr>
+            </a:lvl2pPr>
+            <a:lvl3pPr eaLnBrk="0" fontAlgn="base" hangingPunct="0">
+              <a:spcBef>
+                <a:spcPct val="0"/>
+              </a:spcBef>
+              <a:spcAft>
+                <a:spcPct val="0"/>
+              </a:spcAft>
+              <a:defRPr>
+                <a:solidFill>
+                  <a:schemeClr val="tx1"/>
+                </a:solidFill>
+                <a:latin typeface="Arial" panose="020B0604020202020204" pitchFamily="34" charset="0"/>
+              </a:defRPr>
+            </a:lvl3pPr>
+            <a:lvl4pPr eaLnBrk="0" fontAlgn="base" hangingPunct="0">
+              <a:spcBef>
+                <a:spcPct val="0"/>
+              </a:spcBef>
+              <a:spcAft>
+                <a:spcPct val="0"/>
+              </a:spcAft>
+              <a:defRPr>
+                <a:solidFill>
+                  <a:schemeClr val="tx1"/>
+                </a:solidFill>
+                <a:latin typeface="Arial" panose="020B0604020202020204" pitchFamily="34" charset="0"/>
+              </a:defRPr>
+            </a:lvl4pPr>
+            <a:lvl5pPr eaLnBrk="0" fontAlgn="base" hangingPunct="0">
+              <a:spcBef>
+                <a:spcPct val="0"/>
+              </a:spcBef>
+              <a:spcAft>
+                <a:spcPct val="0"/>
+              </a:spcAft>
+              <a:defRPr>
+                <a:solidFill>
+                  <a:schemeClr val="tx1"/>
+                </a:solidFill>
+                <a:latin typeface="Arial" panose="020B0604020202020204" pitchFamily="34" charset="0"/>
+              </a:defRPr>
+            </a:lvl5pPr>
+            <a:lvl6pPr eaLnBrk="0" fontAlgn="base" hangingPunct="0">
+              <a:spcBef>
+                <a:spcPct val="0"/>
+              </a:spcBef>
+              <a:spcAft>
+                <a:spcPct val="0"/>
+              </a:spcAft>
+              <a:defRPr>
+                <a:solidFill>
+                  <a:schemeClr val="tx1"/>
+                </a:solidFill>
+                <a:latin typeface="Arial" panose="020B0604020202020204" pitchFamily="34" charset="0"/>
+              </a:defRPr>
+            </a:lvl6pPr>
+            <a:lvl7pPr eaLnBrk="0" fontAlgn="base" hangingPunct="0">
+              <a:spcBef>
+                <a:spcPct val="0"/>
+              </a:spcBef>
+              <a:spcAft>
+                <a:spcPct val="0"/>
+              </a:spcAft>
+              <a:defRPr>
+                <a:solidFill>
+                  <a:schemeClr val="tx1"/>
+                </a:solidFill>
+                <a:latin typeface="Arial" panose="020B0604020202020204" pitchFamily="34" charset="0"/>
+              </a:defRPr>
+            </a:lvl7pPr>
+            <a:lvl8pPr eaLnBrk="0" fontAlgn="base" hangingPunct="0">
+              <a:spcBef>
+                <a:spcPct val="0"/>
+              </a:spcBef>
+              <a:spcAft>
+                <a:spcPct val="0"/>
+              </a:spcAft>
+              <a:defRPr>
+                <a:solidFill>
+                  <a:schemeClr val="tx1"/>
+                </a:solidFill>
+                <a:latin typeface="Arial" panose="020B0604020202020204" pitchFamily="34" charset="0"/>
+              </a:defRPr>
+            </a:lvl8pPr>
+            <a:lvl9pPr eaLnBrk="0" fontAlgn="base" hangingPunct="0">
+              <a:spcBef>
+                <a:spcPct val="0"/>
+              </a:spcBef>
+              <a:spcAft>
+                <a:spcPct val="0"/>
+              </a:spcAft>
+              <a:defRPr>
+                <a:solidFill>
+                  <a:schemeClr val="tx1"/>
+                </a:solidFill>
+                <a:latin typeface="Arial" panose="020B0604020202020204" pitchFamily="34" charset="0"/>
+              </a:defRPr>
+            </a:lvl9pPr>
+          </a:lstStyle>
+          <a:p>
+            <a:pPr marL="171450" marR="0" lvl="0" indent="-171450" algn="l" defTabSz="914400" rtl="0" eaLnBrk="0" fontAlgn="base" latinLnBrk="0" hangingPunct="0">
+              <a:lnSpc>
+                <a:spcPct val="100000"/>
+              </a:lnSpc>
+              <a:spcBef>
+                <a:spcPct val="0"/>
+              </a:spcBef>
+              <a:spcAft>
+                <a:spcPct val="0"/>
+              </a:spcAft>
+              <a:buClrTx/>
+              <a:buSzTx/>
+              <a:buFont typeface="Arial" pitchFamily="34" charset="0"/>
+              <a:buChar char="•"/>
+              <a:tabLst/>
+            </a:pPr>
+            <a:r>
+              <a:rPr kumimoji="0" lang="en-US" altLang="en-US" sz="1400" b="0" i="0" u="none" strike="noStrike" cap="none" normalizeH="0" baseline="0" dirty="0" smtClean="0">
+                <a:ln>
+                  <a:noFill/>
+                </a:ln>
+                <a:solidFill>
+                  <a:srgbClr val="FF0000"/>
+                </a:solidFill>
+                <a:effectLst/>
+                <a:latin typeface="Menlo"/>
+              </a:rPr>
+              <a:t>/partner/create</a:t>
+            </a:r>
+          </a:p>
+          <a:p>
+            <a:pPr marL="171450" marR="0" lvl="0" indent="-171450" algn="l" defTabSz="914400" rtl="0" eaLnBrk="0" fontAlgn="base" latinLnBrk="0" hangingPunct="0">
+              <a:lnSpc>
+                <a:spcPct val="100000"/>
+              </a:lnSpc>
+              <a:spcBef>
+                <a:spcPct val="0"/>
+              </a:spcBef>
+              <a:spcAft>
+                <a:spcPct val="0"/>
+              </a:spcAft>
+              <a:buClrTx/>
+              <a:buSzTx/>
+              <a:buFont typeface="Arial" pitchFamily="34" charset="0"/>
+              <a:buChar char="•"/>
+              <a:tabLst/>
+            </a:pPr>
+            <a:r>
+              <a:rPr lang="en-US" altLang="en-US" sz="1400" dirty="0" smtClean="0">
+                <a:solidFill>
+                  <a:srgbClr val="FF0000"/>
+                </a:solidFill>
+                <a:latin typeface="Menlo"/>
+              </a:rPr>
+              <a:t>/partner/{id}</a:t>
+            </a:r>
+          </a:p>
+          <a:p>
+            <a:pPr marL="171450" marR="0" lvl="0" indent="-171450" algn="l" defTabSz="914400" rtl="0" eaLnBrk="0" fontAlgn="base" latinLnBrk="0" hangingPunct="0">
+              <a:lnSpc>
+                <a:spcPct val="100000"/>
+              </a:lnSpc>
+              <a:spcBef>
+                <a:spcPct val="0"/>
+              </a:spcBef>
+              <a:spcAft>
+                <a:spcPct val="0"/>
+              </a:spcAft>
+              <a:buClrTx/>
+              <a:buSzTx/>
+              <a:buFont typeface="Arial" pitchFamily="34" charset="0"/>
+              <a:buChar char="•"/>
+              <a:tabLst/>
+            </a:pPr>
+            <a:r>
+              <a:rPr kumimoji="0" lang="en-US" altLang="en-US" sz="1400" b="0" i="0" u="none" strike="noStrike" cap="none" normalizeH="0" baseline="0" dirty="0" smtClean="0">
+                <a:ln>
+                  <a:noFill/>
+                </a:ln>
+                <a:solidFill>
+                  <a:srgbClr val="FF0000"/>
+                </a:solidFill>
+                <a:effectLst/>
+                <a:latin typeface="Menlo"/>
+              </a:rPr>
+              <a:t>***</a:t>
+            </a:r>
+            <a:endParaRPr kumimoji="0" lang="en-US" altLang="en-US" sz="1400" b="0" i="0" u="none" strike="noStrike" cap="none" normalizeH="0" baseline="0" dirty="0">
+              <a:ln>
+                <a:noFill/>
+              </a:ln>
+              <a:solidFill>
+                <a:srgbClr val="FF0000"/>
+              </a:solidFill>
+              <a:effectLst/>
+            </a:endParaRPr>
+          </a:p>
+        </p:txBody>
+      </p:sp>
+      <p:sp>
+        <p:nvSpPr>
+          <p:cNvPr id="55" name="Rectangle 1">
+            <a:extLst>
+              <a:ext uri="{FF2B5EF4-FFF2-40B4-BE49-F238E27FC236}">
+                <a16:creationId xmlns="" xmlns:a16="http://schemas.microsoft.com/office/drawing/2014/main" id="{FFE5BAF0-90A9-481D-AAC3-4466B273C9B9}"/>
+              </a:ext>
+            </a:extLst>
+          </p:cNvPr>
+          <p:cNvSpPr>
+            <a:spLocks noChangeArrowheads="1"/>
+          </p:cNvSpPr>
+          <p:nvPr/>
+        </p:nvSpPr>
+        <p:spPr bwMode="auto">
+          <a:xfrm>
+            <a:off x="5742399" y="480139"/>
+            <a:ext cx="2539326" cy="954107"/>
+          </a:xfrm>
+          <a:prstGeom prst="rect">
+            <a:avLst/>
+          </a:prstGeom>
+          <a:solidFill>
+            <a:srgbClr val="F2F2F2"/>
+          </a:solidFill>
+          <a:ln>
+            <a:noFill/>
+          </a:ln>
+          <a:effectLst/>
+          <a:extLst>
+            <a:ext uri="{91240B29-F687-4F45-9708-019B960494DF}">
+              <a14:hiddenLine xmlns:a14="http://schemas.microsoft.com/office/drawing/2010/main" w="9525">
+                <a:solidFill>
+                  <a:schemeClr val="tx1"/>
+                </a:solidFill>
+                <a:miter lim="800000"/>
+                <a:headEnd/>
+                <a:tailEnd/>
+              </a14:hiddenLine>
+            </a:ext>
+            <a:ext uri="{AF507438-7753-43E0-B8FC-AC1667EBCBE1}">
+              <a14:hiddenEffects xmlns:a14="http://schemas.microsoft.com/office/drawing/2010/main">
+                <a:effectLst>
+                  <a:outerShdw dist="35921" dir="2700000" algn="ctr" rotWithShape="0">
+                    <a:schemeClr val="bg2"/>
+                  </a:outerShdw>
+                </a:effectLst>
+              </a14:hiddenEffects>
+            </a:ext>
+          </a:extLst>
+        </p:spPr>
+        <p:txBody>
+          <a:bodyPr vert="horz" wrap="square" lIns="91440" tIns="45720" rIns="91440" bIns="45720" numCol="1" anchor="ctr" anchorCtr="0" compatLnSpc="1">
+            <a:prstTxWarp prst="textNoShape">
+              <a:avLst/>
+            </a:prstTxWarp>
+            <a:spAutoFit/>
+          </a:bodyPr>
+          <a:lstStyle>
+            <a:lvl1pPr eaLnBrk="0" fontAlgn="base" hangingPunct="0">
+              <a:spcBef>
+                <a:spcPct val="0"/>
+              </a:spcBef>
+              <a:spcAft>
+                <a:spcPct val="0"/>
+              </a:spcAft>
+              <a:defRPr>
+                <a:solidFill>
+                  <a:schemeClr val="tx1"/>
+                </a:solidFill>
+                <a:latin typeface="Arial" panose="020B0604020202020204" pitchFamily="34" charset="0"/>
+              </a:defRPr>
+            </a:lvl1pPr>
+            <a:lvl2pPr eaLnBrk="0" fontAlgn="base" hangingPunct="0">
+              <a:spcBef>
+                <a:spcPct val="0"/>
+              </a:spcBef>
+              <a:spcAft>
+                <a:spcPct val="0"/>
+              </a:spcAft>
+              <a:defRPr>
+                <a:solidFill>
+                  <a:schemeClr val="tx1"/>
+                </a:solidFill>
+                <a:latin typeface="Arial" panose="020B0604020202020204" pitchFamily="34" charset="0"/>
+              </a:defRPr>
+            </a:lvl2pPr>
+            <a:lvl3pPr eaLnBrk="0" fontAlgn="base" hangingPunct="0">
+              <a:spcBef>
+                <a:spcPct val="0"/>
+              </a:spcBef>
+              <a:spcAft>
+                <a:spcPct val="0"/>
+              </a:spcAft>
+              <a:defRPr>
+                <a:solidFill>
+                  <a:schemeClr val="tx1"/>
+                </a:solidFill>
+                <a:latin typeface="Arial" panose="020B0604020202020204" pitchFamily="34" charset="0"/>
+              </a:defRPr>
+            </a:lvl3pPr>
+            <a:lvl4pPr eaLnBrk="0" fontAlgn="base" hangingPunct="0">
+              <a:spcBef>
+                <a:spcPct val="0"/>
+              </a:spcBef>
+              <a:spcAft>
+                <a:spcPct val="0"/>
+              </a:spcAft>
+              <a:defRPr>
+                <a:solidFill>
+                  <a:schemeClr val="tx1"/>
+                </a:solidFill>
+                <a:latin typeface="Arial" panose="020B0604020202020204" pitchFamily="34" charset="0"/>
+              </a:defRPr>
+            </a:lvl4pPr>
+            <a:lvl5pPr eaLnBrk="0" fontAlgn="base" hangingPunct="0">
+              <a:spcBef>
+                <a:spcPct val="0"/>
+              </a:spcBef>
+              <a:spcAft>
+                <a:spcPct val="0"/>
+              </a:spcAft>
+              <a:defRPr>
+                <a:solidFill>
+                  <a:schemeClr val="tx1"/>
+                </a:solidFill>
+                <a:latin typeface="Arial" panose="020B0604020202020204" pitchFamily="34" charset="0"/>
+              </a:defRPr>
+            </a:lvl5pPr>
+            <a:lvl6pPr eaLnBrk="0" fontAlgn="base" hangingPunct="0">
+              <a:spcBef>
+                <a:spcPct val="0"/>
+              </a:spcBef>
+              <a:spcAft>
+                <a:spcPct val="0"/>
+              </a:spcAft>
+              <a:defRPr>
+                <a:solidFill>
+                  <a:schemeClr val="tx1"/>
+                </a:solidFill>
+                <a:latin typeface="Arial" panose="020B0604020202020204" pitchFamily="34" charset="0"/>
+              </a:defRPr>
+            </a:lvl6pPr>
+            <a:lvl7pPr eaLnBrk="0" fontAlgn="base" hangingPunct="0">
+              <a:spcBef>
+                <a:spcPct val="0"/>
+              </a:spcBef>
+              <a:spcAft>
+                <a:spcPct val="0"/>
+              </a:spcAft>
+              <a:defRPr>
+                <a:solidFill>
+                  <a:schemeClr val="tx1"/>
+                </a:solidFill>
+                <a:latin typeface="Arial" panose="020B0604020202020204" pitchFamily="34" charset="0"/>
+              </a:defRPr>
+            </a:lvl7pPr>
+            <a:lvl8pPr eaLnBrk="0" fontAlgn="base" hangingPunct="0">
+              <a:spcBef>
+                <a:spcPct val="0"/>
+              </a:spcBef>
+              <a:spcAft>
+                <a:spcPct val="0"/>
+              </a:spcAft>
+              <a:defRPr>
+                <a:solidFill>
+                  <a:schemeClr val="tx1"/>
+                </a:solidFill>
+                <a:latin typeface="Arial" panose="020B0604020202020204" pitchFamily="34" charset="0"/>
+              </a:defRPr>
+            </a:lvl8pPr>
+            <a:lvl9pPr eaLnBrk="0" fontAlgn="base" hangingPunct="0">
+              <a:spcBef>
+                <a:spcPct val="0"/>
+              </a:spcBef>
+              <a:spcAft>
+                <a:spcPct val="0"/>
+              </a:spcAft>
+              <a:defRPr>
+                <a:solidFill>
+                  <a:schemeClr val="tx1"/>
+                </a:solidFill>
+                <a:latin typeface="Arial" panose="020B0604020202020204" pitchFamily="34" charset="0"/>
+              </a:defRPr>
+            </a:lvl9pPr>
+          </a:lstStyle>
+          <a:p>
+            <a:pPr marL="285750" marR="0" lvl="0" indent="-285750" algn="l" defTabSz="914400" rtl="0" eaLnBrk="0" fontAlgn="base" latinLnBrk="0" hangingPunct="0">
+              <a:lnSpc>
+                <a:spcPct val="100000"/>
+              </a:lnSpc>
+              <a:spcBef>
+                <a:spcPct val="0"/>
+              </a:spcBef>
+              <a:spcAft>
+                <a:spcPct val="0"/>
+              </a:spcAft>
+              <a:buClrTx/>
+              <a:buSzTx/>
+              <a:buFont typeface="Arial" pitchFamily="34" charset="0"/>
+              <a:buChar char="•"/>
+              <a:tabLst/>
+            </a:pPr>
+            <a:r>
+              <a:rPr kumimoji="0" lang="en-US" altLang="en-US" sz="1400" b="0" i="0" u="none" strike="noStrike" cap="none" normalizeH="0" baseline="0" dirty="0" smtClean="0">
+                <a:ln>
+                  <a:noFill/>
+                </a:ln>
+                <a:solidFill>
+                  <a:srgbClr val="FF0000"/>
+                </a:solidFill>
+                <a:effectLst/>
+              </a:rPr>
+              <a:t>/search/all</a:t>
+            </a:r>
+          </a:p>
+          <a:p>
+            <a:pPr marL="285750" marR="0" lvl="0" indent="-285750" algn="l" defTabSz="914400" rtl="0" eaLnBrk="0" fontAlgn="base" latinLnBrk="0" hangingPunct="0">
+              <a:lnSpc>
+                <a:spcPct val="100000"/>
+              </a:lnSpc>
+              <a:spcBef>
+                <a:spcPct val="0"/>
+              </a:spcBef>
+              <a:spcAft>
+                <a:spcPct val="0"/>
+              </a:spcAft>
+              <a:buClrTx/>
+              <a:buSzTx/>
+              <a:buFont typeface="Arial" pitchFamily="34" charset="0"/>
+              <a:buChar char="•"/>
+              <a:tabLst/>
+            </a:pPr>
+            <a:r>
+              <a:rPr lang="en-US" altLang="en-US" sz="1400" dirty="0" smtClean="0">
+                <a:solidFill>
+                  <a:srgbClr val="FF0000"/>
+                </a:solidFill>
+              </a:rPr>
+              <a:t>/search/movie/{id}</a:t>
+            </a:r>
+          </a:p>
+          <a:p>
+            <a:pPr marL="285750" marR="0" lvl="0" indent="-285750" algn="l" defTabSz="914400" rtl="0" eaLnBrk="0" fontAlgn="base" latinLnBrk="0" hangingPunct="0">
+              <a:lnSpc>
+                <a:spcPct val="100000"/>
+              </a:lnSpc>
+              <a:spcBef>
+                <a:spcPct val="0"/>
+              </a:spcBef>
+              <a:spcAft>
+                <a:spcPct val="0"/>
+              </a:spcAft>
+              <a:buClrTx/>
+              <a:buSzTx/>
+              <a:buFont typeface="Arial" pitchFamily="34" charset="0"/>
+              <a:buChar char="•"/>
+              <a:tabLst/>
+            </a:pPr>
+            <a:r>
+              <a:rPr kumimoji="0" lang="en-US" altLang="en-US" sz="1400" b="0" i="0" u="none" strike="noStrike" cap="none" normalizeH="0" baseline="0" dirty="0" smtClean="0">
+                <a:ln>
+                  <a:noFill/>
+                </a:ln>
+                <a:solidFill>
+                  <a:srgbClr val="FF0000"/>
+                </a:solidFill>
+                <a:effectLst/>
+              </a:rPr>
+              <a:t>/search/theatre/{id}</a:t>
+            </a:r>
+          </a:p>
+          <a:p>
+            <a:pPr marL="285750" marR="0" lvl="0" indent="-285750" algn="l" defTabSz="914400" rtl="0" eaLnBrk="0" fontAlgn="base" latinLnBrk="0" hangingPunct="0">
+              <a:lnSpc>
+                <a:spcPct val="100000"/>
+              </a:lnSpc>
+              <a:spcBef>
+                <a:spcPct val="0"/>
+              </a:spcBef>
+              <a:spcAft>
+                <a:spcPct val="0"/>
+              </a:spcAft>
+              <a:buClrTx/>
+              <a:buSzTx/>
+              <a:buFont typeface="Arial" pitchFamily="34" charset="0"/>
+              <a:buChar char="•"/>
+              <a:tabLst/>
+            </a:pPr>
+            <a:r>
+              <a:rPr lang="en-US" altLang="en-US" sz="1400" dirty="0" smtClean="0">
+                <a:solidFill>
+                  <a:srgbClr val="FF0000"/>
+                </a:solidFill>
+              </a:rPr>
+              <a:t>***</a:t>
+            </a:r>
+            <a:endParaRPr kumimoji="0" lang="en-US" altLang="en-US" sz="1400" b="0" i="0" u="none" strike="noStrike" cap="none" normalizeH="0" baseline="0" dirty="0">
+              <a:ln>
+                <a:noFill/>
+              </a:ln>
+              <a:solidFill>
+                <a:srgbClr val="FF0000"/>
+              </a:solidFill>
+              <a:effectLst/>
+            </a:endParaRPr>
+          </a:p>
+        </p:txBody>
+      </p:sp>
+      <p:grpSp>
+        <p:nvGrpSpPr>
+          <p:cNvPr id="59" name="Group 58"/>
+          <p:cNvGrpSpPr/>
+          <p:nvPr/>
+        </p:nvGrpSpPr>
+        <p:grpSpPr>
+          <a:xfrm>
+            <a:off x="1048833" y="4747372"/>
+            <a:ext cx="3825043" cy="1343891"/>
+            <a:chOff x="-605212" y="2999069"/>
+            <a:chExt cx="3825043" cy="1343891"/>
+          </a:xfrm>
+        </p:grpSpPr>
+        <p:sp>
+          <p:nvSpPr>
+            <p:cNvPr id="31" name="Snip Single Corner Rectangle 30"/>
+            <p:cNvSpPr/>
+            <p:nvPr/>
+          </p:nvSpPr>
+          <p:spPr>
+            <a:xfrm>
+              <a:off x="-605212" y="2999069"/>
+              <a:ext cx="3825043" cy="1343891"/>
+            </a:xfrm>
+            <a:prstGeom prst="snip1Rect">
+              <a:avLst/>
+            </a:prstGeom>
+          </p:spPr>
+          <p:style>
+            <a:lnRef idx="2">
+              <a:schemeClr val="accent1">
+                <a:shade val="50000"/>
+              </a:schemeClr>
+            </a:lnRef>
+            <a:fillRef idx="1">
+              <a:schemeClr val="accent1"/>
+            </a:fillRef>
+            <a:effectRef idx="0">
+              <a:schemeClr val="accent1"/>
+            </a:effectRef>
+            <a:fontRef idx="minor">
+              <a:schemeClr val="lt1"/>
+            </a:fontRef>
+          </p:style>
+          <p:txBody>
+            <a:bodyPr rtlCol="0" anchor="ctr"/>
+            <a:lstStyle/>
+            <a:p>
+              <a:pPr marL="285750" indent="-285750" algn="ctr">
+                <a:buFont typeface="Arial" pitchFamily="34" charset="0"/>
+                <a:buChar char="•"/>
+              </a:pPr>
+              <a:r>
+                <a:rPr lang="en-US" sz="1400" b="1" i="1" dirty="0" smtClean="0">
+                  <a:solidFill>
+                    <a:srgbClr val="FF0000"/>
+                  </a:solidFill>
+                </a:rPr>
+                <a:t>PARTNER_WRITE("</a:t>
+              </a:r>
+              <a:r>
+                <a:rPr lang="en-US" sz="1400" b="1" i="1" dirty="0" err="1" smtClean="0">
+                  <a:solidFill>
+                    <a:srgbClr val="FF0000"/>
+                  </a:solidFill>
+                </a:rPr>
+                <a:t>partner:write</a:t>
+              </a:r>
+              <a:r>
+                <a:rPr lang="en-US" sz="1400" b="1" i="1" dirty="0" smtClean="0">
+                  <a:solidFill>
+                    <a:srgbClr val="FF0000"/>
+                  </a:solidFill>
+                </a:rPr>
+                <a:t>")</a:t>
+              </a:r>
+            </a:p>
+            <a:p>
+              <a:pPr marL="285750" indent="-285750" algn="ctr">
+                <a:buFont typeface="Arial" pitchFamily="34" charset="0"/>
+                <a:buChar char="•"/>
+              </a:pPr>
+              <a:r>
+                <a:rPr lang="en-US" sz="1400" b="1" dirty="0" smtClean="0">
+                  <a:solidFill>
+                    <a:srgbClr val="FF0000"/>
+                  </a:solidFill>
+                </a:rPr>
+                <a:t>PARTNER_READ(“</a:t>
+              </a:r>
+              <a:r>
+                <a:rPr lang="en-US" sz="1400" b="1" dirty="0" err="1" smtClean="0">
+                  <a:solidFill>
+                    <a:srgbClr val="FF0000"/>
+                  </a:solidFill>
+                </a:rPr>
+                <a:t>partner:read</a:t>
+              </a:r>
+              <a:r>
+                <a:rPr lang="en-US" sz="1400" b="1" dirty="0" smtClean="0">
+                  <a:solidFill>
+                    <a:srgbClr val="FF0000"/>
+                  </a:solidFill>
+                </a:rPr>
+                <a:t>”)</a:t>
+              </a:r>
+            </a:p>
+            <a:p>
+              <a:pPr marL="285750" indent="-285750" algn="ctr">
+                <a:buFont typeface="Arial" pitchFamily="34" charset="0"/>
+                <a:buChar char="•"/>
+              </a:pPr>
+              <a:r>
+                <a:rPr lang="en-US" sz="1400" b="1" dirty="0" smtClean="0">
+                  <a:solidFill>
+                    <a:srgbClr val="FF0000"/>
+                  </a:solidFill>
+                </a:rPr>
+                <a:t>SEARCH_ALL(“</a:t>
+              </a:r>
+              <a:r>
+                <a:rPr lang="en-US" sz="1400" b="1" dirty="0" err="1" smtClean="0">
+                  <a:solidFill>
+                    <a:srgbClr val="FF0000"/>
+                  </a:solidFill>
+                </a:rPr>
+                <a:t>search:all</a:t>
+              </a:r>
+              <a:r>
+                <a:rPr lang="en-US" sz="1400" b="1" dirty="0" smtClean="0">
+                  <a:solidFill>
+                    <a:srgbClr val="FF0000"/>
+                  </a:solidFill>
+                </a:rPr>
+                <a:t>”)</a:t>
+              </a:r>
+              <a:endParaRPr lang="en-US" sz="1400" b="1" dirty="0">
+                <a:solidFill>
+                  <a:srgbClr val="FF0000"/>
+                </a:solidFill>
+              </a:endParaRPr>
+            </a:p>
+          </p:txBody>
+        </p:sp>
+        <p:sp>
+          <p:nvSpPr>
+            <p:cNvPr id="56" name="TextBox 55"/>
+            <p:cNvSpPr txBox="1"/>
+            <p:nvPr/>
+          </p:nvSpPr>
+          <p:spPr>
+            <a:xfrm>
+              <a:off x="484485" y="2999069"/>
+              <a:ext cx="1297343" cy="369332"/>
+            </a:xfrm>
+            <a:prstGeom prst="rect">
+              <a:avLst/>
+            </a:prstGeom>
+            <a:noFill/>
+          </p:spPr>
+          <p:txBody>
+            <a:bodyPr wrap="none" rtlCol="0">
+              <a:spAutoFit/>
+            </a:bodyPr>
+            <a:lstStyle/>
+            <a:p>
+              <a:r>
+                <a:rPr lang="en-US" dirty="0" smtClean="0"/>
+                <a:t>Permissions</a:t>
+              </a:r>
+              <a:endParaRPr lang="en-US" dirty="0"/>
+            </a:p>
+          </p:txBody>
+        </p:sp>
+      </p:grpSp>
+      <p:grpSp>
+        <p:nvGrpSpPr>
+          <p:cNvPr id="58" name="Group 57"/>
+          <p:cNvGrpSpPr/>
+          <p:nvPr/>
+        </p:nvGrpSpPr>
+        <p:grpSpPr>
+          <a:xfrm>
+            <a:off x="7519154" y="3328279"/>
+            <a:ext cx="3009360" cy="972055"/>
+            <a:chOff x="7097621" y="3255869"/>
+            <a:chExt cx="3430893" cy="1343891"/>
+          </a:xfrm>
+        </p:grpSpPr>
+        <p:sp>
+          <p:nvSpPr>
+            <p:cNvPr id="32" name="Snip Single Corner Rectangle 31"/>
+            <p:cNvSpPr/>
+            <p:nvPr/>
+          </p:nvSpPr>
+          <p:spPr>
+            <a:xfrm>
+              <a:off x="7097621" y="3255869"/>
+              <a:ext cx="3430893" cy="1343891"/>
+            </a:xfrm>
+            <a:prstGeom prst="snip1Rect">
+              <a:avLst/>
+            </a:prstGeom>
+          </p:spPr>
+          <p:style>
+            <a:lnRef idx="2">
+              <a:schemeClr val="accent1">
+                <a:shade val="50000"/>
+              </a:schemeClr>
+            </a:lnRef>
+            <a:fillRef idx="1">
+              <a:schemeClr val="accent1"/>
+            </a:fillRef>
+            <a:effectRef idx="0">
+              <a:schemeClr val="accent1"/>
+            </a:effectRef>
+            <a:fontRef idx="minor">
+              <a:schemeClr val="lt1"/>
+            </a:fontRef>
+          </p:style>
+          <p:txBody>
+            <a:bodyPr rtlCol="0" anchor="ctr"/>
+            <a:lstStyle/>
+            <a:p>
+              <a:pPr marL="285750" indent="-285750" algn="ctr">
+                <a:buFont typeface="Arial" pitchFamily="34" charset="0"/>
+                <a:buChar char="•"/>
+              </a:pPr>
+              <a:r>
+                <a:rPr lang="en-US" sz="1400" i="1" dirty="0" smtClean="0">
+                  <a:solidFill>
+                    <a:srgbClr val="FF0000"/>
+                  </a:solidFill>
+                </a:rPr>
+                <a:t>PUBLIC((SEARCH_ALL)</a:t>
+              </a:r>
+            </a:p>
+          </p:txBody>
+        </p:sp>
+        <p:sp>
+          <p:nvSpPr>
+            <p:cNvPr id="57" name="TextBox 56"/>
+            <p:cNvSpPr txBox="1"/>
+            <p:nvPr/>
+          </p:nvSpPr>
+          <p:spPr>
+            <a:xfrm>
+              <a:off x="8241153" y="3255869"/>
+              <a:ext cx="763547" cy="510611"/>
+            </a:xfrm>
+            <a:prstGeom prst="rect">
+              <a:avLst/>
+            </a:prstGeom>
+            <a:noFill/>
+          </p:spPr>
+          <p:txBody>
+            <a:bodyPr wrap="none" rtlCol="0">
+              <a:spAutoFit/>
+            </a:bodyPr>
+            <a:lstStyle/>
+            <a:p>
+              <a:r>
+                <a:rPr lang="en-US" dirty="0" smtClean="0"/>
+                <a:t>ROLE</a:t>
+              </a:r>
+              <a:endParaRPr lang="en-US" dirty="0"/>
+            </a:p>
+          </p:txBody>
+        </p:sp>
+      </p:grpSp>
+      <p:pic>
+        <p:nvPicPr>
+          <p:cNvPr id="1026" name="Picture 2"/>
+          <p:cNvPicPr>
+            <a:picLocks noChangeAspect="1" noChangeArrowheads="1"/>
+          </p:cNvPicPr>
+          <p:nvPr/>
+        </p:nvPicPr>
+        <p:blipFill>
+          <a:blip r:embed="rId2">
+            <a:extLst>
+              <a:ext uri="{28A0092B-C50C-407E-A947-70E740481C1C}">
+                <a14:useLocalDpi xmlns:a14="http://schemas.microsoft.com/office/drawing/2010/main" val="0"/>
+              </a:ext>
+            </a:extLst>
+          </a:blip>
+          <a:srcRect/>
+          <a:stretch>
+            <a:fillRect/>
+          </a:stretch>
+        </p:blipFill>
+        <p:spPr bwMode="auto">
+          <a:xfrm>
+            <a:off x="4399228" y="4300334"/>
+            <a:ext cx="4905799" cy="1639114"/>
+          </a:xfrm>
+          <a:prstGeom prst="rect">
+            <a:avLst/>
+          </a:prstGeom>
+          <a:noFill/>
+          <a:ln>
+            <a:noFill/>
+          </a:ln>
+          <a:effectLst/>
+          <a:extLst>
+            <a:ext uri="{909E8E84-426E-40DD-AFC4-6F175D3DCCD1}">
+              <a14:hiddenFill xmlns:a14="http://schemas.microsoft.com/office/drawing/2010/main">
+                <a:solidFill>
+                  <a:schemeClr val="accent1"/>
+                </a:solidFill>
+              </a14:hiddenFill>
+            </a:ext>
+            <a:ext uri="{91240B29-F687-4F45-9708-019B960494DF}">
+              <a14:hiddenLine xmlns:a14="http://schemas.microsoft.com/office/drawing/2010/main" w="9525">
+                <a:solidFill>
+                  <a:schemeClr val="tx1"/>
+                </a:solidFill>
+                <a:miter lim="800000"/>
+                <a:headEnd/>
+                <a:tailEnd/>
+              </a14:hiddenLine>
+            </a:ext>
+            <a:ext uri="{AF507438-7753-43E0-B8FC-AC1667EBCBE1}">
+              <a14:hiddenEffects xmlns:a14="http://schemas.microsoft.com/office/drawing/2010/main">
+                <a:effectLst>
+                  <a:outerShdw dist="35921" dir="2700000" algn="ctr" rotWithShape="0">
+                    <a:schemeClr val="bg2"/>
+                  </a:outerShdw>
+                </a:effectLst>
+              </a14:hiddenEffects>
+            </a:ext>
+          </a:extLst>
+        </p:spPr>
+      </p:pic>
+      <p:grpSp>
+        <p:nvGrpSpPr>
+          <p:cNvPr id="62" name="Group 61"/>
+          <p:cNvGrpSpPr/>
+          <p:nvPr/>
+        </p:nvGrpSpPr>
+        <p:grpSpPr>
+          <a:xfrm>
+            <a:off x="934548" y="3398169"/>
+            <a:ext cx="3423340" cy="1113412"/>
+            <a:chOff x="837618" y="3613584"/>
+            <a:chExt cx="3430893" cy="1343891"/>
+          </a:xfrm>
+        </p:grpSpPr>
+        <p:sp>
+          <p:nvSpPr>
+            <p:cNvPr id="63" name="Snip Single Corner Rectangle 62"/>
+            <p:cNvSpPr/>
+            <p:nvPr/>
+          </p:nvSpPr>
+          <p:spPr>
+            <a:xfrm>
+              <a:off x="837618" y="3613584"/>
+              <a:ext cx="3430893" cy="1343891"/>
+            </a:xfrm>
+            <a:prstGeom prst="snip1Rect">
+              <a:avLst/>
+            </a:prstGeom>
+          </p:spPr>
+          <p:style>
+            <a:lnRef idx="2">
+              <a:schemeClr val="accent1">
+                <a:shade val="50000"/>
+              </a:schemeClr>
+            </a:lnRef>
+            <a:fillRef idx="1">
+              <a:schemeClr val="accent1"/>
+            </a:fillRef>
+            <a:effectRef idx="0">
+              <a:schemeClr val="accent1"/>
+            </a:effectRef>
+            <a:fontRef idx="minor">
+              <a:schemeClr val="lt1"/>
+            </a:fontRef>
+          </p:style>
+          <p:txBody>
+            <a:bodyPr rtlCol="0" anchor="ctr"/>
+            <a:lstStyle/>
+            <a:p>
+              <a:pPr marL="285750" indent="-285750" algn="ctr">
+                <a:buFont typeface="Arial" pitchFamily="34" charset="0"/>
+                <a:buChar char="•"/>
+              </a:pPr>
+              <a:r>
+                <a:rPr lang="en-US" sz="1400" i="1" dirty="0" smtClean="0">
+                  <a:solidFill>
+                    <a:srgbClr val="FF0000"/>
+                  </a:solidFill>
+                </a:rPr>
+                <a:t>ADMIN(</a:t>
+              </a:r>
+              <a:r>
+                <a:rPr lang="en-US" sz="1400" u="sng" dirty="0" smtClean="0">
+                  <a:solidFill>
+                    <a:srgbClr val="FF0000"/>
+                  </a:solidFill>
+                </a:rPr>
+                <a:t>PARTNER_WRITE,PARTNER_READ,SEARCH_ALL</a:t>
+              </a:r>
+              <a:r>
+                <a:rPr lang="en-US" sz="1400" i="1" dirty="0" smtClean="0">
+                  <a:solidFill>
+                    <a:srgbClr val="FF0000"/>
+                  </a:solidFill>
+                </a:rPr>
+                <a:t>)</a:t>
+              </a:r>
+              <a:endParaRPr lang="en-US" sz="1400" dirty="0">
+                <a:solidFill>
+                  <a:srgbClr val="FF0000"/>
+                </a:solidFill>
+              </a:endParaRPr>
+            </a:p>
+          </p:txBody>
+        </p:sp>
+        <p:sp>
+          <p:nvSpPr>
+            <p:cNvPr id="64" name="TextBox 63"/>
+            <p:cNvSpPr txBox="1"/>
+            <p:nvPr/>
+          </p:nvSpPr>
+          <p:spPr>
+            <a:xfrm>
+              <a:off x="1851911" y="3613584"/>
+              <a:ext cx="1402307" cy="369332"/>
+            </a:xfrm>
+            <a:prstGeom prst="rect">
+              <a:avLst/>
+            </a:prstGeom>
+            <a:noFill/>
+          </p:spPr>
+          <p:txBody>
+            <a:bodyPr wrap="none" rtlCol="0">
+              <a:spAutoFit/>
+            </a:bodyPr>
+            <a:lstStyle/>
+            <a:p>
+              <a:r>
+                <a:rPr lang="en-US" dirty="0" smtClean="0"/>
+                <a:t>ADMIN ROLE</a:t>
+              </a:r>
+              <a:endParaRPr lang="en-US" dirty="0"/>
+            </a:p>
+          </p:txBody>
+        </p:sp>
+      </p:grpSp>
+      <p:cxnSp>
+        <p:nvCxnSpPr>
+          <p:cNvPr id="61" name="Elbow Connector 60"/>
+          <p:cNvCxnSpPr>
+            <a:stCxn id="64" idx="0"/>
+          </p:cNvCxnSpPr>
+          <p:nvPr/>
+        </p:nvCxnSpPr>
+        <p:spPr>
+          <a:xfrm rot="5400000" flipH="1" flipV="1">
+            <a:off x="2462412" y="2899227"/>
+            <a:ext cx="682749" cy="315136"/>
+          </a:xfrm>
+          <a:prstGeom prst="bentConnector3">
+            <a:avLst/>
+          </a:prstGeom>
+          <a:ln w="25400">
+            <a:solidFill>
+              <a:srgbClr val="FF0000"/>
+            </a:solidFill>
+            <a:tailEnd type="arrow"/>
+          </a:ln>
+        </p:spPr>
+        <p:style>
+          <a:lnRef idx="1">
+            <a:schemeClr val="accent1"/>
+          </a:lnRef>
+          <a:fillRef idx="0">
+            <a:schemeClr val="accent1"/>
+          </a:fillRef>
+          <a:effectRef idx="0">
+            <a:schemeClr val="accent1"/>
+          </a:effectRef>
+          <a:fontRef idx="minor">
+            <a:schemeClr val="tx1"/>
+          </a:fontRef>
+        </p:style>
+      </p:cxnSp>
+      <p:cxnSp>
+        <p:nvCxnSpPr>
+          <p:cNvPr id="67" name="Elbow Connector 66"/>
+          <p:cNvCxnSpPr>
+            <a:stCxn id="64" idx="0"/>
+            <a:endCxn id="42" idx="2"/>
+          </p:cNvCxnSpPr>
+          <p:nvPr/>
+        </p:nvCxnSpPr>
+        <p:spPr>
+          <a:xfrm rot="5400000" flipH="1" flipV="1">
+            <a:off x="5388700" y="-27061"/>
+            <a:ext cx="682749" cy="6167712"/>
+          </a:xfrm>
+          <a:prstGeom prst="bentConnector3">
+            <a:avLst/>
+          </a:prstGeom>
+          <a:ln w="31750">
+            <a:solidFill>
+              <a:srgbClr val="FF0000"/>
+            </a:solidFill>
+            <a:tailEnd type="arrow"/>
+          </a:ln>
+        </p:spPr>
+        <p:style>
+          <a:lnRef idx="1">
+            <a:schemeClr val="accent1"/>
+          </a:lnRef>
+          <a:fillRef idx="0">
+            <a:schemeClr val="accent1"/>
+          </a:fillRef>
+          <a:effectRef idx="0">
+            <a:schemeClr val="accent1"/>
+          </a:effectRef>
+          <a:fontRef idx="minor">
+            <a:schemeClr val="tx1"/>
+          </a:fontRef>
+        </p:style>
+      </p:cxnSp>
+      <p:cxnSp>
+        <p:nvCxnSpPr>
+          <p:cNvPr id="70" name="Elbow Connector 69"/>
+          <p:cNvCxnSpPr>
+            <a:stCxn id="32" idx="3"/>
+            <a:endCxn id="42" idx="3"/>
+          </p:cNvCxnSpPr>
+          <p:nvPr/>
+        </p:nvCxnSpPr>
+        <p:spPr>
+          <a:xfrm rot="5400000" flipH="1" flipV="1">
+            <a:off x="9117215" y="1495448"/>
+            <a:ext cx="1739451" cy="1926213"/>
+          </a:xfrm>
+          <a:prstGeom prst="bentConnector4">
+            <a:avLst>
+              <a:gd name="adj1" fmla="val 17616"/>
+              <a:gd name="adj2" fmla="val 111868"/>
+            </a:avLst>
+          </a:prstGeom>
+          <a:ln w="25400">
+            <a:solidFill>
+              <a:srgbClr val="FF0000"/>
+            </a:solidFill>
+            <a:tailEnd type="arrow"/>
+          </a:ln>
+        </p:spPr>
+        <p:style>
+          <a:lnRef idx="1">
+            <a:schemeClr val="accent1"/>
+          </a:lnRef>
+          <a:fillRef idx="0">
+            <a:schemeClr val="accent1"/>
+          </a:fillRef>
+          <a:effectRef idx="0">
+            <a:schemeClr val="accent1"/>
+          </a:effectRef>
+          <a:fontRef idx="minor">
+            <a:schemeClr val="tx1"/>
+          </a:fontRef>
+        </p:style>
+      </p:cxnSp>
+      <p:sp>
+        <p:nvSpPr>
+          <p:cNvPr id="73" name="TextBox 72"/>
+          <p:cNvSpPr txBox="1"/>
+          <p:nvPr/>
+        </p:nvSpPr>
+        <p:spPr>
+          <a:xfrm>
+            <a:off x="4411421" y="2678848"/>
+            <a:ext cx="1833835" cy="923330"/>
+          </a:xfrm>
+          <a:prstGeom prst="rect">
+            <a:avLst/>
+          </a:prstGeom>
+          <a:pattFill prst="ltVert">
+            <a:fgClr>
+              <a:schemeClr val="tx2">
+                <a:lumMod val="20000"/>
+                <a:lumOff val="80000"/>
+              </a:schemeClr>
+            </a:fgClr>
+            <a:bgClr>
+              <a:schemeClr val="bg1"/>
+            </a:bgClr>
+          </a:pattFill>
+        </p:spPr>
+        <p:txBody>
+          <a:bodyPr wrap="none" rtlCol="0">
+            <a:spAutoFit/>
+          </a:bodyPr>
+          <a:lstStyle/>
+          <a:p>
+            <a:r>
+              <a:rPr lang="en-US" dirty="0" smtClean="0"/>
+              <a:t>Admin can access</a:t>
+            </a:r>
+          </a:p>
+          <a:p>
+            <a:pPr marL="285750" indent="-285750">
+              <a:buFont typeface="Arial" pitchFamily="34" charset="0"/>
+              <a:buChar char="•"/>
+            </a:pPr>
+            <a:r>
+              <a:rPr lang="en-US" dirty="0" smtClean="0"/>
+              <a:t>/search/**</a:t>
+            </a:r>
+          </a:p>
+          <a:p>
+            <a:pPr marL="285750" indent="-285750">
+              <a:buFont typeface="Arial" pitchFamily="34" charset="0"/>
+              <a:buChar char="•"/>
+            </a:pPr>
+            <a:r>
+              <a:rPr lang="en-US" dirty="0" smtClean="0"/>
+              <a:t>/partner/***</a:t>
+            </a:r>
+            <a:endParaRPr lang="en-US" dirty="0"/>
+          </a:p>
+        </p:txBody>
+      </p:sp>
+      <p:sp>
+        <p:nvSpPr>
+          <p:cNvPr id="79" name="TextBox 78"/>
+          <p:cNvSpPr txBox="1"/>
+          <p:nvPr/>
+        </p:nvSpPr>
+        <p:spPr>
+          <a:xfrm>
+            <a:off x="10101153" y="2831248"/>
+            <a:ext cx="1785745" cy="646331"/>
+          </a:xfrm>
+          <a:prstGeom prst="rect">
+            <a:avLst/>
+          </a:prstGeom>
+          <a:pattFill prst="ltVert">
+            <a:fgClr>
+              <a:schemeClr val="tx2">
+                <a:lumMod val="20000"/>
+                <a:lumOff val="80000"/>
+              </a:schemeClr>
+            </a:fgClr>
+            <a:bgClr>
+              <a:schemeClr val="bg1"/>
+            </a:bgClr>
+          </a:pattFill>
+        </p:spPr>
+        <p:txBody>
+          <a:bodyPr wrap="none" rtlCol="0">
+            <a:spAutoFit/>
+          </a:bodyPr>
+          <a:lstStyle/>
+          <a:p>
+            <a:r>
+              <a:rPr lang="en-US" dirty="0" smtClean="0"/>
+              <a:t>Public can access</a:t>
+            </a:r>
+          </a:p>
+          <a:p>
+            <a:pPr marL="285750" indent="-285750">
+              <a:buFont typeface="Arial" pitchFamily="34" charset="0"/>
+              <a:buChar char="•"/>
+            </a:pPr>
+            <a:r>
+              <a:rPr lang="en-US" dirty="0" smtClean="0"/>
+              <a:t>/search/**</a:t>
+            </a:r>
+            <a:endParaRPr lang="en-US" dirty="0"/>
+          </a:p>
+        </p:txBody>
+      </p:sp>
+      <p:sp>
+        <p:nvSpPr>
+          <p:cNvPr id="74" name="TextBox 73"/>
+          <p:cNvSpPr txBox="1"/>
+          <p:nvPr/>
+        </p:nvSpPr>
+        <p:spPr>
+          <a:xfrm>
+            <a:off x="4263624" y="0"/>
+            <a:ext cx="2846805" cy="369332"/>
+          </a:xfrm>
+          <a:prstGeom prst="rect">
+            <a:avLst/>
+          </a:prstGeom>
+          <a:noFill/>
+        </p:spPr>
+        <p:txBody>
+          <a:bodyPr wrap="none" rtlCol="0">
+            <a:spAutoFit/>
+          </a:bodyPr>
+          <a:lstStyle/>
+          <a:p>
+            <a:r>
+              <a:rPr lang="en-US" b="1" u="sng" dirty="0" smtClean="0"/>
+              <a:t>ROLE BASED Authentication</a:t>
+            </a:r>
+            <a:endParaRPr lang="en-US" b="1" u="sng" dirty="0"/>
+          </a:p>
+        </p:txBody>
+      </p:sp>
+      <p:pic>
+        <p:nvPicPr>
+          <p:cNvPr id="1028" name="Picture 4"/>
+          <p:cNvPicPr>
+            <a:picLocks noChangeAspect="1" noChangeArrowheads="1"/>
+          </p:cNvPicPr>
+          <p:nvPr/>
+        </p:nvPicPr>
+        <p:blipFill>
+          <a:blip r:embed="rId3">
+            <a:extLst>
+              <a:ext uri="{28A0092B-C50C-407E-A947-70E740481C1C}">
+                <a14:useLocalDpi xmlns:a14="http://schemas.microsoft.com/office/drawing/2010/main" val="0"/>
+              </a:ext>
+            </a:extLst>
+          </a:blip>
+          <a:srcRect/>
+          <a:stretch>
+            <a:fillRect/>
+          </a:stretch>
+        </p:blipFill>
+        <p:spPr bwMode="auto">
+          <a:xfrm>
+            <a:off x="8110464" y="5325085"/>
+            <a:ext cx="3524250" cy="1228725"/>
+          </a:xfrm>
+          <a:prstGeom prst="rect">
+            <a:avLst/>
+          </a:prstGeom>
+          <a:noFill/>
+          <a:ln>
+            <a:noFill/>
+          </a:ln>
+          <a:effectLst/>
+          <a:extLst>
+            <a:ext uri="{909E8E84-426E-40DD-AFC4-6F175D3DCCD1}">
+              <a14:hiddenFill xmlns:a14="http://schemas.microsoft.com/office/drawing/2010/main">
+                <a:solidFill>
+                  <a:schemeClr val="accent1"/>
+                </a:solidFill>
+              </a14:hiddenFill>
+            </a:ext>
+            <a:ext uri="{91240B29-F687-4F45-9708-019B960494DF}">
+              <a14:hiddenLine xmlns:a14="http://schemas.microsoft.com/office/drawing/2010/main" w="9525">
+                <a:solidFill>
+                  <a:schemeClr val="tx1"/>
+                </a:solidFill>
+                <a:miter lim="800000"/>
+                <a:headEnd/>
+                <a:tailEnd/>
+              </a14:hiddenLine>
+            </a:ext>
+            <a:ext uri="{AF507438-7753-43E0-B8FC-AC1667EBCBE1}">
+              <a14:hiddenEffects xmlns:a14="http://schemas.microsoft.com/office/drawing/2010/main">
+                <a:effectLst>
+                  <a:outerShdw dist="35921" dir="2700000" algn="ctr" rotWithShape="0">
+                    <a:schemeClr val="bg2"/>
+                  </a:outerShdw>
+                </a:effectLst>
+              </a14:hiddenEffects>
+            </a:ext>
+          </a:extLst>
+        </p:spPr>
+      </p:pic>
+    </p:spTree>
+    <p:extLst>
+      <p:ext uri="{BB962C8B-B14F-4D97-AF65-F5344CB8AC3E}">
+        <p14:creationId xmlns:p14="http://schemas.microsoft.com/office/powerpoint/2010/main" val="2938728814"/>
+      </p:ext>
+    </p:extLst>
+  </p:cSld>
+  <p:clrMapOvr>
+    <a:masterClrMapping/>
+  </p:clrMapOvr>
+</p:sld>
+</file>
+
+<file path=ppt/slides/slide12.xml><?xml version="1.0" encoding="utf-8"?>
+<p:sld xmlns:a="http://schemas.openxmlformats.org/drawingml/2006/main" xmlns:r="http://schemas.openxmlformats.org/officeDocument/2006/relationships" xmlns:p="http://schemas.openxmlformats.org/presentationml/2006/main">
+  <p:cSld>
+    <p:spTree>
+      <p:nvGrpSpPr>
+        <p:cNvPr id="1" name=""/>
+        <p:cNvGrpSpPr/>
+        <p:nvPr/>
+      </p:nvGrpSpPr>
+      <p:grpSpPr>
+        <a:xfrm>
+          <a:off x="0" y="0"/>
+          <a:ext cx="0" cy="0"/>
+          <a:chOff x="0" y="0"/>
+          <a:chExt cx="0" cy="0"/>
+        </a:xfrm>
+      </p:grpSpPr>
+      <p:grpSp>
+        <p:nvGrpSpPr>
+          <p:cNvPr id="2" name="Group 1"/>
+          <p:cNvGrpSpPr/>
+          <p:nvPr/>
+        </p:nvGrpSpPr>
+        <p:grpSpPr>
+          <a:xfrm>
+            <a:off x="15043" y="448801"/>
+            <a:ext cx="5656742" cy="2253184"/>
+            <a:chOff x="167522" y="493747"/>
+            <a:chExt cx="5656742" cy="2253184"/>
+          </a:xfrm>
+        </p:grpSpPr>
+        <p:grpSp>
+          <p:nvGrpSpPr>
+            <p:cNvPr id="3" name="Group 2"/>
+            <p:cNvGrpSpPr/>
+            <p:nvPr/>
+          </p:nvGrpSpPr>
+          <p:grpSpPr>
+            <a:xfrm>
+              <a:off x="167522" y="493747"/>
+              <a:ext cx="5656742" cy="2253184"/>
+              <a:chOff x="167522" y="493747"/>
+              <a:chExt cx="5656742" cy="2253184"/>
+            </a:xfrm>
+          </p:grpSpPr>
+          <p:grpSp>
+            <p:nvGrpSpPr>
+              <p:cNvPr id="5" name="Group 4"/>
+              <p:cNvGrpSpPr/>
+              <p:nvPr/>
+            </p:nvGrpSpPr>
+            <p:grpSpPr>
+              <a:xfrm>
+                <a:off x="803564" y="493747"/>
+                <a:ext cx="4953236" cy="2253184"/>
+                <a:chOff x="1011381" y="2409115"/>
+                <a:chExt cx="4539890" cy="1338950"/>
+              </a:xfrm>
+            </p:grpSpPr>
+            <p:sp>
+              <p:nvSpPr>
+                <p:cNvPr id="8" name="Rectangle: Rounded Corners 1">
+                  <a:extLst>
+                    <a:ext uri="{FF2B5EF4-FFF2-40B4-BE49-F238E27FC236}">
+                      <a16:creationId xmlns="" xmlns:a16="http://schemas.microsoft.com/office/drawing/2014/main" id="{229043B8-923C-4A63-923B-ED47AB6F3179}"/>
+                    </a:ext>
+                  </a:extLst>
+                </p:cNvPr>
+                <p:cNvSpPr/>
+                <p:nvPr/>
+              </p:nvSpPr>
+              <p:spPr>
+                <a:xfrm>
+                  <a:off x="1011381" y="2409115"/>
+                  <a:ext cx="3915717" cy="1338950"/>
+                </a:xfrm>
+                <a:prstGeom prst="roundRect">
+                  <a:avLst/>
+                </a:prstGeom>
+                <a:solidFill>
+                  <a:schemeClr val="accent1">
+                    <a:lumMod val="75000"/>
+                  </a:schemeClr>
+                </a:solidFill>
+              </p:spPr>
+              <p:style>
+                <a:lnRef idx="2">
+                  <a:schemeClr val="accent1">
+                    <a:shade val="50000"/>
+                  </a:schemeClr>
+                </a:lnRef>
+                <a:fillRef idx="1">
+                  <a:schemeClr val="accent1"/>
+                </a:fillRef>
+                <a:effectRef idx="0">
+                  <a:schemeClr val="accent1"/>
+                </a:effectRef>
+                <a:fontRef idx="minor">
+                  <a:schemeClr val="lt1"/>
+                </a:fontRef>
+              </p:style>
+              <p:txBody>
+                <a:bodyPr rtlCol="0" anchor="ctr"/>
+                <a:lstStyle/>
+                <a:p>
+                  <a:pPr algn="ctr"/>
+                  <a:r>
+                    <a:rPr lang="en-IN" sz="1800" dirty="0" smtClean="0">
+                      <a:solidFill>
+                        <a:srgbClr val="000000"/>
+                      </a:solidFill>
+                      <a:latin typeface="Consolas" panose="020B0609020204030204" pitchFamily="49" charset="0"/>
+                    </a:rPr>
+                    <a:t>bmt.partner-service01.com</a:t>
+                  </a:r>
+                  <a:endParaRPr lang="en-IN" dirty="0"/>
+                </a:p>
+              </p:txBody>
+            </p:sp>
+            <p:sp>
+              <p:nvSpPr>
+                <p:cNvPr id="9" name="Rectangle 1">
+                  <a:extLst>
+                    <a:ext uri="{FF2B5EF4-FFF2-40B4-BE49-F238E27FC236}">
+                      <a16:creationId xmlns="" xmlns:a16="http://schemas.microsoft.com/office/drawing/2014/main" id="{FFE5BAF0-90A9-481D-AAC3-4466B273C9B9}"/>
+                    </a:ext>
+                  </a:extLst>
+                </p:cNvPr>
+                <p:cNvSpPr>
+                  <a:spLocks noChangeArrowheads="1"/>
+                </p:cNvSpPr>
+                <p:nvPr/>
+              </p:nvSpPr>
+              <p:spPr bwMode="auto">
+                <a:xfrm>
+                  <a:off x="3762689" y="2615206"/>
+                  <a:ext cx="1788582" cy="192040"/>
+                </a:xfrm>
+                <a:prstGeom prst="rect">
+                  <a:avLst/>
+                </a:prstGeom>
+                <a:solidFill>
+                  <a:srgbClr val="F2F2F2"/>
+                </a:solidFill>
+                <a:ln>
+                  <a:noFill/>
+                </a:ln>
+                <a:effectLst/>
+                <a:extLst>
+                  <a:ext uri="{91240B29-F687-4F45-9708-019B960494DF}">
+                    <a14:hiddenLine xmlns:a14="http://schemas.microsoft.com/office/drawing/2010/main" w="9525">
+                      <a:solidFill>
+                        <a:schemeClr val="tx1"/>
+                      </a:solidFill>
+                      <a:miter lim="800000"/>
+                      <a:headEnd/>
+                      <a:tailEnd/>
+                    </a14:hiddenLine>
+                  </a:ext>
+                  <a:ext uri="{AF507438-7753-43E0-B8FC-AC1667EBCBE1}">
+                    <a14:hiddenEffects xmlns:a14="http://schemas.microsoft.com/office/drawing/2010/main">
+                      <a:effectLst>
+                        <a:outerShdw dist="35921" dir="2700000" algn="ctr" rotWithShape="0">
+                          <a:schemeClr val="bg2"/>
+                        </a:outerShdw>
+                      </a:effectLst>
+                    </a14:hiddenEffects>
+                  </a:ext>
+                </a:extLst>
+              </p:spPr>
+              <p:txBody>
+                <a:bodyPr vert="horz" wrap="square" lIns="91440" tIns="45720" rIns="91440" bIns="45720" numCol="1" anchor="ctr" anchorCtr="0" compatLnSpc="1">
+                  <a:prstTxWarp prst="textNoShape">
+                    <a:avLst/>
+                  </a:prstTxWarp>
+                  <a:spAutoFit/>
+                </a:bodyPr>
+                <a:lstStyle>
+                  <a:lvl1pPr eaLnBrk="0" fontAlgn="base" hangingPunct="0">
+                    <a:spcBef>
+                      <a:spcPct val="0"/>
+                    </a:spcBef>
+                    <a:spcAft>
+                      <a:spcPct val="0"/>
+                    </a:spcAft>
+                    <a:defRPr>
+                      <a:solidFill>
+                        <a:schemeClr val="tx1"/>
+                      </a:solidFill>
+                      <a:latin typeface="Arial" panose="020B0604020202020204" pitchFamily="34" charset="0"/>
+                    </a:defRPr>
+                  </a:lvl1pPr>
+                  <a:lvl2pPr eaLnBrk="0" fontAlgn="base" hangingPunct="0">
+                    <a:spcBef>
+                      <a:spcPct val="0"/>
+                    </a:spcBef>
+                    <a:spcAft>
+                      <a:spcPct val="0"/>
+                    </a:spcAft>
+                    <a:defRPr>
+                      <a:solidFill>
+                        <a:schemeClr val="tx1"/>
+                      </a:solidFill>
+                      <a:latin typeface="Arial" panose="020B0604020202020204" pitchFamily="34" charset="0"/>
+                    </a:defRPr>
+                  </a:lvl2pPr>
+                  <a:lvl3pPr eaLnBrk="0" fontAlgn="base" hangingPunct="0">
+                    <a:spcBef>
+                      <a:spcPct val="0"/>
+                    </a:spcBef>
+                    <a:spcAft>
+                      <a:spcPct val="0"/>
+                    </a:spcAft>
+                    <a:defRPr>
+                      <a:solidFill>
+                        <a:schemeClr val="tx1"/>
+                      </a:solidFill>
+                      <a:latin typeface="Arial" panose="020B0604020202020204" pitchFamily="34" charset="0"/>
+                    </a:defRPr>
+                  </a:lvl3pPr>
+                  <a:lvl4pPr eaLnBrk="0" fontAlgn="base" hangingPunct="0">
+                    <a:spcBef>
+                      <a:spcPct val="0"/>
+                    </a:spcBef>
+                    <a:spcAft>
+                      <a:spcPct val="0"/>
+                    </a:spcAft>
+                    <a:defRPr>
+                      <a:solidFill>
+                        <a:schemeClr val="tx1"/>
+                      </a:solidFill>
+                      <a:latin typeface="Arial" panose="020B0604020202020204" pitchFamily="34" charset="0"/>
+                    </a:defRPr>
+                  </a:lvl4pPr>
+                  <a:lvl5pPr eaLnBrk="0" fontAlgn="base" hangingPunct="0">
+                    <a:spcBef>
+                      <a:spcPct val="0"/>
+                    </a:spcBef>
+                    <a:spcAft>
+                      <a:spcPct val="0"/>
+                    </a:spcAft>
+                    <a:defRPr>
+                      <a:solidFill>
+                        <a:schemeClr val="tx1"/>
+                      </a:solidFill>
+                      <a:latin typeface="Arial" panose="020B0604020202020204" pitchFamily="34" charset="0"/>
+                    </a:defRPr>
+                  </a:lvl5pPr>
+                  <a:lvl6pPr eaLnBrk="0" fontAlgn="base" hangingPunct="0">
+                    <a:spcBef>
+                      <a:spcPct val="0"/>
+                    </a:spcBef>
+                    <a:spcAft>
+                      <a:spcPct val="0"/>
+                    </a:spcAft>
+                    <a:defRPr>
+                      <a:solidFill>
+                        <a:schemeClr val="tx1"/>
+                      </a:solidFill>
+                      <a:latin typeface="Arial" panose="020B0604020202020204" pitchFamily="34" charset="0"/>
+                    </a:defRPr>
+                  </a:lvl6pPr>
+                  <a:lvl7pPr eaLnBrk="0" fontAlgn="base" hangingPunct="0">
+                    <a:spcBef>
+                      <a:spcPct val="0"/>
+                    </a:spcBef>
+                    <a:spcAft>
+                      <a:spcPct val="0"/>
+                    </a:spcAft>
+                    <a:defRPr>
+                      <a:solidFill>
+                        <a:schemeClr val="tx1"/>
+                      </a:solidFill>
+                      <a:latin typeface="Arial" panose="020B0604020202020204" pitchFamily="34" charset="0"/>
+                    </a:defRPr>
+                  </a:lvl7pPr>
+                  <a:lvl8pPr eaLnBrk="0" fontAlgn="base" hangingPunct="0">
+                    <a:spcBef>
+                      <a:spcPct val="0"/>
+                    </a:spcBef>
+                    <a:spcAft>
+                      <a:spcPct val="0"/>
+                    </a:spcAft>
+                    <a:defRPr>
+                      <a:solidFill>
+                        <a:schemeClr val="tx1"/>
+                      </a:solidFill>
+                      <a:latin typeface="Arial" panose="020B0604020202020204" pitchFamily="34" charset="0"/>
+                    </a:defRPr>
+                  </a:lvl8pPr>
+                  <a:lvl9pPr eaLnBrk="0" fontAlgn="base" hangingPunct="0">
+                    <a:spcBef>
+                      <a:spcPct val="0"/>
+                    </a:spcBef>
+                    <a:spcAft>
+                      <a:spcPct val="0"/>
+                    </a:spcAft>
+                    <a:defRPr>
+                      <a:solidFill>
+                        <a:schemeClr val="tx1"/>
+                      </a:solidFill>
+                      <a:latin typeface="Arial" panose="020B0604020202020204" pitchFamily="34" charset="0"/>
+                    </a:defRPr>
+                  </a:lvl9pPr>
+                </a:lstStyle>
+                <a:p>
+                  <a:pPr marL="0" marR="0" lvl="0" indent="0" algn="l" defTabSz="914400" rtl="0" eaLnBrk="0" fontAlgn="base" latinLnBrk="0" hangingPunct="0">
+                    <a:lnSpc>
+                      <a:spcPct val="100000"/>
+                    </a:lnSpc>
+                    <a:spcBef>
+                      <a:spcPct val="0"/>
+                    </a:spcBef>
+                    <a:spcAft>
+                      <a:spcPct val="0"/>
+                    </a:spcAft>
+                    <a:buClrTx/>
+                    <a:buSzTx/>
+                    <a:buFontTx/>
+                    <a:buNone/>
+                    <a:tabLst/>
+                  </a:pPr>
+                  <a:r>
+                    <a:rPr kumimoji="0" lang="en-US" altLang="en-US" sz="1100" b="0" i="0" u="none" strike="noStrike" cap="none" normalizeH="0" baseline="0" dirty="0">
+                      <a:ln>
+                        <a:noFill/>
+                      </a:ln>
+                      <a:solidFill>
+                        <a:srgbClr val="292929"/>
+                      </a:solidFill>
+                      <a:effectLst/>
+                      <a:latin typeface="Menlo"/>
+                    </a:rPr>
+                    <a:t>@</a:t>
+                  </a:r>
+                  <a:r>
+                    <a:rPr kumimoji="0" lang="en-US" altLang="en-US" sz="1100" b="0" i="0" u="none" strike="noStrike" cap="none" normalizeH="0" baseline="0" dirty="0" err="1">
+                      <a:ln>
+                        <a:noFill/>
+                      </a:ln>
+                      <a:solidFill>
+                        <a:srgbClr val="292929"/>
+                      </a:solidFill>
+                      <a:effectLst/>
+                      <a:latin typeface="Menlo"/>
+                    </a:rPr>
+                    <a:t>EnableEurekaClient</a:t>
+                  </a:r>
+                  <a:r>
+                    <a:rPr kumimoji="0" lang="en-US" altLang="en-US" sz="1500" b="0" i="0" u="none" strike="noStrike" cap="none" normalizeH="0" baseline="0" dirty="0">
+                      <a:ln>
+                        <a:noFill/>
+                      </a:ln>
+                      <a:solidFill>
+                        <a:srgbClr val="292929"/>
+                      </a:solidFill>
+                      <a:effectLst/>
+                      <a:latin typeface="charter"/>
+                    </a:rPr>
+                    <a:t> </a:t>
+                  </a:r>
+                  <a:endParaRPr kumimoji="0" lang="en-US" altLang="en-US" sz="1800" b="0" i="0" u="none" strike="noStrike" cap="none" normalizeH="0" baseline="0" dirty="0">
+                    <a:ln>
+                      <a:noFill/>
+                    </a:ln>
+                    <a:solidFill>
+                      <a:schemeClr val="tx1"/>
+                    </a:solidFill>
+                    <a:effectLst/>
+                    <a:latin typeface="Arial" panose="020B0604020202020204" pitchFamily="34" charset="0"/>
+                  </a:endParaRPr>
+                </a:p>
+              </p:txBody>
+            </p:sp>
+            <p:sp>
+              <p:nvSpPr>
+                <p:cNvPr id="10" name="Rectangle 1">
+                  <a:extLst>
+                    <a:ext uri="{FF2B5EF4-FFF2-40B4-BE49-F238E27FC236}">
+                      <a16:creationId xmlns="" xmlns:a16="http://schemas.microsoft.com/office/drawing/2014/main" id="{4A5862E7-0045-43EA-8731-76AF0AFFEB2B}"/>
+                    </a:ext>
+                  </a:extLst>
+                </p:cNvPr>
+                <p:cNvSpPr>
+                  <a:spLocks noChangeArrowheads="1"/>
+                </p:cNvSpPr>
+                <p:nvPr/>
+              </p:nvSpPr>
+              <p:spPr bwMode="auto">
+                <a:xfrm>
+                  <a:off x="1468579" y="3472706"/>
+                  <a:ext cx="3001319" cy="261610"/>
+                </a:xfrm>
+                <a:prstGeom prst="rect">
+                  <a:avLst/>
+                </a:prstGeom>
+                <a:solidFill>
+                  <a:srgbClr val="F2F2F2"/>
+                </a:solidFill>
+                <a:ln>
+                  <a:noFill/>
+                </a:ln>
+                <a:effectLst/>
+                <a:extLst>
+                  <a:ext uri="{91240B29-F687-4F45-9708-019B960494DF}">
+                    <a14:hiddenLine xmlns:a14="http://schemas.microsoft.com/office/drawing/2010/main" w="9525">
+                      <a:solidFill>
+                        <a:schemeClr val="tx1"/>
+                      </a:solidFill>
+                      <a:miter lim="800000"/>
+                      <a:headEnd/>
+                      <a:tailEnd/>
+                    </a14:hiddenLine>
+                  </a:ext>
+                  <a:ext uri="{AF507438-7753-43E0-B8FC-AC1667EBCBE1}">
+                    <a14:hiddenEffects xmlns:a14="http://schemas.microsoft.com/office/drawing/2010/main">
+                      <a:effectLst>
+                        <a:outerShdw dist="35921" dir="2700000" algn="ctr" rotWithShape="0">
+                          <a:schemeClr val="bg2"/>
+                        </a:outerShdw>
+                      </a:effectLst>
+                    </a14:hiddenEffects>
+                  </a:ext>
+                </a:extLst>
+              </p:spPr>
+              <p:txBody>
+                <a:bodyPr vert="horz" wrap="square" lIns="91440" tIns="45720" rIns="91440" bIns="45720" numCol="1" anchor="ctr" anchorCtr="0" compatLnSpc="1">
+                  <a:prstTxWarp prst="textNoShape">
+                    <a:avLst/>
+                  </a:prstTxWarp>
+                  <a:spAutoFit/>
+                </a:bodyPr>
+                <a:lstStyle>
+                  <a:lvl1pPr eaLnBrk="0" fontAlgn="base" hangingPunct="0">
+                    <a:spcBef>
+                      <a:spcPct val="0"/>
+                    </a:spcBef>
+                    <a:spcAft>
+                      <a:spcPct val="0"/>
+                    </a:spcAft>
+                    <a:defRPr>
+                      <a:solidFill>
+                        <a:schemeClr val="tx1"/>
+                      </a:solidFill>
+                      <a:latin typeface="Arial" panose="020B0604020202020204" pitchFamily="34" charset="0"/>
+                    </a:defRPr>
+                  </a:lvl1pPr>
+                  <a:lvl2pPr eaLnBrk="0" fontAlgn="base" hangingPunct="0">
+                    <a:spcBef>
+                      <a:spcPct val="0"/>
+                    </a:spcBef>
+                    <a:spcAft>
+                      <a:spcPct val="0"/>
+                    </a:spcAft>
+                    <a:defRPr>
+                      <a:solidFill>
+                        <a:schemeClr val="tx1"/>
+                      </a:solidFill>
+                      <a:latin typeface="Arial" panose="020B0604020202020204" pitchFamily="34" charset="0"/>
+                    </a:defRPr>
+                  </a:lvl2pPr>
+                  <a:lvl3pPr eaLnBrk="0" fontAlgn="base" hangingPunct="0">
+                    <a:spcBef>
+                      <a:spcPct val="0"/>
+                    </a:spcBef>
+                    <a:spcAft>
+                      <a:spcPct val="0"/>
+                    </a:spcAft>
+                    <a:defRPr>
+                      <a:solidFill>
+                        <a:schemeClr val="tx1"/>
+                      </a:solidFill>
+                      <a:latin typeface="Arial" panose="020B0604020202020204" pitchFamily="34" charset="0"/>
+                    </a:defRPr>
+                  </a:lvl3pPr>
+                  <a:lvl4pPr eaLnBrk="0" fontAlgn="base" hangingPunct="0">
+                    <a:spcBef>
+                      <a:spcPct val="0"/>
+                    </a:spcBef>
+                    <a:spcAft>
+                      <a:spcPct val="0"/>
+                    </a:spcAft>
+                    <a:defRPr>
+                      <a:solidFill>
+                        <a:schemeClr val="tx1"/>
+                      </a:solidFill>
+                      <a:latin typeface="Arial" panose="020B0604020202020204" pitchFamily="34" charset="0"/>
+                    </a:defRPr>
+                  </a:lvl4pPr>
+                  <a:lvl5pPr eaLnBrk="0" fontAlgn="base" hangingPunct="0">
+                    <a:spcBef>
+                      <a:spcPct val="0"/>
+                    </a:spcBef>
+                    <a:spcAft>
+                      <a:spcPct val="0"/>
+                    </a:spcAft>
+                    <a:defRPr>
+                      <a:solidFill>
+                        <a:schemeClr val="tx1"/>
+                      </a:solidFill>
+                      <a:latin typeface="Arial" panose="020B0604020202020204" pitchFamily="34" charset="0"/>
+                    </a:defRPr>
+                  </a:lvl5pPr>
+                  <a:lvl6pPr eaLnBrk="0" fontAlgn="base" hangingPunct="0">
+                    <a:spcBef>
+                      <a:spcPct val="0"/>
+                    </a:spcBef>
+                    <a:spcAft>
+                      <a:spcPct val="0"/>
+                    </a:spcAft>
+                    <a:defRPr>
+                      <a:solidFill>
+                        <a:schemeClr val="tx1"/>
+                      </a:solidFill>
+                      <a:latin typeface="Arial" panose="020B0604020202020204" pitchFamily="34" charset="0"/>
+                    </a:defRPr>
+                  </a:lvl6pPr>
+                  <a:lvl7pPr eaLnBrk="0" fontAlgn="base" hangingPunct="0">
+                    <a:spcBef>
+                      <a:spcPct val="0"/>
+                    </a:spcBef>
+                    <a:spcAft>
+                      <a:spcPct val="0"/>
+                    </a:spcAft>
+                    <a:defRPr>
+                      <a:solidFill>
+                        <a:schemeClr val="tx1"/>
+                      </a:solidFill>
+                      <a:latin typeface="Arial" panose="020B0604020202020204" pitchFamily="34" charset="0"/>
+                    </a:defRPr>
+                  </a:lvl7pPr>
+                  <a:lvl8pPr eaLnBrk="0" fontAlgn="base" hangingPunct="0">
+                    <a:spcBef>
+                      <a:spcPct val="0"/>
+                    </a:spcBef>
+                    <a:spcAft>
+                      <a:spcPct val="0"/>
+                    </a:spcAft>
+                    <a:defRPr>
+                      <a:solidFill>
+                        <a:schemeClr val="tx1"/>
+                      </a:solidFill>
+                      <a:latin typeface="Arial" panose="020B0604020202020204" pitchFamily="34" charset="0"/>
+                    </a:defRPr>
+                  </a:lvl8pPr>
+                  <a:lvl9pPr eaLnBrk="0" fontAlgn="base" hangingPunct="0">
+                    <a:spcBef>
+                      <a:spcPct val="0"/>
+                    </a:spcBef>
+                    <a:spcAft>
+                      <a:spcPct val="0"/>
+                    </a:spcAft>
+                    <a:defRPr>
+                      <a:solidFill>
+                        <a:schemeClr val="tx1"/>
+                      </a:solidFill>
+                      <a:latin typeface="Arial" panose="020B0604020202020204" pitchFamily="34" charset="0"/>
+                    </a:defRPr>
+                  </a:lvl9pPr>
+                </a:lstStyle>
+                <a:p>
+                  <a:pPr marL="0" marR="0" lvl="0" indent="0" algn="l" defTabSz="914400" rtl="0" eaLnBrk="0" fontAlgn="base" latinLnBrk="0" hangingPunct="0">
+                    <a:lnSpc>
+                      <a:spcPct val="100000"/>
+                    </a:lnSpc>
+                    <a:spcBef>
+                      <a:spcPct val="0"/>
+                    </a:spcBef>
+                    <a:spcAft>
+                      <a:spcPct val="0"/>
+                    </a:spcAft>
+                    <a:buClrTx/>
+                    <a:buSzTx/>
+                    <a:buFontTx/>
+                    <a:buNone/>
+                    <a:tabLst/>
+                  </a:pPr>
+                  <a:r>
+                    <a:rPr lang="en-IN" sz="1100" b="0" i="0" dirty="0">
+                      <a:solidFill>
+                        <a:srgbClr val="24292F"/>
+                      </a:solidFill>
+                      <a:effectLst/>
+                      <a:latin typeface="ui-monospace"/>
+                    </a:rPr>
+                    <a:t>spring-cloud-starter-</a:t>
+                  </a:r>
+                  <a:r>
+                    <a:rPr lang="en-IN" sz="1100" b="0" i="0" dirty="0" err="1">
+                      <a:solidFill>
+                        <a:srgbClr val="24292F"/>
+                      </a:solidFill>
+                      <a:effectLst/>
+                      <a:latin typeface="ui-monospace"/>
+                    </a:rPr>
+                    <a:t>netflix</a:t>
+                  </a:r>
+                  <a:r>
+                    <a:rPr lang="en-IN" sz="1100" b="0" i="0" dirty="0">
+                      <a:solidFill>
+                        <a:srgbClr val="24292F"/>
+                      </a:solidFill>
+                      <a:effectLst/>
+                      <a:latin typeface="ui-monospace"/>
+                    </a:rPr>
+                    <a:t>-eureka-client</a:t>
+                  </a:r>
+                  <a:endParaRPr kumimoji="0" lang="en-US" altLang="en-US" sz="1800" b="0" i="0" u="none" strike="noStrike" cap="none" normalizeH="0" baseline="0" dirty="0">
+                    <a:ln>
+                      <a:noFill/>
+                    </a:ln>
+                    <a:solidFill>
+                      <a:schemeClr val="tx1"/>
+                    </a:solidFill>
+                    <a:effectLst/>
+                    <a:latin typeface="Arial" panose="020B0604020202020204" pitchFamily="34" charset="0"/>
+                  </a:endParaRPr>
+                </a:p>
+              </p:txBody>
+            </p:sp>
+          </p:grpSp>
+          <p:sp>
+            <p:nvSpPr>
+              <p:cNvPr id="6" name="Rectangle 5"/>
+              <p:cNvSpPr/>
+              <p:nvPr/>
+            </p:nvSpPr>
+            <p:spPr>
+              <a:xfrm>
+                <a:off x="4226904" y="1816370"/>
+                <a:ext cx="1597360" cy="276999"/>
+              </a:xfrm>
+              <a:prstGeom prst="rect">
+                <a:avLst/>
+              </a:prstGeom>
+              <a:solidFill>
+                <a:srgbClr val="FF0000"/>
+              </a:solidFill>
+            </p:spPr>
+            <p:txBody>
+              <a:bodyPr wrap="none">
+                <a:spAutoFit/>
+              </a:bodyPr>
+              <a:lstStyle/>
+              <a:p>
+                <a:r>
+                  <a:rPr lang="en-US" sz="1200" dirty="0"/>
+                  <a:t>@</a:t>
+                </a:r>
+                <a:r>
+                  <a:rPr lang="en-US" sz="1200" dirty="0" err="1" smtClean="0"/>
+                  <a:t>EnableWebSecurityc</a:t>
+                </a:r>
+                <a:endParaRPr lang="en-US" sz="1200" dirty="0"/>
+              </a:p>
+            </p:txBody>
+          </p:sp>
+          <p:sp>
+            <p:nvSpPr>
+              <p:cNvPr id="7" name="Rectangle 6"/>
+              <p:cNvSpPr/>
+              <p:nvPr/>
+            </p:nvSpPr>
+            <p:spPr>
+              <a:xfrm>
+                <a:off x="167522" y="1816370"/>
+                <a:ext cx="1907445" cy="276999"/>
+              </a:xfrm>
+              <a:prstGeom prst="rect">
+                <a:avLst/>
+              </a:prstGeom>
+              <a:solidFill>
+                <a:srgbClr val="FF0000"/>
+              </a:solidFill>
+            </p:spPr>
+            <p:txBody>
+              <a:bodyPr wrap="none">
+                <a:spAutoFit/>
+              </a:bodyPr>
+              <a:lstStyle/>
+              <a:p>
+                <a:r>
+                  <a:rPr lang="en-US" sz="1200" dirty="0"/>
+                  <a:t>spring-boot-starter-security</a:t>
+                </a:r>
+                <a:endParaRPr lang="en-US" sz="1200" dirty="0"/>
+              </a:p>
+            </p:txBody>
+          </p:sp>
+        </p:grpSp>
+        <p:sp>
+          <p:nvSpPr>
+            <p:cNvPr id="4" name="Rectangle 1">
+              <a:extLst>
+                <a:ext uri="{FF2B5EF4-FFF2-40B4-BE49-F238E27FC236}">
+                  <a16:creationId xmlns="" xmlns:a16="http://schemas.microsoft.com/office/drawing/2014/main" id="{7ACE0809-F724-4F82-8F30-59BB9374E8CB}"/>
+                </a:ext>
+              </a:extLst>
+            </p:cNvPr>
+            <p:cNvSpPr>
+              <a:spLocks noChangeArrowheads="1"/>
+            </p:cNvSpPr>
+            <p:nvPr/>
+          </p:nvSpPr>
+          <p:spPr bwMode="auto">
+            <a:xfrm>
+              <a:off x="3805372" y="504664"/>
+              <a:ext cx="1697787" cy="246221"/>
+            </a:xfrm>
+            <a:prstGeom prst="rect">
+              <a:avLst/>
+            </a:prstGeom>
+            <a:solidFill>
+              <a:srgbClr val="F2F2F2"/>
+            </a:solidFill>
+            <a:ln>
+              <a:noFill/>
+            </a:ln>
+            <a:effectLst/>
+            <a:extLst>
+              <a:ext uri="{91240B29-F687-4F45-9708-019B960494DF}">
+                <a14:hiddenLine xmlns:a14="http://schemas.microsoft.com/office/drawing/2010/main" w="9525">
+                  <a:solidFill>
+                    <a:schemeClr val="tx1"/>
+                  </a:solidFill>
+                  <a:miter lim="800000"/>
+                  <a:headEnd/>
+                  <a:tailEnd/>
+                </a14:hiddenLine>
+              </a:ext>
+              <a:ext uri="{AF507438-7753-43E0-B8FC-AC1667EBCBE1}">
+                <a14:hiddenEffects xmlns:a14="http://schemas.microsoft.com/office/drawing/2010/main">
+                  <a:effectLst>
+                    <a:outerShdw dist="35921" dir="2700000" algn="ctr" rotWithShape="0">
+                      <a:schemeClr val="bg2"/>
+                    </a:outerShdw>
+                  </a:effectLst>
+                </a14:hiddenEffects>
+              </a:ext>
+            </a:extLst>
+          </p:spPr>
+          <p:txBody>
+            <a:bodyPr vert="horz" wrap="square" lIns="91440" tIns="45720" rIns="91440" bIns="45720" numCol="1" anchor="ctr" anchorCtr="0" compatLnSpc="1">
+              <a:prstTxWarp prst="textNoShape">
+                <a:avLst/>
+              </a:prstTxWarp>
+              <a:spAutoFit/>
+            </a:bodyPr>
+            <a:lstStyle>
+              <a:lvl1pPr eaLnBrk="0" fontAlgn="base" hangingPunct="0">
+                <a:spcBef>
+                  <a:spcPct val="0"/>
+                </a:spcBef>
+                <a:spcAft>
+                  <a:spcPct val="0"/>
+                </a:spcAft>
+                <a:defRPr>
+                  <a:solidFill>
+                    <a:schemeClr val="tx1"/>
+                  </a:solidFill>
+                  <a:latin typeface="Arial" panose="020B0604020202020204" pitchFamily="34" charset="0"/>
+                </a:defRPr>
+              </a:lvl1pPr>
+              <a:lvl2pPr eaLnBrk="0" fontAlgn="base" hangingPunct="0">
+                <a:spcBef>
+                  <a:spcPct val="0"/>
+                </a:spcBef>
+                <a:spcAft>
+                  <a:spcPct val="0"/>
+                </a:spcAft>
+                <a:defRPr>
+                  <a:solidFill>
+                    <a:schemeClr val="tx1"/>
+                  </a:solidFill>
+                  <a:latin typeface="Arial" panose="020B0604020202020204" pitchFamily="34" charset="0"/>
+                </a:defRPr>
+              </a:lvl2pPr>
+              <a:lvl3pPr eaLnBrk="0" fontAlgn="base" hangingPunct="0">
+                <a:spcBef>
+                  <a:spcPct val="0"/>
+                </a:spcBef>
+                <a:spcAft>
+                  <a:spcPct val="0"/>
+                </a:spcAft>
+                <a:defRPr>
+                  <a:solidFill>
+                    <a:schemeClr val="tx1"/>
+                  </a:solidFill>
+                  <a:latin typeface="Arial" panose="020B0604020202020204" pitchFamily="34" charset="0"/>
+                </a:defRPr>
+              </a:lvl3pPr>
+              <a:lvl4pPr eaLnBrk="0" fontAlgn="base" hangingPunct="0">
+                <a:spcBef>
+                  <a:spcPct val="0"/>
+                </a:spcBef>
+                <a:spcAft>
+                  <a:spcPct val="0"/>
+                </a:spcAft>
+                <a:defRPr>
+                  <a:solidFill>
+                    <a:schemeClr val="tx1"/>
+                  </a:solidFill>
+                  <a:latin typeface="Arial" panose="020B0604020202020204" pitchFamily="34" charset="0"/>
+                </a:defRPr>
+              </a:lvl4pPr>
+              <a:lvl5pPr eaLnBrk="0" fontAlgn="base" hangingPunct="0">
+                <a:spcBef>
+                  <a:spcPct val="0"/>
+                </a:spcBef>
+                <a:spcAft>
+                  <a:spcPct val="0"/>
+                </a:spcAft>
+                <a:defRPr>
+                  <a:solidFill>
+                    <a:schemeClr val="tx1"/>
+                  </a:solidFill>
+                  <a:latin typeface="Arial" panose="020B0604020202020204" pitchFamily="34" charset="0"/>
+                </a:defRPr>
+              </a:lvl5pPr>
+              <a:lvl6pPr eaLnBrk="0" fontAlgn="base" hangingPunct="0">
+                <a:spcBef>
+                  <a:spcPct val="0"/>
+                </a:spcBef>
+                <a:spcAft>
+                  <a:spcPct val="0"/>
+                </a:spcAft>
+                <a:defRPr>
+                  <a:solidFill>
+                    <a:schemeClr val="tx1"/>
+                  </a:solidFill>
+                  <a:latin typeface="Arial" panose="020B0604020202020204" pitchFamily="34" charset="0"/>
+                </a:defRPr>
+              </a:lvl6pPr>
+              <a:lvl7pPr eaLnBrk="0" fontAlgn="base" hangingPunct="0">
+                <a:spcBef>
+                  <a:spcPct val="0"/>
+                </a:spcBef>
+                <a:spcAft>
+                  <a:spcPct val="0"/>
+                </a:spcAft>
+                <a:defRPr>
+                  <a:solidFill>
+                    <a:schemeClr val="tx1"/>
+                  </a:solidFill>
+                  <a:latin typeface="Arial" panose="020B0604020202020204" pitchFamily="34" charset="0"/>
+                </a:defRPr>
+              </a:lvl7pPr>
+              <a:lvl8pPr eaLnBrk="0" fontAlgn="base" hangingPunct="0">
+                <a:spcBef>
+                  <a:spcPct val="0"/>
+                </a:spcBef>
+                <a:spcAft>
+                  <a:spcPct val="0"/>
+                </a:spcAft>
+                <a:defRPr>
+                  <a:solidFill>
+                    <a:schemeClr val="tx1"/>
+                  </a:solidFill>
+                  <a:latin typeface="Arial" panose="020B0604020202020204" pitchFamily="34" charset="0"/>
+                </a:defRPr>
+              </a:lvl8pPr>
+              <a:lvl9pPr eaLnBrk="0" fontAlgn="base" hangingPunct="0">
+                <a:spcBef>
+                  <a:spcPct val="0"/>
+                </a:spcBef>
+                <a:spcAft>
+                  <a:spcPct val="0"/>
+                </a:spcAft>
+                <a:defRPr>
+                  <a:solidFill>
+                    <a:schemeClr val="tx1"/>
+                  </a:solidFill>
+                  <a:latin typeface="Arial" panose="020B0604020202020204" pitchFamily="34" charset="0"/>
+                </a:defRPr>
+              </a:lvl9pPr>
+            </a:lstStyle>
+            <a:p>
+              <a:pPr lvl="0"/>
+              <a:r>
+                <a:rPr lang="en-US" sz="1000" dirty="0"/>
+                <a:t>@</a:t>
+              </a:r>
+              <a:r>
+                <a:rPr lang="en-US" sz="1000" dirty="0" err="1" smtClean="0"/>
+                <a:t>SpringBootApplication</a:t>
+              </a:r>
+              <a:endParaRPr kumimoji="0" lang="en-US" altLang="en-US" sz="1000" b="0" i="0" u="none" strike="noStrike" cap="none" normalizeH="0" baseline="0" dirty="0">
+                <a:ln>
+                  <a:noFill/>
+                </a:ln>
+                <a:solidFill>
+                  <a:schemeClr val="tx1"/>
+                </a:solidFill>
+                <a:effectLst/>
+              </a:endParaRPr>
+            </a:p>
+          </p:txBody>
+        </p:sp>
+      </p:grpSp>
+      <p:grpSp>
+        <p:nvGrpSpPr>
+          <p:cNvPr id="11" name="Group 10"/>
+          <p:cNvGrpSpPr/>
+          <p:nvPr/>
+        </p:nvGrpSpPr>
+        <p:grpSpPr>
+          <a:xfrm>
+            <a:off x="6041771" y="462236"/>
+            <a:ext cx="5592943" cy="2253184"/>
+            <a:chOff x="167522" y="493747"/>
+            <a:chExt cx="5592943" cy="2253184"/>
+          </a:xfrm>
+        </p:grpSpPr>
+        <p:grpSp>
+          <p:nvGrpSpPr>
+            <p:cNvPr id="12" name="Group 11"/>
+            <p:cNvGrpSpPr/>
+            <p:nvPr/>
+          </p:nvGrpSpPr>
+          <p:grpSpPr>
+            <a:xfrm>
+              <a:off x="167522" y="493747"/>
+              <a:ext cx="5592943" cy="2253184"/>
+              <a:chOff x="167522" y="493747"/>
+              <a:chExt cx="5592943" cy="2253184"/>
+            </a:xfrm>
+          </p:grpSpPr>
+          <p:grpSp>
+            <p:nvGrpSpPr>
+              <p:cNvPr id="14" name="Group 13"/>
+              <p:cNvGrpSpPr/>
+              <p:nvPr/>
+            </p:nvGrpSpPr>
+            <p:grpSpPr>
+              <a:xfrm>
+                <a:off x="803564" y="493747"/>
+                <a:ext cx="4953236" cy="2253184"/>
+                <a:chOff x="1011381" y="2409115"/>
+                <a:chExt cx="4539890" cy="1338950"/>
+              </a:xfrm>
+            </p:grpSpPr>
+            <p:sp>
+              <p:nvSpPr>
+                <p:cNvPr id="17" name="Rectangle: Rounded Corners 1">
+                  <a:extLst>
+                    <a:ext uri="{FF2B5EF4-FFF2-40B4-BE49-F238E27FC236}">
+                      <a16:creationId xmlns="" xmlns:a16="http://schemas.microsoft.com/office/drawing/2014/main" id="{229043B8-923C-4A63-923B-ED47AB6F3179}"/>
+                    </a:ext>
+                  </a:extLst>
+                </p:cNvPr>
+                <p:cNvSpPr/>
+                <p:nvPr/>
+              </p:nvSpPr>
+              <p:spPr>
+                <a:xfrm>
+                  <a:off x="1011381" y="2409115"/>
+                  <a:ext cx="3915717" cy="1338950"/>
+                </a:xfrm>
+                <a:prstGeom prst="roundRect">
+                  <a:avLst/>
+                </a:prstGeom>
+                <a:solidFill>
+                  <a:schemeClr val="accent1">
+                    <a:lumMod val="75000"/>
+                  </a:schemeClr>
+                </a:solidFill>
+              </p:spPr>
+              <p:style>
+                <a:lnRef idx="2">
+                  <a:schemeClr val="accent1">
+                    <a:shade val="50000"/>
+                  </a:schemeClr>
+                </a:lnRef>
+                <a:fillRef idx="1">
+                  <a:schemeClr val="accent1"/>
+                </a:fillRef>
+                <a:effectRef idx="0">
+                  <a:schemeClr val="accent1"/>
+                </a:effectRef>
+                <a:fontRef idx="minor">
+                  <a:schemeClr val="lt1"/>
+                </a:fontRef>
+              </p:style>
+              <p:txBody>
+                <a:bodyPr rtlCol="0" anchor="ctr"/>
+                <a:lstStyle/>
+                <a:p>
+                  <a:pPr algn="ctr"/>
+                  <a:r>
+                    <a:rPr lang="en-IN" sz="1800" dirty="0" smtClean="0">
+                      <a:solidFill>
+                        <a:srgbClr val="000000"/>
+                      </a:solidFill>
+                      <a:latin typeface="Consolas" panose="020B0609020204030204" pitchFamily="49" charset="0"/>
+                    </a:rPr>
+                    <a:t>bmt.search-service01.com</a:t>
+                  </a:r>
+                  <a:endParaRPr lang="en-IN" dirty="0"/>
+                </a:p>
+              </p:txBody>
+            </p:sp>
+            <p:sp>
+              <p:nvSpPr>
+                <p:cNvPr id="18" name="Rectangle 1">
+                  <a:extLst>
+                    <a:ext uri="{FF2B5EF4-FFF2-40B4-BE49-F238E27FC236}">
+                      <a16:creationId xmlns="" xmlns:a16="http://schemas.microsoft.com/office/drawing/2014/main" id="{FFE5BAF0-90A9-481D-AAC3-4466B273C9B9}"/>
+                    </a:ext>
+                  </a:extLst>
+                </p:cNvPr>
+                <p:cNvSpPr>
+                  <a:spLocks noChangeArrowheads="1"/>
+                </p:cNvSpPr>
+                <p:nvPr/>
+              </p:nvSpPr>
+              <p:spPr bwMode="auto">
+                <a:xfrm>
+                  <a:off x="3762689" y="2615206"/>
+                  <a:ext cx="1788582" cy="192040"/>
+                </a:xfrm>
+                <a:prstGeom prst="rect">
+                  <a:avLst/>
+                </a:prstGeom>
+                <a:solidFill>
+                  <a:srgbClr val="F2F2F2"/>
+                </a:solidFill>
+                <a:ln>
+                  <a:noFill/>
+                </a:ln>
+                <a:effectLst/>
+                <a:extLst>
+                  <a:ext uri="{91240B29-F687-4F45-9708-019B960494DF}">
+                    <a14:hiddenLine xmlns:a14="http://schemas.microsoft.com/office/drawing/2010/main" w="9525">
+                      <a:solidFill>
+                        <a:schemeClr val="tx1"/>
+                      </a:solidFill>
+                      <a:miter lim="800000"/>
+                      <a:headEnd/>
+                      <a:tailEnd/>
+                    </a14:hiddenLine>
+                  </a:ext>
+                  <a:ext uri="{AF507438-7753-43E0-B8FC-AC1667EBCBE1}">
+                    <a14:hiddenEffects xmlns:a14="http://schemas.microsoft.com/office/drawing/2010/main">
+                      <a:effectLst>
+                        <a:outerShdw dist="35921" dir="2700000" algn="ctr" rotWithShape="0">
+                          <a:schemeClr val="bg2"/>
+                        </a:outerShdw>
+                      </a:effectLst>
+                    </a14:hiddenEffects>
+                  </a:ext>
+                </a:extLst>
+              </p:spPr>
+              <p:txBody>
+                <a:bodyPr vert="horz" wrap="square" lIns="91440" tIns="45720" rIns="91440" bIns="45720" numCol="1" anchor="ctr" anchorCtr="0" compatLnSpc="1">
+                  <a:prstTxWarp prst="textNoShape">
+                    <a:avLst/>
+                  </a:prstTxWarp>
+                  <a:spAutoFit/>
+                </a:bodyPr>
+                <a:lstStyle>
+                  <a:lvl1pPr eaLnBrk="0" fontAlgn="base" hangingPunct="0">
+                    <a:spcBef>
+                      <a:spcPct val="0"/>
+                    </a:spcBef>
+                    <a:spcAft>
+                      <a:spcPct val="0"/>
+                    </a:spcAft>
+                    <a:defRPr>
+                      <a:solidFill>
+                        <a:schemeClr val="tx1"/>
+                      </a:solidFill>
+                      <a:latin typeface="Arial" panose="020B0604020202020204" pitchFamily="34" charset="0"/>
+                    </a:defRPr>
+                  </a:lvl1pPr>
+                  <a:lvl2pPr eaLnBrk="0" fontAlgn="base" hangingPunct="0">
+                    <a:spcBef>
+                      <a:spcPct val="0"/>
+                    </a:spcBef>
+                    <a:spcAft>
+                      <a:spcPct val="0"/>
+                    </a:spcAft>
+                    <a:defRPr>
+                      <a:solidFill>
+                        <a:schemeClr val="tx1"/>
+                      </a:solidFill>
+                      <a:latin typeface="Arial" panose="020B0604020202020204" pitchFamily="34" charset="0"/>
+                    </a:defRPr>
+                  </a:lvl2pPr>
+                  <a:lvl3pPr eaLnBrk="0" fontAlgn="base" hangingPunct="0">
+                    <a:spcBef>
+                      <a:spcPct val="0"/>
+                    </a:spcBef>
+                    <a:spcAft>
+                      <a:spcPct val="0"/>
+                    </a:spcAft>
+                    <a:defRPr>
+                      <a:solidFill>
+                        <a:schemeClr val="tx1"/>
+                      </a:solidFill>
+                      <a:latin typeface="Arial" panose="020B0604020202020204" pitchFamily="34" charset="0"/>
+                    </a:defRPr>
+                  </a:lvl3pPr>
+                  <a:lvl4pPr eaLnBrk="0" fontAlgn="base" hangingPunct="0">
+                    <a:spcBef>
+                      <a:spcPct val="0"/>
+                    </a:spcBef>
+                    <a:spcAft>
+                      <a:spcPct val="0"/>
+                    </a:spcAft>
+                    <a:defRPr>
+                      <a:solidFill>
+                        <a:schemeClr val="tx1"/>
+                      </a:solidFill>
+                      <a:latin typeface="Arial" panose="020B0604020202020204" pitchFamily="34" charset="0"/>
+                    </a:defRPr>
+                  </a:lvl4pPr>
+                  <a:lvl5pPr eaLnBrk="0" fontAlgn="base" hangingPunct="0">
+                    <a:spcBef>
+                      <a:spcPct val="0"/>
+                    </a:spcBef>
+                    <a:spcAft>
+                      <a:spcPct val="0"/>
+                    </a:spcAft>
+                    <a:defRPr>
+                      <a:solidFill>
+                        <a:schemeClr val="tx1"/>
+                      </a:solidFill>
+                      <a:latin typeface="Arial" panose="020B0604020202020204" pitchFamily="34" charset="0"/>
+                    </a:defRPr>
+                  </a:lvl5pPr>
+                  <a:lvl6pPr eaLnBrk="0" fontAlgn="base" hangingPunct="0">
+                    <a:spcBef>
+                      <a:spcPct val="0"/>
+                    </a:spcBef>
+                    <a:spcAft>
+                      <a:spcPct val="0"/>
+                    </a:spcAft>
+                    <a:defRPr>
+                      <a:solidFill>
+                        <a:schemeClr val="tx1"/>
+                      </a:solidFill>
+                      <a:latin typeface="Arial" panose="020B0604020202020204" pitchFamily="34" charset="0"/>
+                    </a:defRPr>
+                  </a:lvl6pPr>
+                  <a:lvl7pPr eaLnBrk="0" fontAlgn="base" hangingPunct="0">
+                    <a:spcBef>
+                      <a:spcPct val="0"/>
+                    </a:spcBef>
+                    <a:spcAft>
+                      <a:spcPct val="0"/>
+                    </a:spcAft>
+                    <a:defRPr>
+                      <a:solidFill>
+                        <a:schemeClr val="tx1"/>
+                      </a:solidFill>
+                      <a:latin typeface="Arial" panose="020B0604020202020204" pitchFamily="34" charset="0"/>
+                    </a:defRPr>
+                  </a:lvl7pPr>
+                  <a:lvl8pPr eaLnBrk="0" fontAlgn="base" hangingPunct="0">
+                    <a:spcBef>
+                      <a:spcPct val="0"/>
+                    </a:spcBef>
+                    <a:spcAft>
+                      <a:spcPct val="0"/>
+                    </a:spcAft>
+                    <a:defRPr>
+                      <a:solidFill>
+                        <a:schemeClr val="tx1"/>
+                      </a:solidFill>
+                      <a:latin typeface="Arial" panose="020B0604020202020204" pitchFamily="34" charset="0"/>
+                    </a:defRPr>
+                  </a:lvl8pPr>
+                  <a:lvl9pPr eaLnBrk="0" fontAlgn="base" hangingPunct="0">
+                    <a:spcBef>
+                      <a:spcPct val="0"/>
+                    </a:spcBef>
+                    <a:spcAft>
+                      <a:spcPct val="0"/>
+                    </a:spcAft>
+                    <a:defRPr>
+                      <a:solidFill>
+                        <a:schemeClr val="tx1"/>
+                      </a:solidFill>
+                      <a:latin typeface="Arial" panose="020B0604020202020204" pitchFamily="34" charset="0"/>
+                    </a:defRPr>
+                  </a:lvl9pPr>
+                </a:lstStyle>
+                <a:p>
+                  <a:pPr marL="0" marR="0" lvl="0" indent="0" algn="l" defTabSz="914400" rtl="0" eaLnBrk="0" fontAlgn="base" latinLnBrk="0" hangingPunct="0">
+                    <a:lnSpc>
+                      <a:spcPct val="100000"/>
+                    </a:lnSpc>
+                    <a:spcBef>
+                      <a:spcPct val="0"/>
+                    </a:spcBef>
+                    <a:spcAft>
+                      <a:spcPct val="0"/>
+                    </a:spcAft>
+                    <a:buClrTx/>
+                    <a:buSzTx/>
+                    <a:buFontTx/>
+                    <a:buNone/>
+                    <a:tabLst/>
+                  </a:pPr>
+                  <a:r>
+                    <a:rPr kumimoji="0" lang="en-US" altLang="en-US" sz="1100" b="0" i="0" u="none" strike="noStrike" cap="none" normalizeH="0" baseline="0" dirty="0">
+                      <a:ln>
+                        <a:noFill/>
+                      </a:ln>
+                      <a:solidFill>
+                        <a:srgbClr val="292929"/>
+                      </a:solidFill>
+                      <a:effectLst/>
+                      <a:latin typeface="Menlo"/>
+                    </a:rPr>
+                    <a:t>@</a:t>
+                  </a:r>
+                  <a:r>
+                    <a:rPr kumimoji="0" lang="en-US" altLang="en-US" sz="1100" b="0" i="0" u="none" strike="noStrike" cap="none" normalizeH="0" baseline="0" dirty="0" err="1">
+                      <a:ln>
+                        <a:noFill/>
+                      </a:ln>
+                      <a:solidFill>
+                        <a:srgbClr val="292929"/>
+                      </a:solidFill>
+                      <a:effectLst/>
+                      <a:latin typeface="Menlo"/>
+                    </a:rPr>
+                    <a:t>EnableEurekaClient</a:t>
+                  </a:r>
+                  <a:r>
+                    <a:rPr kumimoji="0" lang="en-US" altLang="en-US" sz="1500" b="0" i="0" u="none" strike="noStrike" cap="none" normalizeH="0" baseline="0" dirty="0">
+                      <a:ln>
+                        <a:noFill/>
+                      </a:ln>
+                      <a:solidFill>
+                        <a:srgbClr val="292929"/>
+                      </a:solidFill>
+                      <a:effectLst/>
+                      <a:latin typeface="charter"/>
+                    </a:rPr>
+                    <a:t> </a:t>
+                  </a:r>
+                  <a:r>
+                    <a:rPr kumimoji="0" lang="en-US" altLang="en-US" sz="900" b="0" i="0" u="none" strike="noStrike" cap="none" normalizeH="0" baseline="0" dirty="0">
+                      <a:ln>
+                        <a:noFill/>
+                      </a:ln>
+                      <a:solidFill>
+                        <a:schemeClr val="tx1"/>
+                      </a:solidFill>
+                      <a:effectLst/>
+                    </a:rPr>
+                    <a:t> </a:t>
+                  </a:r>
+                  <a:endParaRPr kumimoji="0" lang="en-US" altLang="en-US" sz="1800" b="0" i="0" u="none" strike="noStrike" cap="none" normalizeH="0" baseline="0" dirty="0">
+                    <a:ln>
+                      <a:noFill/>
+                    </a:ln>
+                    <a:solidFill>
+                      <a:schemeClr val="tx1"/>
+                    </a:solidFill>
+                    <a:effectLst/>
+                    <a:latin typeface="Arial" panose="020B0604020202020204" pitchFamily="34" charset="0"/>
+                  </a:endParaRPr>
+                </a:p>
+              </p:txBody>
+            </p:sp>
+            <p:sp>
+              <p:nvSpPr>
+                <p:cNvPr id="19" name="Rectangle 1">
+                  <a:extLst>
+                    <a:ext uri="{FF2B5EF4-FFF2-40B4-BE49-F238E27FC236}">
+                      <a16:creationId xmlns="" xmlns:a16="http://schemas.microsoft.com/office/drawing/2014/main" id="{4A5862E7-0045-43EA-8731-76AF0AFFEB2B}"/>
+                    </a:ext>
+                  </a:extLst>
+                </p:cNvPr>
+                <p:cNvSpPr>
+                  <a:spLocks noChangeArrowheads="1"/>
+                </p:cNvSpPr>
+                <p:nvPr/>
+              </p:nvSpPr>
+              <p:spPr bwMode="auto">
+                <a:xfrm>
+                  <a:off x="1468579" y="3472706"/>
+                  <a:ext cx="3001319" cy="261610"/>
+                </a:xfrm>
+                <a:prstGeom prst="rect">
+                  <a:avLst/>
+                </a:prstGeom>
+                <a:solidFill>
+                  <a:srgbClr val="F2F2F2"/>
+                </a:solidFill>
+                <a:ln>
+                  <a:noFill/>
+                </a:ln>
+                <a:effectLst/>
+                <a:extLst>
+                  <a:ext uri="{91240B29-F687-4F45-9708-019B960494DF}">
+                    <a14:hiddenLine xmlns:a14="http://schemas.microsoft.com/office/drawing/2010/main" w="9525">
+                      <a:solidFill>
+                        <a:schemeClr val="tx1"/>
+                      </a:solidFill>
+                      <a:miter lim="800000"/>
+                      <a:headEnd/>
+                      <a:tailEnd/>
+                    </a14:hiddenLine>
+                  </a:ext>
+                  <a:ext uri="{AF507438-7753-43E0-B8FC-AC1667EBCBE1}">
+                    <a14:hiddenEffects xmlns:a14="http://schemas.microsoft.com/office/drawing/2010/main">
+                      <a:effectLst>
+                        <a:outerShdw dist="35921" dir="2700000" algn="ctr" rotWithShape="0">
+                          <a:schemeClr val="bg2"/>
+                        </a:outerShdw>
+                      </a:effectLst>
+                    </a14:hiddenEffects>
+                  </a:ext>
+                </a:extLst>
+              </p:spPr>
+              <p:txBody>
+                <a:bodyPr vert="horz" wrap="square" lIns="91440" tIns="45720" rIns="91440" bIns="45720" numCol="1" anchor="ctr" anchorCtr="0" compatLnSpc="1">
+                  <a:prstTxWarp prst="textNoShape">
+                    <a:avLst/>
+                  </a:prstTxWarp>
+                  <a:spAutoFit/>
+                </a:bodyPr>
+                <a:lstStyle>
+                  <a:lvl1pPr eaLnBrk="0" fontAlgn="base" hangingPunct="0">
+                    <a:spcBef>
+                      <a:spcPct val="0"/>
+                    </a:spcBef>
+                    <a:spcAft>
+                      <a:spcPct val="0"/>
+                    </a:spcAft>
+                    <a:defRPr>
+                      <a:solidFill>
+                        <a:schemeClr val="tx1"/>
+                      </a:solidFill>
+                      <a:latin typeface="Arial" panose="020B0604020202020204" pitchFamily="34" charset="0"/>
+                    </a:defRPr>
+                  </a:lvl1pPr>
+                  <a:lvl2pPr eaLnBrk="0" fontAlgn="base" hangingPunct="0">
+                    <a:spcBef>
+                      <a:spcPct val="0"/>
+                    </a:spcBef>
+                    <a:spcAft>
+                      <a:spcPct val="0"/>
+                    </a:spcAft>
+                    <a:defRPr>
+                      <a:solidFill>
+                        <a:schemeClr val="tx1"/>
+                      </a:solidFill>
+                      <a:latin typeface="Arial" panose="020B0604020202020204" pitchFamily="34" charset="0"/>
+                    </a:defRPr>
+                  </a:lvl2pPr>
+                  <a:lvl3pPr eaLnBrk="0" fontAlgn="base" hangingPunct="0">
+                    <a:spcBef>
+                      <a:spcPct val="0"/>
+                    </a:spcBef>
+                    <a:spcAft>
+                      <a:spcPct val="0"/>
+                    </a:spcAft>
+                    <a:defRPr>
+                      <a:solidFill>
+                        <a:schemeClr val="tx1"/>
+                      </a:solidFill>
+                      <a:latin typeface="Arial" panose="020B0604020202020204" pitchFamily="34" charset="0"/>
+                    </a:defRPr>
+                  </a:lvl3pPr>
+                  <a:lvl4pPr eaLnBrk="0" fontAlgn="base" hangingPunct="0">
+                    <a:spcBef>
+                      <a:spcPct val="0"/>
+                    </a:spcBef>
+                    <a:spcAft>
+                      <a:spcPct val="0"/>
+                    </a:spcAft>
+                    <a:defRPr>
+                      <a:solidFill>
+                        <a:schemeClr val="tx1"/>
+                      </a:solidFill>
+                      <a:latin typeface="Arial" panose="020B0604020202020204" pitchFamily="34" charset="0"/>
+                    </a:defRPr>
+                  </a:lvl4pPr>
+                  <a:lvl5pPr eaLnBrk="0" fontAlgn="base" hangingPunct="0">
+                    <a:spcBef>
+                      <a:spcPct val="0"/>
+                    </a:spcBef>
+                    <a:spcAft>
+                      <a:spcPct val="0"/>
+                    </a:spcAft>
+                    <a:defRPr>
+                      <a:solidFill>
+                        <a:schemeClr val="tx1"/>
+                      </a:solidFill>
+                      <a:latin typeface="Arial" panose="020B0604020202020204" pitchFamily="34" charset="0"/>
+                    </a:defRPr>
+                  </a:lvl5pPr>
+                  <a:lvl6pPr eaLnBrk="0" fontAlgn="base" hangingPunct="0">
+                    <a:spcBef>
+                      <a:spcPct val="0"/>
+                    </a:spcBef>
+                    <a:spcAft>
+                      <a:spcPct val="0"/>
+                    </a:spcAft>
+                    <a:defRPr>
+                      <a:solidFill>
+                        <a:schemeClr val="tx1"/>
+                      </a:solidFill>
+                      <a:latin typeface="Arial" panose="020B0604020202020204" pitchFamily="34" charset="0"/>
+                    </a:defRPr>
+                  </a:lvl6pPr>
+                  <a:lvl7pPr eaLnBrk="0" fontAlgn="base" hangingPunct="0">
+                    <a:spcBef>
+                      <a:spcPct val="0"/>
+                    </a:spcBef>
+                    <a:spcAft>
+                      <a:spcPct val="0"/>
+                    </a:spcAft>
+                    <a:defRPr>
+                      <a:solidFill>
+                        <a:schemeClr val="tx1"/>
+                      </a:solidFill>
+                      <a:latin typeface="Arial" panose="020B0604020202020204" pitchFamily="34" charset="0"/>
+                    </a:defRPr>
+                  </a:lvl7pPr>
+                  <a:lvl8pPr eaLnBrk="0" fontAlgn="base" hangingPunct="0">
+                    <a:spcBef>
+                      <a:spcPct val="0"/>
+                    </a:spcBef>
+                    <a:spcAft>
+                      <a:spcPct val="0"/>
+                    </a:spcAft>
+                    <a:defRPr>
+                      <a:solidFill>
+                        <a:schemeClr val="tx1"/>
+                      </a:solidFill>
+                      <a:latin typeface="Arial" panose="020B0604020202020204" pitchFamily="34" charset="0"/>
+                    </a:defRPr>
+                  </a:lvl8pPr>
+                  <a:lvl9pPr eaLnBrk="0" fontAlgn="base" hangingPunct="0">
+                    <a:spcBef>
+                      <a:spcPct val="0"/>
+                    </a:spcBef>
+                    <a:spcAft>
+                      <a:spcPct val="0"/>
+                    </a:spcAft>
+                    <a:defRPr>
+                      <a:solidFill>
+                        <a:schemeClr val="tx1"/>
+                      </a:solidFill>
+                      <a:latin typeface="Arial" panose="020B0604020202020204" pitchFamily="34" charset="0"/>
+                    </a:defRPr>
+                  </a:lvl9pPr>
+                </a:lstStyle>
+                <a:p>
+                  <a:pPr marL="0" marR="0" lvl="0" indent="0" algn="l" defTabSz="914400" rtl="0" eaLnBrk="0" fontAlgn="base" latinLnBrk="0" hangingPunct="0">
+                    <a:lnSpc>
+                      <a:spcPct val="100000"/>
+                    </a:lnSpc>
+                    <a:spcBef>
+                      <a:spcPct val="0"/>
+                    </a:spcBef>
+                    <a:spcAft>
+                      <a:spcPct val="0"/>
+                    </a:spcAft>
+                    <a:buClrTx/>
+                    <a:buSzTx/>
+                    <a:buFontTx/>
+                    <a:buNone/>
+                    <a:tabLst/>
+                  </a:pPr>
+                  <a:r>
+                    <a:rPr lang="en-IN" sz="1100" b="0" i="0" dirty="0">
+                      <a:solidFill>
+                        <a:srgbClr val="24292F"/>
+                      </a:solidFill>
+                      <a:effectLst/>
+                      <a:latin typeface="ui-monospace"/>
+                    </a:rPr>
+                    <a:t>spring-cloud-starter-</a:t>
+                  </a:r>
+                  <a:r>
+                    <a:rPr lang="en-IN" sz="1100" b="0" i="0" dirty="0" err="1">
+                      <a:solidFill>
+                        <a:srgbClr val="24292F"/>
+                      </a:solidFill>
+                      <a:effectLst/>
+                      <a:latin typeface="ui-monospace"/>
+                    </a:rPr>
+                    <a:t>netflix</a:t>
+                  </a:r>
+                  <a:r>
+                    <a:rPr lang="en-IN" sz="1100" b="0" i="0" dirty="0">
+                      <a:solidFill>
+                        <a:srgbClr val="24292F"/>
+                      </a:solidFill>
+                      <a:effectLst/>
+                      <a:latin typeface="ui-monospace"/>
+                    </a:rPr>
+                    <a:t>-eureka-client</a:t>
+                  </a:r>
+                  <a:endParaRPr kumimoji="0" lang="en-US" altLang="en-US" sz="1800" b="0" i="0" u="none" strike="noStrike" cap="none" normalizeH="0" baseline="0" dirty="0">
+                    <a:ln>
+                      <a:noFill/>
+                    </a:ln>
+                    <a:solidFill>
+                      <a:schemeClr val="tx1"/>
+                    </a:solidFill>
+                    <a:effectLst/>
+                    <a:latin typeface="Arial" panose="020B0604020202020204" pitchFamily="34" charset="0"/>
+                  </a:endParaRPr>
+                </a:p>
+              </p:txBody>
+            </p:sp>
+          </p:grpSp>
+          <p:sp>
+            <p:nvSpPr>
+              <p:cNvPr id="15" name="Rectangle 14"/>
+              <p:cNvSpPr/>
+              <p:nvPr/>
+            </p:nvSpPr>
+            <p:spPr>
+              <a:xfrm>
+                <a:off x="4226904" y="1816370"/>
+                <a:ext cx="1533561" cy="276999"/>
+              </a:xfrm>
+              <a:prstGeom prst="rect">
+                <a:avLst/>
+              </a:prstGeom>
+              <a:solidFill>
+                <a:srgbClr val="FF0000"/>
+              </a:solidFill>
+            </p:spPr>
+            <p:txBody>
+              <a:bodyPr wrap="none">
+                <a:spAutoFit/>
+              </a:bodyPr>
+              <a:lstStyle/>
+              <a:p>
+                <a:r>
+                  <a:rPr lang="en-US" sz="1200" dirty="0"/>
+                  <a:t>@</a:t>
+                </a:r>
+                <a:r>
+                  <a:rPr lang="en-US" sz="1200" dirty="0" err="1" smtClean="0"/>
+                  <a:t>EnableWebSecurity</a:t>
+                </a:r>
+                <a:endParaRPr lang="en-US" sz="1200" dirty="0"/>
+              </a:p>
+            </p:txBody>
+          </p:sp>
+          <p:sp>
+            <p:nvSpPr>
+              <p:cNvPr id="16" name="Rectangle 15"/>
+              <p:cNvSpPr/>
+              <p:nvPr/>
+            </p:nvSpPr>
+            <p:spPr>
+              <a:xfrm>
+                <a:off x="167522" y="1816370"/>
+                <a:ext cx="1907445" cy="276999"/>
+              </a:xfrm>
+              <a:prstGeom prst="rect">
+                <a:avLst/>
+              </a:prstGeom>
+              <a:solidFill>
+                <a:srgbClr val="FF0000"/>
+              </a:solidFill>
+            </p:spPr>
+            <p:txBody>
+              <a:bodyPr wrap="none">
+                <a:spAutoFit/>
+              </a:bodyPr>
+              <a:lstStyle/>
+              <a:p>
+                <a:r>
+                  <a:rPr lang="en-US" sz="1200" dirty="0"/>
+                  <a:t>spring-boot-starter-security</a:t>
+                </a:r>
+                <a:endParaRPr lang="en-US" sz="1200" dirty="0"/>
+              </a:p>
+            </p:txBody>
+          </p:sp>
+        </p:grpSp>
+        <p:sp>
+          <p:nvSpPr>
+            <p:cNvPr id="13" name="Rectangle 1">
+              <a:extLst>
+                <a:ext uri="{FF2B5EF4-FFF2-40B4-BE49-F238E27FC236}">
+                  <a16:creationId xmlns="" xmlns:a16="http://schemas.microsoft.com/office/drawing/2014/main" id="{7ACE0809-F724-4F82-8F30-59BB9374E8CB}"/>
+                </a:ext>
+              </a:extLst>
+            </p:cNvPr>
+            <p:cNvSpPr>
+              <a:spLocks noChangeArrowheads="1"/>
+            </p:cNvSpPr>
+            <p:nvPr/>
+          </p:nvSpPr>
+          <p:spPr bwMode="auto">
+            <a:xfrm>
+              <a:off x="3805372" y="504664"/>
+              <a:ext cx="1697787" cy="246221"/>
+            </a:xfrm>
+            <a:prstGeom prst="rect">
+              <a:avLst/>
+            </a:prstGeom>
+            <a:solidFill>
+              <a:srgbClr val="F2F2F2"/>
+            </a:solidFill>
+            <a:ln>
+              <a:noFill/>
+            </a:ln>
+            <a:effectLst/>
+            <a:extLst>
+              <a:ext uri="{91240B29-F687-4F45-9708-019B960494DF}">
+                <a14:hiddenLine xmlns:a14="http://schemas.microsoft.com/office/drawing/2010/main" w="9525">
+                  <a:solidFill>
+                    <a:schemeClr val="tx1"/>
+                  </a:solidFill>
+                  <a:miter lim="800000"/>
+                  <a:headEnd/>
+                  <a:tailEnd/>
+                </a14:hiddenLine>
+              </a:ext>
+              <a:ext uri="{AF507438-7753-43E0-B8FC-AC1667EBCBE1}">
+                <a14:hiddenEffects xmlns:a14="http://schemas.microsoft.com/office/drawing/2010/main">
+                  <a:effectLst>
+                    <a:outerShdw dist="35921" dir="2700000" algn="ctr" rotWithShape="0">
+                      <a:schemeClr val="bg2"/>
+                    </a:outerShdw>
+                  </a:effectLst>
+                </a14:hiddenEffects>
+              </a:ext>
+            </a:extLst>
+          </p:spPr>
+          <p:txBody>
+            <a:bodyPr vert="horz" wrap="square" lIns="91440" tIns="45720" rIns="91440" bIns="45720" numCol="1" anchor="ctr" anchorCtr="0" compatLnSpc="1">
+              <a:prstTxWarp prst="textNoShape">
+                <a:avLst/>
+              </a:prstTxWarp>
+              <a:spAutoFit/>
+            </a:bodyPr>
+            <a:lstStyle>
+              <a:lvl1pPr eaLnBrk="0" fontAlgn="base" hangingPunct="0">
+                <a:spcBef>
+                  <a:spcPct val="0"/>
+                </a:spcBef>
+                <a:spcAft>
+                  <a:spcPct val="0"/>
+                </a:spcAft>
+                <a:defRPr>
+                  <a:solidFill>
+                    <a:schemeClr val="tx1"/>
+                  </a:solidFill>
+                  <a:latin typeface="Arial" panose="020B0604020202020204" pitchFamily="34" charset="0"/>
+                </a:defRPr>
+              </a:lvl1pPr>
+              <a:lvl2pPr eaLnBrk="0" fontAlgn="base" hangingPunct="0">
+                <a:spcBef>
+                  <a:spcPct val="0"/>
+                </a:spcBef>
+                <a:spcAft>
+                  <a:spcPct val="0"/>
+                </a:spcAft>
+                <a:defRPr>
+                  <a:solidFill>
+                    <a:schemeClr val="tx1"/>
+                  </a:solidFill>
+                  <a:latin typeface="Arial" panose="020B0604020202020204" pitchFamily="34" charset="0"/>
+                </a:defRPr>
+              </a:lvl2pPr>
+              <a:lvl3pPr eaLnBrk="0" fontAlgn="base" hangingPunct="0">
+                <a:spcBef>
+                  <a:spcPct val="0"/>
+                </a:spcBef>
+                <a:spcAft>
+                  <a:spcPct val="0"/>
+                </a:spcAft>
+                <a:defRPr>
+                  <a:solidFill>
+                    <a:schemeClr val="tx1"/>
+                  </a:solidFill>
+                  <a:latin typeface="Arial" panose="020B0604020202020204" pitchFamily="34" charset="0"/>
+                </a:defRPr>
+              </a:lvl3pPr>
+              <a:lvl4pPr eaLnBrk="0" fontAlgn="base" hangingPunct="0">
+                <a:spcBef>
+                  <a:spcPct val="0"/>
+                </a:spcBef>
+                <a:spcAft>
+                  <a:spcPct val="0"/>
+                </a:spcAft>
+                <a:defRPr>
+                  <a:solidFill>
+                    <a:schemeClr val="tx1"/>
+                  </a:solidFill>
+                  <a:latin typeface="Arial" panose="020B0604020202020204" pitchFamily="34" charset="0"/>
+                </a:defRPr>
+              </a:lvl4pPr>
+              <a:lvl5pPr eaLnBrk="0" fontAlgn="base" hangingPunct="0">
+                <a:spcBef>
+                  <a:spcPct val="0"/>
+                </a:spcBef>
+                <a:spcAft>
+                  <a:spcPct val="0"/>
+                </a:spcAft>
+                <a:defRPr>
+                  <a:solidFill>
+                    <a:schemeClr val="tx1"/>
+                  </a:solidFill>
+                  <a:latin typeface="Arial" panose="020B0604020202020204" pitchFamily="34" charset="0"/>
+                </a:defRPr>
+              </a:lvl5pPr>
+              <a:lvl6pPr eaLnBrk="0" fontAlgn="base" hangingPunct="0">
+                <a:spcBef>
+                  <a:spcPct val="0"/>
+                </a:spcBef>
+                <a:spcAft>
+                  <a:spcPct val="0"/>
+                </a:spcAft>
+                <a:defRPr>
+                  <a:solidFill>
+                    <a:schemeClr val="tx1"/>
+                  </a:solidFill>
+                  <a:latin typeface="Arial" panose="020B0604020202020204" pitchFamily="34" charset="0"/>
+                </a:defRPr>
+              </a:lvl6pPr>
+              <a:lvl7pPr eaLnBrk="0" fontAlgn="base" hangingPunct="0">
+                <a:spcBef>
+                  <a:spcPct val="0"/>
+                </a:spcBef>
+                <a:spcAft>
+                  <a:spcPct val="0"/>
+                </a:spcAft>
+                <a:defRPr>
+                  <a:solidFill>
+                    <a:schemeClr val="tx1"/>
+                  </a:solidFill>
+                  <a:latin typeface="Arial" panose="020B0604020202020204" pitchFamily="34" charset="0"/>
+                </a:defRPr>
+              </a:lvl7pPr>
+              <a:lvl8pPr eaLnBrk="0" fontAlgn="base" hangingPunct="0">
+                <a:spcBef>
+                  <a:spcPct val="0"/>
+                </a:spcBef>
+                <a:spcAft>
+                  <a:spcPct val="0"/>
+                </a:spcAft>
+                <a:defRPr>
+                  <a:solidFill>
+                    <a:schemeClr val="tx1"/>
+                  </a:solidFill>
+                  <a:latin typeface="Arial" panose="020B0604020202020204" pitchFamily="34" charset="0"/>
+                </a:defRPr>
+              </a:lvl8pPr>
+              <a:lvl9pPr eaLnBrk="0" fontAlgn="base" hangingPunct="0">
+                <a:spcBef>
+                  <a:spcPct val="0"/>
+                </a:spcBef>
+                <a:spcAft>
+                  <a:spcPct val="0"/>
+                </a:spcAft>
+                <a:defRPr>
+                  <a:solidFill>
+                    <a:schemeClr val="tx1"/>
+                  </a:solidFill>
+                  <a:latin typeface="Arial" panose="020B0604020202020204" pitchFamily="34" charset="0"/>
+                </a:defRPr>
+              </a:lvl9pPr>
+            </a:lstStyle>
+            <a:p>
+              <a:pPr lvl="0"/>
+              <a:r>
+                <a:rPr lang="en-US" sz="1000" dirty="0"/>
+                <a:t>@</a:t>
+              </a:r>
+              <a:r>
+                <a:rPr lang="en-US" sz="1000" dirty="0" err="1"/>
+                <a:t>SpringBootApplication</a:t>
+              </a:r>
+              <a:r>
+                <a:rPr kumimoji="0" lang="en-US" altLang="en-US" sz="1000" b="0" i="0" u="none" strike="noStrike" cap="none" normalizeH="0" baseline="0" dirty="0">
+                  <a:ln>
+                    <a:noFill/>
+                  </a:ln>
+                  <a:solidFill>
+                    <a:srgbClr val="292929"/>
+                  </a:solidFill>
+                  <a:effectLst/>
+                  <a:latin typeface="charter"/>
+                </a:rPr>
+                <a:t> </a:t>
+              </a:r>
+              <a:r>
+                <a:rPr kumimoji="0" lang="en-US" altLang="en-US" sz="1000" b="0" i="0" u="none" strike="noStrike" cap="none" normalizeH="0" baseline="0" dirty="0" smtClean="0">
+                  <a:ln>
+                    <a:noFill/>
+                  </a:ln>
+                  <a:solidFill>
+                    <a:srgbClr val="292929"/>
+                  </a:solidFill>
+                  <a:effectLst/>
+                  <a:latin typeface="charter"/>
+                </a:rPr>
+                <a:t>c</a:t>
+              </a:r>
+              <a:endParaRPr kumimoji="0" lang="en-US" altLang="en-US" sz="1000" b="0" i="0" u="none" strike="noStrike" cap="none" normalizeH="0" baseline="0" dirty="0">
+                <a:ln>
+                  <a:noFill/>
+                </a:ln>
+                <a:solidFill>
+                  <a:schemeClr val="tx1"/>
+                </a:solidFill>
+                <a:effectLst/>
+              </a:endParaRPr>
+            </a:p>
+          </p:txBody>
+        </p:sp>
+      </p:grpSp>
+      <p:sp>
+        <p:nvSpPr>
+          <p:cNvPr id="20" name="Rectangle 1">
+            <a:extLst>
+              <a:ext uri="{FF2B5EF4-FFF2-40B4-BE49-F238E27FC236}">
+                <a16:creationId xmlns="" xmlns:a16="http://schemas.microsoft.com/office/drawing/2014/main" id="{FFE5BAF0-90A9-481D-AAC3-4466B273C9B9}"/>
+              </a:ext>
+            </a:extLst>
+          </p:cNvPr>
+          <p:cNvSpPr>
+            <a:spLocks noChangeArrowheads="1"/>
+          </p:cNvSpPr>
+          <p:nvPr/>
+        </p:nvSpPr>
+        <p:spPr bwMode="auto">
+          <a:xfrm>
+            <a:off x="174196" y="634908"/>
+            <a:ext cx="2472022" cy="738664"/>
+          </a:xfrm>
+          <a:prstGeom prst="rect">
+            <a:avLst/>
+          </a:prstGeom>
+          <a:solidFill>
+            <a:srgbClr val="F2F2F2"/>
+          </a:solidFill>
+          <a:ln>
+            <a:noFill/>
+          </a:ln>
+          <a:effectLst/>
+          <a:extLst>
+            <a:ext uri="{91240B29-F687-4F45-9708-019B960494DF}">
+              <a14:hiddenLine xmlns:a14="http://schemas.microsoft.com/office/drawing/2010/main" w="9525">
+                <a:solidFill>
+                  <a:schemeClr val="tx1"/>
+                </a:solidFill>
+                <a:miter lim="800000"/>
+                <a:headEnd/>
+                <a:tailEnd/>
+              </a14:hiddenLine>
+            </a:ext>
+            <a:ext uri="{AF507438-7753-43E0-B8FC-AC1667EBCBE1}">
+              <a14:hiddenEffects xmlns:a14="http://schemas.microsoft.com/office/drawing/2010/main">
+                <a:effectLst>
+                  <a:outerShdw dist="35921" dir="2700000" algn="ctr" rotWithShape="0">
+                    <a:schemeClr val="bg2"/>
+                  </a:outerShdw>
+                </a:effectLst>
+              </a14:hiddenEffects>
+            </a:ext>
+          </a:extLst>
+        </p:spPr>
+        <p:txBody>
+          <a:bodyPr vert="horz" wrap="square" lIns="91440" tIns="45720" rIns="91440" bIns="45720" numCol="1" anchor="ctr" anchorCtr="0" compatLnSpc="1">
+            <a:prstTxWarp prst="textNoShape">
+              <a:avLst/>
+            </a:prstTxWarp>
+            <a:spAutoFit/>
+          </a:bodyPr>
+          <a:lstStyle>
+            <a:lvl1pPr eaLnBrk="0" fontAlgn="base" hangingPunct="0">
+              <a:spcBef>
+                <a:spcPct val="0"/>
+              </a:spcBef>
+              <a:spcAft>
+                <a:spcPct val="0"/>
+              </a:spcAft>
+              <a:defRPr>
+                <a:solidFill>
+                  <a:schemeClr val="tx1"/>
+                </a:solidFill>
+                <a:latin typeface="Arial" panose="020B0604020202020204" pitchFamily="34" charset="0"/>
+              </a:defRPr>
+            </a:lvl1pPr>
+            <a:lvl2pPr eaLnBrk="0" fontAlgn="base" hangingPunct="0">
+              <a:spcBef>
+                <a:spcPct val="0"/>
+              </a:spcBef>
+              <a:spcAft>
+                <a:spcPct val="0"/>
+              </a:spcAft>
+              <a:defRPr>
+                <a:solidFill>
+                  <a:schemeClr val="tx1"/>
+                </a:solidFill>
+                <a:latin typeface="Arial" panose="020B0604020202020204" pitchFamily="34" charset="0"/>
+              </a:defRPr>
+            </a:lvl2pPr>
+            <a:lvl3pPr eaLnBrk="0" fontAlgn="base" hangingPunct="0">
+              <a:spcBef>
+                <a:spcPct val="0"/>
+              </a:spcBef>
+              <a:spcAft>
+                <a:spcPct val="0"/>
+              </a:spcAft>
+              <a:defRPr>
+                <a:solidFill>
+                  <a:schemeClr val="tx1"/>
+                </a:solidFill>
+                <a:latin typeface="Arial" panose="020B0604020202020204" pitchFamily="34" charset="0"/>
+              </a:defRPr>
+            </a:lvl3pPr>
+            <a:lvl4pPr eaLnBrk="0" fontAlgn="base" hangingPunct="0">
+              <a:spcBef>
+                <a:spcPct val="0"/>
+              </a:spcBef>
+              <a:spcAft>
+                <a:spcPct val="0"/>
+              </a:spcAft>
+              <a:defRPr>
+                <a:solidFill>
+                  <a:schemeClr val="tx1"/>
+                </a:solidFill>
+                <a:latin typeface="Arial" panose="020B0604020202020204" pitchFamily="34" charset="0"/>
+              </a:defRPr>
+            </a:lvl4pPr>
+            <a:lvl5pPr eaLnBrk="0" fontAlgn="base" hangingPunct="0">
+              <a:spcBef>
+                <a:spcPct val="0"/>
+              </a:spcBef>
+              <a:spcAft>
+                <a:spcPct val="0"/>
+              </a:spcAft>
+              <a:defRPr>
+                <a:solidFill>
+                  <a:schemeClr val="tx1"/>
+                </a:solidFill>
+                <a:latin typeface="Arial" panose="020B0604020202020204" pitchFamily="34" charset="0"/>
+              </a:defRPr>
+            </a:lvl5pPr>
+            <a:lvl6pPr eaLnBrk="0" fontAlgn="base" hangingPunct="0">
+              <a:spcBef>
+                <a:spcPct val="0"/>
+              </a:spcBef>
+              <a:spcAft>
+                <a:spcPct val="0"/>
+              </a:spcAft>
+              <a:defRPr>
+                <a:solidFill>
+                  <a:schemeClr val="tx1"/>
+                </a:solidFill>
+                <a:latin typeface="Arial" panose="020B0604020202020204" pitchFamily="34" charset="0"/>
+              </a:defRPr>
+            </a:lvl6pPr>
+            <a:lvl7pPr eaLnBrk="0" fontAlgn="base" hangingPunct="0">
+              <a:spcBef>
+                <a:spcPct val="0"/>
+              </a:spcBef>
+              <a:spcAft>
+                <a:spcPct val="0"/>
+              </a:spcAft>
+              <a:defRPr>
+                <a:solidFill>
+                  <a:schemeClr val="tx1"/>
+                </a:solidFill>
+                <a:latin typeface="Arial" panose="020B0604020202020204" pitchFamily="34" charset="0"/>
+              </a:defRPr>
+            </a:lvl7pPr>
+            <a:lvl8pPr eaLnBrk="0" fontAlgn="base" hangingPunct="0">
+              <a:spcBef>
+                <a:spcPct val="0"/>
+              </a:spcBef>
+              <a:spcAft>
+                <a:spcPct val="0"/>
+              </a:spcAft>
+              <a:defRPr>
+                <a:solidFill>
+                  <a:schemeClr val="tx1"/>
+                </a:solidFill>
+                <a:latin typeface="Arial" panose="020B0604020202020204" pitchFamily="34" charset="0"/>
+              </a:defRPr>
+            </a:lvl8pPr>
+            <a:lvl9pPr eaLnBrk="0" fontAlgn="base" hangingPunct="0">
+              <a:spcBef>
+                <a:spcPct val="0"/>
+              </a:spcBef>
+              <a:spcAft>
+                <a:spcPct val="0"/>
+              </a:spcAft>
+              <a:defRPr>
+                <a:solidFill>
+                  <a:schemeClr val="tx1"/>
+                </a:solidFill>
+                <a:latin typeface="Arial" panose="020B0604020202020204" pitchFamily="34" charset="0"/>
+              </a:defRPr>
+            </a:lvl9pPr>
+          </a:lstStyle>
+          <a:p>
+            <a:pPr marL="171450" marR="0" lvl="0" indent="-171450" algn="l" defTabSz="914400" rtl="0" eaLnBrk="0" fontAlgn="base" latinLnBrk="0" hangingPunct="0">
+              <a:lnSpc>
+                <a:spcPct val="100000"/>
+              </a:lnSpc>
+              <a:spcBef>
+                <a:spcPct val="0"/>
+              </a:spcBef>
+              <a:spcAft>
+                <a:spcPct val="0"/>
+              </a:spcAft>
+              <a:buClrTx/>
+              <a:buSzTx/>
+              <a:buFont typeface="Arial" pitchFamily="34" charset="0"/>
+              <a:buChar char="•"/>
+              <a:tabLst/>
+            </a:pPr>
+            <a:r>
+              <a:rPr kumimoji="0" lang="en-US" altLang="en-US" sz="1400" b="0" i="0" u="none" strike="noStrike" cap="none" normalizeH="0" baseline="0" dirty="0" smtClean="0">
+                <a:ln>
+                  <a:noFill/>
+                </a:ln>
+                <a:solidFill>
+                  <a:srgbClr val="FF0000"/>
+                </a:solidFill>
+                <a:effectLst/>
+                <a:latin typeface="Menlo"/>
+              </a:rPr>
+              <a:t>/partner/create</a:t>
+            </a:r>
+          </a:p>
+          <a:p>
+            <a:pPr marL="171450" marR="0" lvl="0" indent="-171450" algn="l" defTabSz="914400" rtl="0" eaLnBrk="0" fontAlgn="base" latinLnBrk="0" hangingPunct="0">
+              <a:lnSpc>
+                <a:spcPct val="100000"/>
+              </a:lnSpc>
+              <a:spcBef>
+                <a:spcPct val="0"/>
+              </a:spcBef>
+              <a:spcAft>
+                <a:spcPct val="0"/>
+              </a:spcAft>
+              <a:buClrTx/>
+              <a:buSzTx/>
+              <a:buFont typeface="Arial" pitchFamily="34" charset="0"/>
+              <a:buChar char="•"/>
+              <a:tabLst/>
+            </a:pPr>
+            <a:r>
+              <a:rPr lang="en-US" altLang="en-US" sz="1400" dirty="0" smtClean="0">
+                <a:solidFill>
+                  <a:srgbClr val="FF0000"/>
+                </a:solidFill>
+                <a:latin typeface="Menlo"/>
+              </a:rPr>
+              <a:t>/partner/{id}</a:t>
+            </a:r>
+          </a:p>
+          <a:p>
+            <a:pPr marL="171450" marR="0" lvl="0" indent="-171450" algn="l" defTabSz="914400" rtl="0" eaLnBrk="0" fontAlgn="base" latinLnBrk="0" hangingPunct="0">
+              <a:lnSpc>
+                <a:spcPct val="100000"/>
+              </a:lnSpc>
+              <a:spcBef>
+                <a:spcPct val="0"/>
+              </a:spcBef>
+              <a:spcAft>
+                <a:spcPct val="0"/>
+              </a:spcAft>
+              <a:buClrTx/>
+              <a:buSzTx/>
+              <a:buFont typeface="Arial" pitchFamily="34" charset="0"/>
+              <a:buChar char="•"/>
+              <a:tabLst/>
+            </a:pPr>
+            <a:r>
+              <a:rPr kumimoji="0" lang="en-US" altLang="en-US" sz="1400" b="0" i="0" u="none" strike="noStrike" cap="none" normalizeH="0" baseline="0" dirty="0" smtClean="0">
+                <a:ln>
+                  <a:noFill/>
+                </a:ln>
+                <a:solidFill>
+                  <a:srgbClr val="FF0000"/>
+                </a:solidFill>
+                <a:effectLst/>
+                <a:latin typeface="Menlo"/>
+              </a:rPr>
+              <a:t>***</a:t>
+            </a:r>
+            <a:endParaRPr kumimoji="0" lang="en-US" altLang="en-US" sz="1400" b="0" i="0" u="none" strike="noStrike" cap="none" normalizeH="0" baseline="0" dirty="0">
+              <a:ln>
+                <a:noFill/>
+              </a:ln>
+              <a:solidFill>
+                <a:srgbClr val="FF0000"/>
+              </a:solidFill>
+              <a:effectLst/>
+            </a:endParaRPr>
+          </a:p>
+        </p:txBody>
+      </p:sp>
+      <p:sp>
+        <p:nvSpPr>
+          <p:cNvPr id="21" name="Rectangle 1">
+            <a:extLst>
+              <a:ext uri="{FF2B5EF4-FFF2-40B4-BE49-F238E27FC236}">
+                <a16:creationId xmlns="" xmlns:a16="http://schemas.microsoft.com/office/drawing/2014/main" id="{FFE5BAF0-90A9-481D-AAC3-4466B273C9B9}"/>
+              </a:ext>
+            </a:extLst>
+          </p:cNvPr>
+          <p:cNvSpPr>
+            <a:spLocks noChangeArrowheads="1"/>
+          </p:cNvSpPr>
+          <p:nvPr/>
+        </p:nvSpPr>
+        <p:spPr bwMode="auto">
+          <a:xfrm>
+            <a:off x="5742399" y="480139"/>
+            <a:ext cx="2539326" cy="954107"/>
+          </a:xfrm>
+          <a:prstGeom prst="rect">
+            <a:avLst/>
+          </a:prstGeom>
+          <a:solidFill>
+            <a:srgbClr val="F2F2F2"/>
+          </a:solidFill>
+          <a:ln>
+            <a:noFill/>
+          </a:ln>
+          <a:effectLst/>
+          <a:extLst>
+            <a:ext uri="{91240B29-F687-4F45-9708-019B960494DF}">
+              <a14:hiddenLine xmlns:a14="http://schemas.microsoft.com/office/drawing/2010/main" w="9525">
+                <a:solidFill>
+                  <a:schemeClr val="tx1"/>
+                </a:solidFill>
+                <a:miter lim="800000"/>
+                <a:headEnd/>
+                <a:tailEnd/>
+              </a14:hiddenLine>
+            </a:ext>
+            <a:ext uri="{AF507438-7753-43E0-B8FC-AC1667EBCBE1}">
+              <a14:hiddenEffects xmlns:a14="http://schemas.microsoft.com/office/drawing/2010/main">
+                <a:effectLst>
+                  <a:outerShdw dist="35921" dir="2700000" algn="ctr" rotWithShape="0">
+                    <a:schemeClr val="bg2"/>
+                  </a:outerShdw>
+                </a:effectLst>
+              </a14:hiddenEffects>
+            </a:ext>
+          </a:extLst>
+        </p:spPr>
+        <p:txBody>
+          <a:bodyPr vert="horz" wrap="square" lIns="91440" tIns="45720" rIns="91440" bIns="45720" numCol="1" anchor="ctr" anchorCtr="0" compatLnSpc="1">
+            <a:prstTxWarp prst="textNoShape">
+              <a:avLst/>
+            </a:prstTxWarp>
+            <a:spAutoFit/>
+          </a:bodyPr>
+          <a:lstStyle>
+            <a:lvl1pPr eaLnBrk="0" fontAlgn="base" hangingPunct="0">
+              <a:spcBef>
+                <a:spcPct val="0"/>
+              </a:spcBef>
+              <a:spcAft>
+                <a:spcPct val="0"/>
+              </a:spcAft>
+              <a:defRPr>
+                <a:solidFill>
+                  <a:schemeClr val="tx1"/>
+                </a:solidFill>
+                <a:latin typeface="Arial" panose="020B0604020202020204" pitchFamily="34" charset="0"/>
+              </a:defRPr>
+            </a:lvl1pPr>
+            <a:lvl2pPr eaLnBrk="0" fontAlgn="base" hangingPunct="0">
+              <a:spcBef>
+                <a:spcPct val="0"/>
+              </a:spcBef>
+              <a:spcAft>
+                <a:spcPct val="0"/>
+              </a:spcAft>
+              <a:defRPr>
+                <a:solidFill>
+                  <a:schemeClr val="tx1"/>
+                </a:solidFill>
+                <a:latin typeface="Arial" panose="020B0604020202020204" pitchFamily="34" charset="0"/>
+              </a:defRPr>
+            </a:lvl2pPr>
+            <a:lvl3pPr eaLnBrk="0" fontAlgn="base" hangingPunct="0">
+              <a:spcBef>
+                <a:spcPct val="0"/>
+              </a:spcBef>
+              <a:spcAft>
+                <a:spcPct val="0"/>
+              </a:spcAft>
+              <a:defRPr>
+                <a:solidFill>
+                  <a:schemeClr val="tx1"/>
+                </a:solidFill>
+                <a:latin typeface="Arial" panose="020B0604020202020204" pitchFamily="34" charset="0"/>
+              </a:defRPr>
+            </a:lvl3pPr>
+            <a:lvl4pPr eaLnBrk="0" fontAlgn="base" hangingPunct="0">
+              <a:spcBef>
+                <a:spcPct val="0"/>
+              </a:spcBef>
+              <a:spcAft>
+                <a:spcPct val="0"/>
+              </a:spcAft>
+              <a:defRPr>
+                <a:solidFill>
+                  <a:schemeClr val="tx1"/>
+                </a:solidFill>
+                <a:latin typeface="Arial" panose="020B0604020202020204" pitchFamily="34" charset="0"/>
+              </a:defRPr>
+            </a:lvl4pPr>
+            <a:lvl5pPr eaLnBrk="0" fontAlgn="base" hangingPunct="0">
+              <a:spcBef>
+                <a:spcPct val="0"/>
+              </a:spcBef>
+              <a:spcAft>
+                <a:spcPct val="0"/>
+              </a:spcAft>
+              <a:defRPr>
+                <a:solidFill>
+                  <a:schemeClr val="tx1"/>
+                </a:solidFill>
+                <a:latin typeface="Arial" panose="020B0604020202020204" pitchFamily="34" charset="0"/>
+              </a:defRPr>
+            </a:lvl5pPr>
+            <a:lvl6pPr eaLnBrk="0" fontAlgn="base" hangingPunct="0">
+              <a:spcBef>
+                <a:spcPct val="0"/>
+              </a:spcBef>
+              <a:spcAft>
+                <a:spcPct val="0"/>
+              </a:spcAft>
+              <a:defRPr>
+                <a:solidFill>
+                  <a:schemeClr val="tx1"/>
+                </a:solidFill>
+                <a:latin typeface="Arial" panose="020B0604020202020204" pitchFamily="34" charset="0"/>
+              </a:defRPr>
+            </a:lvl6pPr>
+            <a:lvl7pPr eaLnBrk="0" fontAlgn="base" hangingPunct="0">
+              <a:spcBef>
+                <a:spcPct val="0"/>
+              </a:spcBef>
+              <a:spcAft>
+                <a:spcPct val="0"/>
+              </a:spcAft>
+              <a:defRPr>
+                <a:solidFill>
+                  <a:schemeClr val="tx1"/>
+                </a:solidFill>
+                <a:latin typeface="Arial" panose="020B0604020202020204" pitchFamily="34" charset="0"/>
+              </a:defRPr>
+            </a:lvl7pPr>
+            <a:lvl8pPr eaLnBrk="0" fontAlgn="base" hangingPunct="0">
+              <a:spcBef>
+                <a:spcPct val="0"/>
+              </a:spcBef>
+              <a:spcAft>
+                <a:spcPct val="0"/>
+              </a:spcAft>
+              <a:defRPr>
+                <a:solidFill>
+                  <a:schemeClr val="tx1"/>
+                </a:solidFill>
+                <a:latin typeface="Arial" panose="020B0604020202020204" pitchFamily="34" charset="0"/>
+              </a:defRPr>
+            </a:lvl8pPr>
+            <a:lvl9pPr eaLnBrk="0" fontAlgn="base" hangingPunct="0">
+              <a:spcBef>
+                <a:spcPct val="0"/>
+              </a:spcBef>
+              <a:spcAft>
+                <a:spcPct val="0"/>
+              </a:spcAft>
+              <a:defRPr>
+                <a:solidFill>
+                  <a:schemeClr val="tx1"/>
+                </a:solidFill>
+                <a:latin typeface="Arial" panose="020B0604020202020204" pitchFamily="34" charset="0"/>
+              </a:defRPr>
+            </a:lvl9pPr>
+          </a:lstStyle>
+          <a:p>
+            <a:pPr marL="285750" marR="0" lvl="0" indent="-285750" algn="l" defTabSz="914400" rtl="0" eaLnBrk="0" fontAlgn="base" latinLnBrk="0" hangingPunct="0">
+              <a:lnSpc>
+                <a:spcPct val="100000"/>
+              </a:lnSpc>
+              <a:spcBef>
+                <a:spcPct val="0"/>
+              </a:spcBef>
+              <a:spcAft>
+                <a:spcPct val="0"/>
+              </a:spcAft>
+              <a:buClrTx/>
+              <a:buSzTx/>
+              <a:buFont typeface="Arial" pitchFamily="34" charset="0"/>
+              <a:buChar char="•"/>
+              <a:tabLst/>
+            </a:pPr>
+            <a:r>
+              <a:rPr kumimoji="0" lang="en-US" altLang="en-US" sz="1400" b="0" i="0" u="none" strike="noStrike" cap="none" normalizeH="0" baseline="0" dirty="0" smtClean="0">
+                <a:ln>
+                  <a:noFill/>
+                </a:ln>
+                <a:solidFill>
+                  <a:srgbClr val="FF0000"/>
+                </a:solidFill>
+                <a:effectLst/>
+              </a:rPr>
+              <a:t>/search/all</a:t>
+            </a:r>
+          </a:p>
+          <a:p>
+            <a:pPr marL="285750" marR="0" lvl="0" indent="-285750" algn="l" defTabSz="914400" rtl="0" eaLnBrk="0" fontAlgn="base" latinLnBrk="0" hangingPunct="0">
+              <a:lnSpc>
+                <a:spcPct val="100000"/>
+              </a:lnSpc>
+              <a:spcBef>
+                <a:spcPct val="0"/>
+              </a:spcBef>
+              <a:spcAft>
+                <a:spcPct val="0"/>
+              </a:spcAft>
+              <a:buClrTx/>
+              <a:buSzTx/>
+              <a:buFont typeface="Arial" pitchFamily="34" charset="0"/>
+              <a:buChar char="•"/>
+              <a:tabLst/>
+            </a:pPr>
+            <a:r>
+              <a:rPr lang="en-US" altLang="en-US" sz="1400" dirty="0" smtClean="0">
+                <a:solidFill>
+                  <a:srgbClr val="FF0000"/>
+                </a:solidFill>
+              </a:rPr>
+              <a:t>/search/movie/{id}</a:t>
+            </a:r>
+          </a:p>
+          <a:p>
+            <a:pPr marL="285750" marR="0" lvl="0" indent="-285750" algn="l" defTabSz="914400" rtl="0" eaLnBrk="0" fontAlgn="base" latinLnBrk="0" hangingPunct="0">
+              <a:lnSpc>
+                <a:spcPct val="100000"/>
+              </a:lnSpc>
+              <a:spcBef>
+                <a:spcPct val="0"/>
+              </a:spcBef>
+              <a:spcAft>
+                <a:spcPct val="0"/>
+              </a:spcAft>
+              <a:buClrTx/>
+              <a:buSzTx/>
+              <a:buFont typeface="Arial" pitchFamily="34" charset="0"/>
+              <a:buChar char="•"/>
+              <a:tabLst/>
+            </a:pPr>
+            <a:r>
+              <a:rPr kumimoji="0" lang="en-US" altLang="en-US" sz="1400" b="0" i="0" u="none" strike="noStrike" cap="none" normalizeH="0" baseline="0" dirty="0" smtClean="0">
+                <a:ln>
+                  <a:noFill/>
+                </a:ln>
+                <a:solidFill>
+                  <a:srgbClr val="FF0000"/>
+                </a:solidFill>
+                <a:effectLst/>
+              </a:rPr>
+              <a:t>/search/theatre/{id}</a:t>
+            </a:r>
+          </a:p>
+          <a:p>
+            <a:pPr marL="285750" marR="0" lvl="0" indent="-285750" algn="l" defTabSz="914400" rtl="0" eaLnBrk="0" fontAlgn="base" latinLnBrk="0" hangingPunct="0">
+              <a:lnSpc>
+                <a:spcPct val="100000"/>
+              </a:lnSpc>
+              <a:spcBef>
+                <a:spcPct val="0"/>
+              </a:spcBef>
+              <a:spcAft>
+                <a:spcPct val="0"/>
+              </a:spcAft>
+              <a:buClrTx/>
+              <a:buSzTx/>
+              <a:buFont typeface="Arial" pitchFamily="34" charset="0"/>
+              <a:buChar char="•"/>
+              <a:tabLst/>
+            </a:pPr>
+            <a:r>
+              <a:rPr lang="en-US" altLang="en-US" sz="1400" dirty="0" smtClean="0">
+                <a:solidFill>
+                  <a:srgbClr val="FF0000"/>
+                </a:solidFill>
+              </a:rPr>
+              <a:t>***</a:t>
+            </a:r>
+            <a:endParaRPr kumimoji="0" lang="en-US" altLang="en-US" sz="1400" b="0" i="0" u="none" strike="noStrike" cap="none" normalizeH="0" baseline="0" dirty="0">
+              <a:ln>
+                <a:noFill/>
+              </a:ln>
+              <a:solidFill>
+                <a:srgbClr val="FF0000"/>
+              </a:solidFill>
+              <a:effectLst/>
+            </a:endParaRPr>
+          </a:p>
+        </p:txBody>
+      </p:sp>
+      <p:grpSp>
+        <p:nvGrpSpPr>
+          <p:cNvPr id="22" name="Group 21"/>
+          <p:cNvGrpSpPr/>
+          <p:nvPr/>
+        </p:nvGrpSpPr>
+        <p:grpSpPr>
+          <a:xfrm>
+            <a:off x="1048833" y="4747372"/>
+            <a:ext cx="3825043" cy="1343891"/>
+            <a:chOff x="-605212" y="2999069"/>
+            <a:chExt cx="3825043" cy="1343891"/>
+          </a:xfrm>
+        </p:grpSpPr>
+        <p:sp>
+          <p:nvSpPr>
+            <p:cNvPr id="23" name="Snip Single Corner Rectangle 22"/>
+            <p:cNvSpPr/>
+            <p:nvPr/>
+          </p:nvSpPr>
+          <p:spPr>
+            <a:xfrm>
+              <a:off x="-605212" y="2999069"/>
+              <a:ext cx="3825043" cy="1343891"/>
+            </a:xfrm>
+            <a:prstGeom prst="snip1Rect">
+              <a:avLst/>
+            </a:prstGeom>
+          </p:spPr>
+          <p:style>
+            <a:lnRef idx="2">
+              <a:schemeClr val="accent1">
+                <a:shade val="50000"/>
+              </a:schemeClr>
+            </a:lnRef>
+            <a:fillRef idx="1">
+              <a:schemeClr val="accent1"/>
+            </a:fillRef>
+            <a:effectRef idx="0">
+              <a:schemeClr val="accent1"/>
+            </a:effectRef>
+            <a:fontRef idx="minor">
+              <a:schemeClr val="lt1"/>
+            </a:fontRef>
+          </p:style>
+          <p:txBody>
+            <a:bodyPr rtlCol="0" anchor="ctr"/>
+            <a:lstStyle/>
+            <a:p>
+              <a:pPr marL="285750" indent="-285750" algn="ctr">
+                <a:buFont typeface="Arial" pitchFamily="34" charset="0"/>
+                <a:buChar char="•"/>
+              </a:pPr>
+              <a:r>
+                <a:rPr lang="en-US" sz="1400" b="1" i="1" dirty="0" smtClean="0">
+                  <a:solidFill>
+                    <a:srgbClr val="FF0000"/>
+                  </a:solidFill>
+                </a:rPr>
+                <a:t>PARTNER_WRITE("</a:t>
+              </a:r>
+              <a:r>
+                <a:rPr lang="en-US" sz="1400" b="1" i="1" dirty="0" err="1" smtClean="0">
+                  <a:solidFill>
+                    <a:srgbClr val="FF0000"/>
+                  </a:solidFill>
+                </a:rPr>
+                <a:t>partner:write</a:t>
+              </a:r>
+              <a:r>
+                <a:rPr lang="en-US" sz="1400" b="1" i="1" dirty="0" smtClean="0">
+                  <a:solidFill>
+                    <a:srgbClr val="FF0000"/>
+                  </a:solidFill>
+                </a:rPr>
+                <a:t>")</a:t>
+              </a:r>
+            </a:p>
+            <a:p>
+              <a:pPr marL="285750" indent="-285750" algn="ctr">
+                <a:buFont typeface="Arial" pitchFamily="34" charset="0"/>
+                <a:buChar char="•"/>
+              </a:pPr>
+              <a:r>
+                <a:rPr lang="en-US" sz="1400" b="1" dirty="0" smtClean="0">
+                  <a:solidFill>
+                    <a:srgbClr val="FF0000"/>
+                  </a:solidFill>
+                </a:rPr>
+                <a:t>PARTNER_READ(“</a:t>
+              </a:r>
+              <a:r>
+                <a:rPr lang="en-US" sz="1400" b="1" dirty="0" err="1" smtClean="0">
+                  <a:solidFill>
+                    <a:srgbClr val="FF0000"/>
+                  </a:solidFill>
+                </a:rPr>
+                <a:t>partner:read</a:t>
+              </a:r>
+              <a:r>
+                <a:rPr lang="en-US" sz="1400" b="1" dirty="0" smtClean="0">
+                  <a:solidFill>
+                    <a:srgbClr val="FF0000"/>
+                  </a:solidFill>
+                </a:rPr>
+                <a:t>”)</a:t>
+              </a:r>
+            </a:p>
+            <a:p>
+              <a:pPr marL="285750" indent="-285750" algn="ctr">
+                <a:buFont typeface="Arial" pitchFamily="34" charset="0"/>
+                <a:buChar char="•"/>
+              </a:pPr>
+              <a:r>
+                <a:rPr lang="en-US" sz="1400" b="1" dirty="0" smtClean="0">
+                  <a:solidFill>
+                    <a:srgbClr val="FF0000"/>
+                  </a:solidFill>
+                </a:rPr>
+                <a:t>SEARCH_ALL(“</a:t>
+              </a:r>
+              <a:r>
+                <a:rPr lang="en-US" sz="1400" b="1" dirty="0" err="1" smtClean="0">
+                  <a:solidFill>
+                    <a:srgbClr val="FF0000"/>
+                  </a:solidFill>
+                </a:rPr>
+                <a:t>search:all</a:t>
+              </a:r>
+              <a:r>
+                <a:rPr lang="en-US" sz="1400" b="1" dirty="0" smtClean="0">
+                  <a:solidFill>
+                    <a:srgbClr val="FF0000"/>
+                  </a:solidFill>
+                </a:rPr>
+                <a:t>”)</a:t>
+              </a:r>
+              <a:endParaRPr lang="en-US" sz="1400" b="1" dirty="0">
+                <a:solidFill>
+                  <a:srgbClr val="FF0000"/>
+                </a:solidFill>
+              </a:endParaRPr>
+            </a:p>
+          </p:txBody>
+        </p:sp>
+        <p:sp>
+          <p:nvSpPr>
+            <p:cNvPr id="24" name="TextBox 23"/>
+            <p:cNvSpPr txBox="1"/>
+            <p:nvPr/>
+          </p:nvSpPr>
+          <p:spPr>
+            <a:xfrm>
+              <a:off x="484485" y="2999069"/>
+              <a:ext cx="1297343" cy="369332"/>
+            </a:xfrm>
+            <a:prstGeom prst="rect">
+              <a:avLst/>
+            </a:prstGeom>
+            <a:noFill/>
+          </p:spPr>
+          <p:txBody>
+            <a:bodyPr wrap="none" rtlCol="0">
+              <a:spAutoFit/>
+            </a:bodyPr>
+            <a:lstStyle/>
+            <a:p>
+              <a:r>
+                <a:rPr lang="en-US" dirty="0" smtClean="0"/>
+                <a:t>Permissions</a:t>
+              </a:r>
+              <a:endParaRPr lang="en-US" dirty="0"/>
+            </a:p>
+          </p:txBody>
+        </p:sp>
+      </p:grpSp>
+      <p:grpSp>
+        <p:nvGrpSpPr>
+          <p:cNvPr id="25" name="Group 24"/>
+          <p:cNvGrpSpPr/>
+          <p:nvPr/>
+        </p:nvGrpSpPr>
+        <p:grpSpPr>
+          <a:xfrm>
+            <a:off x="7519154" y="3328279"/>
+            <a:ext cx="3009360" cy="972055"/>
+            <a:chOff x="7097621" y="3255869"/>
+            <a:chExt cx="3430893" cy="1343891"/>
+          </a:xfrm>
+        </p:grpSpPr>
+        <p:sp>
+          <p:nvSpPr>
+            <p:cNvPr id="26" name="Snip Single Corner Rectangle 25"/>
+            <p:cNvSpPr/>
+            <p:nvPr/>
+          </p:nvSpPr>
+          <p:spPr>
+            <a:xfrm>
+              <a:off x="7097621" y="3255869"/>
+              <a:ext cx="3430893" cy="1343891"/>
+            </a:xfrm>
+            <a:prstGeom prst="snip1Rect">
+              <a:avLst/>
+            </a:prstGeom>
+          </p:spPr>
+          <p:style>
+            <a:lnRef idx="2">
+              <a:schemeClr val="accent1">
+                <a:shade val="50000"/>
+              </a:schemeClr>
+            </a:lnRef>
+            <a:fillRef idx="1">
+              <a:schemeClr val="accent1"/>
+            </a:fillRef>
+            <a:effectRef idx="0">
+              <a:schemeClr val="accent1"/>
+            </a:effectRef>
+            <a:fontRef idx="minor">
+              <a:schemeClr val="lt1"/>
+            </a:fontRef>
+          </p:style>
+          <p:txBody>
+            <a:bodyPr rtlCol="0" anchor="ctr"/>
+            <a:lstStyle/>
+            <a:p>
+              <a:pPr marL="285750" indent="-285750" algn="ctr">
+                <a:buFont typeface="Arial" pitchFamily="34" charset="0"/>
+                <a:buChar char="•"/>
+              </a:pPr>
+              <a:r>
+                <a:rPr lang="en-US" sz="1400" i="1" dirty="0" smtClean="0">
+                  <a:solidFill>
+                    <a:srgbClr val="FF0000"/>
+                  </a:solidFill>
+                </a:rPr>
+                <a:t>PUBLIC((SEARCH_ALL)</a:t>
+              </a:r>
+            </a:p>
+          </p:txBody>
+        </p:sp>
+        <p:sp>
+          <p:nvSpPr>
+            <p:cNvPr id="27" name="TextBox 26"/>
+            <p:cNvSpPr txBox="1"/>
+            <p:nvPr/>
+          </p:nvSpPr>
+          <p:spPr>
+            <a:xfrm>
+              <a:off x="8241153" y="3255869"/>
+              <a:ext cx="763547" cy="510611"/>
+            </a:xfrm>
+            <a:prstGeom prst="rect">
+              <a:avLst/>
+            </a:prstGeom>
+            <a:noFill/>
+          </p:spPr>
+          <p:txBody>
+            <a:bodyPr wrap="none" rtlCol="0">
+              <a:spAutoFit/>
+            </a:bodyPr>
+            <a:lstStyle/>
+            <a:p>
+              <a:r>
+                <a:rPr lang="en-US" dirty="0" smtClean="0"/>
+                <a:t>ROLE</a:t>
+              </a:r>
+              <a:endParaRPr lang="en-US" dirty="0"/>
+            </a:p>
+          </p:txBody>
+        </p:sp>
+      </p:grpSp>
+      <p:grpSp>
+        <p:nvGrpSpPr>
+          <p:cNvPr id="29" name="Group 28"/>
+          <p:cNvGrpSpPr/>
+          <p:nvPr/>
+        </p:nvGrpSpPr>
+        <p:grpSpPr>
+          <a:xfrm>
+            <a:off x="934548" y="3398169"/>
+            <a:ext cx="3423340" cy="1113412"/>
+            <a:chOff x="837618" y="3613584"/>
+            <a:chExt cx="3430893" cy="1343891"/>
+          </a:xfrm>
+        </p:grpSpPr>
+        <p:sp>
+          <p:nvSpPr>
+            <p:cNvPr id="30" name="Snip Single Corner Rectangle 29"/>
+            <p:cNvSpPr/>
+            <p:nvPr/>
+          </p:nvSpPr>
+          <p:spPr>
+            <a:xfrm>
+              <a:off x="837618" y="3613584"/>
+              <a:ext cx="3430893" cy="1343891"/>
+            </a:xfrm>
+            <a:prstGeom prst="snip1Rect">
+              <a:avLst/>
+            </a:prstGeom>
+          </p:spPr>
+          <p:style>
+            <a:lnRef idx="2">
+              <a:schemeClr val="accent1">
+                <a:shade val="50000"/>
+              </a:schemeClr>
+            </a:lnRef>
+            <a:fillRef idx="1">
+              <a:schemeClr val="accent1"/>
+            </a:fillRef>
+            <a:effectRef idx="0">
+              <a:schemeClr val="accent1"/>
+            </a:effectRef>
+            <a:fontRef idx="minor">
+              <a:schemeClr val="lt1"/>
+            </a:fontRef>
+          </p:style>
+          <p:txBody>
+            <a:bodyPr rtlCol="0" anchor="ctr"/>
+            <a:lstStyle/>
+            <a:p>
+              <a:pPr marL="285750" indent="-285750" algn="ctr">
+                <a:buFont typeface="Arial" pitchFamily="34" charset="0"/>
+                <a:buChar char="•"/>
+              </a:pPr>
+              <a:r>
+                <a:rPr lang="en-US" sz="1400" i="1" dirty="0" smtClean="0">
+                  <a:solidFill>
+                    <a:srgbClr val="FF0000"/>
+                  </a:solidFill>
+                </a:rPr>
+                <a:t>ADMIN(</a:t>
+              </a:r>
+              <a:r>
+                <a:rPr lang="en-US" sz="1400" u="sng" dirty="0" smtClean="0">
+                  <a:solidFill>
+                    <a:srgbClr val="FF0000"/>
+                  </a:solidFill>
+                </a:rPr>
+                <a:t>PARTNER_WRITE,PARTNER_READ,SEARCH_ALL</a:t>
+              </a:r>
+              <a:r>
+                <a:rPr lang="en-US" sz="1400" i="1" dirty="0" smtClean="0">
+                  <a:solidFill>
+                    <a:srgbClr val="FF0000"/>
+                  </a:solidFill>
+                </a:rPr>
+                <a:t>)</a:t>
+              </a:r>
+              <a:endParaRPr lang="en-US" sz="1400" dirty="0">
+                <a:solidFill>
+                  <a:srgbClr val="FF0000"/>
+                </a:solidFill>
+              </a:endParaRPr>
+            </a:p>
+          </p:txBody>
+        </p:sp>
+        <p:sp>
+          <p:nvSpPr>
+            <p:cNvPr id="31" name="TextBox 30"/>
+            <p:cNvSpPr txBox="1"/>
+            <p:nvPr/>
+          </p:nvSpPr>
+          <p:spPr>
+            <a:xfrm>
+              <a:off x="1851911" y="3613584"/>
+              <a:ext cx="1402307" cy="369332"/>
+            </a:xfrm>
+            <a:prstGeom prst="rect">
+              <a:avLst/>
+            </a:prstGeom>
+            <a:noFill/>
+          </p:spPr>
+          <p:txBody>
+            <a:bodyPr wrap="none" rtlCol="0">
+              <a:spAutoFit/>
+            </a:bodyPr>
+            <a:lstStyle/>
+            <a:p>
+              <a:r>
+                <a:rPr lang="en-US" dirty="0" smtClean="0"/>
+                <a:t>ADMIN ROLE</a:t>
+              </a:r>
+              <a:endParaRPr lang="en-US" dirty="0"/>
+            </a:p>
+          </p:txBody>
+        </p:sp>
+      </p:grpSp>
+      <p:cxnSp>
+        <p:nvCxnSpPr>
+          <p:cNvPr id="32" name="Elbow Connector 31"/>
+          <p:cNvCxnSpPr>
+            <a:stCxn id="31" idx="0"/>
+          </p:cNvCxnSpPr>
+          <p:nvPr/>
+        </p:nvCxnSpPr>
+        <p:spPr>
+          <a:xfrm rot="5400000" flipH="1" flipV="1">
+            <a:off x="2462412" y="2899227"/>
+            <a:ext cx="682749" cy="315136"/>
+          </a:xfrm>
+          <a:prstGeom prst="bentConnector3">
+            <a:avLst/>
+          </a:prstGeom>
+          <a:ln w="25400">
+            <a:solidFill>
+              <a:srgbClr val="FF0000"/>
+            </a:solidFill>
+            <a:tailEnd type="arrow"/>
+          </a:ln>
+        </p:spPr>
+        <p:style>
+          <a:lnRef idx="1">
+            <a:schemeClr val="accent1"/>
+          </a:lnRef>
+          <a:fillRef idx="0">
+            <a:schemeClr val="accent1"/>
+          </a:fillRef>
+          <a:effectRef idx="0">
+            <a:schemeClr val="accent1"/>
+          </a:effectRef>
+          <a:fontRef idx="minor">
+            <a:schemeClr val="tx1"/>
+          </a:fontRef>
+        </p:style>
+      </p:cxnSp>
+      <p:cxnSp>
+        <p:nvCxnSpPr>
+          <p:cNvPr id="33" name="Elbow Connector 32"/>
+          <p:cNvCxnSpPr>
+            <a:stCxn id="31" idx="0"/>
+            <a:endCxn id="17" idx="2"/>
+          </p:cNvCxnSpPr>
+          <p:nvPr/>
+        </p:nvCxnSpPr>
+        <p:spPr>
+          <a:xfrm rot="5400000" flipH="1" flipV="1">
+            <a:off x="5388700" y="-27061"/>
+            <a:ext cx="682749" cy="6167712"/>
+          </a:xfrm>
+          <a:prstGeom prst="bentConnector3">
+            <a:avLst/>
+          </a:prstGeom>
+          <a:ln w="31750">
+            <a:solidFill>
+              <a:srgbClr val="FF0000"/>
+            </a:solidFill>
+            <a:tailEnd type="arrow"/>
+          </a:ln>
+        </p:spPr>
+        <p:style>
+          <a:lnRef idx="1">
+            <a:schemeClr val="accent1"/>
+          </a:lnRef>
+          <a:fillRef idx="0">
+            <a:schemeClr val="accent1"/>
+          </a:fillRef>
+          <a:effectRef idx="0">
+            <a:schemeClr val="accent1"/>
+          </a:effectRef>
+          <a:fontRef idx="minor">
+            <a:schemeClr val="tx1"/>
+          </a:fontRef>
+        </p:style>
+      </p:cxnSp>
+      <p:cxnSp>
+        <p:nvCxnSpPr>
+          <p:cNvPr id="34" name="Elbow Connector 33"/>
+          <p:cNvCxnSpPr>
+            <a:stCxn id="26" idx="3"/>
+            <a:endCxn id="17" idx="3"/>
+          </p:cNvCxnSpPr>
+          <p:nvPr/>
+        </p:nvCxnSpPr>
+        <p:spPr>
+          <a:xfrm rot="5400000" flipH="1" flipV="1">
+            <a:off x="9117215" y="1495448"/>
+            <a:ext cx="1739451" cy="1926213"/>
+          </a:xfrm>
+          <a:prstGeom prst="bentConnector4">
+            <a:avLst>
+              <a:gd name="adj1" fmla="val 17616"/>
+              <a:gd name="adj2" fmla="val 111868"/>
+            </a:avLst>
+          </a:prstGeom>
+          <a:ln w="25400">
+            <a:solidFill>
+              <a:srgbClr val="FF0000"/>
+            </a:solidFill>
+            <a:tailEnd type="arrow"/>
+          </a:ln>
+        </p:spPr>
+        <p:style>
+          <a:lnRef idx="1">
+            <a:schemeClr val="accent1"/>
+          </a:lnRef>
+          <a:fillRef idx="0">
+            <a:schemeClr val="accent1"/>
+          </a:fillRef>
+          <a:effectRef idx="0">
+            <a:schemeClr val="accent1"/>
+          </a:effectRef>
+          <a:fontRef idx="minor">
+            <a:schemeClr val="tx1"/>
+          </a:fontRef>
+        </p:style>
+      </p:cxnSp>
+      <p:sp>
+        <p:nvSpPr>
+          <p:cNvPr id="35" name="TextBox 34"/>
+          <p:cNvSpPr txBox="1"/>
+          <p:nvPr/>
+        </p:nvSpPr>
+        <p:spPr>
+          <a:xfrm>
+            <a:off x="4411421" y="2678848"/>
+            <a:ext cx="1833835" cy="923330"/>
+          </a:xfrm>
+          <a:prstGeom prst="rect">
+            <a:avLst/>
+          </a:prstGeom>
+          <a:pattFill prst="ltVert">
+            <a:fgClr>
+              <a:schemeClr val="tx2">
+                <a:lumMod val="20000"/>
+                <a:lumOff val="80000"/>
+              </a:schemeClr>
+            </a:fgClr>
+            <a:bgClr>
+              <a:schemeClr val="bg1"/>
+            </a:bgClr>
+          </a:pattFill>
+        </p:spPr>
+        <p:txBody>
+          <a:bodyPr wrap="none" rtlCol="0">
+            <a:spAutoFit/>
+          </a:bodyPr>
+          <a:lstStyle/>
+          <a:p>
+            <a:r>
+              <a:rPr lang="en-US" dirty="0" smtClean="0"/>
+              <a:t>Admin can access</a:t>
+            </a:r>
+          </a:p>
+          <a:p>
+            <a:pPr marL="285750" indent="-285750">
+              <a:buFont typeface="Arial" pitchFamily="34" charset="0"/>
+              <a:buChar char="•"/>
+            </a:pPr>
+            <a:r>
+              <a:rPr lang="en-US" dirty="0" smtClean="0"/>
+              <a:t>/search/**</a:t>
+            </a:r>
+          </a:p>
+          <a:p>
+            <a:pPr marL="285750" indent="-285750">
+              <a:buFont typeface="Arial" pitchFamily="34" charset="0"/>
+              <a:buChar char="•"/>
+            </a:pPr>
+            <a:r>
+              <a:rPr lang="en-US" dirty="0" smtClean="0"/>
+              <a:t>/partner/***</a:t>
+            </a:r>
+            <a:endParaRPr lang="en-US" dirty="0"/>
+          </a:p>
+        </p:txBody>
+      </p:sp>
+      <p:sp>
+        <p:nvSpPr>
+          <p:cNvPr id="36" name="TextBox 35"/>
+          <p:cNvSpPr txBox="1"/>
+          <p:nvPr/>
+        </p:nvSpPr>
+        <p:spPr>
+          <a:xfrm>
+            <a:off x="10101153" y="2831248"/>
+            <a:ext cx="1785745" cy="646331"/>
+          </a:xfrm>
+          <a:prstGeom prst="rect">
+            <a:avLst/>
+          </a:prstGeom>
+          <a:pattFill prst="ltVert">
+            <a:fgClr>
+              <a:schemeClr val="tx2">
+                <a:lumMod val="20000"/>
+                <a:lumOff val="80000"/>
+              </a:schemeClr>
+            </a:fgClr>
+            <a:bgClr>
+              <a:schemeClr val="bg1"/>
+            </a:bgClr>
+          </a:pattFill>
+        </p:spPr>
+        <p:txBody>
+          <a:bodyPr wrap="none" rtlCol="0">
+            <a:spAutoFit/>
+          </a:bodyPr>
+          <a:lstStyle/>
+          <a:p>
+            <a:r>
+              <a:rPr lang="en-US" dirty="0" smtClean="0"/>
+              <a:t>Public can access</a:t>
+            </a:r>
+          </a:p>
+          <a:p>
+            <a:pPr marL="285750" indent="-285750">
+              <a:buFont typeface="Arial" pitchFamily="34" charset="0"/>
+              <a:buChar char="•"/>
+            </a:pPr>
+            <a:r>
+              <a:rPr lang="en-US" dirty="0" smtClean="0"/>
+              <a:t>/search/**</a:t>
+            </a:r>
+            <a:endParaRPr lang="en-US" dirty="0"/>
+          </a:p>
+        </p:txBody>
+      </p:sp>
+      <p:sp>
+        <p:nvSpPr>
+          <p:cNvPr id="37" name="TextBox 36"/>
+          <p:cNvSpPr txBox="1"/>
+          <p:nvPr/>
+        </p:nvSpPr>
+        <p:spPr>
+          <a:xfrm>
+            <a:off x="4263624" y="0"/>
+            <a:ext cx="4406143" cy="369332"/>
+          </a:xfrm>
+          <a:prstGeom prst="rect">
+            <a:avLst/>
+          </a:prstGeom>
+          <a:noFill/>
+        </p:spPr>
+        <p:txBody>
+          <a:bodyPr wrap="none" rtlCol="0">
+            <a:spAutoFit/>
+          </a:bodyPr>
+          <a:lstStyle/>
+          <a:p>
+            <a:r>
+              <a:rPr lang="en-US" b="1" u="sng" dirty="0" smtClean="0"/>
+              <a:t>Permission/Authority BASED Authentication</a:t>
+            </a:r>
+            <a:endParaRPr lang="en-US" b="1" u="sng" dirty="0"/>
+          </a:p>
+        </p:txBody>
+      </p:sp>
+      <p:pic>
+        <p:nvPicPr>
+          <p:cNvPr id="2051" name="Picture 3"/>
+          <p:cNvPicPr>
+            <a:picLocks noChangeAspect="1" noChangeArrowheads="1"/>
+          </p:cNvPicPr>
+          <p:nvPr/>
+        </p:nvPicPr>
+        <p:blipFill>
+          <a:blip r:embed="rId2">
+            <a:extLst>
+              <a:ext uri="{28A0092B-C50C-407E-A947-70E740481C1C}">
+                <a14:useLocalDpi xmlns:a14="http://schemas.microsoft.com/office/drawing/2010/main" val="0"/>
+              </a:ext>
+            </a:extLst>
+          </a:blip>
+          <a:srcRect/>
+          <a:stretch>
+            <a:fillRect/>
+          </a:stretch>
+        </p:blipFill>
+        <p:spPr bwMode="auto">
+          <a:xfrm>
+            <a:off x="4411421" y="4488272"/>
+            <a:ext cx="3970579" cy="2286000"/>
+          </a:xfrm>
+          <a:prstGeom prst="rect">
+            <a:avLst/>
+          </a:prstGeom>
+          <a:noFill/>
+          <a:ln>
+            <a:noFill/>
+          </a:ln>
+          <a:effectLst/>
+          <a:extLst>
+            <a:ext uri="{909E8E84-426E-40DD-AFC4-6F175D3DCCD1}">
+              <a14:hiddenFill xmlns:a14="http://schemas.microsoft.com/office/drawing/2010/main">
+                <a:solidFill>
+                  <a:schemeClr val="accent1"/>
+                </a:solidFill>
+              </a14:hiddenFill>
+            </a:ext>
+            <a:ext uri="{91240B29-F687-4F45-9708-019B960494DF}">
+              <a14:hiddenLine xmlns:a14="http://schemas.microsoft.com/office/drawing/2010/main" w="9525">
+                <a:solidFill>
+                  <a:schemeClr val="tx1"/>
+                </a:solidFill>
+                <a:miter lim="800000"/>
+                <a:headEnd/>
+                <a:tailEnd/>
+              </a14:hiddenLine>
+            </a:ext>
+            <a:ext uri="{AF507438-7753-43E0-B8FC-AC1667EBCBE1}">
+              <a14:hiddenEffects xmlns:a14="http://schemas.microsoft.com/office/drawing/2010/main">
+                <a:effectLst>
+                  <a:outerShdw dist="35921" dir="2700000" algn="ctr" rotWithShape="0">
+                    <a:schemeClr val="bg2"/>
+                  </a:outerShdw>
+                </a:effectLst>
+              </a14:hiddenEffects>
+            </a:ext>
+          </a:extLst>
+        </p:spPr>
+      </p:pic>
+      <p:pic>
+        <p:nvPicPr>
+          <p:cNvPr id="2052" name="Picture 4"/>
+          <p:cNvPicPr>
+            <a:picLocks noChangeAspect="1" noChangeArrowheads="1"/>
+          </p:cNvPicPr>
+          <p:nvPr/>
+        </p:nvPicPr>
+        <p:blipFill>
+          <a:blip r:embed="rId3">
+            <a:extLst>
+              <a:ext uri="{28A0092B-C50C-407E-A947-70E740481C1C}">
+                <a14:useLocalDpi xmlns:a14="http://schemas.microsoft.com/office/drawing/2010/main" val="0"/>
+              </a:ext>
+            </a:extLst>
+          </a:blip>
+          <a:srcRect/>
+          <a:stretch>
+            <a:fillRect/>
+          </a:stretch>
+        </p:blipFill>
+        <p:spPr bwMode="auto">
+          <a:xfrm>
+            <a:off x="8382000" y="4858342"/>
+            <a:ext cx="3608504" cy="1438275"/>
+          </a:xfrm>
+          <a:prstGeom prst="rect">
+            <a:avLst/>
+          </a:prstGeom>
+          <a:noFill/>
+          <a:ln>
+            <a:noFill/>
+          </a:ln>
+          <a:effectLst/>
+          <a:extLst>
+            <a:ext uri="{909E8E84-426E-40DD-AFC4-6F175D3DCCD1}">
+              <a14:hiddenFill xmlns:a14="http://schemas.microsoft.com/office/drawing/2010/main">
+                <a:solidFill>
+                  <a:schemeClr val="accent1"/>
+                </a:solidFill>
+              </a14:hiddenFill>
+            </a:ext>
+            <a:ext uri="{91240B29-F687-4F45-9708-019B960494DF}">
+              <a14:hiddenLine xmlns:a14="http://schemas.microsoft.com/office/drawing/2010/main" w="9525">
+                <a:solidFill>
+                  <a:schemeClr val="tx1"/>
+                </a:solidFill>
+                <a:miter lim="800000"/>
+                <a:headEnd/>
+                <a:tailEnd/>
+              </a14:hiddenLine>
+            </a:ext>
+            <a:ext uri="{AF507438-7753-43E0-B8FC-AC1667EBCBE1}">
+              <a14:hiddenEffects xmlns:a14="http://schemas.microsoft.com/office/drawing/2010/main">
+                <a:effectLst>
+                  <a:outerShdw dist="35921" dir="2700000" algn="ctr" rotWithShape="0">
+                    <a:schemeClr val="bg2"/>
+                  </a:outerShdw>
+                </a:effectLst>
+              </a14:hiddenEffects>
+            </a:ext>
+          </a:extLst>
+        </p:spPr>
+      </p:pic>
+      <p:sp>
+        <p:nvSpPr>
+          <p:cNvPr id="39" name="Rectangle 38"/>
+          <p:cNvSpPr/>
+          <p:nvPr/>
+        </p:nvSpPr>
+        <p:spPr>
+          <a:xfrm>
+            <a:off x="5328338" y="3704160"/>
+            <a:ext cx="2000717" cy="355222"/>
+          </a:xfrm>
+          <a:prstGeom prst="rect">
+            <a:avLst/>
+          </a:prstGeom>
+        </p:spPr>
+        <p:style>
+          <a:lnRef idx="2">
+            <a:schemeClr val="accent1">
+              <a:shade val="50000"/>
+            </a:schemeClr>
+          </a:lnRef>
+          <a:fillRef idx="1">
+            <a:schemeClr val="accent1"/>
+          </a:fillRef>
+          <a:effectRef idx="0">
+            <a:schemeClr val="accent1"/>
+          </a:effectRef>
+          <a:fontRef idx="minor">
+            <a:schemeClr val="lt1"/>
+          </a:fontRef>
+        </p:style>
+        <p:txBody>
+          <a:bodyPr rtlCol="0" anchor="ctr"/>
+          <a:lstStyle/>
+          <a:p>
+            <a:pPr algn="ctr"/>
+            <a:r>
+              <a:rPr lang="en-US" dirty="0" smtClean="0"/>
+              <a:t>@</a:t>
+            </a:r>
+            <a:r>
+              <a:rPr lang="en-US" dirty="0" err="1" smtClean="0"/>
+              <a:t>PreAuthorize</a:t>
+            </a:r>
+            <a:endParaRPr lang="en-US" dirty="0"/>
+          </a:p>
+        </p:txBody>
+      </p:sp>
+      <p:cxnSp>
+        <p:nvCxnSpPr>
+          <p:cNvPr id="41" name="Elbow Connector 40"/>
+          <p:cNvCxnSpPr>
+            <a:stCxn id="39" idx="2"/>
+          </p:cNvCxnSpPr>
+          <p:nvPr/>
+        </p:nvCxnSpPr>
+        <p:spPr>
+          <a:xfrm rot="16200000" flipH="1">
+            <a:off x="6200862" y="4187217"/>
+            <a:ext cx="2031883" cy="1776212"/>
+          </a:xfrm>
+          <a:prstGeom prst="bentConnector3">
+            <a:avLst/>
+          </a:prstGeom>
+          <a:ln w="12700">
+            <a:solidFill>
+              <a:srgbClr val="FFFF00"/>
+            </a:solidFill>
+            <a:tailEnd type="arrow"/>
+          </a:ln>
+        </p:spPr>
+        <p:style>
+          <a:lnRef idx="1">
+            <a:schemeClr val="accent1"/>
+          </a:lnRef>
+          <a:fillRef idx="0">
+            <a:schemeClr val="accent1"/>
+          </a:fillRef>
+          <a:effectRef idx="0">
+            <a:schemeClr val="accent1"/>
+          </a:effectRef>
+          <a:fontRef idx="minor">
+            <a:schemeClr val="tx1"/>
+          </a:fontRef>
+        </p:style>
+      </p:cxnSp>
+      <p:cxnSp>
+        <p:nvCxnSpPr>
+          <p:cNvPr id="47" name="Elbow Connector 46"/>
+          <p:cNvCxnSpPr>
+            <a:stCxn id="39" idx="0"/>
+            <a:endCxn id="17" idx="2"/>
+          </p:cNvCxnSpPr>
+          <p:nvPr/>
+        </p:nvCxnSpPr>
+        <p:spPr>
+          <a:xfrm rot="5400000" flipH="1" flipV="1">
+            <a:off x="7076943" y="1967174"/>
+            <a:ext cx="988740" cy="2485233"/>
+          </a:xfrm>
+          <a:prstGeom prst="bentConnector3">
+            <a:avLst>
+              <a:gd name="adj1" fmla="val 50000"/>
+            </a:avLst>
+          </a:prstGeom>
+          <a:ln w="12700">
+            <a:solidFill>
+              <a:srgbClr val="FFFF00"/>
+            </a:solidFill>
+            <a:tailEnd type="arrow"/>
+          </a:ln>
+        </p:spPr>
+        <p:style>
+          <a:lnRef idx="1">
+            <a:schemeClr val="accent1"/>
+          </a:lnRef>
+          <a:fillRef idx="0">
+            <a:schemeClr val="accent1"/>
+          </a:fillRef>
+          <a:effectRef idx="0">
+            <a:schemeClr val="accent1"/>
+          </a:effectRef>
+          <a:fontRef idx="minor">
+            <a:schemeClr val="tx1"/>
+          </a:fontRef>
+        </p:style>
+      </p:cxnSp>
+      <p:cxnSp>
+        <p:nvCxnSpPr>
+          <p:cNvPr id="50" name="Elbow Connector 49"/>
+          <p:cNvCxnSpPr>
+            <a:stCxn id="39" idx="0"/>
+            <a:endCxn id="8" idx="3"/>
+          </p:cNvCxnSpPr>
+          <p:nvPr/>
+        </p:nvCxnSpPr>
+        <p:spPr>
+          <a:xfrm rot="16200000" flipV="1">
+            <a:off x="4561625" y="1937088"/>
+            <a:ext cx="2128767" cy="1405378"/>
+          </a:xfrm>
+          <a:prstGeom prst="bentConnector2">
+            <a:avLst/>
+          </a:prstGeom>
+          <a:ln w="12700">
+            <a:solidFill>
+              <a:srgbClr val="FFFF00"/>
+            </a:solidFill>
+            <a:tailEnd type="arrow"/>
+          </a:ln>
+        </p:spPr>
+        <p:style>
+          <a:lnRef idx="1">
+            <a:schemeClr val="accent1"/>
+          </a:lnRef>
+          <a:fillRef idx="0">
+            <a:schemeClr val="accent1"/>
+          </a:fillRef>
+          <a:effectRef idx="0">
+            <a:schemeClr val="accent1"/>
+          </a:effectRef>
+          <a:fontRef idx="minor">
+            <a:schemeClr val="tx1"/>
+          </a:fontRef>
+        </p:style>
+      </p:cxnSp>
+      <p:sp>
+        <p:nvSpPr>
+          <p:cNvPr id="54" name="Rectangle 1">
+            <a:extLst>
+              <a:ext uri="{FF2B5EF4-FFF2-40B4-BE49-F238E27FC236}">
+                <a16:creationId xmlns="" xmlns:a16="http://schemas.microsoft.com/office/drawing/2014/main" id="{FFE5BAF0-90A9-481D-AAC3-4466B273C9B9}"/>
+              </a:ext>
+            </a:extLst>
+          </p:cNvPr>
+          <p:cNvSpPr>
+            <a:spLocks noChangeArrowheads="1"/>
+          </p:cNvSpPr>
+          <p:nvPr/>
+        </p:nvSpPr>
+        <p:spPr bwMode="auto">
+          <a:xfrm>
+            <a:off x="3897390" y="1211989"/>
+            <a:ext cx="2499319" cy="323165"/>
+          </a:xfrm>
+          <a:prstGeom prst="rect">
+            <a:avLst/>
+          </a:prstGeom>
+          <a:solidFill>
+            <a:srgbClr val="F2F2F2"/>
+          </a:solidFill>
+          <a:ln>
+            <a:noFill/>
+          </a:ln>
+          <a:effectLst/>
+          <a:extLst>
+            <a:ext uri="{91240B29-F687-4F45-9708-019B960494DF}">
+              <a14:hiddenLine xmlns:a14="http://schemas.microsoft.com/office/drawing/2010/main" w="9525">
+                <a:solidFill>
+                  <a:schemeClr val="tx1"/>
+                </a:solidFill>
+                <a:miter lim="800000"/>
+                <a:headEnd/>
+                <a:tailEnd/>
+              </a14:hiddenLine>
+            </a:ext>
+            <a:ext uri="{AF507438-7753-43E0-B8FC-AC1667EBCBE1}">
+              <a14:hiddenEffects xmlns:a14="http://schemas.microsoft.com/office/drawing/2010/main">
+                <a:effectLst>
+                  <a:outerShdw dist="35921" dir="2700000" algn="ctr" rotWithShape="0">
+                    <a:schemeClr val="bg2"/>
+                  </a:outerShdw>
+                </a:effectLst>
+              </a14:hiddenEffects>
+            </a:ext>
+          </a:extLst>
+        </p:spPr>
+        <p:txBody>
+          <a:bodyPr vert="horz" wrap="square" lIns="91440" tIns="45720" rIns="91440" bIns="45720" numCol="1" anchor="ctr" anchorCtr="0" compatLnSpc="1">
+            <a:prstTxWarp prst="textNoShape">
+              <a:avLst/>
+            </a:prstTxWarp>
+            <a:spAutoFit/>
+          </a:bodyPr>
+          <a:lstStyle>
+            <a:lvl1pPr eaLnBrk="0" fontAlgn="base" hangingPunct="0">
+              <a:spcBef>
+                <a:spcPct val="0"/>
+              </a:spcBef>
+              <a:spcAft>
+                <a:spcPct val="0"/>
+              </a:spcAft>
+              <a:defRPr>
+                <a:solidFill>
+                  <a:schemeClr val="tx1"/>
+                </a:solidFill>
+                <a:latin typeface="Arial" panose="020B0604020202020204" pitchFamily="34" charset="0"/>
+              </a:defRPr>
+            </a:lvl1pPr>
+            <a:lvl2pPr eaLnBrk="0" fontAlgn="base" hangingPunct="0">
+              <a:spcBef>
+                <a:spcPct val="0"/>
+              </a:spcBef>
+              <a:spcAft>
+                <a:spcPct val="0"/>
+              </a:spcAft>
+              <a:defRPr>
+                <a:solidFill>
+                  <a:schemeClr val="tx1"/>
+                </a:solidFill>
+                <a:latin typeface="Arial" panose="020B0604020202020204" pitchFamily="34" charset="0"/>
+              </a:defRPr>
+            </a:lvl2pPr>
+            <a:lvl3pPr eaLnBrk="0" fontAlgn="base" hangingPunct="0">
+              <a:spcBef>
+                <a:spcPct val="0"/>
+              </a:spcBef>
+              <a:spcAft>
+                <a:spcPct val="0"/>
+              </a:spcAft>
+              <a:defRPr>
+                <a:solidFill>
+                  <a:schemeClr val="tx1"/>
+                </a:solidFill>
+                <a:latin typeface="Arial" panose="020B0604020202020204" pitchFamily="34" charset="0"/>
+              </a:defRPr>
+            </a:lvl3pPr>
+            <a:lvl4pPr eaLnBrk="0" fontAlgn="base" hangingPunct="0">
+              <a:spcBef>
+                <a:spcPct val="0"/>
+              </a:spcBef>
+              <a:spcAft>
+                <a:spcPct val="0"/>
+              </a:spcAft>
+              <a:defRPr>
+                <a:solidFill>
+                  <a:schemeClr val="tx1"/>
+                </a:solidFill>
+                <a:latin typeface="Arial" panose="020B0604020202020204" pitchFamily="34" charset="0"/>
+              </a:defRPr>
+            </a:lvl4pPr>
+            <a:lvl5pPr eaLnBrk="0" fontAlgn="base" hangingPunct="0">
+              <a:spcBef>
+                <a:spcPct val="0"/>
+              </a:spcBef>
+              <a:spcAft>
+                <a:spcPct val="0"/>
+              </a:spcAft>
+              <a:defRPr>
+                <a:solidFill>
+                  <a:schemeClr val="tx1"/>
+                </a:solidFill>
+                <a:latin typeface="Arial" panose="020B0604020202020204" pitchFamily="34" charset="0"/>
+              </a:defRPr>
+            </a:lvl5pPr>
+            <a:lvl6pPr eaLnBrk="0" fontAlgn="base" hangingPunct="0">
+              <a:spcBef>
+                <a:spcPct val="0"/>
+              </a:spcBef>
+              <a:spcAft>
+                <a:spcPct val="0"/>
+              </a:spcAft>
+              <a:defRPr>
+                <a:solidFill>
+                  <a:schemeClr val="tx1"/>
+                </a:solidFill>
+                <a:latin typeface="Arial" panose="020B0604020202020204" pitchFamily="34" charset="0"/>
+              </a:defRPr>
+            </a:lvl6pPr>
+            <a:lvl7pPr eaLnBrk="0" fontAlgn="base" hangingPunct="0">
+              <a:spcBef>
+                <a:spcPct val="0"/>
+              </a:spcBef>
+              <a:spcAft>
+                <a:spcPct val="0"/>
+              </a:spcAft>
+              <a:defRPr>
+                <a:solidFill>
+                  <a:schemeClr val="tx1"/>
+                </a:solidFill>
+                <a:latin typeface="Arial" panose="020B0604020202020204" pitchFamily="34" charset="0"/>
+              </a:defRPr>
+            </a:lvl7pPr>
+            <a:lvl8pPr eaLnBrk="0" fontAlgn="base" hangingPunct="0">
+              <a:spcBef>
+                <a:spcPct val="0"/>
+              </a:spcBef>
+              <a:spcAft>
+                <a:spcPct val="0"/>
+              </a:spcAft>
+              <a:defRPr>
+                <a:solidFill>
+                  <a:schemeClr val="tx1"/>
+                </a:solidFill>
+                <a:latin typeface="Arial" panose="020B0604020202020204" pitchFamily="34" charset="0"/>
+              </a:defRPr>
+            </a:lvl8pPr>
+            <a:lvl9pPr eaLnBrk="0" fontAlgn="base" hangingPunct="0">
+              <a:spcBef>
+                <a:spcPct val="0"/>
+              </a:spcBef>
+              <a:spcAft>
+                <a:spcPct val="0"/>
+              </a:spcAft>
+              <a:defRPr>
+                <a:solidFill>
+                  <a:schemeClr val="tx1"/>
+                </a:solidFill>
+                <a:latin typeface="Arial" panose="020B0604020202020204" pitchFamily="34" charset="0"/>
+              </a:defRPr>
+            </a:lvl9pPr>
+          </a:lstStyle>
+          <a:p>
+            <a:pPr marL="0" marR="0" lvl="0" indent="0" algn="l" defTabSz="914400" rtl="0" eaLnBrk="0" fontAlgn="base" latinLnBrk="0" hangingPunct="0">
+              <a:lnSpc>
+                <a:spcPct val="100000"/>
+              </a:lnSpc>
+              <a:spcBef>
+                <a:spcPct val="0"/>
+              </a:spcBef>
+              <a:spcAft>
+                <a:spcPct val="0"/>
+              </a:spcAft>
+              <a:buClrTx/>
+              <a:buSzTx/>
+              <a:buFontTx/>
+              <a:buNone/>
+              <a:tabLst/>
+            </a:pPr>
+            <a:r>
+              <a:rPr kumimoji="0" lang="en-US" altLang="en-US" sz="1100" b="0" i="0" u="none" strike="noStrike" cap="none" normalizeH="0" baseline="0" dirty="0" smtClean="0">
+                <a:ln>
+                  <a:noFill/>
+                </a:ln>
+                <a:solidFill>
+                  <a:srgbClr val="292929"/>
+                </a:solidFill>
+                <a:effectLst/>
+                <a:latin typeface="Menlo"/>
+              </a:rPr>
+              <a:t>@</a:t>
+            </a:r>
+            <a:r>
+              <a:rPr kumimoji="0" lang="en-US" altLang="en-US" sz="1100" b="0" i="0" u="none" strike="noStrike" cap="none" normalizeH="0" baseline="0" dirty="0" err="1" smtClean="0">
+                <a:ln>
+                  <a:noFill/>
+                </a:ln>
+                <a:solidFill>
+                  <a:srgbClr val="FF0000"/>
+                </a:solidFill>
+                <a:effectLst/>
+                <a:latin typeface="Menlo"/>
+              </a:rPr>
+              <a:t>EnableGlobalMethodSecurity</a:t>
+            </a:r>
+            <a:r>
+              <a:rPr kumimoji="0" lang="en-US" altLang="en-US" sz="1500" b="0" i="0" u="none" strike="noStrike" cap="none" normalizeH="0" baseline="0" dirty="0">
+                <a:ln>
+                  <a:noFill/>
+                </a:ln>
+                <a:solidFill>
+                  <a:srgbClr val="292929"/>
+                </a:solidFill>
+                <a:effectLst/>
+                <a:latin typeface="charter"/>
+              </a:rPr>
+              <a:t> </a:t>
+            </a:r>
+            <a:endParaRPr kumimoji="0" lang="en-US" altLang="en-US" sz="1800" b="0" i="0" u="none" strike="noStrike" cap="none" normalizeH="0" baseline="0" dirty="0">
+              <a:ln>
+                <a:noFill/>
+              </a:ln>
+              <a:solidFill>
+                <a:schemeClr val="tx1"/>
+              </a:solidFill>
+              <a:effectLst/>
+              <a:latin typeface="Arial" panose="020B0604020202020204" pitchFamily="34" charset="0"/>
+            </a:endParaRPr>
+          </a:p>
+        </p:txBody>
+      </p:sp>
+      <p:sp>
+        <p:nvSpPr>
+          <p:cNvPr id="55" name="Rectangle 1">
+            <a:extLst>
+              <a:ext uri="{FF2B5EF4-FFF2-40B4-BE49-F238E27FC236}">
+                <a16:creationId xmlns="" xmlns:a16="http://schemas.microsoft.com/office/drawing/2014/main" id="{FFE5BAF0-90A9-481D-AAC3-4466B273C9B9}"/>
+              </a:ext>
+            </a:extLst>
+          </p:cNvPr>
+          <p:cNvSpPr>
+            <a:spLocks noChangeArrowheads="1"/>
+          </p:cNvSpPr>
+          <p:nvPr/>
+        </p:nvSpPr>
+        <p:spPr bwMode="auto">
+          <a:xfrm>
+            <a:off x="9700387" y="1202806"/>
+            <a:ext cx="2499319" cy="323165"/>
+          </a:xfrm>
+          <a:prstGeom prst="rect">
+            <a:avLst/>
+          </a:prstGeom>
+          <a:solidFill>
+            <a:srgbClr val="F2F2F2"/>
+          </a:solidFill>
+          <a:ln>
+            <a:noFill/>
+          </a:ln>
+          <a:effectLst/>
+          <a:extLst>
+            <a:ext uri="{91240B29-F687-4F45-9708-019B960494DF}">
+              <a14:hiddenLine xmlns:a14="http://schemas.microsoft.com/office/drawing/2010/main" w="9525">
+                <a:solidFill>
+                  <a:schemeClr val="tx1"/>
+                </a:solidFill>
+                <a:miter lim="800000"/>
+                <a:headEnd/>
+                <a:tailEnd/>
+              </a14:hiddenLine>
+            </a:ext>
+            <a:ext uri="{AF507438-7753-43E0-B8FC-AC1667EBCBE1}">
+              <a14:hiddenEffects xmlns:a14="http://schemas.microsoft.com/office/drawing/2010/main">
+                <a:effectLst>
+                  <a:outerShdw dist="35921" dir="2700000" algn="ctr" rotWithShape="0">
+                    <a:schemeClr val="bg2"/>
+                  </a:outerShdw>
+                </a:effectLst>
+              </a14:hiddenEffects>
+            </a:ext>
+          </a:extLst>
+        </p:spPr>
+        <p:txBody>
+          <a:bodyPr vert="horz" wrap="square" lIns="91440" tIns="45720" rIns="91440" bIns="45720" numCol="1" anchor="ctr" anchorCtr="0" compatLnSpc="1">
+            <a:prstTxWarp prst="textNoShape">
+              <a:avLst/>
+            </a:prstTxWarp>
+            <a:spAutoFit/>
+          </a:bodyPr>
+          <a:lstStyle>
+            <a:lvl1pPr eaLnBrk="0" fontAlgn="base" hangingPunct="0">
+              <a:spcBef>
+                <a:spcPct val="0"/>
+              </a:spcBef>
+              <a:spcAft>
+                <a:spcPct val="0"/>
+              </a:spcAft>
+              <a:defRPr>
+                <a:solidFill>
+                  <a:schemeClr val="tx1"/>
+                </a:solidFill>
+                <a:latin typeface="Arial" panose="020B0604020202020204" pitchFamily="34" charset="0"/>
+              </a:defRPr>
+            </a:lvl1pPr>
+            <a:lvl2pPr eaLnBrk="0" fontAlgn="base" hangingPunct="0">
+              <a:spcBef>
+                <a:spcPct val="0"/>
+              </a:spcBef>
+              <a:spcAft>
+                <a:spcPct val="0"/>
+              </a:spcAft>
+              <a:defRPr>
+                <a:solidFill>
+                  <a:schemeClr val="tx1"/>
+                </a:solidFill>
+                <a:latin typeface="Arial" panose="020B0604020202020204" pitchFamily="34" charset="0"/>
+              </a:defRPr>
+            </a:lvl2pPr>
+            <a:lvl3pPr eaLnBrk="0" fontAlgn="base" hangingPunct="0">
+              <a:spcBef>
+                <a:spcPct val="0"/>
+              </a:spcBef>
+              <a:spcAft>
+                <a:spcPct val="0"/>
+              </a:spcAft>
+              <a:defRPr>
+                <a:solidFill>
+                  <a:schemeClr val="tx1"/>
+                </a:solidFill>
+                <a:latin typeface="Arial" panose="020B0604020202020204" pitchFamily="34" charset="0"/>
+              </a:defRPr>
+            </a:lvl3pPr>
+            <a:lvl4pPr eaLnBrk="0" fontAlgn="base" hangingPunct="0">
+              <a:spcBef>
+                <a:spcPct val="0"/>
+              </a:spcBef>
+              <a:spcAft>
+                <a:spcPct val="0"/>
+              </a:spcAft>
+              <a:defRPr>
+                <a:solidFill>
+                  <a:schemeClr val="tx1"/>
+                </a:solidFill>
+                <a:latin typeface="Arial" panose="020B0604020202020204" pitchFamily="34" charset="0"/>
+              </a:defRPr>
+            </a:lvl4pPr>
+            <a:lvl5pPr eaLnBrk="0" fontAlgn="base" hangingPunct="0">
+              <a:spcBef>
+                <a:spcPct val="0"/>
+              </a:spcBef>
+              <a:spcAft>
+                <a:spcPct val="0"/>
+              </a:spcAft>
+              <a:defRPr>
+                <a:solidFill>
+                  <a:schemeClr val="tx1"/>
+                </a:solidFill>
+                <a:latin typeface="Arial" panose="020B0604020202020204" pitchFamily="34" charset="0"/>
+              </a:defRPr>
+            </a:lvl5pPr>
+            <a:lvl6pPr eaLnBrk="0" fontAlgn="base" hangingPunct="0">
+              <a:spcBef>
+                <a:spcPct val="0"/>
+              </a:spcBef>
+              <a:spcAft>
+                <a:spcPct val="0"/>
+              </a:spcAft>
+              <a:defRPr>
+                <a:solidFill>
+                  <a:schemeClr val="tx1"/>
+                </a:solidFill>
+                <a:latin typeface="Arial" panose="020B0604020202020204" pitchFamily="34" charset="0"/>
+              </a:defRPr>
+            </a:lvl6pPr>
+            <a:lvl7pPr eaLnBrk="0" fontAlgn="base" hangingPunct="0">
+              <a:spcBef>
+                <a:spcPct val="0"/>
+              </a:spcBef>
+              <a:spcAft>
+                <a:spcPct val="0"/>
+              </a:spcAft>
+              <a:defRPr>
+                <a:solidFill>
+                  <a:schemeClr val="tx1"/>
+                </a:solidFill>
+                <a:latin typeface="Arial" panose="020B0604020202020204" pitchFamily="34" charset="0"/>
+              </a:defRPr>
+            </a:lvl7pPr>
+            <a:lvl8pPr eaLnBrk="0" fontAlgn="base" hangingPunct="0">
+              <a:spcBef>
+                <a:spcPct val="0"/>
+              </a:spcBef>
+              <a:spcAft>
+                <a:spcPct val="0"/>
+              </a:spcAft>
+              <a:defRPr>
+                <a:solidFill>
+                  <a:schemeClr val="tx1"/>
+                </a:solidFill>
+                <a:latin typeface="Arial" panose="020B0604020202020204" pitchFamily="34" charset="0"/>
+              </a:defRPr>
+            </a:lvl8pPr>
+            <a:lvl9pPr eaLnBrk="0" fontAlgn="base" hangingPunct="0">
+              <a:spcBef>
+                <a:spcPct val="0"/>
+              </a:spcBef>
+              <a:spcAft>
+                <a:spcPct val="0"/>
+              </a:spcAft>
+              <a:defRPr>
+                <a:solidFill>
+                  <a:schemeClr val="tx1"/>
+                </a:solidFill>
+                <a:latin typeface="Arial" panose="020B0604020202020204" pitchFamily="34" charset="0"/>
+              </a:defRPr>
+            </a:lvl9pPr>
+          </a:lstStyle>
+          <a:p>
+            <a:pPr marL="0" marR="0" lvl="0" indent="0" algn="l" defTabSz="914400" rtl="0" eaLnBrk="0" fontAlgn="base" latinLnBrk="0" hangingPunct="0">
+              <a:lnSpc>
+                <a:spcPct val="100000"/>
+              </a:lnSpc>
+              <a:spcBef>
+                <a:spcPct val="0"/>
+              </a:spcBef>
+              <a:spcAft>
+                <a:spcPct val="0"/>
+              </a:spcAft>
+              <a:buClrTx/>
+              <a:buSzTx/>
+              <a:buFontTx/>
+              <a:buNone/>
+              <a:tabLst/>
+            </a:pPr>
+            <a:r>
+              <a:rPr kumimoji="0" lang="en-US" altLang="en-US" sz="1100" b="0" i="0" u="none" strike="noStrike" cap="none" normalizeH="0" baseline="0" dirty="0" smtClean="0">
+                <a:ln>
+                  <a:noFill/>
+                </a:ln>
+                <a:solidFill>
+                  <a:srgbClr val="292929"/>
+                </a:solidFill>
+                <a:effectLst/>
+                <a:latin typeface="Menlo"/>
+              </a:rPr>
+              <a:t>@</a:t>
+            </a:r>
+            <a:r>
+              <a:rPr kumimoji="0" lang="en-US" altLang="en-US" sz="1100" b="0" i="0" u="none" strike="noStrike" cap="none" normalizeH="0" baseline="0" dirty="0" err="1" smtClean="0">
+                <a:ln>
+                  <a:noFill/>
+                </a:ln>
+                <a:solidFill>
+                  <a:srgbClr val="FF0000"/>
+                </a:solidFill>
+                <a:effectLst/>
+                <a:latin typeface="Menlo"/>
+              </a:rPr>
+              <a:t>EnableGlobalMethodSecurity</a:t>
+            </a:r>
+            <a:r>
+              <a:rPr kumimoji="0" lang="en-US" altLang="en-US" sz="1500" b="0" i="0" u="none" strike="noStrike" cap="none" normalizeH="0" baseline="0" dirty="0">
+                <a:ln>
+                  <a:noFill/>
+                </a:ln>
+                <a:solidFill>
+                  <a:srgbClr val="292929"/>
+                </a:solidFill>
+                <a:effectLst/>
+                <a:latin typeface="charter"/>
+              </a:rPr>
+              <a:t> </a:t>
+            </a:r>
+            <a:endParaRPr kumimoji="0" lang="en-US" altLang="en-US" sz="1800" b="0" i="0" u="none" strike="noStrike" cap="none" normalizeH="0" baseline="0" dirty="0">
+              <a:ln>
+                <a:noFill/>
+              </a:ln>
+              <a:solidFill>
+                <a:schemeClr val="tx1"/>
+              </a:solidFill>
+              <a:effectLst/>
+              <a:latin typeface="Arial" panose="020B0604020202020204" pitchFamily="34" charset="0"/>
+            </a:endParaRPr>
+          </a:p>
+        </p:txBody>
+      </p:sp>
+    </p:spTree>
+    <p:extLst>
+      <p:ext uri="{BB962C8B-B14F-4D97-AF65-F5344CB8AC3E}">
+        <p14:creationId xmlns:p14="http://schemas.microsoft.com/office/powerpoint/2010/main" val="3673710164"/>
+      </p:ext>
+    </p:extLst>
+  </p:cSld>
+  <p:clrMapOvr>
+    <a:masterClrMapping/>
+  </p:clrMapOvr>
+</p:sld>
+</file>
+
 <file path=ppt/slides/slide2.xml><?xml version="1.0" encoding="utf-8"?>
 <p:sld xmlns:a="http://schemas.openxmlformats.org/drawingml/2006/main" xmlns:r="http://schemas.openxmlformats.org/officeDocument/2006/relationships" xmlns:p="http://schemas.openxmlformats.org/presentationml/2006/main">
   <p:cSld>
@@ -6188,7 +13268,7 @@
               <p:cNvPr id="5" name="Rectangle: Rounded Corners 1">
                 <a:extLst>
                   <a:ext uri="{FF2B5EF4-FFF2-40B4-BE49-F238E27FC236}">
-                    <a16:creationId xmlns:a16="http://schemas.microsoft.com/office/drawing/2014/main" xmlns="" id="{229043B8-923C-4A63-923B-ED47AB6F3179}"/>
+                    <a16:creationId xmlns="" xmlns:a16="http://schemas.microsoft.com/office/drawing/2014/main" id="{229043B8-923C-4A63-923B-ED47AB6F3179}"/>
                   </a:ext>
                 </a:extLst>
               </p:cNvPr>
@@ -6249,7 +13329,7 @@
               <p:cNvPr id="6" name="Rectangle 1">
                 <a:extLst>
                   <a:ext uri="{FF2B5EF4-FFF2-40B4-BE49-F238E27FC236}">
-                    <a16:creationId xmlns:a16="http://schemas.microsoft.com/office/drawing/2014/main" xmlns="" id="{FFE5BAF0-90A9-481D-AAC3-4466B273C9B9}"/>
+                    <a16:creationId xmlns="" xmlns:a16="http://schemas.microsoft.com/office/drawing/2014/main" id="{FFE5BAF0-90A9-481D-AAC3-4466B273C9B9}"/>
                   </a:ext>
                 </a:extLst>
               </p:cNvPr>
@@ -6516,7 +13596,7 @@
               <p:cNvPr id="7" name="Rectangle 1">
                 <a:extLst>
                   <a:ext uri="{FF2B5EF4-FFF2-40B4-BE49-F238E27FC236}">
-                    <a16:creationId xmlns:a16="http://schemas.microsoft.com/office/drawing/2014/main" xmlns="" id="{4A5862E7-0045-43EA-8731-76AF0AFFEB2B}"/>
+                    <a16:creationId xmlns="" xmlns:a16="http://schemas.microsoft.com/office/drawing/2014/main" id="{4A5862E7-0045-43EA-8731-76AF0AFFEB2B}"/>
                   </a:ext>
                 </a:extLst>
               </p:cNvPr>
@@ -6778,7 +13858,7 @@
             <p:cNvPr id="15" name="Rectangle: Rounded Corners 1">
               <a:extLst>
                 <a:ext uri="{FF2B5EF4-FFF2-40B4-BE49-F238E27FC236}">
-                  <a16:creationId xmlns:a16="http://schemas.microsoft.com/office/drawing/2014/main" xmlns="" id="{229043B8-923C-4A63-923B-ED47AB6F3179}"/>
+                  <a16:creationId xmlns="" xmlns:a16="http://schemas.microsoft.com/office/drawing/2014/main" id="{229043B8-923C-4A63-923B-ED47AB6F3179}"/>
                 </a:ext>
               </a:extLst>
             </p:cNvPr>
@@ -6838,7 +13918,7 @@
             <p:cNvPr id="16" name="Rectangle 1">
               <a:extLst>
                 <a:ext uri="{FF2B5EF4-FFF2-40B4-BE49-F238E27FC236}">
-                  <a16:creationId xmlns:a16="http://schemas.microsoft.com/office/drawing/2014/main" xmlns="" id="{FFE5BAF0-90A9-481D-AAC3-4466B273C9B9}"/>
+                  <a16:creationId xmlns="" xmlns:a16="http://schemas.microsoft.com/office/drawing/2014/main" id="{FFE5BAF0-90A9-481D-AAC3-4466B273C9B9}"/>
                 </a:ext>
               </a:extLst>
             </p:cNvPr>
@@ -7105,7 +14185,7 @@
             <p:cNvPr id="17" name="Rectangle 1">
               <a:extLst>
                 <a:ext uri="{FF2B5EF4-FFF2-40B4-BE49-F238E27FC236}">
-                  <a16:creationId xmlns:a16="http://schemas.microsoft.com/office/drawing/2014/main" xmlns="" id="{4A5862E7-0045-43EA-8731-76AF0AFFEB2B}"/>
+                  <a16:creationId xmlns="" xmlns:a16="http://schemas.microsoft.com/office/drawing/2014/main" id="{4A5862E7-0045-43EA-8731-76AF0AFFEB2B}"/>
                 </a:ext>
               </a:extLst>
             </p:cNvPr>
@@ -7366,7 +14446,7 @@
             <p:cNvPr id="19" name="Rectangle: Rounded Corners 1">
               <a:extLst>
                 <a:ext uri="{FF2B5EF4-FFF2-40B4-BE49-F238E27FC236}">
-                  <a16:creationId xmlns:a16="http://schemas.microsoft.com/office/drawing/2014/main" xmlns="" id="{229043B8-923C-4A63-923B-ED47AB6F3179}"/>
+                  <a16:creationId xmlns="" xmlns:a16="http://schemas.microsoft.com/office/drawing/2014/main" id="{229043B8-923C-4A63-923B-ED47AB6F3179}"/>
                 </a:ext>
               </a:extLst>
             </p:cNvPr>
@@ -7426,7 +14506,7 @@
             <p:cNvPr id="20" name="Rectangle 1">
               <a:extLst>
                 <a:ext uri="{FF2B5EF4-FFF2-40B4-BE49-F238E27FC236}">
-                  <a16:creationId xmlns:a16="http://schemas.microsoft.com/office/drawing/2014/main" xmlns="" id="{FFE5BAF0-90A9-481D-AAC3-4466B273C9B9}"/>
+                  <a16:creationId xmlns="" xmlns:a16="http://schemas.microsoft.com/office/drawing/2014/main" id="{FFE5BAF0-90A9-481D-AAC3-4466B273C9B9}"/>
                 </a:ext>
               </a:extLst>
             </p:cNvPr>
@@ -7681,7 +14761,7 @@
             <p:cNvPr id="21" name="Rectangle 1">
               <a:extLst>
                 <a:ext uri="{FF2B5EF4-FFF2-40B4-BE49-F238E27FC236}">
-                  <a16:creationId xmlns:a16="http://schemas.microsoft.com/office/drawing/2014/main" xmlns="" id="{4A5862E7-0045-43EA-8731-76AF0AFFEB2B}"/>
+                  <a16:creationId xmlns="" xmlns:a16="http://schemas.microsoft.com/office/drawing/2014/main" id="{4A5862E7-0045-43EA-8731-76AF0AFFEB2B}"/>
                 </a:ext>
               </a:extLst>
             </p:cNvPr>
@@ -8262,7 +15342,7 @@
               <p:cNvPr id="6" name="Rectangle: Rounded Corners 1">
                 <a:extLst>
                   <a:ext uri="{FF2B5EF4-FFF2-40B4-BE49-F238E27FC236}">
-                    <a16:creationId xmlns:a16="http://schemas.microsoft.com/office/drawing/2014/main" xmlns="" id="{229043B8-923C-4A63-923B-ED47AB6F3179}"/>
+                    <a16:creationId xmlns="" xmlns:a16="http://schemas.microsoft.com/office/drawing/2014/main" id="{229043B8-923C-4A63-923B-ED47AB6F3179}"/>
                   </a:ext>
                 </a:extLst>
               </p:cNvPr>
@@ -8323,7 +15403,7 @@
               <p:cNvPr id="7" name="Rectangle 1">
                 <a:extLst>
                   <a:ext uri="{FF2B5EF4-FFF2-40B4-BE49-F238E27FC236}">
-                    <a16:creationId xmlns:a16="http://schemas.microsoft.com/office/drawing/2014/main" xmlns="" id="{FFE5BAF0-90A9-481D-AAC3-4466B273C9B9}"/>
+                    <a16:creationId xmlns="" xmlns:a16="http://schemas.microsoft.com/office/drawing/2014/main" id="{FFE5BAF0-90A9-481D-AAC3-4466B273C9B9}"/>
                   </a:ext>
                 </a:extLst>
               </p:cNvPr>
@@ -8590,7 +15670,7 @@
               <p:cNvPr id="8" name="Rectangle 1">
                 <a:extLst>
                   <a:ext uri="{FF2B5EF4-FFF2-40B4-BE49-F238E27FC236}">
-                    <a16:creationId xmlns:a16="http://schemas.microsoft.com/office/drawing/2014/main" xmlns="" id="{4A5862E7-0045-43EA-8731-76AF0AFFEB2B}"/>
+                    <a16:creationId xmlns="" xmlns:a16="http://schemas.microsoft.com/office/drawing/2014/main" id="{4A5862E7-0045-43EA-8731-76AF0AFFEB2B}"/>
                   </a:ext>
                 </a:extLst>
               </p:cNvPr>
@@ -8852,7 +15932,7 @@
             <p:cNvPr id="10" name="Rectangle: Rounded Corners 1">
               <a:extLst>
                 <a:ext uri="{FF2B5EF4-FFF2-40B4-BE49-F238E27FC236}">
-                  <a16:creationId xmlns:a16="http://schemas.microsoft.com/office/drawing/2014/main" xmlns="" id="{229043B8-923C-4A63-923B-ED47AB6F3179}"/>
+                  <a16:creationId xmlns="" xmlns:a16="http://schemas.microsoft.com/office/drawing/2014/main" id="{229043B8-923C-4A63-923B-ED47AB6F3179}"/>
                 </a:ext>
               </a:extLst>
             </p:cNvPr>
@@ -8912,7 +15992,7 @@
             <p:cNvPr id="11" name="Rectangle 1">
               <a:extLst>
                 <a:ext uri="{FF2B5EF4-FFF2-40B4-BE49-F238E27FC236}">
-                  <a16:creationId xmlns:a16="http://schemas.microsoft.com/office/drawing/2014/main" xmlns="" id="{FFE5BAF0-90A9-481D-AAC3-4466B273C9B9}"/>
+                  <a16:creationId xmlns="" xmlns:a16="http://schemas.microsoft.com/office/drawing/2014/main" id="{FFE5BAF0-90A9-481D-AAC3-4466B273C9B9}"/>
                 </a:ext>
               </a:extLst>
             </p:cNvPr>
@@ -9179,7 +16259,7 @@
             <p:cNvPr id="12" name="Rectangle 1">
               <a:extLst>
                 <a:ext uri="{FF2B5EF4-FFF2-40B4-BE49-F238E27FC236}">
-                  <a16:creationId xmlns:a16="http://schemas.microsoft.com/office/drawing/2014/main" xmlns="" id="{4A5862E7-0045-43EA-8731-76AF0AFFEB2B}"/>
+                  <a16:creationId xmlns="" xmlns:a16="http://schemas.microsoft.com/office/drawing/2014/main" id="{4A5862E7-0045-43EA-8731-76AF0AFFEB2B}"/>
                 </a:ext>
               </a:extLst>
             </p:cNvPr>
@@ -9440,7 +16520,7 @@
             <p:cNvPr id="14" name="Rectangle: Rounded Corners 1">
               <a:extLst>
                 <a:ext uri="{FF2B5EF4-FFF2-40B4-BE49-F238E27FC236}">
-                  <a16:creationId xmlns:a16="http://schemas.microsoft.com/office/drawing/2014/main" xmlns="" id="{229043B8-923C-4A63-923B-ED47AB6F3179}"/>
+                  <a16:creationId xmlns="" xmlns:a16="http://schemas.microsoft.com/office/drawing/2014/main" id="{229043B8-923C-4A63-923B-ED47AB6F3179}"/>
                 </a:ext>
               </a:extLst>
             </p:cNvPr>
@@ -9500,7 +16580,7 @@
             <p:cNvPr id="15" name="Rectangle 1">
               <a:extLst>
                 <a:ext uri="{FF2B5EF4-FFF2-40B4-BE49-F238E27FC236}">
-                  <a16:creationId xmlns:a16="http://schemas.microsoft.com/office/drawing/2014/main" xmlns="" id="{FFE5BAF0-90A9-481D-AAC3-4466B273C9B9}"/>
+                  <a16:creationId xmlns="" xmlns:a16="http://schemas.microsoft.com/office/drawing/2014/main" id="{FFE5BAF0-90A9-481D-AAC3-4466B273C9B9}"/>
                 </a:ext>
               </a:extLst>
             </p:cNvPr>
@@ -9755,7 +16835,7 @@
             <p:cNvPr id="16" name="Rectangle 1">
               <a:extLst>
                 <a:ext uri="{FF2B5EF4-FFF2-40B4-BE49-F238E27FC236}">
-                  <a16:creationId xmlns:a16="http://schemas.microsoft.com/office/drawing/2014/main" xmlns="" id="{4A5862E7-0045-43EA-8731-76AF0AFFEB2B}"/>
+                  <a16:creationId xmlns="" xmlns:a16="http://schemas.microsoft.com/office/drawing/2014/main" id="{4A5862E7-0045-43EA-8731-76AF0AFFEB2B}"/>
                 </a:ext>
               </a:extLst>
             </p:cNvPr>
@@ -10218,7 +17298,7 @@
           <p:cNvPr id="35" name="Rectangle 1">
             <a:extLst>
               <a:ext uri="{FF2B5EF4-FFF2-40B4-BE49-F238E27FC236}">
-                <a16:creationId xmlns:a16="http://schemas.microsoft.com/office/drawing/2014/main" xmlns="" id="{FFE5BAF0-90A9-481D-AAC3-4466B273C9B9}"/>
+                <a16:creationId xmlns="" xmlns:a16="http://schemas.microsoft.com/office/drawing/2014/main" id="{FFE5BAF0-90A9-481D-AAC3-4466B273C9B9}"/>
               </a:ext>
             </a:extLst>
           </p:cNvPr>
@@ -10460,7 +17540,7 @@
           <p:cNvPr id="36" name="Rectangle 1">
             <a:extLst>
               <a:ext uri="{FF2B5EF4-FFF2-40B4-BE49-F238E27FC236}">
-                <a16:creationId xmlns:a16="http://schemas.microsoft.com/office/drawing/2014/main" xmlns="" id="{FFE5BAF0-90A9-481D-AAC3-4466B273C9B9}"/>
+                <a16:creationId xmlns="" xmlns:a16="http://schemas.microsoft.com/office/drawing/2014/main" id="{FFE5BAF0-90A9-481D-AAC3-4466B273C9B9}"/>
               </a:ext>
             </a:extLst>
           </p:cNvPr>
@@ -10757,7 +17837,7 @@
           <p:cNvPr id="19" name="Group 18">
             <a:extLst>
               <a:ext uri="{FF2B5EF4-FFF2-40B4-BE49-F238E27FC236}">
-                <a16:creationId xmlns:a16="http://schemas.microsoft.com/office/drawing/2014/main" xmlns="" id="{D0F62175-D24D-4B45-B9CA-E8C1FAAC2857}"/>
+                <a16:creationId xmlns="" xmlns:a16="http://schemas.microsoft.com/office/drawing/2014/main" id="{D0F62175-D24D-4B45-B9CA-E8C1FAAC2857}"/>
               </a:ext>
             </a:extLst>
           </p:cNvPr>
@@ -10777,7 +17857,7 @@
             <p:cNvPr id="10" name="Group 9">
               <a:extLst>
                 <a:ext uri="{FF2B5EF4-FFF2-40B4-BE49-F238E27FC236}">
-                  <a16:creationId xmlns:a16="http://schemas.microsoft.com/office/drawing/2014/main" xmlns="" id="{62E720DB-FF62-4E7A-86CD-1CAE2B2D6238}"/>
+                  <a16:creationId xmlns="" xmlns:a16="http://schemas.microsoft.com/office/drawing/2014/main" id="{62E720DB-FF62-4E7A-86CD-1CAE2B2D6238}"/>
                 </a:ext>
               </a:extLst>
             </p:cNvPr>
@@ -10797,7 +17877,7 @@
               <p:cNvPr id="2" name="Rectangle: Rounded Corners 1">
                 <a:extLst>
                   <a:ext uri="{FF2B5EF4-FFF2-40B4-BE49-F238E27FC236}">
-                    <a16:creationId xmlns:a16="http://schemas.microsoft.com/office/drawing/2014/main" xmlns="" id="{229043B8-923C-4A63-923B-ED47AB6F3179}"/>
+                    <a16:creationId xmlns="" xmlns:a16="http://schemas.microsoft.com/office/drawing/2014/main" id="{229043B8-923C-4A63-923B-ED47AB6F3179}"/>
                   </a:ext>
                 </a:extLst>
               </p:cNvPr>
@@ -10858,7 +17938,7 @@
               <p:cNvPr id="7" name="Rectangle 1">
                 <a:extLst>
                   <a:ext uri="{FF2B5EF4-FFF2-40B4-BE49-F238E27FC236}">
-                    <a16:creationId xmlns:a16="http://schemas.microsoft.com/office/drawing/2014/main" xmlns="" id="{FFE5BAF0-90A9-481D-AAC3-4466B273C9B9}"/>
+                    <a16:creationId xmlns="" xmlns:a16="http://schemas.microsoft.com/office/drawing/2014/main" id="{FFE5BAF0-90A9-481D-AAC3-4466B273C9B9}"/>
                   </a:ext>
                 </a:extLst>
               </p:cNvPr>
@@ -11112,7 +18192,7 @@
               <p:cNvPr id="9" name="Rectangle 1">
                 <a:extLst>
                   <a:ext uri="{FF2B5EF4-FFF2-40B4-BE49-F238E27FC236}">
-                    <a16:creationId xmlns:a16="http://schemas.microsoft.com/office/drawing/2014/main" xmlns="" id="{4A5862E7-0045-43EA-8731-76AF0AFFEB2B}"/>
+                    <a16:creationId xmlns="" xmlns:a16="http://schemas.microsoft.com/office/drawing/2014/main" id="{4A5862E7-0045-43EA-8731-76AF0AFFEB2B}"/>
                   </a:ext>
                 </a:extLst>
               </p:cNvPr>
@@ -11359,7 +18439,7 @@
             <p:cNvPr id="11" name="Group 10">
               <a:extLst>
                 <a:ext uri="{FF2B5EF4-FFF2-40B4-BE49-F238E27FC236}">
-                  <a16:creationId xmlns:a16="http://schemas.microsoft.com/office/drawing/2014/main" xmlns="" id="{93DBFA10-C83E-4DEF-8CD1-BADBC16FE155}"/>
+                  <a16:creationId xmlns="" xmlns:a16="http://schemas.microsoft.com/office/drawing/2014/main" id="{93DBFA10-C83E-4DEF-8CD1-BADBC16FE155}"/>
                 </a:ext>
               </a:extLst>
             </p:cNvPr>
@@ -11379,7 +18459,7 @@
               <p:cNvPr id="12" name="Rectangle: Rounded Corners 11">
                 <a:extLst>
                   <a:ext uri="{FF2B5EF4-FFF2-40B4-BE49-F238E27FC236}">
-                    <a16:creationId xmlns:a16="http://schemas.microsoft.com/office/drawing/2014/main" xmlns="" id="{BE150171-1A7B-4D64-B55E-DB783C08E7C2}"/>
+                    <a16:creationId xmlns="" xmlns:a16="http://schemas.microsoft.com/office/drawing/2014/main" id="{BE150171-1A7B-4D64-B55E-DB783C08E7C2}"/>
                   </a:ext>
                 </a:extLst>
               </p:cNvPr>
@@ -11440,7 +18520,7 @@
               <p:cNvPr id="13" name="Rectangle 1">
                 <a:extLst>
                   <a:ext uri="{FF2B5EF4-FFF2-40B4-BE49-F238E27FC236}">
-                    <a16:creationId xmlns:a16="http://schemas.microsoft.com/office/drawing/2014/main" xmlns="" id="{26A7B01C-670A-4B9E-8775-5248BB8B3942}"/>
+                    <a16:creationId xmlns="" xmlns:a16="http://schemas.microsoft.com/office/drawing/2014/main" id="{26A7B01C-670A-4B9E-8775-5248BB8B3942}"/>
                   </a:ext>
                 </a:extLst>
               </p:cNvPr>
@@ -11694,7 +18774,7 @@
               <p:cNvPr id="14" name="Rectangle 1">
                 <a:extLst>
                   <a:ext uri="{FF2B5EF4-FFF2-40B4-BE49-F238E27FC236}">
-                    <a16:creationId xmlns:a16="http://schemas.microsoft.com/office/drawing/2014/main" xmlns="" id="{AE53C4F4-C196-4B4D-894F-2430912415CD}"/>
+                    <a16:creationId xmlns="" xmlns:a16="http://schemas.microsoft.com/office/drawing/2014/main" id="{AE53C4F4-C196-4B4D-894F-2430912415CD}"/>
                   </a:ext>
                 </a:extLst>
               </p:cNvPr>
@@ -11942,7 +19022,7 @@
           <p:cNvPr id="20" name="Group 19">
             <a:extLst>
               <a:ext uri="{FF2B5EF4-FFF2-40B4-BE49-F238E27FC236}">
-                <a16:creationId xmlns:a16="http://schemas.microsoft.com/office/drawing/2014/main" xmlns="" id="{7426D4FD-31C2-4FF9-800C-714F683EB43F}"/>
+                <a16:creationId xmlns="" xmlns:a16="http://schemas.microsoft.com/office/drawing/2014/main" id="{7426D4FD-31C2-4FF9-800C-714F683EB43F}"/>
               </a:ext>
             </a:extLst>
           </p:cNvPr>
@@ -11962,7 +19042,7 @@
             <p:cNvPr id="21" name="Group 20">
               <a:extLst>
                 <a:ext uri="{FF2B5EF4-FFF2-40B4-BE49-F238E27FC236}">
-                  <a16:creationId xmlns:a16="http://schemas.microsoft.com/office/drawing/2014/main" xmlns="" id="{926D488A-0224-468D-8DFC-EA65ABDDAB28}"/>
+                  <a16:creationId xmlns="" xmlns:a16="http://schemas.microsoft.com/office/drawing/2014/main" id="{926D488A-0224-468D-8DFC-EA65ABDDAB28}"/>
                 </a:ext>
               </a:extLst>
             </p:cNvPr>
@@ -11982,7 +19062,7 @@
               <p:cNvPr id="30" name="Rectangle: Rounded Corners 29">
                 <a:extLst>
                   <a:ext uri="{FF2B5EF4-FFF2-40B4-BE49-F238E27FC236}">
-                    <a16:creationId xmlns:a16="http://schemas.microsoft.com/office/drawing/2014/main" xmlns="" id="{7BF73A8A-9B63-4346-8677-7B7F802184A1}"/>
+                    <a16:creationId xmlns="" xmlns:a16="http://schemas.microsoft.com/office/drawing/2014/main" id="{7BF73A8A-9B63-4346-8677-7B7F802184A1}"/>
                   </a:ext>
                 </a:extLst>
               </p:cNvPr>
@@ -12037,7 +19117,7 @@
               <p:cNvPr id="31" name="Rectangle 1">
                 <a:extLst>
                   <a:ext uri="{FF2B5EF4-FFF2-40B4-BE49-F238E27FC236}">
-                    <a16:creationId xmlns:a16="http://schemas.microsoft.com/office/drawing/2014/main" xmlns="" id="{B2465705-8D1F-4610-B4EC-D9B332646F95}"/>
+                    <a16:creationId xmlns="" xmlns:a16="http://schemas.microsoft.com/office/drawing/2014/main" id="{B2465705-8D1F-4610-B4EC-D9B332646F95}"/>
                   </a:ext>
                 </a:extLst>
               </p:cNvPr>
@@ -12291,7 +19371,7 @@
               <p:cNvPr id="32" name="Rectangle 1">
                 <a:extLst>
                   <a:ext uri="{FF2B5EF4-FFF2-40B4-BE49-F238E27FC236}">
-                    <a16:creationId xmlns:a16="http://schemas.microsoft.com/office/drawing/2014/main" xmlns="" id="{2B208D04-9B0C-4194-8D6D-150281E8FD78}"/>
+                    <a16:creationId xmlns="" xmlns:a16="http://schemas.microsoft.com/office/drawing/2014/main" id="{2B208D04-9B0C-4194-8D6D-150281E8FD78}"/>
                   </a:ext>
                 </a:extLst>
               </p:cNvPr>
@@ -12538,7 +19618,7 @@
             <p:cNvPr id="22" name="Group 21">
               <a:extLst>
                 <a:ext uri="{FF2B5EF4-FFF2-40B4-BE49-F238E27FC236}">
-                  <a16:creationId xmlns:a16="http://schemas.microsoft.com/office/drawing/2014/main" xmlns="" id="{0677CBBA-4B05-4E26-ABCE-C634BA606830}"/>
+                  <a16:creationId xmlns="" xmlns:a16="http://schemas.microsoft.com/office/drawing/2014/main" id="{0677CBBA-4B05-4E26-ABCE-C634BA606830}"/>
                 </a:ext>
               </a:extLst>
             </p:cNvPr>
@@ -12558,7 +19638,7 @@
               <p:cNvPr id="27" name="Rectangle: Rounded Corners 26">
                 <a:extLst>
                   <a:ext uri="{FF2B5EF4-FFF2-40B4-BE49-F238E27FC236}">
-                    <a16:creationId xmlns:a16="http://schemas.microsoft.com/office/drawing/2014/main" xmlns="" id="{9E63CD82-7E71-4367-8277-574E557EA990}"/>
+                    <a16:creationId xmlns="" xmlns:a16="http://schemas.microsoft.com/office/drawing/2014/main" id="{9E63CD82-7E71-4367-8277-574E557EA990}"/>
                   </a:ext>
                 </a:extLst>
               </p:cNvPr>
@@ -12613,7 +19693,7 @@
               <p:cNvPr id="28" name="Rectangle 1">
                 <a:extLst>
                   <a:ext uri="{FF2B5EF4-FFF2-40B4-BE49-F238E27FC236}">
-                    <a16:creationId xmlns:a16="http://schemas.microsoft.com/office/drawing/2014/main" xmlns="" id="{0A88CE75-95F4-499E-842B-075807A82643}"/>
+                    <a16:creationId xmlns="" xmlns:a16="http://schemas.microsoft.com/office/drawing/2014/main" id="{0A88CE75-95F4-499E-842B-075807A82643}"/>
                   </a:ext>
                 </a:extLst>
               </p:cNvPr>
@@ -12867,7 +19947,7 @@
               <p:cNvPr id="29" name="Rectangle 1">
                 <a:extLst>
                   <a:ext uri="{FF2B5EF4-FFF2-40B4-BE49-F238E27FC236}">
-                    <a16:creationId xmlns:a16="http://schemas.microsoft.com/office/drawing/2014/main" xmlns="" id="{E0C71518-ACB1-46C3-80EE-972E9FD1840C}"/>
+                    <a16:creationId xmlns="" xmlns:a16="http://schemas.microsoft.com/office/drawing/2014/main" id="{E0C71518-ACB1-46C3-80EE-972E9FD1840C}"/>
                   </a:ext>
                 </a:extLst>
               </p:cNvPr>
@@ -13114,7 +20194,7 @@
             <p:cNvPr id="23" name="Group 22">
               <a:extLst>
                 <a:ext uri="{FF2B5EF4-FFF2-40B4-BE49-F238E27FC236}">
-                  <a16:creationId xmlns:a16="http://schemas.microsoft.com/office/drawing/2014/main" xmlns="" id="{0003B74D-B8C7-4414-9D7E-8A06C42A0CAA}"/>
+                  <a16:creationId xmlns="" xmlns:a16="http://schemas.microsoft.com/office/drawing/2014/main" id="{0003B74D-B8C7-4414-9D7E-8A06C42A0CAA}"/>
                 </a:ext>
               </a:extLst>
             </p:cNvPr>
@@ -13134,7 +20214,7 @@
               <p:cNvPr id="24" name="Rectangle: Rounded Corners 23">
                 <a:extLst>
                   <a:ext uri="{FF2B5EF4-FFF2-40B4-BE49-F238E27FC236}">
-                    <a16:creationId xmlns:a16="http://schemas.microsoft.com/office/drawing/2014/main" xmlns="" id="{97CECC83-8D18-45D9-B7DD-EA416689E01B}"/>
+                    <a16:creationId xmlns="" xmlns:a16="http://schemas.microsoft.com/office/drawing/2014/main" id="{97CECC83-8D18-45D9-B7DD-EA416689E01B}"/>
                   </a:ext>
                 </a:extLst>
               </p:cNvPr>
@@ -13189,7 +20269,7 @@
               <p:cNvPr id="25" name="Rectangle 1">
                 <a:extLst>
                   <a:ext uri="{FF2B5EF4-FFF2-40B4-BE49-F238E27FC236}">
-                    <a16:creationId xmlns:a16="http://schemas.microsoft.com/office/drawing/2014/main" xmlns="" id="{04212A30-EC2B-4ABF-8921-51C5D19C1368}"/>
+                    <a16:creationId xmlns="" xmlns:a16="http://schemas.microsoft.com/office/drawing/2014/main" id="{04212A30-EC2B-4ABF-8921-51C5D19C1368}"/>
                   </a:ext>
                 </a:extLst>
               </p:cNvPr>
@@ -13443,7 +20523,7 @@
               <p:cNvPr id="26" name="Rectangle 1">
                 <a:extLst>
                   <a:ext uri="{FF2B5EF4-FFF2-40B4-BE49-F238E27FC236}">
-                    <a16:creationId xmlns:a16="http://schemas.microsoft.com/office/drawing/2014/main" xmlns="" id="{6704B4F6-A682-486C-BA1E-C35C74B3DE0E}"/>
+                    <a16:creationId xmlns="" xmlns:a16="http://schemas.microsoft.com/office/drawing/2014/main" id="{6704B4F6-A682-486C-BA1E-C35C74B3DE0E}"/>
                   </a:ext>
                 </a:extLst>
               </p:cNvPr>
@@ -13691,7 +20771,7 @@
           <p:cNvPr id="33" name="Group 32">
             <a:extLst>
               <a:ext uri="{FF2B5EF4-FFF2-40B4-BE49-F238E27FC236}">
-                <a16:creationId xmlns:a16="http://schemas.microsoft.com/office/drawing/2014/main" xmlns="" id="{6FB1CA6F-487B-445A-AE17-DE06D734C19D}"/>
+                <a16:creationId xmlns="" xmlns:a16="http://schemas.microsoft.com/office/drawing/2014/main" id="{6FB1CA6F-487B-445A-AE17-DE06D734C19D}"/>
               </a:ext>
             </a:extLst>
           </p:cNvPr>
@@ -13711,7 +20791,7 @@
             <p:cNvPr id="34" name="Group 33">
               <a:extLst>
                 <a:ext uri="{FF2B5EF4-FFF2-40B4-BE49-F238E27FC236}">
-                  <a16:creationId xmlns:a16="http://schemas.microsoft.com/office/drawing/2014/main" xmlns="" id="{9A74CAB0-9F63-45CB-B953-6006D17ADF18}"/>
+                  <a16:creationId xmlns="" xmlns:a16="http://schemas.microsoft.com/office/drawing/2014/main" id="{9A74CAB0-9F63-45CB-B953-6006D17ADF18}"/>
                 </a:ext>
               </a:extLst>
             </p:cNvPr>
@@ -13731,7 +20811,7 @@
               <p:cNvPr id="43" name="Rectangle: Rounded Corners 42">
                 <a:extLst>
                   <a:ext uri="{FF2B5EF4-FFF2-40B4-BE49-F238E27FC236}">
-                    <a16:creationId xmlns:a16="http://schemas.microsoft.com/office/drawing/2014/main" xmlns="" id="{F3DF1273-F300-4BD0-8FB7-48FEC0DB1F09}"/>
+                    <a16:creationId xmlns="" xmlns:a16="http://schemas.microsoft.com/office/drawing/2014/main" id="{F3DF1273-F300-4BD0-8FB7-48FEC0DB1F09}"/>
                   </a:ext>
                 </a:extLst>
               </p:cNvPr>
@@ -13786,7 +20866,7 @@
               <p:cNvPr id="44" name="Rectangle 1">
                 <a:extLst>
                   <a:ext uri="{FF2B5EF4-FFF2-40B4-BE49-F238E27FC236}">
-                    <a16:creationId xmlns:a16="http://schemas.microsoft.com/office/drawing/2014/main" xmlns="" id="{B5D102D8-2F53-4ECD-AC34-13D13E6B37F0}"/>
+                    <a16:creationId xmlns="" xmlns:a16="http://schemas.microsoft.com/office/drawing/2014/main" id="{B5D102D8-2F53-4ECD-AC34-13D13E6B37F0}"/>
                   </a:ext>
                 </a:extLst>
               </p:cNvPr>
@@ -14027,7 +21107,7 @@
               <p:cNvPr id="45" name="Rectangle 1">
                 <a:extLst>
                   <a:ext uri="{FF2B5EF4-FFF2-40B4-BE49-F238E27FC236}">
-                    <a16:creationId xmlns:a16="http://schemas.microsoft.com/office/drawing/2014/main" xmlns="" id="{AAAEF367-96EF-4FDD-A670-DD00CDACB8EF}"/>
+                    <a16:creationId xmlns="" xmlns:a16="http://schemas.microsoft.com/office/drawing/2014/main" id="{AAAEF367-96EF-4FDD-A670-DD00CDACB8EF}"/>
                   </a:ext>
                 </a:extLst>
               </p:cNvPr>
@@ -14274,7 +21354,7 @@
             <p:cNvPr id="35" name="Group 34">
               <a:extLst>
                 <a:ext uri="{FF2B5EF4-FFF2-40B4-BE49-F238E27FC236}">
-                  <a16:creationId xmlns:a16="http://schemas.microsoft.com/office/drawing/2014/main" xmlns="" id="{7C56915C-9D0F-4B22-BEBB-943ED8C902CC}"/>
+                  <a16:creationId xmlns="" xmlns:a16="http://schemas.microsoft.com/office/drawing/2014/main" id="{7C56915C-9D0F-4B22-BEBB-943ED8C902CC}"/>
                 </a:ext>
               </a:extLst>
             </p:cNvPr>
@@ -14294,7 +21374,7 @@
               <p:cNvPr id="40" name="Rectangle: Rounded Corners 39">
                 <a:extLst>
                   <a:ext uri="{FF2B5EF4-FFF2-40B4-BE49-F238E27FC236}">
-                    <a16:creationId xmlns:a16="http://schemas.microsoft.com/office/drawing/2014/main" xmlns="" id="{B358541E-A59E-4315-9377-A1344B4DBD6D}"/>
+                    <a16:creationId xmlns="" xmlns:a16="http://schemas.microsoft.com/office/drawing/2014/main" id="{B358541E-A59E-4315-9377-A1344B4DBD6D}"/>
                   </a:ext>
                 </a:extLst>
               </p:cNvPr>
@@ -14349,7 +21429,7 @@
               <p:cNvPr id="41" name="Rectangle 1">
                 <a:extLst>
                   <a:ext uri="{FF2B5EF4-FFF2-40B4-BE49-F238E27FC236}">
-                    <a16:creationId xmlns:a16="http://schemas.microsoft.com/office/drawing/2014/main" xmlns="" id="{636FAF22-4BB5-4789-9C21-4115B0581B1F}"/>
+                    <a16:creationId xmlns="" xmlns:a16="http://schemas.microsoft.com/office/drawing/2014/main" id="{636FAF22-4BB5-4789-9C21-4115B0581B1F}"/>
                   </a:ext>
                 </a:extLst>
               </p:cNvPr>
@@ -14603,7 +21683,7 @@
               <p:cNvPr id="42" name="Rectangle 1">
                 <a:extLst>
                   <a:ext uri="{FF2B5EF4-FFF2-40B4-BE49-F238E27FC236}">
-                    <a16:creationId xmlns:a16="http://schemas.microsoft.com/office/drawing/2014/main" xmlns="" id="{81D9FE2A-0944-401B-80F6-90BF83A79396}"/>
+                    <a16:creationId xmlns="" xmlns:a16="http://schemas.microsoft.com/office/drawing/2014/main" id="{81D9FE2A-0944-401B-80F6-90BF83A79396}"/>
                   </a:ext>
                 </a:extLst>
               </p:cNvPr>
@@ -14850,7 +21930,7 @@
             <p:cNvPr id="36" name="Group 35">
               <a:extLst>
                 <a:ext uri="{FF2B5EF4-FFF2-40B4-BE49-F238E27FC236}">
-                  <a16:creationId xmlns:a16="http://schemas.microsoft.com/office/drawing/2014/main" xmlns="" id="{D08755B5-F548-4E7B-9C19-BC94E91B6FDC}"/>
+                  <a16:creationId xmlns="" xmlns:a16="http://schemas.microsoft.com/office/drawing/2014/main" id="{D08755B5-F548-4E7B-9C19-BC94E91B6FDC}"/>
                 </a:ext>
               </a:extLst>
             </p:cNvPr>
@@ -14870,7 +21950,7 @@
               <p:cNvPr id="37" name="Rectangle: Rounded Corners 36">
                 <a:extLst>
                   <a:ext uri="{FF2B5EF4-FFF2-40B4-BE49-F238E27FC236}">
-                    <a16:creationId xmlns:a16="http://schemas.microsoft.com/office/drawing/2014/main" xmlns="" id="{C1DF5C8E-17D1-4B23-A199-D6699B3F708F}"/>
+                    <a16:creationId xmlns="" xmlns:a16="http://schemas.microsoft.com/office/drawing/2014/main" id="{C1DF5C8E-17D1-4B23-A199-D6699B3F708F}"/>
                   </a:ext>
                 </a:extLst>
               </p:cNvPr>
@@ -14925,7 +22005,7 @@
               <p:cNvPr id="38" name="Rectangle 1">
                 <a:extLst>
                   <a:ext uri="{FF2B5EF4-FFF2-40B4-BE49-F238E27FC236}">
-                    <a16:creationId xmlns:a16="http://schemas.microsoft.com/office/drawing/2014/main" xmlns="" id="{E446ED41-7EA5-4CF8-9B3B-F403F4BEAEE1}"/>
+                    <a16:creationId xmlns="" xmlns:a16="http://schemas.microsoft.com/office/drawing/2014/main" id="{E446ED41-7EA5-4CF8-9B3B-F403F4BEAEE1}"/>
                   </a:ext>
                 </a:extLst>
               </p:cNvPr>
@@ -15179,7 +22259,7 @@
               <p:cNvPr id="39" name="Rectangle 1">
                 <a:extLst>
                   <a:ext uri="{FF2B5EF4-FFF2-40B4-BE49-F238E27FC236}">
-                    <a16:creationId xmlns:a16="http://schemas.microsoft.com/office/drawing/2014/main" xmlns="" id="{446F9F88-3567-492F-B064-2E4E05208FBB}"/>
+                    <a16:creationId xmlns="" xmlns:a16="http://schemas.microsoft.com/office/drawing/2014/main" id="{446F9F88-3567-492F-B064-2E4E05208FBB}"/>
                   </a:ext>
                 </a:extLst>
               </p:cNvPr>
@@ -15427,7 +22507,7 @@
           <p:cNvPr id="46" name="Group 45">
             <a:extLst>
               <a:ext uri="{FF2B5EF4-FFF2-40B4-BE49-F238E27FC236}">
-                <a16:creationId xmlns:a16="http://schemas.microsoft.com/office/drawing/2014/main" xmlns="" id="{F7F38C5C-23CF-4BA8-A2AC-0F6D4A94C5FB}"/>
+                <a16:creationId xmlns="" xmlns:a16="http://schemas.microsoft.com/office/drawing/2014/main" id="{F7F38C5C-23CF-4BA8-A2AC-0F6D4A94C5FB}"/>
               </a:ext>
             </a:extLst>
           </p:cNvPr>
@@ -15447,7 +22527,7 @@
             <p:cNvPr id="47" name="Group 46">
               <a:extLst>
                 <a:ext uri="{FF2B5EF4-FFF2-40B4-BE49-F238E27FC236}">
-                  <a16:creationId xmlns:a16="http://schemas.microsoft.com/office/drawing/2014/main" xmlns="" id="{9FEC8F30-CCD9-427E-8BD9-94338A73764D}"/>
+                  <a16:creationId xmlns="" xmlns:a16="http://schemas.microsoft.com/office/drawing/2014/main" id="{9FEC8F30-CCD9-427E-8BD9-94338A73764D}"/>
                 </a:ext>
               </a:extLst>
             </p:cNvPr>
@@ -15467,7 +22547,7 @@
               <p:cNvPr id="56" name="Rectangle: Rounded Corners 55">
                 <a:extLst>
                   <a:ext uri="{FF2B5EF4-FFF2-40B4-BE49-F238E27FC236}">
-                    <a16:creationId xmlns:a16="http://schemas.microsoft.com/office/drawing/2014/main" xmlns="" id="{5DE68EBF-5609-427D-8752-9C7D7AB8D69F}"/>
+                    <a16:creationId xmlns="" xmlns:a16="http://schemas.microsoft.com/office/drawing/2014/main" id="{5DE68EBF-5609-427D-8752-9C7D7AB8D69F}"/>
                   </a:ext>
                 </a:extLst>
               </p:cNvPr>
@@ -15527,7 +22607,7 @@
               <p:cNvPr id="57" name="Rectangle 1">
                 <a:extLst>
                   <a:ext uri="{FF2B5EF4-FFF2-40B4-BE49-F238E27FC236}">
-                    <a16:creationId xmlns:a16="http://schemas.microsoft.com/office/drawing/2014/main" xmlns="" id="{47668FA9-B3FB-4F25-9A18-9B02A8CD4C7B}"/>
+                    <a16:creationId xmlns="" xmlns:a16="http://schemas.microsoft.com/office/drawing/2014/main" id="{47668FA9-B3FB-4F25-9A18-9B02A8CD4C7B}"/>
                   </a:ext>
                 </a:extLst>
               </p:cNvPr>
@@ -15807,7 +22887,7 @@
               <p:cNvPr id="58" name="Rectangle 1">
                 <a:extLst>
                   <a:ext uri="{FF2B5EF4-FFF2-40B4-BE49-F238E27FC236}">
-                    <a16:creationId xmlns:a16="http://schemas.microsoft.com/office/drawing/2014/main" xmlns="" id="{251D002E-1514-406E-AA51-8DF02F248FBF}"/>
+                    <a16:creationId xmlns="" xmlns:a16="http://schemas.microsoft.com/office/drawing/2014/main" id="{251D002E-1514-406E-AA51-8DF02F248FBF}"/>
                   </a:ext>
                 </a:extLst>
               </p:cNvPr>
@@ -16064,7 +23144,7 @@
             <p:cNvPr id="49" name="Group 48">
               <a:extLst>
                 <a:ext uri="{FF2B5EF4-FFF2-40B4-BE49-F238E27FC236}">
-                  <a16:creationId xmlns:a16="http://schemas.microsoft.com/office/drawing/2014/main" xmlns="" id="{45B73D20-D477-4E43-B702-16A07BD9C694}"/>
+                  <a16:creationId xmlns="" xmlns:a16="http://schemas.microsoft.com/office/drawing/2014/main" id="{45B73D20-D477-4E43-B702-16A07BD9C694}"/>
                 </a:ext>
               </a:extLst>
             </p:cNvPr>
@@ -16084,7 +23164,7 @@
               <p:cNvPr id="50" name="Rectangle: Rounded Corners 49">
                 <a:extLst>
                   <a:ext uri="{FF2B5EF4-FFF2-40B4-BE49-F238E27FC236}">
-                    <a16:creationId xmlns:a16="http://schemas.microsoft.com/office/drawing/2014/main" xmlns="" id="{B170B691-EA42-4BFD-A992-1F5518981BEB}"/>
+                    <a16:creationId xmlns="" xmlns:a16="http://schemas.microsoft.com/office/drawing/2014/main" id="{B170B691-EA42-4BFD-A992-1F5518981BEB}"/>
                   </a:ext>
                 </a:extLst>
               </p:cNvPr>
@@ -16144,7 +23224,7 @@
               <p:cNvPr id="51" name="Rectangle 1">
                 <a:extLst>
                   <a:ext uri="{FF2B5EF4-FFF2-40B4-BE49-F238E27FC236}">
-                    <a16:creationId xmlns:a16="http://schemas.microsoft.com/office/drawing/2014/main" xmlns="" id="{DFCA592B-3B29-4EBA-8C14-AED2A4AB0E6B}"/>
+                    <a16:creationId xmlns="" xmlns:a16="http://schemas.microsoft.com/office/drawing/2014/main" id="{DFCA592B-3B29-4EBA-8C14-AED2A4AB0E6B}"/>
                   </a:ext>
                 </a:extLst>
               </p:cNvPr>
@@ -16424,7 +23504,7 @@
               <p:cNvPr id="52" name="Rectangle 1">
                 <a:extLst>
                   <a:ext uri="{FF2B5EF4-FFF2-40B4-BE49-F238E27FC236}">
-                    <a16:creationId xmlns:a16="http://schemas.microsoft.com/office/drawing/2014/main" xmlns="" id="{3FE0A815-F9BF-4CB9-963C-406C649AAF39}"/>
+                    <a16:creationId xmlns="" xmlns:a16="http://schemas.microsoft.com/office/drawing/2014/main" id="{3FE0A815-F9BF-4CB9-963C-406C649AAF39}"/>
                   </a:ext>
                 </a:extLst>
               </p:cNvPr>
@@ -16672,7 +23752,7 @@
           <p:cNvPr id="66" name="Group 65">
             <a:extLst>
               <a:ext uri="{FF2B5EF4-FFF2-40B4-BE49-F238E27FC236}">
-                <a16:creationId xmlns:a16="http://schemas.microsoft.com/office/drawing/2014/main" xmlns="" id="{09E3B45E-13F7-4086-9B3D-3BCA0D5B3E40}"/>
+                <a16:creationId xmlns="" xmlns:a16="http://schemas.microsoft.com/office/drawing/2014/main" id="{09E3B45E-13F7-4086-9B3D-3BCA0D5B3E40}"/>
               </a:ext>
             </a:extLst>
           </p:cNvPr>
@@ -16692,7 +23772,7 @@
             <p:cNvPr id="60" name="Rectangle: Rounded Corners 59">
               <a:extLst>
                 <a:ext uri="{FF2B5EF4-FFF2-40B4-BE49-F238E27FC236}">
-                  <a16:creationId xmlns:a16="http://schemas.microsoft.com/office/drawing/2014/main" xmlns="" id="{F0AE653F-8BF7-47BE-9D74-F937E73AFDA0}"/>
+                  <a16:creationId xmlns="" xmlns:a16="http://schemas.microsoft.com/office/drawing/2014/main" id="{F0AE653F-8BF7-47BE-9D74-F937E73AFDA0}"/>
                 </a:ext>
               </a:extLst>
             </p:cNvPr>
@@ -16752,7 +23832,7 @@
             <p:cNvPr id="61" name="Rectangle 1">
               <a:extLst>
                 <a:ext uri="{FF2B5EF4-FFF2-40B4-BE49-F238E27FC236}">
-                  <a16:creationId xmlns:a16="http://schemas.microsoft.com/office/drawing/2014/main" xmlns="" id="{6658BA08-4343-4456-91D8-6D8B9ADFA36D}"/>
+                  <a16:creationId xmlns="" xmlns:a16="http://schemas.microsoft.com/office/drawing/2014/main" id="{6658BA08-4343-4456-91D8-6D8B9ADFA36D}"/>
                 </a:ext>
               </a:extLst>
             </p:cNvPr>
@@ -17006,7 +24086,7 @@
             <p:cNvPr id="62" name="Rectangle 1">
               <a:extLst>
                 <a:ext uri="{FF2B5EF4-FFF2-40B4-BE49-F238E27FC236}">
-                  <a16:creationId xmlns:a16="http://schemas.microsoft.com/office/drawing/2014/main" xmlns="" id="{04C4E7C5-5365-4AB0-AFE1-BB6CEBCD5D7A}"/>
+                  <a16:creationId xmlns="" xmlns:a16="http://schemas.microsoft.com/office/drawing/2014/main" id="{04C4E7C5-5365-4AB0-AFE1-BB6CEBCD5D7A}"/>
                 </a:ext>
               </a:extLst>
             </p:cNvPr>
@@ -17253,7 +24333,7 @@
           <p:cNvPr id="63" name="Rectangle: Rounded Corners 62">
             <a:extLst>
               <a:ext uri="{FF2B5EF4-FFF2-40B4-BE49-F238E27FC236}">
-                <a16:creationId xmlns:a16="http://schemas.microsoft.com/office/drawing/2014/main" xmlns="" id="{61D3D070-24FE-4EF4-AD82-4932219E03A8}"/>
+                <a16:creationId xmlns="" xmlns:a16="http://schemas.microsoft.com/office/drawing/2014/main" id="{61D3D070-24FE-4EF4-AD82-4932219E03A8}"/>
               </a:ext>
             </a:extLst>
           </p:cNvPr>
@@ -17314,7 +24394,7 @@
           <p:cNvPr id="64" name="Rectangle 1">
             <a:extLst>
               <a:ext uri="{FF2B5EF4-FFF2-40B4-BE49-F238E27FC236}">
-                <a16:creationId xmlns:a16="http://schemas.microsoft.com/office/drawing/2014/main" xmlns="" id="{12DF6876-8E45-45F6-9D46-30B611A0AE2E}"/>
+                <a16:creationId xmlns="" xmlns:a16="http://schemas.microsoft.com/office/drawing/2014/main" id="{12DF6876-8E45-45F6-9D46-30B611A0AE2E}"/>
               </a:ext>
             </a:extLst>
           </p:cNvPr>
@@ -17568,7 +24648,7 @@
           <p:cNvPr id="65" name="Rectangle 1">
             <a:extLst>
               <a:ext uri="{FF2B5EF4-FFF2-40B4-BE49-F238E27FC236}">
-                <a16:creationId xmlns:a16="http://schemas.microsoft.com/office/drawing/2014/main" xmlns="" id="{DE6C8D79-F8C3-405D-8876-50EB382F674E}"/>
+                <a16:creationId xmlns="" xmlns:a16="http://schemas.microsoft.com/office/drawing/2014/main" id="{DE6C8D79-F8C3-405D-8876-50EB382F674E}"/>
               </a:ext>
             </a:extLst>
           </p:cNvPr>
@@ -17814,7 +24894,7 @@
           <p:cNvPr id="67" name="Group 66">
             <a:extLst>
               <a:ext uri="{FF2B5EF4-FFF2-40B4-BE49-F238E27FC236}">
-                <a16:creationId xmlns:a16="http://schemas.microsoft.com/office/drawing/2014/main" xmlns="" id="{0CF2143C-7C92-4818-ADFA-BDE4349E1825}"/>
+                <a16:creationId xmlns="" xmlns:a16="http://schemas.microsoft.com/office/drawing/2014/main" id="{0CF2143C-7C92-4818-ADFA-BDE4349E1825}"/>
               </a:ext>
             </a:extLst>
           </p:cNvPr>
@@ -17837,7 +24917,7 @@
             <p:cNvPr id="68" name="Rectangle: Rounded Corners 67">
               <a:extLst>
                 <a:ext uri="{FF2B5EF4-FFF2-40B4-BE49-F238E27FC236}">
-                  <a16:creationId xmlns:a16="http://schemas.microsoft.com/office/drawing/2014/main" xmlns="" id="{8D8080FF-967C-423E-B1A9-F6D1D70B89D8}"/>
+                  <a16:creationId xmlns="" xmlns:a16="http://schemas.microsoft.com/office/drawing/2014/main" id="{8D8080FF-967C-423E-B1A9-F6D1D70B89D8}"/>
                 </a:ext>
               </a:extLst>
             </p:cNvPr>
@@ -17893,7 +24973,7 @@
             <p:cNvPr id="69" name="Rectangle 1">
               <a:extLst>
                 <a:ext uri="{FF2B5EF4-FFF2-40B4-BE49-F238E27FC236}">
-                  <a16:creationId xmlns:a16="http://schemas.microsoft.com/office/drawing/2014/main" xmlns="" id="{2D1036B3-14D4-4E42-BDC0-EF1330ED60EE}"/>
+                  <a16:creationId xmlns="" xmlns:a16="http://schemas.microsoft.com/office/drawing/2014/main" id="{2D1036B3-14D4-4E42-BDC0-EF1330ED60EE}"/>
                 </a:ext>
               </a:extLst>
             </p:cNvPr>
@@ -18145,7 +25225,7 @@
             <p:cNvPr id="70" name="Rectangle 1">
               <a:extLst>
                 <a:ext uri="{FF2B5EF4-FFF2-40B4-BE49-F238E27FC236}">
-                  <a16:creationId xmlns:a16="http://schemas.microsoft.com/office/drawing/2014/main" xmlns="" id="{3A5F1E59-3453-47CD-B19B-9843A655CB98}"/>
+                  <a16:creationId xmlns="" xmlns:a16="http://schemas.microsoft.com/office/drawing/2014/main" id="{3A5F1E59-3453-47CD-B19B-9843A655CB98}"/>
                 </a:ext>
               </a:extLst>
             </p:cNvPr>
@@ -18390,7 +25470,7 @@
           <p:cNvPr id="71" name="Group 70">
             <a:extLst>
               <a:ext uri="{FF2B5EF4-FFF2-40B4-BE49-F238E27FC236}">
-                <a16:creationId xmlns:a16="http://schemas.microsoft.com/office/drawing/2014/main" xmlns="" id="{1B929D54-D563-4F15-8B27-C490F01D4FF7}"/>
+                <a16:creationId xmlns="" xmlns:a16="http://schemas.microsoft.com/office/drawing/2014/main" id="{1B929D54-D563-4F15-8B27-C490F01D4FF7}"/>
               </a:ext>
             </a:extLst>
           </p:cNvPr>
@@ -18410,7 +25490,7 @@
             <p:cNvPr id="72" name="Rectangle: Rounded Corners 71">
               <a:extLst>
                 <a:ext uri="{FF2B5EF4-FFF2-40B4-BE49-F238E27FC236}">
-                  <a16:creationId xmlns:a16="http://schemas.microsoft.com/office/drawing/2014/main" xmlns="" id="{5539BA8E-AD87-4389-911B-F1DAACA1C519}"/>
+                  <a16:creationId xmlns="" xmlns:a16="http://schemas.microsoft.com/office/drawing/2014/main" id="{5539BA8E-AD87-4389-911B-F1DAACA1C519}"/>
                 </a:ext>
               </a:extLst>
             </p:cNvPr>
@@ -18468,7 +25548,7 @@
             <p:cNvPr id="73" name="Rectangle 1">
               <a:extLst>
                 <a:ext uri="{FF2B5EF4-FFF2-40B4-BE49-F238E27FC236}">
-                  <a16:creationId xmlns:a16="http://schemas.microsoft.com/office/drawing/2014/main" xmlns="" id="{B5E2551B-EA26-446E-997D-AD866C1898F9}"/>
+                  <a16:creationId xmlns="" xmlns:a16="http://schemas.microsoft.com/office/drawing/2014/main" id="{B5E2551B-EA26-446E-997D-AD866C1898F9}"/>
                 </a:ext>
               </a:extLst>
             </p:cNvPr>
@@ -18722,7 +25802,7 @@
             <p:cNvPr id="74" name="Rectangle 1">
               <a:extLst>
                 <a:ext uri="{FF2B5EF4-FFF2-40B4-BE49-F238E27FC236}">
-                  <a16:creationId xmlns:a16="http://schemas.microsoft.com/office/drawing/2014/main" xmlns="" id="{B29AAE37-FFC0-4C6B-8A9E-D07C787E2CC2}"/>
+                  <a16:creationId xmlns="" xmlns:a16="http://schemas.microsoft.com/office/drawing/2014/main" id="{B29AAE37-FFC0-4C6B-8A9E-D07C787E2CC2}"/>
                 </a:ext>
               </a:extLst>
             </p:cNvPr>
@@ -18979,7 +26059,7 @@
           <p:cNvPr id="83" name="Group 82">
             <a:extLst>
               <a:ext uri="{FF2B5EF4-FFF2-40B4-BE49-F238E27FC236}">
-                <a16:creationId xmlns:a16="http://schemas.microsoft.com/office/drawing/2014/main" xmlns="" id="{909F8865-02E7-44D5-B223-A62A03CA6165}"/>
+                <a16:creationId xmlns="" xmlns:a16="http://schemas.microsoft.com/office/drawing/2014/main" id="{909F8865-02E7-44D5-B223-A62A03CA6165}"/>
               </a:ext>
             </a:extLst>
           </p:cNvPr>
@@ -18999,7 +26079,7 @@
             <p:cNvPr id="79" name="Rectangle: Rounded Corners 78">
               <a:extLst>
                 <a:ext uri="{FF2B5EF4-FFF2-40B4-BE49-F238E27FC236}">
-                  <a16:creationId xmlns:a16="http://schemas.microsoft.com/office/drawing/2014/main" xmlns="" id="{603A3EF2-4ADC-4873-BEDD-10429C3A5A99}"/>
+                  <a16:creationId xmlns="" xmlns:a16="http://schemas.microsoft.com/office/drawing/2014/main" id="{603A3EF2-4ADC-4873-BEDD-10429C3A5A99}"/>
                 </a:ext>
               </a:extLst>
             </p:cNvPr>
@@ -19054,7 +26134,7 @@
             <p:cNvPr id="80" name="Rectangle: Rounded Corners 79">
               <a:extLst>
                 <a:ext uri="{FF2B5EF4-FFF2-40B4-BE49-F238E27FC236}">
-                  <a16:creationId xmlns:a16="http://schemas.microsoft.com/office/drawing/2014/main" xmlns="" id="{4F4E4D06-7366-43E2-A3E9-24B77733ADB9}"/>
+                  <a16:creationId xmlns="" xmlns:a16="http://schemas.microsoft.com/office/drawing/2014/main" id="{4F4E4D06-7366-43E2-A3E9-24B77733ADB9}"/>
                 </a:ext>
               </a:extLst>
             </p:cNvPr>
@@ -19109,7 +26189,7 @@
             <p:cNvPr id="81" name="Rectangle: Rounded Corners 80">
               <a:extLst>
                 <a:ext uri="{FF2B5EF4-FFF2-40B4-BE49-F238E27FC236}">
-                  <a16:creationId xmlns:a16="http://schemas.microsoft.com/office/drawing/2014/main" xmlns="" id="{21419A83-FF9E-4D1B-B8CC-8F1EED06E8AE}"/>
+                  <a16:creationId xmlns="" xmlns:a16="http://schemas.microsoft.com/office/drawing/2014/main" id="{21419A83-FF9E-4D1B-B8CC-8F1EED06E8AE}"/>
                 </a:ext>
               </a:extLst>
             </p:cNvPr>
@@ -19164,7 +26244,7 @@
             <p:cNvPr id="82" name="Rectangle: Rounded Corners 81">
               <a:extLst>
                 <a:ext uri="{FF2B5EF4-FFF2-40B4-BE49-F238E27FC236}">
-                  <a16:creationId xmlns:a16="http://schemas.microsoft.com/office/drawing/2014/main" xmlns="" id="{84DB7298-9C40-4EE6-B477-5989A3E6E7E9}"/>
+                  <a16:creationId xmlns="" xmlns:a16="http://schemas.microsoft.com/office/drawing/2014/main" id="{84DB7298-9C40-4EE6-B477-5989A3E6E7E9}"/>
                 </a:ext>
               </a:extLst>
             </p:cNvPr>
@@ -19493,7 +26573,7 @@
             <p:cNvPr id="26" name="Group 25">
               <a:extLst>
                 <a:ext uri="{FF2B5EF4-FFF2-40B4-BE49-F238E27FC236}">
-                  <a16:creationId xmlns:a16="http://schemas.microsoft.com/office/drawing/2014/main" xmlns="" id="{BDCA9327-DE2D-4E7A-A00A-85320C3369BE}"/>
+                  <a16:creationId xmlns="" xmlns:a16="http://schemas.microsoft.com/office/drawing/2014/main" id="{BDCA9327-DE2D-4E7A-A00A-85320C3369BE}"/>
                 </a:ext>
               </a:extLst>
             </p:cNvPr>
@@ -19513,7 +26593,7 @@
               <p:cNvPr id="27" name="Rectangle: Rounded Corners 26">
                 <a:extLst>
                   <a:ext uri="{FF2B5EF4-FFF2-40B4-BE49-F238E27FC236}">
-                    <a16:creationId xmlns:a16="http://schemas.microsoft.com/office/drawing/2014/main" xmlns="" id="{9F7B732F-8628-492C-8389-3AF309F2B350}"/>
+                    <a16:creationId xmlns="" xmlns:a16="http://schemas.microsoft.com/office/drawing/2014/main" id="{9F7B732F-8628-492C-8389-3AF309F2B350}"/>
                   </a:ext>
                 </a:extLst>
               </p:cNvPr>
@@ -19573,7 +26653,7 @@
               <p:cNvPr id="28" name="Rectangle 1">
                 <a:extLst>
                   <a:ext uri="{FF2B5EF4-FFF2-40B4-BE49-F238E27FC236}">
-                    <a16:creationId xmlns:a16="http://schemas.microsoft.com/office/drawing/2014/main" xmlns="" id="{7ACE0809-F724-4F82-8F30-59BB9374E8CB}"/>
+                    <a16:creationId xmlns="" xmlns:a16="http://schemas.microsoft.com/office/drawing/2014/main" id="{7ACE0809-F724-4F82-8F30-59BB9374E8CB}"/>
                   </a:ext>
                 </a:extLst>
               </p:cNvPr>
@@ -19829,7 +26909,7 @@
             <p:cNvPr id="7" name="TextBox 6">
               <a:extLst>
                 <a:ext uri="{FF2B5EF4-FFF2-40B4-BE49-F238E27FC236}">
-                  <a16:creationId xmlns:a16="http://schemas.microsoft.com/office/drawing/2014/main" xmlns="" id="{C91224FA-ADA9-4075-AE2B-E0C6E149E540}"/>
+                  <a16:creationId xmlns="" xmlns:a16="http://schemas.microsoft.com/office/drawing/2014/main" id="{C91224FA-ADA9-4075-AE2B-E0C6E149E540}"/>
                 </a:ext>
               </a:extLst>
             </p:cNvPr>
@@ -19867,7 +26947,7 @@
             <p:cNvPr id="8" name="TextBox 7">
               <a:extLst>
                 <a:ext uri="{FF2B5EF4-FFF2-40B4-BE49-F238E27FC236}">
-                  <a16:creationId xmlns:a16="http://schemas.microsoft.com/office/drawing/2014/main" xmlns="" id="{C91224FA-ADA9-4075-AE2B-E0C6E149E540}"/>
+                  <a16:creationId xmlns="" xmlns:a16="http://schemas.microsoft.com/office/drawing/2014/main" id="{C91224FA-ADA9-4075-AE2B-E0C6E149E540}"/>
                 </a:ext>
               </a:extLst>
             </p:cNvPr>
@@ -19938,7 +27018,7 @@
             <p:cNvPr id="11" name="Rectangle 1">
               <a:extLst>
                 <a:ext uri="{FF2B5EF4-FFF2-40B4-BE49-F238E27FC236}">
-                  <a16:creationId xmlns:a16="http://schemas.microsoft.com/office/drawing/2014/main" xmlns="" id="{7ACE0809-F724-4F82-8F30-59BB9374E8CB}"/>
+                  <a16:creationId xmlns="" xmlns:a16="http://schemas.microsoft.com/office/drawing/2014/main" id="{7ACE0809-F724-4F82-8F30-59BB9374E8CB}"/>
                 </a:ext>
               </a:extLst>
             </p:cNvPr>
@@ -20180,7 +27260,7 @@
             <p:cNvPr id="12" name="Rectangle 1">
               <a:extLst>
                 <a:ext uri="{FF2B5EF4-FFF2-40B4-BE49-F238E27FC236}">
-                  <a16:creationId xmlns:a16="http://schemas.microsoft.com/office/drawing/2014/main" xmlns="" id="{7ACE0809-F724-4F82-8F30-59BB9374E8CB}"/>
+                  <a16:creationId xmlns="" xmlns:a16="http://schemas.microsoft.com/office/drawing/2014/main" id="{7ACE0809-F724-4F82-8F30-59BB9374E8CB}"/>
                 </a:ext>
               </a:extLst>
             </p:cNvPr>
@@ -20451,7 +27531,7 @@
               <p:cNvPr id="14" name="Rectangle: Rounded Corners 1">
                 <a:extLst>
                   <a:ext uri="{FF2B5EF4-FFF2-40B4-BE49-F238E27FC236}">
-                    <a16:creationId xmlns:a16="http://schemas.microsoft.com/office/drawing/2014/main" xmlns="" id="{229043B8-923C-4A63-923B-ED47AB6F3179}"/>
+                    <a16:creationId xmlns="" xmlns:a16="http://schemas.microsoft.com/office/drawing/2014/main" id="{229043B8-923C-4A63-923B-ED47AB6F3179}"/>
                   </a:ext>
                 </a:extLst>
               </p:cNvPr>
@@ -20511,7 +27591,7 @@
               <p:cNvPr id="15" name="Rectangle 1">
                 <a:extLst>
                   <a:ext uri="{FF2B5EF4-FFF2-40B4-BE49-F238E27FC236}">
-                    <a16:creationId xmlns:a16="http://schemas.microsoft.com/office/drawing/2014/main" xmlns="" id="{FFE5BAF0-90A9-481D-AAC3-4466B273C9B9}"/>
+                    <a16:creationId xmlns="" xmlns:a16="http://schemas.microsoft.com/office/drawing/2014/main" id="{FFE5BAF0-90A9-481D-AAC3-4466B273C9B9}"/>
                   </a:ext>
                 </a:extLst>
               </p:cNvPr>
@@ -20778,7 +27858,7 @@
               <p:cNvPr id="16" name="Rectangle 1">
                 <a:extLst>
                   <a:ext uri="{FF2B5EF4-FFF2-40B4-BE49-F238E27FC236}">
-                    <a16:creationId xmlns:a16="http://schemas.microsoft.com/office/drawing/2014/main" xmlns="" id="{4A5862E7-0045-43EA-8731-76AF0AFFEB2B}"/>
+                    <a16:creationId xmlns="" xmlns:a16="http://schemas.microsoft.com/office/drawing/2014/main" id="{4A5862E7-0045-43EA-8731-76AF0AFFEB2B}"/>
                   </a:ext>
                 </a:extLst>
               </p:cNvPr>
@@ -21025,7 +28105,7 @@
             <p:cNvPr id="17" name="TextBox 16">
               <a:extLst>
                 <a:ext uri="{FF2B5EF4-FFF2-40B4-BE49-F238E27FC236}">
-                  <a16:creationId xmlns:a16="http://schemas.microsoft.com/office/drawing/2014/main" xmlns="" id="{C91224FA-ADA9-4075-AE2B-E0C6E149E540}"/>
+                  <a16:creationId xmlns="" xmlns:a16="http://schemas.microsoft.com/office/drawing/2014/main" id="{C91224FA-ADA9-4075-AE2B-E0C6E149E540}"/>
                 </a:ext>
               </a:extLst>
             </p:cNvPr>
@@ -21717,7 +28797,7 @@
           <p:cNvPr id="13" name="Picture 12">
             <a:extLst>
               <a:ext uri="{FF2B5EF4-FFF2-40B4-BE49-F238E27FC236}">
-                <a16:creationId xmlns:a16="http://schemas.microsoft.com/office/drawing/2014/main" xmlns="" id="{83167A70-D79D-4D85-AEA7-1CA2B1A28276}"/>
+                <a16:creationId xmlns="" xmlns:a16="http://schemas.microsoft.com/office/drawing/2014/main" id="{83167A70-D79D-4D85-AEA7-1CA2B1A28276}"/>
               </a:ext>
             </a:extLst>
           </p:cNvPr>
@@ -21747,7 +28827,7 @@
           <p:cNvPr id="14" name="Group 13">
             <a:extLst>
               <a:ext uri="{FF2B5EF4-FFF2-40B4-BE49-F238E27FC236}">
-                <a16:creationId xmlns:a16="http://schemas.microsoft.com/office/drawing/2014/main" xmlns="" id="{BDEC2234-C593-46D7-A09D-965324770E33}"/>
+                <a16:creationId xmlns="" xmlns:a16="http://schemas.microsoft.com/office/drawing/2014/main" id="{BDEC2234-C593-46D7-A09D-965324770E33}"/>
               </a:ext>
             </a:extLst>
           </p:cNvPr>
@@ -21767,7 +28847,7 @@
             <p:cNvPr id="15" name="Rectangle: Rounded Corners 14">
               <a:extLst>
                 <a:ext uri="{FF2B5EF4-FFF2-40B4-BE49-F238E27FC236}">
-                  <a16:creationId xmlns:a16="http://schemas.microsoft.com/office/drawing/2014/main" xmlns="" id="{0A8D1A3E-C8CE-4A70-B689-F10C4ED22677}"/>
+                  <a16:creationId xmlns="" xmlns:a16="http://schemas.microsoft.com/office/drawing/2014/main" id="{0A8D1A3E-C8CE-4A70-B689-F10C4ED22677}"/>
                 </a:ext>
               </a:extLst>
             </p:cNvPr>
@@ -21825,7 +28905,7 @@
             <p:cNvPr id="16" name="TextBox 15">
               <a:extLst>
                 <a:ext uri="{FF2B5EF4-FFF2-40B4-BE49-F238E27FC236}">
-                  <a16:creationId xmlns:a16="http://schemas.microsoft.com/office/drawing/2014/main" xmlns="" id="{F89C507E-52A0-4F92-B001-FEDECD410A32}"/>
+                  <a16:creationId xmlns="" xmlns:a16="http://schemas.microsoft.com/office/drawing/2014/main" id="{F89C507E-52A0-4F92-B001-FEDECD410A32}"/>
                 </a:ext>
               </a:extLst>
             </p:cNvPr>
@@ -21925,7 +29005,7 @@
             <p:cNvPr id="17" name="Rectangle 1">
               <a:extLst>
                 <a:ext uri="{FF2B5EF4-FFF2-40B4-BE49-F238E27FC236}">
-                  <a16:creationId xmlns:a16="http://schemas.microsoft.com/office/drawing/2014/main" xmlns="" id="{50AA8AAB-ED86-4D2F-8748-1C7BFD388390}"/>
+                  <a16:creationId xmlns="" xmlns:a16="http://schemas.microsoft.com/office/drawing/2014/main" id="{50AA8AAB-ED86-4D2F-8748-1C7BFD388390}"/>
                 </a:ext>
               </a:extLst>
             </p:cNvPr>
@@ -22167,7 +29247,7 @@
             <p:cNvPr id="18" name="TextBox 17">
               <a:extLst>
                 <a:ext uri="{FF2B5EF4-FFF2-40B4-BE49-F238E27FC236}">
-                  <a16:creationId xmlns:a16="http://schemas.microsoft.com/office/drawing/2014/main" xmlns="" id="{A17EA349-AC0A-446B-AEE0-779D36DDAF64}"/>
+                  <a16:creationId xmlns="" xmlns:a16="http://schemas.microsoft.com/office/drawing/2014/main" id="{A17EA349-AC0A-446B-AEE0-779D36DDAF64}"/>
                 </a:ext>
               </a:extLst>
             </p:cNvPr>
@@ -22287,7 +29367,7 @@
             <p:cNvPr id="19" name="Rectangle 1">
               <a:extLst>
                 <a:ext uri="{FF2B5EF4-FFF2-40B4-BE49-F238E27FC236}">
-                  <a16:creationId xmlns:a16="http://schemas.microsoft.com/office/drawing/2014/main" xmlns="" id="{A57ECC02-3F7D-4063-8332-06DC39DF86CB}"/>
+                  <a16:creationId xmlns="" xmlns:a16="http://schemas.microsoft.com/office/drawing/2014/main" id="{A57ECC02-3F7D-4063-8332-06DC39DF86CB}"/>
                 </a:ext>
               </a:extLst>
             </p:cNvPr>
@@ -22551,7 +29631,7 @@
             <p:cNvPr id="20" name="Rectangle 1">
               <a:extLst>
                 <a:ext uri="{FF2B5EF4-FFF2-40B4-BE49-F238E27FC236}">
-                  <a16:creationId xmlns:a16="http://schemas.microsoft.com/office/drawing/2014/main" xmlns="" id="{8A7167F9-783C-4FA3-AAC4-9D4B8017C861}"/>
+                  <a16:creationId xmlns="" xmlns:a16="http://schemas.microsoft.com/office/drawing/2014/main" id="{8A7167F9-783C-4FA3-AAC4-9D4B8017C861}"/>
                 </a:ext>
               </a:extLst>
             </p:cNvPr>
@@ -22832,7 +29912,7 @@
           <p:cNvPr id="22" name="Picture 21">
             <a:extLst>
               <a:ext uri="{FF2B5EF4-FFF2-40B4-BE49-F238E27FC236}">
-                <a16:creationId xmlns:a16="http://schemas.microsoft.com/office/drawing/2014/main" xmlns="" id="{628507AC-4B47-481E-BA54-CE89E74F129B}"/>
+                <a16:creationId xmlns="" xmlns:a16="http://schemas.microsoft.com/office/drawing/2014/main" id="{628507AC-4B47-481E-BA54-CE89E74F129B}"/>
               </a:ext>
             </a:extLst>
           </p:cNvPr>
@@ -22892,7 +29972,7 @@
           <p:cNvPr id="3" name="Picture 2">
             <a:extLst>
               <a:ext uri="{FF2B5EF4-FFF2-40B4-BE49-F238E27FC236}">
-                <a16:creationId xmlns:a16="http://schemas.microsoft.com/office/drawing/2014/main" xmlns="" id="{560C134D-D853-4890-A707-F7A79768BCC2}"/>
+                <a16:creationId xmlns="" xmlns:a16="http://schemas.microsoft.com/office/drawing/2014/main" id="{560C134D-D853-4890-A707-F7A79768BCC2}"/>
               </a:ext>
             </a:extLst>
           </p:cNvPr>
@@ -22922,7 +30002,7 @@
           <p:cNvPr id="4" name="Group 3">
             <a:extLst>
               <a:ext uri="{FF2B5EF4-FFF2-40B4-BE49-F238E27FC236}">
-                <a16:creationId xmlns:a16="http://schemas.microsoft.com/office/drawing/2014/main" xmlns="" id="{B021E5D5-9E22-42BB-A558-1583C4BA6068}"/>
+                <a16:creationId xmlns="" xmlns:a16="http://schemas.microsoft.com/office/drawing/2014/main" id="{B021E5D5-9E22-42BB-A558-1583C4BA6068}"/>
               </a:ext>
             </a:extLst>
           </p:cNvPr>
@@ -22942,7 +30022,7 @@
             <p:cNvPr id="5" name="Group 4">
               <a:extLst>
                 <a:ext uri="{FF2B5EF4-FFF2-40B4-BE49-F238E27FC236}">
-                  <a16:creationId xmlns:a16="http://schemas.microsoft.com/office/drawing/2014/main" xmlns="" id="{A260F702-5BB2-48C7-B3DC-050165CFD60D}"/>
+                  <a16:creationId xmlns="" xmlns:a16="http://schemas.microsoft.com/office/drawing/2014/main" id="{A260F702-5BB2-48C7-B3DC-050165CFD60D}"/>
                 </a:ext>
               </a:extLst>
             </p:cNvPr>
@@ -22962,7 +30042,7 @@
               <p:cNvPr id="8" name="Rectangle: Rounded Corners 7">
                 <a:extLst>
                   <a:ext uri="{FF2B5EF4-FFF2-40B4-BE49-F238E27FC236}">
-                    <a16:creationId xmlns:a16="http://schemas.microsoft.com/office/drawing/2014/main" xmlns="" id="{07F0E954-3E53-4667-B4D5-BDEC08D29884}"/>
+                    <a16:creationId xmlns="" xmlns:a16="http://schemas.microsoft.com/office/drawing/2014/main" id="{07F0E954-3E53-4667-B4D5-BDEC08D29884}"/>
                   </a:ext>
                 </a:extLst>
               </p:cNvPr>
@@ -23022,7 +30102,7 @@
               <p:cNvPr id="9" name="TextBox 8">
                 <a:extLst>
                   <a:ext uri="{FF2B5EF4-FFF2-40B4-BE49-F238E27FC236}">
-                    <a16:creationId xmlns:a16="http://schemas.microsoft.com/office/drawing/2014/main" xmlns="" id="{FA7E6838-2355-4CA1-9CC0-9AE2F4EBC3D6}"/>
+                    <a16:creationId xmlns="" xmlns:a16="http://schemas.microsoft.com/office/drawing/2014/main" id="{FA7E6838-2355-4CA1-9CC0-9AE2F4EBC3D6}"/>
                   </a:ext>
                 </a:extLst>
               </p:cNvPr>
@@ -23063,7 +30143,7 @@
               <p:cNvPr id="10" name="TextBox 9">
                 <a:extLst>
                   <a:ext uri="{FF2B5EF4-FFF2-40B4-BE49-F238E27FC236}">
-                    <a16:creationId xmlns:a16="http://schemas.microsoft.com/office/drawing/2014/main" xmlns="" id="{54154064-8ADD-46A0-A39D-07A76EBA3FA7}"/>
+                    <a16:creationId xmlns="" xmlns:a16="http://schemas.microsoft.com/office/drawing/2014/main" id="{54154064-8ADD-46A0-A39D-07A76EBA3FA7}"/>
                   </a:ext>
                 </a:extLst>
               </p:cNvPr>
@@ -23163,7 +30243,7 @@
               <p:cNvPr id="11" name="Rectangle 1">
                 <a:extLst>
                   <a:ext uri="{FF2B5EF4-FFF2-40B4-BE49-F238E27FC236}">
-                    <a16:creationId xmlns:a16="http://schemas.microsoft.com/office/drawing/2014/main" xmlns="" id="{B56114E7-113E-4367-95A3-EE11DE90EF51}"/>
+                    <a16:creationId xmlns="" xmlns:a16="http://schemas.microsoft.com/office/drawing/2014/main" id="{B56114E7-113E-4367-95A3-EE11DE90EF51}"/>
                   </a:ext>
                 </a:extLst>
               </p:cNvPr>
@@ -23430,7 +30510,7 @@
               <p:cNvPr id="12" name="Rectangle 1">
                 <a:extLst>
                   <a:ext uri="{FF2B5EF4-FFF2-40B4-BE49-F238E27FC236}">
-                    <a16:creationId xmlns:a16="http://schemas.microsoft.com/office/drawing/2014/main" xmlns="" id="{48106B67-8B66-4E83-8897-B4B818F00C97}"/>
+                    <a16:creationId xmlns="" xmlns:a16="http://schemas.microsoft.com/office/drawing/2014/main" id="{48106B67-8B66-4E83-8897-B4B818F00C97}"/>
                   </a:ext>
                 </a:extLst>
               </p:cNvPr>
@@ -23685,7 +30765,7 @@
             <p:cNvPr id="6" name="TextBox 5">
               <a:extLst>
                 <a:ext uri="{FF2B5EF4-FFF2-40B4-BE49-F238E27FC236}">
-                  <a16:creationId xmlns:a16="http://schemas.microsoft.com/office/drawing/2014/main" xmlns="" id="{05888D46-9281-4A14-9C8D-95AAAD2235C7}"/>
+                  <a16:creationId xmlns="" xmlns:a16="http://schemas.microsoft.com/office/drawing/2014/main" id="{05888D46-9281-4A14-9C8D-95AAAD2235C7}"/>
                 </a:ext>
               </a:extLst>
             </p:cNvPr>
@@ -23763,7 +30843,7 @@
             <p:cNvPr id="7" name="TextBox 6">
               <a:extLst>
                 <a:ext uri="{FF2B5EF4-FFF2-40B4-BE49-F238E27FC236}">
-                  <a16:creationId xmlns:a16="http://schemas.microsoft.com/office/drawing/2014/main" xmlns="" id="{C91224FA-ADA9-4075-AE2B-E0C6E149E540}"/>
+                  <a16:creationId xmlns="" xmlns:a16="http://schemas.microsoft.com/office/drawing/2014/main" id="{C91224FA-ADA9-4075-AE2B-E0C6E149E540}"/>
                 </a:ext>
               </a:extLst>
             </p:cNvPr>
@@ -23828,7 +30908,7 @@
           <p:cNvPr id="14" name="Picture 13">
             <a:extLst>
               <a:ext uri="{FF2B5EF4-FFF2-40B4-BE49-F238E27FC236}">
-                <a16:creationId xmlns:a16="http://schemas.microsoft.com/office/drawing/2014/main" xmlns="" id="{668A22B1-9003-428D-ACDE-E385F77113C5}"/>
+                <a16:creationId xmlns="" xmlns:a16="http://schemas.microsoft.com/office/drawing/2014/main" id="{668A22B1-9003-428D-ACDE-E385F77113C5}"/>
               </a:ext>
             </a:extLst>
           </p:cNvPr>
@@ -23858,7 +30938,7 @@
           <p:cNvPr id="15" name="Rectangle 1">
             <a:extLst>
               <a:ext uri="{FF2B5EF4-FFF2-40B4-BE49-F238E27FC236}">
-                <a16:creationId xmlns:a16="http://schemas.microsoft.com/office/drawing/2014/main" xmlns="" id="{11137976-87B3-4320-B508-32CD22EA0740}"/>
+                <a16:creationId xmlns="" xmlns:a16="http://schemas.microsoft.com/office/drawing/2014/main" id="{11137976-87B3-4320-B508-32CD22EA0740}"/>
               </a:ext>
             </a:extLst>
           </p:cNvPr>
@@ -24156,7 +31236,7 @@
             <p:cNvPr id="48" name="Rectangle: Rounded Corners 1">
               <a:extLst>
                 <a:ext uri="{FF2B5EF4-FFF2-40B4-BE49-F238E27FC236}">
-                  <a16:creationId xmlns:a16="http://schemas.microsoft.com/office/drawing/2014/main" xmlns="" id="{229043B8-923C-4A63-923B-ED47AB6F3179}"/>
+                  <a16:creationId xmlns="" xmlns:a16="http://schemas.microsoft.com/office/drawing/2014/main" id="{229043B8-923C-4A63-923B-ED47AB6F3179}"/>
                 </a:ext>
               </a:extLst>
             </p:cNvPr>
@@ -24216,7 +31296,7 @@
             <p:cNvPr id="49" name="Rectangle 1">
               <a:extLst>
                 <a:ext uri="{FF2B5EF4-FFF2-40B4-BE49-F238E27FC236}">
-                  <a16:creationId xmlns:a16="http://schemas.microsoft.com/office/drawing/2014/main" xmlns="" id="{FFE5BAF0-90A9-481D-AAC3-4466B273C9B9}"/>
+                  <a16:creationId xmlns="" xmlns:a16="http://schemas.microsoft.com/office/drawing/2014/main" id="{FFE5BAF0-90A9-481D-AAC3-4466B273C9B9}"/>
                 </a:ext>
               </a:extLst>
             </p:cNvPr>
@@ -24483,7 +31563,7 @@
             <p:cNvPr id="50" name="Rectangle 1">
               <a:extLst>
                 <a:ext uri="{FF2B5EF4-FFF2-40B4-BE49-F238E27FC236}">
-                  <a16:creationId xmlns:a16="http://schemas.microsoft.com/office/drawing/2014/main" xmlns="" id="{4A5862E7-0045-43EA-8731-76AF0AFFEB2B}"/>
+                  <a16:creationId xmlns="" xmlns:a16="http://schemas.microsoft.com/office/drawing/2014/main" id="{4A5862E7-0045-43EA-8731-76AF0AFFEB2B}"/>
                 </a:ext>
               </a:extLst>
             </p:cNvPr>
@@ -24827,7 +31907,7 @@
               <p:cNvPr id="44" name="Rectangle: Rounded Corners 1">
                 <a:extLst>
                   <a:ext uri="{FF2B5EF4-FFF2-40B4-BE49-F238E27FC236}">
-                    <a16:creationId xmlns:a16="http://schemas.microsoft.com/office/drawing/2014/main" xmlns="" id="{229043B8-923C-4A63-923B-ED47AB6F3179}"/>
+                    <a16:creationId xmlns="" xmlns:a16="http://schemas.microsoft.com/office/drawing/2014/main" id="{229043B8-923C-4A63-923B-ED47AB6F3179}"/>
                   </a:ext>
                 </a:extLst>
               </p:cNvPr>
@@ -24923,7 +32003,7 @@
               <p:cNvPr id="45" name="Rectangle 1">
                 <a:extLst>
                   <a:ext uri="{FF2B5EF4-FFF2-40B4-BE49-F238E27FC236}">
-                    <a16:creationId xmlns:a16="http://schemas.microsoft.com/office/drawing/2014/main" xmlns="" id="{FFE5BAF0-90A9-481D-AAC3-4466B273C9B9}"/>
+                    <a16:creationId xmlns="" xmlns:a16="http://schemas.microsoft.com/office/drawing/2014/main" id="{FFE5BAF0-90A9-481D-AAC3-4466B273C9B9}"/>
                   </a:ext>
                 </a:extLst>
               </p:cNvPr>
@@ -25323,7 +32403,7 @@
           <p:cNvPr id="2" name="Rectangle: Rounded Corners 62">
             <a:extLst>
               <a:ext uri="{FF2B5EF4-FFF2-40B4-BE49-F238E27FC236}">
-                <a16:creationId xmlns:a16="http://schemas.microsoft.com/office/drawing/2014/main" xmlns="" id="{61D3D070-24FE-4EF4-AD82-4932219E03A8}"/>
+                <a16:creationId xmlns="" xmlns:a16="http://schemas.microsoft.com/office/drawing/2014/main" id="{61D3D070-24FE-4EF4-AD82-4932219E03A8}"/>
               </a:ext>
             </a:extLst>
           </p:cNvPr>
@@ -25412,7 +32492,7 @@
               <p:cNvPr id="6" name="Rectangle: Rounded Corners 1">
                 <a:extLst>
                   <a:ext uri="{FF2B5EF4-FFF2-40B4-BE49-F238E27FC236}">
-                    <a16:creationId xmlns:a16="http://schemas.microsoft.com/office/drawing/2014/main" xmlns="" id="{229043B8-923C-4A63-923B-ED47AB6F3179}"/>
+                    <a16:creationId xmlns="" xmlns:a16="http://schemas.microsoft.com/office/drawing/2014/main" id="{229043B8-923C-4A63-923B-ED47AB6F3179}"/>
                   </a:ext>
                 </a:extLst>
               </p:cNvPr>
@@ -25472,7 +32552,7 @@
               <p:cNvPr id="7" name="Rectangle 1">
                 <a:extLst>
                   <a:ext uri="{FF2B5EF4-FFF2-40B4-BE49-F238E27FC236}">
-                    <a16:creationId xmlns:a16="http://schemas.microsoft.com/office/drawing/2014/main" xmlns="" id="{FFE5BAF0-90A9-481D-AAC3-4466B273C9B9}"/>
+                    <a16:creationId xmlns="" xmlns:a16="http://schemas.microsoft.com/office/drawing/2014/main" id="{FFE5BAF0-90A9-481D-AAC3-4466B273C9B9}"/>
                   </a:ext>
                 </a:extLst>
               </p:cNvPr>
@@ -25739,7 +32819,7 @@
               <p:cNvPr id="8" name="Rectangle 1">
                 <a:extLst>
                   <a:ext uri="{FF2B5EF4-FFF2-40B4-BE49-F238E27FC236}">
-                    <a16:creationId xmlns:a16="http://schemas.microsoft.com/office/drawing/2014/main" xmlns="" id="{4A5862E7-0045-43EA-8731-76AF0AFFEB2B}"/>
+                    <a16:creationId xmlns="" xmlns:a16="http://schemas.microsoft.com/office/drawing/2014/main" id="{4A5862E7-0045-43EA-8731-76AF0AFFEB2B}"/>
                   </a:ext>
                 </a:extLst>
               </p:cNvPr>
@@ -25986,7 +33066,7 @@
             <p:cNvPr id="5" name="TextBox 4">
               <a:extLst>
                 <a:ext uri="{FF2B5EF4-FFF2-40B4-BE49-F238E27FC236}">
-                  <a16:creationId xmlns:a16="http://schemas.microsoft.com/office/drawing/2014/main" xmlns="" id="{C91224FA-ADA9-4075-AE2B-E0C6E149E540}"/>
+                  <a16:creationId xmlns="" xmlns:a16="http://schemas.microsoft.com/office/drawing/2014/main" id="{C91224FA-ADA9-4075-AE2B-E0C6E149E540}"/>
                 </a:ext>
               </a:extLst>
             </p:cNvPr>
@@ -26029,7 +33109,7 @@
           <p:cNvPr id="10" name="TextBox 9">
             <a:extLst>
               <a:ext uri="{FF2B5EF4-FFF2-40B4-BE49-F238E27FC236}">
-                <a16:creationId xmlns:a16="http://schemas.microsoft.com/office/drawing/2014/main" xmlns="" id="{C91224FA-ADA9-4075-AE2B-E0C6E149E540}"/>
+                <a16:creationId xmlns="" xmlns:a16="http://schemas.microsoft.com/office/drawing/2014/main" id="{C91224FA-ADA9-4075-AE2B-E0C6E149E540}"/>
               </a:ext>
             </a:extLst>
           </p:cNvPr>
@@ -26071,7 +33151,7 @@
           <p:cNvPr id="11" name="TextBox 10">
             <a:extLst>
               <a:ext uri="{FF2B5EF4-FFF2-40B4-BE49-F238E27FC236}">
-                <a16:creationId xmlns:a16="http://schemas.microsoft.com/office/drawing/2014/main" xmlns="" id="{C91224FA-ADA9-4075-AE2B-E0C6E149E540}"/>
+                <a16:creationId xmlns="" xmlns:a16="http://schemas.microsoft.com/office/drawing/2014/main" id="{C91224FA-ADA9-4075-AE2B-E0C6E149E540}"/>
               </a:ext>
             </a:extLst>
           </p:cNvPr>
@@ -26108,7 +33188,7 @@
           <p:cNvPr id="12" name="Rectangle 1">
             <a:extLst>
               <a:ext uri="{FF2B5EF4-FFF2-40B4-BE49-F238E27FC236}">
-                <a16:creationId xmlns:a16="http://schemas.microsoft.com/office/drawing/2014/main" xmlns="" id="{FFE5BAF0-90A9-481D-AAC3-4466B273C9B9}"/>
+                <a16:creationId xmlns="" xmlns:a16="http://schemas.microsoft.com/office/drawing/2014/main" id="{FFE5BAF0-90A9-481D-AAC3-4466B273C9B9}"/>
               </a:ext>
             </a:extLst>
           </p:cNvPr>
@@ -26466,7 +33546,6 @@
                 <a:rPr lang="en-US" dirty="0"/>
                 <a:t>c187f81915377fff</a:t>
               </a:r>
-              <a:endParaRPr lang="en-US" dirty="0"/>
             </a:p>
           </p:txBody>
         </p:sp>
@@ -26827,7 +33906,6 @@
                   <a:rPr lang="en-US" dirty="0"/>
                   <a:t>c187f81915377fff</a:t>
                 </a:r>
-                <a:endParaRPr lang="en-US" dirty="0"/>
               </a:p>
             </p:txBody>
           </p:sp>
@@ -26858,7 +33936,6 @@
                 <a:rPr lang="en-US" dirty="0"/>
                 <a:t>8a9f3f097dca6a9e</a:t>
               </a:r>
-              <a:endParaRPr lang="en-US" dirty="0"/>
             </a:p>
           </p:txBody>
         </p:sp>
@@ -27195,7 +34272,7 @@
   <a:extraClrSchemeLst/>
   <a:extLst>
     <a:ext uri="{05A4C25C-085E-4340-85A3-A5531E510DB2}">
-      <thm15:themeFamily xmlns:thm15="http://schemas.microsoft.com/office/thememl/2012/main" xmlns="" name="Office Theme" id="{62F939B6-93AF-4DB8-9C6B-D6C7DFDC589F}" vid="{4A3C46E8-61CC-4603-A589-7422A47A8E4A}"/>
+      <thm15:themeFamily xmlns="" xmlns:thm15="http://schemas.microsoft.com/office/thememl/2012/main" name="Office Theme" id="{62F939B6-93AF-4DB8-9C6B-D6C7DFDC589F}" vid="{4A3C46E8-61CC-4603-A589-7422A47A8E4A}"/>
     </a:ext>
   </a:extLst>
 </a:theme>

--- a/src/spring/spring.boot.pptx
+++ b/src/spring/spring.boot.pptx
@@ -17,6 +17,7 @@
     <p:sldId id="266" r:id="rId11"/>
     <p:sldId id="267" r:id="rId12"/>
     <p:sldId id="268" r:id="rId13"/>
+    <p:sldId id="269" r:id="rId14"/>
   </p:sldIdLst>
   <p:sldSz cx="12192000" cy="6858000"/>
   <p:notesSz cx="6858000" cy="9144000"/>
@@ -117,7 +118,7 @@
   </p:defaultTextStyle>
   <p:extLst>
     <p:ext uri="{EFAFB233-063F-42B5-8137-9DF3F51BA10A}">
-      <p15:sldGuideLst xmlns="" xmlns:p15="http://schemas.microsoft.com/office/powerpoint/2012/main">
+      <p15:sldGuideLst xmlns:p15="http://schemas.microsoft.com/office/powerpoint/2012/main">
         <p15:guide id="1" orient="horz" pos="2160">
           <p15:clr>
             <a:srgbClr val="A4A3A4"/>
@@ -156,7 +157,7 @@
           <p:cNvPr id="2" name="Title 1">
             <a:extLst>
               <a:ext uri="{FF2B5EF4-FFF2-40B4-BE49-F238E27FC236}">
-                <a16:creationId xmlns="" xmlns:a16="http://schemas.microsoft.com/office/drawing/2014/main" id="{5314CC82-8D6F-41E3-B7D6-B16EE23DCB91}"/>
+                <a16:creationId xmlns:a16="http://schemas.microsoft.com/office/drawing/2014/main" id="{5314CC82-8D6F-41E3-B7D6-B16EE23DCB91}"/>
               </a:ext>
             </a:extLst>
           </p:cNvPr>
@@ -194,7 +195,7 @@
           <p:cNvPr id="3" name="Subtitle 2">
             <a:extLst>
               <a:ext uri="{FF2B5EF4-FFF2-40B4-BE49-F238E27FC236}">
-                <a16:creationId xmlns="" xmlns:a16="http://schemas.microsoft.com/office/drawing/2014/main" id="{8F4A6942-5EB2-4699-A8F2-2DAE91A05EED}"/>
+                <a16:creationId xmlns:a16="http://schemas.microsoft.com/office/drawing/2014/main" id="{8F4A6942-5EB2-4699-A8F2-2DAE91A05EED}"/>
               </a:ext>
             </a:extLst>
           </p:cNvPr>
@@ -265,7 +266,7 @@
           <p:cNvPr id="4" name="Date Placeholder 3">
             <a:extLst>
               <a:ext uri="{FF2B5EF4-FFF2-40B4-BE49-F238E27FC236}">
-                <a16:creationId xmlns="" xmlns:a16="http://schemas.microsoft.com/office/drawing/2014/main" id="{8030E49B-9D2D-45C9-A8AC-FF0D41C713FC}"/>
+                <a16:creationId xmlns:a16="http://schemas.microsoft.com/office/drawing/2014/main" id="{8030E49B-9D2D-45C9-A8AC-FF0D41C713FC}"/>
               </a:ext>
             </a:extLst>
           </p:cNvPr>
@@ -283,7 +284,7 @@
           <a:p>
             <a:fld id="{1AA5AC47-5BC2-484C-80BA-24EFF513DD12}" type="datetimeFigureOut">
               <a:rPr lang="en-IN" smtClean="0"/>
-              <a:t>05-11-2021</a:t>
+              <a:t>07-11-2021</a:t>
             </a:fld>
             <a:endParaRPr lang="en-IN"/>
           </a:p>
@@ -294,7 +295,7 @@
           <p:cNvPr id="5" name="Footer Placeholder 4">
             <a:extLst>
               <a:ext uri="{FF2B5EF4-FFF2-40B4-BE49-F238E27FC236}">
-                <a16:creationId xmlns="" xmlns:a16="http://schemas.microsoft.com/office/drawing/2014/main" id="{59898343-3ADA-4437-AD7B-D938F0774BF9}"/>
+                <a16:creationId xmlns:a16="http://schemas.microsoft.com/office/drawing/2014/main" id="{59898343-3ADA-4437-AD7B-D938F0774BF9}"/>
               </a:ext>
             </a:extLst>
           </p:cNvPr>
@@ -319,7 +320,7 @@
           <p:cNvPr id="6" name="Slide Number Placeholder 5">
             <a:extLst>
               <a:ext uri="{FF2B5EF4-FFF2-40B4-BE49-F238E27FC236}">
-                <a16:creationId xmlns="" xmlns:a16="http://schemas.microsoft.com/office/drawing/2014/main" id="{EFEEDA11-201A-4018-98A4-D13CB3EB8363}"/>
+                <a16:creationId xmlns:a16="http://schemas.microsoft.com/office/drawing/2014/main" id="{EFEEDA11-201A-4018-98A4-D13CB3EB8363}"/>
               </a:ext>
             </a:extLst>
           </p:cNvPr>
@@ -378,7 +379,7 @@
           <p:cNvPr id="2" name="Title 1">
             <a:extLst>
               <a:ext uri="{FF2B5EF4-FFF2-40B4-BE49-F238E27FC236}">
-                <a16:creationId xmlns="" xmlns:a16="http://schemas.microsoft.com/office/drawing/2014/main" id="{6B7291D8-7C0F-436E-900B-5ADDF5CE31CD}"/>
+                <a16:creationId xmlns:a16="http://schemas.microsoft.com/office/drawing/2014/main" id="{6B7291D8-7C0F-436E-900B-5ADDF5CE31CD}"/>
               </a:ext>
             </a:extLst>
           </p:cNvPr>
@@ -407,7 +408,7 @@
           <p:cNvPr id="3" name="Vertical Text Placeholder 2">
             <a:extLst>
               <a:ext uri="{FF2B5EF4-FFF2-40B4-BE49-F238E27FC236}">
-                <a16:creationId xmlns="" xmlns:a16="http://schemas.microsoft.com/office/drawing/2014/main" id="{1B499A46-2DF4-4E6B-82F2-F8EBE524AF96}"/>
+                <a16:creationId xmlns:a16="http://schemas.microsoft.com/office/drawing/2014/main" id="{1B499A46-2DF4-4E6B-82F2-F8EBE524AF96}"/>
               </a:ext>
             </a:extLst>
           </p:cNvPr>
@@ -465,7 +466,7 @@
           <p:cNvPr id="4" name="Date Placeholder 3">
             <a:extLst>
               <a:ext uri="{FF2B5EF4-FFF2-40B4-BE49-F238E27FC236}">
-                <a16:creationId xmlns="" xmlns:a16="http://schemas.microsoft.com/office/drawing/2014/main" id="{1AF3ABDF-542E-4B0B-B115-82C2BC90406A}"/>
+                <a16:creationId xmlns:a16="http://schemas.microsoft.com/office/drawing/2014/main" id="{1AF3ABDF-542E-4B0B-B115-82C2BC90406A}"/>
               </a:ext>
             </a:extLst>
           </p:cNvPr>
@@ -483,7 +484,7 @@
           <a:p>
             <a:fld id="{1AA5AC47-5BC2-484C-80BA-24EFF513DD12}" type="datetimeFigureOut">
               <a:rPr lang="en-IN" smtClean="0"/>
-              <a:t>05-11-2021</a:t>
+              <a:t>07-11-2021</a:t>
             </a:fld>
             <a:endParaRPr lang="en-IN"/>
           </a:p>
@@ -494,7 +495,7 @@
           <p:cNvPr id="5" name="Footer Placeholder 4">
             <a:extLst>
               <a:ext uri="{FF2B5EF4-FFF2-40B4-BE49-F238E27FC236}">
-                <a16:creationId xmlns="" xmlns:a16="http://schemas.microsoft.com/office/drawing/2014/main" id="{B1E8F9B6-14D8-4DA0-A38A-C1591A50841E}"/>
+                <a16:creationId xmlns:a16="http://schemas.microsoft.com/office/drawing/2014/main" id="{B1E8F9B6-14D8-4DA0-A38A-C1591A50841E}"/>
               </a:ext>
             </a:extLst>
           </p:cNvPr>
@@ -519,7 +520,7 @@
           <p:cNvPr id="6" name="Slide Number Placeholder 5">
             <a:extLst>
               <a:ext uri="{FF2B5EF4-FFF2-40B4-BE49-F238E27FC236}">
-                <a16:creationId xmlns="" xmlns:a16="http://schemas.microsoft.com/office/drawing/2014/main" id="{E0EC3098-6B42-4CA3-A9EA-0CEE6D48391A}"/>
+                <a16:creationId xmlns:a16="http://schemas.microsoft.com/office/drawing/2014/main" id="{E0EC3098-6B42-4CA3-A9EA-0CEE6D48391A}"/>
               </a:ext>
             </a:extLst>
           </p:cNvPr>
@@ -578,7 +579,7 @@
           <p:cNvPr id="2" name="Vertical Title 1">
             <a:extLst>
               <a:ext uri="{FF2B5EF4-FFF2-40B4-BE49-F238E27FC236}">
-                <a16:creationId xmlns="" xmlns:a16="http://schemas.microsoft.com/office/drawing/2014/main" id="{D2AE34B9-E7E1-404B-A656-7F5FB6317B83}"/>
+                <a16:creationId xmlns:a16="http://schemas.microsoft.com/office/drawing/2014/main" id="{D2AE34B9-E7E1-404B-A656-7F5FB6317B83}"/>
               </a:ext>
             </a:extLst>
           </p:cNvPr>
@@ -612,7 +613,7 @@
           <p:cNvPr id="3" name="Vertical Text Placeholder 2">
             <a:extLst>
               <a:ext uri="{FF2B5EF4-FFF2-40B4-BE49-F238E27FC236}">
-                <a16:creationId xmlns="" xmlns:a16="http://schemas.microsoft.com/office/drawing/2014/main" id="{22DACAAF-07ED-4BDB-AE9D-268D767CD7E8}"/>
+                <a16:creationId xmlns:a16="http://schemas.microsoft.com/office/drawing/2014/main" id="{22DACAAF-07ED-4BDB-AE9D-268D767CD7E8}"/>
               </a:ext>
             </a:extLst>
           </p:cNvPr>
@@ -675,7 +676,7 @@
           <p:cNvPr id="4" name="Date Placeholder 3">
             <a:extLst>
               <a:ext uri="{FF2B5EF4-FFF2-40B4-BE49-F238E27FC236}">
-                <a16:creationId xmlns="" xmlns:a16="http://schemas.microsoft.com/office/drawing/2014/main" id="{0EE7A4C4-77A9-45DF-AD60-2282B037F111}"/>
+                <a16:creationId xmlns:a16="http://schemas.microsoft.com/office/drawing/2014/main" id="{0EE7A4C4-77A9-45DF-AD60-2282B037F111}"/>
               </a:ext>
             </a:extLst>
           </p:cNvPr>
@@ -693,7 +694,7 @@
           <a:p>
             <a:fld id="{1AA5AC47-5BC2-484C-80BA-24EFF513DD12}" type="datetimeFigureOut">
               <a:rPr lang="en-IN" smtClean="0"/>
-              <a:t>05-11-2021</a:t>
+              <a:t>07-11-2021</a:t>
             </a:fld>
             <a:endParaRPr lang="en-IN"/>
           </a:p>
@@ -704,7 +705,7 @@
           <p:cNvPr id="5" name="Footer Placeholder 4">
             <a:extLst>
               <a:ext uri="{FF2B5EF4-FFF2-40B4-BE49-F238E27FC236}">
-                <a16:creationId xmlns="" xmlns:a16="http://schemas.microsoft.com/office/drawing/2014/main" id="{C102B154-5274-4175-9A89-2092122CCD76}"/>
+                <a16:creationId xmlns:a16="http://schemas.microsoft.com/office/drawing/2014/main" id="{C102B154-5274-4175-9A89-2092122CCD76}"/>
               </a:ext>
             </a:extLst>
           </p:cNvPr>
@@ -729,7 +730,7 @@
           <p:cNvPr id="6" name="Slide Number Placeholder 5">
             <a:extLst>
               <a:ext uri="{FF2B5EF4-FFF2-40B4-BE49-F238E27FC236}">
-                <a16:creationId xmlns="" xmlns:a16="http://schemas.microsoft.com/office/drawing/2014/main" id="{1A6919B0-5E57-4739-B46F-B31616A810D9}"/>
+                <a16:creationId xmlns:a16="http://schemas.microsoft.com/office/drawing/2014/main" id="{1A6919B0-5E57-4739-B46F-B31616A810D9}"/>
               </a:ext>
             </a:extLst>
           </p:cNvPr>
@@ -788,7 +789,7 @@
           <p:cNvPr id="2" name="Title 1">
             <a:extLst>
               <a:ext uri="{FF2B5EF4-FFF2-40B4-BE49-F238E27FC236}">
-                <a16:creationId xmlns="" xmlns:a16="http://schemas.microsoft.com/office/drawing/2014/main" id="{BF8E150B-E216-469C-9EF3-1F0F5714278F}"/>
+                <a16:creationId xmlns:a16="http://schemas.microsoft.com/office/drawing/2014/main" id="{BF8E150B-E216-469C-9EF3-1F0F5714278F}"/>
               </a:ext>
             </a:extLst>
           </p:cNvPr>
@@ -817,7 +818,7 @@
           <p:cNvPr id="3" name="Content Placeholder 2">
             <a:extLst>
               <a:ext uri="{FF2B5EF4-FFF2-40B4-BE49-F238E27FC236}">
-                <a16:creationId xmlns="" xmlns:a16="http://schemas.microsoft.com/office/drawing/2014/main" id="{4E3EA675-99A2-468B-93D1-46FEEA55F07C}"/>
+                <a16:creationId xmlns:a16="http://schemas.microsoft.com/office/drawing/2014/main" id="{4E3EA675-99A2-468B-93D1-46FEEA55F07C}"/>
               </a:ext>
             </a:extLst>
           </p:cNvPr>
@@ -875,7 +876,7 @@
           <p:cNvPr id="4" name="Date Placeholder 3">
             <a:extLst>
               <a:ext uri="{FF2B5EF4-FFF2-40B4-BE49-F238E27FC236}">
-                <a16:creationId xmlns="" xmlns:a16="http://schemas.microsoft.com/office/drawing/2014/main" id="{BB353DAF-9232-4FD2-96EB-ADCCA5855567}"/>
+                <a16:creationId xmlns:a16="http://schemas.microsoft.com/office/drawing/2014/main" id="{BB353DAF-9232-4FD2-96EB-ADCCA5855567}"/>
               </a:ext>
             </a:extLst>
           </p:cNvPr>
@@ -893,7 +894,7 @@
           <a:p>
             <a:fld id="{1AA5AC47-5BC2-484C-80BA-24EFF513DD12}" type="datetimeFigureOut">
               <a:rPr lang="en-IN" smtClean="0"/>
-              <a:t>05-11-2021</a:t>
+              <a:t>07-11-2021</a:t>
             </a:fld>
             <a:endParaRPr lang="en-IN"/>
           </a:p>
@@ -904,7 +905,7 @@
           <p:cNvPr id="5" name="Footer Placeholder 4">
             <a:extLst>
               <a:ext uri="{FF2B5EF4-FFF2-40B4-BE49-F238E27FC236}">
-                <a16:creationId xmlns="" xmlns:a16="http://schemas.microsoft.com/office/drawing/2014/main" id="{364BB921-BC61-44F2-825D-140F6DAFEC5D}"/>
+                <a16:creationId xmlns:a16="http://schemas.microsoft.com/office/drawing/2014/main" id="{364BB921-BC61-44F2-825D-140F6DAFEC5D}"/>
               </a:ext>
             </a:extLst>
           </p:cNvPr>
@@ -929,7 +930,7 @@
           <p:cNvPr id="6" name="Slide Number Placeholder 5">
             <a:extLst>
               <a:ext uri="{FF2B5EF4-FFF2-40B4-BE49-F238E27FC236}">
-                <a16:creationId xmlns="" xmlns:a16="http://schemas.microsoft.com/office/drawing/2014/main" id="{6C0574DB-BEEF-4E0A-ACC6-3A5EF3C06706}"/>
+                <a16:creationId xmlns:a16="http://schemas.microsoft.com/office/drawing/2014/main" id="{6C0574DB-BEEF-4E0A-ACC6-3A5EF3C06706}"/>
               </a:ext>
             </a:extLst>
           </p:cNvPr>
@@ -988,7 +989,7 @@
           <p:cNvPr id="2" name="Title 1">
             <a:extLst>
               <a:ext uri="{FF2B5EF4-FFF2-40B4-BE49-F238E27FC236}">
-                <a16:creationId xmlns="" xmlns:a16="http://schemas.microsoft.com/office/drawing/2014/main" id="{F1570C1F-3EAE-4443-B715-1BA91E4F6A89}"/>
+                <a16:creationId xmlns:a16="http://schemas.microsoft.com/office/drawing/2014/main" id="{F1570C1F-3EAE-4443-B715-1BA91E4F6A89}"/>
               </a:ext>
             </a:extLst>
           </p:cNvPr>
@@ -1026,7 +1027,7 @@
           <p:cNvPr id="3" name="Text Placeholder 2">
             <a:extLst>
               <a:ext uri="{FF2B5EF4-FFF2-40B4-BE49-F238E27FC236}">
-                <a16:creationId xmlns="" xmlns:a16="http://schemas.microsoft.com/office/drawing/2014/main" id="{FFEF6FF1-CE13-478E-BF6D-0510F93AF789}"/>
+                <a16:creationId xmlns:a16="http://schemas.microsoft.com/office/drawing/2014/main" id="{FFEF6FF1-CE13-478E-BF6D-0510F93AF789}"/>
               </a:ext>
             </a:extLst>
           </p:cNvPr>
@@ -1151,7 +1152,7 @@
           <p:cNvPr id="4" name="Date Placeholder 3">
             <a:extLst>
               <a:ext uri="{FF2B5EF4-FFF2-40B4-BE49-F238E27FC236}">
-                <a16:creationId xmlns="" xmlns:a16="http://schemas.microsoft.com/office/drawing/2014/main" id="{B2E1C887-51B6-46E7-B473-67C370949451}"/>
+                <a16:creationId xmlns:a16="http://schemas.microsoft.com/office/drawing/2014/main" id="{B2E1C887-51B6-46E7-B473-67C370949451}"/>
               </a:ext>
             </a:extLst>
           </p:cNvPr>
@@ -1169,7 +1170,7 @@
           <a:p>
             <a:fld id="{1AA5AC47-5BC2-484C-80BA-24EFF513DD12}" type="datetimeFigureOut">
               <a:rPr lang="en-IN" smtClean="0"/>
-              <a:t>05-11-2021</a:t>
+              <a:t>07-11-2021</a:t>
             </a:fld>
             <a:endParaRPr lang="en-IN"/>
           </a:p>
@@ -1180,7 +1181,7 @@
           <p:cNvPr id="5" name="Footer Placeholder 4">
             <a:extLst>
               <a:ext uri="{FF2B5EF4-FFF2-40B4-BE49-F238E27FC236}">
-                <a16:creationId xmlns="" xmlns:a16="http://schemas.microsoft.com/office/drawing/2014/main" id="{67BF367F-E2DF-412A-A011-DD02BEE5FF8D}"/>
+                <a16:creationId xmlns:a16="http://schemas.microsoft.com/office/drawing/2014/main" id="{67BF367F-E2DF-412A-A011-DD02BEE5FF8D}"/>
               </a:ext>
             </a:extLst>
           </p:cNvPr>
@@ -1205,7 +1206,7 @@
           <p:cNvPr id="6" name="Slide Number Placeholder 5">
             <a:extLst>
               <a:ext uri="{FF2B5EF4-FFF2-40B4-BE49-F238E27FC236}">
-                <a16:creationId xmlns="" xmlns:a16="http://schemas.microsoft.com/office/drawing/2014/main" id="{AC88DD6F-34F7-48EA-B36C-332824F3F4BD}"/>
+                <a16:creationId xmlns:a16="http://schemas.microsoft.com/office/drawing/2014/main" id="{AC88DD6F-34F7-48EA-B36C-332824F3F4BD}"/>
               </a:ext>
             </a:extLst>
           </p:cNvPr>
@@ -1264,7 +1265,7 @@
           <p:cNvPr id="2" name="Title 1">
             <a:extLst>
               <a:ext uri="{FF2B5EF4-FFF2-40B4-BE49-F238E27FC236}">
-                <a16:creationId xmlns="" xmlns:a16="http://schemas.microsoft.com/office/drawing/2014/main" id="{42ABAE2B-F990-490A-8A2B-DC1B468C4C9D}"/>
+                <a16:creationId xmlns:a16="http://schemas.microsoft.com/office/drawing/2014/main" id="{42ABAE2B-F990-490A-8A2B-DC1B468C4C9D}"/>
               </a:ext>
             </a:extLst>
           </p:cNvPr>
@@ -1293,7 +1294,7 @@
           <p:cNvPr id="3" name="Content Placeholder 2">
             <a:extLst>
               <a:ext uri="{FF2B5EF4-FFF2-40B4-BE49-F238E27FC236}">
-                <a16:creationId xmlns="" xmlns:a16="http://schemas.microsoft.com/office/drawing/2014/main" id="{0BCD8D17-D484-4209-B469-1D028CACC191}"/>
+                <a16:creationId xmlns:a16="http://schemas.microsoft.com/office/drawing/2014/main" id="{0BCD8D17-D484-4209-B469-1D028CACC191}"/>
               </a:ext>
             </a:extLst>
           </p:cNvPr>
@@ -1356,7 +1357,7 @@
           <p:cNvPr id="4" name="Content Placeholder 3">
             <a:extLst>
               <a:ext uri="{FF2B5EF4-FFF2-40B4-BE49-F238E27FC236}">
-                <a16:creationId xmlns="" xmlns:a16="http://schemas.microsoft.com/office/drawing/2014/main" id="{609EF4EA-AC12-4C1E-A56A-BAAF05F4BC5B}"/>
+                <a16:creationId xmlns:a16="http://schemas.microsoft.com/office/drawing/2014/main" id="{609EF4EA-AC12-4C1E-A56A-BAAF05F4BC5B}"/>
               </a:ext>
             </a:extLst>
           </p:cNvPr>
@@ -1419,7 +1420,7 @@
           <p:cNvPr id="5" name="Date Placeholder 4">
             <a:extLst>
               <a:ext uri="{FF2B5EF4-FFF2-40B4-BE49-F238E27FC236}">
-                <a16:creationId xmlns="" xmlns:a16="http://schemas.microsoft.com/office/drawing/2014/main" id="{47BD33E5-559F-4A20-9F2A-0F1CF39370E2}"/>
+                <a16:creationId xmlns:a16="http://schemas.microsoft.com/office/drawing/2014/main" id="{47BD33E5-559F-4A20-9F2A-0F1CF39370E2}"/>
               </a:ext>
             </a:extLst>
           </p:cNvPr>
@@ -1437,7 +1438,7 @@
           <a:p>
             <a:fld id="{1AA5AC47-5BC2-484C-80BA-24EFF513DD12}" type="datetimeFigureOut">
               <a:rPr lang="en-IN" smtClean="0"/>
-              <a:t>05-11-2021</a:t>
+              <a:t>07-11-2021</a:t>
             </a:fld>
             <a:endParaRPr lang="en-IN"/>
           </a:p>
@@ -1448,7 +1449,7 @@
           <p:cNvPr id="6" name="Footer Placeholder 5">
             <a:extLst>
               <a:ext uri="{FF2B5EF4-FFF2-40B4-BE49-F238E27FC236}">
-                <a16:creationId xmlns="" xmlns:a16="http://schemas.microsoft.com/office/drawing/2014/main" id="{4A883C9C-A604-439E-86FB-B2F61C2DE026}"/>
+                <a16:creationId xmlns:a16="http://schemas.microsoft.com/office/drawing/2014/main" id="{4A883C9C-A604-439E-86FB-B2F61C2DE026}"/>
               </a:ext>
             </a:extLst>
           </p:cNvPr>
@@ -1473,7 +1474,7 @@
           <p:cNvPr id="7" name="Slide Number Placeholder 6">
             <a:extLst>
               <a:ext uri="{FF2B5EF4-FFF2-40B4-BE49-F238E27FC236}">
-                <a16:creationId xmlns="" xmlns:a16="http://schemas.microsoft.com/office/drawing/2014/main" id="{0A423502-111A-4C6F-83C4-726C9E53D873}"/>
+                <a16:creationId xmlns:a16="http://schemas.microsoft.com/office/drawing/2014/main" id="{0A423502-111A-4C6F-83C4-726C9E53D873}"/>
               </a:ext>
             </a:extLst>
           </p:cNvPr>
@@ -1532,7 +1533,7 @@
           <p:cNvPr id="2" name="Title 1">
             <a:extLst>
               <a:ext uri="{FF2B5EF4-FFF2-40B4-BE49-F238E27FC236}">
-                <a16:creationId xmlns="" xmlns:a16="http://schemas.microsoft.com/office/drawing/2014/main" id="{4762B311-339D-448B-9205-82CDDB6668CD}"/>
+                <a16:creationId xmlns:a16="http://schemas.microsoft.com/office/drawing/2014/main" id="{4762B311-339D-448B-9205-82CDDB6668CD}"/>
               </a:ext>
             </a:extLst>
           </p:cNvPr>
@@ -1566,7 +1567,7 @@
           <p:cNvPr id="3" name="Text Placeholder 2">
             <a:extLst>
               <a:ext uri="{FF2B5EF4-FFF2-40B4-BE49-F238E27FC236}">
-                <a16:creationId xmlns="" xmlns:a16="http://schemas.microsoft.com/office/drawing/2014/main" id="{A233EB1A-8EB6-4F5A-B8A3-F041A9924429}"/>
+                <a16:creationId xmlns:a16="http://schemas.microsoft.com/office/drawing/2014/main" id="{A233EB1A-8EB6-4F5A-B8A3-F041A9924429}"/>
               </a:ext>
             </a:extLst>
           </p:cNvPr>
@@ -1637,7 +1638,7 @@
           <p:cNvPr id="4" name="Content Placeholder 3">
             <a:extLst>
               <a:ext uri="{FF2B5EF4-FFF2-40B4-BE49-F238E27FC236}">
-                <a16:creationId xmlns="" xmlns:a16="http://schemas.microsoft.com/office/drawing/2014/main" id="{195DCA69-6333-45A7-8E6A-295095A83F72}"/>
+                <a16:creationId xmlns:a16="http://schemas.microsoft.com/office/drawing/2014/main" id="{195DCA69-6333-45A7-8E6A-295095A83F72}"/>
               </a:ext>
             </a:extLst>
           </p:cNvPr>
@@ -1700,7 +1701,7 @@
           <p:cNvPr id="5" name="Text Placeholder 4">
             <a:extLst>
               <a:ext uri="{FF2B5EF4-FFF2-40B4-BE49-F238E27FC236}">
-                <a16:creationId xmlns="" xmlns:a16="http://schemas.microsoft.com/office/drawing/2014/main" id="{3BCF98AE-2080-4E4C-BB5C-529F768F8D7D}"/>
+                <a16:creationId xmlns:a16="http://schemas.microsoft.com/office/drawing/2014/main" id="{3BCF98AE-2080-4E4C-BB5C-529F768F8D7D}"/>
               </a:ext>
             </a:extLst>
           </p:cNvPr>
@@ -1771,7 +1772,7 @@
           <p:cNvPr id="6" name="Content Placeholder 5">
             <a:extLst>
               <a:ext uri="{FF2B5EF4-FFF2-40B4-BE49-F238E27FC236}">
-                <a16:creationId xmlns="" xmlns:a16="http://schemas.microsoft.com/office/drawing/2014/main" id="{F23879DC-B4F2-4F7C-BC69-4736E8EBD49C}"/>
+                <a16:creationId xmlns:a16="http://schemas.microsoft.com/office/drawing/2014/main" id="{F23879DC-B4F2-4F7C-BC69-4736E8EBD49C}"/>
               </a:ext>
             </a:extLst>
           </p:cNvPr>
@@ -1834,7 +1835,7 @@
           <p:cNvPr id="7" name="Date Placeholder 6">
             <a:extLst>
               <a:ext uri="{FF2B5EF4-FFF2-40B4-BE49-F238E27FC236}">
-                <a16:creationId xmlns="" xmlns:a16="http://schemas.microsoft.com/office/drawing/2014/main" id="{B9113094-6823-472F-AC58-290DBA7A10A1}"/>
+                <a16:creationId xmlns:a16="http://schemas.microsoft.com/office/drawing/2014/main" id="{B9113094-6823-472F-AC58-290DBA7A10A1}"/>
               </a:ext>
             </a:extLst>
           </p:cNvPr>
@@ -1852,7 +1853,7 @@
           <a:p>
             <a:fld id="{1AA5AC47-5BC2-484C-80BA-24EFF513DD12}" type="datetimeFigureOut">
               <a:rPr lang="en-IN" smtClean="0"/>
-              <a:t>05-11-2021</a:t>
+              <a:t>07-11-2021</a:t>
             </a:fld>
             <a:endParaRPr lang="en-IN"/>
           </a:p>
@@ -1863,7 +1864,7 @@
           <p:cNvPr id="8" name="Footer Placeholder 7">
             <a:extLst>
               <a:ext uri="{FF2B5EF4-FFF2-40B4-BE49-F238E27FC236}">
-                <a16:creationId xmlns="" xmlns:a16="http://schemas.microsoft.com/office/drawing/2014/main" id="{D607856D-26E0-48C8-A124-370D5E6E1802}"/>
+                <a16:creationId xmlns:a16="http://schemas.microsoft.com/office/drawing/2014/main" id="{D607856D-26E0-48C8-A124-370D5E6E1802}"/>
               </a:ext>
             </a:extLst>
           </p:cNvPr>
@@ -1888,7 +1889,7 @@
           <p:cNvPr id="9" name="Slide Number Placeholder 8">
             <a:extLst>
               <a:ext uri="{FF2B5EF4-FFF2-40B4-BE49-F238E27FC236}">
-                <a16:creationId xmlns="" xmlns:a16="http://schemas.microsoft.com/office/drawing/2014/main" id="{8FFEA9EB-1F9A-462D-8A1C-EF53ED1654F3}"/>
+                <a16:creationId xmlns:a16="http://schemas.microsoft.com/office/drawing/2014/main" id="{8FFEA9EB-1F9A-462D-8A1C-EF53ED1654F3}"/>
               </a:ext>
             </a:extLst>
           </p:cNvPr>
@@ -1947,7 +1948,7 @@
           <p:cNvPr id="2" name="Title 1">
             <a:extLst>
               <a:ext uri="{FF2B5EF4-FFF2-40B4-BE49-F238E27FC236}">
-                <a16:creationId xmlns="" xmlns:a16="http://schemas.microsoft.com/office/drawing/2014/main" id="{1B73D253-82B2-40BA-B7C6-BD1D1AEF97EF}"/>
+                <a16:creationId xmlns:a16="http://schemas.microsoft.com/office/drawing/2014/main" id="{1B73D253-82B2-40BA-B7C6-BD1D1AEF97EF}"/>
               </a:ext>
             </a:extLst>
           </p:cNvPr>
@@ -1976,7 +1977,7 @@
           <p:cNvPr id="3" name="Date Placeholder 2">
             <a:extLst>
               <a:ext uri="{FF2B5EF4-FFF2-40B4-BE49-F238E27FC236}">
-                <a16:creationId xmlns="" xmlns:a16="http://schemas.microsoft.com/office/drawing/2014/main" id="{3C4DE193-25BE-462D-ADC2-D55F4C33B788}"/>
+                <a16:creationId xmlns:a16="http://schemas.microsoft.com/office/drawing/2014/main" id="{3C4DE193-25BE-462D-ADC2-D55F4C33B788}"/>
               </a:ext>
             </a:extLst>
           </p:cNvPr>
@@ -1994,7 +1995,7 @@
           <a:p>
             <a:fld id="{1AA5AC47-5BC2-484C-80BA-24EFF513DD12}" type="datetimeFigureOut">
               <a:rPr lang="en-IN" smtClean="0"/>
-              <a:t>05-11-2021</a:t>
+              <a:t>07-11-2021</a:t>
             </a:fld>
             <a:endParaRPr lang="en-IN"/>
           </a:p>
@@ -2005,7 +2006,7 @@
           <p:cNvPr id="4" name="Footer Placeholder 3">
             <a:extLst>
               <a:ext uri="{FF2B5EF4-FFF2-40B4-BE49-F238E27FC236}">
-                <a16:creationId xmlns="" xmlns:a16="http://schemas.microsoft.com/office/drawing/2014/main" id="{C0E74FAE-7F84-43E2-A1F1-7C4A37743CE3}"/>
+                <a16:creationId xmlns:a16="http://schemas.microsoft.com/office/drawing/2014/main" id="{C0E74FAE-7F84-43E2-A1F1-7C4A37743CE3}"/>
               </a:ext>
             </a:extLst>
           </p:cNvPr>
@@ -2030,7 +2031,7 @@
           <p:cNvPr id="5" name="Slide Number Placeholder 4">
             <a:extLst>
               <a:ext uri="{FF2B5EF4-FFF2-40B4-BE49-F238E27FC236}">
-                <a16:creationId xmlns="" xmlns:a16="http://schemas.microsoft.com/office/drawing/2014/main" id="{428E7890-162B-4DD6-A6F3-5BBC205B876C}"/>
+                <a16:creationId xmlns:a16="http://schemas.microsoft.com/office/drawing/2014/main" id="{428E7890-162B-4DD6-A6F3-5BBC205B876C}"/>
               </a:ext>
             </a:extLst>
           </p:cNvPr>
@@ -2089,7 +2090,7 @@
           <p:cNvPr id="2" name="Date Placeholder 1">
             <a:extLst>
               <a:ext uri="{FF2B5EF4-FFF2-40B4-BE49-F238E27FC236}">
-                <a16:creationId xmlns="" xmlns:a16="http://schemas.microsoft.com/office/drawing/2014/main" id="{A732E3B0-E78B-47E2-B3D9-0FB9351D6277}"/>
+                <a16:creationId xmlns:a16="http://schemas.microsoft.com/office/drawing/2014/main" id="{A732E3B0-E78B-47E2-B3D9-0FB9351D6277}"/>
               </a:ext>
             </a:extLst>
           </p:cNvPr>
@@ -2107,7 +2108,7 @@
           <a:p>
             <a:fld id="{1AA5AC47-5BC2-484C-80BA-24EFF513DD12}" type="datetimeFigureOut">
               <a:rPr lang="en-IN" smtClean="0"/>
-              <a:t>05-11-2021</a:t>
+              <a:t>07-11-2021</a:t>
             </a:fld>
             <a:endParaRPr lang="en-IN"/>
           </a:p>
@@ -2118,7 +2119,7 @@
           <p:cNvPr id="3" name="Footer Placeholder 2">
             <a:extLst>
               <a:ext uri="{FF2B5EF4-FFF2-40B4-BE49-F238E27FC236}">
-                <a16:creationId xmlns="" xmlns:a16="http://schemas.microsoft.com/office/drawing/2014/main" id="{53D20DC8-C42C-4A18-9CDE-0B8C423BE64F}"/>
+                <a16:creationId xmlns:a16="http://schemas.microsoft.com/office/drawing/2014/main" id="{53D20DC8-C42C-4A18-9CDE-0B8C423BE64F}"/>
               </a:ext>
             </a:extLst>
           </p:cNvPr>
@@ -2143,7 +2144,7 @@
           <p:cNvPr id="4" name="Slide Number Placeholder 3">
             <a:extLst>
               <a:ext uri="{FF2B5EF4-FFF2-40B4-BE49-F238E27FC236}">
-                <a16:creationId xmlns="" xmlns:a16="http://schemas.microsoft.com/office/drawing/2014/main" id="{45BFB77B-0F13-424B-BC1F-B39E54443C82}"/>
+                <a16:creationId xmlns:a16="http://schemas.microsoft.com/office/drawing/2014/main" id="{45BFB77B-0F13-424B-BC1F-B39E54443C82}"/>
               </a:ext>
             </a:extLst>
           </p:cNvPr>
@@ -2202,7 +2203,7 @@
           <p:cNvPr id="2" name="Title 1">
             <a:extLst>
               <a:ext uri="{FF2B5EF4-FFF2-40B4-BE49-F238E27FC236}">
-                <a16:creationId xmlns="" xmlns:a16="http://schemas.microsoft.com/office/drawing/2014/main" id="{EAB03FCE-5B4D-43CC-9891-7A06EF85378A}"/>
+                <a16:creationId xmlns:a16="http://schemas.microsoft.com/office/drawing/2014/main" id="{EAB03FCE-5B4D-43CC-9891-7A06EF85378A}"/>
               </a:ext>
             </a:extLst>
           </p:cNvPr>
@@ -2240,7 +2241,7 @@
           <p:cNvPr id="3" name="Content Placeholder 2">
             <a:extLst>
               <a:ext uri="{FF2B5EF4-FFF2-40B4-BE49-F238E27FC236}">
-                <a16:creationId xmlns="" xmlns:a16="http://schemas.microsoft.com/office/drawing/2014/main" id="{04D708FD-3FF3-4AC1-AF70-F1E318273C90}"/>
+                <a16:creationId xmlns:a16="http://schemas.microsoft.com/office/drawing/2014/main" id="{04D708FD-3FF3-4AC1-AF70-F1E318273C90}"/>
               </a:ext>
             </a:extLst>
           </p:cNvPr>
@@ -2331,7 +2332,7 @@
           <p:cNvPr id="4" name="Text Placeholder 3">
             <a:extLst>
               <a:ext uri="{FF2B5EF4-FFF2-40B4-BE49-F238E27FC236}">
-                <a16:creationId xmlns="" xmlns:a16="http://schemas.microsoft.com/office/drawing/2014/main" id="{27172CC0-FEEA-445E-B0A4-E5B72DB9A13A}"/>
+                <a16:creationId xmlns:a16="http://schemas.microsoft.com/office/drawing/2014/main" id="{27172CC0-FEEA-445E-B0A4-E5B72DB9A13A}"/>
               </a:ext>
             </a:extLst>
           </p:cNvPr>
@@ -2402,7 +2403,7 @@
           <p:cNvPr id="5" name="Date Placeholder 4">
             <a:extLst>
               <a:ext uri="{FF2B5EF4-FFF2-40B4-BE49-F238E27FC236}">
-                <a16:creationId xmlns="" xmlns:a16="http://schemas.microsoft.com/office/drawing/2014/main" id="{52158AC7-4E41-4D1A-B22A-ACEA67A41749}"/>
+                <a16:creationId xmlns:a16="http://schemas.microsoft.com/office/drawing/2014/main" id="{52158AC7-4E41-4D1A-B22A-ACEA67A41749}"/>
               </a:ext>
             </a:extLst>
           </p:cNvPr>
@@ -2420,7 +2421,7 @@
           <a:p>
             <a:fld id="{1AA5AC47-5BC2-484C-80BA-24EFF513DD12}" type="datetimeFigureOut">
               <a:rPr lang="en-IN" smtClean="0"/>
-              <a:t>05-11-2021</a:t>
+              <a:t>07-11-2021</a:t>
             </a:fld>
             <a:endParaRPr lang="en-IN"/>
           </a:p>
@@ -2431,7 +2432,7 @@
           <p:cNvPr id="6" name="Footer Placeholder 5">
             <a:extLst>
               <a:ext uri="{FF2B5EF4-FFF2-40B4-BE49-F238E27FC236}">
-                <a16:creationId xmlns="" xmlns:a16="http://schemas.microsoft.com/office/drawing/2014/main" id="{869CC2E0-A178-4156-BD8C-D994B014D7A6}"/>
+                <a16:creationId xmlns:a16="http://schemas.microsoft.com/office/drawing/2014/main" id="{869CC2E0-A178-4156-BD8C-D994B014D7A6}"/>
               </a:ext>
             </a:extLst>
           </p:cNvPr>
@@ -2456,7 +2457,7 @@
           <p:cNvPr id="7" name="Slide Number Placeholder 6">
             <a:extLst>
               <a:ext uri="{FF2B5EF4-FFF2-40B4-BE49-F238E27FC236}">
-                <a16:creationId xmlns="" xmlns:a16="http://schemas.microsoft.com/office/drawing/2014/main" id="{1FD43812-3065-420A-AE8C-358A93D69905}"/>
+                <a16:creationId xmlns:a16="http://schemas.microsoft.com/office/drawing/2014/main" id="{1FD43812-3065-420A-AE8C-358A93D69905}"/>
               </a:ext>
             </a:extLst>
           </p:cNvPr>
@@ -2515,7 +2516,7 @@
           <p:cNvPr id="2" name="Title 1">
             <a:extLst>
               <a:ext uri="{FF2B5EF4-FFF2-40B4-BE49-F238E27FC236}">
-                <a16:creationId xmlns="" xmlns:a16="http://schemas.microsoft.com/office/drawing/2014/main" id="{5AFAF3EB-231D-4389-AFA0-2FD6506655F8}"/>
+                <a16:creationId xmlns:a16="http://schemas.microsoft.com/office/drawing/2014/main" id="{5AFAF3EB-231D-4389-AFA0-2FD6506655F8}"/>
               </a:ext>
             </a:extLst>
           </p:cNvPr>
@@ -2553,7 +2554,7 @@
           <p:cNvPr id="3" name="Picture Placeholder 2">
             <a:extLst>
               <a:ext uri="{FF2B5EF4-FFF2-40B4-BE49-F238E27FC236}">
-                <a16:creationId xmlns="" xmlns:a16="http://schemas.microsoft.com/office/drawing/2014/main" id="{FF7A3C75-CC07-46D6-97BF-6356F47132D1}"/>
+                <a16:creationId xmlns:a16="http://schemas.microsoft.com/office/drawing/2014/main" id="{FF7A3C75-CC07-46D6-97BF-6356F47132D1}"/>
               </a:ext>
             </a:extLst>
           </p:cNvPr>
@@ -2620,7 +2621,7 @@
           <p:cNvPr id="4" name="Text Placeholder 3">
             <a:extLst>
               <a:ext uri="{FF2B5EF4-FFF2-40B4-BE49-F238E27FC236}">
-                <a16:creationId xmlns="" xmlns:a16="http://schemas.microsoft.com/office/drawing/2014/main" id="{A73DD846-2088-4D12-A5B9-37C0359760E9}"/>
+                <a16:creationId xmlns:a16="http://schemas.microsoft.com/office/drawing/2014/main" id="{A73DD846-2088-4D12-A5B9-37C0359760E9}"/>
               </a:ext>
             </a:extLst>
           </p:cNvPr>
@@ -2691,7 +2692,7 @@
           <p:cNvPr id="5" name="Date Placeholder 4">
             <a:extLst>
               <a:ext uri="{FF2B5EF4-FFF2-40B4-BE49-F238E27FC236}">
-                <a16:creationId xmlns="" xmlns:a16="http://schemas.microsoft.com/office/drawing/2014/main" id="{952DDB2F-EDA4-458F-9BB6-0D82E07258E2}"/>
+                <a16:creationId xmlns:a16="http://schemas.microsoft.com/office/drawing/2014/main" id="{952DDB2F-EDA4-458F-9BB6-0D82E07258E2}"/>
               </a:ext>
             </a:extLst>
           </p:cNvPr>
@@ -2709,7 +2710,7 @@
           <a:p>
             <a:fld id="{1AA5AC47-5BC2-484C-80BA-24EFF513DD12}" type="datetimeFigureOut">
               <a:rPr lang="en-IN" smtClean="0"/>
-              <a:t>05-11-2021</a:t>
+              <a:t>07-11-2021</a:t>
             </a:fld>
             <a:endParaRPr lang="en-IN"/>
           </a:p>
@@ -2720,7 +2721,7 @@
           <p:cNvPr id="6" name="Footer Placeholder 5">
             <a:extLst>
               <a:ext uri="{FF2B5EF4-FFF2-40B4-BE49-F238E27FC236}">
-                <a16:creationId xmlns="" xmlns:a16="http://schemas.microsoft.com/office/drawing/2014/main" id="{420F08DD-EBFB-4266-B076-A2F980756DDC}"/>
+                <a16:creationId xmlns:a16="http://schemas.microsoft.com/office/drawing/2014/main" id="{420F08DD-EBFB-4266-B076-A2F980756DDC}"/>
               </a:ext>
             </a:extLst>
           </p:cNvPr>
@@ -2745,7 +2746,7 @@
           <p:cNvPr id="7" name="Slide Number Placeholder 6">
             <a:extLst>
               <a:ext uri="{FF2B5EF4-FFF2-40B4-BE49-F238E27FC236}">
-                <a16:creationId xmlns="" xmlns:a16="http://schemas.microsoft.com/office/drawing/2014/main" id="{6D25345A-F86A-4960-A1C4-8E881A62E5B4}"/>
+                <a16:creationId xmlns:a16="http://schemas.microsoft.com/office/drawing/2014/main" id="{6D25345A-F86A-4960-A1C4-8E881A62E5B4}"/>
               </a:ext>
             </a:extLst>
           </p:cNvPr>
@@ -2809,7 +2810,7 @@
           <p:cNvPr id="2" name="Title Placeholder 1">
             <a:extLst>
               <a:ext uri="{FF2B5EF4-FFF2-40B4-BE49-F238E27FC236}">
-                <a16:creationId xmlns="" xmlns:a16="http://schemas.microsoft.com/office/drawing/2014/main" id="{C4175E84-4BEA-4B29-97D5-FC88A9CEAFF2}"/>
+                <a16:creationId xmlns:a16="http://schemas.microsoft.com/office/drawing/2014/main" id="{C4175E84-4BEA-4B29-97D5-FC88A9CEAFF2}"/>
               </a:ext>
             </a:extLst>
           </p:cNvPr>
@@ -2848,7 +2849,7 @@
           <p:cNvPr id="3" name="Text Placeholder 2">
             <a:extLst>
               <a:ext uri="{FF2B5EF4-FFF2-40B4-BE49-F238E27FC236}">
-                <a16:creationId xmlns="" xmlns:a16="http://schemas.microsoft.com/office/drawing/2014/main" id="{8C957B72-BF62-4141-AEB4-3E44153F6552}"/>
+                <a16:creationId xmlns:a16="http://schemas.microsoft.com/office/drawing/2014/main" id="{8C957B72-BF62-4141-AEB4-3E44153F6552}"/>
               </a:ext>
             </a:extLst>
           </p:cNvPr>
@@ -2916,7 +2917,7 @@
           <p:cNvPr id="4" name="Date Placeholder 3">
             <a:extLst>
               <a:ext uri="{FF2B5EF4-FFF2-40B4-BE49-F238E27FC236}">
-                <a16:creationId xmlns="" xmlns:a16="http://schemas.microsoft.com/office/drawing/2014/main" id="{32062E18-EEC3-4089-929A-52B043802FD1}"/>
+                <a16:creationId xmlns:a16="http://schemas.microsoft.com/office/drawing/2014/main" id="{32062E18-EEC3-4089-929A-52B043802FD1}"/>
               </a:ext>
             </a:extLst>
           </p:cNvPr>
@@ -2952,7 +2953,7 @@
           <a:p>
             <a:fld id="{1AA5AC47-5BC2-484C-80BA-24EFF513DD12}" type="datetimeFigureOut">
               <a:rPr lang="en-IN" smtClean="0"/>
-              <a:t>05-11-2021</a:t>
+              <a:t>07-11-2021</a:t>
             </a:fld>
             <a:endParaRPr lang="en-IN"/>
           </a:p>
@@ -2963,7 +2964,7 @@
           <p:cNvPr id="5" name="Footer Placeholder 4">
             <a:extLst>
               <a:ext uri="{FF2B5EF4-FFF2-40B4-BE49-F238E27FC236}">
-                <a16:creationId xmlns="" xmlns:a16="http://schemas.microsoft.com/office/drawing/2014/main" id="{C7717E09-6E10-4B05-81B6-5E6F6EE6FC74}"/>
+                <a16:creationId xmlns:a16="http://schemas.microsoft.com/office/drawing/2014/main" id="{C7717E09-6E10-4B05-81B6-5E6F6EE6FC74}"/>
               </a:ext>
             </a:extLst>
           </p:cNvPr>
@@ -3006,7 +3007,7 @@
           <p:cNvPr id="6" name="Slide Number Placeholder 5">
             <a:extLst>
               <a:ext uri="{FF2B5EF4-FFF2-40B4-BE49-F238E27FC236}">
-                <a16:creationId xmlns="" xmlns:a16="http://schemas.microsoft.com/office/drawing/2014/main" id="{27735183-ECEA-49C4-85B1-B104BD80E308}"/>
+                <a16:creationId xmlns:a16="http://schemas.microsoft.com/office/drawing/2014/main" id="{27735183-ECEA-49C4-85B1-B104BD80E308}"/>
               </a:ext>
             </a:extLst>
           </p:cNvPr>
@@ -3374,7 +3375,7 @@
           <p:cNvPr id="5" name="Rectangle: Rounded Corners 4">
             <a:extLst>
               <a:ext uri="{FF2B5EF4-FFF2-40B4-BE49-F238E27FC236}">
-                <a16:creationId xmlns="" xmlns:a16="http://schemas.microsoft.com/office/drawing/2014/main" id="{3E5316B8-2CDC-470B-BBC3-7B3BB48F917E}"/>
+                <a16:creationId xmlns:a16="http://schemas.microsoft.com/office/drawing/2014/main" id="{3E5316B8-2CDC-470B-BBC3-7B3BB48F917E}"/>
               </a:ext>
             </a:extLst>
           </p:cNvPr>
@@ -3424,7 +3425,7 @@
           <p:cNvPr id="7" name="Rectangle: Rounded Corners 6">
             <a:extLst>
               <a:ext uri="{FF2B5EF4-FFF2-40B4-BE49-F238E27FC236}">
-                <a16:creationId xmlns="" xmlns:a16="http://schemas.microsoft.com/office/drawing/2014/main" id="{031644F9-1251-438C-BEB7-F907C2B49D54}"/>
+                <a16:creationId xmlns:a16="http://schemas.microsoft.com/office/drawing/2014/main" id="{031644F9-1251-438C-BEB7-F907C2B49D54}"/>
               </a:ext>
             </a:extLst>
           </p:cNvPr>
@@ -3481,7 +3482,7 @@
           <p:cNvPr id="11" name="Rectangle: Rounded Corners 10">
             <a:extLst>
               <a:ext uri="{FF2B5EF4-FFF2-40B4-BE49-F238E27FC236}">
-                <a16:creationId xmlns="" xmlns:a16="http://schemas.microsoft.com/office/drawing/2014/main" id="{E416CFAD-AF52-4649-A332-71DEE7426C23}"/>
+                <a16:creationId xmlns:a16="http://schemas.microsoft.com/office/drawing/2014/main" id="{E416CFAD-AF52-4649-A332-71DEE7426C23}"/>
               </a:ext>
             </a:extLst>
           </p:cNvPr>
@@ -3538,7 +3539,7 @@
           <p:cNvPr id="12" name="Rectangle: Rounded Corners 11">
             <a:extLst>
               <a:ext uri="{FF2B5EF4-FFF2-40B4-BE49-F238E27FC236}">
-                <a16:creationId xmlns="" xmlns:a16="http://schemas.microsoft.com/office/drawing/2014/main" id="{F81607E8-5979-4B1D-BCDC-0CDDE92D28C5}"/>
+                <a16:creationId xmlns:a16="http://schemas.microsoft.com/office/drawing/2014/main" id="{F81607E8-5979-4B1D-BCDC-0CDDE92D28C5}"/>
               </a:ext>
             </a:extLst>
           </p:cNvPr>
@@ -3588,7 +3589,7 @@
           <p:cNvPr id="14" name="Rectangle: Rounded Corners 13">
             <a:extLst>
               <a:ext uri="{FF2B5EF4-FFF2-40B4-BE49-F238E27FC236}">
-                <a16:creationId xmlns="" xmlns:a16="http://schemas.microsoft.com/office/drawing/2014/main" id="{F93F1191-805C-4602-B403-FBC4B23FDEE5}"/>
+                <a16:creationId xmlns:a16="http://schemas.microsoft.com/office/drawing/2014/main" id="{F93F1191-805C-4602-B403-FBC4B23FDEE5}"/>
               </a:ext>
             </a:extLst>
           </p:cNvPr>
@@ -3642,7 +3643,7 @@
           <p:cNvPr id="16" name="Connector: Elbow 15">
             <a:extLst>
               <a:ext uri="{FF2B5EF4-FFF2-40B4-BE49-F238E27FC236}">
-                <a16:creationId xmlns="" xmlns:a16="http://schemas.microsoft.com/office/drawing/2014/main" id="{F8E1CA97-7225-45D0-A081-33F98BF5BD88}"/>
+                <a16:creationId xmlns:a16="http://schemas.microsoft.com/office/drawing/2014/main" id="{F8E1CA97-7225-45D0-A081-33F98BF5BD88}"/>
               </a:ext>
             </a:extLst>
           </p:cNvPr>
@@ -3687,7 +3688,7 @@
           <p:cNvPr id="19" name="Rectangle: Rounded Corners 18">
             <a:extLst>
               <a:ext uri="{FF2B5EF4-FFF2-40B4-BE49-F238E27FC236}">
-                <a16:creationId xmlns="" xmlns:a16="http://schemas.microsoft.com/office/drawing/2014/main" id="{5BAF5724-2440-46B2-B4E0-C35E05FEFDFA}"/>
+                <a16:creationId xmlns:a16="http://schemas.microsoft.com/office/drawing/2014/main" id="{5BAF5724-2440-46B2-B4E0-C35E05FEFDFA}"/>
               </a:ext>
             </a:extLst>
           </p:cNvPr>
@@ -3833,35 +3834,35 @@
           <a:p>
             <a:pPr algn="ctr"/>
             <a:r>
-              <a:rPr lang="en-US" sz="2400" dirty="0" smtClean="0"/>
+              <a:rPr lang="en-US" sz="2400" dirty="0"/>
               <a:t>K</a:t>
             </a:r>
           </a:p>
           <a:p>
             <a:pPr algn="ctr"/>
             <a:r>
-              <a:rPr lang="en-US" sz="2400" dirty="0" smtClean="0"/>
+              <a:rPr lang="en-US" sz="2400" dirty="0"/>
               <a:t>I</a:t>
             </a:r>
           </a:p>
           <a:p>
             <a:pPr algn="ctr"/>
             <a:r>
-              <a:rPr lang="en-US" sz="2400" dirty="0" smtClean="0"/>
+              <a:rPr lang="en-US" sz="2400" dirty="0"/>
               <a:t>B</a:t>
             </a:r>
           </a:p>
           <a:p>
             <a:pPr algn="ctr"/>
             <a:r>
-              <a:rPr lang="en-US" sz="2400" dirty="0" smtClean="0"/>
+              <a:rPr lang="en-US" sz="2400" dirty="0"/>
               <a:t>A</a:t>
             </a:r>
           </a:p>
           <a:p>
             <a:pPr algn="ctr"/>
             <a:r>
-              <a:rPr lang="en-US" sz="2400" dirty="0" smtClean="0"/>
+              <a:rPr lang="en-US" sz="2400" dirty="0"/>
               <a:t>N</a:t>
             </a:r>
           </a:p>
@@ -3911,10 +3912,9 @@
           <a:p>
             <a:pPr algn="ctr"/>
             <a:r>
-              <a:rPr lang="en-US" dirty="0" smtClean="0"/>
+              <a:rPr lang="en-US" dirty="0"/>
               <a:t>ELASTIC SEARCH</a:t>
             </a:r>
-            <a:endParaRPr lang="en-US" dirty="0"/>
           </a:p>
         </p:txBody>
       </p:sp>
@@ -3955,10 +3955,9 @@
           <a:p>
             <a:pPr algn="ctr"/>
             <a:r>
-              <a:rPr lang="en-US" dirty="0" smtClean="0"/>
+              <a:rPr lang="en-US" dirty="0"/>
               <a:t>LOG STASH</a:t>
             </a:r>
-            <a:endParaRPr lang="en-US" dirty="0"/>
           </a:p>
         </p:txBody>
       </p:sp>
@@ -3995,7 +3994,7 @@
               <p:cNvPr id="8" name="Rectangle: Rounded Corners 1">
                 <a:extLst>
                   <a:ext uri="{FF2B5EF4-FFF2-40B4-BE49-F238E27FC236}">
-                    <a16:creationId xmlns="" xmlns:a16="http://schemas.microsoft.com/office/drawing/2014/main" id="{229043B8-923C-4A63-923B-ED47AB6F3179}"/>
+                    <a16:creationId xmlns:a16="http://schemas.microsoft.com/office/drawing/2014/main" id="{229043B8-923C-4A63-923B-ED47AB6F3179}"/>
                   </a:ext>
                 </a:extLst>
               </p:cNvPr>
@@ -4038,7 +4037,7 @@
               <a:p>
                 <a:pPr algn="ctr"/>
                 <a:r>
-                  <a:rPr lang="en-IN" sz="1800" dirty="0" smtClean="0">
+                  <a:rPr lang="en-IN" sz="1800" dirty="0">
                     <a:solidFill>
                       <a:srgbClr val="000000"/>
                     </a:solidFill>
@@ -4055,7 +4054,7 @@
               <p:cNvPr id="9" name="Rectangle 1">
                 <a:extLst>
                   <a:ext uri="{FF2B5EF4-FFF2-40B4-BE49-F238E27FC236}">
-                    <a16:creationId xmlns="" xmlns:a16="http://schemas.microsoft.com/office/drawing/2014/main" id="{FFE5BAF0-90A9-481D-AAC3-4466B273C9B9}"/>
+                    <a16:creationId xmlns:a16="http://schemas.microsoft.com/office/drawing/2014/main" id="{FFE5BAF0-90A9-481D-AAC3-4466B273C9B9}"/>
                   </a:ext>
                 </a:extLst>
               </p:cNvPr>
@@ -4322,7 +4321,7 @@
               <p:cNvPr id="10" name="Rectangle 1">
                 <a:extLst>
                   <a:ext uri="{FF2B5EF4-FFF2-40B4-BE49-F238E27FC236}">
-                    <a16:creationId xmlns="" xmlns:a16="http://schemas.microsoft.com/office/drawing/2014/main" id="{4A5862E7-0045-43EA-8731-76AF0AFFEB2B}"/>
+                    <a16:creationId xmlns:a16="http://schemas.microsoft.com/office/drawing/2014/main" id="{4A5862E7-0045-43EA-8731-76AF0AFFEB2B}"/>
                   </a:ext>
                 </a:extLst>
               </p:cNvPr>
@@ -4569,7 +4568,7 @@
             <p:cNvPr id="7" name="TextBox 6">
               <a:extLst>
                 <a:ext uri="{FF2B5EF4-FFF2-40B4-BE49-F238E27FC236}">
-                  <a16:creationId xmlns="" xmlns:a16="http://schemas.microsoft.com/office/drawing/2014/main" id="{C91224FA-ADA9-4075-AE2B-E0C6E149E540}"/>
+                  <a16:creationId xmlns:a16="http://schemas.microsoft.com/office/drawing/2014/main" id="{C91224FA-ADA9-4075-AE2B-E0C6E149E540}"/>
                 </a:ext>
               </a:extLst>
             </p:cNvPr>
@@ -4596,11 +4595,7 @@
             <a:p>
               <a:r>
                 <a:rPr lang="en-US" sz="1100" dirty="0" err="1"/>
-                <a:t>s</a:t>
-              </a:r>
-              <a:r>
-                <a:rPr lang="en-US" sz="1100" dirty="0" err="1" smtClean="0"/>
-                <a:t>pring.cloug.starter.config</a:t>
+                <a:t>spring.cloug.starter.config</a:t>
               </a:r>
               <a:endParaRPr lang="en-US" sz="1100" dirty="0"/>
             </a:p>
@@ -4644,10 +4639,9 @@
           <a:p>
             <a:pPr algn="ctr"/>
             <a:r>
-              <a:rPr lang="en-US" dirty="0" smtClean="0"/>
+              <a:rPr lang="en-US" dirty="0"/>
               <a:t>LOGS</a:t>
             </a:r>
-            <a:endParaRPr lang="en-US" dirty="0"/>
           </a:p>
         </p:txBody>
       </p:sp>
@@ -4684,7 +4678,7 @@
               <p:cNvPr id="15" name="Rectangle: Rounded Corners 1">
                 <a:extLst>
                   <a:ext uri="{FF2B5EF4-FFF2-40B4-BE49-F238E27FC236}">
-                    <a16:creationId xmlns="" xmlns:a16="http://schemas.microsoft.com/office/drawing/2014/main" id="{229043B8-923C-4A63-923B-ED47AB6F3179}"/>
+                    <a16:creationId xmlns:a16="http://schemas.microsoft.com/office/drawing/2014/main" id="{229043B8-923C-4A63-923B-ED47AB6F3179}"/>
                   </a:ext>
                 </a:extLst>
               </p:cNvPr>
@@ -4727,7 +4721,7 @@
               <a:p>
                 <a:pPr algn="ctr"/>
                 <a:r>
-                  <a:rPr lang="en-IN" sz="1800" dirty="0" smtClean="0">
+                  <a:rPr lang="en-IN" sz="1800" dirty="0">
                     <a:solidFill>
                       <a:srgbClr val="000000"/>
                     </a:solidFill>
@@ -4744,7 +4738,7 @@
               <p:cNvPr id="16" name="Rectangle 1">
                 <a:extLst>
                   <a:ext uri="{FF2B5EF4-FFF2-40B4-BE49-F238E27FC236}">
-                    <a16:creationId xmlns="" xmlns:a16="http://schemas.microsoft.com/office/drawing/2014/main" id="{FFE5BAF0-90A9-481D-AAC3-4466B273C9B9}"/>
+                    <a16:creationId xmlns:a16="http://schemas.microsoft.com/office/drawing/2014/main" id="{FFE5BAF0-90A9-481D-AAC3-4466B273C9B9}"/>
                   </a:ext>
                 </a:extLst>
               </p:cNvPr>
@@ -5011,7 +5005,7 @@
               <p:cNvPr id="17" name="Rectangle 1">
                 <a:extLst>
                   <a:ext uri="{FF2B5EF4-FFF2-40B4-BE49-F238E27FC236}">
-                    <a16:creationId xmlns="" xmlns:a16="http://schemas.microsoft.com/office/drawing/2014/main" id="{4A5862E7-0045-43EA-8731-76AF0AFFEB2B}"/>
+                    <a16:creationId xmlns:a16="http://schemas.microsoft.com/office/drawing/2014/main" id="{4A5862E7-0045-43EA-8731-76AF0AFFEB2B}"/>
                   </a:ext>
                 </a:extLst>
               </p:cNvPr>
@@ -5258,7 +5252,7 @@
             <p:cNvPr id="14" name="TextBox 13">
               <a:extLst>
                 <a:ext uri="{FF2B5EF4-FFF2-40B4-BE49-F238E27FC236}">
-                  <a16:creationId xmlns="" xmlns:a16="http://schemas.microsoft.com/office/drawing/2014/main" id="{C91224FA-ADA9-4075-AE2B-E0C6E149E540}"/>
+                  <a16:creationId xmlns:a16="http://schemas.microsoft.com/office/drawing/2014/main" id="{C91224FA-ADA9-4075-AE2B-E0C6E149E540}"/>
                 </a:ext>
               </a:extLst>
             </p:cNvPr>
@@ -5285,11 +5279,7 @@
             <a:p>
               <a:r>
                 <a:rPr lang="en-US" sz="1100" dirty="0" err="1"/>
-                <a:t>s</a:t>
-              </a:r>
-              <a:r>
-                <a:rPr lang="en-US" sz="1100" dirty="0" err="1" smtClean="0"/>
-                <a:t>pring.cloug.starter.config</a:t>
+                <a:t>spring.cloug.starter.config</a:t>
               </a:r>
               <a:endParaRPr lang="en-US" sz="1100" dirty="0"/>
             </a:p>
@@ -5333,10 +5323,9 @@
           <a:p>
             <a:pPr algn="ctr"/>
             <a:r>
-              <a:rPr lang="en-US" dirty="0" smtClean="0"/>
+              <a:rPr lang="en-US" dirty="0"/>
               <a:t>LOGS</a:t>
             </a:r>
-            <a:endParaRPr lang="en-US" dirty="0"/>
           </a:p>
         </p:txBody>
       </p:sp>
@@ -5576,7 +5565,7 @@
               <a:tabLst/>
             </a:pPr>
             <a:r>
-              <a:rPr kumimoji="0" lang="en-US" sz="1200" b="1" i="0" u="none" strike="noStrike" cap="none" normalizeH="0" baseline="0" dirty="0" err="1" smtClean="0">
+              <a:rPr kumimoji="0" lang="en-US" sz="1200" b="1" i="0" u="none" strike="noStrike" cap="none" normalizeH="0" baseline="0" dirty="0" err="1">
                 <a:ln>
                   <a:noFill/>
                 </a:ln>
@@ -5590,7 +5579,7 @@
               <a:t>logstash</a:t>
             </a:r>
             <a:r>
-              <a:rPr kumimoji="0" lang="en-US" sz="1200" b="1" i="0" u="none" strike="noStrike" cap="none" normalizeH="0" baseline="0" dirty="0" smtClean="0">
+              <a:rPr kumimoji="0" lang="en-US" sz="1200" b="1" i="0" u="none" strike="noStrike" cap="none" normalizeH="0" baseline="0" dirty="0">
                 <a:ln>
                   <a:noFill/>
                 </a:ln>
@@ -5604,7 +5593,7 @@
               <a:t> -f </a:t>
             </a:r>
             <a:r>
-              <a:rPr kumimoji="0" lang="en-US" sz="1200" b="1" i="0" u="none" strike="noStrike" cap="none" normalizeH="0" baseline="0" dirty="0" err="1" smtClean="0">
+              <a:rPr kumimoji="0" lang="en-US" sz="1200" b="1" i="0" u="none" strike="noStrike" cap="none" normalizeH="0" baseline="0" dirty="0" err="1">
                 <a:ln>
                   <a:noFill/>
                 </a:ln>
@@ -5618,7 +5607,7 @@
               <a:t>logstash.conf</a:t>
             </a:r>
             <a:r>
-              <a:rPr kumimoji="0" lang="en-US" sz="1200" b="1" i="0" u="none" strike="noStrike" cap="none" normalizeH="0" baseline="0" dirty="0" smtClean="0">
+              <a:rPr kumimoji="0" lang="en-US" sz="1200" b="1" i="0" u="none" strike="noStrike" cap="none" normalizeH="0" baseline="0" dirty="0">
                 <a:ln>
                   <a:noFill/>
                 </a:ln>
@@ -5705,7 +5694,7 @@
               <a:tabLst/>
             </a:pPr>
             <a:r>
-              <a:rPr kumimoji="0" lang="en-US" sz="1200" b="1" i="0" u="none" strike="noStrike" cap="none" normalizeH="0" baseline="0" dirty="0" err="1" smtClean="0">
+              <a:rPr kumimoji="0" lang="en-US" sz="1200" b="1" i="0" u="none" strike="noStrike" cap="none" normalizeH="0" baseline="0" dirty="0" err="1">
                 <a:ln>
                   <a:noFill/>
                 </a:ln>
@@ -5719,7 +5708,7 @@
               <a:t>logstash</a:t>
             </a:r>
             <a:r>
-              <a:rPr kumimoji="0" lang="en-US" sz="1200" b="1" i="0" u="none" strike="noStrike" cap="none" normalizeH="0" baseline="0" dirty="0" smtClean="0">
+              <a:rPr kumimoji="0" lang="en-US" sz="1200" b="1" i="0" u="none" strike="noStrike" cap="none" normalizeH="0" baseline="0" dirty="0">
                 <a:ln>
                   <a:noFill/>
                 </a:ln>
@@ -5733,7 +5722,7 @@
               <a:t> -f </a:t>
             </a:r>
             <a:r>
-              <a:rPr kumimoji="0" lang="en-US" sz="1200" b="1" i="0" u="none" strike="noStrike" cap="none" normalizeH="0" baseline="0" dirty="0" err="1" smtClean="0">
+              <a:rPr kumimoji="0" lang="en-US" sz="1200" b="1" i="0" u="none" strike="noStrike" cap="none" normalizeH="0" baseline="0" dirty="0" err="1">
                 <a:ln>
                   <a:noFill/>
                 </a:ln>
@@ -5747,7 +5736,7 @@
               <a:t>logstash.conf</a:t>
             </a:r>
             <a:r>
-              <a:rPr kumimoji="0" lang="en-US" sz="1200" b="1" i="0" u="none" strike="noStrike" cap="none" normalizeH="0" baseline="0" dirty="0" smtClean="0">
+              <a:rPr kumimoji="0" lang="en-US" sz="1200" b="1" i="0" u="none" strike="noStrike" cap="none" normalizeH="0" baseline="0" dirty="0">
                 <a:ln>
                   <a:noFill/>
                 </a:ln>
@@ -5864,7 +5853,7 @@
             <a:lstStyle/>
             <a:p>
               <a:r>
-                <a:rPr lang="en-US" dirty="0" err="1" smtClean="0"/>
+                <a:rPr lang="en-US" dirty="0" err="1"/>
                 <a:t>logstash.conf</a:t>
               </a:r>
               <a:endParaRPr lang="en-US" dirty="0"/>
@@ -5877,7 +5866,7 @@
           <p:cNvPr id="46" name="Rectangle: Rounded Corners 62">
             <a:extLst>
               <a:ext uri="{FF2B5EF4-FFF2-40B4-BE49-F238E27FC236}">
-                <a16:creationId xmlns="" xmlns:a16="http://schemas.microsoft.com/office/drawing/2014/main" id="{61D3D070-24FE-4EF4-AD82-4932219E03A8}"/>
+                <a16:creationId xmlns:a16="http://schemas.microsoft.com/office/drawing/2014/main" id="{61D3D070-24FE-4EF4-AD82-4932219E03A8}"/>
               </a:ext>
             </a:extLst>
           </p:cNvPr>
@@ -5983,7 +5972,7 @@
               <a:tabLst/>
             </a:pPr>
             <a:r>
-              <a:rPr kumimoji="0" lang="en-US" sz="1300" b="0" i="0" u="none" strike="noStrike" cap="none" normalizeH="0" baseline="0" smtClean="0">
+              <a:rPr kumimoji="0" lang="en-US" sz="1300" b="0" i="0" u="none" strike="noStrike" cap="none" normalizeH="0" baseline="0">
                 <a:ln>
                   <a:noFill/>
                 </a:ln>
@@ -5997,7 +5986,7 @@
               <a:t>-DSTORAGE_TYPE=elasticsearch</a:t>
             </a:r>
             <a:r>
-              <a:rPr kumimoji="0" lang="en-US" sz="1100" b="0" i="0" u="none" strike="noStrike" cap="none" normalizeH="0" baseline="0" smtClean="0">
+              <a:rPr kumimoji="0" lang="en-US" sz="1100" b="0" i="0" u="none" strike="noStrike" cap="none" normalizeH="0" baseline="0">
                 <a:ln>
                   <a:noFill/>
                 </a:ln>
@@ -6010,7 +5999,7 @@
               </a:rPr>
               <a:t> </a:t>
             </a:r>
-            <a:endParaRPr kumimoji="0" lang="en-US" sz="1800" b="0" i="0" u="none" strike="noStrike" cap="none" normalizeH="0" baseline="0" smtClean="0">
+            <a:endParaRPr kumimoji="0" lang="en-US" sz="1800" b="0" i="0" u="none" strike="noStrike" cap="none" normalizeH="0" baseline="0">
               <a:ln>
                 <a:noFill/>
               </a:ln>
@@ -6140,7 +6129,7 @@
                 <p:cNvPr id="21" name="Rectangle: Rounded Corners 1">
                   <a:extLst>
                     <a:ext uri="{FF2B5EF4-FFF2-40B4-BE49-F238E27FC236}">
-                      <a16:creationId xmlns="" xmlns:a16="http://schemas.microsoft.com/office/drawing/2014/main" id="{229043B8-923C-4A63-923B-ED47AB6F3179}"/>
+                      <a16:creationId xmlns:a16="http://schemas.microsoft.com/office/drawing/2014/main" id="{229043B8-923C-4A63-923B-ED47AB6F3179}"/>
                     </a:ext>
                   </a:extLst>
                 </p:cNvPr>
@@ -6183,7 +6172,7 @@
                 <a:p>
                   <a:pPr algn="ctr"/>
                   <a:r>
-                    <a:rPr lang="en-IN" sz="1800" dirty="0" smtClean="0">
+                    <a:rPr lang="en-IN" sz="1800" dirty="0">
                       <a:solidFill>
                         <a:srgbClr val="000000"/>
                       </a:solidFill>
@@ -6200,7 +6189,7 @@
                 <p:cNvPr id="22" name="Rectangle 1">
                   <a:extLst>
                     <a:ext uri="{FF2B5EF4-FFF2-40B4-BE49-F238E27FC236}">
-                      <a16:creationId xmlns="" xmlns:a16="http://schemas.microsoft.com/office/drawing/2014/main" id="{FFE5BAF0-90A9-481D-AAC3-4466B273C9B9}"/>
+                      <a16:creationId xmlns:a16="http://schemas.microsoft.com/office/drawing/2014/main" id="{FFE5BAF0-90A9-481D-AAC3-4466B273C9B9}"/>
                     </a:ext>
                   </a:extLst>
                 </p:cNvPr>
@@ -6455,7 +6444,7 @@
                 <p:cNvPr id="23" name="Rectangle 1">
                   <a:extLst>
                     <a:ext uri="{FF2B5EF4-FFF2-40B4-BE49-F238E27FC236}">
-                      <a16:creationId xmlns="" xmlns:a16="http://schemas.microsoft.com/office/drawing/2014/main" id="{4A5862E7-0045-43EA-8731-76AF0AFFEB2B}"/>
+                      <a16:creationId xmlns:a16="http://schemas.microsoft.com/office/drawing/2014/main" id="{4A5862E7-0045-43EA-8731-76AF0AFFEB2B}"/>
                     </a:ext>
                   </a:extLst>
                 </p:cNvPr>
@@ -6726,7 +6715,7 @@
                   <a:t>@</a:t>
                 </a:r>
                 <a:r>
-                  <a:rPr lang="en-US" sz="1200" dirty="0" err="1" smtClean="0"/>
+                  <a:rPr lang="en-US" sz="1200" dirty="0" err="1"/>
                   <a:t>EnableWebSecurity</a:t>
                 </a:r>
                 <a:endParaRPr lang="en-US" sz="1200" dirty="0"/>
@@ -6761,7 +6750,6 @@
                   <a:rPr lang="en-US" sz="1200" dirty="0"/>
                   <a:t>spring-boot-starter-security</a:t>
                 </a:r>
-                <a:endParaRPr lang="en-US" sz="1200" dirty="0"/>
               </a:p>
             </p:txBody>
           </p:sp>
@@ -6771,7 +6759,7 @@
             <p:cNvPr id="34" name="Rectangle 1">
               <a:extLst>
                 <a:ext uri="{FF2B5EF4-FFF2-40B4-BE49-F238E27FC236}">
-                  <a16:creationId xmlns="" xmlns:a16="http://schemas.microsoft.com/office/drawing/2014/main" id="{7ACE0809-F724-4F82-8F30-59BB9374E8CB}"/>
+                  <a16:creationId xmlns:a16="http://schemas.microsoft.com/office/drawing/2014/main" id="{7ACE0809-F724-4F82-8F30-59BB9374E8CB}"/>
                 </a:ext>
               </a:extLst>
             </p:cNvPr>
@@ -6959,7 +6947,7 @@
                 <a:t>@</a:t>
               </a:r>
               <a:r>
-                <a:rPr lang="en-US" sz="1000" dirty="0" err="1" smtClean="0"/>
+                <a:rPr lang="en-US" sz="1000" dirty="0" err="1"/>
                 <a:t>SpringBootApplication</a:t>
               </a:r>
               <a:endParaRPr kumimoji="0" lang="en-US" altLang="en-US" sz="1000" b="0" i="0" u="none" strike="noStrike" cap="none" normalizeH="0" baseline="0" dirty="0">
@@ -7022,7 +7010,7 @@
                 <p:cNvPr id="42" name="Rectangle: Rounded Corners 1">
                   <a:extLst>
                     <a:ext uri="{FF2B5EF4-FFF2-40B4-BE49-F238E27FC236}">
-                      <a16:creationId xmlns="" xmlns:a16="http://schemas.microsoft.com/office/drawing/2014/main" id="{229043B8-923C-4A63-923B-ED47AB6F3179}"/>
+                      <a16:creationId xmlns:a16="http://schemas.microsoft.com/office/drawing/2014/main" id="{229043B8-923C-4A63-923B-ED47AB6F3179}"/>
                     </a:ext>
                   </a:extLst>
                 </p:cNvPr>
@@ -7065,7 +7053,7 @@
                 <a:p>
                   <a:pPr algn="ctr"/>
                   <a:r>
-                    <a:rPr lang="en-IN" sz="1800" dirty="0" smtClean="0">
+                    <a:rPr lang="en-IN" sz="1800" dirty="0">
                       <a:solidFill>
                         <a:srgbClr val="000000"/>
                       </a:solidFill>
@@ -7082,7 +7070,7 @@
                 <p:cNvPr id="43" name="Rectangle 1">
                   <a:extLst>
                     <a:ext uri="{FF2B5EF4-FFF2-40B4-BE49-F238E27FC236}">
-                      <a16:creationId xmlns="" xmlns:a16="http://schemas.microsoft.com/office/drawing/2014/main" id="{FFE5BAF0-90A9-481D-AAC3-4466B273C9B9}"/>
+                      <a16:creationId xmlns:a16="http://schemas.microsoft.com/office/drawing/2014/main" id="{FFE5BAF0-90A9-481D-AAC3-4466B273C9B9}"/>
                     </a:ext>
                   </a:extLst>
                 </p:cNvPr>
@@ -7349,7 +7337,7 @@
                 <p:cNvPr id="44" name="Rectangle 1">
                   <a:extLst>
                     <a:ext uri="{FF2B5EF4-FFF2-40B4-BE49-F238E27FC236}">
-                      <a16:creationId xmlns="" xmlns:a16="http://schemas.microsoft.com/office/drawing/2014/main" id="{4A5862E7-0045-43EA-8731-76AF0AFFEB2B}"/>
+                      <a16:creationId xmlns:a16="http://schemas.microsoft.com/office/drawing/2014/main" id="{4A5862E7-0045-43EA-8731-76AF0AFFEB2B}"/>
                     </a:ext>
                   </a:extLst>
                 </p:cNvPr>
@@ -7620,7 +7608,7 @@
                   <a:t>@</a:t>
                 </a:r>
                 <a:r>
-                  <a:rPr lang="en-US" sz="1200" dirty="0" err="1" smtClean="0"/>
+                  <a:rPr lang="en-US" sz="1200" dirty="0" err="1"/>
                   <a:t>EnableWebSecurity</a:t>
                 </a:r>
                 <a:endParaRPr lang="en-US" sz="1200" dirty="0"/>
@@ -7655,7 +7643,6 @@
                   <a:rPr lang="en-US" sz="1200" dirty="0"/>
                   <a:t>spring-boot-starter-security</a:t>
                 </a:r>
-                <a:endParaRPr lang="en-US" sz="1200" dirty="0"/>
               </a:p>
             </p:txBody>
           </p:sp>
@@ -7665,7 +7652,7 @@
             <p:cNvPr id="38" name="Rectangle 1">
               <a:extLst>
                 <a:ext uri="{FF2B5EF4-FFF2-40B4-BE49-F238E27FC236}">
-                  <a16:creationId xmlns="" xmlns:a16="http://schemas.microsoft.com/office/drawing/2014/main" id="{7ACE0809-F724-4F82-8F30-59BB9374E8CB}"/>
+                  <a16:creationId xmlns:a16="http://schemas.microsoft.com/office/drawing/2014/main" id="{7ACE0809-F724-4F82-8F30-59BB9374E8CB}"/>
                 </a:ext>
               </a:extLst>
             </p:cNvPr>
@@ -7867,20 +7854,7 @@
                   <a:effectLst/>
                   <a:latin typeface="charter"/>
                 </a:rPr>
-                <a:t> </a:t>
-              </a:r>
-              <a:r>
-                <a:rPr kumimoji="0" lang="en-US" altLang="en-US" sz="1000" b="0" i="0" u="none" strike="noStrike" cap="none" normalizeH="0" baseline="0" dirty="0" smtClean="0">
-                  <a:ln>
-                    <a:noFill/>
-                  </a:ln>
-                  <a:solidFill>
-                    <a:srgbClr val="292929"/>
-                  </a:solidFill>
-                  <a:effectLst/>
-                  <a:latin typeface="charter"/>
-                </a:rPr>
-                <a:t>c</a:t>
+                <a:t> c</a:t>
               </a:r>
               <a:endParaRPr kumimoji="0" lang="en-US" altLang="en-US" sz="1000" b="0" i="0" u="none" strike="noStrike" cap="none" normalizeH="0" baseline="0" dirty="0">
                 <a:ln>
@@ -7900,7 +7874,7 @@
           <p:cNvPr id="54" name="Rectangle 1">
             <a:extLst>
               <a:ext uri="{FF2B5EF4-FFF2-40B4-BE49-F238E27FC236}">
-                <a16:creationId xmlns="" xmlns:a16="http://schemas.microsoft.com/office/drawing/2014/main" id="{FFE5BAF0-90A9-481D-AAC3-4466B273C9B9}"/>
+                <a16:creationId xmlns:a16="http://schemas.microsoft.com/office/drawing/2014/main" id="{FFE5BAF0-90A9-481D-AAC3-4466B273C9B9}"/>
               </a:ext>
             </a:extLst>
           </p:cNvPr>
@@ -8099,7 +8073,7 @@
               <a:tabLst/>
             </a:pPr>
             <a:r>
-              <a:rPr kumimoji="0" lang="en-US" altLang="en-US" sz="1400" b="0" i="0" u="none" strike="noStrike" cap="none" normalizeH="0" baseline="0" dirty="0" smtClean="0">
+              <a:rPr kumimoji="0" lang="en-US" altLang="en-US" sz="1400" b="0" i="0" u="none" strike="noStrike" cap="none" normalizeH="0" baseline="0" dirty="0">
                 <a:ln>
                   <a:noFill/>
                 </a:ln>
@@ -8130,7 +8104,7 @@
               <a:tabLst/>
             </a:pPr>
             <a:r>
-              <a:rPr lang="en-US" altLang="en-US" sz="1400" dirty="0" smtClean="0">
+              <a:rPr lang="en-US" altLang="en-US" sz="1400" dirty="0">
                 <a:solidFill>
                   <a:srgbClr val="FF0000"/>
                 </a:solidFill>
@@ -8157,7 +8131,7 @@
               <a:tabLst/>
             </a:pPr>
             <a:r>
-              <a:rPr kumimoji="0" lang="en-US" altLang="en-US" sz="1400" b="0" i="0" u="none" strike="noStrike" cap="none" normalizeH="0" baseline="0" dirty="0" smtClean="0">
+              <a:rPr kumimoji="0" lang="en-US" altLang="en-US" sz="1400" b="0" i="0" u="none" strike="noStrike" cap="none" normalizeH="0" baseline="0" dirty="0">
                 <a:ln>
                   <a:noFill/>
                 </a:ln>
@@ -8186,7 +8160,7 @@
           <p:cNvPr id="55" name="Rectangle 1">
             <a:extLst>
               <a:ext uri="{FF2B5EF4-FFF2-40B4-BE49-F238E27FC236}">
-                <a16:creationId xmlns="" xmlns:a16="http://schemas.microsoft.com/office/drawing/2014/main" id="{FFE5BAF0-90A9-481D-AAC3-4466B273C9B9}"/>
+                <a16:creationId xmlns:a16="http://schemas.microsoft.com/office/drawing/2014/main" id="{FFE5BAF0-90A9-481D-AAC3-4466B273C9B9}"/>
               </a:ext>
             </a:extLst>
           </p:cNvPr>
@@ -8385,7 +8359,7 @@
               <a:tabLst/>
             </a:pPr>
             <a:r>
-              <a:rPr kumimoji="0" lang="en-US" altLang="en-US" sz="1400" b="0" i="0" u="none" strike="noStrike" cap="none" normalizeH="0" baseline="0" dirty="0" smtClean="0">
+              <a:rPr kumimoji="0" lang="en-US" altLang="en-US" sz="1400" b="0" i="0" u="none" strike="noStrike" cap="none" normalizeH="0" baseline="0" dirty="0">
                 <a:ln>
                   <a:noFill/>
                 </a:ln>
@@ -8415,7 +8389,7 @@
               <a:tabLst/>
             </a:pPr>
             <a:r>
-              <a:rPr lang="en-US" altLang="en-US" sz="1400" dirty="0" smtClean="0">
+              <a:rPr lang="en-US" altLang="en-US" sz="1400" dirty="0">
                 <a:solidFill>
                   <a:srgbClr val="FF0000"/>
                 </a:solidFill>
@@ -8441,7 +8415,7 @@
               <a:tabLst/>
             </a:pPr>
             <a:r>
-              <a:rPr kumimoji="0" lang="en-US" altLang="en-US" sz="1400" b="0" i="0" u="none" strike="noStrike" cap="none" normalizeH="0" baseline="0" dirty="0" smtClean="0">
+              <a:rPr kumimoji="0" lang="en-US" altLang="en-US" sz="1400" b="0" i="0" u="none" strike="noStrike" cap="none" normalizeH="0" baseline="0" dirty="0">
                 <a:ln>
                   <a:noFill/>
                 </a:ln>
@@ -8471,7 +8445,7 @@
               <a:tabLst/>
             </a:pPr>
             <a:r>
-              <a:rPr lang="en-US" altLang="en-US" sz="1400" dirty="0" smtClean="0">
+              <a:rPr lang="en-US" altLang="en-US" sz="1400" dirty="0">
                 <a:solidFill>
                   <a:srgbClr val="FF0000"/>
                 </a:solidFill>
@@ -8544,7 +8518,7 @@
                 <a:buChar char="•"/>
               </a:pPr>
               <a:r>
-                <a:rPr lang="en-US" sz="1400" b="1" i="1" dirty="0" smtClean="0">
+                <a:rPr lang="en-US" sz="1400" b="1" i="1" dirty="0">
                   <a:solidFill>
                     <a:srgbClr val="FF0000"/>
                   </a:solidFill>
@@ -8552,7 +8526,7 @@
                 <a:t>PARTNER_WRITE("</a:t>
               </a:r>
               <a:r>
-                <a:rPr lang="en-US" sz="1400" b="1" i="1" dirty="0" err="1" smtClean="0">
+                <a:rPr lang="en-US" sz="1400" b="1" i="1" dirty="0" err="1">
                   <a:solidFill>
                     <a:srgbClr val="FF0000"/>
                   </a:solidFill>
@@ -8560,7 +8534,7 @@
                 <a:t>partner:write</a:t>
               </a:r>
               <a:r>
-                <a:rPr lang="en-US" sz="1400" b="1" i="1" dirty="0" smtClean="0">
+                <a:rPr lang="en-US" sz="1400" b="1" i="1" dirty="0">
                   <a:solidFill>
                     <a:srgbClr val="FF0000"/>
                   </a:solidFill>
@@ -8574,7 +8548,7 @@
                 <a:buChar char="•"/>
               </a:pPr>
               <a:r>
-                <a:rPr lang="en-US" sz="1400" b="1" dirty="0" smtClean="0">
+                <a:rPr lang="en-US" sz="1400" b="1" dirty="0">
                   <a:solidFill>
                     <a:srgbClr val="FF0000"/>
                   </a:solidFill>
@@ -8582,7 +8556,7 @@
                 <a:t>PARTNER_READ(“</a:t>
               </a:r>
               <a:r>
-                <a:rPr lang="en-US" sz="1400" b="1" dirty="0" err="1" smtClean="0">
+                <a:rPr lang="en-US" sz="1400" b="1" dirty="0" err="1">
                   <a:solidFill>
                     <a:srgbClr val="FF0000"/>
                   </a:solidFill>
@@ -8590,7 +8564,7 @@
                 <a:t>partner:read</a:t>
               </a:r>
               <a:r>
-                <a:rPr lang="en-US" sz="1400" b="1" dirty="0" smtClean="0">
+                <a:rPr lang="en-US" sz="1400" b="1" dirty="0">
                   <a:solidFill>
                     <a:srgbClr val="FF0000"/>
                   </a:solidFill>
@@ -8604,7 +8578,7 @@
                 <a:buChar char="•"/>
               </a:pPr>
               <a:r>
-                <a:rPr lang="en-US" sz="1400" b="1" dirty="0" smtClean="0">
+                <a:rPr lang="en-US" sz="1400" b="1" dirty="0">
                   <a:solidFill>
                     <a:srgbClr val="FF0000"/>
                   </a:solidFill>
@@ -8612,7 +8586,7 @@
                 <a:t>SEARCH_ALL(“</a:t>
               </a:r>
               <a:r>
-                <a:rPr lang="en-US" sz="1400" b="1" dirty="0" err="1" smtClean="0">
+                <a:rPr lang="en-US" sz="1400" b="1" dirty="0" err="1">
                   <a:solidFill>
                     <a:srgbClr val="FF0000"/>
                   </a:solidFill>
@@ -8620,18 +8594,13 @@
                 <a:t>search:all</a:t>
               </a:r>
               <a:r>
-                <a:rPr lang="en-US" sz="1400" b="1" dirty="0" smtClean="0">
+                <a:rPr lang="en-US" sz="1400" b="1" dirty="0">
                   <a:solidFill>
                     <a:srgbClr val="FF0000"/>
                   </a:solidFill>
                 </a:rPr>
                 <a:t>”)</a:t>
               </a:r>
-              <a:endParaRPr lang="en-US" sz="1400" b="1" dirty="0">
-                <a:solidFill>
-                  <a:srgbClr val="FF0000"/>
-                </a:solidFill>
-              </a:endParaRPr>
             </a:p>
           </p:txBody>
         </p:sp>
@@ -8658,10 +8627,9 @@
             <a:lstStyle/>
             <a:p>
               <a:r>
-                <a:rPr lang="en-US" dirty="0" smtClean="0"/>
+                <a:rPr lang="en-US" dirty="0"/>
                 <a:t>Permissions</a:t>
               </a:r>
-              <a:endParaRPr lang="en-US" dirty="0"/>
             </a:p>
           </p:txBody>
         </p:sp>
@@ -8720,7 +8688,7 @@
                 <a:buChar char="•"/>
               </a:pPr>
               <a:r>
-                <a:rPr lang="en-US" sz="1400" i="1" dirty="0" smtClean="0">
+                <a:rPr lang="en-US" sz="1400" i="1" dirty="0">
                   <a:solidFill>
                     <a:srgbClr val="FF0000"/>
                   </a:solidFill>
@@ -8753,10 +8721,9 @@
             <a:lstStyle/>
             <a:p>
               <a:r>
-                <a:rPr lang="en-US" dirty="0" smtClean="0"/>
+                <a:rPr lang="en-US" dirty="0"/>
                 <a:t>ROLE</a:t>
               </a:r>
-              <a:endParaRPr lang="en-US" dirty="0"/>
             </a:p>
           </p:txBody>
         </p:sp>
@@ -8879,7 +8846,7 @@
                 <a:buChar char="•"/>
               </a:pPr>
               <a:r>
-                <a:rPr lang="en-US" sz="1400" i="1" dirty="0" smtClean="0">
+                <a:rPr lang="en-US" sz="1400" i="1" dirty="0">
                   <a:solidFill>
                     <a:srgbClr val="FF0000"/>
                   </a:solidFill>
@@ -8887,7 +8854,7 @@
                 <a:t>ADMIN(</a:t>
               </a:r>
               <a:r>
-                <a:rPr lang="en-US" sz="1400" u="sng" dirty="0" smtClean="0">
+                <a:rPr lang="en-US" sz="1400" u="sng" dirty="0">
                   <a:solidFill>
                     <a:srgbClr val="FF0000"/>
                   </a:solidFill>
@@ -8895,7 +8862,7 @@
                 <a:t>PARTNER_WRITE,PARTNER_READ,SEARCH_ALL</a:t>
               </a:r>
               <a:r>
-                <a:rPr lang="en-US" sz="1400" i="1" dirty="0" smtClean="0">
+                <a:rPr lang="en-US" sz="1400" i="1" dirty="0">
                   <a:solidFill>
                     <a:srgbClr val="FF0000"/>
                   </a:solidFill>
@@ -8933,10 +8900,9 @@
             <a:lstStyle/>
             <a:p>
               <a:r>
-                <a:rPr lang="en-US" dirty="0" smtClean="0"/>
+                <a:rPr lang="en-US" dirty="0"/>
                 <a:t>ADMIN ROLE</a:t>
               </a:r>
-              <a:endParaRPr lang="en-US" dirty="0"/>
             </a:p>
           </p:txBody>
         </p:sp>
@@ -9093,7 +9059,7 @@
           <a:lstStyle/>
           <a:p>
             <a:r>
-              <a:rPr lang="en-US" dirty="0" smtClean="0"/>
+              <a:rPr lang="en-US" dirty="0"/>
               <a:t>Admin can access</a:t>
             </a:r>
           </a:p>
@@ -9103,7 +9069,7 @@
               <a:buChar char="•"/>
             </a:pPr>
             <a:r>
-              <a:rPr lang="en-US" dirty="0" smtClean="0"/>
+              <a:rPr lang="en-US" dirty="0"/>
               <a:t>/search/**</a:t>
             </a:r>
           </a:p>
@@ -9113,10 +9079,9 @@
               <a:buChar char="•"/>
             </a:pPr>
             <a:r>
-              <a:rPr lang="en-US" dirty="0" smtClean="0"/>
+              <a:rPr lang="en-US" dirty="0"/>
               <a:t>/partner/***</a:t>
             </a:r>
-            <a:endParaRPr lang="en-US" dirty="0"/>
           </a:p>
         </p:txBody>
       </p:sp>
@@ -9153,7 +9118,7 @@
           <a:lstStyle/>
           <a:p>
             <a:r>
-              <a:rPr lang="en-US" dirty="0" smtClean="0"/>
+              <a:rPr lang="en-US" dirty="0"/>
               <a:t>Public can access</a:t>
             </a:r>
           </a:p>
@@ -9163,10 +9128,9 @@
               <a:buChar char="•"/>
             </a:pPr>
             <a:r>
-              <a:rPr lang="en-US" dirty="0" smtClean="0"/>
+              <a:rPr lang="en-US" dirty="0"/>
               <a:t>/search/**</a:t>
             </a:r>
-            <a:endParaRPr lang="en-US" dirty="0"/>
           </a:p>
         </p:txBody>
       </p:sp>
@@ -9193,10 +9157,9 @@
           <a:lstStyle/>
           <a:p>
             <a:r>
-              <a:rPr lang="en-US" b="1" u="sng" dirty="0" smtClean="0"/>
+              <a:rPr lang="en-US" b="1" u="sng" dirty="0"/>
               <a:t>ROLE BASED Authentication</a:t>
             </a:r>
-            <a:endParaRPr lang="en-US" b="1" u="sng" dirty="0"/>
           </a:p>
         </p:txBody>
       </p:sp>
@@ -9341,7 +9304,7 @@
                 <p:cNvPr id="8" name="Rectangle: Rounded Corners 1">
                   <a:extLst>
                     <a:ext uri="{FF2B5EF4-FFF2-40B4-BE49-F238E27FC236}">
-                      <a16:creationId xmlns="" xmlns:a16="http://schemas.microsoft.com/office/drawing/2014/main" id="{229043B8-923C-4A63-923B-ED47AB6F3179}"/>
+                      <a16:creationId xmlns:a16="http://schemas.microsoft.com/office/drawing/2014/main" id="{229043B8-923C-4A63-923B-ED47AB6F3179}"/>
                     </a:ext>
                   </a:extLst>
                 </p:cNvPr>
@@ -9384,7 +9347,7 @@
                 <a:p>
                   <a:pPr algn="ctr"/>
                   <a:r>
-                    <a:rPr lang="en-IN" sz="1800" dirty="0" smtClean="0">
+                    <a:rPr lang="en-IN" sz="1800" dirty="0">
                       <a:solidFill>
                         <a:srgbClr val="000000"/>
                       </a:solidFill>
@@ -9401,7 +9364,7 @@
                 <p:cNvPr id="9" name="Rectangle 1">
                   <a:extLst>
                     <a:ext uri="{FF2B5EF4-FFF2-40B4-BE49-F238E27FC236}">
-                      <a16:creationId xmlns="" xmlns:a16="http://schemas.microsoft.com/office/drawing/2014/main" id="{FFE5BAF0-90A9-481D-AAC3-4466B273C9B9}"/>
+                      <a16:creationId xmlns:a16="http://schemas.microsoft.com/office/drawing/2014/main" id="{FFE5BAF0-90A9-481D-AAC3-4466B273C9B9}"/>
                     </a:ext>
                   </a:extLst>
                 </p:cNvPr>
@@ -9656,7 +9619,7 @@
                 <p:cNvPr id="10" name="Rectangle 1">
                   <a:extLst>
                     <a:ext uri="{FF2B5EF4-FFF2-40B4-BE49-F238E27FC236}">
-                      <a16:creationId xmlns="" xmlns:a16="http://schemas.microsoft.com/office/drawing/2014/main" id="{4A5862E7-0045-43EA-8731-76AF0AFFEB2B}"/>
+                      <a16:creationId xmlns:a16="http://schemas.microsoft.com/office/drawing/2014/main" id="{4A5862E7-0045-43EA-8731-76AF0AFFEB2B}"/>
                     </a:ext>
                   </a:extLst>
                 </p:cNvPr>
@@ -9927,7 +9890,7 @@
                   <a:t>@</a:t>
                 </a:r>
                 <a:r>
-                  <a:rPr lang="en-US" sz="1200" dirty="0" err="1" smtClean="0"/>
+                  <a:rPr lang="en-US" sz="1200" dirty="0" err="1"/>
                   <a:t>EnableWebSecurityc</a:t>
                 </a:r>
                 <a:endParaRPr lang="en-US" sz="1200" dirty="0"/>
@@ -9962,7 +9925,6 @@
                   <a:rPr lang="en-US" sz="1200" dirty="0"/>
                   <a:t>spring-boot-starter-security</a:t>
                 </a:r>
-                <a:endParaRPr lang="en-US" sz="1200" dirty="0"/>
               </a:p>
             </p:txBody>
           </p:sp>
@@ -9972,7 +9934,7 @@
             <p:cNvPr id="4" name="Rectangle 1">
               <a:extLst>
                 <a:ext uri="{FF2B5EF4-FFF2-40B4-BE49-F238E27FC236}">
-                  <a16:creationId xmlns="" xmlns:a16="http://schemas.microsoft.com/office/drawing/2014/main" id="{7ACE0809-F724-4F82-8F30-59BB9374E8CB}"/>
+                  <a16:creationId xmlns:a16="http://schemas.microsoft.com/office/drawing/2014/main" id="{7ACE0809-F724-4F82-8F30-59BB9374E8CB}"/>
                 </a:ext>
               </a:extLst>
             </p:cNvPr>
@@ -10160,7 +10122,7 @@
                 <a:t>@</a:t>
               </a:r>
               <a:r>
-                <a:rPr lang="en-US" sz="1000" dirty="0" err="1" smtClean="0"/>
+                <a:rPr lang="en-US" sz="1000" dirty="0" err="1"/>
                 <a:t>SpringBootApplication</a:t>
               </a:r>
               <a:endParaRPr kumimoji="0" lang="en-US" altLang="en-US" sz="1000" b="0" i="0" u="none" strike="noStrike" cap="none" normalizeH="0" baseline="0" dirty="0">
@@ -10223,7 +10185,7 @@
                 <p:cNvPr id="17" name="Rectangle: Rounded Corners 1">
                   <a:extLst>
                     <a:ext uri="{FF2B5EF4-FFF2-40B4-BE49-F238E27FC236}">
-                      <a16:creationId xmlns="" xmlns:a16="http://schemas.microsoft.com/office/drawing/2014/main" id="{229043B8-923C-4A63-923B-ED47AB6F3179}"/>
+                      <a16:creationId xmlns:a16="http://schemas.microsoft.com/office/drawing/2014/main" id="{229043B8-923C-4A63-923B-ED47AB6F3179}"/>
                     </a:ext>
                   </a:extLst>
                 </p:cNvPr>
@@ -10266,7 +10228,7 @@
                 <a:p>
                   <a:pPr algn="ctr"/>
                   <a:r>
-                    <a:rPr lang="en-IN" sz="1800" dirty="0" smtClean="0">
+                    <a:rPr lang="en-IN" sz="1800" dirty="0">
                       <a:solidFill>
                         <a:srgbClr val="000000"/>
                       </a:solidFill>
@@ -10283,7 +10245,7 @@
                 <p:cNvPr id="18" name="Rectangle 1">
                   <a:extLst>
                     <a:ext uri="{FF2B5EF4-FFF2-40B4-BE49-F238E27FC236}">
-                      <a16:creationId xmlns="" xmlns:a16="http://schemas.microsoft.com/office/drawing/2014/main" id="{FFE5BAF0-90A9-481D-AAC3-4466B273C9B9}"/>
+                      <a16:creationId xmlns:a16="http://schemas.microsoft.com/office/drawing/2014/main" id="{FFE5BAF0-90A9-481D-AAC3-4466B273C9B9}"/>
                     </a:ext>
                   </a:extLst>
                 </p:cNvPr>
@@ -10550,7 +10512,7 @@
                 <p:cNvPr id="19" name="Rectangle 1">
                   <a:extLst>
                     <a:ext uri="{FF2B5EF4-FFF2-40B4-BE49-F238E27FC236}">
-                      <a16:creationId xmlns="" xmlns:a16="http://schemas.microsoft.com/office/drawing/2014/main" id="{4A5862E7-0045-43EA-8731-76AF0AFFEB2B}"/>
+                      <a16:creationId xmlns:a16="http://schemas.microsoft.com/office/drawing/2014/main" id="{4A5862E7-0045-43EA-8731-76AF0AFFEB2B}"/>
                     </a:ext>
                   </a:extLst>
                 </p:cNvPr>
@@ -10821,7 +10783,7 @@
                   <a:t>@</a:t>
                 </a:r>
                 <a:r>
-                  <a:rPr lang="en-US" sz="1200" dirty="0" err="1" smtClean="0"/>
+                  <a:rPr lang="en-US" sz="1200" dirty="0" err="1"/>
                   <a:t>EnableWebSecurity</a:t>
                 </a:r>
                 <a:endParaRPr lang="en-US" sz="1200" dirty="0"/>
@@ -10856,7 +10818,6 @@
                   <a:rPr lang="en-US" sz="1200" dirty="0"/>
                   <a:t>spring-boot-starter-security</a:t>
                 </a:r>
-                <a:endParaRPr lang="en-US" sz="1200" dirty="0"/>
               </a:p>
             </p:txBody>
           </p:sp>
@@ -10866,7 +10827,7 @@
             <p:cNvPr id="13" name="Rectangle 1">
               <a:extLst>
                 <a:ext uri="{FF2B5EF4-FFF2-40B4-BE49-F238E27FC236}">
-                  <a16:creationId xmlns="" xmlns:a16="http://schemas.microsoft.com/office/drawing/2014/main" id="{7ACE0809-F724-4F82-8F30-59BB9374E8CB}"/>
+                  <a16:creationId xmlns:a16="http://schemas.microsoft.com/office/drawing/2014/main" id="{7ACE0809-F724-4F82-8F30-59BB9374E8CB}"/>
                 </a:ext>
               </a:extLst>
             </p:cNvPr>
@@ -11068,20 +11029,7 @@
                   <a:effectLst/>
                   <a:latin typeface="charter"/>
                 </a:rPr>
-                <a:t> </a:t>
-              </a:r>
-              <a:r>
-                <a:rPr kumimoji="0" lang="en-US" altLang="en-US" sz="1000" b="0" i="0" u="none" strike="noStrike" cap="none" normalizeH="0" baseline="0" dirty="0" smtClean="0">
-                  <a:ln>
-                    <a:noFill/>
-                  </a:ln>
-                  <a:solidFill>
-                    <a:srgbClr val="292929"/>
-                  </a:solidFill>
-                  <a:effectLst/>
-                  <a:latin typeface="charter"/>
-                </a:rPr>
-                <a:t>c</a:t>
+                <a:t> c</a:t>
               </a:r>
               <a:endParaRPr kumimoji="0" lang="en-US" altLang="en-US" sz="1000" b="0" i="0" u="none" strike="noStrike" cap="none" normalizeH="0" baseline="0" dirty="0">
                 <a:ln>
@@ -11101,7 +11049,7 @@
           <p:cNvPr id="20" name="Rectangle 1">
             <a:extLst>
               <a:ext uri="{FF2B5EF4-FFF2-40B4-BE49-F238E27FC236}">
-                <a16:creationId xmlns="" xmlns:a16="http://schemas.microsoft.com/office/drawing/2014/main" id="{FFE5BAF0-90A9-481D-AAC3-4466B273C9B9}"/>
+                <a16:creationId xmlns:a16="http://schemas.microsoft.com/office/drawing/2014/main" id="{FFE5BAF0-90A9-481D-AAC3-4466B273C9B9}"/>
               </a:ext>
             </a:extLst>
           </p:cNvPr>
@@ -11300,7 +11248,7 @@
               <a:tabLst/>
             </a:pPr>
             <a:r>
-              <a:rPr kumimoji="0" lang="en-US" altLang="en-US" sz="1400" b="0" i="0" u="none" strike="noStrike" cap="none" normalizeH="0" baseline="0" dirty="0" smtClean="0">
+              <a:rPr kumimoji="0" lang="en-US" altLang="en-US" sz="1400" b="0" i="0" u="none" strike="noStrike" cap="none" normalizeH="0" baseline="0" dirty="0">
                 <a:ln>
                   <a:noFill/>
                 </a:ln>
@@ -11331,7 +11279,7 @@
               <a:tabLst/>
             </a:pPr>
             <a:r>
-              <a:rPr lang="en-US" altLang="en-US" sz="1400" dirty="0" smtClean="0">
+              <a:rPr lang="en-US" altLang="en-US" sz="1400" dirty="0">
                 <a:solidFill>
                   <a:srgbClr val="FF0000"/>
                 </a:solidFill>
@@ -11358,7 +11306,7 @@
               <a:tabLst/>
             </a:pPr>
             <a:r>
-              <a:rPr kumimoji="0" lang="en-US" altLang="en-US" sz="1400" b="0" i="0" u="none" strike="noStrike" cap="none" normalizeH="0" baseline="0" dirty="0" smtClean="0">
+              <a:rPr kumimoji="0" lang="en-US" altLang="en-US" sz="1400" b="0" i="0" u="none" strike="noStrike" cap="none" normalizeH="0" baseline="0" dirty="0">
                 <a:ln>
                   <a:noFill/>
                 </a:ln>
@@ -11387,7 +11335,7 @@
           <p:cNvPr id="21" name="Rectangle 1">
             <a:extLst>
               <a:ext uri="{FF2B5EF4-FFF2-40B4-BE49-F238E27FC236}">
-                <a16:creationId xmlns="" xmlns:a16="http://schemas.microsoft.com/office/drawing/2014/main" id="{FFE5BAF0-90A9-481D-AAC3-4466B273C9B9}"/>
+                <a16:creationId xmlns:a16="http://schemas.microsoft.com/office/drawing/2014/main" id="{FFE5BAF0-90A9-481D-AAC3-4466B273C9B9}"/>
               </a:ext>
             </a:extLst>
           </p:cNvPr>
@@ -11586,7 +11534,7 @@
               <a:tabLst/>
             </a:pPr>
             <a:r>
-              <a:rPr kumimoji="0" lang="en-US" altLang="en-US" sz="1400" b="0" i="0" u="none" strike="noStrike" cap="none" normalizeH="0" baseline="0" dirty="0" smtClean="0">
+              <a:rPr kumimoji="0" lang="en-US" altLang="en-US" sz="1400" b="0" i="0" u="none" strike="noStrike" cap="none" normalizeH="0" baseline="0" dirty="0">
                 <a:ln>
                   <a:noFill/>
                 </a:ln>
@@ -11616,7 +11564,7 @@
               <a:tabLst/>
             </a:pPr>
             <a:r>
-              <a:rPr lang="en-US" altLang="en-US" sz="1400" dirty="0" smtClean="0">
+              <a:rPr lang="en-US" altLang="en-US" sz="1400" dirty="0">
                 <a:solidFill>
                   <a:srgbClr val="FF0000"/>
                 </a:solidFill>
@@ -11642,7 +11590,7 @@
               <a:tabLst/>
             </a:pPr>
             <a:r>
-              <a:rPr kumimoji="0" lang="en-US" altLang="en-US" sz="1400" b="0" i="0" u="none" strike="noStrike" cap="none" normalizeH="0" baseline="0" dirty="0" smtClean="0">
+              <a:rPr kumimoji="0" lang="en-US" altLang="en-US" sz="1400" b="0" i="0" u="none" strike="noStrike" cap="none" normalizeH="0" baseline="0" dirty="0">
                 <a:ln>
                   <a:noFill/>
                 </a:ln>
@@ -11672,7 +11620,7 @@
               <a:tabLst/>
             </a:pPr>
             <a:r>
-              <a:rPr lang="en-US" altLang="en-US" sz="1400" dirty="0" smtClean="0">
+              <a:rPr lang="en-US" altLang="en-US" sz="1400" dirty="0">
                 <a:solidFill>
                   <a:srgbClr val="FF0000"/>
                 </a:solidFill>
@@ -11745,7 +11693,7 @@
                 <a:buChar char="•"/>
               </a:pPr>
               <a:r>
-                <a:rPr lang="en-US" sz="1400" b="1" i="1" dirty="0" smtClean="0">
+                <a:rPr lang="en-US" sz="1400" b="1" i="1" dirty="0">
                   <a:solidFill>
                     <a:srgbClr val="FF0000"/>
                   </a:solidFill>
@@ -11753,7 +11701,7 @@
                 <a:t>PARTNER_WRITE("</a:t>
               </a:r>
               <a:r>
-                <a:rPr lang="en-US" sz="1400" b="1" i="1" dirty="0" err="1" smtClean="0">
+                <a:rPr lang="en-US" sz="1400" b="1" i="1" dirty="0" err="1">
                   <a:solidFill>
                     <a:srgbClr val="FF0000"/>
                   </a:solidFill>
@@ -11761,7 +11709,7 @@
                 <a:t>partner:write</a:t>
               </a:r>
               <a:r>
-                <a:rPr lang="en-US" sz="1400" b="1" i="1" dirty="0" smtClean="0">
+                <a:rPr lang="en-US" sz="1400" b="1" i="1" dirty="0">
                   <a:solidFill>
                     <a:srgbClr val="FF0000"/>
                   </a:solidFill>
@@ -11775,7 +11723,7 @@
                 <a:buChar char="•"/>
               </a:pPr>
               <a:r>
-                <a:rPr lang="en-US" sz="1400" b="1" dirty="0" smtClean="0">
+                <a:rPr lang="en-US" sz="1400" b="1" dirty="0">
                   <a:solidFill>
                     <a:srgbClr val="FF0000"/>
                   </a:solidFill>
@@ -11783,7 +11731,7 @@
                 <a:t>PARTNER_READ(“</a:t>
               </a:r>
               <a:r>
-                <a:rPr lang="en-US" sz="1400" b="1" dirty="0" err="1" smtClean="0">
+                <a:rPr lang="en-US" sz="1400" b="1" dirty="0" err="1">
                   <a:solidFill>
                     <a:srgbClr val="FF0000"/>
                   </a:solidFill>
@@ -11791,7 +11739,7 @@
                 <a:t>partner:read</a:t>
               </a:r>
               <a:r>
-                <a:rPr lang="en-US" sz="1400" b="1" dirty="0" smtClean="0">
+                <a:rPr lang="en-US" sz="1400" b="1" dirty="0">
                   <a:solidFill>
                     <a:srgbClr val="FF0000"/>
                   </a:solidFill>
@@ -11805,7 +11753,7 @@
                 <a:buChar char="•"/>
               </a:pPr>
               <a:r>
-                <a:rPr lang="en-US" sz="1400" b="1" dirty="0" smtClean="0">
+                <a:rPr lang="en-US" sz="1400" b="1" dirty="0">
                   <a:solidFill>
                     <a:srgbClr val="FF0000"/>
                   </a:solidFill>
@@ -11813,7 +11761,7 @@
                 <a:t>SEARCH_ALL(“</a:t>
               </a:r>
               <a:r>
-                <a:rPr lang="en-US" sz="1400" b="1" dirty="0" err="1" smtClean="0">
+                <a:rPr lang="en-US" sz="1400" b="1" dirty="0" err="1">
                   <a:solidFill>
                     <a:srgbClr val="FF0000"/>
                   </a:solidFill>
@@ -11821,18 +11769,13 @@
                 <a:t>search:all</a:t>
               </a:r>
               <a:r>
-                <a:rPr lang="en-US" sz="1400" b="1" dirty="0" smtClean="0">
+                <a:rPr lang="en-US" sz="1400" b="1" dirty="0">
                   <a:solidFill>
                     <a:srgbClr val="FF0000"/>
                   </a:solidFill>
                 </a:rPr>
                 <a:t>”)</a:t>
               </a:r>
-              <a:endParaRPr lang="en-US" sz="1400" b="1" dirty="0">
-                <a:solidFill>
-                  <a:srgbClr val="FF0000"/>
-                </a:solidFill>
-              </a:endParaRPr>
             </a:p>
           </p:txBody>
         </p:sp>
@@ -11859,10 +11802,9 @@
             <a:lstStyle/>
             <a:p>
               <a:r>
-                <a:rPr lang="en-US" dirty="0" smtClean="0"/>
+                <a:rPr lang="en-US" dirty="0"/>
                 <a:t>Permissions</a:t>
               </a:r>
-              <a:endParaRPr lang="en-US" dirty="0"/>
             </a:p>
           </p:txBody>
         </p:sp>
@@ -11921,7 +11863,7 @@
                 <a:buChar char="•"/>
               </a:pPr>
               <a:r>
-                <a:rPr lang="en-US" sz="1400" i="1" dirty="0" smtClean="0">
+                <a:rPr lang="en-US" sz="1400" i="1" dirty="0">
                   <a:solidFill>
                     <a:srgbClr val="FF0000"/>
                   </a:solidFill>
@@ -11954,10 +11896,9 @@
             <a:lstStyle/>
             <a:p>
               <a:r>
-                <a:rPr lang="en-US" dirty="0" smtClean="0"/>
+                <a:rPr lang="en-US" dirty="0"/>
                 <a:t>ROLE</a:t>
               </a:r>
-              <a:endParaRPr lang="en-US" dirty="0"/>
             </a:p>
           </p:txBody>
         </p:sp>
@@ -12016,7 +11957,7 @@
                 <a:buChar char="•"/>
               </a:pPr>
               <a:r>
-                <a:rPr lang="en-US" sz="1400" i="1" dirty="0" smtClean="0">
+                <a:rPr lang="en-US" sz="1400" i="1" dirty="0">
                   <a:solidFill>
                     <a:srgbClr val="FF0000"/>
                   </a:solidFill>
@@ -12024,7 +11965,7 @@
                 <a:t>ADMIN(</a:t>
               </a:r>
               <a:r>
-                <a:rPr lang="en-US" sz="1400" u="sng" dirty="0" smtClean="0">
+                <a:rPr lang="en-US" sz="1400" u="sng" dirty="0">
                   <a:solidFill>
                     <a:srgbClr val="FF0000"/>
                   </a:solidFill>
@@ -12032,7 +11973,7 @@
                 <a:t>PARTNER_WRITE,PARTNER_READ,SEARCH_ALL</a:t>
               </a:r>
               <a:r>
-                <a:rPr lang="en-US" sz="1400" i="1" dirty="0" smtClean="0">
+                <a:rPr lang="en-US" sz="1400" i="1" dirty="0">
                   <a:solidFill>
                     <a:srgbClr val="FF0000"/>
                   </a:solidFill>
@@ -12070,10 +12011,9 @@
             <a:lstStyle/>
             <a:p>
               <a:r>
-                <a:rPr lang="en-US" dirty="0" smtClean="0"/>
+                <a:rPr lang="en-US" dirty="0"/>
                 <a:t>ADMIN ROLE</a:t>
               </a:r>
-              <a:endParaRPr lang="en-US" dirty="0"/>
             </a:p>
           </p:txBody>
         </p:sp>
@@ -12230,7 +12170,7 @@
           <a:lstStyle/>
           <a:p>
             <a:r>
-              <a:rPr lang="en-US" dirty="0" smtClean="0"/>
+              <a:rPr lang="en-US" dirty="0"/>
               <a:t>Admin can access</a:t>
             </a:r>
           </a:p>
@@ -12240,7 +12180,7 @@
               <a:buChar char="•"/>
             </a:pPr>
             <a:r>
-              <a:rPr lang="en-US" dirty="0" smtClean="0"/>
+              <a:rPr lang="en-US" dirty="0"/>
               <a:t>/search/**</a:t>
             </a:r>
           </a:p>
@@ -12250,10 +12190,9 @@
               <a:buChar char="•"/>
             </a:pPr>
             <a:r>
-              <a:rPr lang="en-US" dirty="0" smtClean="0"/>
+              <a:rPr lang="en-US" dirty="0"/>
               <a:t>/partner/***</a:t>
             </a:r>
-            <a:endParaRPr lang="en-US" dirty="0"/>
           </a:p>
         </p:txBody>
       </p:sp>
@@ -12290,7 +12229,7 @@
           <a:lstStyle/>
           <a:p>
             <a:r>
-              <a:rPr lang="en-US" dirty="0" smtClean="0"/>
+              <a:rPr lang="en-US" dirty="0"/>
               <a:t>Public can access</a:t>
             </a:r>
           </a:p>
@@ -12300,10 +12239,9 @@
               <a:buChar char="•"/>
             </a:pPr>
             <a:r>
-              <a:rPr lang="en-US" dirty="0" smtClean="0"/>
+              <a:rPr lang="en-US" dirty="0"/>
               <a:t>/search/**</a:t>
             </a:r>
-            <a:endParaRPr lang="en-US" dirty="0"/>
           </a:p>
         </p:txBody>
       </p:sp>
@@ -12330,10 +12268,9 @@
           <a:lstStyle/>
           <a:p>
             <a:r>
-              <a:rPr lang="en-US" b="1" u="sng" dirty="0" smtClean="0"/>
+              <a:rPr lang="en-US" b="1" u="sng" dirty="0"/>
               <a:t>Permission/Authority BASED Authentication</a:t>
             </a:r>
-            <a:endParaRPr lang="en-US" b="1" u="sng" dirty="0"/>
           </a:p>
         </p:txBody>
       </p:sp>
@@ -12502,11 +12439,11 @@
           <a:p>
             <a:pPr algn="ctr"/>
             <a:r>
-              <a:rPr lang="en-US" dirty="0" smtClean="0"/>
+              <a:rPr lang="en-US" dirty="0"/>
               <a:t>@</a:t>
             </a:r>
             <a:r>
-              <a:rPr lang="en-US" dirty="0" err="1" smtClean="0"/>
+              <a:rPr lang="en-US" dirty="0" err="1"/>
               <a:t>PreAuthorize</a:t>
             </a:r>
             <a:endParaRPr lang="en-US" dirty="0"/>
@@ -12636,7 +12573,7 @@
           <p:cNvPr id="54" name="Rectangle 1">
             <a:extLst>
               <a:ext uri="{FF2B5EF4-FFF2-40B4-BE49-F238E27FC236}">
-                <a16:creationId xmlns="" xmlns:a16="http://schemas.microsoft.com/office/drawing/2014/main" id="{FFE5BAF0-90A9-481D-AAC3-4466B273C9B9}"/>
+                <a16:creationId xmlns:a16="http://schemas.microsoft.com/office/drawing/2014/main" id="{FFE5BAF0-90A9-481D-AAC3-4466B273C9B9}"/>
               </a:ext>
             </a:extLst>
           </p:cNvPr>
@@ -12835,7 +12772,7 @@
               <a:tabLst/>
             </a:pPr>
             <a:r>
-              <a:rPr kumimoji="0" lang="en-US" altLang="en-US" sz="1100" b="0" i="0" u="none" strike="noStrike" cap="none" normalizeH="0" baseline="0" dirty="0" smtClean="0">
+              <a:rPr kumimoji="0" lang="en-US" altLang="en-US" sz="1100" b="0" i="0" u="none" strike="noStrike" cap="none" normalizeH="0" baseline="0" dirty="0">
                 <a:ln>
                   <a:noFill/>
                 </a:ln>
@@ -12848,7 +12785,7 @@
               <a:t>@</a:t>
             </a:r>
             <a:r>
-              <a:rPr kumimoji="0" lang="en-US" altLang="en-US" sz="1100" b="0" i="0" u="none" strike="noStrike" cap="none" normalizeH="0" baseline="0" dirty="0" err="1" smtClean="0">
+              <a:rPr kumimoji="0" lang="en-US" altLang="en-US" sz="1100" b="0" i="0" u="none" strike="noStrike" cap="none" normalizeH="0" baseline="0" dirty="0" err="1">
                 <a:ln>
                   <a:noFill/>
                 </a:ln>
@@ -12891,7 +12828,7 @@
           <p:cNvPr id="55" name="Rectangle 1">
             <a:extLst>
               <a:ext uri="{FF2B5EF4-FFF2-40B4-BE49-F238E27FC236}">
-                <a16:creationId xmlns="" xmlns:a16="http://schemas.microsoft.com/office/drawing/2014/main" id="{FFE5BAF0-90A9-481D-AAC3-4466B273C9B9}"/>
+                <a16:creationId xmlns:a16="http://schemas.microsoft.com/office/drawing/2014/main" id="{FFE5BAF0-90A9-481D-AAC3-4466B273C9B9}"/>
               </a:ext>
             </a:extLst>
           </p:cNvPr>
@@ -13090,7 +13027,7 @@
               <a:tabLst/>
             </a:pPr>
             <a:r>
-              <a:rPr kumimoji="0" lang="en-US" altLang="en-US" sz="1100" b="0" i="0" u="none" strike="noStrike" cap="none" normalizeH="0" baseline="0" dirty="0" smtClean="0">
+              <a:rPr kumimoji="0" lang="en-US" altLang="en-US" sz="1100" b="0" i="0" u="none" strike="noStrike" cap="none" normalizeH="0" baseline="0" dirty="0">
                 <a:ln>
                   <a:noFill/>
                 </a:ln>
@@ -13103,7 +13040,7 @@
               <a:t>@</a:t>
             </a:r>
             <a:r>
-              <a:rPr kumimoji="0" lang="en-US" altLang="en-US" sz="1100" b="0" i="0" u="none" strike="noStrike" cap="none" normalizeH="0" baseline="0" dirty="0" err="1" smtClean="0">
+              <a:rPr kumimoji="0" lang="en-US" altLang="en-US" sz="1100" b="0" i="0" u="none" strike="noStrike" cap="none" normalizeH="0" baseline="0" dirty="0" err="1">
                 <a:ln>
                   <a:noFill/>
                 </a:ln>
@@ -13145,6 +13082,224 @@
     <p:extLst>
       <p:ext uri="{BB962C8B-B14F-4D97-AF65-F5344CB8AC3E}">
         <p14:creationId xmlns:p14="http://schemas.microsoft.com/office/powerpoint/2010/main" val="3673710164"/>
+      </p:ext>
+    </p:extLst>
+  </p:cSld>
+  <p:clrMapOvr>
+    <a:masterClrMapping/>
+  </p:clrMapOvr>
+</p:sld>
+</file>
+
+<file path=ppt/slides/slide13.xml><?xml version="1.0" encoding="utf-8"?>
+<p:sld xmlns:a="http://schemas.openxmlformats.org/drawingml/2006/main" xmlns:r="http://schemas.openxmlformats.org/officeDocument/2006/relationships" xmlns:p="http://schemas.openxmlformats.org/presentationml/2006/main">
+  <p:cSld>
+    <p:spTree>
+      <p:nvGrpSpPr>
+        <p:cNvPr id="1" name=""/>
+        <p:cNvGrpSpPr/>
+        <p:nvPr/>
+      </p:nvGrpSpPr>
+      <p:grpSpPr>
+        <a:xfrm>
+          <a:off x="0" y="0"/>
+          <a:ext cx="0" cy="0"/>
+          <a:chOff x="0" y="0"/>
+          <a:chExt cx="0" cy="0"/>
+        </a:xfrm>
+      </p:grpSpPr>
+      <p:sp>
+        <p:nvSpPr>
+          <p:cNvPr id="2" name="TextBox 1">
+            <a:extLst>
+              <a:ext uri="{FF2B5EF4-FFF2-40B4-BE49-F238E27FC236}">
+                <a16:creationId xmlns:a16="http://schemas.microsoft.com/office/drawing/2014/main" id="{59FF71CE-4718-4998-A939-849367C126BB}"/>
+              </a:ext>
+            </a:extLst>
+          </p:cNvPr>
+          <p:cNvSpPr txBox="1"/>
+          <p:nvPr/>
+        </p:nvSpPr>
+        <p:spPr>
+          <a:xfrm>
+            <a:off x="4263624" y="0"/>
+            <a:ext cx="3388107" cy="369332"/>
+          </a:xfrm>
+          <a:prstGeom prst="rect">
+            <a:avLst/>
+          </a:prstGeom>
+          <a:noFill/>
+        </p:spPr>
+        <p:txBody>
+          <a:bodyPr wrap="none" rtlCol="0">
+            <a:spAutoFit/>
+          </a:bodyPr>
+          <a:lstStyle/>
+          <a:p>
+            <a:r>
+              <a:rPr lang="en-US" b="1" u="sng" dirty="0"/>
+              <a:t>CSRF – Cross Site Request Forgery</a:t>
+            </a:r>
+          </a:p>
+        </p:txBody>
+      </p:sp>
+      <p:grpSp>
+        <p:nvGrpSpPr>
+          <p:cNvPr id="9" name="Group 8">
+            <a:extLst>
+              <a:ext uri="{FF2B5EF4-FFF2-40B4-BE49-F238E27FC236}">
+                <a16:creationId xmlns:a16="http://schemas.microsoft.com/office/drawing/2014/main" id="{51336803-1319-4FC8-9B9F-9C372A22F983}"/>
+              </a:ext>
+            </a:extLst>
+          </p:cNvPr>
+          <p:cNvGrpSpPr/>
+          <p:nvPr/>
+        </p:nvGrpSpPr>
+        <p:grpSpPr>
+          <a:xfrm>
+            <a:off x="730956" y="1038578"/>
+            <a:ext cx="10148886" cy="1367170"/>
+            <a:chOff x="730956" y="1038578"/>
+            <a:chExt cx="10148886" cy="1367170"/>
+          </a:xfrm>
+        </p:grpSpPr>
+        <p:pic>
+          <p:nvPicPr>
+            <p:cNvPr id="4" name="Picture 3">
+              <a:extLst>
+                <a:ext uri="{FF2B5EF4-FFF2-40B4-BE49-F238E27FC236}">
+                  <a16:creationId xmlns:a16="http://schemas.microsoft.com/office/drawing/2014/main" id="{E1DB4102-09F1-49DC-8A0E-6DA1D369689A}"/>
+                </a:ext>
+              </a:extLst>
+            </p:cNvPr>
+            <p:cNvPicPr>
+              <a:picLocks noChangeAspect="1"/>
+            </p:cNvPicPr>
+            <p:nvPr/>
+          </p:nvPicPr>
+          <p:blipFill>
+            <a:blip r:embed="rId2"/>
+            <a:stretch>
+              <a:fillRect/>
+            </a:stretch>
+          </p:blipFill>
+          <p:spPr>
+            <a:xfrm>
+              <a:off x="730956" y="1929498"/>
+              <a:ext cx="4724400" cy="476250"/>
+            </a:xfrm>
+            <a:prstGeom prst="rect">
+              <a:avLst/>
+            </a:prstGeom>
+          </p:spPr>
+        </p:pic>
+        <p:pic>
+          <p:nvPicPr>
+            <p:cNvPr id="6" name="Picture 5">
+              <a:extLst>
+                <a:ext uri="{FF2B5EF4-FFF2-40B4-BE49-F238E27FC236}">
+                  <a16:creationId xmlns:a16="http://schemas.microsoft.com/office/drawing/2014/main" id="{A56076EB-E8ED-46B2-8428-D7449B933227}"/>
+                </a:ext>
+              </a:extLst>
+            </p:cNvPr>
+            <p:cNvPicPr>
+              <a:picLocks noChangeAspect="1"/>
+            </p:cNvPicPr>
+            <p:nvPr/>
+          </p:nvPicPr>
+          <p:blipFill>
+            <a:blip r:embed="rId3"/>
+            <a:stretch>
+              <a:fillRect/>
+            </a:stretch>
+          </p:blipFill>
+          <p:spPr>
+            <a:xfrm>
+              <a:off x="4450467" y="1266459"/>
+              <a:ext cx="6429375" cy="304800"/>
+            </a:xfrm>
+            <a:prstGeom prst="rect">
+              <a:avLst/>
+            </a:prstGeom>
+          </p:spPr>
+        </p:pic>
+        <p:sp>
+          <p:nvSpPr>
+            <p:cNvPr id="7" name="TextBox 6">
+              <a:extLst>
+                <a:ext uri="{FF2B5EF4-FFF2-40B4-BE49-F238E27FC236}">
+                  <a16:creationId xmlns:a16="http://schemas.microsoft.com/office/drawing/2014/main" id="{6241F056-6390-4B70-BEF6-58B3556C4186}"/>
+                </a:ext>
+              </a:extLst>
+            </p:cNvPr>
+            <p:cNvSpPr txBox="1"/>
+            <p:nvPr/>
+          </p:nvSpPr>
+          <p:spPr>
+            <a:xfrm>
+              <a:off x="1975556" y="1560166"/>
+              <a:ext cx="829394" cy="369332"/>
+            </a:xfrm>
+            <a:prstGeom prst="rect">
+              <a:avLst/>
+            </a:prstGeom>
+            <a:noFill/>
+          </p:spPr>
+          <p:txBody>
+            <a:bodyPr wrap="none" rtlCol="0">
+              <a:spAutoFit/>
+            </a:bodyPr>
+            <a:lstStyle/>
+            <a:p>
+              <a:r>
+                <a:rPr lang="en-US" dirty="0"/>
+                <a:t>Trigger</a:t>
+              </a:r>
+              <a:endParaRPr lang="en-IN" dirty="0"/>
+            </a:p>
+          </p:txBody>
+        </p:sp>
+        <p:sp>
+          <p:nvSpPr>
+            <p:cNvPr id="8" name="TextBox 7">
+              <a:extLst>
+                <a:ext uri="{FF2B5EF4-FFF2-40B4-BE49-F238E27FC236}">
+                  <a16:creationId xmlns:a16="http://schemas.microsoft.com/office/drawing/2014/main" id="{8FEB0888-ED11-440B-BF23-764F260D8FB5}"/>
+                </a:ext>
+              </a:extLst>
+            </p:cNvPr>
+            <p:cNvSpPr txBox="1"/>
+            <p:nvPr/>
+          </p:nvSpPr>
+          <p:spPr>
+            <a:xfrm>
+              <a:off x="6874933" y="1038578"/>
+              <a:ext cx="732188" cy="369332"/>
+            </a:xfrm>
+            <a:prstGeom prst="rect">
+              <a:avLst/>
+            </a:prstGeom>
+            <a:noFill/>
+          </p:spPr>
+          <p:txBody>
+            <a:bodyPr wrap="none" rtlCol="0">
+              <a:spAutoFit/>
+            </a:bodyPr>
+            <a:lstStyle/>
+            <a:p>
+              <a:r>
+                <a:rPr lang="en-US" dirty="0"/>
+                <a:t>Token</a:t>
+              </a:r>
+              <a:endParaRPr lang="en-IN" dirty="0"/>
+            </a:p>
+          </p:txBody>
+        </p:sp>
+      </p:grpSp>
+    </p:spTree>
+    <p:extLst>
+      <p:ext uri="{BB962C8B-B14F-4D97-AF65-F5344CB8AC3E}">
+        <p14:creationId xmlns:p14="http://schemas.microsoft.com/office/powerpoint/2010/main" val="3567317286"/>
       </p:ext>
     </p:extLst>
   </p:cSld>
@@ -13268,7 +13423,7 @@
               <p:cNvPr id="5" name="Rectangle: Rounded Corners 1">
                 <a:extLst>
                   <a:ext uri="{FF2B5EF4-FFF2-40B4-BE49-F238E27FC236}">
-                    <a16:creationId xmlns="" xmlns:a16="http://schemas.microsoft.com/office/drawing/2014/main" id="{229043B8-923C-4A63-923B-ED47AB6F3179}"/>
+                    <a16:creationId xmlns:a16="http://schemas.microsoft.com/office/drawing/2014/main" id="{229043B8-923C-4A63-923B-ED47AB6F3179}"/>
                   </a:ext>
                 </a:extLst>
               </p:cNvPr>
@@ -13329,7 +13484,7 @@
               <p:cNvPr id="6" name="Rectangle 1">
                 <a:extLst>
                   <a:ext uri="{FF2B5EF4-FFF2-40B4-BE49-F238E27FC236}">
-                    <a16:creationId xmlns="" xmlns:a16="http://schemas.microsoft.com/office/drawing/2014/main" id="{FFE5BAF0-90A9-481D-AAC3-4466B273C9B9}"/>
+                    <a16:creationId xmlns:a16="http://schemas.microsoft.com/office/drawing/2014/main" id="{FFE5BAF0-90A9-481D-AAC3-4466B273C9B9}"/>
                   </a:ext>
                 </a:extLst>
               </p:cNvPr>
@@ -13596,7 +13751,7 @@
               <p:cNvPr id="7" name="Rectangle 1">
                 <a:extLst>
                   <a:ext uri="{FF2B5EF4-FFF2-40B4-BE49-F238E27FC236}">
-                    <a16:creationId xmlns="" xmlns:a16="http://schemas.microsoft.com/office/drawing/2014/main" id="{4A5862E7-0045-43EA-8731-76AF0AFFEB2B}"/>
+                    <a16:creationId xmlns:a16="http://schemas.microsoft.com/office/drawing/2014/main" id="{4A5862E7-0045-43EA-8731-76AF0AFFEB2B}"/>
                   </a:ext>
                 </a:extLst>
               </p:cNvPr>
@@ -13858,7 +14013,7 @@
             <p:cNvPr id="15" name="Rectangle: Rounded Corners 1">
               <a:extLst>
                 <a:ext uri="{FF2B5EF4-FFF2-40B4-BE49-F238E27FC236}">
-                  <a16:creationId xmlns="" xmlns:a16="http://schemas.microsoft.com/office/drawing/2014/main" id="{229043B8-923C-4A63-923B-ED47AB6F3179}"/>
+                  <a16:creationId xmlns:a16="http://schemas.microsoft.com/office/drawing/2014/main" id="{229043B8-923C-4A63-923B-ED47AB6F3179}"/>
                 </a:ext>
               </a:extLst>
             </p:cNvPr>
@@ -13918,7 +14073,7 @@
             <p:cNvPr id="16" name="Rectangle 1">
               <a:extLst>
                 <a:ext uri="{FF2B5EF4-FFF2-40B4-BE49-F238E27FC236}">
-                  <a16:creationId xmlns="" xmlns:a16="http://schemas.microsoft.com/office/drawing/2014/main" id="{FFE5BAF0-90A9-481D-AAC3-4466B273C9B9}"/>
+                  <a16:creationId xmlns:a16="http://schemas.microsoft.com/office/drawing/2014/main" id="{FFE5BAF0-90A9-481D-AAC3-4466B273C9B9}"/>
                 </a:ext>
               </a:extLst>
             </p:cNvPr>
@@ -14185,7 +14340,7 @@
             <p:cNvPr id="17" name="Rectangle 1">
               <a:extLst>
                 <a:ext uri="{FF2B5EF4-FFF2-40B4-BE49-F238E27FC236}">
-                  <a16:creationId xmlns="" xmlns:a16="http://schemas.microsoft.com/office/drawing/2014/main" id="{4A5862E7-0045-43EA-8731-76AF0AFFEB2B}"/>
+                  <a16:creationId xmlns:a16="http://schemas.microsoft.com/office/drawing/2014/main" id="{4A5862E7-0045-43EA-8731-76AF0AFFEB2B}"/>
                 </a:ext>
               </a:extLst>
             </p:cNvPr>
@@ -14446,7 +14601,7 @@
             <p:cNvPr id="19" name="Rectangle: Rounded Corners 1">
               <a:extLst>
                 <a:ext uri="{FF2B5EF4-FFF2-40B4-BE49-F238E27FC236}">
-                  <a16:creationId xmlns="" xmlns:a16="http://schemas.microsoft.com/office/drawing/2014/main" id="{229043B8-923C-4A63-923B-ED47AB6F3179}"/>
+                  <a16:creationId xmlns:a16="http://schemas.microsoft.com/office/drawing/2014/main" id="{229043B8-923C-4A63-923B-ED47AB6F3179}"/>
                 </a:ext>
               </a:extLst>
             </p:cNvPr>
@@ -14506,7 +14661,7 @@
             <p:cNvPr id="20" name="Rectangle 1">
               <a:extLst>
                 <a:ext uri="{FF2B5EF4-FFF2-40B4-BE49-F238E27FC236}">
-                  <a16:creationId xmlns="" xmlns:a16="http://schemas.microsoft.com/office/drawing/2014/main" id="{FFE5BAF0-90A9-481D-AAC3-4466B273C9B9}"/>
+                  <a16:creationId xmlns:a16="http://schemas.microsoft.com/office/drawing/2014/main" id="{FFE5BAF0-90A9-481D-AAC3-4466B273C9B9}"/>
                 </a:ext>
               </a:extLst>
             </p:cNvPr>
@@ -14761,7 +14916,7 @@
             <p:cNvPr id="21" name="Rectangle 1">
               <a:extLst>
                 <a:ext uri="{FF2B5EF4-FFF2-40B4-BE49-F238E27FC236}">
-                  <a16:creationId xmlns="" xmlns:a16="http://schemas.microsoft.com/office/drawing/2014/main" id="{4A5862E7-0045-43EA-8731-76AF0AFFEB2B}"/>
+                  <a16:creationId xmlns:a16="http://schemas.microsoft.com/office/drawing/2014/main" id="{4A5862E7-0045-43EA-8731-76AF0AFFEB2B}"/>
                 </a:ext>
               </a:extLst>
             </p:cNvPr>
@@ -15342,7 +15497,7 @@
               <p:cNvPr id="6" name="Rectangle: Rounded Corners 1">
                 <a:extLst>
                   <a:ext uri="{FF2B5EF4-FFF2-40B4-BE49-F238E27FC236}">
-                    <a16:creationId xmlns="" xmlns:a16="http://schemas.microsoft.com/office/drawing/2014/main" id="{229043B8-923C-4A63-923B-ED47AB6F3179}"/>
+                    <a16:creationId xmlns:a16="http://schemas.microsoft.com/office/drawing/2014/main" id="{229043B8-923C-4A63-923B-ED47AB6F3179}"/>
                   </a:ext>
                 </a:extLst>
               </p:cNvPr>
@@ -15403,7 +15558,7 @@
               <p:cNvPr id="7" name="Rectangle 1">
                 <a:extLst>
                   <a:ext uri="{FF2B5EF4-FFF2-40B4-BE49-F238E27FC236}">
-                    <a16:creationId xmlns="" xmlns:a16="http://schemas.microsoft.com/office/drawing/2014/main" id="{FFE5BAF0-90A9-481D-AAC3-4466B273C9B9}"/>
+                    <a16:creationId xmlns:a16="http://schemas.microsoft.com/office/drawing/2014/main" id="{FFE5BAF0-90A9-481D-AAC3-4466B273C9B9}"/>
                   </a:ext>
                 </a:extLst>
               </p:cNvPr>
@@ -15670,7 +15825,7 @@
               <p:cNvPr id="8" name="Rectangle 1">
                 <a:extLst>
                   <a:ext uri="{FF2B5EF4-FFF2-40B4-BE49-F238E27FC236}">
-                    <a16:creationId xmlns="" xmlns:a16="http://schemas.microsoft.com/office/drawing/2014/main" id="{4A5862E7-0045-43EA-8731-76AF0AFFEB2B}"/>
+                    <a16:creationId xmlns:a16="http://schemas.microsoft.com/office/drawing/2014/main" id="{4A5862E7-0045-43EA-8731-76AF0AFFEB2B}"/>
                   </a:ext>
                 </a:extLst>
               </p:cNvPr>
@@ -15932,7 +16087,7 @@
             <p:cNvPr id="10" name="Rectangle: Rounded Corners 1">
               <a:extLst>
                 <a:ext uri="{FF2B5EF4-FFF2-40B4-BE49-F238E27FC236}">
-                  <a16:creationId xmlns="" xmlns:a16="http://schemas.microsoft.com/office/drawing/2014/main" id="{229043B8-923C-4A63-923B-ED47AB6F3179}"/>
+                  <a16:creationId xmlns:a16="http://schemas.microsoft.com/office/drawing/2014/main" id="{229043B8-923C-4A63-923B-ED47AB6F3179}"/>
                 </a:ext>
               </a:extLst>
             </p:cNvPr>
@@ -15992,7 +16147,7 @@
             <p:cNvPr id="11" name="Rectangle 1">
               <a:extLst>
                 <a:ext uri="{FF2B5EF4-FFF2-40B4-BE49-F238E27FC236}">
-                  <a16:creationId xmlns="" xmlns:a16="http://schemas.microsoft.com/office/drawing/2014/main" id="{FFE5BAF0-90A9-481D-AAC3-4466B273C9B9}"/>
+                  <a16:creationId xmlns:a16="http://schemas.microsoft.com/office/drawing/2014/main" id="{FFE5BAF0-90A9-481D-AAC3-4466B273C9B9}"/>
                 </a:ext>
               </a:extLst>
             </p:cNvPr>
@@ -16259,7 +16414,7 @@
             <p:cNvPr id="12" name="Rectangle 1">
               <a:extLst>
                 <a:ext uri="{FF2B5EF4-FFF2-40B4-BE49-F238E27FC236}">
-                  <a16:creationId xmlns="" xmlns:a16="http://schemas.microsoft.com/office/drawing/2014/main" id="{4A5862E7-0045-43EA-8731-76AF0AFFEB2B}"/>
+                  <a16:creationId xmlns:a16="http://schemas.microsoft.com/office/drawing/2014/main" id="{4A5862E7-0045-43EA-8731-76AF0AFFEB2B}"/>
                 </a:ext>
               </a:extLst>
             </p:cNvPr>
@@ -16520,7 +16675,7 @@
             <p:cNvPr id="14" name="Rectangle: Rounded Corners 1">
               <a:extLst>
                 <a:ext uri="{FF2B5EF4-FFF2-40B4-BE49-F238E27FC236}">
-                  <a16:creationId xmlns="" xmlns:a16="http://schemas.microsoft.com/office/drawing/2014/main" id="{229043B8-923C-4A63-923B-ED47AB6F3179}"/>
+                  <a16:creationId xmlns:a16="http://schemas.microsoft.com/office/drawing/2014/main" id="{229043B8-923C-4A63-923B-ED47AB6F3179}"/>
                 </a:ext>
               </a:extLst>
             </p:cNvPr>
@@ -16580,7 +16735,7 @@
             <p:cNvPr id="15" name="Rectangle 1">
               <a:extLst>
                 <a:ext uri="{FF2B5EF4-FFF2-40B4-BE49-F238E27FC236}">
-                  <a16:creationId xmlns="" xmlns:a16="http://schemas.microsoft.com/office/drawing/2014/main" id="{FFE5BAF0-90A9-481D-AAC3-4466B273C9B9}"/>
+                  <a16:creationId xmlns:a16="http://schemas.microsoft.com/office/drawing/2014/main" id="{FFE5BAF0-90A9-481D-AAC3-4466B273C9B9}"/>
                 </a:ext>
               </a:extLst>
             </p:cNvPr>
@@ -16835,7 +16990,7 @@
             <p:cNvPr id="16" name="Rectangle 1">
               <a:extLst>
                 <a:ext uri="{FF2B5EF4-FFF2-40B4-BE49-F238E27FC236}">
-                  <a16:creationId xmlns="" xmlns:a16="http://schemas.microsoft.com/office/drawing/2014/main" id="{4A5862E7-0045-43EA-8731-76AF0AFFEB2B}"/>
+                  <a16:creationId xmlns:a16="http://schemas.microsoft.com/office/drawing/2014/main" id="{4A5862E7-0045-43EA-8731-76AF0AFFEB2B}"/>
                 </a:ext>
               </a:extLst>
             </p:cNvPr>
@@ -17298,7 +17453,7 @@
           <p:cNvPr id="35" name="Rectangle 1">
             <a:extLst>
               <a:ext uri="{FF2B5EF4-FFF2-40B4-BE49-F238E27FC236}">
-                <a16:creationId xmlns="" xmlns:a16="http://schemas.microsoft.com/office/drawing/2014/main" id="{FFE5BAF0-90A9-481D-AAC3-4466B273C9B9}"/>
+                <a16:creationId xmlns:a16="http://schemas.microsoft.com/office/drawing/2014/main" id="{FFE5BAF0-90A9-481D-AAC3-4466B273C9B9}"/>
               </a:ext>
             </a:extLst>
           </p:cNvPr>
@@ -17540,7 +17695,7 @@
           <p:cNvPr id="36" name="Rectangle 1">
             <a:extLst>
               <a:ext uri="{FF2B5EF4-FFF2-40B4-BE49-F238E27FC236}">
-                <a16:creationId xmlns="" xmlns:a16="http://schemas.microsoft.com/office/drawing/2014/main" id="{FFE5BAF0-90A9-481D-AAC3-4466B273C9B9}"/>
+                <a16:creationId xmlns:a16="http://schemas.microsoft.com/office/drawing/2014/main" id="{FFE5BAF0-90A9-481D-AAC3-4466B273C9B9}"/>
               </a:ext>
             </a:extLst>
           </p:cNvPr>
@@ -17837,7 +17992,7 @@
           <p:cNvPr id="19" name="Group 18">
             <a:extLst>
               <a:ext uri="{FF2B5EF4-FFF2-40B4-BE49-F238E27FC236}">
-                <a16:creationId xmlns="" xmlns:a16="http://schemas.microsoft.com/office/drawing/2014/main" id="{D0F62175-D24D-4B45-B9CA-E8C1FAAC2857}"/>
+                <a16:creationId xmlns:a16="http://schemas.microsoft.com/office/drawing/2014/main" id="{D0F62175-D24D-4B45-B9CA-E8C1FAAC2857}"/>
               </a:ext>
             </a:extLst>
           </p:cNvPr>
@@ -17857,7 +18012,7 @@
             <p:cNvPr id="10" name="Group 9">
               <a:extLst>
                 <a:ext uri="{FF2B5EF4-FFF2-40B4-BE49-F238E27FC236}">
-                  <a16:creationId xmlns="" xmlns:a16="http://schemas.microsoft.com/office/drawing/2014/main" id="{62E720DB-FF62-4E7A-86CD-1CAE2B2D6238}"/>
+                  <a16:creationId xmlns:a16="http://schemas.microsoft.com/office/drawing/2014/main" id="{62E720DB-FF62-4E7A-86CD-1CAE2B2D6238}"/>
                 </a:ext>
               </a:extLst>
             </p:cNvPr>
@@ -17877,7 +18032,7 @@
               <p:cNvPr id="2" name="Rectangle: Rounded Corners 1">
                 <a:extLst>
                   <a:ext uri="{FF2B5EF4-FFF2-40B4-BE49-F238E27FC236}">
-                    <a16:creationId xmlns="" xmlns:a16="http://schemas.microsoft.com/office/drawing/2014/main" id="{229043B8-923C-4A63-923B-ED47AB6F3179}"/>
+                    <a16:creationId xmlns:a16="http://schemas.microsoft.com/office/drawing/2014/main" id="{229043B8-923C-4A63-923B-ED47AB6F3179}"/>
                   </a:ext>
                 </a:extLst>
               </p:cNvPr>
@@ -17938,7 +18093,7 @@
               <p:cNvPr id="7" name="Rectangle 1">
                 <a:extLst>
                   <a:ext uri="{FF2B5EF4-FFF2-40B4-BE49-F238E27FC236}">
-                    <a16:creationId xmlns="" xmlns:a16="http://schemas.microsoft.com/office/drawing/2014/main" id="{FFE5BAF0-90A9-481D-AAC3-4466B273C9B9}"/>
+                    <a16:creationId xmlns:a16="http://schemas.microsoft.com/office/drawing/2014/main" id="{FFE5BAF0-90A9-481D-AAC3-4466B273C9B9}"/>
                   </a:ext>
                 </a:extLst>
               </p:cNvPr>
@@ -18192,7 +18347,7 @@
               <p:cNvPr id="9" name="Rectangle 1">
                 <a:extLst>
                   <a:ext uri="{FF2B5EF4-FFF2-40B4-BE49-F238E27FC236}">
-                    <a16:creationId xmlns="" xmlns:a16="http://schemas.microsoft.com/office/drawing/2014/main" id="{4A5862E7-0045-43EA-8731-76AF0AFFEB2B}"/>
+                    <a16:creationId xmlns:a16="http://schemas.microsoft.com/office/drawing/2014/main" id="{4A5862E7-0045-43EA-8731-76AF0AFFEB2B}"/>
                   </a:ext>
                 </a:extLst>
               </p:cNvPr>
@@ -18439,7 +18594,7 @@
             <p:cNvPr id="11" name="Group 10">
               <a:extLst>
                 <a:ext uri="{FF2B5EF4-FFF2-40B4-BE49-F238E27FC236}">
-                  <a16:creationId xmlns="" xmlns:a16="http://schemas.microsoft.com/office/drawing/2014/main" id="{93DBFA10-C83E-4DEF-8CD1-BADBC16FE155}"/>
+                  <a16:creationId xmlns:a16="http://schemas.microsoft.com/office/drawing/2014/main" id="{93DBFA10-C83E-4DEF-8CD1-BADBC16FE155}"/>
                 </a:ext>
               </a:extLst>
             </p:cNvPr>
@@ -18459,7 +18614,7 @@
               <p:cNvPr id="12" name="Rectangle: Rounded Corners 11">
                 <a:extLst>
                   <a:ext uri="{FF2B5EF4-FFF2-40B4-BE49-F238E27FC236}">
-                    <a16:creationId xmlns="" xmlns:a16="http://schemas.microsoft.com/office/drawing/2014/main" id="{BE150171-1A7B-4D64-B55E-DB783C08E7C2}"/>
+                    <a16:creationId xmlns:a16="http://schemas.microsoft.com/office/drawing/2014/main" id="{BE150171-1A7B-4D64-B55E-DB783C08E7C2}"/>
                   </a:ext>
                 </a:extLst>
               </p:cNvPr>
@@ -18520,7 +18675,7 @@
               <p:cNvPr id="13" name="Rectangle 1">
                 <a:extLst>
                   <a:ext uri="{FF2B5EF4-FFF2-40B4-BE49-F238E27FC236}">
-                    <a16:creationId xmlns="" xmlns:a16="http://schemas.microsoft.com/office/drawing/2014/main" id="{26A7B01C-670A-4B9E-8775-5248BB8B3942}"/>
+                    <a16:creationId xmlns:a16="http://schemas.microsoft.com/office/drawing/2014/main" id="{26A7B01C-670A-4B9E-8775-5248BB8B3942}"/>
                   </a:ext>
                 </a:extLst>
               </p:cNvPr>
@@ -18774,7 +18929,7 @@
               <p:cNvPr id="14" name="Rectangle 1">
                 <a:extLst>
                   <a:ext uri="{FF2B5EF4-FFF2-40B4-BE49-F238E27FC236}">
-                    <a16:creationId xmlns="" xmlns:a16="http://schemas.microsoft.com/office/drawing/2014/main" id="{AE53C4F4-C196-4B4D-894F-2430912415CD}"/>
+                    <a16:creationId xmlns:a16="http://schemas.microsoft.com/office/drawing/2014/main" id="{AE53C4F4-C196-4B4D-894F-2430912415CD}"/>
                   </a:ext>
                 </a:extLst>
               </p:cNvPr>
@@ -19022,7 +19177,7 @@
           <p:cNvPr id="20" name="Group 19">
             <a:extLst>
               <a:ext uri="{FF2B5EF4-FFF2-40B4-BE49-F238E27FC236}">
-                <a16:creationId xmlns="" xmlns:a16="http://schemas.microsoft.com/office/drawing/2014/main" id="{7426D4FD-31C2-4FF9-800C-714F683EB43F}"/>
+                <a16:creationId xmlns:a16="http://schemas.microsoft.com/office/drawing/2014/main" id="{7426D4FD-31C2-4FF9-800C-714F683EB43F}"/>
               </a:ext>
             </a:extLst>
           </p:cNvPr>
@@ -19042,7 +19197,7 @@
             <p:cNvPr id="21" name="Group 20">
               <a:extLst>
                 <a:ext uri="{FF2B5EF4-FFF2-40B4-BE49-F238E27FC236}">
-                  <a16:creationId xmlns="" xmlns:a16="http://schemas.microsoft.com/office/drawing/2014/main" id="{926D488A-0224-468D-8DFC-EA65ABDDAB28}"/>
+                  <a16:creationId xmlns:a16="http://schemas.microsoft.com/office/drawing/2014/main" id="{926D488A-0224-468D-8DFC-EA65ABDDAB28}"/>
                 </a:ext>
               </a:extLst>
             </p:cNvPr>
@@ -19062,7 +19217,7 @@
               <p:cNvPr id="30" name="Rectangle: Rounded Corners 29">
                 <a:extLst>
                   <a:ext uri="{FF2B5EF4-FFF2-40B4-BE49-F238E27FC236}">
-                    <a16:creationId xmlns="" xmlns:a16="http://schemas.microsoft.com/office/drawing/2014/main" id="{7BF73A8A-9B63-4346-8677-7B7F802184A1}"/>
+                    <a16:creationId xmlns:a16="http://schemas.microsoft.com/office/drawing/2014/main" id="{7BF73A8A-9B63-4346-8677-7B7F802184A1}"/>
                   </a:ext>
                 </a:extLst>
               </p:cNvPr>
@@ -19117,7 +19272,7 @@
               <p:cNvPr id="31" name="Rectangle 1">
                 <a:extLst>
                   <a:ext uri="{FF2B5EF4-FFF2-40B4-BE49-F238E27FC236}">
-                    <a16:creationId xmlns="" xmlns:a16="http://schemas.microsoft.com/office/drawing/2014/main" id="{B2465705-8D1F-4610-B4EC-D9B332646F95}"/>
+                    <a16:creationId xmlns:a16="http://schemas.microsoft.com/office/drawing/2014/main" id="{B2465705-8D1F-4610-B4EC-D9B332646F95}"/>
                   </a:ext>
                 </a:extLst>
               </p:cNvPr>
@@ -19371,7 +19526,7 @@
               <p:cNvPr id="32" name="Rectangle 1">
                 <a:extLst>
                   <a:ext uri="{FF2B5EF4-FFF2-40B4-BE49-F238E27FC236}">
-                    <a16:creationId xmlns="" xmlns:a16="http://schemas.microsoft.com/office/drawing/2014/main" id="{2B208D04-9B0C-4194-8D6D-150281E8FD78}"/>
+                    <a16:creationId xmlns:a16="http://schemas.microsoft.com/office/drawing/2014/main" id="{2B208D04-9B0C-4194-8D6D-150281E8FD78}"/>
                   </a:ext>
                 </a:extLst>
               </p:cNvPr>
@@ -19618,7 +19773,7 @@
             <p:cNvPr id="22" name="Group 21">
               <a:extLst>
                 <a:ext uri="{FF2B5EF4-FFF2-40B4-BE49-F238E27FC236}">
-                  <a16:creationId xmlns="" xmlns:a16="http://schemas.microsoft.com/office/drawing/2014/main" id="{0677CBBA-4B05-4E26-ABCE-C634BA606830}"/>
+                  <a16:creationId xmlns:a16="http://schemas.microsoft.com/office/drawing/2014/main" id="{0677CBBA-4B05-4E26-ABCE-C634BA606830}"/>
                 </a:ext>
               </a:extLst>
             </p:cNvPr>
@@ -19638,7 +19793,7 @@
               <p:cNvPr id="27" name="Rectangle: Rounded Corners 26">
                 <a:extLst>
                   <a:ext uri="{FF2B5EF4-FFF2-40B4-BE49-F238E27FC236}">
-                    <a16:creationId xmlns="" xmlns:a16="http://schemas.microsoft.com/office/drawing/2014/main" id="{9E63CD82-7E71-4367-8277-574E557EA990}"/>
+                    <a16:creationId xmlns:a16="http://schemas.microsoft.com/office/drawing/2014/main" id="{9E63CD82-7E71-4367-8277-574E557EA990}"/>
                   </a:ext>
                 </a:extLst>
               </p:cNvPr>
@@ -19693,7 +19848,7 @@
               <p:cNvPr id="28" name="Rectangle 1">
                 <a:extLst>
                   <a:ext uri="{FF2B5EF4-FFF2-40B4-BE49-F238E27FC236}">
-                    <a16:creationId xmlns="" xmlns:a16="http://schemas.microsoft.com/office/drawing/2014/main" id="{0A88CE75-95F4-499E-842B-075807A82643}"/>
+                    <a16:creationId xmlns:a16="http://schemas.microsoft.com/office/drawing/2014/main" id="{0A88CE75-95F4-499E-842B-075807A82643}"/>
                   </a:ext>
                 </a:extLst>
               </p:cNvPr>
@@ -19947,7 +20102,7 @@
               <p:cNvPr id="29" name="Rectangle 1">
                 <a:extLst>
                   <a:ext uri="{FF2B5EF4-FFF2-40B4-BE49-F238E27FC236}">
-                    <a16:creationId xmlns="" xmlns:a16="http://schemas.microsoft.com/office/drawing/2014/main" id="{E0C71518-ACB1-46C3-80EE-972E9FD1840C}"/>
+                    <a16:creationId xmlns:a16="http://schemas.microsoft.com/office/drawing/2014/main" id="{E0C71518-ACB1-46C3-80EE-972E9FD1840C}"/>
                   </a:ext>
                 </a:extLst>
               </p:cNvPr>
@@ -20194,7 +20349,7 @@
             <p:cNvPr id="23" name="Group 22">
               <a:extLst>
                 <a:ext uri="{FF2B5EF4-FFF2-40B4-BE49-F238E27FC236}">
-                  <a16:creationId xmlns="" xmlns:a16="http://schemas.microsoft.com/office/drawing/2014/main" id="{0003B74D-B8C7-4414-9D7E-8A06C42A0CAA}"/>
+                  <a16:creationId xmlns:a16="http://schemas.microsoft.com/office/drawing/2014/main" id="{0003B74D-B8C7-4414-9D7E-8A06C42A0CAA}"/>
                 </a:ext>
               </a:extLst>
             </p:cNvPr>
@@ -20214,7 +20369,7 @@
               <p:cNvPr id="24" name="Rectangle: Rounded Corners 23">
                 <a:extLst>
                   <a:ext uri="{FF2B5EF4-FFF2-40B4-BE49-F238E27FC236}">
-                    <a16:creationId xmlns="" xmlns:a16="http://schemas.microsoft.com/office/drawing/2014/main" id="{97CECC83-8D18-45D9-B7DD-EA416689E01B}"/>
+                    <a16:creationId xmlns:a16="http://schemas.microsoft.com/office/drawing/2014/main" id="{97CECC83-8D18-45D9-B7DD-EA416689E01B}"/>
                   </a:ext>
                 </a:extLst>
               </p:cNvPr>
@@ -20269,7 +20424,7 @@
               <p:cNvPr id="25" name="Rectangle 1">
                 <a:extLst>
                   <a:ext uri="{FF2B5EF4-FFF2-40B4-BE49-F238E27FC236}">
-                    <a16:creationId xmlns="" xmlns:a16="http://schemas.microsoft.com/office/drawing/2014/main" id="{04212A30-EC2B-4ABF-8921-51C5D19C1368}"/>
+                    <a16:creationId xmlns:a16="http://schemas.microsoft.com/office/drawing/2014/main" id="{04212A30-EC2B-4ABF-8921-51C5D19C1368}"/>
                   </a:ext>
                 </a:extLst>
               </p:cNvPr>
@@ -20523,7 +20678,7 @@
               <p:cNvPr id="26" name="Rectangle 1">
                 <a:extLst>
                   <a:ext uri="{FF2B5EF4-FFF2-40B4-BE49-F238E27FC236}">
-                    <a16:creationId xmlns="" xmlns:a16="http://schemas.microsoft.com/office/drawing/2014/main" id="{6704B4F6-A682-486C-BA1E-C35C74B3DE0E}"/>
+                    <a16:creationId xmlns:a16="http://schemas.microsoft.com/office/drawing/2014/main" id="{6704B4F6-A682-486C-BA1E-C35C74B3DE0E}"/>
                   </a:ext>
                 </a:extLst>
               </p:cNvPr>
@@ -20771,7 +20926,7 @@
           <p:cNvPr id="33" name="Group 32">
             <a:extLst>
               <a:ext uri="{FF2B5EF4-FFF2-40B4-BE49-F238E27FC236}">
-                <a16:creationId xmlns="" xmlns:a16="http://schemas.microsoft.com/office/drawing/2014/main" id="{6FB1CA6F-487B-445A-AE17-DE06D734C19D}"/>
+                <a16:creationId xmlns:a16="http://schemas.microsoft.com/office/drawing/2014/main" id="{6FB1CA6F-487B-445A-AE17-DE06D734C19D}"/>
               </a:ext>
             </a:extLst>
           </p:cNvPr>
@@ -20791,7 +20946,7 @@
             <p:cNvPr id="34" name="Group 33">
               <a:extLst>
                 <a:ext uri="{FF2B5EF4-FFF2-40B4-BE49-F238E27FC236}">
-                  <a16:creationId xmlns="" xmlns:a16="http://schemas.microsoft.com/office/drawing/2014/main" id="{9A74CAB0-9F63-45CB-B953-6006D17ADF18}"/>
+                  <a16:creationId xmlns:a16="http://schemas.microsoft.com/office/drawing/2014/main" id="{9A74CAB0-9F63-45CB-B953-6006D17ADF18}"/>
                 </a:ext>
               </a:extLst>
             </p:cNvPr>
@@ -20811,7 +20966,7 @@
               <p:cNvPr id="43" name="Rectangle: Rounded Corners 42">
                 <a:extLst>
                   <a:ext uri="{FF2B5EF4-FFF2-40B4-BE49-F238E27FC236}">
-                    <a16:creationId xmlns="" xmlns:a16="http://schemas.microsoft.com/office/drawing/2014/main" id="{F3DF1273-F300-4BD0-8FB7-48FEC0DB1F09}"/>
+                    <a16:creationId xmlns:a16="http://schemas.microsoft.com/office/drawing/2014/main" id="{F3DF1273-F300-4BD0-8FB7-48FEC0DB1F09}"/>
                   </a:ext>
                 </a:extLst>
               </p:cNvPr>
@@ -20866,7 +21021,7 @@
               <p:cNvPr id="44" name="Rectangle 1">
                 <a:extLst>
                   <a:ext uri="{FF2B5EF4-FFF2-40B4-BE49-F238E27FC236}">
-                    <a16:creationId xmlns="" xmlns:a16="http://schemas.microsoft.com/office/drawing/2014/main" id="{B5D102D8-2F53-4ECD-AC34-13D13E6B37F0}"/>
+                    <a16:creationId xmlns:a16="http://schemas.microsoft.com/office/drawing/2014/main" id="{B5D102D8-2F53-4ECD-AC34-13D13E6B37F0}"/>
                   </a:ext>
                 </a:extLst>
               </p:cNvPr>
@@ -21107,7 +21262,7 @@
               <p:cNvPr id="45" name="Rectangle 1">
                 <a:extLst>
                   <a:ext uri="{FF2B5EF4-FFF2-40B4-BE49-F238E27FC236}">
-                    <a16:creationId xmlns="" xmlns:a16="http://schemas.microsoft.com/office/drawing/2014/main" id="{AAAEF367-96EF-4FDD-A670-DD00CDACB8EF}"/>
+                    <a16:creationId xmlns:a16="http://schemas.microsoft.com/office/drawing/2014/main" id="{AAAEF367-96EF-4FDD-A670-DD00CDACB8EF}"/>
                   </a:ext>
                 </a:extLst>
               </p:cNvPr>
@@ -21354,7 +21509,7 @@
             <p:cNvPr id="35" name="Group 34">
               <a:extLst>
                 <a:ext uri="{FF2B5EF4-FFF2-40B4-BE49-F238E27FC236}">
-                  <a16:creationId xmlns="" xmlns:a16="http://schemas.microsoft.com/office/drawing/2014/main" id="{7C56915C-9D0F-4B22-BEBB-943ED8C902CC}"/>
+                  <a16:creationId xmlns:a16="http://schemas.microsoft.com/office/drawing/2014/main" id="{7C56915C-9D0F-4B22-BEBB-943ED8C902CC}"/>
                 </a:ext>
               </a:extLst>
             </p:cNvPr>
@@ -21374,7 +21529,7 @@
               <p:cNvPr id="40" name="Rectangle: Rounded Corners 39">
                 <a:extLst>
                   <a:ext uri="{FF2B5EF4-FFF2-40B4-BE49-F238E27FC236}">
-                    <a16:creationId xmlns="" xmlns:a16="http://schemas.microsoft.com/office/drawing/2014/main" id="{B358541E-A59E-4315-9377-A1344B4DBD6D}"/>
+                    <a16:creationId xmlns:a16="http://schemas.microsoft.com/office/drawing/2014/main" id="{B358541E-A59E-4315-9377-A1344B4DBD6D}"/>
                   </a:ext>
                 </a:extLst>
               </p:cNvPr>
@@ -21429,7 +21584,7 @@
               <p:cNvPr id="41" name="Rectangle 1">
                 <a:extLst>
                   <a:ext uri="{FF2B5EF4-FFF2-40B4-BE49-F238E27FC236}">
-                    <a16:creationId xmlns="" xmlns:a16="http://schemas.microsoft.com/office/drawing/2014/main" id="{636FAF22-4BB5-4789-9C21-4115B0581B1F}"/>
+                    <a16:creationId xmlns:a16="http://schemas.microsoft.com/office/drawing/2014/main" id="{636FAF22-4BB5-4789-9C21-4115B0581B1F}"/>
                   </a:ext>
                 </a:extLst>
               </p:cNvPr>
@@ -21683,7 +21838,7 @@
               <p:cNvPr id="42" name="Rectangle 1">
                 <a:extLst>
                   <a:ext uri="{FF2B5EF4-FFF2-40B4-BE49-F238E27FC236}">
-                    <a16:creationId xmlns="" xmlns:a16="http://schemas.microsoft.com/office/drawing/2014/main" id="{81D9FE2A-0944-401B-80F6-90BF83A79396}"/>
+                    <a16:creationId xmlns:a16="http://schemas.microsoft.com/office/drawing/2014/main" id="{81D9FE2A-0944-401B-80F6-90BF83A79396}"/>
                   </a:ext>
                 </a:extLst>
               </p:cNvPr>
@@ -21930,7 +22085,7 @@
             <p:cNvPr id="36" name="Group 35">
               <a:extLst>
                 <a:ext uri="{FF2B5EF4-FFF2-40B4-BE49-F238E27FC236}">
-                  <a16:creationId xmlns="" xmlns:a16="http://schemas.microsoft.com/office/drawing/2014/main" id="{D08755B5-F548-4E7B-9C19-BC94E91B6FDC}"/>
+                  <a16:creationId xmlns:a16="http://schemas.microsoft.com/office/drawing/2014/main" id="{D08755B5-F548-4E7B-9C19-BC94E91B6FDC}"/>
                 </a:ext>
               </a:extLst>
             </p:cNvPr>
@@ -21950,7 +22105,7 @@
               <p:cNvPr id="37" name="Rectangle: Rounded Corners 36">
                 <a:extLst>
                   <a:ext uri="{FF2B5EF4-FFF2-40B4-BE49-F238E27FC236}">
-                    <a16:creationId xmlns="" xmlns:a16="http://schemas.microsoft.com/office/drawing/2014/main" id="{C1DF5C8E-17D1-4B23-A199-D6699B3F708F}"/>
+                    <a16:creationId xmlns:a16="http://schemas.microsoft.com/office/drawing/2014/main" id="{C1DF5C8E-17D1-4B23-A199-D6699B3F708F}"/>
                   </a:ext>
                 </a:extLst>
               </p:cNvPr>
@@ -22005,7 +22160,7 @@
               <p:cNvPr id="38" name="Rectangle 1">
                 <a:extLst>
                   <a:ext uri="{FF2B5EF4-FFF2-40B4-BE49-F238E27FC236}">
-                    <a16:creationId xmlns="" xmlns:a16="http://schemas.microsoft.com/office/drawing/2014/main" id="{E446ED41-7EA5-4CF8-9B3B-F403F4BEAEE1}"/>
+                    <a16:creationId xmlns:a16="http://schemas.microsoft.com/office/drawing/2014/main" id="{E446ED41-7EA5-4CF8-9B3B-F403F4BEAEE1}"/>
                   </a:ext>
                 </a:extLst>
               </p:cNvPr>
@@ -22259,7 +22414,7 @@
               <p:cNvPr id="39" name="Rectangle 1">
                 <a:extLst>
                   <a:ext uri="{FF2B5EF4-FFF2-40B4-BE49-F238E27FC236}">
-                    <a16:creationId xmlns="" xmlns:a16="http://schemas.microsoft.com/office/drawing/2014/main" id="{446F9F88-3567-492F-B064-2E4E05208FBB}"/>
+                    <a16:creationId xmlns:a16="http://schemas.microsoft.com/office/drawing/2014/main" id="{446F9F88-3567-492F-B064-2E4E05208FBB}"/>
                   </a:ext>
                 </a:extLst>
               </p:cNvPr>
@@ -22507,7 +22662,7 @@
           <p:cNvPr id="46" name="Group 45">
             <a:extLst>
               <a:ext uri="{FF2B5EF4-FFF2-40B4-BE49-F238E27FC236}">
-                <a16:creationId xmlns="" xmlns:a16="http://schemas.microsoft.com/office/drawing/2014/main" id="{F7F38C5C-23CF-4BA8-A2AC-0F6D4A94C5FB}"/>
+                <a16:creationId xmlns:a16="http://schemas.microsoft.com/office/drawing/2014/main" id="{F7F38C5C-23CF-4BA8-A2AC-0F6D4A94C5FB}"/>
               </a:ext>
             </a:extLst>
           </p:cNvPr>
@@ -22527,7 +22682,7 @@
             <p:cNvPr id="47" name="Group 46">
               <a:extLst>
                 <a:ext uri="{FF2B5EF4-FFF2-40B4-BE49-F238E27FC236}">
-                  <a16:creationId xmlns="" xmlns:a16="http://schemas.microsoft.com/office/drawing/2014/main" id="{9FEC8F30-CCD9-427E-8BD9-94338A73764D}"/>
+                  <a16:creationId xmlns:a16="http://schemas.microsoft.com/office/drawing/2014/main" id="{9FEC8F30-CCD9-427E-8BD9-94338A73764D}"/>
                 </a:ext>
               </a:extLst>
             </p:cNvPr>
@@ -22547,7 +22702,7 @@
               <p:cNvPr id="56" name="Rectangle: Rounded Corners 55">
                 <a:extLst>
                   <a:ext uri="{FF2B5EF4-FFF2-40B4-BE49-F238E27FC236}">
-                    <a16:creationId xmlns="" xmlns:a16="http://schemas.microsoft.com/office/drawing/2014/main" id="{5DE68EBF-5609-427D-8752-9C7D7AB8D69F}"/>
+                    <a16:creationId xmlns:a16="http://schemas.microsoft.com/office/drawing/2014/main" id="{5DE68EBF-5609-427D-8752-9C7D7AB8D69F}"/>
                   </a:ext>
                 </a:extLst>
               </p:cNvPr>
@@ -22607,7 +22762,7 @@
               <p:cNvPr id="57" name="Rectangle 1">
                 <a:extLst>
                   <a:ext uri="{FF2B5EF4-FFF2-40B4-BE49-F238E27FC236}">
-                    <a16:creationId xmlns="" xmlns:a16="http://schemas.microsoft.com/office/drawing/2014/main" id="{47668FA9-B3FB-4F25-9A18-9B02A8CD4C7B}"/>
+                    <a16:creationId xmlns:a16="http://schemas.microsoft.com/office/drawing/2014/main" id="{47668FA9-B3FB-4F25-9A18-9B02A8CD4C7B}"/>
                   </a:ext>
                 </a:extLst>
               </p:cNvPr>
@@ -22887,7 +23042,7 @@
               <p:cNvPr id="58" name="Rectangle 1">
                 <a:extLst>
                   <a:ext uri="{FF2B5EF4-FFF2-40B4-BE49-F238E27FC236}">
-                    <a16:creationId xmlns="" xmlns:a16="http://schemas.microsoft.com/office/drawing/2014/main" id="{251D002E-1514-406E-AA51-8DF02F248FBF}"/>
+                    <a16:creationId xmlns:a16="http://schemas.microsoft.com/office/drawing/2014/main" id="{251D002E-1514-406E-AA51-8DF02F248FBF}"/>
                   </a:ext>
                 </a:extLst>
               </p:cNvPr>
@@ -23144,7 +23299,7 @@
             <p:cNvPr id="49" name="Group 48">
               <a:extLst>
                 <a:ext uri="{FF2B5EF4-FFF2-40B4-BE49-F238E27FC236}">
-                  <a16:creationId xmlns="" xmlns:a16="http://schemas.microsoft.com/office/drawing/2014/main" id="{45B73D20-D477-4E43-B702-16A07BD9C694}"/>
+                  <a16:creationId xmlns:a16="http://schemas.microsoft.com/office/drawing/2014/main" id="{45B73D20-D477-4E43-B702-16A07BD9C694}"/>
                 </a:ext>
               </a:extLst>
             </p:cNvPr>
@@ -23164,7 +23319,7 @@
               <p:cNvPr id="50" name="Rectangle: Rounded Corners 49">
                 <a:extLst>
                   <a:ext uri="{FF2B5EF4-FFF2-40B4-BE49-F238E27FC236}">
-                    <a16:creationId xmlns="" xmlns:a16="http://schemas.microsoft.com/office/drawing/2014/main" id="{B170B691-EA42-4BFD-A992-1F5518981BEB}"/>
+                    <a16:creationId xmlns:a16="http://schemas.microsoft.com/office/drawing/2014/main" id="{B170B691-EA42-4BFD-A992-1F5518981BEB}"/>
                   </a:ext>
                 </a:extLst>
               </p:cNvPr>
@@ -23224,7 +23379,7 @@
               <p:cNvPr id="51" name="Rectangle 1">
                 <a:extLst>
                   <a:ext uri="{FF2B5EF4-FFF2-40B4-BE49-F238E27FC236}">
-                    <a16:creationId xmlns="" xmlns:a16="http://schemas.microsoft.com/office/drawing/2014/main" id="{DFCA592B-3B29-4EBA-8C14-AED2A4AB0E6B}"/>
+                    <a16:creationId xmlns:a16="http://schemas.microsoft.com/office/drawing/2014/main" id="{DFCA592B-3B29-4EBA-8C14-AED2A4AB0E6B}"/>
                   </a:ext>
                 </a:extLst>
               </p:cNvPr>
@@ -23504,7 +23659,7 @@
               <p:cNvPr id="52" name="Rectangle 1">
                 <a:extLst>
                   <a:ext uri="{FF2B5EF4-FFF2-40B4-BE49-F238E27FC236}">
-                    <a16:creationId xmlns="" xmlns:a16="http://schemas.microsoft.com/office/drawing/2014/main" id="{3FE0A815-F9BF-4CB9-963C-406C649AAF39}"/>
+                    <a16:creationId xmlns:a16="http://schemas.microsoft.com/office/drawing/2014/main" id="{3FE0A815-F9BF-4CB9-963C-406C649AAF39}"/>
                   </a:ext>
                 </a:extLst>
               </p:cNvPr>
@@ -23752,7 +23907,7 @@
           <p:cNvPr id="66" name="Group 65">
             <a:extLst>
               <a:ext uri="{FF2B5EF4-FFF2-40B4-BE49-F238E27FC236}">
-                <a16:creationId xmlns="" xmlns:a16="http://schemas.microsoft.com/office/drawing/2014/main" id="{09E3B45E-13F7-4086-9B3D-3BCA0D5B3E40}"/>
+                <a16:creationId xmlns:a16="http://schemas.microsoft.com/office/drawing/2014/main" id="{09E3B45E-13F7-4086-9B3D-3BCA0D5B3E40}"/>
               </a:ext>
             </a:extLst>
           </p:cNvPr>
@@ -23772,7 +23927,7 @@
             <p:cNvPr id="60" name="Rectangle: Rounded Corners 59">
               <a:extLst>
                 <a:ext uri="{FF2B5EF4-FFF2-40B4-BE49-F238E27FC236}">
-                  <a16:creationId xmlns="" xmlns:a16="http://schemas.microsoft.com/office/drawing/2014/main" id="{F0AE653F-8BF7-47BE-9D74-F937E73AFDA0}"/>
+                  <a16:creationId xmlns:a16="http://schemas.microsoft.com/office/drawing/2014/main" id="{F0AE653F-8BF7-47BE-9D74-F937E73AFDA0}"/>
                 </a:ext>
               </a:extLst>
             </p:cNvPr>
@@ -23832,7 +23987,7 @@
             <p:cNvPr id="61" name="Rectangle 1">
               <a:extLst>
                 <a:ext uri="{FF2B5EF4-FFF2-40B4-BE49-F238E27FC236}">
-                  <a16:creationId xmlns="" xmlns:a16="http://schemas.microsoft.com/office/drawing/2014/main" id="{6658BA08-4343-4456-91D8-6D8B9ADFA36D}"/>
+                  <a16:creationId xmlns:a16="http://schemas.microsoft.com/office/drawing/2014/main" id="{6658BA08-4343-4456-91D8-6D8B9ADFA36D}"/>
                 </a:ext>
               </a:extLst>
             </p:cNvPr>
@@ -24086,7 +24241,7 @@
             <p:cNvPr id="62" name="Rectangle 1">
               <a:extLst>
                 <a:ext uri="{FF2B5EF4-FFF2-40B4-BE49-F238E27FC236}">
-                  <a16:creationId xmlns="" xmlns:a16="http://schemas.microsoft.com/office/drawing/2014/main" id="{04C4E7C5-5365-4AB0-AFE1-BB6CEBCD5D7A}"/>
+                  <a16:creationId xmlns:a16="http://schemas.microsoft.com/office/drawing/2014/main" id="{04C4E7C5-5365-4AB0-AFE1-BB6CEBCD5D7A}"/>
                 </a:ext>
               </a:extLst>
             </p:cNvPr>
@@ -24333,7 +24488,7 @@
           <p:cNvPr id="63" name="Rectangle: Rounded Corners 62">
             <a:extLst>
               <a:ext uri="{FF2B5EF4-FFF2-40B4-BE49-F238E27FC236}">
-                <a16:creationId xmlns="" xmlns:a16="http://schemas.microsoft.com/office/drawing/2014/main" id="{61D3D070-24FE-4EF4-AD82-4932219E03A8}"/>
+                <a16:creationId xmlns:a16="http://schemas.microsoft.com/office/drawing/2014/main" id="{61D3D070-24FE-4EF4-AD82-4932219E03A8}"/>
               </a:ext>
             </a:extLst>
           </p:cNvPr>
@@ -24394,7 +24549,7 @@
           <p:cNvPr id="64" name="Rectangle 1">
             <a:extLst>
               <a:ext uri="{FF2B5EF4-FFF2-40B4-BE49-F238E27FC236}">
-                <a16:creationId xmlns="" xmlns:a16="http://schemas.microsoft.com/office/drawing/2014/main" id="{12DF6876-8E45-45F6-9D46-30B611A0AE2E}"/>
+                <a16:creationId xmlns:a16="http://schemas.microsoft.com/office/drawing/2014/main" id="{12DF6876-8E45-45F6-9D46-30B611A0AE2E}"/>
               </a:ext>
             </a:extLst>
           </p:cNvPr>
@@ -24648,7 +24803,7 @@
           <p:cNvPr id="65" name="Rectangle 1">
             <a:extLst>
               <a:ext uri="{FF2B5EF4-FFF2-40B4-BE49-F238E27FC236}">
-                <a16:creationId xmlns="" xmlns:a16="http://schemas.microsoft.com/office/drawing/2014/main" id="{DE6C8D79-F8C3-405D-8876-50EB382F674E}"/>
+                <a16:creationId xmlns:a16="http://schemas.microsoft.com/office/drawing/2014/main" id="{DE6C8D79-F8C3-405D-8876-50EB382F674E}"/>
               </a:ext>
             </a:extLst>
           </p:cNvPr>
@@ -24894,7 +25049,7 @@
           <p:cNvPr id="67" name="Group 66">
             <a:extLst>
               <a:ext uri="{FF2B5EF4-FFF2-40B4-BE49-F238E27FC236}">
-                <a16:creationId xmlns="" xmlns:a16="http://schemas.microsoft.com/office/drawing/2014/main" id="{0CF2143C-7C92-4818-ADFA-BDE4349E1825}"/>
+                <a16:creationId xmlns:a16="http://schemas.microsoft.com/office/drawing/2014/main" id="{0CF2143C-7C92-4818-ADFA-BDE4349E1825}"/>
               </a:ext>
             </a:extLst>
           </p:cNvPr>
@@ -24917,7 +25072,7 @@
             <p:cNvPr id="68" name="Rectangle: Rounded Corners 67">
               <a:extLst>
                 <a:ext uri="{FF2B5EF4-FFF2-40B4-BE49-F238E27FC236}">
-                  <a16:creationId xmlns="" xmlns:a16="http://schemas.microsoft.com/office/drawing/2014/main" id="{8D8080FF-967C-423E-B1A9-F6D1D70B89D8}"/>
+                  <a16:creationId xmlns:a16="http://schemas.microsoft.com/office/drawing/2014/main" id="{8D8080FF-967C-423E-B1A9-F6D1D70B89D8}"/>
                 </a:ext>
               </a:extLst>
             </p:cNvPr>
@@ -24973,7 +25128,7 @@
             <p:cNvPr id="69" name="Rectangle 1">
               <a:extLst>
                 <a:ext uri="{FF2B5EF4-FFF2-40B4-BE49-F238E27FC236}">
-                  <a16:creationId xmlns="" xmlns:a16="http://schemas.microsoft.com/office/drawing/2014/main" id="{2D1036B3-14D4-4E42-BDC0-EF1330ED60EE}"/>
+                  <a16:creationId xmlns:a16="http://schemas.microsoft.com/office/drawing/2014/main" id="{2D1036B3-14D4-4E42-BDC0-EF1330ED60EE}"/>
                 </a:ext>
               </a:extLst>
             </p:cNvPr>
@@ -25225,7 +25380,7 @@
             <p:cNvPr id="70" name="Rectangle 1">
               <a:extLst>
                 <a:ext uri="{FF2B5EF4-FFF2-40B4-BE49-F238E27FC236}">
-                  <a16:creationId xmlns="" xmlns:a16="http://schemas.microsoft.com/office/drawing/2014/main" id="{3A5F1E59-3453-47CD-B19B-9843A655CB98}"/>
+                  <a16:creationId xmlns:a16="http://schemas.microsoft.com/office/drawing/2014/main" id="{3A5F1E59-3453-47CD-B19B-9843A655CB98}"/>
                 </a:ext>
               </a:extLst>
             </p:cNvPr>
@@ -25470,7 +25625,7 @@
           <p:cNvPr id="71" name="Group 70">
             <a:extLst>
               <a:ext uri="{FF2B5EF4-FFF2-40B4-BE49-F238E27FC236}">
-                <a16:creationId xmlns="" xmlns:a16="http://schemas.microsoft.com/office/drawing/2014/main" id="{1B929D54-D563-4F15-8B27-C490F01D4FF7}"/>
+                <a16:creationId xmlns:a16="http://schemas.microsoft.com/office/drawing/2014/main" id="{1B929D54-D563-4F15-8B27-C490F01D4FF7}"/>
               </a:ext>
             </a:extLst>
           </p:cNvPr>
@@ -25490,7 +25645,7 @@
             <p:cNvPr id="72" name="Rectangle: Rounded Corners 71">
               <a:extLst>
                 <a:ext uri="{FF2B5EF4-FFF2-40B4-BE49-F238E27FC236}">
-                  <a16:creationId xmlns="" xmlns:a16="http://schemas.microsoft.com/office/drawing/2014/main" id="{5539BA8E-AD87-4389-911B-F1DAACA1C519}"/>
+                  <a16:creationId xmlns:a16="http://schemas.microsoft.com/office/drawing/2014/main" id="{5539BA8E-AD87-4389-911B-F1DAACA1C519}"/>
                 </a:ext>
               </a:extLst>
             </p:cNvPr>
@@ -25548,7 +25703,7 @@
             <p:cNvPr id="73" name="Rectangle 1">
               <a:extLst>
                 <a:ext uri="{FF2B5EF4-FFF2-40B4-BE49-F238E27FC236}">
-                  <a16:creationId xmlns="" xmlns:a16="http://schemas.microsoft.com/office/drawing/2014/main" id="{B5E2551B-EA26-446E-997D-AD866C1898F9}"/>
+                  <a16:creationId xmlns:a16="http://schemas.microsoft.com/office/drawing/2014/main" id="{B5E2551B-EA26-446E-997D-AD866C1898F9}"/>
                 </a:ext>
               </a:extLst>
             </p:cNvPr>
@@ -25802,7 +25957,7 @@
             <p:cNvPr id="74" name="Rectangle 1">
               <a:extLst>
                 <a:ext uri="{FF2B5EF4-FFF2-40B4-BE49-F238E27FC236}">
-                  <a16:creationId xmlns="" xmlns:a16="http://schemas.microsoft.com/office/drawing/2014/main" id="{B29AAE37-FFC0-4C6B-8A9E-D07C787E2CC2}"/>
+                  <a16:creationId xmlns:a16="http://schemas.microsoft.com/office/drawing/2014/main" id="{B29AAE37-FFC0-4C6B-8A9E-D07C787E2CC2}"/>
                 </a:ext>
               </a:extLst>
             </p:cNvPr>
@@ -26059,7 +26214,7 @@
           <p:cNvPr id="83" name="Group 82">
             <a:extLst>
               <a:ext uri="{FF2B5EF4-FFF2-40B4-BE49-F238E27FC236}">
-                <a16:creationId xmlns="" xmlns:a16="http://schemas.microsoft.com/office/drawing/2014/main" id="{909F8865-02E7-44D5-B223-A62A03CA6165}"/>
+                <a16:creationId xmlns:a16="http://schemas.microsoft.com/office/drawing/2014/main" id="{909F8865-02E7-44D5-B223-A62A03CA6165}"/>
               </a:ext>
             </a:extLst>
           </p:cNvPr>
@@ -26079,7 +26234,7 @@
             <p:cNvPr id="79" name="Rectangle: Rounded Corners 78">
               <a:extLst>
                 <a:ext uri="{FF2B5EF4-FFF2-40B4-BE49-F238E27FC236}">
-                  <a16:creationId xmlns="" xmlns:a16="http://schemas.microsoft.com/office/drawing/2014/main" id="{603A3EF2-4ADC-4873-BEDD-10429C3A5A99}"/>
+                  <a16:creationId xmlns:a16="http://schemas.microsoft.com/office/drawing/2014/main" id="{603A3EF2-4ADC-4873-BEDD-10429C3A5A99}"/>
                 </a:ext>
               </a:extLst>
             </p:cNvPr>
@@ -26134,7 +26289,7 @@
             <p:cNvPr id="80" name="Rectangle: Rounded Corners 79">
               <a:extLst>
                 <a:ext uri="{FF2B5EF4-FFF2-40B4-BE49-F238E27FC236}">
-                  <a16:creationId xmlns="" xmlns:a16="http://schemas.microsoft.com/office/drawing/2014/main" id="{4F4E4D06-7366-43E2-A3E9-24B77733ADB9}"/>
+                  <a16:creationId xmlns:a16="http://schemas.microsoft.com/office/drawing/2014/main" id="{4F4E4D06-7366-43E2-A3E9-24B77733ADB9}"/>
                 </a:ext>
               </a:extLst>
             </p:cNvPr>
@@ -26189,7 +26344,7 @@
             <p:cNvPr id="81" name="Rectangle: Rounded Corners 80">
               <a:extLst>
                 <a:ext uri="{FF2B5EF4-FFF2-40B4-BE49-F238E27FC236}">
-                  <a16:creationId xmlns="" xmlns:a16="http://schemas.microsoft.com/office/drawing/2014/main" id="{21419A83-FF9E-4D1B-B8CC-8F1EED06E8AE}"/>
+                  <a16:creationId xmlns:a16="http://schemas.microsoft.com/office/drawing/2014/main" id="{21419A83-FF9E-4D1B-B8CC-8F1EED06E8AE}"/>
                 </a:ext>
               </a:extLst>
             </p:cNvPr>
@@ -26244,7 +26399,7 @@
             <p:cNvPr id="82" name="Rectangle: Rounded Corners 81">
               <a:extLst>
                 <a:ext uri="{FF2B5EF4-FFF2-40B4-BE49-F238E27FC236}">
-                  <a16:creationId xmlns="" xmlns:a16="http://schemas.microsoft.com/office/drawing/2014/main" id="{84DB7298-9C40-4EE6-B477-5989A3E6E7E9}"/>
+                  <a16:creationId xmlns:a16="http://schemas.microsoft.com/office/drawing/2014/main" id="{84DB7298-9C40-4EE6-B477-5989A3E6E7E9}"/>
                 </a:ext>
               </a:extLst>
             </p:cNvPr>
@@ -26573,7 +26728,7 @@
             <p:cNvPr id="26" name="Group 25">
               <a:extLst>
                 <a:ext uri="{FF2B5EF4-FFF2-40B4-BE49-F238E27FC236}">
-                  <a16:creationId xmlns="" xmlns:a16="http://schemas.microsoft.com/office/drawing/2014/main" id="{BDCA9327-DE2D-4E7A-A00A-85320C3369BE}"/>
+                  <a16:creationId xmlns:a16="http://schemas.microsoft.com/office/drawing/2014/main" id="{BDCA9327-DE2D-4E7A-A00A-85320C3369BE}"/>
                 </a:ext>
               </a:extLst>
             </p:cNvPr>
@@ -26593,7 +26748,7 @@
               <p:cNvPr id="27" name="Rectangle: Rounded Corners 26">
                 <a:extLst>
                   <a:ext uri="{FF2B5EF4-FFF2-40B4-BE49-F238E27FC236}">
-                    <a16:creationId xmlns="" xmlns:a16="http://schemas.microsoft.com/office/drawing/2014/main" id="{9F7B732F-8628-492C-8389-3AF309F2B350}"/>
+                    <a16:creationId xmlns:a16="http://schemas.microsoft.com/office/drawing/2014/main" id="{9F7B732F-8628-492C-8389-3AF309F2B350}"/>
                   </a:ext>
                 </a:extLst>
               </p:cNvPr>
@@ -26653,7 +26808,7 @@
               <p:cNvPr id="28" name="Rectangle 1">
                 <a:extLst>
                   <a:ext uri="{FF2B5EF4-FFF2-40B4-BE49-F238E27FC236}">
-                    <a16:creationId xmlns="" xmlns:a16="http://schemas.microsoft.com/office/drawing/2014/main" id="{7ACE0809-F724-4F82-8F30-59BB9374E8CB}"/>
+                    <a16:creationId xmlns:a16="http://schemas.microsoft.com/office/drawing/2014/main" id="{7ACE0809-F724-4F82-8F30-59BB9374E8CB}"/>
                   </a:ext>
                 </a:extLst>
               </p:cNvPr>
@@ -26852,7 +27007,7 @@
                   <a:tabLst/>
                 </a:pPr>
                 <a:r>
-                  <a:rPr kumimoji="0" lang="en-US" altLang="en-US" sz="1100" b="0" i="0" u="none" strike="noStrike" cap="none" normalizeH="0" baseline="0" dirty="0" smtClean="0">
+                  <a:rPr kumimoji="0" lang="en-US" altLang="en-US" sz="1100" b="0" i="0" u="none" strike="noStrike" cap="none" normalizeH="0" baseline="0" dirty="0">
                     <a:ln>
                       <a:noFill/>
                     </a:ln>
@@ -26865,7 +27020,7 @@
                   <a:t>@</a:t>
                 </a:r>
                 <a:r>
-                  <a:rPr kumimoji="0" lang="en-US" altLang="en-US" sz="1100" b="0" i="0" u="none" strike="noStrike" cap="none" normalizeH="0" baseline="0" dirty="0" err="1" smtClean="0">
+                  <a:rPr kumimoji="0" lang="en-US" altLang="en-US" sz="1100" b="0" i="0" u="none" strike="noStrike" cap="none" normalizeH="0" baseline="0" dirty="0" err="1">
                     <a:ln>
                       <a:noFill/>
                     </a:ln>
@@ -26909,7 +27064,7 @@
             <p:cNvPr id="7" name="TextBox 6">
               <a:extLst>
                 <a:ext uri="{FF2B5EF4-FFF2-40B4-BE49-F238E27FC236}">
-                  <a16:creationId xmlns="" xmlns:a16="http://schemas.microsoft.com/office/drawing/2014/main" id="{C91224FA-ADA9-4075-AE2B-E0C6E149E540}"/>
+                  <a16:creationId xmlns:a16="http://schemas.microsoft.com/office/drawing/2014/main" id="{C91224FA-ADA9-4075-AE2B-E0C6E149E540}"/>
                 </a:ext>
               </a:extLst>
             </p:cNvPr>
@@ -26935,7 +27090,7 @@
             <a:lstStyle/>
             <a:p>
               <a:r>
-                <a:rPr lang="en-US" sz="1100" dirty="0" err="1" smtClean="0"/>
+                <a:rPr lang="en-US" sz="1100" dirty="0" err="1"/>
                 <a:t>org.springframework.cloud:spring-cloud-config-server</a:t>
               </a:r>
               <a:endParaRPr lang="en-US" sz="1100" dirty="0"/>
@@ -26947,7 +27102,7 @@
             <p:cNvPr id="8" name="TextBox 7">
               <a:extLst>
                 <a:ext uri="{FF2B5EF4-FFF2-40B4-BE49-F238E27FC236}">
-                  <a16:creationId xmlns="" xmlns:a16="http://schemas.microsoft.com/office/drawing/2014/main" id="{C91224FA-ADA9-4075-AE2B-E0C6E149E540}"/>
+                  <a16:creationId xmlns:a16="http://schemas.microsoft.com/office/drawing/2014/main" id="{C91224FA-ADA9-4075-AE2B-E0C6E149E540}"/>
                 </a:ext>
               </a:extLst>
             </p:cNvPr>
@@ -27018,7 +27173,7 @@
             <p:cNvPr id="11" name="Rectangle 1">
               <a:extLst>
                 <a:ext uri="{FF2B5EF4-FFF2-40B4-BE49-F238E27FC236}">
-                  <a16:creationId xmlns="" xmlns:a16="http://schemas.microsoft.com/office/drawing/2014/main" id="{7ACE0809-F724-4F82-8F30-59BB9374E8CB}"/>
+                  <a16:creationId xmlns:a16="http://schemas.microsoft.com/office/drawing/2014/main" id="{7ACE0809-F724-4F82-8F30-59BB9374E8CB}"/>
                 </a:ext>
               </a:extLst>
             </p:cNvPr>
@@ -27260,7 +27415,7 @@
             <p:cNvPr id="12" name="Rectangle 1">
               <a:extLst>
                 <a:ext uri="{FF2B5EF4-FFF2-40B4-BE49-F238E27FC236}">
-                  <a16:creationId xmlns="" xmlns:a16="http://schemas.microsoft.com/office/drawing/2014/main" id="{7ACE0809-F724-4F82-8F30-59BB9374E8CB}"/>
+                  <a16:creationId xmlns:a16="http://schemas.microsoft.com/office/drawing/2014/main" id="{7ACE0809-F724-4F82-8F30-59BB9374E8CB}"/>
                 </a:ext>
               </a:extLst>
             </p:cNvPr>
@@ -27472,7 +27627,7 @@
                 <a:t>@</a:t>
               </a:r>
               <a:r>
-                <a:rPr kumimoji="0" lang="en-US" altLang="en-US" sz="1100" b="0" i="0" u="none" strike="noStrike" cap="none" normalizeH="0" baseline="0" dirty="0" err="1" smtClean="0">
+                <a:rPr kumimoji="0" lang="en-US" altLang="en-US" sz="1100" b="0" i="0" u="none" strike="noStrike" cap="none" normalizeH="0" baseline="0" dirty="0" err="1">
                   <a:ln>
                     <a:noFill/>
                   </a:ln>
@@ -27531,7 +27686,7 @@
               <p:cNvPr id="14" name="Rectangle: Rounded Corners 1">
                 <a:extLst>
                   <a:ext uri="{FF2B5EF4-FFF2-40B4-BE49-F238E27FC236}">
-                    <a16:creationId xmlns="" xmlns:a16="http://schemas.microsoft.com/office/drawing/2014/main" id="{229043B8-923C-4A63-923B-ED47AB6F3179}"/>
+                    <a16:creationId xmlns:a16="http://schemas.microsoft.com/office/drawing/2014/main" id="{229043B8-923C-4A63-923B-ED47AB6F3179}"/>
                   </a:ext>
                 </a:extLst>
               </p:cNvPr>
@@ -27574,7 +27729,7 @@
               <a:p>
                 <a:pPr algn="ctr"/>
                 <a:r>
-                  <a:rPr lang="en-IN" sz="1800" dirty="0" smtClean="0">
+                  <a:rPr lang="en-IN" sz="1800" dirty="0">
                     <a:solidFill>
                       <a:srgbClr val="000000"/>
                     </a:solidFill>
@@ -27591,7 +27746,7 @@
               <p:cNvPr id="15" name="Rectangle 1">
                 <a:extLst>
                   <a:ext uri="{FF2B5EF4-FFF2-40B4-BE49-F238E27FC236}">
-                    <a16:creationId xmlns="" xmlns:a16="http://schemas.microsoft.com/office/drawing/2014/main" id="{FFE5BAF0-90A9-481D-AAC3-4466B273C9B9}"/>
+                    <a16:creationId xmlns:a16="http://schemas.microsoft.com/office/drawing/2014/main" id="{FFE5BAF0-90A9-481D-AAC3-4466B273C9B9}"/>
                   </a:ext>
                 </a:extLst>
               </p:cNvPr>
@@ -27858,7 +28013,7 @@
               <p:cNvPr id="16" name="Rectangle 1">
                 <a:extLst>
                   <a:ext uri="{FF2B5EF4-FFF2-40B4-BE49-F238E27FC236}">
-                    <a16:creationId xmlns="" xmlns:a16="http://schemas.microsoft.com/office/drawing/2014/main" id="{4A5862E7-0045-43EA-8731-76AF0AFFEB2B}"/>
+                    <a16:creationId xmlns:a16="http://schemas.microsoft.com/office/drawing/2014/main" id="{4A5862E7-0045-43EA-8731-76AF0AFFEB2B}"/>
                   </a:ext>
                 </a:extLst>
               </p:cNvPr>
@@ -28105,7 +28260,7 @@
             <p:cNvPr id="17" name="TextBox 16">
               <a:extLst>
                 <a:ext uri="{FF2B5EF4-FFF2-40B4-BE49-F238E27FC236}">
-                  <a16:creationId xmlns="" xmlns:a16="http://schemas.microsoft.com/office/drawing/2014/main" id="{C91224FA-ADA9-4075-AE2B-E0C6E149E540}"/>
+                  <a16:creationId xmlns:a16="http://schemas.microsoft.com/office/drawing/2014/main" id="{C91224FA-ADA9-4075-AE2B-E0C6E149E540}"/>
                 </a:ext>
               </a:extLst>
             </p:cNvPr>
@@ -28132,11 +28287,7 @@
             <a:p>
               <a:r>
                 <a:rPr lang="en-US" sz="1100" dirty="0" err="1"/>
-                <a:t>s</a:t>
-              </a:r>
-              <a:r>
-                <a:rPr lang="en-US" sz="1100" dirty="0" err="1" smtClean="0"/>
-                <a:t>pring.cloug.starter.config</a:t>
+                <a:t>spring.cloug.starter.config</a:t>
               </a:r>
               <a:endParaRPr lang="en-US" sz="1100" dirty="0"/>
             </a:p>
@@ -28244,7 +28395,7 @@
             <a:lstStyle/>
             <a:p>
               <a:r>
-                <a:rPr lang="en-US" dirty="0" err="1" smtClean="0"/>
+                <a:rPr lang="en-US" dirty="0" err="1"/>
                 <a:t>bootstrap.yml</a:t>
               </a:r>
               <a:endParaRPr lang="en-US" dirty="0"/>
@@ -28353,7 +28504,7 @@
             <a:lstStyle/>
             <a:p>
               <a:r>
-                <a:rPr lang="en-US" dirty="0" err="1" smtClean="0"/>
+                <a:rPr lang="en-US" dirty="0" err="1"/>
                 <a:t>application.yml</a:t>
               </a:r>
               <a:endParaRPr lang="en-US" dirty="0"/>
@@ -28462,7 +28613,7 @@
             <a:lstStyle/>
             <a:p>
               <a:r>
-                <a:rPr lang="en-US" dirty="0" err="1" smtClean="0"/>
+                <a:rPr lang="en-US" dirty="0" err="1"/>
                 <a:t>application.yml</a:t>
               </a:r>
               <a:endParaRPr lang="en-US" dirty="0"/>
@@ -28720,10 +28871,9 @@
             <a:lstStyle/>
             <a:p>
               <a:r>
-                <a:rPr lang="en-US" dirty="0" smtClean="0"/>
+                <a:rPr lang="en-US" dirty="0"/>
                 <a:t>https://github.com/bmt/config-sever</a:t>
               </a:r>
-              <a:endParaRPr lang="en-US" dirty="0"/>
             </a:p>
           </p:txBody>
         </p:sp>
@@ -28797,7 +28947,7 @@
           <p:cNvPr id="13" name="Picture 12">
             <a:extLst>
               <a:ext uri="{FF2B5EF4-FFF2-40B4-BE49-F238E27FC236}">
-                <a16:creationId xmlns="" xmlns:a16="http://schemas.microsoft.com/office/drawing/2014/main" id="{83167A70-D79D-4D85-AEA7-1CA2B1A28276}"/>
+                <a16:creationId xmlns:a16="http://schemas.microsoft.com/office/drawing/2014/main" id="{83167A70-D79D-4D85-AEA7-1CA2B1A28276}"/>
               </a:ext>
             </a:extLst>
           </p:cNvPr>
@@ -28827,7 +28977,7 @@
           <p:cNvPr id="14" name="Group 13">
             <a:extLst>
               <a:ext uri="{FF2B5EF4-FFF2-40B4-BE49-F238E27FC236}">
-                <a16:creationId xmlns="" xmlns:a16="http://schemas.microsoft.com/office/drawing/2014/main" id="{BDEC2234-C593-46D7-A09D-965324770E33}"/>
+                <a16:creationId xmlns:a16="http://schemas.microsoft.com/office/drawing/2014/main" id="{BDEC2234-C593-46D7-A09D-965324770E33}"/>
               </a:ext>
             </a:extLst>
           </p:cNvPr>
@@ -28847,7 +28997,7 @@
             <p:cNvPr id="15" name="Rectangle: Rounded Corners 14">
               <a:extLst>
                 <a:ext uri="{FF2B5EF4-FFF2-40B4-BE49-F238E27FC236}">
-                  <a16:creationId xmlns="" xmlns:a16="http://schemas.microsoft.com/office/drawing/2014/main" id="{0A8D1A3E-C8CE-4A70-B689-F10C4ED22677}"/>
+                  <a16:creationId xmlns:a16="http://schemas.microsoft.com/office/drawing/2014/main" id="{0A8D1A3E-C8CE-4A70-B689-F10C4ED22677}"/>
                 </a:ext>
               </a:extLst>
             </p:cNvPr>
@@ -28905,7 +29055,7 @@
             <p:cNvPr id="16" name="TextBox 15">
               <a:extLst>
                 <a:ext uri="{FF2B5EF4-FFF2-40B4-BE49-F238E27FC236}">
-                  <a16:creationId xmlns="" xmlns:a16="http://schemas.microsoft.com/office/drawing/2014/main" id="{F89C507E-52A0-4F92-B001-FEDECD410A32}"/>
+                  <a16:creationId xmlns:a16="http://schemas.microsoft.com/office/drawing/2014/main" id="{F89C507E-52A0-4F92-B001-FEDECD410A32}"/>
                 </a:ext>
               </a:extLst>
             </p:cNvPr>
@@ -29005,7 +29155,7 @@
             <p:cNvPr id="17" name="Rectangle 1">
               <a:extLst>
                 <a:ext uri="{FF2B5EF4-FFF2-40B4-BE49-F238E27FC236}">
-                  <a16:creationId xmlns="" xmlns:a16="http://schemas.microsoft.com/office/drawing/2014/main" id="{50AA8AAB-ED86-4D2F-8748-1C7BFD388390}"/>
+                  <a16:creationId xmlns:a16="http://schemas.microsoft.com/office/drawing/2014/main" id="{50AA8AAB-ED86-4D2F-8748-1C7BFD388390}"/>
                 </a:ext>
               </a:extLst>
             </p:cNvPr>
@@ -29247,7 +29397,7 @@
             <p:cNvPr id="18" name="TextBox 17">
               <a:extLst>
                 <a:ext uri="{FF2B5EF4-FFF2-40B4-BE49-F238E27FC236}">
-                  <a16:creationId xmlns="" xmlns:a16="http://schemas.microsoft.com/office/drawing/2014/main" id="{A17EA349-AC0A-446B-AEE0-779D36DDAF64}"/>
+                  <a16:creationId xmlns:a16="http://schemas.microsoft.com/office/drawing/2014/main" id="{A17EA349-AC0A-446B-AEE0-779D36DDAF64}"/>
                 </a:ext>
               </a:extLst>
             </p:cNvPr>
@@ -29367,7 +29517,7 @@
             <p:cNvPr id="19" name="Rectangle 1">
               <a:extLst>
                 <a:ext uri="{FF2B5EF4-FFF2-40B4-BE49-F238E27FC236}">
-                  <a16:creationId xmlns="" xmlns:a16="http://schemas.microsoft.com/office/drawing/2014/main" id="{A57ECC02-3F7D-4063-8332-06DC39DF86CB}"/>
+                  <a16:creationId xmlns:a16="http://schemas.microsoft.com/office/drawing/2014/main" id="{A57ECC02-3F7D-4063-8332-06DC39DF86CB}"/>
                 </a:ext>
               </a:extLst>
             </p:cNvPr>
@@ -29631,7 +29781,7 @@
             <p:cNvPr id="20" name="Rectangle 1">
               <a:extLst>
                 <a:ext uri="{FF2B5EF4-FFF2-40B4-BE49-F238E27FC236}">
-                  <a16:creationId xmlns="" xmlns:a16="http://schemas.microsoft.com/office/drawing/2014/main" id="{8A7167F9-783C-4FA3-AAC4-9D4B8017C861}"/>
+                  <a16:creationId xmlns:a16="http://schemas.microsoft.com/office/drawing/2014/main" id="{8A7167F9-783C-4FA3-AAC4-9D4B8017C861}"/>
                 </a:ext>
               </a:extLst>
             </p:cNvPr>
@@ -29912,7 +30062,7 @@
           <p:cNvPr id="22" name="Picture 21">
             <a:extLst>
               <a:ext uri="{FF2B5EF4-FFF2-40B4-BE49-F238E27FC236}">
-                <a16:creationId xmlns="" xmlns:a16="http://schemas.microsoft.com/office/drawing/2014/main" id="{628507AC-4B47-481E-BA54-CE89E74F129B}"/>
+                <a16:creationId xmlns:a16="http://schemas.microsoft.com/office/drawing/2014/main" id="{628507AC-4B47-481E-BA54-CE89E74F129B}"/>
               </a:ext>
             </a:extLst>
           </p:cNvPr>
@@ -29972,7 +30122,7 @@
           <p:cNvPr id="3" name="Picture 2">
             <a:extLst>
               <a:ext uri="{FF2B5EF4-FFF2-40B4-BE49-F238E27FC236}">
-                <a16:creationId xmlns="" xmlns:a16="http://schemas.microsoft.com/office/drawing/2014/main" id="{560C134D-D853-4890-A707-F7A79768BCC2}"/>
+                <a16:creationId xmlns:a16="http://schemas.microsoft.com/office/drawing/2014/main" id="{560C134D-D853-4890-A707-F7A79768BCC2}"/>
               </a:ext>
             </a:extLst>
           </p:cNvPr>
@@ -30002,7 +30152,7 @@
           <p:cNvPr id="4" name="Group 3">
             <a:extLst>
               <a:ext uri="{FF2B5EF4-FFF2-40B4-BE49-F238E27FC236}">
-                <a16:creationId xmlns="" xmlns:a16="http://schemas.microsoft.com/office/drawing/2014/main" id="{B021E5D5-9E22-42BB-A558-1583C4BA6068}"/>
+                <a16:creationId xmlns:a16="http://schemas.microsoft.com/office/drawing/2014/main" id="{B021E5D5-9E22-42BB-A558-1583C4BA6068}"/>
               </a:ext>
             </a:extLst>
           </p:cNvPr>
@@ -30022,7 +30172,7 @@
             <p:cNvPr id="5" name="Group 4">
               <a:extLst>
                 <a:ext uri="{FF2B5EF4-FFF2-40B4-BE49-F238E27FC236}">
-                  <a16:creationId xmlns="" xmlns:a16="http://schemas.microsoft.com/office/drawing/2014/main" id="{A260F702-5BB2-48C7-B3DC-050165CFD60D}"/>
+                  <a16:creationId xmlns:a16="http://schemas.microsoft.com/office/drawing/2014/main" id="{A260F702-5BB2-48C7-B3DC-050165CFD60D}"/>
                 </a:ext>
               </a:extLst>
             </p:cNvPr>
@@ -30042,7 +30192,7 @@
               <p:cNvPr id="8" name="Rectangle: Rounded Corners 7">
                 <a:extLst>
                   <a:ext uri="{FF2B5EF4-FFF2-40B4-BE49-F238E27FC236}">
-                    <a16:creationId xmlns="" xmlns:a16="http://schemas.microsoft.com/office/drawing/2014/main" id="{07F0E954-3E53-4667-B4D5-BDEC08D29884}"/>
+                    <a16:creationId xmlns:a16="http://schemas.microsoft.com/office/drawing/2014/main" id="{07F0E954-3E53-4667-B4D5-BDEC08D29884}"/>
                   </a:ext>
                 </a:extLst>
               </p:cNvPr>
@@ -30102,7 +30252,7 @@
               <p:cNvPr id="9" name="TextBox 8">
                 <a:extLst>
                   <a:ext uri="{FF2B5EF4-FFF2-40B4-BE49-F238E27FC236}">
-                    <a16:creationId xmlns="" xmlns:a16="http://schemas.microsoft.com/office/drawing/2014/main" id="{FA7E6838-2355-4CA1-9CC0-9AE2F4EBC3D6}"/>
+                    <a16:creationId xmlns:a16="http://schemas.microsoft.com/office/drawing/2014/main" id="{FA7E6838-2355-4CA1-9CC0-9AE2F4EBC3D6}"/>
                   </a:ext>
                 </a:extLst>
               </p:cNvPr>
@@ -30143,7 +30293,7 @@
               <p:cNvPr id="10" name="TextBox 9">
                 <a:extLst>
                   <a:ext uri="{FF2B5EF4-FFF2-40B4-BE49-F238E27FC236}">
-                    <a16:creationId xmlns="" xmlns:a16="http://schemas.microsoft.com/office/drawing/2014/main" id="{54154064-8ADD-46A0-A39D-07A76EBA3FA7}"/>
+                    <a16:creationId xmlns:a16="http://schemas.microsoft.com/office/drawing/2014/main" id="{54154064-8ADD-46A0-A39D-07A76EBA3FA7}"/>
                   </a:ext>
                 </a:extLst>
               </p:cNvPr>
@@ -30243,7 +30393,7 @@
               <p:cNvPr id="11" name="Rectangle 1">
                 <a:extLst>
                   <a:ext uri="{FF2B5EF4-FFF2-40B4-BE49-F238E27FC236}">
-                    <a16:creationId xmlns="" xmlns:a16="http://schemas.microsoft.com/office/drawing/2014/main" id="{B56114E7-113E-4367-95A3-EE11DE90EF51}"/>
+                    <a16:creationId xmlns:a16="http://schemas.microsoft.com/office/drawing/2014/main" id="{B56114E7-113E-4367-95A3-EE11DE90EF51}"/>
                   </a:ext>
                 </a:extLst>
               </p:cNvPr>
@@ -30510,7 +30660,7 @@
               <p:cNvPr id="12" name="Rectangle 1">
                 <a:extLst>
                   <a:ext uri="{FF2B5EF4-FFF2-40B4-BE49-F238E27FC236}">
-                    <a16:creationId xmlns="" xmlns:a16="http://schemas.microsoft.com/office/drawing/2014/main" id="{48106B67-8B66-4E83-8897-B4B818F00C97}"/>
+                    <a16:creationId xmlns:a16="http://schemas.microsoft.com/office/drawing/2014/main" id="{48106B67-8B66-4E83-8897-B4B818F00C97}"/>
                   </a:ext>
                 </a:extLst>
               </p:cNvPr>
@@ -30765,7 +30915,7 @@
             <p:cNvPr id="6" name="TextBox 5">
               <a:extLst>
                 <a:ext uri="{FF2B5EF4-FFF2-40B4-BE49-F238E27FC236}">
-                  <a16:creationId xmlns="" xmlns:a16="http://schemas.microsoft.com/office/drawing/2014/main" id="{05888D46-9281-4A14-9C8D-95AAAD2235C7}"/>
+                  <a16:creationId xmlns:a16="http://schemas.microsoft.com/office/drawing/2014/main" id="{05888D46-9281-4A14-9C8D-95AAAD2235C7}"/>
                 </a:ext>
               </a:extLst>
             </p:cNvPr>
@@ -30843,7 +30993,7 @@
             <p:cNvPr id="7" name="TextBox 6">
               <a:extLst>
                 <a:ext uri="{FF2B5EF4-FFF2-40B4-BE49-F238E27FC236}">
-                  <a16:creationId xmlns="" xmlns:a16="http://schemas.microsoft.com/office/drawing/2014/main" id="{C91224FA-ADA9-4075-AE2B-E0C6E149E540}"/>
+                  <a16:creationId xmlns:a16="http://schemas.microsoft.com/office/drawing/2014/main" id="{C91224FA-ADA9-4075-AE2B-E0C6E149E540}"/>
                 </a:ext>
               </a:extLst>
             </p:cNvPr>
@@ -30908,7 +31058,7 @@
           <p:cNvPr id="14" name="Picture 13">
             <a:extLst>
               <a:ext uri="{FF2B5EF4-FFF2-40B4-BE49-F238E27FC236}">
-                <a16:creationId xmlns="" xmlns:a16="http://schemas.microsoft.com/office/drawing/2014/main" id="{668A22B1-9003-428D-ACDE-E385F77113C5}"/>
+                <a16:creationId xmlns:a16="http://schemas.microsoft.com/office/drawing/2014/main" id="{668A22B1-9003-428D-ACDE-E385F77113C5}"/>
               </a:ext>
             </a:extLst>
           </p:cNvPr>
@@ -30938,7 +31088,7 @@
           <p:cNvPr id="15" name="Rectangle 1">
             <a:extLst>
               <a:ext uri="{FF2B5EF4-FFF2-40B4-BE49-F238E27FC236}">
-                <a16:creationId xmlns="" xmlns:a16="http://schemas.microsoft.com/office/drawing/2014/main" id="{11137976-87B3-4320-B508-32CD22EA0740}"/>
+                <a16:creationId xmlns:a16="http://schemas.microsoft.com/office/drawing/2014/main" id="{11137976-87B3-4320-B508-32CD22EA0740}"/>
               </a:ext>
             </a:extLst>
           </p:cNvPr>
@@ -31236,7 +31386,7 @@
             <p:cNvPr id="48" name="Rectangle: Rounded Corners 1">
               <a:extLst>
                 <a:ext uri="{FF2B5EF4-FFF2-40B4-BE49-F238E27FC236}">
-                  <a16:creationId xmlns="" xmlns:a16="http://schemas.microsoft.com/office/drawing/2014/main" id="{229043B8-923C-4A63-923B-ED47AB6F3179}"/>
+                  <a16:creationId xmlns:a16="http://schemas.microsoft.com/office/drawing/2014/main" id="{229043B8-923C-4A63-923B-ED47AB6F3179}"/>
                 </a:ext>
               </a:extLst>
             </p:cNvPr>
@@ -31296,7 +31446,7 @@
             <p:cNvPr id="49" name="Rectangle 1">
               <a:extLst>
                 <a:ext uri="{FF2B5EF4-FFF2-40B4-BE49-F238E27FC236}">
-                  <a16:creationId xmlns="" xmlns:a16="http://schemas.microsoft.com/office/drawing/2014/main" id="{FFE5BAF0-90A9-481D-AAC3-4466B273C9B9}"/>
+                  <a16:creationId xmlns:a16="http://schemas.microsoft.com/office/drawing/2014/main" id="{FFE5BAF0-90A9-481D-AAC3-4466B273C9B9}"/>
                 </a:ext>
               </a:extLst>
             </p:cNvPr>
@@ -31563,7 +31713,7 @@
             <p:cNvPr id="50" name="Rectangle 1">
               <a:extLst>
                 <a:ext uri="{FF2B5EF4-FFF2-40B4-BE49-F238E27FC236}">
-                  <a16:creationId xmlns="" xmlns:a16="http://schemas.microsoft.com/office/drawing/2014/main" id="{4A5862E7-0045-43EA-8731-76AF0AFFEB2B}"/>
+                  <a16:creationId xmlns:a16="http://schemas.microsoft.com/office/drawing/2014/main" id="{4A5862E7-0045-43EA-8731-76AF0AFFEB2B}"/>
                 </a:ext>
               </a:extLst>
             </p:cNvPr>
@@ -31907,7 +32057,7 @@
               <p:cNvPr id="44" name="Rectangle: Rounded Corners 1">
                 <a:extLst>
                   <a:ext uri="{FF2B5EF4-FFF2-40B4-BE49-F238E27FC236}">
-                    <a16:creationId xmlns="" xmlns:a16="http://schemas.microsoft.com/office/drawing/2014/main" id="{229043B8-923C-4A63-923B-ED47AB6F3179}"/>
+                    <a16:creationId xmlns:a16="http://schemas.microsoft.com/office/drawing/2014/main" id="{229043B8-923C-4A63-923B-ED47AB6F3179}"/>
                   </a:ext>
                 </a:extLst>
               </p:cNvPr>
@@ -32003,7 +32153,7 @@
               <p:cNvPr id="45" name="Rectangle 1">
                 <a:extLst>
                   <a:ext uri="{FF2B5EF4-FFF2-40B4-BE49-F238E27FC236}">
-                    <a16:creationId xmlns="" xmlns:a16="http://schemas.microsoft.com/office/drawing/2014/main" id="{FFE5BAF0-90A9-481D-AAC3-4466B273C9B9}"/>
+                    <a16:creationId xmlns:a16="http://schemas.microsoft.com/office/drawing/2014/main" id="{FFE5BAF0-90A9-481D-AAC3-4466B273C9B9}"/>
                   </a:ext>
                 </a:extLst>
               </p:cNvPr>
@@ -32403,7 +32553,7 @@
           <p:cNvPr id="2" name="Rectangle: Rounded Corners 62">
             <a:extLst>
               <a:ext uri="{FF2B5EF4-FFF2-40B4-BE49-F238E27FC236}">
-                <a16:creationId xmlns="" xmlns:a16="http://schemas.microsoft.com/office/drawing/2014/main" id="{61D3D070-24FE-4EF4-AD82-4932219E03A8}"/>
+                <a16:creationId xmlns:a16="http://schemas.microsoft.com/office/drawing/2014/main" id="{61D3D070-24FE-4EF4-AD82-4932219E03A8}"/>
               </a:ext>
             </a:extLst>
           </p:cNvPr>
@@ -32492,7 +32642,7 @@
               <p:cNvPr id="6" name="Rectangle: Rounded Corners 1">
                 <a:extLst>
                   <a:ext uri="{FF2B5EF4-FFF2-40B4-BE49-F238E27FC236}">
-                    <a16:creationId xmlns="" xmlns:a16="http://schemas.microsoft.com/office/drawing/2014/main" id="{229043B8-923C-4A63-923B-ED47AB6F3179}"/>
+                    <a16:creationId xmlns:a16="http://schemas.microsoft.com/office/drawing/2014/main" id="{229043B8-923C-4A63-923B-ED47AB6F3179}"/>
                   </a:ext>
                 </a:extLst>
               </p:cNvPr>
@@ -32535,7 +32685,7 @@
               <a:p>
                 <a:pPr algn="ctr"/>
                 <a:r>
-                  <a:rPr lang="en-IN" sz="1800" dirty="0" smtClean="0">
+                  <a:rPr lang="en-IN" sz="1800" dirty="0">
                     <a:solidFill>
                       <a:srgbClr val="000000"/>
                     </a:solidFill>
@@ -32552,7 +32702,7 @@
               <p:cNvPr id="7" name="Rectangle 1">
                 <a:extLst>
                   <a:ext uri="{FF2B5EF4-FFF2-40B4-BE49-F238E27FC236}">
-                    <a16:creationId xmlns="" xmlns:a16="http://schemas.microsoft.com/office/drawing/2014/main" id="{FFE5BAF0-90A9-481D-AAC3-4466B273C9B9}"/>
+                    <a16:creationId xmlns:a16="http://schemas.microsoft.com/office/drawing/2014/main" id="{FFE5BAF0-90A9-481D-AAC3-4466B273C9B9}"/>
                   </a:ext>
                 </a:extLst>
               </p:cNvPr>
@@ -32819,7 +32969,7 @@
               <p:cNvPr id="8" name="Rectangle 1">
                 <a:extLst>
                   <a:ext uri="{FF2B5EF4-FFF2-40B4-BE49-F238E27FC236}">
-                    <a16:creationId xmlns="" xmlns:a16="http://schemas.microsoft.com/office/drawing/2014/main" id="{4A5862E7-0045-43EA-8731-76AF0AFFEB2B}"/>
+                    <a16:creationId xmlns:a16="http://schemas.microsoft.com/office/drawing/2014/main" id="{4A5862E7-0045-43EA-8731-76AF0AFFEB2B}"/>
                   </a:ext>
                 </a:extLst>
               </p:cNvPr>
@@ -33066,7 +33216,7 @@
             <p:cNvPr id="5" name="TextBox 4">
               <a:extLst>
                 <a:ext uri="{FF2B5EF4-FFF2-40B4-BE49-F238E27FC236}">
-                  <a16:creationId xmlns="" xmlns:a16="http://schemas.microsoft.com/office/drawing/2014/main" id="{C91224FA-ADA9-4075-AE2B-E0C6E149E540}"/>
+                  <a16:creationId xmlns:a16="http://schemas.microsoft.com/office/drawing/2014/main" id="{C91224FA-ADA9-4075-AE2B-E0C6E149E540}"/>
                 </a:ext>
               </a:extLst>
             </p:cNvPr>
@@ -33093,11 +33243,7 @@
             <a:p>
               <a:r>
                 <a:rPr lang="en-US" sz="1100" dirty="0" err="1"/>
-                <a:t>s</a:t>
-              </a:r>
-              <a:r>
-                <a:rPr lang="en-US" sz="1100" dirty="0" err="1" smtClean="0"/>
-                <a:t>pring.cloug.starter.config</a:t>
+                <a:t>spring.cloug.starter.config</a:t>
               </a:r>
               <a:endParaRPr lang="en-US" sz="1100" dirty="0"/>
             </a:p>
@@ -33109,7 +33255,7 @@
           <p:cNvPr id="10" name="TextBox 9">
             <a:extLst>
               <a:ext uri="{FF2B5EF4-FFF2-40B4-BE49-F238E27FC236}">
-                <a16:creationId xmlns="" xmlns:a16="http://schemas.microsoft.com/office/drawing/2014/main" id="{C91224FA-ADA9-4075-AE2B-E0C6E149E540}"/>
+                <a16:creationId xmlns:a16="http://schemas.microsoft.com/office/drawing/2014/main" id="{C91224FA-ADA9-4075-AE2B-E0C6E149E540}"/>
               </a:ext>
             </a:extLst>
           </p:cNvPr>
@@ -33135,11 +33281,11 @@
           <a:lstStyle/>
           <a:p>
             <a:r>
-              <a:rPr lang="en-US" sz="1100" dirty="0" smtClean="0"/>
+              <a:rPr lang="en-US" sz="1100" dirty="0"/>
               <a:t>spring-cloud-sleuth-</a:t>
             </a:r>
             <a:r>
-              <a:rPr lang="en-US" sz="1100" dirty="0" err="1" smtClean="0"/>
+              <a:rPr lang="en-US" sz="1100" dirty="0" err="1"/>
               <a:t>zipkin</a:t>
             </a:r>
             <a:endParaRPr lang="en-US" sz="1100" dirty="0"/>
@@ -33151,7 +33297,7 @@
           <p:cNvPr id="11" name="TextBox 10">
             <a:extLst>
               <a:ext uri="{FF2B5EF4-FFF2-40B4-BE49-F238E27FC236}">
-                <a16:creationId xmlns="" xmlns:a16="http://schemas.microsoft.com/office/drawing/2014/main" id="{C91224FA-ADA9-4075-AE2B-E0C6E149E540}"/>
+                <a16:creationId xmlns:a16="http://schemas.microsoft.com/office/drawing/2014/main" id="{C91224FA-ADA9-4075-AE2B-E0C6E149E540}"/>
               </a:ext>
             </a:extLst>
           </p:cNvPr>
@@ -33188,7 +33334,7 @@
           <p:cNvPr id="12" name="Rectangle 1">
             <a:extLst>
               <a:ext uri="{FF2B5EF4-FFF2-40B4-BE49-F238E27FC236}">
-                <a16:creationId xmlns="" xmlns:a16="http://schemas.microsoft.com/office/drawing/2014/main" id="{FFE5BAF0-90A9-481D-AAC3-4466B273C9B9}"/>
+                <a16:creationId xmlns:a16="http://schemas.microsoft.com/office/drawing/2014/main" id="{FFE5BAF0-90A9-481D-AAC3-4466B273C9B9}"/>
               </a:ext>
             </a:extLst>
           </p:cNvPr>
@@ -33387,7 +33533,7 @@
               <a:tabLst/>
             </a:pPr>
             <a:r>
-              <a:rPr kumimoji="0" lang="en-US" altLang="en-US" sz="1100" b="0" i="0" u="none" strike="noStrike" cap="none" normalizeH="0" baseline="0" dirty="0" smtClean="0">
+              <a:rPr kumimoji="0" lang="en-US" altLang="en-US" sz="1100" b="0" i="0" u="none" strike="noStrike" cap="none" normalizeH="0" baseline="0" dirty="0">
                 <a:ln>
                   <a:noFill/>
                 </a:ln>
@@ -33513,10 +33659,9 @@
             <a:lstStyle/>
             <a:p>
               <a:r>
-                <a:rPr lang="en-US" dirty="0" smtClean="0"/>
+                <a:rPr lang="en-US" dirty="0"/>
                 <a:t>SEAT-MAP</a:t>
               </a:r>
-              <a:endParaRPr lang="en-US" dirty="0"/>
             </a:p>
           </p:txBody>
         </p:sp>
@@ -33600,10 +33745,9 @@
               <a:p>
                 <a:pPr algn="ctr"/>
                 <a:r>
-                  <a:rPr lang="en-US" dirty="0" smtClean="0"/>
+                  <a:rPr lang="en-US" dirty="0"/>
                   <a:t>application id</a:t>
                 </a:r>
-                <a:endParaRPr lang="en-US" dirty="0"/>
               </a:p>
             </p:txBody>
           </p:sp>
@@ -33645,20 +33789,15 @@
                 <a:pPr algn="ctr"/>
                 <a:r>
                   <a:rPr lang="en-US" dirty="0"/>
-                  <a:t>t</a:t>
-                </a:r>
-                <a:r>
-                  <a:rPr lang="en-US" dirty="0" smtClean="0"/>
-                  <a:t>race id</a:t>
+                  <a:t>trace id</a:t>
                 </a:r>
               </a:p>
               <a:p>
                 <a:pPr algn="ctr"/>
                 <a:r>
-                  <a:rPr lang="en-US" dirty="0" smtClean="0"/>
+                  <a:rPr lang="en-US" dirty="0"/>
                   <a:t>(per request chain)</a:t>
                 </a:r>
-                <a:endParaRPr lang="en-US" dirty="0"/>
               </a:p>
             </p:txBody>
           </p:sp>
@@ -33699,17 +33838,16 @@
               <a:p>
                 <a:pPr algn="ctr"/>
                 <a:r>
-                  <a:rPr lang="en-US" dirty="0" smtClean="0"/>
+                  <a:rPr lang="en-US" dirty="0"/>
                   <a:t>span id</a:t>
                 </a:r>
               </a:p>
               <a:p>
                 <a:pPr algn="ctr"/>
                 <a:r>
-                  <a:rPr lang="en-US" dirty="0" smtClean="0"/>
+                  <a:rPr lang="en-US" dirty="0"/>
                   <a:t>(per micro service)</a:t>
                 </a:r>
-                <a:endParaRPr lang="en-US" dirty="0"/>
               </a:p>
             </p:txBody>
           </p:sp>
@@ -33750,10 +33888,9 @@
               <a:p>
                 <a:pPr algn="ctr"/>
                 <a:r>
-                  <a:rPr lang="en-US" dirty="0" smtClean="0"/>
+                  <a:rPr lang="en-US" dirty="0"/>
                   <a:t>export</a:t>
                 </a:r>
-                <a:endParaRPr lang="en-US" dirty="0"/>
               </a:p>
             </p:txBody>
           </p:sp>
@@ -33794,17 +33931,16 @@
               <a:p>
                 <a:pPr algn="ctr"/>
                 <a:r>
-                  <a:rPr lang="en-US" dirty="0" smtClean="0"/>
+                  <a:rPr lang="en-US" dirty="0"/>
                   <a:t>span id</a:t>
                 </a:r>
               </a:p>
               <a:p>
                 <a:pPr algn="ctr"/>
                 <a:r>
-                  <a:rPr lang="en-US" dirty="0" smtClean="0"/>
+                  <a:rPr lang="en-US" dirty="0"/>
                   <a:t>(per micro service)</a:t>
                 </a:r>
-                <a:endParaRPr lang="en-US" dirty="0"/>
               </a:p>
             </p:txBody>
           </p:sp>
@@ -33963,10 +34099,9 @@
           <a:lstStyle/>
           <a:p>
             <a:r>
-              <a:rPr lang="en-US" dirty="0" smtClean="0"/>
+              <a:rPr lang="en-US" dirty="0"/>
               <a:t>true</a:t>
             </a:r>
-            <a:endParaRPr lang="en-US" dirty="0"/>
           </a:p>
         </p:txBody>
       </p:sp>
@@ -34272,7 +34407,7 @@
   <a:extraClrSchemeLst/>
   <a:extLst>
     <a:ext uri="{05A4C25C-085E-4340-85A3-A5531E510DB2}">
-      <thm15:themeFamily xmlns="" xmlns:thm15="http://schemas.microsoft.com/office/thememl/2012/main" name="Office Theme" id="{62F939B6-93AF-4DB8-9C6B-D6C7DFDC589F}" vid="{4A3C46E8-61CC-4603-A589-7422A47A8E4A}"/>
+      <thm15:themeFamily xmlns:thm15="http://schemas.microsoft.com/office/thememl/2012/main" name="Office Theme" id="{62F939B6-93AF-4DB8-9C6B-D6C7DFDC589F}" vid="{4A3C46E8-61CC-4603-A589-7422A47A8E4A}"/>
     </a:ext>
   </a:extLst>
 </a:theme>

--- a/src/spring/spring.boot.pptx
+++ b/src/spring/spring.boot.pptx
@@ -18,6 +18,7 @@
     <p:sldId id="267" r:id="rId12"/>
     <p:sldId id="268" r:id="rId13"/>
     <p:sldId id="269" r:id="rId14"/>
+    <p:sldId id="270" r:id="rId15"/>
   </p:sldIdLst>
   <p:sldSz cx="12192000" cy="6858000"/>
   <p:notesSz cx="6858000" cy="9144000"/>
@@ -118,7 +119,7 @@
   </p:defaultTextStyle>
   <p:extLst>
     <p:ext uri="{EFAFB233-063F-42B5-8137-9DF3F51BA10A}">
-      <p15:sldGuideLst xmlns:p15="http://schemas.microsoft.com/office/powerpoint/2012/main">
+      <p15:sldGuideLst xmlns:p15="http://schemas.microsoft.com/office/powerpoint/2012/main" xmlns="">
         <p15:guide id="1" orient="horz" pos="2160">
           <p15:clr>
             <a:srgbClr val="A4A3A4"/>
@@ -157,7 +158,7 @@
           <p:cNvPr id="2" name="Title 1">
             <a:extLst>
               <a:ext uri="{FF2B5EF4-FFF2-40B4-BE49-F238E27FC236}">
-                <a16:creationId xmlns:a16="http://schemas.microsoft.com/office/drawing/2014/main" id="{5314CC82-8D6F-41E3-B7D6-B16EE23DCB91}"/>
+                <a16:creationId xmlns:a16="http://schemas.microsoft.com/office/drawing/2014/main" xmlns="" id="{5314CC82-8D6F-41E3-B7D6-B16EE23DCB91}"/>
               </a:ext>
             </a:extLst>
           </p:cNvPr>
@@ -195,7 +196,7 @@
           <p:cNvPr id="3" name="Subtitle 2">
             <a:extLst>
               <a:ext uri="{FF2B5EF4-FFF2-40B4-BE49-F238E27FC236}">
-                <a16:creationId xmlns:a16="http://schemas.microsoft.com/office/drawing/2014/main" id="{8F4A6942-5EB2-4699-A8F2-2DAE91A05EED}"/>
+                <a16:creationId xmlns:a16="http://schemas.microsoft.com/office/drawing/2014/main" xmlns="" id="{8F4A6942-5EB2-4699-A8F2-2DAE91A05EED}"/>
               </a:ext>
             </a:extLst>
           </p:cNvPr>
@@ -266,7 +267,7 @@
           <p:cNvPr id="4" name="Date Placeholder 3">
             <a:extLst>
               <a:ext uri="{FF2B5EF4-FFF2-40B4-BE49-F238E27FC236}">
-                <a16:creationId xmlns:a16="http://schemas.microsoft.com/office/drawing/2014/main" id="{8030E49B-9D2D-45C9-A8AC-FF0D41C713FC}"/>
+                <a16:creationId xmlns:a16="http://schemas.microsoft.com/office/drawing/2014/main" xmlns="" id="{8030E49B-9D2D-45C9-A8AC-FF0D41C713FC}"/>
               </a:ext>
             </a:extLst>
           </p:cNvPr>
@@ -295,7 +296,7 @@
           <p:cNvPr id="5" name="Footer Placeholder 4">
             <a:extLst>
               <a:ext uri="{FF2B5EF4-FFF2-40B4-BE49-F238E27FC236}">
-                <a16:creationId xmlns:a16="http://schemas.microsoft.com/office/drawing/2014/main" id="{59898343-3ADA-4437-AD7B-D938F0774BF9}"/>
+                <a16:creationId xmlns:a16="http://schemas.microsoft.com/office/drawing/2014/main" xmlns="" id="{59898343-3ADA-4437-AD7B-D938F0774BF9}"/>
               </a:ext>
             </a:extLst>
           </p:cNvPr>
@@ -320,7 +321,7 @@
           <p:cNvPr id="6" name="Slide Number Placeholder 5">
             <a:extLst>
               <a:ext uri="{FF2B5EF4-FFF2-40B4-BE49-F238E27FC236}">
-                <a16:creationId xmlns:a16="http://schemas.microsoft.com/office/drawing/2014/main" id="{EFEEDA11-201A-4018-98A4-D13CB3EB8363}"/>
+                <a16:creationId xmlns:a16="http://schemas.microsoft.com/office/drawing/2014/main" xmlns="" id="{EFEEDA11-201A-4018-98A4-D13CB3EB8363}"/>
               </a:ext>
             </a:extLst>
           </p:cNvPr>
@@ -379,7 +380,7 @@
           <p:cNvPr id="2" name="Title 1">
             <a:extLst>
               <a:ext uri="{FF2B5EF4-FFF2-40B4-BE49-F238E27FC236}">
-                <a16:creationId xmlns:a16="http://schemas.microsoft.com/office/drawing/2014/main" id="{6B7291D8-7C0F-436E-900B-5ADDF5CE31CD}"/>
+                <a16:creationId xmlns:a16="http://schemas.microsoft.com/office/drawing/2014/main" xmlns="" id="{6B7291D8-7C0F-436E-900B-5ADDF5CE31CD}"/>
               </a:ext>
             </a:extLst>
           </p:cNvPr>
@@ -408,7 +409,7 @@
           <p:cNvPr id="3" name="Vertical Text Placeholder 2">
             <a:extLst>
               <a:ext uri="{FF2B5EF4-FFF2-40B4-BE49-F238E27FC236}">
-                <a16:creationId xmlns:a16="http://schemas.microsoft.com/office/drawing/2014/main" id="{1B499A46-2DF4-4E6B-82F2-F8EBE524AF96}"/>
+                <a16:creationId xmlns:a16="http://schemas.microsoft.com/office/drawing/2014/main" xmlns="" id="{1B499A46-2DF4-4E6B-82F2-F8EBE524AF96}"/>
               </a:ext>
             </a:extLst>
           </p:cNvPr>
@@ -466,7 +467,7 @@
           <p:cNvPr id="4" name="Date Placeholder 3">
             <a:extLst>
               <a:ext uri="{FF2B5EF4-FFF2-40B4-BE49-F238E27FC236}">
-                <a16:creationId xmlns:a16="http://schemas.microsoft.com/office/drawing/2014/main" id="{1AF3ABDF-542E-4B0B-B115-82C2BC90406A}"/>
+                <a16:creationId xmlns:a16="http://schemas.microsoft.com/office/drawing/2014/main" xmlns="" id="{1AF3ABDF-542E-4B0B-B115-82C2BC90406A}"/>
               </a:ext>
             </a:extLst>
           </p:cNvPr>
@@ -495,7 +496,7 @@
           <p:cNvPr id="5" name="Footer Placeholder 4">
             <a:extLst>
               <a:ext uri="{FF2B5EF4-FFF2-40B4-BE49-F238E27FC236}">
-                <a16:creationId xmlns:a16="http://schemas.microsoft.com/office/drawing/2014/main" id="{B1E8F9B6-14D8-4DA0-A38A-C1591A50841E}"/>
+                <a16:creationId xmlns:a16="http://schemas.microsoft.com/office/drawing/2014/main" xmlns="" id="{B1E8F9B6-14D8-4DA0-A38A-C1591A50841E}"/>
               </a:ext>
             </a:extLst>
           </p:cNvPr>
@@ -520,7 +521,7 @@
           <p:cNvPr id="6" name="Slide Number Placeholder 5">
             <a:extLst>
               <a:ext uri="{FF2B5EF4-FFF2-40B4-BE49-F238E27FC236}">
-                <a16:creationId xmlns:a16="http://schemas.microsoft.com/office/drawing/2014/main" id="{E0EC3098-6B42-4CA3-A9EA-0CEE6D48391A}"/>
+                <a16:creationId xmlns:a16="http://schemas.microsoft.com/office/drawing/2014/main" xmlns="" id="{E0EC3098-6B42-4CA3-A9EA-0CEE6D48391A}"/>
               </a:ext>
             </a:extLst>
           </p:cNvPr>
@@ -579,7 +580,7 @@
           <p:cNvPr id="2" name="Vertical Title 1">
             <a:extLst>
               <a:ext uri="{FF2B5EF4-FFF2-40B4-BE49-F238E27FC236}">
-                <a16:creationId xmlns:a16="http://schemas.microsoft.com/office/drawing/2014/main" id="{D2AE34B9-E7E1-404B-A656-7F5FB6317B83}"/>
+                <a16:creationId xmlns:a16="http://schemas.microsoft.com/office/drawing/2014/main" xmlns="" id="{D2AE34B9-E7E1-404B-A656-7F5FB6317B83}"/>
               </a:ext>
             </a:extLst>
           </p:cNvPr>
@@ -613,7 +614,7 @@
           <p:cNvPr id="3" name="Vertical Text Placeholder 2">
             <a:extLst>
               <a:ext uri="{FF2B5EF4-FFF2-40B4-BE49-F238E27FC236}">
-                <a16:creationId xmlns:a16="http://schemas.microsoft.com/office/drawing/2014/main" id="{22DACAAF-07ED-4BDB-AE9D-268D767CD7E8}"/>
+                <a16:creationId xmlns:a16="http://schemas.microsoft.com/office/drawing/2014/main" xmlns="" id="{22DACAAF-07ED-4BDB-AE9D-268D767CD7E8}"/>
               </a:ext>
             </a:extLst>
           </p:cNvPr>
@@ -676,7 +677,7 @@
           <p:cNvPr id="4" name="Date Placeholder 3">
             <a:extLst>
               <a:ext uri="{FF2B5EF4-FFF2-40B4-BE49-F238E27FC236}">
-                <a16:creationId xmlns:a16="http://schemas.microsoft.com/office/drawing/2014/main" id="{0EE7A4C4-77A9-45DF-AD60-2282B037F111}"/>
+                <a16:creationId xmlns:a16="http://schemas.microsoft.com/office/drawing/2014/main" xmlns="" id="{0EE7A4C4-77A9-45DF-AD60-2282B037F111}"/>
               </a:ext>
             </a:extLst>
           </p:cNvPr>
@@ -705,7 +706,7 @@
           <p:cNvPr id="5" name="Footer Placeholder 4">
             <a:extLst>
               <a:ext uri="{FF2B5EF4-FFF2-40B4-BE49-F238E27FC236}">
-                <a16:creationId xmlns:a16="http://schemas.microsoft.com/office/drawing/2014/main" id="{C102B154-5274-4175-9A89-2092122CCD76}"/>
+                <a16:creationId xmlns:a16="http://schemas.microsoft.com/office/drawing/2014/main" xmlns="" id="{C102B154-5274-4175-9A89-2092122CCD76}"/>
               </a:ext>
             </a:extLst>
           </p:cNvPr>
@@ -730,7 +731,7 @@
           <p:cNvPr id="6" name="Slide Number Placeholder 5">
             <a:extLst>
               <a:ext uri="{FF2B5EF4-FFF2-40B4-BE49-F238E27FC236}">
-                <a16:creationId xmlns:a16="http://schemas.microsoft.com/office/drawing/2014/main" id="{1A6919B0-5E57-4739-B46F-B31616A810D9}"/>
+                <a16:creationId xmlns:a16="http://schemas.microsoft.com/office/drawing/2014/main" xmlns="" id="{1A6919B0-5E57-4739-B46F-B31616A810D9}"/>
               </a:ext>
             </a:extLst>
           </p:cNvPr>
@@ -789,7 +790,7 @@
           <p:cNvPr id="2" name="Title 1">
             <a:extLst>
               <a:ext uri="{FF2B5EF4-FFF2-40B4-BE49-F238E27FC236}">
-                <a16:creationId xmlns:a16="http://schemas.microsoft.com/office/drawing/2014/main" id="{BF8E150B-E216-469C-9EF3-1F0F5714278F}"/>
+                <a16:creationId xmlns:a16="http://schemas.microsoft.com/office/drawing/2014/main" xmlns="" id="{BF8E150B-E216-469C-9EF3-1F0F5714278F}"/>
               </a:ext>
             </a:extLst>
           </p:cNvPr>
@@ -818,7 +819,7 @@
           <p:cNvPr id="3" name="Content Placeholder 2">
             <a:extLst>
               <a:ext uri="{FF2B5EF4-FFF2-40B4-BE49-F238E27FC236}">
-                <a16:creationId xmlns:a16="http://schemas.microsoft.com/office/drawing/2014/main" id="{4E3EA675-99A2-468B-93D1-46FEEA55F07C}"/>
+                <a16:creationId xmlns:a16="http://schemas.microsoft.com/office/drawing/2014/main" xmlns="" id="{4E3EA675-99A2-468B-93D1-46FEEA55F07C}"/>
               </a:ext>
             </a:extLst>
           </p:cNvPr>
@@ -876,7 +877,7 @@
           <p:cNvPr id="4" name="Date Placeholder 3">
             <a:extLst>
               <a:ext uri="{FF2B5EF4-FFF2-40B4-BE49-F238E27FC236}">
-                <a16:creationId xmlns:a16="http://schemas.microsoft.com/office/drawing/2014/main" id="{BB353DAF-9232-4FD2-96EB-ADCCA5855567}"/>
+                <a16:creationId xmlns:a16="http://schemas.microsoft.com/office/drawing/2014/main" xmlns="" id="{BB353DAF-9232-4FD2-96EB-ADCCA5855567}"/>
               </a:ext>
             </a:extLst>
           </p:cNvPr>
@@ -905,7 +906,7 @@
           <p:cNvPr id="5" name="Footer Placeholder 4">
             <a:extLst>
               <a:ext uri="{FF2B5EF4-FFF2-40B4-BE49-F238E27FC236}">
-                <a16:creationId xmlns:a16="http://schemas.microsoft.com/office/drawing/2014/main" id="{364BB921-BC61-44F2-825D-140F6DAFEC5D}"/>
+                <a16:creationId xmlns:a16="http://schemas.microsoft.com/office/drawing/2014/main" xmlns="" id="{364BB921-BC61-44F2-825D-140F6DAFEC5D}"/>
               </a:ext>
             </a:extLst>
           </p:cNvPr>
@@ -930,7 +931,7 @@
           <p:cNvPr id="6" name="Slide Number Placeholder 5">
             <a:extLst>
               <a:ext uri="{FF2B5EF4-FFF2-40B4-BE49-F238E27FC236}">
-                <a16:creationId xmlns:a16="http://schemas.microsoft.com/office/drawing/2014/main" id="{6C0574DB-BEEF-4E0A-ACC6-3A5EF3C06706}"/>
+                <a16:creationId xmlns:a16="http://schemas.microsoft.com/office/drawing/2014/main" xmlns="" id="{6C0574DB-BEEF-4E0A-ACC6-3A5EF3C06706}"/>
               </a:ext>
             </a:extLst>
           </p:cNvPr>
@@ -989,7 +990,7 @@
           <p:cNvPr id="2" name="Title 1">
             <a:extLst>
               <a:ext uri="{FF2B5EF4-FFF2-40B4-BE49-F238E27FC236}">
-                <a16:creationId xmlns:a16="http://schemas.microsoft.com/office/drawing/2014/main" id="{F1570C1F-3EAE-4443-B715-1BA91E4F6A89}"/>
+                <a16:creationId xmlns:a16="http://schemas.microsoft.com/office/drawing/2014/main" xmlns="" id="{F1570C1F-3EAE-4443-B715-1BA91E4F6A89}"/>
               </a:ext>
             </a:extLst>
           </p:cNvPr>
@@ -1027,7 +1028,7 @@
           <p:cNvPr id="3" name="Text Placeholder 2">
             <a:extLst>
               <a:ext uri="{FF2B5EF4-FFF2-40B4-BE49-F238E27FC236}">
-                <a16:creationId xmlns:a16="http://schemas.microsoft.com/office/drawing/2014/main" id="{FFEF6FF1-CE13-478E-BF6D-0510F93AF789}"/>
+                <a16:creationId xmlns:a16="http://schemas.microsoft.com/office/drawing/2014/main" xmlns="" id="{FFEF6FF1-CE13-478E-BF6D-0510F93AF789}"/>
               </a:ext>
             </a:extLst>
           </p:cNvPr>
@@ -1152,7 +1153,7 @@
           <p:cNvPr id="4" name="Date Placeholder 3">
             <a:extLst>
               <a:ext uri="{FF2B5EF4-FFF2-40B4-BE49-F238E27FC236}">
-                <a16:creationId xmlns:a16="http://schemas.microsoft.com/office/drawing/2014/main" id="{B2E1C887-51B6-46E7-B473-67C370949451}"/>
+                <a16:creationId xmlns:a16="http://schemas.microsoft.com/office/drawing/2014/main" xmlns="" id="{B2E1C887-51B6-46E7-B473-67C370949451}"/>
               </a:ext>
             </a:extLst>
           </p:cNvPr>
@@ -1181,7 +1182,7 @@
           <p:cNvPr id="5" name="Footer Placeholder 4">
             <a:extLst>
               <a:ext uri="{FF2B5EF4-FFF2-40B4-BE49-F238E27FC236}">
-                <a16:creationId xmlns:a16="http://schemas.microsoft.com/office/drawing/2014/main" id="{67BF367F-E2DF-412A-A011-DD02BEE5FF8D}"/>
+                <a16:creationId xmlns:a16="http://schemas.microsoft.com/office/drawing/2014/main" xmlns="" id="{67BF367F-E2DF-412A-A011-DD02BEE5FF8D}"/>
               </a:ext>
             </a:extLst>
           </p:cNvPr>
@@ -1206,7 +1207,7 @@
           <p:cNvPr id="6" name="Slide Number Placeholder 5">
             <a:extLst>
               <a:ext uri="{FF2B5EF4-FFF2-40B4-BE49-F238E27FC236}">
-                <a16:creationId xmlns:a16="http://schemas.microsoft.com/office/drawing/2014/main" id="{AC88DD6F-34F7-48EA-B36C-332824F3F4BD}"/>
+                <a16:creationId xmlns:a16="http://schemas.microsoft.com/office/drawing/2014/main" xmlns="" id="{AC88DD6F-34F7-48EA-B36C-332824F3F4BD}"/>
               </a:ext>
             </a:extLst>
           </p:cNvPr>
@@ -1265,7 +1266,7 @@
           <p:cNvPr id="2" name="Title 1">
             <a:extLst>
               <a:ext uri="{FF2B5EF4-FFF2-40B4-BE49-F238E27FC236}">
-                <a16:creationId xmlns:a16="http://schemas.microsoft.com/office/drawing/2014/main" id="{42ABAE2B-F990-490A-8A2B-DC1B468C4C9D}"/>
+                <a16:creationId xmlns:a16="http://schemas.microsoft.com/office/drawing/2014/main" xmlns="" id="{42ABAE2B-F990-490A-8A2B-DC1B468C4C9D}"/>
               </a:ext>
             </a:extLst>
           </p:cNvPr>
@@ -1294,7 +1295,7 @@
           <p:cNvPr id="3" name="Content Placeholder 2">
             <a:extLst>
               <a:ext uri="{FF2B5EF4-FFF2-40B4-BE49-F238E27FC236}">
-                <a16:creationId xmlns:a16="http://schemas.microsoft.com/office/drawing/2014/main" id="{0BCD8D17-D484-4209-B469-1D028CACC191}"/>
+                <a16:creationId xmlns:a16="http://schemas.microsoft.com/office/drawing/2014/main" xmlns="" id="{0BCD8D17-D484-4209-B469-1D028CACC191}"/>
               </a:ext>
             </a:extLst>
           </p:cNvPr>
@@ -1357,7 +1358,7 @@
           <p:cNvPr id="4" name="Content Placeholder 3">
             <a:extLst>
               <a:ext uri="{FF2B5EF4-FFF2-40B4-BE49-F238E27FC236}">
-                <a16:creationId xmlns:a16="http://schemas.microsoft.com/office/drawing/2014/main" id="{609EF4EA-AC12-4C1E-A56A-BAAF05F4BC5B}"/>
+                <a16:creationId xmlns:a16="http://schemas.microsoft.com/office/drawing/2014/main" xmlns="" id="{609EF4EA-AC12-4C1E-A56A-BAAF05F4BC5B}"/>
               </a:ext>
             </a:extLst>
           </p:cNvPr>
@@ -1420,7 +1421,7 @@
           <p:cNvPr id="5" name="Date Placeholder 4">
             <a:extLst>
               <a:ext uri="{FF2B5EF4-FFF2-40B4-BE49-F238E27FC236}">
-                <a16:creationId xmlns:a16="http://schemas.microsoft.com/office/drawing/2014/main" id="{47BD33E5-559F-4A20-9F2A-0F1CF39370E2}"/>
+                <a16:creationId xmlns:a16="http://schemas.microsoft.com/office/drawing/2014/main" xmlns="" id="{47BD33E5-559F-4A20-9F2A-0F1CF39370E2}"/>
               </a:ext>
             </a:extLst>
           </p:cNvPr>
@@ -1449,7 +1450,7 @@
           <p:cNvPr id="6" name="Footer Placeholder 5">
             <a:extLst>
               <a:ext uri="{FF2B5EF4-FFF2-40B4-BE49-F238E27FC236}">
-                <a16:creationId xmlns:a16="http://schemas.microsoft.com/office/drawing/2014/main" id="{4A883C9C-A604-439E-86FB-B2F61C2DE026}"/>
+                <a16:creationId xmlns:a16="http://schemas.microsoft.com/office/drawing/2014/main" xmlns="" id="{4A883C9C-A604-439E-86FB-B2F61C2DE026}"/>
               </a:ext>
             </a:extLst>
           </p:cNvPr>
@@ -1474,7 +1475,7 @@
           <p:cNvPr id="7" name="Slide Number Placeholder 6">
             <a:extLst>
               <a:ext uri="{FF2B5EF4-FFF2-40B4-BE49-F238E27FC236}">
-                <a16:creationId xmlns:a16="http://schemas.microsoft.com/office/drawing/2014/main" id="{0A423502-111A-4C6F-83C4-726C9E53D873}"/>
+                <a16:creationId xmlns:a16="http://schemas.microsoft.com/office/drawing/2014/main" xmlns="" id="{0A423502-111A-4C6F-83C4-726C9E53D873}"/>
               </a:ext>
             </a:extLst>
           </p:cNvPr>
@@ -1533,7 +1534,7 @@
           <p:cNvPr id="2" name="Title 1">
             <a:extLst>
               <a:ext uri="{FF2B5EF4-FFF2-40B4-BE49-F238E27FC236}">
-                <a16:creationId xmlns:a16="http://schemas.microsoft.com/office/drawing/2014/main" id="{4762B311-339D-448B-9205-82CDDB6668CD}"/>
+                <a16:creationId xmlns:a16="http://schemas.microsoft.com/office/drawing/2014/main" xmlns="" id="{4762B311-339D-448B-9205-82CDDB6668CD}"/>
               </a:ext>
             </a:extLst>
           </p:cNvPr>
@@ -1567,7 +1568,7 @@
           <p:cNvPr id="3" name="Text Placeholder 2">
             <a:extLst>
               <a:ext uri="{FF2B5EF4-FFF2-40B4-BE49-F238E27FC236}">
-                <a16:creationId xmlns:a16="http://schemas.microsoft.com/office/drawing/2014/main" id="{A233EB1A-8EB6-4F5A-B8A3-F041A9924429}"/>
+                <a16:creationId xmlns:a16="http://schemas.microsoft.com/office/drawing/2014/main" xmlns="" id="{A233EB1A-8EB6-4F5A-B8A3-F041A9924429}"/>
               </a:ext>
             </a:extLst>
           </p:cNvPr>
@@ -1638,7 +1639,7 @@
           <p:cNvPr id="4" name="Content Placeholder 3">
             <a:extLst>
               <a:ext uri="{FF2B5EF4-FFF2-40B4-BE49-F238E27FC236}">
-                <a16:creationId xmlns:a16="http://schemas.microsoft.com/office/drawing/2014/main" id="{195DCA69-6333-45A7-8E6A-295095A83F72}"/>
+                <a16:creationId xmlns:a16="http://schemas.microsoft.com/office/drawing/2014/main" xmlns="" id="{195DCA69-6333-45A7-8E6A-295095A83F72}"/>
               </a:ext>
             </a:extLst>
           </p:cNvPr>
@@ -1701,7 +1702,7 @@
           <p:cNvPr id="5" name="Text Placeholder 4">
             <a:extLst>
               <a:ext uri="{FF2B5EF4-FFF2-40B4-BE49-F238E27FC236}">
-                <a16:creationId xmlns:a16="http://schemas.microsoft.com/office/drawing/2014/main" id="{3BCF98AE-2080-4E4C-BB5C-529F768F8D7D}"/>
+                <a16:creationId xmlns:a16="http://schemas.microsoft.com/office/drawing/2014/main" xmlns="" id="{3BCF98AE-2080-4E4C-BB5C-529F768F8D7D}"/>
               </a:ext>
             </a:extLst>
           </p:cNvPr>
@@ -1772,7 +1773,7 @@
           <p:cNvPr id="6" name="Content Placeholder 5">
             <a:extLst>
               <a:ext uri="{FF2B5EF4-FFF2-40B4-BE49-F238E27FC236}">
-                <a16:creationId xmlns:a16="http://schemas.microsoft.com/office/drawing/2014/main" id="{F23879DC-B4F2-4F7C-BC69-4736E8EBD49C}"/>
+                <a16:creationId xmlns:a16="http://schemas.microsoft.com/office/drawing/2014/main" xmlns="" id="{F23879DC-B4F2-4F7C-BC69-4736E8EBD49C}"/>
               </a:ext>
             </a:extLst>
           </p:cNvPr>
@@ -1835,7 +1836,7 @@
           <p:cNvPr id="7" name="Date Placeholder 6">
             <a:extLst>
               <a:ext uri="{FF2B5EF4-FFF2-40B4-BE49-F238E27FC236}">
-                <a16:creationId xmlns:a16="http://schemas.microsoft.com/office/drawing/2014/main" id="{B9113094-6823-472F-AC58-290DBA7A10A1}"/>
+                <a16:creationId xmlns:a16="http://schemas.microsoft.com/office/drawing/2014/main" xmlns="" id="{B9113094-6823-472F-AC58-290DBA7A10A1}"/>
               </a:ext>
             </a:extLst>
           </p:cNvPr>
@@ -1864,7 +1865,7 @@
           <p:cNvPr id="8" name="Footer Placeholder 7">
             <a:extLst>
               <a:ext uri="{FF2B5EF4-FFF2-40B4-BE49-F238E27FC236}">
-                <a16:creationId xmlns:a16="http://schemas.microsoft.com/office/drawing/2014/main" id="{D607856D-26E0-48C8-A124-370D5E6E1802}"/>
+                <a16:creationId xmlns:a16="http://schemas.microsoft.com/office/drawing/2014/main" xmlns="" id="{D607856D-26E0-48C8-A124-370D5E6E1802}"/>
               </a:ext>
             </a:extLst>
           </p:cNvPr>
@@ -1889,7 +1890,7 @@
           <p:cNvPr id="9" name="Slide Number Placeholder 8">
             <a:extLst>
               <a:ext uri="{FF2B5EF4-FFF2-40B4-BE49-F238E27FC236}">
-                <a16:creationId xmlns:a16="http://schemas.microsoft.com/office/drawing/2014/main" id="{8FFEA9EB-1F9A-462D-8A1C-EF53ED1654F3}"/>
+                <a16:creationId xmlns:a16="http://schemas.microsoft.com/office/drawing/2014/main" xmlns="" id="{8FFEA9EB-1F9A-462D-8A1C-EF53ED1654F3}"/>
               </a:ext>
             </a:extLst>
           </p:cNvPr>
@@ -1948,7 +1949,7 @@
           <p:cNvPr id="2" name="Title 1">
             <a:extLst>
               <a:ext uri="{FF2B5EF4-FFF2-40B4-BE49-F238E27FC236}">
-                <a16:creationId xmlns:a16="http://schemas.microsoft.com/office/drawing/2014/main" id="{1B73D253-82B2-40BA-B7C6-BD1D1AEF97EF}"/>
+                <a16:creationId xmlns:a16="http://schemas.microsoft.com/office/drawing/2014/main" xmlns="" id="{1B73D253-82B2-40BA-B7C6-BD1D1AEF97EF}"/>
               </a:ext>
             </a:extLst>
           </p:cNvPr>
@@ -1977,7 +1978,7 @@
           <p:cNvPr id="3" name="Date Placeholder 2">
             <a:extLst>
               <a:ext uri="{FF2B5EF4-FFF2-40B4-BE49-F238E27FC236}">
-                <a16:creationId xmlns:a16="http://schemas.microsoft.com/office/drawing/2014/main" id="{3C4DE193-25BE-462D-ADC2-D55F4C33B788}"/>
+                <a16:creationId xmlns:a16="http://schemas.microsoft.com/office/drawing/2014/main" xmlns="" id="{3C4DE193-25BE-462D-ADC2-D55F4C33B788}"/>
               </a:ext>
             </a:extLst>
           </p:cNvPr>
@@ -2006,7 +2007,7 @@
           <p:cNvPr id="4" name="Footer Placeholder 3">
             <a:extLst>
               <a:ext uri="{FF2B5EF4-FFF2-40B4-BE49-F238E27FC236}">
-                <a16:creationId xmlns:a16="http://schemas.microsoft.com/office/drawing/2014/main" id="{C0E74FAE-7F84-43E2-A1F1-7C4A37743CE3}"/>
+                <a16:creationId xmlns:a16="http://schemas.microsoft.com/office/drawing/2014/main" xmlns="" id="{C0E74FAE-7F84-43E2-A1F1-7C4A37743CE3}"/>
               </a:ext>
             </a:extLst>
           </p:cNvPr>
@@ -2031,7 +2032,7 @@
           <p:cNvPr id="5" name="Slide Number Placeholder 4">
             <a:extLst>
               <a:ext uri="{FF2B5EF4-FFF2-40B4-BE49-F238E27FC236}">
-                <a16:creationId xmlns:a16="http://schemas.microsoft.com/office/drawing/2014/main" id="{428E7890-162B-4DD6-A6F3-5BBC205B876C}"/>
+                <a16:creationId xmlns:a16="http://schemas.microsoft.com/office/drawing/2014/main" xmlns="" id="{428E7890-162B-4DD6-A6F3-5BBC205B876C}"/>
               </a:ext>
             </a:extLst>
           </p:cNvPr>
@@ -2090,7 +2091,7 @@
           <p:cNvPr id="2" name="Date Placeholder 1">
             <a:extLst>
               <a:ext uri="{FF2B5EF4-FFF2-40B4-BE49-F238E27FC236}">
-                <a16:creationId xmlns:a16="http://schemas.microsoft.com/office/drawing/2014/main" id="{A732E3B0-E78B-47E2-B3D9-0FB9351D6277}"/>
+                <a16:creationId xmlns:a16="http://schemas.microsoft.com/office/drawing/2014/main" xmlns="" id="{A732E3B0-E78B-47E2-B3D9-0FB9351D6277}"/>
               </a:ext>
             </a:extLst>
           </p:cNvPr>
@@ -2119,7 +2120,7 @@
           <p:cNvPr id="3" name="Footer Placeholder 2">
             <a:extLst>
               <a:ext uri="{FF2B5EF4-FFF2-40B4-BE49-F238E27FC236}">
-                <a16:creationId xmlns:a16="http://schemas.microsoft.com/office/drawing/2014/main" id="{53D20DC8-C42C-4A18-9CDE-0B8C423BE64F}"/>
+                <a16:creationId xmlns:a16="http://schemas.microsoft.com/office/drawing/2014/main" xmlns="" id="{53D20DC8-C42C-4A18-9CDE-0B8C423BE64F}"/>
               </a:ext>
             </a:extLst>
           </p:cNvPr>
@@ -2144,7 +2145,7 @@
           <p:cNvPr id="4" name="Slide Number Placeholder 3">
             <a:extLst>
               <a:ext uri="{FF2B5EF4-FFF2-40B4-BE49-F238E27FC236}">
-                <a16:creationId xmlns:a16="http://schemas.microsoft.com/office/drawing/2014/main" id="{45BFB77B-0F13-424B-BC1F-B39E54443C82}"/>
+                <a16:creationId xmlns:a16="http://schemas.microsoft.com/office/drawing/2014/main" xmlns="" id="{45BFB77B-0F13-424B-BC1F-B39E54443C82}"/>
               </a:ext>
             </a:extLst>
           </p:cNvPr>
@@ -2203,7 +2204,7 @@
           <p:cNvPr id="2" name="Title 1">
             <a:extLst>
               <a:ext uri="{FF2B5EF4-FFF2-40B4-BE49-F238E27FC236}">
-                <a16:creationId xmlns:a16="http://schemas.microsoft.com/office/drawing/2014/main" id="{EAB03FCE-5B4D-43CC-9891-7A06EF85378A}"/>
+                <a16:creationId xmlns:a16="http://schemas.microsoft.com/office/drawing/2014/main" xmlns="" id="{EAB03FCE-5B4D-43CC-9891-7A06EF85378A}"/>
               </a:ext>
             </a:extLst>
           </p:cNvPr>
@@ -2241,7 +2242,7 @@
           <p:cNvPr id="3" name="Content Placeholder 2">
             <a:extLst>
               <a:ext uri="{FF2B5EF4-FFF2-40B4-BE49-F238E27FC236}">
-                <a16:creationId xmlns:a16="http://schemas.microsoft.com/office/drawing/2014/main" id="{04D708FD-3FF3-4AC1-AF70-F1E318273C90}"/>
+                <a16:creationId xmlns:a16="http://schemas.microsoft.com/office/drawing/2014/main" xmlns="" id="{04D708FD-3FF3-4AC1-AF70-F1E318273C90}"/>
               </a:ext>
             </a:extLst>
           </p:cNvPr>
@@ -2332,7 +2333,7 @@
           <p:cNvPr id="4" name="Text Placeholder 3">
             <a:extLst>
               <a:ext uri="{FF2B5EF4-FFF2-40B4-BE49-F238E27FC236}">
-                <a16:creationId xmlns:a16="http://schemas.microsoft.com/office/drawing/2014/main" id="{27172CC0-FEEA-445E-B0A4-E5B72DB9A13A}"/>
+                <a16:creationId xmlns:a16="http://schemas.microsoft.com/office/drawing/2014/main" xmlns="" id="{27172CC0-FEEA-445E-B0A4-E5B72DB9A13A}"/>
               </a:ext>
             </a:extLst>
           </p:cNvPr>
@@ -2403,7 +2404,7 @@
           <p:cNvPr id="5" name="Date Placeholder 4">
             <a:extLst>
               <a:ext uri="{FF2B5EF4-FFF2-40B4-BE49-F238E27FC236}">
-                <a16:creationId xmlns:a16="http://schemas.microsoft.com/office/drawing/2014/main" id="{52158AC7-4E41-4D1A-B22A-ACEA67A41749}"/>
+                <a16:creationId xmlns:a16="http://schemas.microsoft.com/office/drawing/2014/main" xmlns="" id="{52158AC7-4E41-4D1A-B22A-ACEA67A41749}"/>
               </a:ext>
             </a:extLst>
           </p:cNvPr>
@@ -2432,7 +2433,7 @@
           <p:cNvPr id="6" name="Footer Placeholder 5">
             <a:extLst>
               <a:ext uri="{FF2B5EF4-FFF2-40B4-BE49-F238E27FC236}">
-                <a16:creationId xmlns:a16="http://schemas.microsoft.com/office/drawing/2014/main" id="{869CC2E0-A178-4156-BD8C-D994B014D7A6}"/>
+                <a16:creationId xmlns:a16="http://schemas.microsoft.com/office/drawing/2014/main" xmlns="" id="{869CC2E0-A178-4156-BD8C-D994B014D7A6}"/>
               </a:ext>
             </a:extLst>
           </p:cNvPr>
@@ -2457,7 +2458,7 @@
           <p:cNvPr id="7" name="Slide Number Placeholder 6">
             <a:extLst>
               <a:ext uri="{FF2B5EF4-FFF2-40B4-BE49-F238E27FC236}">
-                <a16:creationId xmlns:a16="http://schemas.microsoft.com/office/drawing/2014/main" id="{1FD43812-3065-420A-AE8C-358A93D69905}"/>
+                <a16:creationId xmlns:a16="http://schemas.microsoft.com/office/drawing/2014/main" xmlns="" id="{1FD43812-3065-420A-AE8C-358A93D69905}"/>
               </a:ext>
             </a:extLst>
           </p:cNvPr>
@@ -2516,7 +2517,7 @@
           <p:cNvPr id="2" name="Title 1">
             <a:extLst>
               <a:ext uri="{FF2B5EF4-FFF2-40B4-BE49-F238E27FC236}">
-                <a16:creationId xmlns:a16="http://schemas.microsoft.com/office/drawing/2014/main" id="{5AFAF3EB-231D-4389-AFA0-2FD6506655F8}"/>
+                <a16:creationId xmlns:a16="http://schemas.microsoft.com/office/drawing/2014/main" xmlns="" id="{5AFAF3EB-231D-4389-AFA0-2FD6506655F8}"/>
               </a:ext>
             </a:extLst>
           </p:cNvPr>
@@ -2554,7 +2555,7 @@
           <p:cNvPr id="3" name="Picture Placeholder 2">
             <a:extLst>
               <a:ext uri="{FF2B5EF4-FFF2-40B4-BE49-F238E27FC236}">
-                <a16:creationId xmlns:a16="http://schemas.microsoft.com/office/drawing/2014/main" id="{FF7A3C75-CC07-46D6-97BF-6356F47132D1}"/>
+                <a16:creationId xmlns:a16="http://schemas.microsoft.com/office/drawing/2014/main" xmlns="" id="{FF7A3C75-CC07-46D6-97BF-6356F47132D1}"/>
               </a:ext>
             </a:extLst>
           </p:cNvPr>
@@ -2621,7 +2622,7 @@
           <p:cNvPr id="4" name="Text Placeholder 3">
             <a:extLst>
               <a:ext uri="{FF2B5EF4-FFF2-40B4-BE49-F238E27FC236}">
-                <a16:creationId xmlns:a16="http://schemas.microsoft.com/office/drawing/2014/main" id="{A73DD846-2088-4D12-A5B9-37C0359760E9}"/>
+                <a16:creationId xmlns:a16="http://schemas.microsoft.com/office/drawing/2014/main" xmlns="" id="{A73DD846-2088-4D12-A5B9-37C0359760E9}"/>
               </a:ext>
             </a:extLst>
           </p:cNvPr>
@@ -2692,7 +2693,7 @@
           <p:cNvPr id="5" name="Date Placeholder 4">
             <a:extLst>
               <a:ext uri="{FF2B5EF4-FFF2-40B4-BE49-F238E27FC236}">
-                <a16:creationId xmlns:a16="http://schemas.microsoft.com/office/drawing/2014/main" id="{952DDB2F-EDA4-458F-9BB6-0D82E07258E2}"/>
+                <a16:creationId xmlns:a16="http://schemas.microsoft.com/office/drawing/2014/main" xmlns="" id="{952DDB2F-EDA4-458F-9BB6-0D82E07258E2}"/>
               </a:ext>
             </a:extLst>
           </p:cNvPr>
@@ -2721,7 +2722,7 @@
           <p:cNvPr id="6" name="Footer Placeholder 5">
             <a:extLst>
               <a:ext uri="{FF2B5EF4-FFF2-40B4-BE49-F238E27FC236}">
-                <a16:creationId xmlns:a16="http://schemas.microsoft.com/office/drawing/2014/main" id="{420F08DD-EBFB-4266-B076-A2F980756DDC}"/>
+                <a16:creationId xmlns:a16="http://schemas.microsoft.com/office/drawing/2014/main" xmlns="" id="{420F08DD-EBFB-4266-B076-A2F980756DDC}"/>
               </a:ext>
             </a:extLst>
           </p:cNvPr>
@@ -2746,7 +2747,7 @@
           <p:cNvPr id="7" name="Slide Number Placeholder 6">
             <a:extLst>
               <a:ext uri="{FF2B5EF4-FFF2-40B4-BE49-F238E27FC236}">
-                <a16:creationId xmlns:a16="http://schemas.microsoft.com/office/drawing/2014/main" id="{6D25345A-F86A-4960-A1C4-8E881A62E5B4}"/>
+                <a16:creationId xmlns:a16="http://schemas.microsoft.com/office/drawing/2014/main" xmlns="" id="{6D25345A-F86A-4960-A1C4-8E881A62E5B4}"/>
               </a:ext>
             </a:extLst>
           </p:cNvPr>
@@ -2810,7 +2811,7 @@
           <p:cNvPr id="2" name="Title Placeholder 1">
             <a:extLst>
               <a:ext uri="{FF2B5EF4-FFF2-40B4-BE49-F238E27FC236}">
-                <a16:creationId xmlns:a16="http://schemas.microsoft.com/office/drawing/2014/main" id="{C4175E84-4BEA-4B29-97D5-FC88A9CEAFF2}"/>
+                <a16:creationId xmlns:a16="http://schemas.microsoft.com/office/drawing/2014/main" xmlns="" id="{C4175E84-4BEA-4B29-97D5-FC88A9CEAFF2}"/>
               </a:ext>
             </a:extLst>
           </p:cNvPr>
@@ -2849,7 +2850,7 @@
           <p:cNvPr id="3" name="Text Placeholder 2">
             <a:extLst>
               <a:ext uri="{FF2B5EF4-FFF2-40B4-BE49-F238E27FC236}">
-                <a16:creationId xmlns:a16="http://schemas.microsoft.com/office/drawing/2014/main" id="{8C957B72-BF62-4141-AEB4-3E44153F6552}"/>
+                <a16:creationId xmlns:a16="http://schemas.microsoft.com/office/drawing/2014/main" xmlns="" id="{8C957B72-BF62-4141-AEB4-3E44153F6552}"/>
               </a:ext>
             </a:extLst>
           </p:cNvPr>
@@ -2917,7 +2918,7 @@
           <p:cNvPr id="4" name="Date Placeholder 3">
             <a:extLst>
               <a:ext uri="{FF2B5EF4-FFF2-40B4-BE49-F238E27FC236}">
-                <a16:creationId xmlns:a16="http://schemas.microsoft.com/office/drawing/2014/main" id="{32062E18-EEC3-4089-929A-52B043802FD1}"/>
+                <a16:creationId xmlns:a16="http://schemas.microsoft.com/office/drawing/2014/main" xmlns="" id="{32062E18-EEC3-4089-929A-52B043802FD1}"/>
               </a:ext>
             </a:extLst>
           </p:cNvPr>
@@ -2964,7 +2965,7 @@
           <p:cNvPr id="5" name="Footer Placeholder 4">
             <a:extLst>
               <a:ext uri="{FF2B5EF4-FFF2-40B4-BE49-F238E27FC236}">
-                <a16:creationId xmlns:a16="http://schemas.microsoft.com/office/drawing/2014/main" id="{C7717E09-6E10-4B05-81B6-5E6F6EE6FC74}"/>
+                <a16:creationId xmlns:a16="http://schemas.microsoft.com/office/drawing/2014/main" xmlns="" id="{C7717E09-6E10-4B05-81B6-5E6F6EE6FC74}"/>
               </a:ext>
             </a:extLst>
           </p:cNvPr>
@@ -3007,7 +3008,7 @@
           <p:cNvPr id="6" name="Slide Number Placeholder 5">
             <a:extLst>
               <a:ext uri="{FF2B5EF4-FFF2-40B4-BE49-F238E27FC236}">
-                <a16:creationId xmlns:a16="http://schemas.microsoft.com/office/drawing/2014/main" id="{27735183-ECEA-49C4-85B1-B104BD80E308}"/>
+                <a16:creationId xmlns:a16="http://schemas.microsoft.com/office/drawing/2014/main" xmlns="" id="{27735183-ECEA-49C4-85B1-B104BD80E308}"/>
               </a:ext>
             </a:extLst>
           </p:cNvPr>
@@ -3375,7 +3376,7 @@
           <p:cNvPr id="5" name="Rectangle: Rounded Corners 4">
             <a:extLst>
               <a:ext uri="{FF2B5EF4-FFF2-40B4-BE49-F238E27FC236}">
-                <a16:creationId xmlns:a16="http://schemas.microsoft.com/office/drawing/2014/main" id="{3E5316B8-2CDC-470B-BBC3-7B3BB48F917E}"/>
+                <a16:creationId xmlns:a16="http://schemas.microsoft.com/office/drawing/2014/main" xmlns="" id="{3E5316B8-2CDC-470B-BBC3-7B3BB48F917E}"/>
               </a:ext>
             </a:extLst>
           </p:cNvPr>
@@ -3425,7 +3426,7 @@
           <p:cNvPr id="7" name="Rectangle: Rounded Corners 6">
             <a:extLst>
               <a:ext uri="{FF2B5EF4-FFF2-40B4-BE49-F238E27FC236}">
-                <a16:creationId xmlns:a16="http://schemas.microsoft.com/office/drawing/2014/main" id="{031644F9-1251-438C-BEB7-F907C2B49D54}"/>
+                <a16:creationId xmlns:a16="http://schemas.microsoft.com/office/drawing/2014/main" xmlns="" id="{031644F9-1251-438C-BEB7-F907C2B49D54}"/>
               </a:ext>
             </a:extLst>
           </p:cNvPr>
@@ -3482,7 +3483,7 @@
           <p:cNvPr id="11" name="Rectangle: Rounded Corners 10">
             <a:extLst>
               <a:ext uri="{FF2B5EF4-FFF2-40B4-BE49-F238E27FC236}">
-                <a16:creationId xmlns:a16="http://schemas.microsoft.com/office/drawing/2014/main" id="{E416CFAD-AF52-4649-A332-71DEE7426C23}"/>
+                <a16:creationId xmlns:a16="http://schemas.microsoft.com/office/drawing/2014/main" xmlns="" id="{E416CFAD-AF52-4649-A332-71DEE7426C23}"/>
               </a:ext>
             </a:extLst>
           </p:cNvPr>
@@ -3539,7 +3540,7 @@
           <p:cNvPr id="12" name="Rectangle: Rounded Corners 11">
             <a:extLst>
               <a:ext uri="{FF2B5EF4-FFF2-40B4-BE49-F238E27FC236}">
-                <a16:creationId xmlns:a16="http://schemas.microsoft.com/office/drawing/2014/main" id="{F81607E8-5979-4B1D-BCDC-0CDDE92D28C5}"/>
+                <a16:creationId xmlns:a16="http://schemas.microsoft.com/office/drawing/2014/main" xmlns="" id="{F81607E8-5979-4B1D-BCDC-0CDDE92D28C5}"/>
               </a:ext>
             </a:extLst>
           </p:cNvPr>
@@ -3589,7 +3590,7 @@
           <p:cNvPr id="14" name="Rectangle: Rounded Corners 13">
             <a:extLst>
               <a:ext uri="{FF2B5EF4-FFF2-40B4-BE49-F238E27FC236}">
-                <a16:creationId xmlns:a16="http://schemas.microsoft.com/office/drawing/2014/main" id="{F93F1191-805C-4602-B403-FBC4B23FDEE5}"/>
+                <a16:creationId xmlns:a16="http://schemas.microsoft.com/office/drawing/2014/main" xmlns="" id="{F93F1191-805C-4602-B403-FBC4B23FDEE5}"/>
               </a:ext>
             </a:extLst>
           </p:cNvPr>
@@ -3643,7 +3644,7 @@
           <p:cNvPr id="16" name="Connector: Elbow 15">
             <a:extLst>
               <a:ext uri="{FF2B5EF4-FFF2-40B4-BE49-F238E27FC236}">
-                <a16:creationId xmlns:a16="http://schemas.microsoft.com/office/drawing/2014/main" id="{F8E1CA97-7225-45D0-A081-33F98BF5BD88}"/>
+                <a16:creationId xmlns:a16="http://schemas.microsoft.com/office/drawing/2014/main" xmlns="" id="{F8E1CA97-7225-45D0-A081-33F98BF5BD88}"/>
               </a:ext>
             </a:extLst>
           </p:cNvPr>
@@ -3688,7 +3689,7 @@
           <p:cNvPr id="19" name="Rectangle: Rounded Corners 18">
             <a:extLst>
               <a:ext uri="{FF2B5EF4-FFF2-40B4-BE49-F238E27FC236}">
-                <a16:creationId xmlns:a16="http://schemas.microsoft.com/office/drawing/2014/main" id="{5BAF5724-2440-46B2-B4E0-C35E05FEFDFA}"/>
+                <a16:creationId xmlns:a16="http://schemas.microsoft.com/office/drawing/2014/main" xmlns="" id="{5BAF5724-2440-46B2-B4E0-C35E05FEFDFA}"/>
               </a:ext>
             </a:extLst>
           </p:cNvPr>
@@ -3994,7 +3995,7 @@
               <p:cNvPr id="8" name="Rectangle: Rounded Corners 1">
                 <a:extLst>
                   <a:ext uri="{FF2B5EF4-FFF2-40B4-BE49-F238E27FC236}">
-                    <a16:creationId xmlns:a16="http://schemas.microsoft.com/office/drawing/2014/main" id="{229043B8-923C-4A63-923B-ED47AB6F3179}"/>
+                    <a16:creationId xmlns:a16="http://schemas.microsoft.com/office/drawing/2014/main" xmlns="" id="{229043B8-923C-4A63-923B-ED47AB6F3179}"/>
                   </a:ext>
                 </a:extLst>
               </p:cNvPr>
@@ -4054,7 +4055,7 @@
               <p:cNvPr id="9" name="Rectangle 1">
                 <a:extLst>
                   <a:ext uri="{FF2B5EF4-FFF2-40B4-BE49-F238E27FC236}">
-                    <a16:creationId xmlns:a16="http://schemas.microsoft.com/office/drawing/2014/main" id="{FFE5BAF0-90A9-481D-AAC3-4466B273C9B9}"/>
+                    <a16:creationId xmlns:a16="http://schemas.microsoft.com/office/drawing/2014/main" xmlns="" id="{FFE5BAF0-90A9-481D-AAC3-4466B273C9B9}"/>
                   </a:ext>
                 </a:extLst>
               </p:cNvPr>
@@ -4321,7 +4322,7 @@
               <p:cNvPr id="10" name="Rectangle 1">
                 <a:extLst>
                   <a:ext uri="{FF2B5EF4-FFF2-40B4-BE49-F238E27FC236}">
-                    <a16:creationId xmlns:a16="http://schemas.microsoft.com/office/drawing/2014/main" id="{4A5862E7-0045-43EA-8731-76AF0AFFEB2B}"/>
+                    <a16:creationId xmlns:a16="http://schemas.microsoft.com/office/drawing/2014/main" xmlns="" id="{4A5862E7-0045-43EA-8731-76AF0AFFEB2B}"/>
                   </a:ext>
                 </a:extLst>
               </p:cNvPr>
@@ -4568,7 +4569,7 @@
             <p:cNvPr id="7" name="TextBox 6">
               <a:extLst>
                 <a:ext uri="{FF2B5EF4-FFF2-40B4-BE49-F238E27FC236}">
-                  <a16:creationId xmlns:a16="http://schemas.microsoft.com/office/drawing/2014/main" id="{C91224FA-ADA9-4075-AE2B-E0C6E149E540}"/>
+                  <a16:creationId xmlns:a16="http://schemas.microsoft.com/office/drawing/2014/main" xmlns="" id="{C91224FA-ADA9-4075-AE2B-E0C6E149E540}"/>
                 </a:ext>
               </a:extLst>
             </p:cNvPr>
@@ -4678,7 +4679,7 @@
               <p:cNvPr id="15" name="Rectangle: Rounded Corners 1">
                 <a:extLst>
                   <a:ext uri="{FF2B5EF4-FFF2-40B4-BE49-F238E27FC236}">
-                    <a16:creationId xmlns:a16="http://schemas.microsoft.com/office/drawing/2014/main" id="{229043B8-923C-4A63-923B-ED47AB6F3179}"/>
+                    <a16:creationId xmlns:a16="http://schemas.microsoft.com/office/drawing/2014/main" xmlns="" id="{229043B8-923C-4A63-923B-ED47AB6F3179}"/>
                   </a:ext>
                 </a:extLst>
               </p:cNvPr>
@@ -4738,7 +4739,7 @@
               <p:cNvPr id="16" name="Rectangle 1">
                 <a:extLst>
                   <a:ext uri="{FF2B5EF4-FFF2-40B4-BE49-F238E27FC236}">
-                    <a16:creationId xmlns:a16="http://schemas.microsoft.com/office/drawing/2014/main" id="{FFE5BAF0-90A9-481D-AAC3-4466B273C9B9}"/>
+                    <a16:creationId xmlns:a16="http://schemas.microsoft.com/office/drawing/2014/main" xmlns="" id="{FFE5BAF0-90A9-481D-AAC3-4466B273C9B9}"/>
                   </a:ext>
                 </a:extLst>
               </p:cNvPr>
@@ -5005,7 +5006,7 @@
               <p:cNvPr id="17" name="Rectangle 1">
                 <a:extLst>
                   <a:ext uri="{FF2B5EF4-FFF2-40B4-BE49-F238E27FC236}">
-                    <a16:creationId xmlns:a16="http://schemas.microsoft.com/office/drawing/2014/main" id="{4A5862E7-0045-43EA-8731-76AF0AFFEB2B}"/>
+                    <a16:creationId xmlns:a16="http://schemas.microsoft.com/office/drawing/2014/main" xmlns="" id="{4A5862E7-0045-43EA-8731-76AF0AFFEB2B}"/>
                   </a:ext>
                 </a:extLst>
               </p:cNvPr>
@@ -5252,7 +5253,7 @@
             <p:cNvPr id="14" name="TextBox 13">
               <a:extLst>
                 <a:ext uri="{FF2B5EF4-FFF2-40B4-BE49-F238E27FC236}">
-                  <a16:creationId xmlns:a16="http://schemas.microsoft.com/office/drawing/2014/main" id="{C91224FA-ADA9-4075-AE2B-E0C6E149E540}"/>
+                  <a16:creationId xmlns:a16="http://schemas.microsoft.com/office/drawing/2014/main" xmlns="" id="{C91224FA-ADA9-4075-AE2B-E0C6E149E540}"/>
                 </a:ext>
               </a:extLst>
             </p:cNvPr>
@@ -5866,7 +5867,7 @@
           <p:cNvPr id="46" name="Rectangle: Rounded Corners 62">
             <a:extLst>
               <a:ext uri="{FF2B5EF4-FFF2-40B4-BE49-F238E27FC236}">
-                <a16:creationId xmlns:a16="http://schemas.microsoft.com/office/drawing/2014/main" id="{61D3D070-24FE-4EF4-AD82-4932219E03A8}"/>
+                <a16:creationId xmlns:a16="http://schemas.microsoft.com/office/drawing/2014/main" xmlns="" id="{61D3D070-24FE-4EF4-AD82-4932219E03A8}"/>
               </a:ext>
             </a:extLst>
           </p:cNvPr>
@@ -6129,7 +6130,7 @@
                 <p:cNvPr id="21" name="Rectangle: Rounded Corners 1">
                   <a:extLst>
                     <a:ext uri="{FF2B5EF4-FFF2-40B4-BE49-F238E27FC236}">
-                      <a16:creationId xmlns:a16="http://schemas.microsoft.com/office/drawing/2014/main" id="{229043B8-923C-4A63-923B-ED47AB6F3179}"/>
+                      <a16:creationId xmlns:a16="http://schemas.microsoft.com/office/drawing/2014/main" xmlns="" id="{229043B8-923C-4A63-923B-ED47AB6F3179}"/>
                     </a:ext>
                   </a:extLst>
                 </p:cNvPr>
@@ -6189,7 +6190,7 @@
                 <p:cNvPr id="22" name="Rectangle 1">
                   <a:extLst>
                     <a:ext uri="{FF2B5EF4-FFF2-40B4-BE49-F238E27FC236}">
-                      <a16:creationId xmlns:a16="http://schemas.microsoft.com/office/drawing/2014/main" id="{FFE5BAF0-90A9-481D-AAC3-4466B273C9B9}"/>
+                      <a16:creationId xmlns:a16="http://schemas.microsoft.com/office/drawing/2014/main" xmlns="" id="{FFE5BAF0-90A9-481D-AAC3-4466B273C9B9}"/>
                     </a:ext>
                   </a:extLst>
                 </p:cNvPr>
@@ -6444,7 +6445,7 @@
                 <p:cNvPr id="23" name="Rectangle 1">
                   <a:extLst>
                     <a:ext uri="{FF2B5EF4-FFF2-40B4-BE49-F238E27FC236}">
-                      <a16:creationId xmlns:a16="http://schemas.microsoft.com/office/drawing/2014/main" id="{4A5862E7-0045-43EA-8731-76AF0AFFEB2B}"/>
+                      <a16:creationId xmlns:a16="http://schemas.microsoft.com/office/drawing/2014/main" xmlns="" id="{4A5862E7-0045-43EA-8731-76AF0AFFEB2B}"/>
                     </a:ext>
                   </a:extLst>
                 </p:cNvPr>
@@ -6759,7 +6760,7 @@
             <p:cNvPr id="34" name="Rectangle 1">
               <a:extLst>
                 <a:ext uri="{FF2B5EF4-FFF2-40B4-BE49-F238E27FC236}">
-                  <a16:creationId xmlns:a16="http://schemas.microsoft.com/office/drawing/2014/main" id="{7ACE0809-F724-4F82-8F30-59BB9374E8CB}"/>
+                  <a16:creationId xmlns:a16="http://schemas.microsoft.com/office/drawing/2014/main" xmlns="" id="{7ACE0809-F724-4F82-8F30-59BB9374E8CB}"/>
                 </a:ext>
               </a:extLst>
             </p:cNvPr>
@@ -7010,7 +7011,7 @@
                 <p:cNvPr id="42" name="Rectangle: Rounded Corners 1">
                   <a:extLst>
                     <a:ext uri="{FF2B5EF4-FFF2-40B4-BE49-F238E27FC236}">
-                      <a16:creationId xmlns:a16="http://schemas.microsoft.com/office/drawing/2014/main" id="{229043B8-923C-4A63-923B-ED47AB6F3179}"/>
+                      <a16:creationId xmlns:a16="http://schemas.microsoft.com/office/drawing/2014/main" xmlns="" id="{229043B8-923C-4A63-923B-ED47AB6F3179}"/>
                     </a:ext>
                   </a:extLst>
                 </p:cNvPr>
@@ -7070,7 +7071,7 @@
                 <p:cNvPr id="43" name="Rectangle 1">
                   <a:extLst>
                     <a:ext uri="{FF2B5EF4-FFF2-40B4-BE49-F238E27FC236}">
-                      <a16:creationId xmlns:a16="http://schemas.microsoft.com/office/drawing/2014/main" id="{FFE5BAF0-90A9-481D-AAC3-4466B273C9B9}"/>
+                      <a16:creationId xmlns:a16="http://schemas.microsoft.com/office/drawing/2014/main" xmlns="" id="{FFE5BAF0-90A9-481D-AAC3-4466B273C9B9}"/>
                     </a:ext>
                   </a:extLst>
                 </p:cNvPr>
@@ -7337,7 +7338,7 @@
                 <p:cNvPr id="44" name="Rectangle 1">
                   <a:extLst>
                     <a:ext uri="{FF2B5EF4-FFF2-40B4-BE49-F238E27FC236}">
-                      <a16:creationId xmlns:a16="http://schemas.microsoft.com/office/drawing/2014/main" id="{4A5862E7-0045-43EA-8731-76AF0AFFEB2B}"/>
+                      <a16:creationId xmlns:a16="http://schemas.microsoft.com/office/drawing/2014/main" xmlns="" id="{4A5862E7-0045-43EA-8731-76AF0AFFEB2B}"/>
                     </a:ext>
                   </a:extLst>
                 </p:cNvPr>
@@ -7652,7 +7653,7 @@
             <p:cNvPr id="38" name="Rectangle 1">
               <a:extLst>
                 <a:ext uri="{FF2B5EF4-FFF2-40B4-BE49-F238E27FC236}">
-                  <a16:creationId xmlns:a16="http://schemas.microsoft.com/office/drawing/2014/main" id="{7ACE0809-F724-4F82-8F30-59BB9374E8CB}"/>
+                  <a16:creationId xmlns:a16="http://schemas.microsoft.com/office/drawing/2014/main" xmlns="" id="{7ACE0809-F724-4F82-8F30-59BB9374E8CB}"/>
                 </a:ext>
               </a:extLst>
             </p:cNvPr>
@@ -7874,7 +7875,7 @@
           <p:cNvPr id="54" name="Rectangle 1">
             <a:extLst>
               <a:ext uri="{FF2B5EF4-FFF2-40B4-BE49-F238E27FC236}">
-                <a16:creationId xmlns:a16="http://schemas.microsoft.com/office/drawing/2014/main" id="{FFE5BAF0-90A9-481D-AAC3-4466B273C9B9}"/>
+                <a16:creationId xmlns:a16="http://schemas.microsoft.com/office/drawing/2014/main" xmlns="" id="{FFE5BAF0-90A9-481D-AAC3-4466B273C9B9}"/>
               </a:ext>
             </a:extLst>
           </p:cNvPr>
@@ -8160,7 +8161,7 @@
           <p:cNvPr id="55" name="Rectangle 1">
             <a:extLst>
               <a:ext uri="{FF2B5EF4-FFF2-40B4-BE49-F238E27FC236}">
-                <a16:creationId xmlns:a16="http://schemas.microsoft.com/office/drawing/2014/main" id="{FFE5BAF0-90A9-481D-AAC3-4466B273C9B9}"/>
+                <a16:creationId xmlns:a16="http://schemas.microsoft.com/office/drawing/2014/main" xmlns="" id="{FFE5BAF0-90A9-481D-AAC3-4466B273C9B9}"/>
               </a:ext>
             </a:extLst>
           </p:cNvPr>
@@ -9304,7 +9305,7 @@
                 <p:cNvPr id="8" name="Rectangle: Rounded Corners 1">
                   <a:extLst>
                     <a:ext uri="{FF2B5EF4-FFF2-40B4-BE49-F238E27FC236}">
-                      <a16:creationId xmlns:a16="http://schemas.microsoft.com/office/drawing/2014/main" id="{229043B8-923C-4A63-923B-ED47AB6F3179}"/>
+                      <a16:creationId xmlns:a16="http://schemas.microsoft.com/office/drawing/2014/main" xmlns="" id="{229043B8-923C-4A63-923B-ED47AB6F3179}"/>
                     </a:ext>
                   </a:extLst>
                 </p:cNvPr>
@@ -9364,7 +9365,7 @@
                 <p:cNvPr id="9" name="Rectangle 1">
                   <a:extLst>
                     <a:ext uri="{FF2B5EF4-FFF2-40B4-BE49-F238E27FC236}">
-                      <a16:creationId xmlns:a16="http://schemas.microsoft.com/office/drawing/2014/main" id="{FFE5BAF0-90A9-481D-AAC3-4466B273C9B9}"/>
+                      <a16:creationId xmlns:a16="http://schemas.microsoft.com/office/drawing/2014/main" xmlns="" id="{FFE5BAF0-90A9-481D-AAC3-4466B273C9B9}"/>
                     </a:ext>
                   </a:extLst>
                 </p:cNvPr>
@@ -9619,7 +9620,7 @@
                 <p:cNvPr id="10" name="Rectangle 1">
                   <a:extLst>
                     <a:ext uri="{FF2B5EF4-FFF2-40B4-BE49-F238E27FC236}">
-                      <a16:creationId xmlns:a16="http://schemas.microsoft.com/office/drawing/2014/main" id="{4A5862E7-0045-43EA-8731-76AF0AFFEB2B}"/>
+                      <a16:creationId xmlns:a16="http://schemas.microsoft.com/office/drawing/2014/main" xmlns="" id="{4A5862E7-0045-43EA-8731-76AF0AFFEB2B}"/>
                     </a:ext>
                   </a:extLst>
                 </p:cNvPr>
@@ -9934,7 +9935,7 @@
             <p:cNvPr id="4" name="Rectangle 1">
               <a:extLst>
                 <a:ext uri="{FF2B5EF4-FFF2-40B4-BE49-F238E27FC236}">
-                  <a16:creationId xmlns:a16="http://schemas.microsoft.com/office/drawing/2014/main" id="{7ACE0809-F724-4F82-8F30-59BB9374E8CB}"/>
+                  <a16:creationId xmlns:a16="http://schemas.microsoft.com/office/drawing/2014/main" xmlns="" id="{7ACE0809-F724-4F82-8F30-59BB9374E8CB}"/>
                 </a:ext>
               </a:extLst>
             </p:cNvPr>
@@ -10185,7 +10186,7 @@
                 <p:cNvPr id="17" name="Rectangle: Rounded Corners 1">
                   <a:extLst>
                     <a:ext uri="{FF2B5EF4-FFF2-40B4-BE49-F238E27FC236}">
-                      <a16:creationId xmlns:a16="http://schemas.microsoft.com/office/drawing/2014/main" id="{229043B8-923C-4A63-923B-ED47AB6F3179}"/>
+                      <a16:creationId xmlns:a16="http://schemas.microsoft.com/office/drawing/2014/main" xmlns="" id="{229043B8-923C-4A63-923B-ED47AB6F3179}"/>
                     </a:ext>
                   </a:extLst>
                 </p:cNvPr>
@@ -10245,7 +10246,7 @@
                 <p:cNvPr id="18" name="Rectangle 1">
                   <a:extLst>
                     <a:ext uri="{FF2B5EF4-FFF2-40B4-BE49-F238E27FC236}">
-                      <a16:creationId xmlns:a16="http://schemas.microsoft.com/office/drawing/2014/main" id="{FFE5BAF0-90A9-481D-AAC3-4466B273C9B9}"/>
+                      <a16:creationId xmlns:a16="http://schemas.microsoft.com/office/drawing/2014/main" xmlns="" id="{FFE5BAF0-90A9-481D-AAC3-4466B273C9B9}"/>
                     </a:ext>
                   </a:extLst>
                 </p:cNvPr>
@@ -10512,7 +10513,7 @@
                 <p:cNvPr id="19" name="Rectangle 1">
                   <a:extLst>
                     <a:ext uri="{FF2B5EF4-FFF2-40B4-BE49-F238E27FC236}">
-                      <a16:creationId xmlns:a16="http://schemas.microsoft.com/office/drawing/2014/main" id="{4A5862E7-0045-43EA-8731-76AF0AFFEB2B}"/>
+                      <a16:creationId xmlns:a16="http://schemas.microsoft.com/office/drawing/2014/main" xmlns="" id="{4A5862E7-0045-43EA-8731-76AF0AFFEB2B}"/>
                     </a:ext>
                   </a:extLst>
                 </p:cNvPr>
@@ -10827,7 +10828,7 @@
             <p:cNvPr id="13" name="Rectangle 1">
               <a:extLst>
                 <a:ext uri="{FF2B5EF4-FFF2-40B4-BE49-F238E27FC236}">
-                  <a16:creationId xmlns:a16="http://schemas.microsoft.com/office/drawing/2014/main" id="{7ACE0809-F724-4F82-8F30-59BB9374E8CB}"/>
+                  <a16:creationId xmlns:a16="http://schemas.microsoft.com/office/drawing/2014/main" xmlns="" id="{7ACE0809-F724-4F82-8F30-59BB9374E8CB}"/>
                 </a:ext>
               </a:extLst>
             </p:cNvPr>
@@ -11049,7 +11050,7 @@
           <p:cNvPr id="20" name="Rectangle 1">
             <a:extLst>
               <a:ext uri="{FF2B5EF4-FFF2-40B4-BE49-F238E27FC236}">
-                <a16:creationId xmlns:a16="http://schemas.microsoft.com/office/drawing/2014/main" id="{FFE5BAF0-90A9-481D-AAC3-4466B273C9B9}"/>
+                <a16:creationId xmlns:a16="http://schemas.microsoft.com/office/drawing/2014/main" xmlns="" id="{FFE5BAF0-90A9-481D-AAC3-4466B273C9B9}"/>
               </a:ext>
             </a:extLst>
           </p:cNvPr>
@@ -11335,7 +11336,7 @@
           <p:cNvPr id="21" name="Rectangle 1">
             <a:extLst>
               <a:ext uri="{FF2B5EF4-FFF2-40B4-BE49-F238E27FC236}">
-                <a16:creationId xmlns:a16="http://schemas.microsoft.com/office/drawing/2014/main" id="{FFE5BAF0-90A9-481D-AAC3-4466B273C9B9}"/>
+                <a16:creationId xmlns:a16="http://schemas.microsoft.com/office/drawing/2014/main" xmlns="" id="{FFE5BAF0-90A9-481D-AAC3-4466B273C9B9}"/>
               </a:ext>
             </a:extLst>
           </p:cNvPr>
@@ -12573,7 +12574,7 @@
           <p:cNvPr id="54" name="Rectangle 1">
             <a:extLst>
               <a:ext uri="{FF2B5EF4-FFF2-40B4-BE49-F238E27FC236}">
-                <a16:creationId xmlns:a16="http://schemas.microsoft.com/office/drawing/2014/main" id="{FFE5BAF0-90A9-481D-AAC3-4466B273C9B9}"/>
+                <a16:creationId xmlns:a16="http://schemas.microsoft.com/office/drawing/2014/main" xmlns="" id="{FFE5BAF0-90A9-481D-AAC3-4466B273C9B9}"/>
               </a:ext>
             </a:extLst>
           </p:cNvPr>
@@ -12828,7 +12829,7 @@
           <p:cNvPr id="55" name="Rectangle 1">
             <a:extLst>
               <a:ext uri="{FF2B5EF4-FFF2-40B4-BE49-F238E27FC236}">
-                <a16:creationId xmlns:a16="http://schemas.microsoft.com/office/drawing/2014/main" id="{FFE5BAF0-90A9-481D-AAC3-4466B273C9B9}"/>
+                <a16:creationId xmlns:a16="http://schemas.microsoft.com/office/drawing/2014/main" xmlns="" id="{FFE5BAF0-90A9-481D-AAC3-4466B273C9B9}"/>
               </a:ext>
             </a:extLst>
           </p:cNvPr>
@@ -13113,7 +13114,7 @@
           <p:cNvPr id="2" name="TextBox 1">
             <a:extLst>
               <a:ext uri="{FF2B5EF4-FFF2-40B4-BE49-F238E27FC236}">
-                <a16:creationId xmlns:a16="http://schemas.microsoft.com/office/drawing/2014/main" id="{59FF71CE-4718-4998-A939-849367C126BB}"/>
+                <a16:creationId xmlns:a16="http://schemas.microsoft.com/office/drawing/2014/main" xmlns="" id="{59FF71CE-4718-4998-A939-849367C126BB}"/>
               </a:ext>
             </a:extLst>
           </p:cNvPr>
@@ -13123,7 +13124,7 @@
         <p:spPr>
           <a:xfrm>
             <a:off x="4263624" y="0"/>
-            <a:ext cx="3388107" cy="369332"/>
+            <a:ext cx="3481338" cy="369332"/>
           </a:xfrm>
           <a:prstGeom prst="rect">
             <a:avLst/>
@@ -13138,8 +13139,13 @@
           <a:p>
             <a:r>
               <a:rPr lang="en-US" b="1" u="sng" dirty="0"/>
-              <a:t>CSRF – Cross Site Request Forgery</a:t>
+              <a:t>CSRF – Cross Site Request </a:t>
             </a:r>
+            <a:r>
+              <a:rPr lang="en-US" b="1" u="sng" dirty="0" err="1" smtClean="0"/>
+              <a:t>Forgeryc</a:t>
+            </a:r>
+            <a:endParaRPr lang="en-US" b="1" u="sng" dirty="0"/>
           </a:p>
         </p:txBody>
       </p:sp>
@@ -13148,7 +13154,7 @@
           <p:cNvPr id="9" name="Group 8">
             <a:extLst>
               <a:ext uri="{FF2B5EF4-FFF2-40B4-BE49-F238E27FC236}">
-                <a16:creationId xmlns:a16="http://schemas.microsoft.com/office/drawing/2014/main" id="{51336803-1319-4FC8-9B9F-9C372A22F983}"/>
+                <a16:creationId xmlns:a16="http://schemas.microsoft.com/office/drawing/2014/main" xmlns="" id="{51336803-1319-4FC8-9B9F-9C372A22F983}"/>
               </a:ext>
             </a:extLst>
           </p:cNvPr>
@@ -13168,7 +13174,7 @@
             <p:cNvPr id="4" name="Picture 3">
               <a:extLst>
                 <a:ext uri="{FF2B5EF4-FFF2-40B4-BE49-F238E27FC236}">
-                  <a16:creationId xmlns:a16="http://schemas.microsoft.com/office/drawing/2014/main" id="{E1DB4102-09F1-49DC-8A0E-6DA1D369689A}"/>
+                  <a16:creationId xmlns:a16="http://schemas.microsoft.com/office/drawing/2014/main" xmlns="" id="{E1DB4102-09F1-49DC-8A0E-6DA1D369689A}"/>
                 </a:ext>
               </a:extLst>
             </p:cNvPr>
@@ -13198,7 +13204,7 @@
             <p:cNvPr id="6" name="Picture 5">
               <a:extLst>
                 <a:ext uri="{FF2B5EF4-FFF2-40B4-BE49-F238E27FC236}">
-                  <a16:creationId xmlns:a16="http://schemas.microsoft.com/office/drawing/2014/main" id="{A56076EB-E8ED-46B2-8428-D7449B933227}"/>
+                  <a16:creationId xmlns:a16="http://schemas.microsoft.com/office/drawing/2014/main" xmlns="" id="{A56076EB-E8ED-46B2-8428-D7449B933227}"/>
                 </a:ext>
               </a:extLst>
             </p:cNvPr>
@@ -13228,7 +13234,7 @@
             <p:cNvPr id="7" name="TextBox 6">
               <a:extLst>
                 <a:ext uri="{FF2B5EF4-FFF2-40B4-BE49-F238E27FC236}">
-                  <a16:creationId xmlns:a16="http://schemas.microsoft.com/office/drawing/2014/main" id="{6241F056-6390-4B70-BEF6-58B3556C4186}"/>
+                  <a16:creationId xmlns:a16="http://schemas.microsoft.com/office/drawing/2014/main" xmlns="" id="{6241F056-6390-4B70-BEF6-58B3556C4186}"/>
                 </a:ext>
               </a:extLst>
             </p:cNvPr>
@@ -13264,7 +13270,7 @@
             <p:cNvPr id="8" name="TextBox 7">
               <a:extLst>
                 <a:ext uri="{FF2B5EF4-FFF2-40B4-BE49-F238E27FC236}">
-                  <a16:creationId xmlns:a16="http://schemas.microsoft.com/office/drawing/2014/main" id="{8FEB0888-ED11-440B-BF23-764F260D8FB5}"/>
+                  <a16:creationId xmlns:a16="http://schemas.microsoft.com/office/drawing/2014/main" xmlns="" id="{8FEB0888-ED11-440B-BF23-764F260D8FB5}"/>
                 </a:ext>
               </a:extLst>
             </p:cNvPr>
@@ -13296,10 +13302,1128 @@
           </p:txBody>
         </p:sp>
       </p:grpSp>
+      <p:pic>
+        <p:nvPicPr>
+          <p:cNvPr id="1026" name="Picture 2"/>
+          <p:cNvPicPr>
+            <a:picLocks noChangeAspect="1" noChangeArrowheads="1"/>
+          </p:cNvPicPr>
+          <p:nvPr/>
+        </p:nvPicPr>
+        <p:blipFill>
+          <a:blip r:embed="rId4">
+            <a:extLst>
+              <a:ext uri="{28A0092B-C50C-407E-A947-70E740481C1C}">
+                <a14:useLocalDpi xmlns:a14="http://schemas.microsoft.com/office/drawing/2010/main" val="0"/>
+              </a:ext>
+            </a:extLst>
+          </a:blip>
+          <a:srcRect/>
+          <a:stretch>
+            <a:fillRect/>
+          </a:stretch>
+        </p:blipFill>
+        <p:spPr bwMode="auto">
+          <a:xfrm>
+            <a:off x="6766647" y="2547505"/>
+            <a:ext cx="4505325" cy="3314700"/>
+          </a:xfrm>
+          <a:prstGeom prst="rect">
+            <a:avLst/>
+          </a:prstGeom>
+          <a:noFill/>
+          <a:ln>
+            <a:noFill/>
+          </a:ln>
+          <a:effectLst/>
+          <a:extLst>
+            <a:ext uri="{909E8E84-426E-40DD-AFC4-6F175D3DCCD1}">
+              <a14:hiddenFill xmlns:a14="http://schemas.microsoft.com/office/drawing/2010/main">
+                <a:solidFill>
+                  <a:schemeClr val="accent1"/>
+                </a:solidFill>
+              </a14:hiddenFill>
+            </a:ext>
+            <a:ext uri="{91240B29-F687-4F45-9708-019B960494DF}">
+              <a14:hiddenLine xmlns:a14="http://schemas.microsoft.com/office/drawing/2010/main" w="9525">
+                <a:solidFill>
+                  <a:schemeClr val="tx1"/>
+                </a:solidFill>
+                <a:miter lim="800000"/>
+                <a:headEnd/>
+                <a:tailEnd/>
+              </a14:hiddenLine>
+            </a:ext>
+            <a:ext uri="{AF507438-7753-43E0-B8FC-AC1667EBCBE1}">
+              <a14:hiddenEffects xmlns:a14="http://schemas.microsoft.com/office/drawing/2010/main">
+                <a:effectLst>
+                  <a:outerShdw dist="35921" dir="2700000" algn="ctr" rotWithShape="0">
+                    <a:schemeClr val="bg2"/>
+                  </a:outerShdw>
+                </a:effectLst>
+              </a14:hiddenEffects>
+            </a:ext>
+          </a:extLst>
+        </p:spPr>
+      </p:pic>
     </p:spTree>
     <p:extLst>
       <p:ext uri="{BB962C8B-B14F-4D97-AF65-F5344CB8AC3E}">
         <p14:creationId xmlns:p14="http://schemas.microsoft.com/office/powerpoint/2010/main" val="3567317286"/>
+      </p:ext>
+    </p:extLst>
+  </p:cSld>
+  <p:clrMapOvr>
+    <a:masterClrMapping/>
+  </p:clrMapOvr>
+</p:sld>
+</file>
+
+<file path=ppt/slides/slide14.xml><?xml version="1.0" encoding="utf-8"?>
+<p:sld xmlns:a="http://schemas.openxmlformats.org/drawingml/2006/main" xmlns:r="http://schemas.openxmlformats.org/officeDocument/2006/relationships" xmlns:p="http://schemas.openxmlformats.org/presentationml/2006/main">
+  <p:cSld>
+    <p:spTree>
+      <p:nvGrpSpPr>
+        <p:cNvPr id="1" name=""/>
+        <p:cNvGrpSpPr/>
+        <p:nvPr/>
+      </p:nvGrpSpPr>
+      <p:grpSpPr>
+        <a:xfrm>
+          <a:off x="0" y="0"/>
+          <a:ext cx="0" cy="0"/>
+          <a:chOff x="0" y="0"/>
+          <a:chExt cx="0" cy="0"/>
+        </a:xfrm>
+      </p:grpSpPr>
+      <p:grpSp>
+        <p:nvGrpSpPr>
+          <p:cNvPr id="4" name="Group 3"/>
+          <p:cNvGrpSpPr/>
+          <p:nvPr/>
+        </p:nvGrpSpPr>
+        <p:grpSpPr>
+          <a:xfrm>
+            <a:off x="48491" y="433137"/>
+            <a:ext cx="5295900" cy="3815126"/>
+            <a:chOff x="692726" y="1743578"/>
+            <a:chExt cx="5295900" cy="3815126"/>
+          </a:xfrm>
+        </p:grpSpPr>
+        <p:sp>
+          <p:nvSpPr>
+            <p:cNvPr id="2" name="Round Single Corner Rectangle 1"/>
+            <p:cNvSpPr/>
+            <p:nvPr/>
+          </p:nvSpPr>
+          <p:spPr>
+            <a:xfrm>
+              <a:off x="692726" y="2389909"/>
+              <a:ext cx="4973783" cy="1066800"/>
+            </a:xfrm>
+            <a:prstGeom prst="round1Rect">
+              <a:avLst/>
+            </a:prstGeom>
+          </p:spPr>
+          <p:style>
+            <a:lnRef idx="2">
+              <a:schemeClr val="accent1">
+                <a:shade val="50000"/>
+              </a:schemeClr>
+            </a:lnRef>
+            <a:fillRef idx="1">
+              <a:schemeClr val="accent1"/>
+            </a:fillRef>
+            <a:effectRef idx="0">
+              <a:schemeClr val="accent1"/>
+            </a:effectRef>
+            <a:fontRef idx="minor">
+              <a:schemeClr val="lt1"/>
+            </a:fontRef>
+          </p:style>
+          <p:txBody>
+            <a:bodyPr rtlCol="0" anchor="t" anchorCtr="0"/>
+            <a:lstStyle/>
+            <a:p>
+              <a:pPr algn="ctr"/>
+              <a:r>
+                <a:rPr lang="en-US" dirty="0" err="1" smtClean="0"/>
+                <a:t>WebSecurityConfigurerAdapter</a:t>
+              </a:r>
+              <a:endParaRPr lang="en-US" dirty="0" smtClean="0"/>
+            </a:p>
+            <a:p>
+              <a:pPr marL="285750" indent="-285750" algn="ctr">
+                <a:buFont typeface="Arial" pitchFamily="34" charset="0"/>
+                <a:buChar char="•"/>
+              </a:pPr>
+              <a:r>
+                <a:rPr lang="en-US" sz="1400" dirty="0" smtClean="0"/>
+                <a:t>Configure(</a:t>
+              </a:r>
+              <a:r>
+                <a:rPr lang="en-US" sz="1400" dirty="0" err="1" smtClean="0"/>
+                <a:t>HttpSecurity</a:t>
+              </a:r>
+              <a:r>
+                <a:rPr lang="en-US" sz="1400" dirty="0" smtClean="0"/>
+                <a:t> http)</a:t>
+              </a:r>
+            </a:p>
+            <a:p>
+              <a:pPr marL="285750" indent="-285750" algn="ctr">
+                <a:buFont typeface="Arial" pitchFamily="34" charset="0"/>
+                <a:buChar char="•"/>
+              </a:pPr>
+              <a:r>
+                <a:rPr lang="en-US" sz="1400" dirty="0" smtClean="0"/>
+                <a:t>Configure(</a:t>
+              </a:r>
+              <a:r>
+                <a:rPr lang="en-US" sz="1400" u="sng" dirty="0" err="1" smtClean="0"/>
+                <a:t>AuthenticationManagerBuilder</a:t>
+              </a:r>
+              <a:r>
+                <a:rPr lang="en-US" sz="1400" u="sng" dirty="0" smtClean="0"/>
+                <a:t> </a:t>
+              </a:r>
+              <a:r>
+                <a:rPr lang="en-US" sz="1400" u="sng" dirty="0" err="1" smtClean="0"/>
+                <a:t>auth</a:t>
+              </a:r>
+              <a:r>
+                <a:rPr lang="en-US" sz="1400" u="sng" dirty="0" smtClean="0"/>
+                <a:t>)</a:t>
+              </a:r>
+              <a:endParaRPr lang="en-US" sz="1400" dirty="0"/>
+            </a:p>
+          </p:txBody>
+        </p:sp>
+        <p:sp>
+          <p:nvSpPr>
+            <p:cNvPr id="3" name="Rectangle 2"/>
+            <p:cNvSpPr/>
+            <p:nvPr/>
+          </p:nvSpPr>
+          <p:spPr>
+            <a:xfrm>
+              <a:off x="692726" y="1743578"/>
+              <a:ext cx="3754582" cy="646331"/>
+            </a:xfrm>
+            <a:prstGeom prst="rect">
+              <a:avLst/>
+            </a:prstGeom>
+          </p:spPr>
+          <p:txBody>
+            <a:bodyPr wrap="square">
+              <a:spAutoFit/>
+            </a:bodyPr>
+            <a:lstStyle/>
+            <a:p>
+              <a:r>
+                <a:rPr lang="en-US" sz="1200" dirty="0"/>
+                <a:t>@Configuration</a:t>
+              </a:r>
+            </a:p>
+            <a:p>
+              <a:r>
+                <a:rPr lang="en-US" sz="1200" dirty="0"/>
+                <a:t>@</a:t>
+              </a:r>
+              <a:r>
+                <a:rPr lang="en-US" sz="1200" dirty="0" err="1"/>
+                <a:t>EnableWebSecurity</a:t>
+              </a:r>
+              <a:endParaRPr lang="en-US" sz="1200" dirty="0"/>
+            </a:p>
+            <a:p>
+              <a:r>
+                <a:rPr lang="en-US" sz="1200" dirty="0"/>
+                <a:t>@</a:t>
+              </a:r>
+              <a:r>
+                <a:rPr lang="en-US" sz="1200" dirty="0" err="1"/>
+                <a:t>EnableGlobalMethodSecurity</a:t>
+              </a:r>
+              <a:r>
+                <a:rPr lang="en-US" sz="1200" dirty="0"/>
+                <a:t>(</a:t>
+              </a:r>
+              <a:r>
+                <a:rPr lang="en-US" sz="1200" dirty="0" err="1"/>
+                <a:t>prePostEnabled</a:t>
+              </a:r>
+              <a:r>
+                <a:rPr lang="en-US" sz="1200" dirty="0"/>
+                <a:t>=</a:t>
+              </a:r>
+              <a:r>
+                <a:rPr lang="en-US" sz="1200" b="1" dirty="0"/>
+                <a:t>true)</a:t>
+              </a:r>
+              <a:endParaRPr lang="en-US" sz="1200" dirty="0"/>
+            </a:p>
+          </p:txBody>
+        </p:sp>
+        <p:pic>
+          <p:nvPicPr>
+            <p:cNvPr id="2050" name="Picture 2"/>
+            <p:cNvPicPr>
+              <a:picLocks noChangeAspect="1" noChangeArrowheads="1"/>
+            </p:cNvPicPr>
+            <p:nvPr/>
+          </p:nvPicPr>
+          <p:blipFill>
+            <a:blip r:embed="rId2">
+              <a:extLst>
+                <a:ext uri="{28A0092B-C50C-407E-A947-70E740481C1C}">
+                  <a14:useLocalDpi xmlns:a14="http://schemas.microsoft.com/office/drawing/2010/main" val="0"/>
+                </a:ext>
+              </a:extLst>
+            </a:blip>
+            <a:srcRect/>
+            <a:stretch>
+              <a:fillRect/>
+            </a:stretch>
+          </p:blipFill>
+          <p:spPr bwMode="auto">
+            <a:xfrm>
+              <a:off x="692726" y="3456709"/>
+              <a:ext cx="5295900" cy="619125"/>
+            </a:xfrm>
+            <a:prstGeom prst="rect">
+              <a:avLst/>
+            </a:prstGeom>
+            <a:noFill/>
+            <a:ln>
+              <a:noFill/>
+            </a:ln>
+            <a:effectLst/>
+            <a:extLst>
+              <a:ext uri="{909E8E84-426E-40DD-AFC4-6F175D3DCCD1}">
+                <a14:hiddenFill xmlns:a14="http://schemas.microsoft.com/office/drawing/2010/main">
+                  <a:solidFill>
+                    <a:schemeClr val="accent1"/>
+                  </a:solidFill>
+                </a14:hiddenFill>
+              </a:ext>
+              <a:ext uri="{91240B29-F687-4F45-9708-019B960494DF}">
+                <a14:hiddenLine xmlns:a14="http://schemas.microsoft.com/office/drawing/2010/main" w="9525">
+                  <a:solidFill>
+                    <a:schemeClr val="tx1"/>
+                  </a:solidFill>
+                  <a:miter lim="800000"/>
+                  <a:headEnd/>
+                  <a:tailEnd/>
+                </a14:hiddenLine>
+              </a:ext>
+              <a:ext uri="{AF507438-7753-43E0-B8FC-AC1667EBCBE1}">
+                <a14:hiddenEffects xmlns:a14="http://schemas.microsoft.com/office/drawing/2010/main">
+                  <a:effectLst>
+                    <a:outerShdw dist="35921" dir="2700000" algn="ctr" rotWithShape="0">
+                      <a:schemeClr val="bg2"/>
+                    </a:outerShdw>
+                  </a:effectLst>
+                </a14:hiddenEffects>
+              </a:ext>
+            </a:extLst>
+          </p:spPr>
+        </p:pic>
+        <p:pic>
+          <p:nvPicPr>
+            <p:cNvPr id="2051" name="Picture 3"/>
+            <p:cNvPicPr>
+              <a:picLocks noChangeAspect="1" noChangeArrowheads="1"/>
+            </p:cNvPicPr>
+            <p:nvPr/>
+          </p:nvPicPr>
+          <p:blipFill>
+            <a:blip r:embed="rId3">
+              <a:extLst>
+                <a:ext uri="{28A0092B-C50C-407E-A947-70E740481C1C}">
+                  <a14:useLocalDpi xmlns:a14="http://schemas.microsoft.com/office/drawing/2010/main" val="0"/>
+                </a:ext>
+              </a:extLst>
+            </a:blip>
+            <a:srcRect/>
+            <a:stretch>
+              <a:fillRect/>
+            </a:stretch>
+          </p:blipFill>
+          <p:spPr bwMode="auto">
+            <a:xfrm>
+              <a:off x="692726" y="4291879"/>
+              <a:ext cx="3352800" cy="1266825"/>
+            </a:xfrm>
+            <a:prstGeom prst="rect">
+              <a:avLst/>
+            </a:prstGeom>
+            <a:noFill/>
+            <a:ln>
+              <a:noFill/>
+            </a:ln>
+            <a:effectLst/>
+            <a:extLst>
+              <a:ext uri="{909E8E84-426E-40DD-AFC4-6F175D3DCCD1}">
+                <a14:hiddenFill xmlns:a14="http://schemas.microsoft.com/office/drawing/2010/main">
+                  <a:solidFill>
+                    <a:schemeClr val="accent1"/>
+                  </a:solidFill>
+                </a14:hiddenFill>
+              </a:ext>
+              <a:ext uri="{91240B29-F687-4F45-9708-019B960494DF}">
+                <a14:hiddenLine xmlns:a14="http://schemas.microsoft.com/office/drawing/2010/main" w="9525">
+                  <a:solidFill>
+                    <a:schemeClr val="tx1"/>
+                  </a:solidFill>
+                  <a:miter lim="800000"/>
+                  <a:headEnd/>
+                  <a:tailEnd/>
+                </a14:hiddenLine>
+              </a:ext>
+              <a:ext uri="{AF507438-7753-43E0-B8FC-AC1667EBCBE1}">
+                <a14:hiddenEffects xmlns:a14="http://schemas.microsoft.com/office/drawing/2010/main">
+                  <a:effectLst>
+                    <a:outerShdw dist="35921" dir="2700000" algn="ctr" rotWithShape="0">
+                      <a:schemeClr val="bg2"/>
+                    </a:outerShdw>
+                  </a:effectLst>
+                </a14:hiddenEffects>
+              </a:ext>
+            </a:extLst>
+          </p:spPr>
+        </p:pic>
+      </p:grpSp>
+      <p:grpSp>
+        <p:nvGrpSpPr>
+          <p:cNvPr id="8" name="Group 7"/>
+          <p:cNvGrpSpPr/>
+          <p:nvPr/>
+        </p:nvGrpSpPr>
+        <p:grpSpPr>
+          <a:xfrm>
+            <a:off x="5854287" y="248471"/>
+            <a:ext cx="4653395" cy="2980550"/>
+            <a:chOff x="5917623" y="586311"/>
+            <a:chExt cx="4653395" cy="2980550"/>
+          </a:xfrm>
+        </p:grpSpPr>
+        <p:grpSp>
+          <p:nvGrpSpPr>
+            <p:cNvPr id="6" name="Group 5"/>
+            <p:cNvGrpSpPr/>
+            <p:nvPr/>
+          </p:nvGrpSpPr>
+          <p:grpSpPr>
+            <a:xfrm>
+              <a:off x="5917623" y="586311"/>
+              <a:ext cx="3406487" cy="1436132"/>
+              <a:chOff x="5917623" y="586311"/>
+              <a:chExt cx="3406487" cy="1436132"/>
+            </a:xfrm>
+          </p:grpSpPr>
+          <p:sp>
+            <p:nvSpPr>
+              <p:cNvPr id="7" name="Round Single Corner Rectangle 6"/>
+              <p:cNvSpPr/>
+              <p:nvPr/>
+            </p:nvSpPr>
+            <p:spPr>
+              <a:xfrm>
+                <a:off x="5917624" y="955643"/>
+                <a:ext cx="3406486" cy="1066800"/>
+              </a:xfrm>
+              <a:prstGeom prst="round1Rect">
+                <a:avLst/>
+              </a:prstGeom>
+            </p:spPr>
+            <p:style>
+              <a:lnRef idx="2">
+                <a:schemeClr val="accent1">
+                  <a:shade val="50000"/>
+                </a:schemeClr>
+              </a:lnRef>
+              <a:fillRef idx="1">
+                <a:schemeClr val="accent1"/>
+              </a:fillRef>
+              <a:effectRef idx="0">
+                <a:schemeClr val="accent1"/>
+              </a:effectRef>
+              <a:fontRef idx="minor">
+                <a:schemeClr val="lt1"/>
+              </a:fontRef>
+            </p:style>
+            <p:txBody>
+              <a:bodyPr rtlCol="0" anchor="t" anchorCtr="0"/>
+              <a:lstStyle/>
+              <a:p>
+                <a:pPr algn="ctr"/>
+                <a:r>
+                  <a:rPr lang="en-US" dirty="0" err="1" smtClean="0"/>
+                  <a:t>UserDetailsService</a:t>
+                </a:r>
+                <a:endParaRPr lang="en-US" dirty="0" smtClean="0"/>
+              </a:p>
+              <a:p>
+                <a:pPr algn="ctr"/>
+                <a:endParaRPr lang="en-US" dirty="0" smtClean="0"/>
+              </a:p>
+              <a:p>
+                <a:pPr marL="285750" indent="-285750" algn="ctr">
+                  <a:buFont typeface="Arial" pitchFamily="34" charset="0"/>
+                  <a:buChar char="•"/>
+                </a:pPr>
+                <a:r>
+                  <a:rPr lang="en-US" sz="1400" dirty="0" err="1" smtClean="0"/>
+                  <a:t>loadUserByUsername</a:t>
+                </a:r>
+                <a:r>
+                  <a:rPr lang="en-US" sz="1400" dirty="0" smtClean="0"/>
+                  <a:t>(</a:t>
+                </a:r>
+                <a:r>
+                  <a:rPr lang="en-US" sz="1400" dirty="0"/>
+                  <a:t>username</a:t>
+                </a:r>
+                <a:r>
+                  <a:rPr lang="en-US" sz="1400" dirty="0" smtClean="0"/>
+                  <a:t>)</a:t>
+                </a:r>
+                <a:endParaRPr lang="en-US" sz="1400" dirty="0"/>
+              </a:p>
+            </p:txBody>
+          </p:sp>
+          <p:sp>
+            <p:nvSpPr>
+              <p:cNvPr id="5" name="Rectangle 4"/>
+              <p:cNvSpPr/>
+              <p:nvPr/>
+            </p:nvSpPr>
+            <p:spPr>
+              <a:xfrm>
+                <a:off x="5917623" y="586311"/>
+                <a:ext cx="1065228" cy="369332"/>
+              </a:xfrm>
+              <a:prstGeom prst="rect">
+                <a:avLst/>
+              </a:prstGeom>
+            </p:spPr>
+            <p:txBody>
+              <a:bodyPr wrap="none">
+                <a:spAutoFit/>
+              </a:bodyPr>
+              <a:lstStyle/>
+              <a:p>
+                <a:r>
+                  <a:rPr lang="en-US" dirty="0"/>
+                  <a:t>@Service</a:t>
+                </a:r>
+                <a:endParaRPr lang="en-US" dirty="0"/>
+              </a:p>
+            </p:txBody>
+          </p:sp>
+        </p:grpSp>
+        <p:pic>
+          <p:nvPicPr>
+            <p:cNvPr id="2052" name="Picture 4"/>
+            <p:cNvPicPr>
+              <a:picLocks noChangeAspect="1" noChangeArrowheads="1"/>
+            </p:cNvPicPr>
+            <p:nvPr/>
+          </p:nvPicPr>
+          <p:blipFill>
+            <a:blip r:embed="rId4">
+              <a:extLst>
+                <a:ext uri="{28A0092B-C50C-407E-A947-70E740481C1C}">
+                  <a14:useLocalDpi xmlns:a14="http://schemas.microsoft.com/office/drawing/2010/main" val="0"/>
+                </a:ext>
+              </a:extLst>
+            </a:blip>
+            <a:srcRect/>
+            <a:stretch>
+              <a:fillRect/>
+            </a:stretch>
+          </p:blipFill>
+          <p:spPr bwMode="auto">
+            <a:xfrm>
+              <a:off x="6016769" y="2061911"/>
+              <a:ext cx="4554249" cy="1504950"/>
+            </a:xfrm>
+            <a:prstGeom prst="rect">
+              <a:avLst/>
+            </a:prstGeom>
+            <a:noFill/>
+            <a:ln>
+              <a:noFill/>
+            </a:ln>
+            <a:effectLst/>
+            <a:extLst>
+              <a:ext uri="{909E8E84-426E-40DD-AFC4-6F175D3DCCD1}">
+                <a14:hiddenFill xmlns:a14="http://schemas.microsoft.com/office/drawing/2010/main">
+                  <a:solidFill>
+                    <a:schemeClr val="accent1"/>
+                  </a:solidFill>
+                </a14:hiddenFill>
+              </a:ext>
+              <a:ext uri="{91240B29-F687-4F45-9708-019B960494DF}">
+                <a14:hiddenLine xmlns:a14="http://schemas.microsoft.com/office/drawing/2010/main" w="9525">
+                  <a:solidFill>
+                    <a:schemeClr val="tx1"/>
+                  </a:solidFill>
+                  <a:miter lim="800000"/>
+                  <a:headEnd/>
+                  <a:tailEnd/>
+                </a14:hiddenLine>
+              </a:ext>
+              <a:ext uri="{AF507438-7753-43E0-B8FC-AC1667EBCBE1}">
+                <a14:hiddenEffects xmlns:a14="http://schemas.microsoft.com/office/drawing/2010/main">
+                  <a:effectLst>
+                    <a:outerShdw dist="35921" dir="2700000" algn="ctr" rotWithShape="0">
+                      <a:schemeClr val="bg2"/>
+                    </a:outerShdw>
+                  </a:effectLst>
+                </a14:hiddenEffects>
+              </a:ext>
+            </a:extLst>
+          </p:spPr>
+        </p:pic>
+      </p:grpSp>
+      <p:sp>
+        <p:nvSpPr>
+          <p:cNvPr id="12" name="Round Single Corner Rectangle 11"/>
+          <p:cNvSpPr/>
+          <p:nvPr/>
+        </p:nvSpPr>
+        <p:spPr>
+          <a:xfrm>
+            <a:off x="8244321" y="3365650"/>
+            <a:ext cx="3406486" cy="1066800"/>
+          </a:xfrm>
+          <a:prstGeom prst="round1Rect">
+            <a:avLst/>
+          </a:prstGeom>
+        </p:spPr>
+        <p:style>
+          <a:lnRef idx="2">
+            <a:schemeClr val="accent1">
+              <a:shade val="50000"/>
+            </a:schemeClr>
+          </a:lnRef>
+          <a:fillRef idx="1">
+            <a:schemeClr val="accent1"/>
+          </a:fillRef>
+          <a:effectRef idx="0">
+            <a:schemeClr val="accent1"/>
+          </a:effectRef>
+          <a:fontRef idx="minor">
+            <a:schemeClr val="lt1"/>
+          </a:fontRef>
+        </p:style>
+        <p:txBody>
+          <a:bodyPr rtlCol="0" anchor="t" anchorCtr="0"/>
+          <a:lstStyle/>
+          <a:p>
+            <a:pPr algn="ctr"/>
+            <a:r>
+              <a:rPr lang="en-US" dirty="0" err="1"/>
+              <a:t>ApplicationUserDao</a:t>
+            </a:r>
+            <a:endParaRPr lang="en-US" dirty="0" smtClean="0"/>
+          </a:p>
+          <a:p>
+            <a:pPr algn="ctr"/>
+            <a:endParaRPr lang="en-US" dirty="0" smtClean="0"/>
+          </a:p>
+          <a:p>
+            <a:pPr marL="285750" indent="-285750" algn="ctr">
+              <a:buFont typeface="Arial" pitchFamily="34" charset="0"/>
+              <a:buChar char="•"/>
+            </a:pPr>
+            <a:r>
+              <a:rPr lang="en-US" sz="1400" dirty="0"/>
+              <a:t>Optional&lt;</a:t>
+            </a:r>
+            <a:r>
+              <a:rPr lang="en-US" sz="1400" dirty="0" err="1"/>
+              <a:t>ApplicationUserDetails</a:t>
+            </a:r>
+            <a:r>
+              <a:rPr lang="en-US" sz="1400" dirty="0"/>
+              <a:t>&gt; </a:t>
+            </a:r>
+            <a:r>
+              <a:rPr lang="en-US" sz="1400" dirty="0" err="1"/>
+              <a:t>findUserByName</a:t>
+            </a:r>
+            <a:r>
+              <a:rPr lang="en-US" sz="1400" dirty="0"/>
+              <a:t>(String </a:t>
+            </a:r>
+            <a:r>
+              <a:rPr lang="en-US" sz="1400" dirty="0" err="1"/>
+              <a:t>userName</a:t>
+            </a:r>
+            <a:r>
+              <a:rPr lang="en-US" sz="1400" dirty="0" smtClean="0"/>
+              <a:t>))c</a:t>
+            </a:r>
+            <a:endParaRPr lang="en-US" sz="1400" dirty="0"/>
+          </a:p>
+        </p:txBody>
+      </p:sp>
+      <p:sp>
+        <p:nvSpPr>
+          <p:cNvPr id="13" name="Round Single Corner Rectangle 12"/>
+          <p:cNvSpPr/>
+          <p:nvPr/>
+        </p:nvSpPr>
+        <p:spPr>
+          <a:xfrm>
+            <a:off x="3140826" y="3967456"/>
+            <a:ext cx="4416705" cy="2389979"/>
+          </a:xfrm>
+          <a:prstGeom prst="round1Rect">
+            <a:avLst/>
+          </a:prstGeom>
+        </p:spPr>
+        <p:style>
+          <a:lnRef idx="2">
+            <a:schemeClr val="accent1">
+              <a:shade val="50000"/>
+            </a:schemeClr>
+          </a:lnRef>
+          <a:fillRef idx="1">
+            <a:schemeClr val="accent1"/>
+          </a:fillRef>
+          <a:effectRef idx="0">
+            <a:schemeClr val="accent1"/>
+          </a:effectRef>
+          <a:fontRef idx="minor">
+            <a:schemeClr val="lt1"/>
+          </a:fontRef>
+        </p:style>
+        <p:txBody>
+          <a:bodyPr rtlCol="0" anchor="t" anchorCtr="0"/>
+          <a:lstStyle/>
+          <a:p>
+            <a:pPr algn="ctr"/>
+            <a:r>
+              <a:rPr lang="en-US" u="sng" dirty="0" err="1"/>
+              <a:t>ApplicationUserDetails</a:t>
+            </a:r>
+            <a:endParaRPr lang="en-US" dirty="0" smtClean="0"/>
+          </a:p>
+          <a:p>
+            <a:pPr algn="ctr"/>
+            <a:endParaRPr lang="en-US" dirty="0" smtClean="0"/>
+          </a:p>
+          <a:p>
+            <a:pPr marL="285750" indent="-285750" algn="ctr">
+              <a:buFont typeface="Arial" pitchFamily="34" charset="0"/>
+              <a:buChar char="•"/>
+            </a:pPr>
+            <a:r>
+              <a:rPr lang="en-US" sz="1400" u="sng" dirty="0"/>
+              <a:t>Collection&lt;? </a:t>
+            </a:r>
+            <a:r>
+              <a:rPr lang="en-US" sz="1400" b="1" u="sng" dirty="0"/>
+              <a:t>extends </a:t>
+            </a:r>
+            <a:r>
+              <a:rPr lang="en-US" sz="1400" b="1" u="sng" dirty="0" err="1"/>
+              <a:t>GrantedAuthority</a:t>
+            </a:r>
+            <a:r>
+              <a:rPr lang="en-US" sz="1400" b="1" u="sng" dirty="0"/>
+              <a:t>&gt; </a:t>
+            </a:r>
+            <a:r>
+              <a:rPr lang="en-US" sz="1400" b="1" u="sng" dirty="0" err="1"/>
+              <a:t>getAuthorities</a:t>
+            </a:r>
+            <a:r>
+              <a:rPr lang="en-US" sz="1400" b="1" u="sng" dirty="0" smtClean="0"/>
+              <a:t>()</a:t>
+            </a:r>
+          </a:p>
+          <a:p>
+            <a:pPr marL="285750" indent="-285750" algn="ctr">
+              <a:buFont typeface="Arial" pitchFamily="34" charset="0"/>
+              <a:buChar char="•"/>
+            </a:pPr>
+            <a:r>
+              <a:rPr lang="en-US" sz="1400" dirty="0"/>
+              <a:t>String </a:t>
+            </a:r>
+            <a:r>
+              <a:rPr lang="en-US" sz="1400" dirty="0" err="1"/>
+              <a:t>getPassword</a:t>
+            </a:r>
+            <a:r>
+              <a:rPr lang="en-US" sz="1400" dirty="0"/>
+              <a:t>() </a:t>
+            </a:r>
+            <a:endParaRPr lang="en-US" sz="1400" dirty="0" smtClean="0"/>
+          </a:p>
+          <a:p>
+            <a:pPr marL="285750" indent="-285750" algn="ctr">
+              <a:buFont typeface="Arial" pitchFamily="34" charset="0"/>
+              <a:buChar char="•"/>
+            </a:pPr>
+            <a:r>
+              <a:rPr lang="en-US" sz="1400" dirty="0"/>
+              <a:t>String </a:t>
+            </a:r>
+            <a:r>
+              <a:rPr lang="en-US" sz="1400" dirty="0" err="1"/>
+              <a:t>getUsername</a:t>
+            </a:r>
+            <a:r>
+              <a:rPr lang="en-US" sz="1400" dirty="0" smtClean="0"/>
+              <a:t>()</a:t>
+            </a:r>
+          </a:p>
+          <a:p>
+            <a:pPr marL="285750" indent="-285750" algn="ctr">
+              <a:buFont typeface="Arial" pitchFamily="34" charset="0"/>
+              <a:buChar char="•"/>
+            </a:pPr>
+            <a:r>
+              <a:rPr lang="en-US" sz="1400" b="1" dirty="0" err="1"/>
+              <a:t>boolean</a:t>
+            </a:r>
+            <a:r>
+              <a:rPr lang="en-US" sz="1400" b="1" dirty="0"/>
+              <a:t> </a:t>
+            </a:r>
+            <a:r>
+              <a:rPr lang="en-US" sz="1400" b="1" dirty="0" err="1"/>
+              <a:t>isAccountNonExpired</a:t>
+            </a:r>
+            <a:r>
+              <a:rPr lang="en-US" sz="1400" b="1" dirty="0" smtClean="0"/>
+              <a:t>()</a:t>
+            </a:r>
+          </a:p>
+          <a:p>
+            <a:pPr marL="285750" indent="-285750" algn="ctr">
+              <a:buFont typeface="Arial" pitchFamily="34" charset="0"/>
+              <a:buChar char="•"/>
+            </a:pPr>
+            <a:r>
+              <a:rPr lang="en-US" sz="1400" b="1" dirty="0" err="1"/>
+              <a:t>boolean</a:t>
+            </a:r>
+            <a:r>
+              <a:rPr lang="en-US" sz="1400" b="1" dirty="0"/>
+              <a:t> </a:t>
+            </a:r>
+            <a:r>
+              <a:rPr lang="en-US" sz="1400" b="1" dirty="0" err="1"/>
+              <a:t>isAccountNonLocked</a:t>
+            </a:r>
+            <a:r>
+              <a:rPr lang="en-US" sz="1400" b="1" dirty="0" smtClean="0"/>
+              <a:t>()</a:t>
+            </a:r>
+          </a:p>
+          <a:p>
+            <a:pPr marL="285750" indent="-285750" algn="ctr">
+              <a:buFont typeface="Arial" pitchFamily="34" charset="0"/>
+              <a:buChar char="•"/>
+            </a:pPr>
+            <a:r>
+              <a:rPr lang="en-US" sz="1400" b="1" u="sng" dirty="0" err="1"/>
+              <a:t>boolean</a:t>
+            </a:r>
+            <a:r>
+              <a:rPr lang="en-US" sz="1400" b="1" u="sng" dirty="0"/>
+              <a:t> </a:t>
+            </a:r>
+            <a:r>
+              <a:rPr lang="en-US" sz="1400" b="1" u="sng" dirty="0" err="1"/>
+              <a:t>isCredentialsNonExpired</a:t>
+            </a:r>
+            <a:r>
+              <a:rPr lang="en-US" sz="1400" b="1" u="sng" dirty="0" smtClean="0"/>
+              <a:t>()</a:t>
+            </a:r>
+          </a:p>
+          <a:p>
+            <a:pPr marL="285750" indent="-285750" algn="ctr">
+              <a:buFont typeface="Arial" pitchFamily="34" charset="0"/>
+              <a:buChar char="•"/>
+            </a:pPr>
+            <a:r>
+              <a:rPr lang="en-US" sz="1400" b="1" dirty="0" err="1"/>
+              <a:t>boolean</a:t>
+            </a:r>
+            <a:r>
+              <a:rPr lang="en-US" sz="1400" b="1" dirty="0"/>
+              <a:t> </a:t>
+            </a:r>
+            <a:r>
+              <a:rPr lang="en-US" sz="1400" b="1" dirty="0" err="1"/>
+              <a:t>isEnabled</a:t>
+            </a:r>
+            <a:r>
+              <a:rPr lang="en-US" sz="1400" b="1" dirty="0"/>
+              <a:t>()</a:t>
+            </a:r>
+            <a:endParaRPr lang="en-US" sz="1400" dirty="0"/>
+          </a:p>
+        </p:txBody>
+      </p:sp>
+      <p:sp>
+        <p:nvSpPr>
+          <p:cNvPr id="14" name="Round Single Corner Rectangle 13"/>
+          <p:cNvSpPr/>
+          <p:nvPr/>
+        </p:nvSpPr>
+        <p:spPr>
+          <a:xfrm>
+            <a:off x="9373682" y="5726707"/>
+            <a:ext cx="2521528" cy="630728"/>
+          </a:xfrm>
+          <a:prstGeom prst="round1Rect">
+            <a:avLst/>
+          </a:prstGeom>
+        </p:spPr>
+        <p:style>
+          <a:lnRef idx="2">
+            <a:schemeClr val="accent1">
+              <a:shade val="50000"/>
+            </a:schemeClr>
+          </a:lnRef>
+          <a:fillRef idx="1">
+            <a:schemeClr val="accent1"/>
+          </a:fillRef>
+          <a:effectRef idx="0">
+            <a:schemeClr val="accent1"/>
+          </a:effectRef>
+          <a:fontRef idx="minor">
+            <a:schemeClr val="lt1"/>
+          </a:fontRef>
+        </p:style>
+        <p:txBody>
+          <a:bodyPr rtlCol="0" anchor="t" anchorCtr="0"/>
+          <a:lstStyle/>
+          <a:p>
+            <a:pPr algn="ctr"/>
+            <a:r>
+              <a:rPr lang="en-US" dirty="0" err="1" smtClean="0"/>
+              <a:t>UserDetails</a:t>
+            </a:r>
+            <a:endParaRPr lang="en-US" sz="1400" dirty="0"/>
+          </a:p>
+        </p:txBody>
+      </p:sp>
+      <p:cxnSp>
+        <p:nvCxnSpPr>
+          <p:cNvPr id="16" name="Elbow Connector 15"/>
+          <p:cNvCxnSpPr>
+            <a:stCxn id="13" idx="3"/>
+            <a:endCxn id="14" idx="1"/>
+          </p:cNvCxnSpPr>
+          <p:nvPr/>
+        </p:nvCxnSpPr>
+        <p:spPr>
+          <a:xfrm>
+            <a:off x="7557531" y="5162446"/>
+            <a:ext cx="1816151" cy="879625"/>
+          </a:xfrm>
+          <a:prstGeom prst="bentConnector3">
+            <a:avLst>
+              <a:gd name="adj1" fmla="val 50000"/>
+            </a:avLst>
+          </a:prstGeom>
+          <a:ln w="28575">
+            <a:solidFill>
+              <a:srgbClr val="FF0000"/>
+            </a:solidFill>
+            <a:tailEnd type="arrow"/>
+          </a:ln>
+        </p:spPr>
+        <p:style>
+          <a:lnRef idx="1">
+            <a:schemeClr val="accent1"/>
+          </a:lnRef>
+          <a:fillRef idx="0">
+            <a:schemeClr val="accent1"/>
+          </a:fillRef>
+          <a:effectRef idx="0">
+            <a:schemeClr val="accent1"/>
+          </a:effectRef>
+          <a:fontRef idx="minor">
+            <a:schemeClr val="tx1"/>
+          </a:fontRef>
+        </p:style>
+      </p:cxnSp>
+      <p:cxnSp>
+        <p:nvCxnSpPr>
+          <p:cNvPr id="27" name="Elbow Connector 26"/>
+          <p:cNvCxnSpPr>
+            <a:stCxn id="12" idx="0"/>
+            <a:endCxn id="13" idx="0"/>
+          </p:cNvCxnSpPr>
+          <p:nvPr/>
+        </p:nvCxnSpPr>
+        <p:spPr>
+          <a:xfrm rot="16200000" flipH="1" flipV="1">
+            <a:off x="7347469" y="1367360"/>
+            <a:ext cx="601806" cy="4598385"/>
+          </a:xfrm>
+          <a:prstGeom prst="bentConnector3">
+            <a:avLst>
+              <a:gd name="adj1" fmla="val -37986"/>
+            </a:avLst>
+          </a:prstGeom>
+          <a:ln w="28575">
+            <a:solidFill>
+              <a:srgbClr val="FF0000"/>
+            </a:solidFill>
+            <a:tailEnd type="arrow"/>
+          </a:ln>
+        </p:spPr>
+        <p:style>
+          <a:lnRef idx="1">
+            <a:schemeClr val="accent1"/>
+          </a:lnRef>
+          <a:fillRef idx="0">
+            <a:schemeClr val="accent1"/>
+          </a:fillRef>
+          <a:effectRef idx="0">
+            <a:schemeClr val="accent1"/>
+          </a:effectRef>
+          <a:fontRef idx="minor">
+            <a:schemeClr val="tx1"/>
+          </a:fontRef>
+        </p:style>
+      </p:cxnSp>
+      <p:cxnSp>
+        <p:nvCxnSpPr>
+          <p:cNvPr id="30" name="Elbow Connector 29"/>
+          <p:cNvCxnSpPr>
+            <a:stCxn id="12" idx="3"/>
+            <a:endCxn id="7" idx="0"/>
+          </p:cNvCxnSpPr>
+          <p:nvPr/>
+        </p:nvCxnSpPr>
+        <p:spPr>
+          <a:xfrm flipH="1" flipV="1">
+            <a:off x="7557531" y="617803"/>
+            <a:ext cx="4093276" cy="3281247"/>
+          </a:xfrm>
+          <a:prstGeom prst="bentConnector4">
+            <a:avLst>
+              <a:gd name="adj1" fmla="val -5585"/>
+              <a:gd name="adj2" fmla="val 106967"/>
+            </a:avLst>
+          </a:prstGeom>
+          <a:ln w="28575">
+            <a:solidFill>
+              <a:srgbClr val="FF0000"/>
+            </a:solidFill>
+            <a:tailEnd type="arrow"/>
+          </a:ln>
+        </p:spPr>
+        <p:style>
+          <a:lnRef idx="1">
+            <a:schemeClr val="accent1"/>
+          </a:lnRef>
+          <a:fillRef idx="0">
+            <a:schemeClr val="accent1"/>
+          </a:fillRef>
+          <a:effectRef idx="0">
+            <a:schemeClr val="accent1"/>
+          </a:effectRef>
+          <a:fontRef idx="minor">
+            <a:schemeClr val="tx1"/>
+          </a:fontRef>
+        </p:style>
+      </p:cxnSp>
+      <p:cxnSp>
+        <p:nvCxnSpPr>
+          <p:cNvPr id="34" name="Elbow Connector 33"/>
+          <p:cNvCxnSpPr>
+            <a:stCxn id="2050" idx="3"/>
+            <a:endCxn id="7" idx="1"/>
+          </p:cNvCxnSpPr>
+          <p:nvPr/>
+        </p:nvCxnSpPr>
+        <p:spPr>
+          <a:xfrm flipV="1">
+            <a:off x="5344391" y="1151203"/>
+            <a:ext cx="509897" cy="1304628"/>
+          </a:xfrm>
+          <a:prstGeom prst="bentConnector3">
+            <a:avLst>
+              <a:gd name="adj1" fmla="val 50000"/>
+            </a:avLst>
+          </a:prstGeom>
+          <a:ln w="28575">
+            <a:solidFill>
+              <a:srgbClr val="FF0000"/>
+            </a:solidFill>
+            <a:tailEnd type="arrow"/>
+          </a:ln>
+        </p:spPr>
+        <p:style>
+          <a:lnRef idx="1">
+            <a:schemeClr val="accent1"/>
+          </a:lnRef>
+          <a:fillRef idx="0">
+            <a:schemeClr val="accent1"/>
+          </a:fillRef>
+          <a:effectRef idx="0">
+            <a:schemeClr val="accent1"/>
+          </a:effectRef>
+          <a:fontRef idx="minor">
+            <a:schemeClr val="tx1"/>
+          </a:fontRef>
+        </p:style>
+      </p:cxnSp>
+      <p:sp>
+        <p:nvSpPr>
+          <p:cNvPr id="39" name="TextBox 38">
+            <a:extLst>
+              <a:ext uri="{FF2B5EF4-FFF2-40B4-BE49-F238E27FC236}">
+                <a16:creationId xmlns:a16="http://schemas.microsoft.com/office/drawing/2014/main" xmlns="" id="{59FF71CE-4718-4998-A939-849367C126BB}"/>
+              </a:ext>
+            </a:extLst>
+          </p:cNvPr>
+          <p:cNvSpPr txBox="1"/>
+          <p:nvPr/>
+        </p:nvSpPr>
+        <p:spPr>
+          <a:xfrm>
+            <a:off x="1243333" y="63805"/>
+            <a:ext cx="3383940" cy="369332"/>
+          </a:xfrm>
+          <a:prstGeom prst="rect">
+            <a:avLst/>
+          </a:prstGeom>
+          <a:noFill/>
+        </p:spPr>
+        <p:txBody>
+          <a:bodyPr wrap="none" rtlCol="0">
+            <a:spAutoFit/>
+          </a:bodyPr>
+          <a:lstStyle/>
+          <a:p>
+            <a:r>
+              <a:rPr lang="en-US" b="1" u="sng" dirty="0" smtClean="0"/>
+              <a:t>Custom User Data Authentication</a:t>
+            </a:r>
+            <a:endParaRPr lang="en-US" b="1" u="sng" dirty="0"/>
+          </a:p>
+        </p:txBody>
+      </p:sp>
+    </p:spTree>
+    <p:extLst>
+      <p:ext uri="{BB962C8B-B14F-4D97-AF65-F5344CB8AC3E}">
+        <p14:creationId xmlns:p14="http://schemas.microsoft.com/office/powerpoint/2010/main" val="1425070603"/>
       </p:ext>
     </p:extLst>
   </p:cSld>
@@ -13423,7 +14547,7 @@
               <p:cNvPr id="5" name="Rectangle: Rounded Corners 1">
                 <a:extLst>
                   <a:ext uri="{FF2B5EF4-FFF2-40B4-BE49-F238E27FC236}">
-                    <a16:creationId xmlns:a16="http://schemas.microsoft.com/office/drawing/2014/main" id="{229043B8-923C-4A63-923B-ED47AB6F3179}"/>
+                    <a16:creationId xmlns:a16="http://schemas.microsoft.com/office/drawing/2014/main" xmlns="" id="{229043B8-923C-4A63-923B-ED47AB6F3179}"/>
                   </a:ext>
                 </a:extLst>
               </p:cNvPr>
@@ -13484,7 +14608,7 @@
               <p:cNvPr id="6" name="Rectangle 1">
                 <a:extLst>
                   <a:ext uri="{FF2B5EF4-FFF2-40B4-BE49-F238E27FC236}">
-                    <a16:creationId xmlns:a16="http://schemas.microsoft.com/office/drawing/2014/main" id="{FFE5BAF0-90A9-481D-AAC3-4466B273C9B9}"/>
+                    <a16:creationId xmlns:a16="http://schemas.microsoft.com/office/drawing/2014/main" xmlns="" id="{FFE5BAF0-90A9-481D-AAC3-4466B273C9B9}"/>
                   </a:ext>
                 </a:extLst>
               </p:cNvPr>
@@ -13751,7 +14875,7 @@
               <p:cNvPr id="7" name="Rectangle 1">
                 <a:extLst>
                   <a:ext uri="{FF2B5EF4-FFF2-40B4-BE49-F238E27FC236}">
-                    <a16:creationId xmlns:a16="http://schemas.microsoft.com/office/drawing/2014/main" id="{4A5862E7-0045-43EA-8731-76AF0AFFEB2B}"/>
+                    <a16:creationId xmlns:a16="http://schemas.microsoft.com/office/drawing/2014/main" xmlns="" id="{4A5862E7-0045-43EA-8731-76AF0AFFEB2B}"/>
                   </a:ext>
                 </a:extLst>
               </p:cNvPr>
@@ -14013,7 +15137,7 @@
             <p:cNvPr id="15" name="Rectangle: Rounded Corners 1">
               <a:extLst>
                 <a:ext uri="{FF2B5EF4-FFF2-40B4-BE49-F238E27FC236}">
-                  <a16:creationId xmlns:a16="http://schemas.microsoft.com/office/drawing/2014/main" id="{229043B8-923C-4A63-923B-ED47AB6F3179}"/>
+                  <a16:creationId xmlns:a16="http://schemas.microsoft.com/office/drawing/2014/main" xmlns="" id="{229043B8-923C-4A63-923B-ED47AB6F3179}"/>
                 </a:ext>
               </a:extLst>
             </p:cNvPr>
@@ -14073,7 +15197,7 @@
             <p:cNvPr id="16" name="Rectangle 1">
               <a:extLst>
                 <a:ext uri="{FF2B5EF4-FFF2-40B4-BE49-F238E27FC236}">
-                  <a16:creationId xmlns:a16="http://schemas.microsoft.com/office/drawing/2014/main" id="{FFE5BAF0-90A9-481D-AAC3-4466B273C9B9}"/>
+                  <a16:creationId xmlns:a16="http://schemas.microsoft.com/office/drawing/2014/main" xmlns="" id="{FFE5BAF0-90A9-481D-AAC3-4466B273C9B9}"/>
                 </a:ext>
               </a:extLst>
             </p:cNvPr>
@@ -14340,7 +15464,7 @@
             <p:cNvPr id="17" name="Rectangle 1">
               <a:extLst>
                 <a:ext uri="{FF2B5EF4-FFF2-40B4-BE49-F238E27FC236}">
-                  <a16:creationId xmlns:a16="http://schemas.microsoft.com/office/drawing/2014/main" id="{4A5862E7-0045-43EA-8731-76AF0AFFEB2B}"/>
+                  <a16:creationId xmlns:a16="http://schemas.microsoft.com/office/drawing/2014/main" xmlns="" id="{4A5862E7-0045-43EA-8731-76AF0AFFEB2B}"/>
                 </a:ext>
               </a:extLst>
             </p:cNvPr>
@@ -14601,7 +15725,7 @@
             <p:cNvPr id="19" name="Rectangle: Rounded Corners 1">
               <a:extLst>
                 <a:ext uri="{FF2B5EF4-FFF2-40B4-BE49-F238E27FC236}">
-                  <a16:creationId xmlns:a16="http://schemas.microsoft.com/office/drawing/2014/main" id="{229043B8-923C-4A63-923B-ED47AB6F3179}"/>
+                  <a16:creationId xmlns:a16="http://schemas.microsoft.com/office/drawing/2014/main" xmlns="" id="{229043B8-923C-4A63-923B-ED47AB6F3179}"/>
                 </a:ext>
               </a:extLst>
             </p:cNvPr>
@@ -14661,7 +15785,7 @@
             <p:cNvPr id="20" name="Rectangle 1">
               <a:extLst>
                 <a:ext uri="{FF2B5EF4-FFF2-40B4-BE49-F238E27FC236}">
-                  <a16:creationId xmlns:a16="http://schemas.microsoft.com/office/drawing/2014/main" id="{FFE5BAF0-90A9-481D-AAC3-4466B273C9B9}"/>
+                  <a16:creationId xmlns:a16="http://schemas.microsoft.com/office/drawing/2014/main" xmlns="" id="{FFE5BAF0-90A9-481D-AAC3-4466B273C9B9}"/>
                 </a:ext>
               </a:extLst>
             </p:cNvPr>
@@ -14916,7 +16040,7 @@
             <p:cNvPr id="21" name="Rectangle 1">
               <a:extLst>
                 <a:ext uri="{FF2B5EF4-FFF2-40B4-BE49-F238E27FC236}">
-                  <a16:creationId xmlns:a16="http://schemas.microsoft.com/office/drawing/2014/main" id="{4A5862E7-0045-43EA-8731-76AF0AFFEB2B}"/>
+                  <a16:creationId xmlns:a16="http://schemas.microsoft.com/office/drawing/2014/main" xmlns="" id="{4A5862E7-0045-43EA-8731-76AF0AFFEB2B}"/>
                 </a:ext>
               </a:extLst>
             </p:cNvPr>
@@ -15497,7 +16621,7 @@
               <p:cNvPr id="6" name="Rectangle: Rounded Corners 1">
                 <a:extLst>
                   <a:ext uri="{FF2B5EF4-FFF2-40B4-BE49-F238E27FC236}">
-                    <a16:creationId xmlns:a16="http://schemas.microsoft.com/office/drawing/2014/main" id="{229043B8-923C-4A63-923B-ED47AB6F3179}"/>
+                    <a16:creationId xmlns:a16="http://schemas.microsoft.com/office/drawing/2014/main" xmlns="" id="{229043B8-923C-4A63-923B-ED47AB6F3179}"/>
                   </a:ext>
                 </a:extLst>
               </p:cNvPr>
@@ -15558,7 +16682,7 @@
               <p:cNvPr id="7" name="Rectangle 1">
                 <a:extLst>
                   <a:ext uri="{FF2B5EF4-FFF2-40B4-BE49-F238E27FC236}">
-                    <a16:creationId xmlns:a16="http://schemas.microsoft.com/office/drawing/2014/main" id="{FFE5BAF0-90A9-481D-AAC3-4466B273C9B9}"/>
+                    <a16:creationId xmlns:a16="http://schemas.microsoft.com/office/drawing/2014/main" xmlns="" id="{FFE5BAF0-90A9-481D-AAC3-4466B273C9B9}"/>
                   </a:ext>
                 </a:extLst>
               </p:cNvPr>
@@ -15825,7 +16949,7 @@
               <p:cNvPr id="8" name="Rectangle 1">
                 <a:extLst>
                   <a:ext uri="{FF2B5EF4-FFF2-40B4-BE49-F238E27FC236}">
-                    <a16:creationId xmlns:a16="http://schemas.microsoft.com/office/drawing/2014/main" id="{4A5862E7-0045-43EA-8731-76AF0AFFEB2B}"/>
+                    <a16:creationId xmlns:a16="http://schemas.microsoft.com/office/drawing/2014/main" xmlns="" id="{4A5862E7-0045-43EA-8731-76AF0AFFEB2B}"/>
                   </a:ext>
                 </a:extLst>
               </p:cNvPr>
@@ -16087,7 +17211,7 @@
             <p:cNvPr id="10" name="Rectangle: Rounded Corners 1">
               <a:extLst>
                 <a:ext uri="{FF2B5EF4-FFF2-40B4-BE49-F238E27FC236}">
-                  <a16:creationId xmlns:a16="http://schemas.microsoft.com/office/drawing/2014/main" id="{229043B8-923C-4A63-923B-ED47AB6F3179}"/>
+                  <a16:creationId xmlns:a16="http://schemas.microsoft.com/office/drawing/2014/main" xmlns="" id="{229043B8-923C-4A63-923B-ED47AB6F3179}"/>
                 </a:ext>
               </a:extLst>
             </p:cNvPr>
@@ -16147,7 +17271,7 @@
             <p:cNvPr id="11" name="Rectangle 1">
               <a:extLst>
                 <a:ext uri="{FF2B5EF4-FFF2-40B4-BE49-F238E27FC236}">
-                  <a16:creationId xmlns:a16="http://schemas.microsoft.com/office/drawing/2014/main" id="{FFE5BAF0-90A9-481D-AAC3-4466B273C9B9}"/>
+                  <a16:creationId xmlns:a16="http://schemas.microsoft.com/office/drawing/2014/main" xmlns="" id="{FFE5BAF0-90A9-481D-AAC3-4466B273C9B9}"/>
                 </a:ext>
               </a:extLst>
             </p:cNvPr>
@@ -16414,7 +17538,7 @@
             <p:cNvPr id="12" name="Rectangle 1">
               <a:extLst>
                 <a:ext uri="{FF2B5EF4-FFF2-40B4-BE49-F238E27FC236}">
-                  <a16:creationId xmlns:a16="http://schemas.microsoft.com/office/drawing/2014/main" id="{4A5862E7-0045-43EA-8731-76AF0AFFEB2B}"/>
+                  <a16:creationId xmlns:a16="http://schemas.microsoft.com/office/drawing/2014/main" xmlns="" id="{4A5862E7-0045-43EA-8731-76AF0AFFEB2B}"/>
                 </a:ext>
               </a:extLst>
             </p:cNvPr>
@@ -16675,7 +17799,7 @@
             <p:cNvPr id="14" name="Rectangle: Rounded Corners 1">
               <a:extLst>
                 <a:ext uri="{FF2B5EF4-FFF2-40B4-BE49-F238E27FC236}">
-                  <a16:creationId xmlns:a16="http://schemas.microsoft.com/office/drawing/2014/main" id="{229043B8-923C-4A63-923B-ED47AB6F3179}"/>
+                  <a16:creationId xmlns:a16="http://schemas.microsoft.com/office/drawing/2014/main" xmlns="" id="{229043B8-923C-4A63-923B-ED47AB6F3179}"/>
                 </a:ext>
               </a:extLst>
             </p:cNvPr>
@@ -16735,7 +17859,7 @@
             <p:cNvPr id="15" name="Rectangle 1">
               <a:extLst>
                 <a:ext uri="{FF2B5EF4-FFF2-40B4-BE49-F238E27FC236}">
-                  <a16:creationId xmlns:a16="http://schemas.microsoft.com/office/drawing/2014/main" id="{FFE5BAF0-90A9-481D-AAC3-4466B273C9B9}"/>
+                  <a16:creationId xmlns:a16="http://schemas.microsoft.com/office/drawing/2014/main" xmlns="" id="{FFE5BAF0-90A9-481D-AAC3-4466B273C9B9}"/>
                 </a:ext>
               </a:extLst>
             </p:cNvPr>
@@ -16990,7 +18114,7 @@
             <p:cNvPr id="16" name="Rectangle 1">
               <a:extLst>
                 <a:ext uri="{FF2B5EF4-FFF2-40B4-BE49-F238E27FC236}">
-                  <a16:creationId xmlns:a16="http://schemas.microsoft.com/office/drawing/2014/main" id="{4A5862E7-0045-43EA-8731-76AF0AFFEB2B}"/>
+                  <a16:creationId xmlns:a16="http://schemas.microsoft.com/office/drawing/2014/main" xmlns="" id="{4A5862E7-0045-43EA-8731-76AF0AFFEB2B}"/>
                 </a:ext>
               </a:extLst>
             </p:cNvPr>
@@ -17453,7 +18577,7 @@
           <p:cNvPr id="35" name="Rectangle 1">
             <a:extLst>
               <a:ext uri="{FF2B5EF4-FFF2-40B4-BE49-F238E27FC236}">
-                <a16:creationId xmlns:a16="http://schemas.microsoft.com/office/drawing/2014/main" id="{FFE5BAF0-90A9-481D-AAC3-4466B273C9B9}"/>
+                <a16:creationId xmlns:a16="http://schemas.microsoft.com/office/drawing/2014/main" xmlns="" id="{FFE5BAF0-90A9-481D-AAC3-4466B273C9B9}"/>
               </a:ext>
             </a:extLst>
           </p:cNvPr>
@@ -17695,7 +18819,7 @@
           <p:cNvPr id="36" name="Rectangle 1">
             <a:extLst>
               <a:ext uri="{FF2B5EF4-FFF2-40B4-BE49-F238E27FC236}">
-                <a16:creationId xmlns:a16="http://schemas.microsoft.com/office/drawing/2014/main" id="{FFE5BAF0-90A9-481D-AAC3-4466B273C9B9}"/>
+                <a16:creationId xmlns:a16="http://schemas.microsoft.com/office/drawing/2014/main" xmlns="" id="{FFE5BAF0-90A9-481D-AAC3-4466B273C9B9}"/>
               </a:ext>
             </a:extLst>
           </p:cNvPr>
@@ -17992,7 +19116,7 @@
           <p:cNvPr id="19" name="Group 18">
             <a:extLst>
               <a:ext uri="{FF2B5EF4-FFF2-40B4-BE49-F238E27FC236}">
-                <a16:creationId xmlns:a16="http://schemas.microsoft.com/office/drawing/2014/main" id="{D0F62175-D24D-4B45-B9CA-E8C1FAAC2857}"/>
+                <a16:creationId xmlns:a16="http://schemas.microsoft.com/office/drawing/2014/main" xmlns="" id="{D0F62175-D24D-4B45-B9CA-E8C1FAAC2857}"/>
               </a:ext>
             </a:extLst>
           </p:cNvPr>
@@ -18012,7 +19136,7 @@
             <p:cNvPr id="10" name="Group 9">
               <a:extLst>
                 <a:ext uri="{FF2B5EF4-FFF2-40B4-BE49-F238E27FC236}">
-                  <a16:creationId xmlns:a16="http://schemas.microsoft.com/office/drawing/2014/main" id="{62E720DB-FF62-4E7A-86CD-1CAE2B2D6238}"/>
+                  <a16:creationId xmlns:a16="http://schemas.microsoft.com/office/drawing/2014/main" xmlns="" id="{62E720DB-FF62-4E7A-86CD-1CAE2B2D6238}"/>
                 </a:ext>
               </a:extLst>
             </p:cNvPr>
@@ -18032,7 +19156,7 @@
               <p:cNvPr id="2" name="Rectangle: Rounded Corners 1">
                 <a:extLst>
                   <a:ext uri="{FF2B5EF4-FFF2-40B4-BE49-F238E27FC236}">
-                    <a16:creationId xmlns:a16="http://schemas.microsoft.com/office/drawing/2014/main" id="{229043B8-923C-4A63-923B-ED47AB6F3179}"/>
+                    <a16:creationId xmlns:a16="http://schemas.microsoft.com/office/drawing/2014/main" xmlns="" id="{229043B8-923C-4A63-923B-ED47AB6F3179}"/>
                   </a:ext>
                 </a:extLst>
               </p:cNvPr>
@@ -18093,7 +19217,7 @@
               <p:cNvPr id="7" name="Rectangle 1">
                 <a:extLst>
                   <a:ext uri="{FF2B5EF4-FFF2-40B4-BE49-F238E27FC236}">
-                    <a16:creationId xmlns:a16="http://schemas.microsoft.com/office/drawing/2014/main" id="{FFE5BAF0-90A9-481D-AAC3-4466B273C9B9}"/>
+                    <a16:creationId xmlns:a16="http://schemas.microsoft.com/office/drawing/2014/main" xmlns="" id="{FFE5BAF0-90A9-481D-AAC3-4466B273C9B9}"/>
                   </a:ext>
                 </a:extLst>
               </p:cNvPr>
@@ -18347,7 +19471,7 @@
               <p:cNvPr id="9" name="Rectangle 1">
                 <a:extLst>
                   <a:ext uri="{FF2B5EF4-FFF2-40B4-BE49-F238E27FC236}">
-                    <a16:creationId xmlns:a16="http://schemas.microsoft.com/office/drawing/2014/main" id="{4A5862E7-0045-43EA-8731-76AF0AFFEB2B}"/>
+                    <a16:creationId xmlns:a16="http://schemas.microsoft.com/office/drawing/2014/main" xmlns="" id="{4A5862E7-0045-43EA-8731-76AF0AFFEB2B}"/>
                   </a:ext>
                 </a:extLst>
               </p:cNvPr>
@@ -18594,7 +19718,7 @@
             <p:cNvPr id="11" name="Group 10">
               <a:extLst>
                 <a:ext uri="{FF2B5EF4-FFF2-40B4-BE49-F238E27FC236}">
-                  <a16:creationId xmlns:a16="http://schemas.microsoft.com/office/drawing/2014/main" id="{93DBFA10-C83E-4DEF-8CD1-BADBC16FE155}"/>
+                  <a16:creationId xmlns:a16="http://schemas.microsoft.com/office/drawing/2014/main" xmlns="" id="{93DBFA10-C83E-4DEF-8CD1-BADBC16FE155}"/>
                 </a:ext>
               </a:extLst>
             </p:cNvPr>
@@ -18614,7 +19738,7 @@
               <p:cNvPr id="12" name="Rectangle: Rounded Corners 11">
                 <a:extLst>
                   <a:ext uri="{FF2B5EF4-FFF2-40B4-BE49-F238E27FC236}">
-                    <a16:creationId xmlns:a16="http://schemas.microsoft.com/office/drawing/2014/main" id="{BE150171-1A7B-4D64-B55E-DB783C08E7C2}"/>
+                    <a16:creationId xmlns:a16="http://schemas.microsoft.com/office/drawing/2014/main" xmlns="" id="{BE150171-1A7B-4D64-B55E-DB783C08E7C2}"/>
                   </a:ext>
                 </a:extLst>
               </p:cNvPr>
@@ -18675,7 +19799,7 @@
               <p:cNvPr id="13" name="Rectangle 1">
                 <a:extLst>
                   <a:ext uri="{FF2B5EF4-FFF2-40B4-BE49-F238E27FC236}">
-                    <a16:creationId xmlns:a16="http://schemas.microsoft.com/office/drawing/2014/main" id="{26A7B01C-670A-4B9E-8775-5248BB8B3942}"/>
+                    <a16:creationId xmlns:a16="http://schemas.microsoft.com/office/drawing/2014/main" xmlns="" id="{26A7B01C-670A-4B9E-8775-5248BB8B3942}"/>
                   </a:ext>
                 </a:extLst>
               </p:cNvPr>
@@ -18929,7 +20053,7 @@
               <p:cNvPr id="14" name="Rectangle 1">
                 <a:extLst>
                   <a:ext uri="{FF2B5EF4-FFF2-40B4-BE49-F238E27FC236}">
-                    <a16:creationId xmlns:a16="http://schemas.microsoft.com/office/drawing/2014/main" id="{AE53C4F4-C196-4B4D-894F-2430912415CD}"/>
+                    <a16:creationId xmlns:a16="http://schemas.microsoft.com/office/drawing/2014/main" xmlns="" id="{AE53C4F4-C196-4B4D-894F-2430912415CD}"/>
                   </a:ext>
                 </a:extLst>
               </p:cNvPr>
@@ -19177,7 +20301,7 @@
           <p:cNvPr id="20" name="Group 19">
             <a:extLst>
               <a:ext uri="{FF2B5EF4-FFF2-40B4-BE49-F238E27FC236}">
-                <a16:creationId xmlns:a16="http://schemas.microsoft.com/office/drawing/2014/main" id="{7426D4FD-31C2-4FF9-800C-714F683EB43F}"/>
+                <a16:creationId xmlns:a16="http://schemas.microsoft.com/office/drawing/2014/main" xmlns="" id="{7426D4FD-31C2-4FF9-800C-714F683EB43F}"/>
               </a:ext>
             </a:extLst>
           </p:cNvPr>
@@ -19197,7 +20321,7 @@
             <p:cNvPr id="21" name="Group 20">
               <a:extLst>
                 <a:ext uri="{FF2B5EF4-FFF2-40B4-BE49-F238E27FC236}">
-                  <a16:creationId xmlns:a16="http://schemas.microsoft.com/office/drawing/2014/main" id="{926D488A-0224-468D-8DFC-EA65ABDDAB28}"/>
+                  <a16:creationId xmlns:a16="http://schemas.microsoft.com/office/drawing/2014/main" xmlns="" id="{926D488A-0224-468D-8DFC-EA65ABDDAB28}"/>
                 </a:ext>
               </a:extLst>
             </p:cNvPr>
@@ -19217,7 +20341,7 @@
               <p:cNvPr id="30" name="Rectangle: Rounded Corners 29">
                 <a:extLst>
                   <a:ext uri="{FF2B5EF4-FFF2-40B4-BE49-F238E27FC236}">
-                    <a16:creationId xmlns:a16="http://schemas.microsoft.com/office/drawing/2014/main" id="{7BF73A8A-9B63-4346-8677-7B7F802184A1}"/>
+                    <a16:creationId xmlns:a16="http://schemas.microsoft.com/office/drawing/2014/main" xmlns="" id="{7BF73A8A-9B63-4346-8677-7B7F802184A1}"/>
                   </a:ext>
                 </a:extLst>
               </p:cNvPr>
@@ -19272,7 +20396,7 @@
               <p:cNvPr id="31" name="Rectangle 1">
                 <a:extLst>
                   <a:ext uri="{FF2B5EF4-FFF2-40B4-BE49-F238E27FC236}">
-                    <a16:creationId xmlns:a16="http://schemas.microsoft.com/office/drawing/2014/main" id="{B2465705-8D1F-4610-B4EC-D9B332646F95}"/>
+                    <a16:creationId xmlns:a16="http://schemas.microsoft.com/office/drawing/2014/main" xmlns="" id="{B2465705-8D1F-4610-B4EC-D9B332646F95}"/>
                   </a:ext>
                 </a:extLst>
               </p:cNvPr>
@@ -19526,7 +20650,7 @@
               <p:cNvPr id="32" name="Rectangle 1">
                 <a:extLst>
                   <a:ext uri="{FF2B5EF4-FFF2-40B4-BE49-F238E27FC236}">
-                    <a16:creationId xmlns:a16="http://schemas.microsoft.com/office/drawing/2014/main" id="{2B208D04-9B0C-4194-8D6D-150281E8FD78}"/>
+                    <a16:creationId xmlns:a16="http://schemas.microsoft.com/office/drawing/2014/main" xmlns="" id="{2B208D04-9B0C-4194-8D6D-150281E8FD78}"/>
                   </a:ext>
                 </a:extLst>
               </p:cNvPr>
@@ -19773,7 +20897,7 @@
             <p:cNvPr id="22" name="Group 21">
               <a:extLst>
                 <a:ext uri="{FF2B5EF4-FFF2-40B4-BE49-F238E27FC236}">
-                  <a16:creationId xmlns:a16="http://schemas.microsoft.com/office/drawing/2014/main" id="{0677CBBA-4B05-4E26-ABCE-C634BA606830}"/>
+                  <a16:creationId xmlns:a16="http://schemas.microsoft.com/office/drawing/2014/main" xmlns="" id="{0677CBBA-4B05-4E26-ABCE-C634BA606830}"/>
                 </a:ext>
               </a:extLst>
             </p:cNvPr>
@@ -19793,7 +20917,7 @@
               <p:cNvPr id="27" name="Rectangle: Rounded Corners 26">
                 <a:extLst>
                   <a:ext uri="{FF2B5EF4-FFF2-40B4-BE49-F238E27FC236}">
-                    <a16:creationId xmlns:a16="http://schemas.microsoft.com/office/drawing/2014/main" id="{9E63CD82-7E71-4367-8277-574E557EA990}"/>
+                    <a16:creationId xmlns:a16="http://schemas.microsoft.com/office/drawing/2014/main" xmlns="" id="{9E63CD82-7E71-4367-8277-574E557EA990}"/>
                   </a:ext>
                 </a:extLst>
               </p:cNvPr>
@@ -19848,7 +20972,7 @@
               <p:cNvPr id="28" name="Rectangle 1">
                 <a:extLst>
                   <a:ext uri="{FF2B5EF4-FFF2-40B4-BE49-F238E27FC236}">
-                    <a16:creationId xmlns:a16="http://schemas.microsoft.com/office/drawing/2014/main" id="{0A88CE75-95F4-499E-842B-075807A82643}"/>
+                    <a16:creationId xmlns:a16="http://schemas.microsoft.com/office/drawing/2014/main" xmlns="" id="{0A88CE75-95F4-499E-842B-075807A82643}"/>
                   </a:ext>
                 </a:extLst>
               </p:cNvPr>
@@ -20102,7 +21226,7 @@
               <p:cNvPr id="29" name="Rectangle 1">
                 <a:extLst>
                   <a:ext uri="{FF2B5EF4-FFF2-40B4-BE49-F238E27FC236}">
-                    <a16:creationId xmlns:a16="http://schemas.microsoft.com/office/drawing/2014/main" id="{E0C71518-ACB1-46C3-80EE-972E9FD1840C}"/>
+                    <a16:creationId xmlns:a16="http://schemas.microsoft.com/office/drawing/2014/main" xmlns="" id="{E0C71518-ACB1-46C3-80EE-972E9FD1840C}"/>
                   </a:ext>
                 </a:extLst>
               </p:cNvPr>
@@ -20349,7 +21473,7 @@
             <p:cNvPr id="23" name="Group 22">
               <a:extLst>
                 <a:ext uri="{FF2B5EF4-FFF2-40B4-BE49-F238E27FC236}">
-                  <a16:creationId xmlns:a16="http://schemas.microsoft.com/office/drawing/2014/main" id="{0003B74D-B8C7-4414-9D7E-8A06C42A0CAA}"/>
+                  <a16:creationId xmlns:a16="http://schemas.microsoft.com/office/drawing/2014/main" xmlns="" id="{0003B74D-B8C7-4414-9D7E-8A06C42A0CAA}"/>
                 </a:ext>
               </a:extLst>
             </p:cNvPr>
@@ -20369,7 +21493,7 @@
               <p:cNvPr id="24" name="Rectangle: Rounded Corners 23">
                 <a:extLst>
                   <a:ext uri="{FF2B5EF4-FFF2-40B4-BE49-F238E27FC236}">
-                    <a16:creationId xmlns:a16="http://schemas.microsoft.com/office/drawing/2014/main" id="{97CECC83-8D18-45D9-B7DD-EA416689E01B}"/>
+                    <a16:creationId xmlns:a16="http://schemas.microsoft.com/office/drawing/2014/main" xmlns="" id="{97CECC83-8D18-45D9-B7DD-EA416689E01B}"/>
                   </a:ext>
                 </a:extLst>
               </p:cNvPr>
@@ -20424,7 +21548,7 @@
               <p:cNvPr id="25" name="Rectangle 1">
                 <a:extLst>
                   <a:ext uri="{FF2B5EF4-FFF2-40B4-BE49-F238E27FC236}">
-                    <a16:creationId xmlns:a16="http://schemas.microsoft.com/office/drawing/2014/main" id="{04212A30-EC2B-4ABF-8921-51C5D19C1368}"/>
+                    <a16:creationId xmlns:a16="http://schemas.microsoft.com/office/drawing/2014/main" xmlns="" id="{04212A30-EC2B-4ABF-8921-51C5D19C1368}"/>
                   </a:ext>
                 </a:extLst>
               </p:cNvPr>
@@ -20678,7 +21802,7 @@
               <p:cNvPr id="26" name="Rectangle 1">
                 <a:extLst>
                   <a:ext uri="{FF2B5EF4-FFF2-40B4-BE49-F238E27FC236}">
-                    <a16:creationId xmlns:a16="http://schemas.microsoft.com/office/drawing/2014/main" id="{6704B4F6-A682-486C-BA1E-C35C74B3DE0E}"/>
+                    <a16:creationId xmlns:a16="http://schemas.microsoft.com/office/drawing/2014/main" xmlns="" id="{6704B4F6-A682-486C-BA1E-C35C74B3DE0E}"/>
                   </a:ext>
                 </a:extLst>
               </p:cNvPr>
@@ -20926,7 +22050,7 @@
           <p:cNvPr id="33" name="Group 32">
             <a:extLst>
               <a:ext uri="{FF2B5EF4-FFF2-40B4-BE49-F238E27FC236}">
-                <a16:creationId xmlns:a16="http://schemas.microsoft.com/office/drawing/2014/main" id="{6FB1CA6F-487B-445A-AE17-DE06D734C19D}"/>
+                <a16:creationId xmlns:a16="http://schemas.microsoft.com/office/drawing/2014/main" xmlns="" id="{6FB1CA6F-487B-445A-AE17-DE06D734C19D}"/>
               </a:ext>
             </a:extLst>
           </p:cNvPr>
@@ -20946,7 +22070,7 @@
             <p:cNvPr id="34" name="Group 33">
               <a:extLst>
                 <a:ext uri="{FF2B5EF4-FFF2-40B4-BE49-F238E27FC236}">
-                  <a16:creationId xmlns:a16="http://schemas.microsoft.com/office/drawing/2014/main" id="{9A74CAB0-9F63-45CB-B953-6006D17ADF18}"/>
+                  <a16:creationId xmlns:a16="http://schemas.microsoft.com/office/drawing/2014/main" xmlns="" id="{9A74CAB0-9F63-45CB-B953-6006D17ADF18}"/>
                 </a:ext>
               </a:extLst>
             </p:cNvPr>
@@ -20966,7 +22090,7 @@
               <p:cNvPr id="43" name="Rectangle: Rounded Corners 42">
                 <a:extLst>
                   <a:ext uri="{FF2B5EF4-FFF2-40B4-BE49-F238E27FC236}">
-                    <a16:creationId xmlns:a16="http://schemas.microsoft.com/office/drawing/2014/main" id="{F3DF1273-F300-4BD0-8FB7-48FEC0DB1F09}"/>
+                    <a16:creationId xmlns:a16="http://schemas.microsoft.com/office/drawing/2014/main" xmlns="" id="{F3DF1273-F300-4BD0-8FB7-48FEC0DB1F09}"/>
                   </a:ext>
                 </a:extLst>
               </p:cNvPr>
@@ -21021,7 +22145,7 @@
               <p:cNvPr id="44" name="Rectangle 1">
                 <a:extLst>
                   <a:ext uri="{FF2B5EF4-FFF2-40B4-BE49-F238E27FC236}">
-                    <a16:creationId xmlns:a16="http://schemas.microsoft.com/office/drawing/2014/main" id="{B5D102D8-2F53-4ECD-AC34-13D13E6B37F0}"/>
+                    <a16:creationId xmlns:a16="http://schemas.microsoft.com/office/drawing/2014/main" xmlns="" id="{B5D102D8-2F53-4ECD-AC34-13D13E6B37F0}"/>
                   </a:ext>
                 </a:extLst>
               </p:cNvPr>
@@ -21262,7 +22386,7 @@
               <p:cNvPr id="45" name="Rectangle 1">
                 <a:extLst>
                   <a:ext uri="{FF2B5EF4-FFF2-40B4-BE49-F238E27FC236}">
-                    <a16:creationId xmlns:a16="http://schemas.microsoft.com/office/drawing/2014/main" id="{AAAEF367-96EF-4FDD-A670-DD00CDACB8EF}"/>
+                    <a16:creationId xmlns:a16="http://schemas.microsoft.com/office/drawing/2014/main" xmlns="" id="{AAAEF367-96EF-4FDD-A670-DD00CDACB8EF}"/>
                   </a:ext>
                 </a:extLst>
               </p:cNvPr>
@@ -21509,7 +22633,7 @@
             <p:cNvPr id="35" name="Group 34">
               <a:extLst>
                 <a:ext uri="{FF2B5EF4-FFF2-40B4-BE49-F238E27FC236}">
-                  <a16:creationId xmlns:a16="http://schemas.microsoft.com/office/drawing/2014/main" id="{7C56915C-9D0F-4B22-BEBB-943ED8C902CC}"/>
+                  <a16:creationId xmlns:a16="http://schemas.microsoft.com/office/drawing/2014/main" xmlns="" id="{7C56915C-9D0F-4B22-BEBB-943ED8C902CC}"/>
                 </a:ext>
               </a:extLst>
             </p:cNvPr>
@@ -21529,7 +22653,7 @@
               <p:cNvPr id="40" name="Rectangle: Rounded Corners 39">
                 <a:extLst>
                   <a:ext uri="{FF2B5EF4-FFF2-40B4-BE49-F238E27FC236}">
-                    <a16:creationId xmlns:a16="http://schemas.microsoft.com/office/drawing/2014/main" id="{B358541E-A59E-4315-9377-A1344B4DBD6D}"/>
+                    <a16:creationId xmlns:a16="http://schemas.microsoft.com/office/drawing/2014/main" xmlns="" id="{B358541E-A59E-4315-9377-A1344B4DBD6D}"/>
                   </a:ext>
                 </a:extLst>
               </p:cNvPr>
@@ -21584,7 +22708,7 @@
               <p:cNvPr id="41" name="Rectangle 1">
                 <a:extLst>
                   <a:ext uri="{FF2B5EF4-FFF2-40B4-BE49-F238E27FC236}">
-                    <a16:creationId xmlns:a16="http://schemas.microsoft.com/office/drawing/2014/main" id="{636FAF22-4BB5-4789-9C21-4115B0581B1F}"/>
+                    <a16:creationId xmlns:a16="http://schemas.microsoft.com/office/drawing/2014/main" xmlns="" id="{636FAF22-4BB5-4789-9C21-4115B0581B1F}"/>
                   </a:ext>
                 </a:extLst>
               </p:cNvPr>
@@ -21838,7 +22962,7 @@
               <p:cNvPr id="42" name="Rectangle 1">
                 <a:extLst>
                   <a:ext uri="{FF2B5EF4-FFF2-40B4-BE49-F238E27FC236}">
-                    <a16:creationId xmlns:a16="http://schemas.microsoft.com/office/drawing/2014/main" id="{81D9FE2A-0944-401B-80F6-90BF83A79396}"/>
+                    <a16:creationId xmlns:a16="http://schemas.microsoft.com/office/drawing/2014/main" xmlns="" id="{81D9FE2A-0944-401B-80F6-90BF83A79396}"/>
                   </a:ext>
                 </a:extLst>
               </p:cNvPr>
@@ -22085,7 +23209,7 @@
             <p:cNvPr id="36" name="Group 35">
               <a:extLst>
                 <a:ext uri="{FF2B5EF4-FFF2-40B4-BE49-F238E27FC236}">
-                  <a16:creationId xmlns:a16="http://schemas.microsoft.com/office/drawing/2014/main" id="{D08755B5-F548-4E7B-9C19-BC94E91B6FDC}"/>
+                  <a16:creationId xmlns:a16="http://schemas.microsoft.com/office/drawing/2014/main" xmlns="" id="{D08755B5-F548-4E7B-9C19-BC94E91B6FDC}"/>
                 </a:ext>
               </a:extLst>
             </p:cNvPr>
@@ -22105,7 +23229,7 @@
               <p:cNvPr id="37" name="Rectangle: Rounded Corners 36">
                 <a:extLst>
                   <a:ext uri="{FF2B5EF4-FFF2-40B4-BE49-F238E27FC236}">
-                    <a16:creationId xmlns:a16="http://schemas.microsoft.com/office/drawing/2014/main" id="{C1DF5C8E-17D1-4B23-A199-D6699B3F708F}"/>
+                    <a16:creationId xmlns:a16="http://schemas.microsoft.com/office/drawing/2014/main" xmlns="" id="{C1DF5C8E-17D1-4B23-A199-D6699B3F708F}"/>
                   </a:ext>
                 </a:extLst>
               </p:cNvPr>
@@ -22160,7 +23284,7 @@
               <p:cNvPr id="38" name="Rectangle 1">
                 <a:extLst>
                   <a:ext uri="{FF2B5EF4-FFF2-40B4-BE49-F238E27FC236}">
-                    <a16:creationId xmlns:a16="http://schemas.microsoft.com/office/drawing/2014/main" id="{E446ED41-7EA5-4CF8-9B3B-F403F4BEAEE1}"/>
+                    <a16:creationId xmlns:a16="http://schemas.microsoft.com/office/drawing/2014/main" xmlns="" id="{E446ED41-7EA5-4CF8-9B3B-F403F4BEAEE1}"/>
                   </a:ext>
                 </a:extLst>
               </p:cNvPr>
@@ -22414,7 +23538,7 @@
               <p:cNvPr id="39" name="Rectangle 1">
                 <a:extLst>
                   <a:ext uri="{FF2B5EF4-FFF2-40B4-BE49-F238E27FC236}">
-                    <a16:creationId xmlns:a16="http://schemas.microsoft.com/office/drawing/2014/main" id="{446F9F88-3567-492F-B064-2E4E05208FBB}"/>
+                    <a16:creationId xmlns:a16="http://schemas.microsoft.com/office/drawing/2014/main" xmlns="" id="{446F9F88-3567-492F-B064-2E4E05208FBB}"/>
                   </a:ext>
                 </a:extLst>
               </p:cNvPr>
@@ -22662,7 +23786,7 @@
           <p:cNvPr id="46" name="Group 45">
             <a:extLst>
               <a:ext uri="{FF2B5EF4-FFF2-40B4-BE49-F238E27FC236}">
-                <a16:creationId xmlns:a16="http://schemas.microsoft.com/office/drawing/2014/main" id="{F7F38C5C-23CF-4BA8-A2AC-0F6D4A94C5FB}"/>
+                <a16:creationId xmlns:a16="http://schemas.microsoft.com/office/drawing/2014/main" xmlns="" id="{F7F38C5C-23CF-4BA8-A2AC-0F6D4A94C5FB}"/>
               </a:ext>
             </a:extLst>
           </p:cNvPr>
@@ -22682,7 +23806,7 @@
             <p:cNvPr id="47" name="Group 46">
               <a:extLst>
                 <a:ext uri="{FF2B5EF4-FFF2-40B4-BE49-F238E27FC236}">
-                  <a16:creationId xmlns:a16="http://schemas.microsoft.com/office/drawing/2014/main" id="{9FEC8F30-CCD9-427E-8BD9-94338A73764D}"/>
+                  <a16:creationId xmlns:a16="http://schemas.microsoft.com/office/drawing/2014/main" xmlns="" id="{9FEC8F30-CCD9-427E-8BD9-94338A73764D}"/>
                 </a:ext>
               </a:extLst>
             </p:cNvPr>
@@ -22702,7 +23826,7 @@
               <p:cNvPr id="56" name="Rectangle: Rounded Corners 55">
                 <a:extLst>
                   <a:ext uri="{FF2B5EF4-FFF2-40B4-BE49-F238E27FC236}">
-                    <a16:creationId xmlns:a16="http://schemas.microsoft.com/office/drawing/2014/main" id="{5DE68EBF-5609-427D-8752-9C7D7AB8D69F}"/>
+                    <a16:creationId xmlns:a16="http://schemas.microsoft.com/office/drawing/2014/main" xmlns="" id="{5DE68EBF-5609-427D-8752-9C7D7AB8D69F}"/>
                   </a:ext>
                 </a:extLst>
               </p:cNvPr>
@@ -22762,7 +23886,7 @@
               <p:cNvPr id="57" name="Rectangle 1">
                 <a:extLst>
                   <a:ext uri="{FF2B5EF4-FFF2-40B4-BE49-F238E27FC236}">
-                    <a16:creationId xmlns:a16="http://schemas.microsoft.com/office/drawing/2014/main" id="{47668FA9-B3FB-4F25-9A18-9B02A8CD4C7B}"/>
+                    <a16:creationId xmlns:a16="http://schemas.microsoft.com/office/drawing/2014/main" xmlns="" id="{47668FA9-B3FB-4F25-9A18-9B02A8CD4C7B}"/>
                   </a:ext>
                 </a:extLst>
               </p:cNvPr>
@@ -23042,7 +24166,7 @@
               <p:cNvPr id="58" name="Rectangle 1">
                 <a:extLst>
                   <a:ext uri="{FF2B5EF4-FFF2-40B4-BE49-F238E27FC236}">
-                    <a16:creationId xmlns:a16="http://schemas.microsoft.com/office/drawing/2014/main" id="{251D002E-1514-406E-AA51-8DF02F248FBF}"/>
+                    <a16:creationId xmlns:a16="http://schemas.microsoft.com/office/drawing/2014/main" xmlns="" id="{251D002E-1514-406E-AA51-8DF02F248FBF}"/>
                   </a:ext>
                 </a:extLst>
               </p:cNvPr>
@@ -23299,7 +24423,7 @@
             <p:cNvPr id="49" name="Group 48">
               <a:extLst>
                 <a:ext uri="{FF2B5EF4-FFF2-40B4-BE49-F238E27FC236}">
-                  <a16:creationId xmlns:a16="http://schemas.microsoft.com/office/drawing/2014/main" id="{45B73D20-D477-4E43-B702-16A07BD9C694}"/>
+                  <a16:creationId xmlns:a16="http://schemas.microsoft.com/office/drawing/2014/main" xmlns="" id="{45B73D20-D477-4E43-B702-16A07BD9C694}"/>
                 </a:ext>
               </a:extLst>
             </p:cNvPr>
@@ -23319,7 +24443,7 @@
               <p:cNvPr id="50" name="Rectangle: Rounded Corners 49">
                 <a:extLst>
                   <a:ext uri="{FF2B5EF4-FFF2-40B4-BE49-F238E27FC236}">
-                    <a16:creationId xmlns:a16="http://schemas.microsoft.com/office/drawing/2014/main" id="{B170B691-EA42-4BFD-A992-1F5518981BEB}"/>
+                    <a16:creationId xmlns:a16="http://schemas.microsoft.com/office/drawing/2014/main" xmlns="" id="{B170B691-EA42-4BFD-A992-1F5518981BEB}"/>
                   </a:ext>
                 </a:extLst>
               </p:cNvPr>
@@ -23379,7 +24503,7 @@
               <p:cNvPr id="51" name="Rectangle 1">
                 <a:extLst>
                   <a:ext uri="{FF2B5EF4-FFF2-40B4-BE49-F238E27FC236}">
-                    <a16:creationId xmlns:a16="http://schemas.microsoft.com/office/drawing/2014/main" id="{DFCA592B-3B29-4EBA-8C14-AED2A4AB0E6B}"/>
+                    <a16:creationId xmlns:a16="http://schemas.microsoft.com/office/drawing/2014/main" xmlns="" id="{DFCA592B-3B29-4EBA-8C14-AED2A4AB0E6B}"/>
                   </a:ext>
                 </a:extLst>
               </p:cNvPr>
@@ -23659,7 +24783,7 @@
               <p:cNvPr id="52" name="Rectangle 1">
                 <a:extLst>
                   <a:ext uri="{FF2B5EF4-FFF2-40B4-BE49-F238E27FC236}">
-                    <a16:creationId xmlns:a16="http://schemas.microsoft.com/office/drawing/2014/main" id="{3FE0A815-F9BF-4CB9-963C-406C649AAF39}"/>
+                    <a16:creationId xmlns:a16="http://schemas.microsoft.com/office/drawing/2014/main" xmlns="" id="{3FE0A815-F9BF-4CB9-963C-406C649AAF39}"/>
                   </a:ext>
                 </a:extLst>
               </p:cNvPr>
@@ -23907,7 +25031,7 @@
           <p:cNvPr id="66" name="Group 65">
             <a:extLst>
               <a:ext uri="{FF2B5EF4-FFF2-40B4-BE49-F238E27FC236}">
-                <a16:creationId xmlns:a16="http://schemas.microsoft.com/office/drawing/2014/main" id="{09E3B45E-13F7-4086-9B3D-3BCA0D5B3E40}"/>
+                <a16:creationId xmlns:a16="http://schemas.microsoft.com/office/drawing/2014/main" xmlns="" id="{09E3B45E-13F7-4086-9B3D-3BCA0D5B3E40}"/>
               </a:ext>
             </a:extLst>
           </p:cNvPr>
@@ -23927,7 +25051,7 @@
             <p:cNvPr id="60" name="Rectangle: Rounded Corners 59">
               <a:extLst>
                 <a:ext uri="{FF2B5EF4-FFF2-40B4-BE49-F238E27FC236}">
-                  <a16:creationId xmlns:a16="http://schemas.microsoft.com/office/drawing/2014/main" id="{F0AE653F-8BF7-47BE-9D74-F937E73AFDA0}"/>
+                  <a16:creationId xmlns:a16="http://schemas.microsoft.com/office/drawing/2014/main" xmlns="" id="{F0AE653F-8BF7-47BE-9D74-F937E73AFDA0}"/>
                 </a:ext>
               </a:extLst>
             </p:cNvPr>
@@ -23987,7 +25111,7 @@
             <p:cNvPr id="61" name="Rectangle 1">
               <a:extLst>
                 <a:ext uri="{FF2B5EF4-FFF2-40B4-BE49-F238E27FC236}">
-                  <a16:creationId xmlns:a16="http://schemas.microsoft.com/office/drawing/2014/main" id="{6658BA08-4343-4456-91D8-6D8B9ADFA36D}"/>
+                  <a16:creationId xmlns:a16="http://schemas.microsoft.com/office/drawing/2014/main" xmlns="" id="{6658BA08-4343-4456-91D8-6D8B9ADFA36D}"/>
                 </a:ext>
               </a:extLst>
             </p:cNvPr>
@@ -24241,7 +25365,7 @@
             <p:cNvPr id="62" name="Rectangle 1">
               <a:extLst>
                 <a:ext uri="{FF2B5EF4-FFF2-40B4-BE49-F238E27FC236}">
-                  <a16:creationId xmlns:a16="http://schemas.microsoft.com/office/drawing/2014/main" id="{04C4E7C5-5365-4AB0-AFE1-BB6CEBCD5D7A}"/>
+                  <a16:creationId xmlns:a16="http://schemas.microsoft.com/office/drawing/2014/main" xmlns="" id="{04C4E7C5-5365-4AB0-AFE1-BB6CEBCD5D7A}"/>
                 </a:ext>
               </a:extLst>
             </p:cNvPr>
@@ -24488,7 +25612,7 @@
           <p:cNvPr id="63" name="Rectangle: Rounded Corners 62">
             <a:extLst>
               <a:ext uri="{FF2B5EF4-FFF2-40B4-BE49-F238E27FC236}">
-                <a16:creationId xmlns:a16="http://schemas.microsoft.com/office/drawing/2014/main" id="{61D3D070-24FE-4EF4-AD82-4932219E03A8}"/>
+                <a16:creationId xmlns:a16="http://schemas.microsoft.com/office/drawing/2014/main" xmlns="" id="{61D3D070-24FE-4EF4-AD82-4932219E03A8}"/>
               </a:ext>
             </a:extLst>
           </p:cNvPr>
@@ -24549,7 +25673,7 @@
           <p:cNvPr id="64" name="Rectangle 1">
             <a:extLst>
               <a:ext uri="{FF2B5EF4-FFF2-40B4-BE49-F238E27FC236}">
-                <a16:creationId xmlns:a16="http://schemas.microsoft.com/office/drawing/2014/main" id="{12DF6876-8E45-45F6-9D46-30B611A0AE2E}"/>
+                <a16:creationId xmlns:a16="http://schemas.microsoft.com/office/drawing/2014/main" xmlns="" id="{12DF6876-8E45-45F6-9D46-30B611A0AE2E}"/>
               </a:ext>
             </a:extLst>
           </p:cNvPr>
@@ -24803,7 +25927,7 @@
           <p:cNvPr id="65" name="Rectangle 1">
             <a:extLst>
               <a:ext uri="{FF2B5EF4-FFF2-40B4-BE49-F238E27FC236}">
-                <a16:creationId xmlns:a16="http://schemas.microsoft.com/office/drawing/2014/main" id="{DE6C8D79-F8C3-405D-8876-50EB382F674E}"/>
+                <a16:creationId xmlns:a16="http://schemas.microsoft.com/office/drawing/2014/main" xmlns="" id="{DE6C8D79-F8C3-405D-8876-50EB382F674E}"/>
               </a:ext>
             </a:extLst>
           </p:cNvPr>
@@ -25049,7 +26173,7 @@
           <p:cNvPr id="67" name="Group 66">
             <a:extLst>
               <a:ext uri="{FF2B5EF4-FFF2-40B4-BE49-F238E27FC236}">
-                <a16:creationId xmlns:a16="http://schemas.microsoft.com/office/drawing/2014/main" id="{0CF2143C-7C92-4818-ADFA-BDE4349E1825}"/>
+                <a16:creationId xmlns:a16="http://schemas.microsoft.com/office/drawing/2014/main" xmlns="" id="{0CF2143C-7C92-4818-ADFA-BDE4349E1825}"/>
               </a:ext>
             </a:extLst>
           </p:cNvPr>
@@ -25072,7 +26196,7 @@
             <p:cNvPr id="68" name="Rectangle: Rounded Corners 67">
               <a:extLst>
                 <a:ext uri="{FF2B5EF4-FFF2-40B4-BE49-F238E27FC236}">
-                  <a16:creationId xmlns:a16="http://schemas.microsoft.com/office/drawing/2014/main" id="{8D8080FF-967C-423E-B1A9-F6D1D70B89D8}"/>
+                  <a16:creationId xmlns:a16="http://schemas.microsoft.com/office/drawing/2014/main" xmlns="" id="{8D8080FF-967C-423E-B1A9-F6D1D70B89D8}"/>
                 </a:ext>
               </a:extLst>
             </p:cNvPr>
@@ -25128,7 +26252,7 @@
             <p:cNvPr id="69" name="Rectangle 1">
               <a:extLst>
                 <a:ext uri="{FF2B5EF4-FFF2-40B4-BE49-F238E27FC236}">
-                  <a16:creationId xmlns:a16="http://schemas.microsoft.com/office/drawing/2014/main" id="{2D1036B3-14D4-4E42-BDC0-EF1330ED60EE}"/>
+                  <a16:creationId xmlns:a16="http://schemas.microsoft.com/office/drawing/2014/main" xmlns="" id="{2D1036B3-14D4-4E42-BDC0-EF1330ED60EE}"/>
                 </a:ext>
               </a:extLst>
             </p:cNvPr>
@@ -25380,7 +26504,7 @@
             <p:cNvPr id="70" name="Rectangle 1">
               <a:extLst>
                 <a:ext uri="{FF2B5EF4-FFF2-40B4-BE49-F238E27FC236}">
-                  <a16:creationId xmlns:a16="http://schemas.microsoft.com/office/drawing/2014/main" id="{3A5F1E59-3453-47CD-B19B-9843A655CB98}"/>
+                  <a16:creationId xmlns:a16="http://schemas.microsoft.com/office/drawing/2014/main" xmlns="" id="{3A5F1E59-3453-47CD-B19B-9843A655CB98}"/>
                 </a:ext>
               </a:extLst>
             </p:cNvPr>
@@ -25625,7 +26749,7 @@
           <p:cNvPr id="71" name="Group 70">
             <a:extLst>
               <a:ext uri="{FF2B5EF4-FFF2-40B4-BE49-F238E27FC236}">
-                <a16:creationId xmlns:a16="http://schemas.microsoft.com/office/drawing/2014/main" id="{1B929D54-D563-4F15-8B27-C490F01D4FF7}"/>
+                <a16:creationId xmlns:a16="http://schemas.microsoft.com/office/drawing/2014/main" xmlns="" id="{1B929D54-D563-4F15-8B27-C490F01D4FF7}"/>
               </a:ext>
             </a:extLst>
           </p:cNvPr>
@@ -25645,7 +26769,7 @@
             <p:cNvPr id="72" name="Rectangle: Rounded Corners 71">
               <a:extLst>
                 <a:ext uri="{FF2B5EF4-FFF2-40B4-BE49-F238E27FC236}">
-                  <a16:creationId xmlns:a16="http://schemas.microsoft.com/office/drawing/2014/main" id="{5539BA8E-AD87-4389-911B-F1DAACA1C519}"/>
+                  <a16:creationId xmlns:a16="http://schemas.microsoft.com/office/drawing/2014/main" xmlns="" id="{5539BA8E-AD87-4389-911B-F1DAACA1C519}"/>
                 </a:ext>
               </a:extLst>
             </p:cNvPr>
@@ -25703,7 +26827,7 @@
             <p:cNvPr id="73" name="Rectangle 1">
               <a:extLst>
                 <a:ext uri="{FF2B5EF4-FFF2-40B4-BE49-F238E27FC236}">
-                  <a16:creationId xmlns:a16="http://schemas.microsoft.com/office/drawing/2014/main" id="{B5E2551B-EA26-446E-997D-AD866C1898F9}"/>
+                  <a16:creationId xmlns:a16="http://schemas.microsoft.com/office/drawing/2014/main" xmlns="" id="{B5E2551B-EA26-446E-997D-AD866C1898F9}"/>
                 </a:ext>
               </a:extLst>
             </p:cNvPr>
@@ -25957,7 +27081,7 @@
             <p:cNvPr id="74" name="Rectangle 1">
               <a:extLst>
                 <a:ext uri="{FF2B5EF4-FFF2-40B4-BE49-F238E27FC236}">
-                  <a16:creationId xmlns:a16="http://schemas.microsoft.com/office/drawing/2014/main" id="{B29AAE37-FFC0-4C6B-8A9E-D07C787E2CC2}"/>
+                  <a16:creationId xmlns:a16="http://schemas.microsoft.com/office/drawing/2014/main" xmlns="" id="{B29AAE37-FFC0-4C6B-8A9E-D07C787E2CC2}"/>
                 </a:ext>
               </a:extLst>
             </p:cNvPr>
@@ -26214,7 +27338,7 @@
           <p:cNvPr id="83" name="Group 82">
             <a:extLst>
               <a:ext uri="{FF2B5EF4-FFF2-40B4-BE49-F238E27FC236}">
-                <a16:creationId xmlns:a16="http://schemas.microsoft.com/office/drawing/2014/main" id="{909F8865-02E7-44D5-B223-A62A03CA6165}"/>
+                <a16:creationId xmlns:a16="http://schemas.microsoft.com/office/drawing/2014/main" xmlns="" id="{909F8865-02E7-44D5-B223-A62A03CA6165}"/>
               </a:ext>
             </a:extLst>
           </p:cNvPr>
@@ -26234,7 +27358,7 @@
             <p:cNvPr id="79" name="Rectangle: Rounded Corners 78">
               <a:extLst>
                 <a:ext uri="{FF2B5EF4-FFF2-40B4-BE49-F238E27FC236}">
-                  <a16:creationId xmlns:a16="http://schemas.microsoft.com/office/drawing/2014/main" id="{603A3EF2-4ADC-4873-BEDD-10429C3A5A99}"/>
+                  <a16:creationId xmlns:a16="http://schemas.microsoft.com/office/drawing/2014/main" xmlns="" id="{603A3EF2-4ADC-4873-BEDD-10429C3A5A99}"/>
                 </a:ext>
               </a:extLst>
             </p:cNvPr>
@@ -26289,7 +27413,7 @@
             <p:cNvPr id="80" name="Rectangle: Rounded Corners 79">
               <a:extLst>
                 <a:ext uri="{FF2B5EF4-FFF2-40B4-BE49-F238E27FC236}">
-                  <a16:creationId xmlns:a16="http://schemas.microsoft.com/office/drawing/2014/main" id="{4F4E4D06-7366-43E2-A3E9-24B77733ADB9}"/>
+                  <a16:creationId xmlns:a16="http://schemas.microsoft.com/office/drawing/2014/main" xmlns="" id="{4F4E4D06-7366-43E2-A3E9-24B77733ADB9}"/>
                 </a:ext>
               </a:extLst>
             </p:cNvPr>
@@ -26344,7 +27468,7 @@
             <p:cNvPr id="81" name="Rectangle: Rounded Corners 80">
               <a:extLst>
                 <a:ext uri="{FF2B5EF4-FFF2-40B4-BE49-F238E27FC236}">
-                  <a16:creationId xmlns:a16="http://schemas.microsoft.com/office/drawing/2014/main" id="{21419A83-FF9E-4D1B-B8CC-8F1EED06E8AE}"/>
+                  <a16:creationId xmlns:a16="http://schemas.microsoft.com/office/drawing/2014/main" xmlns="" id="{21419A83-FF9E-4D1B-B8CC-8F1EED06E8AE}"/>
                 </a:ext>
               </a:extLst>
             </p:cNvPr>
@@ -26399,7 +27523,7 @@
             <p:cNvPr id="82" name="Rectangle: Rounded Corners 81">
               <a:extLst>
                 <a:ext uri="{FF2B5EF4-FFF2-40B4-BE49-F238E27FC236}">
-                  <a16:creationId xmlns:a16="http://schemas.microsoft.com/office/drawing/2014/main" id="{84DB7298-9C40-4EE6-B477-5989A3E6E7E9}"/>
+                  <a16:creationId xmlns:a16="http://schemas.microsoft.com/office/drawing/2014/main" xmlns="" id="{84DB7298-9C40-4EE6-B477-5989A3E6E7E9}"/>
                 </a:ext>
               </a:extLst>
             </p:cNvPr>
@@ -26728,7 +27852,7 @@
             <p:cNvPr id="26" name="Group 25">
               <a:extLst>
                 <a:ext uri="{FF2B5EF4-FFF2-40B4-BE49-F238E27FC236}">
-                  <a16:creationId xmlns:a16="http://schemas.microsoft.com/office/drawing/2014/main" id="{BDCA9327-DE2D-4E7A-A00A-85320C3369BE}"/>
+                  <a16:creationId xmlns:a16="http://schemas.microsoft.com/office/drawing/2014/main" xmlns="" id="{BDCA9327-DE2D-4E7A-A00A-85320C3369BE}"/>
                 </a:ext>
               </a:extLst>
             </p:cNvPr>
@@ -26748,7 +27872,7 @@
               <p:cNvPr id="27" name="Rectangle: Rounded Corners 26">
                 <a:extLst>
                   <a:ext uri="{FF2B5EF4-FFF2-40B4-BE49-F238E27FC236}">
-                    <a16:creationId xmlns:a16="http://schemas.microsoft.com/office/drawing/2014/main" id="{9F7B732F-8628-492C-8389-3AF309F2B350}"/>
+                    <a16:creationId xmlns:a16="http://schemas.microsoft.com/office/drawing/2014/main" xmlns="" id="{9F7B732F-8628-492C-8389-3AF309F2B350}"/>
                   </a:ext>
                 </a:extLst>
               </p:cNvPr>
@@ -26808,7 +27932,7 @@
               <p:cNvPr id="28" name="Rectangle 1">
                 <a:extLst>
                   <a:ext uri="{FF2B5EF4-FFF2-40B4-BE49-F238E27FC236}">
-                    <a16:creationId xmlns:a16="http://schemas.microsoft.com/office/drawing/2014/main" id="{7ACE0809-F724-4F82-8F30-59BB9374E8CB}"/>
+                    <a16:creationId xmlns:a16="http://schemas.microsoft.com/office/drawing/2014/main" xmlns="" id="{7ACE0809-F724-4F82-8F30-59BB9374E8CB}"/>
                   </a:ext>
                 </a:extLst>
               </p:cNvPr>
@@ -27064,7 +28188,7 @@
             <p:cNvPr id="7" name="TextBox 6">
               <a:extLst>
                 <a:ext uri="{FF2B5EF4-FFF2-40B4-BE49-F238E27FC236}">
-                  <a16:creationId xmlns:a16="http://schemas.microsoft.com/office/drawing/2014/main" id="{C91224FA-ADA9-4075-AE2B-E0C6E149E540}"/>
+                  <a16:creationId xmlns:a16="http://schemas.microsoft.com/office/drawing/2014/main" xmlns="" id="{C91224FA-ADA9-4075-AE2B-E0C6E149E540}"/>
                 </a:ext>
               </a:extLst>
             </p:cNvPr>
@@ -27102,7 +28226,7 @@
             <p:cNvPr id="8" name="TextBox 7">
               <a:extLst>
                 <a:ext uri="{FF2B5EF4-FFF2-40B4-BE49-F238E27FC236}">
-                  <a16:creationId xmlns:a16="http://schemas.microsoft.com/office/drawing/2014/main" id="{C91224FA-ADA9-4075-AE2B-E0C6E149E540}"/>
+                  <a16:creationId xmlns:a16="http://schemas.microsoft.com/office/drawing/2014/main" xmlns="" id="{C91224FA-ADA9-4075-AE2B-E0C6E149E540}"/>
                 </a:ext>
               </a:extLst>
             </p:cNvPr>
@@ -27173,7 +28297,7 @@
             <p:cNvPr id="11" name="Rectangle 1">
               <a:extLst>
                 <a:ext uri="{FF2B5EF4-FFF2-40B4-BE49-F238E27FC236}">
-                  <a16:creationId xmlns:a16="http://schemas.microsoft.com/office/drawing/2014/main" id="{7ACE0809-F724-4F82-8F30-59BB9374E8CB}"/>
+                  <a16:creationId xmlns:a16="http://schemas.microsoft.com/office/drawing/2014/main" xmlns="" id="{7ACE0809-F724-4F82-8F30-59BB9374E8CB}"/>
                 </a:ext>
               </a:extLst>
             </p:cNvPr>
@@ -27415,7 +28539,7 @@
             <p:cNvPr id="12" name="Rectangle 1">
               <a:extLst>
                 <a:ext uri="{FF2B5EF4-FFF2-40B4-BE49-F238E27FC236}">
-                  <a16:creationId xmlns:a16="http://schemas.microsoft.com/office/drawing/2014/main" id="{7ACE0809-F724-4F82-8F30-59BB9374E8CB}"/>
+                  <a16:creationId xmlns:a16="http://schemas.microsoft.com/office/drawing/2014/main" xmlns="" id="{7ACE0809-F724-4F82-8F30-59BB9374E8CB}"/>
                 </a:ext>
               </a:extLst>
             </p:cNvPr>
@@ -27686,7 +28810,7 @@
               <p:cNvPr id="14" name="Rectangle: Rounded Corners 1">
                 <a:extLst>
                   <a:ext uri="{FF2B5EF4-FFF2-40B4-BE49-F238E27FC236}">
-                    <a16:creationId xmlns:a16="http://schemas.microsoft.com/office/drawing/2014/main" id="{229043B8-923C-4A63-923B-ED47AB6F3179}"/>
+                    <a16:creationId xmlns:a16="http://schemas.microsoft.com/office/drawing/2014/main" xmlns="" id="{229043B8-923C-4A63-923B-ED47AB6F3179}"/>
                   </a:ext>
                 </a:extLst>
               </p:cNvPr>
@@ -27746,7 +28870,7 @@
               <p:cNvPr id="15" name="Rectangle 1">
                 <a:extLst>
                   <a:ext uri="{FF2B5EF4-FFF2-40B4-BE49-F238E27FC236}">
-                    <a16:creationId xmlns:a16="http://schemas.microsoft.com/office/drawing/2014/main" id="{FFE5BAF0-90A9-481D-AAC3-4466B273C9B9}"/>
+                    <a16:creationId xmlns:a16="http://schemas.microsoft.com/office/drawing/2014/main" xmlns="" id="{FFE5BAF0-90A9-481D-AAC3-4466B273C9B9}"/>
                   </a:ext>
                 </a:extLst>
               </p:cNvPr>
@@ -28013,7 +29137,7 @@
               <p:cNvPr id="16" name="Rectangle 1">
                 <a:extLst>
                   <a:ext uri="{FF2B5EF4-FFF2-40B4-BE49-F238E27FC236}">
-                    <a16:creationId xmlns:a16="http://schemas.microsoft.com/office/drawing/2014/main" id="{4A5862E7-0045-43EA-8731-76AF0AFFEB2B}"/>
+                    <a16:creationId xmlns:a16="http://schemas.microsoft.com/office/drawing/2014/main" xmlns="" id="{4A5862E7-0045-43EA-8731-76AF0AFFEB2B}"/>
                   </a:ext>
                 </a:extLst>
               </p:cNvPr>
@@ -28260,7 +29384,7 @@
             <p:cNvPr id="17" name="TextBox 16">
               <a:extLst>
                 <a:ext uri="{FF2B5EF4-FFF2-40B4-BE49-F238E27FC236}">
-                  <a16:creationId xmlns:a16="http://schemas.microsoft.com/office/drawing/2014/main" id="{C91224FA-ADA9-4075-AE2B-E0C6E149E540}"/>
+                  <a16:creationId xmlns:a16="http://schemas.microsoft.com/office/drawing/2014/main" xmlns="" id="{C91224FA-ADA9-4075-AE2B-E0C6E149E540}"/>
                 </a:ext>
               </a:extLst>
             </p:cNvPr>
@@ -28947,7 +30071,7 @@
           <p:cNvPr id="13" name="Picture 12">
             <a:extLst>
               <a:ext uri="{FF2B5EF4-FFF2-40B4-BE49-F238E27FC236}">
-                <a16:creationId xmlns:a16="http://schemas.microsoft.com/office/drawing/2014/main" id="{83167A70-D79D-4D85-AEA7-1CA2B1A28276}"/>
+                <a16:creationId xmlns:a16="http://schemas.microsoft.com/office/drawing/2014/main" xmlns="" id="{83167A70-D79D-4D85-AEA7-1CA2B1A28276}"/>
               </a:ext>
             </a:extLst>
           </p:cNvPr>
@@ -28977,7 +30101,7 @@
           <p:cNvPr id="14" name="Group 13">
             <a:extLst>
               <a:ext uri="{FF2B5EF4-FFF2-40B4-BE49-F238E27FC236}">
-                <a16:creationId xmlns:a16="http://schemas.microsoft.com/office/drawing/2014/main" id="{BDEC2234-C593-46D7-A09D-965324770E33}"/>
+                <a16:creationId xmlns:a16="http://schemas.microsoft.com/office/drawing/2014/main" xmlns="" id="{BDEC2234-C593-46D7-A09D-965324770E33}"/>
               </a:ext>
             </a:extLst>
           </p:cNvPr>
@@ -28997,7 +30121,7 @@
             <p:cNvPr id="15" name="Rectangle: Rounded Corners 14">
               <a:extLst>
                 <a:ext uri="{FF2B5EF4-FFF2-40B4-BE49-F238E27FC236}">
-                  <a16:creationId xmlns:a16="http://schemas.microsoft.com/office/drawing/2014/main" id="{0A8D1A3E-C8CE-4A70-B689-F10C4ED22677}"/>
+                  <a16:creationId xmlns:a16="http://schemas.microsoft.com/office/drawing/2014/main" xmlns="" id="{0A8D1A3E-C8CE-4A70-B689-F10C4ED22677}"/>
                 </a:ext>
               </a:extLst>
             </p:cNvPr>
@@ -29055,7 +30179,7 @@
             <p:cNvPr id="16" name="TextBox 15">
               <a:extLst>
                 <a:ext uri="{FF2B5EF4-FFF2-40B4-BE49-F238E27FC236}">
-                  <a16:creationId xmlns:a16="http://schemas.microsoft.com/office/drawing/2014/main" id="{F89C507E-52A0-4F92-B001-FEDECD410A32}"/>
+                  <a16:creationId xmlns:a16="http://schemas.microsoft.com/office/drawing/2014/main" xmlns="" id="{F89C507E-52A0-4F92-B001-FEDECD410A32}"/>
                 </a:ext>
               </a:extLst>
             </p:cNvPr>
@@ -29155,7 +30279,7 @@
             <p:cNvPr id="17" name="Rectangle 1">
               <a:extLst>
                 <a:ext uri="{FF2B5EF4-FFF2-40B4-BE49-F238E27FC236}">
-                  <a16:creationId xmlns:a16="http://schemas.microsoft.com/office/drawing/2014/main" id="{50AA8AAB-ED86-4D2F-8748-1C7BFD388390}"/>
+                  <a16:creationId xmlns:a16="http://schemas.microsoft.com/office/drawing/2014/main" xmlns="" id="{50AA8AAB-ED86-4D2F-8748-1C7BFD388390}"/>
                 </a:ext>
               </a:extLst>
             </p:cNvPr>
@@ -29397,7 +30521,7 @@
             <p:cNvPr id="18" name="TextBox 17">
               <a:extLst>
                 <a:ext uri="{FF2B5EF4-FFF2-40B4-BE49-F238E27FC236}">
-                  <a16:creationId xmlns:a16="http://schemas.microsoft.com/office/drawing/2014/main" id="{A17EA349-AC0A-446B-AEE0-779D36DDAF64}"/>
+                  <a16:creationId xmlns:a16="http://schemas.microsoft.com/office/drawing/2014/main" xmlns="" id="{A17EA349-AC0A-446B-AEE0-779D36DDAF64}"/>
                 </a:ext>
               </a:extLst>
             </p:cNvPr>
@@ -29517,7 +30641,7 @@
             <p:cNvPr id="19" name="Rectangle 1">
               <a:extLst>
                 <a:ext uri="{FF2B5EF4-FFF2-40B4-BE49-F238E27FC236}">
-                  <a16:creationId xmlns:a16="http://schemas.microsoft.com/office/drawing/2014/main" id="{A57ECC02-3F7D-4063-8332-06DC39DF86CB}"/>
+                  <a16:creationId xmlns:a16="http://schemas.microsoft.com/office/drawing/2014/main" xmlns="" id="{A57ECC02-3F7D-4063-8332-06DC39DF86CB}"/>
                 </a:ext>
               </a:extLst>
             </p:cNvPr>
@@ -29781,7 +30905,7 @@
             <p:cNvPr id="20" name="Rectangle 1">
               <a:extLst>
                 <a:ext uri="{FF2B5EF4-FFF2-40B4-BE49-F238E27FC236}">
-                  <a16:creationId xmlns:a16="http://schemas.microsoft.com/office/drawing/2014/main" id="{8A7167F9-783C-4FA3-AAC4-9D4B8017C861}"/>
+                  <a16:creationId xmlns:a16="http://schemas.microsoft.com/office/drawing/2014/main" xmlns="" id="{8A7167F9-783C-4FA3-AAC4-9D4B8017C861}"/>
                 </a:ext>
               </a:extLst>
             </p:cNvPr>
@@ -30062,7 +31186,7 @@
           <p:cNvPr id="22" name="Picture 21">
             <a:extLst>
               <a:ext uri="{FF2B5EF4-FFF2-40B4-BE49-F238E27FC236}">
-                <a16:creationId xmlns:a16="http://schemas.microsoft.com/office/drawing/2014/main" id="{628507AC-4B47-481E-BA54-CE89E74F129B}"/>
+                <a16:creationId xmlns:a16="http://schemas.microsoft.com/office/drawing/2014/main" xmlns="" id="{628507AC-4B47-481E-BA54-CE89E74F129B}"/>
               </a:ext>
             </a:extLst>
           </p:cNvPr>
@@ -30122,7 +31246,7 @@
           <p:cNvPr id="3" name="Picture 2">
             <a:extLst>
               <a:ext uri="{FF2B5EF4-FFF2-40B4-BE49-F238E27FC236}">
-                <a16:creationId xmlns:a16="http://schemas.microsoft.com/office/drawing/2014/main" id="{560C134D-D853-4890-A707-F7A79768BCC2}"/>
+                <a16:creationId xmlns:a16="http://schemas.microsoft.com/office/drawing/2014/main" xmlns="" id="{560C134D-D853-4890-A707-F7A79768BCC2}"/>
               </a:ext>
             </a:extLst>
           </p:cNvPr>
@@ -30152,7 +31276,7 @@
           <p:cNvPr id="4" name="Group 3">
             <a:extLst>
               <a:ext uri="{FF2B5EF4-FFF2-40B4-BE49-F238E27FC236}">
-                <a16:creationId xmlns:a16="http://schemas.microsoft.com/office/drawing/2014/main" id="{B021E5D5-9E22-42BB-A558-1583C4BA6068}"/>
+                <a16:creationId xmlns:a16="http://schemas.microsoft.com/office/drawing/2014/main" xmlns="" id="{B021E5D5-9E22-42BB-A558-1583C4BA6068}"/>
               </a:ext>
             </a:extLst>
           </p:cNvPr>
@@ -30172,7 +31296,7 @@
             <p:cNvPr id="5" name="Group 4">
               <a:extLst>
                 <a:ext uri="{FF2B5EF4-FFF2-40B4-BE49-F238E27FC236}">
-                  <a16:creationId xmlns:a16="http://schemas.microsoft.com/office/drawing/2014/main" id="{A260F702-5BB2-48C7-B3DC-050165CFD60D}"/>
+                  <a16:creationId xmlns:a16="http://schemas.microsoft.com/office/drawing/2014/main" xmlns="" id="{A260F702-5BB2-48C7-B3DC-050165CFD60D}"/>
                 </a:ext>
               </a:extLst>
             </p:cNvPr>
@@ -30192,7 +31316,7 @@
               <p:cNvPr id="8" name="Rectangle: Rounded Corners 7">
                 <a:extLst>
                   <a:ext uri="{FF2B5EF4-FFF2-40B4-BE49-F238E27FC236}">
-                    <a16:creationId xmlns:a16="http://schemas.microsoft.com/office/drawing/2014/main" id="{07F0E954-3E53-4667-B4D5-BDEC08D29884}"/>
+                    <a16:creationId xmlns:a16="http://schemas.microsoft.com/office/drawing/2014/main" xmlns="" id="{07F0E954-3E53-4667-B4D5-BDEC08D29884}"/>
                   </a:ext>
                 </a:extLst>
               </p:cNvPr>
@@ -30252,7 +31376,7 @@
               <p:cNvPr id="9" name="TextBox 8">
                 <a:extLst>
                   <a:ext uri="{FF2B5EF4-FFF2-40B4-BE49-F238E27FC236}">
-                    <a16:creationId xmlns:a16="http://schemas.microsoft.com/office/drawing/2014/main" id="{FA7E6838-2355-4CA1-9CC0-9AE2F4EBC3D6}"/>
+                    <a16:creationId xmlns:a16="http://schemas.microsoft.com/office/drawing/2014/main" xmlns="" id="{FA7E6838-2355-4CA1-9CC0-9AE2F4EBC3D6}"/>
                   </a:ext>
                 </a:extLst>
               </p:cNvPr>
@@ -30293,7 +31417,7 @@
               <p:cNvPr id="10" name="TextBox 9">
                 <a:extLst>
                   <a:ext uri="{FF2B5EF4-FFF2-40B4-BE49-F238E27FC236}">
-                    <a16:creationId xmlns:a16="http://schemas.microsoft.com/office/drawing/2014/main" id="{54154064-8ADD-46A0-A39D-07A76EBA3FA7}"/>
+                    <a16:creationId xmlns:a16="http://schemas.microsoft.com/office/drawing/2014/main" xmlns="" id="{54154064-8ADD-46A0-A39D-07A76EBA3FA7}"/>
                   </a:ext>
                 </a:extLst>
               </p:cNvPr>
@@ -30393,7 +31517,7 @@
               <p:cNvPr id="11" name="Rectangle 1">
                 <a:extLst>
                   <a:ext uri="{FF2B5EF4-FFF2-40B4-BE49-F238E27FC236}">
-                    <a16:creationId xmlns:a16="http://schemas.microsoft.com/office/drawing/2014/main" id="{B56114E7-113E-4367-95A3-EE11DE90EF51}"/>
+                    <a16:creationId xmlns:a16="http://schemas.microsoft.com/office/drawing/2014/main" xmlns="" id="{B56114E7-113E-4367-95A3-EE11DE90EF51}"/>
                   </a:ext>
                 </a:extLst>
               </p:cNvPr>
@@ -30660,7 +31784,7 @@
               <p:cNvPr id="12" name="Rectangle 1">
                 <a:extLst>
                   <a:ext uri="{FF2B5EF4-FFF2-40B4-BE49-F238E27FC236}">
-                    <a16:creationId xmlns:a16="http://schemas.microsoft.com/office/drawing/2014/main" id="{48106B67-8B66-4E83-8897-B4B818F00C97}"/>
+                    <a16:creationId xmlns:a16="http://schemas.microsoft.com/office/drawing/2014/main" xmlns="" id="{48106B67-8B66-4E83-8897-B4B818F00C97}"/>
                   </a:ext>
                 </a:extLst>
               </p:cNvPr>
@@ -30915,7 +32039,7 @@
             <p:cNvPr id="6" name="TextBox 5">
               <a:extLst>
                 <a:ext uri="{FF2B5EF4-FFF2-40B4-BE49-F238E27FC236}">
-                  <a16:creationId xmlns:a16="http://schemas.microsoft.com/office/drawing/2014/main" id="{05888D46-9281-4A14-9C8D-95AAAD2235C7}"/>
+                  <a16:creationId xmlns:a16="http://schemas.microsoft.com/office/drawing/2014/main" xmlns="" id="{05888D46-9281-4A14-9C8D-95AAAD2235C7}"/>
                 </a:ext>
               </a:extLst>
             </p:cNvPr>
@@ -30993,7 +32117,7 @@
             <p:cNvPr id="7" name="TextBox 6">
               <a:extLst>
                 <a:ext uri="{FF2B5EF4-FFF2-40B4-BE49-F238E27FC236}">
-                  <a16:creationId xmlns:a16="http://schemas.microsoft.com/office/drawing/2014/main" id="{C91224FA-ADA9-4075-AE2B-E0C6E149E540}"/>
+                  <a16:creationId xmlns:a16="http://schemas.microsoft.com/office/drawing/2014/main" xmlns="" id="{C91224FA-ADA9-4075-AE2B-E0C6E149E540}"/>
                 </a:ext>
               </a:extLst>
             </p:cNvPr>
@@ -31058,7 +32182,7 @@
           <p:cNvPr id="14" name="Picture 13">
             <a:extLst>
               <a:ext uri="{FF2B5EF4-FFF2-40B4-BE49-F238E27FC236}">
-                <a16:creationId xmlns:a16="http://schemas.microsoft.com/office/drawing/2014/main" id="{668A22B1-9003-428D-ACDE-E385F77113C5}"/>
+                <a16:creationId xmlns:a16="http://schemas.microsoft.com/office/drawing/2014/main" xmlns="" id="{668A22B1-9003-428D-ACDE-E385F77113C5}"/>
               </a:ext>
             </a:extLst>
           </p:cNvPr>
@@ -31088,7 +32212,7 @@
           <p:cNvPr id="15" name="Rectangle 1">
             <a:extLst>
               <a:ext uri="{FF2B5EF4-FFF2-40B4-BE49-F238E27FC236}">
-                <a16:creationId xmlns:a16="http://schemas.microsoft.com/office/drawing/2014/main" id="{11137976-87B3-4320-B508-32CD22EA0740}"/>
+                <a16:creationId xmlns:a16="http://schemas.microsoft.com/office/drawing/2014/main" xmlns="" id="{11137976-87B3-4320-B508-32CD22EA0740}"/>
               </a:ext>
             </a:extLst>
           </p:cNvPr>
@@ -31386,7 +32510,7 @@
             <p:cNvPr id="48" name="Rectangle: Rounded Corners 1">
               <a:extLst>
                 <a:ext uri="{FF2B5EF4-FFF2-40B4-BE49-F238E27FC236}">
-                  <a16:creationId xmlns:a16="http://schemas.microsoft.com/office/drawing/2014/main" id="{229043B8-923C-4A63-923B-ED47AB6F3179}"/>
+                  <a16:creationId xmlns:a16="http://schemas.microsoft.com/office/drawing/2014/main" xmlns="" id="{229043B8-923C-4A63-923B-ED47AB6F3179}"/>
                 </a:ext>
               </a:extLst>
             </p:cNvPr>
@@ -31446,7 +32570,7 @@
             <p:cNvPr id="49" name="Rectangle 1">
               <a:extLst>
                 <a:ext uri="{FF2B5EF4-FFF2-40B4-BE49-F238E27FC236}">
-                  <a16:creationId xmlns:a16="http://schemas.microsoft.com/office/drawing/2014/main" id="{FFE5BAF0-90A9-481D-AAC3-4466B273C9B9}"/>
+                  <a16:creationId xmlns:a16="http://schemas.microsoft.com/office/drawing/2014/main" xmlns="" id="{FFE5BAF0-90A9-481D-AAC3-4466B273C9B9}"/>
                 </a:ext>
               </a:extLst>
             </p:cNvPr>
@@ -31713,7 +32837,7 @@
             <p:cNvPr id="50" name="Rectangle 1">
               <a:extLst>
                 <a:ext uri="{FF2B5EF4-FFF2-40B4-BE49-F238E27FC236}">
-                  <a16:creationId xmlns:a16="http://schemas.microsoft.com/office/drawing/2014/main" id="{4A5862E7-0045-43EA-8731-76AF0AFFEB2B}"/>
+                  <a16:creationId xmlns:a16="http://schemas.microsoft.com/office/drawing/2014/main" xmlns="" id="{4A5862E7-0045-43EA-8731-76AF0AFFEB2B}"/>
                 </a:ext>
               </a:extLst>
             </p:cNvPr>
@@ -32057,7 +33181,7 @@
               <p:cNvPr id="44" name="Rectangle: Rounded Corners 1">
                 <a:extLst>
                   <a:ext uri="{FF2B5EF4-FFF2-40B4-BE49-F238E27FC236}">
-                    <a16:creationId xmlns:a16="http://schemas.microsoft.com/office/drawing/2014/main" id="{229043B8-923C-4A63-923B-ED47AB6F3179}"/>
+                    <a16:creationId xmlns:a16="http://schemas.microsoft.com/office/drawing/2014/main" xmlns="" id="{229043B8-923C-4A63-923B-ED47AB6F3179}"/>
                   </a:ext>
                 </a:extLst>
               </p:cNvPr>
@@ -32153,7 +33277,7 @@
               <p:cNvPr id="45" name="Rectangle 1">
                 <a:extLst>
                   <a:ext uri="{FF2B5EF4-FFF2-40B4-BE49-F238E27FC236}">
-                    <a16:creationId xmlns:a16="http://schemas.microsoft.com/office/drawing/2014/main" id="{FFE5BAF0-90A9-481D-AAC3-4466B273C9B9}"/>
+                    <a16:creationId xmlns:a16="http://schemas.microsoft.com/office/drawing/2014/main" xmlns="" id="{FFE5BAF0-90A9-481D-AAC3-4466B273C9B9}"/>
                   </a:ext>
                 </a:extLst>
               </p:cNvPr>
@@ -32553,7 +33677,7 @@
           <p:cNvPr id="2" name="Rectangle: Rounded Corners 62">
             <a:extLst>
               <a:ext uri="{FF2B5EF4-FFF2-40B4-BE49-F238E27FC236}">
-                <a16:creationId xmlns:a16="http://schemas.microsoft.com/office/drawing/2014/main" id="{61D3D070-24FE-4EF4-AD82-4932219E03A8}"/>
+                <a16:creationId xmlns:a16="http://schemas.microsoft.com/office/drawing/2014/main" xmlns="" id="{61D3D070-24FE-4EF4-AD82-4932219E03A8}"/>
               </a:ext>
             </a:extLst>
           </p:cNvPr>
@@ -32642,7 +33766,7 @@
               <p:cNvPr id="6" name="Rectangle: Rounded Corners 1">
                 <a:extLst>
                   <a:ext uri="{FF2B5EF4-FFF2-40B4-BE49-F238E27FC236}">
-                    <a16:creationId xmlns:a16="http://schemas.microsoft.com/office/drawing/2014/main" id="{229043B8-923C-4A63-923B-ED47AB6F3179}"/>
+                    <a16:creationId xmlns:a16="http://schemas.microsoft.com/office/drawing/2014/main" xmlns="" id="{229043B8-923C-4A63-923B-ED47AB6F3179}"/>
                   </a:ext>
                 </a:extLst>
               </p:cNvPr>
@@ -32702,7 +33826,7 @@
               <p:cNvPr id="7" name="Rectangle 1">
                 <a:extLst>
                   <a:ext uri="{FF2B5EF4-FFF2-40B4-BE49-F238E27FC236}">
-                    <a16:creationId xmlns:a16="http://schemas.microsoft.com/office/drawing/2014/main" id="{FFE5BAF0-90A9-481D-AAC3-4466B273C9B9}"/>
+                    <a16:creationId xmlns:a16="http://schemas.microsoft.com/office/drawing/2014/main" xmlns="" id="{FFE5BAF0-90A9-481D-AAC3-4466B273C9B9}"/>
                   </a:ext>
                 </a:extLst>
               </p:cNvPr>
@@ -32969,7 +34093,7 @@
               <p:cNvPr id="8" name="Rectangle 1">
                 <a:extLst>
                   <a:ext uri="{FF2B5EF4-FFF2-40B4-BE49-F238E27FC236}">
-                    <a16:creationId xmlns:a16="http://schemas.microsoft.com/office/drawing/2014/main" id="{4A5862E7-0045-43EA-8731-76AF0AFFEB2B}"/>
+                    <a16:creationId xmlns:a16="http://schemas.microsoft.com/office/drawing/2014/main" xmlns="" id="{4A5862E7-0045-43EA-8731-76AF0AFFEB2B}"/>
                   </a:ext>
                 </a:extLst>
               </p:cNvPr>
@@ -33216,7 +34340,7 @@
             <p:cNvPr id="5" name="TextBox 4">
               <a:extLst>
                 <a:ext uri="{FF2B5EF4-FFF2-40B4-BE49-F238E27FC236}">
-                  <a16:creationId xmlns:a16="http://schemas.microsoft.com/office/drawing/2014/main" id="{C91224FA-ADA9-4075-AE2B-E0C6E149E540}"/>
+                  <a16:creationId xmlns:a16="http://schemas.microsoft.com/office/drawing/2014/main" xmlns="" id="{C91224FA-ADA9-4075-AE2B-E0C6E149E540}"/>
                 </a:ext>
               </a:extLst>
             </p:cNvPr>
@@ -33255,7 +34379,7 @@
           <p:cNvPr id="10" name="TextBox 9">
             <a:extLst>
               <a:ext uri="{FF2B5EF4-FFF2-40B4-BE49-F238E27FC236}">
-                <a16:creationId xmlns:a16="http://schemas.microsoft.com/office/drawing/2014/main" id="{C91224FA-ADA9-4075-AE2B-E0C6E149E540}"/>
+                <a16:creationId xmlns:a16="http://schemas.microsoft.com/office/drawing/2014/main" xmlns="" id="{C91224FA-ADA9-4075-AE2B-E0C6E149E540}"/>
               </a:ext>
             </a:extLst>
           </p:cNvPr>
@@ -33297,7 +34421,7 @@
           <p:cNvPr id="11" name="TextBox 10">
             <a:extLst>
               <a:ext uri="{FF2B5EF4-FFF2-40B4-BE49-F238E27FC236}">
-                <a16:creationId xmlns:a16="http://schemas.microsoft.com/office/drawing/2014/main" id="{C91224FA-ADA9-4075-AE2B-E0C6E149E540}"/>
+                <a16:creationId xmlns:a16="http://schemas.microsoft.com/office/drawing/2014/main" xmlns="" id="{C91224FA-ADA9-4075-AE2B-E0C6E149E540}"/>
               </a:ext>
             </a:extLst>
           </p:cNvPr>
@@ -33334,7 +34458,7 @@
           <p:cNvPr id="12" name="Rectangle 1">
             <a:extLst>
               <a:ext uri="{FF2B5EF4-FFF2-40B4-BE49-F238E27FC236}">
-                <a16:creationId xmlns:a16="http://schemas.microsoft.com/office/drawing/2014/main" id="{FFE5BAF0-90A9-481D-AAC3-4466B273C9B9}"/>
+                <a16:creationId xmlns:a16="http://schemas.microsoft.com/office/drawing/2014/main" xmlns="" id="{FFE5BAF0-90A9-481D-AAC3-4466B273C9B9}"/>
               </a:ext>
             </a:extLst>
           </p:cNvPr>
@@ -34407,7 +35531,7 @@
   <a:extraClrSchemeLst/>
   <a:extLst>
     <a:ext uri="{05A4C25C-085E-4340-85A3-A5531E510DB2}">
-      <thm15:themeFamily xmlns:thm15="http://schemas.microsoft.com/office/thememl/2012/main" name="Office Theme" id="{62F939B6-93AF-4DB8-9C6B-D6C7DFDC589F}" vid="{4A3C46E8-61CC-4603-A589-7422A47A8E4A}"/>
+      <thm15:themeFamily xmlns:thm15="http://schemas.microsoft.com/office/thememl/2012/main" xmlns="" name="Office Theme" id="{62F939B6-93AF-4DB8-9C6B-D6C7DFDC589F}" vid="{4A3C46E8-61CC-4603-A589-7422A47A8E4A}"/>
     </a:ext>
   </a:extLst>
 </a:theme>

--- a/src/spring/spring.boot.pptx
+++ b/src/spring/spring.boot.pptx
@@ -19,6 +19,7 @@
     <p:sldId id="268" r:id="rId13"/>
     <p:sldId id="269" r:id="rId14"/>
     <p:sldId id="270" r:id="rId15"/>
+    <p:sldId id="271" r:id="rId16"/>
   </p:sldIdLst>
   <p:sldSz cx="12192000" cy="6858000"/>
   <p:notesSz cx="6858000" cy="9144000"/>
@@ -119,7 +120,7 @@
   </p:defaultTextStyle>
   <p:extLst>
     <p:ext uri="{EFAFB233-063F-42B5-8137-9DF3F51BA10A}">
-      <p15:sldGuideLst xmlns:p15="http://schemas.microsoft.com/office/powerpoint/2012/main" xmlns="">
+      <p15:sldGuideLst xmlns:p15="http://schemas.microsoft.com/office/powerpoint/2012/main">
         <p15:guide id="1" orient="horz" pos="2160">
           <p15:clr>
             <a:srgbClr val="A4A3A4"/>
@@ -158,7 +159,7 @@
           <p:cNvPr id="2" name="Title 1">
             <a:extLst>
               <a:ext uri="{FF2B5EF4-FFF2-40B4-BE49-F238E27FC236}">
-                <a16:creationId xmlns:a16="http://schemas.microsoft.com/office/drawing/2014/main" xmlns="" id="{5314CC82-8D6F-41E3-B7D6-B16EE23DCB91}"/>
+                <a16:creationId xmlns:a16="http://schemas.microsoft.com/office/drawing/2014/main" id="{5314CC82-8D6F-41E3-B7D6-B16EE23DCB91}"/>
               </a:ext>
             </a:extLst>
           </p:cNvPr>
@@ -196,7 +197,7 @@
           <p:cNvPr id="3" name="Subtitle 2">
             <a:extLst>
               <a:ext uri="{FF2B5EF4-FFF2-40B4-BE49-F238E27FC236}">
-                <a16:creationId xmlns:a16="http://schemas.microsoft.com/office/drawing/2014/main" xmlns="" id="{8F4A6942-5EB2-4699-A8F2-2DAE91A05EED}"/>
+                <a16:creationId xmlns:a16="http://schemas.microsoft.com/office/drawing/2014/main" id="{8F4A6942-5EB2-4699-A8F2-2DAE91A05EED}"/>
               </a:ext>
             </a:extLst>
           </p:cNvPr>
@@ -267,7 +268,7 @@
           <p:cNvPr id="4" name="Date Placeholder 3">
             <a:extLst>
               <a:ext uri="{FF2B5EF4-FFF2-40B4-BE49-F238E27FC236}">
-                <a16:creationId xmlns:a16="http://schemas.microsoft.com/office/drawing/2014/main" xmlns="" id="{8030E49B-9D2D-45C9-A8AC-FF0D41C713FC}"/>
+                <a16:creationId xmlns:a16="http://schemas.microsoft.com/office/drawing/2014/main" id="{8030E49B-9D2D-45C9-A8AC-FF0D41C713FC}"/>
               </a:ext>
             </a:extLst>
           </p:cNvPr>
@@ -285,7 +286,7 @@
           <a:p>
             <a:fld id="{1AA5AC47-5BC2-484C-80BA-24EFF513DD12}" type="datetimeFigureOut">
               <a:rPr lang="en-IN" smtClean="0"/>
-              <a:t>07-11-2021</a:t>
+              <a:t>08-11-2021</a:t>
             </a:fld>
             <a:endParaRPr lang="en-IN"/>
           </a:p>
@@ -296,7 +297,7 @@
           <p:cNvPr id="5" name="Footer Placeholder 4">
             <a:extLst>
               <a:ext uri="{FF2B5EF4-FFF2-40B4-BE49-F238E27FC236}">
-                <a16:creationId xmlns:a16="http://schemas.microsoft.com/office/drawing/2014/main" xmlns="" id="{59898343-3ADA-4437-AD7B-D938F0774BF9}"/>
+                <a16:creationId xmlns:a16="http://schemas.microsoft.com/office/drawing/2014/main" id="{59898343-3ADA-4437-AD7B-D938F0774BF9}"/>
               </a:ext>
             </a:extLst>
           </p:cNvPr>
@@ -321,7 +322,7 @@
           <p:cNvPr id="6" name="Slide Number Placeholder 5">
             <a:extLst>
               <a:ext uri="{FF2B5EF4-FFF2-40B4-BE49-F238E27FC236}">
-                <a16:creationId xmlns:a16="http://schemas.microsoft.com/office/drawing/2014/main" xmlns="" id="{EFEEDA11-201A-4018-98A4-D13CB3EB8363}"/>
+                <a16:creationId xmlns:a16="http://schemas.microsoft.com/office/drawing/2014/main" id="{EFEEDA11-201A-4018-98A4-D13CB3EB8363}"/>
               </a:ext>
             </a:extLst>
           </p:cNvPr>
@@ -380,7 +381,7 @@
           <p:cNvPr id="2" name="Title 1">
             <a:extLst>
               <a:ext uri="{FF2B5EF4-FFF2-40B4-BE49-F238E27FC236}">
-                <a16:creationId xmlns:a16="http://schemas.microsoft.com/office/drawing/2014/main" xmlns="" id="{6B7291D8-7C0F-436E-900B-5ADDF5CE31CD}"/>
+                <a16:creationId xmlns:a16="http://schemas.microsoft.com/office/drawing/2014/main" id="{6B7291D8-7C0F-436E-900B-5ADDF5CE31CD}"/>
               </a:ext>
             </a:extLst>
           </p:cNvPr>
@@ -409,7 +410,7 @@
           <p:cNvPr id="3" name="Vertical Text Placeholder 2">
             <a:extLst>
               <a:ext uri="{FF2B5EF4-FFF2-40B4-BE49-F238E27FC236}">
-                <a16:creationId xmlns:a16="http://schemas.microsoft.com/office/drawing/2014/main" xmlns="" id="{1B499A46-2DF4-4E6B-82F2-F8EBE524AF96}"/>
+                <a16:creationId xmlns:a16="http://schemas.microsoft.com/office/drawing/2014/main" id="{1B499A46-2DF4-4E6B-82F2-F8EBE524AF96}"/>
               </a:ext>
             </a:extLst>
           </p:cNvPr>
@@ -467,7 +468,7 @@
           <p:cNvPr id="4" name="Date Placeholder 3">
             <a:extLst>
               <a:ext uri="{FF2B5EF4-FFF2-40B4-BE49-F238E27FC236}">
-                <a16:creationId xmlns:a16="http://schemas.microsoft.com/office/drawing/2014/main" xmlns="" id="{1AF3ABDF-542E-4B0B-B115-82C2BC90406A}"/>
+                <a16:creationId xmlns:a16="http://schemas.microsoft.com/office/drawing/2014/main" id="{1AF3ABDF-542E-4B0B-B115-82C2BC90406A}"/>
               </a:ext>
             </a:extLst>
           </p:cNvPr>
@@ -485,7 +486,7 @@
           <a:p>
             <a:fld id="{1AA5AC47-5BC2-484C-80BA-24EFF513DD12}" type="datetimeFigureOut">
               <a:rPr lang="en-IN" smtClean="0"/>
-              <a:t>07-11-2021</a:t>
+              <a:t>08-11-2021</a:t>
             </a:fld>
             <a:endParaRPr lang="en-IN"/>
           </a:p>
@@ -496,7 +497,7 @@
           <p:cNvPr id="5" name="Footer Placeholder 4">
             <a:extLst>
               <a:ext uri="{FF2B5EF4-FFF2-40B4-BE49-F238E27FC236}">
-                <a16:creationId xmlns:a16="http://schemas.microsoft.com/office/drawing/2014/main" xmlns="" id="{B1E8F9B6-14D8-4DA0-A38A-C1591A50841E}"/>
+                <a16:creationId xmlns:a16="http://schemas.microsoft.com/office/drawing/2014/main" id="{B1E8F9B6-14D8-4DA0-A38A-C1591A50841E}"/>
               </a:ext>
             </a:extLst>
           </p:cNvPr>
@@ -521,7 +522,7 @@
           <p:cNvPr id="6" name="Slide Number Placeholder 5">
             <a:extLst>
               <a:ext uri="{FF2B5EF4-FFF2-40B4-BE49-F238E27FC236}">
-                <a16:creationId xmlns:a16="http://schemas.microsoft.com/office/drawing/2014/main" xmlns="" id="{E0EC3098-6B42-4CA3-A9EA-0CEE6D48391A}"/>
+                <a16:creationId xmlns:a16="http://schemas.microsoft.com/office/drawing/2014/main" id="{E0EC3098-6B42-4CA3-A9EA-0CEE6D48391A}"/>
               </a:ext>
             </a:extLst>
           </p:cNvPr>
@@ -580,7 +581,7 @@
           <p:cNvPr id="2" name="Vertical Title 1">
             <a:extLst>
               <a:ext uri="{FF2B5EF4-FFF2-40B4-BE49-F238E27FC236}">
-                <a16:creationId xmlns:a16="http://schemas.microsoft.com/office/drawing/2014/main" xmlns="" id="{D2AE34B9-E7E1-404B-A656-7F5FB6317B83}"/>
+                <a16:creationId xmlns:a16="http://schemas.microsoft.com/office/drawing/2014/main" id="{D2AE34B9-E7E1-404B-A656-7F5FB6317B83}"/>
               </a:ext>
             </a:extLst>
           </p:cNvPr>
@@ -614,7 +615,7 @@
           <p:cNvPr id="3" name="Vertical Text Placeholder 2">
             <a:extLst>
               <a:ext uri="{FF2B5EF4-FFF2-40B4-BE49-F238E27FC236}">
-                <a16:creationId xmlns:a16="http://schemas.microsoft.com/office/drawing/2014/main" xmlns="" id="{22DACAAF-07ED-4BDB-AE9D-268D767CD7E8}"/>
+                <a16:creationId xmlns:a16="http://schemas.microsoft.com/office/drawing/2014/main" id="{22DACAAF-07ED-4BDB-AE9D-268D767CD7E8}"/>
               </a:ext>
             </a:extLst>
           </p:cNvPr>
@@ -677,7 +678,7 @@
           <p:cNvPr id="4" name="Date Placeholder 3">
             <a:extLst>
               <a:ext uri="{FF2B5EF4-FFF2-40B4-BE49-F238E27FC236}">
-                <a16:creationId xmlns:a16="http://schemas.microsoft.com/office/drawing/2014/main" xmlns="" id="{0EE7A4C4-77A9-45DF-AD60-2282B037F111}"/>
+                <a16:creationId xmlns:a16="http://schemas.microsoft.com/office/drawing/2014/main" id="{0EE7A4C4-77A9-45DF-AD60-2282B037F111}"/>
               </a:ext>
             </a:extLst>
           </p:cNvPr>
@@ -695,7 +696,7 @@
           <a:p>
             <a:fld id="{1AA5AC47-5BC2-484C-80BA-24EFF513DD12}" type="datetimeFigureOut">
               <a:rPr lang="en-IN" smtClean="0"/>
-              <a:t>07-11-2021</a:t>
+              <a:t>08-11-2021</a:t>
             </a:fld>
             <a:endParaRPr lang="en-IN"/>
           </a:p>
@@ -706,7 +707,7 @@
           <p:cNvPr id="5" name="Footer Placeholder 4">
             <a:extLst>
               <a:ext uri="{FF2B5EF4-FFF2-40B4-BE49-F238E27FC236}">
-                <a16:creationId xmlns:a16="http://schemas.microsoft.com/office/drawing/2014/main" xmlns="" id="{C102B154-5274-4175-9A89-2092122CCD76}"/>
+                <a16:creationId xmlns:a16="http://schemas.microsoft.com/office/drawing/2014/main" id="{C102B154-5274-4175-9A89-2092122CCD76}"/>
               </a:ext>
             </a:extLst>
           </p:cNvPr>
@@ -731,7 +732,7 @@
           <p:cNvPr id="6" name="Slide Number Placeholder 5">
             <a:extLst>
               <a:ext uri="{FF2B5EF4-FFF2-40B4-BE49-F238E27FC236}">
-                <a16:creationId xmlns:a16="http://schemas.microsoft.com/office/drawing/2014/main" xmlns="" id="{1A6919B0-5E57-4739-B46F-B31616A810D9}"/>
+                <a16:creationId xmlns:a16="http://schemas.microsoft.com/office/drawing/2014/main" id="{1A6919B0-5E57-4739-B46F-B31616A810D9}"/>
               </a:ext>
             </a:extLst>
           </p:cNvPr>
@@ -790,7 +791,7 @@
           <p:cNvPr id="2" name="Title 1">
             <a:extLst>
               <a:ext uri="{FF2B5EF4-FFF2-40B4-BE49-F238E27FC236}">
-                <a16:creationId xmlns:a16="http://schemas.microsoft.com/office/drawing/2014/main" xmlns="" id="{BF8E150B-E216-469C-9EF3-1F0F5714278F}"/>
+                <a16:creationId xmlns:a16="http://schemas.microsoft.com/office/drawing/2014/main" id="{BF8E150B-E216-469C-9EF3-1F0F5714278F}"/>
               </a:ext>
             </a:extLst>
           </p:cNvPr>
@@ -819,7 +820,7 @@
           <p:cNvPr id="3" name="Content Placeholder 2">
             <a:extLst>
               <a:ext uri="{FF2B5EF4-FFF2-40B4-BE49-F238E27FC236}">
-                <a16:creationId xmlns:a16="http://schemas.microsoft.com/office/drawing/2014/main" xmlns="" id="{4E3EA675-99A2-468B-93D1-46FEEA55F07C}"/>
+                <a16:creationId xmlns:a16="http://schemas.microsoft.com/office/drawing/2014/main" id="{4E3EA675-99A2-468B-93D1-46FEEA55F07C}"/>
               </a:ext>
             </a:extLst>
           </p:cNvPr>
@@ -877,7 +878,7 @@
           <p:cNvPr id="4" name="Date Placeholder 3">
             <a:extLst>
               <a:ext uri="{FF2B5EF4-FFF2-40B4-BE49-F238E27FC236}">
-                <a16:creationId xmlns:a16="http://schemas.microsoft.com/office/drawing/2014/main" xmlns="" id="{BB353DAF-9232-4FD2-96EB-ADCCA5855567}"/>
+                <a16:creationId xmlns:a16="http://schemas.microsoft.com/office/drawing/2014/main" id="{BB353DAF-9232-4FD2-96EB-ADCCA5855567}"/>
               </a:ext>
             </a:extLst>
           </p:cNvPr>
@@ -895,7 +896,7 @@
           <a:p>
             <a:fld id="{1AA5AC47-5BC2-484C-80BA-24EFF513DD12}" type="datetimeFigureOut">
               <a:rPr lang="en-IN" smtClean="0"/>
-              <a:t>07-11-2021</a:t>
+              <a:t>08-11-2021</a:t>
             </a:fld>
             <a:endParaRPr lang="en-IN"/>
           </a:p>
@@ -906,7 +907,7 @@
           <p:cNvPr id="5" name="Footer Placeholder 4">
             <a:extLst>
               <a:ext uri="{FF2B5EF4-FFF2-40B4-BE49-F238E27FC236}">
-                <a16:creationId xmlns:a16="http://schemas.microsoft.com/office/drawing/2014/main" xmlns="" id="{364BB921-BC61-44F2-825D-140F6DAFEC5D}"/>
+                <a16:creationId xmlns:a16="http://schemas.microsoft.com/office/drawing/2014/main" id="{364BB921-BC61-44F2-825D-140F6DAFEC5D}"/>
               </a:ext>
             </a:extLst>
           </p:cNvPr>
@@ -931,7 +932,7 @@
           <p:cNvPr id="6" name="Slide Number Placeholder 5">
             <a:extLst>
               <a:ext uri="{FF2B5EF4-FFF2-40B4-BE49-F238E27FC236}">
-                <a16:creationId xmlns:a16="http://schemas.microsoft.com/office/drawing/2014/main" xmlns="" id="{6C0574DB-BEEF-4E0A-ACC6-3A5EF3C06706}"/>
+                <a16:creationId xmlns:a16="http://schemas.microsoft.com/office/drawing/2014/main" id="{6C0574DB-BEEF-4E0A-ACC6-3A5EF3C06706}"/>
               </a:ext>
             </a:extLst>
           </p:cNvPr>
@@ -990,7 +991,7 @@
           <p:cNvPr id="2" name="Title 1">
             <a:extLst>
               <a:ext uri="{FF2B5EF4-FFF2-40B4-BE49-F238E27FC236}">
-                <a16:creationId xmlns:a16="http://schemas.microsoft.com/office/drawing/2014/main" xmlns="" id="{F1570C1F-3EAE-4443-B715-1BA91E4F6A89}"/>
+                <a16:creationId xmlns:a16="http://schemas.microsoft.com/office/drawing/2014/main" id="{F1570C1F-3EAE-4443-B715-1BA91E4F6A89}"/>
               </a:ext>
             </a:extLst>
           </p:cNvPr>
@@ -1028,7 +1029,7 @@
           <p:cNvPr id="3" name="Text Placeholder 2">
             <a:extLst>
               <a:ext uri="{FF2B5EF4-FFF2-40B4-BE49-F238E27FC236}">
-                <a16:creationId xmlns:a16="http://schemas.microsoft.com/office/drawing/2014/main" xmlns="" id="{FFEF6FF1-CE13-478E-BF6D-0510F93AF789}"/>
+                <a16:creationId xmlns:a16="http://schemas.microsoft.com/office/drawing/2014/main" id="{FFEF6FF1-CE13-478E-BF6D-0510F93AF789}"/>
               </a:ext>
             </a:extLst>
           </p:cNvPr>
@@ -1153,7 +1154,7 @@
           <p:cNvPr id="4" name="Date Placeholder 3">
             <a:extLst>
               <a:ext uri="{FF2B5EF4-FFF2-40B4-BE49-F238E27FC236}">
-                <a16:creationId xmlns:a16="http://schemas.microsoft.com/office/drawing/2014/main" xmlns="" id="{B2E1C887-51B6-46E7-B473-67C370949451}"/>
+                <a16:creationId xmlns:a16="http://schemas.microsoft.com/office/drawing/2014/main" id="{B2E1C887-51B6-46E7-B473-67C370949451}"/>
               </a:ext>
             </a:extLst>
           </p:cNvPr>
@@ -1171,7 +1172,7 @@
           <a:p>
             <a:fld id="{1AA5AC47-5BC2-484C-80BA-24EFF513DD12}" type="datetimeFigureOut">
               <a:rPr lang="en-IN" smtClean="0"/>
-              <a:t>07-11-2021</a:t>
+              <a:t>08-11-2021</a:t>
             </a:fld>
             <a:endParaRPr lang="en-IN"/>
           </a:p>
@@ -1182,7 +1183,7 @@
           <p:cNvPr id="5" name="Footer Placeholder 4">
             <a:extLst>
               <a:ext uri="{FF2B5EF4-FFF2-40B4-BE49-F238E27FC236}">
-                <a16:creationId xmlns:a16="http://schemas.microsoft.com/office/drawing/2014/main" xmlns="" id="{67BF367F-E2DF-412A-A011-DD02BEE5FF8D}"/>
+                <a16:creationId xmlns:a16="http://schemas.microsoft.com/office/drawing/2014/main" id="{67BF367F-E2DF-412A-A011-DD02BEE5FF8D}"/>
               </a:ext>
             </a:extLst>
           </p:cNvPr>
@@ -1207,7 +1208,7 @@
           <p:cNvPr id="6" name="Slide Number Placeholder 5">
             <a:extLst>
               <a:ext uri="{FF2B5EF4-FFF2-40B4-BE49-F238E27FC236}">
-                <a16:creationId xmlns:a16="http://schemas.microsoft.com/office/drawing/2014/main" xmlns="" id="{AC88DD6F-34F7-48EA-B36C-332824F3F4BD}"/>
+                <a16:creationId xmlns:a16="http://schemas.microsoft.com/office/drawing/2014/main" id="{AC88DD6F-34F7-48EA-B36C-332824F3F4BD}"/>
               </a:ext>
             </a:extLst>
           </p:cNvPr>
@@ -1266,7 +1267,7 @@
           <p:cNvPr id="2" name="Title 1">
             <a:extLst>
               <a:ext uri="{FF2B5EF4-FFF2-40B4-BE49-F238E27FC236}">
-                <a16:creationId xmlns:a16="http://schemas.microsoft.com/office/drawing/2014/main" xmlns="" id="{42ABAE2B-F990-490A-8A2B-DC1B468C4C9D}"/>
+                <a16:creationId xmlns:a16="http://schemas.microsoft.com/office/drawing/2014/main" id="{42ABAE2B-F990-490A-8A2B-DC1B468C4C9D}"/>
               </a:ext>
             </a:extLst>
           </p:cNvPr>
@@ -1295,7 +1296,7 @@
           <p:cNvPr id="3" name="Content Placeholder 2">
             <a:extLst>
               <a:ext uri="{FF2B5EF4-FFF2-40B4-BE49-F238E27FC236}">
-                <a16:creationId xmlns:a16="http://schemas.microsoft.com/office/drawing/2014/main" xmlns="" id="{0BCD8D17-D484-4209-B469-1D028CACC191}"/>
+                <a16:creationId xmlns:a16="http://schemas.microsoft.com/office/drawing/2014/main" id="{0BCD8D17-D484-4209-B469-1D028CACC191}"/>
               </a:ext>
             </a:extLst>
           </p:cNvPr>
@@ -1358,7 +1359,7 @@
           <p:cNvPr id="4" name="Content Placeholder 3">
             <a:extLst>
               <a:ext uri="{FF2B5EF4-FFF2-40B4-BE49-F238E27FC236}">
-                <a16:creationId xmlns:a16="http://schemas.microsoft.com/office/drawing/2014/main" xmlns="" id="{609EF4EA-AC12-4C1E-A56A-BAAF05F4BC5B}"/>
+                <a16:creationId xmlns:a16="http://schemas.microsoft.com/office/drawing/2014/main" id="{609EF4EA-AC12-4C1E-A56A-BAAF05F4BC5B}"/>
               </a:ext>
             </a:extLst>
           </p:cNvPr>
@@ -1421,7 +1422,7 @@
           <p:cNvPr id="5" name="Date Placeholder 4">
             <a:extLst>
               <a:ext uri="{FF2B5EF4-FFF2-40B4-BE49-F238E27FC236}">
-                <a16:creationId xmlns:a16="http://schemas.microsoft.com/office/drawing/2014/main" xmlns="" id="{47BD33E5-559F-4A20-9F2A-0F1CF39370E2}"/>
+                <a16:creationId xmlns:a16="http://schemas.microsoft.com/office/drawing/2014/main" id="{47BD33E5-559F-4A20-9F2A-0F1CF39370E2}"/>
               </a:ext>
             </a:extLst>
           </p:cNvPr>
@@ -1439,7 +1440,7 @@
           <a:p>
             <a:fld id="{1AA5AC47-5BC2-484C-80BA-24EFF513DD12}" type="datetimeFigureOut">
               <a:rPr lang="en-IN" smtClean="0"/>
-              <a:t>07-11-2021</a:t>
+              <a:t>08-11-2021</a:t>
             </a:fld>
             <a:endParaRPr lang="en-IN"/>
           </a:p>
@@ -1450,7 +1451,7 @@
           <p:cNvPr id="6" name="Footer Placeholder 5">
             <a:extLst>
               <a:ext uri="{FF2B5EF4-FFF2-40B4-BE49-F238E27FC236}">
-                <a16:creationId xmlns:a16="http://schemas.microsoft.com/office/drawing/2014/main" xmlns="" id="{4A883C9C-A604-439E-86FB-B2F61C2DE026}"/>
+                <a16:creationId xmlns:a16="http://schemas.microsoft.com/office/drawing/2014/main" id="{4A883C9C-A604-439E-86FB-B2F61C2DE026}"/>
               </a:ext>
             </a:extLst>
           </p:cNvPr>
@@ -1475,7 +1476,7 @@
           <p:cNvPr id="7" name="Slide Number Placeholder 6">
             <a:extLst>
               <a:ext uri="{FF2B5EF4-FFF2-40B4-BE49-F238E27FC236}">
-                <a16:creationId xmlns:a16="http://schemas.microsoft.com/office/drawing/2014/main" xmlns="" id="{0A423502-111A-4C6F-83C4-726C9E53D873}"/>
+                <a16:creationId xmlns:a16="http://schemas.microsoft.com/office/drawing/2014/main" id="{0A423502-111A-4C6F-83C4-726C9E53D873}"/>
               </a:ext>
             </a:extLst>
           </p:cNvPr>
@@ -1534,7 +1535,7 @@
           <p:cNvPr id="2" name="Title 1">
             <a:extLst>
               <a:ext uri="{FF2B5EF4-FFF2-40B4-BE49-F238E27FC236}">
-                <a16:creationId xmlns:a16="http://schemas.microsoft.com/office/drawing/2014/main" xmlns="" id="{4762B311-339D-448B-9205-82CDDB6668CD}"/>
+                <a16:creationId xmlns:a16="http://schemas.microsoft.com/office/drawing/2014/main" id="{4762B311-339D-448B-9205-82CDDB6668CD}"/>
               </a:ext>
             </a:extLst>
           </p:cNvPr>
@@ -1568,7 +1569,7 @@
           <p:cNvPr id="3" name="Text Placeholder 2">
             <a:extLst>
               <a:ext uri="{FF2B5EF4-FFF2-40B4-BE49-F238E27FC236}">
-                <a16:creationId xmlns:a16="http://schemas.microsoft.com/office/drawing/2014/main" xmlns="" id="{A233EB1A-8EB6-4F5A-B8A3-F041A9924429}"/>
+                <a16:creationId xmlns:a16="http://schemas.microsoft.com/office/drawing/2014/main" id="{A233EB1A-8EB6-4F5A-B8A3-F041A9924429}"/>
               </a:ext>
             </a:extLst>
           </p:cNvPr>
@@ -1639,7 +1640,7 @@
           <p:cNvPr id="4" name="Content Placeholder 3">
             <a:extLst>
               <a:ext uri="{FF2B5EF4-FFF2-40B4-BE49-F238E27FC236}">
-                <a16:creationId xmlns:a16="http://schemas.microsoft.com/office/drawing/2014/main" xmlns="" id="{195DCA69-6333-45A7-8E6A-295095A83F72}"/>
+                <a16:creationId xmlns:a16="http://schemas.microsoft.com/office/drawing/2014/main" id="{195DCA69-6333-45A7-8E6A-295095A83F72}"/>
               </a:ext>
             </a:extLst>
           </p:cNvPr>
@@ -1702,7 +1703,7 @@
           <p:cNvPr id="5" name="Text Placeholder 4">
             <a:extLst>
               <a:ext uri="{FF2B5EF4-FFF2-40B4-BE49-F238E27FC236}">
-                <a16:creationId xmlns:a16="http://schemas.microsoft.com/office/drawing/2014/main" xmlns="" id="{3BCF98AE-2080-4E4C-BB5C-529F768F8D7D}"/>
+                <a16:creationId xmlns:a16="http://schemas.microsoft.com/office/drawing/2014/main" id="{3BCF98AE-2080-4E4C-BB5C-529F768F8D7D}"/>
               </a:ext>
             </a:extLst>
           </p:cNvPr>
@@ -1773,7 +1774,7 @@
           <p:cNvPr id="6" name="Content Placeholder 5">
             <a:extLst>
               <a:ext uri="{FF2B5EF4-FFF2-40B4-BE49-F238E27FC236}">
-                <a16:creationId xmlns:a16="http://schemas.microsoft.com/office/drawing/2014/main" xmlns="" id="{F23879DC-B4F2-4F7C-BC69-4736E8EBD49C}"/>
+                <a16:creationId xmlns:a16="http://schemas.microsoft.com/office/drawing/2014/main" id="{F23879DC-B4F2-4F7C-BC69-4736E8EBD49C}"/>
               </a:ext>
             </a:extLst>
           </p:cNvPr>
@@ -1836,7 +1837,7 @@
           <p:cNvPr id="7" name="Date Placeholder 6">
             <a:extLst>
               <a:ext uri="{FF2B5EF4-FFF2-40B4-BE49-F238E27FC236}">
-                <a16:creationId xmlns:a16="http://schemas.microsoft.com/office/drawing/2014/main" xmlns="" id="{B9113094-6823-472F-AC58-290DBA7A10A1}"/>
+                <a16:creationId xmlns:a16="http://schemas.microsoft.com/office/drawing/2014/main" id="{B9113094-6823-472F-AC58-290DBA7A10A1}"/>
               </a:ext>
             </a:extLst>
           </p:cNvPr>
@@ -1854,7 +1855,7 @@
           <a:p>
             <a:fld id="{1AA5AC47-5BC2-484C-80BA-24EFF513DD12}" type="datetimeFigureOut">
               <a:rPr lang="en-IN" smtClean="0"/>
-              <a:t>07-11-2021</a:t>
+              <a:t>08-11-2021</a:t>
             </a:fld>
             <a:endParaRPr lang="en-IN"/>
           </a:p>
@@ -1865,7 +1866,7 @@
           <p:cNvPr id="8" name="Footer Placeholder 7">
             <a:extLst>
               <a:ext uri="{FF2B5EF4-FFF2-40B4-BE49-F238E27FC236}">
-                <a16:creationId xmlns:a16="http://schemas.microsoft.com/office/drawing/2014/main" xmlns="" id="{D607856D-26E0-48C8-A124-370D5E6E1802}"/>
+                <a16:creationId xmlns:a16="http://schemas.microsoft.com/office/drawing/2014/main" id="{D607856D-26E0-48C8-A124-370D5E6E1802}"/>
               </a:ext>
             </a:extLst>
           </p:cNvPr>
@@ -1890,7 +1891,7 @@
           <p:cNvPr id="9" name="Slide Number Placeholder 8">
             <a:extLst>
               <a:ext uri="{FF2B5EF4-FFF2-40B4-BE49-F238E27FC236}">
-                <a16:creationId xmlns:a16="http://schemas.microsoft.com/office/drawing/2014/main" xmlns="" id="{8FFEA9EB-1F9A-462D-8A1C-EF53ED1654F3}"/>
+                <a16:creationId xmlns:a16="http://schemas.microsoft.com/office/drawing/2014/main" id="{8FFEA9EB-1F9A-462D-8A1C-EF53ED1654F3}"/>
               </a:ext>
             </a:extLst>
           </p:cNvPr>
@@ -1949,7 +1950,7 @@
           <p:cNvPr id="2" name="Title 1">
             <a:extLst>
               <a:ext uri="{FF2B5EF4-FFF2-40B4-BE49-F238E27FC236}">
-                <a16:creationId xmlns:a16="http://schemas.microsoft.com/office/drawing/2014/main" xmlns="" id="{1B73D253-82B2-40BA-B7C6-BD1D1AEF97EF}"/>
+                <a16:creationId xmlns:a16="http://schemas.microsoft.com/office/drawing/2014/main" id="{1B73D253-82B2-40BA-B7C6-BD1D1AEF97EF}"/>
               </a:ext>
             </a:extLst>
           </p:cNvPr>
@@ -1978,7 +1979,7 @@
           <p:cNvPr id="3" name="Date Placeholder 2">
             <a:extLst>
               <a:ext uri="{FF2B5EF4-FFF2-40B4-BE49-F238E27FC236}">
-                <a16:creationId xmlns:a16="http://schemas.microsoft.com/office/drawing/2014/main" xmlns="" id="{3C4DE193-25BE-462D-ADC2-D55F4C33B788}"/>
+                <a16:creationId xmlns:a16="http://schemas.microsoft.com/office/drawing/2014/main" id="{3C4DE193-25BE-462D-ADC2-D55F4C33B788}"/>
               </a:ext>
             </a:extLst>
           </p:cNvPr>
@@ -1996,7 +1997,7 @@
           <a:p>
             <a:fld id="{1AA5AC47-5BC2-484C-80BA-24EFF513DD12}" type="datetimeFigureOut">
               <a:rPr lang="en-IN" smtClean="0"/>
-              <a:t>07-11-2021</a:t>
+              <a:t>08-11-2021</a:t>
             </a:fld>
             <a:endParaRPr lang="en-IN"/>
           </a:p>
@@ -2007,7 +2008,7 @@
           <p:cNvPr id="4" name="Footer Placeholder 3">
             <a:extLst>
               <a:ext uri="{FF2B5EF4-FFF2-40B4-BE49-F238E27FC236}">
-                <a16:creationId xmlns:a16="http://schemas.microsoft.com/office/drawing/2014/main" xmlns="" id="{C0E74FAE-7F84-43E2-A1F1-7C4A37743CE3}"/>
+                <a16:creationId xmlns:a16="http://schemas.microsoft.com/office/drawing/2014/main" id="{C0E74FAE-7F84-43E2-A1F1-7C4A37743CE3}"/>
               </a:ext>
             </a:extLst>
           </p:cNvPr>
@@ -2032,7 +2033,7 @@
           <p:cNvPr id="5" name="Slide Number Placeholder 4">
             <a:extLst>
               <a:ext uri="{FF2B5EF4-FFF2-40B4-BE49-F238E27FC236}">
-                <a16:creationId xmlns:a16="http://schemas.microsoft.com/office/drawing/2014/main" xmlns="" id="{428E7890-162B-4DD6-A6F3-5BBC205B876C}"/>
+                <a16:creationId xmlns:a16="http://schemas.microsoft.com/office/drawing/2014/main" id="{428E7890-162B-4DD6-A6F3-5BBC205B876C}"/>
               </a:ext>
             </a:extLst>
           </p:cNvPr>
@@ -2091,7 +2092,7 @@
           <p:cNvPr id="2" name="Date Placeholder 1">
             <a:extLst>
               <a:ext uri="{FF2B5EF4-FFF2-40B4-BE49-F238E27FC236}">
-                <a16:creationId xmlns:a16="http://schemas.microsoft.com/office/drawing/2014/main" xmlns="" id="{A732E3B0-E78B-47E2-B3D9-0FB9351D6277}"/>
+                <a16:creationId xmlns:a16="http://schemas.microsoft.com/office/drawing/2014/main" id="{A732E3B0-E78B-47E2-B3D9-0FB9351D6277}"/>
               </a:ext>
             </a:extLst>
           </p:cNvPr>
@@ -2109,7 +2110,7 @@
           <a:p>
             <a:fld id="{1AA5AC47-5BC2-484C-80BA-24EFF513DD12}" type="datetimeFigureOut">
               <a:rPr lang="en-IN" smtClean="0"/>
-              <a:t>07-11-2021</a:t>
+              <a:t>08-11-2021</a:t>
             </a:fld>
             <a:endParaRPr lang="en-IN"/>
           </a:p>
@@ -2120,7 +2121,7 @@
           <p:cNvPr id="3" name="Footer Placeholder 2">
             <a:extLst>
               <a:ext uri="{FF2B5EF4-FFF2-40B4-BE49-F238E27FC236}">
-                <a16:creationId xmlns:a16="http://schemas.microsoft.com/office/drawing/2014/main" xmlns="" id="{53D20DC8-C42C-4A18-9CDE-0B8C423BE64F}"/>
+                <a16:creationId xmlns:a16="http://schemas.microsoft.com/office/drawing/2014/main" id="{53D20DC8-C42C-4A18-9CDE-0B8C423BE64F}"/>
               </a:ext>
             </a:extLst>
           </p:cNvPr>
@@ -2145,7 +2146,7 @@
           <p:cNvPr id="4" name="Slide Number Placeholder 3">
             <a:extLst>
               <a:ext uri="{FF2B5EF4-FFF2-40B4-BE49-F238E27FC236}">
-                <a16:creationId xmlns:a16="http://schemas.microsoft.com/office/drawing/2014/main" xmlns="" id="{45BFB77B-0F13-424B-BC1F-B39E54443C82}"/>
+                <a16:creationId xmlns:a16="http://schemas.microsoft.com/office/drawing/2014/main" id="{45BFB77B-0F13-424B-BC1F-B39E54443C82}"/>
               </a:ext>
             </a:extLst>
           </p:cNvPr>
@@ -2204,7 +2205,7 @@
           <p:cNvPr id="2" name="Title 1">
             <a:extLst>
               <a:ext uri="{FF2B5EF4-FFF2-40B4-BE49-F238E27FC236}">
-                <a16:creationId xmlns:a16="http://schemas.microsoft.com/office/drawing/2014/main" xmlns="" id="{EAB03FCE-5B4D-43CC-9891-7A06EF85378A}"/>
+                <a16:creationId xmlns:a16="http://schemas.microsoft.com/office/drawing/2014/main" id="{EAB03FCE-5B4D-43CC-9891-7A06EF85378A}"/>
               </a:ext>
             </a:extLst>
           </p:cNvPr>
@@ -2242,7 +2243,7 @@
           <p:cNvPr id="3" name="Content Placeholder 2">
             <a:extLst>
               <a:ext uri="{FF2B5EF4-FFF2-40B4-BE49-F238E27FC236}">
-                <a16:creationId xmlns:a16="http://schemas.microsoft.com/office/drawing/2014/main" xmlns="" id="{04D708FD-3FF3-4AC1-AF70-F1E318273C90}"/>
+                <a16:creationId xmlns:a16="http://schemas.microsoft.com/office/drawing/2014/main" id="{04D708FD-3FF3-4AC1-AF70-F1E318273C90}"/>
               </a:ext>
             </a:extLst>
           </p:cNvPr>
@@ -2333,7 +2334,7 @@
           <p:cNvPr id="4" name="Text Placeholder 3">
             <a:extLst>
               <a:ext uri="{FF2B5EF4-FFF2-40B4-BE49-F238E27FC236}">
-                <a16:creationId xmlns:a16="http://schemas.microsoft.com/office/drawing/2014/main" xmlns="" id="{27172CC0-FEEA-445E-B0A4-E5B72DB9A13A}"/>
+                <a16:creationId xmlns:a16="http://schemas.microsoft.com/office/drawing/2014/main" id="{27172CC0-FEEA-445E-B0A4-E5B72DB9A13A}"/>
               </a:ext>
             </a:extLst>
           </p:cNvPr>
@@ -2404,7 +2405,7 @@
           <p:cNvPr id="5" name="Date Placeholder 4">
             <a:extLst>
               <a:ext uri="{FF2B5EF4-FFF2-40B4-BE49-F238E27FC236}">
-                <a16:creationId xmlns:a16="http://schemas.microsoft.com/office/drawing/2014/main" xmlns="" id="{52158AC7-4E41-4D1A-B22A-ACEA67A41749}"/>
+                <a16:creationId xmlns:a16="http://schemas.microsoft.com/office/drawing/2014/main" id="{52158AC7-4E41-4D1A-B22A-ACEA67A41749}"/>
               </a:ext>
             </a:extLst>
           </p:cNvPr>
@@ -2422,7 +2423,7 @@
           <a:p>
             <a:fld id="{1AA5AC47-5BC2-484C-80BA-24EFF513DD12}" type="datetimeFigureOut">
               <a:rPr lang="en-IN" smtClean="0"/>
-              <a:t>07-11-2021</a:t>
+              <a:t>08-11-2021</a:t>
             </a:fld>
             <a:endParaRPr lang="en-IN"/>
           </a:p>
@@ -2433,7 +2434,7 @@
           <p:cNvPr id="6" name="Footer Placeholder 5">
             <a:extLst>
               <a:ext uri="{FF2B5EF4-FFF2-40B4-BE49-F238E27FC236}">
-                <a16:creationId xmlns:a16="http://schemas.microsoft.com/office/drawing/2014/main" xmlns="" id="{869CC2E0-A178-4156-BD8C-D994B014D7A6}"/>
+                <a16:creationId xmlns:a16="http://schemas.microsoft.com/office/drawing/2014/main" id="{869CC2E0-A178-4156-BD8C-D994B014D7A6}"/>
               </a:ext>
             </a:extLst>
           </p:cNvPr>
@@ -2458,7 +2459,7 @@
           <p:cNvPr id="7" name="Slide Number Placeholder 6">
             <a:extLst>
               <a:ext uri="{FF2B5EF4-FFF2-40B4-BE49-F238E27FC236}">
-                <a16:creationId xmlns:a16="http://schemas.microsoft.com/office/drawing/2014/main" xmlns="" id="{1FD43812-3065-420A-AE8C-358A93D69905}"/>
+                <a16:creationId xmlns:a16="http://schemas.microsoft.com/office/drawing/2014/main" id="{1FD43812-3065-420A-AE8C-358A93D69905}"/>
               </a:ext>
             </a:extLst>
           </p:cNvPr>
@@ -2517,7 +2518,7 @@
           <p:cNvPr id="2" name="Title 1">
             <a:extLst>
               <a:ext uri="{FF2B5EF4-FFF2-40B4-BE49-F238E27FC236}">
-                <a16:creationId xmlns:a16="http://schemas.microsoft.com/office/drawing/2014/main" xmlns="" id="{5AFAF3EB-231D-4389-AFA0-2FD6506655F8}"/>
+                <a16:creationId xmlns:a16="http://schemas.microsoft.com/office/drawing/2014/main" id="{5AFAF3EB-231D-4389-AFA0-2FD6506655F8}"/>
               </a:ext>
             </a:extLst>
           </p:cNvPr>
@@ -2555,7 +2556,7 @@
           <p:cNvPr id="3" name="Picture Placeholder 2">
             <a:extLst>
               <a:ext uri="{FF2B5EF4-FFF2-40B4-BE49-F238E27FC236}">
-                <a16:creationId xmlns:a16="http://schemas.microsoft.com/office/drawing/2014/main" xmlns="" id="{FF7A3C75-CC07-46D6-97BF-6356F47132D1}"/>
+                <a16:creationId xmlns:a16="http://schemas.microsoft.com/office/drawing/2014/main" id="{FF7A3C75-CC07-46D6-97BF-6356F47132D1}"/>
               </a:ext>
             </a:extLst>
           </p:cNvPr>
@@ -2622,7 +2623,7 @@
           <p:cNvPr id="4" name="Text Placeholder 3">
             <a:extLst>
               <a:ext uri="{FF2B5EF4-FFF2-40B4-BE49-F238E27FC236}">
-                <a16:creationId xmlns:a16="http://schemas.microsoft.com/office/drawing/2014/main" xmlns="" id="{A73DD846-2088-4D12-A5B9-37C0359760E9}"/>
+                <a16:creationId xmlns:a16="http://schemas.microsoft.com/office/drawing/2014/main" id="{A73DD846-2088-4D12-A5B9-37C0359760E9}"/>
               </a:ext>
             </a:extLst>
           </p:cNvPr>
@@ -2693,7 +2694,7 @@
           <p:cNvPr id="5" name="Date Placeholder 4">
             <a:extLst>
               <a:ext uri="{FF2B5EF4-FFF2-40B4-BE49-F238E27FC236}">
-                <a16:creationId xmlns:a16="http://schemas.microsoft.com/office/drawing/2014/main" xmlns="" id="{952DDB2F-EDA4-458F-9BB6-0D82E07258E2}"/>
+                <a16:creationId xmlns:a16="http://schemas.microsoft.com/office/drawing/2014/main" id="{952DDB2F-EDA4-458F-9BB6-0D82E07258E2}"/>
               </a:ext>
             </a:extLst>
           </p:cNvPr>
@@ -2711,7 +2712,7 @@
           <a:p>
             <a:fld id="{1AA5AC47-5BC2-484C-80BA-24EFF513DD12}" type="datetimeFigureOut">
               <a:rPr lang="en-IN" smtClean="0"/>
-              <a:t>07-11-2021</a:t>
+              <a:t>08-11-2021</a:t>
             </a:fld>
             <a:endParaRPr lang="en-IN"/>
           </a:p>
@@ -2722,7 +2723,7 @@
           <p:cNvPr id="6" name="Footer Placeholder 5">
             <a:extLst>
               <a:ext uri="{FF2B5EF4-FFF2-40B4-BE49-F238E27FC236}">
-                <a16:creationId xmlns:a16="http://schemas.microsoft.com/office/drawing/2014/main" xmlns="" id="{420F08DD-EBFB-4266-B076-A2F980756DDC}"/>
+                <a16:creationId xmlns:a16="http://schemas.microsoft.com/office/drawing/2014/main" id="{420F08DD-EBFB-4266-B076-A2F980756DDC}"/>
               </a:ext>
             </a:extLst>
           </p:cNvPr>
@@ -2747,7 +2748,7 @@
           <p:cNvPr id="7" name="Slide Number Placeholder 6">
             <a:extLst>
               <a:ext uri="{FF2B5EF4-FFF2-40B4-BE49-F238E27FC236}">
-                <a16:creationId xmlns:a16="http://schemas.microsoft.com/office/drawing/2014/main" xmlns="" id="{6D25345A-F86A-4960-A1C4-8E881A62E5B4}"/>
+                <a16:creationId xmlns:a16="http://schemas.microsoft.com/office/drawing/2014/main" id="{6D25345A-F86A-4960-A1C4-8E881A62E5B4}"/>
               </a:ext>
             </a:extLst>
           </p:cNvPr>
@@ -2811,7 +2812,7 @@
           <p:cNvPr id="2" name="Title Placeholder 1">
             <a:extLst>
               <a:ext uri="{FF2B5EF4-FFF2-40B4-BE49-F238E27FC236}">
-                <a16:creationId xmlns:a16="http://schemas.microsoft.com/office/drawing/2014/main" xmlns="" id="{C4175E84-4BEA-4B29-97D5-FC88A9CEAFF2}"/>
+                <a16:creationId xmlns:a16="http://schemas.microsoft.com/office/drawing/2014/main" id="{C4175E84-4BEA-4B29-97D5-FC88A9CEAFF2}"/>
               </a:ext>
             </a:extLst>
           </p:cNvPr>
@@ -2850,7 +2851,7 @@
           <p:cNvPr id="3" name="Text Placeholder 2">
             <a:extLst>
               <a:ext uri="{FF2B5EF4-FFF2-40B4-BE49-F238E27FC236}">
-                <a16:creationId xmlns:a16="http://schemas.microsoft.com/office/drawing/2014/main" xmlns="" id="{8C957B72-BF62-4141-AEB4-3E44153F6552}"/>
+                <a16:creationId xmlns:a16="http://schemas.microsoft.com/office/drawing/2014/main" id="{8C957B72-BF62-4141-AEB4-3E44153F6552}"/>
               </a:ext>
             </a:extLst>
           </p:cNvPr>
@@ -2918,7 +2919,7 @@
           <p:cNvPr id="4" name="Date Placeholder 3">
             <a:extLst>
               <a:ext uri="{FF2B5EF4-FFF2-40B4-BE49-F238E27FC236}">
-                <a16:creationId xmlns:a16="http://schemas.microsoft.com/office/drawing/2014/main" xmlns="" id="{32062E18-EEC3-4089-929A-52B043802FD1}"/>
+                <a16:creationId xmlns:a16="http://schemas.microsoft.com/office/drawing/2014/main" id="{32062E18-EEC3-4089-929A-52B043802FD1}"/>
               </a:ext>
             </a:extLst>
           </p:cNvPr>
@@ -2954,7 +2955,7 @@
           <a:p>
             <a:fld id="{1AA5AC47-5BC2-484C-80BA-24EFF513DD12}" type="datetimeFigureOut">
               <a:rPr lang="en-IN" smtClean="0"/>
-              <a:t>07-11-2021</a:t>
+              <a:t>08-11-2021</a:t>
             </a:fld>
             <a:endParaRPr lang="en-IN"/>
           </a:p>
@@ -2965,7 +2966,7 @@
           <p:cNvPr id="5" name="Footer Placeholder 4">
             <a:extLst>
               <a:ext uri="{FF2B5EF4-FFF2-40B4-BE49-F238E27FC236}">
-                <a16:creationId xmlns:a16="http://schemas.microsoft.com/office/drawing/2014/main" xmlns="" id="{C7717E09-6E10-4B05-81B6-5E6F6EE6FC74}"/>
+                <a16:creationId xmlns:a16="http://schemas.microsoft.com/office/drawing/2014/main" id="{C7717E09-6E10-4B05-81B6-5E6F6EE6FC74}"/>
               </a:ext>
             </a:extLst>
           </p:cNvPr>
@@ -3008,7 +3009,7 @@
           <p:cNvPr id="6" name="Slide Number Placeholder 5">
             <a:extLst>
               <a:ext uri="{FF2B5EF4-FFF2-40B4-BE49-F238E27FC236}">
-                <a16:creationId xmlns:a16="http://schemas.microsoft.com/office/drawing/2014/main" xmlns="" id="{27735183-ECEA-49C4-85B1-B104BD80E308}"/>
+                <a16:creationId xmlns:a16="http://schemas.microsoft.com/office/drawing/2014/main" id="{27735183-ECEA-49C4-85B1-B104BD80E308}"/>
               </a:ext>
             </a:extLst>
           </p:cNvPr>
@@ -3376,7 +3377,7 @@
           <p:cNvPr id="5" name="Rectangle: Rounded Corners 4">
             <a:extLst>
               <a:ext uri="{FF2B5EF4-FFF2-40B4-BE49-F238E27FC236}">
-                <a16:creationId xmlns:a16="http://schemas.microsoft.com/office/drawing/2014/main" xmlns="" id="{3E5316B8-2CDC-470B-BBC3-7B3BB48F917E}"/>
+                <a16:creationId xmlns:a16="http://schemas.microsoft.com/office/drawing/2014/main" id="{3E5316B8-2CDC-470B-BBC3-7B3BB48F917E}"/>
               </a:ext>
             </a:extLst>
           </p:cNvPr>
@@ -3426,7 +3427,7 @@
           <p:cNvPr id="7" name="Rectangle: Rounded Corners 6">
             <a:extLst>
               <a:ext uri="{FF2B5EF4-FFF2-40B4-BE49-F238E27FC236}">
-                <a16:creationId xmlns:a16="http://schemas.microsoft.com/office/drawing/2014/main" xmlns="" id="{031644F9-1251-438C-BEB7-F907C2B49D54}"/>
+                <a16:creationId xmlns:a16="http://schemas.microsoft.com/office/drawing/2014/main" id="{031644F9-1251-438C-BEB7-F907C2B49D54}"/>
               </a:ext>
             </a:extLst>
           </p:cNvPr>
@@ -3483,7 +3484,7 @@
           <p:cNvPr id="11" name="Rectangle: Rounded Corners 10">
             <a:extLst>
               <a:ext uri="{FF2B5EF4-FFF2-40B4-BE49-F238E27FC236}">
-                <a16:creationId xmlns:a16="http://schemas.microsoft.com/office/drawing/2014/main" xmlns="" id="{E416CFAD-AF52-4649-A332-71DEE7426C23}"/>
+                <a16:creationId xmlns:a16="http://schemas.microsoft.com/office/drawing/2014/main" id="{E416CFAD-AF52-4649-A332-71DEE7426C23}"/>
               </a:ext>
             </a:extLst>
           </p:cNvPr>
@@ -3540,7 +3541,7 @@
           <p:cNvPr id="12" name="Rectangle: Rounded Corners 11">
             <a:extLst>
               <a:ext uri="{FF2B5EF4-FFF2-40B4-BE49-F238E27FC236}">
-                <a16:creationId xmlns:a16="http://schemas.microsoft.com/office/drawing/2014/main" xmlns="" id="{F81607E8-5979-4B1D-BCDC-0CDDE92D28C5}"/>
+                <a16:creationId xmlns:a16="http://schemas.microsoft.com/office/drawing/2014/main" id="{F81607E8-5979-4B1D-BCDC-0CDDE92D28C5}"/>
               </a:ext>
             </a:extLst>
           </p:cNvPr>
@@ -3590,7 +3591,7 @@
           <p:cNvPr id="14" name="Rectangle: Rounded Corners 13">
             <a:extLst>
               <a:ext uri="{FF2B5EF4-FFF2-40B4-BE49-F238E27FC236}">
-                <a16:creationId xmlns:a16="http://schemas.microsoft.com/office/drawing/2014/main" xmlns="" id="{F93F1191-805C-4602-B403-FBC4B23FDEE5}"/>
+                <a16:creationId xmlns:a16="http://schemas.microsoft.com/office/drawing/2014/main" id="{F93F1191-805C-4602-B403-FBC4B23FDEE5}"/>
               </a:ext>
             </a:extLst>
           </p:cNvPr>
@@ -3644,7 +3645,7 @@
           <p:cNvPr id="16" name="Connector: Elbow 15">
             <a:extLst>
               <a:ext uri="{FF2B5EF4-FFF2-40B4-BE49-F238E27FC236}">
-                <a16:creationId xmlns:a16="http://schemas.microsoft.com/office/drawing/2014/main" xmlns="" id="{F8E1CA97-7225-45D0-A081-33F98BF5BD88}"/>
+                <a16:creationId xmlns:a16="http://schemas.microsoft.com/office/drawing/2014/main" id="{F8E1CA97-7225-45D0-A081-33F98BF5BD88}"/>
               </a:ext>
             </a:extLst>
           </p:cNvPr>
@@ -3689,7 +3690,7 @@
           <p:cNvPr id="19" name="Rectangle: Rounded Corners 18">
             <a:extLst>
               <a:ext uri="{FF2B5EF4-FFF2-40B4-BE49-F238E27FC236}">
-                <a16:creationId xmlns:a16="http://schemas.microsoft.com/office/drawing/2014/main" xmlns="" id="{5BAF5724-2440-46B2-B4E0-C35E05FEFDFA}"/>
+                <a16:creationId xmlns:a16="http://schemas.microsoft.com/office/drawing/2014/main" id="{5BAF5724-2440-46B2-B4E0-C35E05FEFDFA}"/>
               </a:ext>
             </a:extLst>
           </p:cNvPr>
@@ -3995,7 +3996,7 @@
               <p:cNvPr id="8" name="Rectangle: Rounded Corners 1">
                 <a:extLst>
                   <a:ext uri="{FF2B5EF4-FFF2-40B4-BE49-F238E27FC236}">
-                    <a16:creationId xmlns:a16="http://schemas.microsoft.com/office/drawing/2014/main" xmlns="" id="{229043B8-923C-4A63-923B-ED47AB6F3179}"/>
+                    <a16:creationId xmlns:a16="http://schemas.microsoft.com/office/drawing/2014/main" id="{229043B8-923C-4A63-923B-ED47AB6F3179}"/>
                   </a:ext>
                 </a:extLst>
               </p:cNvPr>
@@ -4055,7 +4056,7 @@
               <p:cNvPr id="9" name="Rectangle 1">
                 <a:extLst>
                   <a:ext uri="{FF2B5EF4-FFF2-40B4-BE49-F238E27FC236}">
-                    <a16:creationId xmlns:a16="http://schemas.microsoft.com/office/drawing/2014/main" xmlns="" id="{FFE5BAF0-90A9-481D-AAC3-4466B273C9B9}"/>
+                    <a16:creationId xmlns:a16="http://schemas.microsoft.com/office/drawing/2014/main" id="{FFE5BAF0-90A9-481D-AAC3-4466B273C9B9}"/>
                   </a:ext>
                 </a:extLst>
               </p:cNvPr>
@@ -4322,7 +4323,7 @@
               <p:cNvPr id="10" name="Rectangle 1">
                 <a:extLst>
                   <a:ext uri="{FF2B5EF4-FFF2-40B4-BE49-F238E27FC236}">
-                    <a16:creationId xmlns:a16="http://schemas.microsoft.com/office/drawing/2014/main" xmlns="" id="{4A5862E7-0045-43EA-8731-76AF0AFFEB2B}"/>
+                    <a16:creationId xmlns:a16="http://schemas.microsoft.com/office/drawing/2014/main" id="{4A5862E7-0045-43EA-8731-76AF0AFFEB2B}"/>
                   </a:ext>
                 </a:extLst>
               </p:cNvPr>
@@ -4569,7 +4570,7 @@
             <p:cNvPr id="7" name="TextBox 6">
               <a:extLst>
                 <a:ext uri="{FF2B5EF4-FFF2-40B4-BE49-F238E27FC236}">
-                  <a16:creationId xmlns:a16="http://schemas.microsoft.com/office/drawing/2014/main" xmlns="" id="{C91224FA-ADA9-4075-AE2B-E0C6E149E540}"/>
+                  <a16:creationId xmlns:a16="http://schemas.microsoft.com/office/drawing/2014/main" id="{C91224FA-ADA9-4075-AE2B-E0C6E149E540}"/>
                 </a:ext>
               </a:extLst>
             </p:cNvPr>
@@ -4679,7 +4680,7 @@
               <p:cNvPr id="15" name="Rectangle: Rounded Corners 1">
                 <a:extLst>
                   <a:ext uri="{FF2B5EF4-FFF2-40B4-BE49-F238E27FC236}">
-                    <a16:creationId xmlns:a16="http://schemas.microsoft.com/office/drawing/2014/main" xmlns="" id="{229043B8-923C-4A63-923B-ED47AB6F3179}"/>
+                    <a16:creationId xmlns:a16="http://schemas.microsoft.com/office/drawing/2014/main" id="{229043B8-923C-4A63-923B-ED47AB6F3179}"/>
                   </a:ext>
                 </a:extLst>
               </p:cNvPr>
@@ -4739,7 +4740,7 @@
               <p:cNvPr id="16" name="Rectangle 1">
                 <a:extLst>
                   <a:ext uri="{FF2B5EF4-FFF2-40B4-BE49-F238E27FC236}">
-                    <a16:creationId xmlns:a16="http://schemas.microsoft.com/office/drawing/2014/main" xmlns="" id="{FFE5BAF0-90A9-481D-AAC3-4466B273C9B9}"/>
+                    <a16:creationId xmlns:a16="http://schemas.microsoft.com/office/drawing/2014/main" id="{FFE5BAF0-90A9-481D-AAC3-4466B273C9B9}"/>
                   </a:ext>
                 </a:extLst>
               </p:cNvPr>
@@ -5006,7 +5007,7 @@
               <p:cNvPr id="17" name="Rectangle 1">
                 <a:extLst>
                   <a:ext uri="{FF2B5EF4-FFF2-40B4-BE49-F238E27FC236}">
-                    <a16:creationId xmlns:a16="http://schemas.microsoft.com/office/drawing/2014/main" xmlns="" id="{4A5862E7-0045-43EA-8731-76AF0AFFEB2B}"/>
+                    <a16:creationId xmlns:a16="http://schemas.microsoft.com/office/drawing/2014/main" id="{4A5862E7-0045-43EA-8731-76AF0AFFEB2B}"/>
                   </a:ext>
                 </a:extLst>
               </p:cNvPr>
@@ -5253,7 +5254,7 @@
             <p:cNvPr id="14" name="TextBox 13">
               <a:extLst>
                 <a:ext uri="{FF2B5EF4-FFF2-40B4-BE49-F238E27FC236}">
-                  <a16:creationId xmlns:a16="http://schemas.microsoft.com/office/drawing/2014/main" xmlns="" id="{C91224FA-ADA9-4075-AE2B-E0C6E149E540}"/>
+                  <a16:creationId xmlns:a16="http://schemas.microsoft.com/office/drawing/2014/main" id="{C91224FA-ADA9-4075-AE2B-E0C6E149E540}"/>
                 </a:ext>
               </a:extLst>
             </p:cNvPr>
@@ -5867,7 +5868,7 @@
           <p:cNvPr id="46" name="Rectangle: Rounded Corners 62">
             <a:extLst>
               <a:ext uri="{FF2B5EF4-FFF2-40B4-BE49-F238E27FC236}">
-                <a16:creationId xmlns:a16="http://schemas.microsoft.com/office/drawing/2014/main" xmlns="" id="{61D3D070-24FE-4EF4-AD82-4932219E03A8}"/>
+                <a16:creationId xmlns:a16="http://schemas.microsoft.com/office/drawing/2014/main" id="{61D3D070-24FE-4EF4-AD82-4932219E03A8}"/>
               </a:ext>
             </a:extLst>
           </p:cNvPr>
@@ -6130,7 +6131,7 @@
                 <p:cNvPr id="21" name="Rectangle: Rounded Corners 1">
                   <a:extLst>
                     <a:ext uri="{FF2B5EF4-FFF2-40B4-BE49-F238E27FC236}">
-                      <a16:creationId xmlns:a16="http://schemas.microsoft.com/office/drawing/2014/main" xmlns="" id="{229043B8-923C-4A63-923B-ED47AB6F3179}"/>
+                      <a16:creationId xmlns:a16="http://schemas.microsoft.com/office/drawing/2014/main" id="{229043B8-923C-4A63-923B-ED47AB6F3179}"/>
                     </a:ext>
                   </a:extLst>
                 </p:cNvPr>
@@ -6190,7 +6191,7 @@
                 <p:cNvPr id="22" name="Rectangle 1">
                   <a:extLst>
                     <a:ext uri="{FF2B5EF4-FFF2-40B4-BE49-F238E27FC236}">
-                      <a16:creationId xmlns:a16="http://schemas.microsoft.com/office/drawing/2014/main" xmlns="" id="{FFE5BAF0-90A9-481D-AAC3-4466B273C9B9}"/>
+                      <a16:creationId xmlns:a16="http://schemas.microsoft.com/office/drawing/2014/main" id="{FFE5BAF0-90A9-481D-AAC3-4466B273C9B9}"/>
                     </a:ext>
                   </a:extLst>
                 </p:cNvPr>
@@ -6445,7 +6446,7 @@
                 <p:cNvPr id="23" name="Rectangle 1">
                   <a:extLst>
                     <a:ext uri="{FF2B5EF4-FFF2-40B4-BE49-F238E27FC236}">
-                      <a16:creationId xmlns:a16="http://schemas.microsoft.com/office/drawing/2014/main" xmlns="" id="{4A5862E7-0045-43EA-8731-76AF0AFFEB2B}"/>
+                      <a16:creationId xmlns:a16="http://schemas.microsoft.com/office/drawing/2014/main" id="{4A5862E7-0045-43EA-8731-76AF0AFFEB2B}"/>
                     </a:ext>
                   </a:extLst>
                 </p:cNvPr>
@@ -6760,7 +6761,7 @@
             <p:cNvPr id="34" name="Rectangle 1">
               <a:extLst>
                 <a:ext uri="{FF2B5EF4-FFF2-40B4-BE49-F238E27FC236}">
-                  <a16:creationId xmlns:a16="http://schemas.microsoft.com/office/drawing/2014/main" xmlns="" id="{7ACE0809-F724-4F82-8F30-59BB9374E8CB}"/>
+                  <a16:creationId xmlns:a16="http://schemas.microsoft.com/office/drawing/2014/main" id="{7ACE0809-F724-4F82-8F30-59BB9374E8CB}"/>
                 </a:ext>
               </a:extLst>
             </p:cNvPr>
@@ -7011,7 +7012,7 @@
                 <p:cNvPr id="42" name="Rectangle: Rounded Corners 1">
                   <a:extLst>
                     <a:ext uri="{FF2B5EF4-FFF2-40B4-BE49-F238E27FC236}">
-                      <a16:creationId xmlns:a16="http://schemas.microsoft.com/office/drawing/2014/main" xmlns="" id="{229043B8-923C-4A63-923B-ED47AB6F3179}"/>
+                      <a16:creationId xmlns:a16="http://schemas.microsoft.com/office/drawing/2014/main" id="{229043B8-923C-4A63-923B-ED47AB6F3179}"/>
                     </a:ext>
                   </a:extLst>
                 </p:cNvPr>
@@ -7071,7 +7072,7 @@
                 <p:cNvPr id="43" name="Rectangle 1">
                   <a:extLst>
                     <a:ext uri="{FF2B5EF4-FFF2-40B4-BE49-F238E27FC236}">
-                      <a16:creationId xmlns:a16="http://schemas.microsoft.com/office/drawing/2014/main" xmlns="" id="{FFE5BAF0-90A9-481D-AAC3-4466B273C9B9}"/>
+                      <a16:creationId xmlns:a16="http://schemas.microsoft.com/office/drawing/2014/main" id="{FFE5BAF0-90A9-481D-AAC3-4466B273C9B9}"/>
                     </a:ext>
                   </a:extLst>
                 </p:cNvPr>
@@ -7338,7 +7339,7 @@
                 <p:cNvPr id="44" name="Rectangle 1">
                   <a:extLst>
                     <a:ext uri="{FF2B5EF4-FFF2-40B4-BE49-F238E27FC236}">
-                      <a16:creationId xmlns:a16="http://schemas.microsoft.com/office/drawing/2014/main" xmlns="" id="{4A5862E7-0045-43EA-8731-76AF0AFFEB2B}"/>
+                      <a16:creationId xmlns:a16="http://schemas.microsoft.com/office/drawing/2014/main" id="{4A5862E7-0045-43EA-8731-76AF0AFFEB2B}"/>
                     </a:ext>
                   </a:extLst>
                 </p:cNvPr>
@@ -7653,7 +7654,7 @@
             <p:cNvPr id="38" name="Rectangle 1">
               <a:extLst>
                 <a:ext uri="{FF2B5EF4-FFF2-40B4-BE49-F238E27FC236}">
-                  <a16:creationId xmlns:a16="http://schemas.microsoft.com/office/drawing/2014/main" xmlns="" id="{7ACE0809-F724-4F82-8F30-59BB9374E8CB}"/>
+                  <a16:creationId xmlns:a16="http://schemas.microsoft.com/office/drawing/2014/main" id="{7ACE0809-F724-4F82-8F30-59BB9374E8CB}"/>
                 </a:ext>
               </a:extLst>
             </p:cNvPr>
@@ -7875,7 +7876,7 @@
           <p:cNvPr id="54" name="Rectangle 1">
             <a:extLst>
               <a:ext uri="{FF2B5EF4-FFF2-40B4-BE49-F238E27FC236}">
-                <a16:creationId xmlns:a16="http://schemas.microsoft.com/office/drawing/2014/main" xmlns="" id="{FFE5BAF0-90A9-481D-AAC3-4466B273C9B9}"/>
+                <a16:creationId xmlns:a16="http://schemas.microsoft.com/office/drawing/2014/main" id="{FFE5BAF0-90A9-481D-AAC3-4466B273C9B9}"/>
               </a:ext>
             </a:extLst>
           </p:cNvPr>
@@ -8161,7 +8162,7 @@
           <p:cNvPr id="55" name="Rectangle 1">
             <a:extLst>
               <a:ext uri="{FF2B5EF4-FFF2-40B4-BE49-F238E27FC236}">
-                <a16:creationId xmlns:a16="http://schemas.microsoft.com/office/drawing/2014/main" xmlns="" id="{FFE5BAF0-90A9-481D-AAC3-4466B273C9B9}"/>
+                <a16:creationId xmlns:a16="http://schemas.microsoft.com/office/drawing/2014/main" id="{FFE5BAF0-90A9-481D-AAC3-4466B273C9B9}"/>
               </a:ext>
             </a:extLst>
           </p:cNvPr>
@@ -9305,7 +9306,7 @@
                 <p:cNvPr id="8" name="Rectangle: Rounded Corners 1">
                   <a:extLst>
                     <a:ext uri="{FF2B5EF4-FFF2-40B4-BE49-F238E27FC236}">
-                      <a16:creationId xmlns:a16="http://schemas.microsoft.com/office/drawing/2014/main" xmlns="" id="{229043B8-923C-4A63-923B-ED47AB6F3179}"/>
+                      <a16:creationId xmlns:a16="http://schemas.microsoft.com/office/drawing/2014/main" id="{229043B8-923C-4A63-923B-ED47AB6F3179}"/>
                     </a:ext>
                   </a:extLst>
                 </p:cNvPr>
@@ -9365,7 +9366,7 @@
                 <p:cNvPr id="9" name="Rectangle 1">
                   <a:extLst>
                     <a:ext uri="{FF2B5EF4-FFF2-40B4-BE49-F238E27FC236}">
-                      <a16:creationId xmlns:a16="http://schemas.microsoft.com/office/drawing/2014/main" xmlns="" id="{FFE5BAF0-90A9-481D-AAC3-4466B273C9B9}"/>
+                      <a16:creationId xmlns:a16="http://schemas.microsoft.com/office/drawing/2014/main" id="{FFE5BAF0-90A9-481D-AAC3-4466B273C9B9}"/>
                     </a:ext>
                   </a:extLst>
                 </p:cNvPr>
@@ -9620,7 +9621,7 @@
                 <p:cNvPr id="10" name="Rectangle 1">
                   <a:extLst>
                     <a:ext uri="{FF2B5EF4-FFF2-40B4-BE49-F238E27FC236}">
-                      <a16:creationId xmlns:a16="http://schemas.microsoft.com/office/drawing/2014/main" xmlns="" id="{4A5862E7-0045-43EA-8731-76AF0AFFEB2B}"/>
+                      <a16:creationId xmlns:a16="http://schemas.microsoft.com/office/drawing/2014/main" id="{4A5862E7-0045-43EA-8731-76AF0AFFEB2B}"/>
                     </a:ext>
                   </a:extLst>
                 </p:cNvPr>
@@ -9935,7 +9936,7 @@
             <p:cNvPr id="4" name="Rectangle 1">
               <a:extLst>
                 <a:ext uri="{FF2B5EF4-FFF2-40B4-BE49-F238E27FC236}">
-                  <a16:creationId xmlns:a16="http://schemas.microsoft.com/office/drawing/2014/main" xmlns="" id="{7ACE0809-F724-4F82-8F30-59BB9374E8CB}"/>
+                  <a16:creationId xmlns:a16="http://schemas.microsoft.com/office/drawing/2014/main" id="{7ACE0809-F724-4F82-8F30-59BB9374E8CB}"/>
                 </a:ext>
               </a:extLst>
             </p:cNvPr>
@@ -10186,7 +10187,7 @@
                 <p:cNvPr id="17" name="Rectangle: Rounded Corners 1">
                   <a:extLst>
                     <a:ext uri="{FF2B5EF4-FFF2-40B4-BE49-F238E27FC236}">
-                      <a16:creationId xmlns:a16="http://schemas.microsoft.com/office/drawing/2014/main" xmlns="" id="{229043B8-923C-4A63-923B-ED47AB6F3179}"/>
+                      <a16:creationId xmlns:a16="http://schemas.microsoft.com/office/drawing/2014/main" id="{229043B8-923C-4A63-923B-ED47AB6F3179}"/>
                     </a:ext>
                   </a:extLst>
                 </p:cNvPr>
@@ -10246,7 +10247,7 @@
                 <p:cNvPr id="18" name="Rectangle 1">
                   <a:extLst>
                     <a:ext uri="{FF2B5EF4-FFF2-40B4-BE49-F238E27FC236}">
-                      <a16:creationId xmlns:a16="http://schemas.microsoft.com/office/drawing/2014/main" xmlns="" id="{FFE5BAF0-90A9-481D-AAC3-4466B273C9B9}"/>
+                      <a16:creationId xmlns:a16="http://schemas.microsoft.com/office/drawing/2014/main" id="{FFE5BAF0-90A9-481D-AAC3-4466B273C9B9}"/>
                     </a:ext>
                   </a:extLst>
                 </p:cNvPr>
@@ -10513,7 +10514,7 @@
                 <p:cNvPr id="19" name="Rectangle 1">
                   <a:extLst>
                     <a:ext uri="{FF2B5EF4-FFF2-40B4-BE49-F238E27FC236}">
-                      <a16:creationId xmlns:a16="http://schemas.microsoft.com/office/drawing/2014/main" xmlns="" id="{4A5862E7-0045-43EA-8731-76AF0AFFEB2B}"/>
+                      <a16:creationId xmlns:a16="http://schemas.microsoft.com/office/drawing/2014/main" id="{4A5862E7-0045-43EA-8731-76AF0AFFEB2B}"/>
                     </a:ext>
                   </a:extLst>
                 </p:cNvPr>
@@ -10828,7 +10829,7 @@
             <p:cNvPr id="13" name="Rectangle 1">
               <a:extLst>
                 <a:ext uri="{FF2B5EF4-FFF2-40B4-BE49-F238E27FC236}">
-                  <a16:creationId xmlns:a16="http://schemas.microsoft.com/office/drawing/2014/main" xmlns="" id="{7ACE0809-F724-4F82-8F30-59BB9374E8CB}"/>
+                  <a16:creationId xmlns:a16="http://schemas.microsoft.com/office/drawing/2014/main" id="{7ACE0809-F724-4F82-8F30-59BB9374E8CB}"/>
                 </a:ext>
               </a:extLst>
             </p:cNvPr>
@@ -11050,7 +11051,7 @@
           <p:cNvPr id="20" name="Rectangle 1">
             <a:extLst>
               <a:ext uri="{FF2B5EF4-FFF2-40B4-BE49-F238E27FC236}">
-                <a16:creationId xmlns:a16="http://schemas.microsoft.com/office/drawing/2014/main" xmlns="" id="{FFE5BAF0-90A9-481D-AAC3-4466B273C9B9}"/>
+                <a16:creationId xmlns:a16="http://schemas.microsoft.com/office/drawing/2014/main" id="{FFE5BAF0-90A9-481D-AAC3-4466B273C9B9}"/>
               </a:ext>
             </a:extLst>
           </p:cNvPr>
@@ -11336,7 +11337,7 @@
           <p:cNvPr id="21" name="Rectangle 1">
             <a:extLst>
               <a:ext uri="{FF2B5EF4-FFF2-40B4-BE49-F238E27FC236}">
-                <a16:creationId xmlns:a16="http://schemas.microsoft.com/office/drawing/2014/main" xmlns="" id="{FFE5BAF0-90A9-481D-AAC3-4466B273C9B9}"/>
+                <a16:creationId xmlns:a16="http://schemas.microsoft.com/office/drawing/2014/main" id="{FFE5BAF0-90A9-481D-AAC3-4466B273C9B9}"/>
               </a:ext>
             </a:extLst>
           </p:cNvPr>
@@ -12574,7 +12575,7 @@
           <p:cNvPr id="54" name="Rectangle 1">
             <a:extLst>
               <a:ext uri="{FF2B5EF4-FFF2-40B4-BE49-F238E27FC236}">
-                <a16:creationId xmlns:a16="http://schemas.microsoft.com/office/drawing/2014/main" xmlns="" id="{FFE5BAF0-90A9-481D-AAC3-4466B273C9B9}"/>
+                <a16:creationId xmlns:a16="http://schemas.microsoft.com/office/drawing/2014/main" id="{FFE5BAF0-90A9-481D-AAC3-4466B273C9B9}"/>
               </a:ext>
             </a:extLst>
           </p:cNvPr>
@@ -12829,7 +12830,7 @@
           <p:cNvPr id="55" name="Rectangle 1">
             <a:extLst>
               <a:ext uri="{FF2B5EF4-FFF2-40B4-BE49-F238E27FC236}">
-                <a16:creationId xmlns:a16="http://schemas.microsoft.com/office/drawing/2014/main" xmlns="" id="{FFE5BAF0-90A9-481D-AAC3-4466B273C9B9}"/>
+                <a16:creationId xmlns:a16="http://schemas.microsoft.com/office/drawing/2014/main" id="{FFE5BAF0-90A9-481D-AAC3-4466B273C9B9}"/>
               </a:ext>
             </a:extLst>
           </p:cNvPr>
@@ -13114,7 +13115,7 @@
           <p:cNvPr id="2" name="TextBox 1">
             <a:extLst>
               <a:ext uri="{FF2B5EF4-FFF2-40B4-BE49-F238E27FC236}">
-                <a16:creationId xmlns:a16="http://schemas.microsoft.com/office/drawing/2014/main" xmlns="" id="{59FF71CE-4718-4998-A939-849367C126BB}"/>
+                <a16:creationId xmlns:a16="http://schemas.microsoft.com/office/drawing/2014/main" id="{59FF71CE-4718-4998-A939-849367C126BB}"/>
               </a:ext>
             </a:extLst>
           </p:cNvPr>
@@ -13142,7 +13143,7 @@
               <a:t>CSRF – Cross Site Request </a:t>
             </a:r>
             <a:r>
-              <a:rPr lang="en-US" b="1" u="sng" dirty="0" err="1" smtClean="0"/>
+              <a:rPr lang="en-US" b="1" u="sng" dirty="0" err="1"/>
               <a:t>Forgeryc</a:t>
             </a:r>
             <a:endParaRPr lang="en-US" b="1" u="sng" dirty="0"/>
@@ -13154,7 +13155,7 @@
           <p:cNvPr id="9" name="Group 8">
             <a:extLst>
               <a:ext uri="{FF2B5EF4-FFF2-40B4-BE49-F238E27FC236}">
-                <a16:creationId xmlns:a16="http://schemas.microsoft.com/office/drawing/2014/main" xmlns="" id="{51336803-1319-4FC8-9B9F-9C372A22F983}"/>
+                <a16:creationId xmlns:a16="http://schemas.microsoft.com/office/drawing/2014/main" id="{51336803-1319-4FC8-9B9F-9C372A22F983}"/>
               </a:ext>
             </a:extLst>
           </p:cNvPr>
@@ -13174,7 +13175,7 @@
             <p:cNvPr id="4" name="Picture 3">
               <a:extLst>
                 <a:ext uri="{FF2B5EF4-FFF2-40B4-BE49-F238E27FC236}">
-                  <a16:creationId xmlns:a16="http://schemas.microsoft.com/office/drawing/2014/main" xmlns="" id="{E1DB4102-09F1-49DC-8A0E-6DA1D369689A}"/>
+                  <a16:creationId xmlns:a16="http://schemas.microsoft.com/office/drawing/2014/main" id="{E1DB4102-09F1-49DC-8A0E-6DA1D369689A}"/>
                 </a:ext>
               </a:extLst>
             </p:cNvPr>
@@ -13204,7 +13205,7 @@
             <p:cNvPr id="6" name="Picture 5">
               <a:extLst>
                 <a:ext uri="{FF2B5EF4-FFF2-40B4-BE49-F238E27FC236}">
-                  <a16:creationId xmlns:a16="http://schemas.microsoft.com/office/drawing/2014/main" xmlns="" id="{A56076EB-E8ED-46B2-8428-D7449B933227}"/>
+                  <a16:creationId xmlns:a16="http://schemas.microsoft.com/office/drawing/2014/main" id="{A56076EB-E8ED-46B2-8428-D7449B933227}"/>
                 </a:ext>
               </a:extLst>
             </p:cNvPr>
@@ -13234,7 +13235,7 @@
             <p:cNvPr id="7" name="TextBox 6">
               <a:extLst>
                 <a:ext uri="{FF2B5EF4-FFF2-40B4-BE49-F238E27FC236}">
-                  <a16:creationId xmlns:a16="http://schemas.microsoft.com/office/drawing/2014/main" xmlns="" id="{6241F056-6390-4B70-BEF6-58B3556C4186}"/>
+                  <a16:creationId xmlns:a16="http://schemas.microsoft.com/office/drawing/2014/main" id="{6241F056-6390-4B70-BEF6-58B3556C4186}"/>
                 </a:ext>
               </a:extLst>
             </p:cNvPr>
@@ -13270,7 +13271,7 @@
             <p:cNvPr id="8" name="TextBox 7">
               <a:extLst>
                 <a:ext uri="{FF2B5EF4-FFF2-40B4-BE49-F238E27FC236}">
-                  <a16:creationId xmlns:a16="http://schemas.microsoft.com/office/drawing/2014/main" xmlns="" id="{8FEB0888-ED11-440B-BF23-764F260D8FB5}"/>
+                  <a16:creationId xmlns:a16="http://schemas.microsoft.com/office/drawing/2014/main" id="{8FEB0888-ED11-440B-BF23-764F260D8FB5}"/>
                 </a:ext>
               </a:extLst>
             </p:cNvPr>
@@ -13447,10 +13448,10 @@
             <a:p>
               <a:pPr algn="ctr"/>
               <a:r>
-                <a:rPr lang="en-US" dirty="0" err="1" smtClean="0"/>
+                <a:rPr lang="en-US" dirty="0" err="1"/>
                 <a:t>WebSecurityConfigurerAdapter</a:t>
               </a:r>
-              <a:endParaRPr lang="en-US" dirty="0" smtClean="0"/>
+              <a:endParaRPr lang="en-US" dirty="0"/>
             </a:p>
             <a:p>
               <a:pPr marL="285750" indent="-285750" algn="ctr">
@@ -13458,15 +13459,15 @@
                 <a:buChar char="•"/>
               </a:pPr>
               <a:r>
-                <a:rPr lang="en-US" sz="1400" dirty="0" smtClean="0"/>
+                <a:rPr lang="en-US" sz="1400" dirty="0"/>
                 <a:t>Configure(</a:t>
               </a:r>
               <a:r>
-                <a:rPr lang="en-US" sz="1400" dirty="0" err="1" smtClean="0"/>
+                <a:rPr lang="en-US" sz="1400" dirty="0" err="1"/>
                 <a:t>HttpSecurity</a:t>
               </a:r>
               <a:r>
-                <a:rPr lang="en-US" sz="1400" dirty="0" smtClean="0"/>
+                <a:rPr lang="en-US" sz="1400" dirty="0"/>
                 <a:t> http)</a:t>
               </a:r>
             </a:p>
@@ -13476,23 +13477,23 @@
                 <a:buChar char="•"/>
               </a:pPr>
               <a:r>
-                <a:rPr lang="en-US" sz="1400" dirty="0" smtClean="0"/>
+                <a:rPr lang="en-US" sz="1400" dirty="0"/>
                 <a:t>Configure(</a:t>
               </a:r>
               <a:r>
-                <a:rPr lang="en-US" sz="1400" u="sng" dirty="0" err="1" smtClean="0"/>
+                <a:rPr lang="en-US" sz="1400" u="sng" dirty="0" err="1"/>
                 <a:t>AuthenticationManagerBuilder</a:t>
               </a:r>
               <a:r>
-                <a:rPr lang="en-US" sz="1400" u="sng" dirty="0" smtClean="0"/>
+                <a:rPr lang="en-US" sz="1400" u="sng" dirty="0"/>
                 <a:t> </a:t>
               </a:r>
               <a:r>
-                <a:rPr lang="en-US" sz="1400" u="sng" dirty="0" err="1" smtClean="0"/>
+                <a:rPr lang="en-US" sz="1400" u="sng" dirty="0" err="1"/>
                 <a:t>auth</a:t>
               </a:r>
               <a:r>
-                <a:rPr lang="en-US" sz="1400" u="sng" dirty="0" smtClean="0"/>
+                <a:rPr lang="en-US" sz="1400" u="sng" dirty="0"/>
                 <a:t>)</a:t>
               </a:r>
               <a:endParaRPr lang="en-US" sz="1400" dirty="0"/>
@@ -13759,14 +13760,14 @@
               <a:p>
                 <a:pPr algn="ctr"/>
                 <a:r>
-                  <a:rPr lang="en-US" dirty="0" err="1" smtClean="0"/>
+                  <a:rPr lang="en-US" dirty="0" err="1"/>
                   <a:t>UserDetailsService</a:t>
                 </a:r>
-                <a:endParaRPr lang="en-US" dirty="0" smtClean="0"/>
+                <a:endParaRPr lang="en-US" dirty="0"/>
               </a:p>
               <a:p>
                 <a:pPr algn="ctr"/>
-                <a:endParaRPr lang="en-US" dirty="0" smtClean="0"/>
+                <a:endParaRPr lang="en-US" dirty="0"/>
               </a:p>
               <a:p>
                 <a:pPr marL="285750" indent="-285750" algn="ctr">
@@ -13774,22 +13775,13 @@
                   <a:buChar char="•"/>
                 </a:pPr>
                 <a:r>
-                  <a:rPr lang="en-US" sz="1400" dirty="0" err="1" smtClean="0"/>
+                  <a:rPr lang="en-US" sz="1400" dirty="0" err="1"/>
                   <a:t>loadUserByUsername</a:t>
                 </a:r>
                 <a:r>
-                  <a:rPr lang="en-US" sz="1400" dirty="0" smtClean="0"/>
-                  <a:t>(</a:t>
+                  <a:rPr lang="en-US" sz="1400" dirty="0"/>
+                  <a:t>(username)</a:t>
                 </a:r>
-                <a:r>
-                  <a:rPr lang="en-US" sz="1400" dirty="0"/>
-                  <a:t>username</a:t>
-                </a:r>
-                <a:r>
-                  <a:rPr lang="en-US" sz="1400" dirty="0" smtClean="0"/>
-                  <a:t>)</a:t>
-                </a:r>
-                <a:endParaRPr lang="en-US" sz="1400" dirty="0"/>
               </a:p>
             </p:txBody>
           </p:sp>
@@ -13818,7 +13810,6 @@
                   <a:rPr lang="en-US" dirty="0"/>
                   <a:t>@Service</a:t>
                 </a:r>
-                <a:endParaRPr lang="en-US" dirty="0"/>
               </a:p>
             </p:txBody>
           </p:sp>
@@ -13928,11 +13919,11 @@
               <a:rPr lang="en-US" dirty="0" err="1"/>
               <a:t>ApplicationUserDao</a:t>
             </a:r>
-            <a:endParaRPr lang="en-US" dirty="0" smtClean="0"/>
+            <a:endParaRPr lang="en-US" dirty="0"/>
           </a:p>
           <a:p>
             <a:pPr algn="ctr"/>
-            <a:endParaRPr lang="en-US" dirty="0" smtClean="0"/>
+            <a:endParaRPr lang="en-US" dirty="0"/>
           </a:p>
           <a:p>
             <a:pPr marL="285750" indent="-285750" algn="ctr">
@@ -13964,10 +13955,9 @@
               <a:t>userName</a:t>
             </a:r>
             <a:r>
-              <a:rPr lang="en-US" sz="1400" dirty="0" smtClean="0"/>
+              <a:rPr lang="en-US" sz="1400" dirty="0"/>
               <a:t>))c</a:t>
             </a:r>
-            <a:endParaRPr lang="en-US" sz="1400" dirty="0"/>
           </a:p>
         </p:txBody>
       </p:sp>
@@ -14011,11 +14001,11 @@
               <a:rPr lang="en-US" u="sng" dirty="0" err="1"/>
               <a:t>ApplicationUserDetails</a:t>
             </a:r>
-            <a:endParaRPr lang="en-US" dirty="0" smtClean="0"/>
+            <a:endParaRPr lang="en-US" dirty="0"/>
           </a:p>
           <a:p>
             <a:pPr algn="ctr"/>
-            <a:endParaRPr lang="en-US" dirty="0" smtClean="0"/>
+            <a:endParaRPr lang="en-US" dirty="0"/>
           </a:p>
           <a:p>
             <a:pPr marL="285750" indent="-285750" algn="ctr">
@@ -14043,7 +14033,7 @@
               <a:t>getAuthorities</a:t>
             </a:r>
             <a:r>
-              <a:rPr lang="en-US" sz="1400" b="1" u="sng" dirty="0" smtClean="0"/>
+              <a:rPr lang="en-US" sz="1400" b="1" u="sng" dirty="0"/>
               <a:t>()</a:t>
             </a:r>
           </a:p>
@@ -14064,7 +14054,6 @@
               <a:rPr lang="en-US" sz="1400" dirty="0"/>
               <a:t>() </a:t>
             </a:r>
-            <a:endParaRPr lang="en-US" sz="1400" dirty="0" smtClean="0"/>
           </a:p>
           <a:p>
             <a:pPr marL="285750" indent="-285750" algn="ctr">
@@ -14080,7 +14069,7 @@
               <a:t>getUsername</a:t>
             </a:r>
             <a:r>
-              <a:rPr lang="en-US" sz="1400" dirty="0" smtClean="0"/>
+              <a:rPr lang="en-US" sz="1400" dirty="0"/>
               <a:t>()</a:t>
             </a:r>
           </a:p>
@@ -14102,7 +14091,7 @@
               <a:t>isAccountNonExpired</a:t>
             </a:r>
             <a:r>
-              <a:rPr lang="en-US" sz="1400" b="1" dirty="0" smtClean="0"/>
+              <a:rPr lang="en-US" sz="1400" b="1" dirty="0"/>
               <a:t>()</a:t>
             </a:r>
           </a:p>
@@ -14124,7 +14113,7 @@
               <a:t>isAccountNonLocked</a:t>
             </a:r>
             <a:r>
-              <a:rPr lang="en-US" sz="1400" b="1" dirty="0" smtClean="0"/>
+              <a:rPr lang="en-US" sz="1400" b="1" dirty="0"/>
               <a:t>()</a:t>
             </a:r>
           </a:p>
@@ -14146,7 +14135,7 @@
               <a:t>isCredentialsNonExpired</a:t>
             </a:r>
             <a:r>
-              <a:rPr lang="en-US" sz="1400" b="1" u="sng" dirty="0" smtClean="0"/>
+              <a:rPr lang="en-US" sz="1400" b="1" u="sng" dirty="0"/>
               <a:t>()</a:t>
             </a:r>
           </a:p>
@@ -14212,7 +14201,7 @@
           <a:p>
             <a:pPr algn="ctr"/>
             <a:r>
-              <a:rPr lang="en-US" dirty="0" err="1" smtClean="0"/>
+              <a:rPr lang="en-US" dirty="0" err="1"/>
               <a:t>UserDetails</a:t>
             </a:r>
             <a:endParaRPr lang="en-US" sz="1400" dirty="0"/>
@@ -14389,7 +14378,7 @@
           <p:cNvPr id="39" name="TextBox 38">
             <a:extLst>
               <a:ext uri="{FF2B5EF4-FFF2-40B4-BE49-F238E27FC236}">
-                <a16:creationId xmlns:a16="http://schemas.microsoft.com/office/drawing/2014/main" xmlns="" id="{59FF71CE-4718-4998-A939-849367C126BB}"/>
+                <a16:creationId xmlns:a16="http://schemas.microsoft.com/office/drawing/2014/main" id="{59FF71CE-4718-4998-A939-849367C126BB}"/>
               </a:ext>
             </a:extLst>
           </p:cNvPr>
@@ -14413,10 +14402,9 @@
           <a:lstStyle/>
           <a:p>
             <a:r>
-              <a:rPr lang="en-US" b="1" u="sng" dirty="0" smtClean="0"/>
+              <a:rPr lang="en-US" b="1" u="sng" dirty="0"/>
               <a:t>Custom User Data Authentication</a:t>
             </a:r>
-            <a:endParaRPr lang="en-US" b="1" u="sng" dirty="0"/>
           </a:p>
         </p:txBody>
       </p:sp>
@@ -14424,6 +14412,886 @@
     <p:extLst>
       <p:ext uri="{BB962C8B-B14F-4D97-AF65-F5344CB8AC3E}">
         <p14:creationId xmlns:p14="http://schemas.microsoft.com/office/powerpoint/2010/main" val="1425070603"/>
+      </p:ext>
+    </p:extLst>
+  </p:cSld>
+  <p:clrMapOvr>
+    <a:masterClrMapping/>
+  </p:clrMapOvr>
+</p:sld>
+</file>
+
+<file path=ppt/slides/slide15.xml><?xml version="1.0" encoding="utf-8"?>
+<p:sld xmlns:a="http://schemas.openxmlformats.org/drawingml/2006/main" xmlns:r="http://schemas.openxmlformats.org/officeDocument/2006/relationships" xmlns:p="http://schemas.openxmlformats.org/presentationml/2006/main">
+  <p:cSld>
+    <p:spTree>
+      <p:nvGrpSpPr>
+        <p:cNvPr id="1" name=""/>
+        <p:cNvGrpSpPr/>
+        <p:nvPr/>
+      </p:nvGrpSpPr>
+      <p:grpSpPr>
+        <a:xfrm>
+          <a:off x="0" y="0"/>
+          <a:ext cx="0" cy="0"/>
+          <a:chOff x="0" y="0"/>
+          <a:chExt cx="0" cy="0"/>
+        </a:xfrm>
+      </p:grpSpPr>
+      <p:grpSp>
+        <p:nvGrpSpPr>
+          <p:cNvPr id="9" name="Group 8">
+            <a:extLst>
+              <a:ext uri="{FF2B5EF4-FFF2-40B4-BE49-F238E27FC236}">
+                <a16:creationId xmlns:a16="http://schemas.microsoft.com/office/drawing/2014/main" id="{8200B9DB-3DBF-4EDA-84A3-2ACB320CEA64}"/>
+              </a:ext>
+            </a:extLst>
+          </p:cNvPr>
+          <p:cNvGrpSpPr/>
+          <p:nvPr/>
+        </p:nvGrpSpPr>
+        <p:grpSpPr>
+          <a:xfrm>
+            <a:off x="6251044" y="638028"/>
+            <a:ext cx="5752618" cy="5193498"/>
+            <a:chOff x="5475540" y="508571"/>
+            <a:chExt cx="5752618" cy="5193498"/>
+          </a:xfrm>
+        </p:grpSpPr>
+        <p:sp>
+          <p:nvSpPr>
+            <p:cNvPr id="2" name="Rectangle: Single Corner Snipped 1">
+              <a:extLst>
+                <a:ext uri="{FF2B5EF4-FFF2-40B4-BE49-F238E27FC236}">
+                  <a16:creationId xmlns:a16="http://schemas.microsoft.com/office/drawing/2014/main" id="{9998021B-5362-4394-835D-AF384CBE9DF0}"/>
+                </a:ext>
+              </a:extLst>
+            </p:cNvPr>
+            <p:cNvSpPr/>
+            <p:nvPr/>
+          </p:nvSpPr>
+          <p:spPr>
+            <a:xfrm>
+              <a:off x="5475540" y="508571"/>
+              <a:ext cx="4955822" cy="1693334"/>
+            </a:xfrm>
+            <a:prstGeom prst="snip1Rect">
+              <a:avLst/>
+            </a:prstGeom>
+          </p:spPr>
+          <p:style>
+            <a:lnRef idx="2">
+              <a:schemeClr val="accent1">
+                <a:shade val="50000"/>
+              </a:schemeClr>
+            </a:lnRef>
+            <a:fillRef idx="1">
+              <a:schemeClr val="accent1"/>
+            </a:fillRef>
+            <a:effectRef idx="0">
+              <a:schemeClr val="accent1"/>
+            </a:effectRef>
+            <a:fontRef idx="minor">
+              <a:schemeClr val="lt1"/>
+            </a:fontRef>
+          </p:style>
+          <p:txBody>
+            <a:bodyPr rtlCol="0" anchor="ctr"/>
+            <a:lstStyle/>
+            <a:p>
+              <a:pPr algn="ctr"/>
+              <a:r>
+                <a:rPr lang="en-IN" sz="1800" dirty="0" err="1">
+                  <a:solidFill>
+                    <a:schemeClr val="bg1"/>
+                  </a:solidFill>
+                  <a:latin typeface="Consolas" panose="020B0609020204030204" pitchFamily="49" charset="0"/>
+                </a:rPr>
+                <a:t>UsernamePasswordAuthenticationFilter</a:t>
+              </a:r>
+              <a:endParaRPr lang="en-IN" dirty="0">
+                <a:solidFill>
+                  <a:schemeClr val="bg1"/>
+                </a:solidFill>
+              </a:endParaRPr>
+            </a:p>
+          </p:txBody>
+        </p:sp>
+        <p:sp>
+          <p:nvSpPr>
+            <p:cNvPr id="3" name="Rectangle: Single Corner Snipped 2">
+              <a:extLst>
+                <a:ext uri="{FF2B5EF4-FFF2-40B4-BE49-F238E27FC236}">
+                  <a16:creationId xmlns:a16="http://schemas.microsoft.com/office/drawing/2014/main" id="{4B54FDB5-760B-4F7C-AD7C-9EA6A242C534}"/>
+                </a:ext>
+              </a:extLst>
+            </p:cNvPr>
+            <p:cNvSpPr/>
+            <p:nvPr/>
+          </p:nvSpPr>
+          <p:spPr>
+            <a:xfrm>
+              <a:off x="5475540" y="3610122"/>
+              <a:ext cx="5752618" cy="2091947"/>
+            </a:xfrm>
+            <a:prstGeom prst="snip1Rect">
+              <a:avLst/>
+            </a:prstGeom>
+          </p:spPr>
+          <p:style>
+            <a:lnRef idx="2">
+              <a:schemeClr val="accent1">
+                <a:shade val="50000"/>
+              </a:schemeClr>
+            </a:lnRef>
+            <a:fillRef idx="1">
+              <a:schemeClr val="accent1"/>
+            </a:fillRef>
+            <a:effectRef idx="0">
+              <a:schemeClr val="accent1"/>
+            </a:effectRef>
+            <a:fontRef idx="minor">
+              <a:schemeClr val="lt1"/>
+            </a:fontRef>
+          </p:style>
+          <p:txBody>
+            <a:bodyPr rtlCol="0" anchor="t" anchorCtr="0"/>
+            <a:lstStyle/>
+            <a:p>
+              <a:pPr algn="ctr"/>
+              <a:r>
+                <a:rPr lang="en-IN" sz="1800" dirty="0" err="1">
+                  <a:solidFill>
+                    <a:schemeClr val="bg1"/>
+                  </a:solidFill>
+                  <a:latin typeface="Consolas" panose="020B0609020204030204" pitchFamily="49" charset="0"/>
+                </a:rPr>
+                <a:t>JwtFilter</a:t>
+              </a:r>
+              <a:endParaRPr lang="en-IN" sz="1800" dirty="0">
+                <a:solidFill>
+                  <a:schemeClr val="bg1"/>
+                </a:solidFill>
+                <a:latin typeface="Consolas" panose="020B0609020204030204" pitchFamily="49" charset="0"/>
+              </a:endParaRPr>
+            </a:p>
+            <a:p>
+              <a:pPr marL="1085850" lvl="2" indent="-171450">
+                <a:buFont typeface="Arial" panose="020B0604020202020204" pitchFamily="34" charset="0"/>
+                <a:buChar char="•"/>
+              </a:pPr>
+              <a:r>
+                <a:rPr lang="en-IN" sz="1100" dirty="0">
+                  <a:solidFill>
+                    <a:schemeClr val="bg1"/>
+                  </a:solidFill>
+                  <a:latin typeface="Consolas" panose="020B0609020204030204" pitchFamily="49" charset="0"/>
+                </a:rPr>
+                <a:t>Authentication </a:t>
+              </a:r>
+              <a:r>
+                <a:rPr lang="en-IN" sz="1100" dirty="0" err="1">
+                  <a:solidFill>
+                    <a:schemeClr val="bg1"/>
+                  </a:solidFill>
+                  <a:latin typeface="Consolas" panose="020B0609020204030204" pitchFamily="49" charset="0"/>
+                </a:rPr>
+                <a:t>attemptAuthentication</a:t>
+              </a:r>
+              <a:r>
+                <a:rPr lang="en-IN" sz="1100" dirty="0">
+                  <a:solidFill>
+                    <a:schemeClr val="bg1"/>
+                  </a:solidFill>
+                  <a:latin typeface="Consolas" panose="020B0609020204030204" pitchFamily="49" charset="0"/>
+                </a:rPr>
+                <a:t>(</a:t>
+              </a:r>
+            </a:p>
+            <a:p>
+              <a:pPr lvl="2"/>
+              <a:r>
+                <a:rPr lang="en-IN" sz="1100" dirty="0">
+                  <a:solidFill>
+                    <a:schemeClr val="bg1"/>
+                  </a:solidFill>
+                  <a:latin typeface="Consolas" panose="020B0609020204030204" pitchFamily="49" charset="0"/>
+                </a:rPr>
+                <a:t>              </a:t>
+              </a:r>
+              <a:r>
+                <a:rPr lang="en-IN" sz="1100" dirty="0" err="1">
+                  <a:solidFill>
+                    <a:schemeClr val="bg1"/>
+                  </a:solidFill>
+                  <a:latin typeface="Consolas" panose="020B0609020204030204" pitchFamily="49" charset="0"/>
+                </a:rPr>
+                <a:t>HttpServletRequest</a:t>
+              </a:r>
+              <a:r>
+                <a:rPr lang="en-IN" sz="1100" dirty="0">
+                  <a:solidFill>
+                    <a:schemeClr val="bg1"/>
+                  </a:solidFill>
+                  <a:latin typeface="Consolas" panose="020B0609020204030204" pitchFamily="49" charset="0"/>
+                </a:rPr>
+                <a:t> request, </a:t>
+              </a:r>
+            </a:p>
+            <a:p>
+              <a:pPr lvl="2"/>
+              <a:r>
+                <a:rPr lang="en-IN" sz="1100" dirty="0">
+                  <a:solidFill>
+                    <a:schemeClr val="bg1"/>
+                  </a:solidFill>
+                  <a:latin typeface="Consolas" panose="020B0609020204030204" pitchFamily="49" charset="0"/>
+                </a:rPr>
+                <a:t>              </a:t>
+              </a:r>
+              <a:r>
+                <a:rPr lang="en-IN" sz="1100" dirty="0" err="1">
+                  <a:solidFill>
+                    <a:schemeClr val="bg1"/>
+                  </a:solidFill>
+                  <a:latin typeface="Consolas" panose="020B0609020204030204" pitchFamily="49" charset="0"/>
+                </a:rPr>
+                <a:t>HttpServletResponse</a:t>
+              </a:r>
+              <a:r>
+                <a:rPr lang="en-IN" sz="1100" dirty="0">
+                  <a:solidFill>
+                    <a:schemeClr val="bg1"/>
+                  </a:solidFill>
+                  <a:latin typeface="Consolas" panose="020B0609020204030204" pitchFamily="49" charset="0"/>
+                </a:rPr>
+                <a:t> response)</a:t>
+              </a:r>
+            </a:p>
+            <a:p>
+              <a:pPr marL="1085850" lvl="2" indent="-171450">
+                <a:buFont typeface="Arial" panose="020B0604020202020204" pitchFamily="34" charset="0"/>
+                <a:buChar char="•"/>
+              </a:pPr>
+              <a:r>
+                <a:rPr lang="en-IN" sz="1100" dirty="0" err="1">
+                  <a:solidFill>
+                    <a:schemeClr val="bg1"/>
+                  </a:solidFill>
+                  <a:latin typeface="Consolas" panose="020B0609020204030204" pitchFamily="49" charset="0"/>
+                </a:rPr>
+                <a:t>successfulAuthentication</a:t>
+              </a:r>
+              <a:r>
+                <a:rPr lang="en-IN" sz="1100" dirty="0">
+                  <a:solidFill>
+                    <a:schemeClr val="bg1"/>
+                  </a:solidFill>
+                  <a:latin typeface="Consolas" panose="020B0609020204030204" pitchFamily="49" charset="0"/>
+                </a:rPr>
+                <a:t>(</a:t>
+              </a:r>
+            </a:p>
+            <a:p>
+              <a:pPr lvl="2"/>
+              <a:r>
+                <a:rPr lang="en-IN" sz="1100" dirty="0">
+                  <a:solidFill>
+                    <a:schemeClr val="bg1"/>
+                  </a:solidFill>
+                  <a:latin typeface="Consolas" panose="020B0609020204030204" pitchFamily="49" charset="0"/>
+                </a:rPr>
+                <a:t>	</a:t>
+              </a:r>
+              <a:r>
+                <a:rPr lang="en-IN" sz="1100" dirty="0" err="1">
+                  <a:solidFill>
+                    <a:schemeClr val="bg1"/>
+                  </a:solidFill>
+                  <a:latin typeface="Consolas" panose="020B0609020204030204" pitchFamily="49" charset="0"/>
+                </a:rPr>
+                <a:t>HttpServletRequest</a:t>
+              </a:r>
+              <a:r>
+                <a:rPr lang="en-IN" sz="1100" dirty="0">
+                  <a:solidFill>
+                    <a:schemeClr val="bg1"/>
+                  </a:solidFill>
+                  <a:latin typeface="Consolas" panose="020B0609020204030204" pitchFamily="49" charset="0"/>
+                </a:rPr>
+                <a:t> request, </a:t>
+              </a:r>
+            </a:p>
+            <a:p>
+              <a:pPr lvl="2"/>
+              <a:r>
+                <a:rPr lang="en-IN" sz="1100" dirty="0">
+                  <a:solidFill>
+                    <a:schemeClr val="bg1"/>
+                  </a:solidFill>
+                  <a:latin typeface="Consolas" panose="020B0609020204030204" pitchFamily="49" charset="0"/>
+                </a:rPr>
+                <a:t>	</a:t>
+              </a:r>
+              <a:r>
+                <a:rPr lang="en-IN" sz="1100" dirty="0" err="1">
+                  <a:solidFill>
+                    <a:schemeClr val="bg1"/>
+                  </a:solidFill>
+                  <a:latin typeface="Consolas" panose="020B0609020204030204" pitchFamily="49" charset="0"/>
+                </a:rPr>
+                <a:t>HttpServletResponse</a:t>
+              </a:r>
+              <a:r>
+                <a:rPr lang="en-IN" sz="1100" dirty="0">
+                  <a:solidFill>
+                    <a:schemeClr val="bg1"/>
+                  </a:solidFill>
+                  <a:latin typeface="Consolas" panose="020B0609020204030204" pitchFamily="49" charset="0"/>
+                </a:rPr>
+                <a:t> response, </a:t>
+              </a:r>
+            </a:p>
+            <a:p>
+              <a:pPr lvl="2"/>
+              <a:r>
+                <a:rPr lang="en-IN" sz="1100" dirty="0">
+                  <a:solidFill>
+                    <a:schemeClr val="bg1"/>
+                  </a:solidFill>
+                  <a:latin typeface="Consolas" panose="020B0609020204030204" pitchFamily="49" charset="0"/>
+                </a:rPr>
+                <a:t>	</a:t>
+              </a:r>
+              <a:r>
+                <a:rPr lang="en-IN" sz="1100" dirty="0" err="1">
+                  <a:solidFill>
+                    <a:schemeClr val="bg1"/>
+                  </a:solidFill>
+                  <a:latin typeface="Consolas" panose="020B0609020204030204" pitchFamily="49" charset="0"/>
+                </a:rPr>
+                <a:t>FilterChain</a:t>
+              </a:r>
+              <a:r>
+                <a:rPr lang="en-IN" sz="1100" dirty="0">
+                  <a:solidFill>
+                    <a:schemeClr val="bg1"/>
+                  </a:solidFill>
+                  <a:latin typeface="Consolas" panose="020B0609020204030204" pitchFamily="49" charset="0"/>
+                </a:rPr>
+                <a:t> chain,</a:t>
+              </a:r>
+            </a:p>
+            <a:p>
+              <a:pPr lvl="2"/>
+              <a:r>
+                <a:rPr lang="en-IN" sz="1100" dirty="0">
+                  <a:solidFill>
+                    <a:schemeClr val="bg1"/>
+                  </a:solidFill>
+                  <a:latin typeface="Consolas" panose="020B0609020204030204" pitchFamily="49" charset="0"/>
+                </a:rPr>
+                <a:t>	Authentication auth)</a:t>
+              </a:r>
+              <a:endParaRPr lang="en-IN" sz="1100" dirty="0">
+                <a:solidFill>
+                  <a:schemeClr val="bg1"/>
+                </a:solidFill>
+              </a:endParaRPr>
+            </a:p>
+          </p:txBody>
+        </p:sp>
+        <p:cxnSp>
+          <p:nvCxnSpPr>
+            <p:cNvPr id="5" name="Connector: Elbow 4">
+              <a:extLst>
+                <a:ext uri="{FF2B5EF4-FFF2-40B4-BE49-F238E27FC236}">
+                  <a16:creationId xmlns:a16="http://schemas.microsoft.com/office/drawing/2014/main" id="{58563EAD-6AB4-4D8F-9984-14220B28A0E3}"/>
+                </a:ext>
+              </a:extLst>
+            </p:cNvPr>
+            <p:cNvCxnSpPr>
+              <a:cxnSpLocks/>
+              <a:stCxn id="3" idx="3"/>
+              <a:endCxn id="2" idx="1"/>
+            </p:cNvCxnSpPr>
+            <p:nvPr/>
+          </p:nvCxnSpPr>
+          <p:spPr>
+            <a:xfrm rot="16200000" flipV="1">
+              <a:off x="7448542" y="2706815"/>
+              <a:ext cx="1408217" cy="398398"/>
+            </a:xfrm>
+            <a:prstGeom prst="bentConnector3">
+              <a:avLst/>
+            </a:prstGeom>
+            <a:ln w="34925">
+              <a:solidFill>
+                <a:srgbClr val="FF0000"/>
+              </a:solidFill>
+              <a:tailEnd type="triangle"/>
+            </a:ln>
+          </p:spPr>
+          <p:style>
+            <a:lnRef idx="1">
+              <a:schemeClr val="accent1"/>
+            </a:lnRef>
+            <a:fillRef idx="0">
+              <a:schemeClr val="accent1"/>
+            </a:fillRef>
+            <a:effectRef idx="0">
+              <a:schemeClr val="accent1"/>
+            </a:effectRef>
+            <a:fontRef idx="minor">
+              <a:schemeClr val="tx1"/>
+            </a:fontRef>
+          </p:style>
+        </p:cxnSp>
+      </p:grpSp>
+      <p:pic>
+        <p:nvPicPr>
+          <p:cNvPr id="8" name="Picture 7">
+            <a:extLst>
+              <a:ext uri="{FF2B5EF4-FFF2-40B4-BE49-F238E27FC236}">
+                <a16:creationId xmlns:a16="http://schemas.microsoft.com/office/drawing/2014/main" id="{E312D62F-FAC7-4647-A93E-B713442FAF1D}"/>
+              </a:ext>
+            </a:extLst>
+          </p:cNvPr>
+          <p:cNvPicPr>
+            <a:picLocks noChangeAspect="1"/>
+          </p:cNvPicPr>
+          <p:nvPr/>
+        </p:nvPicPr>
+        <p:blipFill>
+          <a:blip r:embed="rId2"/>
+          <a:stretch>
+            <a:fillRect/>
+          </a:stretch>
+        </p:blipFill>
+        <p:spPr>
+          <a:xfrm>
+            <a:off x="308839" y="638028"/>
+            <a:ext cx="5752618" cy="2609850"/>
+          </a:xfrm>
+          <a:prstGeom prst="rect">
+            <a:avLst/>
+          </a:prstGeom>
+        </p:spPr>
+      </p:pic>
+      <p:pic>
+        <p:nvPicPr>
+          <p:cNvPr id="11" name="Picture 10">
+            <a:extLst>
+              <a:ext uri="{FF2B5EF4-FFF2-40B4-BE49-F238E27FC236}">
+                <a16:creationId xmlns:a16="http://schemas.microsoft.com/office/drawing/2014/main" id="{DBDA84AC-E3E2-4310-A639-C480B7996D46}"/>
+              </a:ext>
+            </a:extLst>
+          </p:cNvPr>
+          <p:cNvPicPr>
+            <a:picLocks noChangeAspect="1"/>
+          </p:cNvPicPr>
+          <p:nvPr/>
+        </p:nvPicPr>
+        <p:blipFill>
+          <a:blip r:embed="rId3"/>
+          <a:stretch>
+            <a:fillRect/>
+          </a:stretch>
+        </p:blipFill>
+        <p:spPr>
+          <a:xfrm>
+            <a:off x="188338" y="4150187"/>
+            <a:ext cx="5429250" cy="2238375"/>
+          </a:xfrm>
+          <a:prstGeom prst="rect">
+            <a:avLst/>
+          </a:prstGeom>
+        </p:spPr>
+      </p:pic>
+      <p:sp>
+        <p:nvSpPr>
+          <p:cNvPr id="12" name="TextBox 11">
+            <a:extLst>
+              <a:ext uri="{FF2B5EF4-FFF2-40B4-BE49-F238E27FC236}">
+                <a16:creationId xmlns:a16="http://schemas.microsoft.com/office/drawing/2014/main" id="{4804A33F-E038-421E-A65B-2593ADB34B0D}"/>
+              </a:ext>
+            </a:extLst>
+          </p:cNvPr>
+          <p:cNvSpPr txBox="1"/>
+          <p:nvPr/>
+        </p:nvSpPr>
+        <p:spPr>
+          <a:xfrm>
+            <a:off x="4090004" y="176005"/>
+            <a:ext cx="1130822" cy="369332"/>
+          </a:xfrm>
+          <a:prstGeom prst="rect">
+            <a:avLst/>
+          </a:prstGeom>
+          <a:noFill/>
+        </p:spPr>
+        <p:txBody>
+          <a:bodyPr wrap="none" rtlCol="0">
+            <a:spAutoFit/>
+          </a:bodyPr>
+          <a:lstStyle/>
+          <a:p>
+            <a:r>
+              <a:rPr lang="en-US" b="1" u="sng" dirty="0"/>
+              <a:t>JWT Filter</a:t>
+            </a:r>
+          </a:p>
+        </p:txBody>
+      </p:sp>
+      <p:sp>
+        <p:nvSpPr>
+          <p:cNvPr id="14" name="TextBox 13">
+            <a:extLst>
+              <a:ext uri="{FF2B5EF4-FFF2-40B4-BE49-F238E27FC236}">
+                <a16:creationId xmlns:a16="http://schemas.microsoft.com/office/drawing/2014/main" id="{F8A2777D-AD7F-4112-B108-B28B73B8B7FE}"/>
+              </a:ext>
+            </a:extLst>
+          </p:cNvPr>
+          <p:cNvSpPr txBox="1"/>
+          <p:nvPr/>
+        </p:nvSpPr>
+        <p:spPr>
+          <a:xfrm>
+            <a:off x="3776241" y="2179702"/>
+            <a:ext cx="6094070" cy="938719"/>
+          </a:xfrm>
+          <a:prstGeom prst="rect">
+            <a:avLst/>
+          </a:prstGeom>
+          <a:noFill/>
+        </p:spPr>
+        <p:txBody>
+          <a:bodyPr wrap="square">
+            <a:spAutoFit/>
+          </a:bodyPr>
+          <a:lstStyle/>
+          <a:p>
+            <a:r>
+              <a:rPr lang="en-IN" sz="1100" dirty="0">
+                <a:solidFill>
+                  <a:srgbClr val="FF0000"/>
+                </a:solidFill>
+              </a:rPr>
+              <a:t>eyJhbGciOiJIUzUxMiJ9</a:t>
+            </a:r>
+            <a:r>
+              <a:rPr lang="en-IN" sz="1100" dirty="0">
+                <a:solidFill>
+                  <a:srgbClr val="FF0066"/>
+                </a:solidFill>
+              </a:rPr>
+              <a:t>. eyJzdWIiOiJydXBhayIsImF1dGhvcml0aWVzIjpbeyJhdXRob3JpdHkiOiJwdWJsaWM6cmVhZCJ9LHsiYXV0aG9yaXR5IjoicGFydG5lcjpyZWFkIn0seyJhdXRob3JpdHkiOiJST0xFX0FETUlOIn0seyJhdXRob3JpdHkiOiJwYXJ0bmVyOndyaXRlIn1dLCJpYXQiOjE2Mzc1MTk0MDB9</a:t>
+            </a:r>
+            <a:r>
+              <a:rPr lang="en-IN" sz="1100" dirty="0">
+                <a:solidFill>
+                  <a:schemeClr val="accent1">
+                    <a:lumMod val="75000"/>
+                  </a:schemeClr>
+                </a:solidFill>
+              </a:rPr>
+              <a:t>. P8bPYMZltatwM2kb_lIiyfrcLB5CHd2RwsFgudQxtwXkcXdFkNRXaY1y-RlCssGPWcsqCavOK-XQ9Nh_J9tZIA</a:t>
+            </a:r>
+          </a:p>
+        </p:txBody>
+      </p:sp>
+      <p:sp>
+        <p:nvSpPr>
+          <p:cNvPr id="15" name="Rectangle: Rounded Corners 14">
+            <a:extLst>
+              <a:ext uri="{FF2B5EF4-FFF2-40B4-BE49-F238E27FC236}">
+                <a16:creationId xmlns:a16="http://schemas.microsoft.com/office/drawing/2014/main" id="{134282A5-C6AB-4D5B-9118-DE4178EFF9F3}"/>
+              </a:ext>
+            </a:extLst>
+          </p:cNvPr>
+          <p:cNvSpPr/>
+          <p:nvPr/>
+        </p:nvSpPr>
+        <p:spPr>
+          <a:xfrm>
+            <a:off x="4456253" y="937549"/>
+            <a:ext cx="1273215" cy="339844"/>
+          </a:xfrm>
+          <a:prstGeom prst="roundRect">
+            <a:avLst/>
+          </a:prstGeom>
+        </p:spPr>
+        <p:style>
+          <a:lnRef idx="2">
+            <a:schemeClr val="accent1">
+              <a:shade val="50000"/>
+            </a:schemeClr>
+          </a:lnRef>
+          <a:fillRef idx="1">
+            <a:schemeClr val="accent1"/>
+          </a:fillRef>
+          <a:effectRef idx="0">
+            <a:schemeClr val="accent1"/>
+          </a:effectRef>
+          <a:fontRef idx="minor">
+            <a:schemeClr val="lt1"/>
+          </a:fontRef>
+        </p:style>
+        <p:txBody>
+          <a:bodyPr rtlCol="0" anchor="ctr"/>
+          <a:lstStyle/>
+          <a:p>
+            <a:pPr algn="ctr"/>
+            <a:r>
+              <a:rPr lang="en-US" dirty="0"/>
+              <a:t>Header</a:t>
+            </a:r>
+            <a:endParaRPr lang="en-IN" dirty="0"/>
+          </a:p>
+        </p:txBody>
+      </p:sp>
+      <p:sp>
+        <p:nvSpPr>
+          <p:cNvPr id="16" name="Rectangle: Rounded Corners 15">
+            <a:extLst>
+              <a:ext uri="{FF2B5EF4-FFF2-40B4-BE49-F238E27FC236}">
+                <a16:creationId xmlns:a16="http://schemas.microsoft.com/office/drawing/2014/main" id="{E4EDFAF1-E56E-4E41-AA39-4E7A2ACF1EC3}"/>
+              </a:ext>
+            </a:extLst>
+          </p:cNvPr>
+          <p:cNvSpPr/>
+          <p:nvPr/>
+        </p:nvSpPr>
+        <p:spPr>
+          <a:xfrm>
+            <a:off x="2189831" y="3249807"/>
+            <a:ext cx="1273215" cy="339844"/>
+          </a:xfrm>
+          <a:prstGeom prst="roundRect">
+            <a:avLst/>
+          </a:prstGeom>
+        </p:spPr>
+        <p:style>
+          <a:lnRef idx="2">
+            <a:schemeClr val="accent1">
+              <a:shade val="50000"/>
+            </a:schemeClr>
+          </a:lnRef>
+          <a:fillRef idx="1">
+            <a:schemeClr val="accent1"/>
+          </a:fillRef>
+          <a:effectRef idx="0">
+            <a:schemeClr val="accent1"/>
+          </a:effectRef>
+          <a:fontRef idx="minor">
+            <a:schemeClr val="lt1"/>
+          </a:fontRef>
+        </p:style>
+        <p:txBody>
+          <a:bodyPr rtlCol="0" anchor="ctr"/>
+          <a:lstStyle/>
+          <a:p>
+            <a:pPr algn="ctr"/>
+            <a:r>
+              <a:rPr lang="en-US" dirty="0"/>
+              <a:t>Payload</a:t>
+            </a:r>
+            <a:endParaRPr lang="en-IN" dirty="0"/>
+          </a:p>
+        </p:txBody>
+      </p:sp>
+      <p:sp>
+        <p:nvSpPr>
+          <p:cNvPr id="17" name="Rectangle: Rounded Corners 16">
+            <a:extLst>
+              <a:ext uri="{FF2B5EF4-FFF2-40B4-BE49-F238E27FC236}">
+                <a16:creationId xmlns:a16="http://schemas.microsoft.com/office/drawing/2014/main" id="{E5DE43AF-587C-4845-AFCF-5F2AD0271DE2}"/>
+              </a:ext>
+            </a:extLst>
+          </p:cNvPr>
+          <p:cNvSpPr/>
+          <p:nvPr/>
+        </p:nvSpPr>
+        <p:spPr>
+          <a:xfrm>
+            <a:off x="9970591" y="2868442"/>
+            <a:ext cx="1273215" cy="339844"/>
+          </a:xfrm>
+          <a:prstGeom prst="roundRect">
+            <a:avLst/>
+          </a:prstGeom>
+        </p:spPr>
+        <p:style>
+          <a:lnRef idx="2">
+            <a:schemeClr val="accent1">
+              <a:shade val="50000"/>
+            </a:schemeClr>
+          </a:lnRef>
+          <a:fillRef idx="1">
+            <a:schemeClr val="accent1"/>
+          </a:fillRef>
+          <a:effectRef idx="0">
+            <a:schemeClr val="accent1"/>
+          </a:effectRef>
+          <a:fontRef idx="minor">
+            <a:schemeClr val="lt1"/>
+          </a:fontRef>
+        </p:style>
+        <p:txBody>
+          <a:bodyPr rtlCol="0" anchor="ctr"/>
+          <a:lstStyle/>
+          <a:p>
+            <a:pPr algn="ctr"/>
+            <a:r>
+              <a:rPr lang="en-US" dirty="0"/>
+              <a:t>Signature</a:t>
+            </a:r>
+            <a:endParaRPr lang="en-IN" dirty="0"/>
+          </a:p>
+        </p:txBody>
+      </p:sp>
+      <p:cxnSp>
+        <p:nvCxnSpPr>
+          <p:cNvPr id="18" name="Connector: Elbow 17">
+            <a:extLst>
+              <a:ext uri="{FF2B5EF4-FFF2-40B4-BE49-F238E27FC236}">
+                <a16:creationId xmlns:a16="http://schemas.microsoft.com/office/drawing/2014/main" id="{2ECC36EE-EE80-414B-A505-FAE8D413377C}"/>
+              </a:ext>
+            </a:extLst>
+          </p:cNvPr>
+          <p:cNvCxnSpPr>
+            <a:cxnSpLocks/>
+            <a:stCxn id="16" idx="0"/>
+          </p:cNvCxnSpPr>
+          <p:nvPr/>
+        </p:nvCxnSpPr>
+        <p:spPr>
+          <a:xfrm rot="5400000" flipH="1" flipV="1">
+            <a:off x="2931596" y="2405160"/>
+            <a:ext cx="739491" cy="949804"/>
+          </a:xfrm>
+          <a:prstGeom prst="bentConnector2">
+            <a:avLst/>
+          </a:prstGeom>
+          <a:ln w="34925">
+            <a:solidFill>
+              <a:srgbClr val="FF0000"/>
+            </a:solidFill>
+            <a:tailEnd type="triangle"/>
+          </a:ln>
+        </p:spPr>
+        <p:style>
+          <a:lnRef idx="1">
+            <a:schemeClr val="accent1"/>
+          </a:lnRef>
+          <a:fillRef idx="0">
+            <a:schemeClr val="accent1"/>
+          </a:fillRef>
+          <a:effectRef idx="0">
+            <a:schemeClr val="accent1"/>
+          </a:effectRef>
+          <a:fontRef idx="minor">
+            <a:schemeClr val="tx1"/>
+          </a:fontRef>
+        </p:style>
+      </p:cxnSp>
+      <p:cxnSp>
+        <p:nvCxnSpPr>
+          <p:cNvPr id="23" name="Connector: Elbow 22">
+            <a:extLst>
+              <a:ext uri="{FF2B5EF4-FFF2-40B4-BE49-F238E27FC236}">
+                <a16:creationId xmlns:a16="http://schemas.microsoft.com/office/drawing/2014/main" id="{DF561E1A-5585-4A3B-A79A-E3876B464CF9}"/>
+              </a:ext>
+            </a:extLst>
+          </p:cNvPr>
+          <p:cNvCxnSpPr>
+            <a:cxnSpLocks/>
+            <a:stCxn id="15" idx="1"/>
+          </p:cNvCxnSpPr>
+          <p:nvPr/>
+        </p:nvCxnSpPr>
+        <p:spPr>
+          <a:xfrm rot="10800000" flipV="1">
+            <a:off x="4124265" y="1107470"/>
+            <a:ext cx="331989" cy="1070301"/>
+          </a:xfrm>
+          <a:prstGeom prst="bentConnector2">
+            <a:avLst/>
+          </a:prstGeom>
+          <a:ln w="34925">
+            <a:solidFill>
+              <a:srgbClr val="FF0000"/>
+            </a:solidFill>
+            <a:tailEnd type="triangle"/>
+          </a:ln>
+        </p:spPr>
+        <p:style>
+          <a:lnRef idx="1">
+            <a:schemeClr val="accent1"/>
+          </a:lnRef>
+          <a:fillRef idx="0">
+            <a:schemeClr val="accent1"/>
+          </a:fillRef>
+          <a:effectRef idx="0">
+            <a:schemeClr val="accent1"/>
+          </a:effectRef>
+          <a:fontRef idx="minor">
+            <a:schemeClr val="tx1"/>
+          </a:fontRef>
+        </p:style>
+      </p:cxnSp>
+      <p:cxnSp>
+        <p:nvCxnSpPr>
+          <p:cNvPr id="27" name="Connector: Elbow 26">
+            <a:extLst>
+              <a:ext uri="{FF2B5EF4-FFF2-40B4-BE49-F238E27FC236}">
+                <a16:creationId xmlns:a16="http://schemas.microsoft.com/office/drawing/2014/main" id="{9B3D8E5F-7384-40E2-9C93-E158D41A4031}"/>
+              </a:ext>
+            </a:extLst>
+          </p:cNvPr>
+          <p:cNvCxnSpPr>
+            <a:cxnSpLocks/>
+            <a:stCxn id="17" idx="0"/>
+          </p:cNvCxnSpPr>
+          <p:nvPr/>
+        </p:nvCxnSpPr>
+        <p:spPr>
+          <a:xfrm rot="16200000" flipH="1" flipV="1">
+            <a:off x="10111353" y="2456674"/>
+            <a:ext cx="84078" cy="907614"/>
+          </a:xfrm>
+          <a:prstGeom prst="bentConnector4">
+            <a:avLst>
+              <a:gd name="adj1" fmla="val -271890"/>
+              <a:gd name="adj2" fmla="val 85070"/>
+            </a:avLst>
+          </a:prstGeom>
+          <a:ln w="34925">
+            <a:solidFill>
+              <a:srgbClr val="FF0000"/>
+            </a:solidFill>
+            <a:tailEnd type="triangle"/>
+          </a:ln>
+        </p:spPr>
+        <p:style>
+          <a:lnRef idx="1">
+            <a:schemeClr val="accent1"/>
+          </a:lnRef>
+          <a:fillRef idx="0">
+            <a:schemeClr val="accent1"/>
+          </a:fillRef>
+          <a:effectRef idx="0">
+            <a:schemeClr val="accent1"/>
+          </a:effectRef>
+          <a:fontRef idx="minor">
+            <a:schemeClr val="tx1"/>
+          </a:fontRef>
+        </p:style>
+      </p:cxnSp>
+    </p:spTree>
+    <p:extLst>
+      <p:ext uri="{BB962C8B-B14F-4D97-AF65-F5344CB8AC3E}">
+        <p14:creationId xmlns:p14="http://schemas.microsoft.com/office/powerpoint/2010/main" val="1495300547"/>
       </p:ext>
     </p:extLst>
   </p:cSld>
@@ -14547,7 +15415,7 @@
               <p:cNvPr id="5" name="Rectangle: Rounded Corners 1">
                 <a:extLst>
                   <a:ext uri="{FF2B5EF4-FFF2-40B4-BE49-F238E27FC236}">
-                    <a16:creationId xmlns:a16="http://schemas.microsoft.com/office/drawing/2014/main" xmlns="" id="{229043B8-923C-4A63-923B-ED47AB6F3179}"/>
+                    <a16:creationId xmlns:a16="http://schemas.microsoft.com/office/drawing/2014/main" id="{229043B8-923C-4A63-923B-ED47AB6F3179}"/>
                   </a:ext>
                 </a:extLst>
               </p:cNvPr>
@@ -14608,7 +15476,7 @@
               <p:cNvPr id="6" name="Rectangle 1">
                 <a:extLst>
                   <a:ext uri="{FF2B5EF4-FFF2-40B4-BE49-F238E27FC236}">
-                    <a16:creationId xmlns:a16="http://schemas.microsoft.com/office/drawing/2014/main" xmlns="" id="{FFE5BAF0-90A9-481D-AAC3-4466B273C9B9}"/>
+                    <a16:creationId xmlns:a16="http://schemas.microsoft.com/office/drawing/2014/main" id="{FFE5BAF0-90A9-481D-AAC3-4466B273C9B9}"/>
                   </a:ext>
                 </a:extLst>
               </p:cNvPr>
@@ -14875,7 +15743,7 @@
               <p:cNvPr id="7" name="Rectangle 1">
                 <a:extLst>
                   <a:ext uri="{FF2B5EF4-FFF2-40B4-BE49-F238E27FC236}">
-                    <a16:creationId xmlns:a16="http://schemas.microsoft.com/office/drawing/2014/main" xmlns="" id="{4A5862E7-0045-43EA-8731-76AF0AFFEB2B}"/>
+                    <a16:creationId xmlns:a16="http://schemas.microsoft.com/office/drawing/2014/main" id="{4A5862E7-0045-43EA-8731-76AF0AFFEB2B}"/>
                   </a:ext>
                 </a:extLst>
               </p:cNvPr>
@@ -15137,7 +16005,7 @@
             <p:cNvPr id="15" name="Rectangle: Rounded Corners 1">
               <a:extLst>
                 <a:ext uri="{FF2B5EF4-FFF2-40B4-BE49-F238E27FC236}">
-                  <a16:creationId xmlns:a16="http://schemas.microsoft.com/office/drawing/2014/main" xmlns="" id="{229043B8-923C-4A63-923B-ED47AB6F3179}"/>
+                  <a16:creationId xmlns:a16="http://schemas.microsoft.com/office/drawing/2014/main" id="{229043B8-923C-4A63-923B-ED47AB6F3179}"/>
                 </a:ext>
               </a:extLst>
             </p:cNvPr>
@@ -15197,7 +16065,7 @@
             <p:cNvPr id="16" name="Rectangle 1">
               <a:extLst>
                 <a:ext uri="{FF2B5EF4-FFF2-40B4-BE49-F238E27FC236}">
-                  <a16:creationId xmlns:a16="http://schemas.microsoft.com/office/drawing/2014/main" xmlns="" id="{FFE5BAF0-90A9-481D-AAC3-4466B273C9B9}"/>
+                  <a16:creationId xmlns:a16="http://schemas.microsoft.com/office/drawing/2014/main" id="{FFE5BAF0-90A9-481D-AAC3-4466B273C9B9}"/>
                 </a:ext>
               </a:extLst>
             </p:cNvPr>
@@ -15464,7 +16332,7 @@
             <p:cNvPr id="17" name="Rectangle 1">
               <a:extLst>
                 <a:ext uri="{FF2B5EF4-FFF2-40B4-BE49-F238E27FC236}">
-                  <a16:creationId xmlns:a16="http://schemas.microsoft.com/office/drawing/2014/main" xmlns="" id="{4A5862E7-0045-43EA-8731-76AF0AFFEB2B}"/>
+                  <a16:creationId xmlns:a16="http://schemas.microsoft.com/office/drawing/2014/main" id="{4A5862E7-0045-43EA-8731-76AF0AFFEB2B}"/>
                 </a:ext>
               </a:extLst>
             </p:cNvPr>
@@ -15725,7 +16593,7 @@
             <p:cNvPr id="19" name="Rectangle: Rounded Corners 1">
               <a:extLst>
                 <a:ext uri="{FF2B5EF4-FFF2-40B4-BE49-F238E27FC236}">
-                  <a16:creationId xmlns:a16="http://schemas.microsoft.com/office/drawing/2014/main" xmlns="" id="{229043B8-923C-4A63-923B-ED47AB6F3179}"/>
+                  <a16:creationId xmlns:a16="http://schemas.microsoft.com/office/drawing/2014/main" id="{229043B8-923C-4A63-923B-ED47AB6F3179}"/>
                 </a:ext>
               </a:extLst>
             </p:cNvPr>
@@ -15785,7 +16653,7 @@
             <p:cNvPr id="20" name="Rectangle 1">
               <a:extLst>
                 <a:ext uri="{FF2B5EF4-FFF2-40B4-BE49-F238E27FC236}">
-                  <a16:creationId xmlns:a16="http://schemas.microsoft.com/office/drawing/2014/main" xmlns="" id="{FFE5BAF0-90A9-481D-AAC3-4466B273C9B9}"/>
+                  <a16:creationId xmlns:a16="http://schemas.microsoft.com/office/drawing/2014/main" id="{FFE5BAF0-90A9-481D-AAC3-4466B273C9B9}"/>
                 </a:ext>
               </a:extLst>
             </p:cNvPr>
@@ -16040,7 +16908,7 @@
             <p:cNvPr id="21" name="Rectangle 1">
               <a:extLst>
                 <a:ext uri="{FF2B5EF4-FFF2-40B4-BE49-F238E27FC236}">
-                  <a16:creationId xmlns:a16="http://schemas.microsoft.com/office/drawing/2014/main" xmlns="" id="{4A5862E7-0045-43EA-8731-76AF0AFFEB2B}"/>
+                  <a16:creationId xmlns:a16="http://schemas.microsoft.com/office/drawing/2014/main" id="{4A5862E7-0045-43EA-8731-76AF0AFFEB2B}"/>
                 </a:ext>
               </a:extLst>
             </p:cNvPr>
@@ -16621,7 +17489,7 @@
               <p:cNvPr id="6" name="Rectangle: Rounded Corners 1">
                 <a:extLst>
                   <a:ext uri="{FF2B5EF4-FFF2-40B4-BE49-F238E27FC236}">
-                    <a16:creationId xmlns:a16="http://schemas.microsoft.com/office/drawing/2014/main" xmlns="" id="{229043B8-923C-4A63-923B-ED47AB6F3179}"/>
+                    <a16:creationId xmlns:a16="http://schemas.microsoft.com/office/drawing/2014/main" id="{229043B8-923C-4A63-923B-ED47AB6F3179}"/>
                   </a:ext>
                 </a:extLst>
               </p:cNvPr>
@@ -16682,7 +17550,7 @@
               <p:cNvPr id="7" name="Rectangle 1">
                 <a:extLst>
                   <a:ext uri="{FF2B5EF4-FFF2-40B4-BE49-F238E27FC236}">
-                    <a16:creationId xmlns:a16="http://schemas.microsoft.com/office/drawing/2014/main" xmlns="" id="{FFE5BAF0-90A9-481D-AAC3-4466B273C9B9}"/>
+                    <a16:creationId xmlns:a16="http://schemas.microsoft.com/office/drawing/2014/main" id="{FFE5BAF0-90A9-481D-AAC3-4466B273C9B9}"/>
                   </a:ext>
                 </a:extLst>
               </p:cNvPr>
@@ -16949,7 +17817,7 @@
               <p:cNvPr id="8" name="Rectangle 1">
                 <a:extLst>
                   <a:ext uri="{FF2B5EF4-FFF2-40B4-BE49-F238E27FC236}">
-                    <a16:creationId xmlns:a16="http://schemas.microsoft.com/office/drawing/2014/main" xmlns="" id="{4A5862E7-0045-43EA-8731-76AF0AFFEB2B}"/>
+                    <a16:creationId xmlns:a16="http://schemas.microsoft.com/office/drawing/2014/main" id="{4A5862E7-0045-43EA-8731-76AF0AFFEB2B}"/>
                   </a:ext>
                 </a:extLst>
               </p:cNvPr>
@@ -17211,7 +18079,7 @@
             <p:cNvPr id="10" name="Rectangle: Rounded Corners 1">
               <a:extLst>
                 <a:ext uri="{FF2B5EF4-FFF2-40B4-BE49-F238E27FC236}">
-                  <a16:creationId xmlns:a16="http://schemas.microsoft.com/office/drawing/2014/main" xmlns="" id="{229043B8-923C-4A63-923B-ED47AB6F3179}"/>
+                  <a16:creationId xmlns:a16="http://schemas.microsoft.com/office/drawing/2014/main" id="{229043B8-923C-4A63-923B-ED47AB6F3179}"/>
                 </a:ext>
               </a:extLst>
             </p:cNvPr>
@@ -17271,7 +18139,7 @@
             <p:cNvPr id="11" name="Rectangle 1">
               <a:extLst>
                 <a:ext uri="{FF2B5EF4-FFF2-40B4-BE49-F238E27FC236}">
-                  <a16:creationId xmlns:a16="http://schemas.microsoft.com/office/drawing/2014/main" xmlns="" id="{FFE5BAF0-90A9-481D-AAC3-4466B273C9B9}"/>
+                  <a16:creationId xmlns:a16="http://schemas.microsoft.com/office/drawing/2014/main" id="{FFE5BAF0-90A9-481D-AAC3-4466B273C9B9}"/>
                 </a:ext>
               </a:extLst>
             </p:cNvPr>
@@ -17538,7 +18406,7 @@
             <p:cNvPr id="12" name="Rectangle 1">
               <a:extLst>
                 <a:ext uri="{FF2B5EF4-FFF2-40B4-BE49-F238E27FC236}">
-                  <a16:creationId xmlns:a16="http://schemas.microsoft.com/office/drawing/2014/main" xmlns="" id="{4A5862E7-0045-43EA-8731-76AF0AFFEB2B}"/>
+                  <a16:creationId xmlns:a16="http://schemas.microsoft.com/office/drawing/2014/main" id="{4A5862E7-0045-43EA-8731-76AF0AFFEB2B}"/>
                 </a:ext>
               </a:extLst>
             </p:cNvPr>
@@ -17799,7 +18667,7 @@
             <p:cNvPr id="14" name="Rectangle: Rounded Corners 1">
               <a:extLst>
                 <a:ext uri="{FF2B5EF4-FFF2-40B4-BE49-F238E27FC236}">
-                  <a16:creationId xmlns:a16="http://schemas.microsoft.com/office/drawing/2014/main" xmlns="" id="{229043B8-923C-4A63-923B-ED47AB6F3179}"/>
+                  <a16:creationId xmlns:a16="http://schemas.microsoft.com/office/drawing/2014/main" id="{229043B8-923C-4A63-923B-ED47AB6F3179}"/>
                 </a:ext>
               </a:extLst>
             </p:cNvPr>
@@ -17859,7 +18727,7 @@
             <p:cNvPr id="15" name="Rectangle 1">
               <a:extLst>
                 <a:ext uri="{FF2B5EF4-FFF2-40B4-BE49-F238E27FC236}">
-                  <a16:creationId xmlns:a16="http://schemas.microsoft.com/office/drawing/2014/main" xmlns="" id="{FFE5BAF0-90A9-481D-AAC3-4466B273C9B9}"/>
+                  <a16:creationId xmlns:a16="http://schemas.microsoft.com/office/drawing/2014/main" id="{FFE5BAF0-90A9-481D-AAC3-4466B273C9B9}"/>
                 </a:ext>
               </a:extLst>
             </p:cNvPr>
@@ -18114,7 +18982,7 @@
             <p:cNvPr id="16" name="Rectangle 1">
               <a:extLst>
                 <a:ext uri="{FF2B5EF4-FFF2-40B4-BE49-F238E27FC236}">
-                  <a16:creationId xmlns:a16="http://schemas.microsoft.com/office/drawing/2014/main" xmlns="" id="{4A5862E7-0045-43EA-8731-76AF0AFFEB2B}"/>
+                  <a16:creationId xmlns:a16="http://schemas.microsoft.com/office/drawing/2014/main" id="{4A5862E7-0045-43EA-8731-76AF0AFFEB2B}"/>
                 </a:ext>
               </a:extLst>
             </p:cNvPr>
@@ -18577,7 +19445,7 @@
           <p:cNvPr id="35" name="Rectangle 1">
             <a:extLst>
               <a:ext uri="{FF2B5EF4-FFF2-40B4-BE49-F238E27FC236}">
-                <a16:creationId xmlns:a16="http://schemas.microsoft.com/office/drawing/2014/main" xmlns="" id="{FFE5BAF0-90A9-481D-AAC3-4466B273C9B9}"/>
+                <a16:creationId xmlns:a16="http://schemas.microsoft.com/office/drawing/2014/main" id="{FFE5BAF0-90A9-481D-AAC3-4466B273C9B9}"/>
               </a:ext>
             </a:extLst>
           </p:cNvPr>
@@ -18819,7 +19687,7 @@
           <p:cNvPr id="36" name="Rectangle 1">
             <a:extLst>
               <a:ext uri="{FF2B5EF4-FFF2-40B4-BE49-F238E27FC236}">
-                <a16:creationId xmlns:a16="http://schemas.microsoft.com/office/drawing/2014/main" xmlns="" id="{FFE5BAF0-90A9-481D-AAC3-4466B273C9B9}"/>
+                <a16:creationId xmlns:a16="http://schemas.microsoft.com/office/drawing/2014/main" id="{FFE5BAF0-90A9-481D-AAC3-4466B273C9B9}"/>
               </a:ext>
             </a:extLst>
           </p:cNvPr>
@@ -19116,7 +19984,7 @@
           <p:cNvPr id="19" name="Group 18">
             <a:extLst>
               <a:ext uri="{FF2B5EF4-FFF2-40B4-BE49-F238E27FC236}">
-                <a16:creationId xmlns:a16="http://schemas.microsoft.com/office/drawing/2014/main" xmlns="" id="{D0F62175-D24D-4B45-B9CA-E8C1FAAC2857}"/>
+                <a16:creationId xmlns:a16="http://schemas.microsoft.com/office/drawing/2014/main" id="{D0F62175-D24D-4B45-B9CA-E8C1FAAC2857}"/>
               </a:ext>
             </a:extLst>
           </p:cNvPr>
@@ -19136,7 +20004,7 @@
             <p:cNvPr id="10" name="Group 9">
               <a:extLst>
                 <a:ext uri="{FF2B5EF4-FFF2-40B4-BE49-F238E27FC236}">
-                  <a16:creationId xmlns:a16="http://schemas.microsoft.com/office/drawing/2014/main" xmlns="" id="{62E720DB-FF62-4E7A-86CD-1CAE2B2D6238}"/>
+                  <a16:creationId xmlns:a16="http://schemas.microsoft.com/office/drawing/2014/main" id="{62E720DB-FF62-4E7A-86CD-1CAE2B2D6238}"/>
                 </a:ext>
               </a:extLst>
             </p:cNvPr>
@@ -19156,7 +20024,7 @@
               <p:cNvPr id="2" name="Rectangle: Rounded Corners 1">
                 <a:extLst>
                   <a:ext uri="{FF2B5EF4-FFF2-40B4-BE49-F238E27FC236}">
-                    <a16:creationId xmlns:a16="http://schemas.microsoft.com/office/drawing/2014/main" xmlns="" id="{229043B8-923C-4A63-923B-ED47AB6F3179}"/>
+                    <a16:creationId xmlns:a16="http://schemas.microsoft.com/office/drawing/2014/main" id="{229043B8-923C-4A63-923B-ED47AB6F3179}"/>
                   </a:ext>
                 </a:extLst>
               </p:cNvPr>
@@ -19217,7 +20085,7 @@
               <p:cNvPr id="7" name="Rectangle 1">
                 <a:extLst>
                   <a:ext uri="{FF2B5EF4-FFF2-40B4-BE49-F238E27FC236}">
-                    <a16:creationId xmlns:a16="http://schemas.microsoft.com/office/drawing/2014/main" xmlns="" id="{FFE5BAF0-90A9-481D-AAC3-4466B273C9B9}"/>
+                    <a16:creationId xmlns:a16="http://schemas.microsoft.com/office/drawing/2014/main" id="{FFE5BAF0-90A9-481D-AAC3-4466B273C9B9}"/>
                   </a:ext>
                 </a:extLst>
               </p:cNvPr>
@@ -19471,7 +20339,7 @@
               <p:cNvPr id="9" name="Rectangle 1">
                 <a:extLst>
                   <a:ext uri="{FF2B5EF4-FFF2-40B4-BE49-F238E27FC236}">
-                    <a16:creationId xmlns:a16="http://schemas.microsoft.com/office/drawing/2014/main" xmlns="" id="{4A5862E7-0045-43EA-8731-76AF0AFFEB2B}"/>
+                    <a16:creationId xmlns:a16="http://schemas.microsoft.com/office/drawing/2014/main" id="{4A5862E7-0045-43EA-8731-76AF0AFFEB2B}"/>
                   </a:ext>
                 </a:extLst>
               </p:cNvPr>
@@ -19718,7 +20586,7 @@
             <p:cNvPr id="11" name="Group 10">
               <a:extLst>
                 <a:ext uri="{FF2B5EF4-FFF2-40B4-BE49-F238E27FC236}">
-                  <a16:creationId xmlns:a16="http://schemas.microsoft.com/office/drawing/2014/main" xmlns="" id="{93DBFA10-C83E-4DEF-8CD1-BADBC16FE155}"/>
+                  <a16:creationId xmlns:a16="http://schemas.microsoft.com/office/drawing/2014/main" id="{93DBFA10-C83E-4DEF-8CD1-BADBC16FE155}"/>
                 </a:ext>
               </a:extLst>
             </p:cNvPr>
@@ -19738,7 +20606,7 @@
               <p:cNvPr id="12" name="Rectangle: Rounded Corners 11">
                 <a:extLst>
                   <a:ext uri="{FF2B5EF4-FFF2-40B4-BE49-F238E27FC236}">
-                    <a16:creationId xmlns:a16="http://schemas.microsoft.com/office/drawing/2014/main" xmlns="" id="{BE150171-1A7B-4D64-B55E-DB783C08E7C2}"/>
+                    <a16:creationId xmlns:a16="http://schemas.microsoft.com/office/drawing/2014/main" id="{BE150171-1A7B-4D64-B55E-DB783C08E7C2}"/>
                   </a:ext>
                 </a:extLst>
               </p:cNvPr>
@@ -19799,7 +20667,7 @@
               <p:cNvPr id="13" name="Rectangle 1">
                 <a:extLst>
                   <a:ext uri="{FF2B5EF4-FFF2-40B4-BE49-F238E27FC236}">
-                    <a16:creationId xmlns:a16="http://schemas.microsoft.com/office/drawing/2014/main" xmlns="" id="{26A7B01C-670A-4B9E-8775-5248BB8B3942}"/>
+                    <a16:creationId xmlns:a16="http://schemas.microsoft.com/office/drawing/2014/main" id="{26A7B01C-670A-4B9E-8775-5248BB8B3942}"/>
                   </a:ext>
                 </a:extLst>
               </p:cNvPr>
@@ -20053,7 +20921,7 @@
               <p:cNvPr id="14" name="Rectangle 1">
                 <a:extLst>
                   <a:ext uri="{FF2B5EF4-FFF2-40B4-BE49-F238E27FC236}">
-                    <a16:creationId xmlns:a16="http://schemas.microsoft.com/office/drawing/2014/main" xmlns="" id="{AE53C4F4-C196-4B4D-894F-2430912415CD}"/>
+                    <a16:creationId xmlns:a16="http://schemas.microsoft.com/office/drawing/2014/main" id="{AE53C4F4-C196-4B4D-894F-2430912415CD}"/>
                   </a:ext>
                 </a:extLst>
               </p:cNvPr>
@@ -20301,7 +21169,7 @@
           <p:cNvPr id="20" name="Group 19">
             <a:extLst>
               <a:ext uri="{FF2B5EF4-FFF2-40B4-BE49-F238E27FC236}">
-                <a16:creationId xmlns:a16="http://schemas.microsoft.com/office/drawing/2014/main" xmlns="" id="{7426D4FD-31C2-4FF9-800C-714F683EB43F}"/>
+                <a16:creationId xmlns:a16="http://schemas.microsoft.com/office/drawing/2014/main" id="{7426D4FD-31C2-4FF9-800C-714F683EB43F}"/>
               </a:ext>
             </a:extLst>
           </p:cNvPr>
@@ -20321,7 +21189,7 @@
             <p:cNvPr id="21" name="Group 20">
               <a:extLst>
                 <a:ext uri="{FF2B5EF4-FFF2-40B4-BE49-F238E27FC236}">
-                  <a16:creationId xmlns:a16="http://schemas.microsoft.com/office/drawing/2014/main" xmlns="" id="{926D488A-0224-468D-8DFC-EA65ABDDAB28}"/>
+                  <a16:creationId xmlns:a16="http://schemas.microsoft.com/office/drawing/2014/main" id="{926D488A-0224-468D-8DFC-EA65ABDDAB28}"/>
                 </a:ext>
               </a:extLst>
             </p:cNvPr>
@@ -20341,7 +21209,7 @@
               <p:cNvPr id="30" name="Rectangle: Rounded Corners 29">
                 <a:extLst>
                   <a:ext uri="{FF2B5EF4-FFF2-40B4-BE49-F238E27FC236}">
-                    <a16:creationId xmlns:a16="http://schemas.microsoft.com/office/drawing/2014/main" xmlns="" id="{7BF73A8A-9B63-4346-8677-7B7F802184A1}"/>
+                    <a16:creationId xmlns:a16="http://schemas.microsoft.com/office/drawing/2014/main" id="{7BF73A8A-9B63-4346-8677-7B7F802184A1}"/>
                   </a:ext>
                 </a:extLst>
               </p:cNvPr>
@@ -20396,7 +21264,7 @@
               <p:cNvPr id="31" name="Rectangle 1">
                 <a:extLst>
                   <a:ext uri="{FF2B5EF4-FFF2-40B4-BE49-F238E27FC236}">
-                    <a16:creationId xmlns:a16="http://schemas.microsoft.com/office/drawing/2014/main" xmlns="" id="{B2465705-8D1F-4610-B4EC-D9B332646F95}"/>
+                    <a16:creationId xmlns:a16="http://schemas.microsoft.com/office/drawing/2014/main" id="{B2465705-8D1F-4610-B4EC-D9B332646F95}"/>
                   </a:ext>
                 </a:extLst>
               </p:cNvPr>
@@ -20650,7 +21518,7 @@
               <p:cNvPr id="32" name="Rectangle 1">
                 <a:extLst>
                   <a:ext uri="{FF2B5EF4-FFF2-40B4-BE49-F238E27FC236}">
-                    <a16:creationId xmlns:a16="http://schemas.microsoft.com/office/drawing/2014/main" xmlns="" id="{2B208D04-9B0C-4194-8D6D-150281E8FD78}"/>
+                    <a16:creationId xmlns:a16="http://schemas.microsoft.com/office/drawing/2014/main" id="{2B208D04-9B0C-4194-8D6D-150281E8FD78}"/>
                   </a:ext>
                 </a:extLst>
               </p:cNvPr>
@@ -20897,7 +21765,7 @@
             <p:cNvPr id="22" name="Group 21">
               <a:extLst>
                 <a:ext uri="{FF2B5EF4-FFF2-40B4-BE49-F238E27FC236}">
-                  <a16:creationId xmlns:a16="http://schemas.microsoft.com/office/drawing/2014/main" xmlns="" id="{0677CBBA-4B05-4E26-ABCE-C634BA606830}"/>
+                  <a16:creationId xmlns:a16="http://schemas.microsoft.com/office/drawing/2014/main" id="{0677CBBA-4B05-4E26-ABCE-C634BA606830}"/>
                 </a:ext>
               </a:extLst>
             </p:cNvPr>
@@ -20917,7 +21785,7 @@
               <p:cNvPr id="27" name="Rectangle: Rounded Corners 26">
                 <a:extLst>
                   <a:ext uri="{FF2B5EF4-FFF2-40B4-BE49-F238E27FC236}">
-                    <a16:creationId xmlns:a16="http://schemas.microsoft.com/office/drawing/2014/main" xmlns="" id="{9E63CD82-7E71-4367-8277-574E557EA990}"/>
+                    <a16:creationId xmlns:a16="http://schemas.microsoft.com/office/drawing/2014/main" id="{9E63CD82-7E71-4367-8277-574E557EA990}"/>
                   </a:ext>
                 </a:extLst>
               </p:cNvPr>
@@ -20972,7 +21840,7 @@
               <p:cNvPr id="28" name="Rectangle 1">
                 <a:extLst>
                   <a:ext uri="{FF2B5EF4-FFF2-40B4-BE49-F238E27FC236}">
-                    <a16:creationId xmlns:a16="http://schemas.microsoft.com/office/drawing/2014/main" xmlns="" id="{0A88CE75-95F4-499E-842B-075807A82643}"/>
+                    <a16:creationId xmlns:a16="http://schemas.microsoft.com/office/drawing/2014/main" id="{0A88CE75-95F4-499E-842B-075807A82643}"/>
                   </a:ext>
                 </a:extLst>
               </p:cNvPr>
@@ -21226,7 +22094,7 @@
               <p:cNvPr id="29" name="Rectangle 1">
                 <a:extLst>
                   <a:ext uri="{FF2B5EF4-FFF2-40B4-BE49-F238E27FC236}">
-                    <a16:creationId xmlns:a16="http://schemas.microsoft.com/office/drawing/2014/main" xmlns="" id="{E0C71518-ACB1-46C3-80EE-972E9FD1840C}"/>
+                    <a16:creationId xmlns:a16="http://schemas.microsoft.com/office/drawing/2014/main" id="{E0C71518-ACB1-46C3-80EE-972E9FD1840C}"/>
                   </a:ext>
                 </a:extLst>
               </p:cNvPr>
@@ -21473,7 +22341,7 @@
             <p:cNvPr id="23" name="Group 22">
               <a:extLst>
                 <a:ext uri="{FF2B5EF4-FFF2-40B4-BE49-F238E27FC236}">
-                  <a16:creationId xmlns:a16="http://schemas.microsoft.com/office/drawing/2014/main" xmlns="" id="{0003B74D-B8C7-4414-9D7E-8A06C42A0CAA}"/>
+                  <a16:creationId xmlns:a16="http://schemas.microsoft.com/office/drawing/2014/main" id="{0003B74D-B8C7-4414-9D7E-8A06C42A0CAA}"/>
                 </a:ext>
               </a:extLst>
             </p:cNvPr>
@@ -21493,7 +22361,7 @@
               <p:cNvPr id="24" name="Rectangle: Rounded Corners 23">
                 <a:extLst>
                   <a:ext uri="{FF2B5EF4-FFF2-40B4-BE49-F238E27FC236}">
-                    <a16:creationId xmlns:a16="http://schemas.microsoft.com/office/drawing/2014/main" xmlns="" id="{97CECC83-8D18-45D9-B7DD-EA416689E01B}"/>
+                    <a16:creationId xmlns:a16="http://schemas.microsoft.com/office/drawing/2014/main" id="{97CECC83-8D18-45D9-B7DD-EA416689E01B}"/>
                   </a:ext>
                 </a:extLst>
               </p:cNvPr>
@@ -21548,7 +22416,7 @@
               <p:cNvPr id="25" name="Rectangle 1">
                 <a:extLst>
                   <a:ext uri="{FF2B5EF4-FFF2-40B4-BE49-F238E27FC236}">
-                    <a16:creationId xmlns:a16="http://schemas.microsoft.com/office/drawing/2014/main" xmlns="" id="{04212A30-EC2B-4ABF-8921-51C5D19C1368}"/>
+                    <a16:creationId xmlns:a16="http://schemas.microsoft.com/office/drawing/2014/main" id="{04212A30-EC2B-4ABF-8921-51C5D19C1368}"/>
                   </a:ext>
                 </a:extLst>
               </p:cNvPr>
@@ -21802,7 +22670,7 @@
               <p:cNvPr id="26" name="Rectangle 1">
                 <a:extLst>
                   <a:ext uri="{FF2B5EF4-FFF2-40B4-BE49-F238E27FC236}">
-                    <a16:creationId xmlns:a16="http://schemas.microsoft.com/office/drawing/2014/main" xmlns="" id="{6704B4F6-A682-486C-BA1E-C35C74B3DE0E}"/>
+                    <a16:creationId xmlns:a16="http://schemas.microsoft.com/office/drawing/2014/main" id="{6704B4F6-A682-486C-BA1E-C35C74B3DE0E}"/>
                   </a:ext>
                 </a:extLst>
               </p:cNvPr>
@@ -22050,7 +22918,7 @@
           <p:cNvPr id="33" name="Group 32">
             <a:extLst>
               <a:ext uri="{FF2B5EF4-FFF2-40B4-BE49-F238E27FC236}">
-                <a16:creationId xmlns:a16="http://schemas.microsoft.com/office/drawing/2014/main" xmlns="" id="{6FB1CA6F-487B-445A-AE17-DE06D734C19D}"/>
+                <a16:creationId xmlns:a16="http://schemas.microsoft.com/office/drawing/2014/main" id="{6FB1CA6F-487B-445A-AE17-DE06D734C19D}"/>
               </a:ext>
             </a:extLst>
           </p:cNvPr>
@@ -22070,7 +22938,7 @@
             <p:cNvPr id="34" name="Group 33">
               <a:extLst>
                 <a:ext uri="{FF2B5EF4-FFF2-40B4-BE49-F238E27FC236}">
-                  <a16:creationId xmlns:a16="http://schemas.microsoft.com/office/drawing/2014/main" xmlns="" id="{9A74CAB0-9F63-45CB-B953-6006D17ADF18}"/>
+                  <a16:creationId xmlns:a16="http://schemas.microsoft.com/office/drawing/2014/main" id="{9A74CAB0-9F63-45CB-B953-6006D17ADF18}"/>
                 </a:ext>
               </a:extLst>
             </p:cNvPr>
@@ -22090,7 +22958,7 @@
               <p:cNvPr id="43" name="Rectangle: Rounded Corners 42">
                 <a:extLst>
                   <a:ext uri="{FF2B5EF4-FFF2-40B4-BE49-F238E27FC236}">
-                    <a16:creationId xmlns:a16="http://schemas.microsoft.com/office/drawing/2014/main" xmlns="" id="{F3DF1273-F300-4BD0-8FB7-48FEC0DB1F09}"/>
+                    <a16:creationId xmlns:a16="http://schemas.microsoft.com/office/drawing/2014/main" id="{F3DF1273-F300-4BD0-8FB7-48FEC0DB1F09}"/>
                   </a:ext>
                 </a:extLst>
               </p:cNvPr>
@@ -22145,7 +23013,7 @@
               <p:cNvPr id="44" name="Rectangle 1">
                 <a:extLst>
                   <a:ext uri="{FF2B5EF4-FFF2-40B4-BE49-F238E27FC236}">
-                    <a16:creationId xmlns:a16="http://schemas.microsoft.com/office/drawing/2014/main" xmlns="" id="{B5D102D8-2F53-4ECD-AC34-13D13E6B37F0}"/>
+                    <a16:creationId xmlns:a16="http://schemas.microsoft.com/office/drawing/2014/main" id="{B5D102D8-2F53-4ECD-AC34-13D13E6B37F0}"/>
                   </a:ext>
                 </a:extLst>
               </p:cNvPr>
@@ -22386,7 +23254,7 @@
               <p:cNvPr id="45" name="Rectangle 1">
                 <a:extLst>
                   <a:ext uri="{FF2B5EF4-FFF2-40B4-BE49-F238E27FC236}">
-                    <a16:creationId xmlns:a16="http://schemas.microsoft.com/office/drawing/2014/main" xmlns="" id="{AAAEF367-96EF-4FDD-A670-DD00CDACB8EF}"/>
+                    <a16:creationId xmlns:a16="http://schemas.microsoft.com/office/drawing/2014/main" id="{AAAEF367-96EF-4FDD-A670-DD00CDACB8EF}"/>
                   </a:ext>
                 </a:extLst>
               </p:cNvPr>
@@ -22633,7 +23501,7 @@
             <p:cNvPr id="35" name="Group 34">
               <a:extLst>
                 <a:ext uri="{FF2B5EF4-FFF2-40B4-BE49-F238E27FC236}">
-                  <a16:creationId xmlns:a16="http://schemas.microsoft.com/office/drawing/2014/main" xmlns="" id="{7C56915C-9D0F-4B22-BEBB-943ED8C902CC}"/>
+                  <a16:creationId xmlns:a16="http://schemas.microsoft.com/office/drawing/2014/main" id="{7C56915C-9D0F-4B22-BEBB-943ED8C902CC}"/>
                 </a:ext>
               </a:extLst>
             </p:cNvPr>
@@ -22653,7 +23521,7 @@
               <p:cNvPr id="40" name="Rectangle: Rounded Corners 39">
                 <a:extLst>
                   <a:ext uri="{FF2B5EF4-FFF2-40B4-BE49-F238E27FC236}">
-                    <a16:creationId xmlns:a16="http://schemas.microsoft.com/office/drawing/2014/main" xmlns="" id="{B358541E-A59E-4315-9377-A1344B4DBD6D}"/>
+                    <a16:creationId xmlns:a16="http://schemas.microsoft.com/office/drawing/2014/main" id="{B358541E-A59E-4315-9377-A1344B4DBD6D}"/>
                   </a:ext>
                 </a:extLst>
               </p:cNvPr>
@@ -22708,7 +23576,7 @@
               <p:cNvPr id="41" name="Rectangle 1">
                 <a:extLst>
                   <a:ext uri="{FF2B5EF4-FFF2-40B4-BE49-F238E27FC236}">
-                    <a16:creationId xmlns:a16="http://schemas.microsoft.com/office/drawing/2014/main" xmlns="" id="{636FAF22-4BB5-4789-9C21-4115B0581B1F}"/>
+                    <a16:creationId xmlns:a16="http://schemas.microsoft.com/office/drawing/2014/main" id="{636FAF22-4BB5-4789-9C21-4115B0581B1F}"/>
                   </a:ext>
                 </a:extLst>
               </p:cNvPr>
@@ -22962,7 +23830,7 @@
               <p:cNvPr id="42" name="Rectangle 1">
                 <a:extLst>
                   <a:ext uri="{FF2B5EF4-FFF2-40B4-BE49-F238E27FC236}">
-                    <a16:creationId xmlns:a16="http://schemas.microsoft.com/office/drawing/2014/main" xmlns="" id="{81D9FE2A-0944-401B-80F6-90BF83A79396}"/>
+                    <a16:creationId xmlns:a16="http://schemas.microsoft.com/office/drawing/2014/main" id="{81D9FE2A-0944-401B-80F6-90BF83A79396}"/>
                   </a:ext>
                 </a:extLst>
               </p:cNvPr>
@@ -23209,7 +24077,7 @@
             <p:cNvPr id="36" name="Group 35">
               <a:extLst>
                 <a:ext uri="{FF2B5EF4-FFF2-40B4-BE49-F238E27FC236}">
-                  <a16:creationId xmlns:a16="http://schemas.microsoft.com/office/drawing/2014/main" xmlns="" id="{D08755B5-F548-4E7B-9C19-BC94E91B6FDC}"/>
+                  <a16:creationId xmlns:a16="http://schemas.microsoft.com/office/drawing/2014/main" id="{D08755B5-F548-4E7B-9C19-BC94E91B6FDC}"/>
                 </a:ext>
               </a:extLst>
             </p:cNvPr>
@@ -23229,7 +24097,7 @@
               <p:cNvPr id="37" name="Rectangle: Rounded Corners 36">
                 <a:extLst>
                   <a:ext uri="{FF2B5EF4-FFF2-40B4-BE49-F238E27FC236}">
-                    <a16:creationId xmlns:a16="http://schemas.microsoft.com/office/drawing/2014/main" xmlns="" id="{C1DF5C8E-17D1-4B23-A199-D6699B3F708F}"/>
+                    <a16:creationId xmlns:a16="http://schemas.microsoft.com/office/drawing/2014/main" id="{C1DF5C8E-17D1-4B23-A199-D6699B3F708F}"/>
                   </a:ext>
                 </a:extLst>
               </p:cNvPr>
@@ -23284,7 +24152,7 @@
               <p:cNvPr id="38" name="Rectangle 1">
                 <a:extLst>
                   <a:ext uri="{FF2B5EF4-FFF2-40B4-BE49-F238E27FC236}">
-                    <a16:creationId xmlns:a16="http://schemas.microsoft.com/office/drawing/2014/main" xmlns="" id="{E446ED41-7EA5-4CF8-9B3B-F403F4BEAEE1}"/>
+                    <a16:creationId xmlns:a16="http://schemas.microsoft.com/office/drawing/2014/main" id="{E446ED41-7EA5-4CF8-9B3B-F403F4BEAEE1}"/>
                   </a:ext>
                 </a:extLst>
               </p:cNvPr>
@@ -23538,7 +24406,7 @@
               <p:cNvPr id="39" name="Rectangle 1">
                 <a:extLst>
                   <a:ext uri="{FF2B5EF4-FFF2-40B4-BE49-F238E27FC236}">
-                    <a16:creationId xmlns:a16="http://schemas.microsoft.com/office/drawing/2014/main" xmlns="" id="{446F9F88-3567-492F-B064-2E4E05208FBB}"/>
+                    <a16:creationId xmlns:a16="http://schemas.microsoft.com/office/drawing/2014/main" id="{446F9F88-3567-492F-B064-2E4E05208FBB}"/>
                   </a:ext>
                 </a:extLst>
               </p:cNvPr>
@@ -23786,7 +24654,7 @@
           <p:cNvPr id="46" name="Group 45">
             <a:extLst>
               <a:ext uri="{FF2B5EF4-FFF2-40B4-BE49-F238E27FC236}">
-                <a16:creationId xmlns:a16="http://schemas.microsoft.com/office/drawing/2014/main" xmlns="" id="{F7F38C5C-23CF-4BA8-A2AC-0F6D4A94C5FB}"/>
+                <a16:creationId xmlns:a16="http://schemas.microsoft.com/office/drawing/2014/main" id="{F7F38C5C-23CF-4BA8-A2AC-0F6D4A94C5FB}"/>
               </a:ext>
             </a:extLst>
           </p:cNvPr>
@@ -23806,7 +24674,7 @@
             <p:cNvPr id="47" name="Group 46">
               <a:extLst>
                 <a:ext uri="{FF2B5EF4-FFF2-40B4-BE49-F238E27FC236}">
-                  <a16:creationId xmlns:a16="http://schemas.microsoft.com/office/drawing/2014/main" xmlns="" id="{9FEC8F30-CCD9-427E-8BD9-94338A73764D}"/>
+                  <a16:creationId xmlns:a16="http://schemas.microsoft.com/office/drawing/2014/main" id="{9FEC8F30-CCD9-427E-8BD9-94338A73764D}"/>
                 </a:ext>
               </a:extLst>
             </p:cNvPr>
@@ -23826,7 +24694,7 @@
               <p:cNvPr id="56" name="Rectangle: Rounded Corners 55">
                 <a:extLst>
                   <a:ext uri="{FF2B5EF4-FFF2-40B4-BE49-F238E27FC236}">
-                    <a16:creationId xmlns:a16="http://schemas.microsoft.com/office/drawing/2014/main" xmlns="" id="{5DE68EBF-5609-427D-8752-9C7D7AB8D69F}"/>
+                    <a16:creationId xmlns:a16="http://schemas.microsoft.com/office/drawing/2014/main" id="{5DE68EBF-5609-427D-8752-9C7D7AB8D69F}"/>
                   </a:ext>
                 </a:extLst>
               </p:cNvPr>
@@ -23886,7 +24754,7 @@
               <p:cNvPr id="57" name="Rectangle 1">
                 <a:extLst>
                   <a:ext uri="{FF2B5EF4-FFF2-40B4-BE49-F238E27FC236}">
-                    <a16:creationId xmlns:a16="http://schemas.microsoft.com/office/drawing/2014/main" xmlns="" id="{47668FA9-B3FB-4F25-9A18-9B02A8CD4C7B}"/>
+                    <a16:creationId xmlns:a16="http://schemas.microsoft.com/office/drawing/2014/main" id="{47668FA9-B3FB-4F25-9A18-9B02A8CD4C7B}"/>
                   </a:ext>
                 </a:extLst>
               </p:cNvPr>
@@ -24166,7 +25034,7 @@
               <p:cNvPr id="58" name="Rectangle 1">
                 <a:extLst>
                   <a:ext uri="{FF2B5EF4-FFF2-40B4-BE49-F238E27FC236}">
-                    <a16:creationId xmlns:a16="http://schemas.microsoft.com/office/drawing/2014/main" xmlns="" id="{251D002E-1514-406E-AA51-8DF02F248FBF}"/>
+                    <a16:creationId xmlns:a16="http://schemas.microsoft.com/office/drawing/2014/main" id="{251D002E-1514-406E-AA51-8DF02F248FBF}"/>
                   </a:ext>
                 </a:extLst>
               </p:cNvPr>
@@ -24423,7 +25291,7 @@
             <p:cNvPr id="49" name="Group 48">
               <a:extLst>
                 <a:ext uri="{FF2B5EF4-FFF2-40B4-BE49-F238E27FC236}">
-                  <a16:creationId xmlns:a16="http://schemas.microsoft.com/office/drawing/2014/main" xmlns="" id="{45B73D20-D477-4E43-B702-16A07BD9C694}"/>
+                  <a16:creationId xmlns:a16="http://schemas.microsoft.com/office/drawing/2014/main" id="{45B73D20-D477-4E43-B702-16A07BD9C694}"/>
                 </a:ext>
               </a:extLst>
             </p:cNvPr>
@@ -24443,7 +25311,7 @@
               <p:cNvPr id="50" name="Rectangle: Rounded Corners 49">
                 <a:extLst>
                   <a:ext uri="{FF2B5EF4-FFF2-40B4-BE49-F238E27FC236}">
-                    <a16:creationId xmlns:a16="http://schemas.microsoft.com/office/drawing/2014/main" xmlns="" id="{B170B691-EA42-4BFD-A992-1F5518981BEB}"/>
+                    <a16:creationId xmlns:a16="http://schemas.microsoft.com/office/drawing/2014/main" id="{B170B691-EA42-4BFD-A992-1F5518981BEB}"/>
                   </a:ext>
                 </a:extLst>
               </p:cNvPr>
@@ -24503,7 +25371,7 @@
               <p:cNvPr id="51" name="Rectangle 1">
                 <a:extLst>
                   <a:ext uri="{FF2B5EF4-FFF2-40B4-BE49-F238E27FC236}">
-                    <a16:creationId xmlns:a16="http://schemas.microsoft.com/office/drawing/2014/main" xmlns="" id="{DFCA592B-3B29-4EBA-8C14-AED2A4AB0E6B}"/>
+                    <a16:creationId xmlns:a16="http://schemas.microsoft.com/office/drawing/2014/main" id="{DFCA592B-3B29-4EBA-8C14-AED2A4AB0E6B}"/>
                   </a:ext>
                 </a:extLst>
               </p:cNvPr>
@@ -24783,7 +25651,7 @@
               <p:cNvPr id="52" name="Rectangle 1">
                 <a:extLst>
                   <a:ext uri="{FF2B5EF4-FFF2-40B4-BE49-F238E27FC236}">
-                    <a16:creationId xmlns:a16="http://schemas.microsoft.com/office/drawing/2014/main" xmlns="" id="{3FE0A815-F9BF-4CB9-963C-406C649AAF39}"/>
+                    <a16:creationId xmlns:a16="http://schemas.microsoft.com/office/drawing/2014/main" id="{3FE0A815-F9BF-4CB9-963C-406C649AAF39}"/>
                   </a:ext>
                 </a:extLst>
               </p:cNvPr>
@@ -25031,7 +25899,7 @@
           <p:cNvPr id="66" name="Group 65">
             <a:extLst>
               <a:ext uri="{FF2B5EF4-FFF2-40B4-BE49-F238E27FC236}">
-                <a16:creationId xmlns:a16="http://schemas.microsoft.com/office/drawing/2014/main" xmlns="" id="{09E3B45E-13F7-4086-9B3D-3BCA0D5B3E40}"/>
+                <a16:creationId xmlns:a16="http://schemas.microsoft.com/office/drawing/2014/main" id="{09E3B45E-13F7-4086-9B3D-3BCA0D5B3E40}"/>
               </a:ext>
             </a:extLst>
           </p:cNvPr>
@@ -25051,7 +25919,7 @@
             <p:cNvPr id="60" name="Rectangle: Rounded Corners 59">
               <a:extLst>
                 <a:ext uri="{FF2B5EF4-FFF2-40B4-BE49-F238E27FC236}">
-                  <a16:creationId xmlns:a16="http://schemas.microsoft.com/office/drawing/2014/main" xmlns="" id="{F0AE653F-8BF7-47BE-9D74-F937E73AFDA0}"/>
+                  <a16:creationId xmlns:a16="http://schemas.microsoft.com/office/drawing/2014/main" id="{F0AE653F-8BF7-47BE-9D74-F937E73AFDA0}"/>
                 </a:ext>
               </a:extLst>
             </p:cNvPr>
@@ -25111,7 +25979,7 @@
             <p:cNvPr id="61" name="Rectangle 1">
               <a:extLst>
                 <a:ext uri="{FF2B5EF4-FFF2-40B4-BE49-F238E27FC236}">
-                  <a16:creationId xmlns:a16="http://schemas.microsoft.com/office/drawing/2014/main" xmlns="" id="{6658BA08-4343-4456-91D8-6D8B9ADFA36D}"/>
+                  <a16:creationId xmlns:a16="http://schemas.microsoft.com/office/drawing/2014/main" id="{6658BA08-4343-4456-91D8-6D8B9ADFA36D}"/>
                 </a:ext>
               </a:extLst>
             </p:cNvPr>
@@ -25365,7 +26233,7 @@
             <p:cNvPr id="62" name="Rectangle 1">
               <a:extLst>
                 <a:ext uri="{FF2B5EF4-FFF2-40B4-BE49-F238E27FC236}">
-                  <a16:creationId xmlns:a16="http://schemas.microsoft.com/office/drawing/2014/main" xmlns="" id="{04C4E7C5-5365-4AB0-AFE1-BB6CEBCD5D7A}"/>
+                  <a16:creationId xmlns:a16="http://schemas.microsoft.com/office/drawing/2014/main" id="{04C4E7C5-5365-4AB0-AFE1-BB6CEBCD5D7A}"/>
                 </a:ext>
               </a:extLst>
             </p:cNvPr>
@@ -25612,7 +26480,7 @@
           <p:cNvPr id="63" name="Rectangle: Rounded Corners 62">
             <a:extLst>
               <a:ext uri="{FF2B5EF4-FFF2-40B4-BE49-F238E27FC236}">
-                <a16:creationId xmlns:a16="http://schemas.microsoft.com/office/drawing/2014/main" xmlns="" id="{61D3D070-24FE-4EF4-AD82-4932219E03A8}"/>
+                <a16:creationId xmlns:a16="http://schemas.microsoft.com/office/drawing/2014/main" id="{61D3D070-24FE-4EF4-AD82-4932219E03A8}"/>
               </a:ext>
             </a:extLst>
           </p:cNvPr>
@@ -25673,7 +26541,7 @@
           <p:cNvPr id="64" name="Rectangle 1">
             <a:extLst>
               <a:ext uri="{FF2B5EF4-FFF2-40B4-BE49-F238E27FC236}">
-                <a16:creationId xmlns:a16="http://schemas.microsoft.com/office/drawing/2014/main" xmlns="" id="{12DF6876-8E45-45F6-9D46-30B611A0AE2E}"/>
+                <a16:creationId xmlns:a16="http://schemas.microsoft.com/office/drawing/2014/main" id="{12DF6876-8E45-45F6-9D46-30B611A0AE2E}"/>
               </a:ext>
             </a:extLst>
           </p:cNvPr>
@@ -25927,7 +26795,7 @@
           <p:cNvPr id="65" name="Rectangle 1">
             <a:extLst>
               <a:ext uri="{FF2B5EF4-FFF2-40B4-BE49-F238E27FC236}">
-                <a16:creationId xmlns:a16="http://schemas.microsoft.com/office/drawing/2014/main" xmlns="" id="{DE6C8D79-F8C3-405D-8876-50EB382F674E}"/>
+                <a16:creationId xmlns:a16="http://schemas.microsoft.com/office/drawing/2014/main" id="{DE6C8D79-F8C3-405D-8876-50EB382F674E}"/>
               </a:ext>
             </a:extLst>
           </p:cNvPr>
@@ -26173,7 +27041,7 @@
           <p:cNvPr id="67" name="Group 66">
             <a:extLst>
               <a:ext uri="{FF2B5EF4-FFF2-40B4-BE49-F238E27FC236}">
-                <a16:creationId xmlns:a16="http://schemas.microsoft.com/office/drawing/2014/main" xmlns="" id="{0CF2143C-7C92-4818-ADFA-BDE4349E1825}"/>
+                <a16:creationId xmlns:a16="http://schemas.microsoft.com/office/drawing/2014/main" id="{0CF2143C-7C92-4818-ADFA-BDE4349E1825}"/>
               </a:ext>
             </a:extLst>
           </p:cNvPr>
@@ -26196,7 +27064,7 @@
             <p:cNvPr id="68" name="Rectangle: Rounded Corners 67">
               <a:extLst>
                 <a:ext uri="{FF2B5EF4-FFF2-40B4-BE49-F238E27FC236}">
-                  <a16:creationId xmlns:a16="http://schemas.microsoft.com/office/drawing/2014/main" xmlns="" id="{8D8080FF-967C-423E-B1A9-F6D1D70B89D8}"/>
+                  <a16:creationId xmlns:a16="http://schemas.microsoft.com/office/drawing/2014/main" id="{8D8080FF-967C-423E-B1A9-F6D1D70B89D8}"/>
                 </a:ext>
               </a:extLst>
             </p:cNvPr>
@@ -26252,7 +27120,7 @@
             <p:cNvPr id="69" name="Rectangle 1">
               <a:extLst>
                 <a:ext uri="{FF2B5EF4-FFF2-40B4-BE49-F238E27FC236}">
-                  <a16:creationId xmlns:a16="http://schemas.microsoft.com/office/drawing/2014/main" xmlns="" id="{2D1036B3-14D4-4E42-BDC0-EF1330ED60EE}"/>
+                  <a16:creationId xmlns:a16="http://schemas.microsoft.com/office/drawing/2014/main" id="{2D1036B3-14D4-4E42-BDC0-EF1330ED60EE}"/>
                 </a:ext>
               </a:extLst>
             </p:cNvPr>
@@ -26504,7 +27372,7 @@
             <p:cNvPr id="70" name="Rectangle 1">
               <a:extLst>
                 <a:ext uri="{FF2B5EF4-FFF2-40B4-BE49-F238E27FC236}">
-                  <a16:creationId xmlns:a16="http://schemas.microsoft.com/office/drawing/2014/main" xmlns="" id="{3A5F1E59-3453-47CD-B19B-9843A655CB98}"/>
+                  <a16:creationId xmlns:a16="http://schemas.microsoft.com/office/drawing/2014/main" id="{3A5F1E59-3453-47CD-B19B-9843A655CB98}"/>
                 </a:ext>
               </a:extLst>
             </p:cNvPr>
@@ -26749,7 +27617,7 @@
           <p:cNvPr id="71" name="Group 70">
             <a:extLst>
               <a:ext uri="{FF2B5EF4-FFF2-40B4-BE49-F238E27FC236}">
-                <a16:creationId xmlns:a16="http://schemas.microsoft.com/office/drawing/2014/main" xmlns="" id="{1B929D54-D563-4F15-8B27-C490F01D4FF7}"/>
+                <a16:creationId xmlns:a16="http://schemas.microsoft.com/office/drawing/2014/main" id="{1B929D54-D563-4F15-8B27-C490F01D4FF7}"/>
               </a:ext>
             </a:extLst>
           </p:cNvPr>
@@ -26769,7 +27637,7 @@
             <p:cNvPr id="72" name="Rectangle: Rounded Corners 71">
               <a:extLst>
                 <a:ext uri="{FF2B5EF4-FFF2-40B4-BE49-F238E27FC236}">
-                  <a16:creationId xmlns:a16="http://schemas.microsoft.com/office/drawing/2014/main" xmlns="" id="{5539BA8E-AD87-4389-911B-F1DAACA1C519}"/>
+                  <a16:creationId xmlns:a16="http://schemas.microsoft.com/office/drawing/2014/main" id="{5539BA8E-AD87-4389-911B-F1DAACA1C519}"/>
                 </a:ext>
               </a:extLst>
             </p:cNvPr>
@@ -26827,7 +27695,7 @@
             <p:cNvPr id="73" name="Rectangle 1">
               <a:extLst>
                 <a:ext uri="{FF2B5EF4-FFF2-40B4-BE49-F238E27FC236}">
-                  <a16:creationId xmlns:a16="http://schemas.microsoft.com/office/drawing/2014/main" xmlns="" id="{B5E2551B-EA26-446E-997D-AD866C1898F9}"/>
+                  <a16:creationId xmlns:a16="http://schemas.microsoft.com/office/drawing/2014/main" id="{B5E2551B-EA26-446E-997D-AD866C1898F9}"/>
                 </a:ext>
               </a:extLst>
             </p:cNvPr>
@@ -27081,7 +27949,7 @@
             <p:cNvPr id="74" name="Rectangle 1">
               <a:extLst>
                 <a:ext uri="{FF2B5EF4-FFF2-40B4-BE49-F238E27FC236}">
-                  <a16:creationId xmlns:a16="http://schemas.microsoft.com/office/drawing/2014/main" xmlns="" id="{B29AAE37-FFC0-4C6B-8A9E-D07C787E2CC2}"/>
+                  <a16:creationId xmlns:a16="http://schemas.microsoft.com/office/drawing/2014/main" id="{B29AAE37-FFC0-4C6B-8A9E-D07C787E2CC2}"/>
                 </a:ext>
               </a:extLst>
             </p:cNvPr>
@@ -27338,7 +28206,7 @@
           <p:cNvPr id="83" name="Group 82">
             <a:extLst>
               <a:ext uri="{FF2B5EF4-FFF2-40B4-BE49-F238E27FC236}">
-                <a16:creationId xmlns:a16="http://schemas.microsoft.com/office/drawing/2014/main" xmlns="" id="{909F8865-02E7-44D5-B223-A62A03CA6165}"/>
+                <a16:creationId xmlns:a16="http://schemas.microsoft.com/office/drawing/2014/main" id="{909F8865-02E7-44D5-B223-A62A03CA6165}"/>
               </a:ext>
             </a:extLst>
           </p:cNvPr>
@@ -27358,7 +28226,7 @@
             <p:cNvPr id="79" name="Rectangle: Rounded Corners 78">
               <a:extLst>
                 <a:ext uri="{FF2B5EF4-FFF2-40B4-BE49-F238E27FC236}">
-                  <a16:creationId xmlns:a16="http://schemas.microsoft.com/office/drawing/2014/main" xmlns="" id="{603A3EF2-4ADC-4873-BEDD-10429C3A5A99}"/>
+                  <a16:creationId xmlns:a16="http://schemas.microsoft.com/office/drawing/2014/main" id="{603A3EF2-4ADC-4873-BEDD-10429C3A5A99}"/>
                 </a:ext>
               </a:extLst>
             </p:cNvPr>
@@ -27413,7 +28281,7 @@
             <p:cNvPr id="80" name="Rectangle: Rounded Corners 79">
               <a:extLst>
                 <a:ext uri="{FF2B5EF4-FFF2-40B4-BE49-F238E27FC236}">
-                  <a16:creationId xmlns:a16="http://schemas.microsoft.com/office/drawing/2014/main" xmlns="" id="{4F4E4D06-7366-43E2-A3E9-24B77733ADB9}"/>
+                  <a16:creationId xmlns:a16="http://schemas.microsoft.com/office/drawing/2014/main" id="{4F4E4D06-7366-43E2-A3E9-24B77733ADB9}"/>
                 </a:ext>
               </a:extLst>
             </p:cNvPr>
@@ -27468,7 +28336,7 @@
             <p:cNvPr id="81" name="Rectangle: Rounded Corners 80">
               <a:extLst>
                 <a:ext uri="{FF2B5EF4-FFF2-40B4-BE49-F238E27FC236}">
-                  <a16:creationId xmlns:a16="http://schemas.microsoft.com/office/drawing/2014/main" xmlns="" id="{21419A83-FF9E-4D1B-B8CC-8F1EED06E8AE}"/>
+                  <a16:creationId xmlns:a16="http://schemas.microsoft.com/office/drawing/2014/main" id="{21419A83-FF9E-4D1B-B8CC-8F1EED06E8AE}"/>
                 </a:ext>
               </a:extLst>
             </p:cNvPr>
@@ -27523,7 +28391,7 @@
             <p:cNvPr id="82" name="Rectangle: Rounded Corners 81">
               <a:extLst>
                 <a:ext uri="{FF2B5EF4-FFF2-40B4-BE49-F238E27FC236}">
-                  <a16:creationId xmlns:a16="http://schemas.microsoft.com/office/drawing/2014/main" xmlns="" id="{84DB7298-9C40-4EE6-B477-5989A3E6E7E9}"/>
+                  <a16:creationId xmlns:a16="http://schemas.microsoft.com/office/drawing/2014/main" id="{84DB7298-9C40-4EE6-B477-5989A3E6E7E9}"/>
                 </a:ext>
               </a:extLst>
             </p:cNvPr>
@@ -27852,7 +28720,7 @@
             <p:cNvPr id="26" name="Group 25">
               <a:extLst>
                 <a:ext uri="{FF2B5EF4-FFF2-40B4-BE49-F238E27FC236}">
-                  <a16:creationId xmlns:a16="http://schemas.microsoft.com/office/drawing/2014/main" xmlns="" id="{BDCA9327-DE2D-4E7A-A00A-85320C3369BE}"/>
+                  <a16:creationId xmlns:a16="http://schemas.microsoft.com/office/drawing/2014/main" id="{BDCA9327-DE2D-4E7A-A00A-85320C3369BE}"/>
                 </a:ext>
               </a:extLst>
             </p:cNvPr>
@@ -27872,7 +28740,7 @@
               <p:cNvPr id="27" name="Rectangle: Rounded Corners 26">
                 <a:extLst>
                   <a:ext uri="{FF2B5EF4-FFF2-40B4-BE49-F238E27FC236}">
-                    <a16:creationId xmlns:a16="http://schemas.microsoft.com/office/drawing/2014/main" xmlns="" id="{9F7B732F-8628-492C-8389-3AF309F2B350}"/>
+                    <a16:creationId xmlns:a16="http://schemas.microsoft.com/office/drawing/2014/main" id="{9F7B732F-8628-492C-8389-3AF309F2B350}"/>
                   </a:ext>
                 </a:extLst>
               </p:cNvPr>
@@ -27932,7 +28800,7 @@
               <p:cNvPr id="28" name="Rectangle 1">
                 <a:extLst>
                   <a:ext uri="{FF2B5EF4-FFF2-40B4-BE49-F238E27FC236}">
-                    <a16:creationId xmlns:a16="http://schemas.microsoft.com/office/drawing/2014/main" xmlns="" id="{7ACE0809-F724-4F82-8F30-59BB9374E8CB}"/>
+                    <a16:creationId xmlns:a16="http://schemas.microsoft.com/office/drawing/2014/main" id="{7ACE0809-F724-4F82-8F30-59BB9374E8CB}"/>
                   </a:ext>
                 </a:extLst>
               </p:cNvPr>
@@ -28188,7 +29056,7 @@
             <p:cNvPr id="7" name="TextBox 6">
               <a:extLst>
                 <a:ext uri="{FF2B5EF4-FFF2-40B4-BE49-F238E27FC236}">
-                  <a16:creationId xmlns:a16="http://schemas.microsoft.com/office/drawing/2014/main" xmlns="" id="{C91224FA-ADA9-4075-AE2B-E0C6E149E540}"/>
+                  <a16:creationId xmlns:a16="http://schemas.microsoft.com/office/drawing/2014/main" id="{C91224FA-ADA9-4075-AE2B-E0C6E149E540}"/>
                 </a:ext>
               </a:extLst>
             </p:cNvPr>
@@ -28226,7 +29094,7 @@
             <p:cNvPr id="8" name="TextBox 7">
               <a:extLst>
                 <a:ext uri="{FF2B5EF4-FFF2-40B4-BE49-F238E27FC236}">
-                  <a16:creationId xmlns:a16="http://schemas.microsoft.com/office/drawing/2014/main" xmlns="" id="{C91224FA-ADA9-4075-AE2B-E0C6E149E540}"/>
+                  <a16:creationId xmlns:a16="http://schemas.microsoft.com/office/drawing/2014/main" id="{C91224FA-ADA9-4075-AE2B-E0C6E149E540}"/>
                 </a:ext>
               </a:extLst>
             </p:cNvPr>
@@ -28297,7 +29165,7 @@
             <p:cNvPr id="11" name="Rectangle 1">
               <a:extLst>
                 <a:ext uri="{FF2B5EF4-FFF2-40B4-BE49-F238E27FC236}">
-                  <a16:creationId xmlns:a16="http://schemas.microsoft.com/office/drawing/2014/main" xmlns="" id="{7ACE0809-F724-4F82-8F30-59BB9374E8CB}"/>
+                  <a16:creationId xmlns:a16="http://schemas.microsoft.com/office/drawing/2014/main" id="{7ACE0809-F724-4F82-8F30-59BB9374E8CB}"/>
                 </a:ext>
               </a:extLst>
             </p:cNvPr>
@@ -28539,7 +29407,7 @@
             <p:cNvPr id="12" name="Rectangle 1">
               <a:extLst>
                 <a:ext uri="{FF2B5EF4-FFF2-40B4-BE49-F238E27FC236}">
-                  <a16:creationId xmlns:a16="http://schemas.microsoft.com/office/drawing/2014/main" xmlns="" id="{7ACE0809-F724-4F82-8F30-59BB9374E8CB}"/>
+                  <a16:creationId xmlns:a16="http://schemas.microsoft.com/office/drawing/2014/main" id="{7ACE0809-F724-4F82-8F30-59BB9374E8CB}"/>
                 </a:ext>
               </a:extLst>
             </p:cNvPr>
@@ -28810,7 +29678,7 @@
               <p:cNvPr id="14" name="Rectangle: Rounded Corners 1">
                 <a:extLst>
                   <a:ext uri="{FF2B5EF4-FFF2-40B4-BE49-F238E27FC236}">
-                    <a16:creationId xmlns:a16="http://schemas.microsoft.com/office/drawing/2014/main" xmlns="" id="{229043B8-923C-4A63-923B-ED47AB6F3179}"/>
+                    <a16:creationId xmlns:a16="http://schemas.microsoft.com/office/drawing/2014/main" id="{229043B8-923C-4A63-923B-ED47AB6F3179}"/>
                   </a:ext>
                 </a:extLst>
               </p:cNvPr>
@@ -28870,7 +29738,7 @@
               <p:cNvPr id="15" name="Rectangle 1">
                 <a:extLst>
                   <a:ext uri="{FF2B5EF4-FFF2-40B4-BE49-F238E27FC236}">
-                    <a16:creationId xmlns:a16="http://schemas.microsoft.com/office/drawing/2014/main" xmlns="" id="{FFE5BAF0-90A9-481D-AAC3-4466B273C9B9}"/>
+                    <a16:creationId xmlns:a16="http://schemas.microsoft.com/office/drawing/2014/main" id="{FFE5BAF0-90A9-481D-AAC3-4466B273C9B9}"/>
                   </a:ext>
                 </a:extLst>
               </p:cNvPr>
@@ -29137,7 +30005,7 @@
               <p:cNvPr id="16" name="Rectangle 1">
                 <a:extLst>
                   <a:ext uri="{FF2B5EF4-FFF2-40B4-BE49-F238E27FC236}">
-                    <a16:creationId xmlns:a16="http://schemas.microsoft.com/office/drawing/2014/main" xmlns="" id="{4A5862E7-0045-43EA-8731-76AF0AFFEB2B}"/>
+                    <a16:creationId xmlns:a16="http://schemas.microsoft.com/office/drawing/2014/main" id="{4A5862E7-0045-43EA-8731-76AF0AFFEB2B}"/>
                   </a:ext>
                 </a:extLst>
               </p:cNvPr>
@@ -29384,7 +30252,7 @@
             <p:cNvPr id="17" name="TextBox 16">
               <a:extLst>
                 <a:ext uri="{FF2B5EF4-FFF2-40B4-BE49-F238E27FC236}">
-                  <a16:creationId xmlns:a16="http://schemas.microsoft.com/office/drawing/2014/main" xmlns="" id="{C91224FA-ADA9-4075-AE2B-E0C6E149E540}"/>
+                  <a16:creationId xmlns:a16="http://schemas.microsoft.com/office/drawing/2014/main" id="{C91224FA-ADA9-4075-AE2B-E0C6E149E540}"/>
                 </a:ext>
               </a:extLst>
             </p:cNvPr>
@@ -30071,7 +30939,7 @@
           <p:cNvPr id="13" name="Picture 12">
             <a:extLst>
               <a:ext uri="{FF2B5EF4-FFF2-40B4-BE49-F238E27FC236}">
-                <a16:creationId xmlns:a16="http://schemas.microsoft.com/office/drawing/2014/main" xmlns="" id="{83167A70-D79D-4D85-AEA7-1CA2B1A28276}"/>
+                <a16:creationId xmlns:a16="http://schemas.microsoft.com/office/drawing/2014/main" id="{83167A70-D79D-4D85-AEA7-1CA2B1A28276}"/>
               </a:ext>
             </a:extLst>
           </p:cNvPr>
@@ -30101,7 +30969,7 @@
           <p:cNvPr id="14" name="Group 13">
             <a:extLst>
               <a:ext uri="{FF2B5EF4-FFF2-40B4-BE49-F238E27FC236}">
-                <a16:creationId xmlns:a16="http://schemas.microsoft.com/office/drawing/2014/main" xmlns="" id="{BDEC2234-C593-46D7-A09D-965324770E33}"/>
+                <a16:creationId xmlns:a16="http://schemas.microsoft.com/office/drawing/2014/main" id="{BDEC2234-C593-46D7-A09D-965324770E33}"/>
               </a:ext>
             </a:extLst>
           </p:cNvPr>
@@ -30121,7 +30989,7 @@
             <p:cNvPr id="15" name="Rectangle: Rounded Corners 14">
               <a:extLst>
                 <a:ext uri="{FF2B5EF4-FFF2-40B4-BE49-F238E27FC236}">
-                  <a16:creationId xmlns:a16="http://schemas.microsoft.com/office/drawing/2014/main" xmlns="" id="{0A8D1A3E-C8CE-4A70-B689-F10C4ED22677}"/>
+                  <a16:creationId xmlns:a16="http://schemas.microsoft.com/office/drawing/2014/main" id="{0A8D1A3E-C8CE-4A70-B689-F10C4ED22677}"/>
                 </a:ext>
               </a:extLst>
             </p:cNvPr>
@@ -30179,7 +31047,7 @@
             <p:cNvPr id="16" name="TextBox 15">
               <a:extLst>
                 <a:ext uri="{FF2B5EF4-FFF2-40B4-BE49-F238E27FC236}">
-                  <a16:creationId xmlns:a16="http://schemas.microsoft.com/office/drawing/2014/main" xmlns="" id="{F89C507E-52A0-4F92-B001-FEDECD410A32}"/>
+                  <a16:creationId xmlns:a16="http://schemas.microsoft.com/office/drawing/2014/main" id="{F89C507E-52A0-4F92-B001-FEDECD410A32}"/>
                 </a:ext>
               </a:extLst>
             </p:cNvPr>
@@ -30279,7 +31147,7 @@
             <p:cNvPr id="17" name="Rectangle 1">
               <a:extLst>
                 <a:ext uri="{FF2B5EF4-FFF2-40B4-BE49-F238E27FC236}">
-                  <a16:creationId xmlns:a16="http://schemas.microsoft.com/office/drawing/2014/main" xmlns="" id="{50AA8AAB-ED86-4D2F-8748-1C7BFD388390}"/>
+                  <a16:creationId xmlns:a16="http://schemas.microsoft.com/office/drawing/2014/main" id="{50AA8AAB-ED86-4D2F-8748-1C7BFD388390}"/>
                 </a:ext>
               </a:extLst>
             </p:cNvPr>
@@ -30521,7 +31389,7 @@
             <p:cNvPr id="18" name="TextBox 17">
               <a:extLst>
                 <a:ext uri="{FF2B5EF4-FFF2-40B4-BE49-F238E27FC236}">
-                  <a16:creationId xmlns:a16="http://schemas.microsoft.com/office/drawing/2014/main" xmlns="" id="{A17EA349-AC0A-446B-AEE0-779D36DDAF64}"/>
+                  <a16:creationId xmlns:a16="http://schemas.microsoft.com/office/drawing/2014/main" id="{A17EA349-AC0A-446B-AEE0-779D36DDAF64}"/>
                 </a:ext>
               </a:extLst>
             </p:cNvPr>
@@ -30641,7 +31509,7 @@
             <p:cNvPr id="19" name="Rectangle 1">
               <a:extLst>
                 <a:ext uri="{FF2B5EF4-FFF2-40B4-BE49-F238E27FC236}">
-                  <a16:creationId xmlns:a16="http://schemas.microsoft.com/office/drawing/2014/main" xmlns="" id="{A57ECC02-3F7D-4063-8332-06DC39DF86CB}"/>
+                  <a16:creationId xmlns:a16="http://schemas.microsoft.com/office/drawing/2014/main" id="{A57ECC02-3F7D-4063-8332-06DC39DF86CB}"/>
                 </a:ext>
               </a:extLst>
             </p:cNvPr>
@@ -30905,7 +31773,7 @@
             <p:cNvPr id="20" name="Rectangle 1">
               <a:extLst>
                 <a:ext uri="{FF2B5EF4-FFF2-40B4-BE49-F238E27FC236}">
-                  <a16:creationId xmlns:a16="http://schemas.microsoft.com/office/drawing/2014/main" xmlns="" id="{8A7167F9-783C-4FA3-AAC4-9D4B8017C861}"/>
+                  <a16:creationId xmlns:a16="http://schemas.microsoft.com/office/drawing/2014/main" id="{8A7167F9-783C-4FA3-AAC4-9D4B8017C861}"/>
                 </a:ext>
               </a:extLst>
             </p:cNvPr>
@@ -31186,7 +32054,7 @@
           <p:cNvPr id="22" name="Picture 21">
             <a:extLst>
               <a:ext uri="{FF2B5EF4-FFF2-40B4-BE49-F238E27FC236}">
-                <a16:creationId xmlns:a16="http://schemas.microsoft.com/office/drawing/2014/main" xmlns="" id="{628507AC-4B47-481E-BA54-CE89E74F129B}"/>
+                <a16:creationId xmlns:a16="http://schemas.microsoft.com/office/drawing/2014/main" id="{628507AC-4B47-481E-BA54-CE89E74F129B}"/>
               </a:ext>
             </a:extLst>
           </p:cNvPr>
@@ -31246,7 +32114,7 @@
           <p:cNvPr id="3" name="Picture 2">
             <a:extLst>
               <a:ext uri="{FF2B5EF4-FFF2-40B4-BE49-F238E27FC236}">
-                <a16:creationId xmlns:a16="http://schemas.microsoft.com/office/drawing/2014/main" xmlns="" id="{560C134D-D853-4890-A707-F7A79768BCC2}"/>
+                <a16:creationId xmlns:a16="http://schemas.microsoft.com/office/drawing/2014/main" id="{560C134D-D853-4890-A707-F7A79768BCC2}"/>
               </a:ext>
             </a:extLst>
           </p:cNvPr>
@@ -31276,7 +32144,7 @@
           <p:cNvPr id="4" name="Group 3">
             <a:extLst>
               <a:ext uri="{FF2B5EF4-FFF2-40B4-BE49-F238E27FC236}">
-                <a16:creationId xmlns:a16="http://schemas.microsoft.com/office/drawing/2014/main" xmlns="" id="{B021E5D5-9E22-42BB-A558-1583C4BA6068}"/>
+                <a16:creationId xmlns:a16="http://schemas.microsoft.com/office/drawing/2014/main" id="{B021E5D5-9E22-42BB-A558-1583C4BA6068}"/>
               </a:ext>
             </a:extLst>
           </p:cNvPr>
@@ -31296,7 +32164,7 @@
             <p:cNvPr id="5" name="Group 4">
               <a:extLst>
                 <a:ext uri="{FF2B5EF4-FFF2-40B4-BE49-F238E27FC236}">
-                  <a16:creationId xmlns:a16="http://schemas.microsoft.com/office/drawing/2014/main" xmlns="" id="{A260F702-5BB2-48C7-B3DC-050165CFD60D}"/>
+                  <a16:creationId xmlns:a16="http://schemas.microsoft.com/office/drawing/2014/main" id="{A260F702-5BB2-48C7-B3DC-050165CFD60D}"/>
                 </a:ext>
               </a:extLst>
             </p:cNvPr>
@@ -31316,7 +32184,7 @@
               <p:cNvPr id="8" name="Rectangle: Rounded Corners 7">
                 <a:extLst>
                   <a:ext uri="{FF2B5EF4-FFF2-40B4-BE49-F238E27FC236}">
-                    <a16:creationId xmlns:a16="http://schemas.microsoft.com/office/drawing/2014/main" xmlns="" id="{07F0E954-3E53-4667-B4D5-BDEC08D29884}"/>
+                    <a16:creationId xmlns:a16="http://schemas.microsoft.com/office/drawing/2014/main" id="{07F0E954-3E53-4667-B4D5-BDEC08D29884}"/>
                   </a:ext>
                 </a:extLst>
               </p:cNvPr>
@@ -31376,7 +32244,7 @@
               <p:cNvPr id="9" name="TextBox 8">
                 <a:extLst>
                   <a:ext uri="{FF2B5EF4-FFF2-40B4-BE49-F238E27FC236}">
-                    <a16:creationId xmlns:a16="http://schemas.microsoft.com/office/drawing/2014/main" xmlns="" id="{FA7E6838-2355-4CA1-9CC0-9AE2F4EBC3D6}"/>
+                    <a16:creationId xmlns:a16="http://schemas.microsoft.com/office/drawing/2014/main" id="{FA7E6838-2355-4CA1-9CC0-9AE2F4EBC3D6}"/>
                   </a:ext>
                 </a:extLst>
               </p:cNvPr>
@@ -31417,7 +32285,7 @@
               <p:cNvPr id="10" name="TextBox 9">
                 <a:extLst>
                   <a:ext uri="{FF2B5EF4-FFF2-40B4-BE49-F238E27FC236}">
-                    <a16:creationId xmlns:a16="http://schemas.microsoft.com/office/drawing/2014/main" xmlns="" id="{54154064-8ADD-46A0-A39D-07A76EBA3FA7}"/>
+                    <a16:creationId xmlns:a16="http://schemas.microsoft.com/office/drawing/2014/main" id="{54154064-8ADD-46A0-A39D-07A76EBA3FA7}"/>
                   </a:ext>
                 </a:extLst>
               </p:cNvPr>
@@ -31517,7 +32385,7 @@
               <p:cNvPr id="11" name="Rectangle 1">
                 <a:extLst>
                   <a:ext uri="{FF2B5EF4-FFF2-40B4-BE49-F238E27FC236}">
-                    <a16:creationId xmlns:a16="http://schemas.microsoft.com/office/drawing/2014/main" xmlns="" id="{B56114E7-113E-4367-95A3-EE11DE90EF51}"/>
+                    <a16:creationId xmlns:a16="http://schemas.microsoft.com/office/drawing/2014/main" id="{B56114E7-113E-4367-95A3-EE11DE90EF51}"/>
                   </a:ext>
                 </a:extLst>
               </p:cNvPr>
@@ -31784,7 +32652,7 @@
               <p:cNvPr id="12" name="Rectangle 1">
                 <a:extLst>
                   <a:ext uri="{FF2B5EF4-FFF2-40B4-BE49-F238E27FC236}">
-                    <a16:creationId xmlns:a16="http://schemas.microsoft.com/office/drawing/2014/main" xmlns="" id="{48106B67-8B66-4E83-8897-B4B818F00C97}"/>
+                    <a16:creationId xmlns:a16="http://schemas.microsoft.com/office/drawing/2014/main" id="{48106B67-8B66-4E83-8897-B4B818F00C97}"/>
                   </a:ext>
                 </a:extLst>
               </p:cNvPr>
@@ -32039,7 +32907,7 @@
             <p:cNvPr id="6" name="TextBox 5">
               <a:extLst>
                 <a:ext uri="{FF2B5EF4-FFF2-40B4-BE49-F238E27FC236}">
-                  <a16:creationId xmlns:a16="http://schemas.microsoft.com/office/drawing/2014/main" xmlns="" id="{05888D46-9281-4A14-9C8D-95AAAD2235C7}"/>
+                  <a16:creationId xmlns:a16="http://schemas.microsoft.com/office/drawing/2014/main" id="{05888D46-9281-4A14-9C8D-95AAAD2235C7}"/>
                 </a:ext>
               </a:extLst>
             </p:cNvPr>
@@ -32117,7 +32985,7 @@
             <p:cNvPr id="7" name="TextBox 6">
               <a:extLst>
                 <a:ext uri="{FF2B5EF4-FFF2-40B4-BE49-F238E27FC236}">
-                  <a16:creationId xmlns:a16="http://schemas.microsoft.com/office/drawing/2014/main" xmlns="" id="{C91224FA-ADA9-4075-AE2B-E0C6E149E540}"/>
+                  <a16:creationId xmlns:a16="http://schemas.microsoft.com/office/drawing/2014/main" id="{C91224FA-ADA9-4075-AE2B-E0C6E149E540}"/>
                 </a:ext>
               </a:extLst>
             </p:cNvPr>
@@ -32182,7 +33050,7 @@
           <p:cNvPr id="14" name="Picture 13">
             <a:extLst>
               <a:ext uri="{FF2B5EF4-FFF2-40B4-BE49-F238E27FC236}">
-                <a16:creationId xmlns:a16="http://schemas.microsoft.com/office/drawing/2014/main" xmlns="" id="{668A22B1-9003-428D-ACDE-E385F77113C5}"/>
+                <a16:creationId xmlns:a16="http://schemas.microsoft.com/office/drawing/2014/main" id="{668A22B1-9003-428D-ACDE-E385F77113C5}"/>
               </a:ext>
             </a:extLst>
           </p:cNvPr>
@@ -32212,7 +33080,7 @@
           <p:cNvPr id="15" name="Rectangle 1">
             <a:extLst>
               <a:ext uri="{FF2B5EF4-FFF2-40B4-BE49-F238E27FC236}">
-                <a16:creationId xmlns:a16="http://schemas.microsoft.com/office/drawing/2014/main" xmlns="" id="{11137976-87B3-4320-B508-32CD22EA0740}"/>
+                <a16:creationId xmlns:a16="http://schemas.microsoft.com/office/drawing/2014/main" id="{11137976-87B3-4320-B508-32CD22EA0740}"/>
               </a:ext>
             </a:extLst>
           </p:cNvPr>
@@ -32510,7 +33378,7 @@
             <p:cNvPr id="48" name="Rectangle: Rounded Corners 1">
               <a:extLst>
                 <a:ext uri="{FF2B5EF4-FFF2-40B4-BE49-F238E27FC236}">
-                  <a16:creationId xmlns:a16="http://schemas.microsoft.com/office/drawing/2014/main" xmlns="" id="{229043B8-923C-4A63-923B-ED47AB6F3179}"/>
+                  <a16:creationId xmlns:a16="http://schemas.microsoft.com/office/drawing/2014/main" id="{229043B8-923C-4A63-923B-ED47AB6F3179}"/>
                 </a:ext>
               </a:extLst>
             </p:cNvPr>
@@ -32570,7 +33438,7 @@
             <p:cNvPr id="49" name="Rectangle 1">
               <a:extLst>
                 <a:ext uri="{FF2B5EF4-FFF2-40B4-BE49-F238E27FC236}">
-                  <a16:creationId xmlns:a16="http://schemas.microsoft.com/office/drawing/2014/main" xmlns="" id="{FFE5BAF0-90A9-481D-AAC3-4466B273C9B9}"/>
+                  <a16:creationId xmlns:a16="http://schemas.microsoft.com/office/drawing/2014/main" id="{FFE5BAF0-90A9-481D-AAC3-4466B273C9B9}"/>
                 </a:ext>
               </a:extLst>
             </p:cNvPr>
@@ -32837,7 +33705,7 @@
             <p:cNvPr id="50" name="Rectangle 1">
               <a:extLst>
                 <a:ext uri="{FF2B5EF4-FFF2-40B4-BE49-F238E27FC236}">
-                  <a16:creationId xmlns:a16="http://schemas.microsoft.com/office/drawing/2014/main" xmlns="" id="{4A5862E7-0045-43EA-8731-76AF0AFFEB2B}"/>
+                  <a16:creationId xmlns:a16="http://schemas.microsoft.com/office/drawing/2014/main" id="{4A5862E7-0045-43EA-8731-76AF0AFFEB2B}"/>
                 </a:ext>
               </a:extLst>
             </p:cNvPr>
@@ -33181,7 +34049,7 @@
               <p:cNvPr id="44" name="Rectangle: Rounded Corners 1">
                 <a:extLst>
                   <a:ext uri="{FF2B5EF4-FFF2-40B4-BE49-F238E27FC236}">
-                    <a16:creationId xmlns:a16="http://schemas.microsoft.com/office/drawing/2014/main" xmlns="" id="{229043B8-923C-4A63-923B-ED47AB6F3179}"/>
+                    <a16:creationId xmlns:a16="http://schemas.microsoft.com/office/drawing/2014/main" id="{229043B8-923C-4A63-923B-ED47AB6F3179}"/>
                   </a:ext>
                 </a:extLst>
               </p:cNvPr>
@@ -33277,7 +34145,7 @@
               <p:cNvPr id="45" name="Rectangle 1">
                 <a:extLst>
                   <a:ext uri="{FF2B5EF4-FFF2-40B4-BE49-F238E27FC236}">
-                    <a16:creationId xmlns:a16="http://schemas.microsoft.com/office/drawing/2014/main" xmlns="" id="{FFE5BAF0-90A9-481D-AAC3-4466B273C9B9}"/>
+                    <a16:creationId xmlns:a16="http://schemas.microsoft.com/office/drawing/2014/main" id="{FFE5BAF0-90A9-481D-AAC3-4466B273C9B9}"/>
                   </a:ext>
                 </a:extLst>
               </p:cNvPr>
@@ -33677,7 +34545,7 @@
           <p:cNvPr id="2" name="Rectangle: Rounded Corners 62">
             <a:extLst>
               <a:ext uri="{FF2B5EF4-FFF2-40B4-BE49-F238E27FC236}">
-                <a16:creationId xmlns:a16="http://schemas.microsoft.com/office/drawing/2014/main" xmlns="" id="{61D3D070-24FE-4EF4-AD82-4932219E03A8}"/>
+                <a16:creationId xmlns:a16="http://schemas.microsoft.com/office/drawing/2014/main" id="{61D3D070-24FE-4EF4-AD82-4932219E03A8}"/>
               </a:ext>
             </a:extLst>
           </p:cNvPr>
@@ -33766,7 +34634,7 @@
               <p:cNvPr id="6" name="Rectangle: Rounded Corners 1">
                 <a:extLst>
                   <a:ext uri="{FF2B5EF4-FFF2-40B4-BE49-F238E27FC236}">
-                    <a16:creationId xmlns:a16="http://schemas.microsoft.com/office/drawing/2014/main" xmlns="" id="{229043B8-923C-4A63-923B-ED47AB6F3179}"/>
+                    <a16:creationId xmlns:a16="http://schemas.microsoft.com/office/drawing/2014/main" id="{229043B8-923C-4A63-923B-ED47AB6F3179}"/>
                   </a:ext>
                 </a:extLst>
               </p:cNvPr>
@@ -33826,7 +34694,7 @@
               <p:cNvPr id="7" name="Rectangle 1">
                 <a:extLst>
                   <a:ext uri="{FF2B5EF4-FFF2-40B4-BE49-F238E27FC236}">
-                    <a16:creationId xmlns:a16="http://schemas.microsoft.com/office/drawing/2014/main" xmlns="" id="{FFE5BAF0-90A9-481D-AAC3-4466B273C9B9}"/>
+                    <a16:creationId xmlns:a16="http://schemas.microsoft.com/office/drawing/2014/main" id="{FFE5BAF0-90A9-481D-AAC3-4466B273C9B9}"/>
                   </a:ext>
                 </a:extLst>
               </p:cNvPr>
@@ -34093,7 +34961,7 @@
               <p:cNvPr id="8" name="Rectangle 1">
                 <a:extLst>
                   <a:ext uri="{FF2B5EF4-FFF2-40B4-BE49-F238E27FC236}">
-                    <a16:creationId xmlns:a16="http://schemas.microsoft.com/office/drawing/2014/main" xmlns="" id="{4A5862E7-0045-43EA-8731-76AF0AFFEB2B}"/>
+                    <a16:creationId xmlns:a16="http://schemas.microsoft.com/office/drawing/2014/main" id="{4A5862E7-0045-43EA-8731-76AF0AFFEB2B}"/>
                   </a:ext>
                 </a:extLst>
               </p:cNvPr>
@@ -34340,7 +35208,7 @@
             <p:cNvPr id="5" name="TextBox 4">
               <a:extLst>
                 <a:ext uri="{FF2B5EF4-FFF2-40B4-BE49-F238E27FC236}">
-                  <a16:creationId xmlns:a16="http://schemas.microsoft.com/office/drawing/2014/main" xmlns="" id="{C91224FA-ADA9-4075-AE2B-E0C6E149E540}"/>
+                  <a16:creationId xmlns:a16="http://schemas.microsoft.com/office/drawing/2014/main" id="{C91224FA-ADA9-4075-AE2B-E0C6E149E540}"/>
                 </a:ext>
               </a:extLst>
             </p:cNvPr>
@@ -34379,7 +35247,7 @@
           <p:cNvPr id="10" name="TextBox 9">
             <a:extLst>
               <a:ext uri="{FF2B5EF4-FFF2-40B4-BE49-F238E27FC236}">
-                <a16:creationId xmlns:a16="http://schemas.microsoft.com/office/drawing/2014/main" xmlns="" id="{C91224FA-ADA9-4075-AE2B-E0C6E149E540}"/>
+                <a16:creationId xmlns:a16="http://schemas.microsoft.com/office/drawing/2014/main" id="{C91224FA-ADA9-4075-AE2B-E0C6E149E540}"/>
               </a:ext>
             </a:extLst>
           </p:cNvPr>
@@ -34421,7 +35289,7 @@
           <p:cNvPr id="11" name="TextBox 10">
             <a:extLst>
               <a:ext uri="{FF2B5EF4-FFF2-40B4-BE49-F238E27FC236}">
-                <a16:creationId xmlns:a16="http://schemas.microsoft.com/office/drawing/2014/main" xmlns="" id="{C91224FA-ADA9-4075-AE2B-E0C6E149E540}"/>
+                <a16:creationId xmlns:a16="http://schemas.microsoft.com/office/drawing/2014/main" id="{C91224FA-ADA9-4075-AE2B-E0C6E149E540}"/>
               </a:ext>
             </a:extLst>
           </p:cNvPr>
@@ -34458,7 +35326,7 @@
           <p:cNvPr id="12" name="Rectangle 1">
             <a:extLst>
               <a:ext uri="{FF2B5EF4-FFF2-40B4-BE49-F238E27FC236}">
-                <a16:creationId xmlns:a16="http://schemas.microsoft.com/office/drawing/2014/main" xmlns="" id="{FFE5BAF0-90A9-481D-AAC3-4466B273C9B9}"/>
+                <a16:creationId xmlns:a16="http://schemas.microsoft.com/office/drawing/2014/main" id="{FFE5BAF0-90A9-481D-AAC3-4466B273C9B9}"/>
               </a:ext>
             </a:extLst>
           </p:cNvPr>
@@ -35531,7 +36399,7 @@
   <a:extraClrSchemeLst/>
   <a:extLst>
     <a:ext uri="{05A4C25C-085E-4340-85A3-A5531E510DB2}">
-      <thm15:themeFamily xmlns:thm15="http://schemas.microsoft.com/office/thememl/2012/main" xmlns="" name="Office Theme" id="{62F939B6-93AF-4DB8-9C6B-D6C7DFDC589F}" vid="{4A3C46E8-61CC-4603-A589-7422A47A8E4A}"/>
+      <thm15:themeFamily xmlns:thm15="http://schemas.microsoft.com/office/thememl/2012/main" name="Office Theme" id="{62F939B6-93AF-4DB8-9C6B-D6C7DFDC589F}" vid="{4A3C46E8-61CC-4603-A589-7422A47A8E4A}"/>
     </a:ext>
   </a:extLst>
 </a:theme>

--- a/src/spring/spring.boot.pptx
+++ b/src/spring/spring.boot.pptx
@@ -20,6 +20,7 @@
     <p:sldId id="269" r:id="rId14"/>
     <p:sldId id="270" r:id="rId15"/>
     <p:sldId id="271" r:id="rId16"/>
+    <p:sldId id="272" r:id="rId17"/>
   </p:sldIdLst>
   <p:sldSz cx="12192000" cy="6858000"/>
   <p:notesSz cx="6858000" cy="9144000"/>
@@ -120,7 +121,7 @@
   </p:defaultTextStyle>
   <p:extLst>
     <p:ext uri="{EFAFB233-063F-42B5-8137-9DF3F51BA10A}">
-      <p15:sldGuideLst xmlns:p15="http://schemas.microsoft.com/office/powerpoint/2012/main">
+      <p15:sldGuideLst xmlns:p15="http://schemas.microsoft.com/office/powerpoint/2012/main" xmlns="">
         <p15:guide id="1" orient="horz" pos="2160">
           <p15:clr>
             <a:srgbClr val="A4A3A4"/>
@@ -159,7 +160,7 @@
           <p:cNvPr id="2" name="Title 1">
             <a:extLst>
               <a:ext uri="{FF2B5EF4-FFF2-40B4-BE49-F238E27FC236}">
-                <a16:creationId xmlns:a16="http://schemas.microsoft.com/office/drawing/2014/main" id="{5314CC82-8D6F-41E3-B7D6-B16EE23DCB91}"/>
+                <a16:creationId xmlns:a16="http://schemas.microsoft.com/office/drawing/2014/main" xmlns="" id="{5314CC82-8D6F-41E3-B7D6-B16EE23DCB91}"/>
               </a:ext>
             </a:extLst>
           </p:cNvPr>
@@ -197,7 +198,7 @@
           <p:cNvPr id="3" name="Subtitle 2">
             <a:extLst>
               <a:ext uri="{FF2B5EF4-FFF2-40B4-BE49-F238E27FC236}">
-                <a16:creationId xmlns:a16="http://schemas.microsoft.com/office/drawing/2014/main" id="{8F4A6942-5EB2-4699-A8F2-2DAE91A05EED}"/>
+                <a16:creationId xmlns:a16="http://schemas.microsoft.com/office/drawing/2014/main" xmlns="" id="{8F4A6942-5EB2-4699-A8F2-2DAE91A05EED}"/>
               </a:ext>
             </a:extLst>
           </p:cNvPr>
@@ -268,7 +269,7 @@
           <p:cNvPr id="4" name="Date Placeholder 3">
             <a:extLst>
               <a:ext uri="{FF2B5EF4-FFF2-40B4-BE49-F238E27FC236}">
-                <a16:creationId xmlns:a16="http://schemas.microsoft.com/office/drawing/2014/main" id="{8030E49B-9D2D-45C9-A8AC-FF0D41C713FC}"/>
+                <a16:creationId xmlns:a16="http://schemas.microsoft.com/office/drawing/2014/main" xmlns="" id="{8030E49B-9D2D-45C9-A8AC-FF0D41C713FC}"/>
               </a:ext>
             </a:extLst>
           </p:cNvPr>
@@ -286,7 +287,7 @@
           <a:p>
             <a:fld id="{1AA5AC47-5BC2-484C-80BA-24EFF513DD12}" type="datetimeFigureOut">
               <a:rPr lang="en-IN" smtClean="0"/>
-              <a:t>08-11-2021</a:t>
+              <a:t>10-11-2021</a:t>
             </a:fld>
             <a:endParaRPr lang="en-IN"/>
           </a:p>
@@ -297,7 +298,7 @@
           <p:cNvPr id="5" name="Footer Placeholder 4">
             <a:extLst>
               <a:ext uri="{FF2B5EF4-FFF2-40B4-BE49-F238E27FC236}">
-                <a16:creationId xmlns:a16="http://schemas.microsoft.com/office/drawing/2014/main" id="{59898343-3ADA-4437-AD7B-D938F0774BF9}"/>
+                <a16:creationId xmlns:a16="http://schemas.microsoft.com/office/drawing/2014/main" xmlns="" id="{59898343-3ADA-4437-AD7B-D938F0774BF9}"/>
               </a:ext>
             </a:extLst>
           </p:cNvPr>
@@ -322,7 +323,7 @@
           <p:cNvPr id="6" name="Slide Number Placeholder 5">
             <a:extLst>
               <a:ext uri="{FF2B5EF4-FFF2-40B4-BE49-F238E27FC236}">
-                <a16:creationId xmlns:a16="http://schemas.microsoft.com/office/drawing/2014/main" id="{EFEEDA11-201A-4018-98A4-D13CB3EB8363}"/>
+                <a16:creationId xmlns:a16="http://schemas.microsoft.com/office/drawing/2014/main" xmlns="" id="{EFEEDA11-201A-4018-98A4-D13CB3EB8363}"/>
               </a:ext>
             </a:extLst>
           </p:cNvPr>
@@ -381,7 +382,7 @@
           <p:cNvPr id="2" name="Title 1">
             <a:extLst>
               <a:ext uri="{FF2B5EF4-FFF2-40B4-BE49-F238E27FC236}">
-                <a16:creationId xmlns:a16="http://schemas.microsoft.com/office/drawing/2014/main" id="{6B7291D8-7C0F-436E-900B-5ADDF5CE31CD}"/>
+                <a16:creationId xmlns:a16="http://schemas.microsoft.com/office/drawing/2014/main" xmlns="" id="{6B7291D8-7C0F-436E-900B-5ADDF5CE31CD}"/>
               </a:ext>
             </a:extLst>
           </p:cNvPr>
@@ -410,7 +411,7 @@
           <p:cNvPr id="3" name="Vertical Text Placeholder 2">
             <a:extLst>
               <a:ext uri="{FF2B5EF4-FFF2-40B4-BE49-F238E27FC236}">
-                <a16:creationId xmlns:a16="http://schemas.microsoft.com/office/drawing/2014/main" id="{1B499A46-2DF4-4E6B-82F2-F8EBE524AF96}"/>
+                <a16:creationId xmlns:a16="http://schemas.microsoft.com/office/drawing/2014/main" xmlns="" id="{1B499A46-2DF4-4E6B-82F2-F8EBE524AF96}"/>
               </a:ext>
             </a:extLst>
           </p:cNvPr>
@@ -468,7 +469,7 @@
           <p:cNvPr id="4" name="Date Placeholder 3">
             <a:extLst>
               <a:ext uri="{FF2B5EF4-FFF2-40B4-BE49-F238E27FC236}">
-                <a16:creationId xmlns:a16="http://schemas.microsoft.com/office/drawing/2014/main" id="{1AF3ABDF-542E-4B0B-B115-82C2BC90406A}"/>
+                <a16:creationId xmlns:a16="http://schemas.microsoft.com/office/drawing/2014/main" xmlns="" id="{1AF3ABDF-542E-4B0B-B115-82C2BC90406A}"/>
               </a:ext>
             </a:extLst>
           </p:cNvPr>
@@ -486,7 +487,7 @@
           <a:p>
             <a:fld id="{1AA5AC47-5BC2-484C-80BA-24EFF513DD12}" type="datetimeFigureOut">
               <a:rPr lang="en-IN" smtClean="0"/>
-              <a:t>08-11-2021</a:t>
+              <a:t>10-11-2021</a:t>
             </a:fld>
             <a:endParaRPr lang="en-IN"/>
           </a:p>
@@ -497,7 +498,7 @@
           <p:cNvPr id="5" name="Footer Placeholder 4">
             <a:extLst>
               <a:ext uri="{FF2B5EF4-FFF2-40B4-BE49-F238E27FC236}">
-                <a16:creationId xmlns:a16="http://schemas.microsoft.com/office/drawing/2014/main" id="{B1E8F9B6-14D8-4DA0-A38A-C1591A50841E}"/>
+                <a16:creationId xmlns:a16="http://schemas.microsoft.com/office/drawing/2014/main" xmlns="" id="{B1E8F9B6-14D8-4DA0-A38A-C1591A50841E}"/>
               </a:ext>
             </a:extLst>
           </p:cNvPr>
@@ -522,7 +523,7 @@
           <p:cNvPr id="6" name="Slide Number Placeholder 5">
             <a:extLst>
               <a:ext uri="{FF2B5EF4-FFF2-40B4-BE49-F238E27FC236}">
-                <a16:creationId xmlns:a16="http://schemas.microsoft.com/office/drawing/2014/main" id="{E0EC3098-6B42-4CA3-A9EA-0CEE6D48391A}"/>
+                <a16:creationId xmlns:a16="http://schemas.microsoft.com/office/drawing/2014/main" xmlns="" id="{E0EC3098-6B42-4CA3-A9EA-0CEE6D48391A}"/>
               </a:ext>
             </a:extLst>
           </p:cNvPr>
@@ -581,7 +582,7 @@
           <p:cNvPr id="2" name="Vertical Title 1">
             <a:extLst>
               <a:ext uri="{FF2B5EF4-FFF2-40B4-BE49-F238E27FC236}">
-                <a16:creationId xmlns:a16="http://schemas.microsoft.com/office/drawing/2014/main" id="{D2AE34B9-E7E1-404B-A656-7F5FB6317B83}"/>
+                <a16:creationId xmlns:a16="http://schemas.microsoft.com/office/drawing/2014/main" xmlns="" id="{D2AE34B9-E7E1-404B-A656-7F5FB6317B83}"/>
               </a:ext>
             </a:extLst>
           </p:cNvPr>
@@ -615,7 +616,7 @@
           <p:cNvPr id="3" name="Vertical Text Placeholder 2">
             <a:extLst>
               <a:ext uri="{FF2B5EF4-FFF2-40B4-BE49-F238E27FC236}">
-                <a16:creationId xmlns:a16="http://schemas.microsoft.com/office/drawing/2014/main" id="{22DACAAF-07ED-4BDB-AE9D-268D767CD7E8}"/>
+                <a16:creationId xmlns:a16="http://schemas.microsoft.com/office/drawing/2014/main" xmlns="" id="{22DACAAF-07ED-4BDB-AE9D-268D767CD7E8}"/>
               </a:ext>
             </a:extLst>
           </p:cNvPr>
@@ -678,7 +679,7 @@
           <p:cNvPr id="4" name="Date Placeholder 3">
             <a:extLst>
               <a:ext uri="{FF2B5EF4-FFF2-40B4-BE49-F238E27FC236}">
-                <a16:creationId xmlns:a16="http://schemas.microsoft.com/office/drawing/2014/main" id="{0EE7A4C4-77A9-45DF-AD60-2282B037F111}"/>
+                <a16:creationId xmlns:a16="http://schemas.microsoft.com/office/drawing/2014/main" xmlns="" id="{0EE7A4C4-77A9-45DF-AD60-2282B037F111}"/>
               </a:ext>
             </a:extLst>
           </p:cNvPr>
@@ -696,7 +697,7 @@
           <a:p>
             <a:fld id="{1AA5AC47-5BC2-484C-80BA-24EFF513DD12}" type="datetimeFigureOut">
               <a:rPr lang="en-IN" smtClean="0"/>
-              <a:t>08-11-2021</a:t>
+              <a:t>10-11-2021</a:t>
             </a:fld>
             <a:endParaRPr lang="en-IN"/>
           </a:p>
@@ -707,7 +708,7 @@
           <p:cNvPr id="5" name="Footer Placeholder 4">
             <a:extLst>
               <a:ext uri="{FF2B5EF4-FFF2-40B4-BE49-F238E27FC236}">
-                <a16:creationId xmlns:a16="http://schemas.microsoft.com/office/drawing/2014/main" id="{C102B154-5274-4175-9A89-2092122CCD76}"/>
+                <a16:creationId xmlns:a16="http://schemas.microsoft.com/office/drawing/2014/main" xmlns="" id="{C102B154-5274-4175-9A89-2092122CCD76}"/>
               </a:ext>
             </a:extLst>
           </p:cNvPr>
@@ -732,7 +733,7 @@
           <p:cNvPr id="6" name="Slide Number Placeholder 5">
             <a:extLst>
               <a:ext uri="{FF2B5EF4-FFF2-40B4-BE49-F238E27FC236}">
-                <a16:creationId xmlns:a16="http://schemas.microsoft.com/office/drawing/2014/main" id="{1A6919B0-5E57-4739-B46F-B31616A810D9}"/>
+                <a16:creationId xmlns:a16="http://schemas.microsoft.com/office/drawing/2014/main" xmlns="" id="{1A6919B0-5E57-4739-B46F-B31616A810D9}"/>
               </a:ext>
             </a:extLst>
           </p:cNvPr>
@@ -791,7 +792,7 @@
           <p:cNvPr id="2" name="Title 1">
             <a:extLst>
               <a:ext uri="{FF2B5EF4-FFF2-40B4-BE49-F238E27FC236}">
-                <a16:creationId xmlns:a16="http://schemas.microsoft.com/office/drawing/2014/main" id="{BF8E150B-E216-469C-9EF3-1F0F5714278F}"/>
+                <a16:creationId xmlns:a16="http://schemas.microsoft.com/office/drawing/2014/main" xmlns="" id="{BF8E150B-E216-469C-9EF3-1F0F5714278F}"/>
               </a:ext>
             </a:extLst>
           </p:cNvPr>
@@ -820,7 +821,7 @@
           <p:cNvPr id="3" name="Content Placeholder 2">
             <a:extLst>
               <a:ext uri="{FF2B5EF4-FFF2-40B4-BE49-F238E27FC236}">
-                <a16:creationId xmlns:a16="http://schemas.microsoft.com/office/drawing/2014/main" id="{4E3EA675-99A2-468B-93D1-46FEEA55F07C}"/>
+                <a16:creationId xmlns:a16="http://schemas.microsoft.com/office/drawing/2014/main" xmlns="" id="{4E3EA675-99A2-468B-93D1-46FEEA55F07C}"/>
               </a:ext>
             </a:extLst>
           </p:cNvPr>
@@ -878,7 +879,7 @@
           <p:cNvPr id="4" name="Date Placeholder 3">
             <a:extLst>
               <a:ext uri="{FF2B5EF4-FFF2-40B4-BE49-F238E27FC236}">
-                <a16:creationId xmlns:a16="http://schemas.microsoft.com/office/drawing/2014/main" id="{BB353DAF-9232-4FD2-96EB-ADCCA5855567}"/>
+                <a16:creationId xmlns:a16="http://schemas.microsoft.com/office/drawing/2014/main" xmlns="" id="{BB353DAF-9232-4FD2-96EB-ADCCA5855567}"/>
               </a:ext>
             </a:extLst>
           </p:cNvPr>
@@ -896,7 +897,7 @@
           <a:p>
             <a:fld id="{1AA5AC47-5BC2-484C-80BA-24EFF513DD12}" type="datetimeFigureOut">
               <a:rPr lang="en-IN" smtClean="0"/>
-              <a:t>08-11-2021</a:t>
+              <a:t>10-11-2021</a:t>
             </a:fld>
             <a:endParaRPr lang="en-IN"/>
           </a:p>
@@ -907,7 +908,7 @@
           <p:cNvPr id="5" name="Footer Placeholder 4">
             <a:extLst>
               <a:ext uri="{FF2B5EF4-FFF2-40B4-BE49-F238E27FC236}">
-                <a16:creationId xmlns:a16="http://schemas.microsoft.com/office/drawing/2014/main" id="{364BB921-BC61-44F2-825D-140F6DAFEC5D}"/>
+                <a16:creationId xmlns:a16="http://schemas.microsoft.com/office/drawing/2014/main" xmlns="" id="{364BB921-BC61-44F2-825D-140F6DAFEC5D}"/>
               </a:ext>
             </a:extLst>
           </p:cNvPr>
@@ -932,7 +933,7 @@
           <p:cNvPr id="6" name="Slide Number Placeholder 5">
             <a:extLst>
               <a:ext uri="{FF2B5EF4-FFF2-40B4-BE49-F238E27FC236}">
-                <a16:creationId xmlns:a16="http://schemas.microsoft.com/office/drawing/2014/main" id="{6C0574DB-BEEF-4E0A-ACC6-3A5EF3C06706}"/>
+                <a16:creationId xmlns:a16="http://schemas.microsoft.com/office/drawing/2014/main" xmlns="" id="{6C0574DB-BEEF-4E0A-ACC6-3A5EF3C06706}"/>
               </a:ext>
             </a:extLst>
           </p:cNvPr>
@@ -991,7 +992,7 @@
           <p:cNvPr id="2" name="Title 1">
             <a:extLst>
               <a:ext uri="{FF2B5EF4-FFF2-40B4-BE49-F238E27FC236}">
-                <a16:creationId xmlns:a16="http://schemas.microsoft.com/office/drawing/2014/main" id="{F1570C1F-3EAE-4443-B715-1BA91E4F6A89}"/>
+                <a16:creationId xmlns:a16="http://schemas.microsoft.com/office/drawing/2014/main" xmlns="" id="{F1570C1F-3EAE-4443-B715-1BA91E4F6A89}"/>
               </a:ext>
             </a:extLst>
           </p:cNvPr>
@@ -1029,7 +1030,7 @@
           <p:cNvPr id="3" name="Text Placeholder 2">
             <a:extLst>
               <a:ext uri="{FF2B5EF4-FFF2-40B4-BE49-F238E27FC236}">
-                <a16:creationId xmlns:a16="http://schemas.microsoft.com/office/drawing/2014/main" id="{FFEF6FF1-CE13-478E-BF6D-0510F93AF789}"/>
+                <a16:creationId xmlns:a16="http://schemas.microsoft.com/office/drawing/2014/main" xmlns="" id="{FFEF6FF1-CE13-478E-BF6D-0510F93AF789}"/>
               </a:ext>
             </a:extLst>
           </p:cNvPr>
@@ -1154,7 +1155,7 @@
           <p:cNvPr id="4" name="Date Placeholder 3">
             <a:extLst>
               <a:ext uri="{FF2B5EF4-FFF2-40B4-BE49-F238E27FC236}">
-                <a16:creationId xmlns:a16="http://schemas.microsoft.com/office/drawing/2014/main" id="{B2E1C887-51B6-46E7-B473-67C370949451}"/>
+                <a16:creationId xmlns:a16="http://schemas.microsoft.com/office/drawing/2014/main" xmlns="" id="{B2E1C887-51B6-46E7-B473-67C370949451}"/>
               </a:ext>
             </a:extLst>
           </p:cNvPr>
@@ -1172,7 +1173,7 @@
           <a:p>
             <a:fld id="{1AA5AC47-5BC2-484C-80BA-24EFF513DD12}" type="datetimeFigureOut">
               <a:rPr lang="en-IN" smtClean="0"/>
-              <a:t>08-11-2021</a:t>
+              <a:t>10-11-2021</a:t>
             </a:fld>
             <a:endParaRPr lang="en-IN"/>
           </a:p>
@@ -1183,7 +1184,7 @@
           <p:cNvPr id="5" name="Footer Placeholder 4">
             <a:extLst>
               <a:ext uri="{FF2B5EF4-FFF2-40B4-BE49-F238E27FC236}">
-                <a16:creationId xmlns:a16="http://schemas.microsoft.com/office/drawing/2014/main" id="{67BF367F-E2DF-412A-A011-DD02BEE5FF8D}"/>
+                <a16:creationId xmlns:a16="http://schemas.microsoft.com/office/drawing/2014/main" xmlns="" id="{67BF367F-E2DF-412A-A011-DD02BEE5FF8D}"/>
               </a:ext>
             </a:extLst>
           </p:cNvPr>
@@ -1208,7 +1209,7 @@
           <p:cNvPr id="6" name="Slide Number Placeholder 5">
             <a:extLst>
               <a:ext uri="{FF2B5EF4-FFF2-40B4-BE49-F238E27FC236}">
-                <a16:creationId xmlns:a16="http://schemas.microsoft.com/office/drawing/2014/main" id="{AC88DD6F-34F7-48EA-B36C-332824F3F4BD}"/>
+                <a16:creationId xmlns:a16="http://schemas.microsoft.com/office/drawing/2014/main" xmlns="" id="{AC88DD6F-34F7-48EA-B36C-332824F3F4BD}"/>
               </a:ext>
             </a:extLst>
           </p:cNvPr>
@@ -1267,7 +1268,7 @@
           <p:cNvPr id="2" name="Title 1">
             <a:extLst>
               <a:ext uri="{FF2B5EF4-FFF2-40B4-BE49-F238E27FC236}">
-                <a16:creationId xmlns:a16="http://schemas.microsoft.com/office/drawing/2014/main" id="{42ABAE2B-F990-490A-8A2B-DC1B468C4C9D}"/>
+                <a16:creationId xmlns:a16="http://schemas.microsoft.com/office/drawing/2014/main" xmlns="" id="{42ABAE2B-F990-490A-8A2B-DC1B468C4C9D}"/>
               </a:ext>
             </a:extLst>
           </p:cNvPr>
@@ -1296,7 +1297,7 @@
           <p:cNvPr id="3" name="Content Placeholder 2">
             <a:extLst>
               <a:ext uri="{FF2B5EF4-FFF2-40B4-BE49-F238E27FC236}">
-                <a16:creationId xmlns:a16="http://schemas.microsoft.com/office/drawing/2014/main" id="{0BCD8D17-D484-4209-B469-1D028CACC191}"/>
+                <a16:creationId xmlns:a16="http://schemas.microsoft.com/office/drawing/2014/main" xmlns="" id="{0BCD8D17-D484-4209-B469-1D028CACC191}"/>
               </a:ext>
             </a:extLst>
           </p:cNvPr>
@@ -1359,7 +1360,7 @@
           <p:cNvPr id="4" name="Content Placeholder 3">
             <a:extLst>
               <a:ext uri="{FF2B5EF4-FFF2-40B4-BE49-F238E27FC236}">
-                <a16:creationId xmlns:a16="http://schemas.microsoft.com/office/drawing/2014/main" id="{609EF4EA-AC12-4C1E-A56A-BAAF05F4BC5B}"/>
+                <a16:creationId xmlns:a16="http://schemas.microsoft.com/office/drawing/2014/main" xmlns="" id="{609EF4EA-AC12-4C1E-A56A-BAAF05F4BC5B}"/>
               </a:ext>
             </a:extLst>
           </p:cNvPr>
@@ -1422,7 +1423,7 @@
           <p:cNvPr id="5" name="Date Placeholder 4">
             <a:extLst>
               <a:ext uri="{FF2B5EF4-FFF2-40B4-BE49-F238E27FC236}">
-                <a16:creationId xmlns:a16="http://schemas.microsoft.com/office/drawing/2014/main" id="{47BD33E5-559F-4A20-9F2A-0F1CF39370E2}"/>
+                <a16:creationId xmlns:a16="http://schemas.microsoft.com/office/drawing/2014/main" xmlns="" id="{47BD33E5-559F-4A20-9F2A-0F1CF39370E2}"/>
               </a:ext>
             </a:extLst>
           </p:cNvPr>
@@ -1440,7 +1441,7 @@
           <a:p>
             <a:fld id="{1AA5AC47-5BC2-484C-80BA-24EFF513DD12}" type="datetimeFigureOut">
               <a:rPr lang="en-IN" smtClean="0"/>
-              <a:t>08-11-2021</a:t>
+              <a:t>10-11-2021</a:t>
             </a:fld>
             <a:endParaRPr lang="en-IN"/>
           </a:p>
@@ -1451,7 +1452,7 @@
           <p:cNvPr id="6" name="Footer Placeholder 5">
             <a:extLst>
               <a:ext uri="{FF2B5EF4-FFF2-40B4-BE49-F238E27FC236}">
-                <a16:creationId xmlns:a16="http://schemas.microsoft.com/office/drawing/2014/main" id="{4A883C9C-A604-439E-86FB-B2F61C2DE026}"/>
+                <a16:creationId xmlns:a16="http://schemas.microsoft.com/office/drawing/2014/main" xmlns="" id="{4A883C9C-A604-439E-86FB-B2F61C2DE026}"/>
               </a:ext>
             </a:extLst>
           </p:cNvPr>
@@ -1476,7 +1477,7 @@
           <p:cNvPr id="7" name="Slide Number Placeholder 6">
             <a:extLst>
               <a:ext uri="{FF2B5EF4-FFF2-40B4-BE49-F238E27FC236}">
-                <a16:creationId xmlns:a16="http://schemas.microsoft.com/office/drawing/2014/main" id="{0A423502-111A-4C6F-83C4-726C9E53D873}"/>
+                <a16:creationId xmlns:a16="http://schemas.microsoft.com/office/drawing/2014/main" xmlns="" id="{0A423502-111A-4C6F-83C4-726C9E53D873}"/>
               </a:ext>
             </a:extLst>
           </p:cNvPr>
@@ -1535,7 +1536,7 @@
           <p:cNvPr id="2" name="Title 1">
             <a:extLst>
               <a:ext uri="{FF2B5EF4-FFF2-40B4-BE49-F238E27FC236}">
-                <a16:creationId xmlns:a16="http://schemas.microsoft.com/office/drawing/2014/main" id="{4762B311-339D-448B-9205-82CDDB6668CD}"/>
+                <a16:creationId xmlns:a16="http://schemas.microsoft.com/office/drawing/2014/main" xmlns="" id="{4762B311-339D-448B-9205-82CDDB6668CD}"/>
               </a:ext>
             </a:extLst>
           </p:cNvPr>
@@ -1569,7 +1570,7 @@
           <p:cNvPr id="3" name="Text Placeholder 2">
             <a:extLst>
               <a:ext uri="{FF2B5EF4-FFF2-40B4-BE49-F238E27FC236}">
-                <a16:creationId xmlns:a16="http://schemas.microsoft.com/office/drawing/2014/main" id="{A233EB1A-8EB6-4F5A-B8A3-F041A9924429}"/>
+                <a16:creationId xmlns:a16="http://schemas.microsoft.com/office/drawing/2014/main" xmlns="" id="{A233EB1A-8EB6-4F5A-B8A3-F041A9924429}"/>
               </a:ext>
             </a:extLst>
           </p:cNvPr>
@@ -1640,7 +1641,7 @@
           <p:cNvPr id="4" name="Content Placeholder 3">
             <a:extLst>
               <a:ext uri="{FF2B5EF4-FFF2-40B4-BE49-F238E27FC236}">
-                <a16:creationId xmlns:a16="http://schemas.microsoft.com/office/drawing/2014/main" id="{195DCA69-6333-45A7-8E6A-295095A83F72}"/>
+                <a16:creationId xmlns:a16="http://schemas.microsoft.com/office/drawing/2014/main" xmlns="" id="{195DCA69-6333-45A7-8E6A-295095A83F72}"/>
               </a:ext>
             </a:extLst>
           </p:cNvPr>
@@ -1703,7 +1704,7 @@
           <p:cNvPr id="5" name="Text Placeholder 4">
             <a:extLst>
               <a:ext uri="{FF2B5EF4-FFF2-40B4-BE49-F238E27FC236}">
-                <a16:creationId xmlns:a16="http://schemas.microsoft.com/office/drawing/2014/main" id="{3BCF98AE-2080-4E4C-BB5C-529F768F8D7D}"/>
+                <a16:creationId xmlns:a16="http://schemas.microsoft.com/office/drawing/2014/main" xmlns="" id="{3BCF98AE-2080-4E4C-BB5C-529F768F8D7D}"/>
               </a:ext>
             </a:extLst>
           </p:cNvPr>
@@ -1774,7 +1775,7 @@
           <p:cNvPr id="6" name="Content Placeholder 5">
             <a:extLst>
               <a:ext uri="{FF2B5EF4-FFF2-40B4-BE49-F238E27FC236}">
-                <a16:creationId xmlns:a16="http://schemas.microsoft.com/office/drawing/2014/main" id="{F23879DC-B4F2-4F7C-BC69-4736E8EBD49C}"/>
+                <a16:creationId xmlns:a16="http://schemas.microsoft.com/office/drawing/2014/main" xmlns="" id="{F23879DC-B4F2-4F7C-BC69-4736E8EBD49C}"/>
               </a:ext>
             </a:extLst>
           </p:cNvPr>
@@ -1837,7 +1838,7 @@
           <p:cNvPr id="7" name="Date Placeholder 6">
             <a:extLst>
               <a:ext uri="{FF2B5EF4-FFF2-40B4-BE49-F238E27FC236}">
-                <a16:creationId xmlns:a16="http://schemas.microsoft.com/office/drawing/2014/main" id="{B9113094-6823-472F-AC58-290DBA7A10A1}"/>
+                <a16:creationId xmlns:a16="http://schemas.microsoft.com/office/drawing/2014/main" xmlns="" id="{B9113094-6823-472F-AC58-290DBA7A10A1}"/>
               </a:ext>
             </a:extLst>
           </p:cNvPr>
@@ -1855,7 +1856,7 @@
           <a:p>
             <a:fld id="{1AA5AC47-5BC2-484C-80BA-24EFF513DD12}" type="datetimeFigureOut">
               <a:rPr lang="en-IN" smtClean="0"/>
-              <a:t>08-11-2021</a:t>
+              <a:t>10-11-2021</a:t>
             </a:fld>
             <a:endParaRPr lang="en-IN"/>
           </a:p>
@@ -1866,7 +1867,7 @@
           <p:cNvPr id="8" name="Footer Placeholder 7">
             <a:extLst>
               <a:ext uri="{FF2B5EF4-FFF2-40B4-BE49-F238E27FC236}">
-                <a16:creationId xmlns:a16="http://schemas.microsoft.com/office/drawing/2014/main" id="{D607856D-26E0-48C8-A124-370D5E6E1802}"/>
+                <a16:creationId xmlns:a16="http://schemas.microsoft.com/office/drawing/2014/main" xmlns="" id="{D607856D-26E0-48C8-A124-370D5E6E1802}"/>
               </a:ext>
             </a:extLst>
           </p:cNvPr>
@@ -1891,7 +1892,7 @@
           <p:cNvPr id="9" name="Slide Number Placeholder 8">
             <a:extLst>
               <a:ext uri="{FF2B5EF4-FFF2-40B4-BE49-F238E27FC236}">
-                <a16:creationId xmlns:a16="http://schemas.microsoft.com/office/drawing/2014/main" id="{8FFEA9EB-1F9A-462D-8A1C-EF53ED1654F3}"/>
+                <a16:creationId xmlns:a16="http://schemas.microsoft.com/office/drawing/2014/main" xmlns="" id="{8FFEA9EB-1F9A-462D-8A1C-EF53ED1654F3}"/>
               </a:ext>
             </a:extLst>
           </p:cNvPr>
@@ -1950,7 +1951,7 @@
           <p:cNvPr id="2" name="Title 1">
             <a:extLst>
               <a:ext uri="{FF2B5EF4-FFF2-40B4-BE49-F238E27FC236}">
-                <a16:creationId xmlns:a16="http://schemas.microsoft.com/office/drawing/2014/main" id="{1B73D253-82B2-40BA-B7C6-BD1D1AEF97EF}"/>
+                <a16:creationId xmlns:a16="http://schemas.microsoft.com/office/drawing/2014/main" xmlns="" id="{1B73D253-82B2-40BA-B7C6-BD1D1AEF97EF}"/>
               </a:ext>
             </a:extLst>
           </p:cNvPr>
@@ -1979,7 +1980,7 @@
           <p:cNvPr id="3" name="Date Placeholder 2">
             <a:extLst>
               <a:ext uri="{FF2B5EF4-FFF2-40B4-BE49-F238E27FC236}">
-                <a16:creationId xmlns:a16="http://schemas.microsoft.com/office/drawing/2014/main" id="{3C4DE193-25BE-462D-ADC2-D55F4C33B788}"/>
+                <a16:creationId xmlns:a16="http://schemas.microsoft.com/office/drawing/2014/main" xmlns="" id="{3C4DE193-25BE-462D-ADC2-D55F4C33B788}"/>
               </a:ext>
             </a:extLst>
           </p:cNvPr>
@@ -1997,7 +1998,7 @@
           <a:p>
             <a:fld id="{1AA5AC47-5BC2-484C-80BA-24EFF513DD12}" type="datetimeFigureOut">
               <a:rPr lang="en-IN" smtClean="0"/>
-              <a:t>08-11-2021</a:t>
+              <a:t>10-11-2021</a:t>
             </a:fld>
             <a:endParaRPr lang="en-IN"/>
           </a:p>
@@ -2008,7 +2009,7 @@
           <p:cNvPr id="4" name="Footer Placeholder 3">
             <a:extLst>
               <a:ext uri="{FF2B5EF4-FFF2-40B4-BE49-F238E27FC236}">
-                <a16:creationId xmlns:a16="http://schemas.microsoft.com/office/drawing/2014/main" id="{C0E74FAE-7F84-43E2-A1F1-7C4A37743CE3}"/>
+                <a16:creationId xmlns:a16="http://schemas.microsoft.com/office/drawing/2014/main" xmlns="" id="{C0E74FAE-7F84-43E2-A1F1-7C4A37743CE3}"/>
               </a:ext>
             </a:extLst>
           </p:cNvPr>
@@ -2033,7 +2034,7 @@
           <p:cNvPr id="5" name="Slide Number Placeholder 4">
             <a:extLst>
               <a:ext uri="{FF2B5EF4-FFF2-40B4-BE49-F238E27FC236}">
-                <a16:creationId xmlns:a16="http://schemas.microsoft.com/office/drawing/2014/main" id="{428E7890-162B-4DD6-A6F3-5BBC205B876C}"/>
+                <a16:creationId xmlns:a16="http://schemas.microsoft.com/office/drawing/2014/main" xmlns="" id="{428E7890-162B-4DD6-A6F3-5BBC205B876C}"/>
               </a:ext>
             </a:extLst>
           </p:cNvPr>
@@ -2092,7 +2093,7 @@
           <p:cNvPr id="2" name="Date Placeholder 1">
             <a:extLst>
               <a:ext uri="{FF2B5EF4-FFF2-40B4-BE49-F238E27FC236}">
-                <a16:creationId xmlns:a16="http://schemas.microsoft.com/office/drawing/2014/main" id="{A732E3B0-E78B-47E2-B3D9-0FB9351D6277}"/>
+                <a16:creationId xmlns:a16="http://schemas.microsoft.com/office/drawing/2014/main" xmlns="" id="{A732E3B0-E78B-47E2-B3D9-0FB9351D6277}"/>
               </a:ext>
             </a:extLst>
           </p:cNvPr>
@@ -2110,7 +2111,7 @@
           <a:p>
             <a:fld id="{1AA5AC47-5BC2-484C-80BA-24EFF513DD12}" type="datetimeFigureOut">
               <a:rPr lang="en-IN" smtClean="0"/>
-              <a:t>08-11-2021</a:t>
+              <a:t>10-11-2021</a:t>
             </a:fld>
             <a:endParaRPr lang="en-IN"/>
           </a:p>
@@ -2121,7 +2122,7 @@
           <p:cNvPr id="3" name="Footer Placeholder 2">
             <a:extLst>
               <a:ext uri="{FF2B5EF4-FFF2-40B4-BE49-F238E27FC236}">
-                <a16:creationId xmlns:a16="http://schemas.microsoft.com/office/drawing/2014/main" id="{53D20DC8-C42C-4A18-9CDE-0B8C423BE64F}"/>
+                <a16:creationId xmlns:a16="http://schemas.microsoft.com/office/drawing/2014/main" xmlns="" id="{53D20DC8-C42C-4A18-9CDE-0B8C423BE64F}"/>
               </a:ext>
             </a:extLst>
           </p:cNvPr>
@@ -2146,7 +2147,7 @@
           <p:cNvPr id="4" name="Slide Number Placeholder 3">
             <a:extLst>
               <a:ext uri="{FF2B5EF4-FFF2-40B4-BE49-F238E27FC236}">
-                <a16:creationId xmlns:a16="http://schemas.microsoft.com/office/drawing/2014/main" id="{45BFB77B-0F13-424B-BC1F-B39E54443C82}"/>
+                <a16:creationId xmlns:a16="http://schemas.microsoft.com/office/drawing/2014/main" xmlns="" id="{45BFB77B-0F13-424B-BC1F-B39E54443C82}"/>
               </a:ext>
             </a:extLst>
           </p:cNvPr>
@@ -2205,7 +2206,7 @@
           <p:cNvPr id="2" name="Title 1">
             <a:extLst>
               <a:ext uri="{FF2B5EF4-FFF2-40B4-BE49-F238E27FC236}">
-                <a16:creationId xmlns:a16="http://schemas.microsoft.com/office/drawing/2014/main" id="{EAB03FCE-5B4D-43CC-9891-7A06EF85378A}"/>
+                <a16:creationId xmlns:a16="http://schemas.microsoft.com/office/drawing/2014/main" xmlns="" id="{EAB03FCE-5B4D-43CC-9891-7A06EF85378A}"/>
               </a:ext>
             </a:extLst>
           </p:cNvPr>
@@ -2243,7 +2244,7 @@
           <p:cNvPr id="3" name="Content Placeholder 2">
             <a:extLst>
               <a:ext uri="{FF2B5EF4-FFF2-40B4-BE49-F238E27FC236}">
-                <a16:creationId xmlns:a16="http://schemas.microsoft.com/office/drawing/2014/main" id="{04D708FD-3FF3-4AC1-AF70-F1E318273C90}"/>
+                <a16:creationId xmlns:a16="http://schemas.microsoft.com/office/drawing/2014/main" xmlns="" id="{04D708FD-3FF3-4AC1-AF70-F1E318273C90}"/>
               </a:ext>
             </a:extLst>
           </p:cNvPr>
@@ -2334,7 +2335,7 @@
           <p:cNvPr id="4" name="Text Placeholder 3">
             <a:extLst>
               <a:ext uri="{FF2B5EF4-FFF2-40B4-BE49-F238E27FC236}">
-                <a16:creationId xmlns:a16="http://schemas.microsoft.com/office/drawing/2014/main" id="{27172CC0-FEEA-445E-B0A4-E5B72DB9A13A}"/>
+                <a16:creationId xmlns:a16="http://schemas.microsoft.com/office/drawing/2014/main" xmlns="" id="{27172CC0-FEEA-445E-B0A4-E5B72DB9A13A}"/>
               </a:ext>
             </a:extLst>
           </p:cNvPr>
@@ -2405,7 +2406,7 @@
           <p:cNvPr id="5" name="Date Placeholder 4">
             <a:extLst>
               <a:ext uri="{FF2B5EF4-FFF2-40B4-BE49-F238E27FC236}">
-                <a16:creationId xmlns:a16="http://schemas.microsoft.com/office/drawing/2014/main" id="{52158AC7-4E41-4D1A-B22A-ACEA67A41749}"/>
+                <a16:creationId xmlns:a16="http://schemas.microsoft.com/office/drawing/2014/main" xmlns="" id="{52158AC7-4E41-4D1A-B22A-ACEA67A41749}"/>
               </a:ext>
             </a:extLst>
           </p:cNvPr>
@@ -2423,7 +2424,7 @@
           <a:p>
             <a:fld id="{1AA5AC47-5BC2-484C-80BA-24EFF513DD12}" type="datetimeFigureOut">
               <a:rPr lang="en-IN" smtClean="0"/>
-              <a:t>08-11-2021</a:t>
+              <a:t>10-11-2021</a:t>
             </a:fld>
             <a:endParaRPr lang="en-IN"/>
           </a:p>
@@ -2434,7 +2435,7 @@
           <p:cNvPr id="6" name="Footer Placeholder 5">
             <a:extLst>
               <a:ext uri="{FF2B5EF4-FFF2-40B4-BE49-F238E27FC236}">
-                <a16:creationId xmlns:a16="http://schemas.microsoft.com/office/drawing/2014/main" id="{869CC2E0-A178-4156-BD8C-D994B014D7A6}"/>
+                <a16:creationId xmlns:a16="http://schemas.microsoft.com/office/drawing/2014/main" xmlns="" id="{869CC2E0-A178-4156-BD8C-D994B014D7A6}"/>
               </a:ext>
             </a:extLst>
           </p:cNvPr>
@@ -2459,7 +2460,7 @@
           <p:cNvPr id="7" name="Slide Number Placeholder 6">
             <a:extLst>
               <a:ext uri="{FF2B5EF4-FFF2-40B4-BE49-F238E27FC236}">
-                <a16:creationId xmlns:a16="http://schemas.microsoft.com/office/drawing/2014/main" id="{1FD43812-3065-420A-AE8C-358A93D69905}"/>
+                <a16:creationId xmlns:a16="http://schemas.microsoft.com/office/drawing/2014/main" xmlns="" id="{1FD43812-3065-420A-AE8C-358A93D69905}"/>
               </a:ext>
             </a:extLst>
           </p:cNvPr>
@@ -2518,7 +2519,7 @@
           <p:cNvPr id="2" name="Title 1">
             <a:extLst>
               <a:ext uri="{FF2B5EF4-FFF2-40B4-BE49-F238E27FC236}">
-                <a16:creationId xmlns:a16="http://schemas.microsoft.com/office/drawing/2014/main" id="{5AFAF3EB-231D-4389-AFA0-2FD6506655F8}"/>
+                <a16:creationId xmlns:a16="http://schemas.microsoft.com/office/drawing/2014/main" xmlns="" id="{5AFAF3EB-231D-4389-AFA0-2FD6506655F8}"/>
               </a:ext>
             </a:extLst>
           </p:cNvPr>
@@ -2556,7 +2557,7 @@
           <p:cNvPr id="3" name="Picture Placeholder 2">
             <a:extLst>
               <a:ext uri="{FF2B5EF4-FFF2-40B4-BE49-F238E27FC236}">
-                <a16:creationId xmlns:a16="http://schemas.microsoft.com/office/drawing/2014/main" id="{FF7A3C75-CC07-46D6-97BF-6356F47132D1}"/>
+                <a16:creationId xmlns:a16="http://schemas.microsoft.com/office/drawing/2014/main" xmlns="" id="{FF7A3C75-CC07-46D6-97BF-6356F47132D1}"/>
               </a:ext>
             </a:extLst>
           </p:cNvPr>
@@ -2623,7 +2624,7 @@
           <p:cNvPr id="4" name="Text Placeholder 3">
             <a:extLst>
               <a:ext uri="{FF2B5EF4-FFF2-40B4-BE49-F238E27FC236}">
-                <a16:creationId xmlns:a16="http://schemas.microsoft.com/office/drawing/2014/main" id="{A73DD846-2088-4D12-A5B9-37C0359760E9}"/>
+                <a16:creationId xmlns:a16="http://schemas.microsoft.com/office/drawing/2014/main" xmlns="" id="{A73DD846-2088-4D12-A5B9-37C0359760E9}"/>
               </a:ext>
             </a:extLst>
           </p:cNvPr>
@@ -2694,7 +2695,7 @@
           <p:cNvPr id="5" name="Date Placeholder 4">
             <a:extLst>
               <a:ext uri="{FF2B5EF4-FFF2-40B4-BE49-F238E27FC236}">
-                <a16:creationId xmlns:a16="http://schemas.microsoft.com/office/drawing/2014/main" id="{952DDB2F-EDA4-458F-9BB6-0D82E07258E2}"/>
+                <a16:creationId xmlns:a16="http://schemas.microsoft.com/office/drawing/2014/main" xmlns="" id="{952DDB2F-EDA4-458F-9BB6-0D82E07258E2}"/>
               </a:ext>
             </a:extLst>
           </p:cNvPr>
@@ -2712,7 +2713,7 @@
           <a:p>
             <a:fld id="{1AA5AC47-5BC2-484C-80BA-24EFF513DD12}" type="datetimeFigureOut">
               <a:rPr lang="en-IN" smtClean="0"/>
-              <a:t>08-11-2021</a:t>
+              <a:t>10-11-2021</a:t>
             </a:fld>
             <a:endParaRPr lang="en-IN"/>
           </a:p>
@@ -2723,7 +2724,7 @@
           <p:cNvPr id="6" name="Footer Placeholder 5">
             <a:extLst>
               <a:ext uri="{FF2B5EF4-FFF2-40B4-BE49-F238E27FC236}">
-                <a16:creationId xmlns:a16="http://schemas.microsoft.com/office/drawing/2014/main" id="{420F08DD-EBFB-4266-B076-A2F980756DDC}"/>
+                <a16:creationId xmlns:a16="http://schemas.microsoft.com/office/drawing/2014/main" xmlns="" id="{420F08DD-EBFB-4266-B076-A2F980756DDC}"/>
               </a:ext>
             </a:extLst>
           </p:cNvPr>
@@ -2748,7 +2749,7 @@
           <p:cNvPr id="7" name="Slide Number Placeholder 6">
             <a:extLst>
               <a:ext uri="{FF2B5EF4-FFF2-40B4-BE49-F238E27FC236}">
-                <a16:creationId xmlns:a16="http://schemas.microsoft.com/office/drawing/2014/main" id="{6D25345A-F86A-4960-A1C4-8E881A62E5B4}"/>
+                <a16:creationId xmlns:a16="http://schemas.microsoft.com/office/drawing/2014/main" xmlns="" id="{6D25345A-F86A-4960-A1C4-8E881A62E5B4}"/>
               </a:ext>
             </a:extLst>
           </p:cNvPr>
@@ -2812,7 +2813,7 @@
           <p:cNvPr id="2" name="Title Placeholder 1">
             <a:extLst>
               <a:ext uri="{FF2B5EF4-FFF2-40B4-BE49-F238E27FC236}">
-                <a16:creationId xmlns:a16="http://schemas.microsoft.com/office/drawing/2014/main" id="{C4175E84-4BEA-4B29-97D5-FC88A9CEAFF2}"/>
+                <a16:creationId xmlns:a16="http://schemas.microsoft.com/office/drawing/2014/main" xmlns="" id="{C4175E84-4BEA-4B29-97D5-FC88A9CEAFF2}"/>
               </a:ext>
             </a:extLst>
           </p:cNvPr>
@@ -2851,7 +2852,7 @@
           <p:cNvPr id="3" name="Text Placeholder 2">
             <a:extLst>
               <a:ext uri="{FF2B5EF4-FFF2-40B4-BE49-F238E27FC236}">
-                <a16:creationId xmlns:a16="http://schemas.microsoft.com/office/drawing/2014/main" id="{8C957B72-BF62-4141-AEB4-3E44153F6552}"/>
+                <a16:creationId xmlns:a16="http://schemas.microsoft.com/office/drawing/2014/main" xmlns="" id="{8C957B72-BF62-4141-AEB4-3E44153F6552}"/>
               </a:ext>
             </a:extLst>
           </p:cNvPr>
@@ -2919,7 +2920,7 @@
           <p:cNvPr id="4" name="Date Placeholder 3">
             <a:extLst>
               <a:ext uri="{FF2B5EF4-FFF2-40B4-BE49-F238E27FC236}">
-                <a16:creationId xmlns:a16="http://schemas.microsoft.com/office/drawing/2014/main" id="{32062E18-EEC3-4089-929A-52B043802FD1}"/>
+                <a16:creationId xmlns:a16="http://schemas.microsoft.com/office/drawing/2014/main" xmlns="" id="{32062E18-EEC3-4089-929A-52B043802FD1}"/>
               </a:ext>
             </a:extLst>
           </p:cNvPr>
@@ -2955,7 +2956,7 @@
           <a:p>
             <a:fld id="{1AA5AC47-5BC2-484C-80BA-24EFF513DD12}" type="datetimeFigureOut">
               <a:rPr lang="en-IN" smtClean="0"/>
-              <a:t>08-11-2021</a:t>
+              <a:t>10-11-2021</a:t>
             </a:fld>
             <a:endParaRPr lang="en-IN"/>
           </a:p>
@@ -2966,7 +2967,7 @@
           <p:cNvPr id="5" name="Footer Placeholder 4">
             <a:extLst>
               <a:ext uri="{FF2B5EF4-FFF2-40B4-BE49-F238E27FC236}">
-                <a16:creationId xmlns:a16="http://schemas.microsoft.com/office/drawing/2014/main" id="{C7717E09-6E10-4B05-81B6-5E6F6EE6FC74}"/>
+                <a16:creationId xmlns:a16="http://schemas.microsoft.com/office/drawing/2014/main" xmlns="" id="{C7717E09-6E10-4B05-81B6-5E6F6EE6FC74}"/>
               </a:ext>
             </a:extLst>
           </p:cNvPr>
@@ -3009,7 +3010,7 @@
           <p:cNvPr id="6" name="Slide Number Placeholder 5">
             <a:extLst>
               <a:ext uri="{FF2B5EF4-FFF2-40B4-BE49-F238E27FC236}">
-                <a16:creationId xmlns:a16="http://schemas.microsoft.com/office/drawing/2014/main" id="{27735183-ECEA-49C4-85B1-B104BD80E308}"/>
+                <a16:creationId xmlns:a16="http://schemas.microsoft.com/office/drawing/2014/main" xmlns="" id="{27735183-ECEA-49C4-85B1-B104BD80E308}"/>
               </a:ext>
             </a:extLst>
           </p:cNvPr>
@@ -3377,7 +3378,7 @@
           <p:cNvPr id="5" name="Rectangle: Rounded Corners 4">
             <a:extLst>
               <a:ext uri="{FF2B5EF4-FFF2-40B4-BE49-F238E27FC236}">
-                <a16:creationId xmlns:a16="http://schemas.microsoft.com/office/drawing/2014/main" id="{3E5316B8-2CDC-470B-BBC3-7B3BB48F917E}"/>
+                <a16:creationId xmlns:a16="http://schemas.microsoft.com/office/drawing/2014/main" xmlns="" id="{3E5316B8-2CDC-470B-BBC3-7B3BB48F917E}"/>
               </a:ext>
             </a:extLst>
           </p:cNvPr>
@@ -3427,7 +3428,7 @@
           <p:cNvPr id="7" name="Rectangle: Rounded Corners 6">
             <a:extLst>
               <a:ext uri="{FF2B5EF4-FFF2-40B4-BE49-F238E27FC236}">
-                <a16:creationId xmlns:a16="http://schemas.microsoft.com/office/drawing/2014/main" id="{031644F9-1251-438C-BEB7-F907C2B49D54}"/>
+                <a16:creationId xmlns:a16="http://schemas.microsoft.com/office/drawing/2014/main" xmlns="" id="{031644F9-1251-438C-BEB7-F907C2B49D54}"/>
               </a:ext>
             </a:extLst>
           </p:cNvPr>
@@ -3484,7 +3485,7 @@
           <p:cNvPr id="11" name="Rectangle: Rounded Corners 10">
             <a:extLst>
               <a:ext uri="{FF2B5EF4-FFF2-40B4-BE49-F238E27FC236}">
-                <a16:creationId xmlns:a16="http://schemas.microsoft.com/office/drawing/2014/main" id="{E416CFAD-AF52-4649-A332-71DEE7426C23}"/>
+                <a16:creationId xmlns:a16="http://schemas.microsoft.com/office/drawing/2014/main" xmlns="" id="{E416CFAD-AF52-4649-A332-71DEE7426C23}"/>
               </a:ext>
             </a:extLst>
           </p:cNvPr>
@@ -3541,7 +3542,7 @@
           <p:cNvPr id="12" name="Rectangle: Rounded Corners 11">
             <a:extLst>
               <a:ext uri="{FF2B5EF4-FFF2-40B4-BE49-F238E27FC236}">
-                <a16:creationId xmlns:a16="http://schemas.microsoft.com/office/drawing/2014/main" id="{F81607E8-5979-4B1D-BCDC-0CDDE92D28C5}"/>
+                <a16:creationId xmlns:a16="http://schemas.microsoft.com/office/drawing/2014/main" xmlns="" id="{F81607E8-5979-4B1D-BCDC-0CDDE92D28C5}"/>
               </a:ext>
             </a:extLst>
           </p:cNvPr>
@@ -3591,7 +3592,7 @@
           <p:cNvPr id="14" name="Rectangle: Rounded Corners 13">
             <a:extLst>
               <a:ext uri="{FF2B5EF4-FFF2-40B4-BE49-F238E27FC236}">
-                <a16:creationId xmlns:a16="http://schemas.microsoft.com/office/drawing/2014/main" id="{F93F1191-805C-4602-B403-FBC4B23FDEE5}"/>
+                <a16:creationId xmlns:a16="http://schemas.microsoft.com/office/drawing/2014/main" xmlns="" id="{F93F1191-805C-4602-B403-FBC4B23FDEE5}"/>
               </a:ext>
             </a:extLst>
           </p:cNvPr>
@@ -3645,7 +3646,7 @@
           <p:cNvPr id="16" name="Connector: Elbow 15">
             <a:extLst>
               <a:ext uri="{FF2B5EF4-FFF2-40B4-BE49-F238E27FC236}">
-                <a16:creationId xmlns:a16="http://schemas.microsoft.com/office/drawing/2014/main" id="{F8E1CA97-7225-45D0-A081-33F98BF5BD88}"/>
+                <a16:creationId xmlns:a16="http://schemas.microsoft.com/office/drawing/2014/main" xmlns="" id="{F8E1CA97-7225-45D0-A081-33F98BF5BD88}"/>
               </a:ext>
             </a:extLst>
           </p:cNvPr>
@@ -3690,7 +3691,7 @@
           <p:cNvPr id="19" name="Rectangle: Rounded Corners 18">
             <a:extLst>
               <a:ext uri="{FF2B5EF4-FFF2-40B4-BE49-F238E27FC236}">
-                <a16:creationId xmlns:a16="http://schemas.microsoft.com/office/drawing/2014/main" id="{5BAF5724-2440-46B2-B4E0-C35E05FEFDFA}"/>
+                <a16:creationId xmlns:a16="http://schemas.microsoft.com/office/drawing/2014/main" xmlns="" id="{5BAF5724-2440-46B2-B4E0-C35E05FEFDFA}"/>
               </a:ext>
             </a:extLst>
           </p:cNvPr>
@@ -3996,7 +3997,7 @@
               <p:cNvPr id="8" name="Rectangle: Rounded Corners 1">
                 <a:extLst>
                   <a:ext uri="{FF2B5EF4-FFF2-40B4-BE49-F238E27FC236}">
-                    <a16:creationId xmlns:a16="http://schemas.microsoft.com/office/drawing/2014/main" id="{229043B8-923C-4A63-923B-ED47AB6F3179}"/>
+                    <a16:creationId xmlns:a16="http://schemas.microsoft.com/office/drawing/2014/main" xmlns="" id="{229043B8-923C-4A63-923B-ED47AB6F3179}"/>
                   </a:ext>
                 </a:extLst>
               </p:cNvPr>
@@ -4056,7 +4057,7 @@
               <p:cNvPr id="9" name="Rectangle 1">
                 <a:extLst>
                   <a:ext uri="{FF2B5EF4-FFF2-40B4-BE49-F238E27FC236}">
-                    <a16:creationId xmlns:a16="http://schemas.microsoft.com/office/drawing/2014/main" id="{FFE5BAF0-90A9-481D-AAC3-4466B273C9B9}"/>
+                    <a16:creationId xmlns:a16="http://schemas.microsoft.com/office/drawing/2014/main" xmlns="" id="{FFE5BAF0-90A9-481D-AAC3-4466B273C9B9}"/>
                   </a:ext>
                 </a:extLst>
               </p:cNvPr>
@@ -4323,7 +4324,7 @@
               <p:cNvPr id="10" name="Rectangle 1">
                 <a:extLst>
                   <a:ext uri="{FF2B5EF4-FFF2-40B4-BE49-F238E27FC236}">
-                    <a16:creationId xmlns:a16="http://schemas.microsoft.com/office/drawing/2014/main" id="{4A5862E7-0045-43EA-8731-76AF0AFFEB2B}"/>
+                    <a16:creationId xmlns:a16="http://schemas.microsoft.com/office/drawing/2014/main" xmlns="" id="{4A5862E7-0045-43EA-8731-76AF0AFFEB2B}"/>
                   </a:ext>
                 </a:extLst>
               </p:cNvPr>
@@ -4570,7 +4571,7 @@
             <p:cNvPr id="7" name="TextBox 6">
               <a:extLst>
                 <a:ext uri="{FF2B5EF4-FFF2-40B4-BE49-F238E27FC236}">
-                  <a16:creationId xmlns:a16="http://schemas.microsoft.com/office/drawing/2014/main" id="{C91224FA-ADA9-4075-AE2B-E0C6E149E540}"/>
+                  <a16:creationId xmlns:a16="http://schemas.microsoft.com/office/drawing/2014/main" xmlns="" id="{C91224FA-ADA9-4075-AE2B-E0C6E149E540}"/>
                 </a:ext>
               </a:extLst>
             </p:cNvPr>
@@ -4680,7 +4681,7 @@
               <p:cNvPr id="15" name="Rectangle: Rounded Corners 1">
                 <a:extLst>
                   <a:ext uri="{FF2B5EF4-FFF2-40B4-BE49-F238E27FC236}">
-                    <a16:creationId xmlns:a16="http://schemas.microsoft.com/office/drawing/2014/main" id="{229043B8-923C-4A63-923B-ED47AB6F3179}"/>
+                    <a16:creationId xmlns:a16="http://schemas.microsoft.com/office/drawing/2014/main" xmlns="" id="{229043B8-923C-4A63-923B-ED47AB6F3179}"/>
                   </a:ext>
                 </a:extLst>
               </p:cNvPr>
@@ -4740,7 +4741,7 @@
               <p:cNvPr id="16" name="Rectangle 1">
                 <a:extLst>
                   <a:ext uri="{FF2B5EF4-FFF2-40B4-BE49-F238E27FC236}">
-                    <a16:creationId xmlns:a16="http://schemas.microsoft.com/office/drawing/2014/main" id="{FFE5BAF0-90A9-481D-AAC3-4466B273C9B9}"/>
+                    <a16:creationId xmlns:a16="http://schemas.microsoft.com/office/drawing/2014/main" xmlns="" id="{FFE5BAF0-90A9-481D-AAC3-4466B273C9B9}"/>
                   </a:ext>
                 </a:extLst>
               </p:cNvPr>
@@ -5007,7 +5008,7 @@
               <p:cNvPr id="17" name="Rectangle 1">
                 <a:extLst>
                   <a:ext uri="{FF2B5EF4-FFF2-40B4-BE49-F238E27FC236}">
-                    <a16:creationId xmlns:a16="http://schemas.microsoft.com/office/drawing/2014/main" id="{4A5862E7-0045-43EA-8731-76AF0AFFEB2B}"/>
+                    <a16:creationId xmlns:a16="http://schemas.microsoft.com/office/drawing/2014/main" xmlns="" id="{4A5862E7-0045-43EA-8731-76AF0AFFEB2B}"/>
                   </a:ext>
                 </a:extLst>
               </p:cNvPr>
@@ -5254,7 +5255,7 @@
             <p:cNvPr id="14" name="TextBox 13">
               <a:extLst>
                 <a:ext uri="{FF2B5EF4-FFF2-40B4-BE49-F238E27FC236}">
-                  <a16:creationId xmlns:a16="http://schemas.microsoft.com/office/drawing/2014/main" id="{C91224FA-ADA9-4075-AE2B-E0C6E149E540}"/>
+                  <a16:creationId xmlns:a16="http://schemas.microsoft.com/office/drawing/2014/main" xmlns="" id="{C91224FA-ADA9-4075-AE2B-E0C6E149E540}"/>
                 </a:ext>
               </a:extLst>
             </p:cNvPr>
@@ -5868,7 +5869,7 @@
           <p:cNvPr id="46" name="Rectangle: Rounded Corners 62">
             <a:extLst>
               <a:ext uri="{FF2B5EF4-FFF2-40B4-BE49-F238E27FC236}">
-                <a16:creationId xmlns:a16="http://schemas.microsoft.com/office/drawing/2014/main" id="{61D3D070-24FE-4EF4-AD82-4932219E03A8}"/>
+                <a16:creationId xmlns:a16="http://schemas.microsoft.com/office/drawing/2014/main" xmlns="" id="{61D3D070-24FE-4EF4-AD82-4932219E03A8}"/>
               </a:ext>
             </a:extLst>
           </p:cNvPr>
@@ -6131,7 +6132,7 @@
                 <p:cNvPr id="21" name="Rectangle: Rounded Corners 1">
                   <a:extLst>
                     <a:ext uri="{FF2B5EF4-FFF2-40B4-BE49-F238E27FC236}">
-                      <a16:creationId xmlns:a16="http://schemas.microsoft.com/office/drawing/2014/main" id="{229043B8-923C-4A63-923B-ED47AB6F3179}"/>
+                      <a16:creationId xmlns:a16="http://schemas.microsoft.com/office/drawing/2014/main" xmlns="" id="{229043B8-923C-4A63-923B-ED47AB6F3179}"/>
                     </a:ext>
                   </a:extLst>
                 </p:cNvPr>
@@ -6191,7 +6192,7 @@
                 <p:cNvPr id="22" name="Rectangle 1">
                   <a:extLst>
                     <a:ext uri="{FF2B5EF4-FFF2-40B4-BE49-F238E27FC236}">
-                      <a16:creationId xmlns:a16="http://schemas.microsoft.com/office/drawing/2014/main" id="{FFE5BAF0-90A9-481D-AAC3-4466B273C9B9}"/>
+                      <a16:creationId xmlns:a16="http://schemas.microsoft.com/office/drawing/2014/main" xmlns="" id="{FFE5BAF0-90A9-481D-AAC3-4466B273C9B9}"/>
                     </a:ext>
                   </a:extLst>
                 </p:cNvPr>
@@ -6446,7 +6447,7 @@
                 <p:cNvPr id="23" name="Rectangle 1">
                   <a:extLst>
                     <a:ext uri="{FF2B5EF4-FFF2-40B4-BE49-F238E27FC236}">
-                      <a16:creationId xmlns:a16="http://schemas.microsoft.com/office/drawing/2014/main" id="{4A5862E7-0045-43EA-8731-76AF0AFFEB2B}"/>
+                      <a16:creationId xmlns:a16="http://schemas.microsoft.com/office/drawing/2014/main" xmlns="" id="{4A5862E7-0045-43EA-8731-76AF0AFFEB2B}"/>
                     </a:ext>
                   </a:extLst>
                 </p:cNvPr>
@@ -6761,7 +6762,7 @@
             <p:cNvPr id="34" name="Rectangle 1">
               <a:extLst>
                 <a:ext uri="{FF2B5EF4-FFF2-40B4-BE49-F238E27FC236}">
-                  <a16:creationId xmlns:a16="http://schemas.microsoft.com/office/drawing/2014/main" id="{7ACE0809-F724-4F82-8F30-59BB9374E8CB}"/>
+                  <a16:creationId xmlns:a16="http://schemas.microsoft.com/office/drawing/2014/main" xmlns="" id="{7ACE0809-F724-4F82-8F30-59BB9374E8CB}"/>
                 </a:ext>
               </a:extLst>
             </p:cNvPr>
@@ -7012,7 +7013,7 @@
                 <p:cNvPr id="42" name="Rectangle: Rounded Corners 1">
                   <a:extLst>
                     <a:ext uri="{FF2B5EF4-FFF2-40B4-BE49-F238E27FC236}">
-                      <a16:creationId xmlns:a16="http://schemas.microsoft.com/office/drawing/2014/main" id="{229043B8-923C-4A63-923B-ED47AB6F3179}"/>
+                      <a16:creationId xmlns:a16="http://schemas.microsoft.com/office/drawing/2014/main" xmlns="" id="{229043B8-923C-4A63-923B-ED47AB6F3179}"/>
                     </a:ext>
                   </a:extLst>
                 </p:cNvPr>
@@ -7072,7 +7073,7 @@
                 <p:cNvPr id="43" name="Rectangle 1">
                   <a:extLst>
                     <a:ext uri="{FF2B5EF4-FFF2-40B4-BE49-F238E27FC236}">
-                      <a16:creationId xmlns:a16="http://schemas.microsoft.com/office/drawing/2014/main" id="{FFE5BAF0-90A9-481D-AAC3-4466B273C9B9}"/>
+                      <a16:creationId xmlns:a16="http://schemas.microsoft.com/office/drawing/2014/main" xmlns="" id="{FFE5BAF0-90A9-481D-AAC3-4466B273C9B9}"/>
                     </a:ext>
                   </a:extLst>
                 </p:cNvPr>
@@ -7339,7 +7340,7 @@
                 <p:cNvPr id="44" name="Rectangle 1">
                   <a:extLst>
                     <a:ext uri="{FF2B5EF4-FFF2-40B4-BE49-F238E27FC236}">
-                      <a16:creationId xmlns:a16="http://schemas.microsoft.com/office/drawing/2014/main" id="{4A5862E7-0045-43EA-8731-76AF0AFFEB2B}"/>
+                      <a16:creationId xmlns:a16="http://schemas.microsoft.com/office/drawing/2014/main" xmlns="" id="{4A5862E7-0045-43EA-8731-76AF0AFFEB2B}"/>
                     </a:ext>
                   </a:extLst>
                 </p:cNvPr>
@@ -7654,7 +7655,7 @@
             <p:cNvPr id="38" name="Rectangle 1">
               <a:extLst>
                 <a:ext uri="{FF2B5EF4-FFF2-40B4-BE49-F238E27FC236}">
-                  <a16:creationId xmlns:a16="http://schemas.microsoft.com/office/drawing/2014/main" id="{7ACE0809-F724-4F82-8F30-59BB9374E8CB}"/>
+                  <a16:creationId xmlns:a16="http://schemas.microsoft.com/office/drawing/2014/main" xmlns="" id="{7ACE0809-F724-4F82-8F30-59BB9374E8CB}"/>
                 </a:ext>
               </a:extLst>
             </p:cNvPr>
@@ -7876,7 +7877,7 @@
           <p:cNvPr id="54" name="Rectangle 1">
             <a:extLst>
               <a:ext uri="{FF2B5EF4-FFF2-40B4-BE49-F238E27FC236}">
-                <a16:creationId xmlns:a16="http://schemas.microsoft.com/office/drawing/2014/main" id="{FFE5BAF0-90A9-481D-AAC3-4466B273C9B9}"/>
+                <a16:creationId xmlns:a16="http://schemas.microsoft.com/office/drawing/2014/main" xmlns="" id="{FFE5BAF0-90A9-481D-AAC3-4466B273C9B9}"/>
               </a:ext>
             </a:extLst>
           </p:cNvPr>
@@ -8162,7 +8163,7 @@
           <p:cNvPr id="55" name="Rectangle 1">
             <a:extLst>
               <a:ext uri="{FF2B5EF4-FFF2-40B4-BE49-F238E27FC236}">
-                <a16:creationId xmlns:a16="http://schemas.microsoft.com/office/drawing/2014/main" id="{FFE5BAF0-90A9-481D-AAC3-4466B273C9B9}"/>
+                <a16:creationId xmlns:a16="http://schemas.microsoft.com/office/drawing/2014/main" xmlns="" id="{FFE5BAF0-90A9-481D-AAC3-4466B273C9B9}"/>
               </a:ext>
             </a:extLst>
           </p:cNvPr>
@@ -9306,7 +9307,7 @@
                 <p:cNvPr id="8" name="Rectangle: Rounded Corners 1">
                   <a:extLst>
                     <a:ext uri="{FF2B5EF4-FFF2-40B4-BE49-F238E27FC236}">
-                      <a16:creationId xmlns:a16="http://schemas.microsoft.com/office/drawing/2014/main" id="{229043B8-923C-4A63-923B-ED47AB6F3179}"/>
+                      <a16:creationId xmlns:a16="http://schemas.microsoft.com/office/drawing/2014/main" xmlns="" id="{229043B8-923C-4A63-923B-ED47AB6F3179}"/>
                     </a:ext>
                   </a:extLst>
                 </p:cNvPr>
@@ -9366,7 +9367,7 @@
                 <p:cNvPr id="9" name="Rectangle 1">
                   <a:extLst>
                     <a:ext uri="{FF2B5EF4-FFF2-40B4-BE49-F238E27FC236}">
-                      <a16:creationId xmlns:a16="http://schemas.microsoft.com/office/drawing/2014/main" id="{FFE5BAF0-90A9-481D-AAC3-4466B273C9B9}"/>
+                      <a16:creationId xmlns:a16="http://schemas.microsoft.com/office/drawing/2014/main" xmlns="" id="{FFE5BAF0-90A9-481D-AAC3-4466B273C9B9}"/>
                     </a:ext>
                   </a:extLst>
                 </p:cNvPr>
@@ -9621,7 +9622,7 @@
                 <p:cNvPr id="10" name="Rectangle 1">
                   <a:extLst>
                     <a:ext uri="{FF2B5EF4-FFF2-40B4-BE49-F238E27FC236}">
-                      <a16:creationId xmlns:a16="http://schemas.microsoft.com/office/drawing/2014/main" id="{4A5862E7-0045-43EA-8731-76AF0AFFEB2B}"/>
+                      <a16:creationId xmlns:a16="http://schemas.microsoft.com/office/drawing/2014/main" xmlns="" id="{4A5862E7-0045-43EA-8731-76AF0AFFEB2B}"/>
                     </a:ext>
                   </a:extLst>
                 </p:cNvPr>
@@ -9936,7 +9937,7 @@
             <p:cNvPr id="4" name="Rectangle 1">
               <a:extLst>
                 <a:ext uri="{FF2B5EF4-FFF2-40B4-BE49-F238E27FC236}">
-                  <a16:creationId xmlns:a16="http://schemas.microsoft.com/office/drawing/2014/main" id="{7ACE0809-F724-4F82-8F30-59BB9374E8CB}"/>
+                  <a16:creationId xmlns:a16="http://schemas.microsoft.com/office/drawing/2014/main" xmlns="" id="{7ACE0809-F724-4F82-8F30-59BB9374E8CB}"/>
                 </a:ext>
               </a:extLst>
             </p:cNvPr>
@@ -10187,7 +10188,7 @@
                 <p:cNvPr id="17" name="Rectangle: Rounded Corners 1">
                   <a:extLst>
                     <a:ext uri="{FF2B5EF4-FFF2-40B4-BE49-F238E27FC236}">
-                      <a16:creationId xmlns:a16="http://schemas.microsoft.com/office/drawing/2014/main" id="{229043B8-923C-4A63-923B-ED47AB6F3179}"/>
+                      <a16:creationId xmlns:a16="http://schemas.microsoft.com/office/drawing/2014/main" xmlns="" id="{229043B8-923C-4A63-923B-ED47AB6F3179}"/>
                     </a:ext>
                   </a:extLst>
                 </p:cNvPr>
@@ -10247,7 +10248,7 @@
                 <p:cNvPr id="18" name="Rectangle 1">
                   <a:extLst>
                     <a:ext uri="{FF2B5EF4-FFF2-40B4-BE49-F238E27FC236}">
-                      <a16:creationId xmlns:a16="http://schemas.microsoft.com/office/drawing/2014/main" id="{FFE5BAF0-90A9-481D-AAC3-4466B273C9B9}"/>
+                      <a16:creationId xmlns:a16="http://schemas.microsoft.com/office/drawing/2014/main" xmlns="" id="{FFE5BAF0-90A9-481D-AAC3-4466B273C9B9}"/>
                     </a:ext>
                   </a:extLst>
                 </p:cNvPr>
@@ -10514,7 +10515,7 @@
                 <p:cNvPr id="19" name="Rectangle 1">
                   <a:extLst>
                     <a:ext uri="{FF2B5EF4-FFF2-40B4-BE49-F238E27FC236}">
-                      <a16:creationId xmlns:a16="http://schemas.microsoft.com/office/drawing/2014/main" id="{4A5862E7-0045-43EA-8731-76AF0AFFEB2B}"/>
+                      <a16:creationId xmlns:a16="http://schemas.microsoft.com/office/drawing/2014/main" xmlns="" id="{4A5862E7-0045-43EA-8731-76AF0AFFEB2B}"/>
                     </a:ext>
                   </a:extLst>
                 </p:cNvPr>
@@ -10829,7 +10830,7 @@
             <p:cNvPr id="13" name="Rectangle 1">
               <a:extLst>
                 <a:ext uri="{FF2B5EF4-FFF2-40B4-BE49-F238E27FC236}">
-                  <a16:creationId xmlns:a16="http://schemas.microsoft.com/office/drawing/2014/main" id="{7ACE0809-F724-4F82-8F30-59BB9374E8CB}"/>
+                  <a16:creationId xmlns:a16="http://schemas.microsoft.com/office/drawing/2014/main" xmlns="" id="{7ACE0809-F724-4F82-8F30-59BB9374E8CB}"/>
                 </a:ext>
               </a:extLst>
             </p:cNvPr>
@@ -11051,7 +11052,7 @@
           <p:cNvPr id="20" name="Rectangle 1">
             <a:extLst>
               <a:ext uri="{FF2B5EF4-FFF2-40B4-BE49-F238E27FC236}">
-                <a16:creationId xmlns:a16="http://schemas.microsoft.com/office/drawing/2014/main" id="{FFE5BAF0-90A9-481D-AAC3-4466B273C9B9}"/>
+                <a16:creationId xmlns:a16="http://schemas.microsoft.com/office/drawing/2014/main" xmlns="" id="{FFE5BAF0-90A9-481D-AAC3-4466B273C9B9}"/>
               </a:ext>
             </a:extLst>
           </p:cNvPr>
@@ -11337,7 +11338,7 @@
           <p:cNvPr id="21" name="Rectangle 1">
             <a:extLst>
               <a:ext uri="{FF2B5EF4-FFF2-40B4-BE49-F238E27FC236}">
-                <a16:creationId xmlns:a16="http://schemas.microsoft.com/office/drawing/2014/main" id="{FFE5BAF0-90A9-481D-AAC3-4466B273C9B9}"/>
+                <a16:creationId xmlns:a16="http://schemas.microsoft.com/office/drawing/2014/main" xmlns="" id="{FFE5BAF0-90A9-481D-AAC3-4466B273C9B9}"/>
               </a:ext>
             </a:extLst>
           </p:cNvPr>
@@ -11865,13 +11866,18 @@
                 <a:buChar char="•"/>
               </a:pPr>
               <a:r>
-                <a:rPr lang="en-US" sz="1400" i="1" dirty="0">
+                <a:rPr lang="en-US" sz="1400" i="1" dirty="0" smtClean="0">
                   <a:solidFill>
                     <a:srgbClr val="FF0000"/>
                   </a:solidFill>
                 </a:rPr>
                 <a:t>PUBLIC((SEARCH_ALL)</a:t>
               </a:r>
+              <a:endParaRPr lang="en-US" sz="1400" i="1" dirty="0">
+                <a:solidFill>
+                  <a:srgbClr val="FF0000"/>
+                </a:solidFill>
+              </a:endParaRPr>
             </a:p>
           </p:txBody>
         </p:sp>
@@ -12575,7 +12581,7 @@
           <p:cNvPr id="54" name="Rectangle 1">
             <a:extLst>
               <a:ext uri="{FF2B5EF4-FFF2-40B4-BE49-F238E27FC236}">
-                <a16:creationId xmlns:a16="http://schemas.microsoft.com/office/drawing/2014/main" id="{FFE5BAF0-90A9-481D-AAC3-4466B273C9B9}"/>
+                <a16:creationId xmlns:a16="http://schemas.microsoft.com/office/drawing/2014/main" xmlns="" id="{FFE5BAF0-90A9-481D-AAC3-4466B273C9B9}"/>
               </a:ext>
             </a:extLst>
           </p:cNvPr>
@@ -12830,7 +12836,7 @@
           <p:cNvPr id="55" name="Rectangle 1">
             <a:extLst>
               <a:ext uri="{FF2B5EF4-FFF2-40B4-BE49-F238E27FC236}">
-                <a16:creationId xmlns:a16="http://schemas.microsoft.com/office/drawing/2014/main" id="{FFE5BAF0-90A9-481D-AAC3-4466B273C9B9}"/>
+                <a16:creationId xmlns:a16="http://schemas.microsoft.com/office/drawing/2014/main" xmlns="" id="{FFE5BAF0-90A9-481D-AAC3-4466B273C9B9}"/>
               </a:ext>
             </a:extLst>
           </p:cNvPr>
@@ -13115,7 +13121,7 @@
           <p:cNvPr id="2" name="TextBox 1">
             <a:extLst>
               <a:ext uri="{FF2B5EF4-FFF2-40B4-BE49-F238E27FC236}">
-                <a16:creationId xmlns:a16="http://schemas.microsoft.com/office/drawing/2014/main" id="{59FF71CE-4718-4998-A939-849367C126BB}"/>
+                <a16:creationId xmlns:a16="http://schemas.microsoft.com/office/drawing/2014/main" xmlns="" id="{59FF71CE-4718-4998-A939-849367C126BB}"/>
               </a:ext>
             </a:extLst>
           </p:cNvPr>
@@ -13155,7 +13161,7 @@
           <p:cNvPr id="9" name="Group 8">
             <a:extLst>
               <a:ext uri="{FF2B5EF4-FFF2-40B4-BE49-F238E27FC236}">
-                <a16:creationId xmlns:a16="http://schemas.microsoft.com/office/drawing/2014/main" id="{51336803-1319-4FC8-9B9F-9C372A22F983}"/>
+                <a16:creationId xmlns:a16="http://schemas.microsoft.com/office/drawing/2014/main" xmlns="" id="{51336803-1319-4FC8-9B9F-9C372A22F983}"/>
               </a:ext>
             </a:extLst>
           </p:cNvPr>
@@ -13175,7 +13181,7 @@
             <p:cNvPr id="4" name="Picture 3">
               <a:extLst>
                 <a:ext uri="{FF2B5EF4-FFF2-40B4-BE49-F238E27FC236}">
-                  <a16:creationId xmlns:a16="http://schemas.microsoft.com/office/drawing/2014/main" id="{E1DB4102-09F1-49DC-8A0E-6DA1D369689A}"/>
+                  <a16:creationId xmlns:a16="http://schemas.microsoft.com/office/drawing/2014/main" xmlns="" id="{E1DB4102-09F1-49DC-8A0E-6DA1D369689A}"/>
                 </a:ext>
               </a:extLst>
             </p:cNvPr>
@@ -13205,7 +13211,7 @@
             <p:cNvPr id="6" name="Picture 5">
               <a:extLst>
                 <a:ext uri="{FF2B5EF4-FFF2-40B4-BE49-F238E27FC236}">
-                  <a16:creationId xmlns:a16="http://schemas.microsoft.com/office/drawing/2014/main" id="{A56076EB-E8ED-46B2-8428-D7449B933227}"/>
+                  <a16:creationId xmlns:a16="http://schemas.microsoft.com/office/drawing/2014/main" xmlns="" id="{A56076EB-E8ED-46B2-8428-D7449B933227}"/>
                 </a:ext>
               </a:extLst>
             </p:cNvPr>
@@ -13235,7 +13241,7 @@
             <p:cNvPr id="7" name="TextBox 6">
               <a:extLst>
                 <a:ext uri="{FF2B5EF4-FFF2-40B4-BE49-F238E27FC236}">
-                  <a16:creationId xmlns:a16="http://schemas.microsoft.com/office/drawing/2014/main" id="{6241F056-6390-4B70-BEF6-58B3556C4186}"/>
+                  <a16:creationId xmlns:a16="http://schemas.microsoft.com/office/drawing/2014/main" xmlns="" id="{6241F056-6390-4B70-BEF6-58B3556C4186}"/>
                 </a:ext>
               </a:extLst>
             </p:cNvPr>
@@ -13271,7 +13277,7 @@
             <p:cNvPr id="8" name="TextBox 7">
               <a:extLst>
                 <a:ext uri="{FF2B5EF4-FFF2-40B4-BE49-F238E27FC236}">
-                  <a16:creationId xmlns:a16="http://schemas.microsoft.com/office/drawing/2014/main" id="{8FEB0888-ED11-440B-BF23-764F260D8FB5}"/>
+                  <a16:creationId xmlns:a16="http://schemas.microsoft.com/office/drawing/2014/main" xmlns="" id="{8FEB0888-ED11-440B-BF23-764F260D8FB5}"/>
                 </a:ext>
               </a:extLst>
             </p:cNvPr>
@@ -14378,7 +14384,7 @@
           <p:cNvPr id="39" name="TextBox 38">
             <a:extLst>
               <a:ext uri="{FF2B5EF4-FFF2-40B4-BE49-F238E27FC236}">
-                <a16:creationId xmlns:a16="http://schemas.microsoft.com/office/drawing/2014/main" id="{59FF71CE-4718-4998-A939-849367C126BB}"/>
+                <a16:creationId xmlns:a16="http://schemas.microsoft.com/office/drawing/2014/main" xmlns="" id="{59FF71CE-4718-4998-A939-849367C126BB}"/>
               </a:ext>
             </a:extLst>
           </p:cNvPr>
@@ -14443,7 +14449,7 @@
           <p:cNvPr id="9" name="Group 8">
             <a:extLst>
               <a:ext uri="{FF2B5EF4-FFF2-40B4-BE49-F238E27FC236}">
-                <a16:creationId xmlns:a16="http://schemas.microsoft.com/office/drawing/2014/main" id="{8200B9DB-3DBF-4EDA-84A3-2ACB320CEA64}"/>
+                <a16:creationId xmlns:a16="http://schemas.microsoft.com/office/drawing/2014/main" xmlns="" id="{8200B9DB-3DBF-4EDA-84A3-2ACB320CEA64}"/>
               </a:ext>
             </a:extLst>
           </p:cNvPr>
@@ -14463,7 +14469,7 @@
             <p:cNvPr id="2" name="Rectangle: Single Corner Snipped 1">
               <a:extLst>
                 <a:ext uri="{FF2B5EF4-FFF2-40B4-BE49-F238E27FC236}">
-                  <a16:creationId xmlns:a16="http://schemas.microsoft.com/office/drawing/2014/main" id="{9998021B-5362-4394-835D-AF384CBE9DF0}"/>
+                  <a16:creationId xmlns:a16="http://schemas.microsoft.com/office/drawing/2014/main" xmlns="" id="{9998021B-5362-4394-835D-AF384CBE9DF0}"/>
                 </a:ext>
               </a:extLst>
             </p:cNvPr>
@@ -14522,7 +14528,7 @@
             <p:cNvPr id="3" name="Rectangle: Single Corner Snipped 2">
               <a:extLst>
                 <a:ext uri="{FF2B5EF4-FFF2-40B4-BE49-F238E27FC236}">
-                  <a16:creationId xmlns:a16="http://schemas.microsoft.com/office/drawing/2014/main" id="{4B54FDB5-760B-4F7C-AD7C-9EA6A242C534}"/>
+                  <a16:creationId xmlns:a16="http://schemas.microsoft.com/office/drawing/2014/main" xmlns="" id="{4B54FDB5-760B-4F7C-AD7C-9EA6A242C534}"/>
                 </a:ext>
               </a:extLst>
             </p:cNvPr>
@@ -14806,7 +14812,7 @@
             <p:cNvPr id="5" name="Connector: Elbow 4">
               <a:extLst>
                 <a:ext uri="{FF2B5EF4-FFF2-40B4-BE49-F238E27FC236}">
-                  <a16:creationId xmlns:a16="http://schemas.microsoft.com/office/drawing/2014/main" id="{58563EAD-6AB4-4D8F-9984-14220B28A0E3}"/>
+                  <a16:creationId xmlns:a16="http://schemas.microsoft.com/office/drawing/2014/main" xmlns="" id="{58563EAD-6AB4-4D8F-9984-14220B28A0E3}"/>
                 </a:ext>
               </a:extLst>
             </p:cNvPr>
@@ -14853,7 +14859,7 @@
           <p:cNvPr id="8" name="Picture 7">
             <a:extLst>
               <a:ext uri="{FF2B5EF4-FFF2-40B4-BE49-F238E27FC236}">
-                <a16:creationId xmlns:a16="http://schemas.microsoft.com/office/drawing/2014/main" id="{E312D62F-FAC7-4647-A93E-B713442FAF1D}"/>
+                <a16:creationId xmlns:a16="http://schemas.microsoft.com/office/drawing/2014/main" xmlns="" id="{E312D62F-FAC7-4647-A93E-B713442FAF1D}"/>
               </a:ext>
             </a:extLst>
           </p:cNvPr>
@@ -14883,7 +14889,7 @@
           <p:cNvPr id="11" name="Picture 10">
             <a:extLst>
               <a:ext uri="{FF2B5EF4-FFF2-40B4-BE49-F238E27FC236}">
-                <a16:creationId xmlns:a16="http://schemas.microsoft.com/office/drawing/2014/main" id="{DBDA84AC-E3E2-4310-A639-C480B7996D46}"/>
+                <a16:creationId xmlns:a16="http://schemas.microsoft.com/office/drawing/2014/main" xmlns="" id="{DBDA84AC-E3E2-4310-A639-C480B7996D46}"/>
               </a:ext>
             </a:extLst>
           </p:cNvPr>
@@ -14913,7 +14919,7 @@
           <p:cNvPr id="12" name="TextBox 11">
             <a:extLst>
               <a:ext uri="{FF2B5EF4-FFF2-40B4-BE49-F238E27FC236}">
-                <a16:creationId xmlns:a16="http://schemas.microsoft.com/office/drawing/2014/main" id="{4804A33F-E038-421E-A65B-2593ADB34B0D}"/>
+                <a16:creationId xmlns:a16="http://schemas.microsoft.com/office/drawing/2014/main" xmlns="" id="{4804A33F-E038-421E-A65B-2593ADB34B0D}"/>
               </a:ext>
             </a:extLst>
           </p:cNvPr>
@@ -14948,7 +14954,7 @@
           <p:cNvPr id="14" name="TextBox 13">
             <a:extLst>
               <a:ext uri="{FF2B5EF4-FFF2-40B4-BE49-F238E27FC236}">
-                <a16:creationId xmlns:a16="http://schemas.microsoft.com/office/drawing/2014/main" id="{F8A2777D-AD7F-4112-B108-B28B73B8B7FE}"/>
+                <a16:creationId xmlns:a16="http://schemas.microsoft.com/office/drawing/2014/main" xmlns="" id="{F8A2777D-AD7F-4112-B108-B28B73B8B7FE}"/>
               </a:ext>
             </a:extLst>
           </p:cNvPr>
@@ -15005,7 +15011,7 @@
           <p:cNvPr id="15" name="Rectangle: Rounded Corners 14">
             <a:extLst>
               <a:ext uri="{FF2B5EF4-FFF2-40B4-BE49-F238E27FC236}">
-                <a16:creationId xmlns:a16="http://schemas.microsoft.com/office/drawing/2014/main" id="{134282A5-C6AB-4D5B-9118-DE4178EFF9F3}"/>
+                <a16:creationId xmlns:a16="http://schemas.microsoft.com/office/drawing/2014/main" xmlns="" id="{134282A5-C6AB-4D5B-9118-DE4178EFF9F3}"/>
               </a:ext>
             </a:extLst>
           </p:cNvPr>
@@ -15055,7 +15061,7 @@
           <p:cNvPr id="16" name="Rectangle: Rounded Corners 15">
             <a:extLst>
               <a:ext uri="{FF2B5EF4-FFF2-40B4-BE49-F238E27FC236}">
-                <a16:creationId xmlns:a16="http://schemas.microsoft.com/office/drawing/2014/main" id="{E4EDFAF1-E56E-4E41-AA39-4E7A2ACF1EC3}"/>
+                <a16:creationId xmlns:a16="http://schemas.microsoft.com/office/drawing/2014/main" xmlns="" id="{E4EDFAF1-E56E-4E41-AA39-4E7A2ACF1EC3}"/>
               </a:ext>
             </a:extLst>
           </p:cNvPr>
@@ -15105,7 +15111,7 @@
           <p:cNvPr id="17" name="Rectangle: Rounded Corners 16">
             <a:extLst>
               <a:ext uri="{FF2B5EF4-FFF2-40B4-BE49-F238E27FC236}">
-                <a16:creationId xmlns:a16="http://schemas.microsoft.com/office/drawing/2014/main" id="{E5DE43AF-587C-4845-AFCF-5F2AD0271DE2}"/>
+                <a16:creationId xmlns:a16="http://schemas.microsoft.com/office/drawing/2014/main" xmlns="" id="{E5DE43AF-587C-4845-AFCF-5F2AD0271DE2}"/>
               </a:ext>
             </a:extLst>
           </p:cNvPr>
@@ -15155,7 +15161,7 @@
           <p:cNvPr id="18" name="Connector: Elbow 17">
             <a:extLst>
               <a:ext uri="{FF2B5EF4-FFF2-40B4-BE49-F238E27FC236}">
-                <a16:creationId xmlns:a16="http://schemas.microsoft.com/office/drawing/2014/main" id="{2ECC36EE-EE80-414B-A505-FAE8D413377C}"/>
+                <a16:creationId xmlns:a16="http://schemas.microsoft.com/office/drawing/2014/main" xmlns="" id="{2ECC36EE-EE80-414B-A505-FAE8D413377C}"/>
               </a:ext>
             </a:extLst>
           </p:cNvPr>
@@ -15200,7 +15206,7 @@
           <p:cNvPr id="23" name="Connector: Elbow 22">
             <a:extLst>
               <a:ext uri="{FF2B5EF4-FFF2-40B4-BE49-F238E27FC236}">
-                <a16:creationId xmlns:a16="http://schemas.microsoft.com/office/drawing/2014/main" id="{DF561E1A-5585-4A3B-A79A-E3876B464CF9}"/>
+                <a16:creationId xmlns:a16="http://schemas.microsoft.com/office/drawing/2014/main" xmlns="" id="{DF561E1A-5585-4A3B-A79A-E3876B464CF9}"/>
               </a:ext>
             </a:extLst>
           </p:cNvPr>
@@ -15245,7 +15251,7 @@
           <p:cNvPr id="27" name="Connector: Elbow 26">
             <a:extLst>
               <a:ext uri="{FF2B5EF4-FFF2-40B4-BE49-F238E27FC236}">
-                <a16:creationId xmlns:a16="http://schemas.microsoft.com/office/drawing/2014/main" id="{9B3D8E5F-7384-40E2-9C93-E158D41A4031}"/>
+                <a16:creationId xmlns:a16="http://schemas.microsoft.com/office/drawing/2014/main" xmlns="" id="{9B3D8E5F-7384-40E2-9C93-E158D41A4031}"/>
               </a:ext>
             </a:extLst>
           </p:cNvPr>
@@ -15292,6 +15298,280 @@
     <p:extLst>
       <p:ext uri="{BB962C8B-B14F-4D97-AF65-F5344CB8AC3E}">
         <p14:creationId xmlns:p14="http://schemas.microsoft.com/office/powerpoint/2010/main" val="1495300547"/>
+      </p:ext>
+    </p:extLst>
+  </p:cSld>
+  <p:clrMapOvr>
+    <a:masterClrMapping/>
+  </p:clrMapOvr>
+</p:sld>
+</file>
+
+<file path=ppt/slides/slide16.xml><?xml version="1.0" encoding="utf-8"?>
+<p:sld xmlns:a="http://schemas.openxmlformats.org/drawingml/2006/main" xmlns:r="http://schemas.openxmlformats.org/officeDocument/2006/relationships" xmlns:p="http://schemas.openxmlformats.org/presentationml/2006/main">
+  <p:cSld>
+    <p:spTree>
+      <p:nvGrpSpPr>
+        <p:cNvPr id="1" name=""/>
+        <p:cNvGrpSpPr/>
+        <p:nvPr/>
+      </p:nvGrpSpPr>
+      <p:grpSpPr>
+        <a:xfrm>
+          <a:off x="0" y="0"/>
+          <a:ext cx="0" cy="0"/>
+          <a:chOff x="0" y="0"/>
+          <a:chExt cx="0" cy="0"/>
+        </a:xfrm>
+      </p:grpSpPr>
+      <p:grpSp>
+        <p:nvGrpSpPr>
+          <p:cNvPr id="2" name="Group 1">
+            <a:extLst>
+              <a:ext uri="{FF2B5EF4-FFF2-40B4-BE49-F238E27FC236}">
+                <a16:creationId xmlns:a16="http://schemas.microsoft.com/office/drawing/2014/main" xmlns="" id="{8200B9DB-3DBF-4EDA-84A3-2ACB320CEA64}"/>
+              </a:ext>
+            </a:extLst>
+          </p:cNvPr>
+          <p:cNvGrpSpPr/>
+          <p:nvPr/>
+        </p:nvGrpSpPr>
+        <p:grpSpPr>
+          <a:xfrm>
+            <a:off x="1413164" y="581031"/>
+            <a:ext cx="9670471" cy="5542677"/>
+            <a:chOff x="5475540" y="438869"/>
+            <a:chExt cx="5752618" cy="5263200"/>
+          </a:xfrm>
+        </p:grpSpPr>
+        <p:sp>
+          <p:nvSpPr>
+            <p:cNvPr id="3" name="Rectangle: Single Corner Snipped 1">
+              <a:extLst>
+                <a:ext uri="{FF2B5EF4-FFF2-40B4-BE49-F238E27FC236}">
+                  <a16:creationId xmlns:a16="http://schemas.microsoft.com/office/drawing/2014/main" xmlns="" id="{9998021B-5362-4394-835D-AF384CBE9DF0}"/>
+                </a:ext>
+              </a:extLst>
+            </p:cNvPr>
+            <p:cNvSpPr/>
+            <p:nvPr/>
+          </p:nvSpPr>
+          <p:spPr>
+            <a:xfrm>
+              <a:off x="6299886" y="438869"/>
+              <a:ext cx="3244354" cy="748575"/>
+            </a:xfrm>
+            <a:prstGeom prst="snip1Rect">
+              <a:avLst/>
+            </a:prstGeom>
+          </p:spPr>
+          <p:style>
+            <a:lnRef idx="2">
+              <a:schemeClr val="accent1">
+                <a:shade val="50000"/>
+              </a:schemeClr>
+            </a:lnRef>
+            <a:fillRef idx="1">
+              <a:schemeClr val="accent1"/>
+            </a:fillRef>
+            <a:effectRef idx="0">
+              <a:schemeClr val="accent1"/>
+            </a:effectRef>
+            <a:fontRef idx="minor">
+              <a:schemeClr val="lt1"/>
+            </a:fontRef>
+          </p:style>
+          <p:txBody>
+            <a:bodyPr rtlCol="0" anchor="ctr"/>
+            <a:lstStyle/>
+            <a:p>
+              <a:pPr algn="ctr"/>
+              <a:r>
+                <a:rPr lang="en-US" dirty="0" err="1"/>
+                <a:t>OncePerRequestFilter</a:t>
+              </a:r>
+              <a:endParaRPr lang="en-IN" dirty="0">
+                <a:solidFill>
+                  <a:schemeClr val="bg1"/>
+                </a:solidFill>
+              </a:endParaRPr>
+            </a:p>
+          </p:txBody>
+        </p:sp>
+        <p:sp>
+          <p:nvSpPr>
+            <p:cNvPr id="4" name="Rectangle: Single Corner Snipped 2">
+              <a:extLst>
+                <a:ext uri="{FF2B5EF4-FFF2-40B4-BE49-F238E27FC236}">
+                  <a16:creationId xmlns:a16="http://schemas.microsoft.com/office/drawing/2014/main" xmlns="" id="{4B54FDB5-760B-4F7C-AD7C-9EA6A242C534}"/>
+                </a:ext>
+              </a:extLst>
+            </p:cNvPr>
+            <p:cNvSpPr/>
+            <p:nvPr/>
+          </p:nvSpPr>
+          <p:spPr>
+            <a:xfrm>
+              <a:off x="5475540" y="1977582"/>
+              <a:ext cx="5752618" cy="3724487"/>
+            </a:xfrm>
+            <a:prstGeom prst="snip1Rect">
+              <a:avLst/>
+            </a:prstGeom>
+          </p:spPr>
+          <p:style>
+            <a:lnRef idx="2">
+              <a:schemeClr val="accent1">
+                <a:shade val="50000"/>
+              </a:schemeClr>
+            </a:lnRef>
+            <a:fillRef idx="1">
+              <a:schemeClr val="accent1"/>
+            </a:fillRef>
+            <a:effectRef idx="0">
+              <a:schemeClr val="accent1"/>
+            </a:effectRef>
+            <a:fontRef idx="minor">
+              <a:schemeClr val="lt1"/>
+            </a:fontRef>
+          </p:style>
+          <p:txBody>
+            <a:bodyPr rtlCol="0" anchor="t" anchorCtr="0"/>
+            <a:lstStyle/>
+            <a:p>
+              <a:pPr algn="ctr"/>
+              <a:r>
+                <a:rPr lang="en-US" dirty="0" smtClean="0"/>
+                <a:t>                                                                             </a:t>
+              </a:r>
+              <a:r>
+                <a:rPr lang="en-US" dirty="0" err="1" smtClean="0"/>
+                <a:t>JwtTokenVerifier</a:t>
+              </a:r>
+              <a:endParaRPr lang="en-IN" sz="1800" dirty="0